--- a/ROBOTINHO2.pptx
+++ b/ROBOTINHO2.pptx
@@ -121,7 +121,7 @@
   </p:defaultTextStyle>
   <p:extLst>
     <p:ext uri="{EFAFB233-063F-42B5-8137-9DF3F51BA10A}">
-      <p15:sldGuideLst xmlns:p15="http://schemas.microsoft.com/office/powerpoint/2012/main">
+      <p15:sldGuideLst xmlns:p15="http://schemas.microsoft.com/office/powerpoint/2012/main" xmlns="">
         <p15:guide id="1" orient="horz" pos="2160">
           <p15:clr>
             <a:srgbClr val="A4A3A4"/>
@@ -6631,6 +6631,13 @@
         </dgm:presLayoutVars>
       </dgm:prSet>
       <dgm:spPr/>
+      <dgm:t>
+        <a:bodyPr/>
+        <a:lstStyle/>
+        <a:p>
+          <a:endParaRPr lang="en-US"/>
+        </a:p>
+      </dgm:t>
     </dgm:pt>
     <dgm:pt modelId="{9DF2C696-5E7A-4E6F-94D4-5FD3223D7CEE}" type="pres">
       <dgm:prSet presAssocID="{9E48839D-8EAC-4777-95C0-84FCA742DF84}" presName="node" presStyleLbl="node1" presStyleIdx="0" presStyleCnt="2">
@@ -6639,6 +6646,13 @@
         </dgm:presLayoutVars>
       </dgm:prSet>
       <dgm:spPr/>
+      <dgm:t>
+        <a:bodyPr/>
+        <a:lstStyle/>
+        <a:p>
+          <a:endParaRPr lang="en-US"/>
+        </a:p>
+      </dgm:t>
     </dgm:pt>
     <dgm:pt modelId="{3E44EEB7-6415-484B-B55A-ABFB4ACDD5D8}" type="pres">
       <dgm:prSet presAssocID="{93BF2532-BE3C-475F-ADF3-9DF6B4D341D0}" presName="sibTrans" presStyleCnt="0"/>
@@ -6651,14 +6665,21 @@
         </dgm:presLayoutVars>
       </dgm:prSet>
       <dgm:spPr/>
+      <dgm:t>
+        <a:bodyPr/>
+        <a:lstStyle/>
+        <a:p>
+          <a:endParaRPr lang="en-US"/>
+        </a:p>
+      </dgm:t>
     </dgm:pt>
   </dgm:ptLst>
   <dgm:cxnLst>
-    <dgm:cxn modelId="{64687B19-DFD4-4C2C-9BC2-644572105107}" srcId="{EE2BE08F-D2EA-4EC7-BFDE-F802D01F7559}" destId="{9E48839D-8EAC-4777-95C0-84FCA742DF84}" srcOrd="0" destOrd="0" parTransId="{1488DD77-A10D-40B2-91B2-E0F27E22C694}" sibTransId="{93BF2532-BE3C-475F-ADF3-9DF6B4D341D0}"/>
+    <dgm:cxn modelId="{21C15479-CD25-443D-BCD3-0313AE03EE4B}" type="presOf" srcId="{CBF42DAB-EA68-4574-998A-357D4B165756}" destId="{AF8A49B0-0CB8-4E17-9C1B-1297A7AA7ED9}" srcOrd="0" destOrd="0" presId="urn:microsoft.com/office/officeart/2005/8/layout/default"/>
     <dgm:cxn modelId="{33115B5C-5B20-4F2D-91FB-DA015A00A1D4}" srcId="{EE2BE08F-D2EA-4EC7-BFDE-F802D01F7559}" destId="{CBF42DAB-EA68-4574-998A-357D4B165756}" srcOrd="1" destOrd="0" parTransId="{F502F617-3844-4AD5-BD5F-B5626E6A9716}" sibTransId="{3D9C2C7E-83F5-4A0C-BA36-0D9EA853CC5C}"/>
-    <dgm:cxn modelId="{21C15479-CD25-443D-BCD3-0313AE03EE4B}" type="presOf" srcId="{CBF42DAB-EA68-4574-998A-357D4B165756}" destId="{AF8A49B0-0CB8-4E17-9C1B-1297A7AA7ED9}" srcOrd="0" destOrd="0" presId="urn:microsoft.com/office/officeart/2005/8/layout/default"/>
     <dgm:cxn modelId="{BFFA4FD0-9FA1-423B-83E8-C00C72585CAD}" type="presOf" srcId="{EE2BE08F-D2EA-4EC7-BFDE-F802D01F7559}" destId="{B2A94455-4541-4570-A2BE-FCBCAE20A9BD}" srcOrd="0" destOrd="0" presId="urn:microsoft.com/office/officeart/2005/8/layout/default"/>
     <dgm:cxn modelId="{214AE7D0-D796-4229-A36B-F2BD78BDB4C1}" type="presOf" srcId="{9E48839D-8EAC-4777-95C0-84FCA742DF84}" destId="{9DF2C696-5E7A-4E6F-94D4-5FD3223D7CEE}" srcOrd="0" destOrd="0" presId="urn:microsoft.com/office/officeart/2005/8/layout/default"/>
+    <dgm:cxn modelId="{64687B19-DFD4-4C2C-9BC2-644572105107}" srcId="{EE2BE08F-D2EA-4EC7-BFDE-F802D01F7559}" destId="{9E48839D-8EAC-4777-95C0-84FCA742DF84}" srcOrd="0" destOrd="0" parTransId="{1488DD77-A10D-40B2-91B2-E0F27E22C694}" sibTransId="{93BF2532-BE3C-475F-ADF3-9DF6B4D341D0}"/>
     <dgm:cxn modelId="{B586A1BD-1AB0-4C67-91FA-0490DA2A1B39}" type="presParOf" srcId="{B2A94455-4541-4570-A2BE-FCBCAE20A9BD}" destId="{9DF2C696-5E7A-4E6F-94D4-5FD3223D7CEE}" srcOrd="0" destOrd="0" presId="urn:microsoft.com/office/officeart/2005/8/layout/default"/>
     <dgm:cxn modelId="{16C3127C-3B0B-4B9A-9D46-4F46310DF2BA}" type="presParOf" srcId="{B2A94455-4541-4570-A2BE-FCBCAE20A9BD}" destId="{3E44EEB7-6415-484B-B55A-ABFB4ACDD5D8}" srcOrd="1" destOrd="0" presId="urn:microsoft.com/office/officeart/2005/8/layout/default"/>
     <dgm:cxn modelId="{CD25623A-6536-43B3-B71A-DB327E41605A}" type="presParOf" srcId="{B2A94455-4541-4570-A2BE-FCBCAE20A9BD}" destId="{AF8A49B0-0CB8-4E17-9C1B-1297A7AA7ED9}" srcOrd="2" destOrd="0" presId="urn:microsoft.com/office/officeart/2005/8/layout/default"/>
@@ -6885,6 +6906,13 @@
         </dgm:presLayoutVars>
       </dgm:prSet>
       <dgm:spPr/>
+      <dgm:t>
+        <a:bodyPr/>
+        <a:lstStyle/>
+        <a:p>
+          <a:endParaRPr lang="en-US"/>
+        </a:p>
+      </dgm:t>
     </dgm:pt>
     <dgm:pt modelId="{90122DFE-6840-4F25-9858-3541C72FA229}" type="pres">
       <dgm:prSet presAssocID="{4C61DB19-7F2B-4BB7-A483-7EE2561E3A5E}" presName="composite" presStyleCnt="0"/>
@@ -6899,6 +6927,13 @@
         </dgm:presLayoutVars>
       </dgm:prSet>
       <dgm:spPr/>
+      <dgm:t>
+        <a:bodyPr/>
+        <a:lstStyle/>
+        <a:p>
+          <a:endParaRPr lang="en-US"/>
+        </a:p>
+      </dgm:t>
     </dgm:pt>
     <dgm:pt modelId="{39E88E37-7A59-475C-B0C9-ED2E6E7CD4B3}" type="pres">
       <dgm:prSet presAssocID="{4C61DB19-7F2B-4BB7-A483-7EE2561E3A5E}" presName="desTx" presStyleLbl="alignAccFollowNode1" presStyleIdx="0" presStyleCnt="2">
@@ -6907,6 +6942,13 @@
         </dgm:presLayoutVars>
       </dgm:prSet>
       <dgm:spPr/>
+      <dgm:t>
+        <a:bodyPr/>
+        <a:lstStyle/>
+        <a:p>
+          <a:endParaRPr lang="en-US"/>
+        </a:p>
+      </dgm:t>
     </dgm:pt>
     <dgm:pt modelId="{DCC94ECB-806E-46FC-AB9C-50A34243C980}" type="pres">
       <dgm:prSet presAssocID="{7D3656D0-3782-4A6D-B735-2A5DE7ED6064}" presName="space" presStyleCnt="0"/>
@@ -6925,6 +6967,13 @@
         </dgm:presLayoutVars>
       </dgm:prSet>
       <dgm:spPr/>
+      <dgm:t>
+        <a:bodyPr/>
+        <a:lstStyle/>
+        <a:p>
+          <a:endParaRPr lang="en-US"/>
+        </a:p>
+      </dgm:t>
     </dgm:pt>
     <dgm:pt modelId="{D0FACDE1-EEB7-4178-8955-125C610FF1F0}" type="pres">
       <dgm:prSet presAssocID="{172A49AB-4F6F-4E68-B52C-AE49834A388A}" presName="desTx" presStyleLbl="alignAccFollowNode1" presStyleIdx="1" presStyleCnt="2">
@@ -6933,20 +6982,27 @@
         </dgm:presLayoutVars>
       </dgm:prSet>
       <dgm:spPr/>
+      <dgm:t>
+        <a:bodyPr/>
+        <a:lstStyle/>
+        <a:p>
+          <a:endParaRPr lang="en-US"/>
+        </a:p>
+      </dgm:t>
     </dgm:pt>
   </dgm:ptLst>
   <dgm:cxnLst>
+    <dgm:cxn modelId="{776111D4-B0FD-40B2-9F89-8BBBD72553B0}" srcId="{4C61DB19-7F2B-4BB7-A483-7EE2561E3A5E}" destId="{4DA713F6-2A60-4389-942B-6F118F4FB8DA}" srcOrd="0" destOrd="0" parTransId="{F6860D8F-5E8F-46C0-97E1-4F3A0B719414}" sibTransId="{4A04AF99-D125-434D-921C-827CFE659E24}"/>
     <dgm:cxn modelId="{3CFC2004-005D-4E18-AE98-E5FF1E331DF7}" srcId="{F2163B95-C416-4CB5-A678-986A2AE4F680}" destId="{172A49AB-4F6F-4E68-B52C-AE49834A388A}" srcOrd="1" destOrd="0" parTransId="{02D8E9EF-A461-42FF-9EE9-1B00533A96E8}" sibTransId="{9AFE768B-DBAE-442B-8DB3-13EFBDC9A011}"/>
+    <dgm:cxn modelId="{8A4F1773-7BFE-45C9-BB5C-FF3E66328328}" srcId="{F2163B95-C416-4CB5-A678-986A2AE4F680}" destId="{4C61DB19-7F2B-4BB7-A483-7EE2561E3A5E}" srcOrd="0" destOrd="0" parTransId="{98946D01-CEB9-4B84-8F01-F43953659055}" sibTransId="{7D3656D0-3782-4A6D-B735-2A5DE7ED6064}"/>
     <dgm:cxn modelId="{190F372F-BAEB-4C22-93FE-E151022194E2}" type="presOf" srcId="{4C61DB19-7F2B-4BB7-A483-7EE2561E3A5E}" destId="{6A6F582B-F462-4190-9A0A-170669C476E1}" srcOrd="0" destOrd="0" presId="urn:microsoft.com/office/officeart/2005/8/layout/hList1"/>
     <dgm:cxn modelId="{3D11CA63-2535-4EF3-8173-D2321453D04A}" type="presOf" srcId="{172A49AB-4F6F-4E68-B52C-AE49834A388A}" destId="{54B660C0-3765-4F0D-9266-16112A4CD854}" srcOrd="0" destOrd="0" presId="urn:microsoft.com/office/officeart/2005/8/layout/hList1"/>
+    <dgm:cxn modelId="{F12466E7-E9C4-4869-BE3C-FD4A0EC25BF5}" type="presOf" srcId="{1F5B33C2-507C-4D42-81EA-9D5326E96B3B}" destId="{D0FACDE1-EEB7-4178-8955-125C610FF1F0}" srcOrd="0" destOrd="0" presId="urn:microsoft.com/office/officeart/2005/8/layout/hList1"/>
+    <dgm:cxn modelId="{92B7E2CF-F98B-4832-A0AA-F47F1133DF62}" type="presOf" srcId="{F2163B95-C416-4CB5-A678-986A2AE4F680}" destId="{905844D1-E346-4A3A-B561-457E79319DC0}" srcOrd="0" destOrd="0" presId="urn:microsoft.com/office/officeart/2005/8/layout/hList1"/>
+    <dgm:cxn modelId="{427591D7-DCBF-4E95-95B4-B2063A7253C1}" srcId="{4C61DB19-7F2B-4BB7-A483-7EE2561E3A5E}" destId="{0C6D18F3-8E81-4F8F-8BE9-1FCE249D6040}" srcOrd="1" destOrd="0" parTransId="{C303F662-3510-4816-9FB8-B9E48AE0BACE}" sibTransId="{F7E29758-A36A-4CC9-932A-0B4F41F967B2}"/>
     <dgm:cxn modelId="{CEA6E269-43BE-43AE-8311-B43194FB1C7A}" srcId="{172A49AB-4F6F-4E68-B52C-AE49834A388A}" destId="{1F5B33C2-507C-4D42-81EA-9D5326E96B3B}" srcOrd="0" destOrd="0" parTransId="{FCF09481-E0C7-4803-BE13-F2A06AB44E5C}" sibTransId="{5908BA6A-F881-4EFF-9B1A-3BAE66F3DEC9}"/>
-    <dgm:cxn modelId="{8A4F1773-7BFE-45C9-BB5C-FF3E66328328}" srcId="{F2163B95-C416-4CB5-A678-986A2AE4F680}" destId="{4C61DB19-7F2B-4BB7-A483-7EE2561E3A5E}" srcOrd="0" destOrd="0" parTransId="{98946D01-CEB9-4B84-8F01-F43953659055}" sibTransId="{7D3656D0-3782-4A6D-B735-2A5DE7ED6064}"/>
+    <dgm:cxn modelId="{49D147FA-2D00-4539-867C-9D51E381528D}" type="presOf" srcId="{4DA713F6-2A60-4389-942B-6F118F4FB8DA}" destId="{39E88E37-7A59-475C-B0C9-ED2E6E7CD4B3}" srcOrd="0" destOrd="0" presId="urn:microsoft.com/office/officeart/2005/8/layout/hList1"/>
     <dgm:cxn modelId="{B51F35BE-A60B-4C2B-94A2-19C636CE536F}" type="presOf" srcId="{0C6D18F3-8E81-4F8F-8BE9-1FCE249D6040}" destId="{39E88E37-7A59-475C-B0C9-ED2E6E7CD4B3}" srcOrd="0" destOrd="1" presId="urn:microsoft.com/office/officeart/2005/8/layout/hList1"/>
-    <dgm:cxn modelId="{92B7E2CF-F98B-4832-A0AA-F47F1133DF62}" type="presOf" srcId="{F2163B95-C416-4CB5-A678-986A2AE4F680}" destId="{905844D1-E346-4A3A-B561-457E79319DC0}" srcOrd="0" destOrd="0" presId="urn:microsoft.com/office/officeart/2005/8/layout/hList1"/>
-    <dgm:cxn modelId="{776111D4-B0FD-40B2-9F89-8BBBD72553B0}" srcId="{4C61DB19-7F2B-4BB7-A483-7EE2561E3A5E}" destId="{4DA713F6-2A60-4389-942B-6F118F4FB8DA}" srcOrd="0" destOrd="0" parTransId="{F6860D8F-5E8F-46C0-97E1-4F3A0B719414}" sibTransId="{4A04AF99-D125-434D-921C-827CFE659E24}"/>
-    <dgm:cxn modelId="{427591D7-DCBF-4E95-95B4-B2063A7253C1}" srcId="{4C61DB19-7F2B-4BB7-A483-7EE2561E3A5E}" destId="{0C6D18F3-8E81-4F8F-8BE9-1FCE249D6040}" srcOrd="1" destOrd="0" parTransId="{C303F662-3510-4816-9FB8-B9E48AE0BACE}" sibTransId="{F7E29758-A36A-4CC9-932A-0B4F41F967B2}"/>
-    <dgm:cxn modelId="{F12466E7-E9C4-4869-BE3C-FD4A0EC25BF5}" type="presOf" srcId="{1F5B33C2-507C-4D42-81EA-9D5326E96B3B}" destId="{D0FACDE1-EEB7-4178-8955-125C610FF1F0}" srcOrd="0" destOrd="0" presId="urn:microsoft.com/office/officeart/2005/8/layout/hList1"/>
-    <dgm:cxn modelId="{49D147FA-2D00-4539-867C-9D51E381528D}" type="presOf" srcId="{4DA713F6-2A60-4389-942B-6F118F4FB8DA}" destId="{39E88E37-7A59-475C-B0C9-ED2E6E7CD4B3}" srcOrd="0" destOrd="0" presId="urn:microsoft.com/office/officeart/2005/8/layout/hList1"/>
     <dgm:cxn modelId="{36652491-A24B-4DEB-84F1-40AE9E2383E4}" type="presParOf" srcId="{905844D1-E346-4A3A-B561-457E79319DC0}" destId="{90122DFE-6840-4F25-9858-3541C72FA229}" srcOrd="0" destOrd="0" presId="urn:microsoft.com/office/officeart/2005/8/layout/hList1"/>
     <dgm:cxn modelId="{861D3B71-1D32-484F-87C2-6DC9C9B5906D}" type="presParOf" srcId="{90122DFE-6840-4F25-9858-3541C72FA229}" destId="{6A6F582B-F462-4190-9A0A-170669C476E1}" srcOrd="0" destOrd="0" presId="urn:microsoft.com/office/officeart/2005/8/layout/hList1"/>
     <dgm:cxn modelId="{7BFF212E-8431-49BB-9E56-D1DEE05D69F4}" type="presParOf" srcId="{90122DFE-6840-4F25-9858-3541C72FA229}" destId="{39E88E37-7A59-475C-B0C9-ED2E6E7CD4B3}" srcOrd="1" destOrd="0" presId="urn:microsoft.com/office/officeart/2005/8/layout/hList1"/>
@@ -7137,6 +7193,13 @@
         </dgm:presLayoutVars>
       </dgm:prSet>
       <dgm:spPr/>
+      <dgm:t>
+        <a:bodyPr/>
+        <a:lstStyle/>
+        <a:p>
+          <a:endParaRPr lang="en-US"/>
+        </a:p>
+      </dgm:t>
     </dgm:pt>
     <dgm:pt modelId="{DED33222-C5D4-4E35-993E-B31A1CC17E41}" type="pres">
       <dgm:prSet presAssocID="{45813C60-FB87-4E4E-84CB-2D283EB1348A}" presName="parentText" presStyleLbl="node1" presStyleIdx="0" presStyleCnt="3">
@@ -7146,6 +7209,13 @@
         </dgm:presLayoutVars>
       </dgm:prSet>
       <dgm:spPr/>
+      <dgm:t>
+        <a:bodyPr/>
+        <a:lstStyle/>
+        <a:p>
+          <a:endParaRPr lang="en-US"/>
+        </a:p>
+      </dgm:t>
     </dgm:pt>
     <dgm:pt modelId="{E30B04B1-45C7-47D9-90D0-918FC02209FE}" type="pres">
       <dgm:prSet presAssocID="{45813C60-FB87-4E4E-84CB-2D283EB1348A}" presName="childText" presStyleLbl="revTx" presStyleIdx="0" presStyleCnt="1">
@@ -7154,6 +7224,13 @@
         </dgm:presLayoutVars>
       </dgm:prSet>
       <dgm:spPr/>
+      <dgm:t>
+        <a:bodyPr/>
+        <a:lstStyle/>
+        <a:p>
+          <a:endParaRPr lang="en-US"/>
+        </a:p>
+      </dgm:t>
     </dgm:pt>
     <dgm:pt modelId="{F69BEC3F-8F16-4104-A5A3-A49D25656FB3}" type="pres">
       <dgm:prSet presAssocID="{F2E98D93-1A6A-46F3-B5B6-FC34FAB8B0E1}" presName="parentText" presStyleLbl="node1" presStyleIdx="1" presStyleCnt="3">
@@ -7163,6 +7240,13 @@
         </dgm:presLayoutVars>
       </dgm:prSet>
       <dgm:spPr/>
+      <dgm:t>
+        <a:bodyPr/>
+        <a:lstStyle/>
+        <a:p>
+          <a:endParaRPr lang="en-US"/>
+        </a:p>
+      </dgm:t>
     </dgm:pt>
     <dgm:pt modelId="{470661B3-4D43-47B3-9818-079C79B31ADE}" type="pres">
       <dgm:prSet presAssocID="{75167B2D-CD41-4F0D-BFD5-6A2CA1C0F114}" presName="spacer" presStyleCnt="0"/>
@@ -7176,18 +7260,25 @@
         </dgm:presLayoutVars>
       </dgm:prSet>
       <dgm:spPr/>
+      <dgm:t>
+        <a:bodyPr/>
+        <a:lstStyle/>
+        <a:p>
+          <a:endParaRPr lang="en-US"/>
+        </a:p>
+      </dgm:t>
     </dgm:pt>
   </dgm:ptLst>
   <dgm:cxnLst>
+    <dgm:cxn modelId="{E9A9DAF0-4FCB-4BBF-BA0D-B53831ACAEBA}" type="presOf" srcId="{F2E98D93-1A6A-46F3-B5B6-FC34FAB8B0E1}" destId="{F69BEC3F-8F16-4104-A5A3-A49D25656FB3}" srcOrd="0" destOrd="0" presId="urn:microsoft.com/office/officeart/2005/8/layout/vList2"/>
+    <dgm:cxn modelId="{B35FD21E-49F7-43BD-A66A-0E948540A10F}" srcId="{45813C60-FB87-4E4E-84CB-2D283EB1348A}" destId="{C290EF0F-F348-4F79-AF0B-5F03731D8D39}" srcOrd="0" destOrd="0" parTransId="{DB48B482-793E-4B43-A22C-7356A4CC08E4}" sibTransId="{E1AC2D09-2A24-4087-AB39-9D843736A16A}"/>
+    <dgm:cxn modelId="{8D5E5482-8E4D-4737-AAFE-BD41F5BF6461}" srcId="{585E25B9-0D17-4414-8AD5-35FB476F3476}" destId="{F2E98D93-1A6A-46F3-B5B6-FC34FAB8B0E1}" srcOrd="1" destOrd="0" parTransId="{42FA4DF8-F908-4DA7-9A21-BF1E8870D3DB}" sibTransId="{75167B2D-CD41-4F0D-BFD5-6A2CA1C0F114}"/>
+    <dgm:cxn modelId="{6D19BB35-B48E-4E4A-9DC1-04132076F5FA}" srcId="{585E25B9-0D17-4414-8AD5-35FB476F3476}" destId="{2C90FD26-A73D-4B85-8294-2F702AA88AC2}" srcOrd="2" destOrd="0" parTransId="{5743D333-6E3A-4953-AD61-AEC8D4AD7616}" sibTransId="{7702BE38-E34F-4A8D-AB80-577E8D3D7D48}"/>
+    <dgm:cxn modelId="{80D8F629-B08A-4EAF-84A6-C5916903862F}" type="presOf" srcId="{585E25B9-0D17-4414-8AD5-35FB476F3476}" destId="{1F94EFD1-0BAF-4F5D-864D-D82A6C59DBC2}" srcOrd="0" destOrd="0" presId="urn:microsoft.com/office/officeart/2005/8/layout/vList2"/>
+    <dgm:cxn modelId="{A09E2565-1A97-42BB-B758-5D908E613FD2}" srcId="{585E25B9-0D17-4414-8AD5-35FB476F3476}" destId="{45813C60-FB87-4E4E-84CB-2D283EB1348A}" srcOrd="0" destOrd="0" parTransId="{E7CF2669-DCB1-49FD-80AB-ADBE9711CDA0}" sibTransId="{9FFB7952-3853-4FB3-B2FE-40B80D1118EF}"/>
     <dgm:cxn modelId="{F9E5A314-DAD1-4904-BBE7-A34F539B53D4}" type="presOf" srcId="{C290EF0F-F348-4F79-AF0B-5F03731D8D39}" destId="{E30B04B1-45C7-47D9-90D0-918FC02209FE}" srcOrd="0" destOrd="0" presId="urn:microsoft.com/office/officeart/2005/8/layout/vList2"/>
-    <dgm:cxn modelId="{B35FD21E-49F7-43BD-A66A-0E948540A10F}" srcId="{45813C60-FB87-4E4E-84CB-2D283EB1348A}" destId="{C290EF0F-F348-4F79-AF0B-5F03731D8D39}" srcOrd="0" destOrd="0" parTransId="{DB48B482-793E-4B43-A22C-7356A4CC08E4}" sibTransId="{E1AC2D09-2A24-4087-AB39-9D843736A16A}"/>
-    <dgm:cxn modelId="{80D8F629-B08A-4EAF-84A6-C5916903862F}" type="presOf" srcId="{585E25B9-0D17-4414-8AD5-35FB476F3476}" destId="{1F94EFD1-0BAF-4F5D-864D-D82A6C59DBC2}" srcOrd="0" destOrd="0" presId="urn:microsoft.com/office/officeart/2005/8/layout/vList2"/>
-    <dgm:cxn modelId="{6D19BB35-B48E-4E4A-9DC1-04132076F5FA}" srcId="{585E25B9-0D17-4414-8AD5-35FB476F3476}" destId="{2C90FD26-A73D-4B85-8294-2F702AA88AC2}" srcOrd="2" destOrd="0" parTransId="{5743D333-6E3A-4953-AD61-AEC8D4AD7616}" sibTransId="{7702BE38-E34F-4A8D-AB80-577E8D3D7D48}"/>
-    <dgm:cxn modelId="{A09E2565-1A97-42BB-B758-5D908E613FD2}" srcId="{585E25B9-0D17-4414-8AD5-35FB476F3476}" destId="{45813C60-FB87-4E4E-84CB-2D283EB1348A}" srcOrd="0" destOrd="0" parTransId="{E7CF2669-DCB1-49FD-80AB-ADBE9711CDA0}" sibTransId="{9FFB7952-3853-4FB3-B2FE-40B80D1118EF}"/>
+    <dgm:cxn modelId="{F6564AA8-176B-421A-B219-A8A1F4D75353}" type="presOf" srcId="{45813C60-FB87-4E4E-84CB-2D283EB1348A}" destId="{DED33222-C5D4-4E35-993E-B31A1CC17E41}" srcOrd="0" destOrd="0" presId="urn:microsoft.com/office/officeart/2005/8/layout/vList2"/>
     <dgm:cxn modelId="{E0450073-4D62-48E2-AEC3-EAE4573A25FD}" type="presOf" srcId="{2C90FD26-A73D-4B85-8294-2F702AA88AC2}" destId="{AA9D6CE5-E8A0-4B90-AD95-C893AA37B62A}" srcOrd="0" destOrd="0" presId="urn:microsoft.com/office/officeart/2005/8/layout/vList2"/>
-    <dgm:cxn modelId="{8D5E5482-8E4D-4737-AAFE-BD41F5BF6461}" srcId="{585E25B9-0D17-4414-8AD5-35FB476F3476}" destId="{F2E98D93-1A6A-46F3-B5B6-FC34FAB8B0E1}" srcOrd="1" destOrd="0" parTransId="{42FA4DF8-F908-4DA7-9A21-BF1E8870D3DB}" sibTransId="{75167B2D-CD41-4F0D-BFD5-6A2CA1C0F114}"/>
-    <dgm:cxn modelId="{F6564AA8-176B-421A-B219-A8A1F4D75353}" type="presOf" srcId="{45813C60-FB87-4E4E-84CB-2D283EB1348A}" destId="{DED33222-C5D4-4E35-993E-B31A1CC17E41}" srcOrd="0" destOrd="0" presId="urn:microsoft.com/office/officeart/2005/8/layout/vList2"/>
-    <dgm:cxn modelId="{E9A9DAF0-4FCB-4BBF-BA0D-B53831ACAEBA}" type="presOf" srcId="{F2E98D93-1A6A-46F3-B5B6-FC34FAB8B0E1}" destId="{F69BEC3F-8F16-4104-A5A3-A49D25656FB3}" srcOrd="0" destOrd="0" presId="urn:microsoft.com/office/officeart/2005/8/layout/vList2"/>
     <dgm:cxn modelId="{A3207D1C-A3FC-43A2-99E8-F7C9893175AF}" type="presParOf" srcId="{1F94EFD1-0BAF-4F5D-864D-D82A6C59DBC2}" destId="{DED33222-C5D4-4E35-993E-B31A1CC17E41}" srcOrd="0" destOrd="0" presId="urn:microsoft.com/office/officeart/2005/8/layout/vList2"/>
     <dgm:cxn modelId="{A9A33BEA-4448-499E-B524-C57DD05B5BB9}" type="presParOf" srcId="{1F94EFD1-0BAF-4F5D-864D-D82A6C59DBC2}" destId="{E30B04B1-45C7-47D9-90D0-918FC02209FE}" srcOrd="1" destOrd="0" presId="urn:microsoft.com/office/officeart/2005/8/layout/vList2"/>
     <dgm:cxn modelId="{4801B8AD-FB44-46BD-B1ED-577EEE7C89A3}" type="presParOf" srcId="{1F94EFD1-0BAF-4F5D-864D-D82A6C59DBC2}" destId="{F69BEC3F-8F16-4104-A5A3-A49D25656FB3}" srcOrd="2" destOrd="0" presId="urn:microsoft.com/office/officeart/2005/8/layout/vList2"/>
@@ -7337,6 +7428,13 @@
         </dgm:presLayoutVars>
       </dgm:prSet>
       <dgm:spPr/>
+      <dgm:t>
+        <a:bodyPr/>
+        <a:lstStyle/>
+        <a:p>
+          <a:endParaRPr lang="en-US"/>
+        </a:p>
+      </dgm:t>
     </dgm:pt>
     <dgm:pt modelId="{79B08CB2-EEE4-471B-BEB9-12F8CDCA360F}" type="pres">
       <dgm:prSet presAssocID="{7F8EEEB2-5B5A-41D0-A1E3-D54678AE6FF3}" presName="parentText" presStyleLbl="node1" presStyleIdx="0" presStyleCnt="3">
@@ -7346,6 +7444,13 @@
         </dgm:presLayoutVars>
       </dgm:prSet>
       <dgm:spPr/>
+      <dgm:t>
+        <a:bodyPr/>
+        <a:lstStyle/>
+        <a:p>
+          <a:endParaRPr lang="en-US"/>
+        </a:p>
+      </dgm:t>
     </dgm:pt>
     <dgm:pt modelId="{EF0958F6-D0F2-4387-A3FF-05A531DBEB9D}" type="pres">
       <dgm:prSet presAssocID="{EBAF5206-BF71-42AD-8AE9-90046D379285}" presName="spacer" presStyleCnt="0"/>
@@ -7359,6 +7464,13 @@
         </dgm:presLayoutVars>
       </dgm:prSet>
       <dgm:spPr/>
+      <dgm:t>
+        <a:bodyPr/>
+        <a:lstStyle/>
+        <a:p>
+          <a:endParaRPr lang="en-US"/>
+        </a:p>
+      </dgm:t>
     </dgm:pt>
     <dgm:pt modelId="{C0AE372F-E0D9-4E4E-923A-94EE8618CD15}" type="pres">
       <dgm:prSet presAssocID="{DAAEF7D0-98B2-4703-B384-ECF1815BE82D}" presName="spacer" presStyleCnt="0"/>
@@ -7372,15 +7484,22 @@
         </dgm:presLayoutVars>
       </dgm:prSet>
       <dgm:spPr/>
+      <dgm:t>
+        <a:bodyPr/>
+        <a:lstStyle/>
+        <a:p>
+          <a:endParaRPr lang="en-US"/>
+        </a:p>
+      </dgm:t>
     </dgm:pt>
   </dgm:ptLst>
   <dgm:cxnLst>
     <dgm:cxn modelId="{E3161B24-B8F5-4078-85BB-099DA3C63E0D}" srcId="{58E18128-5BD7-4E8E-8B61-FD96FDFA360E}" destId="{3886654F-17EA-4A23-AC0E-0D9B8E51D461}" srcOrd="1" destOrd="0" parTransId="{8EA50784-3344-47BA-BE05-85454F2D9FDD}" sibTransId="{DAAEF7D0-98B2-4703-B384-ECF1815BE82D}"/>
     <dgm:cxn modelId="{DD16F17D-E69F-4C91-B782-DD828694188D}" type="presOf" srcId="{4C6C6677-612A-42D4-9225-D633F8FF85D3}" destId="{BF0E8671-1471-4BE7-A707-10B3AFE0DF45}" srcOrd="0" destOrd="0" presId="urn:microsoft.com/office/officeart/2005/8/layout/vList2"/>
     <dgm:cxn modelId="{ACABFA85-5B0C-4826-AC15-9E90138A108E}" type="presOf" srcId="{58E18128-5BD7-4E8E-8B61-FD96FDFA360E}" destId="{C11D8A1E-0A47-4478-A083-44DB86201F42}" srcOrd="0" destOrd="0" presId="urn:microsoft.com/office/officeart/2005/8/layout/vList2"/>
+    <dgm:cxn modelId="{2DD244B9-754C-4630-BFED-53C70532FD59}" type="presOf" srcId="{3886654F-17EA-4A23-AC0E-0D9B8E51D461}" destId="{7729E7B6-C2AC-4AEA-AF4B-A64ABF1831B5}" srcOrd="0" destOrd="0" presId="urn:microsoft.com/office/officeart/2005/8/layout/vList2"/>
     <dgm:cxn modelId="{C772EB8D-0441-4078-B6D5-952178CF2917}" type="presOf" srcId="{7F8EEEB2-5B5A-41D0-A1E3-D54678AE6FF3}" destId="{79B08CB2-EEE4-471B-BEB9-12F8CDCA360F}" srcOrd="0" destOrd="0" presId="urn:microsoft.com/office/officeart/2005/8/layout/vList2"/>
     <dgm:cxn modelId="{0444DEA8-74C5-4EFA-AC13-0DD8477597F6}" srcId="{58E18128-5BD7-4E8E-8B61-FD96FDFA360E}" destId="{4C6C6677-612A-42D4-9225-D633F8FF85D3}" srcOrd="2" destOrd="0" parTransId="{385203BF-D0ED-49AA-91BE-5CEA819CC1FE}" sibTransId="{A216732D-3298-4225-9D82-2B0631A8EB67}"/>
-    <dgm:cxn modelId="{2DD244B9-754C-4630-BFED-53C70532FD59}" type="presOf" srcId="{3886654F-17EA-4A23-AC0E-0D9B8E51D461}" destId="{7729E7B6-C2AC-4AEA-AF4B-A64ABF1831B5}" srcOrd="0" destOrd="0" presId="urn:microsoft.com/office/officeart/2005/8/layout/vList2"/>
     <dgm:cxn modelId="{81D9C2F1-E692-4A59-9609-F69EF66B4B6D}" srcId="{58E18128-5BD7-4E8E-8B61-FD96FDFA360E}" destId="{7F8EEEB2-5B5A-41D0-A1E3-D54678AE6FF3}" srcOrd="0" destOrd="0" parTransId="{7CC4F227-8D98-48D0-8063-3EF96333C5B4}" sibTransId="{EBAF5206-BF71-42AD-8AE9-90046D379285}"/>
     <dgm:cxn modelId="{672AC6B4-E28E-4B92-9F82-B9EEF7C21A2D}" type="presParOf" srcId="{C11D8A1E-0A47-4478-A083-44DB86201F42}" destId="{79B08CB2-EEE4-471B-BEB9-12F8CDCA360F}" srcOrd="0" destOrd="0" presId="urn:microsoft.com/office/officeart/2005/8/layout/vList2"/>
     <dgm:cxn modelId="{F380ED6F-D0BE-4DC6-8B26-B881304322C9}" type="presParOf" srcId="{C11D8A1E-0A47-4478-A083-44DB86201F42}" destId="{EF0958F6-D0F2-4387-A3FF-05A531DBEB9D}" srcOrd="1" destOrd="0" presId="urn:microsoft.com/office/officeart/2005/8/layout/vList2"/>
@@ -7392,7 +7511,7 @@
   <dgm:whole/>
   <dgm:extLst>
     <a:ext uri="http://schemas.microsoft.com/office/drawing/2008/diagram">
-      <dsp:dataModelExt xmlns:dsp="http://schemas.microsoft.com/office/drawing/2008/diagram" relId="rId9" minVer="http://schemas.openxmlformats.org/drawingml/2006/diagram"/>
+      <dsp:dataModelExt xmlns:dsp="http://schemas.microsoft.com/office/drawing/2008/diagram" relId="rId8" minVer="http://schemas.openxmlformats.org/drawingml/2006/diagram"/>
     </a:ext>
   </dgm:extLst>
 </dgm:dataModel>
@@ -7568,6 +7687,13 @@
         </dgm:presLayoutVars>
       </dgm:prSet>
       <dgm:spPr/>
+      <dgm:t>
+        <a:bodyPr/>
+        <a:lstStyle/>
+        <a:p>
+          <a:endParaRPr lang="en-US"/>
+        </a:p>
+      </dgm:t>
     </dgm:pt>
     <dgm:pt modelId="{308E23A7-3CD0-4080-BE52-18139286F8E6}" type="pres">
       <dgm:prSet presAssocID="{74102E8A-AEFC-4E80-B080-A1A73F44AA8A}" presName="parentText" presStyleLbl="node1" presStyleIdx="0" presStyleCnt="4">
@@ -7577,6 +7703,13 @@
         </dgm:presLayoutVars>
       </dgm:prSet>
       <dgm:spPr/>
+      <dgm:t>
+        <a:bodyPr/>
+        <a:lstStyle/>
+        <a:p>
+          <a:endParaRPr lang="en-US"/>
+        </a:p>
+      </dgm:t>
     </dgm:pt>
     <dgm:pt modelId="{35DDB93C-9DD3-4E29-906F-B6DFC4EFE96D}" type="pres">
       <dgm:prSet presAssocID="{18BA9481-74AE-40C3-98EF-6A04DD5D1223}" presName="spacer" presStyleCnt="0"/>
@@ -7590,6 +7723,13 @@
         </dgm:presLayoutVars>
       </dgm:prSet>
       <dgm:spPr/>
+      <dgm:t>
+        <a:bodyPr/>
+        <a:lstStyle/>
+        <a:p>
+          <a:endParaRPr lang="en-US"/>
+        </a:p>
+      </dgm:t>
     </dgm:pt>
     <dgm:pt modelId="{30821485-728B-4BD5-9805-1008E4D95F81}" type="pres">
       <dgm:prSet presAssocID="{789B24EE-CCB6-426C-872B-3F84E3133C17}" presName="spacer" presStyleCnt="0"/>
@@ -7603,6 +7743,13 @@
         </dgm:presLayoutVars>
       </dgm:prSet>
       <dgm:spPr/>
+      <dgm:t>
+        <a:bodyPr/>
+        <a:lstStyle/>
+        <a:p>
+          <a:endParaRPr lang="en-US"/>
+        </a:p>
+      </dgm:t>
     </dgm:pt>
     <dgm:pt modelId="{E5FD2E23-E913-43F7-9683-F6172036C341}" type="pres">
       <dgm:prSet presAssocID="{132E273A-E2BC-4832-AC6E-41F379CB2161}" presName="spacer" presStyleCnt="0"/>
@@ -7616,18 +7763,25 @@
         </dgm:presLayoutVars>
       </dgm:prSet>
       <dgm:spPr/>
+      <dgm:t>
+        <a:bodyPr/>
+        <a:lstStyle/>
+        <a:p>
+          <a:endParaRPr lang="en-US"/>
+        </a:p>
+      </dgm:t>
     </dgm:pt>
   </dgm:ptLst>
   <dgm:cxnLst>
+    <dgm:cxn modelId="{043B7728-26C7-4250-85C7-1E5BF33AD754}" type="presOf" srcId="{7C861E56-2682-4AD7-AD3D-AE2B9DFFC5C6}" destId="{16106DC5-5891-4062-A976-AB95211526D0}" srcOrd="0" destOrd="0" presId="urn:microsoft.com/office/officeart/2005/8/layout/vList2"/>
+    <dgm:cxn modelId="{3A2979A9-0628-4AF2-9F4E-FD8D85F59F79}" type="presOf" srcId="{6710F22F-6ED8-46B4-AE32-528FCC1C1F8B}" destId="{B5A07579-8DA4-4BB2-8BC5-30D0C9642E48}" srcOrd="0" destOrd="0" presId="urn:microsoft.com/office/officeart/2005/8/layout/vList2"/>
     <dgm:cxn modelId="{A72B7C08-09D6-4EA2-808B-3C367ABB4DC3}" srcId="{09E8F5C5-F664-4D8E-A4B7-F1B65624571B}" destId="{7C861E56-2682-4AD7-AD3D-AE2B9DFFC5C6}" srcOrd="1" destOrd="0" parTransId="{CE1B1EE2-439E-4C0B-A951-42BFE341F4C2}" sibTransId="{789B24EE-CCB6-426C-872B-3F84E3133C17}"/>
-    <dgm:cxn modelId="{043B7728-26C7-4250-85C7-1E5BF33AD754}" type="presOf" srcId="{7C861E56-2682-4AD7-AD3D-AE2B9DFFC5C6}" destId="{16106DC5-5891-4062-A976-AB95211526D0}" srcOrd="0" destOrd="0" presId="urn:microsoft.com/office/officeart/2005/8/layout/vList2"/>
     <dgm:cxn modelId="{B865C849-7D1F-411A-905C-BD16B1E017D9}" srcId="{09E8F5C5-F664-4D8E-A4B7-F1B65624571B}" destId="{74102E8A-AEFC-4E80-B080-A1A73F44AA8A}" srcOrd="0" destOrd="0" parTransId="{FE2A0113-6A14-4587-878D-5F883CA3D900}" sibTransId="{18BA9481-74AE-40C3-98EF-6A04DD5D1223}"/>
+    <dgm:cxn modelId="{0A7DB8E6-1400-4EF5-889D-5627C880E859}" srcId="{09E8F5C5-F664-4D8E-A4B7-F1B65624571B}" destId="{6710F22F-6ED8-46B4-AE32-528FCC1C1F8B}" srcOrd="2" destOrd="0" parTransId="{A6F46EB8-51B8-414F-8C28-534BC21E93B7}" sibTransId="{132E273A-E2BC-4832-AC6E-41F379CB2161}"/>
+    <dgm:cxn modelId="{C801E2E0-F241-4969-90D6-CA9F2D65C5AF}" type="presOf" srcId="{09E8F5C5-F664-4D8E-A4B7-F1B65624571B}" destId="{E09CE831-8C79-4733-BF5B-3149B75326E8}" srcOrd="0" destOrd="0" presId="urn:microsoft.com/office/officeart/2005/8/layout/vList2"/>
     <dgm:cxn modelId="{17779684-8869-49FC-95F7-0C9B29F18A6D}" srcId="{09E8F5C5-F664-4D8E-A4B7-F1B65624571B}" destId="{5E237A96-A1D3-43CD-82DE-8BB8BDC77278}" srcOrd="3" destOrd="0" parTransId="{36B6F61C-B897-4AB5-9738-725402302F05}" sibTransId="{35DEF6F8-1E07-4183-BC84-BA474D67F6AD}"/>
     <dgm:cxn modelId="{7328A68F-921D-44C3-A0D5-534C93302FC8}" type="presOf" srcId="{74102E8A-AEFC-4E80-B080-A1A73F44AA8A}" destId="{308E23A7-3CD0-4080-BE52-18139286F8E6}" srcOrd="0" destOrd="0" presId="urn:microsoft.com/office/officeart/2005/8/layout/vList2"/>
-    <dgm:cxn modelId="{3A2979A9-0628-4AF2-9F4E-FD8D85F59F79}" type="presOf" srcId="{6710F22F-6ED8-46B4-AE32-528FCC1C1F8B}" destId="{B5A07579-8DA4-4BB2-8BC5-30D0C9642E48}" srcOrd="0" destOrd="0" presId="urn:microsoft.com/office/officeart/2005/8/layout/vList2"/>
     <dgm:cxn modelId="{FD39B7B5-3F0E-4819-837B-9F42FD879927}" type="presOf" srcId="{5E237A96-A1D3-43CD-82DE-8BB8BDC77278}" destId="{9939510C-B4E4-44C3-8190-3F5E10565C9D}" srcOrd="0" destOrd="0" presId="urn:microsoft.com/office/officeart/2005/8/layout/vList2"/>
-    <dgm:cxn modelId="{C801E2E0-F241-4969-90D6-CA9F2D65C5AF}" type="presOf" srcId="{09E8F5C5-F664-4D8E-A4B7-F1B65624571B}" destId="{E09CE831-8C79-4733-BF5B-3149B75326E8}" srcOrd="0" destOrd="0" presId="urn:microsoft.com/office/officeart/2005/8/layout/vList2"/>
-    <dgm:cxn modelId="{0A7DB8E6-1400-4EF5-889D-5627C880E859}" srcId="{09E8F5C5-F664-4D8E-A4B7-F1B65624571B}" destId="{6710F22F-6ED8-46B4-AE32-528FCC1C1F8B}" srcOrd="2" destOrd="0" parTransId="{A6F46EB8-51B8-414F-8C28-534BC21E93B7}" sibTransId="{132E273A-E2BC-4832-AC6E-41F379CB2161}"/>
     <dgm:cxn modelId="{EF77B003-C2B6-4ECC-BC52-370B5C44B3AD}" type="presParOf" srcId="{E09CE831-8C79-4733-BF5B-3149B75326E8}" destId="{308E23A7-3CD0-4080-BE52-18139286F8E6}" srcOrd="0" destOrd="0" presId="urn:microsoft.com/office/officeart/2005/8/layout/vList2"/>
     <dgm:cxn modelId="{50F93E02-1EE3-437F-87EC-0DD75431C274}" type="presParOf" srcId="{E09CE831-8C79-4733-BF5B-3149B75326E8}" destId="{35DDB93C-9DD3-4E29-906F-B6DFC4EFE96D}" srcOrd="1" destOrd="0" presId="urn:microsoft.com/office/officeart/2005/8/layout/vList2"/>
     <dgm:cxn modelId="{647CD6F3-606E-42D6-8CF8-9145B0559F13}" type="presParOf" srcId="{E09CE831-8C79-4733-BF5B-3149B75326E8}" destId="{16106DC5-5891-4062-A976-AB95211526D0}" srcOrd="2" destOrd="0" presId="urn:microsoft.com/office/officeart/2005/8/layout/vList2"/>
@@ -7668,10 +7822,10 @@
         <a:lstStyle/>
         <a:p>
           <a:r>
-            <a:rPr lang="ro-RO"/>
+            <a:rPr lang="ro-RO" dirty="0"/>
             <a:t>Folosit ca server web</a:t>
           </a:r>
-          <a:endParaRPr lang="en-US"/>
+          <a:endParaRPr lang="en-US" dirty="0"/>
         </a:p>
       </dgm:t>
     </dgm:pt>
@@ -7819,6 +7973,13 @@
         </dgm:presLayoutVars>
       </dgm:prSet>
       <dgm:spPr/>
+      <dgm:t>
+        <a:bodyPr/>
+        <a:lstStyle/>
+        <a:p>
+          <a:endParaRPr lang="en-US"/>
+        </a:p>
+      </dgm:t>
     </dgm:pt>
     <dgm:pt modelId="{108A7250-4707-4433-BCC9-90514BB151B6}" type="pres">
       <dgm:prSet presAssocID="{FD9059CB-7127-400C-B417-4CDF18013AEF}" presName="parentText" presStyleLbl="node1" presStyleIdx="0" presStyleCnt="2">
@@ -7828,6 +7989,13 @@
         </dgm:presLayoutVars>
       </dgm:prSet>
       <dgm:spPr/>
+      <dgm:t>
+        <a:bodyPr/>
+        <a:lstStyle/>
+        <a:p>
+          <a:endParaRPr lang="en-US"/>
+        </a:p>
+      </dgm:t>
     </dgm:pt>
     <dgm:pt modelId="{DA8EE2E4-BA55-42D8-B46F-696209B3BF32}" type="pres">
       <dgm:prSet presAssocID="{FD9059CB-7127-400C-B417-4CDF18013AEF}" presName="childText" presStyleLbl="revTx" presStyleIdx="0" presStyleCnt="1">
@@ -7836,6 +8004,13 @@
         </dgm:presLayoutVars>
       </dgm:prSet>
       <dgm:spPr/>
+      <dgm:t>
+        <a:bodyPr/>
+        <a:lstStyle/>
+        <a:p>
+          <a:endParaRPr lang="en-US"/>
+        </a:p>
+      </dgm:t>
     </dgm:pt>
     <dgm:pt modelId="{3987B0D8-2F11-491F-8F39-750F62606B27}" type="pres">
       <dgm:prSet presAssocID="{079FBC6E-EDF4-4FBC-B959-364CED75F73E}" presName="parentText" presStyleLbl="node1" presStyleIdx="1" presStyleCnt="2">
@@ -7845,18 +8020,25 @@
         </dgm:presLayoutVars>
       </dgm:prSet>
       <dgm:spPr/>
+      <dgm:t>
+        <a:bodyPr/>
+        <a:lstStyle/>
+        <a:p>
+          <a:endParaRPr lang="en-US"/>
+        </a:p>
+      </dgm:t>
     </dgm:pt>
   </dgm:ptLst>
   <dgm:cxnLst>
-    <dgm:cxn modelId="{156DC404-20F5-4983-947F-BF616AB1D168}" srcId="{59441916-6689-4010-9EB4-493E52189782}" destId="{079FBC6E-EDF4-4FBC-B959-364CED75F73E}" srcOrd="1" destOrd="0" parTransId="{37061EF4-5B3E-4982-B236-675BA3A6653A}" sibTransId="{2D41C124-B5A5-47BF-83C3-5175BE45446F}"/>
-    <dgm:cxn modelId="{3A9F6B1A-C962-4C16-BA60-D3751E424052}" srcId="{FD9059CB-7127-400C-B417-4CDF18013AEF}" destId="{44F7F31D-388B-4B4F-86F2-D3A5663432FD}" srcOrd="1" destOrd="0" parTransId="{39CA606D-01EE-46FD-8068-2E34DFFD98D2}" sibTransId="{3130AEFA-C955-4F64-B5C2-670DA7CB7DBC}"/>
+    <dgm:cxn modelId="{FC0F92BF-26B5-4640-BC33-F9C14AAB55FF}" type="presOf" srcId="{079FBC6E-EDF4-4FBC-B959-364CED75F73E}" destId="{3987B0D8-2F11-491F-8F39-750F62606B27}" srcOrd="0" destOrd="0" presId="urn:microsoft.com/office/officeart/2005/8/layout/vList2"/>
     <dgm:cxn modelId="{00FBBE30-1C44-493B-A362-14AEA466334D}" srcId="{FD9059CB-7127-400C-B417-4CDF18013AEF}" destId="{F38B84B0-2108-4FDC-BE0C-C41DBF51DF58}" srcOrd="0" destOrd="0" parTransId="{A0C16DC9-1104-4B89-B152-43E5D0B596DE}" sibTransId="{CB8F555F-E9C1-4332-9291-6EC4CAD83469}"/>
     <dgm:cxn modelId="{862EBD92-B7FC-4C91-BE21-34C37F294B05}" type="presOf" srcId="{F38B84B0-2108-4FDC-BE0C-C41DBF51DF58}" destId="{DA8EE2E4-BA55-42D8-B46F-696209B3BF32}" srcOrd="0" destOrd="0" presId="urn:microsoft.com/office/officeart/2005/8/layout/vList2"/>
+    <dgm:cxn modelId="{28733CEB-D19B-4AE5-9EC8-F903651AE41D}" type="presOf" srcId="{59441916-6689-4010-9EB4-493E52189782}" destId="{4B94FC1F-CA87-4737-AF8A-B66E59196FD7}" srcOrd="0" destOrd="0" presId="urn:microsoft.com/office/officeart/2005/8/layout/vList2"/>
+    <dgm:cxn modelId="{3A9F6B1A-C962-4C16-BA60-D3751E424052}" srcId="{FD9059CB-7127-400C-B417-4CDF18013AEF}" destId="{44F7F31D-388B-4B4F-86F2-D3A5663432FD}" srcOrd="1" destOrd="0" parTransId="{39CA606D-01EE-46FD-8068-2E34DFFD98D2}" sibTransId="{3130AEFA-C955-4F64-B5C2-670DA7CB7DBC}"/>
+    <dgm:cxn modelId="{156DC404-20F5-4983-947F-BF616AB1D168}" srcId="{59441916-6689-4010-9EB4-493E52189782}" destId="{079FBC6E-EDF4-4FBC-B959-364CED75F73E}" srcOrd="1" destOrd="0" parTransId="{37061EF4-5B3E-4982-B236-675BA3A6653A}" sibTransId="{2D41C124-B5A5-47BF-83C3-5175BE45446F}"/>
+    <dgm:cxn modelId="{CBE3BBE7-2938-41C1-A44F-F01B290B8DEB}" type="presOf" srcId="{FD9059CB-7127-400C-B417-4CDF18013AEF}" destId="{108A7250-4707-4433-BCC9-90514BB151B6}" srcOrd="0" destOrd="0" presId="urn:microsoft.com/office/officeart/2005/8/layout/vList2"/>
     <dgm:cxn modelId="{18A7C0AF-2F7F-47A8-A0A3-5701DFB946AD}" srcId="{59441916-6689-4010-9EB4-493E52189782}" destId="{FD9059CB-7127-400C-B417-4CDF18013AEF}" srcOrd="0" destOrd="0" parTransId="{649ABCAF-07F8-4990-B095-BBB01FDFE74B}" sibTransId="{F1D8CCC4-9E9D-431B-BFE1-601BF518D52E}"/>
     <dgm:cxn modelId="{9C5B51BF-46FA-472A-91B3-4CB830CF5F0D}" type="presOf" srcId="{44F7F31D-388B-4B4F-86F2-D3A5663432FD}" destId="{DA8EE2E4-BA55-42D8-B46F-696209B3BF32}" srcOrd="0" destOrd="1" presId="urn:microsoft.com/office/officeart/2005/8/layout/vList2"/>
-    <dgm:cxn modelId="{FC0F92BF-26B5-4640-BC33-F9C14AAB55FF}" type="presOf" srcId="{079FBC6E-EDF4-4FBC-B959-364CED75F73E}" destId="{3987B0D8-2F11-491F-8F39-750F62606B27}" srcOrd="0" destOrd="0" presId="urn:microsoft.com/office/officeart/2005/8/layout/vList2"/>
-    <dgm:cxn modelId="{CBE3BBE7-2938-41C1-A44F-F01B290B8DEB}" type="presOf" srcId="{FD9059CB-7127-400C-B417-4CDF18013AEF}" destId="{108A7250-4707-4433-BCC9-90514BB151B6}" srcOrd="0" destOrd="0" presId="urn:microsoft.com/office/officeart/2005/8/layout/vList2"/>
-    <dgm:cxn modelId="{28733CEB-D19B-4AE5-9EC8-F903651AE41D}" type="presOf" srcId="{59441916-6689-4010-9EB4-493E52189782}" destId="{4B94FC1F-CA87-4737-AF8A-B66E59196FD7}" srcOrd="0" destOrd="0" presId="urn:microsoft.com/office/officeart/2005/8/layout/vList2"/>
     <dgm:cxn modelId="{9C32B8C7-1463-46D2-B02D-0EFD5BEA20A8}" type="presParOf" srcId="{4B94FC1F-CA87-4737-AF8A-B66E59196FD7}" destId="{108A7250-4707-4433-BCC9-90514BB151B6}" srcOrd="0" destOrd="0" presId="urn:microsoft.com/office/officeart/2005/8/layout/vList2"/>
     <dgm:cxn modelId="{A98D439E-843E-4B8D-8638-4E9E2A6EB32E}" type="presParOf" srcId="{4B94FC1F-CA87-4737-AF8A-B66E59196FD7}" destId="{DA8EE2E4-BA55-42D8-B46F-696209B3BF32}" srcOrd="1" destOrd="0" presId="urn:microsoft.com/office/officeart/2005/8/layout/vList2"/>
     <dgm:cxn modelId="{6BE2E8E5-D821-4665-B6B0-3A7C75CE9711}" type="presParOf" srcId="{4B94FC1F-CA87-4737-AF8A-B66E59196FD7}" destId="{3987B0D8-2F11-491F-8F39-750F62606B27}" srcOrd="2" destOrd="0" presId="urn:microsoft.com/office/officeart/2005/8/layout/vList2"/>
@@ -8078,6 +8260,13 @@
         </dgm:presLayoutVars>
       </dgm:prSet>
       <dgm:spPr/>
+      <dgm:t>
+        <a:bodyPr/>
+        <a:lstStyle/>
+        <a:p>
+          <a:endParaRPr lang="en-US"/>
+        </a:p>
+      </dgm:t>
     </dgm:pt>
     <dgm:pt modelId="{1D1553D2-5C97-4FE8-8A7A-96C06D72ACB8}" type="pres">
       <dgm:prSet presAssocID="{4E56FB32-0340-4318-B42F-5BFCE2E0EA6D}" presName="parentText" presStyleLbl="node1" presStyleIdx="0" presStyleCnt="3">
@@ -8087,6 +8276,13 @@
         </dgm:presLayoutVars>
       </dgm:prSet>
       <dgm:spPr/>
+      <dgm:t>
+        <a:bodyPr/>
+        <a:lstStyle/>
+        <a:p>
+          <a:endParaRPr lang="en-US"/>
+        </a:p>
+      </dgm:t>
     </dgm:pt>
     <dgm:pt modelId="{31FA9E4A-E3CE-4E31-97BD-7C9E028B7A6F}" type="pres">
       <dgm:prSet presAssocID="{76335933-4372-402A-9527-97822F7C9517}" presName="spacer" presStyleCnt="0"/>
@@ -8100,6 +8296,13 @@
         </dgm:presLayoutVars>
       </dgm:prSet>
       <dgm:spPr/>
+      <dgm:t>
+        <a:bodyPr/>
+        <a:lstStyle/>
+        <a:p>
+          <a:endParaRPr lang="en-US"/>
+        </a:p>
+      </dgm:t>
     </dgm:pt>
     <dgm:pt modelId="{AB1406CC-5633-4172-839C-C5622D9C9DC8}" type="pres">
       <dgm:prSet presAssocID="{CE31D95A-944F-4F37-B824-9549AADB2612}" presName="childText" presStyleLbl="revTx" presStyleIdx="0" presStyleCnt="1">
@@ -8108,6 +8311,13 @@
         </dgm:presLayoutVars>
       </dgm:prSet>
       <dgm:spPr/>
+      <dgm:t>
+        <a:bodyPr/>
+        <a:lstStyle/>
+        <a:p>
+          <a:endParaRPr lang="en-US"/>
+        </a:p>
+      </dgm:t>
     </dgm:pt>
     <dgm:pt modelId="{82D23CF7-896C-48BE-9C4C-950AFEAC9C55}" type="pres">
       <dgm:prSet presAssocID="{3620740A-17BF-4813-8A55-BAFFDA56A569}" presName="parentText" presStyleLbl="node1" presStyleIdx="2" presStyleCnt="3">
@@ -8117,20 +8327,27 @@
         </dgm:presLayoutVars>
       </dgm:prSet>
       <dgm:spPr/>
+      <dgm:t>
+        <a:bodyPr/>
+        <a:lstStyle/>
+        <a:p>
+          <a:endParaRPr lang="en-US"/>
+        </a:p>
+      </dgm:t>
     </dgm:pt>
   </dgm:ptLst>
   <dgm:cxnLst>
     <dgm:cxn modelId="{26FFA022-045A-4897-A67D-02A7A53C6812}" srcId="{CE31D95A-944F-4F37-B824-9549AADB2612}" destId="{BF57B57B-DE73-4072-92D9-6153430EB547}" srcOrd="0" destOrd="0" parTransId="{463DC838-7215-4838-B137-85065A2D8F7F}" sibTransId="{1B5157A1-FE6C-4DA4-86A0-E9B09E9E52B9}"/>
+    <dgm:cxn modelId="{6CE21889-7ADC-454A-898C-F793EEDC8E4F}" type="presOf" srcId="{3620740A-17BF-4813-8A55-BAFFDA56A569}" destId="{82D23CF7-896C-48BE-9C4C-950AFEAC9C55}" srcOrd="0" destOrd="0" presId="urn:microsoft.com/office/officeart/2005/8/layout/vList2"/>
+    <dgm:cxn modelId="{45438F69-6C03-42FB-B141-865D911130F0}" type="presOf" srcId="{CE31D95A-944F-4F37-B824-9549AADB2612}" destId="{2F4D5BAA-DB56-4FC1-814C-014C16AFE090}" srcOrd="0" destOrd="0" presId="urn:microsoft.com/office/officeart/2005/8/layout/vList2"/>
+    <dgm:cxn modelId="{C0FA55F2-A807-4EA3-BC28-D2007838AFB0}" srcId="{41F34C01-CD2A-44CC-8987-34B1BB9D47CD}" destId="{4E56FB32-0340-4318-B42F-5BFCE2E0EA6D}" srcOrd="0" destOrd="0" parTransId="{7425AD79-BBCB-49BD-99F5-BA50316AB1A4}" sibTransId="{76335933-4372-402A-9527-97822F7C9517}"/>
+    <dgm:cxn modelId="{F8F117B2-AB24-4EC7-90AB-745B2B157382}" srcId="{41F34C01-CD2A-44CC-8987-34B1BB9D47CD}" destId="{CE31D95A-944F-4F37-B824-9549AADB2612}" srcOrd="1" destOrd="0" parTransId="{859FEE3C-503B-4FB2-840D-3953BB1D5816}" sibTransId="{C16BAA6E-71FD-48F4-A145-ECC36350ABC8}"/>
+    <dgm:cxn modelId="{E36648C4-AC9B-4802-A007-267EA21A484E}" type="presOf" srcId="{BF57B57B-DE73-4072-92D9-6153430EB547}" destId="{AB1406CC-5633-4172-839C-C5622D9C9DC8}" srcOrd="0" destOrd="0" presId="urn:microsoft.com/office/officeart/2005/8/layout/vList2"/>
+    <dgm:cxn modelId="{7053B45A-ADFD-41E3-AF55-AFCD209E66AD}" type="presOf" srcId="{4E56FB32-0340-4318-B42F-5BFCE2E0EA6D}" destId="{1D1553D2-5C97-4FE8-8A7A-96C06D72ACB8}" srcOrd="0" destOrd="0" presId="urn:microsoft.com/office/officeart/2005/8/layout/vList2"/>
+    <dgm:cxn modelId="{582103DA-E2D5-4F5A-A06C-74E08F3BED4F}" type="presOf" srcId="{41F34C01-CD2A-44CC-8987-34B1BB9D47CD}" destId="{FB5AEA8A-28F5-4F94-B0AC-F869364DBC0A}" srcOrd="0" destOrd="0" presId="urn:microsoft.com/office/officeart/2005/8/layout/vList2"/>
+    <dgm:cxn modelId="{A796BD43-C885-4342-95D4-E805A6486554}" type="presOf" srcId="{22636358-592C-4D5B-B185-2A3A4FB98654}" destId="{AB1406CC-5633-4172-839C-C5622D9C9DC8}" srcOrd="0" destOrd="1" presId="urn:microsoft.com/office/officeart/2005/8/layout/vList2"/>
     <dgm:cxn modelId="{DBA7FE23-5856-459B-BEDB-4D8B6B2BBBA1}" srcId="{CE31D95A-944F-4F37-B824-9549AADB2612}" destId="{22636358-592C-4D5B-B185-2A3A4FB98654}" srcOrd="1" destOrd="0" parTransId="{EAE06D7B-3BB0-494B-990E-8245BAA27707}" sibTransId="{F7BDE549-8FD2-49F5-98C5-39FEBC04D7CE}"/>
-    <dgm:cxn modelId="{A796BD43-C885-4342-95D4-E805A6486554}" type="presOf" srcId="{22636358-592C-4D5B-B185-2A3A4FB98654}" destId="{AB1406CC-5633-4172-839C-C5622D9C9DC8}" srcOrd="0" destOrd="1" presId="urn:microsoft.com/office/officeart/2005/8/layout/vList2"/>
-    <dgm:cxn modelId="{45438F69-6C03-42FB-B141-865D911130F0}" type="presOf" srcId="{CE31D95A-944F-4F37-B824-9549AADB2612}" destId="{2F4D5BAA-DB56-4FC1-814C-014C16AFE090}" srcOrd="0" destOrd="0" presId="urn:microsoft.com/office/officeart/2005/8/layout/vList2"/>
-    <dgm:cxn modelId="{7053B45A-ADFD-41E3-AF55-AFCD209E66AD}" type="presOf" srcId="{4E56FB32-0340-4318-B42F-5BFCE2E0EA6D}" destId="{1D1553D2-5C97-4FE8-8A7A-96C06D72ACB8}" srcOrd="0" destOrd="0" presId="urn:microsoft.com/office/officeart/2005/8/layout/vList2"/>
-    <dgm:cxn modelId="{6CE21889-7ADC-454A-898C-F793EEDC8E4F}" type="presOf" srcId="{3620740A-17BF-4813-8A55-BAFFDA56A569}" destId="{82D23CF7-896C-48BE-9C4C-950AFEAC9C55}" srcOrd="0" destOrd="0" presId="urn:microsoft.com/office/officeart/2005/8/layout/vList2"/>
-    <dgm:cxn modelId="{F8F117B2-AB24-4EC7-90AB-745B2B157382}" srcId="{41F34C01-CD2A-44CC-8987-34B1BB9D47CD}" destId="{CE31D95A-944F-4F37-B824-9549AADB2612}" srcOrd="1" destOrd="0" parTransId="{859FEE3C-503B-4FB2-840D-3953BB1D5816}" sibTransId="{C16BAA6E-71FD-48F4-A145-ECC36350ABC8}"/>
     <dgm:cxn modelId="{BC72ACB3-95B0-477D-BECC-B94B9D0038DE}" srcId="{41F34C01-CD2A-44CC-8987-34B1BB9D47CD}" destId="{3620740A-17BF-4813-8A55-BAFFDA56A569}" srcOrd="2" destOrd="0" parTransId="{50A910C9-F7D5-4EA9-BD98-ABB8D6B4F112}" sibTransId="{C57148D6-BB96-422C-905B-E4756F3B16B7}"/>
-    <dgm:cxn modelId="{E36648C4-AC9B-4802-A007-267EA21A484E}" type="presOf" srcId="{BF57B57B-DE73-4072-92D9-6153430EB547}" destId="{AB1406CC-5633-4172-839C-C5622D9C9DC8}" srcOrd="0" destOrd="0" presId="urn:microsoft.com/office/officeart/2005/8/layout/vList2"/>
-    <dgm:cxn modelId="{582103DA-E2D5-4F5A-A06C-74E08F3BED4F}" type="presOf" srcId="{41F34C01-CD2A-44CC-8987-34B1BB9D47CD}" destId="{FB5AEA8A-28F5-4F94-B0AC-F869364DBC0A}" srcOrd="0" destOrd="0" presId="urn:microsoft.com/office/officeart/2005/8/layout/vList2"/>
-    <dgm:cxn modelId="{C0FA55F2-A807-4EA3-BC28-D2007838AFB0}" srcId="{41F34C01-CD2A-44CC-8987-34B1BB9D47CD}" destId="{4E56FB32-0340-4318-B42F-5BFCE2E0EA6D}" srcOrd="0" destOrd="0" parTransId="{7425AD79-BBCB-49BD-99F5-BA50316AB1A4}" sibTransId="{76335933-4372-402A-9527-97822F7C9517}"/>
     <dgm:cxn modelId="{7A5F84A6-AD26-406A-8FB0-D32FB38AE3F8}" type="presParOf" srcId="{FB5AEA8A-28F5-4F94-B0AC-F869364DBC0A}" destId="{1D1553D2-5C97-4FE8-8A7A-96C06D72ACB8}" srcOrd="0" destOrd="0" presId="urn:microsoft.com/office/officeart/2005/8/layout/vList2"/>
     <dgm:cxn modelId="{66D981C6-DE4F-4FBB-8E5F-53DBC5CD1B66}" type="presParOf" srcId="{FB5AEA8A-28F5-4F94-B0AC-F869364DBC0A}" destId="{31FA9E4A-E3CE-4E31-97BD-7C9E028B7A6F}" srcOrd="1" destOrd="0" presId="urn:microsoft.com/office/officeart/2005/8/layout/vList2"/>
     <dgm:cxn modelId="{B36AB2FA-6B63-4A52-ADBC-70F8F26B625C}" type="presParOf" srcId="{FB5AEA8A-28F5-4F94-B0AC-F869364DBC0A}" destId="{2F4D5BAA-DB56-4FC1-814C-014C16AFE090}" srcOrd="2" destOrd="0" presId="urn:microsoft.com/office/officeart/2005/8/layout/vList2"/>
@@ -8280,6 +8497,13 @@
         </dgm:presLayoutVars>
       </dgm:prSet>
       <dgm:spPr/>
+      <dgm:t>
+        <a:bodyPr/>
+        <a:lstStyle/>
+        <a:p>
+          <a:endParaRPr lang="en-US"/>
+        </a:p>
+      </dgm:t>
     </dgm:pt>
     <dgm:pt modelId="{30FC9707-CED0-4381-8A41-94AADA3386FF}" type="pres">
       <dgm:prSet presAssocID="{7ACC372D-45D5-4299-A54B-DC2D29350961}" presName="parentText" presStyleLbl="node1" presStyleIdx="0" presStyleCnt="3">
@@ -8289,6 +8513,13 @@
         </dgm:presLayoutVars>
       </dgm:prSet>
       <dgm:spPr/>
+      <dgm:t>
+        <a:bodyPr/>
+        <a:lstStyle/>
+        <a:p>
+          <a:endParaRPr lang="en-US"/>
+        </a:p>
+      </dgm:t>
     </dgm:pt>
     <dgm:pt modelId="{BB580AB3-9683-4E0B-9879-B63773CDC830}" type="pres">
       <dgm:prSet presAssocID="{D3ABCA82-965A-47EA-A0B5-59F41C1870E9}" presName="spacer" presStyleCnt="0"/>
@@ -8302,6 +8533,13 @@
         </dgm:presLayoutVars>
       </dgm:prSet>
       <dgm:spPr/>
+      <dgm:t>
+        <a:bodyPr/>
+        <a:lstStyle/>
+        <a:p>
+          <a:endParaRPr lang="en-US"/>
+        </a:p>
+      </dgm:t>
     </dgm:pt>
     <dgm:pt modelId="{0481CF4F-5A15-4C81-8EB2-436E333F43BF}" type="pres">
       <dgm:prSet presAssocID="{846BA127-E7EA-48AB-ACBB-6984FB73F51C}" presName="spacer" presStyleCnt="0"/>
@@ -8315,16 +8553,23 @@
         </dgm:presLayoutVars>
       </dgm:prSet>
       <dgm:spPr/>
+      <dgm:t>
+        <a:bodyPr/>
+        <a:lstStyle/>
+        <a:p>
+          <a:endParaRPr lang="en-US"/>
+        </a:p>
+      </dgm:t>
     </dgm:pt>
   </dgm:ptLst>
   <dgm:cxnLst>
+    <dgm:cxn modelId="{A8B90243-255E-4A5D-8589-74C2831A9437}" srcId="{4BBD8192-511D-4B93-8444-2591E63168B8}" destId="{A7775C9F-A1F6-4D5A-8AAC-A9AD781B6B3E}" srcOrd="2" destOrd="0" parTransId="{EB1D2788-0B18-48F4-80B1-9F62EF35A1EA}" sibTransId="{A70B26A6-1E86-453D-A90E-2450091C21D9}"/>
+    <dgm:cxn modelId="{E28305CA-0896-41C5-8FA9-8AFD81646B09}" type="presOf" srcId="{7ACC372D-45D5-4299-A54B-DC2D29350961}" destId="{30FC9707-CED0-4381-8A41-94AADA3386FF}" srcOrd="0" destOrd="0" presId="urn:microsoft.com/office/officeart/2005/8/layout/vList2"/>
     <dgm:cxn modelId="{9494A504-053D-410E-83FA-021B9E54ECB5}" type="presOf" srcId="{A7775C9F-A1F6-4D5A-8AAC-A9AD781B6B3E}" destId="{2BEAF6A0-1FC4-47A7-BE63-D1E6186B22AF}" srcOrd="0" destOrd="0" presId="urn:microsoft.com/office/officeart/2005/8/layout/vList2"/>
-    <dgm:cxn modelId="{A8B90243-255E-4A5D-8589-74C2831A9437}" srcId="{4BBD8192-511D-4B93-8444-2591E63168B8}" destId="{A7775C9F-A1F6-4D5A-8AAC-A9AD781B6B3E}" srcOrd="2" destOrd="0" parTransId="{EB1D2788-0B18-48F4-80B1-9F62EF35A1EA}" sibTransId="{A70B26A6-1E86-453D-A90E-2450091C21D9}"/>
+    <dgm:cxn modelId="{EB6261CD-CCFE-4BF7-ADD1-DAD3A10C8C4E}" type="presOf" srcId="{99D4F466-9F35-4353-A70C-2969F9EDF098}" destId="{90A0CD36-9528-4C15-B25C-385E8475933D}" srcOrd="0" destOrd="0" presId="urn:microsoft.com/office/officeart/2005/8/layout/vList2"/>
+    <dgm:cxn modelId="{B773FA9E-79F6-481B-82FF-1363389100D3}" srcId="{4BBD8192-511D-4B93-8444-2591E63168B8}" destId="{7ACC372D-45D5-4299-A54B-DC2D29350961}" srcOrd="0" destOrd="0" parTransId="{74B68EE9-B342-4AEB-BE0D-B78492B5A29A}" sibTransId="{D3ABCA82-965A-47EA-A0B5-59F41C1870E9}"/>
+    <dgm:cxn modelId="{A73652F6-E5F2-4F9E-874F-D0E506B07B38}" srcId="{4BBD8192-511D-4B93-8444-2591E63168B8}" destId="{99D4F466-9F35-4353-A70C-2969F9EDF098}" srcOrd="1" destOrd="0" parTransId="{6C9163EB-906E-4852-A059-951709C5BDC0}" sibTransId="{846BA127-E7EA-48AB-ACBB-6984FB73F51C}"/>
     <dgm:cxn modelId="{F27C3F63-AB5A-4867-9167-11FEB56E7FC3}" type="presOf" srcId="{4BBD8192-511D-4B93-8444-2591E63168B8}" destId="{B8F87959-4039-4CE4-A8D5-A964862B3C20}" srcOrd="0" destOrd="0" presId="urn:microsoft.com/office/officeart/2005/8/layout/vList2"/>
-    <dgm:cxn modelId="{B773FA9E-79F6-481B-82FF-1363389100D3}" srcId="{4BBD8192-511D-4B93-8444-2591E63168B8}" destId="{7ACC372D-45D5-4299-A54B-DC2D29350961}" srcOrd="0" destOrd="0" parTransId="{74B68EE9-B342-4AEB-BE0D-B78492B5A29A}" sibTransId="{D3ABCA82-965A-47EA-A0B5-59F41C1870E9}"/>
-    <dgm:cxn modelId="{E28305CA-0896-41C5-8FA9-8AFD81646B09}" type="presOf" srcId="{7ACC372D-45D5-4299-A54B-DC2D29350961}" destId="{30FC9707-CED0-4381-8A41-94AADA3386FF}" srcOrd="0" destOrd="0" presId="urn:microsoft.com/office/officeart/2005/8/layout/vList2"/>
-    <dgm:cxn modelId="{EB6261CD-CCFE-4BF7-ADD1-DAD3A10C8C4E}" type="presOf" srcId="{99D4F466-9F35-4353-A70C-2969F9EDF098}" destId="{90A0CD36-9528-4C15-B25C-385E8475933D}" srcOrd="0" destOrd="0" presId="urn:microsoft.com/office/officeart/2005/8/layout/vList2"/>
-    <dgm:cxn modelId="{A73652F6-E5F2-4F9E-874F-D0E506B07B38}" srcId="{4BBD8192-511D-4B93-8444-2591E63168B8}" destId="{99D4F466-9F35-4353-A70C-2969F9EDF098}" srcOrd="1" destOrd="0" parTransId="{6C9163EB-906E-4852-A059-951709C5BDC0}" sibTransId="{846BA127-E7EA-48AB-ACBB-6984FB73F51C}"/>
     <dgm:cxn modelId="{243C18C0-347D-4EAB-8D56-ADCAD31F2961}" type="presParOf" srcId="{B8F87959-4039-4CE4-A8D5-A964862B3C20}" destId="{30FC9707-CED0-4381-8A41-94AADA3386FF}" srcOrd="0" destOrd="0" presId="urn:microsoft.com/office/officeart/2005/8/layout/vList2"/>
     <dgm:cxn modelId="{7762C85B-C6C2-453C-A139-AD999C9E74F5}" type="presParOf" srcId="{B8F87959-4039-4CE4-A8D5-A964862B3C20}" destId="{BB580AB3-9683-4E0B-9879-B63773CDC830}" srcOrd="1" destOrd="0" presId="urn:microsoft.com/office/officeart/2005/8/layout/vList2"/>
     <dgm:cxn modelId="{B4D0EE72-003F-4C8E-B560-77E3BAFDCD84}" type="presParOf" srcId="{B8F87959-4039-4CE4-A8D5-A964862B3C20}" destId="{90A0CD36-9528-4C15-B25C-385E8475933D}" srcOrd="2" destOrd="0" presId="urn:microsoft.com/office/officeart/2005/8/layout/vList2"/>
@@ -8398,12 +8643,12 @@
         </a:fontRef>
       </dsp:style>
       <dsp:txBody>
-        <a:bodyPr spcFirstLastPara="0" vert="horz" wrap="square" lIns="106680" tIns="106680" rIns="106680" bIns="106680" numCol="1" spcCol="1270" anchor="ctr" anchorCtr="0">
+        <a:bodyPr spcFirstLastPara="0" vert="horz" wrap="square" lIns="121920" tIns="121920" rIns="121920" bIns="121920" numCol="1" spcCol="1270" anchor="ctr" anchorCtr="0">
           <a:noAutofit/>
         </a:bodyPr>
         <a:lstStyle/>
         <a:p>
-          <a:pPr marL="0" lvl="0" indent="0" algn="ctr" defTabSz="1244600">
+          <a:pPr lvl="0" algn="ctr" defTabSz="1422400">
             <a:lnSpc>
               <a:spcPct val="90000"/>
             </a:lnSpc>
@@ -8413,17 +8658,16 @@
             <a:spcAft>
               <a:spcPct val="35000"/>
             </a:spcAft>
-            <a:buNone/>
           </a:pPr>
           <a:r>
-            <a:rPr lang="en-US" sz="2800" kern="1200"/>
+            <a:rPr lang="en-US" sz="3200" kern="1200"/>
             <a:t>Implementarea unui algoritm de c</a:t>
           </a:r>
           <a:r>
-            <a:rPr lang="ro-RO" sz="2800" kern="1200"/>
+            <a:rPr lang="ro-RO" sz="3200" kern="1200"/>
             <a:t>ăutare a unei mingi și de șutare în aceasta</a:t>
           </a:r>
-          <a:endParaRPr lang="en-US" sz="2800" kern="1200"/>
+          <a:endParaRPr lang="en-US" sz="3200" kern="1200"/>
         </a:p>
       </dsp:txBody>
       <dsp:txXfrm>
@@ -8480,12 +8724,12 @@
         </a:fontRef>
       </dsp:style>
       <dsp:txBody>
-        <a:bodyPr spcFirstLastPara="0" vert="horz" wrap="square" lIns="106680" tIns="106680" rIns="106680" bIns="106680" numCol="1" spcCol="1270" anchor="ctr" anchorCtr="0">
+        <a:bodyPr spcFirstLastPara="0" vert="horz" wrap="square" lIns="121920" tIns="121920" rIns="121920" bIns="121920" numCol="1" spcCol="1270" anchor="ctr" anchorCtr="0">
           <a:noAutofit/>
         </a:bodyPr>
         <a:lstStyle/>
         <a:p>
-          <a:pPr marL="0" lvl="0" indent="0" algn="ctr" defTabSz="1244600">
+          <a:pPr lvl="0" algn="ctr" defTabSz="1422400">
             <a:lnSpc>
               <a:spcPct val="90000"/>
             </a:lnSpc>
@@ -8495,13 +8739,12 @@
             <a:spcAft>
               <a:spcPct val="35000"/>
             </a:spcAft>
-            <a:buNone/>
           </a:pPr>
           <a:r>
-            <a:rPr lang="ro-RO" sz="2800" kern="1200"/>
+            <a:rPr lang="ro-RO" sz="3200" kern="1200"/>
             <a:t>Posibilitatea de control manual prin intermediul unei aplicații mobile</a:t>
           </a:r>
-          <a:endParaRPr lang="en-US" sz="2800" kern="1200"/>
+          <a:endParaRPr lang="en-US" sz="3200" kern="1200"/>
         </a:p>
       </dsp:txBody>
       <dsp:txXfrm>
@@ -8528,8 +8771,8 @@
       </dsp:nvSpPr>
       <dsp:spPr>
         <a:xfrm>
-          <a:off x="36" y="23365"/>
-          <a:ext cx="3525105" cy="1310605"/>
+          <a:off x="36" y="121188"/>
+          <a:ext cx="3525105" cy="1385342"/>
         </a:xfrm>
         <a:prstGeom prst="rect">
           <a:avLst/>
@@ -8570,12 +8813,12 @@
         </a:fontRef>
       </dsp:style>
       <dsp:txBody>
-        <a:bodyPr spcFirstLastPara="0" vert="horz" wrap="square" lIns="192024" tIns="109728" rIns="192024" bIns="109728" numCol="1" spcCol="1270" anchor="ctr" anchorCtr="0">
+        <a:bodyPr spcFirstLastPara="0" vert="horz" wrap="square" lIns="206248" tIns="117856" rIns="206248" bIns="117856" numCol="1" spcCol="1270" anchor="ctr" anchorCtr="0">
           <a:noAutofit/>
         </a:bodyPr>
         <a:lstStyle/>
         <a:p>
-          <a:pPr marL="0" lvl="0" indent="0" algn="ctr" defTabSz="1200150">
+          <a:pPr lvl="0" algn="ctr" defTabSz="1289050">
             <a:lnSpc>
               <a:spcPct val="90000"/>
             </a:lnSpc>
@@ -8585,22 +8828,21 @@
             <a:spcAft>
               <a:spcPct val="35000"/>
             </a:spcAft>
-            <a:buNone/>
           </a:pPr>
           <a:r>
-            <a:rPr lang="en-US" sz="2700" kern="1200"/>
+            <a:rPr lang="en-US" sz="2900" kern="1200"/>
             <a:t>C</a:t>
           </a:r>
           <a:r>
-            <a:rPr lang="ro-RO" sz="2700" kern="1200"/>
+            <a:rPr lang="ro-RO" sz="2900" kern="1200"/>
             <a:t>ăutare automată a obiectului dorit</a:t>
           </a:r>
-          <a:endParaRPr lang="en-US" sz="2700" kern="1200"/>
+          <a:endParaRPr lang="en-US" sz="2900" kern="1200"/>
         </a:p>
       </dsp:txBody>
       <dsp:txXfrm>
-        <a:off x="36" y="23365"/>
-        <a:ext cx="3525105" cy="1310605"/>
+        <a:off x="36" y="121188"/>
+        <a:ext cx="3525105" cy="1385342"/>
       </dsp:txXfrm>
     </dsp:sp>
     <dsp:sp modelId="{39E88E37-7A59-475C-B0C9-ED2E6E7CD4B3}">
@@ -8610,8 +8852,8 @@
       </dsp:nvSpPr>
       <dsp:spPr>
         <a:xfrm>
-          <a:off x="36" y="1333971"/>
-          <a:ext cx="3525105" cy="2260507"/>
+          <a:off x="36" y="1506531"/>
+          <a:ext cx="3525105" cy="1990125"/>
         </a:xfrm>
         <a:prstGeom prst="rect">
           <a:avLst/>
@@ -8654,12 +8896,12 @@
         <a:fontRef idx="minor"/>
       </dsp:style>
       <dsp:txBody>
-        <a:bodyPr spcFirstLastPara="0" vert="horz" wrap="square" lIns="144018" tIns="144018" rIns="192024" bIns="216027" numCol="1" spcCol="1270" anchor="t" anchorCtr="0">
+        <a:bodyPr spcFirstLastPara="0" vert="horz" wrap="square" lIns="154686" tIns="154686" rIns="206248" bIns="232029" numCol="1" spcCol="1270" anchor="t" anchorCtr="0">
           <a:noAutofit/>
         </a:bodyPr>
         <a:lstStyle/>
         <a:p>
-          <a:pPr marL="228600" lvl="1" indent="-228600" algn="l" defTabSz="1200150">
+          <a:pPr marL="285750" lvl="1" indent="-285750" algn="l" defTabSz="1289050">
             <a:lnSpc>
               <a:spcPct val="90000"/>
             </a:lnSpc>
@@ -8669,16 +8911,16 @@
             <a:spcAft>
               <a:spcPct val="15000"/>
             </a:spcAft>
-            <a:buChar char="•"/>
+            <a:buChar char="••"/>
           </a:pPr>
           <a:r>
-            <a:rPr lang="ro-RO" sz="2700" kern="1200"/>
+            <a:rPr lang="ro-RO" sz="2900" kern="1200"/>
             <a:t>Deplasarea în orice direcție</a:t>
           </a:r>
-          <a:endParaRPr lang="en-US" sz="2700" kern="1200"/>
+          <a:endParaRPr lang="en-US" sz="2900" kern="1200"/>
         </a:p>
         <a:p>
-          <a:pPr marL="228600" lvl="1" indent="-228600" algn="l" defTabSz="1200150">
+          <a:pPr marL="285750" lvl="1" indent="-285750" algn="l" defTabSz="1289050">
             <a:lnSpc>
               <a:spcPct val="90000"/>
             </a:lnSpc>
@@ -8688,18 +8930,18 @@
             <a:spcAft>
               <a:spcPct val="15000"/>
             </a:spcAft>
-            <a:buChar char="•"/>
+            <a:buChar char="••"/>
           </a:pPr>
           <a:r>
-            <a:rPr lang="ro-RO" sz="2700" kern="1200"/>
+            <a:rPr lang="ro-RO" sz="2900" kern="1200"/>
             <a:t>Lovirea obiectului cu ambele picioare</a:t>
           </a:r>
-          <a:endParaRPr lang="en-US" sz="2700" kern="1200"/>
+          <a:endParaRPr lang="en-US" sz="2900" kern="1200"/>
         </a:p>
       </dsp:txBody>
       <dsp:txXfrm>
-        <a:off x="36" y="1333971"/>
-        <a:ext cx="3525105" cy="2260507"/>
+        <a:off x="36" y="1506531"/>
+        <a:ext cx="3525105" cy="1990125"/>
       </dsp:txXfrm>
     </dsp:sp>
     <dsp:sp modelId="{54B660C0-3765-4F0D-9266-16112A4CD854}">
@@ -8709,26 +8951,26 @@
       </dsp:nvSpPr>
       <dsp:spPr>
         <a:xfrm>
-          <a:off x="4018657" y="23365"/>
-          <a:ext cx="3525105" cy="1310605"/>
+          <a:off x="4018657" y="121188"/>
+          <a:ext cx="3525105" cy="1385342"/>
         </a:xfrm>
         <a:prstGeom prst="rect">
           <a:avLst/>
         </a:prstGeom>
         <a:solidFill>
           <a:schemeClr val="accent2">
-            <a:hueOff val="1907789"/>
-            <a:satOff val="-43528"/>
-            <a:lumOff val="16079"/>
+            <a:hueOff val="0"/>
+            <a:satOff val="0"/>
+            <a:lumOff val="0"/>
             <a:alphaOff val="0"/>
           </a:schemeClr>
         </a:solidFill>
         <a:ln w="12700" cap="flat" cmpd="sng" algn="ctr">
           <a:solidFill>
             <a:schemeClr val="accent2">
-              <a:hueOff val="1907789"/>
-              <a:satOff val="-43528"/>
-              <a:lumOff val="16079"/>
+              <a:hueOff val="0"/>
+              <a:satOff val="0"/>
+              <a:lumOff val="0"/>
               <a:alphaOff val="0"/>
             </a:schemeClr>
           </a:solidFill>
@@ -8751,12 +8993,12 @@
         </a:fontRef>
       </dsp:style>
       <dsp:txBody>
-        <a:bodyPr spcFirstLastPara="0" vert="horz" wrap="square" lIns="192024" tIns="109728" rIns="192024" bIns="109728" numCol="1" spcCol="1270" anchor="ctr" anchorCtr="0">
+        <a:bodyPr spcFirstLastPara="0" vert="horz" wrap="square" lIns="206248" tIns="117856" rIns="206248" bIns="117856" numCol="1" spcCol="1270" anchor="ctr" anchorCtr="0">
           <a:noAutofit/>
         </a:bodyPr>
         <a:lstStyle/>
         <a:p>
-          <a:pPr marL="0" lvl="0" indent="0" algn="ctr" defTabSz="1200150">
+          <a:pPr lvl="0" algn="ctr" defTabSz="1289050">
             <a:lnSpc>
               <a:spcPct val="90000"/>
             </a:lnSpc>
@@ -8766,18 +9008,17 @@
             <a:spcAft>
               <a:spcPct val="35000"/>
             </a:spcAft>
-            <a:buNone/>
           </a:pPr>
           <a:r>
-            <a:rPr lang="ro-RO" sz="2700" kern="1200"/>
+            <a:rPr lang="ro-RO" sz="2900" kern="1200"/>
             <a:t>Comandă manuală cu ajutorul unei interfețe</a:t>
           </a:r>
-          <a:endParaRPr lang="en-US" sz="2700" kern="1200"/>
+          <a:endParaRPr lang="en-US" sz="2900" kern="1200"/>
         </a:p>
       </dsp:txBody>
       <dsp:txXfrm>
-        <a:off x="4018657" y="23365"/>
-        <a:ext cx="3525105" cy="1310605"/>
+        <a:off x="4018657" y="121188"/>
+        <a:ext cx="3525105" cy="1385342"/>
       </dsp:txXfrm>
     </dsp:sp>
     <dsp:sp modelId="{D0FACDE1-EEB7-4178-8955-125C610FF1F0}">
@@ -8787,8 +9028,8 @@
       </dsp:nvSpPr>
       <dsp:spPr>
         <a:xfrm>
-          <a:off x="4018657" y="1333971"/>
-          <a:ext cx="3525105" cy="2260507"/>
+          <a:off x="4018657" y="1506531"/>
+          <a:ext cx="3525105" cy="1990125"/>
         </a:xfrm>
         <a:prstGeom prst="rect">
           <a:avLst/>
@@ -8797,9 +9038,9 @@
           <a:schemeClr val="accent2">
             <a:tint val="40000"/>
             <a:alpha val="90000"/>
-            <a:hueOff val="1974564"/>
-            <a:satOff val="-5173"/>
-            <a:lumOff val="1852"/>
+            <a:hueOff val="0"/>
+            <a:satOff val="0"/>
+            <a:lumOff val="0"/>
             <a:alphaOff val="0"/>
           </a:schemeClr>
         </a:solidFill>
@@ -8808,9 +9049,9 @@
             <a:schemeClr val="accent2">
               <a:tint val="40000"/>
               <a:alpha val="90000"/>
-              <a:hueOff val="1974564"/>
-              <a:satOff val="-5173"/>
-              <a:lumOff val="1852"/>
+              <a:hueOff val="0"/>
+              <a:satOff val="0"/>
+              <a:lumOff val="0"/>
               <a:alphaOff val="0"/>
             </a:schemeClr>
           </a:solidFill>
@@ -8831,12 +9072,12 @@
         <a:fontRef idx="minor"/>
       </dsp:style>
       <dsp:txBody>
-        <a:bodyPr spcFirstLastPara="0" vert="horz" wrap="square" lIns="144018" tIns="144018" rIns="192024" bIns="216027" numCol="1" spcCol="1270" anchor="t" anchorCtr="0">
+        <a:bodyPr spcFirstLastPara="0" vert="horz" wrap="square" lIns="154686" tIns="154686" rIns="206248" bIns="232029" numCol="1" spcCol="1270" anchor="t" anchorCtr="0">
           <a:noAutofit/>
         </a:bodyPr>
         <a:lstStyle/>
         <a:p>
-          <a:pPr marL="228600" lvl="1" indent="-228600" algn="l" defTabSz="1200150">
+          <a:pPr marL="285750" lvl="1" indent="-285750" algn="l" defTabSz="1289050">
             <a:lnSpc>
               <a:spcPct val="90000"/>
             </a:lnSpc>
@@ -8846,18 +9087,18 @@
             <a:spcAft>
               <a:spcPct val="15000"/>
             </a:spcAft>
-            <a:buChar char="•"/>
+            <a:buChar char="••"/>
           </a:pPr>
           <a:r>
-            <a:rPr lang="ro-RO" sz="2700" kern="1200"/>
+            <a:rPr lang="ro-RO" sz="2900" kern="1200"/>
             <a:t>Toate funcțiile executate de căutarea automată</a:t>
           </a:r>
-          <a:endParaRPr lang="en-US" sz="2700" kern="1200"/>
+          <a:endParaRPr lang="en-US" sz="2900" kern="1200"/>
         </a:p>
       </dsp:txBody>
       <dsp:txXfrm>
-        <a:off x="4018657" y="1333971"/>
-        <a:ext cx="3525105" cy="2260507"/>
+        <a:off x="4018657" y="1506531"/>
+        <a:ext cx="3525105" cy="1990125"/>
       </dsp:txXfrm>
     </dsp:sp>
   </dsp:spTree>
@@ -8926,7 +9167,7 @@
         </a:bodyPr>
         <a:lstStyle/>
         <a:p>
-          <a:pPr marL="0" lvl="0" indent="0" algn="l" defTabSz="1778000">
+          <a:pPr lvl="0" algn="l" defTabSz="1778000">
             <a:lnSpc>
               <a:spcPct val="90000"/>
             </a:lnSpc>
@@ -8936,7 +9177,6 @@
             <a:spcAft>
               <a:spcPct val="35000"/>
             </a:spcAft>
-            <a:buNone/>
           </a:pPr>
           <a:r>
             <a:rPr lang="ro-RO" sz="4000" kern="1200" dirty="0"/>
@@ -9000,7 +9240,7 @@
             <a:spcAft>
               <a:spcPct val="20000"/>
             </a:spcAft>
-            <a:buChar char="•"/>
+            <a:buChar char="••"/>
           </a:pPr>
           <a:r>
             <a:rPr lang="en-US" sz="3100" kern="1200" dirty="0"/>
@@ -9028,9 +9268,9 @@
         </a:prstGeom>
         <a:solidFill>
           <a:schemeClr val="accent2">
-            <a:hueOff val="953895"/>
-            <a:satOff val="-21764"/>
-            <a:lumOff val="8039"/>
+            <a:hueOff val="0"/>
+            <a:satOff val="0"/>
+            <a:lumOff val="0"/>
             <a:alphaOff val="0"/>
           </a:schemeClr>
         </a:solidFill>
@@ -9067,7 +9307,7 @@
         </a:bodyPr>
         <a:lstStyle/>
         <a:p>
-          <a:pPr marL="0" lvl="0" indent="0" algn="l" defTabSz="1778000">
+          <a:pPr lvl="0" algn="l" defTabSz="1778000">
             <a:lnSpc>
               <a:spcPct val="90000"/>
             </a:lnSpc>
@@ -9077,7 +9317,6 @@
             <a:spcAft>
               <a:spcPct val="35000"/>
             </a:spcAft>
-            <a:buNone/>
           </a:pPr>
           <a:r>
             <a:rPr lang="ro-RO" sz="4000" kern="1200"/>
@@ -9106,9 +9345,9 @@
         </a:prstGeom>
         <a:solidFill>
           <a:schemeClr val="accent2">
-            <a:hueOff val="1907789"/>
-            <a:satOff val="-43528"/>
-            <a:lumOff val="16079"/>
+            <a:hueOff val="0"/>
+            <a:satOff val="0"/>
+            <a:lumOff val="0"/>
             <a:alphaOff val="0"/>
           </a:schemeClr>
         </a:solidFill>
@@ -9145,7 +9384,7 @@
         </a:bodyPr>
         <a:lstStyle/>
         <a:p>
-          <a:pPr marL="0" lvl="0" indent="0" algn="l" defTabSz="1778000">
+          <a:pPr lvl="0" algn="l" defTabSz="1778000">
             <a:lnSpc>
               <a:spcPct val="90000"/>
             </a:lnSpc>
@@ -9155,7 +9394,6 @@
             <a:spcAft>
               <a:spcPct val="35000"/>
             </a:spcAft>
-            <a:buNone/>
           </a:pPr>
           <a:r>
             <a:rPr lang="ro-RO" sz="4000" kern="1200"/>
@@ -9235,7 +9473,7 @@
         </a:bodyPr>
         <a:lstStyle/>
         <a:p>
-          <a:pPr marL="0" lvl="0" indent="0" algn="l" defTabSz="2089150">
+          <a:pPr lvl="0" algn="l" defTabSz="2089150">
             <a:lnSpc>
               <a:spcPct val="90000"/>
             </a:lnSpc>
@@ -9245,7 +9483,6 @@
             <a:spcAft>
               <a:spcPct val="35000"/>
             </a:spcAft>
-            <a:buNone/>
           </a:pPr>
           <a:r>
             <a:rPr lang="ro-RO" sz="4700" kern="1200"/>
@@ -9274,9 +9511,9 @@
         </a:prstGeom>
         <a:solidFill>
           <a:schemeClr val="accent2">
-            <a:hueOff val="953895"/>
-            <a:satOff val="-21764"/>
-            <a:lumOff val="8039"/>
+            <a:hueOff val="0"/>
+            <a:satOff val="0"/>
+            <a:lumOff val="0"/>
             <a:alphaOff val="0"/>
           </a:schemeClr>
         </a:solidFill>
@@ -9313,7 +9550,7 @@
         </a:bodyPr>
         <a:lstStyle/>
         <a:p>
-          <a:pPr marL="0" lvl="0" indent="0" algn="l" defTabSz="2089150">
+          <a:pPr lvl="0" algn="l" defTabSz="2089150">
             <a:lnSpc>
               <a:spcPct val="90000"/>
             </a:lnSpc>
@@ -9323,7 +9560,6 @@
             <a:spcAft>
               <a:spcPct val="35000"/>
             </a:spcAft>
-            <a:buNone/>
           </a:pPr>
           <a:r>
             <a:rPr lang="ro-RO" sz="4700" kern="1200"/>
@@ -9352,9 +9588,9 @@
         </a:prstGeom>
         <a:solidFill>
           <a:schemeClr val="accent2">
-            <a:hueOff val="1907789"/>
-            <a:satOff val="-43528"/>
-            <a:lumOff val="16079"/>
+            <a:hueOff val="0"/>
+            <a:satOff val="0"/>
+            <a:lumOff val="0"/>
             <a:alphaOff val="0"/>
           </a:schemeClr>
         </a:solidFill>
@@ -9391,7 +9627,7 @@
         </a:bodyPr>
         <a:lstStyle/>
         <a:p>
-          <a:pPr marL="0" lvl="0" indent="0" algn="l" defTabSz="2089150">
+          <a:pPr lvl="0" algn="l" defTabSz="2089150">
             <a:lnSpc>
               <a:spcPct val="90000"/>
             </a:lnSpc>
@@ -9401,7 +9637,6 @@
             <a:spcAft>
               <a:spcPct val="35000"/>
             </a:spcAft>
-            <a:buNone/>
           </a:pPr>
           <a:r>
             <a:rPr lang="ro-RO" sz="4700" kern="1200"/>
@@ -9481,7 +9716,7 @@
         </a:bodyPr>
         <a:lstStyle/>
         <a:p>
-          <a:pPr marL="0" lvl="0" indent="0" algn="l" defTabSz="1555750">
+          <a:pPr lvl="0" algn="l" defTabSz="1555750">
             <a:lnSpc>
               <a:spcPct val="90000"/>
             </a:lnSpc>
@@ -9491,7 +9726,6 @@
             <a:spcAft>
               <a:spcPct val="35000"/>
             </a:spcAft>
-            <a:buNone/>
           </a:pPr>
           <a:r>
             <a:rPr lang="ro-RO" sz="3500" kern="1200"/>
@@ -9514,252 +9748,6 @@
         <a:xfrm>
           <a:off x="0" y="939522"/>
           <a:ext cx="7543800" cy="818999"/>
-        </a:xfrm>
-        <a:prstGeom prst="roundRect">
-          <a:avLst/>
-        </a:prstGeom>
-        <a:solidFill>
-          <a:schemeClr val="accent2">
-            <a:hueOff val="635930"/>
-            <a:satOff val="-14509"/>
-            <a:lumOff val="5360"/>
-            <a:alphaOff val="0"/>
-          </a:schemeClr>
-        </a:solidFill>
-        <a:ln w="12700" cap="flat" cmpd="sng" algn="ctr">
-          <a:solidFill>
-            <a:schemeClr val="lt1">
-              <a:hueOff val="0"/>
-              <a:satOff val="0"/>
-              <a:lumOff val="0"/>
-              <a:alphaOff val="0"/>
-            </a:schemeClr>
-          </a:solidFill>
-          <a:prstDash val="solid"/>
-        </a:ln>
-        <a:effectLst/>
-      </dsp:spPr>
-      <dsp:style>
-        <a:lnRef idx="2">
-          <a:scrgbClr r="0" g="0" b="0"/>
-        </a:lnRef>
-        <a:fillRef idx="1">
-          <a:scrgbClr r="0" g="0" b="0"/>
-        </a:fillRef>
-        <a:effectRef idx="0">
-          <a:scrgbClr r="0" g="0" b="0"/>
-        </a:effectRef>
-        <a:fontRef idx="minor">
-          <a:schemeClr val="lt1"/>
-        </a:fontRef>
-      </dsp:style>
-      <dsp:txBody>
-        <a:bodyPr spcFirstLastPara="0" vert="horz" wrap="square" lIns="133350" tIns="133350" rIns="133350" bIns="133350" numCol="1" spcCol="1270" anchor="ctr" anchorCtr="0">
-          <a:noAutofit/>
-        </a:bodyPr>
-        <a:lstStyle/>
-        <a:p>
-          <a:pPr marL="0" lvl="0" indent="0" algn="l" defTabSz="1555750">
-            <a:lnSpc>
-              <a:spcPct val="90000"/>
-            </a:lnSpc>
-            <a:spcBef>
-              <a:spcPct val="0"/>
-            </a:spcBef>
-            <a:spcAft>
-              <a:spcPct val="35000"/>
-            </a:spcAft>
-            <a:buNone/>
-          </a:pPr>
-          <a:r>
-            <a:rPr lang="ro-RO" sz="3500" kern="1200"/>
-            <a:t>Android Studio – Java</a:t>
-          </a:r>
-          <a:endParaRPr lang="en-US" sz="3500" kern="1200"/>
-        </a:p>
-      </dsp:txBody>
-      <dsp:txXfrm>
-        <a:off x="39980" y="979502"/>
-        <a:ext cx="7463840" cy="739039"/>
-      </dsp:txXfrm>
-    </dsp:sp>
-    <dsp:sp modelId="{B5A07579-8DA4-4BB2-8BC5-30D0C9642E48}">
-      <dsp:nvSpPr>
-        <dsp:cNvPr id="0" name=""/>
-        <dsp:cNvSpPr/>
-      </dsp:nvSpPr>
-      <dsp:spPr>
-        <a:xfrm>
-          <a:off x="0" y="1859322"/>
-          <a:ext cx="7543800" cy="818999"/>
-        </a:xfrm>
-        <a:prstGeom prst="roundRect">
-          <a:avLst/>
-        </a:prstGeom>
-        <a:solidFill>
-          <a:schemeClr val="accent2">
-            <a:hueOff val="1271860"/>
-            <a:satOff val="-29019"/>
-            <a:lumOff val="10719"/>
-            <a:alphaOff val="0"/>
-          </a:schemeClr>
-        </a:solidFill>
-        <a:ln w="12700" cap="flat" cmpd="sng" algn="ctr">
-          <a:solidFill>
-            <a:schemeClr val="lt1">
-              <a:hueOff val="0"/>
-              <a:satOff val="0"/>
-              <a:lumOff val="0"/>
-              <a:alphaOff val="0"/>
-            </a:schemeClr>
-          </a:solidFill>
-          <a:prstDash val="solid"/>
-        </a:ln>
-        <a:effectLst/>
-      </dsp:spPr>
-      <dsp:style>
-        <a:lnRef idx="2">
-          <a:scrgbClr r="0" g="0" b="0"/>
-        </a:lnRef>
-        <a:fillRef idx="1">
-          <a:scrgbClr r="0" g="0" b="0"/>
-        </a:fillRef>
-        <a:effectRef idx="0">
-          <a:scrgbClr r="0" g="0" b="0"/>
-        </a:effectRef>
-        <a:fontRef idx="minor">
-          <a:schemeClr val="lt1"/>
-        </a:fontRef>
-      </dsp:style>
-      <dsp:txBody>
-        <a:bodyPr spcFirstLastPara="0" vert="horz" wrap="square" lIns="133350" tIns="133350" rIns="133350" bIns="133350" numCol="1" spcCol="1270" anchor="ctr" anchorCtr="0">
-          <a:noAutofit/>
-        </a:bodyPr>
-        <a:lstStyle/>
-        <a:p>
-          <a:pPr marL="0" lvl="0" indent="0" algn="l" defTabSz="1555750">
-            <a:lnSpc>
-              <a:spcPct val="90000"/>
-            </a:lnSpc>
-            <a:spcBef>
-              <a:spcPct val="0"/>
-            </a:spcBef>
-            <a:spcAft>
-              <a:spcPct val="35000"/>
-            </a:spcAft>
-            <a:buNone/>
-          </a:pPr>
-          <a:r>
-            <a:rPr lang="ro-RO" sz="3500" kern="1200"/>
-            <a:t>GitHub</a:t>
-          </a:r>
-          <a:endParaRPr lang="en-US" sz="3500" kern="1200"/>
-        </a:p>
-      </dsp:txBody>
-      <dsp:txXfrm>
-        <a:off x="39980" y="1899302"/>
-        <a:ext cx="7463840" cy="739039"/>
-      </dsp:txXfrm>
-    </dsp:sp>
-    <dsp:sp modelId="{9939510C-B4E4-44C3-8190-3F5E10565C9D}">
-      <dsp:nvSpPr>
-        <dsp:cNvPr id="0" name=""/>
-        <dsp:cNvSpPr/>
-      </dsp:nvSpPr>
-      <dsp:spPr>
-        <a:xfrm>
-          <a:off x="0" y="2779122"/>
-          <a:ext cx="7543800" cy="818999"/>
-        </a:xfrm>
-        <a:prstGeom prst="roundRect">
-          <a:avLst/>
-        </a:prstGeom>
-        <a:solidFill>
-          <a:schemeClr val="accent2">
-            <a:hueOff val="1907789"/>
-            <a:satOff val="-43528"/>
-            <a:lumOff val="16079"/>
-            <a:alphaOff val="0"/>
-          </a:schemeClr>
-        </a:solidFill>
-        <a:ln w="12700" cap="flat" cmpd="sng" algn="ctr">
-          <a:solidFill>
-            <a:schemeClr val="lt1">
-              <a:hueOff val="0"/>
-              <a:satOff val="0"/>
-              <a:lumOff val="0"/>
-              <a:alphaOff val="0"/>
-            </a:schemeClr>
-          </a:solidFill>
-          <a:prstDash val="solid"/>
-        </a:ln>
-        <a:effectLst/>
-      </dsp:spPr>
-      <dsp:style>
-        <a:lnRef idx="2">
-          <a:scrgbClr r="0" g="0" b="0"/>
-        </a:lnRef>
-        <a:fillRef idx="1">
-          <a:scrgbClr r="0" g="0" b="0"/>
-        </a:fillRef>
-        <a:effectRef idx="0">
-          <a:scrgbClr r="0" g="0" b="0"/>
-        </a:effectRef>
-        <a:fontRef idx="minor">
-          <a:schemeClr val="lt1"/>
-        </a:fontRef>
-      </dsp:style>
-      <dsp:txBody>
-        <a:bodyPr spcFirstLastPara="0" vert="horz" wrap="square" lIns="133350" tIns="133350" rIns="133350" bIns="133350" numCol="1" spcCol="1270" anchor="ctr" anchorCtr="0">
-          <a:noAutofit/>
-        </a:bodyPr>
-        <a:lstStyle/>
-        <a:p>
-          <a:pPr marL="0" lvl="0" indent="0" algn="l" defTabSz="1555750">
-            <a:lnSpc>
-              <a:spcPct val="90000"/>
-            </a:lnSpc>
-            <a:spcBef>
-              <a:spcPct val="0"/>
-            </a:spcBef>
-            <a:spcAft>
-              <a:spcPct val="35000"/>
-            </a:spcAft>
-            <a:buNone/>
-          </a:pPr>
-          <a:r>
-            <a:rPr lang="ro-RO" sz="3500" kern="1200"/>
-            <a:t>LynxTerm</a:t>
-          </a:r>
-          <a:endParaRPr lang="en-US" sz="3500" kern="1200"/>
-        </a:p>
-      </dsp:txBody>
-      <dsp:txXfrm>
-        <a:off x="39980" y="2819102"/>
-        <a:ext cx="7463840" cy="739039"/>
-      </dsp:txXfrm>
-    </dsp:sp>
-  </dsp:spTree>
-</dsp:drawing>
-</file>
-
-<file path=ppt/diagrams/drawing6.xml><?xml version="1.0" encoding="utf-8"?>
-<dsp:drawing xmlns:dgm="http://schemas.openxmlformats.org/drawingml/2006/diagram" xmlns:dsp="http://schemas.microsoft.com/office/drawing/2008/diagram" xmlns:a="http://schemas.openxmlformats.org/drawingml/2006/main">
-  <dsp:spTree>
-    <dsp:nvGrpSpPr>
-      <dsp:cNvPr id="0" name=""/>
-      <dsp:cNvGrpSpPr/>
-    </dsp:nvGrpSpPr>
-    <dsp:grpSpPr/>
-    <dsp:sp modelId="{108A7250-4707-4433-BCC9-90514BB151B6}">
-      <dsp:nvSpPr>
-        <dsp:cNvPr id="0" name=""/>
-        <dsp:cNvSpPr/>
-      </dsp:nvSpPr>
-      <dsp:spPr>
-        <a:xfrm>
-          <a:off x="0" y="148422"/>
-          <a:ext cx="7543800" cy="936000"/>
         </a:xfrm>
         <a:prstGeom prst="roundRect">
           <a:avLst/>
@@ -9800,12 +9788,12 @@
         </a:fontRef>
       </dsp:style>
       <dsp:txBody>
-        <a:bodyPr spcFirstLastPara="0" vert="horz" wrap="square" lIns="152400" tIns="152400" rIns="152400" bIns="152400" numCol="1" spcCol="1270" anchor="ctr" anchorCtr="0">
+        <a:bodyPr spcFirstLastPara="0" vert="horz" wrap="square" lIns="133350" tIns="133350" rIns="133350" bIns="133350" numCol="1" spcCol="1270" anchor="ctr" anchorCtr="0">
           <a:noAutofit/>
         </a:bodyPr>
         <a:lstStyle/>
         <a:p>
-          <a:pPr marL="0" lvl="0" indent="0" algn="l" defTabSz="1778000">
+          <a:pPr lvl="0" algn="l" defTabSz="1555750">
             <a:lnSpc>
               <a:spcPct val="90000"/>
             </a:lnSpc>
@@ -9815,121 +9803,37 @@
             <a:spcAft>
               <a:spcPct val="35000"/>
             </a:spcAft>
-            <a:buNone/>
           </a:pPr>
           <a:r>
-            <a:rPr lang="ro-RO" sz="4000" kern="1200"/>
-            <a:t>Folosit ca server web</a:t>
+            <a:rPr lang="ro-RO" sz="3500" kern="1200"/>
+            <a:t>Android Studio – Java</a:t>
           </a:r>
-          <a:endParaRPr lang="en-US" sz="4000" kern="1200"/>
+          <a:endParaRPr lang="en-US" sz="3500" kern="1200"/>
         </a:p>
       </dsp:txBody>
       <dsp:txXfrm>
-        <a:off x="45692" y="194114"/>
-        <a:ext cx="7452416" cy="844616"/>
+        <a:off x="39980" y="979502"/>
+        <a:ext cx="7463840" cy="739039"/>
       </dsp:txXfrm>
     </dsp:sp>
-    <dsp:sp modelId="{DA8EE2E4-BA55-42D8-B46F-696209B3BF32}">
+    <dsp:sp modelId="{B5A07579-8DA4-4BB2-8BC5-30D0C9642E48}">
       <dsp:nvSpPr>
         <dsp:cNvPr id="0" name=""/>
         <dsp:cNvSpPr/>
       </dsp:nvSpPr>
       <dsp:spPr>
         <a:xfrm>
-          <a:off x="0" y="1084422"/>
-          <a:ext cx="7543800" cy="1449000"/>
-        </a:xfrm>
-        <a:prstGeom prst="rect">
-          <a:avLst/>
-        </a:prstGeom>
-        <a:noFill/>
-        <a:ln>
-          <a:noFill/>
-        </a:ln>
-        <a:effectLst/>
-      </dsp:spPr>
-      <dsp:style>
-        <a:lnRef idx="0">
-          <a:scrgbClr r="0" g="0" b="0"/>
-        </a:lnRef>
-        <a:fillRef idx="0">
-          <a:scrgbClr r="0" g="0" b="0"/>
-        </a:fillRef>
-        <a:effectRef idx="0">
-          <a:scrgbClr r="0" g="0" b="0"/>
-        </a:effectRef>
-        <a:fontRef idx="minor"/>
-      </dsp:style>
-      <dsp:txBody>
-        <a:bodyPr spcFirstLastPara="0" vert="horz" wrap="square" lIns="239516" tIns="50800" rIns="284480" bIns="50800" numCol="1" spcCol="1270" anchor="t" anchorCtr="0">
-          <a:noAutofit/>
-        </a:bodyPr>
-        <a:lstStyle/>
-        <a:p>
-          <a:pPr marL="285750" lvl="1" indent="-285750" algn="l" defTabSz="1377950">
-            <a:lnSpc>
-              <a:spcPct val="90000"/>
-            </a:lnSpc>
-            <a:spcBef>
-              <a:spcPct val="0"/>
-            </a:spcBef>
-            <a:spcAft>
-              <a:spcPct val="20000"/>
-            </a:spcAft>
-            <a:buChar char="•"/>
-          </a:pPr>
-          <a:r>
-            <a:rPr lang="ro-RO" sz="3100" kern="1200"/>
-            <a:t>Recepționează cererile HTTP de la aplicația Android</a:t>
-          </a:r>
-          <a:endParaRPr lang="en-US" sz="3100" kern="1200"/>
-        </a:p>
-        <a:p>
-          <a:pPr marL="285750" lvl="1" indent="-285750" algn="l" defTabSz="1377950">
-            <a:lnSpc>
-              <a:spcPct val="90000"/>
-            </a:lnSpc>
-            <a:spcBef>
-              <a:spcPct val="0"/>
-            </a:spcBef>
-            <a:spcAft>
-              <a:spcPct val="20000"/>
-            </a:spcAft>
-            <a:buChar char="•"/>
-          </a:pPr>
-          <a:r>
-            <a:rPr lang="ro-RO" sz="3100" kern="1200"/>
-            <a:t>Le analizează</a:t>
-          </a:r>
-          <a:r>
-            <a:rPr lang="en-US" sz="3100" kern="1200"/>
-            <a:t> parametrii</a:t>
-          </a:r>
-        </a:p>
-      </dsp:txBody>
-      <dsp:txXfrm>
-        <a:off x="0" y="1084422"/>
-        <a:ext cx="7543800" cy="1449000"/>
-      </dsp:txXfrm>
-    </dsp:sp>
-    <dsp:sp modelId="{3987B0D8-2F11-491F-8F39-750F62606B27}">
-      <dsp:nvSpPr>
-        <dsp:cNvPr id="0" name=""/>
-        <dsp:cNvSpPr/>
-      </dsp:nvSpPr>
-      <dsp:spPr>
-        <a:xfrm>
-          <a:off x="0" y="2533422"/>
-          <a:ext cx="7543800" cy="936000"/>
+          <a:off x="0" y="1859322"/>
+          <a:ext cx="7543800" cy="818999"/>
         </a:xfrm>
         <a:prstGeom prst="roundRect">
           <a:avLst/>
         </a:prstGeom>
         <a:solidFill>
           <a:schemeClr val="accent2">
-            <a:hueOff val="1907789"/>
-            <a:satOff val="-43528"/>
-            <a:lumOff val="16079"/>
+            <a:hueOff val="0"/>
+            <a:satOff val="0"/>
+            <a:lumOff val="0"/>
             <a:alphaOff val="0"/>
           </a:schemeClr>
         </a:solidFill>
@@ -9961,12 +9865,12 @@
         </a:fontRef>
       </dsp:style>
       <dsp:txBody>
-        <a:bodyPr spcFirstLastPara="0" vert="horz" wrap="square" lIns="152400" tIns="152400" rIns="152400" bIns="152400" numCol="1" spcCol="1270" anchor="ctr" anchorCtr="0">
+        <a:bodyPr spcFirstLastPara="0" vert="horz" wrap="square" lIns="133350" tIns="133350" rIns="133350" bIns="133350" numCol="1" spcCol="1270" anchor="ctr" anchorCtr="0">
           <a:noAutofit/>
         </a:bodyPr>
         <a:lstStyle/>
         <a:p>
-          <a:pPr marL="0" lvl="0" indent="0" algn="l" defTabSz="1778000">
+          <a:pPr lvl="0" algn="l" defTabSz="1555750">
             <a:lnSpc>
               <a:spcPct val="90000"/>
             </a:lnSpc>
@@ -9976,18 +9880,343 @@
             <a:spcAft>
               <a:spcPct val="35000"/>
             </a:spcAft>
-            <a:buNone/>
           </a:pPr>
           <a:r>
-            <a:rPr lang="ro-RO" sz="4000" kern="1200"/>
-            <a:t>Transmite comanda la Arduino</a:t>
+            <a:rPr lang="ro-RO" sz="3500" kern="1200"/>
+            <a:t>GitHub</a:t>
           </a:r>
-          <a:endParaRPr lang="en-US" sz="4000" kern="1200"/>
+          <a:endParaRPr lang="en-US" sz="3500" kern="1200"/>
         </a:p>
       </dsp:txBody>
       <dsp:txXfrm>
-        <a:off x="45692" y="2579114"/>
-        <a:ext cx="7452416" cy="844616"/>
+        <a:off x="39980" y="1899302"/>
+        <a:ext cx="7463840" cy="739039"/>
+      </dsp:txXfrm>
+    </dsp:sp>
+    <dsp:sp modelId="{9939510C-B4E4-44C3-8190-3F5E10565C9D}">
+      <dsp:nvSpPr>
+        <dsp:cNvPr id="0" name=""/>
+        <dsp:cNvSpPr/>
+      </dsp:nvSpPr>
+      <dsp:spPr>
+        <a:xfrm>
+          <a:off x="0" y="2779122"/>
+          <a:ext cx="7543800" cy="818999"/>
+        </a:xfrm>
+        <a:prstGeom prst="roundRect">
+          <a:avLst/>
+        </a:prstGeom>
+        <a:solidFill>
+          <a:schemeClr val="accent2">
+            <a:hueOff val="0"/>
+            <a:satOff val="0"/>
+            <a:lumOff val="0"/>
+            <a:alphaOff val="0"/>
+          </a:schemeClr>
+        </a:solidFill>
+        <a:ln w="12700" cap="flat" cmpd="sng" algn="ctr">
+          <a:solidFill>
+            <a:schemeClr val="lt1">
+              <a:hueOff val="0"/>
+              <a:satOff val="0"/>
+              <a:lumOff val="0"/>
+              <a:alphaOff val="0"/>
+            </a:schemeClr>
+          </a:solidFill>
+          <a:prstDash val="solid"/>
+        </a:ln>
+        <a:effectLst/>
+      </dsp:spPr>
+      <dsp:style>
+        <a:lnRef idx="2">
+          <a:scrgbClr r="0" g="0" b="0"/>
+        </a:lnRef>
+        <a:fillRef idx="1">
+          <a:scrgbClr r="0" g="0" b="0"/>
+        </a:fillRef>
+        <a:effectRef idx="0">
+          <a:scrgbClr r="0" g="0" b="0"/>
+        </a:effectRef>
+        <a:fontRef idx="minor">
+          <a:schemeClr val="lt1"/>
+        </a:fontRef>
+      </dsp:style>
+      <dsp:txBody>
+        <a:bodyPr spcFirstLastPara="0" vert="horz" wrap="square" lIns="133350" tIns="133350" rIns="133350" bIns="133350" numCol="1" spcCol="1270" anchor="ctr" anchorCtr="0">
+          <a:noAutofit/>
+        </a:bodyPr>
+        <a:lstStyle/>
+        <a:p>
+          <a:pPr lvl="0" algn="l" defTabSz="1555750">
+            <a:lnSpc>
+              <a:spcPct val="90000"/>
+            </a:lnSpc>
+            <a:spcBef>
+              <a:spcPct val="0"/>
+            </a:spcBef>
+            <a:spcAft>
+              <a:spcPct val="35000"/>
+            </a:spcAft>
+          </a:pPr>
+          <a:r>
+            <a:rPr lang="ro-RO" sz="3500" kern="1200"/>
+            <a:t>LynxTerm</a:t>
+          </a:r>
+          <a:endParaRPr lang="en-US" sz="3500" kern="1200"/>
+        </a:p>
+      </dsp:txBody>
+      <dsp:txXfrm>
+        <a:off x="39980" y="2819102"/>
+        <a:ext cx="7463840" cy="739039"/>
+      </dsp:txXfrm>
+    </dsp:sp>
+  </dsp:spTree>
+</dsp:drawing>
+</file>
+
+<file path=ppt/diagrams/drawing6.xml><?xml version="1.0" encoding="utf-8"?>
+<dsp:drawing xmlns:dgm="http://schemas.openxmlformats.org/drawingml/2006/diagram" xmlns:dsp="http://schemas.microsoft.com/office/drawing/2008/diagram" xmlns:a="http://schemas.openxmlformats.org/drawingml/2006/main">
+  <dsp:spTree>
+    <dsp:nvGrpSpPr>
+      <dsp:cNvPr id="0" name=""/>
+      <dsp:cNvGrpSpPr/>
+    </dsp:nvGrpSpPr>
+    <dsp:grpSpPr/>
+    <dsp:sp modelId="{108A7250-4707-4433-BCC9-90514BB151B6}">
+      <dsp:nvSpPr>
+        <dsp:cNvPr id="0" name=""/>
+        <dsp:cNvSpPr/>
+      </dsp:nvSpPr>
+      <dsp:spPr>
+        <a:xfrm>
+          <a:off x="0" y="23884"/>
+          <a:ext cx="7543800" cy="1006200"/>
+        </a:xfrm>
+        <a:prstGeom prst="roundRect">
+          <a:avLst/>
+        </a:prstGeom>
+        <a:solidFill>
+          <a:schemeClr val="accent2">
+            <a:hueOff val="0"/>
+            <a:satOff val="0"/>
+            <a:lumOff val="0"/>
+            <a:alphaOff val="0"/>
+          </a:schemeClr>
+        </a:solidFill>
+        <a:ln w="12700" cap="flat" cmpd="sng" algn="ctr">
+          <a:solidFill>
+            <a:schemeClr val="lt1">
+              <a:hueOff val="0"/>
+              <a:satOff val="0"/>
+              <a:lumOff val="0"/>
+              <a:alphaOff val="0"/>
+            </a:schemeClr>
+          </a:solidFill>
+          <a:prstDash val="solid"/>
+        </a:ln>
+        <a:effectLst/>
+      </dsp:spPr>
+      <dsp:style>
+        <a:lnRef idx="2">
+          <a:scrgbClr r="0" g="0" b="0"/>
+        </a:lnRef>
+        <a:fillRef idx="1">
+          <a:scrgbClr r="0" g="0" b="0"/>
+        </a:fillRef>
+        <a:effectRef idx="0">
+          <a:scrgbClr r="0" g="0" b="0"/>
+        </a:effectRef>
+        <a:fontRef idx="minor">
+          <a:schemeClr val="lt1"/>
+        </a:fontRef>
+      </dsp:style>
+      <dsp:txBody>
+        <a:bodyPr spcFirstLastPara="0" vert="horz" wrap="square" lIns="163830" tIns="163830" rIns="163830" bIns="163830" numCol="1" spcCol="1270" anchor="ctr" anchorCtr="0">
+          <a:noAutofit/>
+        </a:bodyPr>
+        <a:lstStyle/>
+        <a:p>
+          <a:pPr lvl="0" algn="l" defTabSz="1911350">
+            <a:lnSpc>
+              <a:spcPct val="90000"/>
+            </a:lnSpc>
+            <a:spcBef>
+              <a:spcPct val="0"/>
+            </a:spcBef>
+            <a:spcAft>
+              <a:spcPct val="35000"/>
+            </a:spcAft>
+          </a:pPr>
+          <a:r>
+            <a:rPr lang="ro-RO" sz="4300" kern="1200" dirty="0"/>
+            <a:t>Folosit ca server web</a:t>
+          </a:r>
+          <a:endParaRPr lang="en-US" sz="4300" kern="1200" dirty="0"/>
+        </a:p>
+      </dsp:txBody>
+      <dsp:txXfrm>
+        <a:off x="49119" y="73003"/>
+        <a:ext cx="7445562" cy="907962"/>
+      </dsp:txXfrm>
+    </dsp:sp>
+    <dsp:sp modelId="{DA8EE2E4-BA55-42D8-B46F-696209B3BF32}">
+      <dsp:nvSpPr>
+        <dsp:cNvPr id="0" name=""/>
+        <dsp:cNvSpPr/>
+      </dsp:nvSpPr>
+      <dsp:spPr>
+        <a:xfrm>
+          <a:off x="0" y="1030084"/>
+          <a:ext cx="7543800" cy="1557674"/>
+        </a:xfrm>
+        <a:prstGeom prst="rect">
+          <a:avLst/>
+        </a:prstGeom>
+        <a:noFill/>
+        <a:ln>
+          <a:noFill/>
+        </a:ln>
+        <a:effectLst/>
+      </dsp:spPr>
+      <dsp:style>
+        <a:lnRef idx="0">
+          <a:scrgbClr r="0" g="0" b="0"/>
+        </a:lnRef>
+        <a:fillRef idx="0">
+          <a:scrgbClr r="0" g="0" b="0"/>
+        </a:fillRef>
+        <a:effectRef idx="0">
+          <a:scrgbClr r="0" g="0" b="0"/>
+        </a:effectRef>
+        <a:fontRef idx="minor"/>
+      </dsp:style>
+      <dsp:txBody>
+        <a:bodyPr spcFirstLastPara="0" vert="horz" wrap="square" lIns="239516" tIns="54610" rIns="305816" bIns="54610" numCol="1" spcCol="1270" anchor="t" anchorCtr="0">
+          <a:noAutofit/>
+        </a:bodyPr>
+        <a:lstStyle/>
+        <a:p>
+          <a:pPr marL="285750" lvl="1" indent="-285750" algn="l" defTabSz="1511300">
+            <a:lnSpc>
+              <a:spcPct val="90000"/>
+            </a:lnSpc>
+            <a:spcBef>
+              <a:spcPct val="0"/>
+            </a:spcBef>
+            <a:spcAft>
+              <a:spcPct val="20000"/>
+            </a:spcAft>
+            <a:buChar char="••"/>
+          </a:pPr>
+          <a:r>
+            <a:rPr lang="ro-RO" sz="3400" kern="1200"/>
+            <a:t>Recepționează cererile HTTP de la aplicația Android</a:t>
+          </a:r>
+          <a:endParaRPr lang="en-US" sz="3400" kern="1200"/>
+        </a:p>
+        <a:p>
+          <a:pPr marL="285750" lvl="1" indent="-285750" algn="l" defTabSz="1511300">
+            <a:lnSpc>
+              <a:spcPct val="90000"/>
+            </a:lnSpc>
+            <a:spcBef>
+              <a:spcPct val="0"/>
+            </a:spcBef>
+            <a:spcAft>
+              <a:spcPct val="20000"/>
+            </a:spcAft>
+            <a:buChar char="••"/>
+          </a:pPr>
+          <a:r>
+            <a:rPr lang="ro-RO" sz="3400" kern="1200"/>
+            <a:t>Le analizează</a:t>
+          </a:r>
+          <a:r>
+            <a:rPr lang="en-US" sz="3400" kern="1200"/>
+            <a:t> parametrii</a:t>
+          </a:r>
+        </a:p>
+      </dsp:txBody>
+      <dsp:txXfrm>
+        <a:off x="0" y="1030084"/>
+        <a:ext cx="7543800" cy="1557674"/>
+      </dsp:txXfrm>
+    </dsp:sp>
+    <dsp:sp modelId="{3987B0D8-2F11-491F-8F39-750F62606B27}">
+      <dsp:nvSpPr>
+        <dsp:cNvPr id="0" name=""/>
+        <dsp:cNvSpPr/>
+      </dsp:nvSpPr>
+      <dsp:spPr>
+        <a:xfrm>
+          <a:off x="0" y="2587760"/>
+          <a:ext cx="7543800" cy="1006200"/>
+        </a:xfrm>
+        <a:prstGeom prst="roundRect">
+          <a:avLst/>
+        </a:prstGeom>
+        <a:solidFill>
+          <a:schemeClr val="accent2">
+            <a:hueOff val="0"/>
+            <a:satOff val="0"/>
+            <a:lumOff val="0"/>
+            <a:alphaOff val="0"/>
+          </a:schemeClr>
+        </a:solidFill>
+        <a:ln w="12700" cap="flat" cmpd="sng" algn="ctr">
+          <a:solidFill>
+            <a:schemeClr val="lt1">
+              <a:hueOff val="0"/>
+              <a:satOff val="0"/>
+              <a:lumOff val="0"/>
+              <a:alphaOff val="0"/>
+            </a:schemeClr>
+          </a:solidFill>
+          <a:prstDash val="solid"/>
+        </a:ln>
+        <a:effectLst/>
+      </dsp:spPr>
+      <dsp:style>
+        <a:lnRef idx="2">
+          <a:scrgbClr r="0" g="0" b="0"/>
+        </a:lnRef>
+        <a:fillRef idx="1">
+          <a:scrgbClr r="0" g="0" b="0"/>
+        </a:fillRef>
+        <a:effectRef idx="0">
+          <a:scrgbClr r="0" g="0" b="0"/>
+        </a:effectRef>
+        <a:fontRef idx="minor">
+          <a:schemeClr val="lt1"/>
+        </a:fontRef>
+      </dsp:style>
+      <dsp:txBody>
+        <a:bodyPr spcFirstLastPara="0" vert="horz" wrap="square" lIns="163830" tIns="163830" rIns="163830" bIns="163830" numCol="1" spcCol="1270" anchor="ctr" anchorCtr="0">
+          <a:noAutofit/>
+        </a:bodyPr>
+        <a:lstStyle/>
+        <a:p>
+          <a:pPr lvl="0" algn="l" defTabSz="1911350">
+            <a:lnSpc>
+              <a:spcPct val="90000"/>
+            </a:lnSpc>
+            <a:spcBef>
+              <a:spcPct val="0"/>
+            </a:spcBef>
+            <a:spcAft>
+              <a:spcPct val="35000"/>
+            </a:spcAft>
+          </a:pPr>
+          <a:r>
+            <a:rPr lang="ro-RO" sz="4300" kern="1200"/>
+            <a:t>Transmite comanda la Arduino</a:t>
+          </a:r>
+          <a:endParaRPr lang="en-US" sz="4300" kern="1200"/>
+        </a:p>
+      </dsp:txBody>
+      <dsp:txXfrm>
+        <a:off x="49119" y="2636879"/>
+        <a:ext cx="7445562" cy="907962"/>
       </dsp:txXfrm>
     </dsp:sp>
   </dsp:spTree>
@@ -10009,7 +10238,7 @@
       </dsp:nvSpPr>
       <dsp:spPr>
         <a:xfrm>
-          <a:off x="0" y="27732"/>
+          <a:off x="0" y="37047"/>
           <a:ext cx="7543800" cy="842400"/>
         </a:xfrm>
         <a:prstGeom prst="roundRect">
@@ -10056,7 +10285,7 @@
         </a:bodyPr>
         <a:lstStyle/>
         <a:p>
-          <a:pPr marL="0" lvl="0" indent="0" algn="l" defTabSz="1600200">
+          <a:pPr lvl="0" algn="l" defTabSz="1600200">
             <a:lnSpc>
               <a:spcPct val="90000"/>
             </a:lnSpc>
@@ -10066,7 +10295,6 @@
             <a:spcAft>
               <a:spcPct val="35000"/>
             </a:spcAft>
-            <a:buNone/>
           </a:pPr>
           <a:r>
             <a:rPr lang="ro-RO" sz="3600" kern="1200"/>
@@ -10076,7 +10304,7 @@
         </a:p>
       </dsp:txBody>
       <dsp:txXfrm>
-        <a:off x="41123" y="68855"/>
+        <a:off x="41123" y="78170"/>
         <a:ext cx="7461554" cy="760154"/>
       </dsp:txXfrm>
     </dsp:sp>
@@ -10087,256 +10315,8 @@
       </dsp:nvSpPr>
       <dsp:spPr>
         <a:xfrm>
-          <a:off x="0" y="973812"/>
+          <a:off x="0" y="983127"/>
           <a:ext cx="7543800" cy="842400"/>
-        </a:xfrm>
-        <a:prstGeom prst="roundRect">
-          <a:avLst/>
-        </a:prstGeom>
-        <a:solidFill>
-          <a:schemeClr val="accent2">
-            <a:hueOff val="953895"/>
-            <a:satOff val="-21764"/>
-            <a:lumOff val="8039"/>
-            <a:alphaOff val="0"/>
-          </a:schemeClr>
-        </a:solidFill>
-        <a:ln w="12700" cap="flat" cmpd="sng" algn="ctr">
-          <a:solidFill>
-            <a:schemeClr val="lt1">
-              <a:hueOff val="0"/>
-              <a:satOff val="0"/>
-              <a:lumOff val="0"/>
-              <a:alphaOff val="0"/>
-            </a:schemeClr>
-          </a:solidFill>
-          <a:prstDash val="solid"/>
-        </a:ln>
-        <a:effectLst/>
-      </dsp:spPr>
-      <dsp:style>
-        <a:lnRef idx="2">
-          <a:scrgbClr r="0" g="0" b="0"/>
-        </a:lnRef>
-        <a:fillRef idx="1">
-          <a:scrgbClr r="0" g="0" b="0"/>
-        </a:fillRef>
-        <a:effectRef idx="0">
-          <a:scrgbClr r="0" g="0" b="0"/>
-        </a:effectRef>
-        <a:fontRef idx="minor">
-          <a:schemeClr val="lt1"/>
-        </a:fontRef>
-      </dsp:style>
-      <dsp:txBody>
-        <a:bodyPr spcFirstLastPara="0" vert="horz" wrap="square" lIns="137160" tIns="137160" rIns="137160" bIns="137160" numCol="1" spcCol="1270" anchor="ctr" anchorCtr="0">
-          <a:noAutofit/>
-        </a:bodyPr>
-        <a:lstStyle/>
-        <a:p>
-          <a:pPr marL="0" lvl="0" indent="0" algn="l" defTabSz="1600200">
-            <a:lnSpc>
-              <a:spcPct val="90000"/>
-            </a:lnSpc>
-            <a:spcBef>
-              <a:spcPct val="0"/>
-            </a:spcBef>
-            <a:spcAft>
-              <a:spcPct val="35000"/>
-            </a:spcAft>
-            <a:buNone/>
-          </a:pPr>
-          <a:r>
-            <a:rPr lang="ro-RO" sz="3600" kern="1200"/>
-            <a:t>Noi funcționalități</a:t>
-          </a:r>
-          <a:endParaRPr lang="en-US" sz="3600" kern="1200"/>
-        </a:p>
-      </dsp:txBody>
-      <dsp:txXfrm>
-        <a:off x="41123" y="1014935"/>
-        <a:ext cx="7461554" cy="760154"/>
-      </dsp:txXfrm>
-    </dsp:sp>
-    <dsp:sp modelId="{AB1406CC-5633-4172-839C-C5622D9C9DC8}">
-      <dsp:nvSpPr>
-        <dsp:cNvPr id="0" name=""/>
-        <dsp:cNvSpPr/>
-      </dsp:nvSpPr>
-      <dsp:spPr>
-        <a:xfrm>
-          <a:off x="0" y="1816212"/>
-          <a:ext cx="7543800" cy="931500"/>
-        </a:xfrm>
-        <a:prstGeom prst="rect">
-          <a:avLst/>
-        </a:prstGeom>
-        <a:noFill/>
-        <a:ln>
-          <a:noFill/>
-        </a:ln>
-        <a:effectLst/>
-      </dsp:spPr>
-      <dsp:style>
-        <a:lnRef idx="0">
-          <a:scrgbClr r="0" g="0" b="0"/>
-        </a:lnRef>
-        <a:fillRef idx="0">
-          <a:scrgbClr r="0" g="0" b="0"/>
-        </a:fillRef>
-        <a:effectRef idx="0">
-          <a:scrgbClr r="0" g="0" b="0"/>
-        </a:effectRef>
-        <a:fontRef idx="minor"/>
-      </dsp:style>
-      <dsp:txBody>
-        <a:bodyPr spcFirstLastPara="0" vert="horz" wrap="square" lIns="239516" tIns="45720" rIns="256032" bIns="45720" numCol="1" spcCol="1270" anchor="t" anchorCtr="0">
-          <a:noAutofit/>
-        </a:bodyPr>
-        <a:lstStyle/>
-        <a:p>
-          <a:pPr marL="285750" lvl="1" indent="-285750" algn="l" defTabSz="1244600">
-            <a:lnSpc>
-              <a:spcPct val="90000"/>
-            </a:lnSpc>
-            <a:spcBef>
-              <a:spcPct val="0"/>
-            </a:spcBef>
-            <a:spcAft>
-              <a:spcPct val="20000"/>
-            </a:spcAft>
-            <a:buChar char="•"/>
-          </a:pPr>
-          <a:r>
-            <a:rPr lang="ro-RO" sz="2800" kern="1200"/>
-            <a:t>Marcarea unui gol într-o poartă</a:t>
-          </a:r>
-          <a:endParaRPr lang="en-US" sz="2800" kern="1200"/>
-        </a:p>
-        <a:p>
-          <a:pPr marL="285750" lvl="1" indent="-285750" algn="l" defTabSz="1244600">
-            <a:lnSpc>
-              <a:spcPct val="90000"/>
-            </a:lnSpc>
-            <a:spcBef>
-              <a:spcPct val="0"/>
-            </a:spcBef>
-            <a:spcAft>
-              <a:spcPct val="20000"/>
-            </a:spcAft>
-            <a:buChar char="•"/>
-          </a:pPr>
-          <a:r>
-            <a:rPr lang="ro-RO" sz="2800" kern="1200"/>
-            <a:t>Interacțiunea cu alți roboți</a:t>
-          </a:r>
-          <a:endParaRPr lang="en-US" sz="2800" kern="1200"/>
-        </a:p>
-      </dsp:txBody>
-      <dsp:txXfrm>
-        <a:off x="0" y="1816212"/>
-        <a:ext cx="7543800" cy="931500"/>
-      </dsp:txXfrm>
-    </dsp:sp>
-    <dsp:sp modelId="{82D23CF7-896C-48BE-9C4C-950AFEAC9C55}">
-      <dsp:nvSpPr>
-        <dsp:cNvPr id="0" name=""/>
-        <dsp:cNvSpPr/>
-      </dsp:nvSpPr>
-      <dsp:spPr>
-        <a:xfrm>
-          <a:off x="0" y="2747712"/>
-          <a:ext cx="7543800" cy="842400"/>
-        </a:xfrm>
-        <a:prstGeom prst="roundRect">
-          <a:avLst/>
-        </a:prstGeom>
-        <a:solidFill>
-          <a:schemeClr val="accent2">
-            <a:hueOff val="1907789"/>
-            <a:satOff val="-43528"/>
-            <a:lumOff val="16079"/>
-            <a:alphaOff val="0"/>
-          </a:schemeClr>
-        </a:solidFill>
-        <a:ln w="12700" cap="flat" cmpd="sng" algn="ctr">
-          <a:solidFill>
-            <a:schemeClr val="lt1">
-              <a:hueOff val="0"/>
-              <a:satOff val="0"/>
-              <a:lumOff val="0"/>
-              <a:alphaOff val="0"/>
-            </a:schemeClr>
-          </a:solidFill>
-          <a:prstDash val="solid"/>
-        </a:ln>
-        <a:effectLst/>
-      </dsp:spPr>
-      <dsp:style>
-        <a:lnRef idx="2">
-          <a:scrgbClr r="0" g="0" b="0"/>
-        </a:lnRef>
-        <a:fillRef idx="1">
-          <a:scrgbClr r="0" g="0" b="0"/>
-        </a:fillRef>
-        <a:effectRef idx="0">
-          <a:scrgbClr r="0" g="0" b="0"/>
-        </a:effectRef>
-        <a:fontRef idx="minor">
-          <a:schemeClr val="lt1"/>
-        </a:fontRef>
-      </dsp:style>
-      <dsp:txBody>
-        <a:bodyPr spcFirstLastPara="0" vert="horz" wrap="square" lIns="137160" tIns="137160" rIns="137160" bIns="137160" numCol="1" spcCol="1270" anchor="ctr" anchorCtr="0">
-          <a:noAutofit/>
-        </a:bodyPr>
-        <a:lstStyle/>
-        <a:p>
-          <a:pPr marL="0" lvl="0" indent="0" algn="l" defTabSz="1600200">
-            <a:lnSpc>
-              <a:spcPct val="90000"/>
-            </a:lnSpc>
-            <a:spcBef>
-              <a:spcPct val="0"/>
-            </a:spcBef>
-            <a:spcAft>
-              <a:spcPct val="35000"/>
-            </a:spcAft>
-            <a:buNone/>
-          </a:pPr>
-          <a:r>
-            <a:rPr lang="ro-RO" sz="3600" kern="1200"/>
-            <a:t>Estetizarea ansamblului</a:t>
-          </a:r>
-          <a:endParaRPr lang="en-US" sz="3600" kern="1200"/>
-        </a:p>
-      </dsp:txBody>
-      <dsp:txXfrm>
-        <a:off x="41123" y="2788835"/>
-        <a:ext cx="7461554" cy="760154"/>
-      </dsp:txXfrm>
-    </dsp:sp>
-  </dsp:spTree>
-</dsp:drawing>
-</file>
-
-<file path=ppt/diagrams/drawing8.xml><?xml version="1.0" encoding="utf-8"?>
-<dsp:drawing xmlns:dgm="http://schemas.openxmlformats.org/drawingml/2006/diagram" xmlns:dsp="http://schemas.microsoft.com/office/drawing/2008/diagram" xmlns:a="http://schemas.openxmlformats.org/drawingml/2006/main">
-  <dsp:spTree>
-    <dsp:nvGrpSpPr>
-      <dsp:cNvPr id="0" name=""/>
-      <dsp:cNvGrpSpPr/>
-    </dsp:nvGrpSpPr>
-    <dsp:grpSpPr/>
-    <dsp:sp modelId="{30FC9707-CED0-4381-8A41-94AADA3386FF}">
-      <dsp:nvSpPr>
-        <dsp:cNvPr id="0" name=""/>
-        <dsp:cNvSpPr/>
-      </dsp:nvSpPr>
-      <dsp:spPr>
-        <a:xfrm>
-          <a:off x="0" y="39505"/>
-          <a:ext cx="7543800" cy="1123931"/>
         </a:xfrm>
         <a:prstGeom prst="roundRect">
           <a:avLst/>
@@ -10377,12 +10357,12 @@
         </a:fontRef>
       </dsp:style>
       <dsp:txBody>
-        <a:bodyPr spcFirstLastPara="0" vert="horz" wrap="square" lIns="110490" tIns="110490" rIns="110490" bIns="110490" numCol="1" spcCol="1270" anchor="ctr" anchorCtr="0">
+        <a:bodyPr spcFirstLastPara="0" vert="horz" wrap="square" lIns="137160" tIns="137160" rIns="137160" bIns="137160" numCol="1" spcCol="1270" anchor="ctr" anchorCtr="0">
           <a:noAutofit/>
         </a:bodyPr>
         <a:lstStyle/>
         <a:p>
-          <a:pPr marL="0" lvl="0" indent="0" algn="l" defTabSz="1289050">
+          <a:pPr lvl="0" algn="l" defTabSz="1600200">
             <a:lnSpc>
               <a:spcPct val="90000"/>
             </a:lnSpc>
@@ -10392,38 +10372,117 @@
             <a:spcAft>
               <a:spcPct val="35000"/>
             </a:spcAft>
-            <a:buNone/>
           </a:pPr>
           <a:r>
-            <a:rPr lang="ro-RO" sz="2900" kern="1200"/>
-            <a:t>Proiect interesant și antrenant </a:t>
+            <a:rPr lang="ro-RO" sz="3600" kern="1200"/>
+            <a:t>Noi funcționalități</a:t>
           </a:r>
-          <a:endParaRPr lang="en-US" sz="2900" kern="1200"/>
+          <a:endParaRPr lang="en-US" sz="3600" kern="1200"/>
         </a:p>
       </dsp:txBody>
       <dsp:txXfrm>
-        <a:off x="54866" y="94371"/>
-        <a:ext cx="7434068" cy="1014199"/>
+        <a:off x="41123" y="1024250"/>
+        <a:ext cx="7461554" cy="760154"/>
       </dsp:txXfrm>
     </dsp:sp>
-    <dsp:sp modelId="{90A0CD36-9528-4C15-B25C-385E8475933D}">
+    <dsp:sp modelId="{AB1406CC-5633-4172-839C-C5622D9C9DC8}">
       <dsp:nvSpPr>
         <dsp:cNvPr id="0" name=""/>
         <dsp:cNvSpPr/>
       </dsp:nvSpPr>
       <dsp:spPr>
         <a:xfrm>
-          <a:off x="0" y="1246956"/>
-          <a:ext cx="7543800" cy="1123931"/>
+          <a:off x="0" y="1825527"/>
+          <a:ext cx="7543800" cy="912870"/>
+        </a:xfrm>
+        <a:prstGeom prst="rect">
+          <a:avLst/>
+        </a:prstGeom>
+        <a:noFill/>
+        <a:ln>
+          <a:noFill/>
+        </a:ln>
+        <a:effectLst/>
+      </dsp:spPr>
+      <dsp:style>
+        <a:lnRef idx="0">
+          <a:scrgbClr r="0" g="0" b="0"/>
+        </a:lnRef>
+        <a:fillRef idx="0">
+          <a:scrgbClr r="0" g="0" b="0"/>
+        </a:fillRef>
+        <a:effectRef idx="0">
+          <a:scrgbClr r="0" g="0" b="0"/>
+        </a:effectRef>
+        <a:fontRef idx="minor"/>
+      </dsp:style>
+      <dsp:txBody>
+        <a:bodyPr spcFirstLastPara="0" vert="horz" wrap="square" lIns="239516" tIns="45720" rIns="256032" bIns="45720" numCol="1" spcCol="1270" anchor="t" anchorCtr="0">
+          <a:noAutofit/>
+        </a:bodyPr>
+        <a:lstStyle/>
+        <a:p>
+          <a:pPr marL="285750" lvl="1" indent="-285750" algn="l" defTabSz="1244600">
+            <a:lnSpc>
+              <a:spcPct val="90000"/>
+            </a:lnSpc>
+            <a:spcBef>
+              <a:spcPct val="0"/>
+            </a:spcBef>
+            <a:spcAft>
+              <a:spcPct val="20000"/>
+            </a:spcAft>
+            <a:buChar char="••"/>
+          </a:pPr>
+          <a:r>
+            <a:rPr lang="ro-RO" sz="2800" kern="1200"/>
+            <a:t>Marcarea unui gol într-o poartă</a:t>
+          </a:r>
+          <a:endParaRPr lang="en-US" sz="2800" kern="1200"/>
+        </a:p>
+        <a:p>
+          <a:pPr marL="285750" lvl="1" indent="-285750" algn="l" defTabSz="1244600">
+            <a:lnSpc>
+              <a:spcPct val="90000"/>
+            </a:lnSpc>
+            <a:spcBef>
+              <a:spcPct val="0"/>
+            </a:spcBef>
+            <a:spcAft>
+              <a:spcPct val="20000"/>
+            </a:spcAft>
+            <a:buChar char="••"/>
+          </a:pPr>
+          <a:r>
+            <a:rPr lang="ro-RO" sz="2800" kern="1200"/>
+            <a:t>Interacțiunea cu alți roboți</a:t>
+          </a:r>
+          <a:endParaRPr lang="en-US" sz="2800" kern="1200"/>
+        </a:p>
+      </dsp:txBody>
+      <dsp:txXfrm>
+        <a:off x="0" y="1825527"/>
+        <a:ext cx="7543800" cy="912870"/>
+      </dsp:txXfrm>
+    </dsp:sp>
+    <dsp:sp modelId="{82D23CF7-896C-48BE-9C4C-950AFEAC9C55}">
+      <dsp:nvSpPr>
+        <dsp:cNvPr id="0" name=""/>
+        <dsp:cNvSpPr/>
+      </dsp:nvSpPr>
+      <dsp:spPr>
+        <a:xfrm>
+          <a:off x="0" y="2738397"/>
+          <a:ext cx="7543800" cy="842400"/>
         </a:xfrm>
         <a:prstGeom prst="roundRect">
           <a:avLst/>
         </a:prstGeom>
         <a:solidFill>
           <a:schemeClr val="accent2">
-            <a:hueOff val="953895"/>
-            <a:satOff val="-21764"/>
-            <a:lumOff val="8039"/>
+            <a:hueOff val="0"/>
+            <a:satOff val="0"/>
+            <a:lumOff val="0"/>
             <a:alphaOff val="0"/>
           </a:schemeClr>
         </a:solidFill>
@@ -10455,12 +10514,12 @@
         </a:fontRef>
       </dsp:style>
       <dsp:txBody>
-        <a:bodyPr spcFirstLastPara="0" vert="horz" wrap="square" lIns="110490" tIns="110490" rIns="110490" bIns="110490" numCol="1" spcCol="1270" anchor="ctr" anchorCtr="0">
+        <a:bodyPr spcFirstLastPara="0" vert="horz" wrap="square" lIns="137160" tIns="137160" rIns="137160" bIns="137160" numCol="1" spcCol="1270" anchor="ctr" anchorCtr="0">
           <a:noAutofit/>
         </a:bodyPr>
         <a:lstStyle/>
         <a:p>
-          <a:pPr marL="0" lvl="0" indent="0" algn="l" defTabSz="1289050">
+          <a:pPr lvl="0" algn="l" defTabSz="1600200">
             <a:lnSpc>
               <a:spcPct val="90000"/>
             </a:lnSpc>
@@ -10470,38 +10529,49 @@
             <a:spcAft>
               <a:spcPct val="35000"/>
             </a:spcAft>
-            <a:buNone/>
           </a:pPr>
           <a:r>
-            <a:rPr lang="ro-RO" sz="2900" kern="1200"/>
-            <a:t>Dezvoltare profesională</a:t>
+            <a:rPr lang="ro-RO" sz="3600" kern="1200"/>
+            <a:t>Estetizarea ansamblului</a:t>
           </a:r>
-          <a:endParaRPr lang="en-US" sz="2900" kern="1200"/>
+          <a:endParaRPr lang="en-US" sz="3600" kern="1200"/>
         </a:p>
       </dsp:txBody>
       <dsp:txXfrm>
-        <a:off x="54866" y="1301822"/>
-        <a:ext cx="7434068" cy="1014199"/>
+        <a:off x="41123" y="2779520"/>
+        <a:ext cx="7461554" cy="760154"/>
       </dsp:txXfrm>
     </dsp:sp>
-    <dsp:sp modelId="{2BEAF6A0-1FC4-47A7-BE63-D1E6186B22AF}">
+  </dsp:spTree>
+</dsp:drawing>
+</file>
+
+<file path=ppt/diagrams/drawing8.xml><?xml version="1.0" encoding="utf-8"?>
+<dsp:drawing xmlns:dgm="http://schemas.openxmlformats.org/drawingml/2006/diagram" xmlns:dsp="http://schemas.microsoft.com/office/drawing/2008/diagram" xmlns:a="http://schemas.openxmlformats.org/drawingml/2006/main">
+  <dsp:spTree>
+    <dsp:nvGrpSpPr>
+      <dsp:cNvPr id="0" name=""/>
+      <dsp:cNvGrpSpPr/>
+    </dsp:nvGrpSpPr>
+    <dsp:grpSpPr/>
+    <dsp:sp modelId="{30FC9707-CED0-4381-8A41-94AADA3386FF}">
       <dsp:nvSpPr>
         <dsp:cNvPr id="0" name=""/>
         <dsp:cNvSpPr/>
       </dsp:nvSpPr>
       <dsp:spPr>
         <a:xfrm>
-          <a:off x="0" y="2454408"/>
-          <a:ext cx="7543800" cy="1123931"/>
+          <a:off x="0" y="631542"/>
+          <a:ext cx="7543800" cy="725399"/>
         </a:xfrm>
         <a:prstGeom prst="roundRect">
           <a:avLst/>
         </a:prstGeom>
         <a:solidFill>
           <a:schemeClr val="accent2">
-            <a:hueOff val="1907789"/>
-            <a:satOff val="-43528"/>
-            <a:lumOff val="16079"/>
+            <a:hueOff val="0"/>
+            <a:satOff val="0"/>
+            <a:lumOff val="0"/>
             <a:alphaOff val="0"/>
           </a:schemeClr>
         </a:solidFill>
@@ -10533,12 +10603,12 @@
         </a:fontRef>
       </dsp:style>
       <dsp:txBody>
-        <a:bodyPr spcFirstLastPara="0" vert="horz" wrap="square" lIns="110490" tIns="110490" rIns="110490" bIns="110490" numCol="1" spcCol="1270" anchor="ctr" anchorCtr="0">
+        <a:bodyPr spcFirstLastPara="0" vert="horz" wrap="square" lIns="118110" tIns="118110" rIns="118110" bIns="118110" numCol="1" spcCol="1270" anchor="ctr" anchorCtr="0">
           <a:noAutofit/>
         </a:bodyPr>
         <a:lstStyle/>
         <a:p>
-          <a:pPr marL="0" lvl="0" indent="0" algn="l" defTabSz="1289050">
+          <a:pPr lvl="0" algn="l" defTabSz="1377950">
             <a:lnSpc>
               <a:spcPct val="90000"/>
             </a:lnSpc>
@@ -10548,18 +10618,171 @@
             <a:spcAft>
               <a:spcPct val="35000"/>
             </a:spcAft>
-            <a:buNone/>
           </a:pPr>
           <a:r>
-            <a:rPr lang="ro-RO" sz="2900" kern="1200"/>
-            <a:t>Aplicarea cunoștințelor dobândite la facultate</a:t>
+            <a:rPr lang="ro-RO" sz="3100" kern="1200"/>
+            <a:t>Proiect interesant și antrenant </a:t>
           </a:r>
-          <a:endParaRPr lang="en-US" sz="2900" kern="1200"/>
+          <a:endParaRPr lang="en-US" sz="3100" kern="1200"/>
         </a:p>
       </dsp:txBody>
       <dsp:txXfrm>
-        <a:off x="54866" y="2509274"/>
-        <a:ext cx="7434068" cy="1014199"/>
+        <a:off x="35411" y="666953"/>
+        <a:ext cx="7472978" cy="654577"/>
+      </dsp:txXfrm>
+    </dsp:sp>
+    <dsp:sp modelId="{90A0CD36-9528-4C15-B25C-385E8475933D}">
+      <dsp:nvSpPr>
+        <dsp:cNvPr id="0" name=""/>
+        <dsp:cNvSpPr/>
+      </dsp:nvSpPr>
+      <dsp:spPr>
+        <a:xfrm>
+          <a:off x="0" y="1446222"/>
+          <a:ext cx="7543800" cy="725399"/>
+        </a:xfrm>
+        <a:prstGeom prst="roundRect">
+          <a:avLst/>
+        </a:prstGeom>
+        <a:solidFill>
+          <a:schemeClr val="accent2">
+            <a:hueOff val="0"/>
+            <a:satOff val="0"/>
+            <a:lumOff val="0"/>
+            <a:alphaOff val="0"/>
+          </a:schemeClr>
+        </a:solidFill>
+        <a:ln w="12700" cap="flat" cmpd="sng" algn="ctr">
+          <a:solidFill>
+            <a:schemeClr val="lt1">
+              <a:hueOff val="0"/>
+              <a:satOff val="0"/>
+              <a:lumOff val="0"/>
+              <a:alphaOff val="0"/>
+            </a:schemeClr>
+          </a:solidFill>
+          <a:prstDash val="solid"/>
+        </a:ln>
+        <a:effectLst/>
+      </dsp:spPr>
+      <dsp:style>
+        <a:lnRef idx="2">
+          <a:scrgbClr r="0" g="0" b="0"/>
+        </a:lnRef>
+        <a:fillRef idx="1">
+          <a:scrgbClr r="0" g="0" b="0"/>
+        </a:fillRef>
+        <a:effectRef idx="0">
+          <a:scrgbClr r="0" g="0" b="0"/>
+        </a:effectRef>
+        <a:fontRef idx="minor">
+          <a:schemeClr val="lt1"/>
+        </a:fontRef>
+      </dsp:style>
+      <dsp:txBody>
+        <a:bodyPr spcFirstLastPara="0" vert="horz" wrap="square" lIns="118110" tIns="118110" rIns="118110" bIns="118110" numCol="1" spcCol="1270" anchor="ctr" anchorCtr="0">
+          <a:noAutofit/>
+        </a:bodyPr>
+        <a:lstStyle/>
+        <a:p>
+          <a:pPr lvl="0" algn="l" defTabSz="1377950">
+            <a:lnSpc>
+              <a:spcPct val="90000"/>
+            </a:lnSpc>
+            <a:spcBef>
+              <a:spcPct val="0"/>
+            </a:spcBef>
+            <a:spcAft>
+              <a:spcPct val="35000"/>
+            </a:spcAft>
+          </a:pPr>
+          <a:r>
+            <a:rPr lang="ro-RO" sz="3100" kern="1200"/>
+            <a:t>Dezvoltare profesională</a:t>
+          </a:r>
+          <a:endParaRPr lang="en-US" sz="3100" kern="1200"/>
+        </a:p>
+      </dsp:txBody>
+      <dsp:txXfrm>
+        <a:off x="35411" y="1481633"/>
+        <a:ext cx="7472978" cy="654577"/>
+      </dsp:txXfrm>
+    </dsp:sp>
+    <dsp:sp modelId="{2BEAF6A0-1FC4-47A7-BE63-D1E6186B22AF}">
+      <dsp:nvSpPr>
+        <dsp:cNvPr id="0" name=""/>
+        <dsp:cNvSpPr/>
+      </dsp:nvSpPr>
+      <dsp:spPr>
+        <a:xfrm>
+          <a:off x="0" y="2260902"/>
+          <a:ext cx="7543800" cy="725399"/>
+        </a:xfrm>
+        <a:prstGeom prst="roundRect">
+          <a:avLst/>
+        </a:prstGeom>
+        <a:solidFill>
+          <a:schemeClr val="accent2">
+            <a:hueOff val="0"/>
+            <a:satOff val="0"/>
+            <a:lumOff val="0"/>
+            <a:alphaOff val="0"/>
+          </a:schemeClr>
+        </a:solidFill>
+        <a:ln w="12700" cap="flat" cmpd="sng" algn="ctr">
+          <a:solidFill>
+            <a:schemeClr val="lt1">
+              <a:hueOff val="0"/>
+              <a:satOff val="0"/>
+              <a:lumOff val="0"/>
+              <a:alphaOff val="0"/>
+            </a:schemeClr>
+          </a:solidFill>
+          <a:prstDash val="solid"/>
+        </a:ln>
+        <a:effectLst/>
+      </dsp:spPr>
+      <dsp:style>
+        <a:lnRef idx="2">
+          <a:scrgbClr r="0" g="0" b="0"/>
+        </a:lnRef>
+        <a:fillRef idx="1">
+          <a:scrgbClr r="0" g="0" b="0"/>
+        </a:fillRef>
+        <a:effectRef idx="0">
+          <a:scrgbClr r="0" g="0" b="0"/>
+        </a:effectRef>
+        <a:fontRef idx="minor">
+          <a:schemeClr val="lt1"/>
+        </a:fontRef>
+      </dsp:style>
+      <dsp:txBody>
+        <a:bodyPr spcFirstLastPara="0" vert="horz" wrap="square" lIns="118110" tIns="118110" rIns="118110" bIns="118110" numCol="1" spcCol="1270" anchor="ctr" anchorCtr="0">
+          <a:noAutofit/>
+        </a:bodyPr>
+        <a:lstStyle/>
+        <a:p>
+          <a:pPr lvl="0" algn="l" defTabSz="1377950">
+            <a:lnSpc>
+              <a:spcPct val="90000"/>
+            </a:lnSpc>
+            <a:spcBef>
+              <a:spcPct val="0"/>
+            </a:spcBef>
+            <a:spcAft>
+              <a:spcPct val="35000"/>
+            </a:spcAft>
+          </a:pPr>
+          <a:r>
+            <a:rPr lang="ro-RO" sz="3100" kern="1200"/>
+            <a:t>Aplicarea cunoștințelor dobândite la facultate</a:t>
+          </a:r>
+          <a:endParaRPr lang="en-US" sz="3100" kern="1200"/>
+        </a:p>
+      </dsp:txBody>
+      <dsp:txXfrm>
+        <a:off x="35411" y="2296313"/>
+        <a:ext cx="7472978" cy="654577"/>
       </dsp:txXfrm>
     </dsp:sp>
   </dsp:spTree>
@@ -24726,11 +24949,23 @@
               </a:rPr>
               <a:t>ROBOTINHO</a:t>
             </a:r>
+            <a:r>
+              <a:rPr lang="ro-RO" dirty="0">
+                <a:latin typeface="+mn-lt"/>
+              </a:rPr>
+              <a:t/>
+            </a:r>
             <a:br>
               <a:rPr lang="ro-RO" dirty="0">
                 <a:latin typeface="+mn-lt"/>
               </a:rPr>
             </a:br>
+            <a:r>
+              <a:rPr lang="ro-RO" dirty="0">
+                <a:latin typeface="+mn-lt"/>
+              </a:rPr>
+              <a:t/>
+            </a:r>
             <a:br>
               <a:rPr lang="ro-RO" dirty="0">
                 <a:latin typeface="+mn-lt"/>
@@ -24762,44 +24997,24 @@
         </p:nvSpPr>
         <p:spPr>
           <a:xfrm>
-            <a:off x="179512" y="4308425"/>
-            <a:ext cx="4392488" cy="936104"/>
+            <a:off x="179512" y="4960803"/>
+            <a:ext cx="8424936" cy="936104"/>
           </a:xfrm>
         </p:spPr>
         <p:txBody>
-          <a:bodyPr/>
+          <a:bodyPr>
+            <a:normAutofit/>
+          </a:bodyPr>
           <a:lstStyle/>
           <a:p>
-            <a:pPr algn="l"/>
             <a:r>
               <a:rPr lang="en-US" noProof="1"/>
               <a:t>Coordonator: Ș.l.dr.ing. Sorin NANU </a:t>
             </a:r>
-          </a:p>
-        </p:txBody>
-      </p:sp>
-      <p:sp>
-        <p:nvSpPr>
-          <p:cNvPr id="5" name="TextBox 4"/>
-          <p:cNvSpPr txBox="1"/>
-          <p:nvPr/>
-        </p:nvSpPr>
-        <p:spPr>
-          <a:xfrm>
-            <a:off x="5957517" y="4929615"/>
-            <a:ext cx="3051395" cy="369332"/>
-          </a:xfrm>
-          <a:prstGeom prst="rect">
-            <a:avLst/>
-          </a:prstGeom>
-          <a:noFill/>
-        </p:spPr>
-        <p:txBody>
-          <a:bodyPr wrap="square" rtlCol="0">
-            <a:spAutoFit/>
-          </a:bodyPr>
-          <a:lstStyle/>
-          <a:p>
+            <a:r>
+              <a:rPr lang="ro-RO" noProof="1" smtClean="0"/>
+              <a:t> 		</a:t>
+            </a:r>
             <a:r>
               <a:rPr lang="en-US" dirty="0"/>
               <a:t>Student: </a:t>
@@ -24818,6 +25033,14 @@
             </a:r>
             <a:endParaRPr lang="en-US" dirty="0"/>
           </a:p>
+          <a:p>
+            <a:pPr algn="l"/>
+            <a:r>
+              <a:rPr lang="ro-RO" noProof="1" smtClean="0"/>
+              <a:t>	</a:t>
+            </a:r>
+            <a:endParaRPr lang="en-US" noProof="1"/>
+          </a:p>
         </p:txBody>
       </p:sp>
     </p:spTree>
@@ -24830,6 +25053,13 @@
   <p:clrMapOvr>
     <a:masterClrMapping/>
   </p:clrMapOvr>
+  <p:timing>
+    <p:tnLst>
+      <p:par>
+        <p:cTn id="1" dur="indefinite" restart="never" nodeType="tmRoot"/>
+      </p:par>
+    </p:tnLst>
+  </p:timing>
 </p:sld>
 </file>
 
@@ -24893,10 +25123,10 @@
           <p:cNvPr id="11" name="Rectangle 10">
             <a:extLst>
               <a:ext uri="{FF2B5EF4-FFF2-40B4-BE49-F238E27FC236}">
-                <a16:creationId xmlns:a16="http://schemas.microsoft.com/office/drawing/2014/main" id="{3FD711E9-7F79-40A9-8D9E-4AE293C154A5}"/>
+                <a16:creationId xmlns:a16="http://schemas.microsoft.com/office/drawing/2014/main" xmlns="" id="{3FD711E9-7F79-40A9-8D9E-4AE293C154A5}"/>
               </a:ext>
               <a:ext uri="{C183D7F6-B498-43B3-948B-1728B52AA6E4}">
-                <adec:decorative xmlns:adec="http://schemas.microsoft.com/office/drawing/2017/decorative" val="1"/>
+                <adec:decorative xmlns:adec="http://schemas.microsoft.com/office/drawing/2017/decorative" xmlns="" val="1"/>
               </a:ext>
             </a:extLst>
           </p:cNvPr>
@@ -24906,7 +25136,7 @@
           <p:nvPr>
             <p:extLst>
               <p:ext uri="{386F3935-93C4-4BCD-93E2-E3B085C9AB24}">
-                <p16:designElem xmlns:p16="http://schemas.microsoft.com/office/powerpoint/2015/main" val="1"/>
+                <p16:designElem xmlns:p16="http://schemas.microsoft.com/office/powerpoint/2015/main" xmlns="" val="1"/>
               </p:ext>
             </p:extLst>
           </p:nvPr>
@@ -25015,7 +25245,7 @@
           <p:cNvPr id="6" name="Content Placeholder 2">
             <a:extLst>
               <a:ext uri="{FF2B5EF4-FFF2-40B4-BE49-F238E27FC236}">
-                <a16:creationId xmlns:a16="http://schemas.microsoft.com/office/drawing/2014/main" id="{BA86D370-9446-4C17-B6B6-C49901A6AD60}"/>
+                <a16:creationId xmlns:a16="http://schemas.microsoft.com/office/drawing/2014/main" xmlns="" id="{BA86D370-9446-4C17-B6B6-C49901A6AD60}"/>
               </a:ext>
             </a:extLst>
           </p:cNvPr>
@@ -25051,6 +25281,13 @@
   <p:clrMapOvr>
     <a:masterClrMapping/>
   </p:clrMapOvr>
+  <p:timing>
+    <p:tnLst>
+      <p:par>
+        <p:cTn id="1" dur="indefinite" restart="never" nodeType="tmRoot"/>
+      </p:par>
+    </p:tnLst>
+  </p:timing>
 </p:sld>
 </file>
 
@@ -25084,7 +25321,7 @@
           <p:cNvPr id="2" name="Title 1">
             <a:extLst>
               <a:ext uri="{FF2B5EF4-FFF2-40B4-BE49-F238E27FC236}">
-                <a16:creationId xmlns:a16="http://schemas.microsoft.com/office/drawing/2014/main" id="{64708F30-220A-49A3-8CDA-ED245F7F9D30}"/>
+                <a16:creationId xmlns:a16="http://schemas.microsoft.com/office/drawing/2014/main" xmlns="" id="{64708F30-220A-49A3-8CDA-ED245F7F9D30}"/>
               </a:ext>
             </a:extLst>
           </p:cNvPr>
@@ -25124,10 +25361,10 @@
           <p:cNvPr id="11" name="Rectangle 10">
             <a:extLst>
               <a:ext uri="{FF2B5EF4-FFF2-40B4-BE49-F238E27FC236}">
-                <a16:creationId xmlns:a16="http://schemas.microsoft.com/office/drawing/2014/main" id="{3FD711E9-7F79-40A9-8D9E-4AE293C154A5}"/>
+                <a16:creationId xmlns:a16="http://schemas.microsoft.com/office/drawing/2014/main" xmlns="" id="{3FD711E9-7F79-40A9-8D9E-4AE293C154A5}"/>
               </a:ext>
               <a:ext uri="{C183D7F6-B498-43B3-948B-1728B52AA6E4}">
-                <adec:decorative xmlns:adec="http://schemas.microsoft.com/office/drawing/2017/decorative" val="1"/>
+                <adec:decorative xmlns:adec="http://schemas.microsoft.com/office/drawing/2017/decorative" xmlns="" val="1"/>
               </a:ext>
             </a:extLst>
           </p:cNvPr>
@@ -25137,7 +25374,7 @@
           <p:nvPr>
             <p:extLst>
               <p:ext uri="{386F3935-93C4-4BCD-93E2-E3B085C9AB24}">
-                <p16:designElem xmlns:p16="http://schemas.microsoft.com/office/powerpoint/2015/main" val="1"/>
+                <p16:designElem xmlns:p16="http://schemas.microsoft.com/office/powerpoint/2015/main" xmlns="" val="1"/>
               </p:ext>
             </p:extLst>
           </p:nvPr>
@@ -25206,7 +25443,7 @@
           <p:cNvPr id="4" name="Slide Number Placeholder 3">
             <a:extLst>
               <a:ext uri="{FF2B5EF4-FFF2-40B4-BE49-F238E27FC236}">
-                <a16:creationId xmlns:a16="http://schemas.microsoft.com/office/drawing/2014/main" id="{4C6ADBB5-F093-43EC-A59C-732582C300EB}"/>
+                <a16:creationId xmlns:a16="http://schemas.microsoft.com/office/drawing/2014/main" xmlns="" id="{4C6ADBB5-F093-43EC-A59C-732582C300EB}"/>
               </a:ext>
             </a:extLst>
           </p:cNvPr>
@@ -25252,7 +25489,7 @@
           <p:cNvPr id="6" name="Content Placeholder 2">
             <a:extLst>
               <a:ext uri="{FF2B5EF4-FFF2-40B4-BE49-F238E27FC236}">
-                <a16:creationId xmlns:a16="http://schemas.microsoft.com/office/drawing/2014/main" id="{EC0F3C5D-82E6-45CF-B860-6486ABF7DA91}"/>
+                <a16:creationId xmlns:a16="http://schemas.microsoft.com/office/drawing/2014/main" xmlns="" id="{EC0F3C5D-82E6-45CF-B860-6486ABF7DA91}"/>
               </a:ext>
             </a:extLst>
           </p:cNvPr>
@@ -25288,6 +25525,13 @@
   <p:clrMapOvr>
     <a:masterClrMapping/>
   </p:clrMapOvr>
+  <p:timing>
+    <p:tnLst>
+      <p:par>
+        <p:cTn id="1" dur="indefinite" restart="never" nodeType="tmRoot"/>
+      </p:par>
+    </p:tnLst>
+  </p:timing>
 </p:sld>
 </file>
 
@@ -25355,10 +25599,10 @@
           <p:cNvPr id="11" name="Rectangle 10">
             <a:extLst>
               <a:ext uri="{FF2B5EF4-FFF2-40B4-BE49-F238E27FC236}">
-                <a16:creationId xmlns:a16="http://schemas.microsoft.com/office/drawing/2014/main" id="{3FD711E9-7F79-40A9-8D9E-4AE293C154A5}"/>
+                <a16:creationId xmlns:a16="http://schemas.microsoft.com/office/drawing/2014/main" xmlns="" id="{3FD711E9-7F79-40A9-8D9E-4AE293C154A5}"/>
               </a:ext>
               <a:ext uri="{C183D7F6-B498-43B3-948B-1728B52AA6E4}">
-                <adec:decorative xmlns:adec="http://schemas.microsoft.com/office/drawing/2017/decorative" val="1"/>
+                <adec:decorative xmlns:adec="http://schemas.microsoft.com/office/drawing/2017/decorative" xmlns="" val="1"/>
               </a:ext>
             </a:extLst>
           </p:cNvPr>
@@ -25368,7 +25612,7 @@
           <p:nvPr>
             <p:extLst>
               <p:ext uri="{386F3935-93C4-4BCD-93E2-E3B085C9AB24}">
-                <p16:designElem xmlns:p16="http://schemas.microsoft.com/office/powerpoint/2015/main" val="1"/>
+                <p16:designElem xmlns:p16="http://schemas.microsoft.com/office/powerpoint/2015/main" xmlns="" val="1"/>
               </p:ext>
             </p:extLst>
           </p:nvPr>
@@ -25477,7 +25721,7 @@
           <p:cNvPr id="6" name="Content Placeholder 2">
             <a:extLst>
               <a:ext uri="{FF2B5EF4-FFF2-40B4-BE49-F238E27FC236}">
-                <a16:creationId xmlns:a16="http://schemas.microsoft.com/office/drawing/2014/main" id="{A9D8E9A4-B308-4EE1-B695-D9C47C0D4F88}"/>
+                <a16:creationId xmlns:a16="http://schemas.microsoft.com/office/drawing/2014/main" xmlns="" id="{A9D8E9A4-B308-4EE1-B695-D9C47C0D4F88}"/>
               </a:ext>
             </a:extLst>
           </p:cNvPr>
@@ -25513,6 +25757,13 @@
   <p:clrMapOvr>
     <a:masterClrMapping/>
   </p:clrMapOvr>
+  <p:timing>
+    <p:tnLst>
+      <p:par>
+        <p:cTn id="1" dur="indefinite" restart="never" nodeType="tmRoot"/>
+      </p:par>
+    </p:tnLst>
+  </p:timing>
 </p:sld>
 </file>
 
@@ -25621,6 +25872,13 @@
   <p:clrMapOvr>
     <a:masterClrMapping/>
   </p:clrMapOvr>
+  <p:timing>
+    <p:tnLst>
+      <p:par>
+        <p:cTn id="1" dur="indefinite" restart="never" nodeType="tmRoot"/>
+      </p:par>
+    </p:tnLst>
+  </p:timing>
 </p:sld>
 </file>
 
@@ -25688,10 +25946,10 @@
           <p:cNvPr id="16" name="Rectangle 15">
             <a:extLst>
               <a:ext uri="{FF2B5EF4-FFF2-40B4-BE49-F238E27FC236}">
-                <a16:creationId xmlns:a16="http://schemas.microsoft.com/office/drawing/2014/main" id="{3FD711E9-7F79-40A9-8D9E-4AE293C154A5}"/>
+                <a16:creationId xmlns:a16="http://schemas.microsoft.com/office/drawing/2014/main" xmlns="" id="{3FD711E9-7F79-40A9-8D9E-4AE293C154A5}"/>
               </a:ext>
               <a:ext uri="{C183D7F6-B498-43B3-948B-1728B52AA6E4}">
-                <adec:decorative xmlns:adec="http://schemas.microsoft.com/office/drawing/2017/decorative" val="1"/>
+                <adec:decorative xmlns:adec="http://schemas.microsoft.com/office/drawing/2017/decorative" xmlns="" val="1"/>
               </a:ext>
             </a:extLst>
           </p:cNvPr>
@@ -25701,7 +25959,7 @@
           <p:nvPr>
             <p:extLst>
               <p:ext uri="{386F3935-93C4-4BCD-93E2-E3B085C9AB24}">
-                <p16:designElem xmlns:p16="http://schemas.microsoft.com/office/powerpoint/2015/main" val="1"/>
+                <p16:designElem xmlns:p16="http://schemas.microsoft.com/office/powerpoint/2015/main" xmlns="" val="1"/>
               </p:ext>
             </p:extLst>
           </p:nvPr>
@@ -25810,7 +26068,7 @@
           <p:cNvPr id="6" name="Content Placeholder 2">
             <a:extLst>
               <a:ext uri="{FF2B5EF4-FFF2-40B4-BE49-F238E27FC236}">
-                <a16:creationId xmlns:a16="http://schemas.microsoft.com/office/drawing/2014/main" id="{6358C9DB-7B63-4876-84D3-25AD0F9ED706}"/>
+                <a16:creationId xmlns:a16="http://schemas.microsoft.com/office/drawing/2014/main" xmlns="" id="{6358C9DB-7B63-4876-84D3-25AD0F9ED706}"/>
               </a:ext>
             </a:extLst>
           </p:cNvPr>
@@ -25846,6 +26104,13 @@
   <p:clrMapOvr>
     <a:masterClrMapping/>
   </p:clrMapOvr>
+  <p:timing>
+    <p:tnLst>
+      <p:par>
+        <p:cTn id="1" dur="indefinite" restart="never" nodeType="tmRoot"/>
+      </p:par>
+    </p:tnLst>
+  </p:timing>
 </p:sld>
 </file>
 
@@ -25963,6 +26228,13 @@
   <p:clrMapOvr>
     <a:masterClrMapping/>
   </p:clrMapOvr>
+  <p:timing>
+    <p:tnLst>
+      <p:par>
+        <p:cTn id="1" dur="indefinite" restart="never" nodeType="tmRoot"/>
+      </p:par>
+    </p:tnLst>
+  </p:timing>
 </p:sld>
 </file>
 
@@ -26032,10 +26304,10 @@
           <p:cNvPr id="11" name="Rectangle 10">
             <a:extLst>
               <a:ext uri="{FF2B5EF4-FFF2-40B4-BE49-F238E27FC236}">
-                <a16:creationId xmlns:a16="http://schemas.microsoft.com/office/drawing/2014/main" id="{3FD711E9-7F79-40A9-8D9E-4AE293C154A5}"/>
+                <a16:creationId xmlns:a16="http://schemas.microsoft.com/office/drawing/2014/main" xmlns="" id="{3FD711E9-7F79-40A9-8D9E-4AE293C154A5}"/>
               </a:ext>
               <a:ext uri="{C183D7F6-B498-43B3-948B-1728B52AA6E4}">
-                <adec:decorative xmlns:adec="http://schemas.microsoft.com/office/drawing/2017/decorative" val="1"/>
+                <adec:decorative xmlns:adec="http://schemas.microsoft.com/office/drawing/2017/decorative" xmlns="" val="1"/>
               </a:ext>
             </a:extLst>
           </p:cNvPr>
@@ -26045,7 +26317,7 @@
           <p:nvPr>
             <p:extLst>
               <p:ext uri="{386F3935-93C4-4BCD-93E2-E3B085C9AB24}">
-                <p16:designElem xmlns:p16="http://schemas.microsoft.com/office/powerpoint/2015/main" val="1"/>
+                <p16:designElem xmlns:p16="http://schemas.microsoft.com/office/powerpoint/2015/main" xmlns="" val="1"/>
               </p:ext>
             </p:extLst>
           </p:nvPr>
@@ -26154,7 +26426,7 @@
           <p:cNvPr id="6" name="Content Placeholder 2">
             <a:extLst>
               <a:ext uri="{FF2B5EF4-FFF2-40B4-BE49-F238E27FC236}">
-                <a16:creationId xmlns:a16="http://schemas.microsoft.com/office/drawing/2014/main" id="{09B1999A-2394-4784-A78A-D9DD6638CBB1}"/>
+                <a16:creationId xmlns:a16="http://schemas.microsoft.com/office/drawing/2014/main" xmlns="" id="{09B1999A-2394-4784-A78A-D9DD6638CBB1}"/>
               </a:ext>
             </a:extLst>
           </p:cNvPr>
@@ -26190,6 +26462,13 @@
   <p:clrMapOvr>
     <a:masterClrMapping/>
   </p:clrMapOvr>
+  <p:timing>
+    <p:tnLst>
+      <p:par>
+        <p:cTn id="1" dur="indefinite" restart="never" nodeType="tmRoot"/>
+      </p:par>
+    </p:tnLst>
+  </p:timing>
 </p:sld>
 </file>
 
@@ -26223,7 +26502,7 @@
           <p:cNvPr id="2" name="Title 1">
             <a:extLst>
               <a:ext uri="{FF2B5EF4-FFF2-40B4-BE49-F238E27FC236}">
-                <a16:creationId xmlns:a16="http://schemas.microsoft.com/office/drawing/2014/main" id="{5F3B14D9-550A-4603-AE2C-4A235FBBA816}"/>
+                <a16:creationId xmlns:a16="http://schemas.microsoft.com/office/drawing/2014/main" xmlns="" id="{5F3B14D9-550A-4603-AE2C-4A235FBBA816}"/>
               </a:ext>
             </a:extLst>
           </p:cNvPr>
@@ -26263,10 +26542,10 @@
           <p:cNvPr id="11" name="Rectangle 10">
             <a:extLst>
               <a:ext uri="{FF2B5EF4-FFF2-40B4-BE49-F238E27FC236}">
-                <a16:creationId xmlns:a16="http://schemas.microsoft.com/office/drawing/2014/main" id="{3FD711E9-7F79-40A9-8D9E-4AE293C154A5}"/>
+                <a16:creationId xmlns:a16="http://schemas.microsoft.com/office/drawing/2014/main" xmlns="" id="{3FD711E9-7F79-40A9-8D9E-4AE293C154A5}"/>
               </a:ext>
               <a:ext uri="{C183D7F6-B498-43B3-948B-1728B52AA6E4}">
-                <adec:decorative xmlns:adec="http://schemas.microsoft.com/office/drawing/2017/decorative" val="1"/>
+                <adec:decorative xmlns:adec="http://schemas.microsoft.com/office/drawing/2017/decorative" xmlns="" val="1"/>
               </a:ext>
             </a:extLst>
           </p:cNvPr>
@@ -26276,7 +26555,7 @@
           <p:nvPr>
             <p:extLst>
               <p:ext uri="{386F3935-93C4-4BCD-93E2-E3B085C9AB24}">
-                <p16:designElem xmlns:p16="http://schemas.microsoft.com/office/powerpoint/2015/main" val="1"/>
+                <p16:designElem xmlns:p16="http://schemas.microsoft.com/office/powerpoint/2015/main" xmlns="" val="1"/>
               </p:ext>
             </p:extLst>
           </p:nvPr>
@@ -26345,7 +26624,7 @@
           <p:cNvPr id="4" name="Slide Number Placeholder 3">
             <a:extLst>
               <a:ext uri="{FF2B5EF4-FFF2-40B4-BE49-F238E27FC236}">
-                <a16:creationId xmlns:a16="http://schemas.microsoft.com/office/drawing/2014/main" id="{4E707F7B-000B-4ECD-9B77-ECC0C1DD16DD}"/>
+                <a16:creationId xmlns:a16="http://schemas.microsoft.com/office/drawing/2014/main" xmlns="" id="{4E707F7B-000B-4ECD-9B77-ECC0C1DD16DD}"/>
               </a:ext>
             </a:extLst>
           </p:cNvPr>
@@ -26391,7 +26670,7 @@
           <p:cNvPr id="6" name="Content Placeholder 2">
             <a:extLst>
               <a:ext uri="{FF2B5EF4-FFF2-40B4-BE49-F238E27FC236}">
-                <a16:creationId xmlns:a16="http://schemas.microsoft.com/office/drawing/2014/main" id="{59A4307A-0181-4594-977B-4087C0CFBAF8}"/>
+                <a16:creationId xmlns:a16="http://schemas.microsoft.com/office/drawing/2014/main" xmlns="" id="{59A4307A-0181-4594-977B-4087C0CFBAF8}"/>
               </a:ext>
             </a:extLst>
           </p:cNvPr>
@@ -26427,6 +26706,13 @@
   <p:clrMapOvr>
     <a:masterClrMapping/>
   </p:clrMapOvr>
+  <p:timing>
+    <p:tnLst>
+      <p:par>
+        <p:cTn id="1" dur="indefinite" restart="never" nodeType="tmRoot"/>
+      </p:par>
+    </p:tnLst>
+  </p:timing>
 </p:sld>
 </file>
 
@@ -26460,7 +26746,7 @@
           <p:cNvPr id="2" name="Title 1">
             <a:extLst>
               <a:ext uri="{FF2B5EF4-FFF2-40B4-BE49-F238E27FC236}">
-                <a16:creationId xmlns:a16="http://schemas.microsoft.com/office/drawing/2014/main" id="{4DF4C6AB-EAC5-41E7-A3B5-A1D552590597}"/>
+                <a16:creationId xmlns:a16="http://schemas.microsoft.com/office/drawing/2014/main" xmlns="" id="{4DF4C6AB-EAC5-41E7-A3B5-A1D552590597}"/>
               </a:ext>
             </a:extLst>
           </p:cNvPr>
@@ -26496,10 +26782,10 @@
           <p:cNvPr id="11" name="Rectangle 10">
             <a:extLst>
               <a:ext uri="{FF2B5EF4-FFF2-40B4-BE49-F238E27FC236}">
-                <a16:creationId xmlns:a16="http://schemas.microsoft.com/office/drawing/2014/main" id="{3FD711E9-7F79-40A9-8D9E-4AE293C154A5}"/>
+                <a16:creationId xmlns:a16="http://schemas.microsoft.com/office/drawing/2014/main" xmlns="" id="{3FD711E9-7F79-40A9-8D9E-4AE293C154A5}"/>
               </a:ext>
               <a:ext uri="{C183D7F6-B498-43B3-948B-1728B52AA6E4}">
-                <adec:decorative xmlns:adec="http://schemas.microsoft.com/office/drawing/2017/decorative" val="1"/>
+                <adec:decorative xmlns:adec="http://schemas.microsoft.com/office/drawing/2017/decorative" xmlns="" val="1"/>
               </a:ext>
             </a:extLst>
           </p:cNvPr>
@@ -26509,240 +26795,7 @@
           <p:nvPr>
             <p:extLst>
               <p:ext uri="{386F3935-93C4-4BCD-93E2-E3B085C9AB24}">
-                <p16:designElem xmlns:p16="http://schemas.microsoft.com/office/powerpoint/2015/main" val="1"/>
-              </p:ext>
-            </p:extLst>
-          </p:nvPr>
-        </p:nvSpPr>
-        <p:spPr>
-          <a:xfrm>
-            <a:off x="800100" y="2013293"/>
-            <a:ext cx="7543800" cy="80683"/>
-          </a:xfrm>
-          <a:prstGeom prst="rect">
-            <a:avLst/>
-          </a:prstGeom>
-          <a:blipFill dpi="0" rotWithShape="1">
-            <a:blip r:embed="rId3">
-              <a:alphaModFix amt="85000"/>
-              <a:lum bright="70000" contrast="-70000"/>
-              <a:extLst>
-                <a:ext uri="{BEBA8EAE-BF5A-486C-A8C5-ECC9F3942E4B}">
-                  <a14:imgProps xmlns:a14="http://schemas.microsoft.com/office/drawing/2010/main">
-                    <a14:imgLayer r:embed="rId4">
-                      <a14:imgEffect>
-                        <a14:sharpenSoften amount="61000"/>
-                      </a14:imgEffect>
-                    </a14:imgLayer>
-                  </a14:imgProps>
-                </a:ext>
-                <a:ext uri="{28A0092B-C50C-407E-A947-70E740481C1C}">
-                  <a14:useLocalDpi xmlns:a14="http://schemas.microsoft.com/office/drawing/2010/main" val="0"/>
-                </a:ext>
-              </a:extLst>
-            </a:blip>
-            <a:srcRect/>
-            <a:tile tx="0" ty="-762000" sx="92000" sy="89000" flip="xy" algn="ctr"/>
-          </a:blipFill>
-          <a:ln>
-            <a:noFill/>
-          </a:ln>
-        </p:spPr>
-        <p:style>
-          <a:lnRef idx="2">
-            <a:schemeClr val="accent1">
-              <a:shade val="50000"/>
-            </a:schemeClr>
-          </a:lnRef>
-          <a:fillRef idx="1">
-            <a:schemeClr val="accent1"/>
-          </a:fillRef>
-          <a:effectRef idx="0">
-            <a:schemeClr val="accent1"/>
-          </a:effectRef>
-          <a:fontRef idx="minor">
-            <a:schemeClr val="lt1"/>
-          </a:fontRef>
-        </p:style>
-        <p:txBody>
-          <a:bodyPr rtlCol="0" anchor="ctr"/>
-          <a:lstStyle/>
-          <a:p>
-            <a:pPr algn="ctr"/>
-            <a:endParaRPr lang="en-US"/>
-          </a:p>
-        </p:txBody>
-      </p:sp>
-      <p:sp>
-        <p:nvSpPr>
-          <p:cNvPr id="4" name="Slide Number Placeholder 3">
-            <a:extLst>
-              <a:ext uri="{FF2B5EF4-FFF2-40B4-BE49-F238E27FC236}">
-                <a16:creationId xmlns:a16="http://schemas.microsoft.com/office/drawing/2014/main" id="{72C1E673-FCA4-48C9-8D56-03068F07EB13}"/>
-              </a:ext>
-            </a:extLst>
-          </p:cNvPr>
-          <p:cNvSpPr>
-            <a:spLocks noGrp="1"/>
-          </p:cNvSpPr>
-          <p:nvPr>
-            <p:ph type="sldNum" sz="quarter" idx="12"/>
-          </p:nvPr>
-        </p:nvSpPr>
-        <p:spPr>
-          <a:xfrm>
-            <a:off x="8483346" y="6272784"/>
-            <a:ext cx="480060" cy="365125"/>
-          </a:xfrm>
-        </p:spPr>
-        <p:txBody>
-          <a:bodyPr>
-            <a:normAutofit/>
-          </a:bodyPr>
-          <a:lstStyle/>
-          <a:p>
-            <a:pPr>
-              <a:spcAft>
-                <a:spcPts val="600"/>
-              </a:spcAft>
-            </a:pPr>
-            <a:fld id="{29574101-FBCA-4CCC-8F71-4FACD19D0373}" type="slidenum">
-              <a:rPr lang="en-US" smtClean="0"/>
-              <a:pPr>
-                <a:spcAft>
-                  <a:spcPts val="600"/>
-                </a:spcAft>
-              </a:pPr>
-              <a:t>6</a:t>
-            </a:fld>
-            <a:endParaRPr lang="en-US"/>
-          </a:p>
-        </p:txBody>
-      </p:sp>
-      <p:graphicFrame>
-        <p:nvGraphicFramePr>
-          <p:cNvPr id="6" name="Content Placeholder 2">
-            <a:extLst>
-              <a:ext uri="{FF2B5EF4-FFF2-40B4-BE49-F238E27FC236}">
-                <a16:creationId xmlns:a16="http://schemas.microsoft.com/office/drawing/2014/main" id="{7917F929-5E38-446A-8EA9-D8E60BEFEF5F}"/>
-              </a:ext>
-            </a:extLst>
-          </p:cNvPr>
-          <p:cNvGraphicFramePr>
-            <a:graphicFrameLocks noGrp="1"/>
-          </p:cNvGraphicFramePr>
-          <p:nvPr>
-            <p:ph idx="1"/>
-            <p:extLst>
-              <p:ext uri="{D42A27DB-BD31-4B8C-83A1-F6EECF244321}">
-                <p14:modId xmlns:p14="http://schemas.microsoft.com/office/powerpoint/2010/main" val="3791900224"/>
-              </p:ext>
-            </p:extLst>
-          </p:nvPr>
-        </p:nvGraphicFramePr>
-        <p:xfrm>
-          <a:off x="802481" y="2385390"/>
-          <a:ext cx="7543800" cy="3617845"/>
-        </p:xfrm>
-        <a:graphic>
-          <a:graphicData uri="http://schemas.openxmlformats.org/drawingml/2006/diagram">
-            <dgm:relIds xmlns:dgm="http://schemas.openxmlformats.org/drawingml/2006/diagram" xmlns:r="http://schemas.openxmlformats.org/officeDocument/2006/relationships" r:dm="rId5" r:lo="rId6" r:qs="rId7" r:cs="rId8"/>
-          </a:graphicData>
-        </a:graphic>
-      </p:graphicFrame>
-    </p:spTree>
-    <p:extLst>
-      <p:ext uri="{BB962C8B-B14F-4D97-AF65-F5344CB8AC3E}">
-        <p14:creationId xmlns:p14="http://schemas.microsoft.com/office/powerpoint/2010/main" val="4061798146"/>
-      </p:ext>
-    </p:extLst>
-  </p:cSld>
-  <p:clrMapOvr>
-    <a:masterClrMapping/>
-  </p:clrMapOvr>
-</p:sld>
-</file>
-
-<file path=ppt/slides/slide7.xml><?xml version="1.0" encoding="utf-8"?>
-<p:sld xmlns:a="http://schemas.openxmlformats.org/drawingml/2006/main" xmlns:r="http://schemas.openxmlformats.org/officeDocument/2006/relationships" xmlns:p="http://schemas.openxmlformats.org/presentationml/2006/main">
-  <p:cSld>
-    <p:bg>
-      <p:bgPr>
-        <a:solidFill>
-          <a:schemeClr val="bg1"/>
-        </a:solidFill>
-        <a:effectLst/>
-      </p:bgPr>
-    </p:bg>
-    <p:spTree>
-      <p:nvGrpSpPr>
-        <p:cNvPr id="1" name=""/>
-        <p:cNvGrpSpPr/>
-        <p:nvPr/>
-      </p:nvGrpSpPr>
-      <p:grpSpPr>
-        <a:xfrm>
-          <a:off x="0" y="0"/>
-          <a:ext cx="0" cy="0"/>
-          <a:chOff x="0" y="0"/>
-          <a:chExt cx="0" cy="0"/>
-        </a:xfrm>
-      </p:grpSpPr>
-      <p:sp>
-        <p:nvSpPr>
-          <p:cNvPr id="2" name="Title 1">
-            <a:extLst>
-              <a:ext uri="{FF2B5EF4-FFF2-40B4-BE49-F238E27FC236}">
-                <a16:creationId xmlns:a16="http://schemas.microsoft.com/office/drawing/2014/main" id="{3CFBC153-C83D-4D33-B185-F54768A9773C}"/>
-              </a:ext>
-            </a:extLst>
-          </p:cNvPr>
-          <p:cNvSpPr>
-            <a:spLocks noGrp="1"/>
-          </p:cNvSpPr>
-          <p:nvPr>
-            <p:ph type="title"/>
-          </p:nvPr>
-        </p:nvSpPr>
-        <p:spPr>
-          <a:xfrm>
-            <a:off x="802386" y="484632"/>
-            <a:ext cx="7543800" cy="1609344"/>
-          </a:xfrm>
-        </p:spPr>
-        <p:txBody>
-          <a:bodyPr>
-            <a:normAutofit/>
-          </a:bodyPr>
-          <a:lstStyle/>
-          <a:p>
-            <a:r>
-              <a:rPr lang="ro-RO" dirty="0"/>
-              <a:t>Tehnologii utilizate</a:t>
-            </a:r>
-            <a:endParaRPr lang="en-US"/>
-          </a:p>
-        </p:txBody>
-      </p:sp>
-      <p:sp>
-        <p:nvSpPr>
-          <p:cNvPr id="11" name="Rectangle 10">
-            <a:extLst>
-              <a:ext uri="{FF2B5EF4-FFF2-40B4-BE49-F238E27FC236}">
-                <a16:creationId xmlns:a16="http://schemas.microsoft.com/office/drawing/2014/main" id="{3FD711E9-7F79-40A9-8D9E-4AE293C154A5}"/>
-              </a:ext>
-              <a:ext uri="{C183D7F6-B498-43B3-948B-1728B52AA6E4}">
-                <adec:decorative xmlns:adec="http://schemas.microsoft.com/office/drawing/2017/decorative" val="1"/>
-              </a:ext>
-            </a:extLst>
-          </p:cNvPr>
-          <p:cNvSpPr>
-            <a:spLocks noGrp="1" noRot="1" noChangeAspect="1" noMove="1" noResize="1" noEditPoints="1" noAdjustHandles="1" noChangeArrowheads="1" noChangeShapeType="1" noTextEdit="1"/>
-          </p:cNvSpPr>
-          <p:nvPr>
-            <p:extLst>
-              <p:ext uri="{386F3935-93C4-4BCD-93E2-E3B085C9AB24}">
-                <p16:designElem xmlns:p16="http://schemas.microsoft.com/office/powerpoint/2015/main" val="1"/>
+                <p16:designElem xmlns:p16="http://schemas.microsoft.com/office/powerpoint/2015/main" xmlns="" val="1"/>
               </p:ext>
             </p:extLst>
           </p:nvPr>
@@ -26811,7 +26864,247 @@
           <p:cNvPr id="4" name="Slide Number Placeholder 3">
             <a:extLst>
               <a:ext uri="{FF2B5EF4-FFF2-40B4-BE49-F238E27FC236}">
-                <a16:creationId xmlns:a16="http://schemas.microsoft.com/office/drawing/2014/main" id="{8708F1DC-B020-4A80-95EC-488AA0E7D9A8}"/>
+                <a16:creationId xmlns:a16="http://schemas.microsoft.com/office/drawing/2014/main" xmlns="" id="{72C1E673-FCA4-48C9-8D56-03068F07EB13}"/>
+              </a:ext>
+            </a:extLst>
+          </p:cNvPr>
+          <p:cNvSpPr>
+            <a:spLocks noGrp="1"/>
+          </p:cNvSpPr>
+          <p:nvPr>
+            <p:ph type="sldNum" sz="quarter" idx="12"/>
+          </p:nvPr>
+        </p:nvSpPr>
+        <p:spPr>
+          <a:xfrm>
+            <a:off x="8483346" y="6272784"/>
+            <a:ext cx="480060" cy="365125"/>
+          </a:xfrm>
+        </p:spPr>
+        <p:txBody>
+          <a:bodyPr>
+            <a:normAutofit/>
+          </a:bodyPr>
+          <a:lstStyle/>
+          <a:p>
+            <a:pPr>
+              <a:spcAft>
+                <a:spcPts val="600"/>
+              </a:spcAft>
+            </a:pPr>
+            <a:fld id="{29574101-FBCA-4CCC-8F71-4FACD19D0373}" type="slidenum">
+              <a:rPr lang="en-US" smtClean="0"/>
+              <a:pPr>
+                <a:spcAft>
+                  <a:spcPts val="600"/>
+                </a:spcAft>
+              </a:pPr>
+              <a:t>6</a:t>
+            </a:fld>
+            <a:endParaRPr lang="en-US"/>
+          </a:p>
+        </p:txBody>
+      </p:sp>
+      <p:graphicFrame>
+        <p:nvGraphicFramePr>
+          <p:cNvPr id="6" name="Content Placeholder 2">
+            <a:extLst>
+              <a:ext uri="{FF2B5EF4-FFF2-40B4-BE49-F238E27FC236}">
+                <a16:creationId xmlns:a16="http://schemas.microsoft.com/office/drawing/2014/main" xmlns="" id="{7917F929-5E38-446A-8EA9-D8E60BEFEF5F}"/>
+              </a:ext>
+            </a:extLst>
+          </p:cNvPr>
+          <p:cNvGraphicFramePr>
+            <a:graphicFrameLocks noGrp="1"/>
+          </p:cNvGraphicFramePr>
+          <p:nvPr>
+            <p:ph idx="1"/>
+            <p:extLst>
+              <p:ext uri="{D42A27DB-BD31-4B8C-83A1-F6EECF244321}">
+                <p14:modId xmlns:p14="http://schemas.microsoft.com/office/powerpoint/2010/main" val="3791900224"/>
+              </p:ext>
+            </p:extLst>
+          </p:nvPr>
+        </p:nvGraphicFramePr>
+        <p:xfrm>
+          <a:off x="802481" y="2385390"/>
+          <a:ext cx="7543800" cy="3617845"/>
+        </p:xfrm>
+        <a:graphic>
+          <a:graphicData uri="http://schemas.openxmlformats.org/drawingml/2006/diagram">
+            <dgm:relIds xmlns:dgm="http://schemas.openxmlformats.org/drawingml/2006/diagram" xmlns:r="http://schemas.openxmlformats.org/officeDocument/2006/relationships" r:dm="rId4" r:lo="rId5" r:qs="rId6" r:cs="rId7"/>
+          </a:graphicData>
+        </a:graphic>
+      </p:graphicFrame>
+    </p:spTree>
+    <p:extLst>
+      <p:ext uri="{BB962C8B-B14F-4D97-AF65-F5344CB8AC3E}">
+        <p14:creationId xmlns:p14="http://schemas.microsoft.com/office/powerpoint/2010/main" val="4061798146"/>
+      </p:ext>
+    </p:extLst>
+  </p:cSld>
+  <p:clrMapOvr>
+    <a:masterClrMapping/>
+  </p:clrMapOvr>
+  <p:timing>
+    <p:tnLst>
+      <p:par>
+        <p:cTn id="1" dur="indefinite" restart="never" nodeType="tmRoot"/>
+      </p:par>
+    </p:tnLst>
+  </p:timing>
+</p:sld>
+</file>
+
+<file path=ppt/slides/slide7.xml><?xml version="1.0" encoding="utf-8"?>
+<p:sld xmlns:a="http://schemas.openxmlformats.org/drawingml/2006/main" xmlns:r="http://schemas.openxmlformats.org/officeDocument/2006/relationships" xmlns:p="http://schemas.openxmlformats.org/presentationml/2006/main">
+  <p:cSld>
+    <p:bg>
+      <p:bgPr>
+        <a:solidFill>
+          <a:schemeClr val="bg1"/>
+        </a:solidFill>
+        <a:effectLst/>
+      </p:bgPr>
+    </p:bg>
+    <p:spTree>
+      <p:nvGrpSpPr>
+        <p:cNvPr id="1" name=""/>
+        <p:cNvGrpSpPr/>
+        <p:nvPr/>
+      </p:nvGrpSpPr>
+      <p:grpSpPr>
+        <a:xfrm>
+          <a:off x="0" y="0"/>
+          <a:ext cx="0" cy="0"/>
+          <a:chOff x="0" y="0"/>
+          <a:chExt cx="0" cy="0"/>
+        </a:xfrm>
+      </p:grpSpPr>
+      <p:sp>
+        <p:nvSpPr>
+          <p:cNvPr id="2" name="Title 1">
+            <a:extLst>
+              <a:ext uri="{FF2B5EF4-FFF2-40B4-BE49-F238E27FC236}">
+                <a16:creationId xmlns:a16="http://schemas.microsoft.com/office/drawing/2014/main" xmlns="" id="{3CFBC153-C83D-4D33-B185-F54768A9773C}"/>
+              </a:ext>
+            </a:extLst>
+          </p:cNvPr>
+          <p:cNvSpPr>
+            <a:spLocks noGrp="1"/>
+          </p:cNvSpPr>
+          <p:nvPr>
+            <p:ph type="title"/>
+          </p:nvPr>
+        </p:nvSpPr>
+        <p:spPr>
+          <a:xfrm>
+            <a:off x="802386" y="484632"/>
+            <a:ext cx="7543800" cy="1609344"/>
+          </a:xfrm>
+        </p:spPr>
+        <p:txBody>
+          <a:bodyPr>
+            <a:normAutofit/>
+          </a:bodyPr>
+          <a:lstStyle/>
+          <a:p>
+            <a:r>
+              <a:rPr lang="ro-RO" dirty="0"/>
+              <a:t>Tehnologii utilizate</a:t>
+            </a:r>
+            <a:endParaRPr lang="en-US"/>
+          </a:p>
+        </p:txBody>
+      </p:sp>
+      <p:sp>
+        <p:nvSpPr>
+          <p:cNvPr id="11" name="Rectangle 10">
+            <a:extLst>
+              <a:ext uri="{FF2B5EF4-FFF2-40B4-BE49-F238E27FC236}">
+                <a16:creationId xmlns:a16="http://schemas.microsoft.com/office/drawing/2014/main" xmlns="" id="{3FD711E9-7F79-40A9-8D9E-4AE293C154A5}"/>
+              </a:ext>
+              <a:ext uri="{C183D7F6-B498-43B3-948B-1728B52AA6E4}">
+                <adec:decorative xmlns:adec="http://schemas.microsoft.com/office/drawing/2017/decorative" xmlns="" val="1"/>
+              </a:ext>
+            </a:extLst>
+          </p:cNvPr>
+          <p:cNvSpPr>
+            <a:spLocks noGrp="1" noRot="1" noChangeAspect="1" noMove="1" noResize="1" noEditPoints="1" noAdjustHandles="1" noChangeArrowheads="1" noChangeShapeType="1" noTextEdit="1"/>
+          </p:cNvSpPr>
+          <p:nvPr>
+            <p:extLst>
+              <p:ext uri="{386F3935-93C4-4BCD-93E2-E3B085C9AB24}">
+                <p16:designElem xmlns:p16="http://schemas.microsoft.com/office/powerpoint/2015/main" xmlns="" val="1"/>
+              </p:ext>
+            </p:extLst>
+          </p:nvPr>
+        </p:nvSpPr>
+        <p:spPr>
+          <a:xfrm>
+            <a:off x="800100" y="2013293"/>
+            <a:ext cx="7543800" cy="80683"/>
+          </a:xfrm>
+          <a:prstGeom prst="rect">
+            <a:avLst/>
+          </a:prstGeom>
+          <a:blipFill dpi="0" rotWithShape="1">
+            <a:blip r:embed="rId2">
+              <a:alphaModFix amt="85000"/>
+              <a:lum bright="70000" contrast="-70000"/>
+              <a:extLst>
+                <a:ext uri="{BEBA8EAE-BF5A-486C-A8C5-ECC9F3942E4B}">
+                  <a14:imgProps xmlns:a14="http://schemas.microsoft.com/office/drawing/2010/main">
+                    <a14:imgLayer r:embed="rId3">
+                      <a14:imgEffect>
+                        <a14:sharpenSoften amount="61000"/>
+                      </a14:imgEffect>
+                    </a14:imgLayer>
+                  </a14:imgProps>
+                </a:ext>
+                <a:ext uri="{28A0092B-C50C-407E-A947-70E740481C1C}">
+                  <a14:useLocalDpi xmlns:a14="http://schemas.microsoft.com/office/drawing/2010/main" val="0"/>
+                </a:ext>
+              </a:extLst>
+            </a:blip>
+            <a:srcRect/>
+            <a:tile tx="0" ty="-762000" sx="92000" sy="89000" flip="xy" algn="ctr"/>
+          </a:blipFill>
+          <a:ln>
+            <a:noFill/>
+          </a:ln>
+        </p:spPr>
+        <p:style>
+          <a:lnRef idx="2">
+            <a:schemeClr val="accent1">
+              <a:shade val="50000"/>
+            </a:schemeClr>
+          </a:lnRef>
+          <a:fillRef idx="1">
+            <a:schemeClr val="accent1"/>
+          </a:fillRef>
+          <a:effectRef idx="0">
+            <a:schemeClr val="accent1"/>
+          </a:effectRef>
+          <a:fontRef idx="minor">
+            <a:schemeClr val="lt1"/>
+          </a:fontRef>
+        </p:style>
+        <p:txBody>
+          <a:bodyPr rtlCol="0" anchor="ctr"/>
+          <a:lstStyle/>
+          <a:p>
+            <a:pPr algn="ctr"/>
+            <a:endParaRPr lang="en-US"/>
+          </a:p>
+        </p:txBody>
+      </p:sp>
+      <p:sp>
+        <p:nvSpPr>
+          <p:cNvPr id="4" name="Slide Number Placeholder 3">
+            <a:extLst>
+              <a:ext uri="{FF2B5EF4-FFF2-40B4-BE49-F238E27FC236}">
+                <a16:creationId xmlns:a16="http://schemas.microsoft.com/office/drawing/2014/main" xmlns="" id="{8708F1DC-B020-4A80-95EC-488AA0E7D9A8}"/>
               </a:ext>
             </a:extLst>
           </p:cNvPr>
@@ -26857,7 +27150,7 @@
           <p:cNvPr id="6" name="Content Placeholder 2">
             <a:extLst>
               <a:ext uri="{FF2B5EF4-FFF2-40B4-BE49-F238E27FC236}">
-                <a16:creationId xmlns:a16="http://schemas.microsoft.com/office/drawing/2014/main" id="{1644A831-BD86-4E9E-AE2D-C3E9B570085C}"/>
+                <a16:creationId xmlns:a16="http://schemas.microsoft.com/office/drawing/2014/main" xmlns="" id="{1644A831-BD86-4E9E-AE2D-C3E9B570085C}"/>
               </a:ext>
             </a:extLst>
           </p:cNvPr>
@@ -26893,6 +27186,13 @@
   <p:clrMapOvr>
     <a:masterClrMapping/>
   </p:clrMapOvr>
+  <p:timing>
+    <p:tnLst>
+      <p:par>
+        <p:cTn id="1" dur="indefinite" restart="never" nodeType="tmRoot"/>
+      </p:par>
+    </p:tnLst>
+  </p:timing>
 </p:sld>
 </file>
 
@@ -26918,7 +27218,7 @@
           <p:cNvPr id="2" name="Title 1">
             <a:extLst>
               <a:ext uri="{FF2B5EF4-FFF2-40B4-BE49-F238E27FC236}">
-                <a16:creationId xmlns:a16="http://schemas.microsoft.com/office/drawing/2014/main" id="{34D6937F-1795-4A26-A086-A7E90E3686E0}"/>
+                <a16:creationId xmlns:a16="http://schemas.microsoft.com/office/drawing/2014/main" xmlns="" id="{34D6937F-1795-4A26-A086-A7E90E3686E0}"/>
               </a:ext>
             </a:extLst>
           </p:cNvPr>
@@ -26953,7 +27253,7 @@
           <p:cNvPr id="6" name="Content Placeholder 5">
             <a:extLst>
               <a:ext uri="{FF2B5EF4-FFF2-40B4-BE49-F238E27FC236}">
-                <a16:creationId xmlns:a16="http://schemas.microsoft.com/office/drawing/2014/main" id="{17486647-9B91-42BC-8343-094BE0C96172}"/>
+                <a16:creationId xmlns:a16="http://schemas.microsoft.com/office/drawing/2014/main" xmlns="" id="{17486647-9B91-42BC-8343-094BE0C96172}"/>
               </a:ext>
             </a:extLst>
           </p:cNvPr>
@@ -26988,7 +27288,7 @@
           <p:cNvPr id="4" name="Slide Number Placeholder 3">
             <a:extLst>
               <a:ext uri="{FF2B5EF4-FFF2-40B4-BE49-F238E27FC236}">
-                <a16:creationId xmlns:a16="http://schemas.microsoft.com/office/drawing/2014/main" id="{1DB4C6C8-2288-40CD-A066-D74671E2E586}"/>
+                <a16:creationId xmlns:a16="http://schemas.microsoft.com/office/drawing/2014/main" xmlns="" id="{1DB4C6C8-2288-40CD-A066-D74671E2E586}"/>
               </a:ext>
             </a:extLst>
           </p:cNvPr>
@@ -27017,7 +27317,7 @@
           <p:cNvPr id="7" name="TextBox 6">
             <a:extLst>
               <a:ext uri="{FF2B5EF4-FFF2-40B4-BE49-F238E27FC236}">
-                <a16:creationId xmlns:a16="http://schemas.microsoft.com/office/drawing/2014/main" id="{3CE34ECB-BBCC-4298-ADD7-E9AA474BCF5D}"/>
+                <a16:creationId xmlns:a16="http://schemas.microsoft.com/office/drawing/2014/main" xmlns="" id="{3CE34ECB-BBCC-4298-ADD7-E9AA474BCF5D}"/>
               </a:ext>
             </a:extLst>
           </p:cNvPr>
@@ -27079,6 +27379,13 @@
   <p:clrMapOvr>
     <a:masterClrMapping/>
   </p:clrMapOvr>
+  <p:timing>
+    <p:tnLst>
+      <p:par>
+        <p:cTn id="1" dur="indefinite" restart="never" nodeType="tmRoot"/>
+      </p:par>
+    </p:tnLst>
+  </p:timing>
 </p:sld>
 </file>
 
@@ -27137,7 +27444,7 @@
           <p:cNvPr id="6" name="Content Placeholder 5">
             <a:extLst>
               <a:ext uri="{FF2B5EF4-FFF2-40B4-BE49-F238E27FC236}">
-                <a16:creationId xmlns:a16="http://schemas.microsoft.com/office/drawing/2014/main" id="{81FB5CCB-CE24-457F-AB30-55B941DCE6AB}"/>
+                <a16:creationId xmlns:a16="http://schemas.microsoft.com/office/drawing/2014/main" xmlns="" id="{81FB5CCB-CE24-457F-AB30-55B941DCE6AB}"/>
               </a:ext>
             </a:extLst>
           </p:cNvPr>
@@ -27195,7 +27502,7 @@
           <p:cNvPr id="8" name="Picture 7">
             <a:extLst>
               <a:ext uri="{FF2B5EF4-FFF2-40B4-BE49-F238E27FC236}">
-                <a16:creationId xmlns:a16="http://schemas.microsoft.com/office/drawing/2014/main" id="{AA6F2317-976C-4AA9-8F3A-E1A1BB8D92F4}"/>
+                <a16:creationId xmlns:a16="http://schemas.microsoft.com/office/drawing/2014/main" xmlns="" id="{AA6F2317-976C-4AA9-8F3A-E1A1BB8D92F4}"/>
               </a:ext>
             </a:extLst>
           </p:cNvPr>
@@ -27231,7 +27538,7 @@
           <p:cNvPr id="9" name="TextBox 8">
             <a:extLst>
               <a:ext uri="{FF2B5EF4-FFF2-40B4-BE49-F238E27FC236}">
-                <a16:creationId xmlns:a16="http://schemas.microsoft.com/office/drawing/2014/main" id="{B8CA411E-9A70-468F-8311-B6B05957C2A3}"/>
+                <a16:creationId xmlns:a16="http://schemas.microsoft.com/office/drawing/2014/main" xmlns="" id="{B8CA411E-9A70-468F-8311-B6B05957C2A3}"/>
               </a:ext>
             </a:extLst>
           </p:cNvPr>
@@ -27314,13 +27621,20 @@
   <p:clrMapOvr>
     <a:masterClrMapping/>
   </p:clrMapOvr>
+  <p:timing>
+    <p:tnLst>
+      <p:par>
+        <p:cTn id="1" dur="indefinite" restart="never" nodeType="tmRoot"/>
+      </p:par>
+    </p:tnLst>
+  </p:timing>
 </p:sld>
 </file>
 
 <file path=ppt/theme/theme1.xml><?xml version="1.0" encoding="utf-8"?>
 <a:theme xmlns:a="http://schemas.openxmlformats.org/drawingml/2006/main" name="Wood Type">
   <a:themeElements>
-    <a:clrScheme name="Wood Type">
+    <a:clrScheme name="Custom 4">
       <a:dk1>
         <a:sysClr val="windowText" lastClr="000000"/>
       </a:dk1>
@@ -27334,13 +27648,13 @@
         <a:srgbClr val="E9E5DC"/>
       </a:lt2>
       <a:accent1>
-        <a:srgbClr val="D34817"/>
+        <a:srgbClr val="76BC6C"/>
       </a:accent1>
       <a:accent2>
-        <a:srgbClr val="9B2D1F"/>
+        <a:srgbClr val="76BC6C"/>
       </a:accent2>
       <a:accent3>
-        <a:srgbClr val="A28E6A"/>
+        <a:srgbClr val="76BC6C"/>
       </a:accent3>
       <a:accent4>
         <a:srgbClr val="956251"/>
@@ -27358,24 +27672,22 @@
         <a:srgbClr val="96A9A9"/>
       </a:folHlink>
     </a:clrScheme>
-    <a:fontScheme name="Wood Type">
+    <a:fontScheme name="Office Classic">
       <a:majorFont>
-        <a:latin typeface="Rockwell Condensed" panose="02060603050405020104"/>
+        <a:latin typeface="Arial"/>
         <a:ea typeface=""/>
         <a:cs typeface=""/>
-        <a:font script="Grek" typeface="Cambria"/>
-        <a:font script="Cyrl" typeface="Cambria"/>
-        <a:font script="Jpan" typeface="HG明朝B"/>
-        <a:font script="Hang" typeface="바탕"/>
-        <a:font script="Hans" typeface="方正姚体"/>
+        <a:font script="Jpan" typeface="ＭＳ Ｐゴシック"/>
+        <a:font script="Hang" typeface="돋움"/>
+        <a:font script="Hans" typeface="黑体"/>
         <a:font script="Hant" typeface="微軟正黑體"/>
-        <a:font script="Arab" typeface="Times New Roman"/>
-        <a:font script="Hebr" typeface="David"/>
-        <a:font script="Thai" typeface="JasmineUPC"/>
+        <a:font script="Arab" typeface="Arial"/>
+        <a:font script="Hebr" typeface="Arial"/>
+        <a:font script="Thai" typeface="Cordia New"/>
         <a:font script="Ethi" typeface="Nyala"/>
         <a:font script="Beng" typeface="Vrinda"/>
         <a:font script="Gujr" typeface="Shruti"/>
-        <a:font script="Khmr" typeface="MoolBoran"/>
+        <a:font script="Khmr" typeface="DaunPenh"/>
         <a:font script="Knda" typeface="Tunga"/>
         <a:font script="Guru" typeface="Raavi"/>
         <a:font script="Cans" typeface="Euphemia"/>
@@ -27394,20 +27706,19 @@
         <a:font script="Mong" typeface="Mongolian Baiti"/>
         <a:font script="Viet" typeface="Arial"/>
         <a:font script="Uigh" typeface="Microsoft Uighur"/>
+        <a:font script="Geor" typeface="Sylfaen"/>
       </a:majorFont>
       <a:minorFont>
-        <a:latin typeface="Rockwell" panose="02060603020205020403"/>
+        <a:latin typeface="Times New Roman"/>
         <a:ea typeface=""/>
         <a:cs typeface=""/>
-        <a:font script="Grek" typeface="Cambria"/>
-        <a:font script="Cyrl" typeface="Cambria"/>
-        <a:font script="Jpan" typeface="HG明朝B"/>
+        <a:font script="Jpan" typeface="ＭＳ Ｐ明朝"/>
         <a:font script="Hang" typeface="바탕"/>
-        <a:font script="Hans" typeface="方正姚体"/>
-        <a:font script="Hant" typeface="標楷體"/>
+        <a:font script="Hans" typeface="宋体"/>
+        <a:font script="Hant" typeface="新細明體"/>
         <a:font script="Arab" typeface="Times New Roman"/>
-        <a:font script="Hebr" typeface="David"/>
-        <a:font script="Thai" typeface="JasmineUPC"/>
+        <a:font script="Hebr" typeface="Times New Roman"/>
+        <a:font script="Thai" typeface="Angsana New"/>
         <a:font script="Ethi" typeface="Nyala"/>
         <a:font script="Beng" typeface="Vrinda"/>
         <a:font script="Gujr" typeface="Shruti"/>
@@ -27430,6 +27741,7 @@
         <a:font script="Mong" typeface="Mongolian Baiti"/>
         <a:font script="Viet" typeface="Times New Roman"/>
         <a:font script="Uigh" typeface="Microsoft Uighur"/>
+        <a:font script="Geor" typeface="Sylfaen"/>
       </a:minorFont>
     </a:fontScheme>
     <a:fmtScheme name="Wood Type">
@@ -27540,7 +27852,7 @@
   <a:extraClrSchemeLst/>
   <a:extLst>
     <a:ext uri="{05A4C25C-085E-4340-85A3-A5531E510DB2}">
-      <thm15:themeFamily xmlns:thm15="http://schemas.microsoft.com/office/thememl/2012/main" name="Wood Type" id="{7ACABC62-BF99-48CF-A9DC-4DB89C7B13DC}" vid="{142A1326-48AB-42A9-8428-CB14AA30176D}"/>
+      <thm15:themeFamily xmlns:thm15="http://schemas.microsoft.com/office/thememl/2012/main" xmlns="" name="Wood Type" id="{7ACABC62-BF99-48CF-A9DC-4DB89C7B13DC}" vid="{142A1326-48AB-42A9-8428-CB14AA30176D}"/>
     </a:ext>
   </a:extLst>
 </a:theme>
@@ -27829,47 +28141,4 @@
   <a:objectDefaults/>
   <a:extraClrSchemeLst/>
 </a:theme>
-</file>
-
-<file path=ppt/theme/themeOverride1.xml><?xml version="1.0" encoding="utf-8"?>
-<a:themeOverride xmlns:a="http://schemas.openxmlformats.org/drawingml/2006/main">
-  <a:clrScheme name="Wood Type">
-    <a:dk1>
-      <a:sysClr val="windowText" lastClr="000000"/>
-    </a:dk1>
-    <a:lt1>
-      <a:sysClr val="window" lastClr="FFFFFF"/>
-    </a:lt1>
-    <a:dk2>
-      <a:srgbClr val="696464"/>
-    </a:dk2>
-    <a:lt2>
-      <a:srgbClr val="E9E5DC"/>
-    </a:lt2>
-    <a:accent1>
-      <a:srgbClr val="D34817"/>
-    </a:accent1>
-    <a:accent2>
-      <a:srgbClr val="9B2D1F"/>
-    </a:accent2>
-    <a:accent3>
-      <a:srgbClr val="A28E6A"/>
-    </a:accent3>
-    <a:accent4>
-      <a:srgbClr val="956251"/>
-    </a:accent4>
-    <a:accent5>
-      <a:srgbClr val="918485"/>
-    </a:accent5>
-    <a:accent6>
-      <a:srgbClr val="855D5D"/>
-    </a:accent6>
-    <a:hlink>
-      <a:srgbClr val="CC9900"/>
-    </a:hlink>
-    <a:folHlink>
-      <a:srgbClr val="96A9A9"/>
-    </a:folHlink>
-  </a:clrScheme>
-</a:themeOverride>
 </file>
--- a/ROBOTINHO2.pptx
+++ b/ROBOTINHO2.pptx
@@ -121,7 +121,7 @@
   </p:defaultTextStyle>
   <p:extLst>
     <p:ext uri="{EFAFB233-063F-42B5-8137-9DF3F51BA10A}">
-      <p15:sldGuideLst xmlns:p15="http://schemas.microsoft.com/office/powerpoint/2012/main" xmlns="">
+      <p15:sldGuideLst xmlns:p15="http://schemas.microsoft.com/office/powerpoint/2012/main">
         <p15:guide id="1" orient="horz" pos="2160">
           <p15:clr>
             <a:srgbClr val="A4A3A4"/>
@@ -6553,14 +6553,26 @@
         <a:lstStyle/>
         <a:p>
           <a:r>
-            <a:rPr lang="en-US"/>
-            <a:t>Implementarea unui algoritm de c</a:t>
+            <a:rPr lang="en-US" noProof="1">
+              <a:latin typeface="+mj-lt"/>
+            </a:rPr>
+            <a:t>Implementarea unui algoritm </a:t>
           </a:r>
           <a:r>
-            <a:rPr lang="ro-RO"/>
+            <a:rPr lang="en-US" dirty="0">
+              <a:latin typeface="+mj-lt"/>
+            </a:rPr>
+            <a:t>de c</a:t>
+          </a:r>
+          <a:r>
+            <a:rPr lang="ro-RO" dirty="0">
+              <a:latin typeface="+mj-lt"/>
+            </a:rPr>
             <a:t>ăutare a unei mingi și de șutare în aceasta</a:t>
           </a:r>
-          <a:endParaRPr lang="en-US"/>
+          <a:endParaRPr lang="en-US" dirty="0">
+            <a:latin typeface="+mj-lt"/>
+          </a:endParaRPr>
         </a:p>
       </dgm:t>
     </dgm:pt>
@@ -6594,10 +6606,14 @@
         <a:lstStyle/>
         <a:p>
           <a:r>
-            <a:rPr lang="ro-RO"/>
+            <a:rPr lang="ro-RO" dirty="0">
+              <a:latin typeface="+mj-lt"/>
+            </a:rPr>
             <a:t>Posibilitatea de control manual prin intermediul unei aplicații mobile</a:t>
           </a:r>
-          <a:endParaRPr lang="en-US"/>
+          <a:endParaRPr lang="en-US" dirty="0">
+            <a:latin typeface="+mj-lt"/>
+          </a:endParaRPr>
         </a:p>
       </dgm:t>
     </dgm:pt>
@@ -6631,13 +6647,6 @@
         </dgm:presLayoutVars>
       </dgm:prSet>
       <dgm:spPr/>
-      <dgm:t>
-        <a:bodyPr/>
-        <a:lstStyle/>
-        <a:p>
-          <a:endParaRPr lang="en-US"/>
-        </a:p>
-      </dgm:t>
     </dgm:pt>
     <dgm:pt modelId="{9DF2C696-5E7A-4E6F-94D4-5FD3223D7CEE}" type="pres">
       <dgm:prSet presAssocID="{9E48839D-8EAC-4777-95C0-84FCA742DF84}" presName="node" presStyleLbl="node1" presStyleIdx="0" presStyleCnt="2">
@@ -6646,13 +6655,6 @@
         </dgm:presLayoutVars>
       </dgm:prSet>
       <dgm:spPr/>
-      <dgm:t>
-        <a:bodyPr/>
-        <a:lstStyle/>
-        <a:p>
-          <a:endParaRPr lang="en-US"/>
-        </a:p>
-      </dgm:t>
     </dgm:pt>
     <dgm:pt modelId="{3E44EEB7-6415-484B-B55A-ABFB4ACDD5D8}" type="pres">
       <dgm:prSet presAssocID="{93BF2532-BE3C-475F-ADF3-9DF6B4D341D0}" presName="sibTrans" presStyleCnt="0"/>
@@ -6665,21 +6667,14 @@
         </dgm:presLayoutVars>
       </dgm:prSet>
       <dgm:spPr/>
-      <dgm:t>
-        <a:bodyPr/>
-        <a:lstStyle/>
-        <a:p>
-          <a:endParaRPr lang="en-US"/>
-        </a:p>
-      </dgm:t>
     </dgm:pt>
   </dgm:ptLst>
   <dgm:cxnLst>
+    <dgm:cxn modelId="{64687B19-DFD4-4C2C-9BC2-644572105107}" srcId="{EE2BE08F-D2EA-4EC7-BFDE-F802D01F7559}" destId="{9E48839D-8EAC-4777-95C0-84FCA742DF84}" srcOrd="0" destOrd="0" parTransId="{1488DD77-A10D-40B2-91B2-E0F27E22C694}" sibTransId="{93BF2532-BE3C-475F-ADF3-9DF6B4D341D0}"/>
+    <dgm:cxn modelId="{33115B5C-5B20-4F2D-91FB-DA015A00A1D4}" srcId="{EE2BE08F-D2EA-4EC7-BFDE-F802D01F7559}" destId="{CBF42DAB-EA68-4574-998A-357D4B165756}" srcOrd="1" destOrd="0" parTransId="{F502F617-3844-4AD5-BD5F-B5626E6A9716}" sibTransId="{3D9C2C7E-83F5-4A0C-BA36-0D9EA853CC5C}"/>
     <dgm:cxn modelId="{21C15479-CD25-443D-BCD3-0313AE03EE4B}" type="presOf" srcId="{CBF42DAB-EA68-4574-998A-357D4B165756}" destId="{AF8A49B0-0CB8-4E17-9C1B-1297A7AA7ED9}" srcOrd="0" destOrd="0" presId="urn:microsoft.com/office/officeart/2005/8/layout/default"/>
-    <dgm:cxn modelId="{33115B5C-5B20-4F2D-91FB-DA015A00A1D4}" srcId="{EE2BE08F-D2EA-4EC7-BFDE-F802D01F7559}" destId="{CBF42DAB-EA68-4574-998A-357D4B165756}" srcOrd="1" destOrd="0" parTransId="{F502F617-3844-4AD5-BD5F-B5626E6A9716}" sibTransId="{3D9C2C7E-83F5-4A0C-BA36-0D9EA853CC5C}"/>
     <dgm:cxn modelId="{BFFA4FD0-9FA1-423B-83E8-C00C72585CAD}" type="presOf" srcId="{EE2BE08F-D2EA-4EC7-BFDE-F802D01F7559}" destId="{B2A94455-4541-4570-A2BE-FCBCAE20A9BD}" srcOrd="0" destOrd="0" presId="urn:microsoft.com/office/officeart/2005/8/layout/default"/>
     <dgm:cxn modelId="{214AE7D0-D796-4229-A36B-F2BD78BDB4C1}" type="presOf" srcId="{9E48839D-8EAC-4777-95C0-84FCA742DF84}" destId="{9DF2C696-5E7A-4E6F-94D4-5FD3223D7CEE}" srcOrd="0" destOrd="0" presId="urn:microsoft.com/office/officeart/2005/8/layout/default"/>
-    <dgm:cxn modelId="{64687B19-DFD4-4C2C-9BC2-644572105107}" srcId="{EE2BE08F-D2EA-4EC7-BFDE-F802D01F7559}" destId="{9E48839D-8EAC-4777-95C0-84FCA742DF84}" srcOrd="0" destOrd="0" parTransId="{1488DD77-A10D-40B2-91B2-E0F27E22C694}" sibTransId="{93BF2532-BE3C-475F-ADF3-9DF6B4D341D0}"/>
     <dgm:cxn modelId="{B586A1BD-1AB0-4C67-91FA-0490DA2A1B39}" type="presParOf" srcId="{B2A94455-4541-4570-A2BE-FCBCAE20A9BD}" destId="{9DF2C696-5E7A-4E6F-94D4-5FD3223D7CEE}" srcOrd="0" destOrd="0" presId="urn:microsoft.com/office/officeart/2005/8/layout/default"/>
     <dgm:cxn modelId="{16C3127C-3B0B-4B9A-9D46-4F46310DF2BA}" type="presParOf" srcId="{B2A94455-4541-4570-A2BE-FCBCAE20A9BD}" destId="{3E44EEB7-6415-484B-B55A-ABFB4ACDD5D8}" srcOrd="1" destOrd="0" presId="urn:microsoft.com/office/officeart/2005/8/layout/default"/>
     <dgm:cxn modelId="{CD25623A-6536-43B3-B71A-DB327E41605A}" type="presParOf" srcId="{B2A94455-4541-4570-A2BE-FCBCAE20A9BD}" destId="{AF8A49B0-0CB8-4E17-9C1B-1297A7AA7ED9}" srcOrd="2" destOrd="0" presId="urn:microsoft.com/office/officeart/2005/8/layout/default"/>
@@ -6709,21 +6704,27 @@
       </dgm:t>
     </dgm:pt>
     <dgm:pt modelId="{4C61DB19-7F2B-4BB7-A483-7EE2561E3A5E}">
-      <dgm:prSet/>
+      <dgm:prSet custT="1"/>
       <dgm:spPr/>
       <dgm:t>
         <a:bodyPr/>
         <a:lstStyle/>
         <a:p>
           <a:r>
-            <a:rPr lang="en-US"/>
+            <a:rPr lang="en-US" sz="2900" dirty="0">
+              <a:latin typeface="+mj-lt"/>
+            </a:rPr>
             <a:t>C</a:t>
           </a:r>
           <a:r>
-            <a:rPr lang="ro-RO"/>
+            <a:rPr lang="ro-RO" sz="2900" dirty="0">
+              <a:latin typeface="+mj-lt"/>
+            </a:rPr>
             <a:t>ăutare automată a obiectului dorit</a:t>
           </a:r>
-          <a:endParaRPr lang="en-US"/>
+          <a:endParaRPr lang="en-US" sz="2900" dirty="0">
+            <a:latin typeface="+mj-lt"/>
+          </a:endParaRPr>
         </a:p>
       </dgm:t>
     </dgm:pt>
@@ -6750,17 +6751,21 @@
       </dgm:t>
     </dgm:pt>
     <dgm:pt modelId="{4DA713F6-2A60-4389-942B-6F118F4FB8DA}">
-      <dgm:prSet/>
+      <dgm:prSet custT="1"/>
       <dgm:spPr/>
       <dgm:t>
         <a:bodyPr/>
         <a:lstStyle/>
         <a:p>
           <a:r>
-            <a:rPr lang="ro-RO"/>
+            <a:rPr lang="ro-RO" sz="2900" dirty="0">
+              <a:latin typeface="+mj-lt"/>
+            </a:rPr>
             <a:t>Deplasarea în orice direcție</a:t>
           </a:r>
-          <a:endParaRPr lang="en-US"/>
+          <a:endParaRPr lang="en-US" sz="2900" dirty="0">
+            <a:latin typeface="+mj-lt"/>
+          </a:endParaRPr>
         </a:p>
       </dgm:t>
     </dgm:pt>
@@ -6787,17 +6792,21 @@
       </dgm:t>
     </dgm:pt>
     <dgm:pt modelId="{0C6D18F3-8E81-4F8F-8BE9-1FCE249D6040}">
-      <dgm:prSet/>
+      <dgm:prSet custT="1"/>
       <dgm:spPr/>
       <dgm:t>
         <a:bodyPr/>
         <a:lstStyle/>
         <a:p>
           <a:r>
-            <a:rPr lang="ro-RO"/>
+            <a:rPr lang="ro-RO" sz="2900" dirty="0">
+              <a:latin typeface="+mj-lt"/>
+            </a:rPr>
             <a:t>Lovirea obiectului cu ambele picioare</a:t>
           </a:r>
-          <a:endParaRPr lang="en-US"/>
+          <a:endParaRPr lang="en-US" sz="2900" dirty="0">
+            <a:latin typeface="+mj-lt"/>
+          </a:endParaRPr>
         </a:p>
       </dgm:t>
     </dgm:pt>
@@ -6824,17 +6833,21 @@
       </dgm:t>
     </dgm:pt>
     <dgm:pt modelId="{172A49AB-4F6F-4E68-B52C-AE49834A388A}">
-      <dgm:prSet/>
+      <dgm:prSet custT="1"/>
       <dgm:spPr/>
       <dgm:t>
         <a:bodyPr/>
         <a:lstStyle/>
         <a:p>
           <a:r>
-            <a:rPr lang="ro-RO"/>
+            <a:rPr lang="ro-RO" sz="2900" dirty="0">
+              <a:latin typeface="+mj-lt"/>
+            </a:rPr>
             <a:t>Comandă manuală cu ajutorul unei interfețe</a:t>
           </a:r>
-          <a:endParaRPr lang="en-US"/>
+          <a:endParaRPr lang="en-US" sz="2900" dirty="0">
+            <a:latin typeface="+mj-lt"/>
+          </a:endParaRPr>
         </a:p>
       </dgm:t>
     </dgm:pt>
@@ -6861,17 +6874,21 @@
       </dgm:t>
     </dgm:pt>
     <dgm:pt modelId="{1F5B33C2-507C-4D42-81EA-9D5326E96B3B}">
-      <dgm:prSet/>
+      <dgm:prSet custT="1"/>
       <dgm:spPr/>
       <dgm:t>
         <a:bodyPr/>
         <a:lstStyle/>
         <a:p>
           <a:r>
-            <a:rPr lang="ro-RO"/>
+            <a:rPr lang="ro-RO" sz="2900" dirty="0">
+              <a:latin typeface="+mj-lt"/>
+            </a:rPr>
             <a:t>Toate funcțiile executate de căutarea automată</a:t>
           </a:r>
-          <a:endParaRPr lang="en-US"/>
+          <a:endParaRPr lang="en-US" sz="2900" dirty="0">
+            <a:latin typeface="+mj-lt"/>
+          </a:endParaRPr>
         </a:p>
       </dgm:t>
     </dgm:pt>
@@ -6906,13 +6923,6 @@
         </dgm:presLayoutVars>
       </dgm:prSet>
       <dgm:spPr/>
-      <dgm:t>
-        <a:bodyPr/>
-        <a:lstStyle/>
-        <a:p>
-          <a:endParaRPr lang="en-US"/>
-        </a:p>
-      </dgm:t>
     </dgm:pt>
     <dgm:pt modelId="{90122DFE-6840-4F25-9858-3541C72FA229}" type="pres">
       <dgm:prSet presAssocID="{4C61DB19-7F2B-4BB7-A483-7EE2561E3A5E}" presName="composite" presStyleCnt="0"/>
@@ -6927,13 +6937,6 @@
         </dgm:presLayoutVars>
       </dgm:prSet>
       <dgm:spPr/>
-      <dgm:t>
-        <a:bodyPr/>
-        <a:lstStyle/>
-        <a:p>
-          <a:endParaRPr lang="en-US"/>
-        </a:p>
-      </dgm:t>
     </dgm:pt>
     <dgm:pt modelId="{39E88E37-7A59-475C-B0C9-ED2E6E7CD4B3}" type="pres">
       <dgm:prSet presAssocID="{4C61DB19-7F2B-4BB7-A483-7EE2561E3A5E}" presName="desTx" presStyleLbl="alignAccFollowNode1" presStyleIdx="0" presStyleCnt="2">
@@ -6942,13 +6945,6 @@
         </dgm:presLayoutVars>
       </dgm:prSet>
       <dgm:spPr/>
-      <dgm:t>
-        <a:bodyPr/>
-        <a:lstStyle/>
-        <a:p>
-          <a:endParaRPr lang="en-US"/>
-        </a:p>
-      </dgm:t>
     </dgm:pt>
     <dgm:pt modelId="{DCC94ECB-806E-46FC-AB9C-50A34243C980}" type="pres">
       <dgm:prSet presAssocID="{7D3656D0-3782-4A6D-B735-2A5DE7ED6064}" presName="space" presStyleCnt="0"/>
@@ -6967,13 +6963,6 @@
         </dgm:presLayoutVars>
       </dgm:prSet>
       <dgm:spPr/>
-      <dgm:t>
-        <a:bodyPr/>
-        <a:lstStyle/>
-        <a:p>
-          <a:endParaRPr lang="en-US"/>
-        </a:p>
-      </dgm:t>
     </dgm:pt>
     <dgm:pt modelId="{D0FACDE1-EEB7-4178-8955-125C610FF1F0}" type="pres">
       <dgm:prSet presAssocID="{172A49AB-4F6F-4E68-B52C-AE49834A388A}" presName="desTx" presStyleLbl="alignAccFollowNode1" presStyleIdx="1" presStyleCnt="2">
@@ -6982,27 +6971,20 @@
         </dgm:presLayoutVars>
       </dgm:prSet>
       <dgm:spPr/>
-      <dgm:t>
-        <a:bodyPr/>
-        <a:lstStyle/>
-        <a:p>
-          <a:endParaRPr lang="en-US"/>
-        </a:p>
-      </dgm:t>
     </dgm:pt>
   </dgm:ptLst>
   <dgm:cxnLst>
-    <dgm:cxn modelId="{776111D4-B0FD-40B2-9F89-8BBBD72553B0}" srcId="{4C61DB19-7F2B-4BB7-A483-7EE2561E3A5E}" destId="{4DA713F6-2A60-4389-942B-6F118F4FB8DA}" srcOrd="0" destOrd="0" parTransId="{F6860D8F-5E8F-46C0-97E1-4F3A0B719414}" sibTransId="{4A04AF99-D125-434D-921C-827CFE659E24}"/>
     <dgm:cxn modelId="{3CFC2004-005D-4E18-AE98-E5FF1E331DF7}" srcId="{F2163B95-C416-4CB5-A678-986A2AE4F680}" destId="{172A49AB-4F6F-4E68-B52C-AE49834A388A}" srcOrd="1" destOrd="0" parTransId="{02D8E9EF-A461-42FF-9EE9-1B00533A96E8}" sibTransId="{9AFE768B-DBAE-442B-8DB3-13EFBDC9A011}"/>
-    <dgm:cxn modelId="{8A4F1773-7BFE-45C9-BB5C-FF3E66328328}" srcId="{F2163B95-C416-4CB5-A678-986A2AE4F680}" destId="{4C61DB19-7F2B-4BB7-A483-7EE2561E3A5E}" srcOrd="0" destOrd="0" parTransId="{98946D01-CEB9-4B84-8F01-F43953659055}" sibTransId="{7D3656D0-3782-4A6D-B735-2A5DE7ED6064}"/>
     <dgm:cxn modelId="{190F372F-BAEB-4C22-93FE-E151022194E2}" type="presOf" srcId="{4C61DB19-7F2B-4BB7-A483-7EE2561E3A5E}" destId="{6A6F582B-F462-4190-9A0A-170669C476E1}" srcOrd="0" destOrd="0" presId="urn:microsoft.com/office/officeart/2005/8/layout/hList1"/>
     <dgm:cxn modelId="{3D11CA63-2535-4EF3-8173-D2321453D04A}" type="presOf" srcId="{172A49AB-4F6F-4E68-B52C-AE49834A388A}" destId="{54B660C0-3765-4F0D-9266-16112A4CD854}" srcOrd="0" destOrd="0" presId="urn:microsoft.com/office/officeart/2005/8/layout/hList1"/>
+    <dgm:cxn modelId="{CEA6E269-43BE-43AE-8311-B43194FB1C7A}" srcId="{172A49AB-4F6F-4E68-B52C-AE49834A388A}" destId="{1F5B33C2-507C-4D42-81EA-9D5326E96B3B}" srcOrd="0" destOrd="0" parTransId="{FCF09481-E0C7-4803-BE13-F2A06AB44E5C}" sibTransId="{5908BA6A-F881-4EFF-9B1A-3BAE66F3DEC9}"/>
+    <dgm:cxn modelId="{8A4F1773-7BFE-45C9-BB5C-FF3E66328328}" srcId="{F2163B95-C416-4CB5-A678-986A2AE4F680}" destId="{4C61DB19-7F2B-4BB7-A483-7EE2561E3A5E}" srcOrd="0" destOrd="0" parTransId="{98946D01-CEB9-4B84-8F01-F43953659055}" sibTransId="{7D3656D0-3782-4A6D-B735-2A5DE7ED6064}"/>
+    <dgm:cxn modelId="{B51F35BE-A60B-4C2B-94A2-19C636CE536F}" type="presOf" srcId="{0C6D18F3-8E81-4F8F-8BE9-1FCE249D6040}" destId="{39E88E37-7A59-475C-B0C9-ED2E6E7CD4B3}" srcOrd="0" destOrd="1" presId="urn:microsoft.com/office/officeart/2005/8/layout/hList1"/>
+    <dgm:cxn modelId="{92B7E2CF-F98B-4832-A0AA-F47F1133DF62}" type="presOf" srcId="{F2163B95-C416-4CB5-A678-986A2AE4F680}" destId="{905844D1-E346-4A3A-B561-457E79319DC0}" srcOrd="0" destOrd="0" presId="urn:microsoft.com/office/officeart/2005/8/layout/hList1"/>
+    <dgm:cxn modelId="{776111D4-B0FD-40B2-9F89-8BBBD72553B0}" srcId="{4C61DB19-7F2B-4BB7-A483-7EE2561E3A5E}" destId="{4DA713F6-2A60-4389-942B-6F118F4FB8DA}" srcOrd="0" destOrd="0" parTransId="{F6860D8F-5E8F-46C0-97E1-4F3A0B719414}" sibTransId="{4A04AF99-D125-434D-921C-827CFE659E24}"/>
+    <dgm:cxn modelId="{427591D7-DCBF-4E95-95B4-B2063A7253C1}" srcId="{4C61DB19-7F2B-4BB7-A483-7EE2561E3A5E}" destId="{0C6D18F3-8E81-4F8F-8BE9-1FCE249D6040}" srcOrd="1" destOrd="0" parTransId="{C303F662-3510-4816-9FB8-B9E48AE0BACE}" sibTransId="{F7E29758-A36A-4CC9-932A-0B4F41F967B2}"/>
     <dgm:cxn modelId="{F12466E7-E9C4-4869-BE3C-FD4A0EC25BF5}" type="presOf" srcId="{1F5B33C2-507C-4D42-81EA-9D5326E96B3B}" destId="{D0FACDE1-EEB7-4178-8955-125C610FF1F0}" srcOrd="0" destOrd="0" presId="urn:microsoft.com/office/officeart/2005/8/layout/hList1"/>
-    <dgm:cxn modelId="{92B7E2CF-F98B-4832-A0AA-F47F1133DF62}" type="presOf" srcId="{F2163B95-C416-4CB5-A678-986A2AE4F680}" destId="{905844D1-E346-4A3A-B561-457E79319DC0}" srcOrd="0" destOrd="0" presId="urn:microsoft.com/office/officeart/2005/8/layout/hList1"/>
-    <dgm:cxn modelId="{427591D7-DCBF-4E95-95B4-B2063A7253C1}" srcId="{4C61DB19-7F2B-4BB7-A483-7EE2561E3A5E}" destId="{0C6D18F3-8E81-4F8F-8BE9-1FCE249D6040}" srcOrd="1" destOrd="0" parTransId="{C303F662-3510-4816-9FB8-B9E48AE0BACE}" sibTransId="{F7E29758-A36A-4CC9-932A-0B4F41F967B2}"/>
-    <dgm:cxn modelId="{CEA6E269-43BE-43AE-8311-B43194FB1C7A}" srcId="{172A49AB-4F6F-4E68-B52C-AE49834A388A}" destId="{1F5B33C2-507C-4D42-81EA-9D5326E96B3B}" srcOrd="0" destOrd="0" parTransId="{FCF09481-E0C7-4803-BE13-F2A06AB44E5C}" sibTransId="{5908BA6A-F881-4EFF-9B1A-3BAE66F3DEC9}"/>
     <dgm:cxn modelId="{49D147FA-2D00-4539-867C-9D51E381528D}" type="presOf" srcId="{4DA713F6-2A60-4389-942B-6F118F4FB8DA}" destId="{39E88E37-7A59-475C-B0C9-ED2E6E7CD4B3}" srcOrd="0" destOrd="0" presId="urn:microsoft.com/office/officeart/2005/8/layout/hList1"/>
-    <dgm:cxn modelId="{B51F35BE-A60B-4C2B-94A2-19C636CE536F}" type="presOf" srcId="{0C6D18F3-8E81-4F8F-8BE9-1FCE249D6040}" destId="{39E88E37-7A59-475C-B0C9-ED2E6E7CD4B3}" srcOrd="0" destOrd="1" presId="urn:microsoft.com/office/officeart/2005/8/layout/hList1"/>
     <dgm:cxn modelId="{36652491-A24B-4DEB-84F1-40AE9E2383E4}" type="presParOf" srcId="{905844D1-E346-4A3A-B561-457E79319DC0}" destId="{90122DFE-6840-4F25-9858-3541C72FA229}" srcOrd="0" destOrd="0" presId="urn:microsoft.com/office/officeart/2005/8/layout/hList1"/>
     <dgm:cxn modelId="{861D3B71-1D32-484F-87C2-6DC9C9B5906D}" type="presParOf" srcId="{90122DFE-6840-4F25-9858-3541C72FA229}" destId="{6A6F582B-F462-4190-9A0A-170669C476E1}" srcOrd="0" destOrd="0" presId="urn:microsoft.com/office/officeart/2005/8/layout/hList1"/>
     <dgm:cxn modelId="{7BFF212E-8431-49BB-9E56-D1DEE05D69F4}" type="presParOf" srcId="{90122DFE-6840-4F25-9858-3541C72FA229}" destId="{39E88E37-7A59-475C-B0C9-ED2E6E7CD4B3}" srcOrd="1" destOrd="0" presId="urn:microsoft.com/office/officeart/2005/8/layout/hList1"/>
@@ -7025,7 +7007,7 @@
 <dgm:dataModel xmlns:dgm="http://schemas.openxmlformats.org/drawingml/2006/diagram" xmlns:a="http://schemas.openxmlformats.org/drawingml/2006/main">
   <dgm:ptLst>
     <dgm:pt modelId="{585E25B9-0D17-4414-8AD5-35FB476F3476}" type="doc">
-      <dgm:prSet loTypeId="urn:microsoft.com/office/officeart/2005/8/layout/vList2" loCatId="list" qsTypeId="urn:microsoft.com/office/officeart/2005/8/quickstyle/simple1" qsCatId="simple" csTypeId="urn:microsoft.com/office/officeart/2005/8/colors/colorful2" csCatId="colorful"/>
+      <dgm:prSet loTypeId="urn:microsoft.com/office/officeart/2005/8/layout/vList2" loCatId="list" qsTypeId="urn:microsoft.com/office/officeart/2005/8/quickstyle/simple1" qsCatId="simple" csTypeId="urn:microsoft.com/office/officeart/2005/8/colors/colorful2" csCatId="colorful" phldr="1"/>
       <dgm:spPr/>
       <dgm:t>
         <a:bodyPr/>
@@ -7036,18 +7018,22 @@
       </dgm:t>
     </dgm:pt>
     <dgm:pt modelId="{45813C60-FB87-4E4E-84CB-2D283EB1348A}">
-      <dgm:prSet/>
+      <dgm:prSet custT="1"/>
       <dgm:spPr/>
       <dgm:t>
         <a:bodyPr/>
         <a:lstStyle/>
         <a:p>
           <a:r>
-            <a:rPr lang="ro-RO" dirty="0"/>
+            <a:rPr lang="ro-RO" sz="3500" dirty="0">
+              <a:latin typeface="+mj-lt"/>
+            </a:rPr>
             <a:t>K</a:t>
           </a:r>
           <a:r>
-            <a:rPr lang="en-US" dirty="0"/>
+            <a:rPr lang="en-US" sz="3500" dirty="0">
+              <a:latin typeface="+mj-lt"/>
+            </a:rPr>
             <a:t>it BRAT biped robot</a:t>
           </a:r>
         </a:p>
@@ -7076,14 +7062,16 @@
       </dgm:t>
     </dgm:pt>
     <dgm:pt modelId="{C290EF0F-F348-4F79-AF0B-5F03731D8D39}">
-      <dgm:prSet/>
+      <dgm:prSet custT="1"/>
       <dgm:spPr/>
       <dgm:t>
         <a:bodyPr/>
         <a:lstStyle/>
         <a:p>
           <a:r>
-            <a:rPr lang="en-US" dirty="0"/>
+            <a:rPr lang="en-US" sz="2900" dirty="0">
+              <a:latin typeface="+mj-lt"/>
+            </a:rPr>
             <a:t>6 grade de libertate</a:t>
           </a:r>
         </a:p>
@@ -7112,17 +7100,21 @@
       </dgm:t>
     </dgm:pt>
     <dgm:pt modelId="{F2E98D93-1A6A-46F3-B5B6-FC34FAB8B0E1}">
-      <dgm:prSet/>
+      <dgm:prSet custT="1"/>
       <dgm:spPr/>
       <dgm:t>
         <a:bodyPr/>
         <a:lstStyle/>
         <a:p>
           <a:r>
-            <a:rPr lang="ro-RO"/>
+            <a:rPr lang="ro-RO" sz="3500" dirty="0">
+              <a:latin typeface="+mj-lt"/>
+            </a:rPr>
             <a:t>Placă Arduino Uno</a:t>
           </a:r>
-          <a:endParaRPr lang="en-US"/>
+          <a:endParaRPr lang="en-US" sz="3500" dirty="0">
+            <a:latin typeface="+mj-lt"/>
+          </a:endParaRPr>
         </a:p>
       </dgm:t>
     </dgm:pt>
@@ -7149,17 +7141,21 @@
       </dgm:t>
     </dgm:pt>
     <dgm:pt modelId="{2C90FD26-A73D-4B85-8294-2F702AA88AC2}">
-      <dgm:prSet/>
+      <dgm:prSet custT="1"/>
       <dgm:spPr/>
       <dgm:t>
         <a:bodyPr/>
         <a:lstStyle/>
         <a:p>
           <a:r>
-            <a:rPr lang="ro-RO"/>
+            <a:rPr lang="ro-RO" sz="3500" dirty="0">
+              <a:latin typeface="+mj-lt"/>
+            </a:rPr>
             <a:t>Placă ESP-32 Thing</a:t>
           </a:r>
-          <a:endParaRPr lang="en-US"/>
+          <a:endParaRPr lang="en-US" sz="3500" dirty="0">
+            <a:latin typeface="+mj-lt"/>
+          </a:endParaRPr>
         </a:p>
       </dgm:t>
     </dgm:pt>
@@ -7193,13 +7189,6 @@
         </dgm:presLayoutVars>
       </dgm:prSet>
       <dgm:spPr/>
-      <dgm:t>
-        <a:bodyPr/>
-        <a:lstStyle/>
-        <a:p>
-          <a:endParaRPr lang="en-US"/>
-        </a:p>
-      </dgm:t>
     </dgm:pt>
     <dgm:pt modelId="{DED33222-C5D4-4E35-993E-B31A1CC17E41}" type="pres">
       <dgm:prSet presAssocID="{45813C60-FB87-4E4E-84CB-2D283EB1348A}" presName="parentText" presStyleLbl="node1" presStyleIdx="0" presStyleCnt="3">
@@ -7209,13 +7198,6 @@
         </dgm:presLayoutVars>
       </dgm:prSet>
       <dgm:spPr/>
-      <dgm:t>
-        <a:bodyPr/>
-        <a:lstStyle/>
-        <a:p>
-          <a:endParaRPr lang="en-US"/>
-        </a:p>
-      </dgm:t>
     </dgm:pt>
     <dgm:pt modelId="{E30B04B1-45C7-47D9-90D0-918FC02209FE}" type="pres">
       <dgm:prSet presAssocID="{45813C60-FB87-4E4E-84CB-2D283EB1348A}" presName="childText" presStyleLbl="revTx" presStyleIdx="0" presStyleCnt="1">
@@ -7224,13 +7206,6 @@
         </dgm:presLayoutVars>
       </dgm:prSet>
       <dgm:spPr/>
-      <dgm:t>
-        <a:bodyPr/>
-        <a:lstStyle/>
-        <a:p>
-          <a:endParaRPr lang="en-US"/>
-        </a:p>
-      </dgm:t>
     </dgm:pt>
     <dgm:pt modelId="{F69BEC3F-8F16-4104-A5A3-A49D25656FB3}" type="pres">
       <dgm:prSet presAssocID="{F2E98D93-1A6A-46F3-B5B6-FC34FAB8B0E1}" presName="parentText" presStyleLbl="node1" presStyleIdx="1" presStyleCnt="3">
@@ -7240,13 +7215,6 @@
         </dgm:presLayoutVars>
       </dgm:prSet>
       <dgm:spPr/>
-      <dgm:t>
-        <a:bodyPr/>
-        <a:lstStyle/>
-        <a:p>
-          <a:endParaRPr lang="en-US"/>
-        </a:p>
-      </dgm:t>
     </dgm:pt>
     <dgm:pt modelId="{470661B3-4D43-47B3-9818-079C79B31ADE}" type="pres">
       <dgm:prSet presAssocID="{75167B2D-CD41-4F0D-BFD5-6A2CA1C0F114}" presName="spacer" presStyleCnt="0"/>
@@ -7260,25 +7228,18 @@
         </dgm:presLayoutVars>
       </dgm:prSet>
       <dgm:spPr/>
-      <dgm:t>
-        <a:bodyPr/>
-        <a:lstStyle/>
-        <a:p>
-          <a:endParaRPr lang="en-US"/>
-        </a:p>
-      </dgm:t>
     </dgm:pt>
   </dgm:ptLst>
   <dgm:cxnLst>
+    <dgm:cxn modelId="{F9E5A314-DAD1-4904-BBE7-A34F539B53D4}" type="presOf" srcId="{C290EF0F-F348-4F79-AF0B-5F03731D8D39}" destId="{E30B04B1-45C7-47D9-90D0-918FC02209FE}" srcOrd="0" destOrd="0" presId="urn:microsoft.com/office/officeart/2005/8/layout/vList2"/>
+    <dgm:cxn modelId="{B35FD21E-49F7-43BD-A66A-0E948540A10F}" srcId="{45813C60-FB87-4E4E-84CB-2D283EB1348A}" destId="{C290EF0F-F348-4F79-AF0B-5F03731D8D39}" srcOrd="0" destOrd="0" parTransId="{DB48B482-793E-4B43-A22C-7356A4CC08E4}" sibTransId="{E1AC2D09-2A24-4087-AB39-9D843736A16A}"/>
+    <dgm:cxn modelId="{80D8F629-B08A-4EAF-84A6-C5916903862F}" type="presOf" srcId="{585E25B9-0D17-4414-8AD5-35FB476F3476}" destId="{1F94EFD1-0BAF-4F5D-864D-D82A6C59DBC2}" srcOrd="0" destOrd="0" presId="urn:microsoft.com/office/officeart/2005/8/layout/vList2"/>
+    <dgm:cxn modelId="{6D19BB35-B48E-4E4A-9DC1-04132076F5FA}" srcId="{585E25B9-0D17-4414-8AD5-35FB476F3476}" destId="{2C90FD26-A73D-4B85-8294-2F702AA88AC2}" srcOrd="2" destOrd="0" parTransId="{5743D333-6E3A-4953-AD61-AEC8D4AD7616}" sibTransId="{7702BE38-E34F-4A8D-AB80-577E8D3D7D48}"/>
+    <dgm:cxn modelId="{A09E2565-1A97-42BB-B758-5D908E613FD2}" srcId="{585E25B9-0D17-4414-8AD5-35FB476F3476}" destId="{45813C60-FB87-4E4E-84CB-2D283EB1348A}" srcOrd="0" destOrd="0" parTransId="{E7CF2669-DCB1-49FD-80AB-ADBE9711CDA0}" sibTransId="{9FFB7952-3853-4FB3-B2FE-40B80D1118EF}"/>
+    <dgm:cxn modelId="{E0450073-4D62-48E2-AEC3-EAE4573A25FD}" type="presOf" srcId="{2C90FD26-A73D-4B85-8294-2F702AA88AC2}" destId="{AA9D6CE5-E8A0-4B90-AD95-C893AA37B62A}" srcOrd="0" destOrd="0" presId="urn:microsoft.com/office/officeart/2005/8/layout/vList2"/>
+    <dgm:cxn modelId="{8D5E5482-8E4D-4737-AAFE-BD41F5BF6461}" srcId="{585E25B9-0D17-4414-8AD5-35FB476F3476}" destId="{F2E98D93-1A6A-46F3-B5B6-FC34FAB8B0E1}" srcOrd="1" destOrd="0" parTransId="{42FA4DF8-F908-4DA7-9A21-BF1E8870D3DB}" sibTransId="{75167B2D-CD41-4F0D-BFD5-6A2CA1C0F114}"/>
+    <dgm:cxn modelId="{F6564AA8-176B-421A-B219-A8A1F4D75353}" type="presOf" srcId="{45813C60-FB87-4E4E-84CB-2D283EB1348A}" destId="{DED33222-C5D4-4E35-993E-B31A1CC17E41}" srcOrd="0" destOrd="0" presId="urn:microsoft.com/office/officeart/2005/8/layout/vList2"/>
     <dgm:cxn modelId="{E9A9DAF0-4FCB-4BBF-BA0D-B53831ACAEBA}" type="presOf" srcId="{F2E98D93-1A6A-46F3-B5B6-FC34FAB8B0E1}" destId="{F69BEC3F-8F16-4104-A5A3-A49D25656FB3}" srcOrd="0" destOrd="0" presId="urn:microsoft.com/office/officeart/2005/8/layout/vList2"/>
-    <dgm:cxn modelId="{B35FD21E-49F7-43BD-A66A-0E948540A10F}" srcId="{45813C60-FB87-4E4E-84CB-2D283EB1348A}" destId="{C290EF0F-F348-4F79-AF0B-5F03731D8D39}" srcOrd="0" destOrd="0" parTransId="{DB48B482-793E-4B43-A22C-7356A4CC08E4}" sibTransId="{E1AC2D09-2A24-4087-AB39-9D843736A16A}"/>
-    <dgm:cxn modelId="{8D5E5482-8E4D-4737-AAFE-BD41F5BF6461}" srcId="{585E25B9-0D17-4414-8AD5-35FB476F3476}" destId="{F2E98D93-1A6A-46F3-B5B6-FC34FAB8B0E1}" srcOrd="1" destOrd="0" parTransId="{42FA4DF8-F908-4DA7-9A21-BF1E8870D3DB}" sibTransId="{75167B2D-CD41-4F0D-BFD5-6A2CA1C0F114}"/>
-    <dgm:cxn modelId="{6D19BB35-B48E-4E4A-9DC1-04132076F5FA}" srcId="{585E25B9-0D17-4414-8AD5-35FB476F3476}" destId="{2C90FD26-A73D-4B85-8294-2F702AA88AC2}" srcOrd="2" destOrd="0" parTransId="{5743D333-6E3A-4953-AD61-AEC8D4AD7616}" sibTransId="{7702BE38-E34F-4A8D-AB80-577E8D3D7D48}"/>
-    <dgm:cxn modelId="{80D8F629-B08A-4EAF-84A6-C5916903862F}" type="presOf" srcId="{585E25B9-0D17-4414-8AD5-35FB476F3476}" destId="{1F94EFD1-0BAF-4F5D-864D-D82A6C59DBC2}" srcOrd="0" destOrd="0" presId="urn:microsoft.com/office/officeart/2005/8/layout/vList2"/>
-    <dgm:cxn modelId="{A09E2565-1A97-42BB-B758-5D908E613FD2}" srcId="{585E25B9-0D17-4414-8AD5-35FB476F3476}" destId="{45813C60-FB87-4E4E-84CB-2D283EB1348A}" srcOrd="0" destOrd="0" parTransId="{E7CF2669-DCB1-49FD-80AB-ADBE9711CDA0}" sibTransId="{9FFB7952-3853-4FB3-B2FE-40B80D1118EF}"/>
-    <dgm:cxn modelId="{F9E5A314-DAD1-4904-BBE7-A34F539B53D4}" type="presOf" srcId="{C290EF0F-F348-4F79-AF0B-5F03731D8D39}" destId="{E30B04B1-45C7-47D9-90D0-918FC02209FE}" srcOrd="0" destOrd="0" presId="urn:microsoft.com/office/officeart/2005/8/layout/vList2"/>
-    <dgm:cxn modelId="{F6564AA8-176B-421A-B219-A8A1F4D75353}" type="presOf" srcId="{45813C60-FB87-4E4E-84CB-2D283EB1348A}" destId="{DED33222-C5D4-4E35-993E-B31A1CC17E41}" srcOrd="0" destOrd="0" presId="urn:microsoft.com/office/officeart/2005/8/layout/vList2"/>
-    <dgm:cxn modelId="{E0450073-4D62-48E2-AEC3-EAE4573A25FD}" type="presOf" srcId="{2C90FD26-A73D-4B85-8294-2F702AA88AC2}" destId="{AA9D6CE5-E8A0-4B90-AD95-C893AA37B62A}" srcOrd="0" destOrd="0" presId="urn:microsoft.com/office/officeart/2005/8/layout/vList2"/>
     <dgm:cxn modelId="{A3207D1C-A3FC-43A2-99E8-F7C9893175AF}" type="presParOf" srcId="{1F94EFD1-0BAF-4F5D-864D-D82A6C59DBC2}" destId="{DED33222-C5D4-4E35-993E-B31A1CC17E41}" srcOrd="0" destOrd="0" presId="urn:microsoft.com/office/officeart/2005/8/layout/vList2"/>
     <dgm:cxn modelId="{A9A33BEA-4448-499E-B524-C57DD05B5BB9}" type="presParOf" srcId="{1F94EFD1-0BAF-4F5D-864D-D82A6C59DBC2}" destId="{E30B04B1-45C7-47D9-90D0-918FC02209FE}" srcOrd="1" destOrd="0" presId="urn:microsoft.com/office/officeart/2005/8/layout/vList2"/>
     <dgm:cxn modelId="{4801B8AD-FB44-46BD-B1ED-577EEE7C89A3}" type="presParOf" srcId="{1F94EFD1-0BAF-4F5D-864D-D82A6C59DBC2}" destId="{F69BEC3F-8F16-4104-A5A3-A49D25656FB3}" srcOrd="2" destOrd="0" presId="urn:microsoft.com/office/officeart/2005/8/layout/vList2"/>
@@ -7310,17 +7271,21 @@
       </dgm:t>
     </dgm:pt>
     <dgm:pt modelId="{7F8EEEB2-5B5A-41D0-A1E3-D54678AE6FF3}">
-      <dgm:prSet/>
+      <dgm:prSet custT="1"/>
       <dgm:spPr/>
       <dgm:t>
         <a:bodyPr/>
         <a:lstStyle/>
         <a:p>
           <a:r>
-            <a:rPr lang="ro-RO"/>
+            <a:rPr lang="ro-RO" sz="3500" dirty="0">
+              <a:latin typeface="+mj-lt"/>
+            </a:rPr>
             <a:t>Sursă tensiune electrică</a:t>
           </a:r>
-          <a:endParaRPr lang="en-US"/>
+          <a:endParaRPr lang="en-US" sz="3500" dirty="0">
+            <a:latin typeface="+mj-lt"/>
+          </a:endParaRPr>
         </a:p>
       </dgm:t>
     </dgm:pt>
@@ -7347,17 +7312,21 @@
       </dgm:t>
     </dgm:pt>
     <dgm:pt modelId="{3886654F-17EA-4A23-AC0E-0D9B8E51D461}">
-      <dgm:prSet/>
+      <dgm:prSet custT="1"/>
       <dgm:spPr/>
       <dgm:t>
         <a:bodyPr/>
         <a:lstStyle/>
         <a:p>
           <a:r>
-            <a:rPr lang="ro-RO"/>
+            <a:rPr lang="ro-RO" sz="3500" dirty="0">
+              <a:latin typeface="+mj-lt"/>
+            </a:rPr>
             <a:t>Cameră Pixy CMUcam5</a:t>
           </a:r>
-          <a:endParaRPr lang="en-US"/>
+          <a:endParaRPr lang="en-US" sz="3500" dirty="0">
+            <a:latin typeface="+mj-lt"/>
+          </a:endParaRPr>
         </a:p>
       </dgm:t>
     </dgm:pt>
@@ -7384,17 +7353,21 @@
       </dgm:t>
     </dgm:pt>
     <dgm:pt modelId="{4C6C6677-612A-42D4-9225-D633F8FF85D3}">
-      <dgm:prSet/>
+      <dgm:prSet custT="1"/>
       <dgm:spPr/>
       <dgm:t>
         <a:bodyPr/>
         <a:lstStyle/>
         <a:p>
           <a:r>
-            <a:rPr lang="ro-RO"/>
+            <a:rPr lang="ro-RO" sz="3500" dirty="0">
+              <a:latin typeface="+mj-lt"/>
+            </a:rPr>
             <a:t>PC</a:t>
           </a:r>
-          <a:endParaRPr lang="en-US"/>
+          <a:endParaRPr lang="en-US" sz="3500" dirty="0">
+            <a:latin typeface="+mj-lt"/>
+          </a:endParaRPr>
         </a:p>
       </dgm:t>
     </dgm:pt>
@@ -7428,13 +7401,6 @@
         </dgm:presLayoutVars>
       </dgm:prSet>
       <dgm:spPr/>
-      <dgm:t>
-        <a:bodyPr/>
-        <a:lstStyle/>
-        <a:p>
-          <a:endParaRPr lang="en-US"/>
-        </a:p>
-      </dgm:t>
     </dgm:pt>
     <dgm:pt modelId="{79B08CB2-EEE4-471B-BEB9-12F8CDCA360F}" type="pres">
       <dgm:prSet presAssocID="{7F8EEEB2-5B5A-41D0-A1E3-D54678AE6FF3}" presName="parentText" presStyleLbl="node1" presStyleIdx="0" presStyleCnt="3">
@@ -7444,13 +7410,6 @@
         </dgm:presLayoutVars>
       </dgm:prSet>
       <dgm:spPr/>
-      <dgm:t>
-        <a:bodyPr/>
-        <a:lstStyle/>
-        <a:p>
-          <a:endParaRPr lang="en-US"/>
-        </a:p>
-      </dgm:t>
     </dgm:pt>
     <dgm:pt modelId="{EF0958F6-D0F2-4387-A3FF-05A531DBEB9D}" type="pres">
       <dgm:prSet presAssocID="{EBAF5206-BF71-42AD-8AE9-90046D379285}" presName="spacer" presStyleCnt="0"/>
@@ -7464,13 +7423,6 @@
         </dgm:presLayoutVars>
       </dgm:prSet>
       <dgm:spPr/>
-      <dgm:t>
-        <a:bodyPr/>
-        <a:lstStyle/>
-        <a:p>
-          <a:endParaRPr lang="en-US"/>
-        </a:p>
-      </dgm:t>
     </dgm:pt>
     <dgm:pt modelId="{C0AE372F-E0D9-4E4E-923A-94EE8618CD15}" type="pres">
       <dgm:prSet presAssocID="{DAAEF7D0-98B2-4703-B384-ECF1815BE82D}" presName="spacer" presStyleCnt="0"/>
@@ -7484,22 +7436,15 @@
         </dgm:presLayoutVars>
       </dgm:prSet>
       <dgm:spPr/>
-      <dgm:t>
-        <a:bodyPr/>
-        <a:lstStyle/>
-        <a:p>
-          <a:endParaRPr lang="en-US"/>
-        </a:p>
-      </dgm:t>
     </dgm:pt>
   </dgm:ptLst>
   <dgm:cxnLst>
     <dgm:cxn modelId="{E3161B24-B8F5-4078-85BB-099DA3C63E0D}" srcId="{58E18128-5BD7-4E8E-8B61-FD96FDFA360E}" destId="{3886654F-17EA-4A23-AC0E-0D9B8E51D461}" srcOrd="1" destOrd="0" parTransId="{8EA50784-3344-47BA-BE05-85454F2D9FDD}" sibTransId="{DAAEF7D0-98B2-4703-B384-ECF1815BE82D}"/>
     <dgm:cxn modelId="{DD16F17D-E69F-4C91-B782-DD828694188D}" type="presOf" srcId="{4C6C6677-612A-42D4-9225-D633F8FF85D3}" destId="{BF0E8671-1471-4BE7-A707-10B3AFE0DF45}" srcOrd="0" destOrd="0" presId="urn:microsoft.com/office/officeart/2005/8/layout/vList2"/>
     <dgm:cxn modelId="{ACABFA85-5B0C-4826-AC15-9E90138A108E}" type="presOf" srcId="{58E18128-5BD7-4E8E-8B61-FD96FDFA360E}" destId="{C11D8A1E-0A47-4478-A083-44DB86201F42}" srcOrd="0" destOrd="0" presId="urn:microsoft.com/office/officeart/2005/8/layout/vList2"/>
-    <dgm:cxn modelId="{2DD244B9-754C-4630-BFED-53C70532FD59}" type="presOf" srcId="{3886654F-17EA-4A23-AC0E-0D9B8E51D461}" destId="{7729E7B6-C2AC-4AEA-AF4B-A64ABF1831B5}" srcOrd="0" destOrd="0" presId="urn:microsoft.com/office/officeart/2005/8/layout/vList2"/>
     <dgm:cxn modelId="{C772EB8D-0441-4078-B6D5-952178CF2917}" type="presOf" srcId="{7F8EEEB2-5B5A-41D0-A1E3-D54678AE6FF3}" destId="{79B08CB2-EEE4-471B-BEB9-12F8CDCA360F}" srcOrd="0" destOrd="0" presId="urn:microsoft.com/office/officeart/2005/8/layout/vList2"/>
     <dgm:cxn modelId="{0444DEA8-74C5-4EFA-AC13-0DD8477597F6}" srcId="{58E18128-5BD7-4E8E-8B61-FD96FDFA360E}" destId="{4C6C6677-612A-42D4-9225-D633F8FF85D3}" srcOrd="2" destOrd="0" parTransId="{385203BF-D0ED-49AA-91BE-5CEA819CC1FE}" sibTransId="{A216732D-3298-4225-9D82-2B0631A8EB67}"/>
+    <dgm:cxn modelId="{2DD244B9-754C-4630-BFED-53C70532FD59}" type="presOf" srcId="{3886654F-17EA-4A23-AC0E-0D9B8E51D461}" destId="{7729E7B6-C2AC-4AEA-AF4B-A64ABF1831B5}" srcOrd="0" destOrd="0" presId="urn:microsoft.com/office/officeart/2005/8/layout/vList2"/>
     <dgm:cxn modelId="{81D9C2F1-E692-4A59-9609-F69EF66B4B6D}" srcId="{58E18128-5BD7-4E8E-8B61-FD96FDFA360E}" destId="{7F8EEEB2-5B5A-41D0-A1E3-D54678AE6FF3}" srcOrd="0" destOrd="0" parTransId="{7CC4F227-8D98-48D0-8063-3EF96333C5B4}" sibTransId="{EBAF5206-BF71-42AD-8AE9-90046D379285}"/>
     <dgm:cxn modelId="{672AC6B4-E28E-4B92-9F82-B9EEF7C21A2D}" type="presParOf" srcId="{C11D8A1E-0A47-4478-A083-44DB86201F42}" destId="{79B08CB2-EEE4-471B-BEB9-12F8CDCA360F}" srcOrd="0" destOrd="0" presId="urn:microsoft.com/office/officeart/2005/8/layout/vList2"/>
     <dgm:cxn modelId="{F380ED6F-D0BE-4DC6-8B26-B881304322C9}" type="presParOf" srcId="{C11D8A1E-0A47-4478-A083-44DB86201F42}" destId="{EF0958F6-D0F2-4387-A3FF-05A531DBEB9D}" srcOrd="1" destOrd="0" presId="urn:microsoft.com/office/officeart/2005/8/layout/vList2"/>
@@ -7539,10 +7484,14 @@
         <a:lstStyle/>
         <a:p>
           <a:r>
-            <a:rPr lang="ro-RO"/>
+            <a:rPr lang="ro-RO" dirty="0">
+              <a:latin typeface="+mj-lt"/>
+            </a:rPr>
             <a:t>Arduino IDE – C++</a:t>
           </a:r>
-          <a:endParaRPr lang="en-US"/>
+          <a:endParaRPr lang="en-US" dirty="0">
+            <a:latin typeface="+mj-lt"/>
+          </a:endParaRPr>
         </a:p>
       </dgm:t>
     </dgm:pt>
@@ -7576,10 +7525,14 @@
         <a:lstStyle/>
         <a:p>
           <a:r>
-            <a:rPr lang="ro-RO"/>
+            <a:rPr lang="ro-RO" dirty="0">
+              <a:latin typeface="+mj-lt"/>
+            </a:rPr>
             <a:t>Android Studio – Java</a:t>
           </a:r>
-          <a:endParaRPr lang="en-US"/>
+          <a:endParaRPr lang="en-US" dirty="0">
+            <a:latin typeface="+mj-lt"/>
+          </a:endParaRPr>
         </a:p>
       </dgm:t>
     </dgm:pt>
@@ -7613,10 +7566,14 @@
         <a:lstStyle/>
         <a:p>
           <a:r>
-            <a:rPr lang="ro-RO"/>
+            <a:rPr lang="ro-RO" dirty="0">
+              <a:latin typeface="+mj-lt"/>
+            </a:rPr>
             <a:t>GitHub</a:t>
           </a:r>
-          <a:endParaRPr lang="en-US"/>
+          <a:endParaRPr lang="en-US" dirty="0">
+            <a:latin typeface="+mj-lt"/>
+          </a:endParaRPr>
         </a:p>
       </dgm:t>
     </dgm:pt>
@@ -7650,10 +7607,14 @@
         <a:lstStyle/>
         <a:p>
           <a:r>
-            <a:rPr lang="ro-RO"/>
+            <a:rPr lang="ro-RO" dirty="0">
+              <a:latin typeface="+mj-lt"/>
+            </a:rPr>
             <a:t>LynxTerm</a:t>
           </a:r>
-          <a:endParaRPr lang="en-US"/>
+          <a:endParaRPr lang="en-US" dirty="0">
+            <a:latin typeface="+mj-lt"/>
+          </a:endParaRPr>
         </a:p>
       </dgm:t>
     </dgm:pt>
@@ -7687,13 +7648,6 @@
         </dgm:presLayoutVars>
       </dgm:prSet>
       <dgm:spPr/>
-      <dgm:t>
-        <a:bodyPr/>
-        <a:lstStyle/>
-        <a:p>
-          <a:endParaRPr lang="en-US"/>
-        </a:p>
-      </dgm:t>
     </dgm:pt>
     <dgm:pt modelId="{308E23A7-3CD0-4080-BE52-18139286F8E6}" type="pres">
       <dgm:prSet presAssocID="{74102E8A-AEFC-4E80-B080-A1A73F44AA8A}" presName="parentText" presStyleLbl="node1" presStyleIdx="0" presStyleCnt="4">
@@ -7703,13 +7657,6 @@
         </dgm:presLayoutVars>
       </dgm:prSet>
       <dgm:spPr/>
-      <dgm:t>
-        <a:bodyPr/>
-        <a:lstStyle/>
-        <a:p>
-          <a:endParaRPr lang="en-US"/>
-        </a:p>
-      </dgm:t>
     </dgm:pt>
     <dgm:pt modelId="{35DDB93C-9DD3-4E29-906F-B6DFC4EFE96D}" type="pres">
       <dgm:prSet presAssocID="{18BA9481-74AE-40C3-98EF-6A04DD5D1223}" presName="spacer" presStyleCnt="0"/>
@@ -7723,13 +7670,6 @@
         </dgm:presLayoutVars>
       </dgm:prSet>
       <dgm:spPr/>
-      <dgm:t>
-        <a:bodyPr/>
-        <a:lstStyle/>
-        <a:p>
-          <a:endParaRPr lang="en-US"/>
-        </a:p>
-      </dgm:t>
     </dgm:pt>
     <dgm:pt modelId="{30821485-728B-4BD5-9805-1008E4D95F81}" type="pres">
       <dgm:prSet presAssocID="{789B24EE-CCB6-426C-872B-3F84E3133C17}" presName="spacer" presStyleCnt="0"/>
@@ -7743,13 +7683,6 @@
         </dgm:presLayoutVars>
       </dgm:prSet>
       <dgm:spPr/>
-      <dgm:t>
-        <a:bodyPr/>
-        <a:lstStyle/>
-        <a:p>
-          <a:endParaRPr lang="en-US"/>
-        </a:p>
-      </dgm:t>
     </dgm:pt>
     <dgm:pt modelId="{E5FD2E23-E913-43F7-9683-F6172036C341}" type="pres">
       <dgm:prSet presAssocID="{132E273A-E2BC-4832-AC6E-41F379CB2161}" presName="spacer" presStyleCnt="0"/>
@@ -7763,25 +7696,18 @@
         </dgm:presLayoutVars>
       </dgm:prSet>
       <dgm:spPr/>
-      <dgm:t>
-        <a:bodyPr/>
-        <a:lstStyle/>
-        <a:p>
-          <a:endParaRPr lang="en-US"/>
-        </a:p>
-      </dgm:t>
     </dgm:pt>
   </dgm:ptLst>
   <dgm:cxnLst>
+    <dgm:cxn modelId="{A72B7C08-09D6-4EA2-808B-3C367ABB4DC3}" srcId="{09E8F5C5-F664-4D8E-A4B7-F1B65624571B}" destId="{7C861E56-2682-4AD7-AD3D-AE2B9DFFC5C6}" srcOrd="1" destOrd="0" parTransId="{CE1B1EE2-439E-4C0B-A951-42BFE341F4C2}" sibTransId="{789B24EE-CCB6-426C-872B-3F84E3133C17}"/>
     <dgm:cxn modelId="{043B7728-26C7-4250-85C7-1E5BF33AD754}" type="presOf" srcId="{7C861E56-2682-4AD7-AD3D-AE2B9DFFC5C6}" destId="{16106DC5-5891-4062-A976-AB95211526D0}" srcOrd="0" destOrd="0" presId="urn:microsoft.com/office/officeart/2005/8/layout/vList2"/>
-    <dgm:cxn modelId="{3A2979A9-0628-4AF2-9F4E-FD8D85F59F79}" type="presOf" srcId="{6710F22F-6ED8-46B4-AE32-528FCC1C1F8B}" destId="{B5A07579-8DA4-4BB2-8BC5-30D0C9642E48}" srcOrd="0" destOrd="0" presId="urn:microsoft.com/office/officeart/2005/8/layout/vList2"/>
-    <dgm:cxn modelId="{A72B7C08-09D6-4EA2-808B-3C367ABB4DC3}" srcId="{09E8F5C5-F664-4D8E-A4B7-F1B65624571B}" destId="{7C861E56-2682-4AD7-AD3D-AE2B9DFFC5C6}" srcOrd="1" destOrd="0" parTransId="{CE1B1EE2-439E-4C0B-A951-42BFE341F4C2}" sibTransId="{789B24EE-CCB6-426C-872B-3F84E3133C17}"/>
     <dgm:cxn modelId="{B865C849-7D1F-411A-905C-BD16B1E017D9}" srcId="{09E8F5C5-F664-4D8E-A4B7-F1B65624571B}" destId="{74102E8A-AEFC-4E80-B080-A1A73F44AA8A}" srcOrd="0" destOrd="0" parTransId="{FE2A0113-6A14-4587-878D-5F883CA3D900}" sibTransId="{18BA9481-74AE-40C3-98EF-6A04DD5D1223}"/>
-    <dgm:cxn modelId="{0A7DB8E6-1400-4EF5-889D-5627C880E859}" srcId="{09E8F5C5-F664-4D8E-A4B7-F1B65624571B}" destId="{6710F22F-6ED8-46B4-AE32-528FCC1C1F8B}" srcOrd="2" destOrd="0" parTransId="{A6F46EB8-51B8-414F-8C28-534BC21E93B7}" sibTransId="{132E273A-E2BC-4832-AC6E-41F379CB2161}"/>
-    <dgm:cxn modelId="{C801E2E0-F241-4969-90D6-CA9F2D65C5AF}" type="presOf" srcId="{09E8F5C5-F664-4D8E-A4B7-F1B65624571B}" destId="{E09CE831-8C79-4733-BF5B-3149B75326E8}" srcOrd="0" destOrd="0" presId="urn:microsoft.com/office/officeart/2005/8/layout/vList2"/>
     <dgm:cxn modelId="{17779684-8869-49FC-95F7-0C9B29F18A6D}" srcId="{09E8F5C5-F664-4D8E-A4B7-F1B65624571B}" destId="{5E237A96-A1D3-43CD-82DE-8BB8BDC77278}" srcOrd="3" destOrd="0" parTransId="{36B6F61C-B897-4AB5-9738-725402302F05}" sibTransId="{35DEF6F8-1E07-4183-BC84-BA474D67F6AD}"/>
     <dgm:cxn modelId="{7328A68F-921D-44C3-A0D5-534C93302FC8}" type="presOf" srcId="{74102E8A-AEFC-4E80-B080-A1A73F44AA8A}" destId="{308E23A7-3CD0-4080-BE52-18139286F8E6}" srcOrd="0" destOrd="0" presId="urn:microsoft.com/office/officeart/2005/8/layout/vList2"/>
+    <dgm:cxn modelId="{3A2979A9-0628-4AF2-9F4E-FD8D85F59F79}" type="presOf" srcId="{6710F22F-6ED8-46B4-AE32-528FCC1C1F8B}" destId="{B5A07579-8DA4-4BB2-8BC5-30D0C9642E48}" srcOrd="0" destOrd="0" presId="urn:microsoft.com/office/officeart/2005/8/layout/vList2"/>
     <dgm:cxn modelId="{FD39B7B5-3F0E-4819-837B-9F42FD879927}" type="presOf" srcId="{5E237A96-A1D3-43CD-82DE-8BB8BDC77278}" destId="{9939510C-B4E4-44C3-8190-3F5E10565C9D}" srcOrd="0" destOrd="0" presId="urn:microsoft.com/office/officeart/2005/8/layout/vList2"/>
+    <dgm:cxn modelId="{C801E2E0-F241-4969-90D6-CA9F2D65C5AF}" type="presOf" srcId="{09E8F5C5-F664-4D8E-A4B7-F1B65624571B}" destId="{E09CE831-8C79-4733-BF5B-3149B75326E8}" srcOrd="0" destOrd="0" presId="urn:microsoft.com/office/officeart/2005/8/layout/vList2"/>
+    <dgm:cxn modelId="{0A7DB8E6-1400-4EF5-889D-5627C880E859}" srcId="{09E8F5C5-F664-4D8E-A4B7-F1B65624571B}" destId="{6710F22F-6ED8-46B4-AE32-528FCC1C1F8B}" srcOrd="2" destOrd="0" parTransId="{A6F46EB8-51B8-414F-8C28-534BC21E93B7}" sibTransId="{132E273A-E2BC-4832-AC6E-41F379CB2161}"/>
     <dgm:cxn modelId="{EF77B003-C2B6-4ECC-BC52-370B5C44B3AD}" type="presParOf" srcId="{E09CE831-8C79-4733-BF5B-3149B75326E8}" destId="{308E23A7-3CD0-4080-BE52-18139286F8E6}" srcOrd="0" destOrd="0" presId="urn:microsoft.com/office/officeart/2005/8/layout/vList2"/>
     <dgm:cxn modelId="{50F93E02-1EE3-437F-87EC-0DD75431C274}" type="presParOf" srcId="{E09CE831-8C79-4733-BF5B-3149B75326E8}" destId="{35DDB93C-9DD3-4E29-906F-B6DFC4EFE96D}" srcOrd="1" destOrd="0" presId="urn:microsoft.com/office/officeart/2005/8/layout/vList2"/>
     <dgm:cxn modelId="{647CD6F3-606E-42D6-8CF8-9145B0559F13}" type="presParOf" srcId="{E09CE831-8C79-4733-BF5B-3149B75326E8}" destId="{16106DC5-5891-4062-A976-AB95211526D0}" srcOrd="2" destOrd="0" presId="urn:microsoft.com/office/officeart/2005/8/layout/vList2"/>
@@ -7815,17 +7741,21 @@
       </dgm:t>
     </dgm:pt>
     <dgm:pt modelId="{FD9059CB-7127-400C-B417-4CDF18013AEF}">
-      <dgm:prSet/>
+      <dgm:prSet custT="1"/>
       <dgm:spPr/>
       <dgm:t>
         <a:bodyPr/>
         <a:lstStyle/>
         <a:p>
           <a:r>
-            <a:rPr lang="ro-RO" dirty="0"/>
+            <a:rPr lang="ro-RO" sz="3500" dirty="0">
+              <a:latin typeface="+mj-lt"/>
+            </a:rPr>
             <a:t>Folosit ca server web</a:t>
           </a:r>
-          <a:endParaRPr lang="en-US" dirty="0"/>
+          <a:endParaRPr lang="en-US" sz="3500" dirty="0">
+            <a:latin typeface="+mj-lt"/>
+          </a:endParaRPr>
         </a:p>
       </dgm:t>
     </dgm:pt>
@@ -7852,17 +7782,21 @@
       </dgm:t>
     </dgm:pt>
     <dgm:pt modelId="{F38B84B0-2108-4FDC-BE0C-C41DBF51DF58}">
-      <dgm:prSet/>
+      <dgm:prSet custT="1"/>
       <dgm:spPr/>
       <dgm:t>
         <a:bodyPr/>
         <a:lstStyle/>
         <a:p>
           <a:r>
-            <a:rPr lang="ro-RO"/>
+            <a:rPr lang="ro-RO" sz="2900" dirty="0">
+              <a:latin typeface="+mj-lt"/>
+            </a:rPr>
             <a:t>Recepționează cererile HTTP de la aplicația Android</a:t>
           </a:r>
-          <a:endParaRPr lang="en-US"/>
+          <a:endParaRPr lang="en-US" sz="2900" dirty="0">
+            <a:latin typeface="+mj-lt"/>
+          </a:endParaRPr>
         </a:p>
       </dgm:t>
     </dgm:pt>
@@ -7889,19 +7823,29 @@
       </dgm:t>
     </dgm:pt>
     <dgm:pt modelId="{44F7F31D-388B-4B4F-86F2-D3A5663432FD}">
-      <dgm:prSet/>
+      <dgm:prSet custT="1"/>
       <dgm:spPr/>
       <dgm:t>
         <a:bodyPr/>
         <a:lstStyle/>
         <a:p>
           <a:r>
-            <a:rPr lang="ro-RO"/>
+            <a:rPr lang="ro-RO" sz="2900" dirty="0">
+              <a:latin typeface="+mj-lt"/>
+            </a:rPr>
             <a:t>Le analizează</a:t>
           </a:r>
           <a:r>
-            <a:rPr lang="en-US"/>
-            <a:t> parametrii</a:t>
+            <a:rPr lang="en-US" sz="2900" dirty="0">
+              <a:latin typeface="+mj-lt"/>
+            </a:rPr>
+            <a:t> </a:t>
+          </a:r>
+          <a:r>
+            <a:rPr lang="en-US" sz="2900" noProof="1">
+              <a:latin typeface="+mj-lt"/>
+            </a:rPr>
+            <a:t>parametrii</a:t>
           </a:r>
         </a:p>
       </dgm:t>
@@ -7929,17 +7873,21 @@
       </dgm:t>
     </dgm:pt>
     <dgm:pt modelId="{079FBC6E-EDF4-4FBC-B959-364CED75F73E}">
-      <dgm:prSet/>
+      <dgm:prSet custT="1"/>
       <dgm:spPr/>
       <dgm:t>
         <a:bodyPr/>
         <a:lstStyle/>
         <a:p>
           <a:r>
-            <a:rPr lang="ro-RO"/>
+            <a:rPr lang="ro-RO" sz="3500" dirty="0">
+              <a:latin typeface="+mj-lt"/>
+            </a:rPr>
             <a:t>Transmite comanda la Arduino</a:t>
           </a:r>
-          <a:endParaRPr lang="en-US"/>
+          <a:endParaRPr lang="en-US" sz="3500" dirty="0">
+            <a:latin typeface="+mj-lt"/>
+          </a:endParaRPr>
         </a:p>
       </dgm:t>
     </dgm:pt>
@@ -7973,13 +7921,6 @@
         </dgm:presLayoutVars>
       </dgm:prSet>
       <dgm:spPr/>
-      <dgm:t>
-        <a:bodyPr/>
-        <a:lstStyle/>
-        <a:p>
-          <a:endParaRPr lang="en-US"/>
-        </a:p>
-      </dgm:t>
     </dgm:pt>
     <dgm:pt modelId="{108A7250-4707-4433-BCC9-90514BB151B6}" type="pres">
       <dgm:prSet presAssocID="{FD9059CB-7127-400C-B417-4CDF18013AEF}" presName="parentText" presStyleLbl="node1" presStyleIdx="0" presStyleCnt="2">
@@ -7989,13 +7930,6 @@
         </dgm:presLayoutVars>
       </dgm:prSet>
       <dgm:spPr/>
-      <dgm:t>
-        <a:bodyPr/>
-        <a:lstStyle/>
-        <a:p>
-          <a:endParaRPr lang="en-US"/>
-        </a:p>
-      </dgm:t>
     </dgm:pt>
     <dgm:pt modelId="{DA8EE2E4-BA55-42D8-B46F-696209B3BF32}" type="pres">
       <dgm:prSet presAssocID="{FD9059CB-7127-400C-B417-4CDF18013AEF}" presName="childText" presStyleLbl="revTx" presStyleIdx="0" presStyleCnt="1">
@@ -8004,13 +7938,6 @@
         </dgm:presLayoutVars>
       </dgm:prSet>
       <dgm:spPr/>
-      <dgm:t>
-        <a:bodyPr/>
-        <a:lstStyle/>
-        <a:p>
-          <a:endParaRPr lang="en-US"/>
-        </a:p>
-      </dgm:t>
     </dgm:pt>
     <dgm:pt modelId="{3987B0D8-2F11-491F-8F39-750F62606B27}" type="pres">
       <dgm:prSet presAssocID="{079FBC6E-EDF4-4FBC-B959-364CED75F73E}" presName="parentText" presStyleLbl="node1" presStyleIdx="1" presStyleCnt="2">
@@ -8020,25 +7947,18 @@
         </dgm:presLayoutVars>
       </dgm:prSet>
       <dgm:spPr/>
-      <dgm:t>
-        <a:bodyPr/>
-        <a:lstStyle/>
-        <a:p>
-          <a:endParaRPr lang="en-US"/>
-        </a:p>
-      </dgm:t>
     </dgm:pt>
   </dgm:ptLst>
   <dgm:cxnLst>
-    <dgm:cxn modelId="{FC0F92BF-26B5-4640-BC33-F9C14AAB55FF}" type="presOf" srcId="{079FBC6E-EDF4-4FBC-B959-364CED75F73E}" destId="{3987B0D8-2F11-491F-8F39-750F62606B27}" srcOrd="0" destOrd="0" presId="urn:microsoft.com/office/officeart/2005/8/layout/vList2"/>
+    <dgm:cxn modelId="{156DC404-20F5-4983-947F-BF616AB1D168}" srcId="{59441916-6689-4010-9EB4-493E52189782}" destId="{079FBC6E-EDF4-4FBC-B959-364CED75F73E}" srcOrd="1" destOrd="0" parTransId="{37061EF4-5B3E-4982-B236-675BA3A6653A}" sibTransId="{2D41C124-B5A5-47BF-83C3-5175BE45446F}"/>
+    <dgm:cxn modelId="{3A9F6B1A-C962-4C16-BA60-D3751E424052}" srcId="{FD9059CB-7127-400C-B417-4CDF18013AEF}" destId="{44F7F31D-388B-4B4F-86F2-D3A5663432FD}" srcOrd="1" destOrd="0" parTransId="{39CA606D-01EE-46FD-8068-2E34DFFD98D2}" sibTransId="{3130AEFA-C955-4F64-B5C2-670DA7CB7DBC}"/>
     <dgm:cxn modelId="{00FBBE30-1C44-493B-A362-14AEA466334D}" srcId="{FD9059CB-7127-400C-B417-4CDF18013AEF}" destId="{F38B84B0-2108-4FDC-BE0C-C41DBF51DF58}" srcOrd="0" destOrd="0" parTransId="{A0C16DC9-1104-4B89-B152-43E5D0B596DE}" sibTransId="{CB8F555F-E9C1-4332-9291-6EC4CAD83469}"/>
     <dgm:cxn modelId="{862EBD92-B7FC-4C91-BE21-34C37F294B05}" type="presOf" srcId="{F38B84B0-2108-4FDC-BE0C-C41DBF51DF58}" destId="{DA8EE2E4-BA55-42D8-B46F-696209B3BF32}" srcOrd="0" destOrd="0" presId="urn:microsoft.com/office/officeart/2005/8/layout/vList2"/>
-    <dgm:cxn modelId="{28733CEB-D19B-4AE5-9EC8-F903651AE41D}" type="presOf" srcId="{59441916-6689-4010-9EB4-493E52189782}" destId="{4B94FC1F-CA87-4737-AF8A-B66E59196FD7}" srcOrd="0" destOrd="0" presId="urn:microsoft.com/office/officeart/2005/8/layout/vList2"/>
-    <dgm:cxn modelId="{3A9F6B1A-C962-4C16-BA60-D3751E424052}" srcId="{FD9059CB-7127-400C-B417-4CDF18013AEF}" destId="{44F7F31D-388B-4B4F-86F2-D3A5663432FD}" srcOrd="1" destOrd="0" parTransId="{39CA606D-01EE-46FD-8068-2E34DFFD98D2}" sibTransId="{3130AEFA-C955-4F64-B5C2-670DA7CB7DBC}"/>
-    <dgm:cxn modelId="{156DC404-20F5-4983-947F-BF616AB1D168}" srcId="{59441916-6689-4010-9EB4-493E52189782}" destId="{079FBC6E-EDF4-4FBC-B959-364CED75F73E}" srcOrd="1" destOrd="0" parTransId="{37061EF4-5B3E-4982-B236-675BA3A6653A}" sibTransId="{2D41C124-B5A5-47BF-83C3-5175BE45446F}"/>
-    <dgm:cxn modelId="{CBE3BBE7-2938-41C1-A44F-F01B290B8DEB}" type="presOf" srcId="{FD9059CB-7127-400C-B417-4CDF18013AEF}" destId="{108A7250-4707-4433-BCC9-90514BB151B6}" srcOrd="0" destOrd="0" presId="urn:microsoft.com/office/officeart/2005/8/layout/vList2"/>
     <dgm:cxn modelId="{18A7C0AF-2F7F-47A8-A0A3-5701DFB946AD}" srcId="{59441916-6689-4010-9EB4-493E52189782}" destId="{FD9059CB-7127-400C-B417-4CDF18013AEF}" srcOrd="0" destOrd="0" parTransId="{649ABCAF-07F8-4990-B095-BBB01FDFE74B}" sibTransId="{F1D8CCC4-9E9D-431B-BFE1-601BF518D52E}"/>
     <dgm:cxn modelId="{9C5B51BF-46FA-472A-91B3-4CB830CF5F0D}" type="presOf" srcId="{44F7F31D-388B-4B4F-86F2-D3A5663432FD}" destId="{DA8EE2E4-BA55-42D8-B46F-696209B3BF32}" srcOrd="0" destOrd="1" presId="urn:microsoft.com/office/officeart/2005/8/layout/vList2"/>
+    <dgm:cxn modelId="{FC0F92BF-26B5-4640-BC33-F9C14AAB55FF}" type="presOf" srcId="{079FBC6E-EDF4-4FBC-B959-364CED75F73E}" destId="{3987B0D8-2F11-491F-8F39-750F62606B27}" srcOrd="0" destOrd="0" presId="urn:microsoft.com/office/officeart/2005/8/layout/vList2"/>
+    <dgm:cxn modelId="{CBE3BBE7-2938-41C1-A44F-F01B290B8DEB}" type="presOf" srcId="{FD9059CB-7127-400C-B417-4CDF18013AEF}" destId="{108A7250-4707-4433-BCC9-90514BB151B6}" srcOrd="0" destOrd="0" presId="urn:microsoft.com/office/officeart/2005/8/layout/vList2"/>
+    <dgm:cxn modelId="{28733CEB-D19B-4AE5-9EC8-F903651AE41D}" type="presOf" srcId="{59441916-6689-4010-9EB4-493E52189782}" destId="{4B94FC1F-CA87-4737-AF8A-B66E59196FD7}" srcOrd="0" destOrd="0" presId="urn:microsoft.com/office/officeart/2005/8/layout/vList2"/>
     <dgm:cxn modelId="{9C32B8C7-1463-46D2-B02D-0EFD5BEA20A8}" type="presParOf" srcId="{4B94FC1F-CA87-4737-AF8A-B66E59196FD7}" destId="{108A7250-4707-4433-BCC9-90514BB151B6}" srcOrd="0" destOrd="0" presId="urn:microsoft.com/office/officeart/2005/8/layout/vList2"/>
     <dgm:cxn modelId="{A98D439E-843E-4B8D-8638-4E9E2A6EB32E}" type="presParOf" srcId="{4B94FC1F-CA87-4737-AF8A-B66E59196FD7}" destId="{DA8EE2E4-BA55-42D8-B46F-696209B3BF32}" srcOrd="1" destOrd="0" presId="urn:microsoft.com/office/officeart/2005/8/layout/vList2"/>
     <dgm:cxn modelId="{6BE2E8E5-D821-4665-B6B0-3A7C75CE9711}" type="presParOf" srcId="{4B94FC1F-CA87-4737-AF8A-B66E59196FD7}" destId="{3987B0D8-2F11-491F-8F39-750F62606B27}" srcOrd="2" destOrd="0" presId="urn:microsoft.com/office/officeart/2005/8/layout/vList2"/>
@@ -8068,17 +7988,21 @@
       </dgm:t>
     </dgm:pt>
     <dgm:pt modelId="{4E56FB32-0340-4318-B42F-5BFCE2E0EA6D}">
-      <dgm:prSet/>
+      <dgm:prSet custT="1"/>
       <dgm:spPr/>
       <dgm:t>
         <a:bodyPr/>
         <a:lstStyle/>
         <a:p>
           <a:r>
-            <a:rPr lang="ro-RO"/>
+            <a:rPr lang="ro-RO" sz="3500" dirty="0">
+              <a:latin typeface="+mj-lt"/>
+            </a:rPr>
             <a:t>Montarea unei baterii</a:t>
           </a:r>
-          <a:endParaRPr lang="en-US"/>
+          <a:endParaRPr lang="en-US" sz="3500" dirty="0">
+            <a:latin typeface="+mj-lt"/>
+          </a:endParaRPr>
         </a:p>
       </dgm:t>
     </dgm:pt>
@@ -8105,17 +8029,21 @@
       </dgm:t>
     </dgm:pt>
     <dgm:pt modelId="{CE31D95A-944F-4F37-B824-9549AADB2612}">
-      <dgm:prSet/>
+      <dgm:prSet custT="1"/>
       <dgm:spPr/>
       <dgm:t>
         <a:bodyPr/>
         <a:lstStyle/>
         <a:p>
           <a:r>
-            <a:rPr lang="ro-RO"/>
+            <a:rPr lang="ro-RO" sz="3500" dirty="0">
+              <a:latin typeface="+mj-lt"/>
+            </a:rPr>
             <a:t>Noi funcționalități</a:t>
           </a:r>
-          <a:endParaRPr lang="en-US"/>
+          <a:endParaRPr lang="en-US" sz="3500" dirty="0">
+            <a:latin typeface="+mj-lt"/>
+          </a:endParaRPr>
         </a:p>
       </dgm:t>
     </dgm:pt>
@@ -8142,17 +8070,21 @@
       </dgm:t>
     </dgm:pt>
     <dgm:pt modelId="{BF57B57B-DE73-4072-92D9-6153430EB547}">
-      <dgm:prSet/>
+      <dgm:prSet custT="1"/>
       <dgm:spPr/>
       <dgm:t>
         <a:bodyPr/>
         <a:lstStyle/>
         <a:p>
           <a:r>
-            <a:rPr lang="ro-RO"/>
+            <a:rPr lang="ro-RO" sz="2900" dirty="0">
+              <a:latin typeface="+mj-lt"/>
+            </a:rPr>
             <a:t>Marcarea unui gol într-o poartă</a:t>
           </a:r>
-          <a:endParaRPr lang="en-US"/>
+          <a:endParaRPr lang="en-US" sz="2900" dirty="0">
+            <a:latin typeface="+mj-lt"/>
+          </a:endParaRPr>
         </a:p>
       </dgm:t>
     </dgm:pt>
@@ -8179,17 +8111,21 @@
       </dgm:t>
     </dgm:pt>
     <dgm:pt modelId="{22636358-592C-4D5B-B185-2A3A4FB98654}">
-      <dgm:prSet/>
+      <dgm:prSet custT="1"/>
       <dgm:spPr/>
       <dgm:t>
         <a:bodyPr/>
         <a:lstStyle/>
         <a:p>
           <a:r>
-            <a:rPr lang="ro-RO"/>
+            <a:rPr lang="ro-RO" sz="2900" dirty="0">
+              <a:latin typeface="+mj-lt"/>
+            </a:rPr>
             <a:t>Interacțiunea cu alți roboți</a:t>
           </a:r>
-          <a:endParaRPr lang="en-US"/>
+          <a:endParaRPr lang="en-US" sz="2900" dirty="0">
+            <a:latin typeface="+mj-lt"/>
+          </a:endParaRPr>
         </a:p>
       </dgm:t>
     </dgm:pt>
@@ -8216,17 +8152,21 @@
       </dgm:t>
     </dgm:pt>
     <dgm:pt modelId="{3620740A-17BF-4813-8A55-BAFFDA56A569}">
-      <dgm:prSet/>
+      <dgm:prSet custT="1"/>
       <dgm:spPr/>
       <dgm:t>
         <a:bodyPr/>
         <a:lstStyle/>
         <a:p>
           <a:r>
-            <a:rPr lang="ro-RO"/>
+            <a:rPr lang="ro-RO" sz="3500" dirty="0">
+              <a:latin typeface="+mj-lt"/>
+            </a:rPr>
             <a:t>Estetizarea ansamblului</a:t>
           </a:r>
-          <a:endParaRPr lang="en-US"/>
+          <a:endParaRPr lang="en-US" sz="3500" dirty="0">
+            <a:latin typeface="+mj-lt"/>
+          </a:endParaRPr>
         </a:p>
       </dgm:t>
     </dgm:pt>
@@ -8260,13 +8200,6 @@
         </dgm:presLayoutVars>
       </dgm:prSet>
       <dgm:spPr/>
-      <dgm:t>
-        <a:bodyPr/>
-        <a:lstStyle/>
-        <a:p>
-          <a:endParaRPr lang="en-US"/>
-        </a:p>
-      </dgm:t>
     </dgm:pt>
     <dgm:pt modelId="{1D1553D2-5C97-4FE8-8A7A-96C06D72ACB8}" type="pres">
       <dgm:prSet presAssocID="{4E56FB32-0340-4318-B42F-5BFCE2E0EA6D}" presName="parentText" presStyleLbl="node1" presStyleIdx="0" presStyleCnt="3">
@@ -8276,13 +8209,6 @@
         </dgm:presLayoutVars>
       </dgm:prSet>
       <dgm:spPr/>
-      <dgm:t>
-        <a:bodyPr/>
-        <a:lstStyle/>
-        <a:p>
-          <a:endParaRPr lang="en-US"/>
-        </a:p>
-      </dgm:t>
     </dgm:pt>
     <dgm:pt modelId="{31FA9E4A-E3CE-4E31-97BD-7C9E028B7A6F}" type="pres">
       <dgm:prSet presAssocID="{76335933-4372-402A-9527-97822F7C9517}" presName="spacer" presStyleCnt="0"/>
@@ -8296,13 +8222,6 @@
         </dgm:presLayoutVars>
       </dgm:prSet>
       <dgm:spPr/>
-      <dgm:t>
-        <a:bodyPr/>
-        <a:lstStyle/>
-        <a:p>
-          <a:endParaRPr lang="en-US"/>
-        </a:p>
-      </dgm:t>
     </dgm:pt>
     <dgm:pt modelId="{AB1406CC-5633-4172-839C-C5622D9C9DC8}" type="pres">
       <dgm:prSet presAssocID="{CE31D95A-944F-4F37-B824-9549AADB2612}" presName="childText" presStyleLbl="revTx" presStyleIdx="0" presStyleCnt="1">
@@ -8311,13 +8230,6 @@
         </dgm:presLayoutVars>
       </dgm:prSet>
       <dgm:spPr/>
-      <dgm:t>
-        <a:bodyPr/>
-        <a:lstStyle/>
-        <a:p>
-          <a:endParaRPr lang="en-US"/>
-        </a:p>
-      </dgm:t>
     </dgm:pt>
     <dgm:pt modelId="{82D23CF7-896C-48BE-9C4C-950AFEAC9C55}" type="pres">
       <dgm:prSet presAssocID="{3620740A-17BF-4813-8A55-BAFFDA56A569}" presName="parentText" presStyleLbl="node1" presStyleIdx="2" presStyleCnt="3">
@@ -8327,27 +8239,20 @@
         </dgm:presLayoutVars>
       </dgm:prSet>
       <dgm:spPr/>
-      <dgm:t>
-        <a:bodyPr/>
-        <a:lstStyle/>
-        <a:p>
-          <a:endParaRPr lang="en-US"/>
-        </a:p>
-      </dgm:t>
     </dgm:pt>
   </dgm:ptLst>
   <dgm:cxnLst>
     <dgm:cxn modelId="{26FFA022-045A-4897-A67D-02A7A53C6812}" srcId="{CE31D95A-944F-4F37-B824-9549AADB2612}" destId="{BF57B57B-DE73-4072-92D9-6153430EB547}" srcOrd="0" destOrd="0" parTransId="{463DC838-7215-4838-B137-85065A2D8F7F}" sibTransId="{1B5157A1-FE6C-4DA4-86A0-E9B09E9E52B9}"/>
+    <dgm:cxn modelId="{DBA7FE23-5856-459B-BEDB-4D8B6B2BBBA1}" srcId="{CE31D95A-944F-4F37-B824-9549AADB2612}" destId="{22636358-592C-4D5B-B185-2A3A4FB98654}" srcOrd="1" destOrd="0" parTransId="{EAE06D7B-3BB0-494B-990E-8245BAA27707}" sibTransId="{F7BDE549-8FD2-49F5-98C5-39FEBC04D7CE}"/>
+    <dgm:cxn modelId="{A796BD43-C885-4342-95D4-E805A6486554}" type="presOf" srcId="{22636358-592C-4D5B-B185-2A3A4FB98654}" destId="{AB1406CC-5633-4172-839C-C5622D9C9DC8}" srcOrd="0" destOrd="1" presId="urn:microsoft.com/office/officeart/2005/8/layout/vList2"/>
+    <dgm:cxn modelId="{45438F69-6C03-42FB-B141-865D911130F0}" type="presOf" srcId="{CE31D95A-944F-4F37-B824-9549AADB2612}" destId="{2F4D5BAA-DB56-4FC1-814C-014C16AFE090}" srcOrd="0" destOrd="0" presId="urn:microsoft.com/office/officeart/2005/8/layout/vList2"/>
+    <dgm:cxn modelId="{7053B45A-ADFD-41E3-AF55-AFCD209E66AD}" type="presOf" srcId="{4E56FB32-0340-4318-B42F-5BFCE2E0EA6D}" destId="{1D1553D2-5C97-4FE8-8A7A-96C06D72ACB8}" srcOrd="0" destOrd="0" presId="urn:microsoft.com/office/officeart/2005/8/layout/vList2"/>
     <dgm:cxn modelId="{6CE21889-7ADC-454A-898C-F793EEDC8E4F}" type="presOf" srcId="{3620740A-17BF-4813-8A55-BAFFDA56A569}" destId="{82D23CF7-896C-48BE-9C4C-950AFEAC9C55}" srcOrd="0" destOrd="0" presId="urn:microsoft.com/office/officeart/2005/8/layout/vList2"/>
-    <dgm:cxn modelId="{45438F69-6C03-42FB-B141-865D911130F0}" type="presOf" srcId="{CE31D95A-944F-4F37-B824-9549AADB2612}" destId="{2F4D5BAA-DB56-4FC1-814C-014C16AFE090}" srcOrd="0" destOrd="0" presId="urn:microsoft.com/office/officeart/2005/8/layout/vList2"/>
+    <dgm:cxn modelId="{F8F117B2-AB24-4EC7-90AB-745B2B157382}" srcId="{41F34C01-CD2A-44CC-8987-34B1BB9D47CD}" destId="{CE31D95A-944F-4F37-B824-9549AADB2612}" srcOrd="1" destOrd="0" parTransId="{859FEE3C-503B-4FB2-840D-3953BB1D5816}" sibTransId="{C16BAA6E-71FD-48F4-A145-ECC36350ABC8}"/>
+    <dgm:cxn modelId="{BC72ACB3-95B0-477D-BECC-B94B9D0038DE}" srcId="{41F34C01-CD2A-44CC-8987-34B1BB9D47CD}" destId="{3620740A-17BF-4813-8A55-BAFFDA56A569}" srcOrd="2" destOrd="0" parTransId="{50A910C9-F7D5-4EA9-BD98-ABB8D6B4F112}" sibTransId="{C57148D6-BB96-422C-905B-E4756F3B16B7}"/>
+    <dgm:cxn modelId="{E36648C4-AC9B-4802-A007-267EA21A484E}" type="presOf" srcId="{BF57B57B-DE73-4072-92D9-6153430EB547}" destId="{AB1406CC-5633-4172-839C-C5622D9C9DC8}" srcOrd="0" destOrd="0" presId="urn:microsoft.com/office/officeart/2005/8/layout/vList2"/>
+    <dgm:cxn modelId="{582103DA-E2D5-4F5A-A06C-74E08F3BED4F}" type="presOf" srcId="{41F34C01-CD2A-44CC-8987-34B1BB9D47CD}" destId="{FB5AEA8A-28F5-4F94-B0AC-F869364DBC0A}" srcOrd="0" destOrd="0" presId="urn:microsoft.com/office/officeart/2005/8/layout/vList2"/>
     <dgm:cxn modelId="{C0FA55F2-A807-4EA3-BC28-D2007838AFB0}" srcId="{41F34C01-CD2A-44CC-8987-34B1BB9D47CD}" destId="{4E56FB32-0340-4318-B42F-5BFCE2E0EA6D}" srcOrd="0" destOrd="0" parTransId="{7425AD79-BBCB-49BD-99F5-BA50316AB1A4}" sibTransId="{76335933-4372-402A-9527-97822F7C9517}"/>
-    <dgm:cxn modelId="{F8F117B2-AB24-4EC7-90AB-745B2B157382}" srcId="{41F34C01-CD2A-44CC-8987-34B1BB9D47CD}" destId="{CE31D95A-944F-4F37-B824-9549AADB2612}" srcOrd="1" destOrd="0" parTransId="{859FEE3C-503B-4FB2-840D-3953BB1D5816}" sibTransId="{C16BAA6E-71FD-48F4-A145-ECC36350ABC8}"/>
-    <dgm:cxn modelId="{E36648C4-AC9B-4802-A007-267EA21A484E}" type="presOf" srcId="{BF57B57B-DE73-4072-92D9-6153430EB547}" destId="{AB1406CC-5633-4172-839C-C5622D9C9DC8}" srcOrd="0" destOrd="0" presId="urn:microsoft.com/office/officeart/2005/8/layout/vList2"/>
-    <dgm:cxn modelId="{7053B45A-ADFD-41E3-AF55-AFCD209E66AD}" type="presOf" srcId="{4E56FB32-0340-4318-B42F-5BFCE2E0EA6D}" destId="{1D1553D2-5C97-4FE8-8A7A-96C06D72ACB8}" srcOrd="0" destOrd="0" presId="urn:microsoft.com/office/officeart/2005/8/layout/vList2"/>
-    <dgm:cxn modelId="{582103DA-E2D5-4F5A-A06C-74E08F3BED4F}" type="presOf" srcId="{41F34C01-CD2A-44CC-8987-34B1BB9D47CD}" destId="{FB5AEA8A-28F5-4F94-B0AC-F869364DBC0A}" srcOrd="0" destOrd="0" presId="urn:microsoft.com/office/officeart/2005/8/layout/vList2"/>
-    <dgm:cxn modelId="{A796BD43-C885-4342-95D4-E805A6486554}" type="presOf" srcId="{22636358-592C-4D5B-B185-2A3A4FB98654}" destId="{AB1406CC-5633-4172-839C-C5622D9C9DC8}" srcOrd="0" destOrd="1" presId="urn:microsoft.com/office/officeart/2005/8/layout/vList2"/>
-    <dgm:cxn modelId="{DBA7FE23-5856-459B-BEDB-4D8B6B2BBBA1}" srcId="{CE31D95A-944F-4F37-B824-9549AADB2612}" destId="{22636358-592C-4D5B-B185-2A3A4FB98654}" srcOrd="1" destOrd="0" parTransId="{EAE06D7B-3BB0-494B-990E-8245BAA27707}" sibTransId="{F7BDE549-8FD2-49F5-98C5-39FEBC04D7CE}"/>
-    <dgm:cxn modelId="{BC72ACB3-95B0-477D-BECC-B94B9D0038DE}" srcId="{41F34C01-CD2A-44CC-8987-34B1BB9D47CD}" destId="{3620740A-17BF-4813-8A55-BAFFDA56A569}" srcOrd="2" destOrd="0" parTransId="{50A910C9-F7D5-4EA9-BD98-ABB8D6B4F112}" sibTransId="{C57148D6-BB96-422C-905B-E4756F3B16B7}"/>
     <dgm:cxn modelId="{7A5F84A6-AD26-406A-8FB0-D32FB38AE3F8}" type="presParOf" srcId="{FB5AEA8A-28F5-4F94-B0AC-F869364DBC0A}" destId="{1D1553D2-5C97-4FE8-8A7A-96C06D72ACB8}" srcOrd="0" destOrd="0" presId="urn:microsoft.com/office/officeart/2005/8/layout/vList2"/>
     <dgm:cxn modelId="{66D981C6-DE4F-4FBB-8E5F-53DBC5CD1B66}" type="presParOf" srcId="{FB5AEA8A-28F5-4F94-B0AC-F869364DBC0A}" destId="{31FA9E4A-E3CE-4E31-97BD-7C9E028B7A6F}" srcOrd="1" destOrd="0" presId="urn:microsoft.com/office/officeart/2005/8/layout/vList2"/>
     <dgm:cxn modelId="{B36AB2FA-6B63-4A52-ADBC-70F8F26B625C}" type="presParOf" srcId="{FB5AEA8A-28F5-4F94-B0AC-F869364DBC0A}" destId="{2F4D5BAA-DB56-4FC1-814C-014C16AFE090}" srcOrd="2" destOrd="0" presId="urn:microsoft.com/office/officeart/2005/8/layout/vList2"/>
@@ -8379,17 +8284,21 @@
       </dgm:t>
     </dgm:pt>
     <dgm:pt modelId="{7ACC372D-45D5-4299-A54B-DC2D29350961}">
-      <dgm:prSet/>
+      <dgm:prSet custT="1"/>
       <dgm:spPr/>
       <dgm:t>
         <a:bodyPr/>
         <a:lstStyle/>
         <a:p>
           <a:r>
-            <a:rPr lang="ro-RO"/>
+            <a:rPr lang="ro-RO" sz="3500" dirty="0">
+              <a:latin typeface="+mj-lt"/>
+            </a:rPr>
             <a:t>Proiect interesant și antrenant </a:t>
           </a:r>
-          <a:endParaRPr lang="en-US"/>
+          <a:endParaRPr lang="en-US" sz="3500" dirty="0">
+            <a:latin typeface="+mj-lt"/>
+          </a:endParaRPr>
         </a:p>
       </dgm:t>
     </dgm:pt>
@@ -8416,17 +8325,21 @@
       </dgm:t>
     </dgm:pt>
     <dgm:pt modelId="{99D4F466-9F35-4353-A70C-2969F9EDF098}">
-      <dgm:prSet/>
+      <dgm:prSet custT="1"/>
       <dgm:spPr/>
       <dgm:t>
         <a:bodyPr/>
         <a:lstStyle/>
         <a:p>
           <a:r>
-            <a:rPr lang="ro-RO"/>
+            <a:rPr lang="ro-RO" sz="3500" dirty="0">
+              <a:latin typeface="+mj-lt"/>
+            </a:rPr>
             <a:t>Dezvoltare profesională</a:t>
           </a:r>
-          <a:endParaRPr lang="en-US"/>
+          <a:endParaRPr lang="en-US" sz="3500" dirty="0">
+            <a:latin typeface="+mj-lt"/>
+          </a:endParaRPr>
         </a:p>
       </dgm:t>
     </dgm:pt>
@@ -8453,17 +8366,21 @@
       </dgm:t>
     </dgm:pt>
     <dgm:pt modelId="{A7775C9F-A1F6-4D5A-8AAC-A9AD781B6B3E}">
-      <dgm:prSet/>
+      <dgm:prSet custT="1"/>
       <dgm:spPr/>
       <dgm:t>
         <a:bodyPr/>
         <a:lstStyle/>
         <a:p>
           <a:r>
-            <a:rPr lang="ro-RO"/>
+            <a:rPr lang="ro-RO" sz="3500" dirty="0">
+              <a:latin typeface="+mj-lt"/>
+            </a:rPr>
             <a:t>Aplicarea cunoștințelor dobândite la facultate</a:t>
           </a:r>
-          <a:endParaRPr lang="en-US"/>
+          <a:endParaRPr lang="en-US" sz="3500" dirty="0">
+            <a:latin typeface="+mj-lt"/>
+          </a:endParaRPr>
         </a:p>
       </dgm:t>
     </dgm:pt>
@@ -8497,13 +8414,6 @@
         </dgm:presLayoutVars>
       </dgm:prSet>
       <dgm:spPr/>
-      <dgm:t>
-        <a:bodyPr/>
-        <a:lstStyle/>
-        <a:p>
-          <a:endParaRPr lang="en-US"/>
-        </a:p>
-      </dgm:t>
     </dgm:pt>
     <dgm:pt modelId="{30FC9707-CED0-4381-8A41-94AADA3386FF}" type="pres">
       <dgm:prSet presAssocID="{7ACC372D-45D5-4299-A54B-DC2D29350961}" presName="parentText" presStyleLbl="node1" presStyleIdx="0" presStyleCnt="3">
@@ -8513,13 +8423,6 @@
         </dgm:presLayoutVars>
       </dgm:prSet>
       <dgm:spPr/>
-      <dgm:t>
-        <a:bodyPr/>
-        <a:lstStyle/>
-        <a:p>
-          <a:endParaRPr lang="en-US"/>
-        </a:p>
-      </dgm:t>
     </dgm:pt>
     <dgm:pt modelId="{BB580AB3-9683-4E0B-9879-B63773CDC830}" type="pres">
       <dgm:prSet presAssocID="{D3ABCA82-965A-47EA-A0B5-59F41C1870E9}" presName="spacer" presStyleCnt="0"/>
@@ -8533,13 +8436,6 @@
         </dgm:presLayoutVars>
       </dgm:prSet>
       <dgm:spPr/>
-      <dgm:t>
-        <a:bodyPr/>
-        <a:lstStyle/>
-        <a:p>
-          <a:endParaRPr lang="en-US"/>
-        </a:p>
-      </dgm:t>
     </dgm:pt>
     <dgm:pt modelId="{0481CF4F-5A15-4C81-8EB2-436E333F43BF}" type="pres">
       <dgm:prSet presAssocID="{846BA127-E7EA-48AB-ACBB-6984FB73F51C}" presName="spacer" presStyleCnt="0"/>
@@ -8553,23 +8449,16 @@
         </dgm:presLayoutVars>
       </dgm:prSet>
       <dgm:spPr/>
-      <dgm:t>
-        <a:bodyPr/>
-        <a:lstStyle/>
-        <a:p>
-          <a:endParaRPr lang="en-US"/>
-        </a:p>
-      </dgm:t>
     </dgm:pt>
   </dgm:ptLst>
   <dgm:cxnLst>
+    <dgm:cxn modelId="{9494A504-053D-410E-83FA-021B9E54ECB5}" type="presOf" srcId="{A7775C9F-A1F6-4D5A-8AAC-A9AD781B6B3E}" destId="{2BEAF6A0-1FC4-47A7-BE63-D1E6186B22AF}" srcOrd="0" destOrd="0" presId="urn:microsoft.com/office/officeart/2005/8/layout/vList2"/>
     <dgm:cxn modelId="{A8B90243-255E-4A5D-8589-74C2831A9437}" srcId="{4BBD8192-511D-4B93-8444-2591E63168B8}" destId="{A7775C9F-A1F6-4D5A-8AAC-A9AD781B6B3E}" srcOrd="2" destOrd="0" parTransId="{EB1D2788-0B18-48F4-80B1-9F62EF35A1EA}" sibTransId="{A70B26A6-1E86-453D-A90E-2450091C21D9}"/>
+    <dgm:cxn modelId="{F27C3F63-AB5A-4867-9167-11FEB56E7FC3}" type="presOf" srcId="{4BBD8192-511D-4B93-8444-2591E63168B8}" destId="{B8F87959-4039-4CE4-A8D5-A964862B3C20}" srcOrd="0" destOrd="0" presId="urn:microsoft.com/office/officeart/2005/8/layout/vList2"/>
+    <dgm:cxn modelId="{B773FA9E-79F6-481B-82FF-1363389100D3}" srcId="{4BBD8192-511D-4B93-8444-2591E63168B8}" destId="{7ACC372D-45D5-4299-A54B-DC2D29350961}" srcOrd="0" destOrd="0" parTransId="{74B68EE9-B342-4AEB-BE0D-B78492B5A29A}" sibTransId="{D3ABCA82-965A-47EA-A0B5-59F41C1870E9}"/>
     <dgm:cxn modelId="{E28305CA-0896-41C5-8FA9-8AFD81646B09}" type="presOf" srcId="{7ACC372D-45D5-4299-A54B-DC2D29350961}" destId="{30FC9707-CED0-4381-8A41-94AADA3386FF}" srcOrd="0" destOrd="0" presId="urn:microsoft.com/office/officeart/2005/8/layout/vList2"/>
-    <dgm:cxn modelId="{9494A504-053D-410E-83FA-021B9E54ECB5}" type="presOf" srcId="{A7775C9F-A1F6-4D5A-8AAC-A9AD781B6B3E}" destId="{2BEAF6A0-1FC4-47A7-BE63-D1E6186B22AF}" srcOrd="0" destOrd="0" presId="urn:microsoft.com/office/officeart/2005/8/layout/vList2"/>
     <dgm:cxn modelId="{EB6261CD-CCFE-4BF7-ADD1-DAD3A10C8C4E}" type="presOf" srcId="{99D4F466-9F35-4353-A70C-2969F9EDF098}" destId="{90A0CD36-9528-4C15-B25C-385E8475933D}" srcOrd="0" destOrd="0" presId="urn:microsoft.com/office/officeart/2005/8/layout/vList2"/>
-    <dgm:cxn modelId="{B773FA9E-79F6-481B-82FF-1363389100D3}" srcId="{4BBD8192-511D-4B93-8444-2591E63168B8}" destId="{7ACC372D-45D5-4299-A54B-DC2D29350961}" srcOrd="0" destOrd="0" parTransId="{74B68EE9-B342-4AEB-BE0D-B78492B5A29A}" sibTransId="{D3ABCA82-965A-47EA-A0B5-59F41C1870E9}"/>
     <dgm:cxn modelId="{A73652F6-E5F2-4F9E-874F-D0E506B07B38}" srcId="{4BBD8192-511D-4B93-8444-2591E63168B8}" destId="{99D4F466-9F35-4353-A70C-2969F9EDF098}" srcOrd="1" destOrd="0" parTransId="{6C9163EB-906E-4852-A059-951709C5BDC0}" sibTransId="{846BA127-E7EA-48AB-ACBB-6984FB73F51C}"/>
-    <dgm:cxn modelId="{F27C3F63-AB5A-4867-9167-11FEB56E7FC3}" type="presOf" srcId="{4BBD8192-511D-4B93-8444-2591E63168B8}" destId="{B8F87959-4039-4CE4-A8D5-A964862B3C20}" srcOrd="0" destOrd="0" presId="urn:microsoft.com/office/officeart/2005/8/layout/vList2"/>
     <dgm:cxn modelId="{243C18C0-347D-4EAB-8D56-ADCAD31F2961}" type="presParOf" srcId="{B8F87959-4039-4CE4-A8D5-A964862B3C20}" destId="{30FC9707-CED0-4381-8A41-94AADA3386FF}" srcOrd="0" destOrd="0" presId="urn:microsoft.com/office/officeart/2005/8/layout/vList2"/>
     <dgm:cxn modelId="{7762C85B-C6C2-453C-A139-AD999C9E74F5}" type="presParOf" srcId="{B8F87959-4039-4CE4-A8D5-A964862B3C20}" destId="{BB580AB3-9683-4E0B-9879-B63773CDC830}" srcOrd="1" destOrd="0" presId="urn:microsoft.com/office/officeart/2005/8/layout/vList2"/>
     <dgm:cxn modelId="{B4D0EE72-003F-4C8E-B560-77E3BAFDCD84}" type="presParOf" srcId="{B8F87959-4039-4CE4-A8D5-A964862B3C20}" destId="{90A0CD36-9528-4C15-B25C-385E8475933D}" srcOrd="2" destOrd="0" presId="urn:microsoft.com/office/officeart/2005/8/layout/vList2"/>
@@ -8643,12 +8532,12 @@
         </a:fontRef>
       </dsp:style>
       <dsp:txBody>
-        <a:bodyPr spcFirstLastPara="0" vert="horz" wrap="square" lIns="121920" tIns="121920" rIns="121920" bIns="121920" numCol="1" spcCol="1270" anchor="ctr" anchorCtr="0">
+        <a:bodyPr spcFirstLastPara="0" vert="horz" wrap="square" lIns="110490" tIns="110490" rIns="110490" bIns="110490" numCol="1" spcCol="1270" anchor="ctr" anchorCtr="0">
           <a:noAutofit/>
         </a:bodyPr>
         <a:lstStyle/>
         <a:p>
-          <a:pPr lvl="0" algn="ctr" defTabSz="1422400">
+          <a:pPr marL="0" lvl="0" indent="0" algn="ctr" defTabSz="1289050">
             <a:lnSpc>
               <a:spcPct val="90000"/>
             </a:lnSpc>
@@ -8658,16 +8547,29 @@
             <a:spcAft>
               <a:spcPct val="35000"/>
             </a:spcAft>
+            <a:buNone/>
           </a:pPr>
           <a:r>
-            <a:rPr lang="en-US" sz="3200" kern="1200"/>
-            <a:t>Implementarea unui algoritm de c</a:t>
+            <a:rPr lang="en-US" sz="2900" kern="1200" noProof="1">
+              <a:latin typeface="+mj-lt"/>
+            </a:rPr>
+            <a:t>Implementarea unui algoritm </a:t>
           </a:r>
           <a:r>
-            <a:rPr lang="ro-RO" sz="3200" kern="1200"/>
+            <a:rPr lang="en-US" sz="2900" kern="1200" dirty="0">
+              <a:latin typeface="+mj-lt"/>
+            </a:rPr>
+            <a:t>de c</a:t>
+          </a:r>
+          <a:r>
+            <a:rPr lang="ro-RO" sz="2900" kern="1200" dirty="0">
+              <a:latin typeface="+mj-lt"/>
+            </a:rPr>
             <a:t>ăutare a unei mingi și de șutare în aceasta</a:t>
           </a:r>
-          <a:endParaRPr lang="en-US" sz="3200" kern="1200"/>
+          <a:endParaRPr lang="en-US" sz="2900" kern="1200" dirty="0">
+            <a:latin typeface="+mj-lt"/>
+          </a:endParaRPr>
         </a:p>
       </dsp:txBody>
       <dsp:txXfrm>
@@ -8724,12 +8626,12 @@
         </a:fontRef>
       </dsp:style>
       <dsp:txBody>
-        <a:bodyPr spcFirstLastPara="0" vert="horz" wrap="square" lIns="121920" tIns="121920" rIns="121920" bIns="121920" numCol="1" spcCol="1270" anchor="ctr" anchorCtr="0">
+        <a:bodyPr spcFirstLastPara="0" vert="horz" wrap="square" lIns="110490" tIns="110490" rIns="110490" bIns="110490" numCol="1" spcCol="1270" anchor="ctr" anchorCtr="0">
           <a:noAutofit/>
         </a:bodyPr>
         <a:lstStyle/>
         <a:p>
-          <a:pPr lvl="0" algn="ctr" defTabSz="1422400">
+          <a:pPr marL="0" lvl="0" indent="0" algn="ctr" defTabSz="1289050">
             <a:lnSpc>
               <a:spcPct val="90000"/>
             </a:lnSpc>
@@ -8739,12 +8641,17 @@
             <a:spcAft>
               <a:spcPct val="35000"/>
             </a:spcAft>
+            <a:buNone/>
           </a:pPr>
           <a:r>
-            <a:rPr lang="ro-RO" sz="3200" kern="1200"/>
+            <a:rPr lang="ro-RO" sz="2900" kern="1200" dirty="0">
+              <a:latin typeface="+mj-lt"/>
+            </a:rPr>
             <a:t>Posibilitatea de control manual prin intermediul unei aplicații mobile</a:t>
           </a:r>
-          <a:endParaRPr lang="en-US" sz="3200" kern="1200"/>
+          <a:endParaRPr lang="en-US" sz="2900" kern="1200" dirty="0">
+            <a:latin typeface="+mj-lt"/>
+          </a:endParaRPr>
         </a:p>
       </dsp:txBody>
       <dsp:txXfrm>
@@ -8771,8 +8678,8 @@
       </dsp:nvSpPr>
       <dsp:spPr>
         <a:xfrm>
-          <a:off x="36" y="121188"/>
-          <a:ext cx="3525105" cy="1385342"/>
+          <a:off x="38" y="22145"/>
+          <a:ext cx="3647968" cy="1382400"/>
         </a:xfrm>
         <a:prstGeom prst="rect">
           <a:avLst/>
@@ -8818,7 +8725,7 @@
         </a:bodyPr>
         <a:lstStyle/>
         <a:p>
-          <a:pPr lvl="0" algn="ctr" defTabSz="1289050">
+          <a:pPr marL="0" lvl="0" indent="0" algn="ctr" defTabSz="1289050">
             <a:lnSpc>
               <a:spcPct val="90000"/>
             </a:lnSpc>
@@ -8828,21 +8735,28 @@
             <a:spcAft>
               <a:spcPct val="35000"/>
             </a:spcAft>
+            <a:buNone/>
           </a:pPr>
           <a:r>
-            <a:rPr lang="en-US" sz="2900" kern="1200"/>
+            <a:rPr lang="en-US" sz="2900" kern="1200" dirty="0">
+              <a:latin typeface="+mj-lt"/>
+            </a:rPr>
             <a:t>C</a:t>
           </a:r>
           <a:r>
-            <a:rPr lang="ro-RO" sz="2900" kern="1200"/>
+            <a:rPr lang="ro-RO" sz="2900" kern="1200" dirty="0">
+              <a:latin typeface="+mj-lt"/>
+            </a:rPr>
             <a:t>ăutare automată a obiectului dorit</a:t>
           </a:r>
-          <a:endParaRPr lang="en-US" sz="2900" kern="1200"/>
+          <a:endParaRPr lang="en-US" sz="2900" kern="1200" dirty="0">
+            <a:latin typeface="+mj-lt"/>
+          </a:endParaRPr>
         </a:p>
       </dsp:txBody>
       <dsp:txXfrm>
-        <a:off x="36" y="121188"/>
-        <a:ext cx="3525105" cy="1385342"/>
+        <a:off x="38" y="22145"/>
+        <a:ext cx="3647968" cy="1382400"/>
       </dsp:txXfrm>
     </dsp:sp>
     <dsp:sp modelId="{39E88E37-7A59-475C-B0C9-ED2E6E7CD4B3}">
@@ -8852,8 +8766,8 @@
       </dsp:nvSpPr>
       <dsp:spPr>
         <a:xfrm>
-          <a:off x="36" y="1506531"/>
-          <a:ext cx="3525105" cy="1990125"/>
+          <a:off x="38" y="1404545"/>
+          <a:ext cx="3647968" cy="2371680"/>
         </a:xfrm>
         <a:prstGeom prst="rect">
           <a:avLst/>
@@ -8911,13 +8825,17 @@
             <a:spcAft>
               <a:spcPct val="15000"/>
             </a:spcAft>
-            <a:buChar char="••"/>
+            <a:buChar char="•"/>
           </a:pPr>
           <a:r>
-            <a:rPr lang="ro-RO" sz="2900" kern="1200"/>
+            <a:rPr lang="ro-RO" sz="2900" kern="1200" dirty="0">
+              <a:latin typeface="+mj-lt"/>
+            </a:rPr>
             <a:t>Deplasarea în orice direcție</a:t>
           </a:r>
-          <a:endParaRPr lang="en-US" sz="2900" kern="1200"/>
+          <a:endParaRPr lang="en-US" sz="2900" kern="1200" dirty="0">
+            <a:latin typeface="+mj-lt"/>
+          </a:endParaRPr>
         </a:p>
         <a:p>
           <a:pPr marL="285750" lvl="1" indent="-285750" algn="l" defTabSz="1289050">
@@ -8930,18 +8848,22 @@
             <a:spcAft>
               <a:spcPct val="15000"/>
             </a:spcAft>
-            <a:buChar char="••"/>
+            <a:buChar char="•"/>
           </a:pPr>
           <a:r>
-            <a:rPr lang="ro-RO" sz="2900" kern="1200"/>
+            <a:rPr lang="ro-RO" sz="2900" kern="1200" dirty="0">
+              <a:latin typeface="+mj-lt"/>
+            </a:rPr>
             <a:t>Lovirea obiectului cu ambele picioare</a:t>
           </a:r>
-          <a:endParaRPr lang="en-US" sz="2900" kern="1200"/>
+          <a:endParaRPr lang="en-US" sz="2900" kern="1200" dirty="0">
+            <a:latin typeface="+mj-lt"/>
+          </a:endParaRPr>
         </a:p>
       </dsp:txBody>
       <dsp:txXfrm>
-        <a:off x="36" y="1506531"/>
-        <a:ext cx="3525105" cy="1990125"/>
+        <a:off x="38" y="1404545"/>
+        <a:ext cx="3647968" cy="2371680"/>
       </dsp:txXfrm>
     </dsp:sp>
     <dsp:sp modelId="{54B660C0-3765-4F0D-9266-16112A4CD854}">
@@ -8951,8 +8873,8 @@
       </dsp:nvSpPr>
       <dsp:spPr>
         <a:xfrm>
-          <a:off x="4018657" y="121188"/>
-          <a:ext cx="3525105" cy="1385342"/>
+          <a:off x="4158722" y="22145"/>
+          <a:ext cx="3647968" cy="1382400"/>
         </a:xfrm>
         <a:prstGeom prst="rect">
           <a:avLst/>
@@ -8998,7 +8920,7 @@
         </a:bodyPr>
         <a:lstStyle/>
         <a:p>
-          <a:pPr lvl="0" algn="ctr" defTabSz="1289050">
+          <a:pPr marL="0" lvl="0" indent="0" algn="ctr" defTabSz="1289050">
             <a:lnSpc>
               <a:spcPct val="90000"/>
             </a:lnSpc>
@@ -9008,17 +8930,22 @@
             <a:spcAft>
               <a:spcPct val="35000"/>
             </a:spcAft>
+            <a:buNone/>
           </a:pPr>
           <a:r>
-            <a:rPr lang="ro-RO" sz="2900" kern="1200"/>
+            <a:rPr lang="ro-RO" sz="2900" kern="1200" dirty="0">
+              <a:latin typeface="+mj-lt"/>
+            </a:rPr>
             <a:t>Comandă manuală cu ajutorul unei interfețe</a:t>
           </a:r>
-          <a:endParaRPr lang="en-US" sz="2900" kern="1200"/>
+          <a:endParaRPr lang="en-US" sz="2900" kern="1200" dirty="0">
+            <a:latin typeface="+mj-lt"/>
+          </a:endParaRPr>
         </a:p>
       </dsp:txBody>
       <dsp:txXfrm>
-        <a:off x="4018657" y="121188"/>
-        <a:ext cx="3525105" cy="1385342"/>
+        <a:off x="4158722" y="22145"/>
+        <a:ext cx="3647968" cy="1382400"/>
       </dsp:txXfrm>
     </dsp:sp>
     <dsp:sp modelId="{D0FACDE1-EEB7-4178-8955-125C610FF1F0}">
@@ -9028,8 +8955,8 @@
       </dsp:nvSpPr>
       <dsp:spPr>
         <a:xfrm>
-          <a:off x="4018657" y="1506531"/>
-          <a:ext cx="3525105" cy="1990125"/>
+          <a:off x="4158722" y="1404545"/>
+          <a:ext cx="3647968" cy="2371680"/>
         </a:xfrm>
         <a:prstGeom prst="rect">
           <a:avLst/>
@@ -9087,18 +9014,22 @@
             <a:spcAft>
               <a:spcPct val="15000"/>
             </a:spcAft>
-            <a:buChar char="••"/>
+            <a:buChar char="•"/>
           </a:pPr>
           <a:r>
-            <a:rPr lang="ro-RO" sz="2900" kern="1200"/>
+            <a:rPr lang="ro-RO" sz="2900" kern="1200" dirty="0">
+              <a:latin typeface="+mj-lt"/>
+            </a:rPr>
             <a:t>Toate funcțiile executate de căutarea automată</a:t>
           </a:r>
-          <a:endParaRPr lang="en-US" sz="2900" kern="1200"/>
+          <a:endParaRPr lang="en-US" sz="2900" kern="1200" dirty="0">
+            <a:latin typeface="+mj-lt"/>
+          </a:endParaRPr>
         </a:p>
       </dsp:txBody>
       <dsp:txXfrm>
-        <a:off x="4018657" y="1506531"/>
-        <a:ext cx="3525105" cy="1990125"/>
+        <a:off x="4158722" y="1404545"/>
+        <a:ext cx="3647968" cy="2371680"/>
       </dsp:txXfrm>
     </dsp:sp>
   </dsp:spTree>
@@ -9120,8 +9051,8 @@
       </dsp:nvSpPr>
       <dsp:spPr>
         <a:xfrm>
-          <a:off x="0" y="16122"/>
-          <a:ext cx="7543800" cy="936000"/>
+          <a:off x="0" y="32322"/>
+          <a:ext cx="7543800" cy="879840"/>
         </a:xfrm>
         <a:prstGeom prst="roundRect">
           <a:avLst/>
@@ -9162,12 +9093,12 @@
         </a:fontRef>
       </dsp:style>
       <dsp:txBody>
-        <a:bodyPr spcFirstLastPara="0" vert="horz" wrap="square" lIns="152400" tIns="152400" rIns="152400" bIns="152400" numCol="1" spcCol="1270" anchor="ctr" anchorCtr="0">
+        <a:bodyPr spcFirstLastPara="0" vert="horz" wrap="square" lIns="133350" tIns="133350" rIns="133350" bIns="133350" numCol="1" spcCol="1270" anchor="ctr" anchorCtr="0">
           <a:noAutofit/>
         </a:bodyPr>
         <a:lstStyle/>
         <a:p>
-          <a:pPr lvl="0" algn="l" defTabSz="1778000">
+          <a:pPr marL="0" lvl="0" indent="0" algn="l" defTabSz="1555750">
             <a:lnSpc>
               <a:spcPct val="90000"/>
             </a:lnSpc>
@@ -9177,20 +9108,25 @@
             <a:spcAft>
               <a:spcPct val="35000"/>
             </a:spcAft>
+            <a:buNone/>
           </a:pPr>
           <a:r>
-            <a:rPr lang="ro-RO" sz="4000" kern="1200" dirty="0"/>
+            <a:rPr lang="ro-RO" sz="3500" kern="1200" dirty="0">
+              <a:latin typeface="+mj-lt"/>
+            </a:rPr>
             <a:t>K</a:t>
           </a:r>
           <a:r>
-            <a:rPr lang="en-US" sz="4000" kern="1200" dirty="0"/>
+            <a:rPr lang="en-US" sz="3500" kern="1200" dirty="0">
+              <a:latin typeface="+mj-lt"/>
+            </a:rPr>
             <a:t>it BRAT biped robot</a:t>
           </a:r>
         </a:p>
       </dsp:txBody>
       <dsp:txXfrm>
-        <a:off x="45692" y="61814"/>
-        <a:ext cx="7452416" cy="844616"/>
+        <a:off x="42950" y="75272"/>
+        <a:ext cx="7457900" cy="793940"/>
       </dsp:txXfrm>
     </dsp:sp>
     <dsp:sp modelId="{E30B04B1-45C7-47D9-90D0-918FC02209FE}">
@@ -9200,8 +9136,8 @@
       </dsp:nvSpPr>
       <dsp:spPr>
         <a:xfrm>
-          <a:off x="0" y="952122"/>
-          <a:ext cx="7543800" cy="662400"/>
+          <a:off x="0" y="912162"/>
+          <a:ext cx="7543800" cy="778320"/>
         </a:xfrm>
         <a:prstGeom prst="rect">
           <a:avLst/>
@@ -9225,12 +9161,12 @@
         <a:fontRef idx="minor"/>
       </dsp:style>
       <dsp:txBody>
-        <a:bodyPr spcFirstLastPara="0" vert="horz" wrap="square" lIns="239516" tIns="50800" rIns="284480" bIns="50800" numCol="1" spcCol="1270" anchor="t" anchorCtr="0">
+        <a:bodyPr spcFirstLastPara="0" vert="horz" wrap="square" lIns="239516" tIns="36830" rIns="206248" bIns="36830" numCol="1" spcCol="1270" anchor="t" anchorCtr="0">
           <a:noAutofit/>
         </a:bodyPr>
         <a:lstStyle/>
         <a:p>
-          <a:pPr marL="285750" lvl="1" indent="-285750" algn="l" defTabSz="1377950">
+          <a:pPr marL="285750" lvl="1" indent="-285750" algn="l" defTabSz="1289050">
             <a:lnSpc>
               <a:spcPct val="90000"/>
             </a:lnSpc>
@@ -9240,17 +9176,19 @@
             <a:spcAft>
               <a:spcPct val="20000"/>
             </a:spcAft>
-            <a:buChar char="••"/>
+            <a:buChar char="•"/>
           </a:pPr>
           <a:r>
-            <a:rPr lang="en-US" sz="3100" kern="1200" dirty="0"/>
+            <a:rPr lang="en-US" sz="2900" kern="1200" dirty="0">
+              <a:latin typeface="+mj-lt"/>
+            </a:rPr>
             <a:t>6 grade de libertate</a:t>
           </a:r>
         </a:p>
       </dsp:txBody>
       <dsp:txXfrm>
-        <a:off x="0" y="952122"/>
-        <a:ext cx="7543800" cy="662400"/>
+        <a:off x="0" y="912162"/>
+        <a:ext cx="7543800" cy="778320"/>
       </dsp:txXfrm>
     </dsp:sp>
     <dsp:sp modelId="{F69BEC3F-8F16-4104-A5A3-A49D25656FB3}">
@@ -9260,8 +9198,8 @@
       </dsp:nvSpPr>
       <dsp:spPr>
         <a:xfrm>
-          <a:off x="0" y="1614522"/>
-          <a:ext cx="7543800" cy="936000"/>
+          <a:off x="0" y="1690482"/>
+          <a:ext cx="7543800" cy="879840"/>
         </a:xfrm>
         <a:prstGeom prst="roundRect">
           <a:avLst/>
@@ -9302,12 +9240,12 @@
         </a:fontRef>
       </dsp:style>
       <dsp:txBody>
-        <a:bodyPr spcFirstLastPara="0" vert="horz" wrap="square" lIns="152400" tIns="152400" rIns="152400" bIns="152400" numCol="1" spcCol="1270" anchor="ctr" anchorCtr="0">
+        <a:bodyPr spcFirstLastPara="0" vert="horz" wrap="square" lIns="133350" tIns="133350" rIns="133350" bIns="133350" numCol="1" spcCol="1270" anchor="ctr" anchorCtr="0">
           <a:noAutofit/>
         </a:bodyPr>
         <a:lstStyle/>
         <a:p>
-          <a:pPr lvl="0" algn="l" defTabSz="1778000">
+          <a:pPr marL="0" lvl="0" indent="0" algn="l" defTabSz="1555750">
             <a:lnSpc>
               <a:spcPct val="90000"/>
             </a:lnSpc>
@@ -9317,17 +9255,22 @@
             <a:spcAft>
               <a:spcPct val="35000"/>
             </a:spcAft>
+            <a:buNone/>
           </a:pPr>
           <a:r>
-            <a:rPr lang="ro-RO" sz="4000" kern="1200"/>
+            <a:rPr lang="ro-RO" sz="3500" kern="1200" dirty="0">
+              <a:latin typeface="+mj-lt"/>
+            </a:rPr>
             <a:t>Placă Arduino Uno</a:t>
           </a:r>
-          <a:endParaRPr lang="en-US" sz="4000" kern="1200"/>
+          <a:endParaRPr lang="en-US" sz="3500" kern="1200" dirty="0">
+            <a:latin typeface="+mj-lt"/>
+          </a:endParaRPr>
         </a:p>
       </dsp:txBody>
       <dsp:txXfrm>
-        <a:off x="45692" y="1660214"/>
-        <a:ext cx="7452416" cy="844616"/>
+        <a:off x="42950" y="1733432"/>
+        <a:ext cx="7457900" cy="793940"/>
       </dsp:txXfrm>
     </dsp:sp>
     <dsp:sp modelId="{AA9D6CE5-E8A0-4B90-AD95-C893AA37B62A}">
@@ -9337,8 +9280,8 @@
       </dsp:nvSpPr>
       <dsp:spPr>
         <a:xfrm>
-          <a:off x="0" y="2665722"/>
-          <a:ext cx="7543800" cy="936000"/>
+          <a:off x="0" y="2705682"/>
+          <a:ext cx="7543800" cy="879840"/>
         </a:xfrm>
         <a:prstGeom prst="roundRect">
           <a:avLst/>
@@ -9379,12 +9322,12 @@
         </a:fontRef>
       </dsp:style>
       <dsp:txBody>
-        <a:bodyPr spcFirstLastPara="0" vert="horz" wrap="square" lIns="152400" tIns="152400" rIns="152400" bIns="152400" numCol="1" spcCol="1270" anchor="ctr" anchorCtr="0">
+        <a:bodyPr spcFirstLastPara="0" vert="horz" wrap="square" lIns="133350" tIns="133350" rIns="133350" bIns="133350" numCol="1" spcCol="1270" anchor="ctr" anchorCtr="0">
           <a:noAutofit/>
         </a:bodyPr>
         <a:lstStyle/>
         <a:p>
-          <a:pPr lvl="0" algn="l" defTabSz="1778000">
+          <a:pPr marL="0" lvl="0" indent="0" algn="l" defTabSz="1555750">
             <a:lnSpc>
               <a:spcPct val="90000"/>
             </a:lnSpc>
@@ -9394,17 +9337,22 @@
             <a:spcAft>
               <a:spcPct val="35000"/>
             </a:spcAft>
+            <a:buNone/>
           </a:pPr>
           <a:r>
-            <a:rPr lang="ro-RO" sz="4000" kern="1200"/>
+            <a:rPr lang="ro-RO" sz="3500" kern="1200" dirty="0">
+              <a:latin typeface="+mj-lt"/>
+            </a:rPr>
             <a:t>Placă ESP-32 Thing</a:t>
           </a:r>
-          <a:endParaRPr lang="en-US" sz="4000" kern="1200"/>
+          <a:endParaRPr lang="en-US" sz="3500" kern="1200" dirty="0">
+            <a:latin typeface="+mj-lt"/>
+          </a:endParaRPr>
         </a:p>
       </dsp:txBody>
       <dsp:txXfrm>
-        <a:off x="45692" y="2711414"/>
-        <a:ext cx="7452416" cy="844616"/>
+        <a:off x="42950" y="2748632"/>
+        <a:ext cx="7457900" cy="793940"/>
       </dsp:txXfrm>
     </dsp:sp>
   </dsp:spTree>
@@ -9426,8 +9374,8 @@
       </dsp:nvSpPr>
       <dsp:spPr>
         <a:xfrm>
-          <a:off x="0" y="23862"/>
-          <a:ext cx="7543800" cy="1099800"/>
+          <a:off x="0" y="13242"/>
+          <a:ext cx="7543800" cy="1085760"/>
         </a:xfrm>
         <a:prstGeom prst="roundRect">
           <a:avLst/>
@@ -9468,12 +9416,12 @@
         </a:fontRef>
       </dsp:style>
       <dsp:txBody>
-        <a:bodyPr spcFirstLastPara="0" vert="horz" wrap="square" lIns="179070" tIns="179070" rIns="179070" bIns="179070" numCol="1" spcCol="1270" anchor="ctr" anchorCtr="0">
+        <a:bodyPr spcFirstLastPara="0" vert="horz" wrap="square" lIns="133350" tIns="133350" rIns="133350" bIns="133350" numCol="1" spcCol="1270" anchor="ctr" anchorCtr="0">
           <a:noAutofit/>
         </a:bodyPr>
         <a:lstStyle/>
         <a:p>
-          <a:pPr lvl="0" algn="l" defTabSz="2089150">
+          <a:pPr marL="0" lvl="0" indent="0" algn="l" defTabSz="1555750">
             <a:lnSpc>
               <a:spcPct val="90000"/>
             </a:lnSpc>
@@ -9483,17 +9431,22 @@
             <a:spcAft>
               <a:spcPct val="35000"/>
             </a:spcAft>
+            <a:buNone/>
           </a:pPr>
           <a:r>
-            <a:rPr lang="ro-RO" sz="4700" kern="1200"/>
+            <a:rPr lang="ro-RO" sz="3500" kern="1200" dirty="0">
+              <a:latin typeface="+mj-lt"/>
+            </a:rPr>
             <a:t>Sursă tensiune electrică</a:t>
           </a:r>
-          <a:endParaRPr lang="en-US" sz="4700" kern="1200"/>
+          <a:endParaRPr lang="en-US" sz="3500" kern="1200" dirty="0">
+            <a:latin typeface="+mj-lt"/>
+          </a:endParaRPr>
         </a:p>
       </dsp:txBody>
       <dsp:txXfrm>
-        <a:off x="53688" y="77550"/>
-        <a:ext cx="7436424" cy="992424"/>
+        <a:off x="53002" y="66244"/>
+        <a:ext cx="7437796" cy="979756"/>
       </dsp:txXfrm>
     </dsp:sp>
     <dsp:sp modelId="{7729E7B6-C2AC-4AEA-AF4B-A64ABF1831B5}">
@@ -9503,8 +9456,8 @@
       </dsp:nvSpPr>
       <dsp:spPr>
         <a:xfrm>
-          <a:off x="0" y="1259022"/>
-          <a:ext cx="7543800" cy="1099800"/>
+          <a:off x="0" y="1266042"/>
+          <a:ext cx="7543800" cy="1085760"/>
         </a:xfrm>
         <a:prstGeom prst="roundRect">
           <a:avLst/>
@@ -9545,12 +9498,12 @@
         </a:fontRef>
       </dsp:style>
       <dsp:txBody>
-        <a:bodyPr spcFirstLastPara="0" vert="horz" wrap="square" lIns="179070" tIns="179070" rIns="179070" bIns="179070" numCol="1" spcCol="1270" anchor="ctr" anchorCtr="0">
+        <a:bodyPr spcFirstLastPara="0" vert="horz" wrap="square" lIns="133350" tIns="133350" rIns="133350" bIns="133350" numCol="1" spcCol="1270" anchor="ctr" anchorCtr="0">
           <a:noAutofit/>
         </a:bodyPr>
         <a:lstStyle/>
         <a:p>
-          <a:pPr lvl="0" algn="l" defTabSz="2089150">
+          <a:pPr marL="0" lvl="0" indent="0" algn="l" defTabSz="1555750">
             <a:lnSpc>
               <a:spcPct val="90000"/>
             </a:lnSpc>
@@ -9560,17 +9513,22 @@
             <a:spcAft>
               <a:spcPct val="35000"/>
             </a:spcAft>
+            <a:buNone/>
           </a:pPr>
           <a:r>
-            <a:rPr lang="ro-RO" sz="4700" kern="1200"/>
+            <a:rPr lang="ro-RO" sz="3500" kern="1200" dirty="0">
+              <a:latin typeface="+mj-lt"/>
+            </a:rPr>
             <a:t>Cameră Pixy CMUcam5</a:t>
           </a:r>
-          <a:endParaRPr lang="en-US" sz="4700" kern="1200"/>
+          <a:endParaRPr lang="en-US" sz="3500" kern="1200" dirty="0">
+            <a:latin typeface="+mj-lt"/>
+          </a:endParaRPr>
         </a:p>
       </dsp:txBody>
       <dsp:txXfrm>
-        <a:off x="53688" y="1312710"/>
-        <a:ext cx="7436424" cy="992424"/>
+        <a:off x="53002" y="1319044"/>
+        <a:ext cx="7437796" cy="979756"/>
       </dsp:txXfrm>
     </dsp:sp>
     <dsp:sp modelId="{BF0E8671-1471-4BE7-A707-10B3AFE0DF45}">
@@ -9580,8 +9538,8 @@
       </dsp:nvSpPr>
       <dsp:spPr>
         <a:xfrm>
-          <a:off x="0" y="2494182"/>
-          <a:ext cx="7543800" cy="1099800"/>
+          <a:off x="0" y="2518842"/>
+          <a:ext cx="7543800" cy="1085760"/>
         </a:xfrm>
         <a:prstGeom prst="roundRect">
           <a:avLst/>
@@ -9622,12 +9580,12 @@
         </a:fontRef>
       </dsp:style>
       <dsp:txBody>
-        <a:bodyPr spcFirstLastPara="0" vert="horz" wrap="square" lIns="179070" tIns="179070" rIns="179070" bIns="179070" numCol="1" spcCol="1270" anchor="ctr" anchorCtr="0">
+        <a:bodyPr spcFirstLastPara="0" vert="horz" wrap="square" lIns="133350" tIns="133350" rIns="133350" bIns="133350" numCol="1" spcCol="1270" anchor="ctr" anchorCtr="0">
           <a:noAutofit/>
         </a:bodyPr>
         <a:lstStyle/>
         <a:p>
-          <a:pPr lvl="0" algn="l" defTabSz="2089150">
+          <a:pPr marL="0" lvl="0" indent="0" algn="l" defTabSz="1555750">
             <a:lnSpc>
               <a:spcPct val="90000"/>
             </a:lnSpc>
@@ -9637,17 +9595,22 @@
             <a:spcAft>
               <a:spcPct val="35000"/>
             </a:spcAft>
+            <a:buNone/>
           </a:pPr>
           <a:r>
-            <a:rPr lang="ro-RO" sz="4700" kern="1200"/>
+            <a:rPr lang="ro-RO" sz="3500" kern="1200" dirty="0">
+              <a:latin typeface="+mj-lt"/>
+            </a:rPr>
             <a:t>PC</a:t>
           </a:r>
-          <a:endParaRPr lang="en-US" sz="4700" kern="1200"/>
+          <a:endParaRPr lang="en-US" sz="3500" kern="1200" dirty="0">
+            <a:latin typeface="+mj-lt"/>
+          </a:endParaRPr>
         </a:p>
       </dsp:txBody>
       <dsp:txXfrm>
-        <a:off x="53688" y="2547870"/>
-        <a:ext cx="7436424" cy="992424"/>
+        <a:off x="53002" y="2571844"/>
+        <a:ext cx="7437796" cy="979756"/>
       </dsp:txXfrm>
     </dsp:sp>
   </dsp:spTree>
@@ -9716,7 +9679,7 @@
         </a:bodyPr>
         <a:lstStyle/>
         <a:p>
-          <a:pPr lvl="0" algn="l" defTabSz="1555750">
+          <a:pPr marL="0" lvl="0" indent="0" algn="l" defTabSz="1555750">
             <a:lnSpc>
               <a:spcPct val="90000"/>
             </a:lnSpc>
@@ -9726,12 +9689,17 @@
             <a:spcAft>
               <a:spcPct val="35000"/>
             </a:spcAft>
+            <a:buNone/>
           </a:pPr>
           <a:r>
-            <a:rPr lang="ro-RO" sz="3500" kern="1200"/>
+            <a:rPr lang="ro-RO" sz="3500" kern="1200" dirty="0">
+              <a:latin typeface="+mj-lt"/>
+            </a:rPr>
             <a:t>Arduino IDE – C++</a:t>
           </a:r>
-          <a:endParaRPr lang="en-US" sz="3500" kern="1200"/>
+          <a:endParaRPr lang="en-US" sz="3500" kern="1200" dirty="0">
+            <a:latin typeface="+mj-lt"/>
+          </a:endParaRPr>
         </a:p>
       </dsp:txBody>
       <dsp:txXfrm>
@@ -9793,7 +9761,7 @@
         </a:bodyPr>
         <a:lstStyle/>
         <a:p>
-          <a:pPr lvl="0" algn="l" defTabSz="1555750">
+          <a:pPr marL="0" lvl="0" indent="0" algn="l" defTabSz="1555750">
             <a:lnSpc>
               <a:spcPct val="90000"/>
             </a:lnSpc>
@@ -9803,12 +9771,17 @@
             <a:spcAft>
               <a:spcPct val="35000"/>
             </a:spcAft>
+            <a:buNone/>
           </a:pPr>
           <a:r>
-            <a:rPr lang="ro-RO" sz="3500" kern="1200"/>
+            <a:rPr lang="ro-RO" sz="3500" kern="1200" dirty="0">
+              <a:latin typeface="+mj-lt"/>
+            </a:rPr>
             <a:t>Android Studio – Java</a:t>
           </a:r>
-          <a:endParaRPr lang="en-US" sz="3500" kern="1200"/>
+          <a:endParaRPr lang="en-US" sz="3500" kern="1200" dirty="0">
+            <a:latin typeface="+mj-lt"/>
+          </a:endParaRPr>
         </a:p>
       </dsp:txBody>
       <dsp:txXfrm>
@@ -9870,7 +9843,7 @@
         </a:bodyPr>
         <a:lstStyle/>
         <a:p>
-          <a:pPr lvl="0" algn="l" defTabSz="1555750">
+          <a:pPr marL="0" lvl="0" indent="0" algn="l" defTabSz="1555750">
             <a:lnSpc>
               <a:spcPct val="90000"/>
             </a:lnSpc>
@@ -9880,12 +9853,17 @@
             <a:spcAft>
               <a:spcPct val="35000"/>
             </a:spcAft>
+            <a:buNone/>
           </a:pPr>
           <a:r>
-            <a:rPr lang="ro-RO" sz="3500" kern="1200"/>
+            <a:rPr lang="ro-RO" sz="3500" kern="1200" dirty="0">
+              <a:latin typeface="+mj-lt"/>
+            </a:rPr>
             <a:t>GitHub</a:t>
           </a:r>
-          <a:endParaRPr lang="en-US" sz="3500" kern="1200"/>
+          <a:endParaRPr lang="en-US" sz="3500" kern="1200" dirty="0">
+            <a:latin typeface="+mj-lt"/>
+          </a:endParaRPr>
         </a:p>
       </dsp:txBody>
       <dsp:txXfrm>
@@ -9947,7 +9925,7 @@
         </a:bodyPr>
         <a:lstStyle/>
         <a:p>
-          <a:pPr lvl="0" algn="l" defTabSz="1555750">
+          <a:pPr marL="0" lvl="0" indent="0" algn="l" defTabSz="1555750">
             <a:lnSpc>
               <a:spcPct val="90000"/>
             </a:lnSpc>
@@ -9957,12 +9935,17 @@
             <a:spcAft>
               <a:spcPct val="35000"/>
             </a:spcAft>
+            <a:buNone/>
           </a:pPr>
           <a:r>
-            <a:rPr lang="ro-RO" sz="3500" kern="1200"/>
+            <a:rPr lang="ro-RO" sz="3500" kern="1200" dirty="0">
+              <a:latin typeface="+mj-lt"/>
+            </a:rPr>
             <a:t>LynxTerm</a:t>
           </a:r>
-          <a:endParaRPr lang="en-US" sz="3500" kern="1200"/>
+          <a:endParaRPr lang="en-US" sz="3500" kern="1200" dirty="0">
+            <a:latin typeface="+mj-lt"/>
+          </a:endParaRPr>
         </a:p>
       </dsp:txBody>
       <dsp:txXfrm>
@@ -9989,8 +9972,8 @@
       </dsp:nvSpPr>
       <dsp:spPr>
         <a:xfrm>
-          <a:off x="0" y="23884"/>
-          <a:ext cx="7543800" cy="1006200"/>
+          <a:off x="0" y="4084"/>
+          <a:ext cx="7543800" cy="1141920"/>
         </a:xfrm>
         <a:prstGeom prst="roundRect">
           <a:avLst/>
@@ -10031,12 +10014,12 @@
         </a:fontRef>
       </dsp:style>
       <dsp:txBody>
-        <a:bodyPr spcFirstLastPara="0" vert="horz" wrap="square" lIns="163830" tIns="163830" rIns="163830" bIns="163830" numCol="1" spcCol="1270" anchor="ctr" anchorCtr="0">
+        <a:bodyPr spcFirstLastPara="0" vert="horz" wrap="square" lIns="133350" tIns="133350" rIns="133350" bIns="133350" numCol="1" spcCol="1270" anchor="ctr" anchorCtr="0">
           <a:noAutofit/>
         </a:bodyPr>
         <a:lstStyle/>
         <a:p>
-          <a:pPr lvl="0" algn="l" defTabSz="1911350">
+          <a:pPr marL="0" lvl="0" indent="0" algn="l" defTabSz="1555750">
             <a:lnSpc>
               <a:spcPct val="90000"/>
             </a:lnSpc>
@@ -10046,17 +10029,22 @@
             <a:spcAft>
               <a:spcPct val="35000"/>
             </a:spcAft>
+            <a:buNone/>
           </a:pPr>
           <a:r>
-            <a:rPr lang="ro-RO" sz="4300" kern="1200" dirty="0"/>
+            <a:rPr lang="ro-RO" sz="3500" kern="1200" dirty="0">
+              <a:latin typeface="+mj-lt"/>
+            </a:rPr>
             <a:t>Folosit ca server web</a:t>
           </a:r>
-          <a:endParaRPr lang="en-US" sz="4300" kern="1200" dirty="0"/>
+          <a:endParaRPr lang="en-US" sz="3500" kern="1200" dirty="0">
+            <a:latin typeface="+mj-lt"/>
+          </a:endParaRPr>
         </a:p>
       </dsp:txBody>
       <dsp:txXfrm>
-        <a:off x="49119" y="73003"/>
-        <a:ext cx="7445562" cy="907962"/>
+        <a:off x="55744" y="59828"/>
+        <a:ext cx="7432312" cy="1030432"/>
       </dsp:txXfrm>
     </dsp:sp>
     <dsp:sp modelId="{DA8EE2E4-BA55-42D8-B46F-696209B3BF32}">
@@ -10066,8 +10054,8 @@
       </dsp:nvSpPr>
       <dsp:spPr>
         <a:xfrm>
-          <a:off x="0" y="1030084"/>
-          <a:ext cx="7543800" cy="1557674"/>
+          <a:off x="0" y="1146005"/>
+          <a:ext cx="7543800" cy="1325835"/>
         </a:xfrm>
         <a:prstGeom prst="rect">
           <a:avLst/>
@@ -10091,12 +10079,12 @@
         <a:fontRef idx="minor"/>
       </dsp:style>
       <dsp:txBody>
-        <a:bodyPr spcFirstLastPara="0" vert="horz" wrap="square" lIns="239516" tIns="54610" rIns="305816" bIns="54610" numCol="1" spcCol="1270" anchor="t" anchorCtr="0">
+        <a:bodyPr spcFirstLastPara="0" vert="horz" wrap="square" lIns="239516" tIns="36830" rIns="206248" bIns="36830" numCol="1" spcCol="1270" anchor="t" anchorCtr="0">
           <a:noAutofit/>
         </a:bodyPr>
         <a:lstStyle/>
         <a:p>
-          <a:pPr marL="285750" lvl="1" indent="-285750" algn="l" defTabSz="1511300">
+          <a:pPr marL="285750" lvl="1" indent="-285750" algn="l" defTabSz="1289050">
             <a:lnSpc>
               <a:spcPct val="90000"/>
             </a:lnSpc>
@@ -10106,16 +10094,20 @@
             <a:spcAft>
               <a:spcPct val="20000"/>
             </a:spcAft>
-            <a:buChar char="••"/>
+            <a:buChar char="•"/>
           </a:pPr>
           <a:r>
-            <a:rPr lang="ro-RO" sz="3400" kern="1200"/>
+            <a:rPr lang="ro-RO" sz="2900" kern="1200" dirty="0">
+              <a:latin typeface="+mj-lt"/>
+            </a:rPr>
             <a:t>Recepționează cererile HTTP de la aplicația Android</a:t>
           </a:r>
-          <a:endParaRPr lang="en-US" sz="3400" kern="1200"/>
+          <a:endParaRPr lang="en-US" sz="2900" kern="1200" dirty="0">
+            <a:latin typeface="+mj-lt"/>
+          </a:endParaRPr>
         </a:p>
         <a:p>
-          <a:pPr marL="285750" lvl="1" indent="-285750" algn="l" defTabSz="1511300">
+          <a:pPr marL="285750" lvl="1" indent="-285750" algn="l" defTabSz="1289050">
             <a:lnSpc>
               <a:spcPct val="90000"/>
             </a:lnSpc>
@@ -10125,21 +10117,31 @@
             <a:spcAft>
               <a:spcPct val="20000"/>
             </a:spcAft>
-            <a:buChar char="••"/>
+            <a:buChar char="•"/>
           </a:pPr>
           <a:r>
-            <a:rPr lang="ro-RO" sz="3400" kern="1200"/>
+            <a:rPr lang="ro-RO" sz="2900" kern="1200" dirty="0">
+              <a:latin typeface="+mj-lt"/>
+            </a:rPr>
             <a:t>Le analizează</a:t>
           </a:r>
           <a:r>
-            <a:rPr lang="en-US" sz="3400" kern="1200"/>
-            <a:t> parametrii</a:t>
+            <a:rPr lang="en-US" sz="2900" kern="1200" dirty="0">
+              <a:latin typeface="+mj-lt"/>
+            </a:rPr>
+            <a:t> </a:t>
+          </a:r>
+          <a:r>
+            <a:rPr lang="en-US" sz="2900" kern="1200" noProof="1">
+              <a:latin typeface="+mj-lt"/>
+            </a:rPr>
+            <a:t>parametrii</a:t>
           </a:r>
         </a:p>
       </dsp:txBody>
       <dsp:txXfrm>
-        <a:off x="0" y="1030084"/>
-        <a:ext cx="7543800" cy="1557674"/>
+        <a:off x="0" y="1146005"/>
+        <a:ext cx="7543800" cy="1325835"/>
       </dsp:txXfrm>
     </dsp:sp>
     <dsp:sp modelId="{3987B0D8-2F11-491F-8F39-750F62606B27}">
@@ -10149,8 +10151,8 @@
       </dsp:nvSpPr>
       <dsp:spPr>
         <a:xfrm>
-          <a:off x="0" y="2587760"/>
-          <a:ext cx="7543800" cy="1006200"/>
+          <a:off x="0" y="2471840"/>
+          <a:ext cx="7543800" cy="1141920"/>
         </a:xfrm>
         <a:prstGeom prst="roundRect">
           <a:avLst/>
@@ -10191,12 +10193,12 @@
         </a:fontRef>
       </dsp:style>
       <dsp:txBody>
-        <a:bodyPr spcFirstLastPara="0" vert="horz" wrap="square" lIns="163830" tIns="163830" rIns="163830" bIns="163830" numCol="1" spcCol="1270" anchor="ctr" anchorCtr="0">
+        <a:bodyPr spcFirstLastPara="0" vert="horz" wrap="square" lIns="133350" tIns="133350" rIns="133350" bIns="133350" numCol="1" spcCol="1270" anchor="ctr" anchorCtr="0">
           <a:noAutofit/>
         </a:bodyPr>
         <a:lstStyle/>
         <a:p>
-          <a:pPr lvl="0" algn="l" defTabSz="1911350">
+          <a:pPr marL="0" lvl="0" indent="0" algn="l" defTabSz="1555750">
             <a:lnSpc>
               <a:spcPct val="90000"/>
             </a:lnSpc>
@@ -10206,17 +10208,22 @@
             <a:spcAft>
               <a:spcPct val="35000"/>
             </a:spcAft>
+            <a:buNone/>
           </a:pPr>
           <a:r>
-            <a:rPr lang="ro-RO" sz="4300" kern="1200"/>
+            <a:rPr lang="ro-RO" sz="3500" kern="1200" dirty="0">
+              <a:latin typeface="+mj-lt"/>
+            </a:rPr>
             <a:t>Transmite comanda la Arduino</a:t>
           </a:r>
-          <a:endParaRPr lang="en-US" sz="4300" kern="1200"/>
+          <a:endParaRPr lang="en-US" sz="3500" kern="1200" dirty="0">
+            <a:latin typeface="+mj-lt"/>
+          </a:endParaRPr>
         </a:p>
       </dsp:txBody>
       <dsp:txXfrm>
-        <a:off x="49119" y="2636879"/>
-        <a:ext cx="7445562" cy="907962"/>
+        <a:off x="55744" y="2527584"/>
+        <a:ext cx="7432312" cy="1030432"/>
       </dsp:txXfrm>
     </dsp:sp>
   </dsp:spTree>
@@ -10238,7 +10245,7 @@
       </dsp:nvSpPr>
       <dsp:spPr>
         <a:xfrm>
-          <a:off x="0" y="37047"/>
+          <a:off x="0" y="14772"/>
           <a:ext cx="7543800" cy="842400"/>
         </a:xfrm>
         <a:prstGeom prst="roundRect">
@@ -10280,12 +10287,12 @@
         </a:fontRef>
       </dsp:style>
       <dsp:txBody>
-        <a:bodyPr spcFirstLastPara="0" vert="horz" wrap="square" lIns="137160" tIns="137160" rIns="137160" bIns="137160" numCol="1" spcCol="1270" anchor="ctr" anchorCtr="0">
+        <a:bodyPr spcFirstLastPara="0" vert="horz" wrap="square" lIns="133350" tIns="133350" rIns="133350" bIns="133350" numCol="1" spcCol="1270" anchor="ctr" anchorCtr="0">
           <a:noAutofit/>
         </a:bodyPr>
         <a:lstStyle/>
         <a:p>
-          <a:pPr lvl="0" algn="l" defTabSz="1600200">
+          <a:pPr marL="0" lvl="0" indent="0" algn="l" defTabSz="1555750">
             <a:lnSpc>
               <a:spcPct val="90000"/>
             </a:lnSpc>
@@ -10295,16 +10302,21 @@
             <a:spcAft>
               <a:spcPct val="35000"/>
             </a:spcAft>
+            <a:buNone/>
           </a:pPr>
           <a:r>
-            <a:rPr lang="ro-RO" sz="3600" kern="1200"/>
+            <a:rPr lang="ro-RO" sz="3500" kern="1200" dirty="0">
+              <a:latin typeface="+mj-lt"/>
+            </a:rPr>
             <a:t>Montarea unei baterii</a:t>
           </a:r>
-          <a:endParaRPr lang="en-US" sz="3600" kern="1200"/>
+          <a:endParaRPr lang="en-US" sz="3500" kern="1200" dirty="0">
+            <a:latin typeface="+mj-lt"/>
+          </a:endParaRPr>
         </a:p>
       </dsp:txBody>
       <dsp:txXfrm>
-        <a:off x="41123" y="78170"/>
+        <a:off x="41123" y="55895"/>
         <a:ext cx="7461554" cy="760154"/>
       </dsp:txXfrm>
     </dsp:sp>
@@ -10315,7 +10327,7 @@
       </dsp:nvSpPr>
       <dsp:spPr>
         <a:xfrm>
-          <a:off x="0" y="983127"/>
+          <a:off x="0" y="986772"/>
           <a:ext cx="7543800" cy="842400"/>
         </a:xfrm>
         <a:prstGeom prst="roundRect">
@@ -10357,12 +10369,12 @@
         </a:fontRef>
       </dsp:style>
       <dsp:txBody>
-        <a:bodyPr spcFirstLastPara="0" vert="horz" wrap="square" lIns="137160" tIns="137160" rIns="137160" bIns="137160" numCol="1" spcCol="1270" anchor="ctr" anchorCtr="0">
+        <a:bodyPr spcFirstLastPara="0" vert="horz" wrap="square" lIns="133350" tIns="133350" rIns="133350" bIns="133350" numCol="1" spcCol="1270" anchor="ctr" anchorCtr="0">
           <a:noAutofit/>
         </a:bodyPr>
         <a:lstStyle/>
         <a:p>
-          <a:pPr lvl="0" algn="l" defTabSz="1600200">
+          <a:pPr marL="0" lvl="0" indent="0" algn="l" defTabSz="1555750">
             <a:lnSpc>
               <a:spcPct val="90000"/>
             </a:lnSpc>
@@ -10372,16 +10384,21 @@
             <a:spcAft>
               <a:spcPct val="35000"/>
             </a:spcAft>
+            <a:buNone/>
           </a:pPr>
           <a:r>
-            <a:rPr lang="ro-RO" sz="3600" kern="1200"/>
+            <a:rPr lang="ro-RO" sz="3500" kern="1200" dirty="0">
+              <a:latin typeface="+mj-lt"/>
+            </a:rPr>
             <a:t>Noi funcționalități</a:t>
           </a:r>
-          <a:endParaRPr lang="en-US" sz="3600" kern="1200"/>
+          <a:endParaRPr lang="en-US" sz="3500" kern="1200" dirty="0">
+            <a:latin typeface="+mj-lt"/>
+          </a:endParaRPr>
         </a:p>
       </dsp:txBody>
       <dsp:txXfrm>
-        <a:off x="41123" y="1024250"/>
+        <a:off x="41123" y="1027895"/>
         <a:ext cx="7461554" cy="760154"/>
       </dsp:txXfrm>
     </dsp:sp>
@@ -10392,8 +10409,8 @@
       </dsp:nvSpPr>
       <dsp:spPr>
         <a:xfrm>
-          <a:off x="0" y="1825527"/>
-          <a:ext cx="7543800" cy="912870"/>
+          <a:off x="0" y="1829172"/>
+          <a:ext cx="7543800" cy="931499"/>
         </a:xfrm>
         <a:prstGeom prst="rect">
           <a:avLst/>
@@ -10417,12 +10434,12 @@
         <a:fontRef idx="minor"/>
       </dsp:style>
       <dsp:txBody>
-        <a:bodyPr spcFirstLastPara="0" vert="horz" wrap="square" lIns="239516" tIns="45720" rIns="256032" bIns="45720" numCol="1" spcCol="1270" anchor="t" anchorCtr="0">
+        <a:bodyPr spcFirstLastPara="0" vert="horz" wrap="square" lIns="239516" tIns="36830" rIns="206248" bIns="36830" numCol="1" spcCol="1270" anchor="t" anchorCtr="0">
           <a:noAutofit/>
         </a:bodyPr>
         <a:lstStyle/>
         <a:p>
-          <a:pPr marL="285750" lvl="1" indent="-285750" algn="l" defTabSz="1244600">
+          <a:pPr marL="285750" lvl="1" indent="-285750" algn="l" defTabSz="1289050">
             <a:lnSpc>
               <a:spcPct val="90000"/>
             </a:lnSpc>
@@ -10432,16 +10449,20 @@
             <a:spcAft>
               <a:spcPct val="20000"/>
             </a:spcAft>
-            <a:buChar char="••"/>
+            <a:buChar char="•"/>
           </a:pPr>
           <a:r>
-            <a:rPr lang="ro-RO" sz="2800" kern="1200"/>
+            <a:rPr lang="ro-RO" sz="2900" kern="1200" dirty="0">
+              <a:latin typeface="+mj-lt"/>
+            </a:rPr>
             <a:t>Marcarea unui gol într-o poartă</a:t>
           </a:r>
-          <a:endParaRPr lang="en-US" sz="2800" kern="1200"/>
+          <a:endParaRPr lang="en-US" sz="2900" kern="1200" dirty="0">
+            <a:latin typeface="+mj-lt"/>
+          </a:endParaRPr>
         </a:p>
         <a:p>
-          <a:pPr marL="285750" lvl="1" indent="-285750" algn="l" defTabSz="1244600">
+          <a:pPr marL="285750" lvl="1" indent="-285750" algn="l" defTabSz="1289050">
             <a:lnSpc>
               <a:spcPct val="90000"/>
             </a:lnSpc>
@@ -10451,18 +10472,22 @@
             <a:spcAft>
               <a:spcPct val="20000"/>
             </a:spcAft>
-            <a:buChar char="••"/>
+            <a:buChar char="•"/>
           </a:pPr>
           <a:r>
-            <a:rPr lang="ro-RO" sz="2800" kern="1200"/>
+            <a:rPr lang="ro-RO" sz="2900" kern="1200" dirty="0">
+              <a:latin typeface="+mj-lt"/>
+            </a:rPr>
             <a:t>Interacțiunea cu alți roboți</a:t>
           </a:r>
-          <a:endParaRPr lang="en-US" sz="2800" kern="1200"/>
+          <a:endParaRPr lang="en-US" sz="2900" kern="1200" dirty="0">
+            <a:latin typeface="+mj-lt"/>
+          </a:endParaRPr>
         </a:p>
       </dsp:txBody>
       <dsp:txXfrm>
-        <a:off x="0" y="1825527"/>
-        <a:ext cx="7543800" cy="912870"/>
+        <a:off x="0" y="1829172"/>
+        <a:ext cx="7543800" cy="931499"/>
       </dsp:txXfrm>
     </dsp:sp>
     <dsp:sp modelId="{82D23CF7-896C-48BE-9C4C-950AFEAC9C55}">
@@ -10472,7 +10497,7 @@
       </dsp:nvSpPr>
       <dsp:spPr>
         <a:xfrm>
-          <a:off x="0" y="2738397"/>
+          <a:off x="0" y="2760672"/>
           <a:ext cx="7543800" cy="842400"/>
         </a:xfrm>
         <a:prstGeom prst="roundRect">
@@ -10514,12 +10539,12 @@
         </a:fontRef>
       </dsp:style>
       <dsp:txBody>
-        <a:bodyPr spcFirstLastPara="0" vert="horz" wrap="square" lIns="137160" tIns="137160" rIns="137160" bIns="137160" numCol="1" spcCol="1270" anchor="ctr" anchorCtr="0">
+        <a:bodyPr spcFirstLastPara="0" vert="horz" wrap="square" lIns="133350" tIns="133350" rIns="133350" bIns="133350" numCol="1" spcCol="1270" anchor="ctr" anchorCtr="0">
           <a:noAutofit/>
         </a:bodyPr>
         <a:lstStyle/>
         <a:p>
-          <a:pPr lvl="0" algn="l" defTabSz="1600200">
+          <a:pPr marL="0" lvl="0" indent="0" algn="l" defTabSz="1555750">
             <a:lnSpc>
               <a:spcPct val="90000"/>
             </a:lnSpc>
@@ -10529,16 +10554,21 @@
             <a:spcAft>
               <a:spcPct val="35000"/>
             </a:spcAft>
+            <a:buNone/>
           </a:pPr>
           <a:r>
-            <a:rPr lang="ro-RO" sz="3600" kern="1200"/>
+            <a:rPr lang="ro-RO" sz="3500" kern="1200" dirty="0">
+              <a:latin typeface="+mj-lt"/>
+            </a:rPr>
             <a:t>Estetizarea ansamblului</a:t>
           </a:r>
-          <a:endParaRPr lang="en-US" sz="3600" kern="1200"/>
+          <a:endParaRPr lang="en-US" sz="3500" kern="1200" dirty="0">
+            <a:latin typeface="+mj-lt"/>
+          </a:endParaRPr>
         </a:p>
       </dsp:txBody>
       <dsp:txXfrm>
-        <a:off x="41123" y="2779520"/>
+        <a:off x="41123" y="2801795"/>
         <a:ext cx="7461554" cy="760154"/>
       </dsp:txXfrm>
     </dsp:sp>
@@ -10561,8 +10591,8 @@
       </dsp:nvSpPr>
       <dsp:spPr>
         <a:xfrm>
-          <a:off x="0" y="631542"/>
-          <a:ext cx="7543800" cy="725399"/>
+          <a:off x="0" y="459"/>
+          <a:ext cx="7543800" cy="1197007"/>
         </a:xfrm>
         <a:prstGeom prst="roundRect">
           <a:avLst/>
@@ -10603,12 +10633,12 @@
         </a:fontRef>
       </dsp:style>
       <dsp:txBody>
-        <a:bodyPr spcFirstLastPara="0" vert="horz" wrap="square" lIns="118110" tIns="118110" rIns="118110" bIns="118110" numCol="1" spcCol="1270" anchor="ctr" anchorCtr="0">
+        <a:bodyPr spcFirstLastPara="0" vert="horz" wrap="square" lIns="133350" tIns="133350" rIns="133350" bIns="133350" numCol="1" spcCol="1270" anchor="ctr" anchorCtr="0">
           <a:noAutofit/>
         </a:bodyPr>
         <a:lstStyle/>
         <a:p>
-          <a:pPr lvl="0" algn="l" defTabSz="1377950">
+          <a:pPr marL="0" lvl="0" indent="0" algn="l" defTabSz="1555750">
             <a:lnSpc>
               <a:spcPct val="90000"/>
             </a:lnSpc>
@@ -10618,17 +10648,22 @@
             <a:spcAft>
               <a:spcPct val="35000"/>
             </a:spcAft>
+            <a:buNone/>
           </a:pPr>
           <a:r>
-            <a:rPr lang="ro-RO" sz="3100" kern="1200"/>
+            <a:rPr lang="ro-RO" sz="3500" kern="1200" dirty="0">
+              <a:latin typeface="+mj-lt"/>
+            </a:rPr>
             <a:t>Proiect interesant și antrenant </a:t>
           </a:r>
-          <a:endParaRPr lang="en-US" sz="3100" kern="1200"/>
+          <a:endParaRPr lang="en-US" sz="3500" kern="1200" dirty="0">
+            <a:latin typeface="+mj-lt"/>
+          </a:endParaRPr>
         </a:p>
       </dsp:txBody>
       <dsp:txXfrm>
-        <a:off x="35411" y="666953"/>
-        <a:ext cx="7472978" cy="654577"/>
+        <a:off x="58433" y="58892"/>
+        <a:ext cx="7426934" cy="1080141"/>
       </dsp:txXfrm>
     </dsp:sp>
     <dsp:sp modelId="{90A0CD36-9528-4C15-B25C-385E8475933D}">
@@ -10638,8 +10673,8 @@
       </dsp:nvSpPr>
       <dsp:spPr>
         <a:xfrm>
-          <a:off x="0" y="1446222"/>
-          <a:ext cx="7543800" cy="725399"/>
+          <a:off x="0" y="1210418"/>
+          <a:ext cx="7543800" cy="1197007"/>
         </a:xfrm>
         <a:prstGeom prst="roundRect">
           <a:avLst/>
@@ -10680,12 +10715,12 @@
         </a:fontRef>
       </dsp:style>
       <dsp:txBody>
-        <a:bodyPr spcFirstLastPara="0" vert="horz" wrap="square" lIns="118110" tIns="118110" rIns="118110" bIns="118110" numCol="1" spcCol="1270" anchor="ctr" anchorCtr="0">
+        <a:bodyPr spcFirstLastPara="0" vert="horz" wrap="square" lIns="133350" tIns="133350" rIns="133350" bIns="133350" numCol="1" spcCol="1270" anchor="ctr" anchorCtr="0">
           <a:noAutofit/>
         </a:bodyPr>
         <a:lstStyle/>
         <a:p>
-          <a:pPr lvl="0" algn="l" defTabSz="1377950">
+          <a:pPr marL="0" lvl="0" indent="0" algn="l" defTabSz="1555750">
             <a:lnSpc>
               <a:spcPct val="90000"/>
             </a:lnSpc>
@@ -10695,17 +10730,22 @@
             <a:spcAft>
               <a:spcPct val="35000"/>
             </a:spcAft>
+            <a:buNone/>
           </a:pPr>
           <a:r>
-            <a:rPr lang="ro-RO" sz="3100" kern="1200"/>
+            <a:rPr lang="ro-RO" sz="3500" kern="1200" dirty="0">
+              <a:latin typeface="+mj-lt"/>
+            </a:rPr>
             <a:t>Dezvoltare profesională</a:t>
           </a:r>
-          <a:endParaRPr lang="en-US" sz="3100" kern="1200"/>
+          <a:endParaRPr lang="en-US" sz="3500" kern="1200" dirty="0">
+            <a:latin typeface="+mj-lt"/>
+          </a:endParaRPr>
         </a:p>
       </dsp:txBody>
       <dsp:txXfrm>
-        <a:off x="35411" y="1481633"/>
-        <a:ext cx="7472978" cy="654577"/>
+        <a:off x="58433" y="1268851"/>
+        <a:ext cx="7426934" cy="1080141"/>
       </dsp:txXfrm>
     </dsp:sp>
     <dsp:sp modelId="{2BEAF6A0-1FC4-47A7-BE63-D1E6186B22AF}">
@@ -10715,8 +10755,8 @@
       </dsp:nvSpPr>
       <dsp:spPr>
         <a:xfrm>
-          <a:off x="0" y="2260902"/>
-          <a:ext cx="7543800" cy="725399"/>
+          <a:off x="0" y="2420377"/>
+          <a:ext cx="7543800" cy="1197007"/>
         </a:xfrm>
         <a:prstGeom prst="roundRect">
           <a:avLst/>
@@ -10757,12 +10797,12 @@
         </a:fontRef>
       </dsp:style>
       <dsp:txBody>
-        <a:bodyPr spcFirstLastPara="0" vert="horz" wrap="square" lIns="118110" tIns="118110" rIns="118110" bIns="118110" numCol="1" spcCol="1270" anchor="ctr" anchorCtr="0">
+        <a:bodyPr spcFirstLastPara="0" vert="horz" wrap="square" lIns="133350" tIns="133350" rIns="133350" bIns="133350" numCol="1" spcCol="1270" anchor="ctr" anchorCtr="0">
           <a:noAutofit/>
         </a:bodyPr>
         <a:lstStyle/>
         <a:p>
-          <a:pPr lvl="0" algn="l" defTabSz="1377950">
+          <a:pPr marL="0" lvl="0" indent="0" algn="l" defTabSz="1555750">
             <a:lnSpc>
               <a:spcPct val="90000"/>
             </a:lnSpc>
@@ -10772,17 +10812,22 @@
             <a:spcAft>
               <a:spcPct val="35000"/>
             </a:spcAft>
+            <a:buNone/>
           </a:pPr>
           <a:r>
-            <a:rPr lang="ro-RO" sz="3100" kern="1200"/>
+            <a:rPr lang="ro-RO" sz="3500" kern="1200" dirty="0">
+              <a:latin typeface="+mj-lt"/>
+            </a:rPr>
             <a:t>Aplicarea cunoștințelor dobândite la facultate</a:t>
           </a:r>
-          <a:endParaRPr lang="en-US" sz="3100" kern="1200"/>
+          <a:endParaRPr lang="en-US" sz="3500" kern="1200" dirty="0">
+            <a:latin typeface="+mj-lt"/>
+          </a:endParaRPr>
         </a:p>
       </dsp:txBody>
       <dsp:txXfrm>
-        <a:off x="35411" y="2296313"/>
-        <a:ext cx="7472978" cy="654577"/>
+        <a:off x="58433" y="2478810"/>
+        <a:ext cx="7426934" cy="1080141"/>
       </dsp:txXfrm>
     </dsp:sp>
   </dsp:spTree>
@@ -20509,7 +20554,7 @@
           <a:p>
             <a:fld id="{3569113D-2AA0-40B3-B8BF-A69C343657F7}" type="datetimeFigureOut">
               <a:rPr lang="en-US" smtClean="0"/>
-              <a:t>5/21/2019</a:t>
+              <a:t>5/22/2019</a:t>
             </a:fld>
             <a:endParaRPr lang="en-US" dirty="0"/>
           </a:p>
@@ -21349,7 +21394,7 @@
           <a:p>
             <a:fld id="{90B7D2B6-166E-40F8-9D76-749746228F93}" type="datetime1">
               <a:rPr lang="en-US" smtClean="0"/>
-              <a:t>5/21/2019</a:t>
+              <a:t>5/22/2019</a:t>
             </a:fld>
             <a:endParaRPr lang="en-US" dirty="0"/>
           </a:p>
@@ -21533,7 +21578,7 @@
           <a:p>
             <a:fld id="{5E77432B-941A-4FDB-B2E4-6D384526D1B6}" type="datetime1">
               <a:rPr lang="en-US" smtClean="0"/>
-              <a:t>5/21/2019</a:t>
+              <a:t>5/22/2019</a:t>
             </a:fld>
             <a:endParaRPr lang="en-US" dirty="0"/>
           </a:p>
@@ -21717,7 +21762,7 @@
           <a:p>
             <a:fld id="{73E66D89-C1D7-4BAB-8D4A-CFBFE24EB60F}" type="datetime1">
               <a:rPr lang="en-US" smtClean="0"/>
-              <a:t>5/21/2019</a:t>
+              <a:t>5/22/2019</a:t>
             </a:fld>
             <a:endParaRPr lang="en-US" dirty="0"/>
           </a:p>
@@ -21887,7 +21932,7 @@
           <a:p>
             <a:fld id="{C9C79E85-1D2F-477B-BBE8-4A7F97670373}" type="datetime1">
               <a:rPr lang="en-US" smtClean="0"/>
-              <a:t>5/21/2019</a:t>
+              <a:t>5/22/2019</a:t>
             </a:fld>
             <a:endParaRPr lang="en-US" dirty="0"/>
           </a:p>
@@ -22212,7 +22257,7 @@
           <a:p>
             <a:fld id="{A94E0D0E-3436-4F4C-8608-CE77D12FB72B}" type="datetime1">
               <a:rPr lang="en-US" smtClean="0"/>
-              <a:t>5/21/2019</a:t>
+              <a:t>5/22/2019</a:t>
             </a:fld>
             <a:endParaRPr lang="en-US" dirty="0"/>
           </a:p>
@@ -22610,7 +22655,7 @@
           <a:p>
             <a:fld id="{39510CC2-2627-4392-AE48-F60BF60FDE8D}" type="datetime1">
               <a:rPr lang="en-US" smtClean="0"/>
-              <a:t>5/21/2019</a:t>
+              <a:t>5/22/2019</a:t>
             </a:fld>
             <a:endParaRPr lang="en-US" dirty="0"/>
           </a:p>
@@ -23044,7 +23089,7 @@
           <a:p>
             <a:fld id="{DCE04ADE-3BBA-4424-9D2F-1B1F2BA859F2}" type="datetime1">
               <a:rPr lang="en-US" smtClean="0"/>
-              <a:t>5/21/2019</a:t>
+              <a:t>5/22/2019</a:t>
             </a:fld>
             <a:endParaRPr lang="en-US" dirty="0"/>
           </a:p>
@@ -23172,7 +23217,7 @@
           <a:p>
             <a:fld id="{9CA964A8-C6B3-4D50-BBFD-58D43C7F3544}" type="datetime1">
               <a:rPr lang="en-US" smtClean="0"/>
-              <a:t>5/21/2019</a:t>
+              <a:t>5/22/2019</a:t>
             </a:fld>
             <a:endParaRPr lang="en-US" dirty="0"/>
           </a:p>
@@ -23277,7 +23322,7 @@
           <a:p>
             <a:fld id="{DC1C8741-8383-4B49-BB53-43BE1918DA32}" type="datetime1">
               <a:rPr lang="en-US" smtClean="0"/>
-              <a:t>5/21/2019</a:t>
+              <a:t>5/22/2019</a:t>
             </a:fld>
             <a:endParaRPr lang="en-US" dirty="0"/>
           </a:p>
@@ -23718,7 +23763,7 @@
           <a:p>
             <a:fld id="{6C318A7A-4453-4BD5-8AB7-45AA3E9C5FE0}" type="datetime1">
               <a:rPr lang="en-US" smtClean="0"/>
-              <a:t>5/21/2019</a:t>
+              <a:t>5/22/2019</a:t>
             </a:fld>
             <a:endParaRPr lang="en-US" dirty="0"/>
           </a:p>
@@ -24145,7 +24190,7 @@
           <a:p>
             <a:fld id="{DE329CA9-2797-429D-A799-93AB3F83623F}" type="datetime1">
               <a:rPr lang="en-US" smtClean="0"/>
-              <a:t>5/21/2019</a:t>
+              <a:t>5/22/2019</a:t>
             </a:fld>
             <a:endParaRPr lang="en-US" dirty="0"/>
           </a:p>
@@ -24430,7 +24475,7 @@
           <a:p>
             <a:fld id="{56EE5F79-99D7-48D8-9BE2-8F8AFE0E3260}" type="datetime1">
               <a:rPr lang="en-US" smtClean="0"/>
-              <a:t>5/21/2019</a:t>
+              <a:t>5/22/2019</a:t>
             </a:fld>
             <a:endParaRPr lang="en-US" dirty="0"/>
           </a:p>
@@ -24932,7 +24977,7 @@
         </p:nvSpPr>
         <p:spPr>
           <a:xfrm>
-            <a:off x="1403648" y="1052736"/>
+            <a:off x="1403648" y="1484784"/>
             <a:ext cx="6480048" cy="2592288"/>
           </a:xfrm>
         </p:spPr>
@@ -24944,43 +24989,23 @@
           <a:p>
             <a:pPr algn="ctr"/>
             <a:r>
-              <a:rPr lang="en-US" dirty="0">
-                <a:latin typeface="+mn-lt"/>
-              </a:rPr>
+              <a:rPr lang="en-US" dirty="0"/>
               <a:t>ROBOTINHO</a:t>
             </a:r>
-            <a:r>
-              <a:rPr lang="ro-RO" dirty="0">
-                <a:latin typeface="+mn-lt"/>
-              </a:rPr>
-              <a:t/>
-            </a:r>
             <a:br>
-              <a:rPr lang="ro-RO" dirty="0">
-                <a:latin typeface="+mn-lt"/>
-              </a:rPr>
+              <a:rPr lang="ro-RO" dirty="0"/>
             </a:br>
-            <a:r>
-              <a:rPr lang="ro-RO" dirty="0">
-                <a:latin typeface="+mn-lt"/>
-              </a:rPr>
-              <a:t/>
-            </a:r>
             <a:br>
-              <a:rPr lang="ro-RO" dirty="0">
-                <a:latin typeface="+mn-lt"/>
-              </a:rPr>
+              <a:rPr lang="ro-RO" dirty="0"/>
             </a:br>
             <a:r>
               <a:rPr lang="ro-RO" sz="2700" dirty="0">
                 <a:effectLst/>
-                <a:latin typeface="+mn-lt"/>
               </a:rPr>
               <a:t>Robot biped capabil de deplasare și diverse mișcări comandat automat și manual</a:t>
             </a:r>
             <a:endParaRPr lang="en-US" sz="2700" dirty="0">
               <a:effectLst/>
-              <a:latin typeface="+mn-lt"/>
             </a:endParaRPr>
           </a:p>
         </p:txBody>
@@ -25008,38 +25033,56 @@
           <a:lstStyle/>
           <a:p>
             <a:r>
-              <a:rPr lang="en-US" noProof="1"/>
+              <a:rPr lang="en-US" noProof="1">
+                <a:latin typeface="+mj-lt"/>
+              </a:rPr>
               <a:t>Coordonator: Ș.l.dr.ing. Sorin NANU </a:t>
             </a:r>
             <a:r>
-              <a:rPr lang="ro-RO" noProof="1" smtClean="0"/>
+              <a:rPr lang="ro-RO" noProof="1">
+                <a:latin typeface="+mj-lt"/>
+              </a:rPr>
               <a:t> 		</a:t>
             </a:r>
             <a:r>
-              <a:rPr lang="en-US" dirty="0"/>
+              <a:rPr lang="en-US" dirty="0">
+                <a:latin typeface="+mj-lt"/>
+              </a:rPr>
               <a:t>Student: </a:t>
             </a:r>
             <a:r>
-              <a:rPr lang="en-US" noProof="1"/>
+              <a:rPr lang="en-US" noProof="1">
+                <a:latin typeface="+mj-lt"/>
+              </a:rPr>
               <a:t>Silviu</a:t>
             </a:r>
             <a:r>
-              <a:rPr lang="en-US" dirty="0"/>
+              <a:rPr lang="en-US" dirty="0">
+                <a:latin typeface="+mj-lt"/>
+              </a:rPr>
               <a:t> </a:t>
             </a:r>
             <a:r>
-              <a:rPr lang="ro-RO" dirty="0"/>
+              <a:rPr lang="ro-RO" dirty="0">
+                <a:latin typeface="+mj-lt"/>
+              </a:rPr>
               <a:t>BĂTRÎNUȚ</a:t>
             </a:r>
-            <a:endParaRPr lang="en-US" dirty="0"/>
+            <a:endParaRPr lang="en-US" dirty="0">
+              <a:latin typeface="+mj-lt"/>
+            </a:endParaRPr>
           </a:p>
           <a:p>
             <a:pPr algn="l"/>
             <a:r>
-              <a:rPr lang="ro-RO" noProof="1" smtClean="0"/>
+              <a:rPr lang="ro-RO" noProof="1">
+                <a:latin typeface="+mj-lt"/>
+              </a:rPr>
               <a:t>	</a:t>
             </a:r>
-            <a:endParaRPr lang="en-US" noProof="1"/>
+            <a:endParaRPr lang="en-US" noProof="1">
+              <a:latin typeface="+mj-lt"/>
+            </a:endParaRPr>
           </a:p>
         </p:txBody>
       </p:sp>
@@ -25053,13 +25096,6 @@
   <p:clrMapOvr>
     <a:masterClrMapping/>
   </p:clrMapOvr>
-  <p:timing>
-    <p:tnLst>
-      <p:par>
-        <p:cTn id="1" dur="indefinite" restart="never" nodeType="tmRoot"/>
-      </p:par>
-    </p:tnLst>
-  </p:timing>
 </p:sld>
 </file>
 
@@ -25110,11 +25146,12 @@
           </a:bodyPr>
           <a:lstStyle/>
           <a:p>
+            <a:pPr algn="ctr"/>
             <a:r>
               <a:rPr lang="ro-RO" dirty="0"/>
               <a:t>Aplicația ESP32</a:t>
             </a:r>
-            <a:endParaRPr lang="en-US"/>
+            <a:endParaRPr lang="en-US" dirty="0"/>
           </a:p>
         </p:txBody>
       </p:sp>
@@ -25123,10 +25160,10 @@
           <p:cNvPr id="11" name="Rectangle 10">
             <a:extLst>
               <a:ext uri="{FF2B5EF4-FFF2-40B4-BE49-F238E27FC236}">
-                <a16:creationId xmlns:a16="http://schemas.microsoft.com/office/drawing/2014/main" xmlns="" id="{3FD711E9-7F79-40A9-8D9E-4AE293C154A5}"/>
+                <a16:creationId xmlns:a16="http://schemas.microsoft.com/office/drawing/2014/main" id="{3FD711E9-7F79-40A9-8D9E-4AE293C154A5}"/>
               </a:ext>
               <a:ext uri="{C183D7F6-B498-43B3-948B-1728B52AA6E4}">
-                <adec:decorative xmlns:adec="http://schemas.microsoft.com/office/drawing/2017/decorative" xmlns="" val="1"/>
+                <adec:decorative xmlns:adec="http://schemas.microsoft.com/office/drawing/2017/decorative" val="1"/>
               </a:ext>
             </a:extLst>
           </p:cNvPr>
@@ -25136,7 +25173,7 @@
           <p:nvPr>
             <p:extLst>
               <p:ext uri="{386F3935-93C4-4BCD-93E2-E3B085C9AB24}">
-                <p16:designElem xmlns:p16="http://schemas.microsoft.com/office/powerpoint/2015/main" xmlns="" val="1"/>
+                <p16:designElem xmlns:p16="http://schemas.microsoft.com/office/powerpoint/2015/main" val="1"/>
               </p:ext>
             </p:extLst>
           </p:nvPr>
@@ -25245,7 +25282,7 @@
           <p:cNvPr id="6" name="Content Placeholder 2">
             <a:extLst>
               <a:ext uri="{FF2B5EF4-FFF2-40B4-BE49-F238E27FC236}">
-                <a16:creationId xmlns:a16="http://schemas.microsoft.com/office/drawing/2014/main" xmlns="" id="{BA86D370-9446-4C17-B6B6-C49901A6AD60}"/>
+                <a16:creationId xmlns:a16="http://schemas.microsoft.com/office/drawing/2014/main" id="{BA86D370-9446-4C17-B6B6-C49901A6AD60}"/>
               </a:ext>
             </a:extLst>
           </p:cNvPr>
@@ -25256,7 +25293,7 @@
             <p:ph idx="1"/>
             <p:extLst>
               <p:ext uri="{D42A27DB-BD31-4B8C-83A1-F6EECF244321}">
-                <p14:modId xmlns:p14="http://schemas.microsoft.com/office/powerpoint/2010/main" val="2133241027"/>
+                <p14:modId xmlns:p14="http://schemas.microsoft.com/office/powerpoint/2010/main" val="699624406"/>
               </p:ext>
             </p:extLst>
           </p:nvPr>
@@ -25281,13 +25318,6 @@
   <p:clrMapOvr>
     <a:masterClrMapping/>
   </p:clrMapOvr>
-  <p:timing>
-    <p:tnLst>
-      <p:par>
-        <p:cTn id="1" dur="indefinite" restart="never" nodeType="tmRoot"/>
-      </p:par>
-    </p:tnLst>
-  </p:timing>
 </p:sld>
 </file>
 
@@ -25321,7 +25351,7 @@
           <p:cNvPr id="2" name="Title 1">
             <a:extLst>
               <a:ext uri="{FF2B5EF4-FFF2-40B4-BE49-F238E27FC236}">
-                <a16:creationId xmlns:a16="http://schemas.microsoft.com/office/drawing/2014/main" xmlns="" id="{64708F30-220A-49A3-8CDA-ED245F7F9D30}"/>
+                <a16:creationId xmlns:a16="http://schemas.microsoft.com/office/drawing/2014/main" id="{64708F30-220A-49A3-8CDA-ED245F7F9D30}"/>
               </a:ext>
             </a:extLst>
           </p:cNvPr>
@@ -25344,6 +25374,7 @@
           </a:bodyPr>
           <a:lstStyle/>
           <a:p>
+            <a:pPr algn="ctr"/>
             <a:r>
               <a:rPr lang="en-US" noProof="1"/>
               <a:t>Dezvolt</a:t>
@@ -25352,7 +25383,7 @@
               <a:rPr lang="ro-RO" dirty="0"/>
               <a:t>ări viitoare</a:t>
             </a:r>
-            <a:endParaRPr lang="en-US"/>
+            <a:endParaRPr lang="en-US" dirty="0"/>
           </a:p>
         </p:txBody>
       </p:sp>
@@ -25361,10 +25392,10 @@
           <p:cNvPr id="11" name="Rectangle 10">
             <a:extLst>
               <a:ext uri="{FF2B5EF4-FFF2-40B4-BE49-F238E27FC236}">
-                <a16:creationId xmlns:a16="http://schemas.microsoft.com/office/drawing/2014/main" xmlns="" id="{3FD711E9-7F79-40A9-8D9E-4AE293C154A5}"/>
+                <a16:creationId xmlns:a16="http://schemas.microsoft.com/office/drawing/2014/main" id="{3FD711E9-7F79-40A9-8D9E-4AE293C154A5}"/>
               </a:ext>
               <a:ext uri="{C183D7F6-B498-43B3-948B-1728B52AA6E4}">
-                <adec:decorative xmlns:adec="http://schemas.microsoft.com/office/drawing/2017/decorative" xmlns="" val="1"/>
+                <adec:decorative xmlns:adec="http://schemas.microsoft.com/office/drawing/2017/decorative" val="1"/>
               </a:ext>
             </a:extLst>
           </p:cNvPr>
@@ -25374,7 +25405,7 @@
           <p:nvPr>
             <p:extLst>
               <p:ext uri="{386F3935-93C4-4BCD-93E2-E3B085C9AB24}">
-                <p16:designElem xmlns:p16="http://schemas.microsoft.com/office/powerpoint/2015/main" xmlns="" val="1"/>
+                <p16:designElem xmlns:p16="http://schemas.microsoft.com/office/powerpoint/2015/main" val="1"/>
               </p:ext>
             </p:extLst>
           </p:nvPr>
@@ -25443,7 +25474,7 @@
           <p:cNvPr id="4" name="Slide Number Placeholder 3">
             <a:extLst>
               <a:ext uri="{FF2B5EF4-FFF2-40B4-BE49-F238E27FC236}">
-                <a16:creationId xmlns:a16="http://schemas.microsoft.com/office/drawing/2014/main" xmlns="" id="{4C6ADBB5-F093-43EC-A59C-732582C300EB}"/>
+                <a16:creationId xmlns:a16="http://schemas.microsoft.com/office/drawing/2014/main" id="{4C6ADBB5-F093-43EC-A59C-732582C300EB}"/>
               </a:ext>
             </a:extLst>
           </p:cNvPr>
@@ -25489,7 +25520,7 @@
           <p:cNvPr id="6" name="Content Placeholder 2">
             <a:extLst>
               <a:ext uri="{FF2B5EF4-FFF2-40B4-BE49-F238E27FC236}">
-                <a16:creationId xmlns:a16="http://schemas.microsoft.com/office/drawing/2014/main" xmlns="" id="{EC0F3C5D-82E6-45CF-B860-6486ABF7DA91}"/>
+                <a16:creationId xmlns:a16="http://schemas.microsoft.com/office/drawing/2014/main" id="{EC0F3C5D-82E6-45CF-B860-6486ABF7DA91}"/>
               </a:ext>
             </a:extLst>
           </p:cNvPr>
@@ -25500,7 +25531,7 @@
             <p:ph idx="1"/>
             <p:extLst>
               <p:ext uri="{D42A27DB-BD31-4B8C-83A1-F6EECF244321}">
-                <p14:modId xmlns:p14="http://schemas.microsoft.com/office/powerpoint/2010/main" val="4191897617"/>
+                <p14:modId xmlns:p14="http://schemas.microsoft.com/office/powerpoint/2010/main" val="2368017703"/>
               </p:ext>
             </p:extLst>
           </p:nvPr>
@@ -25525,13 +25556,6 @@
   <p:clrMapOvr>
     <a:masterClrMapping/>
   </p:clrMapOvr>
-  <p:timing>
-    <p:tnLst>
-      <p:par>
-        <p:cTn id="1" dur="indefinite" restart="never" nodeType="tmRoot"/>
-      </p:par>
-    </p:tnLst>
-  </p:timing>
 </p:sld>
 </file>
 
@@ -25582,15 +25606,12 @@
           </a:bodyPr>
           <a:lstStyle/>
           <a:p>
+            <a:pPr algn="ctr"/>
             <a:r>
-              <a:rPr lang="ro-RO" dirty="0">
-                <a:latin typeface="+mn-lt"/>
-              </a:rPr>
+              <a:rPr lang="ro-RO" dirty="0"/>
               <a:t>Concluzii</a:t>
             </a:r>
-            <a:endParaRPr lang="en-US">
-              <a:latin typeface="+mn-lt"/>
-            </a:endParaRPr>
+            <a:endParaRPr lang="en-US" dirty="0"/>
           </a:p>
         </p:txBody>
       </p:sp>
@@ -25599,10 +25620,10 @@
           <p:cNvPr id="11" name="Rectangle 10">
             <a:extLst>
               <a:ext uri="{FF2B5EF4-FFF2-40B4-BE49-F238E27FC236}">
-                <a16:creationId xmlns:a16="http://schemas.microsoft.com/office/drawing/2014/main" xmlns="" id="{3FD711E9-7F79-40A9-8D9E-4AE293C154A5}"/>
+                <a16:creationId xmlns:a16="http://schemas.microsoft.com/office/drawing/2014/main" id="{3FD711E9-7F79-40A9-8D9E-4AE293C154A5}"/>
               </a:ext>
               <a:ext uri="{C183D7F6-B498-43B3-948B-1728B52AA6E4}">
-                <adec:decorative xmlns:adec="http://schemas.microsoft.com/office/drawing/2017/decorative" xmlns="" val="1"/>
+                <adec:decorative xmlns:adec="http://schemas.microsoft.com/office/drawing/2017/decorative" val="1"/>
               </a:ext>
             </a:extLst>
           </p:cNvPr>
@@ -25612,7 +25633,7 @@
           <p:nvPr>
             <p:extLst>
               <p:ext uri="{386F3935-93C4-4BCD-93E2-E3B085C9AB24}">
-                <p16:designElem xmlns:p16="http://schemas.microsoft.com/office/powerpoint/2015/main" xmlns="" val="1"/>
+                <p16:designElem xmlns:p16="http://schemas.microsoft.com/office/powerpoint/2015/main" val="1"/>
               </p:ext>
             </p:extLst>
           </p:nvPr>
@@ -25721,7 +25742,7 @@
           <p:cNvPr id="6" name="Content Placeholder 2">
             <a:extLst>
               <a:ext uri="{FF2B5EF4-FFF2-40B4-BE49-F238E27FC236}">
-                <a16:creationId xmlns:a16="http://schemas.microsoft.com/office/drawing/2014/main" xmlns="" id="{A9D8E9A4-B308-4EE1-B695-D9C47C0D4F88}"/>
+                <a16:creationId xmlns:a16="http://schemas.microsoft.com/office/drawing/2014/main" id="{A9D8E9A4-B308-4EE1-B695-D9C47C0D4F88}"/>
               </a:ext>
             </a:extLst>
           </p:cNvPr>
@@ -25732,7 +25753,7 @@
             <p:ph idx="1"/>
             <p:extLst>
               <p:ext uri="{D42A27DB-BD31-4B8C-83A1-F6EECF244321}">
-                <p14:modId xmlns:p14="http://schemas.microsoft.com/office/powerpoint/2010/main" val="3747026173"/>
+                <p14:modId xmlns:p14="http://schemas.microsoft.com/office/powerpoint/2010/main" val="1552564779"/>
               </p:ext>
             </p:extLst>
           </p:nvPr>
@@ -25757,13 +25778,6 @@
   <p:clrMapOvr>
     <a:masterClrMapping/>
   </p:clrMapOvr>
-  <p:timing>
-    <p:tnLst>
-      <p:par>
-        <p:cTn id="1" dur="indefinite" restart="never" nodeType="tmRoot"/>
-      </p:par>
-    </p:tnLst>
-  </p:timing>
 </p:sld>
 </file>
 
@@ -25815,27 +25829,41 @@
         </p:nvSpPr>
         <p:spPr/>
         <p:txBody>
-          <a:bodyPr/>
+          <a:bodyPr>
+            <a:normAutofit/>
+          </a:bodyPr>
           <a:lstStyle/>
           <a:p>
             <a:pPr algn="ctr"/>
-            <a:endParaRPr lang="ro-RO" dirty="0"/>
-          </a:p>
-          <a:p>
-            <a:pPr marL="36576" indent="0" algn="ctr">
-              <a:buNone/>
-            </a:pPr>
-            <a:endParaRPr lang="ro-RO" dirty="0"/>
+            <a:endParaRPr lang="ro-RO" sz="4200" dirty="0">
+              <a:latin typeface="+mj-lt"/>
+            </a:endParaRPr>
           </a:p>
           <a:p>
             <a:pPr marL="36576" indent="0" algn="ctr">
               <a:buNone/>
             </a:pPr>
             <a:r>
-              <a:rPr lang="ro-RO" sz="4600" dirty="0"/>
-              <a:t>     Vă mulțumesc pentru atenție!</a:t>
+              <a:rPr lang="en-US" sz="4200" dirty="0">
+                <a:latin typeface="+mj-lt"/>
+              </a:rPr>
+              <a:t>	</a:t>
             </a:r>
-            <a:endParaRPr lang="en-US" sz="4600" dirty="0"/>
+            <a:r>
+              <a:rPr lang="ro-RO" sz="4200">
+                <a:latin typeface="+mj-lt"/>
+              </a:rPr>
+              <a:t>Vă </a:t>
+            </a:r>
+            <a:r>
+              <a:rPr lang="ro-RO" sz="4200" dirty="0">
+                <a:latin typeface="+mj-lt"/>
+              </a:rPr>
+              <a:t>mulțumesc pentru atenție!</a:t>
+            </a:r>
+            <a:endParaRPr lang="en-US" sz="4200" dirty="0">
+              <a:latin typeface="+mj-lt"/>
+            </a:endParaRPr>
           </a:p>
         </p:txBody>
       </p:sp>
@@ -25872,13 +25900,6 @@
   <p:clrMapOvr>
     <a:masterClrMapping/>
   </p:clrMapOvr>
-  <p:timing>
-    <p:tnLst>
-      <p:par>
-        <p:cTn id="1" dur="indefinite" restart="never" nodeType="tmRoot"/>
-      </p:par>
-    </p:tnLst>
-  </p:timing>
 </p:sld>
 </file>
 
@@ -25929,15 +25950,12 @@
           </a:bodyPr>
           <a:lstStyle/>
           <a:p>
+            <a:pPr algn="ctr"/>
             <a:r>
-              <a:rPr lang="ro-RO" dirty="0">
-                <a:latin typeface="+mn-lt"/>
-              </a:rPr>
+              <a:rPr lang="ro-RO" dirty="0"/>
               <a:t>Tema proiectului</a:t>
             </a:r>
-            <a:endParaRPr lang="en-US">
-              <a:latin typeface="+mn-lt"/>
-            </a:endParaRPr>
+            <a:endParaRPr lang="en-US" dirty="0"/>
           </a:p>
         </p:txBody>
       </p:sp>
@@ -25946,10 +25964,10 @@
           <p:cNvPr id="16" name="Rectangle 15">
             <a:extLst>
               <a:ext uri="{FF2B5EF4-FFF2-40B4-BE49-F238E27FC236}">
-                <a16:creationId xmlns:a16="http://schemas.microsoft.com/office/drawing/2014/main" xmlns="" id="{3FD711E9-7F79-40A9-8D9E-4AE293C154A5}"/>
+                <a16:creationId xmlns:a16="http://schemas.microsoft.com/office/drawing/2014/main" id="{3FD711E9-7F79-40A9-8D9E-4AE293C154A5}"/>
               </a:ext>
               <a:ext uri="{C183D7F6-B498-43B3-948B-1728B52AA6E4}">
-                <adec:decorative xmlns:adec="http://schemas.microsoft.com/office/drawing/2017/decorative" xmlns="" val="1"/>
+                <adec:decorative xmlns:adec="http://schemas.microsoft.com/office/drawing/2017/decorative" val="1"/>
               </a:ext>
             </a:extLst>
           </p:cNvPr>
@@ -25959,7 +25977,7 @@
           <p:nvPr>
             <p:extLst>
               <p:ext uri="{386F3935-93C4-4BCD-93E2-E3B085C9AB24}">
-                <p16:designElem xmlns:p16="http://schemas.microsoft.com/office/powerpoint/2015/main" xmlns="" val="1"/>
+                <p16:designElem xmlns:p16="http://schemas.microsoft.com/office/powerpoint/2015/main" val="1"/>
               </p:ext>
             </p:extLst>
           </p:nvPr>
@@ -26068,7 +26086,7 @@
           <p:cNvPr id="6" name="Content Placeholder 2">
             <a:extLst>
               <a:ext uri="{FF2B5EF4-FFF2-40B4-BE49-F238E27FC236}">
-                <a16:creationId xmlns:a16="http://schemas.microsoft.com/office/drawing/2014/main" xmlns="" id="{6358C9DB-7B63-4876-84D3-25AD0F9ED706}"/>
+                <a16:creationId xmlns:a16="http://schemas.microsoft.com/office/drawing/2014/main" id="{6358C9DB-7B63-4876-84D3-25AD0F9ED706}"/>
               </a:ext>
             </a:extLst>
           </p:cNvPr>
@@ -26079,7 +26097,7 @@
             <p:ph idx="1"/>
             <p:extLst>
               <p:ext uri="{D42A27DB-BD31-4B8C-83A1-F6EECF244321}">
-                <p14:modId xmlns:p14="http://schemas.microsoft.com/office/powerpoint/2010/main" val="329835319"/>
+                <p14:modId xmlns:p14="http://schemas.microsoft.com/office/powerpoint/2010/main" val="3356645307"/>
               </p:ext>
             </p:extLst>
           </p:nvPr>
@@ -26104,13 +26122,6 @@
   <p:clrMapOvr>
     <a:masterClrMapping/>
   </p:clrMapOvr>
-  <p:timing>
-    <p:tnLst>
-      <p:par>
-        <p:cTn id="1" dur="indefinite" restart="never" nodeType="tmRoot"/>
-      </p:par>
-    </p:tnLst>
-  </p:timing>
 </p:sld>
 </file>
 
@@ -26205,7 +26216,12 @@
             <p:ph type="sldNum" sz="quarter" idx="12"/>
           </p:nvPr>
         </p:nvSpPr>
-        <p:spPr/>
+        <p:spPr>
+          <a:xfrm>
+            <a:off x="8483346" y="6272785"/>
+            <a:ext cx="480060" cy="365125"/>
+          </a:xfrm>
+        </p:spPr>
         <p:txBody>
           <a:bodyPr/>
           <a:lstStyle/>
@@ -26228,13 +26244,6 @@
   <p:clrMapOvr>
     <a:masterClrMapping/>
   </p:clrMapOvr>
-  <p:timing>
-    <p:tnLst>
-      <p:par>
-        <p:cTn id="1" dur="indefinite" restart="never" nodeType="tmRoot"/>
-      </p:par>
-    </p:tnLst>
-  </p:timing>
 </p:sld>
 </file>
 
@@ -26285,6 +26294,7 @@
           </a:bodyPr>
           <a:lstStyle/>
           <a:p>
+            <a:pPr algn="ctr"/>
             <a:r>
               <a:rPr lang="ro-RO" dirty="0">
                 <a:latin typeface="Arial" pitchFamily="34" charset="0"/>
@@ -26292,7 +26302,7 @@
               </a:rPr>
               <a:t>Funcțiile sistemului</a:t>
             </a:r>
-            <a:endParaRPr lang="en-US">
+            <a:endParaRPr lang="en-US" dirty="0">
               <a:latin typeface="Arial" pitchFamily="34" charset="0"/>
               <a:cs typeface="Arial" pitchFamily="34" charset="0"/>
             </a:endParaRPr>
@@ -26304,10 +26314,10 @@
           <p:cNvPr id="11" name="Rectangle 10">
             <a:extLst>
               <a:ext uri="{FF2B5EF4-FFF2-40B4-BE49-F238E27FC236}">
-                <a16:creationId xmlns:a16="http://schemas.microsoft.com/office/drawing/2014/main" xmlns="" id="{3FD711E9-7F79-40A9-8D9E-4AE293C154A5}"/>
+                <a16:creationId xmlns:a16="http://schemas.microsoft.com/office/drawing/2014/main" id="{3FD711E9-7F79-40A9-8D9E-4AE293C154A5}"/>
               </a:ext>
               <a:ext uri="{C183D7F6-B498-43B3-948B-1728B52AA6E4}">
-                <adec:decorative xmlns:adec="http://schemas.microsoft.com/office/drawing/2017/decorative" xmlns="" val="1"/>
+                <adec:decorative xmlns:adec="http://schemas.microsoft.com/office/drawing/2017/decorative" val="1"/>
               </a:ext>
             </a:extLst>
           </p:cNvPr>
@@ -26317,7 +26327,7 @@
           <p:nvPr>
             <p:extLst>
               <p:ext uri="{386F3935-93C4-4BCD-93E2-E3B085C9AB24}">
-                <p16:designElem xmlns:p16="http://schemas.microsoft.com/office/powerpoint/2015/main" xmlns="" val="1"/>
+                <p16:designElem xmlns:p16="http://schemas.microsoft.com/office/powerpoint/2015/main" val="1"/>
               </p:ext>
             </p:extLst>
           </p:nvPr>
@@ -26426,7 +26436,7 @@
           <p:cNvPr id="6" name="Content Placeholder 2">
             <a:extLst>
               <a:ext uri="{FF2B5EF4-FFF2-40B4-BE49-F238E27FC236}">
-                <a16:creationId xmlns:a16="http://schemas.microsoft.com/office/drawing/2014/main" xmlns="" id="{09B1999A-2394-4784-A78A-D9DD6638CBB1}"/>
+                <a16:creationId xmlns:a16="http://schemas.microsoft.com/office/drawing/2014/main" id="{09B1999A-2394-4784-A78A-D9DD6638CBB1}"/>
               </a:ext>
             </a:extLst>
           </p:cNvPr>
@@ -26437,14 +26447,14 @@
             <p:ph idx="1"/>
             <p:extLst>
               <p:ext uri="{D42A27DB-BD31-4B8C-83A1-F6EECF244321}">
-                <p14:modId xmlns:p14="http://schemas.microsoft.com/office/powerpoint/2010/main" val="1696964090"/>
+                <p14:modId xmlns:p14="http://schemas.microsoft.com/office/powerpoint/2010/main" val="4012375901"/>
               </p:ext>
             </p:extLst>
           </p:nvPr>
         </p:nvGraphicFramePr>
         <p:xfrm>
-          <a:off x="802481" y="2385390"/>
-          <a:ext cx="7543800" cy="3617845"/>
+          <a:off x="539552" y="2204864"/>
+          <a:ext cx="7806729" cy="3798371"/>
         </p:xfrm>
         <a:graphic>
           <a:graphicData uri="http://schemas.openxmlformats.org/drawingml/2006/diagram">
@@ -26462,13 +26472,6 @@
   <p:clrMapOvr>
     <a:masterClrMapping/>
   </p:clrMapOvr>
-  <p:timing>
-    <p:tnLst>
-      <p:par>
-        <p:cTn id="1" dur="indefinite" restart="never" nodeType="tmRoot"/>
-      </p:par>
-    </p:tnLst>
-  </p:timing>
 </p:sld>
 </file>
 
@@ -26502,7 +26505,7 @@
           <p:cNvPr id="2" name="Title 1">
             <a:extLst>
               <a:ext uri="{FF2B5EF4-FFF2-40B4-BE49-F238E27FC236}">
-                <a16:creationId xmlns:a16="http://schemas.microsoft.com/office/drawing/2014/main" xmlns="" id="{5F3B14D9-550A-4603-AE2C-4A235FBBA816}"/>
+                <a16:creationId xmlns:a16="http://schemas.microsoft.com/office/drawing/2014/main" id="{5F3B14D9-550A-4603-AE2C-4A235FBBA816}"/>
               </a:ext>
             </a:extLst>
           </p:cNvPr>
@@ -26525,6 +26528,7 @@
           </a:bodyPr>
           <a:lstStyle/>
           <a:p>
+            <a:pPr algn="ctr"/>
             <a:r>
               <a:rPr lang="en-US" dirty="0"/>
               <a:t>Hardware</a:t>
@@ -26533,7 +26537,7 @@
               <a:rPr lang="ro-RO" dirty="0"/>
               <a:t> (1)</a:t>
             </a:r>
-            <a:endParaRPr lang="en-US"/>
+            <a:endParaRPr lang="en-US" dirty="0"/>
           </a:p>
         </p:txBody>
       </p:sp>
@@ -26542,10 +26546,10 @@
           <p:cNvPr id="11" name="Rectangle 10">
             <a:extLst>
               <a:ext uri="{FF2B5EF4-FFF2-40B4-BE49-F238E27FC236}">
-                <a16:creationId xmlns:a16="http://schemas.microsoft.com/office/drawing/2014/main" xmlns="" id="{3FD711E9-7F79-40A9-8D9E-4AE293C154A5}"/>
+                <a16:creationId xmlns:a16="http://schemas.microsoft.com/office/drawing/2014/main" id="{3FD711E9-7F79-40A9-8D9E-4AE293C154A5}"/>
               </a:ext>
               <a:ext uri="{C183D7F6-B498-43B3-948B-1728B52AA6E4}">
-                <adec:decorative xmlns:adec="http://schemas.microsoft.com/office/drawing/2017/decorative" xmlns="" val="1"/>
+                <adec:decorative xmlns:adec="http://schemas.microsoft.com/office/drawing/2017/decorative" val="1"/>
               </a:ext>
             </a:extLst>
           </p:cNvPr>
@@ -26555,7 +26559,7 @@
           <p:nvPr>
             <p:extLst>
               <p:ext uri="{386F3935-93C4-4BCD-93E2-E3B085C9AB24}">
-                <p16:designElem xmlns:p16="http://schemas.microsoft.com/office/powerpoint/2015/main" xmlns="" val="1"/>
+                <p16:designElem xmlns:p16="http://schemas.microsoft.com/office/powerpoint/2015/main" val="1"/>
               </p:ext>
             </p:extLst>
           </p:nvPr>
@@ -26624,7 +26628,7 @@
           <p:cNvPr id="4" name="Slide Number Placeholder 3">
             <a:extLst>
               <a:ext uri="{FF2B5EF4-FFF2-40B4-BE49-F238E27FC236}">
-                <a16:creationId xmlns:a16="http://schemas.microsoft.com/office/drawing/2014/main" xmlns="" id="{4E707F7B-000B-4ECD-9B77-ECC0C1DD16DD}"/>
+                <a16:creationId xmlns:a16="http://schemas.microsoft.com/office/drawing/2014/main" id="{4E707F7B-000B-4ECD-9B77-ECC0C1DD16DD}"/>
               </a:ext>
             </a:extLst>
           </p:cNvPr>
@@ -26670,7 +26674,7 @@
           <p:cNvPr id="6" name="Content Placeholder 2">
             <a:extLst>
               <a:ext uri="{FF2B5EF4-FFF2-40B4-BE49-F238E27FC236}">
-                <a16:creationId xmlns:a16="http://schemas.microsoft.com/office/drawing/2014/main" xmlns="" id="{59A4307A-0181-4594-977B-4087C0CFBAF8}"/>
+                <a16:creationId xmlns:a16="http://schemas.microsoft.com/office/drawing/2014/main" id="{59A4307A-0181-4594-977B-4087C0CFBAF8}"/>
               </a:ext>
             </a:extLst>
           </p:cNvPr>
@@ -26681,7 +26685,7 @@
             <p:ph idx="1"/>
             <p:extLst>
               <p:ext uri="{D42A27DB-BD31-4B8C-83A1-F6EECF244321}">
-                <p14:modId xmlns:p14="http://schemas.microsoft.com/office/powerpoint/2010/main" val="4594072"/>
+                <p14:modId xmlns:p14="http://schemas.microsoft.com/office/powerpoint/2010/main" val="1761526769"/>
               </p:ext>
             </p:extLst>
           </p:nvPr>
@@ -26706,13 +26710,6 @@
   <p:clrMapOvr>
     <a:masterClrMapping/>
   </p:clrMapOvr>
-  <p:timing>
-    <p:tnLst>
-      <p:par>
-        <p:cTn id="1" dur="indefinite" restart="never" nodeType="tmRoot"/>
-      </p:par>
-    </p:tnLst>
-  </p:timing>
 </p:sld>
 </file>
 
@@ -26746,7 +26743,7 @@
           <p:cNvPr id="2" name="Title 1">
             <a:extLst>
               <a:ext uri="{FF2B5EF4-FFF2-40B4-BE49-F238E27FC236}">
-                <a16:creationId xmlns:a16="http://schemas.microsoft.com/office/drawing/2014/main" xmlns="" id="{4DF4C6AB-EAC5-41E7-A3B5-A1D552590597}"/>
+                <a16:creationId xmlns:a16="http://schemas.microsoft.com/office/drawing/2014/main" id="{4DF4C6AB-EAC5-41E7-A3B5-A1D552590597}"/>
               </a:ext>
             </a:extLst>
           </p:cNvPr>
@@ -26769,11 +26766,12 @@
           </a:bodyPr>
           <a:lstStyle/>
           <a:p>
+            <a:pPr algn="ctr"/>
             <a:r>
               <a:rPr lang="ro-RO" dirty="0"/>
               <a:t>Hardware (2)</a:t>
             </a:r>
-            <a:endParaRPr lang="en-US"/>
+            <a:endParaRPr lang="en-US" dirty="0"/>
           </a:p>
         </p:txBody>
       </p:sp>
@@ -26782,10 +26780,10 @@
           <p:cNvPr id="11" name="Rectangle 10">
             <a:extLst>
               <a:ext uri="{FF2B5EF4-FFF2-40B4-BE49-F238E27FC236}">
-                <a16:creationId xmlns:a16="http://schemas.microsoft.com/office/drawing/2014/main" xmlns="" id="{3FD711E9-7F79-40A9-8D9E-4AE293C154A5}"/>
+                <a16:creationId xmlns:a16="http://schemas.microsoft.com/office/drawing/2014/main" id="{3FD711E9-7F79-40A9-8D9E-4AE293C154A5}"/>
               </a:ext>
               <a:ext uri="{C183D7F6-B498-43B3-948B-1728B52AA6E4}">
-                <adec:decorative xmlns:adec="http://schemas.microsoft.com/office/drawing/2017/decorative" xmlns="" val="1"/>
+                <adec:decorative xmlns:adec="http://schemas.microsoft.com/office/drawing/2017/decorative" val="1"/>
               </a:ext>
             </a:extLst>
           </p:cNvPr>
@@ -26795,7 +26793,7 @@
           <p:nvPr>
             <p:extLst>
               <p:ext uri="{386F3935-93C4-4BCD-93E2-E3B085C9AB24}">
-                <p16:designElem xmlns:p16="http://schemas.microsoft.com/office/powerpoint/2015/main" xmlns="" val="1"/>
+                <p16:designElem xmlns:p16="http://schemas.microsoft.com/office/powerpoint/2015/main" val="1"/>
               </p:ext>
             </p:extLst>
           </p:nvPr>
@@ -26864,7 +26862,7 @@
           <p:cNvPr id="4" name="Slide Number Placeholder 3">
             <a:extLst>
               <a:ext uri="{FF2B5EF4-FFF2-40B4-BE49-F238E27FC236}">
-                <a16:creationId xmlns:a16="http://schemas.microsoft.com/office/drawing/2014/main" xmlns="" id="{72C1E673-FCA4-48C9-8D56-03068F07EB13}"/>
+                <a16:creationId xmlns:a16="http://schemas.microsoft.com/office/drawing/2014/main" id="{72C1E673-FCA4-48C9-8D56-03068F07EB13}"/>
               </a:ext>
             </a:extLst>
           </p:cNvPr>
@@ -26910,7 +26908,7 @@
           <p:cNvPr id="6" name="Content Placeholder 2">
             <a:extLst>
               <a:ext uri="{FF2B5EF4-FFF2-40B4-BE49-F238E27FC236}">
-                <a16:creationId xmlns:a16="http://schemas.microsoft.com/office/drawing/2014/main" xmlns="" id="{7917F929-5E38-446A-8EA9-D8E60BEFEF5F}"/>
+                <a16:creationId xmlns:a16="http://schemas.microsoft.com/office/drawing/2014/main" id="{7917F929-5E38-446A-8EA9-D8E60BEFEF5F}"/>
               </a:ext>
             </a:extLst>
           </p:cNvPr>
@@ -26921,7 +26919,7 @@
             <p:ph idx="1"/>
             <p:extLst>
               <p:ext uri="{D42A27DB-BD31-4B8C-83A1-F6EECF244321}">
-                <p14:modId xmlns:p14="http://schemas.microsoft.com/office/powerpoint/2010/main" val="3791900224"/>
+                <p14:modId xmlns:p14="http://schemas.microsoft.com/office/powerpoint/2010/main" val="2190461222"/>
               </p:ext>
             </p:extLst>
           </p:nvPr>
@@ -26946,13 +26944,6 @@
   <p:clrMapOvr>
     <a:masterClrMapping/>
   </p:clrMapOvr>
-  <p:timing>
-    <p:tnLst>
-      <p:par>
-        <p:cTn id="1" dur="indefinite" restart="never" nodeType="tmRoot"/>
-      </p:par>
-    </p:tnLst>
-  </p:timing>
 </p:sld>
 </file>
 
@@ -26986,7 +26977,7 @@
           <p:cNvPr id="2" name="Title 1">
             <a:extLst>
               <a:ext uri="{FF2B5EF4-FFF2-40B4-BE49-F238E27FC236}">
-                <a16:creationId xmlns:a16="http://schemas.microsoft.com/office/drawing/2014/main" xmlns="" id="{3CFBC153-C83D-4D33-B185-F54768A9773C}"/>
+                <a16:creationId xmlns:a16="http://schemas.microsoft.com/office/drawing/2014/main" id="{3CFBC153-C83D-4D33-B185-F54768A9773C}"/>
               </a:ext>
             </a:extLst>
           </p:cNvPr>
@@ -27009,11 +27000,12 @@
           </a:bodyPr>
           <a:lstStyle/>
           <a:p>
+            <a:pPr algn="ctr"/>
             <a:r>
               <a:rPr lang="ro-RO" dirty="0"/>
               <a:t>Tehnologii utilizate</a:t>
             </a:r>
-            <a:endParaRPr lang="en-US"/>
+            <a:endParaRPr lang="en-US" dirty="0"/>
           </a:p>
         </p:txBody>
       </p:sp>
@@ -27022,10 +27014,10 @@
           <p:cNvPr id="11" name="Rectangle 10">
             <a:extLst>
               <a:ext uri="{FF2B5EF4-FFF2-40B4-BE49-F238E27FC236}">
-                <a16:creationId xmlns:a16="http://schemas.microsoft.com/office/drawing/2014/main" xmlns="" id="{3FD711E9-7F79-40A9-8D9E-4AE293C154A5}"/>
+                <a16:creationId xmlns:a16="http://schemas.microsoft.com/office/drawing/2014/main" id="{3FD711E9-7F79-40A9-8D9E-4AE293C154A5}"/>
               </a:ext>
               <a:ext uri="{C183D7F6-B498-43B3-948B-1728B52AA6E4}">
-                <adec:decorative xmlns:adec="http://schemas.microsoft.com/office/drawing/2017/decorative" xmlns="" val="1"/>
+                <adec:decorative xmlns:adec="http://schemas.microsoft.com/office/drawing/2017/decorative" val="1"/>
               </a:ext>
             </a:extLst>
           </p:cNvPr>
@@ -27035,7 +27027,7 @@
           <p:nvPr>
             <p:extLst>
               <p:ext uri="{386F3935-93C4-4BCD-93E2-E3B085C9AB24}">
-                <p16:designElem xmlns:p16="http://schemas.microsoft.com/office/powerpoint/2015/main" xmlns="" val="1"/>
+                <p16:designElem xmlns:p16="http://schemas.microsoft.com/office/powerpoint/2015/main" val="1"/>
               </p:ext>
             </p:extLst>
           </p:nvPr>
@@ -27104,7 +27096,7 @@
           <p:cNvPr id="4" name="Slide Number Placeholder 3">
             <a:extLst>
               <a:ext uri="{FF2B5EF4-FFF2-40B4-BE49-F238E27FC236}">
-                <a16:creationId xmlns:a16="http://schemas.microsoft.com/office/drawing/2014/main" xmlns="" id="{8708F1DC-B020-4A80-95EC-488AA0E7D9A8}"/>
+                <a16:creationId xmlns:a16="http://schemas.microsoft.com/office/drawing/2014/main" id="{8708F1DC-B020-4A80-95EC-488AA0E7D9A8}"/>
               </a:ext>
             </a:extLst>
           </p:cNvPr>
@@ -27150,7 +27142,7 @@
           <p:cNvPr id="6" name="Content Placeholder 2">
             <a:extLst>
               <a:ext uri="{FF2B5EF4-FFF2-40B4-BE49-F238E27FC236}">
-                <a16:creationId xmlns:a16="http://schemas.microsoft.com/office/drawing/2014/main" xmlns="" id="{1644A831-BD86-4E9E-AE2D-C3E9B570085C}"/>
+                <a16:creationId xmlns:a16="http://schemas.microsoft.com/office/drawing/2014/main" id="{1644A831-BD86-4E9E-AE2D-C3E9B570085C}"/>
               </a:ext>
             </a:extLst>
           </p:cNvPr>
@@ -27161,7 +27153,7 @@
             <p:ph idx="1"/>
             <p:extLst>
               <p:ext uri="{D42A27DB-BD31-4B8C-83A1-F6EECF244321}">
-                <p14:modId xmlns:p14="http://schemas.microsoft.com/office/powerpoint/2010/main" val="3556978929"/>
+                <p14:modId xmlns:p14="http://schemas.microsoft.com/office/powerpoint/2010/main" val="2317478657"/>
               </p:ext>
             </p:extLst>
           </p:nvPr>
@@ -27186,19 +27178,20 @@
   <p:clrMapOvr>
     <a:masterClrMapping/>
   </p:clrMapOvr>
-  <p:timing>
-    <p:tnLst>
-      <p:par>
-        <p:cTn id="1" dur="indefinite" restart="never" nodeType="tmRoot"/>
-      </p:par>
-    </p:tnLst>
-  </p:timing>
 </p:sld>
 </file>
 
 <file path=ppt/slides/slide8.xml><?xml version="1.0" encoding="utf-8"?>
 <p:sld xmlns:a="http://schemas.openxmlformats.org/drawingml/2006/main" xmlns:r="http://schemas.openxmlformats.org/officeDocument/2006/relationships" xmlns:p="http://schemas.openxmlformats.org/presentationml/2006/main">
   <p:cSld>
+    <p:bg>
+      <p:bgPr>
+        <a:solidFill>
+          <a:schemeClr val="bg1"/>
+        </a:solidFill>
+        <a:effectLst/>
+      </p:bgPr>
+    </p:bg>
     <p:spTree>
       <p:nvGrpSpPr>
         <p:cNvPr id="1" name=""/>
@@ -27213,38 +27206,92 @@
           <a:chExt cx="0" cy="0"/>
         </a:xfrm>
       </p:grpSpPr>
-      <p:sp>
+      <p:sp useBgFill="1">
         <p:nvSpPr>
-          <p:cNvPr id="2" name="Title 1">
+          <p:cNvPr id="30" name="Rectangle 29">
             <a:extLst>
               <a:ext uri="{FF2B5EF4-FFF2-40B4-BE49-F238E27FC236}">
-                <a16:creationId xmlns:a16="http://schemas.microsoft.com/office/drawing/2014/main" xmlns="" id="{34D6937F-1795-4A26-A086-A7E90E3686E0}"/>
+                <a16:creationId xmlns:a16="http://schemas.microsoft.com/office/drawing/2014/main" id="{E009DD9B-5EE2-4C0D-8B2B-351C8C102205}"/>
+              </a:ext>
+              <a:ext uri="{C183D7F6-B498-43B3-948B-1728B52AA6E4}">
+                <adec:decorative xmlns:adec="http://schemas.microsoft.com/office/drawing/2017/decorative" val="1"/>
               </a:ext>
             </a:extLst>
           </p:cNvPr>
           <p:cNvSpPr>
-            <a:spLocks noGrp="1"/>
+            <a:spLocks noGrp="1" noRot="1" noChangeAspect="1" noMove="1" noResize="1" noEditPoints="1" noAdjustHandles="1" noChangeArrowheads="1" noChangeShapeType="1" noTextEdit="1"/>
           </p:cNvSpPr>
           <p:nvPr>
-            <p:ph type="title"/>
+            <p:extLst>
+              <p:ext uri="{386F3935-93C4-4BCD-93E2-E3B085C9AB24}">
+                <p16:designElem xmlns:p16="http://schemas.microsoft.com/office/powerpoint/2015/main" val="1"/>
+              </p:ext>
+            </p:extLst>
           </p:nvPr>
         </p:nvSpPr>
         <p:spPr>
           <a:xfrm>
-            <a:off x="457200" y="274638"/>
-            <a:ext cx="8686800" cy="1143000"/>
+            <a:off x="0" y="0"/>
+            <a:ext cx="9144000" cy="6858000"/>
           </a:xfrm>
+          <a:prstGeom prst="rect">
+            <a:avLst/>
+          </a:prstGeom>
+          <a:ln>
+            <a:noFill/>
+          </a:ln>
         </p:spPr>
+        <p:style>
+          <a:lnRef idx="2">
+            <a:schemeClr val="accent1">
+              <a:shade val="50000"/>
+            </a:schemeClr>
+          </a:lnRef>
+          <a:fillRef idx="1">
+            <a:schemeClr val="accent1"/>
+          </a:fillRef>
+          <a:effectRef idx="0">
+            <a:schemeClr val="accent1"/>
+          </a:effectRef>
+          <a:fontRef idx="minor">
+            <a:schemeClr val="lt1"/>
+          </a:fontRef>
+        </p:style>
         <p:txBody>
-          <a:bodyPr/>
+          <a:bodyPr rtlCol="0" anchor="ctr"/>
           <a:lstStyle/>
           <a:p>
-            <a:pPr algn="ctr"/>
-            <a:r>
-              <a:rPr lang="ro-RO" dirty="0"/>
-              <a:t>Aplicația Arduino</a:t>
-            </a:r>
-            <a:endParaRPr lang="en-US" dirty="0"/>
+            <a:pPr marL="0" marR="0" lvl="0" indent="0" algn="ctr" defTabSz="914400" rtl="0" eaLnBrk="1" fontAlgn="auto" latinLnBrk="0" hangingPunct="1">
+              <a:lnSpc>
+                <a:spcPct val="100000"/>
+              </a:lnSpc>
+              <a:spcBef>
+                <a:spcPts val="0"/>
+              </a:spcBef>
+              <a:spcAft>
+                <a:spcPts val="0"/>
+              </a:spcAft>
+              <a:buClrTx/>
+              <a:buSzTx/>
+              <a:buFontTx/>
+              <a:buNone/>
+              <a:tabLst/>
+              <a:defRPr/>
+            </a:pPr>
+            <a:endParaRPr kumimoji="0" lang="en-US" sz="1800" b="0" i="0" u="none" strike="noStrike" kern="1200" cap="none" spc="0" normalizeH="0" baseline="0" noProof="0">
+              <a:ln>
+                <a:noFill/>
+              </a:ln>
+              <a:solidFill>
+                <a:prstClr val="white"/>
+              </a:solidFill>
+              <a:effectLst/>
+              <a:uLnTx/>
+              <a:uFillTx/>
+              <a:latin typeface="Rockwell" panose="02060603020205020403"/>
+              <a:ea typeface="+mn-ea"/>
+              <a:cs typeface="+mn-cs"/>
+            </a:endParaRPr>
           </a:p>
         </p:txBody>
       </p:sp>
@@ -27253,7 +27300,7 @@
           <p:cNvPr id="6" name="Content Placeholder 5">
             <a:extLst>
               <a:ext uri="{FF2B5EF4-FFF2-40B4-BE49-F238E27FC236}">
-                <a16:creationId xmlns:a16="http://schemas.microsoft.com/office/drawing/2014/main" xmlns="" id="{17486647-9B91-42BC-8343-094BE0C96172}"/>
+                <a16:creationId xmlns:a16="http://schemas.microsoft.com/office/drawing/2014/main" id="{17486647-9B91-42BC-8343-094BE0C96172}"/>
               </a:ext>
             </a:extLst>
           </p:cNvPr>
@@ -27278,17 +27325,581 @@
         </p:blipFill>
         <p:spPr>
           <a:xfrm>
-            <a:off x="6614740" y="1340768"/>
-            <a:ext cx="2072060" cy="3689970"/>
+            <a:off x="5688466" y="505224"/>
+            <a:ext cx="1721340" cy="3060160"/>
+          </a:xfrm>
+          <a:prstGeom prst="rect">
+            <a:avLst/>
+          </a:prstGeom>
+        </p:spPr>
+      </p:pic>
+      <p:sp>
+        <p:nvSpPr>
+          <p:cNvPr id="32" name="Rectangle 31">
+            <a:extLst>
+              <a:ext uri="{FF2B5EF4-FFF2-40B4-BE49-F238E27FC236}">
+                <a16:creationId xmlns:a16="http://schemas.microsoft.com/office/drawing/2014/main" id="{E720DB99-7745-4E75-9D96-AAB6D55C531E}"/>
+              </a:ext>
+              <a:ext uri="{C183D7F6-B498-43B3-948B-1728B52AA6E4}">
+                <adec:decorative xmlns:adec="http://schemas.microsoft.com/office/drawing/2017/decorative" val="1"/>
+              </a:ext>
+            </a:extLst>
+          </p:cNvPr>
+          <p:cNvSpPr>
+            <a:spLocks noGrp="1" noRot="1" noChangeAspect="1" noMove="1" noResize="1" noEditPoints="1" noAdjustHandles="1" noChangeArrowheads="1" noChangeShapeType="1" noTextEdit="1"/>
+          </p:cNvSpPr>
+          <p:nvPr>
+            <p:extLst>
+              <p:ext uri="{386F3935-93C4-4BCD-93E2-E3B085C9AB24}">
+                <p16:designElem xmlns:p16="http://schemas.microsoft.com/office/powerpoint/2015/main" val="1"/>
+              </p:ext>
+            </p:extLst>
+          </p:nvPr>
+        </p:nvSpPr>
+        <p:spPr>
+          <a:xfrm>
+            <a:off x="738378" y="3837459"/>
+            <a:ext cx="7667244" cy="80683"/>
+          </a:xfrm>
+          <a:prstGeom prst="rect">
+            <a:avLst/>
+          </a:prstGeom>
+          <a:blipFill dpi="0" rotWithShape="1">
+            <a:blip r:embed="rId3">
+              <a:alphaModFix amt="85000"/>
+              <a:lum bright="70000" contrast="-70000"/>
+              <a:extLst>
+                <a:ext uri="{BEBA8EAE-BF5A-486C-A8C5-ECC9F3942E4B}">
+                  <a14:imgProps xmlns:a14="http://schemas.microsoft.com/office/drawing/2010/main">
+                    <a14:imgLayer r:embed="rId4">
+                      <a14:imgEffect>
+                        <a14:sharpenSoften amount="61000"/>
+                      </a14:imgEffect>
+                    </a14:imgLayer>
+                  </a14:imgProps>
+                </a:ext>
+                <a:ext uri="{28A0092B-C50C-407E-A947-70E740481C1C}">
+                  <a14:useLocalDpi xmlns:a14="http://schemas.microsoft.com/office/drawing/2010/main" val="0"/>
+                </a:ext>
+              </a:extLst>
+            </a:blip>
+            <a:srcRect/>
+            <a:tile tx="0" ty="-762000" sx="92000" sy="89000" flip="xy" algn="ctr"/>
+          </a:blipFill>
+          <a:ln>
+            <a:noFill/>
+          </a:ln>
+        </p:spPr>
+        <p:style>
+          <a:lnRef idx="2">
+            <a:schemeClr val="accent1">
+              <a:shade val="50000"/>
+            </a:schemeClr>
+          </a:lnRef>
+          <a:fillRef idx="1">
+            <a:schemeClr val="accent1"/>
+          </a:fillRef>
+          <a:effectRef idx="0">
+            <a:schemeClr val="accent1"/>
+          </a:effectRef>
+          <a:fontRef idx="minor">
+            <a:schemeClr val="lt1"/>
+          </a:fontRef>
+        </p:style>
+      </p:sp>
+      <p:sp>
+        <p:nvSpPr>
+          <p:cNvPr id="34" name="Rectangle 33">
+            <a:extLst>
+              <a:ext uri="{FF2B5EF4-FFF2-40B4-BE49-F238E27FC236}">
+                <a16:creationId xmlns:a16="http://schemas.microsoft.com/office/drawing/2014/main" id="{D68803C4-E159-4360-B7BB-74205C8F782D}"/>
+              </a:ext>
+              <a:ext uri="{C183D7F6-B498-43B3-948B-1728B52AA6E4}">
+                <adec:decorative xmlns:adec="http://schemas.microsoft.com/office/drawing/2017/decorative" val="1"/>
+              </a:ext>
+            </a:extLst>
+          </p:cNvPr>
+          <p:cNvSpPr>
+            <a:spLocks noGrp="1" noRot="1" noChangeAspect="1" noMove="1" noResize="1" noEditPoints="1" noAdjustHandles="1" noChangeArrowheads="1" noChangeShapeType="1" noTextEdit="1"/>
+          </p:cNvSpPr>
+          <p:nvPr>
+            <p:extLst>
+              <p:ext uri="{386F3935-93C4-4BCD-93E2-E3B085C9AB24}">
+                <p16:designElem xmlns:p16="http://schemas.microsoft.com/office/powerpoint/2015/main" val="1"/>
+              </p:ext>
+            </p:extLst>
+          </p:nvPr>
+        </p:nvSpPr>
+        <p:spPr>
+          <a:xfrm>
+            <a:off x="738378" y="3981573"/>
+            <a:ext cx="7667244" cy="2078335"/>
+          </a:xfrm>
+          <a:prstGeom prst="rect">
+            <a:avLst/>
+          </a:prstGeom>
+          <a:blipFill dpi="0" rotWithShape="1">
+            <a:blip r:embed="rId3">
+              <a:alphaModFix amt="95000"/>
+              <a:lum bright="70000" contrast="-70000"/>
+              <a:extLst>
+                <a:ext uri="{BEBA8EAE-BF5A-486C-A8C5-ECC9F3942E4B}">
+                  <a14:imgProps xmlns:a14="http://schemas.microsoft.com/office/drawing/2010/main">
+                    <a14:imgLayer r:embed="rId4">
+                      <a14:imgEffect>
+                        <a14:sharpenSoften amount="61000"/>
+                      </a14:imgEffect>
+                    </a14:imgLayer>
+                  </a14:imgProps>
+                </a:ext>
+                <a:ext uri="{28A0092B-C50C-407E-A947-70E740481C1C}">
+                  <a14:useLocalDpi xmlns:a14="http://schemas.microsoft.com/office/drawing/2010/main" val="0"/>
+                </a:ext>
+              </a:extLst>
+            </a:blip>
+            <a:srcRect/>
+            <a:tile tx="0" ty="-704850" sx="92000" sy="89000" flip="xy" algn="ctr"/>
+          </a:blipFill>
+          <a:ln>
+            <a:noFill/>
+          </a:ln>
+        </p:spPr>
+        <p:style>
+          <a:lnRef idx="2">
+            <a:schemeClr val="accent1">
+              <a:shade val="50000"/>
+            </a:schemeClr>
+          </a:lnRef>
+          <a:fillRef idx="1">
+            <a:schemeClr val="accent1"/>
+          </a:fillRef>
+          <a:effectRef idx="0">
+            <a:schemeClr val="accent1"/>
+          </a:effectRef>
+          <a:fontRef idx="minor">
+            <a:schemeClr val="lt1"/>
+          </a:fontRef>
+        </p:style>
+      </p:sp>
+      <p:sp>
+        <p:nvSpPr>
+          <p:cNvPr id="2" name="Title 1">
+            <a:extLst>
+              <a:ext uri="{FF2B5EF4-FFF2-40B4-BE49-F238E27FC236}">
+                <a16:creationId xmlns:a16="http://schemas.microsoft.com/office/drawing/2014/main" id="{34D6937F-1795-4A26-A086-A7E90E3686E0}"/>
+              </a:ext>
+            </a:extLst>
+          </p:cNvPr>
+          <p:cNvSpPr>
+            <a:spLocks noGrp="1"/>
+          </p:cNvSpPr>
+          <p:nvPr>
+            <p:ph type="title"/>
+          </p:nvPr>
+        </p:nvSpPr>
+        <p:spPr>
+          <a:xfrm>
+            <a:off x="964092" y="4162031"/>
+            <a:ext cx="3407762" cy="1767141"/>
           </a:xfrm>
         </p:spPr>
+        <p:txBody>
+          <a:bodyPr vert="horz" lIns="91440" tIns="45720" rIns="91440" bIns="45720" rtlCol="0" anchor="ctr">
+            <a:normAutofit/>
+          </a:bodyPr>
+          <a:lstStyle/>
+          <a:p>
+            <a:pPr algn="ctr"/>
+            <a:r>
+              <a:rPr lang="en-US" noProof="1"/>
+              <a:t>Aplicația</a:t>
+            </a:r>
+            <a:r>
+              <a:rPr lang="en-US" dirty="0"/>
+              <a:t> Arduino</a:t>
+            </a:r>
+          </a:p>
+        </p:txBody>
+      </p:sp>
+      <p:pic>
+        <p:nvPicPr>
+          <p:cNvPr id="5" name="Picture 4">
+            <a:extLst>
+              <a:ext uri="{FF2B5EF4-FFF2-40B4-BE49-F238E27FC236}">
+                <a16:creationId xmlns:a16="http://schemas.microsoft.com/office/drawing/2014/main" id="{935AA644-CB53-40D8-A49C-5D27BC1551B3}"/>
+              </a:ext>
+            </a:extLst>
+          </p:cNvPr>
+          <p:cNvPicPr>
+            <a:picLocks noChangeAspect="1"/>
+          </p:cNvPicPr>
+          <p:nvPr/>
+        </p:nvPicPr>
+        <p:blipFill>
+          <a:blip r:embed="rId5" cstate="print">
+            <a:extLst>
+              <a:ext uri="{28A0092B-C50C-407E-A947-70E740481C1C}">
+                <a14:useLocalDpi xmlns:a14="http://schemas.microsoft.com/office/drawing/2010/main" val="0"/>
+              </a:ext>
+            </a:extLst>
+          </a:blip>
+          <a:stretch>
+            <a:fillRect/>
+          </a:stretch>
+        </p:blipFill>
+        <p:spPr>
+          <a:xfrm>
+            <a:off x="1734193" y="505223"/>
+            <a:ext cx="1721340" cy="3060160"/>
+          </a:xfrm>
+          <a:prstGeom prst="rect">
+            <a:avLst/>
+          </a:prstGeom>
+        </p:spPr>
       </p:pic>
+      <p:sp>
+        <p:nvSpPr>
+          <p:cNvPr id="7" name="TextBox 6">
+            <a:extLst>
+              <a:ext uri="{FF2B5EF4-FFF2-40B4-BE49-F238E27FC236}">
+                <a16:creationId xmlns:a16="http://schemas.microsoft.com/office/drawing/2014/main" id="{3CE34ECB-BBCC-4298-ADD7-E9AA474BCF5D}"/>
+              </a:ext>
+            </a:extLst>
+          </p:cNvPr>
+          <p:cNvSpPr txBox="1"/>
+          <p:nvPr/>
+        </p:nvSpPr>
+        <p:spPr>
+          <a:xfrm>
+            <a:off x="4663440" y="4170410"/>
+            <a:ext cx="3524415" cy="1767141"/>
+          </a:xfrm>
+          <a:prstGeom prst="rect">
+            <a:avLst/>
+          </a:prstGeom>
+        </p:spPr>
+        <p:txBody>
+          <a:bodyPr vert="horz" lIns="91440" tIns="45720" rIns="91440" bIns="45720" rtlCol="0" anchor="ctr">
+            <a:normAutofit/>
+          </a:bodyPr>
+          <a:lstStyle/>
+          <a:p>
+            <a:pPr marL="285750" indent="-182880" defTabSz="914400">
+              <a:lnSpc>
+                <a:spcPct val="90000"/>
+              </a:lnSpc>
+              <a:spcAft>
+                <a:spcPts val="600"/>
+              </a:spcAft>
+              <a:buClr>
+                <a:schemeClr val="accent1">
+                  <a:lumMod val="75000"/>
+                </a:schemeClr>
+              </a:buClr>
+              <a:buSzPct val="85000"/>
+              <a:buFont typeface="Wingdings" pitchFamily="2" charset="2"/>
+              <a:buChar char="§"/>
+            </a:pPr>
+            <a:r>
+              <a:rPr lang="en-US" sz="2900" noProof="1">
+                <a:latin typeface="+mj-lt"/>
+              </a:rPr>
+              <a:t>Mișcare în lateral</a:t>
+            </a:r>
+          </a:p>
+          <a:p>
+            <a:pPr marL="285750" indent="-182880" defTabSz="914400">
+              <a:lnSpc>
+                <a:spcPct val="90000"/>
+              </a:lnSpc>
+              <a:spcAft>
+                <a:spcPts val="600"/>
+              </a:spcAft>
+              <a:buClr>
+                <a:schemeClr val="accent1">
+                  <a:lumMod val="75000"/>
+                </a:schemeClr>
+              </a:buClr>
+              <a:buSzPct val="85000"/>
+              <a:buFont typeface="Wingdings" pitchFamily="2" charset="2"/>
+              <a:buChar char="§"/>
+            </a:pPr>
+            <a:endParaRPr lang="en-US" sz="2000" noProof="1">
+              <a:latin typeface="+mj-lt"/>
+            </a:endParaRPr>
+          </a:p>
+          <a:p>
+            <a:pPr marL="285750" indent="-182880" defTabSz="914400">
+              <a:lnSpc>
+                <a:spcPct val="90000"/>
+              </a:lnSpc>
+              <a:spcAft>
+                <a:spcPts val="600"/>
+              </a:spcAft>
+              <a:buClr>
+                <a:schemeClr val="accent1">
+                  <a:lumMod val="75000"/>
+                </a:schemeClr>
+              </a:buClr>
+              <a:buSzPct val="85000"/>
+              <a:buFont typeface="Wingdings" pitchFamily="2" charset="2"/>
+              <a:buChar char="§"/>
+            </a:pPr>
+            <a:r>
+              <a:rPr lang="en-US" sz="2900" noProof="1">
+                <a:latin typeface="+mj-lt"/>
+              </a:rPr>
+              <a:t>Întoarcere 90° stânga</a:t>
+            </a:r>
+          </a:p>
+        </p:txBody>
+      </p:sp>
+      <p:sp>
+        <p:nvSpPr>
+          <p:cNvPr id="36" name="Rectangle 35">
+            <a:extLst>
+              <a:ext uri="{FF2B5EF4-FFF2-40B4-BE49-F238E27FC236}">
+                <a16:creationId xmlns:a16="http://schemas.microsoft.com/office/drawing/2014/main" id="{504B0465-3B07-49BF-BEA7-D81476246293}"/>
+              </a:ext>
+              <a:ext uri="{C183D7F6-B498-43B3-948B-1728B52AA6E4}">
+                <adec:decorative xmlns:adec="http://schemas.microsoft.com/office/drawing/2017/decorative" val="1"/>
+              </a:ext>
+            </a:extLst>
+          </p:cNvPr>
+          <p:cNvSpPr>
+            <a:spLocks noGrp="1" noRot="1" noChangeAspect="1" noMove="1" noResize="1" noEditPoints="1" noAdjustHandles="1" noChangeArrowheads="1" noChangeShapeType="1" noTextEdit="1"/>
+          </p:cNvSpPr>
+          <p:nvPr>
+            <p:extLst>
+              <p:ext uri="{386F3935-93C4-4BCD-93E2-E3B085C9AB24}">
+                <p16:designElem xmlns:p16="http://schemas.microsoft.com/office/powerpoint/2015/main" val="1"/>
+              </p:ext>
+            </p:extLst>
+          </p:nvPr>
+        </p:nvSpPr>
+        <p:spPr>
+          <a:xfrm>
+            <a:off x="738378" y="6128670"/>
+            <a:ext cx="7667244" cy="80683"/>
+          </a:xfrm>
+          <a:prstGeom prst="rect">
+            <a:avLst/>
+          </a:prstGeom>
+          <a:blipFill dpi="0" rotWithShape="1">
+            <a:blip r:embed="rId3">
+              <a:alphaModFix amt="85000"/>
+              <a:lum bright="70000" contrast="-70000"/>
+              <a:extLst>
+                <a:ext uri="{BEBA8EAE-BF5A-486C-A8C5-ECC9F3942E4B}">
+                  <a14:imgProps xmlns:a14="http://schemas.microsoft.com/office/drawing/2010/main">
+                    <a14:imgLayer r:embed="rId4">
+                      <a14:imgEffect>
+                        <a14:sharpenSoften amount="61000"/>
+                      </a14:imgEffect>
+                    </a14:imgLayer>
+                  </a14:imgProps>
+                </a:ext>
+                <a:ext uri="{28A0092B-C50C-407E-A947-70E740481C1C}">
+                  <a14:useLocalDpi xmlns:a14="http://schemas.microsoft.com/office/drawing/2010/main" val="0"/>
+                </a:ext>
+              </a:extLst>
+            </a:blip>
+            <a:srcRect/>
+            <a:tile tx="0" ty="-717550" sx="92000" sy="89000" flip="xy" algn="ctr"/>
+          </a:blipFill>
+          <a:ln>
+            <a:noFill/>
+          </a:ln>
+        </p:spPr>
+        <p:style>
+          <a:lnRef idx="2">
+            <a:schemeClr val="accent1">
+              <a:shade val="50000"/>
+            </a:schemeClr>
+          </a:lnRef>
+          <a:fillRef idx="1">
+            <a:schemeClr val="accent1"/>
+          </a:fillRef>
+          <a:effectRef idx="0">
+            <a:schemeClr val="accent1"/>
+          </a:effectRef>
+          <a:fontRef idx="minor">
+            <a:schemeClr val="lt1"/>
+          </a:fontRef>
+        </p:style>
+      </p:sp>
+      <p:sp>
+        <p:nvSpPr>
+          <p:cNvPr id="38" name="Oval 37">
+            <a:extLst>
+              <a:ext uri="{FF2B5EF4-FFF2-40B4-BE49-F238E27FC236}">
+                <a16:creationId xmlns:a16="http://schemas.microsoft.com/office/drawing/2014/main" id="{49B7FFA5-14CB-4A4F-9BCC-CA3AA5D9D276}"/>
+              </a:ext>
+              <a:ext uri="{C183D7F6-B498-43B3-948B-1728B52AA6E4}">
+                <adec:decorative xmlns:adec="http://schemas.microsoft.com/office/drawing/2017/decorative" val="1"/>
+              </a:ext>
+            </a:extLst>
+          </p:cNvPr>
+          <p:cNvSpPr>
+            <a:spLocks noGrp="1" noRot="1" noChangeAspect="1" noMove="1" noResize="1" noEditPoints="1" noAdjustHandles="1" noChangeArrowheads="1" noChangeShapeType="1" noTextEdit="1"/>
+          </p:cNvSpPr>
+          <p:nvPr>
+            <p:extLst>
+              <p:ext uri="{386F3935-93C4-4BCD-93E2-E3B085C9AB24}">
+                <p16:designElem xmlns:p16="http://schemas.microsoft.com/office/powerpoint/2015/main" val="1"/>
+              </p:ext>
+            </p:extLst>
+          </p:nvPr>
+        </p:nvSpPr>
+        <p:spPr>
+          <a:xfrm>
+            <a:off x="8551293" y="6229681"/>
+            <a:ext cx="342900" cy="457200"/>
+          </a:xfrm>
+          <a:prstGeom prst="ellipse">
+            <a:avLst/>
+          </a:prstGeom>
+          <a:blipFill dpi="0" rotWithShape="1">
+            <a:blip r:embed="rId6">
+              <a:duotone>
+                <a:schemeClr val="accent1">
+                  <a:shade val="45000"/>
+                  <a:satMod val="135000"/>
+                </a:schemeClr>
+                <a:prstClr val="white"/>
+              </a:duotone>
+            </a:blip>
+            <a:srcRect/>
+            <a:tile tx="50800" ty="0" sx="85000" sy="85000" flip="none" algn="tl"/>
+          </a:blipFill>
+          <a:ln w="25400" cap="flat" cmpd="sng" algn="ctr">
+            <a:noFill/>
+            <a:prstDash val="solid"/>
+          </a:ln>
+          <a:effectLst/>
+        </p:spPr>
+        <p:txBody>
+          <a:bodyPr lIns="0" tIns="0" rIns="0" bIns="0" rtlCol="0" anchor="ctr"/>
+          <a:lstStyle/>
+          <a:p>
+            <a:pPr marL="0" marR="0" lvl="0" indent="0" algn="ctr" defTabSz="914400" rtl="0" eaLnBrk="1" fontAlgn="auto" latinLnBrk="0" hangingPunct="1">
+              <a:lnSpc>
+                <a:spcPct val="100000"/>
+              </a:lnSpc>
+              <a:spcBef>
+                <a:spcPts val="0"/>
+              </a:spcBef>
+              <a:spcAft>
+                <a:spcPts val="0"/>
+              </a:spcAft>
+              <a:buClrTx/>
+              <a:buSzTx/>
+              <a:buFontTx/>
+              <a:buNone/>
+              <a:tabLst/>
+              <a:defRPr/>
+            </a:pPr>
+            <a:endParaRPr kumimoji="0" lang="en-US" sz="2000" b="0" i="0" u="none" strike="noStrike" kern="0" cap="none" spc="0" normalizeH="0" baseline="0" noProof="0" dirty="0">
+              <a:ln>
+                <a:noFill/>
+              </a:ln>
+              <a:solidFill>
+                <a:prstClr val="white"/>
+              </a:solidFill>
+              <a:effectLst/>
+              <a:uLnTx/>
+              <a:uFillTx/>
+              <a:latin typeface="Rockwell Extra Bold" pitchFamily="18" charset="0"/>
+              <a:ea typeface="+mn-ea"/>
+              <a:cs typeface="+mn-cs"/>
+            </a:endParaRPr>
+          </a:p>
+        </p:txBody>
+      </p:sp>
+      <p:sp>
+        <p:nvSpPr>
+          <p:cNvPr id="40" name="Oval 39">
+            <a:extLst>
+              <a:ext uri="{FF2B5EF4-FFF2-40B4-BE49-F238E27FC236}">
+                <a16:creationId xmlns:a16="http://schemas.microsoft.com/office/drawing/2014/main" id="{04E48745-7512-4EC2-9E20-9092D12150CA}"/>
+              </a:ext>
+              <a:ext uri="{C183D7F6-B498-43B3-948B-1728B52AA6E4}">
+                <adec:decorative xmlns:adec="http://schemas.microsoft.com/office/drawing/2017/decorative" val="1"/>
+              </a:ext>
+            </a:extLst>
+          </p:cNvPr>
+          <p:cNvSpPr>
+            <a:spLocks noGrp="1" noRot="1" noChangeAspect="1" noMove="1" noResize="1" noEditPoints="1" noAdjustHandles="1" noChangeArrowheads="1" noChangeShapeType="1" noTextEdit="1"/>
+          </p:cNvSpPr>
+          <p:nvPr>
+            <p:extLst>
+              <p:ext uri="{386F3935-93C4-4BCD-93E2-E3B085C9AB24}">
+                <p16:designElem xmlns:p16="http://schemas.microsoft.com/office/powerpoint/2015/main" val="1"/>
+              </p:ext>
+            </p:extLst>
+          </p:nvPr>
+        </p:nvSpPr>
+        <p:spPr>
+          <a:xfrm>
+            <a:off x="8573188" y="6258874"/>
+            <a:ext cx="299110" cy="398815"/>
+          </a:xfrm>
+          <a:prstGeom prst="ellipse">
+            <a:avLst/>
+          </a:prstGeom>
+          <a:noFill/>
+          <a:ln w="12700" cap="flat" cmpd="sng" algn="ctr">
+            <a:solidFill>
+              <a:srgbClr val="FFFFFF"/>
+            </a:solidFill>
+            <a:prstDash val="solid"/>
+          </a:ln>
+          <a:effectLst/>
+        </p:spPr>
+        <p:txBody>
+          <a:bodyPr rtlCol="0" anchor="ctr"/>
+          <a:lstStyle/>
+          <a:p>
+            <a:pPr marL="0" marR="0" lvl="0" indent="0" algn="ctr" defTabSz="914400" rtl="0" eaLnBrk="1" fontAlgn="auto" latinLnBrk="0" hangingPunct="1">
+              <a:lnSpc>
+                <a:spcPct val="100000"/>
+              </a:lnSpc>
+              <a:spcBef>
+                <a:spcPts val="0"/>
+              </a:spcBef>
+              <a:spcAft>
+                <a:spcPts val="0"/>
+              </a:spcAft>
+              <a:buClrTx/>
+              <a:buSzTx/>
+              <a:buFontTx/>
+              <a:buNone/>
+              <a:tabLst/>
+              <a:defRPr/>
+            </a:pPr>
+            <a:endParaRPr kumimoji="0" lang="en-US" sz="1800" b="0" i="0" u="none" strike="noStrike" kern="0" cap="none" spc="0" normalizeH="0" baseline="0" noProof="0" dirty="0">
+              <a:ln>
+                <a:noFill/>
+              </a:ln>
+              <a:solidFill>
+                <a:prstClr val="white"/>
+              </a:solidFill>
+              <a:effectLst/>
+              <a:uLnTx/>
+              <a:uFillTx/>
+              <a:latin typeface="Calibri"/>
+              <a:ea typeface="+mn-ea"/>
+              <a:cs typeface="+mn-cs"/>
+            </a:endParaRPr>
+          </a:p>
+        </p:txBody>
+      </p:sp>
       <p:sp>
         <p:nvSpPr>
           <p:cNvPr id="4" name="Slide Number Placeholder 3">
             <a:extLst>
               <a:ext uri="{FF2B5EF4-FFF2-40B4-BE49-F238E27FC236}">
-                <a16:creationId xmlns:a16="http://schemas.microsoft.com/office/drawing/2014/main" xmlns="" id="{1DB4C6C8-2288-40CD-A066-D74671E2E586}"/>
+                <a16:creationId xmlns:a16="http://schemas.microsoft.com/office/drawing/2014/main" id="{1DB4C6C8-2288-40CD-A066-D74671E2E586}"/>
               </a:ext>
             </a:extLst>
           </p:cNvPr>
@@ -27299,73 +27910,37 @@
             <p:ph type="sldNum" sz="quarter" idx="12"/>
           </p:nvPr>
         </p:nvSpPr>
-        <p:spPr/>
-        <p:txBody>
-          <a:bodyPr/>
-          <a:lstStyle/>
-          <a:p>
-            <a:fld id="{29574101-FBCA-4CCC-8F71-4FACD19D0373}" type="slidenum">
-              <a:rPr lang="en-US" smtClean="0"/>
-              <a:t>8</a:t>
-            </a:fld>
-            <a:endParaRPr lang="en-US" dirty="0"/>
-          </a:p>
-        </p:txBody>
-      </p:sp>
-      <p:sp>
-        <p:nvSpPr>
-          <p:cNvPr id="7" name="TextBox 6">
-            <a:extLst>
-              <a:ext uri="{FF2B5EF4-FFF2-40B4-BE49-F238E27FC236}">
-                <a16:creationId xmlns:a16="http://schemas.microsoft.com/office/drawing/2014/main" xmlns="" id="{3CE34ECB-BBCC-4298-ADD7-E9AA474BCF5D}"/>
-              </a:ext>
-            </a:extLst>
-          </p:cNvPr>
-          <p:cNvSpPr txBox="1"/>
-          <p:nvPr/>
-        </p:nvSpPr>
         <p:spPr>
           <a:xfrm>
-            <a:off x="827584" y="1417638"/>
-            <a:ext cx="5472608" cy="1292662"/>
+            <a:off x="8483346" y="6272784"/>
+            <a:ext cx="480060" cy="365125"/>
           </a:xfrm>
-          <a:prstGeom prst="rect">
-            <a:avLst/>
-          </a:prstGeom>
-          <a:noFill/>
         </p:spPr>
         <p:txBody>
-          <a:bodyPr wrap="square" rtlCol="0">
-            <a:spAutoFit/>
+          <a:bodyPr vert="horz" lIns="91440" tIns="45720" rIns="91440" bIns="45720" rtlCol="0" anchor="ctr">
+            <a:normAutofit/>
           </a:bodyPr>
           <a:lstStyle/>
           <a:p>
-            <a:pPr marL="285750" indent="-285750">
-              <a:buFont typeface="Arial" panose="020B0604020202020204" pitchFamily="34" charset="0"/>
-              <a:buChar char="•"/>
+            <a:pPr defTabSz="914400">
+              <a:spcAft>
+                <a:spcPts val="600"/>
+              </a:spcAft>
             </a:pPr>
-            <a:r>
-              <a:rPr lang="ro-RO" sz="2600" dirty="0"/>
-              <a:t>Mișcare în lateral</a:t>
-            </a:r>
-          </a:p>
-          <a:p>
-            <a:pPr marL="285750" indent="-285750">
-              <a:buFont typeface="Arial" panose="020B0604020202020204" pitchFamily="34" charset="0"/>
-              <a:buChar char="•"/>
-            </a:pPr>
-            <a:endParaRPr lang="ro-RO" sz="2600" dirty="0"/>
-          </a:p>
-          <a:p>
-            <a:pPr marL="285750" indent="-285750">
-              <a:buFont typeface="Arial" panose="020B0604020202020204" pitchFamily="34" charset="0"/>
-              <a:buChar char="•"/>
-            </a:pPr>
-            <a:r>
-              <a:rPr lang="ro-RO" sz="2600" dirty="0"/>
-              <a:t>Întoarcere 90° stânga</a:t>
-            </a:r>
-            <a:endParaRPr lang="en-US" sz="2600" dirty="0"/>
+            <a:fld id="{29574101-FBCA-4CCC-8F71-4FACD19D0373}" type="slidenum">
+              <a:rPr lang="en-US" sz="1200">
+                <a:latin typeface="+mj-lt"/>
+              </a:rPr>
+              <a:pPr defTabSz="914400">
+                <a:spcAft>
+                  <a:spcPts val="600"/>
+                </a:spcAft>
+              </a:pPr>
+              <a:t>8</a:t>
+            </a:fld>
+            <a:endParaRPr lang="en-US" sz="1200">
+              <a:latin typeface="+mj-lt"/>
+            </a:endParaRPr>
           </a:p>
         </p:txBody>
       </p:sp>
@@ -27379,19 +27954,20 @@
   <p:clrMapOvr>
     <a:masterClrMapping/>
   </p:clrMapOvr>
-  <p:timing>
-    <p:tnLst>
-      <p:par>
-        <p:cTn id="1" dur="indefinite" restart="never" nodeType="tmRoot"/>
-      </p:par>
-    </p:tnLst>
-  </p:timing>
 </p:sld>
 </file>
 
 <file path=ppt/slides/slide9.xml><?xml version="1.0" encoding="utf-8"?>
 <p:sld xmlns:a="http://schemas.openxmlformats.org/drawingml/2006/main" xmlns:r="http://schemas.openxmlformats.org/officeDocument/2006/relationships" xmlns:p="http://schemas.openxmlformats.org/presentationml/2006/main">
   <p:cSld>
+    <p:bg>
+      <p:bgPr>
+        <a:solidFill>
+          <a:schemeClr val="bg1"/>
+        </a:solidFill>
+        <a:effectLst/>
+      </p:bgPr>
+    </p:bg>
     <p:spTree>
       <p:nvGrpSpPr>
         <p:cNvPr id="1" name=""/>
@@ -27406,36 +27982,92 @@
           <a:chExt cx="0" cy="0"/>
         </a:xfrm>
       </p:grpSpPr>
-      <p:sp>
+      <p:sp useBgFill="1">
         <p:nvSpPr>
-          <p:cNvPr id="2" name="Title 1"/>
+          <p:cNvPr id="27" name="Rectangle 26">
+            <a:extLst>
+              <a:ext uri="{FF2B5EF4-FFF2-40B4-BE49-F238E27FC236}">
+                <a16:creationId xmlns:a16="http://schemas.microsoft.com/office/drawing/2014/main" id="{E009DD9B-5EE2-4C0D-8B2B-351C8C102205}"/>
+              </a:ext>
+              <a:ext uri="{C183D7F6-B498-43B3-948B-1728B52AA6E4}">
+                <adec:decorative xmlns:adec="http://schemas.microsoft.com/office/drawing/2017/decorative" val="1"/>
+              </a:ext>
+            </a:extLst>
+          </p:cNvPr>
           <p:cNvSpPr>
-            <a:spLocks noGrp="1"/>
+            <a:spLocks noGrp="1" noRot="1" noChangeAspect="1" noMove="1" noResize="1" noEditPoints="1" noAdjustHandles="1" noChangeArrowheads="1" noChangeShapeType="1" noTextEdit="1"/>
           </p:cNvSpPr>
           <p:nvPr>
-            <p:ph type="title"/>
+            <p:extLst>
+              <p:ext uri="{386F3935-93C4-4BCD-93E2-E3B085C9AB24}">
+                <p16:designElem xmlns:p16="http://schemas.microsoft.com/office/powerpoint/2015/main" val="1"/>
+              </p:ext>
+            </p:extLst>
           </p:nvPr>
         </p:nvSpPr>
         <p:spPr>
           <a:xfrm>
-            <a:off x="457200" y="274638"/>
-            <a:ext cx="8686800" cy="1143000"/>
+            <a:off x="0" y="0"/>
+            <a:ext cx="9144000" cy="6858000"/>
           </a:xfrm>
+          <a:prstGeom prst="rect">
+            <a:avLst/>
+          </a:prstGeom>
+          <a:ln>
+            <a:noFill/>
+          </a:ln>
         </p:spPr>
+        <p:style>
+          <a:lnRef idx="2">
+            <a:schemeClr val="accent1">
+              <a:shade val="50000"/>
+            </a:schemeClr>
+          </a:lnRef>
+          <a:fillRef idx="1">
+            <a:schemeClr val="accent1"/>
+          </a:fillRef>
+          <a:effectRef idx="0">
+            <a:schemeClr val="accent1"/>
+          </a:effectRef>
+          <a:fontRef idx="minor">
+            <a:schemeClr val="lt1"/>
+          </a:fontRef>
+        </p:style>
         <p:txBody>
-          <a:bodyPr/>
+          <a:bodyPr rtlCol="0" anchor="ctr"/>
           <a:lstStyle/>
           <a:p>
-            <a:pPr algn="ctr"/>
-            <a:r>
-              <a:rPr lang="en-US" noProof="1"/>
-              <a:t>Aplica</a:t>
-            </a:r>
-            <a:r>
-              <a:rPr lang="ro-RO" dirty="0"/>
-              <a:t>ția Android</a:t>
-            </a:r>
-            <a:endParaRPr lang="en-US" dirty="0"/>
+            <a:pPr marL="0" marR="0" lvl="0" indent="0" algn="ctr" defTabSz="914400" rtl="0" eaLnBrk="1" fontAlgn="auto" latinLnBrk="0" hangingPunct="1">
+              <a:lnSpc>
+                <a:spcPct val="100000"/>
+              </a:lnSpc>
+              <a:spcBef>
+                <a:spcPts val="0"/>
+              </a:spcBef>
+              <a:spcAft>
+                <a:spcPts val="0"/>
+              </a:spcAft>
+              <a:buClrTx/>
+              <a:buSzTx/>
+              <a:buFontTx/>
+              <a:buNone/>
+              <a:tabLst/>
+              <a:defRPr/>
+            </a:pPr>
+            <a:endParaRPr kumimoji="0" lang="en-US" sz="1800" b="0" i="0" u="none" strike="noStrike" kern="1200" cap="none" spc="0" normalizeH="0" baseline="0" noProof="0">
+              <a:ln>
+                <a:noFill/>
+              </a:ln>
+              <a:solidFill>
+                <a:prstClr val="white"/>
+              </a:solidFill>
+              <a:effectLst/>
+              <a:uLnTx/>
+              <a:uFillTx/>
+              <a:latin typeface="Rockwell" panose="02060603020205020403"/>
+              <a:ea typeface="+mn-ea"/>
+              <a:cs typeface="+mn-cs"/>
+            </a:endParaRPr>
           </a:p>
         </p:txBody>
       </p:sp>
@@ -27444,7 +28076,7 @@
           <p:cNvPr id="6" name="Content Placeholder 5">
             <a:extLst>
               <a:ext uri="{FF2B5EF4-FFF2-40B4-BE49-F238E27FC236}">
-                <a16:creationId xmlns:a16="http://schemas.microsoft.com/office/drawing/2014/main" xmlns="" id="{81FB5CCB-CE24-457F-AB30-55B941DCE6AB}"/>
+                <a16:creationId xmlns:a16="http://schemas.microsoft.com/office/drawing/2014/main" id="{81FB5CCB-CE24-457F-AB30-55B941DCE6AB}"/>
               </a:ext>
             </a:extLst>
           </p:cNvPr>
@@ -27469,31 +28101,193 @@
         </p:blipFill>
         <p:spPr>
           <a:xfrm>
-            <a:off x="3779912" y="1556792"/>
-            <a:ext cx="2232248" cy="4248472"/>
+            <a:off x="5745845" y="505224"/>
+            <a:ext cx="1606582" cy="3060160"/>
           </a:xfrm>
+          <a:prstGeom prst="rect">
+            <a:avLst/>
+          </a:prstGeom>
         </p:spPr>
       </p:pic>
       <p:sp>
         <p:nvSpPr>
-          <p:cNvPr id="4" name="Slide Number Placeholder 3"/>
+          <p:cNvPr id="29" name="Rectangle 28">
+            <a:extLst>
+              <a:ext uri="{FF2B5EF4-FFF2-40B4-BE49-F238E27FC236}">
+                <a16:creationId xmlns:a16="http://schemas.microsoft.com/office/drawing/2014/main" id="{E720DB99-7745-4E75-9D96-AAB6D55C531E}"/>
+              </a:ext>
+              <a:ext uri="{C183D7F6-B498-43B3-948B-1728B52AA6E4}">
+                <adec:decorative xmlns:adec="http://schemas.microsoft.com/office/drawing/2017/decorative" val="1"/>
+              </a:ext>
+            </a:extLst>
+          </p:cNvPr>
+          <p:cNvSpPr>
+            <a:spLocks noGrp="1" noRot="1" noChangeAspect="1" noMove="1" noResize="1" noEditPoints="1" noAdjustHandles="1" noChangeArrowheads="1" noChangeShapeType="1" noTextEdit="1"/>
+          </p:cNvSpPr>
+          <p:nvPr>
+            <p:extLst>
+              <p:ext uri="{386F3935-93C4-4BCD-93E2-E3B085C9AB24}">
+                <p16:designElem xmlns:p16="http://schemas.microsoft.com/office/powerpoint/2015/main" val="1"/>
+              </p:ext>
+            </p:extLst>
+          </p:nvPr>
+        </p:nvSpPr>
+        <p:spPr>
+          <a:xfrm>
+            <a:off x="738378" y="3837459"/>
+            <a:ext cx="7667244" cy="80683"/>
+          </a:xfrm>
+          <a:prstGeom prst="rect">
+            <a:avLst/>
+          </a:prstGeom>
+          <a:blipFill dpi="0" rotWithShape="1">
+            <a:blip r:embed="rId3">
+              <a:alphaModFix amt="85000"/>
+              <a:lum bright="70000" contrast="-70000"/>
+              <a:extLst>
+                <a:ext uri="{BEBA8EAE-BF5A-486C-A8C5-ECC9F3942E4B}">
+                  <a14:imgProps xmlns:a14="http://schemas.microsoft.com/office/drawing/2010/main">
+                    <a14:imgLayer r:embed="rId4">
+                      <a14:imgEffect>
+                        <a14:sharpenSoften amount="61000"/>
+                      </a14:imgEffect>
+                    </a14:imgLayer>
+                  </a14:imgProps>
+                </a:ext>
+                <a:ext uri="{28A0092B-C50C-407E-A947-70E740481C1C}">
+                  <a14:useLocalDpi xmlns:a14="http://schemas.microsoft.com/office/drawing/2010/main" val="0"/>
+                </a:ext>
+              </a:extLst>
+            </a:blip>
+            <a:srcRect/>
+            <a:tile tx="0" ty="-762000" sx="92000" sy="89000" flip="xy" algn="ctr"/>
+          </a:blipFill>
+          <a:ln>
+            <a:noFill/>
+          </a:ln>
+        </p:spPr>
+        <p:style>
+          <a:lnRef idx="2">
+            <a:schemeClr val="accent1">
+              <a:shade val="50000"/>
+            </a:schemeClr>
+          </a:lnRef>
+          <a:fillRef idx="1">
+            <a:schemeClr val="accent1"/>
+          </a:fillRef>
+          <a:effectRef idx="0">
+            <a:schemeClr val="accent1"/>
+          </a:effectRef>
+          <a:fontRef idx="minor">
+            <a:schemeClr val="lt1"/>
+          </a:fontRef>
+        </p:style>
+      </p:sp>
+      <p:sp>
+        <p:nvSpPr>
+          <p:cNvPr id="31" name="Rectangle 30">
+            <a:extLst>
+              <a:ext uri="{FF2B5EF4-FFF2-40B4-BE49-F238E27FC236}">
+                <a16:creationId xmlns:a16="http://schemas.microsoft.com/office/drawing/2014/main" id="{D68803C4-E159-4360-B7BB-74205C8F782D}"/>
+              </a:ext>
+              <a:ext uri="{C183D7F6-B498-43B3-948B-1728B52AA6E4}">
+                <adec:decorative xmlns:adec="http://schemas.microsoft.com/office/drawing/2017/decorative" val="1"/>
+              </a:ext>
+            </a:extLst>
+          </p:cNvPr>
+          <p:cNvSpPr>
+            <a:spLocks noGrp="1" noRot="1" noChangeAspect="1" noMove="1" noResize="1" noEditPoints="1" noAdjustHandles="1" noChangeArrowheads="1" noChangeShapeType="1" noTextEdit="1"/>
+          </p:cNvSpPr>
+          <p:nvPr>
+            <p:extLst>
+              <p:ext uri="{386F3935-93C4-4BCD-93E2-E3B085C9AB24}">
+                <p16:designElem xmlns:p16="http://schemas.microsoft.com/office/powerpoint/2015/main" val="1"/>
+              </p:ext>
+            </p:extLst>
+          </p:nvPr>
+        </p:nvSpPr>
+        <p:spPr>
+          <a:xfrm>
+            <a:off x="738378" y="3981573"/>
+            <a:ext cx="7667244" cy="2078335"/>
+          </a:xfrm>
+          <a:prstGeom prst="rect">
+            <a:avLst/>
+          </a:prstGeom>
+          <a:blipFill dpi="0" rotWithShape="1">
+            <a:blip r:embed="rId3">
+              <a:alphaModFix amt="95000"/>
+              <a:lum bright="70000" contrast="-70000"/>
+              <a:extLst>
+                <a:ext uri="{BEBA8EAE-BF5A-486C-A8C5-ECC9F3942E4B}">
+                  <a14:imgProps xmlns:a14="http://schemas.microsoft.com/office/drawing/2010/main">
+                    <a14:imgLayer r:embed="rId4">
+                      <a14:imgEffect>
+                        <a14:sharpenSoften amount="61000"/>
+                      </a14:imgEffect>
+                    </a14:imgLayer>
+                  </a14:imgProps>
+                </a:ext>
+                <a:ext uri="{28A0092B-C50C-407E-A947-70E740481C1C}">
+                  <a14:useLocalDpi xmlns:a14="http://schemas.microsoft.com/office/drawing/2010/main" val="0"/>
+                </a:ext>
+              </a:extLst>
+            </a:blip>
+            <a:srcRect/>
+            <a:tile tx="0" ty="-704850" sx="92000" sy="89000" flip="xy" algn="ctr"/>
+          </a:blipFill>
+          <a:ln>
+            <a:noFill/>
+          </a:ln>
+        </p:spPr>
+        <p:style>
+          <a:lnRef idx="2">
+            <a:schemeClr val="accent1">
+              <a:shade val="50000"/>
+            </a:schemeClr>
+          </a:lnRef>
+          <a:fillRef idx="1">
+            <a:schemeClr val="accent1"/>
+          </a:fillRef>
+          <a:effectRef idx="0">
+            <a:schemeClr val="accent1"/>
+          </a:effectRef>
+          <a:fontRef idx="minor">
+            <a:schemeClr val="lt1"/>
+          </a:fontRef>
+        </p:style>
+      </p:sp>
+      <p:sp>
+        <p:nvSpPr>
+          <p:cNvPr id="2" name="Title 1"/>
           <p:cNvSpPr>
             <a:spLocks noGrp="1"/>
           </p:cNvSpPr>
           <p:nvPr>
-            <p:ph type="sldNum" sz="quarter" idx="12"/>
+            <p:ph type="title"/>
           </p:nvPr>
         </p:nvSpPr>
-        <p:spPr/>
+        <p:spPr>
+          <a:xfrm>
+            <a:off x="964092" y="4162031"/>
+            <a:ext cx="3407762" cy="1767141"/>
+          </a:xfrm>
+        </p:spPr>
         <p:txBody>
-          <a:bodyPr/>
+          <a:bodyPr vert="horz" lIns="91440" tIns="45720" rIns="91440" bIns="45720" rtlCol="0" anchor="ctr">
+            <a:normAutofit/>
+          </a:bodyPr>
           <a:lstStyle/>
           <a:p>
-            <a:fld id="{29574101-FBCA-4CCC-8F71-4FACD19D0373}" type="slidenum">
-              <a:rPr lang="en-US" smtClean="0"/>
-              <a:t>9</a:t>
-            </a:fld>
-            <a:endParaRPr lang="en-US" dirty="0"/>
+            <a:pPr algn="ctr"/>
+            <a:r>
+              <a:rPr lang="en-US" noProof="1"/>
+              <a:t>Aplicația</a:t>
+            </a:r>
+            <a:r>
+              <a:rPr lang="en-US" dirty="0"/>
+              <a:t> Android</a:t>
+            </a:r>
           </a:p>
         </p:txBody>
       </p:sp>
@@ -27502,7 +28296,7 @@
           <p:cNvPr id="8" name="Picture 7">
             <a:extLst>
               <a:ext uri="{FF2B5EF4-FFF2-40B4-BE49-F238E27FC236}">
-                <a16:creationId xmlns:a16="http://schemas.microsoft.com/office/drawing/2014/main" xmlns="" id="{AA6F2317-976C-4AA9-8F3A-E1A1BB8D92F4}"/>
+                <a16:creationId xmlns:a16="http://schemas.microsoft.com/office/drawing/2014/main" id="{AA6F2317-976C-4AA9-8F3A-E1A1BB8D92F4}"/>
               </a:ext>
             </a:extLst>
           </p:cNvPr>
@@ -27512,7 +28306,7 @@
           <p:nvPr/>
         </p:nvPicPr>
         <p:blipFill>
-          <a:blip r:embed="rId3" cstate="print">
+          <a:blip r:embed="rId5" cstate="print">
             <a:extLst>
               <a:ext uri="{28A0092B-C50C-407E-A947-70E740481C1C}">
                 <a14:useLocalDpi xmlns:a14="http://schemas.microsoft.com/office/drawing/2010/main" val="0"/>
@@ -27525,8 +28319,8 @@
         </p:blipFill>
         <p:spPr>
           <a:xfrm>
-            <a:off x="6186142" y="1541038"/>
-            <a:ext cx="2114500" cy="1585875"/>
+            <a:off x="738376" y="642938"/>
+            <a:ext cx="3712974" cy="2784730"/>
           </a:xfrm>
           <a:prstGeom prst="rect">
             <a:avLst/>
@@ -27538,7 +28332,7 @@
           <p:cNvPr id="9" name="TextBox 8">
             <a:extLst>
               <a:ext uri="{FF2B5EF4-FFF2-40B4-BE49-F238E27FC236}">
-                <a16:creationId xmlns:a16="http://schemas.microsoft.com/office/drawing/2014/main" xmlns="" id="{B8CA411E-9A70-468F-8311-B6B05957C2A3}"/>
+                <a16:creationId xmlns:a16="http://schemas.microsoft.com/office/drawing/2014/main" id="{B8CA411E-9A70-468F-8311-B6B05957C2A3}"/>
               </a:ext>
             </a:extLst>
           </p:cNvPr>
@@ -27547,67 +28341,397 @@
         </p:nvSpPr>
         <p:spPr>
           <a:xfrm>
-            <a:off x="611560" y="1556792"/>
-            <a:ext cx="3168352" cy="4093428"/>
+            <a:off x="4663440" y="4170410"/>
+            <a:ext cx="3524415" cy="1767141"/>
           </a:xfrm>
           <a:prstGeom prst="rect">
             <a:avLst/>
           </a:prstGeom>
-          <a:noFill/>
         </p:spPr>
         <p:txBody>
-          <a:bodyPr wrap="square" rtlCol="0">
-            <a:spAutoFit/>
+          <a:bodyPr vert="horz" lIns="91440" tIns="45720" rIns="91440" bIns="45720" rtlCol="0" anchor="ctr">
+            <a:noAutofit/>
           </a:bodyPr>
           <a:lstStyle/>
           <a:p>
-            <a:pPr marL="285750" indent="-285750">
-              <a:buFont typeface="Arial" panose="020B0604020202020204" pitchFamily="34" charset="0"/>
-              <a:buChar char="•"/>
+            <a:pPr marL="285750" indent="-182880" defTabSz="914400">
+              <a:lnSpc>
+                <a:spcPct val="90000"/>
+              </a:lnSpc>
+              <a:spcAft>
+                <a:spcPts val="600"/>
+              </a:spcAft>
+              <a:buClr>
+                <a:schemeClr val="accent1">
+                  <a:lumMod val="75000"/>
+                </a:schemeClr>
+              </a:buClr>
+              <a:buSzPct val="85000"/>
+              <a:buFont typeface="Wingdings" pitchFamily="2" charset="2"/>
+              <a:buChar char="§"/>
             </a:pPr>
             <a:r>
-              <a:rPr lang="ro-RO" sz="2600" dirty="0"/>
+              <a:rPr lang="en-US" sz="2000" noProof="1">
+                <a:latin typeface="+mj-lt"/>
+              </a:rPr>
               <a:t>Comenzi pentru deplasare</a:t>
             </a:r>
           </a:p>
           <a:p>
-            <a:pPr marL="285750" indent="-285750">
-              <a:buFont typeface="Arial" panose="020B0604020202020204" pitchFamily="34" charset="0"/>
-              <a:buChar char="•"/>
+            <a:pPr marL="285750" indent="-182880" defTabSz="914400">
+              <a:lnSpc>
+                <a:spcPct val="90000"/>
+              </a:lnSpc>
+              <a:spcAft>
+                <a:spcPts val="600"/>
+              </a:spcAft>
+              <a:buClr>
+                <a:schemeClr val="accent1">
+                  <a:lumMod val="75000"/>
+                </a:schemeClr>
+              </a:buClr>
+              <a:buSzPct val="85000"/>
+              <a:buFont typeface="Wingdings" pitchFamily="2" charset="2"/>
+              <a:buChar char="§"/>
             </a:pPr>
             <a:r>
-              <a:rPr lang="ro-RO" sz="2600" dirty="0"/>
+              <a:rPr lang="en-US" sz="2000" noProof="1">
+                <a:latin typeface="+mj-lt"/>
+              </a:rPr>
               <a:t>Comenzi pentru șut</a:t>
             </a:r>
           </a:p>
           <a:p>
-            <a:pPr marL="285750" indent="-285750">
-              <a:buFont typeface="Arial" panose="020B0604020202020204" pitchFamily="34" charset="0"/>
-              <a:buChar char="•"/>
+            <a:pPr marL="285750" indent="-182880" defTabSz="914400">
+              <a:lnSpc>
+                <a:spcPct val="90000"/>
+              </a:lnSpc>
+              <a:spcAft>
+                <a:spcPts val="600"/>
+              </a:spcAft>
+              <a:buClr>
+                <a:schemeClr val="accent1">
+                  <a:lumMod val="75000"/>
+                </a:schemeClr>
+              </a:buClr>
+              <a:buSzPct val="85000"/>
+              <a:buFont typeface="Wingdings" pitchFamily="2" charset="2"/>
+              <a:buChar char="§"/>
             </a:pPr>
             <a:r>
-              <a:rPr lang="ro-RO" sz="2600" dirty="0"/>
+              <a:rPr lang="en-US" sz="2000" noProof="1">
+                <a:latin typeface="+mj-lt"/>
+              </a:rPr>
               <a:t>Comandă pentru schimbarea modului de control</a:t>
             </a:r>
           </a:p>
           <a:p>
-            <a:pPr marL="285750" indent="-285750">
-              <a:buFont typeface="Arial" panose="020B0604020202020204" pitchFamily="34" charset="0"/>
-              <a:buChar char="•"/>
+            <a:pPr marL="285750" indent="-182880" defTabSz="914400">
+              <a:lnSpc>
+                <a:spcPct val="90000"/>
+              </a:lnSpc>
+              <a:spcAft>
+                <a:spcPts val="600"/>
+              </a:spcAft>
+              <a:buClr>
+                <a:schemeClr val="accent1">
+                  <a:lumMod val="75000"/>
+                </a:schemeClr>
+              </a:buClr>
+              <a:buSzPct val="85000"/>
+              <a:buFont typeface="Wingdings" pitchFamily="2" charset="2"/>
+              <a:buChar char="§"/>
             </a:pPr>
             <a:r>
-              <a:rPr lang="ro-RO" sz="2600" dirty="0"/>
-              <a:t>Vizualizare </a:t>
+              <a:rPr lang="en-US" sz="2000" noProof="1">
+                <a:latin typeface="+mj-lt"/>
+              </a:rPr>
+              <a:t>Vizualizare finalizare comenzi</a:t>
             </a:r>
-            <a:r>
-              <a:rPr lang="en-US" sz="2600" noProof="1"/>
-              <a:t>finalizare</a:t>
-            </a:r>
-            <a:r>
-              <a:rPr lang="ro-RO" sz="2600" dirty="0"/>
-              <a:t> comenzi</a:t>
-            </a:r>
-            <a:endParaRPr lang="en-US" sz="2600" dirty="0"/>
+          </a:p>
+        </p:txBody>
+      </p:sp>
+      <p:sp>
+        <p:nvSpPr>
+          <p:cNvPr id="33" name="Rectangle 32">
+            <a:extLst>
+              <a:ext uri="{FF2B5EF4-FFF2-40B4-BE49-F238E27FC236}">
+                <a16:creationId xmlns:a16="http://schemas.microsoft.com/office/drawing/2014/main" id="{504B0465-3B07-49BF-BEA7-D81476246293}"/>
+              </a:ext>
+              <a:ext uri="{C183D7F6-B498-43B3-948B-1728B52AA6E4}">
+                <adec:decorative xmlns:adec="http://schemas.microsoft.com/office/drawing/2017/decorative" val="1"/>
+              </a:ext>
+            </a:extLst>
+          </p:cNvPr>
+          <p:cNvSpPr>
+            <a:spLocks noGrp="1" noRot="1" noChangeAspect="1" noMove="1" noResize="1" noEditPoints="1" noAdjustHandles="1" noChangeArrowheads="1" noChangeShapeType="1" noTextEdit="1"/>
+          </p:cNvSpPr>
+          <p:nvPr>
+            <p:extLst>
+              <p:ext uri="{386F3935-93C4-4BCD-93E2-E3B085C9AB24}">
+                <p16:designElem xmlns:p16="http://schemas.microsoft.com/office/powerpoint/2015/main" val="1"/>
+              </p:ext>
+            </p:extLst>
+          </p:nvPr>
+        </p:nvSpPr>
+        <p:spPr>
+          <a:xfrm>
+            <a:off x="738378" y="6128670"/>
+            <a:ext cx="7667244" cy="80683"/>
+          </a:xfrm>
+          <a:prstGeom prst="rect">
+            <a:avLst/>
+          </a:prstGeom>
+          <a:blipFill dpi="0" rotWithShape="1">
+            <a:blip r:embed="rId3">
+              <a:alphaModFix amt="85000"/>
+              <a:lum bright="70000" contrast="-70000"/>
+              <a:extLst>
+                <a:ext uri="{BEBA8EAE-BF5A-486C-A8C5-ECC9F3942E4B}">
+                  <a14:imgProps xmlns:a14="http://schemas.microsoft.com/office/drawing/2010/main">
+                    <a14:imgLayer r:embed="rId4">
+                      <a14:imgEffect>
+                        <a14:sharpenSoften amount="61000"/>
+                      </a14:imgEffect>
+                    </a14:imgLayer>
+                  </a14:imgProps>
+                </a:ext>
+                <a:ext uri="{28A0092B-C50C-407E-A947-70E740481C1C}">
+                  <a14:useLocalDpi xmlns:a14="http://schemas.microsoft.com/office/drawing/2010/main" val="0"/>
+                </a:ext>
+              </a:extLst>
+            </a:blip>
+            <a:srcRect/>
+            <a:tile tx="0" ty="-717550" sx="92000" sy="89000" flip="xy" algn="ctr"/>
+          </a:blipFill>
+          <a:ln>
+            <a:noFill/>
+          </a:ln>
+        </p:spPr>
+        <p:style>
+          <a:lnRef idx="2">
+            <a:schemeClr val="accent1">
+              <a:shade val="50000"/>
+            </a:schemeClr>
+          </a:lnRef>
+          <a:fillRef idx="1">
+            <a:schemeClr val="accent1"/>
+          </a:fillRef>
+          <a:effectRef idx="0">
+            <a:schemeClr val="accent1"/>
+          </a:effectRef>
+          <a:fontRef idx="minor">
+            <a:schemeClr val="lt1"/>
+          </a:fontRef>
+        </p:style>
+      </p:sp>
+      <p:sp>
+        <p:nvSpPr>
+          <p:cNvPr id="35" name="Oval 34">
+            <a:extLst>
+              <a:ext uri="{FF2B5EF4-FFF2-40B4-BE49-F238E27FC236}">
+                <a16:creationId xmlns:a16="http://schemas.microsoft.com/office/drawing/2014/main" id="{49B7FFA5-14CB-4A4F-9BCC-CA3AA5D9D276}"/>
+              </a:ext>
+              <a:ext uri="{C183D7F6-B498-43B3-948B-1728B52AA6E4}">
+                <adec:decorative xmlns:adec="http://schemas.microsoft.com/office/drawing/2017/decorative" val="1"/>
+              </a:ext>
+            </a:extLst>
+          </p:cNvPr>
+          <p:cNvSpPr>
+            <a:spLocks noGrp="1" noRot="1" noChangeAspect="1" noMove="1" noResize="1" noEditPoints="1" noAdjustHandles="1" noChangeArrowheads="1" noChangeShapeType="1" noTextEdit="1"/>
+          </p:cNvSpPr>
+          <p:nvPr>
+            <p:extLst>
+              <p:ext uri="{386F3935-93C4-4BCD-93E2-E3B085C9AB24}">
+                <p16:designElem xmlns:p16="http://schemas.microsoft.com/office/powerpoint/2015/main" val="1"/>
+              </p:ext>
+            </p:extLst>
+          </p:nvPr>
+        </p:nvSpPr>
+        <p:spPr>
+          <a:xfrm>
+            <a:off x="8551293" y="6229681"/>
+            <a:ext cx="342900" cy="457200"/>
+          </a:xfrm>
+          <a:prstGeom prst="ellipse">
+            <a:avLst/>
+          </a:prstGeom>
+          <a:blipFill dpi="0" rotWithShape="1">
+            <a:blip r:embed="rId6">
+              <a:duotone>
+                <a:schemeClr val="accent1">
+                  <a:shade val="45000"/>
+                  <a:satMod val="135000"/>
+                </a:schemeClr>
+                <a:prstClr val="white"/>
+              </a:duotone>
+            </a:blip>
+            <a:srcRect/>
+            <a:tile tx="50800" ty="0" sx="85000" sy="85000" flip="none" algn="tl"/>
+          </a:blipFill>
+          <a:ln w="25400" cap="flat" cmpd="sng" algn="ctr">
+            <a:noFill/>
+            <a:prstDash val="solid"/>
+          </a:ln>
+          <a:effectLst/>
+        </p:spPr>
+        <p:txBody>
+          <a:bodyPr lIns="0" tIns="0" rIns="0" bIns="0" rtlCol="0" anchor="ctr"/>
+          <a:lstStyle/>
+          <a:p>
+            <a:pPr marL="0" marR="0" lvl="0" indent="0" algn="ctr" defTabSz="914400" rtl="0" eaLnBrk="1" fontAlgn="auto" latinLnBrk="0" hangingPunct="1">
+              <a:lnSpc>
+                <a:spcPct val="100000"/>
+              </a:lnSpc>
+              <a:spcBef>
+                <a:spcPts val="0"/>
+              </a:spcBef>
+              <a:spcAft>
+                <a:spcPts val="0"/>
+              </a:spcAft>
+              <a:buClrTx/>
+              <a:buSzTx/>
+              <a:buFontTx/>
+              <a:buNone/>
+              <a:tabLst/>
+              <a:defRPr/>
+            </a:pPr>
+            <a:endParaRPr kumimoji="0" lang="en-US" sz="2000" b="0" i="0" u="none" strike="noStrike" kern="0" cap="none" spc="0" normalizeH="0" baseline="0" noProof="0" dirty="0">
+              <a:ln>
+                <a:noFill/>
+              </a:ln>
+              <a:solidFill>
+                <a:prstClr val="white"/>
+              </a:solidFill>
+              <a:effectLst/>
+              <a:uLnTx/>
+              <a:uFillTx/>
+              <a:latin typeface="Rockwell Extra Bold" pitchFamily="18" charset="0"/>
+              <a:ea typeface="+mn-ea"/>
+              <a:cs typeface="+mn-cs"/>
+            </a:endParaRPr>
+          </a:p>
+        </p:txBody>
+      </p:sp>
+      <p:sp>
+        <p:nvSpPr>
+          <p:cNvPr id="37" name="Oval 36">
+            <a:extLst>
+              <a:ext uri="{FF2B5EF4-FFF2-40B4-BE49-F238E27FC236}">
+                <a16:creationId xmlns:a16="http://schemas.microsoft.com/office/drawing/2014/main" id="{04E48745-7512-4EC2-9E20-9092D12150CA}"/>
+              </a:ext>
+              <a:ext uri="{C183D7F6-B498-43B3-948B-1728B52AA6E4}">
+                <adec:decorative xmlns:adec="http://schemas.microsoft.com/office/drawing/2017/decorative" val="1"/>
+              </a:ext>
+            </a:extLst>
+          </p:cNvPr>
+          <p:cNvSpPr>
+            <a:spLocks noGrp="1" noRot="1" noChangeAspect="1" noMove="1" noResize="1" noEditPoints="1" noAdjustHandles="1" noChangeArrowheads="1" noChangeShapeType="1" noTextEdit="1"/>
+          </p:cNvSpPr>
+          <p:nvPr>
+            <p:extLst>
+              <p:ext uri="{386F3935-93C4-4BCD-93E2-E3B085C9AB24}">
+                <p16:designElem xmlns:p16="http://schemas.microsoft.com/office/powerpoint/2015/main" val="1"/>
+              </p:ext>
+            </p:extLst>
+          </p:nvPr>
+        </p:nvSpPr>
+        <p:spPr>
+          <a:xfrm>
+            <a:off x="8573188" y="6258874"/>
+            <a:ext cx="299110" cy="398815"/>
+          </a:xfrm>
+          <a:prstGeom prst="ellipse">
+            <a:avLst/>
+          </a:prstGeom>
+          <a:noFill/>
+          <a:ln w="12700" cap="flat" cmpd="sng" algn="ctr">
+            <a:solidFill>
+              <a:srgbClr val="FFFFFF"/>
+            </a:solidFill>
+            <a:prstDash val="solid"/>
+          </a:ln>
+          <a:effectLst/>
+        </p:spPr>
+        <p:txBody>
+          <a:bodyPr rtlCol="0" anchor="ctr"/>
+          <a:lstStyle/>
+          <a:p>
+            <a:pPr marL="0" marR="0" lvl="0" indent="0" algn="ctr" defTabSz="914400" rtl="0" eaLnBrk="1" fontAlgn="auto" latinLnBrk="0" hangingPunct="1">
+              <a:lnSpc>
+                <a:spcPct val="100000"/>
+              </a:lnSpc>
+              <a:spcBef>
+                <a:spcPts val="0"/>
+              </a:spcBef>
+              <a:spcAft>
+                <a:spcPts val="0"/>
+              </a:spcAft>
+              <a:buClrTx/>
+              <a:buSzTx/>
+              <a:buFontTx/>
+              <a:buNone/>
+              <a:tabLst/>
+              <a:defRPr/>
+            </a:pPr>
+            <a:endParaRPr kumimoji="0" lang="en-US" sz="1800" b="0" i="0" u="none" strike="noStrike" kern="0" cap="none" spc="0" normalizeH="0" baseline="0" noProof="0" dirty="0">
+              <a:ln>
+                <a:noFill/>
+              </a:ln>
+              <a:solidFill>
+                <a:prstClr val="white"/>
+              </a:solidFill>
+              <a:effectLst/>
+              <a:uLnTx/>
+              <a:uFillTx/>
+              <a:latin typeface="Calibri"/>
+              <a:ea typeface="+mn-ea"/>
+              <a:cs typeface="+mn-cs"/>
+            </a:endParaRPr>
+          </a:p>
+        </p:txBody>
+      </p:sp>
+      <p:sp>
+        <p:nvSpPr>
+          <p:cNvPr id="4" name="Slide Number Placeholder 3"/>
+          <p:cNvSpPr>
+            <a:spLocks noGrp="1"/>
+          </p:cNvSpPr>
+          <p:nvPr>
+            <p:ph type="sldNum" sz="quarter" idx="12"/>
+          </p:nvPr>
+        </p:nvSpPr>
+        <p:spPr>
+          <a:xfrm>
+            <a:off x="8483346" y="6272784"/>
+            <a:ext cx="480060" cy="365125"/>
+          </a:xfrm>
+        </p:spPr>
+        <p:txBody>
+          <a:bodyPr vert="horz" lIns="91440" tIns="45720" rIns="91440" bIns="45720" rtlCol="0" anchor="ctr">
+            <a:normAutofit/>
+          </a:bodyPr>
+          <a:lstStyle/>
+          <a:p>
+            <a:pPr defTabSz="914400">
+              <a:spcAft>
+                <a:spcPts val="600"/>
+              </a:spcAft>
+            </a:pPr>
+            <a:fld id="{29574101-FBCA-4CCC-8F71-4FACD19D0373}" type="slidenum">
+              <a:rPr lang="en-US" sz="1200">
+                <a:latin typeface="+mj-lt"/>
+              </a:rPr>
+              <a:pPr defTabSz="914400">
+                <a:spcAft>
+                  <a:spcPts val="600"/>
+                </a:spcAft>
+              </a:pPr>
+              <a:t>9</a:t>
+            </a:fld>
+            <a:endParaRPr lang="en-US" sz="1200">
+              <a:latin typeface="+mj-lt"/>
+            </a:endParaRPr>
           </a:p>
         </p:txBody>
       </p:sp>
@@ -27621,13 +28745,6 @@
   <p:clrMapOvr>
     <a:masterClrMapping/>
   </p:clrMapOvr>
-  <p:timing>
-    <p:tnLst>
-      <p:par>
-        <p:cTn id="1" dur="indefinite" restart="never" nodeType="tmRoot"/>
-      </p:par>
-    </p:tnLst>
-  </p:timing>
 </p:sld>
 </file>
 
@@ -27852,7 +28969,7 @@
   <a:extraClrSchemeLst/>
   <a:extLst>
     <a:ext uri="{05A4C25C-085E-4340-85A3-A5531E510DB2}">
-      <thm15:themeFamily xmlns:thm15="http://schemas.microsoft.com/office/thememl/2012/main" xmlns="" name="Wood Type" id="{7ACABC62-BF99-48CF-A9DC-4DB89C7B13DC}" vid="{142A1326-48AB-42A9-8428-CB14AA30176D}"/>
+      <thm15:themeFamily xmlns:thm15="http://schemas.microsoft.com/office/thememl/2012/main" name="Wood Type" id="{7ACABC62-BF99-48CF-A9DC-4DB89C7B13DC}" vid="{142A1326-48AB-42A9-8428-CB14AA30176D}"/>
     </a:ext>
   </a:extLst>
 </a:theme>

--- a/ROBOTINHO2.pptx
+++ b/ROBOTINHO2.pptx
@@ -121,7 +121,7 @@
   </p:defaultTextStyle>
   <p:extLst>
     <p:ext uri="{EFAFB233-063F-42B5-8137-9DF3F51BA10A}">
-      <p15:sldGuideLst xmlns:p15="http://schemas.microsoft.com/office/powerpoint/2012/main">
+      <p15:sldGuideLst xmlns:p15="http://schemas.microsoft.com/office/powerpoint/2012/main" xmlns="">
         <p15:guide id="1" orient="horz" pos="2160">
           <p15:clr>
             <a:srgbClr val="A4A3A4"/>
@@ -6647,6 +6647,13 @@
         </dgm:presLayoutVars>
       </dgm:prSet>
       <dgm:spPr/>
+      <dgm:t>
+        <a:bodyPr/>
+        <a:lstStyle/>
+        <a:p>
+          <a:endParaRPr lang="en-US"/>
+        </a:p>
+      </dgm:t>
     </dgm:pt>
     <dgm:pt modelId="{9DF2C696-5E7A-4E6F-94D4-5FD3223D7CEE}" type="pres">
       <dgm:prSet presAssocID="{9E48839D-8EAC-4777-95C0-84FCA742DF84}" presName="node" presStyleLbl="node1" presStyleIdx="0" presStyleCnt="2">
@@ -6655,6 +6662,13 @@
         </dgm:presLayoutVars>
       </dgm:prSet>
       <dgm:spPr/>
+      <dgm:t>
+        <a:bodyPr/>
+        <a:lstStyle/>
+        <a:p>
+          <a:endParaRPr lang="en-US"/>
+        </a:p>
+      </dgm:t>
     </dgm:pt>
     <dgm:pt modelId="{3E44EEB7-6415-484B-B55A-ABFB4ACDD5D8}" type="pres">
       <dgm:prSet presAssocID="{93BF2532-BE3C-475F-ADF3-9DF6B4D341D0}" presName="sibTrans" presStyleCnt="0"/>
@@ -6667,14 +6681,21 @@
         </dgm:presLayoutVars>
       </dgm:prSet>
       <dgm:spPr/>
+      <dgm:t>
+        <a:bodyPr/>
+        <a:lstStyle/>
+        <a:p>
+          <a:endParaRPr lang="en-US"/>
+        </a:p>
+      </dgm:t>
     </dgm:pt>
   </dgm:ptLst>
   <dgm:cxnLst>
-    <dgm:cxn modelId="{64687B19-DFD4-4C2C-9BC2-644572105107}" srcId="{EE2BE08F-D2EA-4EC7-BFDE-F802D01F7559}" destId="{9E48839D-8EAC-4777-95C0-84FCA742DF84}" srcOrd="0" destOrd="0" parTransId="{1488DD77-A10D-40B2-91B2-E0F27E22C694}" sibTransId="{93BF2532-BE3C-475F-ADF3-9DF6B4D341D0}"/>
+    <dgm:cxn modelId="{21C15479-CD25-443D-BCD3-0313AE03EE4B}" type="presOf" srcId="{CBF42DAB-EA68-4574-998A-357D4B165756}" destId="{AF8A49B0-0CB8-4E17-9C1B-1297A7AA7ED9}" srcOrd="0" destOrd="0" presId="urn:microsoft.com/office/officeart/2005/8/layout/default"/>
     <dgm:cxn modelId="{33115B5C-5B20-4F2D-91FB-DA015A00A1D4}" srcId="{EE2BE08F-D2EA-4EC7-BFDE-F802D01F7559}" destId="{CBF42DAB-EA68-4574-998A-357D4B165756}" srcOrd="1" destOrd="0" parTransId="{F502F617-3844-4AD5-BD5F-B5626E6A9716}" sibTransId="{3D9C2C7E-83F5-4A0C-BA36-0D9EA853CC5C}"/>
-    <dgm:cxn modelId="{21C15479-CD25-443D-BCD3-0313AE03EE4B}" type="presOf" srcId="{CBF42DAB-EA68-4574-998A-357D4B165756}" destId="{AF8A49B0-0CB8-4E17-9C1B-1297A7AA7ED9}" srcOrd="0" destOrd="0" presId="urn:microsoft.com/office/officeart/2005/8/layout/default"/>
     <dgm:cxn modelId="{BFFA4FD0-9FA1-423B-83E8-C00C72585CAD}" type="presOf" srcId="{EE2BE08F-D2EA-4EC7-BFDE-F802D01F7559}" destId="{B2A94455-4541-4570-A2BE-FCBCAE20A9BD}" srcOrd="0" destOrd="0" presId="urn:microsoft.com/office/officeart/2005/8/layout/default"/>
     <dgm:cxn modelId="{214AE7D0-D796-4229-A36B-F2BD78BDB4C1}" type="presOf" srcId="{9E48839D-8EAC-4777-95C0-84FCA742DF84}" destId="{9DF2C696-5E7A-4E6F-94D4-5FD3223D7CEE}" srcOrd="0" destOrd="0" presId="urn:microsoft.com/office/officeart/2005/8/layout/default"/>
+    <dgm:cxn modelId="{64687B19-DFD4-4C2C-9BC2-644572105107}" srcId="{EE2BE08F-D2EA-4EC7-BFDE-F802D01F7559}" destId="{9E48839D-8EAC-4777-95C0-84FCA742DF84}" srcOrd="0" destOrd="0" parTransId="{1488DD77-A10D-40B2-91B2-E0F27E22C694}" sibTransId="{93BF2532-BE3C-475F-ADF3-9DF6B4D341D0}"/>
     <dgm:cxn modelId="{B586A1BD-1AB0-4C67-91FA-0490DA2A1B39}" type="presParOf" srcId="{B2A94455-4541-4570-A2BE-FCBCAE20A9BD}" destId="{9DF2C696-5E7A-4E6F-94D4-5FD3223D7CEE}" srcOrd="0" destOrd="0" presId="urn:microsoft.com/office/officeart/2005/8/layout/default"/>
     <dgm:cxn modelId="{16C3127C-3B0B-4B9A-9D46-4F46310DF2BA}" type="presParOf" srcId="{B2A94455-4541-4570-A2BE-FCBCAE20A9BD}" destId="{3E44EEB7-6415-484B-B55A-ABFB4ACDD5D8}" srcOrd="1" destOrd="0" presId="urn:microsoft.com/office/officeart/2005/8/layout/default"/>
     <dgm:cxn modelId="{CD25623A-6536-43B3-B71A-DB327E41605A}" type="presParOf" srcId="{B2A94455-4541-4570-A2BE-FCBCAE20A9BD}" destId="{AF8A49B0-0CB8-4E17-9C1B-1297A7AA7ED9}" srcOrd="2" destOrd="0" presId="urn:microsoft.com/office/officeart/2005/8/layout/default"/>
@@ -6923,6 +6944,13 @@
         </dgm:presLayoutVars>
       </dgm:prSet>
       <dgm:spPr/>
+      <dgm:t>
+        <a:bodyPr/>
+        <a:lstStyle/>
+        <a:p>
+          <a:endParaRPr lang="en-US"/>
+        </a:p>
+      </dgm:t>
     </dgm:pt>
     <dgm:pt modelId="{90122DFE-6840-4F25-9858-3541C72FA229}" type="pres">
       <dgm:prSet presAssocID="{4C61DB19-7F2B-4BB7-A483-7EE2561E3A5E}" presName="composite" presStyleCnt="0"/>
@@ -6937,6 +6965,13 @@
         </dgm:presLayoutVars>
       </dgm:prSet>
       <dgm:spPr/>
+      <dgm:t>
+        <a:bodyPr/>
+        <a:lstStyle/>
+        <a:p>
+          <a:endParaRPr lang="en-US"/>
+        </a:p>
+      </dgm:t>
     </dgm:pt>
     <dgm:pt modelId="{39E88E37-7A59-475C-B0C9-ED2E6E7CD4B3}" type="pres">
       <dgm:prSet presAssocID="{4C61DB19-7F2B-4BB7-A483-7EE2561E3A5E}" presName="desTx" presStyleLbl="alignAccFollowNode1" presStyleIdx="0" presStyleCnt="2">
@@ -6945,6 +6980,13 @@
         </dgm:presLayoutVars>
       </dgm:prSet>
       <dgm:spPr/>
+      <dgm:t>
+        <a:bodyPr/>
+        <a:lstStyle/>
+        <a:p>
+          <a:endParaRPr lang="en-US"/>
+        </a:p>
+      </dgm:t>
     </dgm:pt>
     <dgm:pt modelId="{DCC94ECB-806E-46FC-AB9C-50A34243C980}" type="pres">
       <dgm:prSet presAssocID="{7D3656D0-3782-4A6D-B735-2A5DE7ED6064}" presName="space" presStyleCnt="0"/>
@@ -6963,6 +7005,13 @@
         </dgm:presLayoutVars>
       </dgm:prSet>
       <dgm:spPr/>
+      <dgm:t>
+        <a:bodyPr/>
+        <a:lstStyle/>
+        <a:p>
+          <a:endParaRPr lang="en-US"/>
+        </a:p>
+      </dgm:t>
     </dgm:pt>
     <dgm:pt modelId="{D0FACDE1-EEB7-4178-8955-125C610FF1F0}" type="pres">
       <dgm:prSet presAssocID="{172A49AB-4F6F-4E68-B52C-AE49834A388A}" presName="desTx" presStyleLbl="alignAccFollowNode1" presStyleIdx="1" presStyleCnt="2">
@@ -6971,20 +7020,27 @@
         </dgm:presLayoutVars>
       </dgm:prSet>
       <dgm:spPr/>
+      <dgm:t>
+        <a:bodyPr/>
+        <a:lstStyle/>
+        <a:p>
+          <a:endParaRPr lang="en-US"/>
+        </a:p>
+      </dgm:t>
     </dgm:pt>
   </dgm:ptLst>
   <dgm:cxnLst>
+    <dgm:cxn modelId="{776111D4-B0FD-40B2-9F89-8BBBD72553B0}" srcId="{4C61DB19-7F2B-4BB7-A483-7EE2561E3A5E}" destId="{4DA713F6-2A60-4389-942B-6F118F4FB8DA}" srcOrd="0" destOrd="0" parTransId="{F6860D8F-5E8F-46C0-97E1-4F3A0B719414}" sibTransId="{4A04AF99-D125-434D-921C-827CFE659E24}"/>
     <dgm:cxn modelId="{3CFC2004-005D-4E18-AE98-E5FF1E331DF7}" srcId="{F2163B95-C416-4CB5-A678-986A2AE4F680}" destId="{172A49AB-4F6F-4E68-B52C-AE49834A388A}" srcOrd="1" destOrd="0" parTransId="{02D8E9EF-A461-42FF-9EE9-1B00533A96E8}" sibTransId="{9AFE768B-DBAE-442B-8DB3-13EFBDC9A011}"/>
+    <dgm:cxn modelId="{8A4F1773-7BFE-45C9-BB5C-FF3E66328328}" srcId="{F2163B95-C416-4CB5-A678-986A2AE4F680}" destId="{4C61DB19-7F2B-4BB7-A483-7EE2561E3A5E}" srcOrd="0" destOrd="0" parTransId="{98946D01-CEB9-4B84-8F01-F43953659055}" sibTransId="{7D3656D0-3782-4A6D-B735-2A5DE7ED6064}"/>
     <dgm:cxn modelId="{190F372F-BAEB-4C22-93FE-E151022194E2}" type="presOf" srcId="{4C61DB19-7F2B-4BB7-A483-7EE2561E3A5E}" destId="{6A6F582B-F462-4190-9A0A-170669C476E1}" srcOrd="0" destOrd="0" presId="urn:microsoft.com/office/officeart/2005/8/layout/hList1"/>
     <dgm:cxn modelId="{3D11CA63-2535-4EF3-8173-D2321453D04A}" type="presOf" srcId="{172A49AB-4F6F-4E68-B52C-AE49834A388A}" destId="{54B660C0-3765-4F0D-9266-16112A4CD854}" srcOrd="0" destOrd="0" presId="urn:microsoft.com/office/officeart/2005/8/layout/hList1"/>
+    <dgm:cxn modelId="{F12466E7-E9C4-4869-BE3C-FD4A0EC25BF5}" type="presOf" srcId="{1F5B33C2-507C-4D42-81EA-9D5326E96B3B}" destId="{D0FACDE1-EEB7-4178-8955-125C610FF1F0}" srcOrd="0" destOrd="0" presId="urn:microsoft.com/office/officeart/2005/8/layout/hList1"/>
+    <dgm:cxn modelId="{92B7E2CF-F98B-4832-A0AA-F47F1133DF62}" type="presOf" srcId="{F2163B95-C416-4CB5-A678-986A2AE4F680}" destId="{905844D1-E346-4A3A-B561-457E79319DC0}" srcOrd="0" destOrd="0" presId="urn:microsoft.com/office/officeart/2005/8/layout/hList1"/>
+    <dgm:cxn modelId="{427591D7-DCBF-4E95-95B4-B2063A7253C1}" srcId="{4C61DB19-7F2B-4BB7-A483-7EE2561E3A5E}" destId="{0C6D18F3-8E81-4F8F-8BE9-1FCE249D6040}" srcOrd="1" destOrd="0" parTransId="{C303F662-3510-4816-9FB8-B9E48AE0BACE}" sibTransId="{F7E29758-A36A-4CC9-932A-0B4F41F967B2}"/>
     <dgm:cxn modelId="{CEA6E269-43BE-43AE-8311-B43194FB1C7A}" srcId="{172A49AB-4F6F-4E68-B52C-AE49834A388A}" destId="{1F5B33C2-507C-4D42-81EA-9D5326E96B3B}" srcOrd="0" destOrd="0" parTransId="{FCF09481-E0C7-4803-BE13-F2A06AB44E5C}" sibTransId="{5908BA6A-F881-4EFF-9B1A-3BAE66F3DEC9}"/>
-    <dgm:cxn modelId="{8A4F1773-7BFE-45C9-BB5C-FF3E66328328}" srcId="{F2163B95-C416-4CB5-A678-986A2AE4F680}" destId="{4C61DB19-7F2B-4BB7-A483-7EE2561E3A5E}" srcOrd="0" destOrd="0" parTransId="{98946D01-CEB9-4B84-8F01-F43953659055}" sibTransId="{7D3656D0-3782-4A6D-B735-2A5DE7ED6064}"/>
+    <dgm:cxn modelId="{49D147FA-2D00-4539-867C-9D51E381528D}" type="presOf" srcId="{4DA713F6-2A60-4389-942B-6F118F4FB8DA}" destId="{39E88E37-7A59-475C-B0C9-ED2E6E7CD4B3}" srcOrd="0" destOrd="0" presId="urn:microsoft.com/office/officeart/2005/8/layout/hList1"/>
     <dgm:cxn modelId="{B51F35BE-A60B-4C2B-94A2-19C636CE536F}" type="presOf" srcId="{0C6D18F3-8E81-4F8F-8BE9-1FCE249D6040}" destId="{39E88E37-7A59-475C-B0C9-ED2E6E7CD4B3}" srcOrd="0" destOrd="1" presId="urn:microsoft.com/office/officeart/2005/8/layout/hList1"/>
-    <dgm:cxn modelId="{92B7E2CF-F98B-4832-A0AA-F47F1133DF62}" type="presOf" srcId="{F2163B95-C416-4CB5-A678-986A2AE4F680}" destId="{905844D1-E346-4A3A-B561-457E79319DC0}" srcOrd="0" destOrd="0" presId="urn:microsoft.com/office/officeart/2005/8/layout/hList1"/>
-    <dgm:cxn modelId="{776111D4-B0FD-40B2-9F89-8BBBD72553B0}" srcId="{4C61DB19-7F2B-4BB7-A483-7EE2561E3A5E}" destId="{4DA713F6-2A60-4389-942B-6F118F4FB8DA}" srcOrd="0" destOrd="0" parTransId="{F6860D8F-5E8F-46C0-97E1-4F3A0B719414}" sibTransId="{4A04AF99-D125-434D-921C-827CFE659E24}"/>
-    <dgm:cxn modelId="{427591D7-DCBF-4E95-95B4-B2063A7253C1}" srcId="{4C61DB19-7F2B-4BB7-A483-7EE2561E3A5E}" destId="{0C6D18F3-8E81-4F8F-8BE9-1FCE249D6040}" srcOrd="1" destOrd="0" parTransId="{C303F662-3510-4816-9FB8-B9E48AE0BACE}" sibTransId="{F7E29758-A36A-4CC9-932A-0B4F41F967B2}"/>
-    <dgm:cxn modelId="{F12466E7-E9C4-4869-BE3C-FD4A0EC25BF5}" type="presOf" srcId="{1F5B33C2-507C-4D42-81EA-9D5326E96B3B}" destId="{D0FACDE1-EEB7-4178-8955-125C610FF1F0}" srcOrd="0" destOrd="0" presId="urn:microsoft.com/office/officeart/2005/8/layout/hList1"/>
-    <dgm:cxn modelId="{49D147FA-2D00-4539-867C-9D51E381528D}" type="presOf" srcId="{4DA713F6-2A60-4389-942B-6F118F4FB8DA}" destId="{39E88E37-7A59-475C-B0C9-ED2E6E7CD4B3}" srcOrd="0" destOrd="0" presId="urn:microsoft.com/office/officeart/2005/8/layout/hList1"/>
     <dgm:cxn modelId="{36652491-A24B-4DEB-84F1-40AE9E2383E4}" type="presParOf" srcId="{905844D1-E346-4A3A-B561-457E79319DC0}" destId="{90122DFE-6840-4F25-9858-3541C72FA229}" srcOrd="0" destOrd="0" presId="urn:microsoft.com/office/officeart/2005/8/layout/hList1"/>
     <dgm:cxn modelId="{861D3B71-1D32-484F-87C2-6DC9C9B5906D}" type="presParOf" srcId="{90122DFE-6840-4F25-9858-3541C72FA229}" destId="{6A6F582B-F462-4190-9A0A-170669C476E1}" srcOrd="0" destOrd="0" presId="urn:microsoft.com/office/officeart/2005/8/layout/hList1"/>
     <dgm:cxn modelId="{7BFF212E-8431-49BB-9E56-D1DEE05D69F4}" type="presParOf" srcId="{90122DFE-6840-4F25-9858-3541C72FA229}" destId="{39E88E37-7A59-475C-B0C9-ED2E6E7CD4B3}" srcOrd="1" destOrd="0" presId="urn:microsoft.com/office/officeart/2005/8/layout/hList1"/>
@@ -7189,6 +7245,13 @@
         </dgm:presLayoutVars>
       </dgm:prSet>
       <dgm:spPr/>
+      <dgm:t>
+        <a:bodyPr/>
+        <a:lstStyle/>
+        <a:p>
+          <a:endParaRPr lang="en-US"/>
+        </a:p>
+      </dgm:t>
     </dgm:pt>
     <dgm:pt modelId="{DED33222-C5D4-4E35-993E-B31A1CC17E41}" type="pres">
       <dgm:prSet presAssocID="{45813C60-FB87-4E4E-84CB-2D283EB1348A}" presName="parentText" presStyleLbl="node1" presStyleIdx="0" presStyleCnt="3">
@@ -7198,6 +7261,13 @@
         </dgm:presLayoutVars>
       </dgm:prSet>
       <dgm:spPr/>
+      <dgm:t>
+        <a:bodyPr/>
+        <a:lstStyle/>
+        <a:p>
+          <a:endParaRPr lang="en-US"/>
+        </a:p>
+      </dgm:t>
     </dgm:pt>
     <dgm:pt modelId="{E30B04B1-45C7-47D9-90D0-918FC02209FE}" type="pres">
       <dgm:prSet presAssocID="{45813C60-FB87-4E4E-84CB-2D283EB1348A}" presName="childText" presStyleLbl="revTx" presStyleIdx="0" presStyleCnt="1">
@@ -7206,6 +7276,13 @@
         </dgm:presLayoutVars>
       </dgm:prSet>
       <dgm:spPr/>
+      <dgm:t>
+        <a:bodyPr/>
+        <a:lstStyle/>
+        <a:p>
+          <a:endParaRPr lang="en-US"/>
+        </a:p>
+      </dgm:t>
     </dgm:pt>
     <dgm:pt modelId="{F69BEC3F-8F16-4104-A5A3-A49D25656FB3}" type="pres">
       <dgm:prSet presAssocID="{F2E98D93-1A6A-46F3-B5B6-FC34FAB8B0E1}" presName="parentText" presStyleLbl="node1" presStyleIdx="1" presStyleCnt="3">
@@ -7215,6 +7292,13 @@
         </dgm:presLayoutVars>
       </dgm:prSet>
       <dgm:spPr/>
+      <dgm:t>
+        <a:bodyPr/>
+        <a:lstStyle/>
+        <a:p>
+          <a:endParaRPr lang="en-US"/>
+        </a:p>
+      </dgm:t>
     </dgm:pt>
     <dgm:pt modelId="{470661B3-4D43-47B3-9818-079C79B31ADE}" type="pres">
       <dgm:prSet presAssocID="{75167B2D-CD41-4F0D-BFD5-6A2CA1C0F114}" presName="spacer" presStyleCnt="0"/>
@@ -7228,18 +7312,25 @@
         </dgm:presLayoutVars>
       </dgm:prSet>
       <dgm:spPr/>
+      <dgm:t>
+        <a:bodyPr/>
+        <a:lstStyle/>
+        <a:p>
+          <a:endParaRPr lang="en-US"/>
+        </a:p>
+      </dgm:t>
     </dgm:pt>
   </dgm:ptLst>
   <dgm:cxnLst>
+    <dgm:cxn modelId="{E9A9DAF0-4FCB-4BBF-BA0D-B53831ACAEBA}" type="presOf" srcId="{F2E98D93-1A6A-46F3-B5B6-FC34FAB8B0E1}" destId="{F69BEC3F-8F16-4104-A5A3-A49D25656FB3}" srcOrd="0" destOrd="0" presId="urn:microsoft.com/office/officeart/2005/8/layout/vList2"/>
+    <dgm:cxn modelId="{B35FD21E-49F7-43BD-A66A-0E948540A10F}" srcId="{45813C60-FB87-4E4E-84CB-2D283EB1348A}" destId="{C290EF0F-F348-4F79-AF0B-5F03731D8D39}" srcOrd="0" destOrd="0" parTransId="{DB48B482-793E-4B43-A22C-7356A4CC08E4}" sibTransId="{E1AC2D09-2A24-4087-AB39-9D843736A16A}"/>
+    <dgm:cxn modelId="{8D5E5482-8E4D-4737-AAFE-BD41F5BF6461}" srcId="{585E25B9-0D17-4414-8AD5-35FB476F3476}" destId="{F2E98D93-1A6A-46F3-B5B6-FC34FAB8B0E1}" srcOrd="1" destOrd="0" parTransId="{42FA4DF8-F908-4DA7-9A21-BF1E8870D3DB}" sibTransId="{75167B2D-CD41-4F0D-BFD5-6A2CA1C0F114}"/>
+    <dgm:cxn modelId="{6D19BB35-B48E-4E4A-9DC1-04132076F5FA}" srcId="{585E25B9-0D17-4414-8AD5-35FB476F3476}" destId="{2C90FD26-A73D-4B85-8294-2F702AA88AC2}" srcOrd="2" destOrd="0" parTransId="{5743D333-6E3A-4953-AD61-AEC8D4AD7616}" sibTransId="{7702BE38-E34F-4A8D-AB80-577E8D3D7D48}"/>
+    <dgm:cxn modelId="{80D8F629-B08A-4EAF-84A6-C5916903862F}" type="presOf" srcId="{585E25B9-0D17-4414-8AD5-35FB476F3476}" destId="{1F94EFD1-0BAF-4F5D-864D-D82A6C59DBC2}" srcOrd="0" destOrd="0" presId="urn:microsoft.com/office/officeart/2005/8/layout/vList2"/>
+    <dgm:cxn modelId="{A09E2565-1A97-42BB-B758-5D908E613FD2}" srcId="{585E25B9-0D17-4414-8AD5-35FB476F3476}" destId="{45813C60-FB87-4E4E-84CB-2D283EB1348A}" srcOrd="0" destOrd="0" parTransId="{E7CF2669-DCB1-49FD-80AB-ADBE9711CDA0}" sibTransId="{9FFB7952-3853-4FB3-B2FE-40B80D1118EF}"/>
     <dgm:cxn modelId="{F9E5A314-DAD1-4904-BBE7-A34F539B53D4}" type="presOf" srcId="{C290EF0F-F348-4F79-AF0B-5F03731D8D39}" destId="{E30B04B1-45C7-47D9-90D0-918FC02209FE}" srcOrd="0" destOrd="0" presId="urn:microsoft.com/office/officeart/2005/8/layout/vList2"/>
-    <dgm:cxn modelId="{B35FD21E-49F7-43BD-A66A-0E948540A10F}" srcId="{45813C60-FB87-4E4E-84CB-2D283EB1348A}" destId="{C290EF0F-F348-4F79-AF0B-5F03731D8D39}" srcOrd="0" destOrd="0" parTransId="{DB48B482-793E-4B43-A22C-7356A4CC08E4}" sibTransId="{E1AC2D09-2A24-4087-AB39-9D843736A16A}"/>
-    <dgm:cxn modelId="{80D8F629-B08A-4EAF-84A6-C5916903862F}" type="presOf" srcId="{585E25B9-0D17-4414-8AD5-35FB476F3476}" destId="{1F94EFD1-0BAF-4F5D-864D-D82A6C59DBC2}" srcOrd="0" destOrd="0" presId="urn:microsoft.com/office/officeart/2005/8/layout/vList2"/>
-    <dgm:cxn modelId="{6D19BB35-B48E-4E4A-9DC1-04132076F5FA}" srcId="{585E25B9-0D17-4414-8AD5-35FB476F3476}" destId="{2C90FD26-A73D-4B85-8294-2F702AA88AC2}" srcOrd="2" destOrd="0" parTransId="{5743D333-6E3A-4953-AD61-AEC8D4AD7616}" sibTransId="{7702BE38-E34F-4A8D-AB80-577E8D3D7D48}"/>
-    <dgm:cxn modelId="{A09E2565-1A97-42BB-B758-5D908E613FD2}" srcId="{585E25B9-0D17-4414-8AD5-35FB476F3476}" destId="{45813C60-FB87-4E4E-84CB-2D283EB1348A}" srcOrd="0" destOrd="0" parTransId="{E7CF2669-DCB1-49FD-80AB-ADBE9711CDA0}" sibTransId="{9FFB7952-3853-4FB3-B2FE-40B80D1118EF}"/>
+    <dgm:cxn modelId="{F6564AA8-176B-421A-B219-A8A1F4D75353}" type="presOf" srcId="{45813C60-FB87-4E4E-84CB-2D283EB1348A}" destId="{DED33222-C5D4-4E35-993E-B31A1CC17E41}" srcOrd="0" destOrd="0" presId="urn:microsoft.com/office/officeart/2005/8/layout/vList2"/>
     <dgm:cxn modelId="{E0450073-4D62-48E2-AEC3-EAE4573A25FD}" type="presOf" srcId="{2C90FD26-A73D-4B85-8294-2F702AA88AC2}" destId="{AA9D6CE5-E8A0-4B90-AD95-C893AA37B62A}" srcOrd="0" destOrd="0" presId="urn:microsoft.com/office/officeart/2005/8/layout/vList2"/>
-    <dgm:cxn modelId="{8D5E5482-8E4D-4737-AAFE-BD41F5BF6461}" srcId="{585E25B9-0D17-4414-8AD5-35FB476F3476}" destId="{F2E98D93-1A6A-46F3-B5B6-FC34FAB8B0E1}" srcOrd="1" destOrd="0" parTransId="{42FA4DF8-F908-4DA7-9A21-BF1E8870D3DB}" sibTransId="{75167B2D-CD41-4F0D-BFD5-6A2CA1C0F114}"/>
-    <dgm:cxn modelId="{F6564AA8-176B-421A-B219-A8A1F4D75353}" type="presOf" srcId="{45813C60-FB87-4E4E-84CB-2D283EB1348A}" destId="{DED33222-C5D4-4E35-993E-B31A1CC17E41}" srcOrd="0" destOrd="0" presId="urn:microsoft.com/office/officeart/2005/8/layout/vList2"/>
-    <dgm:cxn modelId="{E9A9DAF0-4FCB-4BBF-BA0D-B53831ACAEBA}" type="presOf" srcId="{F2E98D93-1A6A-46F3-B5B6-FC34FAB8B0E1}" destId="{F69BEC3F-8F16-4104-A5A3-A49D25656FB3}" srcOrd="0" destOrd="0" presId="urn:microsoft.com/office/officeart/2005/8/layout/vList2"/>
     <dgm:cxn modelId="{A3207D1C-A3FC-43A2-99E8-F7C9893175AF}" type="presParOf" srcId="{1F94EFD1-0BAF-4F5D-864D-D82A6C59DBC2}" destId="{DED33222-C5D4-4E35-993E-B31A1CC17E41}" srcOrd="0" destOrd="0" presId="urn:microsoft.com/office/officeart/2005/8/layout/vList2"/>
     <dgm:cxn modelId="{A9A33BEA-4448-499E-B524-C57DD05B5BB9}" type="presParOf" srcId="{1F94EFD1-0BAF-4F5D-864D-D82A6C59DBC2}" destId="{E30B04B1-45C7-47D9-90D0-918FC02209FE}" srcOrd="1" destOrd="0" presId="urn:microsoft.com/office/officeart/2005/8/layout/vList2"/>
     <dgm:cxn modelId="{4801B8AD-FB44-46BD-B1ED-577EEE7C89A3}" type="presParOf" srcId="{1F94EFD1-0BAF-4F5D-864D-D82A6C59DBC2}" destId="{F69BEC3F-8F16-4104-A5A3-A49D25656FB3}" srcOrd="2" destOrd="0" presId="urn:microsoft.com/office/officeart/2005/8/layout/vList2"/>
@@ -7401,6 +7492,13 @@
         </dgm:presLayoutVars>
       </dgm:prSet>
       <dgm:spPr/>
+      <dgm:t>
+        <a:bodyPr/>
+        <a:lstStyle/>
+        <a:p>
+          <a:endParaRPr lang="en-US"/>
+        </a:p>
+      </dgm:t>
     </dgm:pt>
     <dgm:pt modelId="{79B08CB2-EEE4-471B-BEB9-12F8CDCA360F}" type="pres">
       <dgm:prSet presAssocID="{7F8EEEB2-5B5A-41D0-A1E3-D54678AE6FF3}" presName="parentText" presStyleLbl="node1" presStyleIdx="0" presStyleCnt="3">
@@ -7410,6 +7508,13 @@
         </dgm:presLayoutVars>
       </dgm:prSet>
       <dgm:spPr/>
+      <dgm:t>
+        <a:bodyPr/>
+        <a:lstStyle/>
+        <a:p>
+          <a:endParaRPr lang="en-US"/>
+        </a:p>
+      </dgm:t>
     </dgm:pt>
     <dgm:pt modelId="{EF0958F6-D0F2-4387-A3FF-05A531DBEB9D}" type="pres">
       <dgm:prSet presAssocID="{EBAF5206-BF71-42AD-8AE9-90046D379285}" presName="spacer" presStyleCnt="0"/>
@@ -7423,6 +7528,13 @@
         </dgm:presLayoutVars>
       </dgm:prSet>
       <dgm:spPr/>
+      <dgm:t>
+        <a:bodyPr/>
+        <a:lstStyle/>
+        <a:p>
+          <a:endParaRPr lang="en-US"/>
+        </a:p>
+      </dgm:t>
     </dgm:pt>
     <dgm:pt modelId="{C0AE372F-E0D9-4E4E-923A-94EE8618CD15}" type="pres">
       <dgm:prSet presAssocID="{DAAEF7D0-98B2-4703-B384-ECF1815BE82D}" presName="spacer" presStyleCnt="0"/>
@@ -7436,15 +7548,22 @@
         </dgm:presLayoutVars>
       </dgm:prSet>
       <dgm:spPr/>
+      <dgm:t>
+        <a:bodyPr/>
+        <a:lstStyle/>
+        <a:p>
+          <a:endParaRPr lang="en-US"/>
+        </a:p>
+      </dgm:t>
     </dgm:pt>
   </dgm:ptLst>
   <dgm:cxnLst>
     <dgm:cxn modelId="{E3161B24-B8F5-4078-85BB-099DA3C63E0D}" srcId="{58E18128-5BD7-4E8E-8B61-FD96FDFA360E}" destId="{3886654F-17EA-4A23-AC0E-0D9B8E51D461}" srcOrd="1" destOrd="0" parTransId="{8EA50784-3344-47BA-BE05-85454F2D9FDD}" sibTransId="{DAAEF7D0-98B2-4703-B384-ECF1815BE82D}"/>
     <dgm:cxn modelId="{DD16F17D-E69F-4C91-B782-DD828694188D}" type="presOf" srcId="{4C6C6677-612A-42D4-9225-D633F8FF85D3}" destId="{BF0E8671-1471-4BE7-A707-10B3AFE0DF45}" srcOrd="0" destOrd="0" presId="urn:microsoft.com/office/officeart/2005/8/layout/vList2"/>
     <dgm:cxn modelId="{ACABFA85-5B0C-4826-AC15-9E90138A108E}" type="presOf" srcId="{58E18128-5BD7-4E8E-8B61-FD96FDFA360E}" destId="{C11D8A1E-0A47-4478-A083-44DB86201F42}" srcOrd="0" destOrd="0" presId="urn:microsoft.com/office/officeart/2005/8/layout/vList2"/>
+    <dgm:cxn modelId="{2DD244B9-754C-4630-BFED-53C70532FD59}" type="presOf" srcId="{3886654F-17EA-4A23-AC0E-0D9B8E51D461}" destId="{7729E7B6-C2AC-4AEA-AF4B-A64ABF1831B5}" srcOrd="0" destOrd="0" presId="urn:microsoft.com/office/officeart/2005/8/layout/vList2"/>
     <dgm:cxn modelId="{C772EB8D-0441-4078-B6D5-952178CF2917}" type="presOf" srcId="{7F8EEEB2-5B5A-41D0-A1E3-D54678AE6FF3}" destId="{79B08CB2-EEE4-471B-BEB9-12F8CDCA360F}" srcOrd="0" destOrd="0" presId="urn:microsoft.com/office/officeart/2005/8/layout/vList2"/>
     <dgm:cxn modelId="{0444DEA8-74C5-4EFA-AC13-0DD8477597F6}" srcId="{58E18128-5BD7-4E8E-8B61-FD96FDFA360E}" destId="{4C6C6677-612A-42D4-9225-D633F8FF85D3}" srcOrd="2" destOrd="0" parTransId="{385203BF-D0ED-49AA-91BE-5CEA819CC1FE}" sibTransId="{A216732D-3298-4225-9D82-2B0631A8EB67}"/>
-    <dgm:cxn modelId="{2DD244B9-754C-4630-BFED-53C70532FD59}" type="presOf" srcId="{3886654F-17EA-4A23-AC0E-0D9B8E51D461}" destId="{7729E7B6-C2AC-4AEA-AF4B-A64ABF1831B5}" srcOrd="0" destOrd="0" presId="urn:microsoft.com/office/officeart/2005/8/layout/vList2"/>
     <dgm:cxn modelId="{81D9C2F1-E692-4A59-9609-F69EF66B4B6D}" srcId="{58E18128-5BD7-4E8E-8B61-FD96FDFA360E}" destId="{7F8EEEB2-5B5A-41D0-A1E3-D54678AE6FF3}" srcOrd="0" destOrd="0" parTransId="{7CC4F227-8D98-48D0-8063-3EF96333C5B4}" sibTransId="{EBAF5206-BF71-42AD-8AE9-90046D379285}"/>
     <dgm:cxn modelId="{672AC6B4-E28E-4B92-9F82-B9EEF7C21A2D}" type="presParOf" srcId="{C11D8A1E-0A47-4478-A083-44DB86201F42}" destId="{79B08CB2-EEE4-471B-BEB9-12F8CDCA360F}" srcOrd="0" destOrd="0" presId="urn:microsoft.com/office/officeart/2005/8/layout/vList2"/>
     <dgm:cxn modelId="{F380ED6F-D0BE-4DC6-8B26-B881304322C9}" type="presParOf" srcId="{C11D8A1E-0A47-4478-A083-44DB86201F42}" destId="{EF0958F6-D0F2-4387-A3FF-05A531DBEB9D}" srcOrd="1" destOrd="0" presId="urn:microsoft.com/office/officeart/2005/8/layout/vList2"/>
@@ -7648,6 +7767,13 @@
         </dgm:presLayoutVars>
       </dgm:prSet>
       <dgm:spPr/>
+      <dgm:t>
+        <a:bodyPr/>
+        <a:lstStyle/>
+        <a:p>
+          <a:endParaRPr lang="en-US"/>
+        </a:p>
+      </dgm:t>
     </dgm:pt>
     <dgm:pt modelId="{308E23A7-3CD0-4080-BE52-18139286F8E6}" type="pres">
       <dgm:prSet presAssocID="{74102E8A-AEFC-4E80-B080-A1A73F44AA8A}" presName="parentText" presStyleLbl="node1" presStyleIdx="0" presStyleCnt="4">
@@ -7657,6 +7783,13 @@
         </dgm:presLayoutVars>
       </dgm:prSet>
       <dgm:spPr/>
+      <dgm:t>
+        <a:bodyPr/>
+        <a:lstStyle/>
+        <a:p>
+          <a:endParaRPr lang="en-US"/>
+        </a:p>
+      </dgm:t>
     </dgm:pt>
     <dgm:pt modelId="{35DDB93C-9DD3-4E29-906F-B6DFC4EFE96D}" type="pres">
       <dgm:prSet presAssocID="{18BA9481-74AE-40C3-98EF-6A04DD5D1223}" presName="spacer" presStyleCnt="0"/>
@@ -7670,6 +7803,13 @@
         </dgm:presLayoutVars>
       </dgm:prSet>
       <dgm:spPr/>
+      <dgm:t>
+        <a:bodyPr/>
+        <a:lstStyle/>
+        <a:p>
+          <a:endParaRPr lang="en-US"/>
+        </a:p>
+      </dgm:t>
     </dgm:pt>
     <dgm:pt modelId="{30821485-728B-4BD5-9805-1008E4D95F81}" type="pres">
       <dgm:prSet presAssocID="{789B24EE-CCB6-426C-872B-3F84E3133C17}" presName="spacer" presStyleCnt="0"/>
@@ -7683,6 +7823,13 @@
         </dgm:presLayoutVars>
       </dgm:prSet>
       <dgm:spPr/>
+      <dgm:t>
+        <a:bodyPr/>
+        <a:lstStyle/>
+        <a:p>
+          <a:endParaRPr lang="en-US"/>
+        </a:p>
+      </dgm:t>
     </dgm:pt>
     <dgm:pt modelId="{E5FD2E23-E913-43F7-9683-F6172036C341}" type="pres">
       <dgm:prSet presAssocID="{132E273A-E2BC-4832-AC6E-41F379CB2161}" presName="spacer" presStyleCnt="0"/>
@@ -7696,18 +7843,25 @@
         </dgm:presLayoutVars>
       </dgm:prSet>
       <dgm:spPr/>
+      <dgm:t>
+        <a:bodyPr/>
+        <a:lstStyle/>
+        <a:p>
+          <a:endParaRPr lang="en-US"/>
+        </a:p>
+      </dgm:t>
     </dgm:pt>
   </dgm:ptLst>
   <dgm:cxnLst>
+    <dgm:cxn modelId="{043B7728-26C7-4250-85C7-1E5BF33AD754}" type="presOf" srcId="{7C861E56-2682-4AD7-AD3D-AE2B9DFFC5C6}" destId="{16106DC5-5891-4062-A976-AB95211526D0}" srcOrd="0" destOrd="0" presId="urn:microsoft.com/office/officeart/2005/8/layout/vList2"/>
+    <dgm:cxn modelId="{3A2979A9-0628-4AF2-9F4E-FD8D85F59F79}" type="presOf" srcId="{6710F22F-6ED8-46B4-AE32-528FCC1C1F8B}" destId="{B5A07579-8DA4-4BB2-8BC5-30D0C9642E48}" srcOrd="0" destOrd="0" presId="urn:microsoft.com/office/officeart/2005/8/layout/vList2"/>
     <dgm:cxn modelId="{A72B7C08-09D6-4EA2-808B-3C367ABB4DC3}" srcId="{09E8F5C5-F664-4D8E-A4B7-F1B65624571B}" destId="{7C861E56-2682-4AD7-AD3D-AE2B9DFFC5C6}" srcOrd="1" destOrd="0" parTransId="{CE1B1EE2-439E-4C0B-A951-42BFE341F4C2}" sibTransId="{789B24EE-CCB6-426C-872B-3F84E3133C17}"/>
-    <dgm:cxn modelId="{043B7728-26C7-4250-85C7-1E5BF33AD754}" type="presOf" srcId="{7C861E56-2682-4AD7-AD3D-AE2B9DFFC5C6}" destId="{16106DC5-5891-4062-A976-AB95211526D0}" srcOrd="0" destOrd="0" presId="urn:microsoft.com/office/officeart/2005/8/layout/vList2"/>
     <dgm:cxn modelId="{B865C849-7D1F-411A-905C-BD16B1E017D9}" srcId="{09E8F5C5-F664-4D8E-A4B7-F1B65624571B}" destId="{74102E8A-AEFC-4E80-B080-A1A73F44AA8A}" srcOrd="0" destOrd="0" parTransId="{FE2A0113-6A14-4587-878D-5F883CA3D900}" sibTransId="{18BA9481-74AE-40C3-98EF-6A04DD5D1223}"/>
+    <dgm:cxn modelId="{0A7DB8E6-1400-4EF5-889D-5627C880E859}" srcId="{09E8F5C5-F664-4D8E-A4B7-F1B65624571B}" destId="{6710F22F-6ED8-46B4-AE32-528FCC1C1F8B}" srcOrd="2" destOrd="0" parTransId="{A6F46EB8-51B8-414F-8C28-534BC21E93B7}" sibTransId="{132E273A-E2BC-4832-AC6E-41F379CB2161}"/>
+    <dgm:cxn modelId="{C801E2E0-F241-4969-90D6-CA9F2D65C5AF}" type="presOf" srcId="{09E8F5C5-F664-4D8E-A4B7-F1B65624571B}" destId="{E09CE831-8C79-4733-BF5B-3149B75326E8}" srcOrd="0" destOrd="0" presId="urn:microsoft.com/office/officeart/2005/8/layout/vList2"/>
     <dgm:cxn modelId="{17779684-8869-49FC-95F7-0C9B29F18A6D}" srcId="{09E8F5C5-F664-4D8E-A4B7-F1B65624571B}" destId="{5E237A96-A1D3-43CD-82DE-8BB8BDC77278}" srcOrd="3" destOrd="0" parTransId="{36B6F61C-B897-4AB5-9738-725402302F05}" sibTransId="{35DEF6F8-1E07-4183-BC84-BA474D67F6AD}"/>
     <dgm:cxn modelId="{7328A68F-921D-44C3-A0D5-534C93302FC8}" type="presOf" srcId="{74102E8A-AEFC-4E80-B080-A1A73F44AA8A}" destId="{308E23A7-3CD0-4080-BE52-18139286F8E6}" srcOrd="0" destOrd="0" presId="urn:microsoft.com/office/officeart/2005/8/layout/vList2"/>
-    <dgm:cxn modelId="{3A2979A9-0628-4AF2-9F4E-FD8D85F59F79}" type="presOf" srcId="{6710F22F-6ED8-46B4-AE32-528FCC1C1F8B}" destId="{B5A07579-8DA4-4BB2-8BC5-30D0C9642E48}" srcOrd="0" destOrd="0" presId="urn:microsoft.com/office/officeart/2005/8/layout/vList2"/>
     <dgm:cxn modelId="{FD39B7B5-3F0E-4819-837B-9F42FD879927}" type="presOf" srcId="{5E237A96-A1D3-43CD-82DE-8BB8BDC77278}" destId="{9939510C-B4E4-44C3-8190-3F5E10565C9D}" srcOrd="0" destOrd="0" presId="urn:microsoft.com/office/officeart/2005/8/layout/vList2"/>
-    <dgm:cxn modelId="{C801E2E0-F241-4969-90D6-CA9F2D65C5AF}" type="presOf" srcId="{09E8F5C5-F664-4D8E-A4B7-F1B65624571B}" destId="{E09CE831-8C79-4733-BF5B-3149B75326E8}" srcOrd="0" destOrd="0" presId="urn:microsoft.com/office/officeart/2005/8/layout/vList2"/>
-    <dgm:cxn modelId="{0A7DB8E6-1400-4EF5-889D-5627C880E859}" srcId="{09E8F5C5-F664-4D8E-A4B7-F1B65624571B}" destId="{6710F22F-6ED8-46B4-AE32-528FCC1C1F8B}" srcOrd="2" destOrd="0" parTransId="{A6F46EB8-51B8-414F-8C28-534BC21E93B7}" sibTransId="{132E273A-E2BC-4832-AC6E-41F379CB2161}"/>
     <dgm:cxn modelId="{EF77B003-C2B6-4ECC-BC52-370B5C44B3AD}" type="presParOf" srcId="{E09CE831-8C79-4733-BF5B-3149B75326E8}" destId="{308E23A7-3CD0-4080-BE52-18139286F8E6}" srcOrd="0" destOrd="0" presId="urn:microsoft.com/office/officeart/2005/8/layout/vList2"/>
     <dgm:cxn modelId="{50F93E02-1EE3-437F-87EC-0DD75431C274}" type="presParOf" srcId="{E09CE831-8C79-4733-BF5B-3149B75326E8}" destId="{35DDB93C-9DD3-4E29-906F-B6DFC4EFE96D}" srcOrd="1" destOrd="0" presId="urn:microsoft.com/office/officeart/2005/8/layout/vList2"/>
     <dgm:cxn modelId="{647CD6F3-606E-42D6-8CF8-9145B0559F13}" type="presParOf" srcId="{E09CE831-8C79-4733-BF5B-3149B75326E8}" destId="{16106DC5-5891-4062-A976-AB95211526D0}" srcOrd="2" destOrd="0" presId="urn:microsoft.com/office/officeart/2005/8/layout/vList2"/>
@@ -7921,6 +8075,13 @@
         </dgm:presLayoutVars>
       </dgm:prSet>
       <dgm:spPr/>
+      <dgm:t>
+        <a:bodyPr/>
+        <a:lstStyle/>
+        <a:p>
+          <a:endParaRPr lang="en-US"/>
+        </a:p>
+      </dgm:t>
     </dgm:pt>
     <dgm:pt modelId="{108A7250-4707-4433-BCC9-90514BB151B6}" type="pres">
       <dgm:prSet presAssocID="{FD9059CB-7127-400C-B417-4CDF18013AEF}" presName="parentText" presStyleLbl="node1" presStyleIdx="0" presStyleCnt="2">
@@ -7930,6 +8091,13 @@
         </dgm:presLayoutVars>
       </dgm:prSet>
       <dgm:spPr/>
+      <dgm:t>
+        <a:bodyPr/>
+        <a:lstStyle/>
+        <a:p>
+          <a:endParaRPr lang="en-US"/>
+        </a:p>
+      </dgm:t>
     </dgm:pt>
     <dgm:pt modelId="{DA8EE2E4-BA55-42D8-B46F-696209B3BF32}" type="pres">
       <dgm:prSet presAssocID="{FD9059CB-7127-400C-B417-4CDF18013AEF}" presName="childText" presStyleLbl="revTx" presStyleIdx="0" presStyleCnt="1">
@@ -7938,6 +8106,13 @@
         </dgm:presLayoutVars>
       </dgm:prSet>
       <dgm:spPr/>
+      <dgm:t>
+        <a:bodyPr/>
+        <a:lstStyle/>
+        <a:p>
+          <a:endParaRPr lang="en-US"/>
+        </a:p>
+      </dgm:t>
     </dgm:pt>
     <dgm:pt modelId="{3987B0D8-2F11-491F-8F39-750F62606B27}" type="pres">
       <dgm:prSet presAssocID="{079FBC6E-EDF4-4FBC-B959-364CED75F73E}" presName="parentText" presStyleLbl="node1" presStyleIdx="1" presStyleCnt="2">
@@ -7947,18 +8122,25 @@
         </dgm:presLayoutVars>
       </dgm:prSet>
       <dgm:spPr/>
+      <dgm:t>
+        <a:bodyPr/>
+        <a:lstStyle/>
+        <a:p>
+          <a:endParaRPr lang="en-US"/>
+        </a:p>
+      </dgm:t>
     </dgm:pt>
   </dgm:ptLst>
   <dgm:cxnLst>
-    <dgm:cxn modelId="{156DC404-20F5-4983-947F-BF616AB1D168}" srcId="{59441916-6689-4010-9EB4-493E52189782}" destId="{079FBC6E-EDF4-4FBC-B959-364CED75F73E}" srcOrd="1" destOrd="0" parTransId="{37061EF4-5B3E-4982-B236-675BA3A6653A}" sibTransId="{2D41C124-B5A5-47BF-83C3-5175BE45446F}"/>
-    <dgm:cxn modelId="{3A9F6B1A-C962-4C16-BA60-D3751E424052}" srcId="{FD9059CB-7127-400C-B417-4CDF18013AEF}" destId="{44F7F31D-388B-4B4F-86F2-D3A5663432FD}" srcOrd="1" destOrd="0" parTransId="{39CA606D-01EE-46FD-8068-2E34DFFD98D2}" sibTransId="{3130AEFA-C955-4F64-B5C2-670DA7CB7DBC}"/>
+    <dgm:cxn modelId="{FC0F92BF-26B5-4640-BC33-F9C14AAB55FF}" type="presOf" srcId="{079FBC6E-EDF4-4FBC-B959-364CED75F73E}" destId="{3987B0D8-2F11-491F-8F39-750F62606B27}" srcOrd="0" destOrd="0" presId="urn:microsoft.com/office/officeart/2005/8/layout/vList2"/>
     <dgm:cxn modelId="{00FBBE30-1C44-493B-A362-14AEA466334D}" srcId="{FD9059CB-7127-400C-B417-4CDF18013AEF}" destId="{F38B84B0-2108-4FDC-BE0C-C41DBF51DF58}" srcOrd="0" destOrd="0" parTransId="{A0C16DC9-1104-4B89-B152-43E5D0B596DE}" sibTransId="{CB8F555F-E9C1-4332-9291-6EC4CAD83469}"/>
     <dgm:cxn modelId="{862EBD92-B7FC-4C91-BE21-34C37F294B05}" type="presOf" srcId="{F38B84B0-2108-4FDC-BE0C-C41DBF51DF58}" destId="{DA8EE2E4-BA55-42D8-B46F-696209B3BF32}" srcOrd="0" destOrd="0" presId="urn:microsoft.com/office/officeart/2005/8/layout/vList2"/>
+    <dgm:cxn modelId="{28733CEB-D19B-4AE5-9EC8-F903651AE41D}" type="presOf" srcId="{59441916-6689-4010-9EB4-493E52189782}" destId="{4B94FC1F-CA87-4737-AF8A-B66E59196FD7}" srcOrd="0" destOrd="0" presId="urn:microsoft.com/office/officeart/2005/8/layout/vList2"/>
+    <dgm:cxn modelId="{3A9F6B1A-C962-4C16-BA60-D3751E424052}" srcId="{FD9059CB-7127-400C-B417-4CDF18013AEF}" destId="{44F7F31D-388B-4B4F-86F2-D3A5663432FD}" srcOrd="1" destOrd="0" parTransId="{39CA606D-01EE-46FD-8068-2E34DFFD98D2}" sibTransId="{3130AEFA-C955-4F64-B5C2-670DA7CB7DBC}"/>
+    <dgm:cxn modelId="{156DC404-20F5-4983-947F-BF616AB1D168}" srcId="{59441916-6689-4010-9EB4-493E52189782}" destId="{079FBC6E-EDF4-4FBC-B959-364CED75F73E}" srcOrd="1" destOrd="0" parTransId="{37061EF4-5B3E-4982-B236-675BA3A6653A}" sibTransId="{2D41C124-B5A5-47BF-83C3-5175BE45446F}"/>
+    <dgm:cxn modelId="{CBE3BBE7-2938-41C1-A44F-F01B290B8DEB}" type="presOf" srcId="{FD9059CB-7127-400C-B417-4CDF18013AEF}" destId="{108A7250-4707-4433-BCC9-90514BB151B6}" srcOrd="0" destOrd="0" presId="urn:microsoft.com/office/officeart/2005/8/layout/vList2"/>
     <dgm:cxn modelId="{18A7C0AF-2F7F-47A8-A0A3-5701DFB946AD}" srcId="{59441916-6689-4010-9EB4-493E52189782}" destId="{FD9059CB-7127-400C-B417-4CDF18013AEF}" srcOrd="0" destOrd="0" parTransId="{649ABCAF-07F8-4990-B095-BBB01FDFE74B}" sibTransId="{F1D8CCC4-9E9D-431B-BFE1-601BF518D52E}"/>
     <dgm:cxn modelId="{9C5B51BF-46FA-472A-91B3-4CB830CF5F0D}" type="presOf" srcId="{44F7F31D-388B-4B4F-86F2-D3A5663432FD}" destId="{DA8EE2E4-BA55-42D8-B46F-696209B3BF32}" srcOrd="0" destOrd="1" presId="urn:microsoft.com/office/officeart/2005/8/layout/vList2"/>
-    <dgm:cxn modelId="{FC0F92BF-26B5-4640-BC33-F9C14AAB55FF}" type="presOf" srcId="{079FBC6E-EDF4-4FBC-B959-364CED75F73E}" destId="{3987B0D8-2F11-491F-8F39-750F62606B27}" srcOrd="0" destOrd="0" presId="urn:microsoft.com/office/officeart/2005/8/layout/vList2"/>
-    <dgm:cxn modelId="{CBE3BBE7-2938-41C1-A44F-F01B290B8DEB}" type="presOf" srcId="{FD9059CB-7127-400C-B417-4CDF18013AEF}" destId="{108A7250-4707-4433-BCC9-90514BB151B6}" srcOrd="0" destOrd="0" presId="urn:microsoft.com/office/officeart/2005/8/layout/vList2"/>
-    <dgm:cxn modelId="{28733CEB-D19B-4AE5-9EC8-F903651AE41D}" type="presOf" srcId="{59441916-6689-4010-9EB4-493E52189782}" destId="{4B94FC1F-CA87-4737-AF8A-B66E59196FD7}" srcOrd="0" destOrd="0" presId="urn:microsoft.com/office/officeart/2005/8/layout/vList2"/>
     <dgm:cxn modelId="{9C32B8C7-1463-46D2-B02D-0EFD5BEA20A8}" type="presParOf" srcId="{4B94FC1F-CA87-4737-AF8A-B66E59196FD7}" destId="{108A7250-4707-4433-BCC9-90514BB151B6}" srcOrd="0" destOrd="0" presId="urn:microsoft.com/office/officeart/2005/8/layout/vList2"/>
     <dgm:cxn modelId="{A98D439E-843E-4B8D-8638-4E9E2A6EB32E}" type="presParOf" srcId="{4B94FC1F-CA87-4737-AF8A-B66E59196FD7}" destId="{DA8EE2E4-BA55-42D8-B46F-696209B3BF32}" srcOrd="1" destOrd="0" presId="urn:microsoft.com/office/officeart/2005/8/layout/vList2"/>
     <dgm:cxn modelId="{6BE2E8E5-D821-4665-B6B0-3A7C75CE9711}" type="presParOf" srcId="{4B94FC1F-CA87-4737-AF8A-B66E59196FD7}" destId="{3987B0D8-2F11-491F-8F39-750F62606B27}" srcOrd="2" destOrd="0" presId="urn:microsoft.com/office/officeart/2005/8/layout/vList2"/>
@@ -8200,6 +8382,13 @@
         </dgm:presLayoutVars>
       </dgm:prSet>
       <dgm:spPr/>
+      <dgm:t>
+        <a:bodyPr/>
+        <a:lstStyle/>
+        <a:p>
+          <a:endParaRPr lang="en-US"/>
+        </a:p>
+      </dgm:t>
     </dgm:pt>
     <dgm:pt modelId="{1D1553D2-5C97-4FE8-8A7A-96C06D72ACB8}" type="pres">
       <dgm:prSet presAssocID="{4E56FB32-0340-4318-B42F-5BFCE2E0EA6D}" presName="parentText" presStyleLbl="node1" presStyleIdx="0" presStyleCnt="3">
@@ -8209,6 +8398,13 @@
         </dgm:presLayoutVars>
       </dgm:prSet>
       <dgm:spPr/>
+      <dgm:t>
+        <a:bodyPr/>
+        <a:lstStyle/>
+        <a:p>
+          <a:endParaRPr lang="en-US"/>
+        </a:p>
+      </dgm:t>
     </dgm:pt>
     <dgm:pt modelId="{31FA9E4A-E3CE-4E31-97BD-7C9E028B7A6F}" type="pres">
       <dgm:prSet presAssocID="{76335933-4372-402A-9527-97822F7C9517}" presName="spacer" presStyleCnt="0"/>
@@ -8222,6 +8418,13 @@
         </dgm:presLayoutVars>
       </dgm:prSet>
       <dgm:spPr/>
+      <dgm:t>
+        <a:bodyPr/>
+        <a:lstStyle/>
+        <a:p>
+          <a:endParaRPr lang="en-US"/>
+        </a:p>
+      </dgm:t>
     </dgm:pt>
     <dgm:pt modelId="{AB1406CC-5633-4172-839C-C5622D9C9DC8}" type="pres">
       <dgm:prSet presAssocID="{CE31D95A-944F-4F37-B824-9549AADB2612}" presName="childText" presStyleLbl="revTx" presStyleIdx="0" presStyleCnt="1">
@@ -8230,6 +8433,13 @@
         </dgm:presLayoutVars>
       </dgm:prSet>
       <dgm:spPr/>
+      <dgm:t>
+        <a:bodyPr/>
+        <a:lstStyle/>
+        <a:p>
+          <a:endParaRPr lang="en-US"/>
+        </a:p>
+      </dgm:t>
     </dgm:pt>
     <dgm:pt modelId="{82D23CF7-896C-48BE-9C4C-950AFEAC9C55}" type="pres">
       <dgm:prSet presAssocID="{3620740A-17BF-4813-8A55-BAFFDA56A569}" presName="parentText" presStyleLbl="node1" presStyleIdx="2" presStyleCnt="3">
@@ -8239,20 +8449,27 @@
         </dgm:presLayoutVars>
       </dgm:prSet>
       <dgm:spPr/>
+      <dgm:t>
+        <a:bodyPr/>
+        <a:lstStyle/>
+        <a:p>
+          <a:endParaRPr lang="en-US"/>
+        </a:p>
+      </dgm:t>
     </dgm:pt>
   </dgm:ptLst>
   <dgm:cxnLst>
     <dgm:cxn modelId="{26FFA022-045A-4897-A67D-02A7A53C6812}" srcId="{CE31D95A-944F-4F37-B824-9549AADB2612}" destId="{BF57B57B-DE73-4072-92D9-6153430EB547}" srcOrd="0" destOrd="0" parTransId="{463DC838-7215-4838-B137-85065A2D8F7F}" sibTransId="{1B5157A1-FE6C-4DA4-86A0-E9B09E9E52B9}"/>
+    <dgm:cxn modelId="{6CE21889-7ADC-454A-898C-F793EEDC8E4F}" type="presOf" srcId="{3620740A-17BF-4813-8A55-BAFFDA56A569}" destId="{82D23CF7-896C-48BE-9C4C-950AFEAC9C55}" srcOrd="0" destOrd="0" presId="urn:microsoft.com/office/officeart/2005/8/layout/vList2"/>
+    <dgm:cxn modelId="{45438F69-6C03-42FB-B141-865D911130F0}" type="presOf" srcId="{CE31D95A-944F-4F37-B824-9549AADB2612}" destId="{2F4D5BAA-DB56-4FC1-814C-014C16AFE090}" srcOrd="0" destOrd="0" presId="urn:microsoft.com/office/officeart/2005/8/layout/vList2"/>
+    <dgm:cxn modelId="{C0FA55F2-A807-4EA3-BC28-D2007838AFB0}" srcId="{41F34C01-CD2A-44CC-8987-34B1BB9D47CD}" destId="{4E56FB32-0340-4318-B42F-5BFCE2E0EA6D}" srcOrd="0" destOrd="0" parTransId="{7425AD79-BBCB-49BD-99F5-BA50316AB1A4}" sibTransId="{76335933-4372-402A-9527-97822F7C9517}"/>
+    <dgm:cxn modelId="{F8F117B2-AB24-4EC7-90AB-745B2B157382}" srcId="{41F34C01-CD2A-44CC-8987-34B1BB9D47CD}" destId="{CE31D95A-944F-4F37-B824-9549AADB2612}" srcOrd="1" destOrd="0" parTransId="{859FEE3C-503B-4FB2-840D-3953BB1D5816}" sibTransId="{C16BAA6E-71FD-48F4-A145-ECC36350ABC8}"/>
+    <dgm:cxn modelId="{E36648C4-AC9B-4802-A007-267EA21A484E}" type="presOf" srcId="{BF57B57B-DE73-4072-92D9-6153430EB547}" destId="{AB1406CC-5633-4172-839C-C5622D9C9DC8}" srcOrd="0" destOrd="0" presId="urn:microsoft.com/office/officeart/2005/8/layout/vList2"/>
+    <dgm:cxn modelId="{7053B45A-ADFD-41E3-AF55-AFCD209E66AD}" type="presOf" srcId="{4E56FB32-0340-4318-B42F-5BFCE2E0EA6D}" destId="{1D1553D2-5C97-4FE8-8A7A-96C06D72ACB8}" srcOrd="0" destOrd="0" presId="urn:microsoft.com/office/officeart/2005/8/layout/vList2"/>
+    <dgm:cxn modelId="{582103DA-E2D5-4F5A-A06C-74E08F3BED4F}" type="presOf" srcId="{41F34C01-CD2A-44CC-8987-34B1BB9D47CD}" destId="{FB5AEA8A-28F5-4F94-B0AC-F869364DBC0A}" srcOrd="0" destOrd="0" presId="urn:microsoft.com/office/officeart/2005/8/layout/vList2"/>
+    <dgm:cxn modelId="{A796BD43-C885-4342-95D4-E805A6486554}" type="presOf" srcId="{22636358-592C-4D5B-B185-2A3A4FB98654}" destId="{AB1406CC-5633-4172-839C-C5622D9C9DC8}" srcOrd="0" destOrd="1" presId="urn:microsoft.com/office/officeart/2005/8/layout/vList2"/>
     <dgm:cxn modelId="{DBA7FE23-5856-459B-BEDB-4D8B6B2BBBA1}" srcId="{CE31D95A-944F-4F37-B824-9549AADB2612}" destId="{22636358-592C-4D5B-B185-2A3A4FB98654}" srcOrd="1" destOrd="0" parTransId="{EAE06D7B-3BB0-494B-990E-8245BAA27707}" sibTransId="{F7BDE549-8FD2-49F5-98C5-39FEBC04D7CE}"/>
-    <dgm:cxn modelId="{A796BD43-C885-4342-95D4-E805A6486554}" type="presOf" srcId="{22636358-592C-4D5B-B185-2A3A4FB98654}" destId="{AB1406CC-5633-4172-839C-C5622D9C9DC8}" srcOrd="0" destOrd="1" presId="urn:microsoft.com/office/officeart/2005/8/layout/vList2"/>
-    <dgm:cxn modelId="{45438F69-6C03-42FB-B141-865D911130F0}" type="presOf" srcId="{CE31D95A-944F-4F37-B824-9549AADB2612}" destId="{2F4D5BAA-DB56-4FC1-814C-014C16AFE090}" srcOrd="0" destOrd="0" presId="urn:microsoft.com/office/officeart/2005/8/layout/vList2"/>
-    <dgm:cxn modelId="{7053B45A-ADFD-41E3-AF55-AFCD209E66AD}" type="presOf" srcId="{4E56FB32-0340-4318-B42F-5BFCE2E0EA6D}" destId="{1D1553D2-5C97-4FE8-8A7A-96C06D72ACB8}" srcOrd="0" destOrd="0" presId="urn:microsoft.com/office/officeart/2005/8/layout/vList2"/>
-    <dgm:cxn modelId="{6CE21889-7ADC-454A-898C-F793EEDC8E4F}" type="presOf" srcId="{3620740A-17BF-4813-8A55-BAFFDA56A569}" destId="{82D23CF7-896C-48BE-9C4C-950AFEAC9C55}" srcOrd="0" destOrd="0" presId="urn:microsoft.com/office/officeart/2005/8/layout/vList2"/>
-    <dgm:cxn modelId="{F8F117B2-AB24-4EC7-90AB-745B2B157382}" srcId="{41F34C01-CD2A-44CC-8987-34B1BB9D47CD}" destId="{CE31D95A-944F-4F37-B824-9549AADB2612}" srcOrd="1" destOrd="0" parTransId="{859FEE3C-503B-4FB2-840D-3953BB1D5816}" sibTransId="{C16BAA6E-71FD-48F4-A145-ECC36350ABC8}"/>
     <dgm:cxn modelId="{BC72ACB3-95B0-477D-BECC-B94B9D0038DE}" srcId="{41F34C01-CD2A-44CC-8987-34B1BB9D47CD}" destId="{3620740A-17BF-4813-8A55-BAFFDA56A569}" srcOrd="2" destOrd="0" parTransId="{50A910C9-F7D5-4EA9-BD98-ABB8D6B4F112}" sibTransId="{C57148D6-BB96-422C-905B-E4756F3B16B7}"/>
-    <dgm:cxn modelId="{E36648C4-AC9B-4802-A007-267EA21A484E}" type="presOf" srcId="{BF57B57B-DE73-4072-92D9-6153430EB547}" destId="{AB1406CC-5633-4172-839C-C5622D9C9DC8}" srcOrd="0" destOrd="0" presId="urn:microsoft.com/office/officeart/2005/8/layout/vList2"/>
-    <dgm:cxn modelId="{582103DA-E2D5-4F5A-A06C-74E08F3BED4F}" type="presOf" srcId="{41F34C01-CD2A-44CC-8987-34B1BB9D47CD}" destId="{FB5AEA8A-28F5-4F94-B0AC-F869364DBC0A}" srcOrd="0" destOrd="0" presId="urn:microsoft.com/office/officeart/2005/8/layout/vList2"/>
-    <dgm:cxn modelId="{C0FA55F2-A807-4EA3-BC28-D2007838AFB0}" srcId="{41F34C01-CD2A-44CC-8987-34B1BB9D47CD}" destId="{4E56FB32-0340-4318-B42F-5BFCE2E0EA6D}" srcOrd="0" destOrd="0" parTransId="{7425AD79-BBCB-49BD-99F5-BA50316AB1A4}" sibTransId="{76335933-4372-402A-9527-97822F7C9517}"/>
     <dgm:cxn modelId="{7A5F84A6-AD26-406A-8FB0-D32FB38AE3F8}" type="presParOf" srcId="{FB5AEA8A-28F5-4F94-B0AC-F869364DBC0A}" destId="{1D1553D2-5C97-4FE8-8A7A-96C06D72ACB8}" srcOrd="0" destOrd="0" presId="urn:microsoft.com/office/officeart/2005/8/layout/vList2"/>
     <dgm:cxn modelId="{66D981C6-DE4F-4FBB-8E5F-53DBC5CD1B66}" type="presParOf" srcId="{FB5AEA8A-28F5-4F94-B0AC-F869364DBC0A}" destId="{31FA9E4A-E3CE-4E31-97BD-7C9E028B7A6F}" srcOrd="1" destOrd="0" presId="urn:microsoft.com/office/officeart/2005/8/layout/vList2"/>
     <dgm:cxn modelId="{B36AB2FA-6B63-4A52-ADBC-70F8F26B625C}" type="presParOf" srcId="{FB5AEA8A-28F5-4F94-B0AC-F869364DBC0A}" destId="{2F4D5BAA-DB56-4FC1-814C-014C16AFE090}" srcOrd="2" destOrd="0" presId="urn:microsoft.com/office/officeart/2005/8/layout/vList2"/>
@@ -8414,6 +8631,13 @@
         </dgm:presLayoutVars>
       </dgm:prSet>
       <dgm:spPr/>
+      <dgm:t>
+        <a:bodyPr/>
+        <a:lstStyle/>
+        <a:p>
+          <a:endParaRPr lang="en-US"/>
+        </a:p>
+      </dgm:t>
     </dgm:pt>
     <dgm:pt modelId="{30FC9707-CED0-4381-8A41-94AADA3386FF}" type="pres">
       <dgm:prSet presAssocID="{7ACC372D-45D5-4299-A54B-DC2D29350961}" presName="parentText" presStyleLbl="node1" presStyleIdx="0" presStyleCnt="3">
@@ -8423,6 +8647,13 @@
         </dgm:presLayoutVars>
       </dgm:prSet>
       <dgm:spPr/>
+      <dgm:t>
+        <a:bodyPr/>
+        <a:lstStyle/>
+        <a:p>
+          <a:endParaRPr lang="en-US"/>
+        </a:p>
+      </dgm:t>
     </dgm:pt>
     <dgm:pt modelId="{BB580AB3-9683-4E0B-9879-B63773CDC830}" type="pres">
       <dgm:prSet presAssocID="{D3ABCA82-965A-47EA-A0B5-59F41C1870E9}" presName="spacer" presStyleCnt="0"/>
@@ -8436,6 +8667,13 @@
         </dgm:presLayoutVars>
       </dgm:prSet>
       <dgm:spPr/>
+      <dgm:t>
+        <a:bodyPr/>
+        <a:lstStyle/>
+        <a:p>
+          <a:endParaRPr lang="en-US"/>
+        </a:p>
+      </dgm:t>
     </dgm:pt>
     <dgm:pt modelId="{0481CF4F-5A15-4C81-8EB2-436E333F43BF}" type="pres">
       <dgm:prSet presAssocID="{846BA127-E7EA-48AB-ACBB-6984FB73F51C}" presName="spacer" presStyleCnt="0"/>
@@ -8449,16 +8687,23 @@
         </dgm:presLayoutVars>
       </dgm:prSet>
       <dgm:spPr/>
+      <dgm:t>
+        <a:bodyPr/>
+        <a:lstStyle/>
+        <a:p>
+          <a:endParaRPr lang="en-US"/>
+        </a:p>
+      </dgm:t>
     </dgm:pt>
   </dgm:ptLst>
   <dgm:cxnLst>
+    <dgm:cxn modelId="{A8B90243-255E-4A5D-8589-74C2831A9437}" srcId="{4BBD8192-511D-4B93-8444-2591E63168B8}" destId="{A7775C9F-A1F6-4D5A-8AAC-A9AD781B6B3E}" srcOrd="2" destOrd="0" parTransId="{EB1D2788-0B18-48F4-80B1-9F62EF35A1EA}" sibTransId="{A70B26A6-1E86-453D-A90E-2450091C21D9}"/>
+    <dgm:cxn modelId="{E28305CA-0896-41C5-8FA9-8AFD81646B09}" type="presOf" srcId="{7ACC372D-45D5-4299-A54B-DC2D29350961}" destId="{30FC9707-CED0-4381-8A41-94AADA3386FF}" srcOrd="0" destOrd="0" presId="urn:microsoft.com/office/officeart/2005/8/layout/vList2"/>
     <dgm:cxn modelId="{9494A504-053D-410E-83FA-021B9E54ECB5}" type="presOf" srcId="{A7775C9F-A1F6-4D5A-8AAC-A9AD781B6B3E}" destId="{2BEAF6A0-1FC4-47A7-BE63-D1E6186B22AF}" srcOrd="0" destOrd="0" presId="urn:microsoft.com/office/officeart/2005/8/layout/vList2"/>
-    <dgm:cxn modelId="{A8B90243-255E-4A5D-8589-74C2831A9437}" srcId="{4BBD8192-511D-4B93-8444-2591E63168B8}" destId="{A7775C9F-A1F6-4D5A-8AAC-A9AD781B6B3E}" srcOrd="2" destOrd="0" parTransId="{EB1D2788-0B18-48F4-80B1-9F62EF35A1EA}" sibTransId="{A70B26A6-1E86-453D-A90E-2450091C21D9}"/>
+    <dgm:cxn modelId="{EB6261CD-CCFE-4BF7-ADD1-DAD3A10C8C4E}" type="presOf" srcId="{99D4F466-9F35-4353-A70C-2969F9EDF098}" destId="{90A0CD36-9528-4C15-B25C-385E8475933D}" srcOrd="0" destOrd="0" presId="urn:microsoft.com/office/officeart/2005/8/layout/vList2"/>
+    <dgm:cxn modelId="{B773FA9E-79F6-481B-82FF-1363389100D3}" srcId="{4BBD8192-511D-4B93-8444-2591E63168B8}" destId="{7ACC372D-45D5-4299-A54B-DC2D29350961}" srcOrd="0" destOrd="0" parTransId="{74B68EE9-B342-4AEB-BE0D-B78492B5A29A}" sibTransId="{D3ABCA82-965A-47EA-A0B5-59F41C1870E9}"/>
+    <dgm:cxn modelId="{A73652F6-E5F2-4F9E-874F-D0E506B07B38}" srcId="{4BBD8192-511D-4B93-8444-2591E63168B8}" destId="{99D4F466-9F35-4353-A70C-2969F9EDF098}" srcOrd="1" destOrd="0" parTransId="{6C9163EB-906E-4852-A059-951709C5BDC0}" sibTransId="{846BA127-E7EA-48AB-ACBB-6984FB73F51C}"/>
     <dgm:cxn modelId="{F27C3F63-AB5A-4867-9167-11FEB56E7FC3}" type="presOf" srcId="{4BBD8192-511D-4B93-8444-2591E63168B8}" destId="{B8F87959-4039-4CE4-A8D5-A964862B3C20}" srcOrd="0" destOrd="0" presId="urn:microsoft.com/office/officeart/2005/8/layout/vList2"/>
-    <dgm:cxn modelId="{B773FA9E-79F6-481B-82FF-1363389100D3}" srcId="{4BBD8192-511D-4B93-8444-2591E63168B8}" destId="{7ACC372D-45D5-4299-A54B-DC2D29350961}" srcOrd="0" destOrd="0" parTransId="{74B68EE9-B342-4AEB-BE0D-B78492B5A29A}" sibTransId="{D3ABCA82-965A-47EA-A0B5-59F41C1870E9}"/>
-    <dgm:cxn modelId="{E28305CA-0896-41C5-8FA9-8AFD81646B09}" type="presOf" srcId="{7ACC372D-45D5-4299-A54B-DC2D29350961}" destId="{30FC9707-CED0-4381-8A41-94AADA3386FF}" srcOrd="0" destOrd="0" presId="urn:microsoft.com/office/officeart/2005/8/layout/vList2"/>
-    <dgm:cxn modelId="{EB6261CD-CCFE-4BF7-ADD1-DAD3A10C8C4E}" type="presOf" srcId="{99D4F466-9F35-4353-A70C-2969F9EDF098}" destId="{90A0CD36-9528-4C15-B25C-385E8475933D}" srcOrd="0" destOrd="0" presId="urn:microsoft.com/office/officeart/2005/8/layout/vList2"/>
-    <dgm:cxn modelId="{A73652F6-E5F2-4F9E-874F-D0E506B07B38}" srcId="{4BBD8192-511D-4B93-8444-2591E63168B8}" destId="{99D4F466-9F35-4353-A70C-2969F9EDF098}" srcOrd="1" destOrd="0" parTransId="{6C9163EB-906E-4852-A059-951709C5BDC0}" sibTransId="{846BA127-E7EA-48AB-ACBB-6984FB73F51C}"/>
     <dgm:cxn modelId="{243C18C0-347D-4EAB-8D56-ADCAD31F2961}" type="presParOf" srcId="{B8F87959-4039-4CE4-A8D5-A964862B3C20}" destId="{30FC9707-CED0-4381-8A41-94AADA3386FF}" srcOrd="0" destOrd="0" presId="urn:microsoft.com/office/officeart/2005/8/layout/vList2"/>
     <dgm:cxn modelId="{7762C85B-C6C2-453C-A139-AD999C9E74F5}" type="presParOf" srcId="{B8F87959-4039-4CE4-A8D5-A964862B3C20}" destId="{BB580AB3-9683-4E0B-9879-B63773CDC830}" srcOrd="1" destOrd="0" presId="urn:microsoft.com/office/officeart/2005/8/layout/vList2"/>
     <dgm:cxn modelId="{B4D0EE72-003F-4C8E-B560-77E3BAFDCD84}" type="presParOf" srcId="{B8F87959-4039-4CE4-A8D5-A964862B3C20}" destId="{90A0CD36-9528-4C15-B25C-385E8475933D}" srcOrd="2" destOrd="0" presId="urn:microsoft.com/office/officeart/2005/8/layout/vList2"/>
@@ -8537,7 +8782,7 @@
         </a:bodyPr>
         <a:lstStyle/>
         <a:p>
-          <a:pPr marL="0" lvl="0" indent="0" algn="ctr" defTabSz="1289050">
+          <a:pPr lvl="0" algn="ctr" defTabSz="1289050">
             <a:lnSpc>
               <a:spcPct val="90000"/>
             </a:lnSpc>
@@ -8547,7 +8792,6 @@
             <a:spcAft>
               <a:spcPct val="35000"/>
             </a:spcAft>
-            <a:buNone/>
           </a:pPr>
           <a:r>
             <a:rPr lang="en-US" sz="2900" kern="1200" noProof="1">
@@ -8631,7 +8875,7 @@
         </a:bodyPr>
         <a:lstStyle/>
         <a:p>
-          <a:pPr marL="0" lvl="0" indent="0" algn="ctr" defTabSz="1289050">
+          <a:pPr lvl="0" algn="ctr" defTabSz="1289050">
             <a:lnSpc>
               <a:spcPct val="90000"/>
             </a:lnSpc>
@@ -8641,7 +8885,6 @@
             <a:spcAft>
               <a:spcPct val="35000"/>
             </a:spcAft>
-            <a:buNone/>
           </a:pPr>
           <a:r>
             <a:rPr lang="ro-RO" sz="2900" kern="1200" dirty="0">
@@ -8725,7 +8968,7 @@
         </a:bodyPr>
         <a:lstStyle/>
         <a:p>
-          <a:pPr marL="0" lvl="0" indent="0" algn="ctr" defTabSz="1289050">
+          <a:pPr lvl="0" algn="ctr" defTabSz="1289050">
             <a:lnSpc>
               <a:spcPct val="90000"/>
             </a:lnSpc>
@@ -8735,7 +8978,6 @@
             <a:spcAft>
               <a:spcPct val="35000"/>
             </a:spcAft>
-            <a:buNone/>
           </a:pPr>
           <a:r>
             <a:rPr lang="en-US" sz="2900" kern="1200" dirty="0">
@@ -8825,7 +9067,7 @@
             <a:spcAft>
               <a:spcPct val="15000"/>
             </a:spcAft>
-            <a:buChar char="•"/>
+            <a:buChar char="••"/>
           </a:pPr>
           <a:r>
             <a:rPr lang="ro-RO" sz="2900" kern="1200" dirty="0">
@@ -8848,7 +9090,7 @@
             <a:spcAft>
               <a:spcPct val="15000"/>
             </a:spcAft>
-            <a:buChar char="•"/>
+            <a:buChar char="••"/>
           </a:pPr>
           <a:r>
             <a:rPr lang="ro-RO" sz="2900" kern="1200" dirty="0">
@@ -8920,7 +9162,7 @@
         </a:bodyPr>
         <a:lstStyle/>
         <a:p>
-          <a:pPr marL="0" lvl="0" indent="0" algn="ctr" defTabSz="1289050">
+          <a:pPr lvl="0" algn="ctr" defTabSz="1289050">
             <a:lnSpc>
               <a:spcPct val="90000"/>
             </a:lnSpc>
@@ -8930,7 +9172,6 @@
             <a:spcAft>
               <a:spcPct val="35000"/>
             </a:spcAft>
-            <a:buNone/>
           </a:pPr>
           <a:r>
             <a:rPr lang="ro-RO" sz="2900" kern="1200" dirty="0">
@@ -9014,7 +9255,7 @@
             <a:spcAft>
               <a:spcPct val="15000"/>
             </a:spcAft>
-            <a:buChar char="•"/>
+            <a:buChar char="••"/>
           </a:pPr>
           <a:r>
             <a:rPr lang="ro-RO" sz="2900" kern="1200" dirty="0">
@@ -9098,7 +9339,7 @@
         </a:bodyPr>
         <a:lstStyle/>
         <a:p>
-          <a:pPr marL="0" lvl="0" indent="0" algn="l" defTabSz="1555750">
+          <a:pPr lvl="0" algn="l" defTabSz="1555750">
             <a:lnSpc>
               <a:spcPct val="90000"/>
             </a:lnSpc>
@@ -9108,7 +9349,6 @@
             <a:spcAft>
               <a:spcPct val="35000"/>
             </a:spcAft>
-            <a:buNone/>
           </a:pPr>
           <a:r>
             <a:rPr lang="ro-RO" sz="3500" kern="1200" dirty="0">
@@ -9176,7 +9416,7 @@
             <a:spcAft>
               <a:spcPct val="20000"/>
             </a:spcAft>
-            <a:buChar char="•"/>
+            <a:buChar char="••"/>
           </a:pPr>
           <a:r>
             <a:rPr lang="en-US" sz="2900" kern="1200" dirty="0">
@@ -9245,7 +9485,7 @@
         </a:bodyPr>
         <a:lstStyle/>
         <a:p>
-          <a:pPr marL="0" lvl="0" indent="0" algn="l" defTabSz="1555750">
+          <a:pPr lvl="0" algn="l" defTabSz="1555750">
             <a:lnSpc>
               <a:spcPct val="90000"/>
             </a:lnSpc>
@@ -9255,7 +9495,6 @@
             <a:spcAft>
               <a:spcPct val="35000"/>
             </a:spcAft>
-            <a:buNone/>
           </a:pPr>
           <a:r>
             <a:rPr lang="ro-RO" sz="3500" kern="1200" dirty="0">
@@ -9327,7 +9566,7 @@
         </a:bodyPr>
         <a:lstStyle/>
         <a:p>
-          <a:pPr marL="0" lvl="0" indent="0" algn="l" defTabSz="1555750">
+          <a:pPr lvl="0" algn="l" defTabSz="1555750">
             <a:lnSpc>
               <a:spcPct val="90000"/>
             </a:lnSpc>
@@ -9337,7 +9576,6 @@
             <a:spcAft>
               <a:spcPct val="35000"/>
             </a:spcAft>
-            <a:buNone/>
           </a:pPr>
           <a:r>
             <a:rPr lang="ro-RO" sz="3500" kern="1200" dirty="0">
@@ -9421,7 +9659,7 @@
         </a:bodyPr>
         <a:lstStyle/>
         <a:p>
-          <a:pPr marL="0" lvl="0" indent="0" algn="l" defTabSz="1555750">
+          <a:pPr lvl="0" algn="l" defTabSz="1555750">
             <a:lnSpc>
               <a:spcPct val="90000"/>
             </a:lnSpc>
@@ -9431,7 +9669,6 @@
             <a:spcAft>
               <a:spcPct val="35000"/>
             </a:spcAft>
-            <a:buNone/>
           </a:pPr>
           <a:r>
             <a:rPr lang="ro-RO" sz="3500" kern="1200" dirty="0">
@@ -9503,7 +9740,7 @@
         </a:bodyPr>
         <a:lstStyle/>
         <a:p>
-          <a:pPr marL="0" lvl="0" indent="0" algn="l" defTabSz="1555750">
+          <a:pPr lvl="0" algn="l" defTabSz="1555750">
             <a:lnSpc>
               <a:spcPct val="90000"/>
             </a:lnSpc>
@@ -9513,7 +9750,6 @@
             <a:spcAft>
               <a:spcPct val="35000"/>
             </a:spcAft>
-            <a:buNone/>
           </a:pPr>
           <a:r>
             <a:rPr lang="ro-RO" sz="3500" kern="1200" dirty="0">
@@ -9585,7 +9821,7 @@
         </a:bodyPr>
         <a:lstStyle/>
         <a:p>
-          <a:pPr marL="0" lvl="0" indent="0" algn="l" defTabSz="1555750">
+          <a:pPr lvl="0" algn="l" defTabSz="1555750">
             <a:lnSpc>
               <a:spcPct val="90000"/>
             </a:lnSpc>
@@ -9595,7 +9831,6 @@
             <a:spcAft>
               <a:spcPct val="35000"/>
             </a:spcAft>
-            <a:buNone/>
           </a:pPr>
           <a:r>
             <a:rPr lang="ro-RO" sz="3500" kern="1200" dirty="0">
@@ -9679,7 +9914,7 @@
         </a:bodyPr>
         <a:lstStyle/>
         <a:p>
-          <a:pPr marL="0" lvl="0" indent="0" algn="l" defTabSz="1555750">
+          <a:pPr lvl="0" algn="l" defTabSz="1555750">
             <a:lnSpc>
               <a:spcPct val="90000"/>
             </a:lnSpc>
@@ -9689,7 +9924,6 @@
             <a:spcAft>
               <a:spcPct val="35000"/>
             </a:spcAft>
-            <a:buNone/>
           </a:pPr>
           <a:r>
             <a:rPr lang="ro-RO" sz="3500" kern="1200" dirty="0">
@@ -9761,7 +9995,7 @@
         </a:bodyPr>
         <a:lstStyle/>
         <a:p>
-          <a:pPr marL="0" lvl="0" indent="0" algn="l" defTabSz="1555750">
+          <a:pPr lvl="0" algn="l" defTabSz="1555750">
             <a:lnSpc>
               <a:spcPct val="90000"/>
             </a:lnSpc>
@@ -9771,7 +10005,6 @@
             <a:spcAft>
               <a:spcPct val="35000"/>
             </a:spcAft>
-            <a:buNone/>
           </a:pPr>
           <a:r>
             <a:rPr lang="ro-RO" sz="3500" kern="1200" dirty="0">
@@ -9843,7 +10076,7 @@
         </a:bodyPr>
         <a:lstStyle/>
         <a:p>
-          <a:pPr marL="0" lvl="0" indent="0" algn="l" defTabSz="1555750">
+          <a:pPr lvl="0" algn="l" defTabSz="1555750">
             <a:lnSpc>
               <a:spcPct val="90000"/>
             </a:lnSpc>
@@ -9853,7 +10086,6 @@
             <a:spcAft>
               <a:spcPct val="35000"/>
             </a:spcAft>
-            <a:buNone/>
           </a:pPr>
           <a:r>
             <a:rPr lang="ro-RO" sz="3500" kern="1200" dirty="0">
@@ -9925,7 +10157,7 @@
         </a:bodyPr>
         <a:lstStyle/>
         <a:p>
-          <a:pPr marL="0" lvl="0" indent="0" algn="l" defTabSz="1555750">
+          <a:pPr lvl="0" algn="l" defTabSz="1555750">
             <a:lnSpc>
               <a:spcPct val="90000"/>
             </a:lnSpc>
@@ -9935,7 +10167,6 @@
             <a:spcAft>
               <a:spcPct val="35000"/>
             </a:spcAft>
-            <a:buNone/>
           </a:pPr>
           <a:r>
             <a:rPr lang="ro-RO" sz="3500" kern="1200" dirty="0">
@@ -10019,7 +10250,7 @@
         </a:bodyPr>
         <a:lstStyle/>
         <a:p>
-          <a:pPr marL="0" lvl="0" indent="0" algn="l" defTabSz="1555750">
+          <a:pPr lvl="0" algn="l" defTabSz="1555750">
             <a:lnSpc>
               <a:spcPct val="90000"/>
             </a:lnSpc>
@@ -10029,7 +10260,6 @@
             <a:spcAft>
               <a:spcPct val="35000"/>
             </a:spcAft>
-            <a:buNone/>
           </a:pPr>
           <a:r>
             <a:rPr lang="ro-RO" sz="3500" kern="1200" dirty="0">
@@ -10094,7 +10324,7 @@
             <a:spcAft>
               <a:spcPct val="20000"/>
             </a:spcAft>
-            <a:buChar char="•"/>
+            <a:buChar char="••"/>
           </a:pPr>
           <a:r>
             <a:rPr lang="ro-RO" sz="2900" kern="1200" dirty="0">
@@ -10117,7 +10347,7 @@
             <a:spcAft>
               <a:spcPct val="20000"/>
             </a:spcAft>
-            <a:buChar char="•"/>
+            <a:buChar char="••"/>
           </a:pPr>
           <a:r>
             <a:rPr lang="ro-RO" sz="2900" kern="1200" dirty="0">
@@ -10198,7 +10428,7 @@
         </a:bodyPr>
         <a:lstStyle/>
         <a:p>
-          <a:pPr marL="0" lvl="0" indent="0" algn="l" defTabSz="1555750">
+          <a:pPr lvl="0" algn="l" defTabSz="1555750">
             <a:lnSpc>
               <a:spcPct val="90000"/>
             </a:lnSpc>
@@ -10208,7 +10438,6 @@
             <a:spcAft>
               <a:spcPct val="35000"/>
             </a:spcAft>
-            <a:buNone/>
           </a:pPr>
           <a:r>
             <a:rPr lang="ro-RO" sz="3500" kern="1200" dirty="0">
@@ -10292,7 +10521,7 @@
         </a:bodyPr>
         <a:lstStyle/>
         <a:p>
-          <a:pPr marL="0" lvl="0" indent="0" algn="l" defTabSz="1555750">
+          <a:pPr lvl="0" algn="l" defTabSz="1555750">
             <a:lnSpc>
               <a:spcPct val="90000"/>
             </a:lnSpc>
@@ -10302,7 +10531,6 @@
             <a:spcAft>
               <a:spcPct val="35000"/>
             </a:spcAft>
-            <a:buNone/>
           </a:pPr>
           <a:r>
             <a:rPr lang="ro-RO" sz="3500" kern="1200" dirty="0">
@@ -10374,7 +10602,7 @@
         </a:bodyPr>
         <a:lstStyle/>
         <a:p>
-          <a:pPr marL="0" lvl="0" indent="0" algn="l" defTabSz="1555750">
+          <a:pPr lvl="0" algn="l" defTabSz="1555750">
             <a:lnSpc>
               <a:spcPct val="90000"/>
             </a:lnSpc>
@@ -10384,7 +10612,6 @@
             <a:spcAft>
               <a:spcPct val="35000"/>
             </a:spcAft>
-            <a:buNone/>
           </a:pPr>
           <a:r>
             <a:rPr lang="ro-RO" sz="3500" kern="1200" dirty="0">
@@ -10449,7 +10676,7 @@
             <a:spcAft>
               <a:spcPct val="20000"/>
             </a:spcAft>
-            <a:buChar char="•"/>
+            <a:buChar char="••"/>
           </a:pPr>
           <a:r>
             <a:rPr lang="ro-RO" sz="2900" kern="1200" dirty="0">
@@ -10472,7 +10699,7 @@
             <a:spcAft>
               <a:spcPct val="20000"/>
             </a:spcAft>
-            <a:buChar char="•"/>
+            <a:buChar char="••"/>
           </a:pPr>
           <a:r>
             <a:rPr lang="ro-RO" sz="2900" kern="1200" dirty="0">
@@ -10544,7 +10771,7 @@
         </a:bodyPr>
         <a:lstStyle/>
         <a:p>
-          <a:pPr marL="0" lvl="0" indent="0" algn="l" defTabSz="1555750">
+          <a:pPr lvl="0" algn="l" defTabSz="1555750">
             <a:lnSpc>
               <a:spcPct val="90000"/>
             </a:lnSpc>
@@ -10554,7 +10781,6 @@
             <a:spcAft>
               <a:spcPct val="35000"/>
             </a:spcAft>
-            <a:buNone/>
           </a:pPr>
           <a:r>
             <a:rPr lang="ro-RO" sz="3500" kern="1200" dirty="0">
@@ -10638,7 +10864,7 @@
         </a:bodyPr>
         <a:lstStyle/>
         <a:p>
-          <a:pPr marL="0" lvl="0" indent="0" algn="l" defTabSz="1555750">
+          <a:pPr lvl="0" algn="l" defTabSz="1555750">
             <a:lnSpc>
               <a:spcPct val="90000"/>
             </a:lnSpc>
@@ -10648,7 +10874,6 @@
             <a:spcAft>
               <a:spcPct val="35000"/>
             </a:spcAft>
-            <a:buNone/>
           </a:pPr>
           <a:r>
             <a:rPr lang="ro-RO" sz="3500" kern="1200" dirty="0">
@@ -10720,7 +10945,7 @@
         </a:bodyPr>
         <a:lstStyle/>
         <a:p>
-          <a:pPr marL="0" lvl="0" indent="0" algn="l" defTabSz="1555750">
+          <a:pPr lvl="0" algn="l" defTabSz="1555750">
             <a:lnSpc>
               <a:spcPct val="90000"/>
             </a:lnSpc>
@@ -10730,7 +10955,6 @@
             <a:spcAft>
               <a:spcPct val="35000"/>
             </a:spcAft>
-            <a:buNone/>
           </a:pPr>
           <a:r>
             <a:rPr lang="ro-RO" sz="3500" kern="1200" dirty="0">
@@ -10802,7 +11026,7 @@
         </a:bodyPr>
         <a:lstStyle/>
         <a:p>
-          <a:pPr marL="0" lvl="0" indent="0" algn="l" defTabSz="1555750">
+          <a:pPr lvl="0" algn="l" defTabSz="1555750">
             <a:lnSpc>
               <a:spcPct val="90000"/>
             </a:lnSpc>
@@ -10812,7 +11036,6 @@
             <a:spcAft>
               <a:spcPct val="35000"/>
             </a:spcAft>
-            <a:buNone/>
           </a:pPr>
           <a:r>
             <a:rPr lang="ro-RO" sz="3500" kern="1200" dirty="0">
@@ -24992,9 +25215,17 @@
               <a:rPr lang="en-US" dirty="0"/>
               <a:t>ROBOTINHO</a:t>
             </a:r>
+            <a:r>
+              <a:rPr lang="ro-RO" dirty="0"/>
+              <a:t/>
+            </a:r>
             <a:br>
               <a:rPr lang="ro-RO" dirty="0"/>
             </a:br>
+            <a:r>
+              <a:rPr lang="ro-RO" dirty="0"/>
+              <a:t/>
+            </a:r>
             <a:br>
               <a:rPr lang="ro-RO" dirty="0"/>
             </a:br>
@@ -25160,10 +25391,10 @@
           <p:cNvPr id="11" name="Rectangle 10">
             <a:extLst>
               <a:ext uri="{FF2B5EF4-FFF2-40B4-BE49-F238E27FC236}">
-                <a16:creationId xmlns:a16="http://schemas.microsoft.com/office/drawing/2014/main" id="{3FD711E9-7F79-40A9-8D9E-4AE293C154A5}"/>
+                <a16:creationId xmlns:a16="http://schemas.microsoft.com/office/drawing/2014/main" xmlns="" id="{3FD711E9-7F79-40A9-8D9E-4AE293C154A5}"/>
               </a:ext>
               <a:ext uri="{C183D7F6-B498-43B3-948B-1728B52AA6E4}">
-                <adec:decorative xmlns:adec="http://schemas.microsoft.com/office/drawing/2017/decorative" val="1"/>
+                <adec:decorative xmlns:adec="http://schemas.microsoft.com/office/drawing/2017/decorative" xmlns="" val="1"/>
               </a:ext>
             </a:extLst>
           </p:cNvPr>
@@ -25173,7 +25404,7 @@
           <p:nvPr>
             <p:extLst>
               <p:ext uri="{386F3935-93C4-4BCD-93E2-E3B085C9AB24}">
-                <p16:designElem xmlns:p16="http://schemas.microsoft.com/office/powerpoint/2015/main" val="1"/>
+                <p16:designElem xmlns:p16="http://schemas.microsoft.com/office/powerpoint/2015/main" xmlns="" val="1"/>
               </p:ext>
             </p:extLst>
           </p:nvPr>
@@ -25282,7 +25513,7 @@
           <p:cNvPr id="6" name="Content Placeholder 2">
             <a:extLst>
               <a:ext uri="{FF2B5EF4-FFF2-40B4-BE49-F238E27FC236}">
-                <a16:creationId xmlns:a16="http://schemas.microsoft.com/office/drawing/2014/main" id="{BA86D370-9446-4C17-B6B6-C49901A6AD60}"/>
+                <a16:creationId xmlns:a16="http://schemas.microsoft.com/office/drawing/2014/main" xmlns="" id="{BA86D370-9446-4C17-B6B6-C49901A6AD60}"/>
               </a:ext>
             </a:extLst>
           </p:cNvPr>
@@ -25318,6 +25549,13 @@
   <p:clrMapOvr>
     <a:masterClrMapping/>
   </p:clrMapOvr>
+  <p:timing>
+    <p:tnLst>
+      <p:par>
+        <p:cTn id="1" dur="indefinite" restart="never" nodeType="tmRoot"/>
+      </p:par>
+    </p:tnLst>
+  </p:timing>
 </p:sld>
 </file>
 
@@ -25351,7 +25589,7 @@
           <p:cNvPr id="2" name="Title 1">
             <a:extLst>
               <a:ext uri="{FF2B5EF4-FFF2-40B4-BE49-F238E27FC236}">
-                <a16:creationId xmlns:a16="http://schemas.microsoft.com/office/drawing/2014/main" id="{64708F30-220A-49A3-8CDA-ED245F7F9D30}"/>
+                <a16:creationId xmlns:a16="http://schemas.microsoft.com/office/drawing/2014/main" xmlns="" id="{64708F30-220A-49A3-8CDA-ED245F7F9D30}"/>
               </a:ext>
             </a:extLst>
           </p:cNvPr>
@@ -25392,10 +25630,10 @@
           <p:cNvPr id="11" name="Rectangle 10">
             <a:extLst>
               <a:ext uri="{FF2B5EF4-FFF2-40B4-BE49-F238E27FC236}">
-                <a16:creationId xmlns:a16="http://schemas.microsoft.com/office/drawing/2014/main" id="{3FD711E9-7F79-40A9-8D9E-4AE293C154A5}"/>
+                <a16:creationId xmlns:a16="http://schemas.microsoft.com/office/drawing/2014/main" xmlns="" id="{3FD711E9-7F79-40A9-8D9E-4AE293C154A5}"/>
               </a:ext>
               <a:ext uri="{C183D7F6-B498-43B3-948B-1728B52AA6E4}">
-                <adec:decorative xmlns:adec="http://schemas.microsoft.com/office/drawing/2017/decorative" val="1"/>
+                <adec:decorative xmlns:adec="http://schemas.microsoft.com/office/drawing/2017/decorative" xmlns="" val="1"/>
               </a:ext>
             </a:extLst>
           </p:cNvPr>
@@ -25405,7 +25643,7 @@
           <p:nvPr>
             <p:extLst>
               <p:ext uri="{386F3935-93C4-4BCD-93E2-E3B085C9AB24}">
-                <p16:designElem xmlns:p16="http://schemas.microsoft.com/office/powerpoint/2015/main" val="1"/>
+                <p16:designElem xmlns:p16="http://schemas.microsoft.com/office/powerpoint/2015/main" xmlns="" val="1"/>
               </p:ext>
             </p:extLst>
           </p:nvPr>
@@ -25474,7 +25712,7 @@
           <p:cNvPr id="4" name="Slide Number Placeholder 3">
             <a:extLst>
               <a:ext uri="{FF2B5EF4-FFF2-40B4-BE49-F238E27FC236}">
-                <a16:creationId xmlns:a16="http://schemas.microsoft.com/office/drawing/2014/main" id="{4C6ADBB5-F093-43EC-A59C-732582C300EB}"/>
+                <a16:creationId xmlns:a16="http://schemas.microsoft.com/office/drawing/2014/main" xmlns="" id="{4C6ADBB5-F093-43EC-A59C-732582C300EB}"/>
               </a:ext>
             </a:extLst>
           </p:cNvPr>
@@ -25520,7 +25758,7 @@
           <p:cNvPr id="6" name="Content Placeholder 2">
             <a:extLst>
               <a:ext uri="{FF2B5EF4-FFF2-40B4-BE49-F238E27FC236}">
-                <a16:creationId xmlns:a16="http://schemas.microsoft.com/office/drawing/2014/main" id="{EC0F3C5D-82E6-45CF-B860-6486ABF7DA91}"/>
+                <a16:creationId xmlns:a16="http://schemas.microsoft.com/office/drawing/2014/main" xmlns="" id="{EC0F3C5D-82E6-45CF-B860-6486ABF7DA91}"/>
               </a:ext>
             </a:extLst>
           </p:cNvPr>
@@ -25556,6 +25794,13 @@
   <p:clrMapOvr>
     <a:masterClrMapping/>
   </p:clrMapOvr>
+  <p:timing>
+    <p:tnLst>
+      <p:par>
+        <p:cTn id="1" dur="indefinite" restart="never" nodeType="tmRoot"/>
+      </p:par>
+    </p:tnLst>
+  </p:timing>
 </p:sld>
 </file>
 
@@ -25620,10 +25865,10 @@
           <p:cNvPr id="11" name="Rectangle 10">
             <a:extLst>
               <a:ext uri="{FF2B5EF4-FFF2-40B4-BE49-F238E27FC236}">
-                <a16:creationId xmlns:a16="http://schemas.microsoft.com/office/drawing/2014/main" id="{3FD711E9-7F79-40A9-8D9E-4AE293C154A5}"/>
+                <a16:creationId xmlns:a16="http://schemas.microsoft.com/office/drawing/2014/main" xmlns="" id="{3FD711E9-7F79-40A9-8D9E-4AE293C154A5}"/>
               </a:ext>
               <a:ext uri="{C183D7F6-B498-43B3-948B-1728B52AA6E4}">
-                <adec:decorative xmlns:adec="http://schemas.microsoft.com/office/drawing/2017/decorative" val="1"/>
+                <adec:decorative xmlns:adec="http://schemas.microsoft.com/office/drawing/2017/decorative" xmlns="" val="1"/>
               </a:ext>
             </a:extLst>
           </p:cNvPr>
@@ -25633,7 +25878,7 @@
           <p:nvPr>
             <p:extLst>
               <p:ext uri="{386F3935-93C4-4BCD-93E2-E3B085C9AB24}">
-                <p16:designElem xmlns:p16="http://schemas.microsoft.com/office/powerpoint/2015/main" val="1"/>
+                <p16:designElem xmlns:p16="http://schemas.microsoft.com/office/powerpoint/2015/main" xmlns="" val="1"/>
               </p:ext>
             </p:extLst>
           </p:nvPr>
@@ -25742,7 +25987,7 @@
           <p:cNvPr id="6" name="Content Placeholder 2">
             <a:extLst>
               <a:ext uri="{FF2B5EF4-FFF2-40B4-BE49-F238E27FC236}">
-                <a16:creationId xmlns:a16="http://schemas.microsoft.com/office/drawing/2014/main" id="{A9D8E9A4-B308-4EE1-B695-D9C47C0D4F88}"/>
+                <a16:creationId xmlns:a16="http://schemas.microsoft.com/office/drawing/2014/main" xmlns="" id="{A9D8E9A4-B308-4EE1-B695-D9C47C0D4F88}"/>
               </a:ext>
             </a:extLst>
           </p:cNvPr>
@@ -25778,6 +26023,13 @@
   <p:clrMapOvr>
     <a:masterClrMapping/>
   </p:clrMapOvr>
+  <p:timing>
+    <p:tnLst>
+      <p:par>
+        <p:cTn id="1" dur="indefinite" restart="never" nodeType="tmRoot"/>
+      </p:par>
+    </p:tnLst>
+  </p:timing>
 </p:sld>
 </file>
 
@@ -25964,10 +26216,10 @@
           <p:cNvPr id="16" name="Rectangle 15">
             <a:extLst>
               <a:ext uri="{FF2B5EF4-FFF2-40B4-BE49-F238E27FC236}">
-                <a16:creationId xmlns:a16="http://schemas.microsoft.com/office/drawing/2014/main" id="{3FD711E9-7F79-40A9-8D9E-4AE293C154A5}"/>
+                <a16:creationId xmlns:a16="http://schemas.microsoft.com/office/drawing/2014/main" xmlns="" id="{3FD711E9-7F79-40A9-8D9E-4AE293C154A5}"/>
               </a:ext>
               <a:ext uri="{C183D7F6-B498-43B3-948B-1728B52AA6E4}">
-                <adec:decorative xmlns:adec="http://schemas.microsoft.com/office/drawing/2017/decorative" val="1"/>
+                <adec:decorative xmlns:adec="http://schemas.microsoft.com/office/drawing/2017/decorative" xmlns="" val="1"/>
               </a:ext>
             </a:extLst>
           </p:cNvPr>
@@ -25977,7 +26229,7 @@
           <p:nvPr>
             <p:extLst>
               <p:ext uri="{386F3935-93C4-4BCD-93E2-E3B085C9AB24}">
-                <p16:designElem xmlns:p16="http://schemas.microsoft.com/office/powerpoint/2015/main" val="1"/>
+                <p16:designElem xmlns:p16="http://schemas.microsoft.com/office/powerpoint/2015/main" xmlns="" val="1"/>
               </p:ext>
             </p:extLst>
           </p:nvPr>
@@ -26086,7 +26338,7 @@
           <p:cNvPr id="6" name="Content Placeholder 2">
             <a:extLst>
               <a:ext uri="{FF2B5EF4-FFF2-40B4-BE49-F238E27FC236}">
-                <a16:creationId xmlns:a16="http://schemas.microsoft.com/office/drawing/2014/main" id="{6358C9DB-7B63-4876-84D3-25AD0F9ED706}"/>
+                <a16:creationId xmlns:a16="http://schemas.microsoft.com/office/drawing/2014/main" xmlns="" id="{6358C9DB-7B63-4876-84D3-25AD0F9ED706}"/>
               </a:ext>
             </a:extLst>
           </p:cNvPr>
@@ -26314,10 +26566,10 @@
           <p:cNvPr id="11" name="Rectangle 10">
             <a:extLst>
               <a:ext uri="{FF2B5EF4-FFF2-40B4-BE49-F238E27FC236}">
-                <a16:creationId xmlns:a16="http://schemas.microsoft.com/office/drawing/2014/main" id="{3FD711E9-7F79-40A9-8D9E-4AE293C154A5}"/>
+                <a16:creationId xmlns:a16="http://schemas.microsoft.com/office/drawing/2014/main" xmlns="" id="{3FD711E9-7F79-40A9-8D9E-4AE293C154A5}"/>
               </a:ext>
               <a:ext uri="{C183D7F6-B498-43B3-948B-1728B52AA6E4}">
-                <adec:decorative xmlns:adec="http://schemas.microsoft.com/office/drawing/2017/decorative" val="1"/>
+                <adec:decorative xmlns:adec="http://schemas.microsoft.com/office/drawing/2017/decorative" xmlns="" val="1"/>
               </a:ext>
             </a:extLst>
           </p:cNvPr>
@@ -26327,7 +26579,7 @@
           <p:nvPr>
             <p:extLst>
               <p:ext uri="{386F3935-93C4-4BCD-93E2-E3B085C9AB24}">
-                <p16:designElem xmlns:p16="http://schemas.microsoft.com/office/powerpoint/2015/main" val="1"/>
+                <p16:designElem xmlns:p16="http://schemas.microsoft.com/office/powerpoint/2015/main" xmlns="" val="1"/>
               </p:ext>
             </p:extLst>
           </p:nvPr>
@@ -26436,7 +26688,7 @@
           <p:cNvPr id="6" name="Content Placeholder 2">
             <a:extLst>
               <a:ext uri="{FF2B5EF4-FFF2-40B4-BE49-F238E27FC236}">
-                <a16:creationId xmlns:a16="http://schemas.microsoft.com/office/drawing/2014/main" id="{09B1999A-2394-4784-A78A-D9DD6638CBB1}"/>
+                <a16:creationId xmlns:a16="http://schemas.microsoft.com/office/drawing/2014/main" xmlns="" id="{09B1999A-2394-4784-A78A-D9DD6638CBB1}"/>
               </a:ext>
             </a:extLst>
           </p:cNvPr>
@@ -26505,7 +26757,7 @@
           <p:cNvPr id="2" name="Title 1">
             <a:extLst>
               <a:ext uri="{FF2B5EF4-FFF2-40B4-BE49-F238E27FC236}">
-                <a16:creationId xmlns:a16="http://schemas.microsoft.com/office/drawing/2014/main" id="{5F3B14D9-550A-4603-AE2C-4A235FBBA816}"/>
+                <a16:creationId xmlns:a16="http://schemas.microsoft.com/office/drawing/2014/main" xmlns="" id="{5F3B14D9-550A-4603-AE2C-4A235FBBA816}"/>
               </a:ext>
             </a:extLst>
           </p:cNvPr>
@@ -26546,10 +26798,10 @@
           <p:cNvPr id="11" name="Rectangle 10">
             <a:extLst>
               <a:ext uri="{FF2B5EF4-FFF2-40B4-BE49-F238E27FC236}">
-                <a16:creationId xmlns:a16="http://schemas.microsoft.com/office/drawing/2014/main" id="{3FD711E9-7F79-40A9-8D9E-4AE293C154A5}"/>
+                <a16:creationId xmlns:a16="http://schemas.microsoft.com/office/drawing/2014/main" xmlns="" id="{3FD711E9-7F79-40A9-8D9E-4AE293C154A5}"/>
               </a:ext>
               <a:ext uri="{C183D7F6-B498-43B3-948B-1728B52AA6E4}">
-                <adec:decorative xmlns:adec="http://schemas.microsoft.com/office/drawing/2017/decorative" val="1"/>
+                <adec:decorative xmlns:adec="http://schemas.microsoft.com/office/drawing/2017/decorative" xmlns="" val="1"/>
               </a:ext>
             </a:extLst>
           </p:cNvPr>
@@ -26559,7 +26811,7 @@
           <p:nvPr>
             <p:extLst>
               <p:ext uri="{386F3935-93C4-4BCD-93E2-E3B085C9AB24}">
-                <p16:designElem xmlns:p16="http://schemas.microsoft.com/office/powerpoint/2015/main" val="1"/>
+                <p16:designElem xmlns:p16="http://schemas.microsoft.com/office/powerpoint/2015/main" xmlns="" val="1"/>
               </p:ext>
             </p:extLst>
           </p:nvPr>
@@ -26628,7 +26880,7 @@
           <p:cNvPr id="4" name="Slide Number Placeholder 3">
             <a:extLst>
               <a:ext uri="{FF2B5EF4-FFF2-40B4-BE49-F238E27FC236}">
-                <a16:creationId xmlns:a16="http://schemas.microsoft.com/office/drawing/2014/main" id="{4E707F7B-000B-4ECD-9B77-ECC0C1DD16DD}"/>
+                <a16:creationId xmlns:a16="http://schemas.microsoft.com/office/drawing/2014/main" xmlns="" id="{4E707F7B-000B-4ECD-9B77-ECC0C1DD16DD}"/>
               </a:ext>
             </a:extLst>
           </p:cNvPr>
@@ -26674,7 +26926,7 @@
           <p:cNvPr id="6" name="Content Placeholder 2">
             <a:extLst>
               <a:ext uri="{FF2B5EF4-FFF2-40B4-BE49-F238E27FC236}">
-                <a16:creationId xmlns:a16="http://schemas.microsoft.com/office/drawing/2014/main" id="{59A4307A-0181-4594-977B-4087C0CFBAF8}"/>
+                <a16:creationId xmlns:a16="http://schemas.microsoft.com/office/drawing/2014/main" xmlns="" id="{59A4307A-0181-4594-977B-4087C0CFBAF8}"/>
               </a:ext>
             </a:extLst>
           </p:cNvPr>
@@ -26743,7 +26995,7 @@
           <p:cNvPr id="2" name="Title 1">
             <a:extLst>
               <a:ext uri="{FF2B5EF4-FFF2-40B4-BE49-F238E27FC236}">
-                <a16:creationId xmlns:a16="http://schemas.microsoft.com/office/drawing/2014/main" id="{4DF4C6AB-EAC5-41E7-A3B5-A1D552590597}"/>
+                <a16:creationId xmlns:a16="http://schemas.microsoft.com/office/drawing/2014/main" xmlns="" id="{4DF4C6AB-EAC5-41E7-A3B5-A1D552590597}"/>
               </a:ext>
             </a:extLst>
           </p:cNvPr>
@@ -26780,10 +27032,10 @@
           <p:cNvPr id="11" name="Rectangle 10">
             <a:extLst>
               <a:ext uri="{FF2B5EF4-FFF2-40B4-BE49-F238E27FC236}">
-                <a16:creationId xmlns:a16="http://schemas.microsoft.com/office/drawing/2014/main" id="{3FD711E9-7F79-40A9-8D9E-4AE293C154A5}"/>
+                <a16:creationId xmlns:a16="http://schemas.microsoft.com/office/drawing/2014/main" xmlns="" id="{3FD711E9-7F79-40A9-8D9E-4AE293C154A5}"/>
               </a:ext>
               <a:ext uri="{C183D7F6-B498-43B3-948B-1728B52AA6E4}">
-                <adec:decorative xmlns:adec="http://schemas.microsoft.com/office/drawing/2017/decorative" val="1"/>
+                <adec:decorative xmlns:adec="http://schemas.microsoft.com/office/drawing/2017/decorative" xmlns="" val="1"/>
               </a:ext>
             </a:extLst>
           </p:cNvPr>
@@ -26793,7 +27045,7 @@
           <p:nvPr>
             <p:extLst>
               <p:ext uri="{386F3935-93C4-4BCD-93E2-E3B085C9AB24}">
-                <p16:designElem xmlns:p16="http://schemas.microsoft.com/office/powerpoint/2015/main" val="1"/>
+                <p16:designElem xmlns:p16="http://schemas.microsoft.com/office/powerpoint/2015/main" xmlns="" val="1"/>
               </p:ext>
             </p:extLst>
           </p:nvPr>
@@ -26862,7 +27114,7 @@
           <p:cNvPr id="4" name="Slide Number Placeholder 3">
             <a:extLst>
               <a:ext uri="{FF2B5EF4-FFF2-40B4-BE49-F238E27FC236}">
-                <a16:creationId xmlns:a16="http://schemas.microsoft.com/office/drawing/2014/main" id="{72C1E673-FCA4-48C9-8D56-03068F07EB13}"/>
+                <a16:creationId xmlns:a16="http://schemas.microsoft.com/office/drawing/2014/main" xmlns="" id="{72C1E673-FCA4-48C9-8D56-03068F07EB13}"/>
               </a:ext>
             </a:extLst>
           </p:cNvPr>
@@ -26908,7 +27160,7 @@
           <p:cNvPr id="6" name="Content Placeholder 2">
             <a:extLst>
               <a:ext uri="{FF2B5EF4-FFF2-40B4-BE49-F238E27FC236}">
-                <a16:creationId xmlns:a16="http://schemas.microsoft.com/office/drawing/2014/main" id="{7917F929-5E38-446A-8EA9-D8E60BEFEF5F}"/>
+                <a16:creationId xmlns:a16="http://schemas.microsoft.com/office/drawing/2014/main" xmlns="" id="{7917F929-5E38-446A-8EA9-D8E60BEFEF5F}"/>
               </a:ext>
             </a:extLst>
           </p:cNvPr>
@@ -26977,7 +27229,7 @@
           <p:cNvPr id="2" name="Title 1">
             <a:extLst>
               <a:ext uri="{FF2B5EF4-FFF2-40B4-BE49-F238E27FC236}">
-                <a16:creationId xmlns:a16="http://schemas.microsoft.com/office/drawing/2014/main" id="{3CFBC153-C83D-4D33-B185-F54768A9773C}"/>
+                <a16:creationId xmlns:a16="http://schemas.microsoft.com/office/drawing/2014/main" xmlns="" id="{3CFBC153-C83D-4D33-B185-F54768A9773C}"/>
               </a:ext>
             </a:extLst>
           </p:cNvPr>
@@ -27014,10 +27266,10 @@
           <p:cNvPr id="11" name="Rectangle 10">
             <a:extLst>
               <a:ext uri="{FF2B5EF4-FFF2-40B4-BE49-F238E27FC236}">
-                <a16:creationId xmlns:a16="http://schemas.microsoft.com/office/drawing/2014/main" id="{3FD711E9-7F79-40A9-8D9E-4AE293C154A5}"/>
+                <a16:creationId xmlns:a16="http://schemas.microsoft.com/office/drawing/2014/main" xmlns="" id="{3FD711E9-7F79-40A9-8D9E-4AE293C154A5}"/>
               </a:ext>
               <a:ext uri="{C183D7F6-B498-43B3-948B-1728B52AA6E4}">
-                <adec:decorative xmlns:adec="http://schemas.microsoft.com/office/drawing/2017/decorative" val="1"/>
+                <adec:decorative xmlns:adec="http://schemas.microsoft.com/office/drawing/2017/decorative" xmlns="" val="1"/>
               </a:ext>
             </a:extLst>
           </p:cNvPr>
@@ -27027,7 +27279,7 @@
           <p:nvPr>
             <p:extLst>
               <p:ext uri="{386F3935-93C4-4BCD-93E2-E3B085C9AB24}">
-                <p16:designElem xmlns:p16="http://schemas.microsoft.com/office/powerpoint/2015/main" val="1"/>
+                <p16:designElem xmlns:p16="http://schemas.microsoft.com/office/powerpoint/2015/main" xmlns="" val="1"/>
               </p:ext>
             </p:extLst>
           </p:nvPr>
@@ -27096,7 +27348,7 @@
           <p:cNvPr id="4" name="Slide Number Placeholder 3">
             <a:extLst>
               <a:ext uri="{FF2B5EF4-FFF2-40B4-BE49-F238E27FC236}">
-                <a16:creationId xmlns:a16="http://schemas.microsoft.com/office/drawing/2014/main" id="{8708F1DC-B020-4A80-95EC-488AA0E7D9A8}"/>
+                <a16:creationId xmlns:a16="http://schemas.microsoft.com/office/drawing/2014/main" xmlns="" id="{8708F1DC-B020-4A80-95EC-488AA0E7D9A8}"/>
               </a:ext>
             </a:extLst>
           </p:cNvPr>
@@ -27142,7 +27394,7 @@
           <p:cNvPr id="6" name="Content Placeholder 2">
             <a:extLst>
               <a:ext uri="{FF2B5EF4-FFF2-40B4-BE49-F238E27FC236}">
-                <a16:creationId xmlns:a16="http://schemas.microsoft.com/office/drawing/2014/main" id="{1644A831-BD86-4E9E-AE2D-C3E9B570085C}"/>
+                <a16:creationId xmlns:a16="http://schemas.microsoft.com/office/drawing/2014/main" xmlns="" id="{1644A831-BD86-4E9E-AE2D-C3E9B570085C}"/>
               </a:ext>
             </a:extLst>
           </p:cNvPr>
@@ -27178,6 +27430,13 @@
   <p:clrMapOvr>
     <a:masterClrMapping/>
   </p:clrMapOvr>
+  <p:timing>
+    <p:tnLst>
+      <p:par>
+        <p:cTn id="1" dur="indefinite" restart="never" nodeType="tmRoot"/>
+      </p:par>
+    </p:tnLst>
+  </p:timing>
 </p:sld>
 </file>
 
@@ -27211,10 +27470,10 @@
           <p:cNvPr id="30" name="Rectangle 29">
             <a:extLst>
               <a:ext uri="{FF2B5EF4-FFF2-40B4-BE49-F238E27FC236}">
-                <a16:creationId xmlns:a16="http://schemas.microsoft.com/office/drawing/2014/main" id="{E009DD9B-5EE2-4C0D-8B2B-351C8C102205}"/>
+                <a16:creationId xmlns:a16="http://schemas.microsoft.com/office/drawing/2014/main" xmlns="" id="{E009DD9B-5EE2-4C0D-8B2B-351C8C102205}"/>
               </a:ext>
               <a:ext uri="{C183D7F6-B498-43B3-948B-1728B52AA6E4}">
-                <adec:decorative xmlns:adec="http://schemas.microsoft.com/office/drawing/2017/decorative" val="1"/>
+                <adec:decorative xmlns:adec="http://schemas.microsoft.com/office/drawing/2017/decorative" xmlns="" val="1"/>
               </a:ext>
             </a:extLst>
           </p:cNvPr>
@@ -27224,7 +27483,7 @@
           <p:nvPr>
             <p:extLst>
               <p:ext uri="{386F3935-93C4-4BCD-93E2-E3B085C9AB24}">
-                <p16:designElem xmlns:p16="http://schemas.microsoft.com/office/powerpoint/2015/main" val="1"/>
+                <p16:designElem xmlns:p16="http://schemas.microsoft.com/office/powerpoint/2015/main" xmlns="" val="1"/>
               </p:ext>
             </p:extLst>
           </p:nvPr>
@@ -27300,7 +27559,7 @@
           <p:cNvPr id="6" name="Content Placeholder 5">
             <a:extLst>
               <a:ext uri="{FF2B5EF4-FFF2-40B4-BE49-F238E27FC236}">
-                <a16:creationId xmlns:a16="http://schemas.microsoft.com/office/drawing/2014/main" id="{17486647-9B91-42BC-8343-094BE0C96172}"/>
+                <a16:creationId xmlns:a16="http://schemas.microsoft.com/office/drawing/2014/main" xmlns="" id="{17486647-9B91-42BC-8343-094BE0C96172}"/>
               </a:ext>
             </a:extLst>
           </p:cNvPr>
@@ -27325,7 +27584,7 @@
         </p:blipFill>
         <p:spPr>
           <a:xfrm>
-            <a:off x="5688466" y="505224"/>
+            <a:off x="1619672" y="524186"/>
             <a:ext cx="1721340" cy="3060160"/>
           </a:xfrm>
           <a:prstGeom prst="rect">
@@ -27338,10 +27597,10 @@
           <p:cNvPr id="32" name="Rectangle 31">
             <a:extLst>
               <a:ext uri="{FF2B5EF4-FFF2-40B4-BE49-F238E27FC236}">
-                <a16:creationId xmlns:a16="http://schemas.microsoft.com/office/drawing/2014/main" id="{E720DB99-7745-4E75-9D96-AAB6D55C531E}"/>
+                <a16:creationId xmlns:a16="http://schemas.microsoft.com/office/drawing/2014/main" xmlns="" id="{E720DB99-7745-4E75-9D96-AAB6D55C531E}"/>
               </a:ext>
               <a:ext uri="{C183D7F6-B498-43B3-948B-1728B52AA6E4}">
-                <adec:decorative xmlns:adec="http://schemas.microsoft.com/office/drawing/2017/decorative" val="1"/>
+                <adec:decorative xmlns:adec="http://schemas.microsoft.com/office/drawing/2017/decorative" xmlns="" val="1"/>
               </a:ext>
             </a:extLst>
           </p:cNvPr>
@@ -27351,7 +27610,7 @@
           <p:nvPr>
             <p:extLst>
               <p:ext uri="{386F3935-93C4-4BCD-93E2-E3B085C9AB24}">
-                <p16:designElem xmlns:p16="http://schemas.microsoft.com/office/powerpoint/2015/main" val="1"/>
+                <p16:designElem xmlns:p16="http://schemas.microsoft.com/office/powerpoint/2015/main" xmlns="" val="1"/>
               </p:ext>
             </p:extLst>
           </p:nvPr>
@@ -27412,10 +27671,10 @@
           <p:cNvPr id="34" name="Rectangle 33">
             <a:extLst>
               <a:ext uri="{FF2B5EF4-FFF2-40B4-BE49-F238E27FC236}">
-                <a16:creationId xmlns:a16="http://schemas.microsoft.com/office/drawing/2014/main" id="{D68803C4-E159-4360-B7BB-74205C8F782D}"/>
+                <a16:creationId xmlns:a16="http://schemas.microsoft.com/office/drawing/2014/main" xmlns="" id="{D68803C4-E159-4360-B7BB-74205C8F782D}"/>
               </a:ext>
               <a:ext uri="{C183D7F6-B498-43B3-948B-1728B52AA6E4}">
-                <adec:decorative xmlns:adec="http://schemas.microsoft.com/office/drawing/2017/decorative" val="1"/>
+                <adec:decorative xmlns:adec="http://schemas.microsoft.com/office/drawing/2017/decorative" xmlns="" val="1"/>
               </a:ext>
             </a:extLst>
           </p:cNvPr>
@@ -27425,7 +27684,7 @@
           <p:nvPr>
             <p:extLst>
               <p:ext uri="{386F3935-93C4-4BCD-93E2-E3B085C9AB24}">
-                <p16:designElem xmlns:p16="http://schemas.microsoft.com/office/powerpoint/2015/main" val="1"/>
+                <p16:designElem xmlns:p16="http://schemas.microsoft.com/office/powerpoint/2015/main" xmlns="" val="1"/>
               </p:ext>
             </p:extLst>
           </p:nvPr>
@@ -27486,7 +27745,7 @@
           <p:cNvPr id="2" name="Title 1">
             <a:extLst>
               <a:ext uri="{FF2B5EF4-FFF2-40B4-BE49-F238E27FC236}">
-                <a16:creationId xmlns:a16="http://schemas.microsoft.com/office/drawing/2014/main" id="{34D6937F-1795-4A26-A086-A7E90E3686E0}"/>
+                <a16:creationId xmlns:a16="http://schemas.microsoft.com/office/drawing/2014/main" xmlns="" id="{34D6937F-1795-4A26-A086-A7E90E3686E0}"/>
               </a:ext>
             </a:extLst>
           </p:cNvPr>
@@ -27526,7 +27785,7 @@
           <p:cNvPr id="5" name="Picture 4">
             <a:extLst>
               <a:ext uri="{FF2B5EF4-FFF2-40B4-BE49-F238E27FC236}">
-                <a16:creationId xmlns:a16="http://schemas.microsoft.com/office/drawing/2014/main" id="{935AA644-CB53-40D8-A49C-5D27BC1551B3}"/>
+                <a16:creationId xmlns:a16="http://schemas.microsoft.com/office/drawing/2014/main" xmlns="" id="{935AA644-CB53-40D8-A49C-5D27BC1551B3}"/>
               </a:ext>
             </a:extLst>
           </p:cNvPr>
@@ -27549,7 +27808,7 @@
         </p:blipFill>
         <p:spPr>
           <a:xfrm>
-            <a:off x="1734193" y="505223"/>
+            <a:off x="6012160" y="511593"/>
             <a:ext cx="1721340" cy="3060160"/>
           </a:xfrm>
           <a:prstGeom prst="rect">
@@ -27562,7 +27821,7 @@
           <p:cNvPr id="7" name="TextBox 6">
             <a:extLst>
               <a:ext uri="{FF2B5EF4-FFF2-40B4-BE49-F238E27FC236}">
-                <a16:creationId xmlns:a16="http://schemas.microsoft.com/office/drawing/2014/main" id="{3CE34ECB-BBCC-4298-ADD7-E9AA474BCF5D}"/>
+                <a16:creationId xmlns:a16="http://schemas.microsoft.com/office/drawing/2014/main" xmlns="" id="{3CE34ECB-BBCC-4298-ADD7-E9AA474BCF5D}"/>
               </a:ext>
             </a:extLst>
           </p:cNvPr>
@@ -27659,10 +27918,10 @@
           <p:cNvPr id="36" name="Rectangle 35">
             <a:extLst>
               <a:ext uri="{FF2B5EF4-FFF2-40B4-BE49-F238E27FC236}">
-                <a16:creationId xmlns:a16="http://schemas.microsoft.com/office/drawing/2014/main" id="{504B0465-3B07-49BF-BEA7-D81476246293}"/>
+                <a16:creationId xmlns:a16="http://schemas.microsoft.com/office/drawing/2014/main" xmlns="" id="{504B0465-3B07-49BF-BEA7-D81476246293}"/>
               </a:ext>
               <a:ext uri="{C183D7F6-B498-43B3-948B-1728B52AA6E4}">
-                <adec:decorative xmlns:adec="http://schemas.microsoft.com/office/drawing/2017/decorative" val="1"/>
+                <adec:decorative xmlns:adec="http://schemas.microsoft.com/office/drawing/2017/decorative" xmlns="" val="1"/>
               </a:ext>
             </a:extLst>
           </p:cNvPr>
@@ -27672,7 +27931,7 @@
           <p:nvPr>
             <p:extLst>
               <p:ext uri="{386F3935-93C4-4BCD-93E2-E3B085C9AB24}">
-                <p16:designElem xmlns:p16="http://schemas.microsoft.com/office/powerpoint/2015/main" val="1"/>
+                <p16:designElem xmlns:p16="http://schemas.microsoft.com/office/powerpoint/2015/main" xmlns="" val="1"/>
               </p:ext>
             </p:extLst>
           </p:nvPr>
@@ -27733,10 +27992,10 @@
           <p:cNvPr id="38" name="Oval 37">
             <a:extLst>
               <a:ext uri="{FF2B5EF4-FFF2-40B4-BE49-F238E27FC236}">
-                <a16:creationId xmlns:a16="http://schemas.microsoft.com/office/drawing/2014/main" id="{49B7FFA5-14CB-4A4F-9BCC-CA3AA5D9D276}"/>
+                <a16:creationId xmlns:a16="http://schemas.microsoft.com/office/drawing/2014/main" xmlns="" id="{49B7FFA5-14CB-4A4F-9BCC-CA3AA5D9D276}"/>
               </a:ext>
               <a:ext uri="{C183D7F6-B498-43B3-948B-1728B52AA6E4}">
-                <adec:decorative xmlns:adec="http://schemas.microsoft.com/office/drawing/2017/decorative" val="1"/>
+                <adec:decorative xmlns:adec="http://schemas.microsoft.com/office/drawing/2017/decorative" xmlns="" val="1"/>
               </a:ext>
             </a:extLst>
           </p:cNvPr>
@@ -27746,7 +28005,7 @@
           <p:nvPr>
             <p:extLst>
               <p:ext uri="{386F3935-93C4-4BCD-93E2-E3B085C9AB24}">
-                <p16:designElem xmlns:p16="http://schemas.microsoft.com/office/powerpoint/2015/main" val="1"/>
+                <p16:designElem xmlns:p16="http://schemas.microsoft.com/office/powerpoint/2015/main" xmlns="" val="1"/>
               </p:ext>
             </p:extLst>
           </p:nvPr>
@@ -27821,10 +28080,10 @@
           <p:cNvPr id="40" name="Oval 39">
             <a:extLst>
               <a:ext uri="{FF2B5EF4-FFF2-40B4-BE49-F238E27FC236}">
-                <a16:creationId xmlns:a16="http://schemas.microsoft.com/office/drawing/2014/main" id="{04E48745-7512-4EC2-9E20-9092D12150CA}"/>
+                <a16:creationId xmlns:a16="http://schemas.microsoft.com/office/drawing/2014/main" xmlns="" id="{04E48745-7512-4EC2-9E20-9092D12150CA}"/>
               </a:ext>
               <a:ext uri="{C183D7F6-B498-43B3-948B-1728B52AA6E4}">
-                <adec:decorative xmlns:adec="http://schemas.microsoft.com/office/drawing/2017/decorative" val="1"/>
+                <adec:decorative xmlns:adec="http://schemas.microsoft.com/office/drawing/2017/decorative" xmlns="" val="1"/>
               </a:ext>
             </a:extLst>
           </p:cNvPr>
@@ -27834,7 +28093,7 @@
           <p:nvPr>
             <p:extLst>
               <p:ext uri="{386F3935-93C4-4BCD-93E2-E3B085C9AB24}">
-                <p16:designElem xmlns:p16="http://schemas.microsoft.com/office/powerpoint/2015/main" val="1"/>
+                <p16:designElem xmlns:p16="http://schemas.microsoft.com/office/powerpoint/2015/main" xmlns="" val="1"/>
               </p:ext>
             </p:extLst>
           </p:nvPr>
@@ -27899,7 +28158,7 @@
           <p:cNvPr id="4" name="Slide Number Placeholder 3">
             <a:extLst>
               <a:ext uri="{FF2B5EF4-FFF2-40B4-BE49-F238E27FC236}">
-                <a16:creationId xmlns:a16="http://schemas.microsoft.com/office/drawing/2014/main" id="{1DB4C6C8-2288-40CD-A066-D74671E2E586}"/>
+                <a16:creationId xmlns:a16="http://schemas.microsoft.com/office/drawing/2014/main" xmlns="" id="{1DB4C6C8-2288-40CD-A066-D74671E2E586}"/>
               </a:ext>
             </a:extLst>
           </p:cNvPr>
@@ -27954,6 +28213,13 @@
   <p:clrMapOvr>
     <a:masterClrMapping/>
   </p:clrMapOvr>
+  <p:timing>
+    <p:tnLst>
+      <p:par>
+        <p:cTn id="1" dur="indefinite" restart="never" nodeType="tmRoot"/>
+      </p:par>
+    </p:tnLst>
+  </p:timing>
 </p:sld>
 </file>
 
@@ -27987,10 +28253,10 @@
           <p:cNvPr id="27" name="Rectangle 26">
             <a:extLst>
               <a:ext uri="{FF2B5EF4-FFF2-40B4-BE49-F238E27FC236}">
-                <a16:creationId xmlns:a16="http://schemas.microsoft.com/office/drawing/2014/main" id="{E009DD9B-5EE2-4C0D-8B2B-351C8C102205}"/>
+                <a16:creationId xmlns:a16="http://schemas.microsoft.com/office/drawing/2014/main" xmlns="" id="{E009DD9B-5EE2-4C0D-8B2B-351C8C102205}"/>
               </a:ext>
               <a:ext uri="{C183D7F6-B498-43B3-948B-1728B52AA6E4}">
-                <adec:decorative xmlns:adec="http://schemas.microsoft.com/office/drawing/2017/decorative" val="1"/>
+                <adec:decorative xmlns:adec="http://schemas.microsoft.com/office/drawing/2017/decorative" xmlns="" val="1"/>
               </a:ext>
             </a:extLst>
           </p:cNvPr>
@@ -28000,7 +28266,7 @@
           <p:nvPr>
             <p:extLst>
               <p:ext uri="{386F3935-93C4-4BCD-93E2-E3B085C9AB24}">
-                <p16:designElem xmlns:p16="http://schemas.microsoft.com/office/powerpoint/2015/main" val="1"/>
+                <p16:designElem xmlns:p16="http://schemas.microsoft.com/office/powerpoint/2015/main" xmlns="" val="1"/>
               </p:ext>
             </p:extLst>
           </p:nvPr>
@@ -28071,53 +28337,15 @@
           </a:p>
         </p:txBody>
       </p:sp>
-      <p:pic>
-        <p:nvPicPr>
-          <p:cNvPr id="6" name="Content Placeholder 5">
-            <a:extLst>
-              <a:ext uri="{FF2B5EF4-FFF2-40B4-BE49-F238E27FC236}">
-                <a16:creationId xmlns:a16="http://schemas.microsoft.com/office/drawing/2014/main" id="{81FB5CCB-CE24-457F-AB30-55B941DCE6AB}"/>
-              </a:ext>
-            </a:extLst>
-          </p:cNvPr>
-          <p:cNvPicPr>
-            <a:picLocks noGrp="1" noChangeAspect="1"/>
-          </p:cNvPicPr>
-          <p:nvPr>
-            <p:ph idx="1"/>
-          </p:nvPr>
-        </p:nvPicPr>
-        <p:blipFill>
-          <a:blip r:embed="rId2" cstate="print">
-            <a:extLst>
-              <a:ext uri="{28A0092B-C50C-407E-A947-70E740481C1C}">
-                <a14:useLocalDpi xmlns:a14="http://schemas.microsoft.com/office/drawing/2010/main" val="0"/>
-              </a:ext>
-            </a:extLst>
-          </a:blip>
-          <a:stretch>
-            <a:fillRect/>
-          </a:stretch>
-        </p:blipFill>
-        <p:spPr>
-          <a:xfrm>
-            <a:off x="5745845" y="505224"/>
-            <a:ext cx="1606582" cy="3060160"/>
-          </a:xfrm>
-          <a:prstGeom prst="rect">
-            <a:avLst/>
-          </a:prstGeom>
-        </p:spPr>
-      </p:pic>
       <p:sp>
         <p:nvSpPr>
           <p:cNvPr id="29" name="Rectangle 28">
             <a:extLst>
               <a:ext uri="{FF2B5EF4-FFF2-40B4-BE49-F238E27FC236}">
-                <a16:creationId xmlns:a16="http://schemas.microsoft.com/office/drawing/2014/main" id="{E720DB99-7745-4E75-9D96-AAB6D55C531E}"/>
+                <a16:creationId xmlns:a16="http://schemas.microsoft.com/office/drawing/2014/main" xmlns="" id="{E720DB99-7745-4E75-9D96-AAB6D55C531E}"/>
               </a:ext>
               <a:ext uri="{C183D7F6-B498-43B3-948B-1728B52AA6E4}">
-                <adec:decorative xmlns:adec="http://schemas.microsoft.com/office/drawing/2017/decorative" val="1"/>
+                <adec:decorative xmlns:adec="http://schemas.microsoft.com/office/drawing/2017/decorative" xmlns="" val="1"/>
               </a:ext>
             </a:extLst>
           </p:cNvPr>
@@ -28127,7 +28355,7 @@
           <p:nvPr>
             <p:extLst>
               <p:ext uri="{386F3935-93C4-4BCD-93E2-E3B085C9AB24}">
-                <p16:designElem xmlns:p16="http://schemas.microsoft.com/office/powerpoint/2015/main" val="1"/>
+                <p16:designElem xmlns:p16="http://schemas.microsoft.com/office/powerpoint/2015/main" xmlns="" val="1"/>
               </p:ext>
             </p:extLst>
           </p:nvPr>
@@ -28141,13 +28369,13 @@
             <a:avLst/>
           </a:prstGeom>
           <a:blipFill dpi="0" rotWithShape="1">
-            <a:blip r:embed="rId3">
+            <a:blip r:embed="rId2">
               <a:alphaModFix amt="85000"/>
               <a:lum bright="70000" contrast="-70000"/>
               <a:extLst>
                 <a:ext uri="{BEBA8EAE-BF5A-486C-A8C5-ECC9F3942E4B}">
                   <a14:imgProps xmlns:a14="http://schemas.microsoft.com/office/drawing/2010/main">
-                    <a14:imgLayer r:embed="rId4">
+                    <a14:imgLayer r:embed="rId3">
                       <a14:imgEffect>
                         <a14:sharpenSoften amount="61000"/>
                       </a14:imgEffect>
@@ -28188,10 +28416,10 @@
           <p:cNvPr id="31" name="Rectangle 30">
             <a:extLst>
               <a:ext uri="{FF2B5EF4-FFF2-40B4-BE49-F238E27FC236}">
-                <a16:creationId xmlns:a16="http://schemas.microsoft.com/office/drawing/2014/main" id="{D68803C4-E159-4360-B7BB-74205C8F782D}"/>
+                <a16:creationId xmlns:a16="http://schemas.microsoft.com/office/drawing/2014/main" xmlns="" id="{D68803C4-E159-4360-B7BB-74205C8F782D}"/>
               </a:ext>
               <a:ext uri="{C183D7F6-B498-43B3-948B-1728B52AA6E4}">
-                <adec:decorative xmlns:adec="http://schemas.microsoft.com/office/drawing/2017/decorative" val="1"/>
+                <adec:decorative xmlns:adec="http://schemas.microsoft.com/office/drawing/2017/decorative" xmlns="" val="1"/>
               </a:ext>
             </a:extLst>
           </p:cNvPr>
@@ -28201,7 +28429,7 @@
           <p:nvPr>
             <p:extLst>
               <p:ext uri="{386F3935-93C4-4BCD-93E2-E3B085C9AB24}">
-                <p16:designElem xmlns:p16="http://schemas.microsoft.com/office/powerpoint/2015/main" val="1"/>
+                <p16:designElem xmlns:p16="http://schemas.microsoft.com/office/powerpoint/2015/main" xmlns="" val="1"/>
               </p:ext>
             </p:extLst>
           </p:nvPr>
@@ -28215,13 +28443,13 @@
             <a:avLst/>
           </a:prstGeom>
           <a:blipFill dpi="0" rotWithShape="1">
-            <a:blip r:embed="rId3">
+            <a:blip r:embed="rId2">
               <a:alphaModFix amt="95000"/>
               <a:lum bright="70000" contrast="-70000"/>
               <a:extLst>
                 <a:ext uri="{BEBA8EAE-BF5A-486C-A8C5-ECC9F3942E4B}">
                   <a14:imgProps xmlns:a14="http://schemas.microsoft.com/office/drawing/2010/main">
-                    <a14:imgLayer r:embed="rId4">
+                    <a14:imgLayer r:embed="rId3">
                       <a14:imgEffect>
                         <a14:sharpenSoften amount="61000"/>
                       </a14:imgEffect>
@@ -28296,7 +28524,7 @@
           <p:cNvPr id="8" name="Picture 7">
             <a:extLst>
               <a:ext uri="{FF2B5EF4-FFF2-40B4-BE49-F238E27FC236}">
-                <a16:creationId xmlns:a16="http://schemas.microsoft.com/office/drawing/2014/main" id="{AA6F2317-976C-4AA9-8F3A-E1A1BB8D92F4}"/>
+                <a16:creationId xmlns:a16="http://schemas.microsoft.com/office/drawing/2014/main" xmlns="" id="{AA6F2317-976C-4AA9-8F3A-E1A1BB8D92F4}"/>
               </a:ext>
             </a:extLst>
           </p:cNvPr>
@@ -28306,7 +28534,7 @@
           <p:nvPr/>
         </p:nvPicPr>
         <p:blipFill>
-          <a:blip r:embed="rId5" cstate="print">
+          <a:blip r:embed="rId4" cstate="print">
             <a:extLst>
               <a:ext uri="{28A0092B-C50C-407E-A947-70E740481C1C}">
                 <a14:useLocalDpi xmlns:a14="http://schemas.microsoft.com/office/drawing/2010/main" val="0"/>
@@ -28332,7 +28560,7 @@
           <p:cNvPr id="9" name="TextBox 8">
             <a:extLst>
               <a:ext uri="{FF2B5EF4-FFF2-40B4-BE49-F238E27FC236}">
-                <a16:creationId xmlns:a16="http://schemas.microsoft.com/office/drawing/2014/main" id="{B8CA411E-9A70-468F-8311-B6B05957C2A3}"/>
+                <a16:creationId xmlns:a16="http://schemas.microsoft.com/office/drawing/2014/main" xmlns="" id="{B8CA411E-9A70-468F-8311-B6B05957C2A3}"/>
               </a:ext>
             </a:extLst>
           </p:cNvPr>
@@ -28456,10 +28684,10 @@
           <p:cNvPr id="33" name="Rectangle 32">
             <a:extLst>
               <a:ext uri="{FF2B5EF4-FFF2-40B4-BE49-F238E27FC236}">
-                <a16:creationId xmlns:a16="http://schemas.microsoft.com/office/drawing/2014/main" id="{504B0465-3B07-49BF-BEA7-D81476246293}"/>
+                <a16:creationId xmlns:a16="http://schemas.microsoft.com/office/drawing/2014/main" xmlns="" id="{504B0465-3B07-49BF-BEA7-D81476246293}"/>
               </a:ext>
               <a:ext uri="{C183D7F6-B498-43B3-948B-1728B52AA6E4}">
-                <adec:decorative xmlns:adec="http://schemas.microsoft.com/office/drawing/2017/decorative" val="1"/>
+                <adec:decorative xmlns:adec="http://schemas.microsoft.com/office/drawing/2017/decorative" xmlns="" val="1"/>
               </a:ext>
             </a:extLst>
           </p:cNvPr>
@@ -28469,7 +28697,7 @@
           <p:nvPr>
             <p:extLst>
               <p:ext uri="{386F3935-93C4-4BCD-93E2-E3B085C9AB24}">
-                <p16:designElem xmlns:p16="http://schemas.microsoft.com/office/powerpoint/2015/main" val="1"/>
+                <p16:designElem xmlns:p16="http://schemas.microsoft.com/office/powerpoint/2015/main" xmlns="" val="1"/>
               </p:ext>
             </p:extLst>
           </p:nvPr>
@@ -28483,13 +28711,13 @@
             <a:avLst/>
           </a:prstGeom>
           <a:blipFill dpi="0" rotWithShape="1">
-            <a:blip r:embed="rId3">
+            <a:blip r:embed="rId2">
               <a:alphaModFix amt="85000"/>
               <a:lum bright="70000" contrast="-70000"/>
               <a:extLst>
                 <a:ext uri="{BEBA8EAE-BF5A-486C-A8C5-ECC9F3942E4B}">
                   <a14:imgProps xmlns:a14="http://schemas.microsoft.com/office/drawing/2010/main">
-                    <a14:imgLayer r:embed="rId4">
+                    <a14:imgLayer r:embed="rId3">
                       <a14:imgEffect>
                         <a14:sharpenSoften amount="61000"/>
                       </a14:imgEffect>
@@ -28530,10 +28758,10 @@
           <p:cNvPr id="35" name="Oval 34">
             <a:extLst>
               <a:ext uri="{FF2B5EF4-FFF2-40B4-BE49-F238E27FC236}">
-                <a16:creationId xmlns:a16="http://schemas.microsoft.com/office/drawing/2014/main" id="{49B7FFA5-14CB-4A4F-9BCC-CA3AA5D9D276}"/>
+                <a16:creationId xmlns:a16="http://schemas.microsoft.com/office/drawing/2014/main" xmlns="" id="{49B7FFA5-14CB-4A4F-9BCC-CA3AA5D9D276}"/>
               </a:ext>
               <a:ext uri="{C183D7F6-B498-43B3-948B-1728B52AA6E4}">
-                <adec:decorative xmlns:adec="http://schemas.microsoft.com/office/drawing/2017/decorative" val="1"/>
+                <adec:decorative xmlns:adec="http://schemas.microsoft.com/office/drawing/2017/decorative" xmlns="" val="1"/>
               </a:ext>
             </a:extLst>
           </p:cNvPr>
@@ -28543,7 +28771,7 @@
           <p:nvPr>
             <p:extLst>
               <p:ext uri="{386F3935-93C4-4BCD-93E2-E3B085C9AB24}">
-                <p16:designElem xmlns:p16="http://schemas.microsoft.com/office/powerpoint/2015/main" val="1"/>
+                <p16:designElem xmlns:p16="http://schemas.microsoft.com/office/powerpoint/2015/main" xmlns="" val="1"/>
               </p:ext>
             </p:extLst>
           </p:nvPr>
@@ -28557,7 +28785,7 @@
             <a:avLst/>
           </a:prstGeom>
           <a:blipFill dpi="0" rotWithShape="1">
-            <a:blip r:embed="rId6">
+            <a:blip r:embed="rId5">
               <a:duotone>
                 <a:schemeClr val="accent1">
                   <a:shade val="45000"/>
@@ -28618,10 +28846,10 @@
           <p:cNvPr id="37" name="Oval 36">
             <a:extLst>
               <a:ext uri="{FF2B5EF4-FFF2-40B4-BE49-F238E27FC236}">
-                <a16:creationId xmlns:a16="http://schemas.microsoft.com/office/drawing/2014/main" id="{04E48745-7512-4EC2-9E20-9092D12150CA}"/>
+                <a16:creationId xmlns:a16="http://schemas.microsoft.com/office/drawing/2014/main" xmlns="" id="{04E48745-7512-4EC2-9E20-9092D12150CA}"/>
               </a:ext>
               <a:ext uri="{C183D7F6-B498-43B3-948B-1728B52AA6E4}">
-                <adec:decorative xmlns:adec="http://schemas.microsoft.com/office/drawing/2017/decorative" val="1"/>
+                <adec:decorative xmlns:adec="http://schemas.microsoft.com/office/drawing/2017/decorative" xmlns="" val="1"/>
               </a:ext>
             </a:extLst>
           </p:cNvPr>
@@ -28631,7 +28859,7 @@
           <p:nvPr>
             <p:extLst>
               <p:ext uri="{386F3935-93C4-4BCD-93E2-E3B085C9AB24}">
-                <p16:designElem xmlns:p16="http://schemas.microsoft.com/office/powerpoint/2015/main" val="1"/>
+                <p16:designElem xmlns:p16="http://schemas.microsoft.com/office/powerpoint/2015/main" xmlns="" val="1"/>
               </p:ext>
             </p:extLst>
           </p:nvPr>
@@ -28735,6 +28963,35 @@
           </a:p>
         </p:txBody>
       </p:sp>
+      <p:pic>
+        <p:nvPicPr>
+          <p:cNvPr id="5" name="Content Placeholder 4"/>
+          <p:cNvPicPr>
+            <a:picLocks noGrp="1" noChangeAspect="1"/>
+          </p:cNvPicPr>
+          <p:nvPr>
+            <p:ph idx="1"/>
+          </p:nvPr>
+        </p:nvPicPr>
+        <p:blipFill>
+          <a:blip r:embed="rId6" cstate="print">
+            <a:extLst>
+              <a:ext uri="{28A0092B-C50C-407E-A947-70E740481C1C}">
+                <a14:useLocalDpi xmlns:a14="http://schemas.microsoft.com/office/drawing/2010/main" val="0"/>
+              </a:ext>
+            </a:extLst>
+          </a:blip>
+          <a:stretch>
+            <a:fillRect/>
+          </a:stretch>
+        </p:blipFill>
+        <p:spPr>
+          <a:xfrm>
+            <a:off x="5652120" y="116632"/>
+            <a:ext cx="2016224" cy="3584399"/>
+          </a:xfrm>
+        </p:spPr>
+      </p:pic>
     </p:spTree>
     <p:extLst>
       <p:ext uri="{BB962C8B-B14F-4D97-AF65-F5344CB8AC3E}">
@@ -28745,6 +29002,13 @@
   <p:clrMapOvr>
     <a:masterClrMapping/>
   </p:clrMapOvr>
+  <p:timing>
+    <p:tnLst>
+      <p:par>
+        <p:cTn id="1" dur="indefinite" restart="never" nodeType="tmRoot"/>
+      </p:par>
+    </p:tnLst>
+  </p:timing>
 </p:sld>
 </file>
 
@@ -28969,7 +29233,7 @@
   <a:extraClrSchemeLst/>
   <a:extLst>
     <a:ext uri="{05A4C25C-085E-4340-85A3-A5531E510DB2}">
-      <thm15:themeFamily xmlns:thm15="http://schemas.microsoft.com/office/thememl/2012/main" name="Wood Type" id="{7ACABC62-BF99-48CF-A9DC-4DB89C7B13DC}" vid="{142A1326-48AB-42A9-8428-CB14AA30176D}"/>
+      <thm15:themeFamily xmlns:thm15="http://schemas.microsoft.com/office/thememl/2012/main" xmlns="" name="Wood Type" id="{7ACABC62-BF99-48CF-A9DC-4DB89C7B13DC}" vid="{142A1326-48AB-42A9-8428-CB14AA30176D}"/>
     </a:ext>
   </a:extLst>
 </a:theme>

--- a/ROBOTINHO2.pptx
+++ b/ROBOTINHO2.pptx
@@ -121,7 +121,7 @@
   </p:defaultTextStyle>
   <p:extLst>
     <p:ext uri="{EFAFB233-063F-42B5-8137-9DF3F51BA10A}">
-      <p15:sldGuideLst xmlns:p15="http://schemas.microsoft.com/office/powerpoint/2012/main" xmlns="">
+      <p15:sldGuideLst xmlns:p15="http://schemas.microsoft.com/office/powerpoint/2012/main">
         <p15:guide id="1" orient="horz" pos="2160">
           <p15:clr>
             <a:srgbClr val="A4A3A4"/>
@@ -6647,13 +6647,6 @@
         </dgm:presLayoutVars>
       </dgm:prSet>
       <dgm:spPr/>
-      <dgm:t>
-        <a:bodyPr/>
-        <a:lstStyle/>
-        <a:p>
-          <a:endParaRPr lang="en-US"/>
-        </a:p>
-      </dgm:t>
     </dgm:pt>
     <dgm:pt modelId="{9DF2C696-5E7A-4E6F-94D4-5FD3223D7CEE}" type="pres">
       <dgm:prSet presAssocID="{9E48839D-8EAC-4777-95C0-84FCA742DF84}" presName="node" presStyleLbl="node1" presStyleIdx="0" presStyleCnt="2">
@@ -6662,13 +6655,6 @@
         </dgm:presLayoutVars>
       </dgm:prSet>
       <dgm:spPr/>
-      <dgm:t>
-        <a:bodyPr/>
-        <a:lstStyle/>
-        <a:p>
-          <a:endParaRPr lang="en-US"/>
-        </a:p>
-      </dgm:t>
     </dgm:pt>
     <dgm:pt modelId="{3E44EEB7-6415-484B-B55A-ABFB4ACDD5D8}" type="pres">
       <dgm:prSet presAssocID="{93BF2532-BE3C-475F-ADF3-9DF6B4D341D0}" presName="sibTrans" presStyleCnt="0"/>
@@ -6681,21 +6667,14 @@
         </dgm:presLayoutVars>
       </dgm:prSet>
       <dgm:spPr/>
-      <dgm:t>
-        <a:bodyPr/>
-        <a:lstStyle/>
-        <a:p>
-          <a:endParaRPr lang="en-US"/>
-        </a:p>
-      </dgm:t>
     </dgm:pt>
   </dgm:ptLst>
   <dgm:cxnLst>
+    <dgm:cxn modelId="{64687B19-DFD4-4C2C-9BC2-644572105107}" srcId="{EE2BE08F-D2EA-4EC7-BFDE-F802D01F7559}" destId="{9E48839D-8EAC-4777-95C0-84FCA742DF84}" srcOrd="0" destOrd="0" parTransId="{1488DD77-A10D-40B2-91B2-E0F27E22C694}" sibTransId="{93BF2532-BE3C-475F-ADF3-9DF6B4D341D0}"/>
+    <dgm:cxn modelId="{33115B5C-5B20-4F2D-91FB-DA015A00A1D4}" srcId="{EE2BE08F-D2EA-4EC7-BFDE-F802D01F7559}" destId="{CBF42DAB-EA68-4574-998A-357D4B165756}" srcOrd="1" destOrd="0" parTransId="{F502F617-3844-4AD5-BD5F-B5626E6A9716}" sibTransId="{3D9C2C7E-83F5-4A0C-BA36-0D9EA853CC5C}"/>
     <dgm:cxn modelId="{21C15479-CD25-443D-BCD3-0313AE03EE4B}" type="presOf" srcId="{CBF42DAB-EA68-4574-998A-357D4B165756}" destId="{AF8A49B0-0CB8-4E17-9C1B-1297A7AA7ED9}" srcOrd="0" destOrd="0" presId="urn:microsoft.com/office/officeart/2005/8/layout/default"/>
-    <dgm:cxn modelId="{33115B5C-5B20-4F2D-91FB-DA015A00A1D4}" srcId="{EE2BE08F-D2EA-4EC7-BFDE-F802D01F7559}" destId="{CBF42DAB-EA68-4574-998A-357D4B165756}" srcOrd="1" destOrd="0" parTransId="{F502F617-3844-4AD5-BD5F-B5626E6A9716}" sibTransId="{3D9C2C7E-83F5-4A0C-BA36-0D9EA853CC5C}"/>
     <dgm:cxn modelId="{BFFA4FD0-9FA1-423B-83E8-C00C72585CAD}" type="presOf" srcId="{EE2BE08F-D2EA-4EC7-BFDE-F802D01F7559}" destId="{B2A94455-4541-4570-A2BE-FCBCAE20A9BD}" srcOrd="0" destOrd="0" presId="urn:microsoft.com/office/officeart/2005/8/layout/default"/>
     <dgm:cxn modelId="{214AE7D0-D796-4229-A36B-F2BD78BDB4C1}" type="presOf" srcId="{9E48839D-8EAC-4777-95C0-84FCA742DF84}" destId="{9DF2C696-5E7A-4E6F-94D4-5FD3223D7CEE}" srcOrd="0" destOrd="0" presId="urn:microsoft.com/office/officeart/2005/8/layout/default"/>
-    <dgm:cxn modelId="{64687B19-DFD4-4C2C-9BC2-644572105107}" srcId="{EE2BE08F-D2EA-4EC7-BFDE-F802D01F7559}" destId="{9E48839D-8EAC-4777-95C0-84FCA742DF84}" srcOrd="0" destOrd="0" parTransId="{1488DD77-A10D-40B2-91B2-E0F27E22C694}" sibTransId="{93BF2532-BE3C-475F-ADF3-9DF6B4D341D0}"/>
     <dgm:cxn modelId="{B586A1BD-1AB0-4C67-91FA-0490DA2A1B39}" type="presParOf" srcId="{B2A94455-4541-4570-A2BE-FCBCAE20A9BD}" destId="{9DF2C696-5E7A-4E6F-94D4-5FD3223D7CEE}" srcOrd="0" destOrd="0" presId="urn:microsoft.com/office/officeart/2005/8/layout/default"/>
     <dgm:cxn modelId="{16C3127C-3B0B-4B9A-9D46-4F46310DF2BA}" type="presParOf" srcId="{B2A94455-4541-4570-A2BE-FCBCAE20A9BD}" destId="{3E44EEB7-6415-484B-B55A-ABFB4ACDD5D8}" srcOrd="1" destOrd="0" presId="urn:microsoft.com/office/officeart/2005/8/layout/default"/>
     <dgm:cxn modelId="{CD25623A-6536-43B3-B71A-DB327E41605A}" type="presParOf" srcId="{B2A94455-4541-4570-A2BE-FCBCAE20A9BD}" destId="{AF8A49B0-0CB8-4E17-9C1B-1297A7AA7ED9}" srcOrd="2" destOrd="0" presId="urn:microsoft.com/office/officeart/2005/8/layout/default"/>
@@ -6944,13 +6923,6 @@
         </dgm:presLayoutVars>
       </dgm:prSet>
       <dgm:spPr/>
-      <dgm:t>
-        <a:bodyPr/>
-        <a:lstStyle/>
-        <a:p>
-          <a:endParaRPr lang="en-US"/>
-        </a:p>
-      </dgm:t>
     </dgm:pt>
     <dgm:pt modelId="{90122DFE-6840-4F25-9858-3541C72FA229}" type="pres">
       <dgm:prSet presAssocID="{4C61DB19-7F2B-4BB7-A483-7EE2561E3A5E}" presName="composite" presStyleCnt="0"/>
@@ -6965,13 +6937,6 @@
         </dgm:presLayoutVars>
       </dgm:prSet>
       <dgm:spPr/>
-      <dgm:t>
-        <a:bodyPr/>
-        <a:lstStyle/>
-        <a:p>
-          <a:endParaRPr lang="en-US"/>
-        </a:p>
-      </dgm:t>
     </dgm:pt>
     <dgm:pt modelId="{39E88E37-7A59-475C-B0C9-ED2E6E7CD4B3}" type="pres">
       <dgm:prSet presAssocID="{4C61DB19-7F2B-4BB7-A483-7EE2561E3A5E}" presName="desTx" presStyleLbl="alignAccFollowNode1" presStyleIdx="0" presStyleCnt="2">
@@ -6980,13 +6945,6 @@
         </dgm:presLayoutVars>
       </dgm:prSet>
       <dgm:spPr/>
-      <dgm:t>
-        <a:bodyPr/>
-        <a:lstStyle/>
-        <a:p>
-          <a:endParaRPr lang="en-US"/>
-        </a:p>
-      </dgm:t>
     </dgm:pt>
     <dgm:pt modelId="{DCC94ECB-806E-46FC-AB9C-50A34243C980}" type="pres">
       <dgm:prSet presAssocID="{7D3656D0-3782-4A6D-B735-2A5DE7ED6064}" presName="space" presStyleCnt="0"/>
@@ -7005,13 +6963,6 @@
         </dgm:presLayoutVars>
       </dgm:prSet>
       <dgm:spPr/>
-      <dgm:t>
-        <a:bodyPr/>
-        <a:lstStyle/>
-        <a:p>
-          <a:endParaRPr lang="en-US"/>
-        </a:p>
-      </dgm:t>
     </dgm:pt>
     <dgm:pt modelId="{D0FACDE1-EEB7-4178-8955-125C610FF1F0}" type="pres">
       <dgm:prSet presAssocID="{172A49AB-4F6F-4E68-B52C-AE49834A388A}" presName="desTx" presStyleLbl="alignAccFollowNode1" presStyleIdx="1" presStyleCnt="2">
@@ -7020,27 +6971,20 @@
         </dgm:presLayoutVars>
       </dgm:prSet>
       <dgm:spPr/>
-      <dgm:t>
-        <a:bodyPr/>
-        <a:lstStyle/>
-        <a:p>
-          <a:endParaRPr lang="en-US"/>
-        </a:p>
-      </dgm:t>
     </dgm:pt>
   </dgm:ptLst>
   <dgm:cxnLst>
-    <dgm:cxn modelId="{776111D4-B0FD-40B2-9F89-8BBBD72553B0}" srcId="{4C61DB19-7F2B-4BB7-A483-7EE2561E3A5E}" destId="{4DA713F6-2A60-4389-942B-6F118F4FB8DA}" srcOrd="0" destOrd="0" parTransId="{F6860D8F-5E8F-46C0-97E1-4F3A0B719414}" sibTransId="{4A04AF99-D125-434D-921C-827CFE659E24}"/>
     <dgm:cxn modelId="{3CFC2004-005D-4E18-AE98-E5FF1E331DF7}" srcId="{F2163B95-C416-4CB5-A678-986A2AE4F680}" destId="{172A49AB-4F6F-4E68-B52C-AE49834A388A}" srcOrd="1" destOrd="0" parTransId="{02D8E9EF-A461-42FF-9EE9-1B00533A96E8}" sibTransId="{9AFE768B-DBAE-442B-8DB3-13EFBDC9A011}"/>
-    <dgm:cxn modelId="{8A4F1773-7BFE-45C9-BB5C-FF3E66328328}" srcId="{F2163B95-C416-4CB5-A678-986A2AE4F680}" destId="{4C61DB19-7F2B-4BB7-A483-7EE2561E3A5E}" srcOrd="0" destOrd="0" parTransId="{98946D01-CEB9-4B84-8F01-F43953659055}" sibTransId="{7D3656D0-3782-4A6D-B735-2A5DE7ED6064}"/>
     <dgm:cxn modelId="{190F372F-BAEB-4C22-93FE-E151022194E2}" type="presOf" srcId="{4C61DB19-7F2B-4BB7-A483-7EE2561E3A5E}" destId="{6A6F582B-F462-4190-9A0A-170669C476E1}" srcOrd="0" destOrd="0" presId="urn:microsoft.com/office/officeart/2005/8/layout/hList1"/>
     <dgm:cxn modelId="{3D11CA63-2535-4EF3-8173-D2321453D04A}" type="presOf" srcId="{172A49AB-4F6F-4E68-B52C-AE49834A388A}" destId="{54B660C0-3765-4F0D-9266-16112A4CD854}" srcOrd="0" destOrd="0" presId="urn:microsoft.com/office/officeart/2005/8/layout/hList1"/>
+    <dgm:cxn modelId="{CEA6E269-43BE-43AE-8311-B43194FB1C7A}" srcId="{172A49AB-4F6F-4E68-B52C-AE49834A388A}" destId="{1F5B33C2-507C-4D42-81EA-9D5326E96B3B}" srcOrd="0" destOrd="0" parTransId="{FCF09481-E0C7-4803-BE13-F2A06AB44E5C}" sibTransId="{5908BA6A-F881-4EFF-9B1A-3BAE66F3DEC9}"/>
+    <dgm:cxn modelId="{8A4F1773-7BFE-45C9-BB5C-FF3E66328328}" srcId="{F2163B95-C416-4CB5-A678-986A2AE4F680}" destId="{4C61DB19-7F2B-4BB7-A483-7EE2561E3A5E}" srcOrd="0" destOrd="0" parTransId="{98946D01-CEB9-4B84-8F01-F43953659055}" sibTransId="{7D3656D0-3782-4A6D-B735-2A5DE7ED6064}"/>
+    <dgm:cxn modelId="{B51F35BE-A60B-4C2B-94A2-19C636CE536F}" type="presOf" srcId="{0C6D18F3-8E81-4F8F-8BE9-1FCE249D6040}" destId="{39E88E37-7A59-475C-B0C9-ED2E6E7CD4B3}" srcOrd="0" destOrd="1" presId="urn:microsoft.com/office/officeart/2005/8/layout/hList1"/>
+    <dgm:cxn modelId="{92B7E2CF-F98B-4832-A0AA-F47F1133DF62}" type="presOf" srcId="{F2163B95-C416-4CB5-A678-986A2AE4F680}" destId="{905844D1-E346-4A3A-B561-457E79319DC0}" srcOrd="0" destOrd="0" presId="urn:microsoft.com/office/officeart/2005/8/layout/hList1"/>
+    <dgm:cxn modelId="{776111D4-B0FD-40B2-9F89-8BBBD72553B0}" srcId="{4C61DB19-7F2B-4BB7-A483-7EE2561E3A5E}" destId="{4DA713F6-2A60-4389-942B-6F118F4FB8DA}" srcOrd="0" destOrd="0" parTransId="{F6860D8F-5E8F-46C0-97E1-4F3A0B719414}" sibTransId="{4A04AF99-D125-434D-921C-827CFE659E24}"/>
+    <dgm:cxn modelId="{427591D7-DCBF-4E95-95B4-B2063A7253C1}" srcId="{4C61DB19-7F2B-4BB7-A483-7EE2561E3A5E}" destId="{0C6D18F3-8E81-4F8F-8BE9-1FCE249D6040}" srcOrd="1" destOrd="0" parTransId="{C303F662-3510-4816-9FB8-B9E48AE0BACE}" sibTransId="{F7E29758-A36A-4CC9-932A-0B4F41F967B2}"/>
     <dgm:cxn modelId="{F12466E7-E9C4-4869-BE3C-FD4A0EC25BF5}" type="presOf" srcId="{1F5B33C2-507C-4D42-81EA-9D5326E96B3B}" destId="{D0FACDE1-EEB7-4178-8955-125C610FF1F0}" srcOrd="0" destOrd="0" presId="urn:microsoft.com/office/officeart/2005/8/layout/hList1"/>
-    <dgm:cxn modelId="{92B7E2CF-F98B-4832-A0AA-F47F1133DF62}" type="presOf" srcId="{F2163B95-C416-4CB5-A678-986A2AE4F680}" destId="{905844D1-E346-4A3A-B561-457E79319DC0}" srcOrd="0" destOrd="0" presId="urn:microsoft.com/office/officeart/2005/8/layout/hList1"/>
-    <dgm:cxn modelId="{427591D7-DCBF-4E95-95B4-B2063A7253C1}" srcId="{4C61DB19-7F2B-4BB7-A483-7EE2561E3A5E}" destId="{0C6D18F3-8E81-4F8F-8BE9-1FCE249D6040}" srcOrd="1" destOrd="0" parTransId="{C303F662-3510-4816-9FB8-B9E48AE0BACE}" sibTransId="{F7E29758-A36A-4CC9-932A-0B4F41F967B2}"/>
-    <dgm:cxn modelId="{CEA6E269-43BE-43AE-8311-B43194FB1C7A}" srcId="{172A49AB-4F6F-4E68-B52C-AE49834A388A}" destId="{1F5B33C2-507C-4D42-81EA-9D5326E96B3B}" srcOrd="0" destOrd="0" parTransId="{FCF09481-E0C7-4803-BE13-F2A06AB44E5C}" sibTransId="{5908BA6A-F881-4EFF-9B1A-3BAE66F3DEC9}"/>
     <dgm:cxn modelId="{49D147FA-2D00-4539-867C-9D51E381528D}" type="presOf" srcId="{4DA713F6-2A60-4389-942B-6F118F4FB8DA}" destId="{39E88E37-7A59-475C-B0C9-ED2E6E7CD4B3}" srcOrd="0" destOrd="0" presId="urn:microsoft.com/office/officeart/2005/8/layout/hList1"/>
-    <dgm:cxn modelId="{B51F35BE-A60B-4C2B-94A2-19C636CE536F}" type="presOf" srcId="{0C6D18F3-8E81-4F8F-8BE9-1FCE249D6040}" destId="{39E88E37-7A59-475C-B0C9-ED2E6E7CD4B3}" srcOrd="0" destOrd="1" presId="urn:microsoft.com/office/officeart/2005/8/layout/hList1"/>
     <dgm:cxn modelId="{36652491-A24B-4DEB-84F1-40AE9E2383E4}" type="presParOf" srcId="{905844D1-E346-4A3A-B561-457E79319DC0}" destId="{90122DFE-6840-4F25-9858-3541C72FA229}" srcOrd="0" destOrd="0" presId="urn:microsoft.com/office/officeart/2005/8/layout/hList1"/>
     <dgm:cxn modelId="{861D3B71-1D32-484F-87C2-6DC9C9B5906D}" type="presParOf" srcId="{90122DFE-6840-4F25-9858-3541C72FA229}" destId="{6A6F582B-F462-4190-9A0A-170669C476E1}" srcOrd="0" destOrd="0" presId="urn:microsoft.com/office/officeart/2005/8/layout/hList1"/>
     <dgm:cxn modelId="{7BFF212E-8431-49BB-9E56-D1DEE05D69F4}" type="presParOf" srcId="{90122DFE-6840-4F25-9858-3541C72FA229}" destId="{39E88E37-7A59-475C-B0C9-ED2E6E7CD4B3}" srcOrd="1" destOrd="0" presId="urn:microsoft.com/office/officeart/2005/8/layout/hList1"/>
@@ -7245,13 +7189,6 @@
         </dgm:presLayoutVars>
       </dgm:prSet>
       <dgm:spPr/>
-      <dgm:t>
-        <a:bodyPr/>
-        <a:lstStyle/>
-        <a:p>
-          <a:endParaRPr lang="en-US"/>
-        </a:p>
-      </dgm:t>
     </dgm:pt>
     <dgm:pt modelId="{DED33222-C5D4-4E35-993E-B31A1CC17E41}" type="pres">
       <dgm:prSet presAssocID="{45813C60-FB87-4E4E-84CB-2D283EB1348A}" presName="parentText" presStyleLbl="node1" presStyleIdx="0" presStyleCnt="3">
@@ -7261,13 +7198,6 @@
         </dgm:presLayoutVars>
       </dgm:prSet>
       <dgm:spPr/>
-      <dgm:t>
-        <a:bodyPr/>
-        <a:lstStyle/>
-        <a:p>
-          <a:endParaRPr lang="en-US"/>
-        </a:p>
-      </dgm:t>
     </dgm:pt>
     <dgm:pt modelId="{E30B04B1-45C7-47D9-90D0-918FC02209FE}" type="pres">
       <dgm:prSet presAssocID="{45813C60-FB87-4E4E-84CB-2D283EB1348A}" presName="childText" presStyleLbl="revTx" presStyleIdx="0" presStyleCnt="1">
@@ -7276,13 +7206,6 @@
         </dgm:presLayoutVars>
       </dgm:prSet>
       <dgm:spPr/>
-      <dgm:t>
-        <a:bodyPr/>
-        <a:lstStyle/>
-        <a:p>
-          <a:endParaRPr lang="en-US"/>
-        </a:p>
-      </dgm:t>
     </dgm:pt>
     <dgm:pt modelId="{F69BEC3F-8F16-4104-A5A3-A49D25656FB3}" type="pres">
       <dgm:prSet presAssocID="{F2E98D93-1A6A-46F3-B5B6-FC34FAB8B0E1}" presName="parentText" presStyleLbl="node1" presStyleIdx="1" presStyleCnt="3">
@@ -7292,13 +7215,6 @@
         </dgm:presLayoutVars>
       </dgm:prSet>
       <dgm:spPr/>
-      <dgm:t>
-        <a:bodyPr/>
-        <a:lstStyle/>
-        <a:p>
-          <a:endParaRPr lang="en-US"/>
-        </a:p>
-      </dgm:t>
     </dgm:pt>
     <dgm:pt modelId="{470661B3-4D43-47B3-9818-079C79B31ADE}" type="pres">
       <dgm:prSet presAssocID="{75167B2D-CD41-4F0D-BFD5-6A2CA1C0F114}" presName="spacer" presStyleCnt="0"/>
@@ -7312,25 +7228,18 @@
         </dgm:presLayoutVars>
       </dgm:prSet>
       <dgm:spPr/>
-      <dgm:t>
-        <a:bodyPr/>
-        <a:lstStyle/>
-        <a:p>
-          <a:endParaRPr lang="en-US"/>
-        </a:p>
-      </dgm:t>
     </dgm:pt>
   </dgm:ptLst>
   <dgm:cxnLst>
+    <dgm:cxn modelId="{F9E5A314-DAD1-4904-BBE7-A34F539B53D4}" type="presOf" srcId="{C290EF0F-F348-4F79-AF0B-5F03731D8D39}" destId="{E30B04B1-45C7-47D9-90D0-918FC02209FE}" srcOrd="0" destOrd="0" presId="urn:microsoft.com/office/officeart/2005/8/layout/vList2"/>
+    <dgm:cxn modelId="{B35FD21E-49F7-43BD-A66A-0E948540A10F}" srcId="{45813C60-FB87-4E4E-84CB-2D283EB1348A}" destId="{C290EF0F-F348-4F79-AF0B-5F03731D8D39}" srcOrd="0" destOrd="0" parTransId="{DB48B482-793E-4B43-A22C-7356A4CC08E4}" sibTransId="{E1AC2D09-2A24-4087-AB39-9D843736A16A}"/>
+    <dgm:cxn modelId="{80D8F629-B08A-4EAF-84A6-C5916903862F}" type="presOf" srcId="{585E25B9-0D17-4414-8AD5-35FB476F3476}" destId="{1F94EFD1-0BAF-4F5D-864D-D82A6C59DBC2}" srcOrd="0" destOrd="0" presId="urn:microsoft.com/office/officeart/2005/8/layout/vList2"/>
+    <dgm:cxn modelId="{6D19BB35-B48E-4E4A-9DC1-04132076F5FA}" srcId="{585E25B9-0D17-4414-8AD5-35FB476F3476}" destId="{2C90FD26-A73D-4B85-8294-2F702AA88AC2}" srcOrd="2" destOrd="0" parTransId="{5743D333-6E3A-4953-AD61-AEC8D4AD7616}" sibTransId="{7702BE38-E34F-4A8D-AB80-577E8D3D7D48}"/>
+    <dgm:cxn modelId="{A09E2565-1A97-42BB-B758-5D908E613FD2}" srcId="{585E25B9-0D17-4414-8AD5-35FB476F3476}" destId="{45813C60-FB87-4E4E-84CB-2D283EB1348A}" srcOrd="0" destOrd="0" parTransId="{E7CF2669-DCB1-49FD-80AB-ADBE9711CDA0}" sibTransId="{9FFB7952-3853-4FB3-B2FE-40B80D1118EF}"/>
+    <dgm:cxn modelId="{E0450073-4D62-48E2-AEC3-EAE4573A25FD}" type="presOf" srcId="{2C90FD26-A73D-4B85-8294-2F702AA88AC2}" destId="{AA9D6CE5-E8A0-4B90-AD95-C893AA37B62A}" srcOrd="0" destOrd="0" presId="urn:microsoft.com/office/officeart/2005/8/layout/vList2"/>
+    <dgm:cxn modelId="{8D5E5482-8E4D-4737-AAFE-BD41F5BF6461}" srcId="{585E25B9-0D17-4414-8AD5-35FB476F3476}" destId="{F2E98D93-1A6A-46F3-B5B6-FC34FAB8B0E1}" srcOrd="1" destOrd="0" parTransId="{42FA4DF8-F908-4DA7-9A21-BF1E8870D3DB}" sibTransId="{75167B2D-CD41-4F0D-BFD5-6A2CA1C0F114}"/>
+    <dgm:cxn modelId="{F6564AA8-176B-421A-B219-A8A1F4D75353}" type="presOf" srcId="{45813C60-FB87-4E4E-84CB-2D283EB1348A}" destId="{DED33222-C5D4-4E35-993E-B31A1CC17E41}" srcOrd="0" destOrd="0" presId="urn:microsoft.com/office/officeart/2005/8/layout/vList2"/>
     <dgm:cxn modelId="{E9A9DAF0-4FCB-4BBF-BA0D-B53831ACAEBA}" type="presOf" srcId="{F2E98D93-1A6A-46F3-B5B6-FC34FAB8B0E1}" destId="{F69BEC3F-8F16-4104-A5A3-A49D25656FB3}" srcOrd="0" destOrd="0" presId="urn:microsoft.com/office/officeart/2005/8/layout/vList2"/>
-    <dgm:cxn modelId="{B35FD21E-49F7-43BD-A66A-0E948540A10F}" srcId="{45813C60-FB87-4E4E-84CB-2D283EB1348A}" destId="{C290EF0F-F348-4F79-AF0B-5F03731D8D39}" srcOrd="0" destOrd="0" parTransId="{DB48B482-793E-4B43-A22C-7356A4CC08E4}" sibTransId="{E1AC2D09-2A24-4087-AB39-9D843736A16A}"/>
-    <dgm:cxn modelId="{8D5E5482-8E4D-4737-AAFE-BD41F5BF6461}" srcId="{585E25B9-0D17-4414-8AD5-35FB476F3476}" destId="{F2E98D93-1A6A-46F3-B5B6-FC34FAB8B0E1}" srcOrd="1" destOrd="0" parTransId="{42FA4DF8-F908-4DA7-9A21-BF1E8870D3DB}" sibTransId="{75167B2D-CD41-4F0D-BFD5-6A2CA1C0F114}"/>
-    <dgm:cxn modelId="{6D19BB35-B48E-4E4A-9DC1-04132076F5FA}" srcId="{585E25B9-0D17-4414-8AD5-35FB476F3476}" destId="{2C90FD26-A73D-4B85-8294-2F702AA88AC2}" srcOrd="2" destOrd="0" parTransId="{5743D333-6E3A-4953-AD61-AEC8D4AD7616}" sibTransId="{7702BE38-E34F-4A8D-AB80-577E8D3D7D48}"/>
-    <dgm:cxn modelId="{80D8F629-B08A-4EAF-84A6-C5916903862F}" type="presOf" srcId="{585E25B9-0D17-4414-8AD5-35FB476F3476}" destId="{1F94EFD1-0BAF-4F5D-864D-D82A6C59DBC2}" srcOrd="0" destOrd="0" presId="urn:microsoft.com/office/officeart/2005/8/layout/vList2"/>
-    <dgm:cxn modelId="{A09E2565-1A97-42BB-B758-5D908E613FD2}" srcId="{585E25B9-0D17-4414-8AD5-35FB476F3476}" destId="{45813C60-FB87-4E4E-84CB-2D283EB1348A}" srcOrd="0" destOrd="0" parTransId="{E7CF2669-DCB1-49FD-80AB-ADBE9711CDA0}" sibTransId="{9FFB7952-3853-4FB3-B2FE-40B80D1118EF}"/>
-    <dgm:cxn modelId="{F9E5A314-DAD1-4904-BBE7-A34F539B53D4}" type="presOf" srcId="{C290EF0F-F348-4F79-AF0B-5F03731D8D39}" destId="{E30B04B1-45C7-47D9-90D0-918FC02209FE}" srcOrd="0" destOrd="0" presId="urn:microsoft.com/office/officeart/2005/8/layout/vList2"/>
-    <dgm:cxn modelId="{F6564AA8-176B-421A-B219-A8A1F4D75353}" type="presOf" srcId="{45813C60-FB87-4E4E-84CB-2D283EB1348A}" destId="{DED33222-C5D4-4E35-993E-B31A1CC17E41}" srcOrd="0" destOrd="0" presId="urn:microsoft.com/office/officeart/2005/8/layout/vList2"/>
-    <dgm:cxn modelId="{E0450073-4D62-48E2-AEC3-EAE4573A25FD}" type="presOf" srcId="{2C90FD26-A73D-4B85-8294-2F702AA88AC2}" destId="{AA9D6CE5-E8A0-4B90-AD95-C893AA37B62A}" srcOrd="0" destOrd="0" presId="urn:microsoft.com/office/officeart/2005/8/layout/vList2"/>
     <dgm:cxn modelId="{A3207D1C-A3FC-43A2-99E8-F7C9893175AF}" type="presParOf" srcId="{1F94EFD1-0BAF-4F5D-864D-D82A6C59DBC2}" destId="{DED33222-C5D4-4E35-993E-B31A1CC17E41}" srcOrd="0" destOrd="0" presId="urn:microsoft.com/office/officeart/2005/8/layout/vList2"/>
     <dgm:cxn modelId="{A9A33BEA-4448-499E-B524-C57DD05B5BB9}" type="presParOf" srcId="{1F94EFD1-0BAF-4F5D-864D-D82A6C59DBC2}" destId="{E30B04B1-45C7-47D9-90D0-918FC02209FE}" srcOrd="1" destOrd="0" presId="urn:microsoft.com/office/officeart/2005/8/layout/vList2"/>
     <dgm:cxn modelId="{4801B8AD-FB44-46BD-B1ED-577EEE7C89A3}" type="presParOf" srcId="{1F94EFD1-0BAF-4F5D-864D-D82A6C59DBC2}" destId="{F69BEC3F-8F16-4104-A5A3-A49D25656FB3}" srcOrd="2" destOrd="0" presId="urn:microsoft.com/office/officeart/2005/8/layout/vList2"/>
@@ -7492,13 +7401,6 @@
         </dgm:presLayoutVars>
       </dgm:prSet>
       <dgm:spPr/>
-      <dgm:t>
-        <a:bodyPr/>
-        <a:lstStyle/>
-        <a:p>
-          <a:endParaRPr lang="en-US"/>
-        </a:p>
-      </dgm:t>
     </dgm:pt>
     <dgm:pt modelId="{79B08CB2-EEE4-471B-BEB9-12F8CDCA360F}" type="pres">
       <dgm:prSet presAssocID="{7F8EEEB2-5B5A-41D0-A1E3-D54678AE6FF3}" presName="parentText" presStyleLbl="node1" presStyleIdx="0" presStyleCnt="3">
@@ -7508,13 +7410,6 @@
         </dgm:presLayoutVars>
       </dgm:prSet>
       <dgm:spPr/>
-      <dgm:t>
-        <a:bodyPr/>
-        <a:lstStyle/>
-        <a:p>
-          <a:endParaRPr lang="en-US"/>
-        </a:p>
-      </dgm:t>
     </dgm:pt>
     <dgm:pt modelId="{EF0958F6-D0F2-4387-A3FF-05A531DBEB9D}" type="pres">
       <dgm:prSet presAssocID="{EBAF5206-BF71-42AD-8AE9-90046D379285}" presName="spacer" presStyleCnt="0"/>
@@ -7528,13 +7423,6 @@
         </dgm:presLayoutVars>
       </dgm:prSet>
       <dgm:spPr/>
-      <dgm:t>
-        <a:bodyPr/>
-        <a:lstStyle/>
-        <a:p>
-          <a:endParaRPr lang="en-US"/>
-        </a:p>
-      </dgm:t>
     </dgm:pt>
     <dgm:pt modelId="{C0AE372F-E0D9-4E4E-923A-94EE8618CD15}" type="pres">
       <dgm:prSet presAssocID="{DAAEF7D0-98B2-4703-B384-ECF1815BE82D}" presName="spacer" presStyleCnt="0"/>
@@ -7548,22 +7436,15 @@
         </dgm:presLayoutVars>
       </dgm:prSet>
       <dgm:spPr/>
-      <dgm:t>
-        <a:bodyPr/>
-        <a:lstStyle/>
-        <a:p>
-          <a:endParaRPr lang="en-US"/>
-        </a:p>
-      </dgm:t>
     </dgm:pt>
   </dgm:ptLst>
   <dgm:cxnLst>
     <dgm:cxn modelId="{E3161B24-B8F5-4078-85BB-099DA3C63E0D}" srcId="{58E18128-5BD7-4E8E-8B61-FD96FDFA360E}" destId="{3886654F-17EA-4A23-AC0E-0D9B8E51D461}" srcOrd="1" destOrd="0" parTransId="{8EA50784-3344-47BA-BE05-85454F2D9FDD}" sibTransId="{DAAEF7D0-98B2-4703-B384-ECF1815BE82D}"/>
     <dgm:cxn modelId="{DD16F17D-E69F-4C91-B782-DD828694188D}" type="presOf" srcId="{4C6C6677-612A-42D4-9225-D633F8FF85D3}" destId="{BF0E8671-1471-4BE7-A707-10B3AFE0DF45}" srcOrd="0" destOrd="0" presId="urn:microsoft.com/office/officeart/2005/8/layout/vList2"/>
     <dgm:cxn modelId="{ACABFA85-5B0C-4826-AC15-9E90138A108E}" type="presOf" srcId="{58E18128-5BD7-4E8E-8B61-FD96FDFA360E}" destId="{C11D8A1E-0A47-4478-A083-44DB86201F42}" srcOrd="0" destOrd="0" presId="urn:microsoft.com/office/officeart/2005/8/layout/vList2"/>
-    <dgm:cxn modelId="{2DD244B9-754C-4630-BFED-53C70532FD59}" type="presOf" srcId="{3886654F-17EA-4A23-AC0E-0D9B8E51D461}" destId="{7729E7B6-C2AC-4AEA-AF4B-A64ABF1831B5}" srcOrd="0" destOrd="0" presId="urn:microsoft.com/office/officeart/2005/8/layout/vList2"/>
     <dgm:cxn modelId="{C772EB8D-0441-4078-B6D5-952178CF2917}" type="presOf" srcId="{7F8EEEB2-5B5A-41D0-A1E3-D54678AE6FF3}" destId="{79B08CB2-EEE4-471B-BEB9-12F8CDCA360F}" srcOrd="0" destOrd="0" presId="urn:microsoft.com/office/officeart/2005/8/layout/vList2"/>
     <dgm:cxn modelId="{0444DEA8-74C5-4EFA-AC13-0DD8477597F6}" srcId="{58E18128-5BD7-4E8E-8B61-FD96FDFA360E}" destId="{4C6C6677-612A-42D4-9225-D633F8FF85D3}" srcOrd="2" destOrd="0" parTransId="{385203BF-D0ED-49AA-91BE-5CEA819CC1FE}" sibTransId="{A216732D-3298-4225-9D82-2B0631A8EB67}"/>
+    <dgm:cxn modelId="{2DD244B9-754C-4630-BFED-53C70532FD59}" type="presOf" srcId="{3886654F-17EA-4A23-AC0E-0D9B8E51D461}" destId="{7729E7B6-C2AC-4AEA-AF4B-A64ABF1831B5}" srcOrd="0" destOrd="0" presId="urn:microsoft.com/office/officeart/2005/8/layout/vList2"/>
     <dgm:cxn modelId="{81D9C2F1-E692-4A59-9609-F69EF66B4B6D}" srcId="{58E18128-5BD7-4E8E-8B61-FD96FDFA360E}" destId="{7F8EEEB2-5B5A-41D0-A1E3-D54678AE6FF3}" srcOrd="0" destOrd="0" parTransId="{7CC4F227-8D98-48D0-8063-3EF96333C5B4}" sibTransId="{EBAF5206-BF71-42AD-8AE9-90046D379285}"/>
     <dgm:cxn modelId="{672AC6B4-E28E-4B92-9F82-B9EEF7C21A2D}" type="presParOf" srcId="{C11D8A1E-0A47-4478-A083-44DB86201F42}" destId="{79B08CB2-EEE4-471B-BEB9-12F8CDCA360F}" srcOrd="0" destOrd="0" presId="urn:microsoft.com/office/officeart/2005/8/layout/vList2"/>
     <dgm:cxn modelId="{F380ED6F-D0BE-4DC6-8B26-B881304322C9}" type="presParOf" srcId="{C11D8A1E-0A47-4478-A083-44DB86201F42}" destId="{EF0958F6-D0F2-4387-A3FF-05A531DBEB9D}" srcOrd="1" destOrd="0" presId="urn:microsoft.com/office/officeart/2005/8/layout/vList2"/>
@@ -7767,13 +7648,6 @@
         </dgm:presLayoutVars>
       </dgm:prSet>
       <dgm:spPr/>
-      <dgm:t>
-        <a:bodyPr/>
-        <a:lstStyle/>
-        <a:p>
-          <a:endParaRPr lang="en-US"/>
-        </a:p>
-      </dgm:t>
     </dgm:pt>
     <dgm:pt modelId="{308E23A7-3CD0-4080-BE52-18139286F8E6}" type="pres">
       <dgm:prSet presAssocID="{74102E8A-AEFC-4E80-B080-A1A73F44AA8A}" presName="parentText" presStyleLbl="node1" presStyleIdx="0" presStyleCnt="4">
@@ -7783,13 +7657,6 @@
         </dgm:presLayoutVars>
       </dgm:prSet>
       <dgm:spPr/>
-      <dgm:t>
-        <a:bodyPr/>
-        <a:lstStyle/>
-        <a:p>
-          <a:endParaRPr lang="en-US"/>
-        </a:p>
-      </dgm:t>
     </dgm:pt>
     <dgm:pt modelId="{35DDB93C-9DD3-4E29-906F-B6DFC4EFE96D}" type="pres">
       <dgm:prSet presAssocID="{18BA9481-74AE-40C3-98EF-6A04DD5D1223}" presName="spacer" presStyleCnt="0"/>
@@ -7803,13 +7670,6 @@
         </dgm:presLayoutVars>
       </dgm:prSet>
       <dgm:spPr/>
-      <dgm:t>
-        <a:bodyPr/>
-        <a:lstStyle/>
-        <a:p>
-          <a:endParaRPr lang="en-US"/>
-        </a:p>
-      </dgm:t>
     </dgm:pt>
     <dgm:pt modelId="{30821485-728B-4BD5-9805-1008E4D95F81}" type="pres">
       <dgm:prSet presAssocID="{789B24EE-CCB6-426C-872B-3F84E3133C17}" presName="spacer" presStyleCnt="0"/>
@@ -7823,13 +7683,6 @@
         </dgm:presLayoutVars>
       </dgm:prSet>
       <dgm:spPr/>
-      <dgm:t>
-        <a:bodyPr/>
-        <a:lstStyle/>
-        <a:p>
-          <a:endParaRPr lang="en-US"/>
-        </a:p>
-      </dgm:t>
     </dgm:pt>
     <dgm:pt modelId="{E5FD2E23-E913-43F7-9683-F6172036C341}" type="pres">
       <dgm:prSet presAssocID="{132E273A-E2BC-4832-AC6E-41F379CB2161}" presName="spacer" presStyleCnt="0"/>
@@ -7843,25 +7696,18 @@
         </dgm:presLayoutVars>
       </dgm:prSet>
       <dgm:spPr/>
-      <dgm:t>
-        <a:bodyPr/>
-        <a:lstStyle/>
-        <a:p>
-          <a:endParaRPr lang="en-US"/>
-        </a:p>
-      </dgm:t>
     </dgm:pt>
   </dgm:ptLst>
   <dgm:cxnLst>
+    <dgm:cxn modelId="{A72B7C08-09D6-4EA2-808B-3C367ABB4DC3}" srcId="{09E8F5C5-F664-4D8E-A4B7-F1B65624571B}" destId="{7C861E56-2682-4AD7-AD3D-AE2B9DFFC5C6}" srcOrd="1" destOrd="0" parTransId="{CE1B1EE2-439E-4C0B-A951-42BFE341F4C2}" sibTransId="{789B24EE-CCB6-426C-872B-3F84E3133C17}"/>
     <dgm:cxn modelId="{043B7728-26C7-4250-85C7-1E5BF33AD754}" type="presOf" srcId="{7C861E56-2682-4AD7-AD3D-AE2B9DFFC5C6}" destId="{16106DC5-5891-4062-A976-AB95211526D0}" srcOrd="0" destOrd="0" presId="urn:microsoft.com/office/officeart/2005/8/layout/vList2"/>
-    <dgm:cxn modelId="{3A2979A9-0628-4AF2-9F4E-FD8D85F59F79}" type="presOf" srcId="{6710F22F-6ED8-46B4-AE32-528FCC1C1F8B}" destId="{B5A07579-8DA4-4BB2-8BC5-30D0C9642E48}" srcOrd="0" destOrd="0" presId="urn:microsoft.com/office/officeart/2005/8/layout/vList2"/>
-    <dgm:cxn modelId="{A72B7C08-09D6-4EA2-808B-3C367ABB4DC3}" srcId="{09E8F5C5-F664-4D8E-A4B7-F1B65624571B}" destId="{7C861E56-2682-4AD7-AD3D-AE2B9DFFC5C6}" srcOrd="1" destOrd="0" parTransId="{CE1B1EE2-439E-4C0B-A951-42BFE341F4C2}" sibTransId="{789B24EE-CCB6-426C-872B-3F84E3133C17}"/>
     <dgm:cxn modelId="{B865C849-7D1F-411A-905C-BD16B1E017D9}" srcId="{09E8F5C5-F664-4D8E-A4B7-F1B65624571B}" destId="{74102E8A-AEFC-4E80-B080-A1A73F44AA8A}" srcOrd="0" destOrd="0" parTransId="{FE2A0113-6A14-4587-878D-5F883CA3D900}" sibTransId="{18BA9481-74AE-40C3-98EF-6A04DD5D1223}"/>
-    <dgm:cxn modelId="{0A7DB8E6-1400-4EF5-889D-5627C880E859}" srcId="{09E8F5C5-F664-4D8E-A4B7-F1B65624571B}" destId="{6710F22F-6ED8-46B4-AE32-528FCC1C1F8B}" srcOrd="2" destOrd="0" parTransId="{A6F46EB8-51B8-414F-8C28-534BC21E93B7}" sibTransId="{132E273A-E2BC-4832-AC6E-41F379CB2161}"/>
-    <dgm:cxn modelId="{C801E2E0-F241-4969-90D6-CA9F2D65C5AF}" type="presOf" srcId="{09E8F5C5-F664-4D8E-A4B7-F1B65624571B}" destId="{E09CE831-8C79-4733-BF5B-3149B75326E8}" srcOrd="0" destOrd="0" presId="urn:microsoft.com/office/officeart/2005/8/layout/vList2"/>
     <dgm:cxn modelId="{17779684-8869-49FC-95F7-0C9B29F18A6D}" srcId="{09E8F5C5-F664-4D8E-A4B7-F1B65624571B}" destId="{5E237A96-A1D3-43CD-82DE-8BB8BDC77278}" srcOrd="3" destOrd="0" parTransId="{36B6F61C-B897-4AB5-9738-725402302F05}" sibTransId="{35DEF6F8-1E07-4183-BC84-BA474D67F6AD}"/>
     <dgm:cxn modelId="{7328A68F-921D-44C3-A0D5-534C93302FC8}" type="presOf" srcId="{74102E8A-AEFC-4E80-B080-A1A73F44AA8A}" destId="{308E23A7-3CD0-4080-BE52-18139286F8E6}" srcOrd="0" destOrd="0" presId="urn:microsoft.com/office/officeart/2005/8/layout/vList2"/>
+    <dgm:cxn modelId="{3A2979A9-0628-4AF2-9F4E-FD8D85F59F79}" type="presOf" srcId="{6710F22F-6ED8-46B4-AE32-528FCC1C1F8B}" destId="{B5A07579-8DA4-4BB2-8BC5-30D0C9642E48}" srcOrd="0" destOrd="0" presId="urn:microsoft.com/office/officeart/2005/8/layout/vList2"/>
     <dgm:cxn modelId="{FD39B7B5-3F0E-4819-837B-9F42FD879927}" type="presOf" srcId="{5E237A96-A1D3-43CD-82DE-8BB8BDC77278}" destId="{9939510C-B4E4-44C3-8190-3F5E10565C9D}" srcOrd="0" destOrd="0" presId="urn:microsoft.com/office/officeart/2005/8/layout/vList2"/>
+    <dgm:cxn modelId="{C801E2E0-F241-4969-90D6-CA9F2D65C5AF}" type="presOf" srcId="{09E8F5C5-F664-4D8E-A4B7-F1B65624571B}" destId="{E09CE831-8C79-4733-BF5B-3149B75326E8}" srcOrd="0" destOrd="0" presId="urn:microsoft.com/office/officeart/2005/8/layout/vList2"/>
+    <dgm:cxn modelId="{0A7DB8E6-1400-4EF5-889D-5627C880E859}" srcId="{09E8F5C5-F664-4D8E-A4B7-F1B65624571B}" destId="{6710F22F-6ED8-46B4-AE32-528FCC1C1F8B}" srcOrd="2" destOrd="0" parTransId="{A6F46EB8-51B8-414F-8C28-534BC21E93B7}" sibTransId="{132E273A-E2BC-4832-AC6E-41F379CB2161}"/>
     <dgm:cxn modelId="{EF77B003-C2B6-4ECC-BC52-370B5C44B3AD}" type="presParOf" srcId="{E09CE831-8C79-4733-BF5B-3149B75326E8}" destId="{308E23A7-3CD0-4080-BE52-18139286F8E6}" srcOrd="0" destOrd="0" presId="urn:microsoft.com/office/officeart/2005/8/layout/vList2"/>
     <dgm:cxn modelId="{50F93E02-1EE3-437F-87EC-0DD75431C274}" type="presParOf" srcId="{E09CE831-8C79-4733-BF5B-3149B75326E8}" destId="{35DDB93C-9DD3-4E29-906F-B6DFC4EFE96D}" srcOrd="1" destOrd="0" presId="urn:microsoft.com/office/officeart/2005/8/layout/vList2"/>
     <dgm:cxn modelId="{647CD6F3-606E-42D6-8CF8-9145B0559F13}" type="presParOf" srcId="{E09CE831-8C79-4733-BF5B-3149B75326E8}" destId="{16106DC5-5891-4062-A976-AB95211526D0}" srcOrd="2" destOrd="0" presId="urn:microsoft.com/office/officeart/2005/8/layout/vList2"/>
@@ -8075,13 +7921,6 @@
         </dgm:presLayoutVars>
       </dgm:prSet>
       <dgm:spPr/>
-      <dgm:t>
-        <a:bodyPr/>
-        <a:lstStyle/>
-        <a:p>
-          <a:endParaRPr lang="en-US"/>
-        </a:p>
-      </dgm:t>
     </dgm:pt>
     <dgm:pt modelId="{108A7250-4707-4433-BCC9-90514BB151B6}" type="pres">
       <dgm:prSet presAssocID="{FD9059CB-7127-400C-B417-4CDF18013AEF}" presName="parentText" presStyleLbl="node1" presStyleIdx="0" presStyleCnt="2">
@@ -8091,13 +7930,6 @@
         </dgm:presLayoutVars>
       </dgm:prSet>
       <dgm:spPr/>
-      <dgm:t>
-        <a:bodyPr/>
-        <a:lstStyle/>
-        <a:p>
-          <a:endParaRPr lang="en-US"/>
-        </a:p>
-      </dgm:t>
     </dgm:pt>
     <dgm:pt modelId="{DA8EE2E4-BA55-42D8-B46F-696209B3BF32}" type="pres">
       <dgm:prSet presAssocID="{FD9059CB-7127-400C-B417-4CDF18013AEF}" presName="childText" presStyleLbl="revTx" presStyleIdx="0" presStyleCnt="1">
@@ -8106,13 +7938,6 @@
         </dgm:presLayoutVars>
       </dgm:prSet>
       <dgm:spPr/>
-      <dgm:t>
-        <a:bodyPr/>
-        <a:lstStyle/>
-        <a:p>
-          <a:endParaRPr lang="en-US"/>
-        </a:p>
-      </dgm:t>
     </dgm:pt>
     <dgm:pt modelId="{3987B0D8-2F11-491F-8F39-750F62606B27}" type="pres">
       <dgm:prSet presAssocID="{079FBC6E-EDF4-4FBC-B959-364CED75F73E}" presName="parentText" presStyleLbl="node1" presStyleIdx="1" presStyleCnt="2">
@@ -8122,25 +7947,18 @@
         </dgm:presLayoutVars>
       </dgm:prSet>
       <dgm:spPr/>
-      <dgm:t>
-        <a:bodyPr/>
-        <a:lstStyle/>
-        <a:p>
-          <a:endParaRPr lang="en-US"/>
-        </a:p>
-      </dgm:t>
     </dgm:pt>
   </dgm:ptLst>
   <dgm:cxnLst>
-    <dgm:cxn modelId="{FC0F92BF-26B5-4640-BC33-F9C14AAB55FF}" type="presOf" srcId="{079FBC6E-EDF4-4FBC-B959-364CED75F73E}" destId="{3987B0D8-2F11-491F-8F39-750F62606B27}" srcOrd="0" destOrd="0" presId="urn:microsoft.com/office/officeart/2005/8/layout/vList2"/>
+    <dgm:cxn modelId="{156DC404-20F5-4983-947F-BF616AB1D168}" srcId="{59441916-6689-4010-9EB4-493E52189782}" destId="{079FBC6E-EDF4-4FBC-B959-364CED75F73E}" srcOrd="1" destOrd="0" parTransId="{37061EF4-5B3E-4982-B236-675BA3A6653A}" sibTransId="{2D41C124-B5A5-47BF-83C3-5175BE45446F}"/>
+    <dgm:cxn modelId="{3A9F6B1A-C962-4C16-BA60-D3751E424052}" srcId="{FD9059CB-7127-400C-B417-4CDF18013AEF}" destId="{44F7F31D-388B-4B4F-86F2-D3A5663432FD}" srcOrd="1" destOrd="0" parTransId="{39CA606D-01EE-46FD-8068-2E34DFFD98D2}" sibTransId="{3130AEFA-C955-4F64-B5C2-670DA7CB7DBC}"/>
     <dgm:cxn modelId="{00FBBE30-1C44-493B-A362-14AEA466334D}" srcId="{FD9059CB-7127-400C-B417-4CDF18013AEF}" destId="{F38B84B0-2108-4FDC-BE0C-C41DBF51DF58}" srcOrd="0" destOrd="0" parTransId="{A0C16DC9-1104-4B89-B152-43E5D0B596DE}" sibTransId="{CB8F555F-E9C1-4332-9291-6EC4CAD83469}"/>
     <dgm:cxn modelId="{862EBD92-B7FC-4C91-BE21-34C37F294B05}" type="presOf" srcId="{F38B84B0-2108-4FDC-BE0C-C41DBF51DF58}" destId="{DA8EE2E4-BA55-42D8-B46F-696209B3BF32}" srcOrd="0" destOrd="0" presId="urn:microsoft.com/office/officeart/2005/8/layout/vList2"/>
-    <dgm:cxn modelId="{28733CEB-D19B-4AE5-9EC8-F903651AE41D}" type="presOf" srcId="{59441916-6689-4010-9EB4-493E52189782}" destId="{4B94FC1F-CA87-4737-AF8A-B66E59196FD7}" srcOrd="0" destOrd="0" presId="urn:microsoft.com/office/officeart/2005/8/layout/vList2"/>
-    <dgm:cxn modelId="{3A9F6B1A-C962-4C16-BA60-D3751E424052}" srcId="{FD9059CB-7127-400C-B417-4CDF18013AEF}" destId="{44F7F31D-388B-4B4F-86F2-D3A5663432FD}" srcOrd="1" destOrd="0" parTransId="{39CA606D-01EE-46FD-8068-2E34DFFD98D2}" sibTransId="{3130AEFA-C955-4F64-B5C2-670DA7CB7DBC}"/>
-    <dgm:cxn modelId="{156DC404-20F5-4983-947F-BF616AB1D168}" srcId="{59441916-6689-4010-9EB4-493E52189782}" destId="{079FBC6E-EDF4-4FBC-B959-364CED75F73E}" srcOrd="1" destOrd="0" parTransId="{37061EF4-5B3E-4982-B236-675BA3A6653A}" sibTransId="{2D41C124-B5A5-47BF-83C3-5175BE45446F}"/>
-    <dgm:cxn modelId="{CBE3BBE7-2938-41C1-A44F-F01B290B8DEB}" type="presOf" srcId="{FD9059CB-7127-400C-B417-4CDF18013AEF}" destId="{108A7250-4707-4433-BCC9-90514BB151B6}" srcOrd="0" destOrd="0" presId="urn:microsoft.com/office/officeart/2005/8/layout/vList2"/>
     <dgm:cxn modelId="{18A7C0AF-2F7F-47A8-A0A3-5701DFB946AD}" srcId="{59441916-6689-4010-9EB4-493E52189782}" destId="{FD9059CB-7127-400C-B417-4CDF18013AEF}" srcOrd="0" destOrd="0" parTransId="{649ABCAF-07F8-4990-B095-BBB01FDFE74B}" sibTransId="{F1D8CCC4-9E9D-431B-BFE1-601BF518D52E}"/>
     <dgm:cxn modelId="{9C5B51BF-46FA-472A-91B3-4CB830CF5F0D}" type="presOf" srcId="{44F7F31D-388B-4B4F-86F2-D3A5663432FD}" destId="{DA8EE2E4-BA55-42D8-B46F-696209B3BF32}" srcOrd="0" destOrd="1" presId="urn:microsoft.com/office/officeart/2005/8/layout/vList2"/>
+    <dgm:cxn modelId="{FC0F92BF-26B5-4640-BC33-F9C14AAB55FF}" type="presOf" srcId="{079FBC6E-EDF4-4FBC-B959-364CED75F73E}" destId="{3987B0D8-2F11-491F-8F39-750F62606B27}" srcOrd="0" destOrd="0" presId="urn:microsoft.com/office/officeart/2005/8/layout/vList2"/>
+    <dgm:cxn modelId="{CBE3BBE7-2938-41C1-A44F-F01B290B8DEB}" type="presOf" srcId="{FD9059CB-7127-400C-B417-4CDF18013AEF}" destId="{108A7250-4707-4433-BCC9-90514BB151B6}" srcOrd="0" destOrd="0" presId="urn:microsoft.com/office/officeart/2005/8/layout/vList2"/>
+    <dgm:cxn modelId="{28733CEB-D19B-4AE5-9EC8-F903651AE41D}" type="presOf" srcId="{59441916-6689-4010-9EB4-493E52189782}" destId="{4B94FC1F-CA87-4737-AF8A-B66E59196FD7}" srcOrd="0" destOrd="0" presId="urn:microsoft.com/office/officeart/2005/8/layout/vList2"/>
     <dgm:cxn modelId="{9C32B8C7-1463-46D2-B02D-0EFD5BEA20A8}" type="presParOf" srcId="{4B94FC1F-CA87-4737-AF8A-B66E59196FD7}" destId="{108A7250-4707-4433-BCC9-90514BB151B6}" srcOrd="0" destOrd="0" presId="urn:microsoft.com/office/officeart/2005/8/layout/vList2"/>
     <dgm:cxn modelId="{A98D439E-843E-4B8D-8638-4E9E2A6EB32E}" type="presParOf" srcId="{4B94FC1F-CA87-4737-AF8A-B66E59196FD7}" destId="{DA8EE2E4-BA55-42D8-B46F-696209B3BF32}" srcOrd="1" destOrd="0" presId="urn:microsoft.com/office/officeart/2005/8/layout/vList2"/>
     <dgm:cxn modelId="{6BE2E8E5-D821-4665-B6B0-3A7C75CE9711}" type="presParOf" srcId="{4B94FC1F-CA87-4737-AF8A-B66E59196FD7}" destId="{3987B0D8-2F11-491F-8F39-750F62606B27}" srcOrd="2" destOrd="0" presId="urn:microsoft.com/office/officeart/2005/8/layout/vList2"/>
@@ -8382,13 +8200,6 @@
         </dgm:presLayoutVars>
       </dgm:prSet>
       <dgm:spPr/>
-      <dgm:t>
-        <a:bodyPr/>
-        <a:lstStyle/>
-        <a:p>
-          <a:endParaRPr lang="en-US"/>
-        </a:p>
-      </dgm:t>
     </dgm:pt>
     <dgm:pt modelId="{1D1553D2-5C97-4FE8-8A7A-96C06D72ACB8}" type="pres">
       <dgm:prSet presAssocID="{4E56FB32-0340-4318-B42F-5BFCE2E0EA6D}" presName="parentText" presStyleLbl="node1" presStyleIdx="0" presStyleCnt="3">
@@ -8398,13 +8209,6 @@
         </dgm:presLayoutVars>
       </dgm:prSet>
       <dgm:spPr/>
-      <dgm:t>
-        <a:bodyPr/>
-        <a:lstStyle/>
-        <a:p>
-          <a:endParaRPr lang="en-US"/>
-        </a:p>
-      </dgm:t>
     </dgm:pt>
     <dgm:pt modelId="{31FA9E4A-E3CE-4E31-97BD-7C9E028B7A6F}" type="pres">
       <dgm:prSet presAssocID="{76335933-4372-402A-9527-97822F7C9517}" presName="spacer" presStyleCnt="0"/>
@@ -8418,13 +8222,6 @@
         </dgm:presLayoutVars>
       </dgm:prSet>
       <dgm:spPr/>
-      <dgm:t>
-        <a:bodyPr/>
-        <a:lstStyle/>
-        <a:p>
-          <a:endParaRPr lang="en-US"/>
-        </a:p>
-      </dgm:t>
     </dgm:pt>
     <dgm:pt modelId="{AB1406CC-5633-4172-839C-C5622D9C9DC8}" type="pres">
       <dgm:prSet presAssocID="{CE31D95A-944F-4F37-B824-9549AADB2612}" presName="childText" presStyleLbl="revTx" presStyleIdx="0" presStyleCnt="1">
@@ -8433,13 +8230,6 @@
         </dgm:presLayoutVars>
       </dgm:prSet>
       <dgm:spPr/>
-      <dgm:t>
-        <a:bodyPr/>
-        <a:lstStyle/>
-        <a:p>
-          <a:endParaRPr lang="en-US"/>
-        </a:p>
-      </dgm:t>
     </dgm:pt>
     <dgm:pt modelId="{82D23CF7-896C-48BE-9C4C-950AFEAC9C55}" type="pres">
       <dgm:prSet presAssocID="{3620740A-17BF-4813-8A55-BAFFDA56A569}" presName="parentText" presStyleLbl="node1" presStyleIdx="2" presStyleCnt="3">
@@ -8449,27 +8239,20 @@
         </dgm:presLayoutVars>
       </dgm:prSet>
       <dgm:spPr/>
-      <dgm:t>
-        <a:bodyPr/>
-        <a:lstStyle/>
-        <a:p>
-          <a:endParaRPr lang="en-US"/>
-        </a:p>
-      </dgm:t>
     </dgm:pt>
   </dgm:ptLst>
   <dgm:cxnLst>
     <dgm:cxn modelId="{26FFA022-045A-4897-A67D-02A7A53C6812}" srcId="{CE31D95A-944F-4F37-B824-9549AADB2612}" destId="{BF57B57B-DE73-4072-92D9-6153430EB547}" srcOrd="0" destOrd="0" parTransId="{463DC838-7215-4838-B137-85065A2D8F7F}" sibTransId="{1B5157A1-FE6C-4DA4-86A0-E9B09E9E52B9}"/>
+    <dgm:cxn modelId="{DBA7FE23-5856-459B-BEDB-4D8B6B2BBBA1}" srcId="{CE31D95A-944F-4F37-B824-9549AADB2612}" destId="{22636358-592C-4D5B-B185-2A3A4FB98654}" srcOrd="1" destOrd="0" parTransId="{EAE06D7B-3BB0-494B-990E-8245BAA27707}" sibTransId="{F7BDE549-8FD2-49F5-98C5-39FEBC04D7CE}"/>
+    <dgm:cxn modelId="{A796BD43-C885-4342-95D4-E805A6486554}" type="presOf" srcId="{22636358-592C-4D5B-B185-2A3A4FB98654}" destId="{AB1406CC-5633-4172-839C-C5622D9C9DC8}" srcOrd="0" destOrd="1" presId="urn:microsoft.com/office/officeart/2005/8/layout/vList2"/>
+    <dgm:cxn modelId="{45438F69-6C03-42FB-B141-865D911130F0}" type="presOf" srcId="{CE31D95A-944F-4F37-B824-9549AADB2612}" destId="{2F4D5BAA-DB56-4FC1-814C-014C16AFE090}" srcOrd="0" destOrd="0" presId="urn:microsoft.com/office/officeart/2005/8/layout/vList2"/>
+    <dgm:cxn modelId="{7053B45A-ADFD-41E3-AF55-AFCD209E66AD}" type="presOf" srcId="{4E56FB32-0340-4318-B42F-5BFCE2E0EA6D}" destId="{1D1553D2-5C97-4FE8-8A7A-96C06D72ACB8}" srcOrd="0" destOrd="0" presId="urn:microsoft.com/office/officeart/2005/8/layout/vList2"/>
     <dgm:cxn modelId="{6CE21889-7ADC-454A-898C-F793EEDC8E4F}" type="presOf" srcId="{3620740A-17BF-4813-8A55-BAFFDA56A569}" destId="{82D23CF7-896C-48BE-9C4C-950AFEAC9C55}" srcOrd="0" destOrd="0" presId="urn:microsoft.com/office/officeart/2005/8/layout/vList2"/>
-    <dgm:cxn modelId="{45438F69-6C03-42FB-B141-865D911130F0}" type="presOf" srcId="{CE31D95A-944F-4F37-B824-9549AADB2612}" destId="{2F4D5BAA-DB56-4FC1-814C-014C16AFE090}" srcOrd="0" destOrd="0" presId="urn:microsoft.com/office/officeart/2005/8/layout/vList2"/>
+    <dgm:cxn modelId="{F8F117B2-AB24-4EC7-90AB-745B2B157382}" srcId="{41F34C01-CD2A-44CC-8987-34B1BB9D47CD}" destId="{CE31D95A-944F-4F37-B824-9549AADB2612}" srcOrd="1" destOrd="0" parTransId="{859FEE3C-503B-4FB2-840D-3953BB1D5816}" sibTransId="{C16BAA6E-71FD-48F4-A145-ECC36350ABC8}"/>
+    <dgm:cxn modelId="{BC72ACB3-95B0-477D-BECC-B94B9D0038DE}" srcId="{41F34C01-CD2A-44CC-8987-34B1BB9D47CD}" destId="{3620740A-17BF-4813-8A55-BAFFDA56A569}" srcOrd="2" destOrd="0" parTransId="{50A910C9-F7D5-4EA9-BD98-ABB8D6B4F112}" sibTransId="{C57148D6-BB96-422C-905B-E4756F3B16B7}"/>
+    <dgm:cxn modelId="{E36648C4-AC9B-4802-A007-267EA21A484E}" type="presOf" srcId="{BF57B57B-DE73-4072-92D9-6153430EB547}" destId="{AB1406CC-5633-4172-839C-C5622D9C9DC8}" srcOrd="0" destOrd="0" presId="urn:microsoft.com/office/officeart/2005/8/layout/vList2"/>
+    <dgm:cxn modelId="{582103DA-E2D5-4F5A-A06C-74E08F3BED4F}" type="presOf" srcId="{41F34C01-CD2A-44CC-8987-34B1BB9D47CD}" destId="{FB5AEA8A-28F5-4F94-B0AC-F869364DBC0A}" srcOrd="0" destOrd="0" presId="urn:microsoft.com/office/officeart/2005/8/layout/vList2"/>
     <dgm:cxn modelId="{C0FA55F2-A807-4EA3-BC28-D2007838AFB0}" srcId="{41F34C01-CD2A-44CC-8987-34B1BB9D47CD}" destId="{4E56FB32-0340-4318-B42F-5BFCE2E0EA6D}" srcOrd="0" destOrd="0" parTransId="{7425AD79-BBCB-49BD-99F5-BA50316AB1A4}" sibTransId="{76335933-4372-402A-9527-97822F7C9517}"/>
-    <dgm:cxn modelId="{F8F117B2-AB24-4EC7-90AB-745B2B157382}" srcId="{41F34C01-CD2A-44CC-8987-34B1BB9D47CD}" destId="{CE31D95A-944F-4F37-B824-9549AADB2612}" srcOrd="1" destOrd="0" parTransId="{859FEE3C-503B-4FB2-840D-3953BB1D5816}" sibTransId="{C16BAA6E-71FD-48F4-A145-ECC36350ABC8}"/>
-    <dgm:cxn modelId="{E36648C4-AC9B-4802-A007-267EA21A484E}" type="presOf" srcId="{BF57B57B-DE73-4072-92D9-6153430EB547}" destId="{AB1406CC-5633-4172-839C-C5622D9C9DC8}" srcOrd="0" destOrd="0" presId="urn:microsoft.com/office/officeart/2005/8/layout/vList2"/>
-    <dgm:cxn modelId="{7053B45A-ADFD-41E3-AF55-AFCD209E66AD}" type="presOf" srcId="{4E56FB32-0340-4318-B42F-5BFCE2E0EA6D}" destId="{1D1553D2-5C97-4FE8-8A7A-96C06D72ACB8}" srcOrd="0" destOrd="0" presId="urn:microsoft.com/office/officeart/2005/8/layout/vList2"/>
-    <dgm:cxn modelId="{582103DA-E2D5-4F5A-A06C-74E08F3BED4F}" type="presOf" srcId="{41F34C01-CD2A-44CC-8987-34B1BB9D47CD}" destId="{FB5AEA8A-28F5-4F94-B0AC-F869364DBC0A}" srcOrd="0" destOrd="0" presId="urn:microsoft.com/office/officeart/2005/8/layout/vList2"/>
-    <dgm:cxn modelId="{A796BD43-C885-4342-95D4-E805A6486554}" type="presOf" srcId="{22636358-592C-4D5B-B185-2A3A4FB98654}" destId="{AB1406CC-5633-4172-839C-C5622D9C9DC8}" srcOrd="0" destOrd="1" presId="urn:microsoft.com/office/officeart/2005/8/layout/vList2"/>
-    <dgm:cxn modelId="{DBA7FE23-5856-459B-BEDB-4D8B6B2BBBA1}" srcId="{CE31D95A-944F-4F37-B824-9549AADB2612}" destId="{22636358-592C-4D5B-B185-2A3A4FB98654}" srcOrd="1" destOrd="0" parTransId="{EAE06D7B-3BB0-494B-990E-8245BAA27707}" sibTransId="{F7BDE549-8FD2-49F5-98C5-39FEBC04D7CE}"/>
-    <dgm:cxn modelId="{BC72ACB3-95B0-477D-BECC-B94B9D0038DE}" srcId="{41F34C01-CD2A-44CC-8987-34B1BB9D47CD}" destId="{3620740A-17BF-4813-8A55-BAFFDA56A569}" srcOrd="2" destOrd="0" parTransId="{50A910C9-F7D5-4EA9-BD98-ABB8D6B4F112}" sibTransId="{C57148D6-BB96-422C-905B-E4756F3B16B7}"/>
     <dgm:cxn modelId="{7A5F84A6-AD26-406A-8FB0-D32FB38AE3F8}" type="presParOf" srcId="{FB5AEA8A-28F5-4F94-B0AC-F869364DBC0A}" destId="{1D1553D2-5C97-4FE8-8A7A-96C06D72ACB8}" srcOrd="0" destOrd="0" presId="urn:microsoft.com/office/officeart/2005/8/layout/vList2"/>
     <dgm:cxn modelId="{66D981C6-DE4F-4FBB-8E5F-53DBC5CD1B66}" type="presParOf" srcId="{FB5AEA8A-28F5-4F94-B0AC-F869364DBC0A}" destId="{31FA9E4A-E3CE-4E31-97BD-7C9E028B7A6F}" srcOrd="1" destOrd="0" presId="urn:microsoft.com/office/officeart/2005/8/layout/vList2"/>
     <dgm:cxn modelId="{B36AB2FA-6B63-4A52-ADBC-70F8F26B625C}" type="presParOf" srcId="{FB5AEA8A-28F5-4F94-B0AC-F869364DBC0A}" destId="{2F4D5BAA-DB56-4FC1-814C-014C16AFE090}" srcOrd="2" destOrd="0" presId="urn:microsoft.com/office/officeart/2005/8/layout/vList2"/>
@@ -8631,13 +8414,6 @@
         </dgm:presLayoutVars>
       </dgm:prSet>
       <dgm:spPr/>
-      <dgm:t>
-        <a:bodyPr/>
-        <a:lstStyle/>
-        <a:p>
-          <a:endParaRPr lang="en-US"/>
-        </a:p>
-      </dgm:t>
     </dgm:pt>
     <dgm:pt modelId="{30FC9707-CED0-4381-8A41-94AADA3386FF}" type="pres">
       <dgm:prSet presAssocID="{7ACC372D-45D5-4299-A54B-DC2D29350961}" presName="parentText" presStyleLbl="node1" presStyleIdx="0" presStyleCnt="3">
@@ -8647,13 +8423,6 @@
         </dgm:presLayoutVars>
       </dgm:prSet>
       <dgm:spPr/>
-      <dgm:t>
-        <a:bodyPr/>
-        <a:lstStyle/>
-        <a:p>
-          <a:endParaRPr lang="en-US"/>
-        </a:p>
-      </dgm:t>
     </dgm:pt>
     <dgm:pt modelId="{BB580AB3-9683-4E0B-9879-B63773CDC830}" type="pres">
       <dgm:prSet presAssocID="{D3ABCA82-965A-47EA-A0B5-59F41C1870E9}" presName="spacer" presStyleCnt="0"/>
@@ -8667,13 +8436,6 @@
         </dgm:presLayoutVars>
       </dgm:prSet>
       <dgm:spPr/>
-      <dgm:t>
-        <a:bodyPr/>
-        <a:lstStyle/>
-        <a:p>
-          <a:endParaRPr lang="en-US"/>
-        </a:p>
-      </dgm:t>
     </dgm:pt>
     <dgm:pt modelId="{0481CF4F-5A15-4C81-8EB2-436E333F43BF}" type="pres">
       <dgm:prSet presAssocID="{846BA127-E7EA-48AB-ACBB-6984FB73F51C}" presName="spacer" presStyleCnt="0"/>
@@ -8687,23 +8449,16 @@
         </dgm:presLayoutVars>
       </dgm:prSet>
       <dgm:spPr/>
-      <dgm:t>
-        <a:bodyPr/>
-        <a:lstStyle/>
-        <a:p>
-          <a:endParaRPr lang="en-US"/>
-        </a:p>
-      </dgm:t>
     </dgm:pt>
   </dgm:ptLst>
   <dgm:cxnLst>
+    <dgm:cxn modelId="{9494A504-053D-410E-83FA-021B9E54ECB5}" type="presOf" srcId="{A7775C9F-A1F6-4D5A-8AAC-A9AD781B6B3E}" destId="{2BEAF6A0-1FC4-47A7-BE63-D1E6186B22AF}" srcOrd="0" destOrd="0" presId="urn:microsoft.com/office/officeart/2005/8/layout/vList2"/>
     <dgm:cxn modelId="{A8B90243-255E-4A5D-8589-74C2831A9437}" srcId="{4BBD8192-511D-4B93-8444-2591E63168B8}" destId="{A7775C9F-A1F6-4D5A-8AAC-A9AD781B6B3E}" srcOrd="2" destOrd="0" parTransId="{EB1D2788-0B18-48F4-80B1-9F62EF35A1EA}" sibTransId="{A70B26A6-1E86-453D-A90E-2450091C21D9}"/>
+    <dgm:cxn modelId="{F27C3F63-AB5A-4867-9167-11FEB56E7FC3}" type="presOf" srcId="{4BBD8192-511D-4B93-8444-2591E63168B8}" destId="{B8F87959-4039-4CE4-A8D5-A964862B3C20}" srcOrd="0" destOrd="0" presId="urn:microsoft.com/office/officeart/2005/8/layout/vList2"/>
+    <dgm:cxn modelId="{B773FA9E-79F6-481B-82FF-1363389100D3}" srcId="{4BBD8192-511D-4B93-8444-2591E63168B8}" destId="{7ACC372D-45D5-4299-A54B-DC2D29350961}" srcOrd="0" destOrd="0" parTransId="{74B68EE9-B342-4AEB-BE0D-B78492B5A29A}" sibTransId="{D3ABCA82-965A-47EA-A0B5-59F41C1870E9}"/>
     <dgm:cxn modelId="{E28305CA-0896-41C5-8FA9-8AFD81646B09}" type="presOf" srcId="{7ACC372D-45D5-4299-A54B-DC2D29350961}" destId="{30FC9707-CED0-4381-8A41-94AADA3386FF}" srcOrd="0" destOrd="0" presId="urn:microsoft.com/office/officeart/2005/8/layout/vList2"/>
-    <dgm:cxn modelId="{9494A504-053D-410E-83FA-021B9E54ECB5}" type="presOf" srcId="{A7775C9F-A1F6-4D5A-8AAC-A9AD781B6B3E}" destId="{2BEAF6A0-1FC4-47A7-BE63-D1E6186B22AF}" srcOrd="0" destOrd="0" presId="urn:microsoft.com/office/officeart/2005/8/layout/vList2"/>
     <dgm:cxn modelId="{EB6261CD-CCFE-4BF7-ADD1-DAD3A10C8C4E}" type="presOf" srcId="{99D4F466-9F35-4353-A70C-2969F9EDF098}" destId="{90A0CD36-9528-4C15-B25C-385E8475933D}" srcOrd="0" destOrd="0" presId="urn:microsoft.com/office/officeart/2005/8/layout/vList2"/>
-    <dgm:cxn modelId="{B773FA9E-79F6-481B-82FF-1363389100D3}" srcId="{4BBD8192-511D-4B93-8444-2591E63168B8}" destId="{7ACC372D-45D5-4299-A54B-DC2D29350961}" srcOrd="0" destOrd="0" parTransId="{74B68EE9-B342-4AEB-BE0D-B78492B5A29A}" sibTransId="{D3ABCA82-965A-47EA-A0B5-59F41C1870E9}"/>
     <dgm:cxn modelId="{A73652F6-E5F2-4F9E-874F-D0E506B07B38}" srcId="{4BBD8192-511D-4B93-8444-2591E63168B8}" destId="{99D4F466-9F35-4353-A70C-2969F9EDF098}" srcOrd="1" destOrd="0" parTransId="{6C9163EB-906E-4852-A059-951709C5BDC0}" sibTransId="{846BA127-E7EA-48AB-ACBB-6984FB73F51C}"/>
-    <dgm:cxn modelId="{F27C3F63-AB5A-4867-9167-11FEB56E7FC3}" type="presOf" srcId="{4BBD8192-511D-4B93-8444-2591E63168B8}" destId="{B8F87959-4039-4CE4-A8D5-A964862B3C20}" srcOrd="0" destOrd="0" presId="urn:microsoft.com/office/officeart/2005/8/layout/vList2"/>
     <dgm:cxn modelId="{243C18C0-347D-4EAB-8D56-ADCAD31F2961}" type="presParOf" srcId="{B8F87959-4039-4CE4-A8D5-A964862B3C20}" destId="{30FC9707-CED0-4381-8A41-94AADA3386FF}" srcOrd="0" destOrd="0" presId="urn:microsoft.com/office/officeart/2005/8/layout/vList2"/>
     <dgm:cxn modelId="{7762C85B-C6C2-453C-A139-AD999C9E74F5}" type="presParOf" srcId="{B8F87959-4039-4CE4-A8D5-A964862B3C20}" destId="{BB580AB3-9683-4E0B-9879-B63773CDC830}" srcOrd="1" destOrd="0" presId="urn:microsoft.com/office/officeart/2005/8/layout/vList2"/>
     <dgm:cxn modelId="{B4D0EE72-003F-4C8E-B560-77E3BAFDCD84}" type="presParOf" srcId="{B8F87959-4039-4CE4-A8D5-A964862B3C20}" destId="{90A0CD36-9528-4C15-B25C-385E8475933D}" srcOrd="2" destOrd="0" presId="urn:microsoft.com/office/officeart/2005/8/layout/vList2"/>
@@ -8782,7 +8537,7 @@
         </a:bodyPr>
         <a:lstStyle/>
         <a:p>
-          <a:pPr lvl="0" algn="ctr" defTabSz="1289050">
+          <a:pPr marL="0" lvl="0" indent="0" algn="ctr" defTabSz="1289050">
             <a:lnSpc>
               <a:spcPct val="90000"/>
             </a:lnSpc>
@@ -8792,6 +8547,7 @@
             <a:spcAft>
               <a:spcPct val="35000"/>
             </a:spcAft>
+            <a:buNone/>
           </a:pPr>
           <a:r>
             <a:rPr lang="en-US" sz="2900" kern="1200" noProof="1">
@@ -8875,7 +8631,7 @@
         </a:bodyPr>
         <a:lstStyle/>
         <a:p>
-          <a:pPr lvl="0" algn="ctr" defTabSz="1289050">
+          <a:pPr marL="0" lvl="0" indent="0" algn="ctr" defTabSz="1289050">
             <a:lnSpc>
               <a:spcPct val="90000"/>
             </a:lnSpc>
@@ -8885,6 +8641,7 @@
             <a:spcAft>
               <a:spcPct val="35000"/>
             </a:spcAft>
+            <a:buNone/>
           </a:pPr>
           <a:r>
             <a:rPr lang="ro-RO" sz="2900" kern="1200" dirty="0">
@@ -8968,7 +8725,7 @@
         </a:bodyPr>
         <a:lstStyle/>
         <a:p>
-          <a:pPr lvl="0" algn="ctr" defTabSz="1289050">
+          <a:pPr marL="0" lvl="0" indent="0" algn="ctr" defTabSz="1289050">
             <a:lnSpc>
               <a:spcPct val="90000"/>
             </a:lnSpc>
@@ -8978,6 +8735,7 @@
             <a:spcAft>
               <a:spcPct val="35000"/>
             </a:spcAft>
+            <a:buNone/>
           </a:pPr>
           <a:r>
             <a:rPr lang="en-US" sz="2900" kern="1200" dirty="0">
@@ -9067,7 +8825,7 @@
             <a:spcAft>
               <a:spcPct val="15000"/>
             </a:spcAft>
-            <a:buChar char="••"/>
+            <a:buChar char="•"/>
           </a:pPr>
           <a:r>
             <a:rPr lang="ro-RO" sz="2900" kern="1200" dirty="0">
@@ -9090,7 +8848,7 @@
             <a:spcAft>
               <a:spcPct val="15000"/>
             </a:spcAft>
-            <a:buChar char="••"/>
+            <a:buChar char="•"/>
           </a:pPr>
           <a:r>
             <a:rPr lang="ro-RO" sz="2900" kern="1200" dirty="0">
@@ -9162,7 +8920,7 @@
         </a:bodyPr>
         <a:lstStyle/>
         <a:p>
-          <a:pPr lvl="0" algn="ctr" defTabSz="1289050">
+          <a:pPr marL="0" lvl="0" indent="0" algn="ctr" defTabSz="1289050">
             <a:lnSpc>
               <a:spcPct val="90000"/>
             </a:lnSpc>
@@ -9172,6 +8930,7 @@
             <a:spcAft>
               <a:spcPct val="35000"/>
             </a:spcAft>
+            <a:buNone/>
           </a:pPr>
           <a:r>
             <a:rPr lang="ro-RO" sz="2900" kern="1200" dirty="0">
@@ -9255,7 +9014,7 @@
             <a:spcAft>
               <a:spcPct val="15000"/>
             </a:spcAft>
-            <a:buChar char="••"/>
+            <a:buChar char="•"/>
           </a:pPr>
           <a:r>
             <a:rPr lang="ro-RO" sz="2900" kern="1200" dirty="0">
@@ -9339,7 +9098,7 @@
         </a:bodyPr>
         <a:lstStyle/>
         <a:p>
-          <a:pPr lvl="0" algn="l" defTabSz="1555750">
+          <a:pPr marL="0" lvl="0" indent="0" algn="l" defTabSz="1555750">
             <a:lnSpc>
               <a:spcPct val="90000"/>
             </a:lnSpc>
@@ -9349,6 +9108,7 @@
             <a:spcAft>
               <a:spcPct val="35000"/>
             </a:spcAft>
+            <a:buNone/>
           </a:pPr>
           <a:r>
             <a:rPr lang="ro-RO" sz="3500" kern="1200" dirty="0">
@@ -9416,7 +9176,7 @@
             <a:spcAft>
               <a:spcPct val="20000"/>
             </a:spcAft>
-            <a:buChar char="••"/>
+            <a:buChar char="•"/>
           </a:pPr>
           <a:r>
             <a:rPr lang="en-US" sz="2900" kern="1200" dirty="0">
@@ -9485,7 +9245,7 @@
         </a:bodyPr>
         <a:lstStyle/>
         <a:p>
-          <a:pPr lvl="0" algn="l" defTabSz="1555750">
+          <a:pPr marL="0" lvl="0" indent="0" algn="l" defTabSz="1555750">
             <a:lnSpc>
               <a:spcPct val="90000"/>
             </a:lnSpc>
@@ -9495,6 +9255,7 @@
             <a:spcAft>
               <a:spcPct val="35000"/>
             </a:spcAft>
+            <a:buNone/>
           </a:pPr>
           <a:r>
             <a:rPr lang="ro-RO" sz="3500" kern="1200" dirty="0">
@@ -9566,7 +9327,7 @@
         </a:bodyPr>
         <a:lstStyle/>
         <a:p>
-          <a:pPr lvl="0" algn="l" defTabSz="1555750">
+          <a:pPr marL="0" lvl="0" indent="0" algn="l" defTabSz="1555750">
             <a:lnSpc>
               <a:spcPct val="90000"/>
             </a:lnSpc>
@@ -9576,6 +9337,7 @@
             <a:spcAft>
               <a:spcPct val="35000"/>
             </a:spcAft>
+            <a:buNone/>
           </a:pPr>
           <a:r>
             <a:rPr lang="ro-RO" sz="3500" kern="1200" dirty="0">
@@ -9659,7 +9421,7 @@
         </a:bodyPr>
         <a:lstStyle/>
         <a:p>
-          <a:pPr lvl="0" algn="l" defTabSz="1555750">
+          <a:pPr marL="0" lvl="0" indent="0" algn="l" defTabSz="1555750">
             <a:lnSpc>
               <a:spcPct val="90000"/>
             </a:lnSpc>
@@ -9669,6 +9431,7 @@
             <a:spcAft>
               <a:spcPct val="35000"/>
             </a:spcAft>
+            <a:buNone/>
           </a:pPr>
           <a:r>
             <a:rPr lang="ro-RO" sz="3500" kern="1200" dirty="0">
@@ -9740,7 +9503,7 @@
         </a:bodyPr>
         <a:lstStyle/>
         <a:p>
-          <a:pPr lvl="0" algn="l" defTabSz="1555750">
+          <a:pPr marL="0" lvl="0" indent="0" algn="l" defTabSz="1555750">
             <a:lnSpc>
               <a:spcPct val="90000"/>
             </a:lnSpc>
@@ -9750,6 +9513,7 @@
             <a:spcAft>
               <a:spcPct val="35000"/>
             </a:spcAft>
+            <a:buNone/>
           </a:pPr>
           <a:r>
             <a:rPr lang="ro-RO" sz="3500" kern="1200" dirty="0">
@@ -9821,7 +9585,7 @@
         </a:bodyPr>
         <a:lstStyle/>
         <a:p>
-          <a:pPr lvl="0" algn="l" defTabSz="1555750">
+          <a:pPr marL="0" lvl="0" indent="0" algn="l" defTabSz="1555750">
             <a:lnSpc>
               <a:spcPct val="90000"/>
             </a:lnSpc>
@@ -9831,6 +9595,7 @@
             <a:spcAft>
               <a:spcPct val="35000"/>
             </a:spcAft>
+            <a:buNone/>
           </a:pPr>
           <a:r>
             <a:rPr lang="ro-RO" sz="3500" kern="1200" dirty="0">
@@ -9914,7 +9679,7 @@
         </a:bodyPr>
         <a:lstStyle/>
         <a:p>
-          <a:pPr lvl="0" algn="l" defTabSz="1555750">
+          <a:pPr marL="0" lvl="0" indent="0" algn="l" defTabSz="1555750">
             <a:lnSpc>
               <a:spcPct val="90000"/>
             </a:lnSpc>
@@ -9924,6 +9689,7 @@
             <a:spcAft>
               <a:spcPct val="35000"/>
             </a:spcAft>
+            <a:buNone/>
           </a:pPr>
           <a:r>
             <a:rPr lang="ro-RO" sz="3500" kern="1200" dirty="0">
@@ -9995,7 +9761,7 @@
         </a:bodyPr>
         <a:lstStyle/>
         <a:p>
-          <a:pPr lvl="0" algn="l" defTabSz="1555750">
+          <a:pPr marL="0" lvl="0" indent="0" algn="l" defTabSz="1555750">
             <a:lnSpc>
               <a:spcPct val="90000"/>
             </a:lnSpc>
@@ -10005,6 +9771,7 @@
             <a:spcAft>
               <a:spcPct val="35000"/>
             </a:spcAft>
+            <a:buNone/>
           </a:pPr>
           <a:r>
             <a:rPr lang="ro-RO" sz="3500" kern="1200" dirty="0">
@@ -10076,7 +9843,7 @@
         </a:bodyPr>
         <a:lstStyle/>
         <a:p>
-          <a:pPr lvl="0" algn="l" defTabSz="1555750">
+          <a:pPr marL="0" lvl="0" indent="0" algn="l" defTabSz="1555750">
             <a:lnSpc>
               <a:spcPct val="90000"/>
             </a:lnSpc>
@@ -10086,6 +9853,7 @@
             <a:spcAft>
               <a:spcPct val="35000"/>
             </a:spcAft>
+            <a:buNone/>
           </a:pPr>
           <a:r>
             <a:rPr lang="ro-RO" sz="3500" kern="1200" dirty="0">
@@ -10157,7 +9925,7 @@
         </a:bodyPr>
         <a:lstStyle/>
         <a:p>
-          <a:pPr lvl="0" algn="l" defTabSz="1555750">
+          <a:pPr marL="0" lvl="0" indent="0" algn="l" defTabSz="1555750">
             <a:lnSpc>
               <a:spcPct val="90000"/>
             </a:lnSpc>
@@ -10167,6 +9935,7 @@
             <a:spcAft>
               <a:spcPct val="35000"/>
             </a:spcAft>
+            <a:buNone/>
           </a:pPr>
           <a:r>
             <a:rPr lang="ro-RO" sz="3500" kern="1200" dirty="0">
@@ -10250,7 +10019,7 @@
         </a:bodyPr>
         <a:lstStyle/>
         <a:p>
-          <a:pPr lvl="0" algn="l" defTabSz="1555750">
+          <a:pPr marL="0" lvl="0" indent="0" algn="l" defTabSz="1555750">
             <a:lnSpc>
               <a:spcPct val="90000"/>
             </a:lnSpc>
@@ -10260,6 +10029,7 @@
             <a:spcAft>
               <a:spcPct val="35000"/>
             </a:spcAft>
+            <a:buNone/>
           </a:pPr>
           <a:r>
             <a:rPr lang="ro-RO" sz="3500" kern="1200" dirty="0">
@@ -10324,7 +10094,7 @@
             <a:spcAft>
               <a:spcPct val="20000"/>
             </a:spcAft>
-            <a:buChar char="••"/>
+            <a:buChar char="•"/>
           </a:pPr>
           <a:r>
             <a:rPr lang="ro-RO" sz="2900" kern="1200" dirty="0">
@@ -10347,7 +10117,7 @@
             <a:spcAft>
               <a:spcPct val="20000"/>
             </a:spcAft>
-            <a:buChar char="••"/>
+            <a:buChar char="•"/>
           </a:pPr>
           <a:r>
             <a:rPr lang="ro-RO" sz="2900" kern="1200" dirty="0">
@@ -10428,7 +10198,7 @@
         </a:bodyPr>
         <a:lstStyle/>
         <a:p>
-          <a:pPr lvl="0" algn="l" defTabSz="1555750">
+          <a:pPr marL="0" lvl="0" indent="0" algn="l" defTabSz="1555750">
             <a:lnSpc>
               <a:spcPct val="90000"/>
             </a:lnSpc>
@@ -10438,6 +10208,7 @@
             <a:spcAft>
               <a:spcPct val="35000"/>
             </a:spcAft>
+            <a:buNone/>
           </a:pPr>
           <a:r>
             <a:rPr lang="ro-RO" sz="3500" kern="1200" dirty="0">
@@ -10521,7 +10292,7 @@
         </a:bodyPr>
         <a:lstStyle/>
         <a:p>
-          <a:pPr lvl="0" algn="l" defTabSz="1555750">
+          <a:pPr marL="0" lvl="0" indent="0" algn="l" defTabSz="1555750">
             <a:lnSpc>
               <a:spcPct val="90000"/>
             </a:lnSpc>
@@ -10531,6 +10302,7 @@
             <a:spcAft>
               <a:spcPct val="35000"/>
             </a:spcAft>
+            <a:buNone/>
           </a:pPr>
           <a:r>
             <a:rPr lang="ro-RO" sz="3500" kern="1200" dirty="0">
@@ -10602,7 +10374,7 @@
         </a:bodyPr>
         <a:lstStyle/>
         <a:p>
-          <a:pPr lvl="0" algn="l" defTabSz="1555750">
+          <a:pPr marL="0" lvl="0" indent="0" algn="l" defTabSz="1555750">
             <a:lnSpc>
               <a:spcPct val="90000"/>
             </a:lnSpc>
@@ -10612,6 +10384,7 @@
             <a:spcAft>
               <a:spcPct val="35000"/>
             </a:spcAft>
+            <a:buNone/>
           </a:pPr>
           <a:r>
             <a:rPr lang="ro-RO" sz="3500" kern="1200" dirty="0">
@@ -10676,7 +10449,7 @@
             <a:spcAft>
               <a:spcPct val="20000"/>
             </a:spcAft>
-            <a:buChar char="••"/>
+            <a:buChar char="•"/>
           </a:pPr>
           <a:r>
             <a:rPr lang="ro-RO" sz="2900" kern="1200" dirty="0">
@@ -10699,7 +10472,7 @@
             <a:spcAft>
               <a:spcPct val="20000"/>
             </a:spcAft>
-            <a:buChar char="••"/>
+            <a:buChar char="•"/>
           </a:pPr>
           <a:r>
             <a:rPr lang="ro-RO" sz="2900" kern="1200" dirty="0">
@@ -10771,7 +10544,7 @@
         </a:bodyPr>
         <a:lstStyle/>
         <a:p>
-          <a:pPr lvl="0" algn="l" defTabSz="1555750">
+          <a:pPr marL="0" lvl="0" indent="0" algn="l" defTabSz="1555750">
             <a:lnSpc>
               <a:spcPct val="90000"/>
             </a:lnSpc>
@@ -10781,6 +10554,7 @@
             <a:spcAft>
               <a:spcPct val="35000"/>
             </a:spcAft>
+            <a:buNone/>
           </a:pPr>
           <a:r>
             <a:rPr lang="ro-RO" sz="3500" kern="1200" dirty="0">
@@ -10864,7 +10638,7 @@
         </a:bodyPr>
         <a:lstStyle/>
         <a:p>
-          <a:pPr lvl="0" algn="l" defTabSz="1555750">
+          <a:pPr marL="0" lvl="0" indent="0" algn="l" defTabSz="1555750">
             <a:lnSpc>
               <a:spcPct val="90000"/>
             </a:lnSpc>
@@ -10874,6 +10648,7 @@
             <a:spcAft>
               <a:spcPct val="35000"/>
             </a:spcAft>
+            <a:buNone/>
           </a:pPr>
           <a:r>
             <a:rPr lang="ro-RO" sz="3500" kern="1200" dirty="0">
@@ -10945,7 +10720,7 @@
         </a:bodyPr>
         <a:lstStyle/>
         <a:p>
-          <a:pPr lvl="0" algn="l" defTabSz="1555750">
+          <a:pPr marL="0" lvl="0" indent="0" algn="l" defTabSz="1555750">
             <a:lnSpc>
               <a:spcPct val="90000"/>
             </a:lnSpc>
@@ -10955,6 +10730,7 @@
             <a:spcAft>
               <a:spcPct val="35000"/>
             </a:spcAft>
+            <a:buNone/>
           </a:pPr>
           <a:r>
             <a:rPr lang="ro-RO" sz="3500" kern="1200" dirty="0">
@@ -11026,7 +10802,7 @@
         </a:bodyPr>
         <a:lstStyle/>
         <a:p>
-          <a:pPr lvl="0" algn="l" defTabSz="1555750">
+          <a:pPr marL="0" lvl="0" indent="0" algn="l" defTabSz="1555750">
             <a:lnSpc>
               <a:spcPct val="90000"/>
             </a:lnSpc>
@@ -11036,6 +10812,7 @@
             <a:spcAft>
               <a:spcPct val="35000"/>
             </a:spcAft>
+            <a:buNone/>
           </a:pPr>
           <a:r>
             <a:rPr lang="ro-RO" sz="3500" kern="1200" dirty="0">
@@ -20777,7 +20554,7 @@
           <a:p>
             <a:fld id="{3569113D-2AA0-40B3-B8BF-A69C343657F7}" type="datetimeFigureOut">
               <a:rPr lang="en-US" smtClean="0"/>
-              <a:t>5/22/2019</a:t>
+              <a:t>5/23/2019</a:t>
             </a:fld>
             <a:endParaRPr lang="en-US" dirty="0"/>
           </a:p>
@@ -21617,7 +21394,7 @@
           <a:p>
             <a:fld id="{90B7D2B6-166E-40F8-9D76-749746228F93}" type="datetime1">
               <a:rPr lang="en-US" smtClean="0"/>
-              <a:t>5/22/2019</a:t>
+              <a:t>5/23/2019</a:t>
             </a:fld>
             <a:endParaRPr lang="en-US" dirty="0"/>
           </a:p>
@@ -21801,7 +21578,7 @@
           <a:p>
             <a:fld id="{5E77432B-941A-4FDB-B2E4-6D384526D1B6}" type="datetime1">
               <a:rPr lang="en-US" smtClean="0"/>
-              <a:t>5/22/2019</a:t>
+              <a:t>5/23/2019</a:t>
             </a:fld>
             <a:endParaRPr lang="en-US" dirty="0"/>
           </a:p>
@@ -21985,7 +21762,7 @@
           <a:p>
             <a:fld id="{73E66D89-C1D7-4BAB-8D4A-CFBFE24EB60F}" type="datetime1">
               <a:rPr lang="en-US" smtClean="0"/>
-              <a:t>5/22/2019</a:t>
+              <a:t>5/23/2019</a:t>
             </a:fld>
             <a:endParaRPr lang="en-US" dirty="0"/>
           </a:p>
@@ -22155,7 +21932,7 @@
           <a:p>
             <a:fld id="{C9C79E85-1D2F-477B-BBE8-4A7F97670373}" type="datetime1">
               <a:rPr lang="en-US" smtClean="0"/>
-              <a:t>5/22/2019</a:t>
+              <a:t>5/23/2019</a:t>
             </a:fld>
             <a:endParaRPr lang="en-US" dirty="0"/>
           </a:p>
@@ -22480,7 +22257,7 @@
           <a:p>
             <a:fld id="{A94E0D0E-3436-4F4C-8608-CE77D12FB72B}" type="datetime1">
               <a:rPr lang="en-US" smtClean="0"/>
-              <a:t>5/22/2019</a:t>
+              <a:t>5/23/2019</a:t>
             </a:fld>
             <a:endParaRPr lang="en-US" dirty="0"/>
           </a:p>
@@ -22878,7 +22655,7 @@
           <a:p>
             <a:fld id="{39510CC2-2627-4392-AE48-F60BF60FDE8D}" type="datetime1">
               <a:rPr lang="en-US" smtClean="0"/>
-              <a:t>5/22/2019</a:t>
+              <a:t>5/23/2019</a:t>
             </a:fld>
             <a:endParaRPr lang="en-US" dirty="0"/>
           </a:p>
@@ -23312,7 +23089,7 @@
           <a:p>
             <a:fld id="{DCE04ADE-3BBA-4424-9D2F-1B1F2BA859F2}" type="datetime1">
               <a:rPr lang="en-US" smtClean="0"/>
-              <a:t>5/22/2019</a:t>
+              <a:t>5/23/2019</a:t>
             </a:fld>
             <a:endParaRPr lang="en-US" dirty="0"/>
           </a:p>
@@ -23440,7 +23217,7 @@
           <a:p>
             <a:fld id="{9CA964A8-C6B3-4D50-BBFD-58D43C7F3544}" type="datetime1">
               <a:rPr lang="en-US" smtClean="0"/>
-              <a:t>5/22/2019</a:t>
+              <a:t>5/23/2019</a:t>
             </a:fld>
             <a:endParaRPr lang="en-US" dirty="0"/>
           </a:p>
@@ -23545,7 +23322,7 @@
           <a:p>
             <a:fld id="{DC1C8741-8383-4B49-BB53-43BE1918DA32}" type="datetime1">
               <a:rPr lang="en-US" smtClean="0"/>
-              <a:t>5/22/2019</a:t>
+              <a:t>5/23/2019</a:t>
             </a:fld>
             <a:endParaRPr lang="en-US" dirty="0"/>
           </a:p>
@@ -23986,7 +23763,7 @@
           <a:p>
             <a:fld id="{6C318A7A-4453-4BD5-8AB7-45AA3E9C5FE0}" type="datetime1">
               <a:rPr lang="en-US" smtClean="0"/>
-              <a:t>5/22/2019</a:t>
+              <a:t>5/23/2019</a:t>
             </a:fld>
             <a:endParaRPr lang="en-US" dirty="0"/>
           </a:p>
@@ -24413,7 +24190,7 @@
           <a:p>
             <a:fld id="{DE329CA9-2797-429D-A799-93AB3F83623F}" type="datetime1">
               <a:rPr lang="en-US" smtClean="0"/>
-              <a:t>5/22/2019</a:t>
+              <a:t>5/23/2019</a:t>
             </a:fld>
             <a:endParaRPr lang="en-US" dirty="0"/>
           </a:p>
@@ -24698,7 +24475,7 @@
           <a:p>
             <a:fld id="{56EE5F79-99D7-48D8-9BE2-8F8AFE0E3260}" type="datetime1">
               <a:rPr lang="en-US" smtClean="0"/>
-              <a:t>5/22/2019</a:t>
+              <a:t>5/23/2019</a:t>
             </a:fld>
             <a:endParaRPr lang="en-US" dirty="0"/>
           </a:p>
@@ -25215,17 +24992,9 @@
               <a:rPr lang="en-US" dirty="0"/>
               <a:t>ROBOTINHO</a:t>
             </a:r>
-            <a:r>
-              <a:rPr lang="ro-RO" dirty="0"/>
-              <a:t/>
-            </a:r>
             <a:br>
               <a:rPr lang="ro-RO" dirty="0"/>
             </a:br>
-            <a:r>
-              <a:rPr lang="ro-RO" dirty="0"/>
-              <a:t/>
-            </a:r>
             <a:br>
               <a:rPr lang="ro-RO" dirty="0"/>
             </a:br>
@@ -25391,10 +25160,10 @@
           <p:cNvPr id="11" name="Rectangle 10">
             <a:extLst>
               <a:ext uri="{FF2B5EF4-FFF2-40B4-BE49-F238E27FC236}">
-                <a16:creationId xmlns:a16="http://schemas.microsoft.com/office/drawing/2014/main" xmlns="" id="{3FD711E9-7F79-40A9-8D9E-4AE293C154A5}"/>
+                <a16:creationId xmlns:a16="http://schemas.microsoft.com/office/drawing/2014/main" id="{3FD711E9-7F79-40A9-8D9E-4AE293C154A5}"/>
               </a:ext>
               <a:ext uri="{C183D7F6-B498-43B3-948B-1728B52AA6E4}">
-                <adec:decorative xmlns:adec="http://schemas.microsoft.com/office/drawing/2017/decorative" xmlns="" val="1"/>
+                <adec:decorative xmlns:adec="http://schemas.microsoft.com/office/drawing/2017/decorative" val="1"/>
               </a:ext>
             </a:extLst>
           </p:cNvPr>
@@ -25404,7 +25173,7 @@
           <p:nvPr>
             <p:extLst>
               <p:ext uri="{386F3935-93C4-4BCD-93E2-E3B085C9AB24}">
-                <p16:designElem xmlns:p16="http://schemas.microsoft.com/office/powerpoint/2015/main" xmlns="" val="1"/>
+                <p16:designElem xmlns:p16="http://schemas.microsoft.com/office/powerpoint/2015/main" val="1"/>
               </p:ext>
             </p:extLst>
           </p:nvPr>
@@ -25513,7 +25282,7 @@
           <p:cNvPr id="6" name="Content Placeholder 2">
             <a:extLst>
               <a:ext uri="{FF2B5EF4-FFF2-40B4-BE49-F238E27FC236}">
-                <a16:creationId xmlns:a16="http://schemas.microsoft.com/office/drawing/2014/main" xmlns="" id="{BA86D370-9446-4C17-B6B6-C49901A6AD60}"/>
+                <a16:creationId xmlns:a16="http://schemas.microsoft.com/office/drawing/2014/main" id="{BA86D370-9446-4C17-B6B6-C49901A6AD60}"/>
               </a:ext>
             </a:extLst>
           </p:cNvPr>
@@ -25549,13 +25318,6 @@
   <p:clrMapOvr>
     <a:masterClrMapping/>
   </p:clrMapOvr>
-  <p:timing>
-    <p:tnLst>
-      <p:par>
-        <p:cTn id="1" dur="indefinite" restart="never" nodeType="tmRoot"/>
-      </p:par>
-    </p:tnLst>
-  </p:timing>
 </p:sld>
 </file>
 
@@ -25589,7 +25351,7 @@
           <p:cNvPr id="2" name="Title 1">
             <a:extLst>
               <a:ext uri="{FF2B5EF4-FFF2-40B4-BE49-F238E27FC236}">
-                <a16:creationId xmlns:a16="http://schemas.microsoft.com/office/drawing/2014/main" xmlns="" id="{64708F30-220A-49A3-8CDA-ED245F7F9D30}"/>
+                <a16:creationId xmlns:a16="http://schemas.microsoft.com/office/drawing/2014/main" id="{64708F30-220A-49A3-8CDA-ED245F7F9D30}"/>
               </a:ext>
             </a:extLst>
           </p:cNvPr>
@@ -25630,10 +25392,10 @@
           <p:cNvPr id="11" name="Rectangle 10">
             <a:extLst>
               <a:ext uri="{FF2B5EF4-FFF2-40B4-BE49-F238E27FC236}">
-                <a16:creationId xmlns:a16="http://schemas.microsoft.com/office/drawing/2014/main" xmlns="" id="{3FD711E9-7F79-40A9-8D9E-4AE293C154A5}"/>
+                <a16:creationId xmlns:a16="http://schemas.microsoft.com/office/drawing/2014/main" id="{3FD711E9-7F79-40A9-8D9E-4AE293C154A5}"/>
               </a:ext>
               <a:ext uri="{C183D7F6-B498-43B3-948B-1728B52AA6E4}">
-                <adec:decorative xmlns:adec="http://schemas.microsoft.com/office/drawing/2017/decorative" xmlns="" val="1"/>
+                <adec:decorative xmlns:adec="http://schemas.microsoft.com/office/drawing/2017/decorative" val="1"/>
               </a:ext>
             </a:extLst>
           </p:cNvPr>
@@ -25643,7 +25405,7 @@
           <p:nvPr>
             <p:extLst>
               <p:ext uri="{386F3935-93C4-4BCD-93E2-E3B085C9AB24}">
-                <p16:designElem xmlns:p16="http://schemas.microsoft.com/office/powerpoint/2015/main" xmlns="" val="1"/>
+                <p16:designElem xmlns:p16="http://schemas.microsoft.com/office/powerpoint/2015/main" val="1"/>
               </p:ext>
             </p:extLst>
           </p:nvPr>
@@ -25712,7 +25474,7 @@
           <p:cNvPr id="4" name="Slide Number Placeholder 3">
             <a:extLst>
               <a:ext uri="{FF2B5EF4-FFF2-40B4-BE49-F238E27FC236}">
-                <a16:creationId xmlns:a16="http://schemas.microsoft.com/office/drawing/2014/main" xmlns="" id="{4C6ADBB5-F093-43EC-A59C-732582C300EB}"/>
+                <a16:creationId xmlns:a16="http://schemas.microsoft.com/office/drawing/2014/main" id="{4C6ADBB5-F093-43EC-A59C-732582C300EB}"/>
               </a:ext>
             </a:extLst>
           </p:cNvPr>
@@ -25758,7 +25520,7 @@
           <p:cNvPr id="6" name="Content Placeholder 2">
             <a:extLst>
               <a:ext uri="{FF2B5EF4-FFF2-40B4-BE49-F238E27FC236}">
-                <a16:creationId xmlns:a16="http://schemas.microsoft.com/office/drawing/2014/main" xmlns="" id="{EC0F3C5D-82E6-45CF-B860-6486ABF7DA91}"/>
+                <a16:creationId xmlns:a16="http://schemas.microsoft.com/office/drawing/2014/main" id="{EC0F3C5D-82E6-45CF-B860-6486ABF7DA91}"/>
               </a:ext>
             </a:extLst>
           </p:cNvPr>
@@ -25794,13 +25556,6 @@
   <p:clrMapOvr>
     <a:masterClrMapping/>
   </p:clrMapOvr>
-  <p:timing>
-    <p:tnLst>
-      <p:par>
-        <p:cTn id="1" dur="indefinite" restart="never" nodeType="tmRoot"/>
-      </p:par>
-    </p:tnLst>
-  </p:timing>
 </p:sld>
 </file>
 
@@ -25865,10 +25620,10 @@
           <p:cNvPr id="11" name="Rectangle 10">
             <a:extLst>
               <a:ext uri="{FF2B5EF4-FFF2-40B4-BE49-F238E27FC236}">
-                <a16:creationId xmlns:a16="http://schemas.microsoft.com/office/drawing/2014/main" xmlns="" id="{3FD711E9-7F79-40A9-8D9E-4AE293C154A5}"/>
+                <a16:creationId xmlns:a16="http://schemas.microsoft.com/office/drawing/2014/main" id="{3FD711E9-7F79-40A9-8D9E-4AE293C154A5}"/>
               </a:ext>
               <a:ext uri="{C183D7F6-B498-43B3-948B-1728B52AA6E4}">
-                <adec:decorative xmlns:adec="http://schemas.microsoft.com/office/drawing/2017/decorative" xmlns="" val="1"/>
+                <adec:decorative xmlns:adec="http://schemas.microsoft.com/office/drawing/2017/decorative" val="1"/>
               </a:ext>
             </a:extLst>
           </p:cNvPr>
@@ -25878,7 +25633,7 @@
           <p:nvPr>
             <p:extLst>
               <p:ext uri="{386F3935-93C4-4BCD-93E2-E3B085C9AB24}">
-                <p16:designElem xmlns:p16="http://schemas.microsoft.com/office/powerpoint/2015/main" xmlns="" val="1"/>
+                <p16:designElem xmlns:p16="http://schemas.microsoft.com/office/powerpoint/2015/main" val="1"/>
               </p:ext>
             </p:extLst>
           </p:nvPr>
@@ -25987,7 +25742,7 @@
           <p:cNvPr id="6" name="Content Placeholder 2">
             <a:extLst>
               <a:ext uri="{FF2B5EF4-FFF2-40B4-BE49-F238E27FC236}">
-                <a16:creationId xmlns:a16="http://schemas.microsoft.com/office/drawing/2014/main" xmlns="" id="{A9D8E9A4-B308-4EE1-B695-D9C47C0D4F88}"/>
+                <a16:creationId xmlns:a16="http://schemas.microsoft.com/office/drawing/2014/main" id="{A9D8E9A4-B308-4EE1-B695-D9C47C0D4F88}"/>
               </a:ext>
             </a:extLst>
           </p:cNvPr>
@@ -26023,13 +25778,6 @@
   <p:clrMapOvr>
     <a:masterClrMapping/>
   </p:clrMapOvr>
-  <p:timing>
-    <p:tnLst>
-      <p:par>
-        <p:cTn id="1" dur="indefinite" restart="never" nodeType="tmRoot"/>
-      </p:par>
-    </p:tnLst>
-  </p:timing>
 </p:sld>
 </file>
 
@@ -26216,10 +25964,10 @@
           <p:cNvPr id="16" name="Rectangle 15">
             <a:extLst>
               <a:ext uri="{FF2B5EF4-FFF2-40B4-BE49-F238E27FC236}">
-                <a16:creationId xmlns:a16="http://schemas.microsoft.com/office/drawing/2014/main" xmlns="" id="{3FD711E9-7F79-40A9-8D9E-4AE293C154A5}"/>
+                <a16:creationId xmlns:a16="http://schemas.microsoft.com/office/drawing/2014/main" id="{3FD711E9-7F79-40A9-8D9E-4AE293C154A5}"/>
               </a:ext>
               <a:ext uri="{C183D7F6-B498-43B3-948B-1728B52AA6E4}">
-                <adec:decorative xmlns:adec="http://schemas.microsoft.com/office/drawing/2017/decorative" xmlns="" val="1"/>
+                <adec:decorative xmlns:adec="http://schemas.microsoft.com/office/drawing/2017/decorative" val="1"/>
               </a:ext>
             </a:extLst>
           </p:cNvPr>
@@ -26229,7 +25977,7 @@
           <p:nvPr>
             <p:extLst>
               <p:ext uri="{386F3935-93C4-4BCD-93E2-E3B085C9AB24}">
-                <p16:designElem xmlns:p16="http://schemas.microsoft.com/office/powerpoint/2015/main" xmlns="" val="1"/>
+                <p16:designElem xmlns:p16="http://schemas.microsoft.com/office/powerpoint/2015/main" val="1"/>
               </p:ext>
             </p:extLst>
           </p:nvPr>
@@ -26338,7 +26086,7 @@
           <p:cNvPr id="6" name="Content Placeholder 2">
             <a:extLst>
               <a:ext uri="{FF2B5EF4-FFF2-40B4-BE49-F238E27FC236}">
-                <a16:creationId xmlns:a16="http://schemas.microsoft.com/office/drawing/2014/main" xmlns="" id="{6358C9DB-7B63-4876-84D3-25AD0F9ED706}"/>
+                <a16:creationId xmlns:a16="http://schemas.microsoft.com/office/drawing/2014/main" id="{6358C9DB-7B63-4876-84D3-25AD0F9ED706}"/>
               </a:ext>
             </a:extLst>
           </p:cNvPr>
@@ -26566,10 +26314,10 @@
           <p:cNvPr id="11" name="Rectangle 10">
             <a:extLst>
               <a:ext uri="{FF2B5EF4-FFF2-40B4-BE49-F238E27FC236}">
-                <a16:creationId xmlns:a16="http://schemas.microsoft.com/office/drawing/2014/main" xmlns="" id="{3FD711E9-7F79-40A9-8D9E-4AE293C154A5}"/>
+                <a16:creationId xmlns:a16="http://schemas.microsoft.com/office/drawing/2014/main" id="{3FD711E9-7F79-40A9-8D9E-4AE293C154A5}"/>
               </a:ext>
               <a:ext uri="{C183D7F6-B498-43B3-948B-1728B52AA6E4}">
-                <adec:decorative xmlns:adec="http://schemas.microsoft.com/office/drawing/2017/decorative" xmlns="" val="1"/>
+                <adec:decorative xmlns:adec="http://schemas.microsoft.com/office/drawing/2017/decorative" val="1"/>
               </a:ext>
             </a:extLst>
           </p:cNvPr>
@@ -26579,7 +26327,7 @@
           <p:nvPr>
             <p:extLst>
               <p:ext uri="{386F3935-93C4-4BCD-93E2-E3B085C9AB24}">
-                <p16:designElem xmlns:p16="http://schemas.microsoft.com/office/powerpoint/2015/main" xmlns="" val="1"/>
+                <p16:designElem xmlns:p16="http://schemas.microsoft.com/office/powerpoint/2015/main" val="1"/>
               </p:ext>
             </p:extLst>
           </p:nvPr>
@@ -26688,7 +26436,7 @@
           <p:cNvPr id="6" name="Content Placeholder 2">
             <a:extLst>
               <a:ext uri="{FF2B5EF4-FFF2-40B4-BE49-F238E27FC236}">
-                <a16:creationId xmlns:a16="http://schemas.microsoft.com/office/drawing/2014/main" xmlns="" id="{09B1999A-2394-4784-A78A-D9DD6638CBB1}"/>
+                <a16:creationId xmlns:a16="http://schemas.microsoft.com/office/drawing/2014/main" id="{09B1999A-2394-4784-A78A-D9DD6638CBB1}"/>
               </a:ext>
             </a:extLst>
           </p:cNvPr>
@@ -26757,7 +26505,7 @@
           <p:cNvPr id="2" name="Title 1">
             <a:extLst>
               <a:ext uri="{FF2B5EF4-FFF2-40B4-BE49-F238E27FC236}">
-                <a16:creationId xmlns:a16="http://schemas.microsoft.com/office/drawing/2014/main" xmlns="" id="{5F3B14D9-550A-4603-AE2C-4A235FBBA816}"/>
+                <a16:creationId xmlns:a16="http://schemas.microsoft.com/office/drawing/2014/main" id="{5F3B14D9-550A-4603-AE2C-4A235FBBA816}"/>
               </a:ext>
             </a:extLst>
           </p:cNvPr>
@@ -26798,10 +26546,10 @@
           <p:cNvPr id="11" name="Rectangle 10">
             <a:extLst>
               <a:ext uri="{FF2B5EF4-FFF2-40B4-BE49-F238E27FC236}">
-                <a16:creationId xmlns:a16="http://schemas.microsoft.com/office/drawing/2014/main" xmlns="" id="{3FD711E9-7F79-40A9-8D9E-4AE293C154A5}"/>
+                <a16:creationId xmlns:a16="http://schemas.microsoft.com/office/drawing/2014/main" id="{3FD711E9-7F79-40A9-8D9E-4AE293C154A5}"/>
               </a:ext>
               <a:ext uri="{C183D7F6-B498-43B3-948B-1728B52AA6E4}">
-                <adec:decorative xmlns:adec="http://schemas.microsoft.com/office/drawing/2017/decorative" xmlns="" val="1"/>
+                <adec:decorative xmlns:adec="http://schemas.microsoft.com/office/drawing/2017/decorative" val="1"/>
               </a:ext>
             </a:extLst>
           </p:cNvPr>
@@ -26811,7 +26559,7 @@
           <p:nvPr>
             <p:extLst>
               <p:ext uri="{386F3935-93C4-4BCD-93E2-E3B085C9AB24}">
-                <p16:designElem xmlns:p16="http://schemas.microsoft.com/office/powerpoint/2015/main" xmlns="" val="1"/>
+                <p16:designElem xmlns:p16="http://schemas.microsoft.com/office/powerpoint/2015/main" val="1"/>
               </p:ext>
             </p:extLst>
           </p:nvPr>
@@ -26880,7 +26628,7 @@
           <p:cNvPr id="4" name="Slide Number Placeholder 3">
             <a:extLst>
               <a:ext uri="{FF2B5EF4-FFF2-40B4-BE49-F238E27FC236}">
-                <a16:creationId xmlns:a16="http://schemas.microsoft.com/office/drawing/2014/main" xmlns="" id="{4E707F7B-000B-4ECD-9B77-ECC0C1DD16DD}"/>
+                <a16:creationId xmlns:a16="http://schemas.microsoft.com/office/drawing/2014/main" id="{4E707F7B-000B-4ECD-9B77-ECC0C1DD16DD}"/>
               </a:ext>
             </a:extLst>
           </p:cNvPr>
@@ -26926,7 +26674,7 @@
           <p:cNvPr id="6" name="Content Placeholder 2">
             <a:extLst>
               <a:ext uri="{FF2B5EF4-FFF2-40B4-BE49-F238E27FC236}">
-                <a16:creationId xmlns:a16="http://schemas.microsoft.com/office/drawing/2014/main" xmlns="" id="{59A4307A-0181-4594-977B-4087C0CFBAF8}"/>
+                <a16:creationId xmlns:a16="http://schemas.microsoft.com/office/drawing/2014/main" id="{59A4307A-0181-4594-977B-4087C0CFBAF8}"/>
               </a:ext>
             </a:extLst>
           </p:cNvPr>
@@ -26995,7 +26743,7 @@
           <p:cNvPr id="2" name="Title 1">
             <a:extLst>
               <a:ext uri="{FF2B5EF4-FFF2-40B4-BE49-F238E27FC236}">
-                <a16:creationId xmlns:a16="http://schemas.microsoft.com/office/drawing/2014/main" xmlns="" id="{4DF4C6AB-EAC5-41E7-A3B5-A1D552590597}"/>
+                <a16:creationId xmlns:a16="http://schemas.microsoft.com/office/drawing/2014/main" id="{4DF4C6AB-EAC5-41E7-A3B5-A1D552590597}"/>
               </a:ext>
             </a:extLst>
           </p:cNvPr>
@@ -27032,10 +26780,10 @@
           <p:cNvPr id="11" name="Rectangle 10">
             <a:extLst>
               <a:ext uri="{FF2B5EF4-FFF2-40B4-BE49-F238E27FC236}">
-                <a16:creationId xmlns:a16="http://schemas.microsoft.com/office/drawing/2014/main" xmlns="" id="{3FD711E9-7F79-40A9-8D9E-4AE293C154A5}"/>
+                <a16:creationId xmlns:a16="http://schemas.microsoft.com/office/drawing/2014/main" id="{3FD711E9-7F79-40A9-8D9E-4AE293C154A5}"/>
               </a:ext>
               <a:ext uri="{C183D7F6-B498-43B3-948B-1728B52AA6E4}">
-                <adec:decorative xmlns:adec="http://schemas.microsoft.com/office/drawing/2017/decorative" xmlns="" val="1"/>
+                <adec:decorative xmlns:adec="http://schemas.microsoft.com/office/drawing/2017/decorative" val="1"/>
               </a:ext>
             </a:extLst>
           </p:cNvPr>
@@ -27045,7 +26793,7 @@
           <p:nvPr>
             <p:extLst>
               <p:ext uri="{386F3935-93C4-4BCD-93E2-E3B085C9AB24}">
-                <p16:designElem xmlns:p16="http://schemas.microsoft.com/office/powerpoint/2015/main" xmlns="" val="1"/>
+                <p16:designElem xmlns:p16="http://schemas.microsoft.com/office/powerpoint/2015/main" val="1"/>
               </p:ext>
             </p:extLst>
           </p:nvPr>
@@ -27114,7 +26862,7 @@
           <p:cNvPr id="4" name="Slide Number Placeholder 3">
             <a:extLst>
               <a:ext uri="{FF2B5EF4-FFF2-40B4-BE49-F238E27FC236}">
-                <a16:creationId xmlns:a16="http://schemas.microsoft.com/office/drawing/2014/main" xmlns="" id="{72C1E673-FCA4-48C9-8D56-03068F07EB13}"/>
+                <a16:creationId xmlns:a16="http://schemas.microsoft.com/office/drawing/2014/main" id="{72C1E673-FCA4-48C9-8D56-03068F07EB13}"/>
               </a:ext>
             </a:extLst>
           </p:cNvPr>
@@ -27160,7 +26908,7 @@
           <p:cNvPr id="6" name="Content Placeholder 2">
             <a:extLst>
               <a:ext uri="{FF2B5EF4-FFF2-40B4-BE49-F238E27FC236}">
-                <a16:creationId xmlns:a16="http://schemas.microsoft.com/office/drawing/2014/main" xmlns="" id="{7917F929-5E38-446A-8EA9-D8E60BEFEF5F}"/>
+                <a16:creationId xmlns:a16="http://schemas.microsoft.com/office/drawing/2014/main" id="{7917F929-5E38-446A-8EA9-D8E60BEFEF5F}"/>
               </a:ext>
             </a:extLst>
           </p:cNvPr>
@@ -27229,7 +26977,7 @@
           <p:cNvPr id="2" name="Title 1">
             <a:extLst>
               <a:ext uri="{FF2B5EF4-FFF2-40B4-BE49-F238E27FC236}">
-                <a16:creationId xmlns:a16="http://schemas.microsoft.com/office/drawing/2014/main" xmlns="" id="{3CFBC153-C83D-4D33-B185-F54768A9773C}"/>
+                <a16:creationId xmlns:a16="http://schemas.microsoft.com/office/drawing/2014/main" id="{3CFBC153-C83D-4D33-B185-F54768A9773C}"/>
               </a:ext>
             </a:extLst>
           </p:cNvPr>
@@ -27266,10 +27014,10 @@
           <p:cNvPr id="11" name="Rectangle 10">
             <a:extLst>
               <a:ext uri="{FF2B5EF4-FFF2-40B4-BE49-F238E27FC236}">
-                <a16:creationId xmlns:a16="http://schemas.microsoft.com/office/drawing/2014/main" xmlns="" id="{3FD711E9-7F79-40A9-8D9E-4AE293C154A5}"/>
+                <a16:creationId xmlns:a16="http://schemas.microsoft.com/office/drawing/2014/main" id="{3FD711E9-7F79-40A9-8D9E-4AE293C154A5}"/>
               </a:ext>
               <a:ext uri="{C183D7F6-B498-43B3-948B-1728B52AA6E4}">
-                <adec:decorative xmlns:adec="http://schemas.microsoft.com/office/drawing/2017/decorative" xmlns="" val="1"/>
+                <adec:decorative xmlns:adec="http://schemas.microsoft.com/office/drawing/2017/decorative" val="1"/>
               </a:ext>
             </a:extLst>
           </p:cNvPr>
@@ -27279,7 +27027,7 @@
           <p:nvPr>
             <p:extLst>
               <p:ext uri="{386F3935-93C4-4BCD-93E2-E3B085C9AB24}">
-                <p16:designElem xmlns:p16="http://schemas.microsoft.com/office/powerpoint/2015/main" xmlns="" val="1"/>
+                <p16:designElem xmlns:p16="http://schemas.microsoft.com/office/powerpoint/2015/main" val="1"/>
               </p:ext>
             </p:extLst>
           </p:nvPr>
@@ -27348,7 +27096,7 @@
           <p:cNvPr id="4" name="Slide Number Placeholder 3">
             <a:extLst>
               <a:ext uri="{FF2B5EF4-FFF2-40B4-BE49-F238E27FC236}">
-                <a16:creationId xmlns:a16="http://schemas.microsoft.com/office/drawing/2014/main" xmlns="" id="{8708F1DC-B020-4A80-95EC-488AA0E7D9A8}"/>
+                <a16:creationId xmlns:a16="http://schemas.microsoft.com/office/drawing/2014/main" id="{8708F1DC-B020-4A80-95EC-488AA0E7D9A8}"/>
               </a:ext>
             </a:extLst>
           </p:cNvPr>
@@ -27394,7 +27142,7 @@
           <p:cNvPr id="6" name="Content Placeholder 2">
             <a:extLst>
               <a:ext uri="{FF2B5EF4-FFF2-40B4-BE49-F238E27FC236}">
-                <a16:creationId xmlns:a16="http://schemas.microsoft.com/office/drawing/2014/main" xmlns="" id="{1644A831-BD86-4E9E-AE2D-C3E9B570085C}"/>
+                <a16:creationId xmlns:a16="http://schemas.microsoft.com/office/drawing/2014/main" id="{1644A831-BD86-4E9E-AE2D-C3E9B570085C}"/>
               </a:ext>
             </a:extLst>
           </p:cNvPr>
@@ -27430,13 +27178,6 @@
   <p:clrMapOvr>
     <a:masterClrMapping/>
   </p:clrMapOvr>
-  <p:timing>
-    <p:tnLst>
-      <p:par>
-        <p:cTn id="1" dur="indefinite" restart="never" nodeType="tmRoot"/>
-      </p:par>
-    </p:tnLst>
-  </p:timing>
 </p:sld>
 </file>
 
@@ -27470,10 +27211,10 @@
           <p:cNvPr id="30" name="Rectangle 29">
             <a:extLst>
               <a:ext uri="{FF2B5EF4-FFF2-40B4-BE49-F238E27FC236}">
-                <a16:creationId xmlns:a16="http://schemas.microsoft.com/office/drawing/2014/main" xmlns="" id="{E009DD9B-5EE2-4C0D-8B2B-351C8C102205}"/>
+                <a16:creationId xmlns:a16="http://schemas.microsoft.com/office/drawing/2014/main" id="{E009DD9B-5EE2-4C0D-8B2B-351C8C102205}"/>
               </a:ext>
               <a:ext uri="{C183D7F6-B498-43B3-948B-1728B52AA6E4}">
-                <adec:decorative xmlns:adec="http://schemas.microsoft.com/office/drawing/2017/decorative" xmlns="" val="1"/>
+                <adec:decorative xmlns:adec="http://schemas.microsoft.com/office/drawing/2017/decorative" val="1"/>
               </a:ext>
             </a:extLst>
           </p:cNvPr>
@@ -27483,7 +27224,7 @@
           <p:nvPr>
             <p:extLst>
               <p:ext uri="{386F3935-93C4-4BCD-93E2-E3B085C9AB24}">
-                <p16:designElem xmlns:p16="http://schemas.microsoft.com/office/powerpoint/2015/main" xmlns="" val="1"/>
+                <p16:designElem xmlns:p16="http://schemas.microsoft.com/office/powerpoint/2015/main" val="1"/>
               </p:ext>
             </p:extLst>
           </p:nvPr>
@@ -27559,7 +27300,7 @@
           <p:cNvPr id="6" name="Content Placeholder 5">
             <a:extLst>
               <a:ext uri="{FF2B5EF4-FFF2-40B4-BE49-F238E27FC236}">
-                <a16:creationId xmlns:a16="http://schemas.microsoft.com/office/drawing/2014/main" xmlns="" id="{17486647-9B91-42BC-8343-094BE0C96172}"/>
+                <a16:creationId xmlns:a16="http://schemas.microsoft.com/office/drawing/2014/main" id="{17486647-9B91-42BC-8343-094BE0C96172}"/>
               </a:ext>
             </a:extLst>
           </p:cNvPr>
@@ -27597,10 +27338,10 @@
           <p:cNvPr id="32" name="Rectangle 31">
             <a:extLst>
               <a:ext uri="{FF2B5EF4-FFF2-40B4-BE49-F238E27FC236}">
-                <a16:creationId xmlns:a16="http://schemas.microsoft.com/office/drawing/2014/main" xmlns="" id="{E720DB99-7745-4E75-9D96-AAB6D55C531E}"/>
+                <a16:creationId xmlns:a16="http://schemas.microsoft.com/office/drawing/2014/main" id="{E720DB99-7745-4E75-9D96-AAB6D55C531E}"/>
               </a:ext>
               <a:ext uri="{C183D7F6-B498-43B3-948B-1728B52AA6E4}">
-                <adec:decorative xmlns:adec="http://schemas.microsoft.com/office/drawing/2017/decorative" xmlns="" val="1"/>
+                <adec:decorative xmlns:adec="http://schemas.microsoft.com/office/drawing/2017/decorative" val="1"/>
               </a:ext>
             </a:extLst>
           </p:cNvPr>
@@ -27610,7 +27351,7 @@
           <p:nvPr>
             <p:extLst>
               <p:ext uri="{386F3935-93C4-4BCD-93E2-E3B085C9AB24}">
-                <p16:designElem xmlns:p16="http://schemas.microsoft.com/office/powerpoint/2015/main" xmlns="" val="1"/>
+                <p16:designElem xmlns:p16="http://schemas.microsoft.com/office/powerpoint/2015/main" val="1"/>
               </p:ext>
             </p:extLst>
           </p:nvPr>
@@ -27671,10 +27412,10 @@
           <p:cNvPr id="34" name="Rectangle 33">
             <a:extLst>
               <a:ext uri="{FF2B5EF4-FFF2-40B4-BE49-F238E27FC236}">
-                <a16:creationId xmlns:a16="http://schemas.microsoft.com/office/drawing/2014/main" xmlns="" id="{D68803C4-E159-4360-B7BB-74205C8F782D}"/>
+                <a16:creationId xmlns:a16="http://schemas.microsoft.com/office/drawing/2014/main" id="{D68803C4-E159-4360-B7BB-74205C8F782D}"/>
               </a:ext>
               <a:ext uri="{C183D7F6-B498-43B3-948B-1728B52AA6E4}">
-                <adec:decorative xmlns:adec="http://schemas.microsoft.com/office/drawing/2017/decorative" xmlns="" val="1"/>
+                <adec:decorative xmlns:adec="http://schemas.microsoft.com/office/drawing/2017/decorative" val="1"/>
               </a:ext>
             </a:extLst>
           </p:cNvPr>
@@ -27684,7 +27425,7 @@
           <p:nvPr>
             <p:extLst>
               <p:ext uri="{386F3935-93C4-4BCD-93E2-E3B085C9AB24}">
-                <p16:designElem xmlns:p16="http://schemas.microsoft.com/office/powerpoint/2015/main" xmlns="" val="1"/>
+                <p16:designElem xmlns:p16="http://schemas.microsoft.com/office/powerpoint/2015/main" val="1"/>
               </p:ext>
             </p:extLst>
           </p:nvPr>
@@ -27745,7 +27486,7 @@
           <p:cNvPr id="2" name="Title 1">
             <a:extLst>
               <a:ext uri="{FF2B5EF4-FFF2-40B4-BE49-F238E27FC236}">
-                <a16:creationId xmlns:a16="http://schemas.microsoft.com/office/drawing/2014/main" xmlns="" id="{34D6937F-1795-4A26-A086-A7E90E3686E0}"/>
+                <a16:creationId xmlns:a16="http://schemas.microsoft.com/office/drawing/2014/main" id="{34D6937F-1795-4A26-A086-A7E90E3686E0}"/>
               </a:ext>
             </a:extLst>
           </p:cNvPr>
@@ -27785,7 +27526,7 @@
           <p:cNvPr id="5" name="Picture 4">
             <a:extLst>
               <a:ext uri="{FF2B5EF4-FFF2-40B4-BE49-F238E27FC236}">
-                <a16:creationId xmlns:a16="http://schemas.microsoft.com/office/drawing/2014/main" xmlns="" id="{935AA644-CB53-40D8-A49C-5D27BC1551B3}"/>
+                <a16:creationId xmlns:a16="http://schemas.microsoft.com/office/drawing/2014/main" id="{935AA644-CB53-40D8-A49C-5D27BC1551B3}"/>
               </a:ext>
             </a:extLst>
           </p:cNvPr>
@@ -27821,7 +27562,7 @@
           <p:cNvPr id="7" name="TextBox 6">
             <a:extLst>
               <a:ext uri="{FF2B5EF4-FFF2-40B4-BE49-F238E27FC236}">
-                <a16:creationId xmlns:a16="http://schemas.microsoft.com/office/drawing/2014/main" xmlns="" id="{3CE34ECB-BBCC-4298-ADD7-E9AA474BCF5D}"/>
+                <a16:creationId xmlns:a16="http://schemas.microsoft.com/office/drawing/2014/main" id="{3CE34ECB-BBCC-4298-ADD7-E9AA474BCF5D}"/>
               </a:ext>
             </a:extLst>
           </p:cNvPr>
@@ -27918,10 +27659,10 @@
           <p:cNvPr id="36" name="Rectangle 35">
             <a:extLst>
               <a:ext uri="{FF2B5EF4-FFF2-40B4-BE49-F238E27FC236}">
-                <a16:creationId xmlns:a16="http://schemas.microsoft.com/office/drawing/2014/main" xmlns="" id="{504B0465-3B07-49BF-BEA7-D81476246293}"/>
+                <a16:creationId xmlns:a16="http://schemas.microsoft.com/office/drawing/2014/main" id="{504B0465-3B07-49BF-BEA7-D81476246293}"/>
               </a:ext>
               <a:ext uri="{C183D7F6-B498-43B3-948B-1728B52AA6E4}">
-                <adec:decorative xmlns:adec="http://schemas.microsoft.com/office/drawing/2017/decorative" xmlns="" val="1"/>
+                <adec:decorative xmlns:adec="http://schemas.microsoft.com/office/drawing/2017/decorative" val="1"/>
               </a:ext>
             </a:extLst>
           </p:cNvPr>
@@ -27931,7 +27672,7 @@
           <p:nvPr>
             <p:extLst>
               <p:ext uri="{386F3935-93C4-4BCD-93E2-E3B085C9AB24}">
-                <p16:designElem xmlns:p16="http://schemas.microsoft.com/office/powerpoint/2015/main" xmlns="" val="1"/>
+                <p16:designElem xmlns:p16="http://schemas.microsoft.com/office/powerpoint/2015/main" val="1"/>
               </p:ext>
             </p:extLst>
           </p:nvPr>
@@ -27992,10 +27733,10 @@
           <p:cNvPr id="38" name="Oval 37">
             <a:extLst>
               <a:ext uri="{FF2B5EF4-FFF2-40B4-BE49-F238E27FC236}">
-                <a16:creationId xmlns:a16="http://schemas.microsoft.com/office/drawing/2014/main" xmlns="" id="{49B7FFA5-14CB-4A4F-9BCC-CA3AA5D9D276}"/>
+                <a16:creationId xmlns:a16="http://schemas.microsoft.com/office/drawing/2014/main" id="{49B7FFA5-14CB-4A4F-9BCC-CA3AA5D9D276}"/>
               </a:ext>
               <a:ext uri="{C183D7F6-B498-43B3-948B-1728B52AA6E4}">
-                <adec:decorative xmlns:adec="http://schemas.microsoft.com/office/drawing/2017/decorative" xmlns="" val="1"/>
+                <adec:decorative xmlns:adec="http://schemas.microsoft.com/office/drawing/2017/decorative" val="1"/>
               </a:ext>
             </a:extLst>
           </p:cNvPr>
@@ -28005,7 +27746,7 @@
           <p:nvPr>
             <p:extLst>
               <p:ext uri="{386F3935-93C4-4BCD-93E2-E3B085C9AB24}">
-                <p16:designElem xmlns:p16="http://schemas.microsoft.com/office/powerpoint/2015/main" xmlns="" val="1"/>
+                <p16:designElem xmlns:p16="http://schemas.microsoft.com/office/powerpoint/2015/main" val="1"/>
               </p:ext>
             </p:extLst>
           </p:nvPr>
@@ -28080,10 +27821,10 @@
           <p:cNvPr id="40" name="Oval 39">
             <a:extLst>
               <a:ext uri="{FF2B5EF4-FFF2-40B4-BE49-F238E27FC236}">
-                <a16:creationId xmlns:a16="http://schemas.microsoft.com/office/drawing/2014/main" xmlns="" id="{04E48745-7512-4EC2-9E20-9092D12150CA}"/>
+                <a16:creationId xmlns:a16="http://schemas.microsoft.com/office/drawing/2014/main" id="{04E48745-7512-4EC2-9E20-9092D12150CA}"/>
               </a:ext>
               <a:ext uri="{C183D7F6-B498-43B3-948B-1728B52AA6E4}">
-                <adec:decorative xmlns:adec="http://schemas.microsoft.com/office/drawing/2017/decorative" xmlns="" val="1"/>
+                <adec:decorative xmlns:adec="http://schemas.microsoft.com/office/drawing/2017/decorative" val="1"/>
               </a:ext>
             </a:extLst>
           </p:cNvPr>
@@ -28093,7 +27834,7 @@
           <p:nvPr>
             <p:extLst>
               <p:ext uri="{386F3935-93C4-4BCD-93E2-E3B085C9AB24}">
-                <p16:designElem xmlns:p16="http://schemas.microsoft.com/office/powerpoint/2015/main" xmlns="" val="1"/>
+                <p16:designElem xmlns:p16="http://schemas.microsoft.com/office/powerpoint/2015/main" val="1"/>
               </p:ext>
             </p:extLst>
           </p:nvPr>
@@ -28158,7 +27899,7 @@
           <p:cNvPr id="4" name="Slide Number Placeholder 3">
             <a:extLst>
               <a:ext uri="{FF2B5EF4-FFF2-40B4-BE49-F238E27FC236}">
-                <a16:creationId xmlns:a16="http://schemas.microsoft.com/office/drawing/2014/main" xmlns="" id="{1DB4C6C8-2288-40CD-A066-D74671E2E586}"/>
+                <a16:creationId xmlns:a16="http://schemas.microsoft.com/office/drawing/2014/main" id="{1DB4C6C8-2288-40CD-A066-D74671E2E586}"/>
               </a:ext>
             </a:extLst>
           </p:cNvPr>
@@ -28213,13 +27954,6 @@
   <p:clrMapOvr>
     <a:masterClrMapping/>
   </p:clrMapOvr>
-  <p:timing>
-    <p:tnLst>
-      <p:par>
-        <p:cTn id="1" dur="indefinite" restart="never" nodeType="tmRoot"/>
-      </p:par>
-    </p:tnLst>
-  </p:timing>
 </p:sld>
 </file>
 
@@ -28253,10 +27987,10 @@
           <p:cNvPr id="27" name="Rectangle 26">
             <a:extLst>
               <a:ext uri="{FF2B5EF4-FFF2-40B4-BE49-F238E27FC236}">
-                <a16:creationId xmlns:a16="http://schemas.microsoft.com/office/drawing/2014/main" xmlns="" id="{E009DD9B-5EE2-4C0D-8B2B-351C8C102205}"/>
+                <a16:creationId xmlns:a16="http://schemas.microsoft.com/office/drawing/2014/main" id="{E009DD9B-5EE2-4C0D-8B2B-351C8C102205}"/>
               </a:ext>
               <a:ext uri="{C183D7F6-B498-43B3-948B-1728B52AA6E4}">
-                <adec:decorative xmlns:adec="http://schemas.microsoft.com/office/drawing/2017/decorative" xmlns="" val="1"/>
+                <adec:decorative xmlns:adec="http://schemas.microsoft.com/office/drawing/2017/decorative" val="1"/>
               </a:ext>
             </a:extLst>
           </p:cNvPr>
@@ -28266,7 +28000,7 @@
           <p:nvPr>
             <p:extLst>
               <p:ext uri="{386F3935-93C4-4BCD-93E2-E3B085C9AB24}">
-                <p16:designElem xmlns:p16="http://schemas.microsoft.com/office/powerpoint/2015/main" xmlns="" val="1"/>
+                <p16:designElem xmlns:p16="http://schemas.microsoft.com/office/powerpoint/2015/main" val="1"/>
               </p:ext>
             </p:extLst>
           </p:nvPr>
@@ -28342,10 +28076,10 @@
           <p:cNvPr id="29" name="Rectangle 28">
             <a:extLst>
               <a:ext uri="{FF2B5EF4-FFF2-40B4-BE49-F238E27FC236}">
-                <a16:creationId xmlns:a16="http://schemas.microsoft.com/office/drawing/2014/main" xmlns="" id="{E720DB99-7745-4E75-9D96-AAB6D55C531E}"/>
+                <a16:creationId xmlns:a16="http://schemas.microsoft.com/office/drawing/2014/main" id="{E720DB99-7745-4E75-9D96-AAB6D55C531E}"/>
               </a:ext>
               <a:ext uri="{C183D7F6-B498-43B3-948B-1728B52AA6E4}">
-                <adec:decorative xmlns:adec="http://schemas.microsoft.com/office/drawing/2017/decorative" xmlns="" val="1"/>
+                <adec:decorative xmlns:adec="http://schemas.microsoft.com/office/drawing/2017/decorative" val="1"/>
               </a:ext>
             </a:extLst>
           </p:cNvPr>
@@ -28355,7 +28089,7 @@
           <p:nvPr>
             <p:extLst>
               <p:ext uri="{386F3935-93C4-4BCD-93E2-E3B085C9AB24}">
-                <p16:designElem xmlns:p16="http://schemas.microsoft.com/office/powerpoint/2015/main" xmlns="" val="1"/>
+                <p16:designElem xmlns:p16="http://schemas.microsoft.com/office/powerpoint/2015/main" val="1"/>
               </p:ext>
             </p:extLst>
           </p:nvPr>
@@ -28416,10 +28150,10 @@
           <p:cNvPr id="31" name="Rectangle 30">
             <a:extLst>
               <a:ext uri="{FF2B5EF4-FFF2-40B4-BE49-F238E27FC236}">
-                <a16:creationId xmlns:a16="http://schemas.microsoft.com/office/drawing/2014/main" xmlns="" id="{D68803C4-E159-4360-B7BB-74205C8F782D}"/>
+                <a16:creationId xmlns:a16="http://schemas.microsoft.com/office/drawing/2014/main" id="{D68803C4-E159-4360-B7BB-74205C8F782D}"/>
               </a:ext>
               <a:ext uri="{C183D7F6-B498-43B3-948B-1728B52AA6E4}">
-                <adec:decorative xmlns:adec="http://schemas.microsoft.com/office/drawing/2017/decorative" xmlns="" val="1"/>
+                <adec:decorative xmlns:adec="http://schemas.microsoft.com/office/drawing/2017/decorative" val="1"/>
               </a:ext>
             </a:extLst>
           </p:cNvPr>
@@ -28429,7 +28163,7 @@
           <p:nvPr>
             <p:extLst>
               <p:ext uri="{386F3935-93C4-4BCD-93E2-E3B085C9AB24}">
-                <p16:designElem xmlns:p16="http://schemas.microsoft.com/office/powerpoint/2015/main" xmlns="" val="1"/>
+                <p16:designElem xmlns:p16="http://schemas.microsoft.com/office/powerpoint/2015/main" val="1"/>
               </p:ext>
             </p:extLst>
           </p:nvPr>
@@ -28524,7 +28258,7 @@
           <p:cNvPr id="8" name="Picture 7">
             <a:extLst>
               <a:ext uri="{FF2B5EF4-FFF2-40B4-BE49-F238E27FC236}">
-                <a16:creationId xmlns:a16="http://schemas.microsoft.com/office/drawing/2014/main" xmlns="" id="{AA6F2317-976C-4AA9-8F3A-E1A1BB8D92F4}"/>
+                <a16:creationId xmlns:a16="http://schemas.microsoft.com/office/drawing/2014/main" id="{AA6F2317-976C-4AA9-8F3A-E1A1BB8D92F4}"/>
               </a:ext>
             </a:extLst>
           </p:cNvPr>
@@ -28560,7 +28294,7 @@
           <p:cNvPr id="9" name="TextBox 8">
             <a:extLst>
               <a:ext uri="{FF2B5EF4-FFF2-40B4-BE49-F238E27FC236}">
-                <a16:creationId xmlns:a16="http://schemas.microsoft.com/office/drawing/2014/main" xmlns="" id="{B8CA411E-9A70-468F-8311-B6B05957C2A3}"/>
+                <a16:creationId xmlns:a16="http://schemas.microsoft.com/office/drawing/2014/main" id="{B8CA411E-9A70-468F-8311-B6B05957C2A3}"/>
               </a:ext>
             </a:extLst>
           </p:cNvPr>
@@ -28599,7 +28333,7 @@
               <a:buChar char="§"/>
             </a:pPr>
             <a:r>
-              <a:rPr lang="en-US" sz="2000" noProof="1">
+              <a:rPr lang="en-US" sz="2400" noProof="1">
                 <a:latin typeface="+mj-lt"/>
               </a:rPr>
               <a:t>Comenzi pentru deplasare</a:t>
@@ -28623,7 +28357,7 @@
               <a:buChar char="§"/>
             </a:pPr>
             <a:r>
-              <a:rPr lang="en-US" sz="2000" noProof="1">
+              <a:rPr lang="en-US" sz="2400" noProof="1">
                 <a:latin typeface="+mj-lt"/>
               </a:rPr>
               <a:t>Comenzi pentru șut</a:t>
@@ -28647,34 +28381,10 @@
               <a:buChar char="§"/>
             </a:pPr>
             <a:r>
-              <a:rPr lang="en-US" sz="2000" noProof="1">
+              <a:rPr lang="en-US" sz="2400" noProof="1">
                 <a:latin typeface="+mj-lt"/>
               </a:rPr>
               <a:t>Comandă pentru schimbarea modului de control</a:t>
-            </a:r>
-          </a:p>
-          <a:p>
-            <a:pPr marL="285750" indent="-182880" defTabSz="914400">
-              <a:lnSpc>
-                <a:spcPct val="90000"/>
-              </a:lnSpc>
-              <a:spcAft>
-                <a:spcPts val="600"/>
-              </a:spcAft>
-              <a:buClr>
-                <a:schemeClr val="accent1">
-                  <a:lumMod val="75000"/>
-                </a:schemeClr>
-              </a:buClr>
-              <a:buSzPct val="85000"/>
-              <a:buFont typeface="Wingdings" pitchFamily="2" charset="2"/>
-              <a:buChar char="§"/>
-            </a:pPr>
-            <a:r>
-              <a:rPr lang="en-US" sz="2000" noProof="1">
-                <a:latin typeface="+mj-lt"/>
-              </a:rPr>
-              <a:t>Vizualizare finalizare comenzi</a:t>
             </a:r>
           </a:p>
         </p:txBody>
@@ -28684,10 +28394,10 @@
           <p:cNvPr id="33" name="Rectangle 32">
             <a:extLst>
               <a:ext uri="{FF2B5EF4-FFF2-40B4-BE49-F238E27FC236}">
-                <a16:creationId xmlns:a16="http://schemas.microsoft.com/office/drawing/2014/main" xmlns="" id="{504B0465-3B07-49BF-BEA7-D81476246293}"/>
+                <a16:creationId xmlns:a16="http://schemas.microsoft.com/office/drawing/2014/main" id="{504B0465-3B07-49BF-BEA7-D81476246293}"/>
               </a:ext>
               <a:ext uri="{C183D7F6-B498-43B3-948B-1728B52AA6E4}">
-                <adec:decorative xmlns:adec="http://schemas.microsoft.com/office/drawing/2017/decorative" xmlns="" val="1"/>
+                <adec:decorative xmlns:adec="http://schemas.microsoft.com/office/drawing/2017/decorative" val="1"/>
               </a:ext>
             </a:extLst>
           </p:cNvPr>
@@ -28697,7 +28407,7 @@
           <p:nvPr>
             <p:extLst>
               <p:ext uri="{386F3935-93C4-4BCD-93E2-E3B085C9AB24}">
-                <p16:designElem xmlns:p16="http://schemas.microsoft.com/office/powerpoint/2015/main" xmlns="" val="1"/>
+                <p16:designElem xmlns:p16="http://schemas.microsoft.com/office/powerpoint/2015/main" val="1"/>
               </p:ext>
             </p:extLst>
           </p:nvPr>
@@ -28758,10 +28468,10 @@
           <p:cNvPr id="35" name="Oval 34">
             <a:extLst>
               <a:ext uri="{FF2B5EF4-FFF2-40B4-BE49-F238E27FC236}">
-                <a16:creationId xmlns:a16="http://schemas.microsoft.com/office/drawing/2014/main" xmlns="" id="{49B7FFA5-14CB-4A4F-9BCC-CA3AA5D9D276}"/>
+                <a16:creationId xmlns:a16="http://schemas.microsoft.com/office/drawing/2014/main" id="{49B7FFA5-14CB-4A4F-9BCC-CA3AA5D9D276}"/>
               </a:ext>
               <a:ext uri="{C183D7F6-B498-43B3-948B-1728B52AA6E4}">
-                <adec:decorative xmlns:adec="http://schemas.microsoft.com/office/drawing/2017/decorative" xmlns="" val="1"/>
+                <adec:decorative xmlns:adec="http://schemas.microsoft.com/office/drawing/2017/decorative" val="1"/>
               </a:ext>
             </a:extLst>
           </p:cNvPr>
@@ -28771,7 +28481,7 @@
           <p:nvPr>
             <p:extLst>
               <p:ext uri="{386F3935-93C4-4BCD-93E2-E3B085C9AB24}">
-                <p16:designElem xmlns:p16="http://schemas.microsoft.com/office/powerpoint/2015/main" xmlns="" val="1"/>
+                <p16:designElem xmlns:p16="http://schemas.microsoft.com/office/powerpoint/2015/main" val="1"/>
               </p:ext>
             </p:extLst>
           </p:nvPr>
@@ -28846,10 +28556,10 @@
           <p:cNvPr id="37" name="Oval 36">
             <a:extLst>
               <a:ext uri="{FF2B5EF4-FFF2-40B4-BE49-F238E27FC236}">
-                <a16:creationId xmlns:a16="http://schemas.microsoft.com/office/drawing/2014/main" xmlns="" id="{04E48745-7512-4EC2-9E20-9092D12150CA}"/>
+                <a16:creationId xmlns:a16="http://schemas.microsoft.com/office/drawing/2014/main" id="{04E48745-7512-4EC2-9E20-9092D12150CA}"/>
               </a:ext>
               <a:ext uri="{C183D7F6-B498-43B3-948B-1728B52AA6E4}">
-                <adec:decorative xmlns:adec="http://schemas.microsoft.com/office/drawing/2017/decorative" xmlns="" val="1"/>
+                <adec:decorative xmlns:adec="http://schemas.microsoft.com/office/drawing/2017/decorative" val="1"/>
               </a:ext>
             </a:extLst>
           </p:cNvPr>
@@ -28859,7 +28569,7 @@
           <p:nvPr>
             <p:extLst>
               <p:ext uri="{386F3935-93C4-4BCD-93E2-E3B085C9AB24}">
-                <p16:designElem xmlns:p16="http://schemas.microsoft.com/office/powerpoint/2015/main" xmlns="" val="1"/>
+                <p16:designElem xmlns:p16="http://schemas.microsoft.com/office/powerpoint/2015/main" val="1"/>
               </p:ext>
             </p:extLst>
           </p:nvPr>
@@ -29002,13 +28712,6 @@
   <p:clrMapOvr>
     <a:masterClrMapping/>
   </p:clrMapOvr>
-  <p:timing>
-    <p:tnLst>
-      <p:par>
-        <p:cTn id="1" dur="indefinite" restart="never" nodeType="tmRoot"/>
-      </p:par>
-    </p:tnLst>
-  </p:timing>
 </p:sld>
 </file>
 
@@ -29233,7 +28936,7 @@
   <a:extraClrSchemeLst/>
   <a:extLst>
     <a:ext uri="{05A4C25C-085E-4340-85A3-A5531E510DB2}">
-      <thm15:themeFamily xmlns:thm15="http://schemas.microsoft.com/office/thememl/2012/main" xmlns="" name="Wood Type" id="{7ACABC62-BF99-48CF-A9DC-4DB89C7B13DC}" vid="{142A1326-48AB-42A9-8428-CB14AA30176D}"/>
+      <thm15:themeFamily xmlns:thm15="http://schemas.microsoft.com/office/thememl/2012/main" name="Wood Type" id="{7ACABC62-BF99-48CF-A9DC-4DB89C7B13DC}" vid="{142A1326-48AB-42A9-8428-CB14AA30176D}"/>
     </a:ext>
   </a:extLst>
 </a:theme>

--- a/ROBOTINHO2.pptx
+++ b/ROBOTINHO2.pptx
@@ -27601,7 +27601,7 @@
               <a:buChar char="§"/>
             </a:pPr>
             <a:r>
-              <a:rPr lang="en-US" sz="2900" noProof="1">
+              <a:rPr lang="en-US" sz="2400" noProof="1">
                 <a:latin typeface="+mj-lt"/>
               </a:rPr>
               <a:t>Mișcare în lateral</a:t>
@@ -27624,7 +27624,32 @@
               <a:buFont typeface="Wingdings" pitchFamily="2" charset="2"/>
               <a:buChar char="§"/>
             </a:pPr>
-            <a:endParaRPr lang="en-US" sz="2000" noProof="1">
+            <a:r>
+              <a:rPr lang="en-US" sz="2400" noProof="1">
+                <a:latin typeface="+mj-lt"/>
+              </a:rPr>
+              <a:t>Întoarcere 90° stânga</a:t>
+            </a:r>
+            <a:endParaRPr lang="ro-RO" sz="2400" noProof="1">
+              <a:latin typeface="+mj-lt"/>
+            </a:endParaRPr>
+          </a:p>
+          <a:p>
+            <a:pPr marL="102870" defTabSz="914400">
+              <a:lnSpc>
+                <a:spcPct val="90000"/>
+              </a:lnSpc>
+              <a:spcAft>
+                <a:spcPts val="600"/>
+              </a:spcAft>
+              <a:buClr>
+                <a:schemeClr val="accent1">
+                  <a:lumMod val="75000"/>
+                </a:schemeClr>
+              </a:buClr>
+              <a:buSzPct val="85000"/>
+            </a:pPr>
+            <a:endParaRPr lang="ro-RO" sz="2400" noProof="1">
               <a:latin typeface="+mj-lt"/>
             </a:endParaRPr>
           </a:p>
@@ -27646,11 +27671,14 @@
               <a:buChar char="§"/>
             </a:pPr>
             <a:r>
-              <a:rPr lang="en-US" sz="2900" noProof="1">
+              <a:rPr lang="ro-RO" sz="2400" noProof="1">
                 <a:latin typeface="+mj-lt"/>
               </a:rPr>
-              <a:t>Întoarcere 90° stânga</a:t>
+              <a:t>#18 P1500 T500</a:t>
             </a:r>
+            <a:endParaRPr lang="en-US" sz="2400" noProof="1">
+              <a:latin typeface="+mj-lt"/>
+            </a:endParaRPr>
           </a:p>
         </p:txBody>
       </p:sp>

--- a/ROBOTINHO2.pptx
+++ b/ROBOTINHO2.pptx
@@ -5,22 +5,24 @@
     <p:sldMasterId id="2147483672" r:id="rId1"/>
   </p:sldMasterIdLst>
   <p:notesMasterIdLst>
-    <p:notesMasterId r:id="rId15"/>
+    <p:notesMasterId r:id="rId17"/>
   </p:notesMasterIdLst>
   <p:sldIdLst>
     <p:sldId id="256" r:id="rId2"/>
     <p:sldId id="257" r:id="rId3"/>
-    <p:sldId id="258" r:id="rId4"/>
-    <p:sldId id="259" r:id="rId5"/>
-    <p:sldId id="265" r:id="rId6"/>
-    <p:sldId id="268" r:id="rId7"/>
-    <p:sldId id="267" r:id="rId8"/>
-    <p:sldId id="264" r:id="rId9"/>
-    <p:sldId id="261" r:id="rId10"/>
-    <p:sldId id="262" r:id="rId11"/>
-    <p:sldId id="266" r:id="rId12"/>
-    <p:sldId id="260" r:id="rId13"/>
-    <p:sldId id="263" r:id="rId14"/>
+    <p:sldId id="269" r:id="rId4"/>
+    <p:sldId id="258" r:id="rId5"/>
+    <p:sldId id="259" r:id="rId6"/>
+    <p:sldId id="265" r:id="rId7"/>
+    <p:sldId id="268" r:id="rId8"/>
+    <p:sldId id="267" r:id="rId9"/>
+    <p:sldId id="264" r:id="rId10"/>
+    <p:sldId id="261" r:id="rId11"/>
+    <p:sldId id="262" r:id="rId12"/>
+    <p:sldId id="270" r:id="rId13"/>
+    <p:sldId id="266" r:id="rId14"/>
+    <p:sldId id="260" r:id="rId15"/>
+    <p:sldId id="263" r:id="rId16"/>
   </p:sldIdLst>
   <p:sldSz cx="9144000" cy="6858000" type="screen4x3"/>
   <p:notesSz cx="6858000" cy="9144000"/>
@@ -4968,6 +4970,753 @@
 </file>
 
 <file path=ppt/diagrams/colors7.xml><?xml version="1.0" encoding="utf-8"?>
+<dgm:colorsDef xmlns:dgm="http://schemas.openxmlformats.org/drawingml/2006/diagram" xmlns:a="http://schemas.openxmlformats.org/drawingml/2006/main" uniqueId="urn:microsoft.com/office/officeart/2005/8/colors/accent2_2">
+  <dgm:title val=""/>
+  <dgm:desc val=""/>
+  <dgm:catLst>
+    <dgm:cat type="accent2" pri="11200"/>
+  </dgm:catLst>
+  <dgm:styleLbl name="node0">
+    <dgm:fillClrLst meth="repeat">
+      <a:schemeClr val="accent2"/>
+    </dgm:fillClrLst>
+    <dgm:linClrLst meth="repeat">
+      <a:schemeClr val="lt1"/>
+    </dgm:linClrLst>
+    <dgm:effectClrLst/>
+    <dgm:txLinClrLst/>
+    <dgm:txFillClrLst/>
+    <dgm:txEffectClrLst/>
+  </dgm:styleLbl>
+  <dgm:styleLbl name="node1">
+    <dgm:fillClrLst meth="repeat">
+      <a:schemeClr val="accent2"/>
+    </dgm:fillClrLst>
+    <dgm:linClrLst meth="repeat">
+      <a:schemeClr val="lt1"/>
+    </dgm:linClrLst>
+    <dgm:effectClrLst/>
+    <dgm:txLinClrLst/>
+    <dgm:txFillClrLst/>
+    <dgm:txEffectClrLst/>
+  </dgm:styleLbl>
+  <dgm:styleLbl name="alignNode1">
+    <dgm:fillClrLst meth="repeat">
+      <a:schemeClr val="accent2"/>
+    </dgm:fillClrLst>
+    <dgm:linClrLst meth="repeat">
+      <a:schemeClr val="accent2"/>
+    </dgm:linClrLst>
+    <dgm:effectClrLst/>
+    <dgm:txLinClrLst/>
+    <dgm:txFillClrLst/>
+    <dgm:txEffectClrLst/>
+  </dgm:styleLbl>
+  <dgm:styleLbl name="lnNode1">
+    <dgm:fillClrLst meth="repeat">
+      <a:schemeClr val="accent2"/>
+    </dgm:fillClrLst>
+    <dgm:linClrLst meth="repeat">
+      <a:schemeClr val="lt1"/>
+    </dgm:linClrLst>
+    <dgm:effectClrLst/>
+    <dgm:txLinClrLst/>
+    <dgm:txFillClrLst/>
+    <dgm:txEffectClrLst/>
+  </dgm:styleLbl>
+  <dgm:styleLbl name="vennNode1">
+    <dgm:fillClrLst meth="repeat">
+      <a:schemeClr val="accent2">
+        <a:alpha val="50000"/>
+      </a:schemeClr>
+    </dgm:fillClrLst>
+    <dgm:linClrLst meth="repeat">
+      <a:schemeClr val="lt1"/>
+    </dgm:linClrLst>
+    <dgm:effectClrLst/>
+    <dgm:txLinClrLst/>
+    <dgm:txFillClrLst/>
+    <dgm:txEffectClrLst/>
+  </dgm:styleLbl>
+  <dgm:styleLbl name="node2">
+    <dgm:fillClrLst meth="repeat">
+      <a:schemeClr val="accent2"/>
+    </dgm:fillClrLst>
+    <dgm:linClrLst meth="repeat">
+      <a:schemeClr val="lt1"/>
+    </dgm:linClrLst>
+    <dgm:effectClrLst/>
+    <dgm:txLinClrLst/>
+    <dgm:txFillClrLst/>
+    <dgm:txEffectClrLst/>
+  </dgm:styleLbl>
+  <dgm:styleLbl name="node3">
+    <dgm:fillClrLst meth="repeat">
+      <a:schemeClr val="accent2"/>
+    </dgm:fillClrLst>
+    <dgm:linClrLst meth="repeat">
+      <a:schemeClr val="lt1"/>
+    </dgm:linClrLst>
+    <dgm:effectClrLst/>
+    <dgm:txLinClrLst/>
+    <dgm:txFillClrLst/>
+    <dgm:txEffectClrLst/>
+  </dgm:styleLbl>
+  <dgm:styleLbl name="node4">
+    <dgm:fillClrLst meth="repeat">
+      <a:schemeClr val="accent2"/>
+    </dgm:fillClrLst>
+    <dgm:linClrLst meth="repeat">
+      <a:schemeClr val="lt1"/>
+    </dgm:linClrLst>
+    <dgm:effectClrLst/>
+    <dgm:txLinClrLst/>
+    <dgm:txFillClrLst/>
+    <dgm:txEffectClrLst/>
+  </dgm:styleLbl>
+  <dgm:styleLbl name="fgImgPlace1">
+    <dgm:fillClrLst meth="repeat">
+      <a:schemeClr val="accent2">
+        <a:tint val="50000"/>
+      </a:schemeClr>
+    </dgm:fillClrLst>
+    <dgm:linClrLst meth="repeat">
+      <a:schemeClr val="lt1"/>
+    </dgm:linClrLst>
+    <dgm:effectClrLst/>
+    <dgm:txLinClrLst/>
+    <dgm:txFillClrLst meth="repeat">
+      <a:schemeClr val="lt1"/>
+    </dgm:txFillClrLst>
+    <dgm:txEffectClrLst/>
+  </dgm:styleLbl>
+  <dgm:styleLbl name="alignImgPlace1">
+    <dgm:fillClrLst meth="repeat">
+      <a:schemeClr val="accent2">
+        <a:tint val="50000"/>
+      </a:schemeClr>
+    </dgm:fillClrLst>
+    <dgm:linClrLst meth="repeat">
+      <a:schemeClr val="lt1"/>
+    </dgm:linClrLst>
+    <dgm:effectClrLst/>
+    <dgm:txLinClrLst/>
+    <dgm:txFillClrLst meth="repeat">
+      <a:schemeClr val="lt1"/>
+    </dgm:txFillClrLst>
+    <dgm:txEffectClrLst/>
+  </dgm:styleLbl>
+  <dgm:styleLbl name="bgImgPlace1">
+    <dgm:fillClrLst meth="repeat">
+      <a:schemeClr val="accent2">
+        <a:tint val="50000"/>
+      </a:schemeClr>
+    </dgm:fillClrLst>
+    <dgm:linClrLst meth="repeat">
+      <a:schemeClr val="lt1"/>
+    </dgm:linClrLst>
+    <dgm:effectClrLst/>
+    <dgm:txLinClrLst/>
+    <dgm:txFillClrLst meth="repeat">
+      <a:schemeClr val="lt1"/>
+    </dgm:txFillClrLst>
+    <dgm:txEffectClrLst/>
+  </dgm:styleLbl>
+  <dgm:styleLbl name="sibTrans2D1">
+    <dgm:fillClrLst meth="repeat">
+      <a:schemeClr val="accent2">
+        <a:tint val="60000"/>
+      </a:schemeClr>
+    </dgm:fillClrLst>
+    <dgm:linClrLst meth="repeat">
+      <a:schemeClr val="accent2">
+        <a:tint val="60000"/>
+      </a:schemeClr>
+    </dgm:linClrLst>
+    <dgm:effectClrLst/>
+    <dgm:txLinClrLst/>
+    <dgm:txFillClrLst/>
+    <dgm:txEffectClrLst/>
+  </dgm:styleLbl>
+  <dgm:styleLbl name="fgSibTrans2D1">
+    <dgm:fillClrLst meth="repeat">
+      <a:schemeClr val="accent2">
+        <a:tint val="60000"/>
+      </a:schemeClr>
+    </dgm:fillClrLst>
+    <dgm:linClrLst meth="repeat">
+      <a:schemeClr val="accent2">
+        <a:tint val="60000"/>
+      </a:schemeClr>
+    </dgm:linClrLst>
+    <dgm:effectClrLst/>
+    <dgm:txLinClrLst/>
+    <dgm:txFillClrLst/>
+    <dgm:txEffectClrLst/>
+  </dgm:styleLbl>
+  <dgm:styleLbl name="bgSibTrans2D1">
+    <dgm:fillClrLst meth="repeat">
+      <a:schemeClr val="accent2">
+        <a:tint val="60000"/>
+      </a:schemeClr>
+    </dgm:fillClrLst>
+    <dgm:linClrLst meth="repeat">
+      <a:schemeClr val="accent2">
+        <a:tint val="60000"/>
+      </a:schemeClr>
+    </dgm:linClrLst>
+    <dgm:effectClrLst/>
+    <dgm:txLinClrLst/>
+    <dgm:txFillClrLst/>
+    <dgm:txEffectClrLst/>
+  </dgm:styleLbl>
+  <dgm:styleLbl name="sibTrans1D1">
+    <dgm:fillClrLst meth="repeat">
+      <a:schemeClr val="accent2"/>
+    </dgm:fillClrLst>
+    <dgm:linClrLst meth="repeat">
+      <a:schemeClr val="accent2"/>
+    </dgm:linClrLst>
+    <dgm:effectClrLst/>
+    <dgm:txLinClrLst/>
+    <dgm:txFillClrLst meth="repeat">
+      <a:schemeClr val="tx1"/>
+    </dgm:txFillClrLst>
+    <dgm:txEffectClrLst/>
+  </dgm:styleLbl>
+  <dgm:styleLbl name="callout">
+    <dgm:fillClrLst meth="repeat">
+      <a:schemeClr val="accent2"/>
+    </dgm:fillClrLst>
+    <dgm:linClrLst meth="repeat">
+      <a:schemeClr val="accent2">
+        <a:tint val="50000"/>
+      </a:schemeClr>
+    </dgm:linClrLst>
+    <dgm:effectClrLst/>
+    <dgm:txLinClrLst/>
+    <dgm:txFillClrLst meth="repeat">
+      <a:schemeClr val="tx1"/>
+    </dgm:txFillClrLst>
+    <dgm:txEffectClrLst/>
+  </dgm:styleLbl>
+  <dgm:styleLbl name="asst0">
+    <dgm:fillClrLst meth="repeat">
+      <a:schemeClr val="accent2"/>
+    </dgm:fillClrLst>
+    <dgm:linClrLst meth="repeat">
+      <a:schemeClr val="lt1"/>
+    </dgm:linClrLst>
+    <dgm:effectClrLst/>
+    <dgm:txLinClrLst/>
+    <dgm:txFillClrLst/>
+    <dgm:txEffectClrLst/>
+  </dgm:styleLbl>
+  <dgm:styleLbl name="asst1">
+    <dgm:fillClrLst meth="repeat">
+      <a:schemeClr val="accent2"/>
+    </dgm:fillClrLst>
+    <dgm:linClrLst meth="repeat">
+      <a:schemeClr val="lt1"/>
+    </dgm:linClrLst>
+    <dgm:effectClrLst/>
+    <dgm:txLinClrLst/>
+    <dgm:txFillClrLst/>
+    <dgm:txEffectClrLst/>
+  </dgm:styleLbl>
+  <dgm:styleLbl name="asst2">
+    <dgm:fillClrLst meth="repeat">
+      <a:schemeClr val="accent2"/>
+    </dgm:fillClrLst>
+    <dgm:linClrLst meth="repeat">
+      <a:schemeClr val="lt1"/>
+    </dgm:linClrLst>
+    <dgm:effectClrLst/>
+    <dgm:txLinClrLst/>
+    <dgm:txFillClrLst/>
+    <dgm:txEffectClrLst/>
+  </dgm:styleLbl>
+  <dgm:styleLbl name="asst3">
+    <dgm:fillClrLst meth="repeat">
+      <a:schemeClr val="accent2"/>
+    </dgm:fillClrLst>
+    <dgm:linClrLst meth="repeat">
+      <a:schemeClr val="lt1"/>
+    </dgm:linClrLst>
+    <dgm:effectClrLst/>
+    <dgm:txLinClrLst/>
+    <dgm:txFillClrLst/>
+    <dgm:txEffectClrLst/>
+  </dgm:styleLbl>
+  <dgm:styleLbl name="asst4">
+    <dgm:fillClrLst meth="repeat">
+      <a:schemeClr val="accent2"/>
+    </dgm:fillClrLst>
+    <dgm:linClrLst meth="repeat">
+      <a:schemeClr val="lt1"/>
+    </dgm:linClrLst>
+    <dgm:effectClrLst/>
+    <dgm:txLinClrLst/>
+    <dgm:txFillClrLst/>
+    <dgm:txEffectClrLst/>
+  </dgm:styleLbl>
+  <dgm:styleLbl name="parChTrans2D1">
+    <dgm:fillClrLst meth="repeat">
+      <a:schemeClr val="accent2">
+        <a:tint val="60000"/>
+      </a:schemeClr>
+    </dgm:fillClrLst>
+    <dgm:linClrLst meth="repeat">
+      <a:schemeClr val="accent2">
+        <a:tint val="60000"/>
+      </a:schemeClr>
+    </dgm:linClrLst>
+    <dgm:effectClrLst/>
+    <dgm:txLinClrLst/>
+    <dgm:txFillClrLst meth="repeat">
+      <a:schemeClr val="lt1"/>
+    </dgm:txFillClrLst>
+    <dgm:txEffectClrLst/>
+  </dgm:styleLbl>
+  <dgm:styleLbl name="parChTrans2D2">
+    <dgm:fillClrLst meth="repeat">
+      <a:schemeClr val="accent2"/>
+    </dgm:fillClrLst>
+    <dgm:linClrLst meth="repeat">
+      <a:schemeClr val="accent2"/>
+    </dgm:linClrLst>
+    <dgm:effectClrLst/>
+    <dgm:txLinClrLst/>
+    <dgm:txFillClrLst meth="repeat">
+      <a:schemeClr val="lt1"/>
+    </dgm:txFillClrLst>
+    <dgm:txEffectClrLst/>
+  </dgm:styleLbl>
+  <dgm:styleLbl name="parChTrans2D3">
+    <dgm:fillClrLst meth="repeat">
+      <a:schemeClr val="accent2"/>
+    </dgm:fillClrLst>
+    <dgm:linClrLst meth="repeat">
+      <a:schemeClr val="accent2"/>
+    </dgm:linClrLst>
+    <dgm:effectClrLst/>
+    <dgm:txLinClrLst/>
+    <dgm:txFillClrLst meth="repeat">
+      <a:schemeClr val="lt1"/>
+    </dgm:txFillClrLst>
+    <dgm:txEffectClrLst/>
+  </dgm:styleLbl>
+  <dgm:styleLbl name="parChTrans2D4">
+    <dgm:fillClrLst meth="repeat">
+      <a:schemeClr val="accent2"/>
+    </dgm:fillClrLst>
+    <dgm:linClrLst meth="repeat">
+      <a:schemeClr val="accent2"/>
+    </dgm:linClrLst>
+    <dgm:effectClrLst/>
+    <dgm:txLinClrLst/>
+    <dgm:txFillClrLst meth="repeat">
+      <a:schemeClr val="lt1"/>
+    </dgm:txFillClrLst>
+    <dgm:txEffectClrLst/>
+  </dgm:styleLbl>
+  <dgm:styleLbl name="parChTrans1D1">
+    <dgm:fillClrLst meth="repeat">
+      <a:schemeClr val="accent2"/>
+    </dgm:fillClrLst>
+    <dgm:linClrLst meth="repeat">
+      <a:schemeClr val="accent2">
+        <a:shade val="60000"/>
+      </a:schemeClr>
+    </dgm:linClrLst>
+    <dgm:effectClrLst/>
+    <dgm:txLinClrLst/>
+    <dgm:txFillClrLst meth="repeat">
+      <a:schemeClr val="tx1"/>
+    </dgm:txFillClrLst>
+    <dgm:txEffectClrLst/>
+  </dgm:styleLbl>
+  <dgm:styleLbl name="parChTrans1D2">
+    <dgm:fillClrLst meth="repeat">
+      <a:schemeClr val="accent2"/>
+    </dgm:fillClrLst>
+    <dgm:linClrLst meth="repeat">
+      <a:schemeClr val="accent2">
+        <a:shade val="60000"/>
+      </a:schemeClr>
+    </dgm:linClrLst>
+    <dgm:effectClrLst/>
+    <dgm:txLinClrLst/>
+    <dgm:txFillClrLst meth="repeat">
+      <a:schemeClr val="tx1"/>
+    </dgm:txFillClrLst>
+    <dgm:txEffectClrLst/>
+  </dgm:styleLbl>
+  <dgm:styleLbl name="parChTrans1D3">
+    <dgm:fillClrLst meth="repeat">
+      <a:schemeClr val="accent2"/>
+    </dgm:fillClrLst>
+    <dgm:linClrLst meth="repeat">
+      <a:schemeClr val="accent2">
+        <a:shade val="80000"/>
+      </a:schemeClr>
+    </dgm:linClrLst>
+    <dgm:effectClrLst/>
+    <dgm:txLinClrLst/>
+    <dgm:txFillClrLst meth="repeat">
+      <a:schemeClr val="tx1"/>
+    </dgm:txFillClrLst>
+    <dgm:txEffectClrLst/>
+  </dgm:styleLbl>
+  <dgm:styleLbl name="parChTrans1D4">
+    <dgm:fillClrLst meth="repeat">
+      <a:schemeClr val="accent2"/>
+    </dgm:fillClrLst>
+    <dgm:linClrLst meth="repeat">
+      <a:schemeClr val="accent2">
+        <a:shade val="80000"/>
+      </a:schemeClr>
+    </dgm:linClrLst>
+    <dgm:effectClrLst/>
+    <dgm:txLinClrLst/>
+    <dgm:txFillClrLst meth="repeat">
+      <a:schemeClr val="tx1"/>
+    </dgm:txFillClrLst>
+    <dgm:txEffectClrLst/>
+  </dgm:styleLbl>
+  <dgm:styleLbl name="fgAcc1">
+    <dgm:fillClrLst meth="repeat">
+      <a:schemeClr val="lt1">
+        <a:alpha val="90000"/>
+      </a:schemeClr>
+    </dgm:fillClrLst>
+    <dgm:linClrLst meth="repeat">
+      <a:schemeClr val="accent2"/>
+    </dgm:linClrLst>
+    <dgm:effectClrLst/>
+    <dgm:txLinClrLst/>
+    <dgm:txFillClrLst meth="repeat">
+      <a:schemeClr val="dk1"/>
+    </dgm:txFillClrLst>
+    <dgm:txEffectClrLst/>
+  </dgm:styleLbl>
+  <dgm:styleLbl name="conFgAcc1">
+    <dgm:fillClrLst meth="repeat">
+      <a:schemeClr val="lt1">
+        <a:alpha val="90000"/>
+      </a:schemeClr>
+    </dgm:fillClrLst>
+    <dgm:linClrLst meth="repeat">
+      <a:schemeClr val="accent2"/>
+    </dgm:linClrLst>
+    <dgm:effectClrLst/>
+    <dgm:txLinClrLst/>
+    <dgm:txFillClrLst meth="repeat">
+      <a:schemeClr val="dk1"/>
+    </dgm:txFillClrLst>
+    <dgm:txEffectClrLst/>
+  </dgm:styleLbl>
+  <dgm:styleLbl name="alignAcc1">
+    <dgm:fillClrLst meth="repeat">
+      <a:schemeClr val="lt1">
+        <a:alpha val="90000"/>
+      </a:schemeClr>
+    </dgm:fillClrLst>
+    <dgm:linClrLst meth="repeat">
+      <a:schemeClr val="accent2"/>
+    </dgm:linClrLst>
+    <dgm:effectClrLst/>
+    <dgm:txLinClrLst/>
+    <dgm:txFillClrLst meth="repeat">
+      <a:schemeClr val="dk1"/>
+    </dgm:txFillClrLst>
+    <dgm:txEffectClrLst/>
+  </dgm:styleLbl>
+  <dgm:styleLbl name="trAlignAcc1">
+    <dgm:fillClrLst meth="repeat">
+      <a:schemeClr val="lt1">
+        <a:alpha val="40000"/>
+      </a:schemeClr>
+    </dgm:fillClrLst>
+    <dgm:linClrLst meth="repeat">
+      <a:schemeClr val="accent2"/>
+    </dgm:linClrLst>
+    <dgm:effectClrLst/>
+    <dgm:txLinClrLst/>
+    <dgm:txFillClrLst meth="repeat">
+      <a:schemeClr val="dk1"/>
+    </dgm:txFillClrLst>
+    <dgm:txEffectClrLst/>
+  </dgm:styleLbl>
+  <dgm:styleLbl name="bgAcc1">
+    <dgm:fillClrLst meth="repeat">
+      <a:schemeClr val="lt1">
+        <a:alpha val="90000"/>
+      </a:schemeClr>
+    </dgm:fillClrLst>
+    <dgm:linClrLst meth="repeat">
+      <a:schemeClr val="accent2"/>
+    </dgm:linClrLst>
+    <dgm:effectClrLst/>
+    <dgm:txLinClrLst/>
+    <dgm:txFillClrLst meth="repeat">
+      <a:schemeClr val="dk1"/>
+    </dgm:txFillClrLst>
+    <dgm:txEffectClrLst/>
+  </dgm:styleLbl>
+  <dgm:styleLbl name="solidFgAcc1">
+    <dgm:fillClrLst meth="repeat">
+      <a:schemeClr val="lt1"/>
+    </dgm:fillClrLst>
+    <dgm:linClrLst meth="repeat">
+      <a:schemeClr val="accent2"/>
+    </dgm:linClrLst>
+    <dgm:effectClrLst/>
+    <dgm:txLinClrLst/>
+    <dgm:txFillClrLst meth="repeat">
+      <a:schemeClr val="dk1"/>
+    </dgm:txFillClrLst>
+    <dgm:txEffectClrLst/>
+  </dgm:styleLbl>
+  <dgm:styleLbl name="solidAlignAcc1">
+    <dgm:fillClrLst meth="repeat">
+      <a:schemeClr val="lt1"/>
+    </dgm:fillClrLst>
+    <dgm:linClrLst meth="repeat">
+      <a:schemeClr val="accent2"/>
+    </dgm:linClrLst>
+    <dgm:effectClrLst/>
+    <dgm:txLinClrLst/>
+    <dgm:txFillClrLst meth="repeat">
+      <a:schemeClr val="dk1"/>
+    </dgm:txFillClrLst>
+    <dgm:txEffectClrLst/>
+  </dgm:styleLbl>
+  <dgm:styleLbl name="solidBgAcc1">
+    <dgm:fillClrLst meth="repeat">
+      <a:schemeClr val="lt1"/>
+    </dgm:fillClrLst>
+    <dgm:linClrLst meth="repeat">
+      <a:schemeClr val="accent2"/>
+    </dgm:linClrLst>
+    <dgm:effectClrLst/>
+    <dgm:txLinClrLst/>
+    <dgm:txFillClrLst meth="repeat">
+      <a:schemeClr val="dk1"/>
+    </dgm:txFillClrLst>
+    <dgm:txEffectClrLst/>
+  </dgm:styleLbl>
+  <dgm:styleLbl name="fgAccFollowNode1">
+    <dgm:fillClrLst meth="repeat">
+      <a:schemeClr val="accent2">
+        <a:alpha val="90000"/>
+        <a:tint val="40000"/>
+      </a:schemeClr>
+    </dgm:fillClrLst>
+    <dgm:linClrLst meth="repeat">
+      <a:schemeClr val="accent2">
+        <a:alpha val="90000"/>
+        <a:tint val="40000"/>
+      </a:schemeClr>
+    </dgm:linClrLst>
+    <dgm:effectClrLst/>
+    <dgm:txLinClrLst/>
+    <dgm:txFillClrLst meth="repeat">
+      <a:schemeClr val="dk1"/>
+    </dgm:txFillClrLst>
+    <dgm:txEffectClrLst/>
+  </dgm:styleLbl>
+  <dgm:styleLbl name="alignAccFollowNode1">
+    <dgm:fillClrLst meth="repeat">
+      <a:schemeClr val="accent2">
+        <a:alpha val="90000"/>
+        <a:tint val="40000"/>
+      </a:schemeClr>
+    </dgm:fillClrLst>
+    <dgm:linClrLst meth="repeat">
+      <a:schemeClr val="accent2">
+        <a:alpha val="90000"/>
+        <a:tint val="40000"/>
+      </a:schemeClr>
+    </dgm:linClrLst>
+    <dgm:effectClrLst/>
+    <dgm:txLinClrLst/>
+    <dgm:txFillClrLst meth="repeat">
+      <a:schemeClr val="dk1"/>
+    </dgm:txFillClrLst>
+    <dgm:txEffectClrLst/>
+  </dgm:styleLbl>
+  <dgm:styleLbl name="bgAccFollowNode1">
+    <dgm:fillClrLst meth="repeat">
+      <a:schemeClr val="accent2">
+        <a:alpha val="90000"/>
+        <a:tint val="40000"/>
+      </a:schemeClr>
+    </dgm:fillClrLst>
+    <dgm:linClrLst meth="repeat">
+      <a:schemeClr val="accent2">
+        <a:alpha val="90000"/>
+        <a:tint val="40000"/>
+      </a:schemeClr>
+    </dgm:linClrLst>
+    <dgm:effectClrLst/>
+    <dgm:txLinClrLst/>
+    <dgm:txFillClrLst meth="repeat">
+      <a:schemeClr val="dk1"/>
+    </dgm:txFillClrLst>
+    <dgm:txEffectClrLst/>
+  </dgm:styleLbl>
+  <dgm:styleLbl name="fgAcc0">
+    <dgm:fillClrLst meth="repeat">
+      <a:schemeClr val="lt1">
+        <a:alpha val="90000"/>
+      </a:schemeClr>
+    </dgm:fillClrLst>
+    <dgm:linClrLst meth="repeat">
+      <a:schemeClr val="accent2"/>
+    </dgm:linClrLst>
+    <dgm:effectClrLst/>
+    <dgm:txLinClrLst/>
+    <dgm:txFillClrLst meth="repeat">
+      <a:schemeClr val="dk1"/>
+    </dgm:txFillClrLst>
+    <dgm:txEffectClrLst/>
+  </dgm:styleLbl>
+  <dgm:styleLbl name="fgAcc2">
+    <dgm:fillClrLst meth="repeat">
+      <a:schemeClr val="lt1">
+        <a:alpha val="90000"/>
+      </a:schemeClr>
+    </dgm:fillClrLst>
+    <dgm:linClrLst meth="repeat">
+      <a:schemeClr val="accent2"/>
+    </dgm:linClrLst>
+    <dgm:effectClrLst/>
+    <dgm:txLinClrLst/>
+    <dgm:txFillClrLst meth="repeat">
+      <a:schemeClr val="dk1"/>
+    </dgm:txFillClrLst>
+    <dgm:txEffectClrLst/>
+  </dgm:styleLbl>
+  <dgm:styleLbl name="fgAcc3">
+    <dgm:fillClrLst meth="repeat">
+      <a:schemeClr val="lt1">
+        <a:alpha val="90000"/>
+      </a:schemeClr>
+    </dgm:fillClrLst>
+    <dgm:linClrLst meth="repeat">
+      <a:schemeClr val="accent2"/>
+    </dgm:linClrLst>
+    <dgm:effectClrLst/>
+    <dgm:txLinClrLst/>
+    <dgm:txFillClrLst meth="repeat">
+      <a:schemeClr val="dk1"/>
+    </dgm:txFillClrLst>
+    <dgm:txEffectClrLst/>
+  </dgm:styleLbl>
+  <dgm:styleLbl name="fgAcc4">
+    <dgm:fillClrLst meth="repeat">
+      <a:schemeClr val="lt1">
+        <a:alpha val="90000"/>
+      </a:schemeClr>
+    </dgm:fillClrLst>
+    <dgm:linClrLst meth="repeat">
+      <a:schemeClr val="accent2"/>
+    </dgm:linClrLst>
+    <dgm:effectClrLst/>
+    <dgm:txLinClrLst/>
+    <dgm:txFillClrLst meth="repeat">
+      <a:schemeClr val="dk1"/>
+    </dgm:txFillClrLst>
+    <dgm:txEffectClrLst/>
+  </dgm:styleLbl>
+  <dgm:styleLbl name="bgShp">
+    <dgm:fillClrLst meth="repeat">
+      <a:schemeClr val="accent2">
+        <a:tint val="40000"/>
+      </a:schemeClr>
+    </dgm:fillClrLst>
+    <dgm:linClrLst meth="repeat">
+      <a:schemeClr val="accent2"/>
+    </dgm:linClrLst>
+    <dgm:effectClrLst/>
+    <dgm:txLinClrLst/>
+    <dgm:txFillClrLst meth="repeat">
+      <a:schemeClr val="dk1"/>
+    </dgm:txFillClrLst>
+    <dgm:txEffectClrLst/>
+  </dgm:styleLbl>
+  <dgm:styleLbl name="dkBgShp">
+    <dgm:fillClrLst meth="repeat">
+      <a:schemeClr val="accent2">
+        <a:shade val="80000"/>
+      </a:schemeClr>
+    </dgm:fillClrLst>
+    <dgm:linClrLst meth="repeat">
+      <a:schemeClr val="accent2"/>
+    </dgm:linClrLst>
+    <dgm:effectClrLst/>
+    <dgm:txLinClrLst/>
+    <dgm:txFillClrLst meth="repeat">
+      <a:schemeClr val="lt1"/>
+    </dgm:txFillClrLst>
+    <dgm:txEffectClrLst/>
+  </dgm:styleLbl>
+  <dgm:styleLbl name="trBgShp">
+    <dgm:fillClrLst meth="repeat">
+      <a:schemeClr val="accent2">
+        <a:tint val="50000"/>
+        <a:alpha val="40000"/>
+      </a:schemeClr>
+    </dgm:fillClrLst>
+    <dgm:linClrLst meth="repeat">
+      <a:schemeClr val="accent2"/>
+    </dgm:linClrLst>
+    <dgm:effectClrLst/>
+    <dgm:txLinClrLst/>
+    <dgm:txFillClrLst meth="repeat">
+      <a:schemeClr val="lt1"/>
+    </dgm:txFillClrLst>
+    <dgm:txEffectClrLst/>
+  </dgm:styleLbl>
+  <dgm:styleLbl name="fgShp">
+    <dgm:fillClrLst meth="repeat">
+      <a:schemeClr val="accent2">
+        <a:tint val="60000"/>
+      </a:schemeClr>
+    </dgm:fillClrLst>
+    <dgm:linClrLst meth="repeat">
+      <a:schemeClr val="lt1"/>
+    </dgm:linClrLst>
+    <dgm:effectClrLst/>
+    <dgm:txLinClrLst/>
+    <dgm:txFillClrLst meth="repeat">
+      <a:schemeClr val="dk1"/>
+    </dgm:txFillClrLst>
+    <dgm:txEffectClrLst/>
+  </dgm:styleLbl>
+  <dgm:styleLbl name="revTx">
+    <dgm:fillClrLst meth="repeat">
+      <a:schemeClr val="lt1">
+        <a:alpha val="0"/>
+      </a:schemeClr>
+    </dgm:fillClrLst>
+    <dgm:linClrLst meth="repeat">
+      <a:schemeClr val="dk1">
+        <a:alpha val="0"/>
+      </a:schemeClr>
+    </dgm:linClrLst>
+    <dgm:effectClrLst/>
+    <dgm:txLinClrLst/>
+    <dgm:txFillClrLst meth="repeat">
+      <a:schemeClr val="tx1"/>
+    </dgm:txFillClrLst>
+    <dgm:txEffectClrLst/>
+  </dgm:styleLbl>
+</dgm:colorsDef>
+</file>
+
+<file path=ppt/diagrams/colors8.xml><?xml version="1.0" encoding="utf-8"?>
 <dgm:colorsDef xmlns:dgm="http://schemas.openxmlformats.org/drawingml/2006/diagram" xmlns:a="http://schemas.openxmlformats.org/drawingml/2006/main" uniqueId="urn:microsoft.com/office/officeart/2005/8/colors/colorful2">
   <dgm:title val=""/>
   <dgm:desc val=""/>
@@ -5749,7 +6498,7 @@
 </dgm:colorsDef>
 </file>
 
-<file path=ppt/diagrams/colors8.xml><?xml version="1.0" encoding="utf-8"?>
+<file path=ppt/diagrams/colors9.xml><?xml version="1.0" encoding="utf-8"?>
 <dgm:colorsDef xmlns:dgm="http://schemas.openxmlformats.org/drawingml/2006/diagram" xmlns:a="http://schemas.openxmlformats.org/drawingml/2006/main" uniqueId="urn:microsoft.com/office/officeart/2005/8/colors/colorful2">
   <dgm:title val=""/>
   <dgm:desc val=""/>
@@ -7976,6 +8725,354 @@
 <file path=ppt/diagrams/data7.xml><?xml version="1.0" encoding="utf-8"?>
 <dgm:dataModel xmlns:dgm="http://schemas.openxmlformats.org/drawingml/2006/diagram" xmlns:a="http://schemas.openxmlformats.org/drawingml/2006/main">
   <dgm:ptLst>
+    <dgm:pt modelId="{7855EEA3-AC81-46D6-9C9C-AF59444F94D6}" type="doc">
+      <dgm:prSet loTypeId="urn:microsoft.com/office/officeart/2005/8/layout/vList2" loCatId="list" qsTypeId="urn:microsoft.com/office/officeart/2005/8/quickstyle/simple1" qsCatId="simple" csTypeId="urn:microsoft.com/office/officeart/2005/8/colors/accent2_2" csCatId="accent2"/>
+      <dgm:spPr/>
+      <dgm:t>
+        <a:bodyPr/>
+        <a:lstStyle/>
+        <a:p>
+          <a:endParaRPr lang="en-US"/>
+        </a:p>
+      </dgm:t>
+    </dgm:pt>
+    <dgm:pt modelId="{F951743D-EB26-4418-92BF-275381F2A202}">
+      <dgm:prSet custT="1"/>
+      <dgm:spPr/>
+      <dgm:t>
+        <a:bodyPr/>
+        <a:lstStyle/>
+        <a:p>
+          <a:r>
+            <a:rPr lang="ro-RO" sz="2900" dirty="0">
+              <a:latin typeface="+mj-lt"/>
+            </a:rPr>
+            <a:t>Echilibru robot</a:t>
+          </a:r>
+          <a:endParaRPr lang="en-US" sz="2900" dirty="0">
+            <a:latin typeface="+mj-lt"/>
+          </a:endParaRPr>
+        </a:p>
+      </dgm:t>
+    </dgm:pt>
+    <dgm:pt modelId="{5834F7CA-B872-4E37-BCE8-EF2E6505C577}" type="parTrans" cxnId="{E91E4C49-6D30-47EF-841A-2AC78722AE53}">
+      <dgm:prSet/>
+      <dgm:spPr/>
+      <dgm:t>
+        <a:bodyPr/>
+        <a:lstStyle/>
+        <a:p>
+          <a:endParaRPr lang="en-US">
+            <a:latin typeface="+mj-lt"/>
+          </a:endParaRPr>
+        </a:p>
+      </dgm:t>
+    </dgm:pt>
+    <dgm:pt modelId="{6920B871-7069-4050-8EF2-20097ECB6DA7}" type="sibTrans" cxnId="{E91E4C49-6D30-47EF-841A-2AC78722AE53}">
+      <dgm:prSet/>
+      <dgm:spPr/>
+      <dgm:t>
+        <a:bodyPr/>
+        <a:lstStyle/>
+        <a:p>
+          <a:endParaRPr lang="en-US">
+            <a:latin typeface="+mj-lt"/>
+          </a:endParaRPr>
+        </a:p>
+      </dgm:t>
+    </dgm:pt>
+    <dgm:pt modelId="{C7A6AA4F-3126-4299-BEDB-202EBAAE2321}">
+      <dgm:prSet custT="1"/>
+      <dgm:spPr/>
+      <dgm:t>
+        <a:bodyPr/>
+        <a:lstStyle/>
+        <a:p>
+          <a:r>
+            <a:rPr lang="en-US" sz="2900" dirty="0">
+              <a:latin typeface="+mj-lt"/>
+            </a:rPr>
+            <a:t>Sensibilitate camer</a:t>
+          </a:r>
+          <a:r>
+            <a:rPr lang="ro-RO" sz="2900" dirty="0">
+              <a:latin typeface="+mj-lt"/>
+            </a:rPr>
+            <a:t>ă Pixy</a:t>
+          </a:r>
+          <a:endParaRPr lang="en-US" sz="2900" dirty="0">
+            <a:latin typeface="+mj-lt"/>
+          </a:endParaRPr>
+        </a:p>
+      </dgm:t>
+    </dgm:pt>
+    <dgm:pt modelId="{31798406-C66C-46FB-BE94-6C5943F78468}" type="parTrans" cxnId="{766A4645-9C67-4222-BEF8-A975D8C56D43}">
+      <dgm:prSet/>
+      <dgm:spPr/>
+      <dgm:t>
+        <a:bodyPr/>
+        <a:lstStyle/>
+        <a:p>
+          <a:endParaRPr lang="en-US">
+            <a:latin typeface="+mj-lt"/>
+          </a:endParaRPr>
+        </a:p>
+      </dgm:t>
+    </dgm:pt>
+    <dgm:pt modelId="{C6D7B2AE-73C5-460E-A30C-CBD10C62737E}" type="sibTrans" cxnId="{766A4645-9C67-4222-BEF8-A975D8C56D43}">
+      <dgm:prSet/>
+      <dgm:spPr/>
+      <dgm:t>
+        <a:bodyPr/>
+        <a:lstStyle/>
+        <a:p>
+          <a:endParaRPr lang="en-US">
+            <a:latin typeface="+mj-lt"/>
+          </a:endParaRPr>
+        </a:p>
+      </dgm:t>
+    </dgm:pt>
+    <dgm:pt modelId="{B84448D5-FF68-44A9-8F78-EB266F79A8A8}">
+      <dgm:prSet custT="1"/>
+      <dgm:spPr/>
+      <dgm:t>
+        <a:bodyPr/>
+        <a:lstStyle/>
+        <a:p>
+          <a:r>
+            <a:rPr lang="ro-RO" sz="2900" dirty="0">
+              <a:latin typeface="+mj-lt"/>
+            </a:rPr>
+            <a:t>Gestionarea cablurilor</a:t>
+          </a:r>
+          <a:endParaRPr lang="en-US" sz="2900" dirty="0">
+            <a:latin typeface="+mj-lt"/>
+          </a:endParaRPr>
+        </a:p>
+      </dgm:t>
+    </dgm:pt>
+    <dgm:pt modelId="{AD2366EC-7203-4FAC-ABA7-A7E8F51F76D3}" type="parTrans" cxnId="{EDEE82B7-27E6-4263-8DB8-50706BCFD87A}">
+      <dgm:prSet/>
+      <dgm:spPr/>
+      <dgm:t>
+        <a:bodyPr/>
+        <a:lstStyle/>
+        <a:p>
+          <a:endParaRPr lang="en-US">
+            <a:latin typeface="+mj-lt"/>
+          </a:endParaRPr>
+        </a:p>
+      </dgm:t>
+    </dgm:pt>
+    <dgm:pt modelId="{0E456035-61D5-42CD-BE41-ACCFA6804CA4}" type="sibTrans" cxnId="{EDEE82B7-27E6-4263-8DB8-50706BCFD87A}">
+      <dgm:prSet/>
+      <dgm:spPr/>
+      <dgm:t>
+        <a:bodyPr/>
+        <a:lstStyle/>
+        <a:p>
+          <a:endParaRPr lang="en-US">
+            <a:latin typeface="+mj-lt"/>
+          </a:endParaRPr>
+        </a:p>
+      </dgm:t>
+    </dgm:pt>
+    <dgm:pt modelId="{7B152193-4EB8-40A9-B180-C8DEABD1109A}">
+      <dgm:prSet custT="1"/>
+      <dgm:spPr/>
+      <dgm:t>
+        <a:bodyPr/>
+        <a:lstStyle/>
+        <a:p>
+          <a:r>
+            <a:rPr lang="ro-RO" sz="2900" dirty="0">
+              <a:latin typeface="+mj-lt"/>
+            </a:rPr>
+            <a:t>Referințe diferite ale motoarelor</a:t>
+          </a:r>
+          <a:endParaRPr lang="en-US" sz="2900" dirty="0">
+            <a:latin typeface="+mj-lt"/>
+          </a:endParaRPr>
+        </a:p>
+      </dgm:t>
+    </dgm:pt>
+    <dgm:pt modelId="{85C8A3B9-E6EA-4778-9B5D-8A98EE933043}" type="parTrans" cxnId="{58554DD9-C88A-4053-993E-226A8528B2B0}">
+      <dgm:prSet/>
+      <dgm:spPr/>
+      <dgm:t>
+        <a:bodyPr/>
+        <a:lstStyle/>
+        <a:p>
+          <a:endParaRPr lang="en-US">
+            <a:latin typeface="+mj-lt"/>
+          </a:endParaRPr>
+        </a:p>
+      </dgm:t>
+    </dgm:pt>
+    <dgm:pt modelId="{637AAE48-F819-4C53-AAD5-70291C8DDED8}" type="sibTrans" cxnId="{58554DD9-C88A-4053-993E-226A8528B2B0}">
+      <dgm:prSet/>
+      <dgm:spPr/>
+      <dgm:t>
+        <a:bodyPr/>
+        <a:lstStyle/>
+        <a:p>
+          <a:endParaRPr lang="en-US">
+            <a:latin typeface="+mj-lt"/>
+          </a:endParaRPr>
+        </a:p>
+      </dgm:t>
+    </dgm:pt>
+    <dgm:pt modelId="{A720F9E3-546D-49BC-9EC2-688391C2BDC0}">
+      <dgm:prSet custT="1"/>
+      <dgm:spPr/>
+      <dgm:t>
+        <a:bodyPr/>
+        <a:lstStyle/>
+        <a:p>
+          <a:r>
+            <a:rPr lang="ro-RO" sz="2900" dirty="0">
+              <a:latin typeface="+mj-lt"/>
+            </a:rPr>
+            <a:t>Jumper pe placa SSC32</a:t>
+          </a:r>
+          <a:endParaRPr lang="en-US" sz="2900" dirty="0">
+            <a:latin typeface="+mj-lt"/>
+          </a:endParaRPr>
+        </a:p>
+      </dgm:t>
+    </dgm:pt>
+    <dgm:pt modelId="{4F7F654E-D325-44CC-8013-BC148363DF01}" type="parTrans" cxnId="{3E328802-8060-4BC6-9F44-F073FA170277}">
+      <dgm:prSet/>
+      <dgm:spPr/>
+      <dgm:t>
+        <a:bodyPr/>
+        <a:lstStyle/>
+        <a:p>
+          <a:endParaRPr lang="en-US">
+            <a:latin typeface="+mj-lt"/>
+          </a:endParaRPr>
+        </a:p>
+      </dgm:t>
+    </dgm:pt>
+    <dgm:pt modelId="{8A7EFD97-D7DF-4669-BB23-5368833D3846}" type="sibTrans" cxnId="{3E328802-8060-4BC6-9F44-F073FA170277}">
+      <dgm:prSet/>
+      <dgm:spPr/>
+      <dgm:t>
+        <a:bodyPr/>
+        <a:lstStyle/>
+        <a:p>
+          <a:endParaRPr lang="en-US">
+            <a:latin typeface="+mj-lt"/>
+          </a:endParaRPr>
+        </a:p>
+      </dgm:t>
+    </dgm:pt>
+    <dgm:pt modelId="{6DC0B733-6F89-42E6-A0CF-5644A7D95C80}" type="pres">
+      <dgm:prSet presAssocID="{7855EEA3-AC81-46D6-9C9C-AF59444F94D6}" presName="linear" presStyleCnt="0">
+        <dgm:presLayoutVars>
+          <dgm:animLvl val="lvl"/>
+          <dgm:resizeHandles val="exact"/>
+        </dgm:presLayoutVars>
+      </dgm:prSet>
+      <dgm:spPr/>
+    </dgm:pt>
+    <dgm:pt modelId="{6C767575-7322-48EA-BD7D-B4B09D6DAF78}" type="pres">
+      <dgm:prSet presAssocID="{F951743D-EB26-4418-92BF-275381F2A202}" presName="parentText" presStyleLbl="node1" presStyleIdx="0" presStyleCnt="5">
+        <dgm:presLayoutVars>
+          <dgm:chMax val="0"/>
+          <dgm:bulletEnabled val="1"/>
+        </dgm:presLayoutVars>
+      </dgm:prSet>
+      <dgm:spPr/>
+    </dgm:pt>
+    <dgm:pt modelId="{160BBEE9-8E4C-4565-A3AF-13553ACC1E4B}" type="pres">
+      <dgm:prSet presAssocID="{6920B871-7069-4050-8EF2-20097ECB6DA7}" presName="spacer" presStyleCnt="0"/>
+      <dgm:spPr/>
+    </dgm:pt>
+    <dgm:pt modelId="{936C126B-C252-4134-91C7-9D0EC8F2F73C}" type="pres">
+      <dgm:prSet presAssocID="{C7A6AA4F-3126-4299-BEDB-202EBAAE2321}" presName="parentText" presStyleLbl="node1" presStyleIdx="1" presStyleCnt="5">
+        <dgm:presLayoutVars>
+          <dgm:chMax val="0"/>
+          <dgm:bulletEnabled val="1"/>
+        </dgm:presLayoutVars>
+      </dgm:prSet>
+      <dgm:spPr/>
+    </dgm:pt>
+    <dgm:pt modelId="{B290BA99-9207-4473-8697-0D13E041AA8F}" type="pres">
+      <dgm:prSet presAssocID="{C6D7B2AE-73C5-460E-A30C-CBD10C62737E}" presName="spacer" presStyleCnt="0"/>
+      <dgm:spPr/>
+    </dgm:pt>
+    <dgm:pt modelId="{88AD2171-A5D5-4C09-BEBA-6940C7FFF3AC}" type="pres">
+      <dgm:prSet presAssocID="{B84448D5-FF68-44A9-8F78-EB266F79A8A8}" presName="parentText" presStyleLbl="node1" presStyleIdx="2" presStyleCnt="5">
+        <dgm:presLayoutVars>
+          <dgm:chMax val="0"/>
+          <dgm:bulletEnabled val="1"/>
+        </dgm:presLayoutVars>
+      </dgm:prSet>
+      <dgm:spPr/>
+    </dgm:pt>
+    <dgm:pt modelId="{8AB83C6E-16C8-47E7-9DE3-D795DA54B5AE}" type="pres">
+      <dgm:prSet presAssocID="{0E456035-61D5-42CD-BE41-ACCFA6804CA4}" presName="spacer" presStyleCnt="0"/>
+      <dgm:spPr/>
+    </dgm:pt>
+    <dgm:pt modelId="{21EDF1E5-0193-4D20-8771-CDB9280AD48D}" type="pres">
+      <dgm:prSet presAssocID="{7B152193-4EB8-40A9-B180-C8DEABD1109A}" presName="parentText" presStyleLbl="node1" presStyleIdx="3" presStyleCnt="5">
+        <dgm:presLayoutVars>
+          <dgm:chMax val="0"/>
+          <dgm:bulletEnabled val="1"/>
+        </dgm:presLayoutVars>
+      </dgm:prSet>
+      <dgm:spPr/>
+    </dgm:pt>
+    <dgm:pt modelId="{27A866AB-2200-4FF7-94BE-8E2A3D07633F}" type="pres">
+      <dgm:prSet presAssocID="{637AAE48-F819-4C53-AAD5-70291C8DDED8}" presName="spacer" presStyleCnt="0"/>
+      <dgm:spPr/>
+    </dgm:pt>
+    <dgm:pt modelId="{A29748BA-1D8F-4E2E-842D-2BB25559DE80}" type="pres">
+      <dgm:prSet presAssocID="{A720F9E3-546D-49BC-9EC2-688391C2BDC0}" presName="parentText" presStyleLbl="node1" presStyleIdx="4" presStyleCnt="5">
+        <dgm:presLayoutVars>
+          <dgm:chMax val="0"/>
+          <dgm:bulletEnabled val="1"/>
+        </dgm:presLayoutVars>
+      </dgm:prSet>
+      <dgm:spPr/>
+    </dgm:pt>
+  </dgm:ptLst>
+  <dgm:cxnLst>
+    <dgm:cxn modelId="{3E328802-8060-4BC6-9F44-F073FA170277}" srcId="{7855EEA3-AC81-46D6-9C9C-AF59444F94D6}" destId="{A720F9E3-546D-49BC-9EC2-688391C2BDC0}" srcOrd="4" destOrd="0" parTransId="{4F7F654E-D325-44CC-8013-BC148363DF01}" sibTransId="{8A7EFD97-D7DF-4669-BB23-5368833D3846}"/>
+    <dgm:cxn modelId="{335A9E30-F65E-4FA1-922A-87F84070C7BE}" type="presOf" srcId="{C7A6AA4F-3126-4299-BEDB-202EBAAE2321}" destId="{936C126B-C252-4134-91C7-9D0EC8F2F73C}" srcOrd="0" destOrd="0" presId="urn:microsoft.com/office/officeart/2005/8/layout/vList2"/>
+    <dgm:cxn modelId="{766A4645-9C67-4222-BEF8-A975D8C56D43}" srcId="{7855EEA3-AC81-46D6-9C9C-AF59444F94D6}" destId="{C7A6AA4F-3126-4299-BEDB-202EBAAE2321}" srcOrd="1" destOrd="0" parTransId="{31798406-C66C-46FB-BE94-6C5943F78468}" sibTransId="{C6D7B2AE-73C5-460E-A30C-CBD10C62737E}"/>
+    <dgm:cxn modelId="{F00F8365-1CFD-47BD-976F-5ECAE2F170B7}" type="presOf" srcId="{7855EEA3-AC81-46D6-9C9C-AF59444F94D6}" destId="{6DC0B733-6F89-42E6-A0CF-5644A7D95C80}" srcOrd="0" destOrd="0" presId="urn:microsoft.com/office/officeart/2005/8/layout/vList2"/>
+    <dgm:cxn modelId="{F130F748-6514-4BD6-8C6F-B0467D69F973}" type="presOf" srcId="{F951743D-EB26-4418-92BF-275381F2A202}" destId="{6C767575-7322-48EA-BD7D-B4B09D6DAF78}" srcOrd="0" destOrd="0" presId="urn:microsoft.com/office/officeart/2005/8/layout/vList2"/>
+    <dgm:cxn modelId="{E91E4C49-6D30-47EF-841A-2AC78722AE53}" srcId="{7855EEA3-AC81-46D6-9C9C-AF59444F94D6}" destId="{F951743D-EB26-4418-92BF-275381F2A202}" srcOrd="0" destOrd="0" parTransId="{5834F7CA-B872-4E37-BCE8-EF2E6505C577}" sibTransId="{6920B871-7069-4050-8EF2-20097ECB6DA7}"/>
+    <dgm:cxn modelId="{08749A8E-606D-4531-83E2-ABDFBF91792F}" type="presOf" srcId="{7B152193-4EB8-40A9-B180-C8DEABD1109A}" destId="{21EDF1E5-0193-4D20-8771-CDB9280AD48D}" srcOrd="0" destOrd="0" presId="urn:microsoft.com/office/officeart/2005/8/layout/vList2"/>
+    <dgm:cxn modelId="{D71F0CB5-6AFC-4B5C-9C32-266418EF2F66}" type="presOf" srcId="{B84448D5-FF68-44A9-8F78-EB266F79A8A8}" destId="{88AD2171-A5D5-4C09-BEBA-6940C7FFF3AC}" srcOrd="0" destOrd="0" presId="urn:microsoft.com/office/officeart/2005/8/layout/vList2"/>
+    <dgm:cxn modelId="{EDEE82B7-27E6-4263-8DB8-50706BCFD87A}" srcId="{7855EEA3-AC81-46D6-9C9C-AF59444F94D6}" destId="{B84448D5-FF68-44A9-8F78-EB266F79A8A8}" srcOrd="2" destOrd="0" parTransId="{AD2366EC-7203-4FAC-ABA7-A7E8F51F76D3}" sibTransId="{0E456035-61D5-42CD-BE41-ACCFA6804CA4}"/>
+    <dgm:cxn modelId="{39F926C0-B4E1-4773-B7E9-AA106898FE49}" type="presOf" srcId="{A720F9E3-546D-49BC-9EC2-688391C2BDC0}" destId="{A29748BA-1D8F-4E2E-842D-2BB25559DE80}" srcOrd="0" destOrd="0" presId="urn:microsoft.com/office/officeart/2005/8/layout/vList2"/>
+    <dgm:cxn modelId="{58554DD9-C88A-4053-993E-226A8528B2B0}" srcId="{7855EEA3-AC81-46D6-9C9C-AF59444F94D6}" destId="{7B152193-4EB8-40A9-B180-C8DEABD1109A}" srcOrd="3" destOrd="0" parTransId="{85C8A3B9-E6EA-4778-9B5D-8A98EE933043}" sibTransId="{637AAE48-F819-4C53-AAD5-70291C8DDED8}"/>
+    <dgm:cxn modelId="{5562FF48-AEDD-4A45-8241-C6B0D38E6F85}" type="presParOf" srcId="{6DC0B733-6F89-42E6-A0CF-5644A7D95C80}" destId="{6C767575-7322-48EA-BD7D-B4B09D6DAF78}" srcOrd="0" destOrd="0" presId="urn:microsoft.com/office/officeart/2005/8/layout/vList2"/>
+    <dgm:cxn modelId="{5C998751-5CC4-4887-BB79-222531B930C4}" type="presParOf" srcId="{6DC0B733-6F89-42E6-A0CF-5644A7D95C80}" destId="{160BBEE9-8E4C-4565-A3AF-13553ACC1E4B}" srcOrd="1" destOrd="0" presId="urn:microsoft.com/office/officeart/2005/8/layout/vList2"/>
+    <dgm:cxn modelId="{8E04B272-5EE3-41AB-B307-C9C7BE972D52}" type="presParOf" srcId="{6DC0B733-6F89-42E6-A0CF-5644A7D95C80}" destId="{936C126B-C252-4134-91C7-9D0EC8F2F73C}" srcOrd="2" destOrd="0" presId="urn:microsoft.com/office/officeart/2005/8/layout/vList2"/>
+    <dgm:cxn modelId="{9E63ABB9-6E2F-4B17-A676-1F9725FA948B}" type="presParOf" srcId="{6DC0B733-6F89-42E6-A0CF-5644A7D95C80}" destId="{B290BA99-9207-4473-8697-0D13E041AA8F}" srcOrd="3" destOrd="0" presId="urn:microsoft.com/office/officeart/2005/8/layout/vList2"/>
+    <dgm:cxn modelId="{4D8B98AB-22D1-4E3A-ABEB-D92B32228B4D}" type="presParOf" srcId="{6DC0B733-6F89-42E6-A0CF-5644A7D95C80}" destId="{88AD2171-A5D5-4C09-BEBA-6940C7FFF3AC}" srcOrd="4" destOrd="0" presId="urn:microsoft.com/office/officeart/2005/8/layout/vList2"/>
+    <dgm:cxn modelId="{D93D883E-B57C-4986-92D6-AC8B4296A9D4}" type="presParOf" srcId="{6DC0B733-6F89-42E6-A0CF-5644A7D95C80}" destId="{8AB83C6E-16C8-47E7-9DE3-D795DA54B5AE}" srcOrd="5" destOrd="0" presId="urn:microsoft.com/office/officeart/2005/8/layout/vList2"/>
+    <dgm:cxn modelId="{46CE10DF-B074-4FA7-BCBD-3870EB0000E7}" type="presParOf" srcId="{6DC0B733-6F89-42E6-A0CF-5644A7D95C80}" destId="{21EDF1E5-0193-4D20-8771-CDB9280AD48D}" srcOrd="6" destOrd="0" presId="urn:microsoft.com/office/officeart/2005/8/layout/vList2"/>
+    <dgm:cxn modelId="{BFFD4E0D-D37C-4C19-ABB0-59E3E04CE098}" type="presParOf" srcId="{6DC0B733-6F89-42E6-A0CF-5644A7D95C80}" destId="{27A866AB-2200-4FF7-94BE-8E2A3D07633F}" srcOrd="7" destOrd="0" presId="urn:microsoft.com/office/officeart/2005/8/layout/vList2"/>
+    <dgm:cxn modelId="{2C6A43C4-91C4-4DF7-958E-936836E25A6C}" type="presParOf" srcId="{6DC0B733-6F89-42E6-A0CF-5644A7D95C80}" destId="{A29748BA-1D8F-4E2E-842D-2BB25559DE80}" srcOrd="8" destOrd="0" presId="urn:microsoft.com/office/officeart/2005/8/layout/vList2"/>
+  </dgm:cxnLst>
+  <dgm:bg/>
+  <dgm:whole/>
+  <dgm:extLst>
+    <a:ext uri="http://schemas.microsoft.com/office/drawing/2008/diagram">
+      <dsp:dataModelExt xmlns:dsp="http://schemas.microsoft.com/office/drawing/2008/diagram" relId="rId8" minVer="http://schemas.openxmlformats.org/drawingml/2006/diagram"/>
+    </a:ext>
+  </dgm:extLst>
+</dgm:dataModel>
+</file>
+
+<file path=ppt/diagrams/data8.xml><?xml version="1.0" encoding="utf-8"?>
+<dgm:dataModel xmlns:dgm="http://schemas.openxmlformats.org/drawingml/2006/diagram" xmlns:a="http://schemas.openxmlformats.org/drawingml/2006/main">
+  <dgm:ptLst>
     <dgm:pt modelId="{41F34C01-CD2A-44CC-8987-34B1BB9D47CD}" type="doc">
       <dgm:prSet loTypeId="urn:microsoft.com/office/officeart/2005/8/layout/vList2" loCatId="list" qsTypeId="urn:microsoft.com/office/officeart/2005/8/quickstyle/simple1" qsCatId="simple" csTypeId="urn:microsoft.com/office/officeart/2005/8/colors/colorful2" csCatId="colorful"/>
       <dgm:spPr/>
@@ -8269,7 +9366,7 @@
 </dgm:dataModel>
 </file>
 
-<file path=ppt/diagrams/data8.xml><?xml version="1.0" encoding="utf-8"?>
+<file path=ppt/diagrams/data9.xml><?xml version="1.0" encoding="utf-8"?>
 <dgm:dataModel xmlns:dgm="http://schemas.openxmlformats.org/drawingml/2006/diagram" xmlns:a="http://schemas.openxmlformats.org/drawingml/2006/main">
   <dgm:ptLst>
     <dgm:pt modelId="{4BBD8192-511D-4B93-8444-2591E63168B8}" type="doc">
@@ -10238,6 +11335,434 @@
       <dsp:cNvGrpSpPr/>
     </dsp:nvGrpSpPr>
     <dsp:grpSpPr/>
+    <dsp:sp modelId="{6C767575-7322-48EA-BD7D-B4B09D6DAF78}">
+      <dsp:nvSpPr>
+        <dsp:cNvPr id="0" name=""/>
+        <dsp:cNvSpPr/>
+      </dsp:nvSpPr>
+      <dsp:spPr>
+        <a:xfrm>
+          <a:off x="0" y="4444"/>
+          <a:ext cx="7543800" cy="678014"/>
+        </a:xfrm>
+        <a:prstGeom prst="roundRect">
+          <a:avLst/>
+        </a:prstGeom>
+        <a:solidFill>
+          <a:schemeClr val="accent2">
+            <a:hueOff val="0"/>
+            <a:satOff val="0"/>
+            <a:lumOff val="0"/>
+            <a:alphaOff val="0"/>
+          </a:schemeClr>
+        </a:solidFill>
+        <a:ln w="12700" cap="flat" cmpd="sng" algn="ctr">
+          <a:solidFill>
+            <a:schemeClr val="lt1">
+              <a:hueOff val="0"/>
+              <a:satOff val="0"/>
+              <a:lumOff val="0"/>
+              <a:alphaOff val="0"/>
+            </a:schemeClr>
+          </a:solidFill>
+          <a:prstDash val="solid"/>
+        </a:ln>
+        <a:effectLst/>
+      </dsp:spPr>
+      <dsp:style>
+        <a:lnRef idx="2">
+          <a:scrgbClr r="0" g="0" b="0"/>
+        </a:lnRef>
+        <a:fillRef idx="1">
+          <a:scrgbClr r="0" g="0" b="0"/>
+        </a:fillRef>
+        <a:effectRef idx="0">
+          <a:scrgbClr r="0" g="0" b="0"/>
+        </a:effectRef>
+        <a:fontRef idx="minor">
+          <a:schemeClr val="lt1"/>
+        </a:fontRef>
+      </dsp:style>
+      <dsp:txBody>
+        <a:bodyPr spcFirstLastPara="0" vert="horz" wrap="square" lIns="110490" tIns="110490" rIns="110490" bIns="110490" numCol="1" spcCol="1270" anchor="ctr" anchorCtr="0">
+          <a:noAutofit/>
+        </a:bodyPr>
+        <a:lstStyle/>
+        <a:p>
+          <a:pPr marL="0" lvl="0" indent="0" algn="l" defTabSz="1289050">
+            <a:lnSpc>
+              <a:spcPct val="90000"/>
+            </a:lnSpc>
+            <a:spcBef>
+              <a:spcPct val="0"/>
+            </a:spcBef>
+            <a:spcAft>
+              <a:spcPct val="35000"/>
+            </a:spcAft>
+            <a:buNone/>
+          </a:pPr>
+          <a:r>
+            <a:rPr lang="ro-RO" sz="2900" kern="1200" dirty="0">
+              <a:latin typeface="+mj-lt"/>
+            </a:rPr>
+            <a:t>Echilibru robot</a:t>
+          </a:r>
+          <a:endParaRPr lang="en-US" sz="2900" kern="1200" dirty="0">
+            <a:latin typeface="+mj-lt"/>
+          </a:endParaRPr>
+        </a:p>
+      </dsp:txBody>
+      <dsp:txXfrm>
+        <a:off x="33098" y="37542"/>
+        <a:ext cx="7477604" cy="611818"/>
+      </dsp:txXfrm>
+    </dsp:sp>
+    <dsp:sp modelId="{936C126B-C252-4134-91C7-9D0EC8F2F73C}">
+      <dsp:nvSpPr>
+        <dsp:cNvPr id="0" name=""/>
+        <dsp:cNvSpPr/>
+      </dsp:nvSpPr>
+      <dsp:spPr>
+        <a:xfrm>
+          <a:off x="0" y="737179"/>
+          <a:ext cx="7543800" cy="678014"/>
+        </a:xfrm>
+        <a:prstGeom prst="roundRect">
+          <a:avLst/>
+        </a:prstGeom>
+        <a:solidFill>
+          <a:schemeClr val="accent2">
+            <a:hueOff val="0"/>
+            <a:satOff val="0"/>
+            <a:lumOff val="0"/>
+            <a:alphaOff val="0"/>
+          </a:schemeClr>
+        </a:solidFill>
+        <a:ln w="12700" cap="flat" cmpd="sng" algn="ctr">
+          <a:solidFill>
+            <a:schemeClr val="lt1">
+              <a:hueOff val="0"/>
+              <a:satOff val="0"/>
+              <a:lumOff val="0"/>
+              <a:alphaOff val="0"/>
+            </a:schemeClr>
+          </a:solidFill>
+          <a:prstDash val="solid"/>
+        </a:ln>
+        <a:effectLst/>
+      </dsp:spPr>
+      <dsp:style>
+        <a:lnRef idx="2">
+          <a:scrgbClr r="0" g="0" b="0"/>
+        </a:lnRef>
+        <a:fillRef idx="1">
+          <a:scrgbClr r="0" g="0" b="0"/>
+        </a:fillRef>
+        <a:effectRef idx="0">
+          <a:scrgbClr r="0" g="0" b="0"/>
+        </a:effectRef>
+        <a:fontRef idx="minor">
+          <a:schemeClr val="lt1"/>
+        </a:fontRef>
+      </dsp:style>
+      <dsp:txBody>
+        <a:bodyPr spcFirstLastPara="0" vert="horz" wrap="square" lIns="110490" tIns="110490" rIns="110490" bIns="110490" numCol="1" spcCol="1270" anchor="ctr" anchorCtr="0">
+          <a:noAutofit/>
+        </a:bodyPr>
+        <a:lstStyle/>
+        <a:p>
+          <a:pPr marL="0" lvl="0" indent="0" algn="l" defTabSz="1289050">
+            <a:lnSpc>
+              <a:spcPct val="90000"/>
+            </a:lnSpc>
+            <a:spcBef>
+              <a:spcPct val="0"/>
+            </a:spcBef>
+            <a:spcAft>
+              <a:spcPct val="35000"/>
+            </a:spcAft>
+            <a:buNone/>
+          </a:pPr>
+          <a:r>
+            <a:rPr lang="en-US" sz="2900" kern="1200" dirty="0">
+              <a:latin typeface="+mj-lt"/>
+            </a:rPr>
+            <a:t>Sensibilitate camer</a:t>
+          </a:r>
+          <a:r>
+            <a:rPr lang="ro-RO" sz="2900" kern="1200" dirty="0">
+              <a:latin typeface="+mj-lt"/>
+            </a:rPr>
+            <a:t>ă Pixy</a:t>
+          </a:r>
+          <a:endParaRPr lang="en-US" sz="2900" kern="1200" dirty="0">
+            <a:latin typeface="+mj-lt"/>
+          </a:endParaRPr>
+        </a:p>
+      </dsp:txBody>
+      <dsp:txXfrm>
+        <a:off x="33098" y="770277"/>
+        <a:ext cx="7477604" cy="611818"/>
+      </dsp:txXfrm>
+    </dsp:sp>
+    <dsp:sp modelId="{88AD2171-A5D5-4C09-BEBA-6940C7FFF3AC}">
+      <dsp:nvSpPr>
+        <dsp:cNvPr id="0" name=""/>
+        <dsp:cNvSpPr/>
+      </dsp:nvSpPr>
+      <dsp:spPr>
+        <a:xfrm>
+          <a:off x="0" y="1469915"/>
+          <a:ext cx="7543800" cy="678014"/>
+        </a:xfrm>
+        <a:prstGeom prst="roundRect">
+          <a:avLst/>
+        </a:prstGeom>
+        <a:solidFill>
+          <a:schemeClr val="accent2">
+            <a:hueOff val="0"/>
+            <a:satOff val="0"/>
+            <a:lumOff val="0"/>
+            <a:alphaOff val="0"/>
+          </a:schemeClr>
+        </a:solidFill>
+        <a:ln w="12700" cap="flat" cmpd="sng" algn="ctr">
+          <a:solidFill>
+            <a:schemeClr val="lt1">
+              <a:hueOff val="0"/>
+              <a:satOff val="0"/>
+              <a:lumOff val="0"/>
+              <a:alphaOff val="0"/>
+            </a:schemeClr>
+          </a:solidFill>
+          <a:prstDash val="solid"/>
+        </a:ln>
+        <a:effectLst/>
+      </dsp:spPr>
+      <dsp:style>
+        <a:lnRef idx="2">
+          <a:scrgbClr r="0" g="0" b="0"/>
+        </a:lnRef>
+        <a:fillRef idx="1">
+          <a:scrgbClr r="0" g="0" b="0"/>
+        </a:fillRef>
+        <a:effectRef idx="0">
+          <a:scrgbClr r="0" g="0" b="0"/>
+        </a:effectRef>
+        <a:fontRef idx="minor">
+          <a:schemeClr val="lt1"/>
+        </a:fontRef>
+      </dsp:style>
+      <dsp:txBody>
+        <a:bodyPr spcFirstLastPara="0" vert="horz" wrap="square" lIns="110490" tIns="110490" rIns="110490" bIns="110490" numCol="1" spcCol="1270" anchor="ctr" anchorCtr="0">
+          <a:noAutofit/>
+        </a:bodyPr>
+        <a:lstStyle/>
+        <a:p>
+          <a:pPr marL="0" lvl="0" indent="0" algn="l" defTabSz="1289050">
+            <a:lnSpc>
+              <a:spcPct val="90000"/>
+            </a:lnSpc>
+            <a:spcBef>
+              <a:spcPct val="0"/>
+            </a:spcBef>
+            <a:spcAft>
+              <a:spcPct val="35000"/>
+            </a:spcAft>
+            <a:buNone/>
+          </a:pPr>
+          <a:r>
+            <a:rPr lang="ro-RO" sz="2900" kern="1200" dirty="0">
+              <a:latin typeface="+mj-lt"/>
+            </a:rPr>
+            <a:t>Gestionarea cablurilor</a:t>
+          </a:r>
+          <a:endParaRPr lang="en-US" sz="2900" kern="1200" dirty="0">
+            <a:latin typeface="+mj-lt"/>
+          </a:endParaRPr>
+        </a:p>
+      </dsp:txBody>
+      <dsp:txXfrm>
+        <a:off x="33098" y="1503013"/>
+        <a:ext cx="7477604" cy="611818"/>
+      </dsp:txXfrm>
+    </dsp:sp>
+    <dsp:sp modelId="{21EDF1E5-0193-4D20-8771-CDB9280AD48D}">
+      <dsp:nvSpPr>
+        <dsp:cNvPr id="0" name=""/>
+        <dsp:cNvSpPr/>
+      </dsp:nvSpPr>
+      <dsp:spPr>
+        <a:xfrm>
+          <a:off x="0" y="2202650"/>
+          <a:ext cx="7543800" cy="678014"/>
+        </a:xfrm>
+        <a:prstGeom prst="roundRect">
+          <a:avLst/>
+        </a:prstGeom>
+        <a:solidFill>
+          <a:schemeClr val="accent2">
+            <a:hueOff val="0"/>
+            <a:satOff val="0"/>
+            <a:lumOff val="0"/>
+            <a:alphaOff val="0"/>
+          </a:schemeClr>
+        </a:solidFill>
+        <a:ln w="12700" cap="flat" cmpd="sng" algn="ctr">
+          <a:solidFill>
+            <a:schemeClr val="lt1">
+              <a:hueOff val="0"/>
+              <a:satOff val="0"/>
+              <a:lumOff val="0"/>
+              <a:alphaOff val="0"/>
+            </a:schemeClr>
+          </a:solidFill>
+          <a:prstDash val="solid"/>
+        </a:ln>
+        <a:effectLst/>
+      </dsp:spPr>
+      <dsp:style>
+        <a:lnRef idx="2">
+          <a:scrgbClr r="0" g="0" b="0"/>
+        </a:lnRef>
+        <a:fillRef idx="1">
+          <a:scrgbClr r="0" g="0" b="0"/>
+        </a:fillRef>
+        <a:effectRef idx="0">
+          <a:scrgbClr r="0" g="0" b="0"/>
+        </a:effectRef>
+        <a:fontRef idx="minor">
+          <a:schemeClr val="lt1"/>
+        </a:fontRef>
+      </dsp:style>
+      <dsp:txBody>
+        <a:bodyPr spcFirstLastPara="0" vert="horz" wrap="square" lIns="110490" tIns="110490" rIns="110490" bIns="110490" numCol="1" spcCol="1270" anchor="ctr" anchorCtr="0">
+          <a:noAutofit/>
+        </a:bodyPr>
+        <a:lstStyle/>
+        <a:p>
+          <a:pPr marL="0" lvl="0" indent="0" algn="l" defTabSz="1289050">
+            <a:lnSpc>
+              <a:spcPct val="90000"/>
+            </a:lnSpc>
+            <a:spcBef>
+              <a:spcPct val="0"/>
+            </a:spcBef>
+            <a:spcAft>
+              <a:spcPct val="35000"/>
+            </a:spcAft>
+            <a:buNone/>
+          </a:pPr>
+          <a:r>
+            <a:rPr lang="ro-RO" sz="2900" kern="1200" dirty="0">
+              <a:latin typeface="+mj-lt"/>
+            </a:rPr>
+            <a:t>Referințe diferite ale motoarelor</a:t>
+          </a:r>
+          <a:endParaRPr lang="en-US" sz="2900" kern="1200" dirty="0">
+            <a:latin typeface="+mj-lt"/>
+          </a:endParaRPr>
+        </a:p>
+      </dsp:txBody>
+      <dsp:txXfrm>
+        <a:off x="33098" y="2235748"/>
+        <a:ext cx="7477604" cy="611818"/>
+      </dsp:txXfrm>
+    </dsp:sp>
+    <dsp:sp modelId="{A29748BA-1D8F-4E2E-842D-2BB25559DE80}">
+      <dsp:nvSpPr>
+        <dsp:cNvPr id="0" name=""/>
+        <dsp:cNvSpPr/>
+      </dsp:nvSpPr>
+      <dsp:spPr>
+        <a:xfrm>
+          <a:off x="0" y="2935385"/>
+          <a:ext cx="7543800" cy="678014"/>
+        </a:xfrm>
+        <a:prstGeom prst="roundRect">
+          <a:avLst/>
+        </a:prstGeom>
+        <a:solidFill>
+          <a:schemeClr val="accent2">
+            <a:hueOff val="0"/>
+            <a:satOff val="0"/>
+            <a:lumOff val="0"/>
+            <a:alphaOff val="0"/>
+          </a:schemeClr>
+        </a:solidFill>
+        <a:ln w="12700" cap="flat" cmpd="sng" algn="ctr">
+          <a:solidFill>
+            <a:schemeClr val="lt1">
+              <a:hueOff val="0"/>
+              <a:satOff val="0"/>
+              <a:lumOff val="0"/>
+              <a:alphaOff val="0"/>
+            </a:schemeClr>
+          </a:solidFill>
+          <a:prstDash val="solid"/>
+        </a:ln>
+        <a:effectLst/>
+      </dsp:spPr>
+      <dsp:style>
+        <a:lnRef idx="2">
+          <a:scrgbClr r="0" g="0" b="0"/>
+        </a:lnRef>
+        <a:fillRef idx="1">
+          <a:scrgbClr r="0" g="0" b="0"/>
+        </a:fillRef>
+        <a:effectRef idx="0">
+          <a:scrgbClr r="0" g="0" b="0"/>
+        </a:effectRef>
+        <a:fontRef idx="minor">
+          <a:schemeClr val="lt1"/>
+        </a:fontRef>
+      </dsp:style>
+      <dsp:txBody>
+        <a:bodyPr spcFirstLastPara="0" vert="horz" wrap="square" lIns="110490" tIns="110490" rIns="110490" bIns="110490" numCol="1" spcCol="1270" anchor="ctr" anchorCtr="0">
+          <a:noAutofit/>
+        </a:bodyPr>
+        <a:lstStyle/>
+        <a:p>
+          <a:pPr marL="0" lvl="0" indent="0" algn="l" defTabSz="1289050">
+            <a:lnSpc>
+              <a:spcPct val="90000"/>
+            </a:lnSpc>
+            <a:spcBef>
+              <a:spcPct val="0"/>
+            </a:spcBef>
+            <a:spcAft>
+              <a:spcPct val="35000"/>
+            </a:spcAft>
+            <a:buNone/>
+          </a:pPr>
+          <a:r>
+            <a:rPr lang="ro-RO" sz="2900" kern="1200" dirty="0">
+              <a:latin typeface="+mj-lt"/>
+            </a:rPr>
+            <a:t>Jumper pe placa SSC32</a:t>
+          </a:r>
+          <a:endParaRPr lang="en-US" sz="2900" kern="1200" dirty="0">
+            <a:latin typeface="+mj-lt"/>
+          </a:endParaRPr>
+        </a:p>
+      </dsp:txBody>
+      <dsp:txXfrm>
+        <a:off x="33098" y="2968483"/>
+        <a:ext cx="7477604" cy="611818"/>
+      </dsp:txXfrm>
+    </dsp:sp>
+  </dsp:spTree>
+</dsp:drawing>
+</file>
+
+<file path=ppt/diagrams/drawing8.xml><?xml version="1.0" encoding="utf-8"?>
+<dsp:drawing xmlns:dgm="http://schemas.openxmlformats.org/drawingml/2006/diagram" xmlns:dsp="http://schemas.microsoft.com/office/drawing/2008/diagram" xmlns:a="http://schemas.openxmlformats.org/drawingml/2006/main">
+  <dsp:spTree>
+    <dsp:nvGrpSpPr>
+      <dsp:cNvPr id="0" name=""/>
+      <dsp:cNvGrpSpPr/>
+    </dsp:nvGrpSpPr>
+    <dsp:grpSpPr/>
     <dsp:sp modelId="{1D1553D2-5C97-4FE8-8A7A-96C06D72ACB8}">
       <dsp:nvSpPr>
         <dsp:cNvPr id="0" name=""/>
@@ -10576,7 +12101,7 @@
 </dsp:drawing>
 </file>
 
-<file path=ppt/diagrams/drawing8.xml><?xml version="1.0" encoding="utf-8"?>
+<file path=ppt/diagrams/drawing9.xml><?xml version="1.0" encoding="utf-8"?>
 <dsp:drawing xmlns:dgm="http://schemas.openxmlformats.org/drawingml/2006/diagram" xmlns:dsp="http://schemas.microsoft.com/office/drawing/2008/diagram" xmlns:a="http://schemas.openxmlformats.org/drawingml/2006/main">
   <dsp:spTree>
     <dsp:nvGrpSpPr>
@@ -12200,6 +13725,173 @@
 </dgm:layoutDef>
 </file>
 
+<file path=ppt/diagrams/layout9.xml><?xml version="1.0" encoding="utf-8"?>
+<dgm:layoutDef xmlns:dgm="http://schemas.openxmlformats.org/drawingml/2006/diagram" xmlns:a="http://schemas.openxmlformats.org/drawingml/2006/main" uniqueId="urn:microsoft.com/office/officeart/2005/8/layout/vList2">
+  <dgm:title val=""/>
+  <dgm:desc val=""/>
+  <dgm:catLst>
+    <dgm:cat type="list" pri="3000"/>
+    <dgm:cat type="convert" pri="1000"/>
+  </dgm:catLst>
+  <dgm:sampData>
+    <dgm:dataModel>
+      <dgm:ptLst>
+        <dgm:pt modelId="0" type="doc"/>
+        <dgm:pt modelId="1">
+          <dgm:prSet phldr="1"/>
+        </dgm:pt>
+        <dgm:pt modelId="11">
+          <dgm:prSet phldr="1"/>
+        </dgm:pt>
+        <dgm:pt modelId="2">
+          <dgm:prSet phldr="1"/>
+        </dgm:pt>
+        <dgm:pt modelId="21">
+          <dgm:prSet phldr="1"/>
+        </dgm:pt>
+      </dgm:ptLst>
+      <dgm:cxnLst>
+        <dgm:cxn modelId="4" srcId="0" destId="1" srcOrd="0" destOrd="0"/>
+        <dgm:cxn modelId="5" srcId="0" destId="2" srcOrd="1" destOrd="0"/>
+        <dgm:cxn modelId="12" srcId="1" destId="11" srcOrd="0" destOrd="0"/>
+        <dgm:cxn modelId="23" srcId="2" destId="21" srcOrd="0" destOrd="0"/>
+      </dgm:cxnLst>
+      <dgm:bg/>
+      <dgm:whole/>
+    </dgm:dataModel>
+  </dgm:sampData>
+  <dgm:styleData>
+    <dgm:dataModel>
+      <dgm:ptLst>
+        <dgm:pt modelId="0" type="doc"/>
+        <dgm:pt modelId="1"/>
+        <dgm:pt modelId="2"/>
+      </dgm:ptLst>
+      <dgm:cxnLst>
+        <dgm:cxn modelId="3" srcId="0" destId="1" srcOrd="0" destOrd="0"/>
+        <dgm:cxn modelId="4" srcId="0" destId="2" srcOrd="1" destOrd="0"/>
+      </dgm:cxnLst>
+      <dgm:bg/>
+      <dgm:whole/>
+    </dgm:dataModel>
+  </dgm:styleData>
+  <dgm:clrData>
+    <dgm:dataModel>
+      <dgm:ptLst>
+        <dgm:pt modelId="0" type="doc"/>
+        <dgm:pt modelId="1"/>
+        <dgm:pt modelId="2"/>
+        <dgm:pt modelId="3"/>
+        <dgm:pt modelId="4"/>
+      </dgm:ptLst>
+      <dgm:cxnLst>
+        <dgm:cxn modelId="5" srcId="0" destId="1" srcOrd="0" destOrd="0"/>
+        <dgm:cxn modelId="6" srcId="0" destId="2" srcOrd="1" destOrd="0"/>
+        <dgm:cxn modelId="7" srcId="0" destId="3" srcOrd="2" destOrd="0"/>
+        <dgm:cxn modelId="8" srcId="0" destId="4" srcOrd="3" destOrd="0"/>
+      </dgm:cxnLst>
+      <dgm:bg/>
+      <dgm:whole/>
+    </dgm:dataModel>
+  </dgm:clrData>
+  <dgm:layoutNode name="linear">
+    <dgm:varLst>
+      <dgm:animLvl val="lvl"/>
+      <dgm:resizeHandles val="exact"/>
+    </dgm:varLst>
+    <dgm:alg type="lin">
+      <dgm:param type="linDir" val="fromT"/>
+      <dgm:param type="vertAlign" val="mid"/>
+    </dgm:alg>
+    <dgm:shape xmlns:r="http://schemas.openxmlformats.org/officeDocument/2006/relationships" r:blip="">
+      <dgm:adjLst/>
+    </dgm:shape>
+    <dgm:presOf/>
+    <dgm:constrLst>
+      <dgm:constr type="w" for="ch" forName="parentText" refType="w"/>
+      <dgm:constr type="h" for="ch" forName="parentText" refType="primFontSz" refFor="ch" refForName="parentText" fact="0.52"/>
+      <dgm:constr type="w" for="ch" forName="childText" refType="w"/>
+      <dgm:constr type="h" for="ch" forName="childText" refType="primFontSz" refFor="ch" refForName="parentText" fact="0.46"/>
+      <dgm:constr type="h" for="ch" forName="parentText" op="equ"/>
+      <dgm:constr type="primFontSz" for="ch" forName="parentText" op="equ" val="65"/>
+      <dgm:constr type="primFontSz" for="ch" forName="childText" refType="primFontSz" refFor="ch" refForName="parentText" op="equ"/>
+      <dgm:constr type="h" for="ch" forName="spacer" refType="primFontSz" refFor="ch" refForName="parentText" fact="0.08"/>
+    </dgm:constrLst>
+    <dgm:ruleLst>
+      <dgm:rule type="primFontSz" for="ch" forName="parentText" val="5" fact="NaN" max="NaN"/>
+    </dgm:ruleLst>
+    <dgm:forEach name="Name0" axis="ch" ptType="node">
+      <dgm:layoutNode name="parentText" styleLbl="node1">
+        <dgm:varLst>
+          <dgm:chMax val="0"/>
+          <dgm:bulletEnabled val="1"/>
+        </dgm:varLst>
+        <dgm:alg type="tx">
+          <dgm:param type="parTxLTRAlign" val="l"/>
+          <dgm:param type="parTxRTLAlign" val="r"/>
+        </dgm:alg>
+        <dgm:shape xmlns:r="http://schemas.openxmlformats.org/officeDocument/2006/relationships" type="roundRect" r:blip="">
+          <dgm:adjLst/>
+        </dgm:shape>
+        <dgm:presOf axis="self"/>
+        <dgm:constrLst>
+          <dgm:constr type="tMarg" refType="primFontSz" fact="0.3"/>
+          <dgm:constr type="bMarg" refType="primFontSz" fact="0.3"/>
+          <dgm:constr type="lMarg" refType="primFontSz" fact="0.3"/>
+          <dgm:constr type="rMarg" refType="primFontSz" fact="0.3"/>
+        </dgm:constrLst>
+        <dgm:ruleLst>
+          <dgm:rule type="h" val="INF" fact="NaN" max="NaN"/>
+        </dgm:ruleLst>
+      </dgm:layoutNode>
+      <dgm:choose name="Name1">
+        <dgm:if name="Name2" axis="ch" ptType="node" func="cnt" op="gte" val="1">
+          <dgm:layoutNode name="childText" styleLbl="revTx">
+            <dgm:varLst>
+              <dgm:bulletEnabled val="1"/>
+            </dgm:varLst>
+            <dgm:alg type="tx">
+              <dgm:param type="stBulletLvl" val="1"/>
+              <dgm:param type="lnSpAfChP" val="20"/>
+            </dgm:alg>
+            <dgm:shape xmlns:r="http://schemas.openxmlformats.org/officeDocument/2006/relationships" type="rect" r:blip="">
+              <dgm:adjLst/>
+            </dgm:shape>
+            <dgm:presOf axis="des" ptType="node"/>
+            <dgm:constrLst>
+              <dgm:constr type="tMarg" refType="primFontSz" fact="0.1"/>
+              <dgm:constr type="bMarg" refType="primFontSz" fact="0.1"/>
+              <dgm:constr type="lMarg" refType="w" fact="0.09"/>
+            </dgm:constrLst>
+            <dgm:ruleLst>
+              <dgm:rule type="h" val="INF" fact="NaN" max="NaN"/>
+            </dgm:ruleLst>
+          </dgm:layoutNode>
+        </dgm:if>
+        <dgm:else name="Name3">
+          <dgm:choose name="Name4">
+            <dgm:if name="Name5" axis="par ch" ptType="doc node" func="cnt" op="gte" val="2">
+              <dgm:forEach name="Name6" axis="followSib" ptType="sibTrans" cnt="1">
+                <dgm:layoutNode name="spacer">
+                  <dgm:alg type="sp"/>
+                  <dgm:shape xmlns:r="http://schemas.openxmlformats.org/officeDocument/2006/relationships" r:blip="">
+                    <dgm:adjLst/>
+                  </dgm:shape>
+                  <dgm:presOf/>
+                  <dgm:constrLst/>
+                  <dgm:ruleLst/>
+                </dgm:layoutNode>
+              </dgm:forEach>
+            </dgm:if>
+            <dgm:else name="Name7"/>
+          </dgm:choose>
+        </dgm:else>
+      </dgm:choose>
+    </dgm:forEach>
+  </dgm:layoutNode>
+</dgm:layoutDef>
+</file>
+
 <file path=ppt/diagrams/quickStyle1.xml><?xml version="1.0" encoding="utf-8"?>
 <dgm:styleDef xmlns:dgm="http://schemas.openxmlformats.org/drawingml/2006/diagram" xmlns:a="http://schemas.openxmlformats.org/drawingml/2006/main" uniqueId="urn:microsoft.com/office/officeart/2005/8/quickstyle/simple1">
   <dgm:title val=""/>
@@ -19439,6 +21131,1040 @@
 </file>
 
 <file path=ppt/diagrams/quickStyle8.xml><?xml version="1.0" encoding="utf-8"?>
+<dgm:styleDef xmlns:dgm="http://schemas.openxmlformats.org/drawingml/2006/diagram" xmlns:a="http://schemas.openxmlformats.org/drawingml/2006/main" uniqueId="urn:microsoft.com/office/officeart/2005/8/quickstyle/simple1">
+  <dgm:title val=""/>
+  <dgm:desc val=""/>
+  <dgm:catLst>
+    <dgm:cat type="simple" pri="10100"/>
+  </dgm:catLst>
+  <dgm:scene3d>
+    <a:camera prst="orthographicFront"/>
+    <a:lightRig rig="threePt" dir="t"/>
+  </dgm:scene3d>
+  <dgm:styleLbl name="node0">
+    <dgm:scene3d>
+      <a:camera prst="orthographicFront"/>
+      <a:lightRig rig="threePt" dir="t"/>
+    </dgm:scene3d>
+    <dgm:sp3d/>
+    <dgm:txPr/>
+    <dgm:style>
+      <a:lnRef idx="2">
+        <a:scrgbClr r="0" g="0" b="0"/>
+      </a:lnRef>
+      <a:fillRef idx="1">
+        <a:scrgbClr r="0" g="0" b="0"/>
+      </a:fillRef>
+      <a:effectRef idx="0">
+        <a:scrgbClr r="0" g="0" b="0"/>
+      </a:effectRef>
+      <a:fontRef idx="minor">
+        <a:schemeClr val="lt1"/>
+      </a:fontRef>
+    </dgm:style>
+  </dgm:styleLbl>
+  <dgm:styleLbl name="lnNode1">
+    <dgm:scene3d>
+      <a:camera prst="orthographicFront"/>
+      <a:lightRig rig="threePt" dir="t"/>
+    </dgm:scene3d>
+    <dgm:sp3d/>
+    <dgm:txPr/>
+    <dgm:style>
+      <a:lnRef idx="2">
+        <a:scrgbClr r="0" g="0" b="0"/>
+      </a:lnRef>
+      <a:fillRef idx="1">
+        <a:scrgbClr r="0" g="0" b="0"/>
+      </a:fillRef>
+      <a:effectRef idx="0">
+        <a:scrgbClr r="0" g="0" b="0"/>
+      </a:effectRef>
+      <a:fontRef idx="minor">
+        <a:schemeClr val="lt1"/>
+      </a:fontRef>
+    </dgm:style>
+  </dgm:styleLbl>
+  <dgm:styleLbl name="vennNode1">
+    <dgm:scene3d>
+      <a:camera prst="orthographicFront"/>
+      <a:lightRig rig="threePt" dir="t"/>
+    </dgm:scene3d>
+    <dgm:sp3d/>
+    <dgm:txPr/>
+    <dgm:style>
+      <a:lnRef idx="2">
+        <a:scrgbClr r="0" g="0" b="0"/>
+      </a:lnRef>
+      <a:fillRef idx="1">
+        <a:scrgbClr r="0" g="0" b="0"/>
+      </a:fillRef>
+      <a:effectRef idx="0">
+        <a:scrgbClr r="0" g="0" b="0"/>
+      </a:effectRef>
+      <a:fontRef idx="minor">
+        <a:schemeClr val="tx1"/>
+      </a:fontRef>
+    </dgm:style>
+  </dgm:styleLbl>
+  <dgm:styleLbl name="alignNode1">
+    <dgm:scene3d>
+      <a:camera prst="orthographicFront"/>
+      <a:lightRig rig="threePt" dir="t"/>
+    </dgm:scene3d>
+    <dgm:sp3d/>
+    <dgm:txPr/>
+    <dgm:style>
+      <a:lnRef idx="2">
+        <a:scrgbClr r="0" g="0" b="0"/>
+      </a:lnRef>
+      <a:fillRef idx="1">
+        <a:scrgbClr r="0" g="0" b="0"/>
+      </a:fillRef>
+      <a:effectRef idx="0">
+        <a:scrgbClr r="0" g="0" b="0"/>
+      </a:effectRef>
+      <a:fontRef idx="minor">
+        <a:schemeClr val="lt1"/>
+      </a:fontRef>
+    </dgm:style>
+  </dgm:styleLbl>
+  <dgm:styleLbl name="node1">
+    <dgm:scene3d>
+      <a:camera prst="orthographicFront"/>
+      <a:lightRig rig="threePt" dir="t"/>
+    </dgm:scene3d>
+    <dgm:sp3d/>
+    <dgm:txPr/>
+    <dgm:style>
+      <a:lnRef idx="2">
+        <a:scrgbClr r="0" g="0" b="0"/>
+      </a:lnRef>
+      <a:fillRef idx="1">
+        <a:scrgbClr r="0" g="0" b="0"/>
+      </a:fillRef>
+      <a:effectRef idx="0">
+        <a:scrgbClr r="0" g="0" b="0"/>
+      </a:effectRef>
+      <a:fontRef idx="minor">
+        <a:schemeClr val="lt1"/>
+      </a:fontRef>
+    </dgm:style>
+  </dgm:styleLbl>
+  <dgm:styleLbl name="node2">
+    <dgm:scene3d>
+      <a:camera prst="orthographicFront"/>
+      <a:lightRig rig="threePt" dir="t"/>
+    </dgm:scene3d>
+    <dgm:sp3d/>
+    <dgm:txPr/>
+    <dgm:style>
+      <a:lnRef idx="2">
+        <a:scrgbClr r="0" g="0" b="0"/>
+      </a:lnRef>
+      <a:fillRef idx="1">
+        <a:scrgbClr r="0" g="0" b="0"/>
+      </a:fillRef>
+      <a:effectRef idx="0">
+        <a:scrgbClr r="0" g="0" b="0"/>
+      </a:effectRef>
+      <a:fontRef idx="minor">
+        <a:schemeClr val="lt1"/>
+      </a:fontRef>
+    </dgm:style>
+  </dgm:styleLbl>
+  <dgm:styleLbl name="node3">
+    <dgm:scene3d>
+      <a:camera prst="orthographicFront"/>
+      <a:lightRig rig="threePt" dir="t"/>
+    </dgm:scene3d>
+    <dgm:sp3d/>
+    <dgm:txPr/>
+    <dgm:style>
+      <a:lnRef idx="2">
+        <a:scrgbClr r="0" g="0" b="0"/>
+      </a:lnRef>
+      <a:fillRef idx="1">
+        <a:scrgbClr r="0" g="0" b="0"/>
+      </a:fillRef>
+      <a:effectRef idx="0">
+        <a:scrgbClr r="0" g="0" b="0"/>
+      </a:effectRef>
+      <a:fontRef idx="minor">
+        <a:schemeClr val="lt1"/>
+      </a:fontRef>
+    </dgm:style>
+  </dgm:styleLbl>
+  <dgm:styleLbl name="node4">
+    <dgm:scene3d>
+      <a:camera prst="orthographicFront"/>
+      <a:lightRig rig="threePt" dir="t"/>
+    </dgm:scene3d>
+    <dgm:sp3d/>
+    <dgm:txPr/>
+    <dgm:style>
+      <a:lnRef idx="2">
+        <a:scrgbClr r="0" g="0" b="0"/>
+      </a:lnRef>
+      <a:fillRef idx="1">
+        <a:scrgbClr r="0" g="0" b="0"/>
+      </a:fillRef>
+      <a:effectRef idx="0">
+        <a:scrgbClr r="0" g="0" b="0"/>
+      </a:effectRef>
+      <a:fontRef idx="minor">
+        <a:schemeClr val="lt1"/>
+      </a:fontRef>
+    </dgm:style>
+  </dgm:styleLbl>
+  <dgm:styleLbl name="fgImgPlace1">
+    <dgm:scene3d>
+      <a:camera prst="orthographicFront"/>
+      <a:lightRig rig="threePt" dir="t"/>
+    </dgm:scene3d>
+    <dgm:sp3d/>
+    <dgm:txPr/>
+    <dgm:style>
+      <a:lnRef idx="2">
+        <a:scrgbClr r="0" g="0" b="0"/>
+      </a:lnRef>
+      <a:fillRef idx="1">
+        <a:scrgbClr r="0" g="0" b="0"/>
+      </a:fillRef>
+      <a:effectRef idx="0">
+        <a:scrgbClr r="0" g="0" b="0"/>
+      </a:effectRef>
+      <a:fontRef idx="minor"/>
+    </dgm:style>
+  </dgm:styleLbl>
+  <dgm:styleLbl name="alignImgPlace1">
+    <dgm:scene3d>
+      <a:camera prst="orthographicFront"/>
+      <a:lightRig rig="threePt" dir="t"/>
+    </dgm:scene3d>
+    <dgm:sp3d/>
+    <dgm:txPr/>
+    <dgm:style>
+      <a:lnRef idx="2">
+        <a:scrgbClr r="0" g="0" b="0"/>
+      </a:lnRef>
+      <a:fillRef idx="1">
+        <a:scrgbClr r="0" g="0" b="0"/>
+      </a:fillRef>
+      <a:effectRef idx="0">
+        <a:scrgbClr r="0" g="0" b="0"/>
+      </a:effectRef>
+      <a:fontRef idx="minor"/>
+    </dgm:style>
+  </dgm:styleLbl>
+  <dgm:styleLbl name="bgImgPlace1">
+    <dgm:scene3d>
+      <a:camera prst="orthographicFront"/>
+      <a:lightRig rig="threePt" dir="t"/>
+    </dgm:scene3d>
+    <dgm:sp3d/>
+    <dgm:txPr/>
+    <dgm:style>
+      <a:lnRef idx="2">
+        <a:scrgbClr r="0" g="0" b="0"/>
+      </a:lnRef>
+      <a:fillRef idx="1">
+        <a:scrgbClr r="0" g="0" b="0"/>
+      </a:fillRef>
+      <a:effectRef idx="0">
+        <a:scrgbClr r="0" g="0" b="0"/>
+      </a:effectRef>
+      <a:fontRef idx="minor"/>
+    </dgm:style>
+  </dgm:styleLbl>
+  <dgm:styleLbl name="sibTrans2D1">
+    <dgm:scene3d>
+      <a:camera prst="orthographicFront"/>
+      <a:lightRig rig="threePt" dir="t"/>
+    </dgm:scene3d>
+    <dgm:sp3d/>
+    <dgm:txPr/>
+    <dgm:style>
+      <a:lnRef idx="0">
+        <a:scrgbClr r="0" g="0" b="0"/>
+      </a:lnRef>
+      <a:fillRef idx="1">
+        <a:scrgbClr r="0" g="0" b="0"/>
+      </a:fillRef>
+      <a:effectRef idx="0">
+        <a:scrgbClr r="0" g="0" b="0"/>
+      </a:effectRef>
+      <a:fontRef idx="minor">
+        <a:schemeClr val="lt1"/>
+      </a:fontRef>
+    </dgm:style>
+  </dgm:styleLbl>
+  <dgm:styleLbl name="fgSibTrans2D1">
+    <dgm:scene3d>
+      <a:camera prst="orthographicFront"/>
+      <a:lightRig rig="threePt" dir="t"/>
+    </dgm:scene3d>
+    <dgm:sp3d/>
+    <dgm:txPr/>
+    <dgm:style>
+      <a:lnRef idx="0">
+        <a:scrgbClr r="0" g="0" b="0"/>
+      </a:lnRef>
+      <a:fillRef idx="1">
+        <a:scrgbClr r="0" g="0" b="0"/>
+      </a:fillRef>
+      <a:effectRef idx="0">
+        <a:scrgbClr r="0" g="0" b="0"/>
+      </a:effectRef>
+      <a:fontRef idx="minor">
+        <a:schemeClr val="lt1"/>
+      </a:fontRef>
+    </dgm:style>
+  </dgm:styleLbl>
+  <dgm:styleLbl name="bgSibTrans2D1">
+    <dgm:scene3d>
+      <a:camera prst="orthographicFront"/>
+      <a:lightRig rig="threePt" dir="t"/>
+    </dgm:scene3d>
+    <dgm:sp3d/>
+    <dgm:txPr/>
+    <dgm:style>
+      <a:lnRef idx="0">
+        <a:scrgbClr r="0" g="0" b="0"/>
+      </a:lnRef>
+      <a:fillRef idx="1">
+        <a:scrgbClr r="0" g="0" b="0"/>
+      </a:fillRef>
+      <a:effectRef idx="0">
+        <a:scrgbClr r="0" g="0" b="0"/>
+      </a:effectRef>
+      <a:fontRef idx="minor">
+        <a:schemeClr val="lt1"/>
+      </a:fontRef>
+    </dgm:style>
+  </dgm:styleLbl>
+  <dgm:styleLbl name="sibTrans1D1">
+    <dgm:scene3d>
+      <a:camera prst="orthographicFront"/>
+      <a:lightRig rig="threePt" dir="t"/>
+    </dgm:scene3d>
+    <dgm:sp3d/>
+    <dgm:txPr/>
+    <dgm:style>
+      <a:lnRef idx="1">
+        <a:scrgbClr r="0" g="0" b="0"/>
+      </a:lnRef>
+      <a:fillRef idx="0">
+        <a:scrgbClr r="0" g="0" b="0"/>
+      </a:fillRef>
+      <a:effectRef idx="0">
+        <a:scrgbClr r="0" g="0" b="0"/>
+      </a:effectRef>
+      <a:fontRef idx="minor"/>
+    </dgm:style>
+  </dgm:styleLbl>
+  <dgm:styleLbl name="callout">
+    <dgm:scene3d>
+      <a:camera prst="orthographicFront"/>
+      <a:lightRig rig="threePt" dir="t"/>
+    </dgm:scene3d>
+    <dgm:sp3d/>
+    <dgm:txPr/>
+    <dgm:style>
+      <a:lnRef idx="2">
+        <a:scrgbClr r="0" g="0" b="0"/>
+      </a:lnRef>
+      <a:fillRef idx="1">
+        <a:scrgbClr r="0" g="0" b="0"/>
+      </a:fillRef>
+      <a:effectRef idx="0">
+        <a:scrgbClr r="0" g="0" b="0"/>
+      </a:effectRef>
+      <a:fontRef idx="minor"/>
+    </dgm:style>
+  </dgm:styleLbl>
+  <dgm:styleLbl name="asst0">
+    <dgm:scene3d>
+      <a:camera prst="orthographicFront"/>
+      <a:lightRig rig="threePt" dir="t"/>
+    </dgm:scene3d>
+    <dgm:sp3d/>
+    <dgm:txPr/>
+    <dgm:style>
+      <a:lnRef idx="2">
+        <a:scrgbClr r="0" g="0" b="0"/>
+      </a:lnRef>
+      <a:fillRef idx="1">
+        <a:scrgbClr r="0" g="0" b="0"/>
+      </a:fillRef>
+      <a:effectRef idx="0">
+        <a:scrgbClr r="0" g="0" b="0"/>
+      </a:effectRef>
+      <a:fontRef idx="minor">
+        <a:schemeClr val="lt1"/>
+      </a:fontRef>
+    </dgm:style>
+  </dgm:styleLbl>
+  <dgm:styleLbl name="asst1">
+    <dgm:scene3d>
+      <a:camera prst="orthographicFront"/>
+      <a:lightRig rig="threePt" dir="t"/>
+    </dgm:scene3d>
+    <dgm:sp3d/>
+    <dgm:txPr/>
+    <dgm:style>
+      <a:lnRef idx="2">
+        <a:scrgbClr r="0" g="0" b="0"/>
+      </a:lnRef>
+      <a:fillRef idx="1">
+        <a:scrgbClr r="0" g="0" b="0"/>
+      </a:fillRef>
+      <a:effectRef idx="0">
+        <a:scrgbClr r="0" g="0" b="0"/>
+      </a:effectRef>
+      <a:fontRef idx="minor">
+        <a:schemeClr val="lt1"/>
+      </a:fontRef>
+    </dgm:style>
+  </dgm:styleLbl>
+  <dgm:styleLbl name="asst2">
+    <dgm:scene3d>
+      <a:camera prst="orthographicFront"/>
+      <a:lightRig rig="threePt" dir="t"/>
+    </dgm:scene3d>
+    <dgm:sp3d/>
+    <dgm:txPr/>
+    <dgm:style>
+      <a:lnRef idx="2">
+        <a:scrgbClr r="0" g="0" b="0"/>
+      </a:lnRef>
+      <a:fillRef idx="1">
+        <a:scrgbClr r="0" g="0" b="0"/>
+      </a:fillRef>
+      <a:effectRef idx="0">
+        <a:scrgbClr r="0" g="0" b="0"/>
+      </a:effectRef>
+      <a:fontRef idx="minor">
+        <a:schemeClr val="lt1"/>
+      </a:fontRef>
+    </dgm:style>
+  </dgm:styleLbl>
+  <dgm:styleLbl name="asst3">
+    <dgm:scene3d>
+      <a:camera prst="orthographicFront"/>
+      <a:lightRig rig="threePt" dir="t"/>
+    </dgm:scene3d>
+    <dgm:sp3d/>
+    <dgm:txPr/>
+    <dgm:style>
+      <a:lnRef idx="2">
+        <a:scrgbClr r="0" g="0" b="0"/>
+      </a:lnRef>
+      <a:fillRef idx="1">
+        <a:scrgbClr r="0" g="0" b="0"/>
+      </a:fillRef>
+      <a:effectRef idx="0">
+        <a:scrgbClr r="0" g="0" b="0"/>
+      </a:effectRef>
+      <a:fontRef idx="minor">
+        <a:schemeClr val="lt1"/>
+      </a:fontRef>
+    </dgm:style>
+  </dgm:styleLbl>
+  <dgm:styleLbl name="asst4">
+    <dgm:scene3d>
+      <a:camera prst="orthographicFront"/>
+      <a:lightRig rig="threePt" dir="t"/>
+    </dgm:scene3d>
+    <dgm:sp3d/>
+    <dgm:txPr/>
+    <dgm:style>
+      <a:lnRef idx="2">
+        <a:scrgbClr r="0" g="0" b="0"/>
+      </a:lnRef>
+      <a:fillRef idx="1">
+        <a:scrgbClr r="0" g="0" b="0"/>
+      </a:fillRef>
+      <a:effectRef idx="0">
+        <a:scrgbClr r="0" g="0" b="0"/>
+      </a:effectRef>
+      <a:fontRef idx="minor">
+        <a:schemeClr val="lt1"/>
+      </a:fontRef>
+    </dgm:style>
+  </dgm:styleLbl>
+  <dgm:styleLbl name="parChTrans2D1">
+    <dgm:scene3d>
+      <a:camera prst="orthographicFront"/>
+      <a:lightRig rig="threePt" dir="t"/>
+    </dgm:scene3d>
+    <dgm:sp3d/>
+    <dgm:txPr/>
+    <dgm:style>
+      <a:lnRef idx="2">
+        <a:scrgbClr r="0" g="0" b="0"/>
+      </a:lnRef>
+      <a:fillRef idx="1">
+        <a:scrgbClr r="0" g="0" b="0"/>
+      </a:fillRef>
+      <a:effectRef idx="0">
+        <a:scrgbClr r="0" g="0" b="0"/>
+      </a:effectRef>
+      <a:fontRef idx="minor">
+        <a:schemeClr val="lt1"/>
+      </a:fontRef>
+    </dgm:style>
+  </dgm:styleLbl>
+  <dgm:styleLbl name="parChTrans2D2">
+    <dgm:scene3d>
+      <a:camera prst="orthographicFront"/>
+      <a:lightRig rig="threePt" dir="t"/>
+    </dgm:scene3d>
+    <dgm:sp3d/>
+    <dgm:txPr/>
+    <dgm:style>
+      <a:lnRef idx="2">
+        <a:scrgbClr r="0" g="0" b="0"/>
+      </a:lnRef>
+      <a:fillRef idx="1">
+        <a:scrgbClr r="0" g="0" b="0"/>
+      </a:fillRef>
+      <a:effectRef idx="0">
+        <a:scrgbClr r="0" g="0" b="0"/>
+      </a:effectRef>
+      <a:fontRef idx="minor">
+        <a:schemeClr val="lt1"/>
+      </a:fontRef>
+    </dgm:style>
+  </dgm:styleLbl>
+  <dgm:styleLbl name="parChTrans2D3">
+    <dgm:scene3d>
+      <a:camera prst="orthographicFront"/>
+      <a:lightRig rig="threePt" dir="t"/>
+    </dgm:scene3d>
+    <dgm:sp3d/>
+    <dgm:txPr/>
+    <dgm:style>
+      <a:lnRef idx="2">
+        <a:scrgbClr r="0" g="0" b="0"/>
+      </a:lnRef>
+      <a:fillRef idx="1">
+        <a:scrgbClr r="0" g="0" b="0"/>
+      </a:fillRef>
+      <a:effectRef idx="0">
+        <a:scrgbClr r="0" g="0" b="0"/>
+      </a:effectRef>
+      <a:fontRef idx="minor">
+        <a:schemeClr val="lt1"/>
+      </a:fontRef>
+    </dgm:style>
+  </dgm:styleLbl>
+  <dgm:styleLbl name="parChTrans2D4">
+    <dgm:scene3d>
+      <a:camera prst="orthographicFront"/>
+      <a:lightRig rig="threePt" dir="t"/>
+    </dgm:scene3d>
+    <dgm:sp3d/>
+    <dgm:txPr/>
+    <dgm:style>
+      <a:lnRef idx="2">
+        <a:scrgbClr r="0" g="0" b="0"/>
+      </a:lnRef>
+      <a:fillRef idx="1">
+        <a:scrgbClr r="0" g="0" b="0"/>
+      </a:fillRef>
+      <a:effectRef idx="0">
+        <a:scrgbClr r="0" g="0" b="0"/>
+      </a:effectRef>
+      <a:fontRef idx="minor">
+        <a:schemeClr val="lt1"/>
+      </a:fontRef>
+    </dgm:style>
+  </dgm:styleLbl>
+  <dgm:styleLbl name="parChTrans1D1">
+    <dgm:scene3d>
+      <a:camera prst="orthographicFront"/>
+      <a:lightRig rig="threePt" dir="t"/>
+    </dgm:scene3d>
+    <dgm:sp3d/>
+    <dgm:txPr/>
+    <dgm:style>
+      <a:lnRef idx="2">
+        <a:scrgbClr r="0" g="0" b="0"/>
+      </a:lnRef>
+      <a:fillRef idx="0">
+        <a:scrgbClr r="0" g="0" b="0"/>
+      </a:fillRef>
+      <a:effectRef idx="0">
+        <a:scrgbClr r="0" g="0" b="0"/>
+      </a:effectRef>
+      <a:fontRef idx="minor"/>
+    </dgm:style>
+  </dgm:styleLbl>
+  <dgm:styleLbl name="parChTrans1D2">
+    <dgm:scene3d>
+      <a:camera prst="orthographicFront"/>
+      <a:lightRig rig="threePt" dir="t"/>
+    </dgm:scene3d>
+    <dgm:sp3d/>
+    <dgm:txPr/>
+    <dgm:style>
+      <a:lnRef idx="2">
+        <a:scrgbClr r="0" g="0" b="0"/>
+      </a:lnRef>
+      <a:fillRef idx="0">
+        <a:scrgbClr r="0" g="0" b="0"/>
+      </a:fillRef>
+      <a:effectRef idx="0">
+        <a:scrgbClr r="0" g="0" b="0"/>
+      </a:effectRef>
+      <a:fontRef idx="minor"/>
+    </dgm:style>
+  </dgm:styleLbl>
+  <dgm:styleLbl name="parChTrans1D3">
+    <dgm:scene3d>
+      <a:camera prst="orthographicFront"/>
+      <a:lightRig rig="threePt" dir="t"/>
+    </dgm:scene3d>
+    <dgm:sp3d/>
+    <dgm:txPr/>
+    <dgm:style>
+      <a:lnRef idx="2">
+        <a:scrgbClr r="0" g="0" b="0"/>
+      </a:lnRef>
+      <a:fillRef idx="0">
+        <a:scrgbClr r="0" g="0" b="0"/>
+      </a:fillRef>
+      <a:effectRef idx="0">
+        <a:scrgbClr r="0" g="0" b="0"/>
+      </a:effectRef>
+      <a:fontRef idx="minor"/>
+    </dgm:style>
+  </dgm:styleLbl>
+  <dgm:styleLbl name="parChTrans1D4">
+    <dgm:scene3d>
+      <a:camera prst="orthographicFront"/>
+      <a:lightRig rig="threePt" dir="t"/>
+    </dgm:scene3d>
+    <dgm:sp3d/>
+    <dgm:txPr/>
+    <dgm:style>
+      <a:lnRef idx="2">
+        <a:scrgbClr r="0" g="0" b="0"/>
+      </a:lnRef>
+      <a:fillRef idx="0">
+        <a:scrgbClr r="0" g="0" b="0"/>
+      </a:fillRef>
+      <a:effectRef idx="0">
+        <a:scrgbClr r="0" g="0" b="0"/>
+      </a:effectRef>
+      <a:fontRef idx="minor"/>
+    </dgm:style>
+  </dgm:styleLbl>
+  <dgm:styleLbl name="fgAcc1">
+    <dgm:scene3d>
+      <a:camera prst="orthographicFront"/>
+      <a:lightRig rig="threePt" dir="t"/>
+    </dgm:scene3d>
+    <dgm:sp3d/>
+    <dgm:txPr/>
+    <dgm:style>
+      <a:lnRef idx="2">
+        <a:scrgbClr r="0" g="0" b="0"/>
+      </a:lnRef>
+      <a:fillRef idx="1">
+        <a:scrgbClr r="0" g="0" b="0"/>
+      </a:fillRef>
+      <a:effectRef idx="0">
+        <a:scrgbClr r="0" g="0" b="0"/>
+      </a:effectRef>
+      <a:fontRef idx="minor"/>
+    </dgm:style>
+  </dgm:styleLbl>
+  <dgm:styleLbl name="conFgAcc1">
+    <dgm:scene3d>
+      <a:camera prst="orthographicFront"/>
+      <a:lightRig rig="threePt" dir="t"/>
+    </dgm:scene3d>
+    <dgm:sp3d/>
+    <dgm:txPr/>
+    <dgm:style>
+      <a:lnRef idx="2">
+        <a:scrgbClr r="0" g="0" b="0"/>
+      </a:lnRef>
+      <a:fillRef idx="1">
+        <a:scrgbClr r="0" g="0" b="0"/>
+      </a:fillRef>
+      <a:effectRef idx="0">
+        <a:scrgbClr r="0" g="0" b="0"/>
+      </a:effectRef>
+      <a:fontRef idx="minor"/>
+    </dgm:style>
+  </dgm:styleLbl>
+  <dgm:styleLbl name="alignAcc1">
+    <dgm:scene3d>
+      <a:camera prst="orthographicFront"/>
+      <a:lightRig rig="threePt" dir="t"/>
+    </dgm:scene3d>
+    <dgm:sp3d/>
+    <dgm:txPr/>
+    <dgm:style>
+      <a:lnRef idx="2">
+        <a:scrgbClr r="0" g="0" b="0"/>
+      </a:lnRef>
+      <a:fillRef idx="1">
+        <a:scrgbClr r="0" g="0" b="0"/>
+      </a:fillRef>
+      <a:effectRef idx="0">
+        <a:scrgbClr r="0" g="0" b="0"/>
+      </a:effectRef>
+      <a:fontRef idx="minor"/>
+    </dgm:style>
+  </dgm:styleLbl>
+  <dgm:styleLbl name="trAlignAcc1">
+    <dgm:scene3d>
+      <a:camera prst="orthographicFront"/>
+      <a:lightRig rig="threePt" dir="t"/>
+    </dgm:scene3d>
+    <dgm:sp3d/>
+    <dgm:txPr/>
+    <dgm:style>
+      <a:lnRef idx="1">
+        <a:scrgbClr r="0" g="0" b="0"/>
+      </a:lnRef>
+      <a:fillRef idx="1">
+        <a:scrgbClr r="0" g="0" b="0"/>
+      </a:fillRef>
+      <a:effectRef idx="0">
+        <a:scrgbClr r="0" g="0" b="0"/>
+      </a:effectRef>
+      <a:fontRef idx="minor"/>
+    </dgm:style>
+  </dgm:styleLbl>
+  <dgm:styleLbl name="bgAcc1">
+    <dgm:scene3d>
+      <a:camera prst="orthographicFront"/>
+      <a:lightRig rig="threePt" dir="t"/>
+    </dgm:scene3d>
+    <dgm:sp3d/>
+    <dgm:txPr/>
+    <dgm:style>
+      <a:lnRef idx="2">
+        <a:scrgbClr r="0" g="0" b="0"/>
+      </a:lnRef>
+      <a:fillRef idx="1">
+        <a:scrgbClr r="0" g="0" b="0"/>
+      </a:fillRef>
+      <a:effectRef idx="0">
+        <a:scrgbClr r="0" g="0" b="0"/>
+      </a:effectRef>
+      <a:fontRef idx="minor"/>
+    </dgm:style>
+  </dgm:styleLbl>
+  <dgm:styleLbl name="solidFgAcc1">
+    <dgm:scene3d>
+      <a:camera prst="orthographicFront"/>
+      <a:lightRig rig="threePt" dir="t"/>
+    </dgm:scene3d>
+    <dgm:sp3d/>
+    <dgm:txPr/>
+    <dgm:style>
+      <a:lnRef idx="2">
+        <a:scrgbClr r="0" g="0" b="0"/>
+      </a:lnRef>
+      <a:fillRef idx="1">
+        <a:scrgbClr r="0" g="0" b="0"/>
+      </a:fillRef>
+      <a:effectRef idx="0">
+        <a:scrgbClr r="0" g="0" b="0"/>
+      </a:effectRef>
+      <a:fontRef idx="minor"/>
+    </dgm:style>
+  </dgm:styleLbl>
+  <dgm:styleLbl name="solidAlignAcc1">
+    <dgm:scene3d>
+      <a:camera prst="orthographicFront"/>
+      <a:lightRig rig="threePt" dir="t"/>
+    </dgm:scene3d>
+    <dgm:sp3d/>
+    <dgm:txPr/>
+    <dgm:style>
+      <a:lnRef idx="2">
+        <a:scrgbClr r="0" g="0" b="0"/>
+      </a:lnRef>
+      <a:fillRef idx="1">
+        <a:scrgbClr r="0" g="0" b="0"/>
+      </a:fillRef>
+      <a:effectRef idx="0">
+        <a:scrgbClr r="0" g="0" b="0"/>
+      </a:effectRef>
+      <a:fontRef idx="minor"/>
+    </dgm:style>
+  </dgm:styleLbl>
+  <dgm:styleLbl name="solidBgAcc1">
+    <dgm:scene3d>
+      <a:camera prst="orthographicFront"/>
+      <a:lightRig rig="threePt" dir="t"/>
+    </dgm:scene3d>
+    <dgm:sp3d/>
+    <dgm:txPr/>
+    <dgm:style>
+      <a:lnRef idx="2">
+        <a:scrgbClr r="0" g="0" b="0"/>
+      </a:lnRef>
+      <a:fillRef idx="1">
+        <a:scrgbClr r="0" g="0" b="0"/>
+      </a:fillRef>
+      <a:effectRef idx="0">
+        <a:scrgbClr r="0" g="0" b="0"/>
+      </a:effectRef>
+      <a:fontRef idx="minor"/>
+    </dgm:style>
+  </dgm:styleLbl>
+  <dgm:styleLbl name="fgAccFollowNode1">
+    <dgm:scene3d>
+      <a:camera prst="orthographicFront"/>
+      <a:lightRig rig="threePt" dir="t"/>
+    </dgm:scene3d>
+    <dgm:sp3d/>
+    <dgm:txPr/>
+    <dgm:style>
+      <a:lnRef idx="2">
+        <a:scrgbClr r="0" g="0" b="0"/>
+      </a:lnRef>
+      <a:fillRef idx="1">
+        <a:scrgbClr r="0" g="0" b="0"/>
+      </a:fillRef>
+      <a:effectRef idx="0">
+        <a:scrgbClr r="0" g="0" b="0"/>
+      </a:effectRef>
+      <a:fontRef idx="minor"/>
+    </dgm:style>
+  </dgm:styleLbl>
+  <dgm:styleLbl name="alignAccFollowNode1">
+    <dgm:scene3d>
+      <a:camera prst="orthographicFront"/>
+      <a:lightRig rig="threePt" dir="t"/>
+    </dgm:scene3d>
+    <dgm:sp3d/>
+    <dgm:txPr/>
+    <dgm:style>
+      <a:lnRef idx="2">
+        <a:scrgbClr r="0" g="0" b="0"/>
+      </a:lnRef>
+      <a:fillRef idx="1">
+        <a:scrgbClr r="0" g="0" b="0"/>
+      </a:fillRef>
+      <a:effectRef idx="0">
+        <a:scrgbClr r="0" g="0" b="0"/>
+      </a:effectRef>
+      <a:fontRef idx="minor"/>
+    </dgm:style>
+  </dgm:styleLbl>
+  <dgm:styleLbl name="bgAccFollowNode1">
+    <dgm:scene3d>
+      <a:camera prst="orthographicFront"/>
+      <a:lightRig rig="threePt" dir="t"/>
+    </dgm:scene3d>
+    <dgm:sp3d/>
+    <dgm:txPr/>
+    <dgm:style>
+      <a:lnRef idx="2">
+        <a:scrgbClr r="0" g="0" b="0"/>
+      </a:lnRef>
+      <a:fillRef idx="1">
+        <a:scrgbClr r="0" g="0" b="0"/>
+      </a:fillRef>
+      <a:effectRef idx="0">
+        <a:scrgbClr r="0" g="0" b="0"/>
+      </a:effectRef>
+      <a:fontRef idx="minor"/>
+    </dgm:style>
+  </dgm:styleLbl>
+  <dgm:styleLbl name="fgAcc0">
+    <dgm:scene3d>
+      <a:camera prst="orthographicFront"/>
+      <a:lightRig rig="threePt" dir="t"/>
+    </dgm:scene3d>
+    <dgm:sp3d/>
+    <dgm:txPr/>
+    <dgm:style>
+      <a:lnRef idx="2">
+        <a:scrgbClr r="0" g="0" b="0"/>
+      </a:lnRef>
+      <a:fillRef idx="1">
+        <a:scrgbClr r="0" g="0" b="0"/>
+      </a:fillRef>
+      <a:effectRef idx="0">
+        <a:scrgbClr r="0" g="0" b="0"/>
+      </a:effectRef>
+      <a:fontRef idx="minor"/>
+    </dgm:style>
+  </dgm:styleLbl>
+  <dgm:styleLbl name="fgAcc2">
+    <dgm:scene3d>
+      <a:camera prst="orthographicFront"/>
+      <a:lightRig rig="threePt" dir="t"/>
+    </dgm:scene3d>
+    <dgm:sp3d/>
+    <dgm:txPr/>
+    <dgm:style>
+      <a:lnRef idx="2">
+        <a:scrgbClr r="0" g="0" b="0"/>
+      </a:lnRef>
+      <a:fillRef idx="1">
+        <a:scrgbClr r="0" g="0" b="0"/>
+      </a:fillRef>
+      <a:effectRef idx="0">
+        <a:scrgbClr r="0" g="0" b="0"/>
+      </a:effectRef>
+      <a:fontRef idx="minor"/>
+    </dgm:style>
+  </dgm:styleLbl>
+  <dgm:styleLbl name="fgAcc3">
+    <dgm:scene3d>
+      <a:camera prst="orthographicFront"/>
+      <a:lightRig rig="threePt" dir="t"/>
+    </dgm:scene3d>
+    <dgm:sp3d/>
+    <dgm:txPr/>
+    <dgm:style>
+      <a:lnRef idx="2">
+        <a:scrgbClr r="0" g="0" b="0"/>
+      </a:lnRef>
+      <a:fillRef idx="1">
+        <a:scrgbClr r="0" g="0" b="0"/>
+      </a:fillRef>
+      <a:effectRef idx="0">
+        <a:scrgbClr r="0" g="0" b="0"/>
+      </a:effectRef>
+      <a:fontRef idx="minor"/>
+    </dgm:style>
+  </dgm:styleLbl>
+  <dgm:styleLbl name="fgAcc4">
+    <dgm:scene3d>
+      <a:camera prst="orthographicFront"/>
+      <a:lightRig rig="threePt" dir="t"/>
+    </dgm:scene3d>
+    <dgm:sp3d/>
+    <dgm:txPr/>
+    <dgm:style>
+      <a:lnRef idx="2">
+        <a:scrgbClr r="0" g="0" b="0"/>
+      </a:lnRef>
+      <a:fillRef idx="1">
+        <a:scrgbClr r="0" g="0" b="0"/>
+      </a:fillRef>
+      <a:effectRef idx="0">
+        <a:scrgbClr r="0" g="0" b="0"/>
+      </a:effectRef>
+      <a:fontRef idx="minor"/>
+    </dgm:style>
+  </dgm:styleLbl>
+  <dgm:styleLbl name="bgShp">
+    <dgm:scene3d>
+      <a:camera prst="orthographicFront"/>
+      <a:lightRig rig="threePt" dir="t"/>
+    </dgm:scene3d>
+    <dgm:sp3d/>
+    <dgm:txPr/>
+    <dgm:style>
+      <a:lnRef idx="0">
+        <a:scrgbClr r="0" g="0" b="0"/>
+      </a:lnRef>
+      <a:fillRef idx="1">
+        <a:scrgbClr r="0" g="0" b="0"/>
+      </a:fillRef>
+      <a:effectRef idx="0">
+        <a:scrgbClr r="0" g="0" b="0"/>
+      </a:effectRef>
+      <a:fontRef idx="minor"/>
+    </dgm:style>
+  </dgm:styleLbl>
+  <dgm:styleLbl name="dkBgShp">
+    <dgm:scene3d>
+      <a:camera prst="orthographicFront"/>
+      <a:lightRig rig="threePt" dir="t"/>
+    </dgm:scene3d>
+    <dgm:sp3d/>
+    <dgm:txPr/>
+    <dgm:style>
+      <a:lnRef idx="0">
+        <a:scrgbClr r="0" g="0" b="0"/>
+      </a:lnRef>
+      <a:fillRef idx="1">
+        <a:scrgbClr r="0" g="0" b="0"/>
+      </a:fillRef>
+      <a:effectRef idx="0">
+        <a:scrgbClr r="0" g="0" b="0"/>
+      </a:effectRef>
+      <a:fontRef idx="minor"/>
+    </dgm:style>
+  </dgm:styleLbl>
+  <dgm:styleLbl name="trBgShp">
+    <dgm:scene3d>
+      <a:camera prst="orthographicFront"/>
+      <a:lightRig rig="threePt" dir="t"/>
+    </dgm:scene3d>
+    <dgm:sp3d/>
+    <dgm:txPr/>
+    <dgm:style>
+      <a:lnRef idx="0">
+        <a:scrgbClr r="0" g="0" b="0"/>
+      </a:lnRef>
+      <a:fillRef idx="1">
+        <a:scrgbClr r="0" g="0" b="0"/>
+      </a:fillRef>
+      <a:effectRef idx="0">
+        <a:scrgbClr r="0" g="0" b="0"/>
+      </a:effectRef>
+      <a:fontRef idx="minor"/>
+    </dgm:style>
+  </dgm:styleLbl>
+  <dgm:styleLbl name="fgShp">
+    <dgm:scene3d>
+      <a:camera prst="orthographicFront"/>
+      <a:lightRig rig="threePt" dir="t"/>
+    </dgm:scene3d>
+    <dgm:sp3d/>
+    <dgm:txPr/>
+    <dgm:style>
+      <a:lnRef idx="2">
+        <a:scrgbClr r="0" g="0" b="0"/>
+      </a:lnRef>
+      <a:fillRef idx="1">
+        <a:scrgbClr r="0" g="0" b="0"/>
+      </a:fillRef>
+      <a:effectRef idx="0">
+        <a:scrgbClr r="0" g="0" b="0"/>
+      </a:effectRef>
+      <a:fontRef idx="minor"/>
+    </dgm:style>
+  </dgm:styleLbl>
+  <dgm:styleLbl name="revTx">
+    <dgm:scene3d>
+      <a:camera prst="orthographicFront"/>
+      <a:lightRig rig="threePt" dir="t"/>
+    </dgm:scene3d>
+    <dgm:sp3d/>
+    <dgm:txPr/>
+    <dgm:style>
+      <a:lnRef idx="0">
+        <a:scrgbClr r="0" g="0" b="0"/>
+      </a:lnRef>
+      <a:fillRef idx="0">
+        <a:scrgbClr r="0" g="0" b="0"/>
+      </a:fillRef>
+      <a:effectRef idx="0">
+        <a:scrgbClr r="0" g="0" b="0"/>
+      </a:effectRef>
+      <a:fontRef idx="minor"/>
+    </dgm:style>
+  </dgm:styleLbl>
+</dgm:styleDef>
+</file>
+
+<file path=ppt/diagrams/quickStyle9.xml><?xml version="1.0" encoding="utf-8"?>
 <dgm:styleDef xmlns:dgm="http://schemas.openxmlformats.org/drawingml/2006/diagram" xmlns:a="http://schemas.openxmlformats.org/drawingml/2006/main" uniqueId="urn:microsoft.com/office/officeart/2005/8/quickstyle/simple1">
   <dgm:title val=""/>
   <dgm:desc val=""/>
@@ -20554,7 +23280,7 @@
           <a:p>
             <a:fld id="{3569113D-2AA0-40B3-B8BF-A69C343657F7}" type="datetimeFigureOut">
               <a:rPr lang="en-US" smtClean="0"/>
-              <a:t>5/23/2019</a:t>
+              <a:t>5/30/2019</a:t>
             </a:fld>
             <a:endParaRPr lang="en-US" dirty="0"/>
           </a:p>
@@ -21394,7 +24120,7 @@
           <a:p>
             <a:fld id="{90B7D2B6-166E-40F8-9D76-749746228F93}" type="datetime1">
               <a:rPr lang="en-US" smtClean="0"/>
-              <a:t>5/23/2019</a:t>
+              <a:t>5/30/2019</a:t>
             </a:fld>
             <a:endParaRPr lang="en-US" dirty="0"/>
           </a:p>
@@ -21578,7 +24304,7 @@
           <a:p>
             <a:fld id="{5E77432B-941A-4FDB-B2E4-6D384526D1B6}" type="datetime1">
               <a:rPr lang="en-US" smtClean="0"/>
-              <a:t>5/23/2019</a:t>
+              <a:t>5/30/2019</a:t>
             </a:fld>
             <a:endParaRPr lang="en-US" dirty="0"/>
           </a:p>
@@ -21762,7 +24488,7 @@
           <a:p>
             <a:fld id="{73E66D89-C1D7-4BAB-8D4A-CFBFE24EB60F}" type="datetime1">
               <a:rPr lang="en-US" smtClean="0"/>
-              <a:t>5/23/2019</a:t>
+              <a:t>5/30/2019</a:t>
             </a:fld>
             <a:endParaRPr lang="en-US" dirty="0"/>
           </a:p>
@@ -21932,7 +24658,7 @@
           <a:p>
             <a:fld id="{C9C79E85-1D2F-477B-BBE8-4A7F97670373}" type="datetime1">
               <a:rPr lang="en-US" smtClean="0"/>
-              <a:t>5/23/2019</a:t>
+              <a:t>5/30/2019</a:t>
             </a:fld>
             <a:endParaRPr lang="en-US" dirty="0"/>
           </a:p>
@@ -22257,7 +24983,7 @@
           <a:p>
             <a:fld id="{A94E0D0E-3436-4F4C-8608-CE77D12FB72B}" type="datetime1">
               <a:rPr lang="en-US" smtClean="0"/>
-              <a:t>5/23/2019</a:t>
+              <a:t>5/30/2019</a:t>
             </a:fld>
             <a:endParaRPr lang="en-US" dirty="0"/>
           </a:p>
@@ -22655,7 +25381,7 @@
           <a:p>
             <a:fld id="{39510CC2-2627-4392-AE48-F60BF60FDE8D}" type="datetime1">
               <a:rPr lang="en-US" smtClean="0"/>
-              <a:t>5/23/2019</a:t>
+              <a:t>5/30/2019</a:t>
             </a:fld>
             <a:endParaRPr lang="en-US" dirty="0"/>
           </a:p>
@@ -23089,7 +25815,7 @@
           <a:p>
             <a:fld id="{DCE04ADE-3BBA-4424-9D2F-1B1F2BA859F2}" type="datetime1">
               <a:rPr lang="en-US" smtClean="0"/>
-              <a:t>5/23/2019</a:t>
+              <a:t>5/30/2019</a:t>
             </a:fld>
             <a:endParaRPr lang="en-US" dirty="0"/>
           </a:p>
@@ -23217,7 +25943,7 @@
           <a:p>
             <a:fld id="{9CA964A8-C6B3-4D50-BBFD-58D43C7F3544}" type="datetime1">
               <a:rPr lang="en-US" smtClean="0"/>
-              <a:t>5/23/2019</a:t>
+              <a:t>5/30/2019</a:t>
             </a:fld>
             <a:endParaRPr lang="en-US" dirty="0"/>
           </a:p>
@@ -23322,7 +26048,7 @@
           <a:p>
             <a:fld id="{DC1C8741-8383-4B49-BB53-43BE1918DA32}" type="datetime1">
               <a:rPr lang="en-US" smtClean="0"/>
-              <a:t>5/23/2019</a:t>
+              <a:t>5/30/2019</a:t>
             </a:fld>
             <a:endParaRPr lang="en-US" dirty="0"/>
           </a:p>
@@ -23763,7 +26489,7 @@
           <a:p>
             <a:fld id="{6C318A7A-4453-4BD5-8AB7-45AA3E9C5FE0}" type="datetime1">
               <a:rPr lang="en-US" smtClean="0"/>
-              <a:t>5/23/2019</a:t>
+              <a:t>5/30/2019</a:t>
             </a:fld>
             <a:endParaRPr lang="en-US" dirty="0"/>
           </a:p>
@@ -23996,10 +26722,9 @@
           </a:lstStyle>
           <a:p>
             <a:r>
-              <a:rPr lang="en-US"/>
+              <a:rPr lang="en-US" dirty="0"/>
               <a:t>Click icon to add picture</a:t>
             </a:r>
-            <a:endParaRPr lang="en-US" dirty="0"/>
           </a:p>
         </p:txBody>
       </p:sp>
@@ -24190,7 +26915,7 @@
           <a:p>
             <a:fld id="{DE329CA9-2797-429D-A799-93AB3F83623F}" type="datetime1">
               <a:rPr lang="en-US" smtClean="0"/>
-              <a:t>5/23/2019</a:t>
+              <a:t>5/30/2019</a:t>
             </a:fld>
             <a:endParaRPr lang="en-US" dirty="0"/>
           </a:p>
@@ -24475,7 +27200,7 @@
           <a:p>
             <a:fld id="{56EE5F79-99D7-48D8-9BE2-8F8AFE0E3260}" type="datetime1">
               <a:rPr lang="en-US" smtClean="0"/>
-              <a:t>5/23/2019</a:t>
+              <a:t>5/30/2019</a:t>
             </a:fld>
             <a:endParaRPr lang="en-US" dirty="0"/>
           </a:p>
@@ -25124,6 +27849,764 @@
           <a:chExt cx="0" cy="0"/>
         </a:xfrm>
       </p:grpSpPr>
+      <p:sp useBgFill="1">
+        <p:nvSpPr>
+          <p:cNvPr id="27" name="Rectangle 26">
+            <a:extLst>
+              <a:ext uri="{FF2B5EF4-FFF2-40B4-BE49-F238E27FC236}">
+                <a16:creationId xmlns:a16="http://schemas.microsoft.com/office/drawing/2014/main" id="{E009DD9B-5EE2-4C0D-8B2B-351C8C102205}"/>
+              </a:ext>
+              <a:ext uri="{C183D7F6-B498-43B3-948B-1728B52AA6E4}">
+                <adec:decorative xmlns:adec="http://schemas.microsoft.com/office/drawing/2017/decorative" val="1"/>
+              </a:ext>
+            </a:extLst>
+          </p:cNvPr>
+          <p:cNvSpPr>
+            <a:spLocks noGrp="1" noRot="1" noChangeAspect="1" noMove="1" noResize="1" noEditPoints="1" noAdjustHandles="1" noChangeArrowheads="1" noChangeShapeType="1" noTextEdit="1"/>
+          </p:cNvSpPr>
+          <p:nvPr>
+            <p:extLst>
+              <p:ext uri="{386F3935-93C4-4BCD-93E2-E3B085C9AB24}">
+                <p16:designElem xmlns:p16="http://schemas.microsoft.com/office/powerpoint/2015/main" val="1"/>
+              </p:ext>
+            </p:extLst>
+          </p:nvPr>
+        </p:nvSpPr>
+        <p:spPr>
+          <a:xfrm>
+            <a:off x="0" y="0"/>
+            <a:ext cx="9144000" cy="6858000"/>
+          </a:xfrm>
+          <a:prstGeom prst="rect">
+            <a:avLst/>
+          </a:prstGeom>
+          <a:ln>
+            <a:noFill/>
+          </a:ln>
+        </p:spPr>
+        <p:style>
+          <a:lnRef idx="2">
+            <a:schemeClr val="accent1">
+              <a:shade val="50000"/>
+            </a:schemeClr>
+          </a:lnRef>
+          <a:fillRef idx="1">
+            <a:schemeClr val="accent1"/>
+          </a:fillRef>
+          <a:effectRef idx="0">
+            <a:schemeClr val="accent1"/>
+          </a:effectRef>
+          <a:fontRef idx="minor">
+            <a:schemeClr val="lt1"/>
+          </a:fontRef>
+        </p:style>
+        <p:txBody>
+          <a:bodyPr rtlCol="0" anchor="ctr"/>
+          <a:lstStyle/>
+          <a:p>
+            <a:pPr marL="0" marR="0" lvl="0" indent="0" algn="ctr" defTabSz="914400" rtl="0" eaLnBrk="1" fontAlgn="auto" latinLnBrk="0" hangingPunct="1">
+              <a:lnSpc>
+                <a:spcPct val="100000"/>
+              </a:lnSpc>
+              <a:spcBef>
+                <a:spcPts val="0"/>
+              </a:spcBef>
+              <a:spcAft>
+                <a:spcPts val="0"/>
+              </a:spcAft>
+              <a:buClrTx/>
+              <a:buSzTx/>
+              <a:buFontTx/>
+              <a:buNone/>
+              <a:tabLst/>
+              <a:defRPr/>
+            </a:pPr>
+            <a:endParaRPr kumimoji="0" lang="en-US" sz="1800" b="0" i="0" u="none" strike="noStrike" kern="1200" cap="none" spc="0" normalizeH="0" baseline="0" noProof="0" dirty="0">
+              <a:ln>
+                <a:noFill/>
+              </a:ln>
+              <a:solidFill>
+                <a:prstClr val="white"/>
+              </a:solidFill>
+              <a:effectLst/>
+              <a:uLnTx/>
+              <a:uFillTx/>
+              <a:latin typeface="Rockwell" panose="02060603020205020403"/>
+              <a:ea typeface="+mn-ea"/>
+              <a:cs typeface="+mn-cs"/>
+            </a:endParaRPr>
+          </a:p>
+        </p:txBody>
+      </p:sp>
+      <p:sp>
+        <p:nvSpPr>
+          <p:cNvPr id="29" name="Rectangle 28">
+            <a:extLst>
+              <a:ext uri="{FF2B5EF4-FFF2-40B4-BE49-F238E27FC236}">
+                <a16:creationId xmlns:a16="http://schemas.microsoft.com/office/drawing/2014/main" id="{E720DB99-7745-4E75-9D96-AAB6D55C531E}"/>
+              </a:ext>
+              <a:ext uri="{C183D7F6-B498-43B3-948B-1728B52AA6E4}">
+                <adec:decorative xmlns:adec="http://schemas.microsoft.com/office/drawing/2017/decorative" val="1"/>
+              </a:ext>
+            </a:extLst>
+          </p:cNvPr>
+          <p:cNvSpPr>
+            <a:spLocks noGrp="1" noRot="1" noChangeAspect="1" noMove="1" noResize="1" noEditPoints="1" noAdjustHandles="1" noChangeArrowheads="1" noChangeShapeType="1" noTextEdit="1"/>
+          </p:cNvSpPr>
+          <p:nvPr>
+            <p:extLst>
+              <p:ext uri="{386F3935-93C4-4BCD-93E2-E3B085C9AB24}">
+                <p16:designElem xmlns:p16="http://schemas.microsoft.com/office/powerpoint/2015/main" val="1"/>
+              </p:ext>
+            </p:extLst>
+          </p:nvPr>
+        </p:nvSpPr>
+        <p:spPr>
+          <a:xfrm>
+            <a:off x="738378" y="3837459"/>
+            <a:ext cx="7667244" cy="80683"/>
+          </a:xfrm>
+          <a:prstGeom prst="rect">
+            <a:avLst/>
+          </a:prstGeom>
+          <a:blipFill dpi="0" rotWithShape="1">
+            <a:blip r:embed="rId2">
+              <a:alphaModFix amt="85000"/>
+              <a:lum bright="70000" contrast="-70000"/>
+              <a:extLst>
+                <a:ext uri="{BEBA8EAE-BF5A-486C-A8C5-ECC9F3942E4B}">
+                  <a14:imgProps xmlns:a14="http://schemas.microsoft.com/office/drawing/2010/main">
+                    <a14:imgLayer r:embed="rId3">
+                      <a14:imgEffect>
+                        <a14:sharpenSoften amount="61000"/>
+                      </a14:imgEffect>
+                    </a14:imgLayer>
+                  </a14:imgProps>
+                </a:ext>
+                <a:ext uri="{28A0092B-C50C-407E-A947-70E740481C1C}">
+                  <a14:useLocalDpi xmlns:a14="http://schemas.microsoft.com/office/drawing/2010/main" val="0"/>
+                </a:ext>
+              </a:extLst>
+            </a:blip>
+            <a:srcRect/>
+            <a:tile tx="0" ty="-762000" sx="92000" sy="89000" flip="xy" algn="ctr"/>
+          </a:blipFill>
+          <a:ln>
+            <a:noFill/>
+          </a:ln>
+        </p:spPr>
+        <p:style>
+          <a:lnRef idx="2">
+            <a:schemeClr val="accent1">
+              <a:shade val="50000"/>
+            </a:schemeClr>
+          </a:lnRef>
+          <a:fillRef idx="1">
+            <a:schemeClr val="accent1"/>
+          </a:fillRef>
+          <a:effectRef idx="0">
+            <a:schemeClr val="accent1"/>
+          </a:effectRef>
+          <a:fontRef idx="minor">
+            <a:schemeClr val="lt1"/>
+          </a:fontRef>
+        </p:style>
+      </p:sp>
+      <p:sp>
+        <p:nvSpPr>
+          <p:cNvPr id="31" name="Rectangle 30">
+            <a:extLst>
+              <a:ext uri="{FF2B5EF4-FFF2-40B4-BE49-F238E27FC236}">
+                <a16:creationId xmlns:a16="http://schemas.microsoft.com/office/drawing/2014/main" id="{D68803C4-E159-4360-B7BB-74205C8F782D}"/>
+              </a:ext>
+              <a:ext uri="{C183D7F6-B498-43B3-948B-1728B52AA6E4}">
+                <adec:decorative xmlns:adec="http://schemas.microsoft.com/office/drawing/2017/decorative" val="1"/>
+              </a:ext>
+            </a:extLst>
+          </p:cNvPr>
+          <p:cNvSpPr>
+            <a:spLocks noGrp="1" noRot="1" noChangeAspect="1" noMove="1" noResize="1" noEditPoints="1" noAdjustHandles="1" noChangeArrowheads="1" noChangeShapeType="1" noTextEdit="1"/>
+          </p:cNvSpPr>
+          <p:nvPr>
+            <p:extLst>
+              <p:ext uri="{386F3935-93C4-4BCD-93E2-E3B085C9AB24}">
+                <p16:designElem xmlns:p16="http://schemas.microsoft.com/office/powerpoint/2015/main" val="1"/>
+              </p:ext>
+            </p:extLst>
+          </p:nvPr>
+        </p:nvSpPr>
+        <p:spPr>
+          <a:xfrm>
+            <a:off x="738378" y="3981573"/>
+            <a:ext cx="7667244" cy="2078335"/>
+          </a:xfrm>
+          <a:prstGeom prst="rect">
+            <a:avLst/>
+          </a:prstGeom>
+          <a:blipFill dpi="0" rotWithShape="1">
+            <a:blip r:embed="rId2">
+              <a:alphaModFix amt="95000"/>
+              <a:lum bright="70000" contrast="-70000"/>
+              <a:extLst>
+                <a:ext uri="{BEBA8EAE-BF5A-486C-A8C5-ECC9F3942E4B}">
+                  <a14:imgProps xmlns:a14="http://schemas.microsoft.com/office/drawing/2010/main">
+                    <a14:imgLayer r:embed="rId3">
+                      <a14:imgEffect>
+                        <a14:sharpenSoften amount="61000"/>
+                      </a14:imgEffect>
+                    </a14:imgLayer>
+                  </a14:imgProps>
+                </a:ext>
+                <a:ext uri="{28A0092B-C50C-407E-A947-70E740481C1C}">
+                  <a14:useLocalDpi xmlns:a14="http://schemas.microsoft.com/office/drawing/2010/main" val="0"/>
+                </a:ext>
+              </a:extLst>
+            </a:blip>
+            <a:srcRect/>
+            <a:tile tx="0" ty="-704850" sx="92000" sy="89000" flip="xy" algn="ctr"/>
+          </a:blipFill>
+          <a:ln>
+            <a:noFill/>
+          </a:ln>
+        </p:spPr>
+        <p:style>
+          <a:lnRef idx="2">
+            <a:schemeClr val="accent1">
+              <a:shade val="50000"/>
+            </a:schemeClr>
+          </a:lnRef>
+          <a:fillRef idx="1">
+            <a:schemeClr val="accent1"/>
+          </a:fillRef>
+          <a:effectRef idx="0">
+            <a:schemeClr val="accent1"/>
+          </a:effectRef>
+          <a:fontRef idx="minor">
+            <a:schemeClr val="lt1"/>
+          </a:fontRef>
+        </p:style>
+      </p:sp>
+      <p:sp>
+        <p:nvSpPr>
+          <p:cNvPr id="2" name="Title 1"/>
+          <p:cNvSpPr>
+            <a:spLocks noGrp="1"/>
+          </p:cNvSpPr>
+          <p:nvPr>
+            <p:ph type="title"/>
+          </p:nvPr>
+        </p:nvSpPr>
+        <p:spPr>
+          <a:xfrm>
+            <a:off x="964092" y="4162031"/>
+            <a:ext cx="3407762" cy="1767141"/>
+          </a:xfrm>
+        </p:spPr>
+        <p:txBody>
+          <a:bodyPr vert="horz" lIns="91440" tIns="45720" rIns="91440" bIns="45720" rtlCol="0" anchor="ctr">
+            <a:normAutofit/>
+          </a:bodyPr>
+          <a:lstStyle/>
+          <a:p>
+            <a:pPr algn="ctr"/>
+            <a:r>
+              <a:rPr lang="en-US" noProof="1"/>
+              <a:t>Aplicația</a:t>
+            </a:r>
+            <a:r>
+              <a:rPr lang="en-US" dirty="0"/>
+              <a:t> Android</a:t>
+            </a:r>
+          </a:p>
+        </p:txBody>
+      </p:sp>
+      <p:pic>
+        <p:nvPicPr>
+          <p:cNvPr id="8" name="Picture 7">
+            <a:extLst>
+              <a:ext uri="{FF2B5EF4-FFF2-40B4-BE49-F238E27FC236}">
+                <a16:creationId xmlns:a16="http://schemas.microsoft.com/office/drawing/2014/main" id="{AA6F2317-976C-4AA9-8F3A-E1A1BB8D92F4}"/>
+              </a:ext>
+            </a:extLst>
+          </p:cNvPr>
+          <p:cNvPicPr>
+            <a:picLocks noChangeAspect="1"/>
+          </p:cNvPicPr>
+          <p:nvPr/>
+        </p:nvPicPr>
+        <p:blipFill>
+          <a:blip r:embed="rId4" cstate="print">
+            <a:extLst>
+              <a:ext uri="{28A0092B-C50C-407E-A947-70E740481C1C}">
+                <a14:useLocalDpi xmlns:a14="http://schemas.microsoft.com/office/drawing/2010/main" val="0"/>
+              </a:ext>
+            </a:extLst>
+          </a:blip>
+          <a:stretch>
+            <a:fillRect/>
+          </a:stretch>
+        </p:blipFill>
+        <p:spPr>
+          <a:xfrm>
+            <a:off x="738376" y="642938"/>
+            <a:ext cx="3712974" cy="2784730"/>
+          </a:xfrm>
+          <a:prstGeom prst="rect">
+            <a:avLst/>
+          </a:prstGeom>
+        </p:spPr>
+      </p:pic>
+      <p:sp>
+        <p:nvSpPr>
+          <p:cNvPr id="9" name="TextBox 8">
+            <a:extLst>
+              <a:ext uri="{FF2B5EF4-FFF2-40B4-BE49-F238E27FC236}">
+                <a16:creationId xmlns:a16="http://schemas.microsoft.com/office/drawing/2014/main" id="{B8CA411E-9A70-468F-8311-B6B05957C2A3}"/>
+              </a:ext>
+            </a:extLst>
+          </p:cNvPr>
+          <p:cNvSpPr txBox="1"/>
+          <p:nvPr/>
+        </p:nvSpPr>
+        <p:spPr>
+          <a:xfrm>
+            <a:off x="4663440" y="4170410"/>
+            <a:ext cx="3524415" cy="1767141"/>
+          </a:xfrm>
+          <a:prstGeom prst="rect">
+            <a:avLst/>
+          </a:prstGeom>
+        </p:spPr>
+        <p:txBody>
+          <a:bodyPr vert="horz" lIns="91440" tIns="45720" rIns="91440" bIns="45720" rtlCol="0" anchor="ctr">
+            <a:noAutofit/>
+          </a:bodyPr>
+          <a:lstStyle/>
+          <a:p>
+            <a:pPr marL="285750" indent="-182880" defTabSz="914400">
+              <a:lnSpc>
+                <a:spcPct val="90000"/>
+              </a:lnSpc>
+              <a:spcAft>
+                <a:spcPts val="600"/>
+              </a:spcAft>
+              <a:buClr>
+                <a:schemeClr val="accent1">
+                  <a:lumMod val="75000"/>
+                </a:schemeClr>
+              </a:buClr>
+              <a:buSzPct val="85000"/>
+              <a:buFont typeface="Wingdings" pitchFamily="2" charset="2"/>
+              <a:buChar char="§"/>
+            </a:pPr>
+            <a:r>
+              <a:rPr lang="en-US" sz="2400" noProof="1">
+                <a:latin typeface="+mj-lt"/>
+              </a:rPr>
+              <a:t>Comenzi pentru deplasare</a:t>
+            </a:r>
+          </a:p>
+          <a:p>
+            <a:pPr marL="285750" indent="-182880" defTabSz="914400">
+              <a:lnSpc>
+                <a:spcPct val="90000"/>
+              </a:lnSpc>
+              <a:spcAft>
+                <a:spcPts val="600"/>
+              </a:spcAft>
+              <a:buClr>
+                <a:schemeClr val="accent1">
+                  <a:lumMod val="75000"/>
+                </a:schemeClr>
+              </a:buClr>
+              <a:buSzPct val="85000"/>
+              <a:buFont typeface="Wingdings" pitchFamily="2" charset="2"/>
+              <a:buChar char="§"/>
+            </a:pPr>
+            <a:r>
+              <a:rPr lang="en-US" sz="2400" noProof="1">
+                <a:latin typeface="+mj-lt"/>
+              </a:rPr>
+              <a:t>Comenzi pentru șut</a:t>
+            </a:r>
+          </a:p>
+          <a:p>
+            <a:pPr marL="285750" indent="-182880" defTabSz="914400">
+              <a:lnSpc>
+                <a:spcPct val="90000"/>
+              </a:lnSpc>
+              <a:spcAft>
+                <a:spcPts val="600"/>
+              </a:spcAft>
+              <a:buClr>
+                <a:schemeClr val="accent1">
+                  <a:lumMod val="75000"/>
+                </a:schemeClr>
+              </a:buClr>
+              <a:buSzPct val="85000"/>
+              <a:buFont typeface="Wingdings" pitchFamily="2" charset="2"/>
+              <a:buChar char="§"/>
+            </a:pPr>
+            <a:r>
+              <a:rPr lang="en-US" sz="2400" noProof="1">
+                <a:latin typeface="+mj-lt"/>
+              </a:rPr>
+              <a:t>Comandă pentru schimbarea modului de control</a:t>
+            </a:r>
+          </a:p>
+        </p:txBody>
+      </p:sp>
+      <p:sp>
+        <p:nvSpPr>
+          <p:cNvPr id="33" name="Rectangle 32">
+            <a:extLst>
+              <a:ext uri="{FF2B5EF4-FFF2-40B4-BE49-F238E27FC236}">
+                <a16:creationId xmlns:a16="http://schemas.microsoft.com/office/drawing/2014/main" id="{504B0465-3B07-49BF-BEA7-D81476246293}"/>
+              </a:ext>
+              <a:ext uri="{C183D7F6-B498-43B3-948B-1728B52AA6E4}">
+                <adec:decorative xmlns:adec="http://schemas.microsoft.com/office/drawing/2017/decorative" val="1"/>
+              </a:ext>
+            </a:extLst>
+          </p:cNvPr>
+          <p:cNvSpPr>
+            <a:spLocks noGrp="1" noRot="1" noChangeAspect="1" noMove="1" noResize="1" noEditPoints="1" noAdjustHandles="1" noChangeArrowheads="1" noChangeShapeType="1" noTextEdit="1"/>
+          </p:cNvSpPr>
+          <p:nvPr>
+            <p:extLst>
+              <p:ext uri="{386F3935-93C4-4BCD-93E2-E3B085C9AB24}">
+                <p16:designElem xmlns:p16="http://schemas.microsoft.com/office/powerpoint/2015/main" val="1"/>
+              </p:ext>
+            </p:extLst>
+          </p:nvPr>
+        </p:nvSpPr>
+        <p:spPr>
+          <a:xfrm>
+            <a:off x="738378" y="6128670"/>
+            <a:ext cx="7667244" cy="80683"/>
+          </a:xfrm>
+          <a:prstGeom prst="rect">
+            <a:avLst/>
+          </a:prstGeom>
+          <a:blipFill dpi="0" rotWithShape="1">
+            <a:blip r:embed="rId2">
+              <a:alphaModFix amt="85000"/>
+              <a:lum bright="70000" contrast="-70000"/>
+              <a:extLst>
+                <a:ext uri="{BEBA8EAE-BF5A-486C-A8C5-ECC9F3942E4B}">
+                  <a14:imgProps xmlns:a14="http://schemas.microsoft.com/office/drawing/2010/main">
+                    <a14:imgLayer r:embed="rId3">
+                      <a14:imgEffect>
+                        <a14:sharpenSoften amount="61000"/>
+                      </a14:imgEffect>
+                    </a14:imgLayer>
+                  </a14:imgProps>
+                </a:ext>
+                <a:ext uri="{28A0092B-C50C-407E-A947-70E740481C1C}">
+                  <a14:useLocalDpi xmlns:a14="http://schemas.microsoft.com/office/drawing/2010/main" val="0"/>
+                </a:ext>
+              </a:extLst>
+            </a:blip>
+            <a:srcRect/>
+            <a:tile tx="0" ty="-717550" sx="92000" sy="89000" flip="xy" algn="ctr"/>
+          </a:blipFill>
+          <a:ln>
+            <a:noFill/>
+          </a:ln>
+        </p:spPr>
+        <p:style>
+          <a:lnRef idx="2">
+            <a:schemeClr val="accent1">
+              <a:shade val="50000"/>
+            </a:schemeClr>
+          </a:lnRef>
+          <a:fillRef idx="1">
+            <a:schemeClr val="accent1"/>
+          </a:fillRef>
+          <a:effectRef idx="0">
+            <a:schemeClr val="accent1"/>
+          </a:effectRef>
+          <a:fontRef idx="minor">
+            <a:schemeClr val="lt1"/>
+          </a:fontRef>
+        </p:style>
+      </p:sp>
+      <p:sp>
+        <p:nvSpPr>
+          <p:cNvPr id="35" name="Oval 34">
+            <a:extLst>
+              <a:ext uri="{FF2B5EF4-FFF2-40B4-BE49-F238E27FC236}">
+                <a16:creationId xmlns:a16="http://schemas.microsoft.com/office/drawing/2014/main" id="{49B7FFA5-14CB-4A4F-9BCC-CA3AA5D9D276}"/>
+              </a:ext>
+              <a:ext uri="{C183D7F6-B498-43B3-948B-1728B52AA6E4}">
+                <adec:decorative xmlns:adec="http://schemas.microsoft.com/office/drawing/2017/decorative" val="1"/>
+              </a:ext>
+            </a:extLst>
+          </p:cNvPr>
+          <p:cNvSpPr>
+            <a:spLocks noGrp="1" noRot="1" noChangeAspect="1" noMove="1" noResize="1" noEditPoints="1" noAdjustHandles="1" noChangeArrowheads="1" noChangeShapeType="1" noTextEdit="1"/>
+          </p:cNvSpPr>
+          <p:nvPr>
+            <p:extLst>
+              <p:ext uri="{386F3935-93C4-4BCD-93E2-E3B085C9AB24}">
+                <p16:designElem xmlns:p16="http://schemas.microsoft.com/office/powerpoint/2015/main" val="1"/>
+              </p:ext>
+            </p:extLst>
+          </p:nvPr>
+        </p:nvSpPr>
+        <p:spPr>
+          <a:xfrm>
+            <a:off x="8551293" y="6229681"/>
+            <a:ext cx="342900" cy="457200"/>
+          </a:xfrm>
+          <a:prstGeom prst="ellipse">
+            <a:avLst/>
+          </a:prstGeom>
+          <a:blipFill dpi="0" rotWithShape="1">
+            <a:blip r:embed="rId5">
+              <a:duotone>
+                <a:schemeClr val="accent1">
+                  <a:shade val="45000"/>
+                  <a:satMod val="135000"/>
+                </a:schemeClr>
+                <a:prstClr val="white"/>
+              </a:duotone>
+            </a:blip>
+            <a:srcRect/>
+            <a:tile tx="50800" ty="0" sx="85000" sy="85000" flip="none" algn="tl"/>
+          </a:blipFill>
+          <a:ln w="25400" cap="flat" cmpd="sng" algn="ctr">
+            <a:noFill/>
+            <a:prstDash val="solid"/>
+          </a:ln>
+          <a:effectLst/>
+        </p:spPr>
+        <p:txBody>
+          <a:bodyPr lIns="0" tIns="0" rIns="0" bIns="0" rtlCol="0" anchor="ctr"/>
+          <a:lstStyle/>
+          <a:p>
+            <a:pPr marL="0" marR="0" lvl="0" indent="0" algn="ctr" defTabSz="914400" rtl="0" eaLnBrk="1" fontAlgn="auto" latinLnBrk="0" hangingPunct="1">
+              <a:lnSpc>
+                <a:spcPct val="100000"/>
+              </a:lnSpc>
+              <a:spcBef>
+                <a:spcPts val="0"/>
+              </a:spcBef>
+              <a:spcAft>
+                <a:spcPts val="0"/>
+              </a:spcAft>
+              <a:buClrTx/>
+              <a:buSzTx/>
+              <a:buFontTx/>
+              <a:buNone/>
+              <a:tabLst/>
+              <a:defRPr/>
+            </a:pPr>
+            <a:endParaRPr kumimoji="0" lang="en-US" sz="2000" b="0" i="0" u="none" strike="noStrike" kern="0" cap="none" spc="0" normalizeH="0" baseline="0" noProof="0" dirty="0">
+              <a:ln>
+                <a:noFill/>
+              </a:ln>
+              <a:solidFill>
+                <a:prstClr val="white"/>
+              </a:solidFill>
+              <a:effectLst/>
+              <a:uLnTx/>
+              <a:uFillTx/>
+              <a:latin typeface="Rockwell Extra Bold" pitchFamily="18" charset="0"/>
+              <a:ea typeface="+mn-ea"/>
+              <a:cs typeface="+mn-cs"/>
+            </a:endParaRPr>
+          </a:p>
+        </p:txBody>
+      </p:sp>
+      <p:sp>
+        <p:nvSpPr>
+          <p:cNvPr id="37" name="Oval 36">
+            <a:extLst>
+              <a:ext uri="{FF2B5EF4-FFF2-40B4-BE49-F238E27FC236}">
+                <a16:creationId xmlns:a16="http://schemas.microsoft.com/office/drawing/2014/main" id="{04E48745-7512-4EC2-9E20-9092D12150CA}"/>
+              </a:ext>
+              <a:ext uri="{C183D7F6-B498-43B3-948B-1728B52AA6E4}">
+                <adec:decorative xmlns:adec="http://schemas.microsoft.com/office/drawing/2017/decorative" val="1"/>
+              </a:ext>
+            </a:extLst>
+          </p:cNvPr>
+          <p:cNvSpPr>
+            <a:spLocks noGrp="1" noRot="1" noChangeAspect="1" noMove="1" noResize="1" noEditPoints="1" noAdjustHandles="1" noChangeArrowheads="1" noChangeShapeType="1" noTextEdit="1"/>
+          </p:cNvSpPr>
+          <p:nvPr>
+            <p:extLst>
+              <p:ext uri="{386F3935-93C4-4BCD-93E2-E3B085C9AB24}">
+                <p16:designElem xmlns:p16="http://schemas.microsoft.com/office/powerpoint/2015/main" val="1"/>
+              </p:ext>
+            </p:extLst>
+          </p:nvPr>
+        </p:nvSpPr>
+        <p:spPr>
+          <a:xfrm>
+            <a:off x="8573188" y="6258874"/>
+            <a:ext cx="299110" cy="398815"/>
+          </a:xfrm>
+          <a:prstGeom prst="ellipse">
+            <a:avLst/>
+          </a:prstGeom>
+          <a:noFill/>
+          <a:ln w="12700" cap="flat" cmpd="sng" algn="ctr">
+            <a:solidFill>
+              <a:srgbClr val="FFFFFF"/>
+            </a:solidFill>
+            <a:prstDash val="solid"/>
+          </a:ln>
+          <a:effectLst/>
+        </p:spPr>
+        <p:txBody>
+          <a:bodyPr rtlCol="0" anchor="ctr"/>
+          <a:lstStyle/>
+          <a:p>
+            <a:pPr marL="0" marR="0" lvl="0" indent="0" algn="ctr" defTabSz="914400" rtl="0" eaLnBrk="1" fontAlgn="auto" latinLnBrk="0" hangingPunct="1">
+              <a:lnSpc>
+                <a:spcPct val="100000"/>
+              </a:lnSpc>
+              <a:spcBef>
+                <a:spcPts val="0"/>
+              </a:spcBef>
+              <a:spcAft>
+                <a:spcPts val="0"/>
+              </a:spcAft>
+              <a:buClrTx/>
+              <a:buSzTx/>
+              <a:buFontTx/>
+              <a:buNone/>
+              <a:tabLst/>
+              <a:defRPr/>
+            </a:pPr>
+            <a:endParaRPr kumimoji="0" lang="en-US" sz="1800" b="0" i="0" u="none" strike="noStrike" kern="0" cap="none" spc="0" normalizeH="0" baseline="0" noProof="0" dirty="0">
+              <a:ln>
+                <a:noFill/>
+              </a:ln>
+              <a:solidFill>
+                <a:prstClr val="white"/>
+              </a:solidFill>
+              <a:effectLst/>
+              <a:uLnTx/>
+              <a:uFillTx/>
+              <a:latin typeface="Calibri"/>
+              <a:ea typeface="+mn-ea"/>
+              <a:cs typeface="+mn-cs"/>
+            </a:endParaRPr>
+          </a:p>
+        </p:txBody>
+      </p:sp>
+      <p:sp>
+        <p:nvSpPr>
+          <p:cNvPr id="4" name="Slide Number Placeholder 3"/>
+          <p:cNvSpPr>
+            <a:spLocks noGrp="1"/>
+          </p:cNvSpPr>
+          <p:nvPr>
+            <p:ph type="sldNum" sz="quarter" idx="12"/>
+          </p:nvPr>
+        </p:nvSpPr>
+        <p:spPr>
+          <a:xfrm>
+            <a:off x="8483346" y="6272784"/>
+            <a:ext cx="480060" cy="365125"/>
+          </a:xfrm>
+        </p:spPr>
+        <p:txBody>
+          <a:bodyPr vert="horz" lIns="91440" tIns="45720" rIns="91440" bIns="45720" rtlCol="0" anchor="ctr">
+            <a:normAutofit/>
+          </a:bodyPr>
+          <a:lstStyle/>
+          <a:p>
+            <a:pPr defTabSz="914400">
+              <a:spcAft>
+                <a:spcPts val="600"/>
+              </a:spcAft>
+            </a:pPr>
+            <a:fld id="{29574101-FBCA-4CCC-8F71-4FACD19D0373}" type="slidenum">
+              <a:rPr lang="en-US" sz="1200">
+                <a:latin typeface="+mj-lt"/>
+              </a:rPr>
+              <a:pPr defTabSz="914400">
+                <a:spcAft>
+                  <a:spcPts val="600"/>
+                </a:spcAft>
+              </a:pPr>
+              <a:t>10</a:t>
+            </a:fld>
+            <a:endParaRPr lang="en-US" sz="1200" dirty="0">
+              <a:latin typeface="+mj-lt"/>
+            </a:endParaRPr>
+          </a:p>
+        </p:txBody>
+      </p:sp>
+      <p:pic>
+        <p:nvPicPr>
+          <p:cNvPr id="5" name="Content Placeholder 4"/>
+          <p:cNvPicPr>
+            <a:picLocks noGrp="1" noChangeAspect="1"/>
+          </p:cNvPicPr>
+          <p:nvPr>
+            <p:ph idx="1"/>
+          </p:nvPr>
+        </p:nvPicPr>
+        <p:blipFill>
+          <a:blip r:embed="rId6" cstate="print">
+            <a:extLst>
+              <a:ext uri="{28A0092B-C50C-407E-A947-70E740481C1C}">
+                <a14:useLocalDpi xmlns:a14="http://schemas.microsoft.com/office/drawing/2010/main" val="0"/>
+              </a:ext>
+            </a:extLst>
+          </a:blip>
+          <a:stretch>
+            <a:fillRect/>
+          </a:stretch>
+        </p:blipFill>
+        <p:spPr>
+          <a:xfrm>
+            <a:off x="5652120" y="116632"/>
+            <a:ext cx="2016224" cy="3584399"/>
+          </a:xfrm>
+        </p:spPr>
+      </p:pic>
+    </p:spTree>
+    <p:extLst>
+      <p:ext uri="{BB962C8B-B14F-4D97-AF65-F5344CB8AC3E}">
+        <p14:creationId xmlns:p14="http://schemas.microsoft.com/office/powerpoint/2010/main" val="4113320267"/>
+      </p:ext>
+    </p:extLst>
+  </p:cSld>
+  <p:clrMapOvr>
+    <a:masterClrMapping/>
+  </p:clrMapOvr>
+</p:sld>
+</file>
+
+<file path=ppt/slides/slide11.xml><?xml version="1.0" encoding="utf-8"?>
+<p:sld xmlns:a="http://schemas.openxmlformats.org/drawingml/2006/main" xmlns:r="http://schemas.openxmlformats.org/officeDocument/2006/relationships" xmlns:p="http://schemas.openxmlformats.org/presentationml/2006/main">
+  <p:cSld>
+    <p:bg>
+      <p:bgPr>
+        <a:solidFill>
+          <a:schemeClr val="bg1"/>
+        </a:solidFill>
+        <a:effectLst/>
+      </p:bgPr>
+    </p:bg>
+    <p:spTree>
+      <p:nvGrpSpPr>
+        <p:cNvPr id="1" name=""/>
+        <p:cNvGrpSpPr/>
+        <p:nvPr/>
+      </p:nvGrpSpPr>
+      <p:grpSpPr>
+        <a:xfrm>
+          <a:off x="0" y="0"/>
+          <a:ext cx="0" cy="0"/>
+          <a:chOff x="0" y="0"/>
+          <a:chExt cx="0" cy="0"/>
+        </a:xfrm>
+      </p:grpSpPr>
       <p:sp>
         <p:nvSpPr>
           <p:cNvPr id="2" name="Title 1"/>
@@ -25233,7 +28716,7 @@
           <a:lstStyle/>
           <a:p>
             <a:pPr algn="ctr"/>
-            <a:endParaRPr lang="en-US"/>
+            <a:endParaRPr lang="en-US" dirty="0"/>
           </a:p>
         </p:txBody>
       </p:sp>
@@ -25271,9 +28754,9 @@
                   <a:spcPts val="600"/>
                 </a:spcAft>
               </a:pPr>
-              <a:t>10</a:t>
+              <a:t>11</a:t>
             </a:fld>
-            <a:endParaRPr lang="en-US"/>
+            <a:endParaRPr lang="en-US" dirty="0"/>
           </a:p>
         </p:txBody>
       </p:sp>
@@ -25321,7 +28804,240 @@
 </p:sld>
 </file>
 
-<file path=ppt/slides/slide11.xml><?xml version="1.0" encoding="utf-8"?>
+<file path=ppt/slides/slide12.xml><?xml version="1.0" encoding="utf-8"?>
+<p:sld xmlns:a="http://schemas.openxmlformats.org/drawingml/2006/main" xmlns:r="http://schemas.openxmlformats.org/officeDocument/2006/relationships" xmlns:p="http://schemas.openxmlformats.org/presentationml/2006/main">
+  <p:cSld>
+    <p:bg>
+      <p:bgPr>
+        <a:solidFill>
+          <a:schemeClr val="bg1"/>
+        </a:solidFill>
+        <a:effectLst/>
+      </p:bgPr>
+    </p:bg>
+    <p:spTree>
+      <p:nvGrpSpPr>
+        <p:cNvPr id="1" name=""/>
+        <p:cNvGrpSpPr/>
+        <p:nvPr/>
+      </p:nvGrpSpPr>
+      <p:grpSpPr>
+        <a:xfrm>
+          <a:off x="0" y="0"/>
+          <a:ext cx="0" cy="0"/>
+          <a:chOff x="0" y="0"/>
+          <a:chExt cx="0" cy="0"/>
+        </a:xfrm>
+      </p:grpSpPr>
+      <p:sp>
+        <p:nvSpPr>
+          <p:cNvPr id="2" name="Title 1">
+            <a:extLst>
+              <a:ext uri="{FF2B5EF4-FFF2-40B4-BE49-F238E27FC236}">
+                <a16:creationId xmlns:a16="http://schemas.microsoft.com/office/drawing/2014/main" id="{20171404-870B-4F91-AC7F-6FA08826187D}"/>
+              </a:ext>
+            </a:extLst>
+          </p:cNvPr>
+          <p:cNvSpPr>
+            <a:spLocks noGrp="1"/>
+          </p:cNvSpPr>
+          <p:nvPr>
+            <p:ph type="title"/>
+          </p:nvPr>
+        </p:nvSpPr>
+        <p:spPr>
+          <a:xfrm>
+            <a:off x="802386" y="484632"/>
+            <a:ext cx="7543800" cy="1609344"/>
+          </a:xfrm>
+        </p:spPr>
+        <p:txBody>
+          <a:bodyPr>
+            <a:normAutofit/>
+          </a:bodyPr>
+          <a:lstStyle/>
+          <a:p>
+            <a:r>
+              <a:rPr lang="ro-RO"/>
+              <a:t>Probleme întâmpinate</a:t>
+            </a:r>
+            <a:endParaRPr lang="en-US"/>
+          </a:p>
+        </p:txBody>
+      </p:sp>
+      <p:sp>
+        <p:nvSpPr>
+          <p:cNvPr id="35" name="Rectangle 34">
+            <a:extLst>
+              <a:ext uri="{FF2B5EF4-FFF2-40B4-BE49-F238E27FC236}">
+                <a16:creationId xmlns:a16="http://schemas.microsoft.com/office/drawing/2014/main" id="{3FD711E9-7F79-40A9-8D9E-4AE293C154A5}"/>
+              </a:ext>
+              <a:ext uri="{C183D7F6-B498-43B3-948B-1728B52AA6E4}">
+                <adec:decorative xmlns:adec="http://schemas.microsoft.com/office/drawing/2017/decorative" val="1"/>
+              </a:ext>
+            </a:extLst>
+          </p:cNvPr>
+          <p:cNvSpPr>
+            <a:spLocks noGrp="1" noRot="1" noChangeAspect="1" noMove="1" noResize="1" noEditPoints="1" noAdjustHandles="1" noChangeArrowheads="1" noChangeShapeType="1" noTextEdit="1"/>
+          </p:cNvSpPr>
+          <p:nvPr>
+            <p:extLst>
+              <p:ext uri="{386F3935-93C4-4BCD-93E2-E3B085C9AB24}">
+                <p16:designElem xmlns:p16="http://schemas.microsoft.com/office/powerpoint/2015/main" val="1"/>
+              </p:ext>
+            </p:extLst>
+          </p:nvPr>
+        </p:nvSpPr>
+        <p:spPr>
+          <a:xfrm>
+            <a:off x="800100" y="2013293"/>
+            <a:ext cx="7543800" cy="80683"/>
+          </a:xfrm>
+          <a:prstGeom prst="rect">
+            <a:avLst/>
+          </a:prstGeom>
+          <a:blipFill dpi="0" rotWithShape="1">
+            <a:blip r:embed="rId2">
+              <a:alphaModFix amt="85000"/>
+              <a:lum bright="70000" contrast="-70000"/>
+              <a:extLst>
+                <a:ext uri="{BEBA8EAE-BF5A-486C-A8C5-ECC9F3942E4B}">
+                  <a14:imgProps xmlns:a14="http://schemas.microsoft.com/office/drawing/2010/main">
+                    <a14:imgLayer r:embed="rId3">
+                      <a14:imgEffect>
+                        <a14:sharpenSoften amount="61000"/>
+                      </a14:imgEffect>
+                    </a14:imgLayer>
+                  </a14:imgProps>
+                </a:ext>
+                <a:ext uri="{28A0092B-C50C-407E-A947-70E740481C1C}">
+                  <a14:useLocalDpi xmlns:a14="http://schemas.microsoft.com/office/drawing/2010/main" val="0"/>
+                </a:ext>
+              </a:extLst>
+            </a:blip>
+            <a:srcRect/>
+            <a:tile tx="0" ty="-762000" sx="92000" sy="89000" flip="xy" algn="ctr"/>
+          </a:blipFill>
+          <a:ln>
+            <a:noFill/>
+          </a:ln>
+        </p:spPr>
+        <p:style>
+          <a:lnRef idx="2">
+            <a:schemeClr val="accent1">
+              <a:shade val="50000"/>
+            </a:schemeClr>
+          </a:lnRef>
+          <a:fillRef idx="1">
+            <a:schemeClr val="accent1"/>
+          </a:fillRef>
+          <a:effectRef idx="0">
+            <a:schemeClr val="accent1"/>
+          </a:effectRef>
+          <a:fontRef idx="minor">
+            <a:schemeClr val="lt1"/>
+          </a:fontRef>
+        </p:style>
+        <p:txBody>
+          <a:bodyPr rtlCol="0" anchor="ctr"/>
+          <a:lstStyle/>
+          <a:p>
+            <a:pPr algn="ctr"/>
+            <a:endParaRPr lang="en-US"/>
+          </a:p>
+        </p:txBody>
+      </p:sp>
+      <p:sp>
+        <p:nvSpPr>
+          <p:cNvPr id="4" name="Slide Number Placeholder 3">
+            <a:extLst>
+              <a:ext uri="{FF2B5EF4-FFF2-40B4-BE49-F238E27FC236}">
+                <a16:creationId xmlns:a16="http://schemas.microsoft.com/office/drawing/2014/main" id="{F1040E11-B5E6-446E-AFE8-32067D053762}"/>
+              </a:ext>
+            </a:extLst>
+          </p:cNvPr>
+          <p:cNvSpPr>
+            <a:spLocks noGrp="1"/>
+          </p:cNvSpPr>
+          <p:nvPr>
+            <p:ph type="sldNum" sz="quarter" idx="12"/>
+          </p:nvPr>
+        </p:nvSpPr>
+        <p:spPr>
+          <a:xfrm>
+            <a:off x="8483346" y="6272785"/>
+            <a:ext cx="480060" cy="365125"/>
+          </a:xfrm>
+        </p:spPr>
+        <p:txBody>
+          <a:bodyPr>
+            <a:normAutofit/>
+          </a:bodyPr>
+          <a:lstStyle/>
+          <a:p>
+            <a:pPr>
+              <a:spcAft>
+                <a:spcPts val="600"/>
+              </a:spcAft>
+            </a:pPr>
+            <a:fld id="{29574101-FBCA-4CCC-8F71-4FACD19D0373}" type="slidenum">
+              <a:rPr lang="en-US" smtClean="0"/>
+              <a:pPr>
+                <a:spcAft>
+                  <a:spcPts val="600"/>
+                </a:spcAft>
+              </a:pPr>
+              <a:t>12</a:t>
+            </a:fld>
+            <a:endParaRPr lang="en-US"/>
+          </a:p>
+        </p:txBody>
+      </p:sp>
+      <p:graphicFrame>
+        <p:nvGraphicFramePr>
+          <p:cNvPr id="25" name="Content Placeholder 2">
+            <a:extLst>
+              <a:ext uri="{FF2B5EF4-FFF2-40B4-BE49-F238E27FC236}">
+                <a16:creationId xmlns:a16="http://schemas.microsoft.com/office/drawing/2014/main" id="{C89107A5-AE3E-49D3-87FD-426BC572CEC7}"/>
+              </a:ext>
+            </a:extLst>
+          </p:cNvPr>
+          <p:cNvGraphicFramePr>
+            <a:graphicFrameLocks noGrp="1"/>
+          </p:cNvGraphicFramePr>
+          <p:nvPr>
+            <p:ph idx="1"/>
+            <p:extLst>
+              <p:ext uri="{D42A27DB-BD31-4B8C-83A1-F6EECF244321}">
+                <p14:modId xmlns:p14="http://schemas.microsoft.com/office/powerpoint/2010/main" val="963645546"/>
+              </p:ext>
+            </p:extLst>
+          </p:nvPr>
+        </p:nvGraphicFramePr>
+        <p:xfrm>
+          <a:off x="802481" y="2385390"/>
+          <a:ext cx="7543800" cy="3617845"/>
+        </p:xfrm>
+        <a:graphic>
+          <a:graphicData uri="http://schemas.openxmlformats.org/drawingml/2006/diagram">
+            <dgm:relIds xmlns:dgm="http://schemas.openxmlformats.org/drawingml/2006/diagram" xmlns:r="http://schemas.openxmlformats.org/officeDocument/2006/relationships" r:dm="rId4" r:lo="rId5" r:qs="rId6" r:cs="rId7"/>
+          </a:graphicData>
+        </a:graphic>
+      </p:graphicFrame>
+    </p:spTree>
+    <p:extLst>
+      <p:ext uri="{BB962C8B-B14F-4D97-AF65-F5344CB8AC3E}">
+        <p14:creationId xmlns:p14="http://schemas.microsoft.com/office/powerpoint/2010/main" val="1914659669"/>
+      </p:ext>
+    </p:extLst>
+  </p:cSld>
+  <p:clrMapOvr>
+    <a:masterClrMapping/>
+  </p:clrMapOvr>
+</p:sld>
+</file>
+
+<file path=ppt/slides/slide13.xml><?xml version="1.0" encoding="utf-8"?>
 <p:sld xmlns:a="http://schemas.openxmlformats.org/drawingml/2006/main" xmlns:r="http://schemas.openxmlformats.org/officeDocument/2006/relationships" xmlns:p="http://schemas.openxmlformats.org/presentationml/2006/main">
   <p:cSld>
     <p:bg>
@@ -25465,7 +29181,7 @@
           <a:lstStyle/>
           <a:p>
             <a:pPr algn="ctr"/>
-            <a:endParaRPr lang="en-US"/>
+            <a:endParaRPr lang="en-US" dirty="0"/>
           </a:p>
         </p:txBody>
       </p:sp>
@@ -25509,9 +29225,9 @@
                   <a:spcPts val="600"/>
                 </a:spcAft>
               </a:pPr>
-              <a:t>11</a:t>
+              <a:t>13</a:t>
             </a:fld>
-            <a:endParaRPr lang="en-US"/>
+            <a:endParaRPr lang="en-US" dirty="0"/>
           </a:p>
         </p:txBody>
       </p:sp>
@@ -25559,7 +29275,7 @@
 </p:sld>
 </file>
 
-<file path=ppt/slides/slide12.xml><?xml version="1.0" encoding="utf-8"?>
+<file path=ppt/slides/slide14.xml><?xml version="1.0" encoding="utf-8"?>
 <p:sld xmlns:a="http://schemas.openxmlformats.org/drawingml/2006/main" xmlns:r="http://schemas.openxmlformats.org/officeDocument/2006/relationships" xmlns:p="http://schemas.openxmlformats.org/presentationml/2006/main">
   <p:cSld>
     <p:bg>
@@ -25693,7 +29409,7 @@
           <a:lstStyle/>
           <a:p>
             <a:pPr algn="ctr"/>
-            <a:endParaRPr lang="en-US"/>
+            <a:endParaRPr lang="en-US" dirty="0"/>
           </a:p>
         </p:txBody>
       </p:sp>
@@ -25731,9 +29447,9 @@
                   <a:spcPts val="600"/>
                 </a:spcAft>
               </a:pPr>
-              <a:t>12</a:t>
+              <a:t>14</a:t>
             </a:fld>
-            <a:endParaRPr lang="en-US"/>
+            <a:endParaRPr lang="en-US" dirty="0"/>
           </a:p>
         </p:txBody>
       </p:sp>
@@ -25781,7 +29497,7 @@
 </p:sld>
 </file>
 
-<file path=ppt/slides/slide13.xml><?xml version="1.0" encoding="utf-8"?>
+<file path=ppt/slides/slide15.xml><?xml version="1.0" encoding="utf-8"?>
 <p:sld xmlns:a="http://schemas.openxmlformats.org/drawingml/2006/main" xmlns:r="http://schemas.openxmlformats.org/officeDocument/2006/relationships" xmlns:p="http://schemas.openxmlformats.org/presentationml/2006/main">
   <p:cSld>
     <p:spTree>
@@ -25884,7 +29600,7 @@
           <a:p>
             <a:fld id="{29574101-FBCA-4CCC-8F71-4FACD19D0373}" type="slidenum">
               <a:rPr lang="en-US" smtClean="0"/>
-              <a:t>13</a:t>
+              <a:t>15</a:t>
             </a:fld>
             <a:endParaRPr lang="en-US" dirty="0"/>
           </a:p>
@@ -26037,7 +29753,7 @@
           <a:lstStyle/>
           <a:p>
             <a:pPr algn="ctr"/>
-            <a:endParaRPr lang="en-US"/>
+            <a:endParaRPr lang="en-US" dirty="0"/>
           </a:p>
         </p:txBody>
       </p:sp>
@@ -26077,7 +29793,7 @@
               </a:pPr>
               <a:t>2</a:t>
             </a:fld>
-            <a:endParaRPr lang="en-US"/>
+            <a:endParaRPr lang="en-US" dirty="0"/>
           </a:p>
         </p:txBody>
       </p:sp>
@@ -26126,6 +29842,185 @@
 </file>
 
 <file path=ppt/slides/slide3.xml><?xml version="1.0" encoding="utf-8"?>
+<p:sld xmlns:a="http://schemas.openxmlformats.org/drawingml/2006/main" xmlns:r="http://schemas.openxmlformats.org/officeDocument/2006/relationships" xmlns:p="http://schemas.openxmlformats.org/presentationml/2006/main">
+  <p:cSld>
+    <p:spTree>
+      <p:nvGrpSpPr>
+        <p:cNvPr id="1" name=""/>
+        <p:cNvGrpSpPr/>
+        <p:nvPr/>
+      </p:nvGrpSpPr>
+      <p:grpSpPr>
+        <a:xfrm>
+          <a:off x="0" y="0"/>
+          <a:ext cx="0" cy="0"/>
+          <a:chOff x="0" y="0"/>
+          <a:chExt cx="0" cy="0"/>
+        </a:xfrm>
+      </p:grpSpPr>
+      <p:sp>
+        <p:nvSpPr>
+          <p:cNvPr id="2" name="Title 1">
+            <a:extLst>
+              <a:ext uri="{FF2B5EF4-FFF2-40B4-BE49-F238E27FC236}">
+                <a16:creationId xmlns:a16="http://schemas.microsoft.com/office/drawing/2014/main" id="{70C6D9C5-64E8-4478-BFDC-92235C099C97}"/>
+              </a:ext>
+            </a:extLst>
+          </p:cNvPr>
+          <p:cNvSpPr>
+            <a:spLocks noGrp="1"/>
+          </p:cNvSpPr>
+          <p:nvPr>
+            <p:ph type="title"/>
+          </p:nvPr>
+        </p:nvSpPr>
+        <p:spPr/>
+        <p:txBody>
+          <a:bodyPr/>
+          <a:lstStyle/>
+          <a:p>
+            <a:pPr algn="ctr"/>
+            <a:r>
+              <a:rPr lang="en-US" dirty="0"/>
+              <a:t>Cuprins</a:t>
+            </a:r>
+          </a:p>
+        </p:txBody>
+      </p:sp>
+      <p:sp>
+        <p:nvSpPr>
+          <p:cNvPr id="3" name="Content Placeholder 2">
+            <a:extLst>
+              <a:ext uri="{FF2B5EF4-FFF2-40B4-BE49-F238E27FC236}">
+                <a16:creationId xmlns:a16="http://schemas.microsoft.com/office/drawing/2014/main" id="{473C2F26-4371-43EE-B09C-475656F3393D}"/>
+              </a:ext>
+            </a:extLst>
+          </p:cNvPr>
+          <p:cNvSpPr>
+            <a:spLocks noGrp="1"/>
+          </p:cNvSpPr>
+          <p:nvPr>
+            <p:ph idx="1"/>
+          </p:nvPr>
+        </p:nvSpPr>
+        <p:spPr/>
+        <p:txBody>
+          <a:bodyPr>
+            <a:normAutofit/>
+          </a:bodyPr>
+          <a:lstStyle/>
+          <a:p>
+            <a:r>
+              <a:rPr lang="en-US" sz="2900" dirty="0">
+                <a:latin typeface="+mj-lt"/>
+              </a:rPr>
+              <a:t>Schema bloc</a:t>
+            </a:r>
+          </a:p>
+          <a:p>
+            <a:r>
+              <a:rPr lang="en-US" sz="2900" noProof="1">
+                <a:latin typeface="+mj-lt"/>
+              </a:rPr>
+              <a:t>Func</a:t>
+            </a:r>
+            <a:r>
+              <a:rPr lang="ro-RO" sz="2900" dirty="0">
+                <a:latin typeface="+mj-lt"/>
+              </a:rPr>
+              <a:t>țiile sistemului</a:t>
+            </a:r>
+          </a:p>
+          <a:p>
+            <a:r>
+              <a:rPr lang="ro-RO" sz="2900" dirty="0">
+                <a:latin typeface="+mj-lt"/>
+              </a:rPr>
+              <a:t>Hardware</a:t>
+            </a:r>
+          </a:p>
+          <a:p>
+            <a:r>
+              <a:rPr lang="ro-RO" sz="2900" dirty="0">
+                <a:latin typeface="+mj-lt"/>
+              </a:rPr>
+              <a:t>Software</a:t>
+            </a:r>
+          </a:p>
+          <a:p>
+            <a:r>
+              <a:rPr lang="ro-RO" sz="2900" dirty="0">
+                <a:latin typeface="+mj-lt"/>
+              </a:rPr>
+              <a:t>Probleme întâmpinate</a:t>
+            </a:r>
+          </a:p>
+          <a:p>
+            <a:r>
+              <a:rPr lang="ro-RO" sz="2900" dirty="0">
+                <a:latin typeface="+mj-lt"/>
+              </a:rPr>
+              <a:t>Dezvoltări viitoare</a:t>
+            </a:r>
+          </a:p>
+          <a:p>
+            <a:r>
+              <a:rPr lang="ro-RO" sz="2900" dirty="0">
+                <a:latin typeface="+mj-lt"/>
+              </a:rPr>
+              <a:t>Concluzii</a:t>
+            </a:r>
+          </a:p>
+          <a:p>
+            <a:endParaRPr lang="en-US" sz="2900" dirty="0">
+              <a:latin typeface="+mj-lt"/>
+            </a:endParaRPr>
+          </a:p>
+        </p:txBody>
+      </p:sp>
+      <p:sp>
+        <p:nvSpPr>
+          <p:cNvPr id="4" name="Slide Number Placeholder 3">
+            <a:extLst>
+              <a:ext uri="{FF2B5EF4-FFF2-40B4-BE49-F238E27FC236}">
+                <a16:creationId xmlns:a16="http://schemas.microsoft.com/office/drawing/2014/main" id="{543436BA-E81E-4D8F-8F85-125739BAE4ED}"/>
+              </a:ext>
+            </a:extLst>
+          </p:cNvPr>
+          <p:cNvSpPr>
+            <a:spLocks noGrp="1"/>
+          </p:cNvSpPr>
+          <p:nvPr>
+            <p:ph type="sldNum" sz="quarter" idx="12"/>
+          </p:nvPr>
+        </p:nvSpPr>
+        <p:spPr/>
+        <p:txBody>
+          <a:bodyPr/>
+          <a:lstStyle/>
+          <a:p>
+            <a:fld id="{29574101-FBCA-4CCC-8F71-4FACD19D0373}" type="slidenum">
+              <a:rPr lang="en-US" smtClean="0"/>
+              <a:t>3</a:t>
+            </a:fld>
+            <a:endParaRPr lang="en-US" dirty="0"/>
+          </a:p>
+        </p:txBody>
+      </p:sp>
+    </p:spTree>
+    <p:extLst>
+      <p:ext uri="{BB962C8B-B14F-4D97-AF65-F5344CB8AC3E}">
+        <p14:creationId xmlns:p14="http://schemas.microsoft.com/office/powerpoint/2010/main" val="1454839327"/>
+      </p:ext>
+    </p:extLst>
+  </p:cSld>
+  <p:clrMapOvr>
+    <a:masterClrMapping/>
+  </p:clrMapOvr>
+</p:sld>
+</file>
+
+<file path=ppt/slides/slide4.xml><?xml version="1.0" encoding="utf-8"?>
 <p:sld xmlns:a="http://schemas.openxmlformats.org/drawingml/2006/main" xmlns:r="http://schemas.openxmlformats.org/officeDocument/2006/relationships" xmlns:p="http://schemas.openxmlformats.org/presentationml/2006/main">
   <p:cSld>
     <p:spTree>
@@ -26228,7 +30123,7 @@
           <a:p>
             <a:fld id="{29574101-FBCA-4CCC-8F71-4FACD19D0373}" type="slidenum">
               <a:rPr lang="en-US" smtClean="0"/>
-              <a:t>3</a:t>
+              <a:t>4</a:t>
             </a:fld>
             <a:endParaRPr lang="en-US" dirty="0"/>
           </a:p>
@@ -26247,7 +30142,7 @@
 </p:sld>
 </file>
 
-<file path=ppt/slides/slide4.xml><?xml version="1.0" encoding="utf-8"?>
+<file path=ppt/slides/slide5.xml><?xml version="1.0" encoding="utf-8"?>
 <p:sld xmlns:a="http://schemas.openxmlformats.org/drawingml/2006/main" xmlns:r="http://schemas.openxmlformats.org/officeDocument/2006/relationships" xmlns:p="http://schemas.openxmlformats.org/presentationml/2006/main">
   <p:cSld>
     <p:bg>
@@ -26387,7 +30282,7 @@
           <a:lstStyle/>
           <a:p>
             <a:pPr algn="ctr"/>
-            <a:endParaRPr lang="en-US"/>
+            <a:endParaRPr lang="en-US" dirty="0"/>
           </a:p>
         </p:txBody>
       </p:sp>
@@ -26425,9 +30320,9 @@
                   <a:spcPts val="600"/>
                 </a:spcAft>
               </a:pPr>
-              <a:t>4</a:t>
+              <a:t>5</a:t>
             </a:fld>
-            <a:endParaRPr lang="en-US"/>
+            <a:endParaRPr lang="en-US" dirty="0"/>
           </a:p>
         </p:txBody>
       </p:sp>
@@ -26475,7 +30370,7 @@
 </p:sld>
 </file>
 
-<file path=ppt/slides/slide5.xml><?xml version="1.0" encoding="utf-8"?>
+<file path=ppt/slides/slide6.xml><?xml version="1.0" encoding="utf-8"?>
 <p:sld xmlns:a="http://schemas.openxmlformats.org/drawingml/2006/main" xmlns:r="http://schemas.openxmlformats.org/officeDocument/2006/relationships" xmlns:p="http://schemas.openxmlformats.org/presentationml/2006/main">
   <p:cSld>
     <p:bg>
@@ -26619,7 +30514,7 @@
           <a:lstStyle/>
           <a:p>
             <a:pPr algn="ctr"/>
-            <a:endParaRPr lang="en-US"/>
+            <a:endParaRPr lang="en-US" dirty="0"/>
           </a:p>
         </p:txBody>
       </p:sp>
@@ -26663,9 +30558,9 @@
                   <a:spcPts val="600"/>
                 </a:spcAft>
               </a:pPr>
-              <a:t>5</a:t>
+              <a:t>6</a:t>
             </a:fld>
-            <a:endParaRPr lang="en-US"/>
+            <a:endParaRPr lang="en-US" dirty="0"/>
           </a:p>
         </p:txBody>
       </p:sp>
@@ -26713,7 +30608,7 @@
 </p:sld>
 </file>
 
-<file path=ppt/slides/slide6.xml><?xml version="1.0" encoding="utf-8"?>
+<file path=ppt/slides/slide7.xml><?xml version="1.0" encoding="utf-8"?>
 <p:sld xmlns:a="http://schemas.openxmlformats.org/drawingml/2006/main" xmlns:r="http://schemas.openxmlformats.org/officeDocument/2006/relationships" xmlns:p="http://schemas.openxmlformats.org/presentationml/2006/main">
   <p:cSld>
     <p:bg>
@@ -26853,7 +30748,7 @@
           <a:lstStyle/>
           <a:p>
             <a:pPr algn="ctr"/>
-            <a:endParaRPr lang="en-US"/>
+            <a:endParaRPr lang="en-US" dirty="0"/>
           </a:p>
         </p:txBody>
       </p:sp>
@@ -26897,9 +30792,9 @@
                   <a:spcPts val="600"/>
                 </a:spcAft>
               </a:pPr>
-              <a:t>6</a:t>
+              <a:t>7</a:t>
             </a:fld>
-            <a:endParaRPr lang="en-US"/>
+            <a:endParaRPr lang="en-US" dirty="0"/>
           </a:p>
         </p:txBody>
       </p:sp>
@@ -26947,7 +30842,7 @@
 </p:sld>
 </file>
 
-<file path=ppt/slides/slide7.xml><?xml version="1.0" encoding="utf-8"?>
+<file path=ppt/slides/slide8.xml><?xml version="1.0" encoding="utf-8"?>
 <p:sld xmlns:a="http://schemas.openxmlformats.org/drawingml/2006/main" xmlns:r="http://schemas.openxmlformats.org/officeDocument/2006/relationships" xmlns:p="http://schemas.openxmlformats.org/presentationml/2006/main">
   <p:cSld>
     <p:bg>
@@ -27087,7 +30982,7 @@
           <a:lstStyle/>
           <a:p>
             <a:pPr algn="ctr"/>
-            <a:endParaRPr lang="en-US"/>
+            <a:endParaRPr lang="en-US" dirty="0"/>
           </a:p>
         </p:txBody>
       </p:sp>
@@ -27131,9 +31026,9 @@
                   <a:spcPts val="600"/>
                 </a:spcAft>
               </a:pPr>
-              <a:t>7</a:t>
+              <a:t>8</a:t>
             </a:fld>
-            <a:endParaRPr lang="en-US"/>
+            <a:endParaRPr lang="en-US" dirty="0"/>
           </a:p>
         </p:txBody>
       </p:sp>
@@ -27181,7 +31076,7 @@
 </p:sld>
 </file>
 
-<file path=ppt/slides/slide8.xml><?xml version="1.0" encoding="utf-8"?>
+<file path=ppt/slides/slide9.xml><?xml version="1.0" encoding="utf-8"?>
 <p:sld xmlns:a="http://schemas.openxmlformats.org/drawingml/2006/main" xmlns:r="http://schemas.openxmlformats.org/officeDocument/2006/relationships" xmlns:p="http://schemas.openxmlformats.org/presentationml/2006/main">
   <p:cSld>
     <p:bg>
@@ -27278,7 +31173,7 @@
               <a:tabLst/>
               <a:defRPr/>
             </a:pPr>
-            <a:endParaRPr kumimoji="0" lang="en-US" sz="1800" b="0" i="0" u="none" strike="noStrike" kern="1200" cap="none" spc="0" normalizeH="0" baseline="0" noProof="0">
+            <a:endParaRPr kumimoji="0" lang="en-US" sz="1800" b="0" i="0" u="none" strike="noStrike" kern="1200" cap="none" spc="0" normalizeH="0" baseline="0" noProof="0" dirty="0">
               <a:ln>
                 <a:noFill/>
               </a:ln>
@@ -27964,9 +31859,9 @@
                   <a:spcPts val="600"/>
                 </a:spcAft>
               </a:pPr>
-              <a:t>8</a:t>
+              <a:t>9</a:t>
             </a:fld>
-            <a:endParaRPr lang="en-US" sz="1200">
+            <a:endParaRPr lang="en-US" sz="1200" dirty="0">
               <a:latin typeface="+mj-lt"/>
             </a:endParaRPr>
           </a:p>
@@ -27976,764 +31871,6 @@
     <p:extLst>
       <p:ext uri="{BB962C8B-B14F-4D97-AF65-F5344CB8AC3E}">
         <p14:creationId xmlns:p14="http://schemas.microsoft.com/office/powerpoint/2010/main" val="1349906419"/>
-      </p:ext>
-    </p:extLst>
-  </p:cSld>
-  <p:clrMapOvr>
-    <a:masterClrMapping/>
-  </p:clrMapOvr>
-</p:sld>
-</file>
-
-<file path=ppt/slides/slide9.xml><?xml version="1.0" encoding="utf-8"?>
-<p:sld xmlns:a="http://schemas.openxmlformats.org/drawingml/2006/main" xmlns:r="http://schemas.openxmlformats.org/officeDocument/2006/relationships" xmlns:p="http://schemas.openxmlformats.org/presentationml/2006/main">
-  <p:cSld>
-    <p:bg>
-      <p:bgPr>
-        <a:solidFill>
-          <a:schemeClr val="bg1"/>
-        </a:solidFill>
-        <a:effectLst/>
-      </p:bgPr>
-    </p:bg>
-    <p:spTree>
-      <p:nvGrpSpPr>
-        <p:cNvPr id="1" name=""/>
-        <p:cNvGrpSpPr/>
-        <p:nvPr/>
-      </p:nvGrpSpPr>
-      <p:grpSpPr>
-        <a:xfrm>
-          <a:off x="0" y="0"/>
-          <a:ext cx="0" cy="0"/>
-          <a:chOff x="0" y="0"/>
-          <a:chExt cx="0" cy="0"/>
-        </a:xfrm>
-      </p:grpSpPr>
-      <p:sp useBgFill="1">
-        <p:nvSpPr>
-          <p:cNvPr id="27" name="Rectangle 26">
-            <a:extLst>
-              <a:ext uri="{FF2B5EF4-FFF2-40B4-BE49-F238E27FC236}">
-                <a16:creationId xmlns:a16="http://schemas.microsoft.com/office/drawing/2014/main" id="{E009DD9B-5EE2-4C0D-8B2B-351C8C102205}"/>
-              </a:ext>
-              <a:ext uri="{C183D7F6-B498-43B3-948B-1728B52AA6E4}">
-                <adec:decorative xmlns:adec="http://schemas.microsoft.com/office/drawing/2017/decorative" val="1"/>
-              </a:ext>
-            </a:extLst>
-          </p:cNvPr>
-          <p:cNvSpPr>
-            <a:spLocks noGrp="1" noRot="1" noChangeAspect="1" noMove="1" noResize="1" noEditPoints="1" noAdjustHandles="1" noChangeArrowheads="1" noChangeShapeType="1" noTextEdit="1"/>
-          </p:cNvSpPr>
-          <p:nvPr>
-            <p:extLst>
-              <p:ext uri="{386F3935-93C4-4BCD-93E2-E3B085C9AB24}">
-                <p16:designElem xmlns:p16="http://schemas.microsoft.com/office/powerpoint/2015/main" val="1"/>
-              </p:ext>
-            </p:extLst>
-          </p:nvPr>
-        </p:nvSpPr>
-        <p:spPr>
-          <a:xfrm>
-            <a:off x="0" y="0"/>
-            <a:ext cx="9144000" cy="6858000"/>
-          </a:xfrm>
-          <a:prstGeom prst="rect">
-            <a:avLst/>
-          </a:prstGeom>
-          <a:ln>
-            <a:noFill/>
-          </a:ln>
-        </p:spPr>
-        <p:style>
-          <a:lnRef idx="2">
-            <a:schemeClr val="accent1">
-              <a:shade val="50000"/>
-            </a:schemeClr>
-          </a:lnRef>
-          <a:fillRef idx="1">
-            <a:schemeClr val="accent1"/>
-          </a:fillRef>
-          <a:effectRef idx="0">
-            <a:schemeClr val="accent1"/>
-          </a:effectRef>
-          <a:fontRef idx="minor">
-            <a:schemeClr val="lt1"/>
-          </a:fontRef>
-        </p:style>
-        <p:txBody>
-          <a:bodyPr rtlCol="0" anchor="ctr"/>
-          <a:lstStyle/>
-          <a:p>
-            <a:pPr marL="0" marR="0" lvl="0" indent="0" algn="ctr" defTabSz="914400" rtl="0" eaLnBrk="1" fontAlgn="auto" latinLnBrk="0" hangingPunct="1">
-              <a:lnSpc>
-                <a:spcPct val="100000"/>
-              </a:lnSpc>
-              <a:spcBef>
-                <a:spcPts val="0"/>
-              </a:spcBef>
-              <a:spcAft>
-                <a:spcPts val="0"/>
-              </a:spcAft>
-              <a:buClrTx/>
-              <a:buSzTx/>
-              <a:buFontTx/>
-              <a:buNone/>
-              <a:tabLst/>
-              <a:defRPr/>
-            </a:pPr>
-            <a:endParaRPr kumimoji="0" lang="en-US" sz="1800" b="0" i="0" u="none" strike="noStrike" kern="1200" cap="none" spc="0" normalizeH="0" baseline="0" noProof="0">
-              <a:ln>
-                <a:noFill/>
-              </a:ln>
-              <a:solidFill>
-                <a:prstClr val="white"/>
-              </a:solidFill>
-              <a:effectLst/>
-              <a:uLnTx/>
-              <a:uFillTx/>
-              <a:latin typeface="Rockwell" panose="02060603020205020403"/>
-              <a:ea typeface="+mn-ea"/>
-              <a:cs typeface="+mn-cs"/>
-            </a:endParaRPr>
-          </a:p>
-        </p:txBody>
-      </p:sp>
-      <p:sp>
-        <p:nvSpPr>
-          <p:cNvPr id="29" name="Rectangle 28">
-            <a:extLst>
-              <a:ext uri="{FF2B5EF4-FFF2-40B4-BE49-F238E27FC236}">
-                <a16:creationId xmlns:a16="http://schemas.microsoft.com/office/drawing/2014/main" id="{E720DB99-7745-4E75-9D96-AAB6D55C531E}"/>
-              </a:ext>
-              <a:ext uri="{C183D7F6-B498-43B3-948B-1728B52AA6E4}">
-                <adec:decorative xmlns:adec="http://schemas.microsoft.com/office/drawing/2017/decorative" val="1"/>
-              </a:ext>
-            </a:extLst>
-          </p:cNvPr>
-          <p:cNvSpPr>
-            <a:spLocks noGrp="1" noRot="1" noChangeAspect="1" noMove="1" noResize="1" noEditPoints="1" noAdjustHandles="1" noChangeArrowheads="1" noChangeShapeType="1" noTextEdit="1"/>
-          </p:cNvSpPr>
-          <p:nvPr>
-            <p:extLst>
-              <p:ext uri="{386F3935-93C4-4BCD-93E2-E3B085C9AB24}">
-                <p16:designElem xmlns:p16="http://schemas.microsoft.com/office/powerpoint/2015/main" val="1"/>
-              </p:ext>
-            </p:extLst>
-          </p:nvPr>
-        </p:nvSpPr>
-        <p:spPr>
-          <a:xfrm>
-            <a:off x="738378" y="3837459"/>
-            <a:ext cx="7667244" cy="80683"/>
-          </a:xfrm>
-          <a:prstGeom prst="rect">
-            <a:avLst/>
-          </a:prstGeom>
-          <a:blipFill dpi="0" rotWithShape="1">
-            <a:blip r:embed="rId2">
-              <a:alphaModFix amt="85000"/>
-              <a:lum bright="70000" contrast="-70000"/>
-              <a:extLst>
-                <a:ext uri="{BEBA8EAE-BF5A-486C-A8C5-ECC9F3942E4B}">
-                  <a14:imgProps xmlns:a14="http://schemas.microsoft.com/office/drawing/2010/main">
-                    <a14:imgLayer r:embed="rId3">
-                      <a14:imgEffect>
-                        <a14:sharpenSoften amount="61000"/>
-                      </a14:imgEffect>
-                    </a14:imgLayer>
-                  </a14:imgProps>
-                </a:ext>
-                <a:ext uri="{28A0092B-C50C-407E-A947-70E740481C1C}">
-                  <a14:useLocalDpi xmlns:a14="http://schemas.microsoft.com/office/drawing/2010/main" val="0"/>
-                </a:ext>
-              </a:extLst>
-            </a:blip>
-            <a:srcRect/>
-            <a:tile tx="0" ty="-762000" sx="92000" sy="89000" flip="xy" algn="ctr"/>
-          </a:blipFill>
-          <a:ln>
-            <a:noFill/>
-          </a:ln>
-        </p:spPr>
-        <p:style>
-          <a:lnRef idx="2">
-            <a:schemeClr val="accent1">
-              <a:shade val="50000"/>
-            </a:schemeClr>
-          </a:lnRef>
-          <a:fillRef idx="1">
-            <a:schemeClr val="accent1"/>
-          </a:fillRef>
-          <a:effectRef idx="0">
-            <a:schemeClr val="accent1"/>
-          </a:effectRef>
-          <a:fontRef idx="minor">
-            <a:schemeClr val="lt1"/>
-          </a:fontRef>
-        </p:style>
-      </p:sp>
-      <p:sp>
-        <p:nvSpPr>
-          <p:cNvPr id="31" name="Rectangle 30">
-            <a:extLst>
-              <a:ext uri="{FF2B5EF4-FFF2-40B4-BE49-F238E27FC236}">
-                <a16:creationId xmlns:a16="http://schemas.microsoft.com/office/drawing/2014/main" id="{D68803C4-E159-4360-B7BB-74205C8F782D}"/>
-              </a:ext>
-              <a:ext uri="{C183D7F6-B498-43B3-948B-1728B52AA6E4}">
-                <adec:decorative xmlns:adec="http://schemas.microsoft.com/office/drawing/2017/decorative" val="1"/>
-              </a:ext>
-            </a:extLst>
-          </p:cNvPr>
-          <p:cNvSpPr>
-            <a:spLocks noGrp="1" noRot="1" noChangeAspect="1" noMove="1" noResize="1" noEditPoints="1" noAdjustHandles="1" noChangeArrowheads="1" noChangeShapeType="1" noTextEdit="1"/>
-          </p:cNvSpPr>
-          <p:nvPr>
-            <p:extLst>
-              <p:ext uri="{386F3935-93C4-4BCD-93E2-E3B085C9AB24}">
-                <p16:designElem xmlns:p16="http://schemas.microsoft.com/office/powerpoint/2015/main" val="1"/>
-              </p:ext>
-            </p:extLst>
-          </p:nvPr>
-        </p:nvSpPr>
-        <p:spPr>
-          <a:xfrm>
-            <a:off x="738378" y="3981573"/>
-            <a:ext cx="7667244" cy="2078335"/>
-          </a:xfrm>
-          <a:prstGeom prst="rect">
-            <a:avLst/>
-          </a:prstGeom>
-          <a:blipFill dpi="0" rotWithShape="1">
-            <a:blip r:embed="rId2">
-              <a:alphaModFix amt="95000"/>
-              <a:lum bright="70000" contrast="-70000"/>
-              <a:extLst>
-                <a:ext uri="{BEBA8EAE-BF5A-486C-A8C5-ECC9F3942E4B}">
-                  <a14:imgProps xmlns:a14="http://schemas.microsoft.com/office/drawing/2010/main">
-                    <a14:imgLayer r:embed="rId3">
-                      <a14:imgEffect>
-                        <a14:sharpenSoften amount="61000"/>
-                      </a14:imgEffect>
-                    </a14:imgLayer>
-                  </a14:imgProps>
-                </a:ext>
-                <a:ext uri="{28A0092B-C50C-407E-A947-70E740481C1C}">
-                  <a14:useLocalDpi xmlns:a14="http://schemas.microsoft.com/office/drawing/2010/main" val="0"/>
-                </a:ext>
-              </a:extLst>
-            </a:blip>
-            <a:srcRect/>
-            <a:tile tx="0" ty="-704850" sx="92000" sy="89000" flip="xy" algn="ctr"/>
-          </a:blipFill>
-          <a:ln>
-            <a:noFill/>
-          </a:ln>
-        </p:spPr>
-        <p:style>
-          <a:lnRef idx="2">
-            <a:schemeClr val="accent1">
-              <a:shade val="50000"/>
-            </a:schemeClr>
-          </a:lnRef>
-          <a:fillRef idx="1">
-            <a:schemeClr val="accent1"/>
-          </a:fillRef>
-          <a:effectRef idx="0">
-            <a:schemeClr val="accent1"/>
-          </a:effectRef>
-          <a:fontRef idx="minor">
-            <a:schemeClr val="lt1"/>
-          </a:fontRef>
-        </p:style>
-      </p:sp>
-      <p:sp>
-        <p:nvSpPr>
-          <p:cNvPr id="2" name="Title 1"/>
-          <p:cNvSpPr>
-            <a:spLocks noGrp="1"/>
-          </p:cNvSpPr>
-          <p:nvPr>
-            <p:ph type="title"/>
-          </p:nvPr>
-        </p:nvSpPr>
-        <p:spPr>
-          <a:xfrm>
-            <a:off x="964092" y="4162031"/>
-            <a:ext cx="3407762" cy="1767141"/>
-          </a:xfrm>
-        </p:spPr>
-        <p:txBody>
-          <a:bodyPr vert="horz" lIns="91440" tIns="45720" rIns="91440" bIns="45720" rtlCol="0" anchor="ctr">
-            <a:normAutofit/>
-          </a:bodyPr>
-          <a:lstStyle/>
-          <a:p>
-            <a:pPr algn="ctr"/>
-            <a:r>
-              <a:rPr lang="en-US" noProof="1"/>
-              <a:t>Aplicația</a:t>
-            </a:r>
-            <a:r>
-              <a:rPr lang="en-US" dirty="0"/>
-              <a:t> Android</a:t>
-            </a:r>
-          </a:p>
-        </p:txBody>
-      </p:sp>
-      <p:pic>
-        <p:nvPicPr>
-          <p:cNvPr id="8" name="Picture 7">
-            <a:extLst>
-              <a:ext uri="{FF2B5EF4-FFF2-40B4-BE49-F238E27FC236}">
-                <a16:creationId xmlns:a16="http://schemas.microsoft.com/office/drawing/2014/main" id="{AA6F2317-976C-4AA9-8F3A-E1A1BB8D92F4}"/>
-              </a:ext>
-            </a:extLst>
-          </p:cNvPr>
-          <p:cNvPicPr>
-            <a:picLocks noChangeAspect="1"/>
-          </p:cNvPicPr>
-          <p:nvPr/>
-        </p:nvPicPr>
-        <p:blipFill>
-          <a:blip r:embed="rId4" cstate="print">
-            <a:extLst>
-              <a:ext uri="{28A0092B-C50C-407E-A947-70E740481C1C}">
-                <a14:useLocalDpi xmlns:a14="http://schemas.microsoft.com/office/drawing/2010/main" val="0"/>
-              </a:ext>
-            </a:extLst>
-          </a:blip>
-          <a:stretch>
-            <a:fillRect/>
-          </a:stretch>
-        </p:blipFill>
-        <p:spPr>
-          <a:xfrm>
-            <a:off x="738376" y="642938"/>
-            <a:ext cx="3712974" cy="2784730"/>
-          </a:xfrm>
-          <a:prstGeom prst="rect">
-            <a:avLst/>
-          </a:prstGeom>
-        </p:spPr>
-      </p:pic>
-      <p:sp>
-        <p:nvSpPr>
-          <p:cNvPr id="9" name="TextBox 8">
-            <a:extLst>
-              <a:ext uri="{FF2B5EF4-FFF2-40B4-BE49-F238E27FC236}">
-                <a16:creationId xmlns:a16="http://schemas.microsoft.com/office/drawing/2014/main" id="{B8CA411E-9A70-468F-8311-B6B05957C2A3}"/>
-              </a:ext>
-            </a:extLst>
-          </p:cNvPr>
-          <p:cNvSpPr txBox="1"/>
-          <p:nvPr/>
-        </p:nvSpPr>
-        <p:spPr>
-          <a:xfrm>
-            <a:off x="4663440" y="4170410"/>
-            <a:ext cx="3524415" cy="1767141"/>
-          </a:xfrm>
-          <a:prstGeom prst="rect">
-            <a:avLst/>
-          </a:prstGeom>
-        </p:spPr>
-        <p:txBody>
-          <a:bodyPr vert="horz" lIns="91440" tIns="45720" rIns="91440" bIns="45720" rtlCol="0" anchor="ctr">
-            <a:noAutofit/>
-          </a:bodyPr>
-          <a:lstStyle/>
-          <a:p>
-            <a:pPr marL="285750" indent="-182880" defTabSz="914400">
-              <a:lnSpc>
-                <a:spcPct val="90000"/>
-              </a:lnSpc>
-              <a:spcAft>
-                <a:spcPts val="600"/>
-              </a:spcAft>
-              <a:buClr>
-                <a:schemeClr val="accent1">
-                  <a:lumMod val="75000"/>
-                </a:schemeClr>
-              </a:buClr>
-              <a:buSzPct val="85000"/>
-              <a:buFont typeface="Wingdings" pitchFamily="2" charset="2"/>
-              <a:buChar char="§"/>
-            </a:pPr>
-            <a:r>
-              <a:rPr lang="en-US" sz="2400" noProof="1">
-                <a:latin typeface="+mj-lt"/>
-              </a:rPr>
-              <a:t>Comenzi pentru deplasare</a:t>
-            </a:r>
-          </a:p>
-          <a:p>
-            <a:pPr marL="285750" indent="-182880" defTabSz="914400">
-              <a:lnSpc>
-                <a:spcPct val="90000"/>
-              </a:lnSpc>
-              <a:spcAft>
-                <a:spcPts val="600"/>
-              </a:spcAft>
-              <a:buClr>
-                <a:schemeClr val="accent1">
-                  <a:lumMod val="75000"/>
-                </a:schemeClr>
-              </a:buClr>
-              <a:buSzPct val="85000"/>
-              <a:buFont typeface="Wingdings" pitchFamily="2" charset="2"/>
-              <a:buChar char="§"/>
-            </a:pPr>
-            <a:r>
-              <a:rPr lang="en-US" sz="2400" noProof="1">
-                <a:latin typeface="+mj-lt"/>
-              </a:rPr>
-              <a:t>Comenzi pentru șut</a:t>
-            </a:r>
-          </a:p>
-          <a:p>
-            <a:pPr marL="285750" indent="-182880" defTabSz="914400">
-              <a:lnSpc>
-                <a:spcPct val="90000"/>
-              </a:lnSpc>
-              <a:spcAft>
-                <a:spcPts val="600"/>
-              </a:spcAft>
-              <a:buClr>
-                <a:schemeClr val="accent1">
-                  <a:lumMod val="75000"/>
-                </a:schemeClr>
-              </a:buClr>
-              <a:buSzPct val="85000"/>
-              <a:buFont typeface="Wingdings" pitchFamily="2" charset="2"/>
-              <a:buChar char="§"/>
-            </a:pPr>
-            <a:r>
-              <a:rPr lang="en-US" sz="2400" noProof="1">
-                <a:latin typeface="+mj-lt"/>
-              </a:rPr>
-              <a:t>Comandă pentru schimbarea modului de control</a:t>
-            </a:r>
-          </a:p>
-        </p:txBody>
-      </p:sp>
-      <p:sp>
-        <p:nvSpPr>
-          <p:cNvPr id="33" name="Rectangle 32">
-            <a:extLst>
-              <a:ext uri="{FF2B5EF4-FFF2-40B4-BE49-F238E27FC236}">
-                <a16:creationId xmlns:a16="http://schemas.microsoft.com/office/drawing/2014/main" id="{504B0465-3B07-49BF-BEA7-D81476246293}"/>
-              </a:ext>
-              <a:ext uri="{C183D7F6-B498-43B3-948B-1728B52AA6E4}">
-                <adec:decorative xmlns:adec="http://schemas.microsoft.com/office/drawing/2017/decorative" val="1"/>
-              </a:ext>
-            </a:extLst>
-          </p:cNvPr>
-          <p:cNvSpPr>
-            <a:spLocks noGrp="1" noRot="1" noChangeAspect="1" noMove="1" noResize="1" noEditPoints="1" noAdjustHandles="1" noChangeArrowheads="1" noChangeShapeType="1" noTextEdit="1"/>
-          </p:cNvSpPr>
-          <p:nvPr>
-            <p:extLst>
-              <p:ext uri="{386F3935-93C4-4BCD-93E2-E3B085C9AB24}">
-                <p16:designElem xmlns:p16="http://schemas.microsoft.com/office/powerpoint/2015/main" val="1"/>
-              </p:ext>
-            </p:extLst>
-          </p:nvPr>
-        </p:nvSpPr>
-        <p:spPr>
-          <a:xfrm>
-            <a:off x="738378" y="6128670"/>
-            <a:ext cx="7667244" cy="80683"/>
-          </a:xfrm>
-          <a:prstGeom prst="rect">
-            <a:avLst/>
-          </a:prstGeom>
-          <a:blipFill dpi="0" rotWithShape="1">
-            <a:blip r:embed="rId2">
-              <a:alphaModFix amt="85000"/>
-              <a:lum bright="70000" contrast="-70000"/>
-              <a:extLst>
-                <a:ext uri="{BEBA8EAE-BF5A-486C-A8C5-ECC9F3942E4B}">
-                  <a14:imgProps xmlns:a14="http://schemas.microsoft.com/office/drawing/2010/main">
-                    <a14:imgLayer r:embed="rId3">
-                      <a14:imgEffect>
-                        <a14:sharpenSoften amount="61000"/>
-                      </a14:imgEffect>
-                    </a14:imgLayer>
-                  </a14:imgProps>
-                </a:ext>
-                <a:ext uri="{28A0092B-C50C-407E-A947-70E740481C1C}">
-                  <a14:useLocalDpi xmlns:a14="http://schemas.microsoft.com/office/drawing/2010/main" val="0"/>
-                </a:ext>
-              </a:extLst>
-            </a:blip>
-            <a:srcRect/>
-            <a:tile tx="0" ty="-717550" sx="92000" sy="89000" flip="xy" algn="ctr"/>
-          </a:blipFill>
-          <a:ln>
-            <a:noFill/>
-          </a:ln>
-        </p:spPr>
-        <p:style>
-          <a:lnRef idx="2">
-            <a:schemeClr val="accent1">
-              <a:shade val="50000"/>
-            </a:schemeClr>
-          </a:lnRef>
-          <a:fillRef idx="1">
-            <a:schemeClr val="accent1"/>
-          </a:fillRef>
-          <a:effectRef idx="0">
-            <a:schemeClr val="accent1"/>
-          </a:effectRef>
-          <a:fontRef idx="minor">
-            <a:schemeClr val="lt1"/>
-          </a:fontRef>
-        </p:style>
-      </p:sp>
-      <p:sp>
-        <p:nvSpPr>
-          <p:cNvPr id="35" name="Oval 34">
-            <a:extLst>
-              <a:ext uri="{FF2B5EF4-FFF2-40B4-BE49-F238E27FC236}">
-                <a16:creationId xmlns:a16="http://schemas.microsoft.com/office/drawing/2014/main" id="{49B7FFA5-14CB-4A4F-9BCC-CA3AA5D9D276}"/>
-              </a:ext>
-              <a:ext uri="{C183D7F6-B498-43B3-948B-1728B52AA6E4}">
-                <adec:decorative xmlns:adec="http://schemas.microsoft.com/office/drawing/2017/decorative" val="1"/>
-              </a:ext>
-            </a:extLst>
-          </p:cNvPr>
-          <p:cNvSpPr>
-            <a:spLocks noGrp="1" noRot="1" noChangeAspect="1" noMove="1" noResize="1" noEditPoints="1" noAdjustHandles="1" noChangeArrowheads="1" noChangeShapeType="1" noTextEdit="1"/>
-          </p:cNvSpPr>
-          <p:nvPr>
-            <p:extLst>
-              <p:ext uri="{386F3935-93C4-4BCD-93E2-E3B085C9AB24}">
-                <p16:designElem xmlns:p16="http://schemas.microsoft.com/office/powerpoint/2015/main" val="1"/>
-              </p:ext>
-            </p:extLst>
-          </p:nvPr>
-        </p:nvSpPr>
-        <p:spPr>
-          <a:xfrm>
-            <a:off x="8551293" y="6229681"/>
-            <a:ext cx="342900" cy="457200"/>
-          </a:xfrm>
-          <a:prstGeom prst="ellipse">
-            <a:avLst/>
-          </a:prstGeom>
-          <a:blipFill dpi="0" rotWithShape="1">
-            <a:blip r:embed="rId5">
-              <a:duotone>
-                <a:schemeClr val="accent1">
-                  <a:shade val="45000"/>
-                  <a:satMod val="135000"/>
-                </a:schemeClr>
-                <a:prstClr val="white"/>
-              </a:duotone>
-            </a:blip>
-            <a:srcRect/>
-            <a:tile tx="50800" ty="0" sx="85000" sy="85000" flip="none" algn="tl"/>
-          </a:blipFill>
-          <a:ln w="25400" cap="flat" cmpd="sng" algn="ctr">
-            <a:noFill/>
-            <a:prstDash val="solid"/>
-          </a:ln>
-          <a:effectLst/>
-        </p:spPr>
-        <p:txBody>
-          <a:bodyPr lIns="0" tIns="0" rIns="0" bIns="0" rtlCol="0" anchor="ctr"/>
-          <a:lstStyle/>
-          <a:p>
-            <a:pPr marL="0" marR="0" lvl="0" indent="0" algn="ctr" defTabSz="914400" rtl="0" eaLnBrk="1" fontAlgn="auto" latinLnBrk="0" hangingPunct="1">
-              <a:lnSpc>
-                <a:spcPct val="100000"/>
-              </a:lnSpc>
-              <a:spcBef>
-                <a:spcPts val="0"/>
-              </a:spcBef>
-              <a:spcAft>
-                <a:spcPts val="0"/>
-              </a:spcAft>
-              <a:buClrTx/>
-              <a:buSzTx/>
-              <a:buFontTx/>
-              <a:buNone/>
-              <a:tabLst/>
-              <a:defRPr/>
-            </a:pPr>
-            <a:endParaRPr kumimoji="0" lang="en-US" sz="2000" b="0" i="0" u="none" strike="noStrike" kern="0" cap="none" spc="0" normalizeH="0" baseline="0" noProof="0" dirty="0">
-              <a:ln>
-                <a:noFill/>
-              </a:ln>
-              <a:solidFill>
-                <a:prstClr val="white"/>
-              </a:solidFill>
-              <a:effectLst/>
-              <a:uLnTx/>
-              <a:uFillTx/>
-              <a:latin typeface="Rockwell Extra Bold" pitchFamily="18" charset="0"/>
-              <a:ea typeface="+mn-ea"/>
-              <a:cs typeface="+mn-cs"/>
-            </a:endParaRPr>
-          </a:p>
-        </p:txBody>
-      </p:sp>
-      <p:sp>
-        <p:nvSpPr>
-          <p:cNvPr id="37" name="Oval 36">
-            <a:extLst>
-              <a:ext uri="{FF2B5EF4-FFF2-40B4-BE49-F238E27FC236}">
-                <a16:creationId xmlns:a16="http://schemas.microsoft.com/office/drawing/2014/main" id="{04E48745-7512-4EC2-9E20-9092D12150CA}"/>
-              </a:ext>
-              <a:ext uri="{C183D7F6-B498-43B3-948B-1728B52AA6E4}">
-                <adec:decorative xmlns:adec="http://schemas.microsoft.com/office/drawing/2017/decorative" val="1"/>
-              </a:ext>
-            </a:extLst>
-          </p:cNvPr>
-          <p:cNvSpPr>
-            <a:spLocks noGrp="1" noRot="1" noChangeAspect="1" noMove="1" noResize="1" noEditPoints="1" noAdjustHandles="1" noChangeArrowheads="1" noChangeShapeType="1" noTextEdit="1"/>
-          </p:cNvSpPr>
-          <p:nvPr>
-            <p:extLst>
-              <p:ext uri="{386F3935-93C4-4BCD-93E2-E3B085C9AB24}">
-                <p16:designElem xmlns:p16="http://schemas.microsoft.com/office/powerpoint/2015/main" val="1"/>
-              </p:ext>
-            </p:extLst>
-          </p:nvPr>
-        </p:nvSpPr>
-        <p:spPr>
-          <a:xfrm>
-            <a:off x="8573188" y="6258874"/>
-            <a:ext cx="299110" cy="398815"/>
-          </a:xfrm>
-          <a:prstGeom prst="ellipse">
-            <a:avLst/>
-          </a:prstGeom>
-          <a:noFill/>
-          <a:ln w="12700" cap="flat" cmpd="sng" algn="ctr">
-            <a:solidFill>
-              <a:srgbClr val="FFFFFF"/>
-            </a:solidFill>
-            <a:prstDash val="solid"/>
-          </a:ln>
-          <a:effectLst/>
-        </p:spPr>
-        <p:txBody>
-          <a:bodyPr rtlCol="0" anchor="ctr"/>
-          <a:lstStyle/>
-          <a:p>
-            <a:pPr marL="0" marR="0" lvl="0" indent="0" algn="ctr" defTabSz="914400" rtl="0" eaLnBrk="1" fontAlgn="auto" latinLnBrk="0" hangingPunct="1">
-              <a:lnSpc>
-                <a:spcPct val="100000"/>
-              </a:lnSpc>
-              <a:spcBef>
-                <a:spcPts val="0"/>
-              </a:spcBef>
-              <a:spcAft>
-                <a:spcPts val="0"/>
-              </a:spcAft>
-              <a:buClrTx/>
-              <a:buSzTx/>
-              <a:buFontTx/>
-              <a:buNone/>
-              <a:tabLst/>
-              <a:defRPr/>
-            </a:pPr>
-            <a:endParaRPr kumimoji="0" lang="en-US" sz="1800" b="0" i="0" u="none" strike="noStrike" kern="0" cap="none" spc="0" normalizeH="0" baseline="0" noProof="0" dirty="0">
-              <a:ln>
-                <a:noFill/>
-              </a:ln>
-              <a:solidFill>
-                <a:prstClr val="white"/>
-              </a:solidFill>
-              <a:effectLst/>
-              <a:uLnTx/>
-              <a:uFillTx/>
-              <a:latin typeface="Calibri"/>
-              <a:ea typeface="+mn-ea"/>
-              <a:cs typeface="+mn-cs"/>
-            </a:endParaRPr>
-          </a:p>
-        </p:txBody>
-      </p:sp>
-      <p:sp>
-        <p:nvSpPr>
-          <p:cNvPr id="4" name="Slide Number Placeholder 3"/>
-          <p:cNvSpPr>
-            <a:spLocks noGrp="1"/>
-          </p:cNvSpPr>
-          <p:nvPr>
-            <p:ph type="sldNum" sz="quarter" idx="12"/>
-          </p:nvPr>
-        </p:nvSpPr>
-        <p:spPr>
-          <a:xfrm>
-            <a:off x="8483346" y="6272784"/>
-            <a:ext cx="480060" cy="365125"/>
-          </a:xfrm>
-        </p:spPr>
-        <p:txBody>
-          <a:bodyPr vert="horz" lIns="91440" tIns="45720" rIns="91440" bIns="45720" rtlCol="0" anchor="ctr">
-            <a:normAutofit/>
-          </a:bodyPr>
-          <a:lstStyle/>
-          <a:p>
-            <a:pPr defTabSz="914400">
-              <a:spcAft>
-                <a:spcPts val="600"/>
-              </a:spcAft>
-            </a:pPr>
-            <a:fld id="{29574101-FBCA-4CCC-8F71-4FACD19D0373}" type="slidenum">
-              <a:rPr lang="en-US" sz="1200">
-                <a:latin typeface="+mj-lt"/>
-              </a:rPr>
-              <a:pPr defTabSz="914400">
-                <a:spcAft>
-                  <a:spcPts val="600"/>
-                </a:spcAft>
-              </a:pPr>
-              <a:t>9</a:t>
-            </a:fld>
-            <a:endParaRPr lang="en-US" sz="1200">
-              <a:latin typeface="+mj-lt"/>
-            </a:endParaRPr>
-          </a:p>
-        </p:txBody>
-      </p:sp>
-      <p:pic>
-        <p:nvPicPr>
-          <p:cNvPr id="5" name="Content Placeholder 4"/>
-          <p:cNvPicPr>
-            <a:picLocks noGrp="1" noChangeAspect="1"/>
-          </p:cNvPicPr>
-          <p:nvPr>
-            <p:ph idx="1"/>
-          </p:nvPr>
-        </p:nvPicPr>
-        <p:blipFill>
-          <a:blip r:embed="rId6" cstate="print">
-            <a:extLst>
-              <a:ext uri="{28A0092B-C50C-407E-A947-70E740481C1C}">
-                <a14:useLocalDpi xmlns:a14="http://schemas.microsoft.com/office/drawing/2010/main" val="0"/>
-              </a:ext>
-            </a:extLst>
-          </a:blip>
-          <a:stretch>
-            <a:fillRect/>
-          </a:stretch>
-        </p:blipFill>
-        <p:spPr>
-          <a:xfrm>
-            <a:off x="5652120" y="116632"/>
-            <a:ext cx="2016224" cy="3584399"/>
-          </a:xfrm>
-        </p:spPr>
-      </p:pic>
-    </p:spTree>
-    <p:extLst>
-      <p:ext uri="{BB962C8B-B14F-4D97-AF65-F5344CB8AC3E}">
-        <p14:creationId xmlns:p14="http://schemas.microsoft.com/office/powerpoint/2010/main" val="4113320267"/>
       </p:ext>
     </p:extLst>
   </p:cSld>

--- a/ROBOTINHO2.pptx
+++ b/ROBOTINHO2.pptx
@@ -8726,7 +8726,7 @@
 <dgm:dataModel xmlns:dgm="http://schemas.openxmlformats.org/drawingml/2006/diagram" xmlns:a="http://schemas.openxmlformats.org/drawingml/2006/main">
   <dgm:ptLst>
     <dgm:pt modelId="{7855EEA3-AC81-46D6-9C9C-AF59444F94D6}" type="doc">
-      <dgm:prSet loTypeId="urn:microsoft.com/office/officeart/2005/8/layout/vList2" loCatId="list" qsTypeId="urn:microsoft.com/office/officeart/2005/8/quickstyle/simple1" qsCatId="simple" csTypeId="urn:microsoft.com/office/officeart/2005/8/colors/accent2_2" csCatId="accent2"/>
+      <dgm:prSet loTypeId="urn:microsoft.com/office/officeart/2005/8/layout/vList2" loCatId="list" qsTypeId="urn:microsoft.com/office/officeart/2005/8/quickstyle/simple1" qsCatId="simple" csTypeId="urn:microsoft.com/office/officeart/2005/8/colors/accent2_2" csCatId="accent2" phldr="1"/>
       <dgm:spPr/>
       <dgm:t>
         <a:bodyPr/>
@@ -8789,16 +8789,10 @@
         <a:lstStyle/>
         <a:p>
           <a:r>
-            <a:rPr lang="en-US" sz="2900" dirty="0">
-              <a:latin typeface="+mj-lt"/>
-            </a:rPr>
-            <a:t>Sensibilitate camer</a:t>
-          </a:r>
-          <a:r>
             <a:rPr lang="ro-RO" sz="2900" dirty="0">
               <a:latin typeface="+mj-lt"/>
             </a:rPr>
-            <a:t>ă Pixy</a:t>
+            <a:t>Încercări modul Bluetooth</a:t>
           </a:r>
           <a:endParaRPr lang="en-US" sz="2900" dirty="0">
             <a:latin typeface="+mj-lt"/>
@@ -8930,10 +8924,10 @@
         <a:lstStyle/>
         <a:p>
           <a:r>
-            <a:rPr lang="ro-RO" sz="2900" dirty="0">
+            <a:rPr lang="ro-RO" sz="2900">
               <a:latin typeface="+mj-lt"/>
             </a:rPr>
-            <a:t>Jumper pe placa SSC32</a:t>
+            <a:t>Jumper pe Rx și GND</a:t>
           </a:r>
           <a:endParaRPr lang="en-US" sz="2900" dirty="0">
             <a:latin typeface="+mj-lt"/>
@@ -11484,16 +11478,10 @@
             <a:buNone/>
           </a:pPr>
           <a:r>
-            <a:rPr lang="en-US" sz="2900" kern="1200" dirty="0">
-              <a:latin typeface="+mj-lt"/>
-            </a:rPr>
-            <a:t>Sensibilitate camer</a:t>
-          </a:r>
-          <a:r>
             <a:rPr lang="ro-RO" sz="2900" kern="1200" dirty="0">
               <a:latin typeface="+mj-lt"/>
             </a:rPr>
-            <a:t>ă Pixy</a:t>
+            <a:t>Încercări modul Bluetooth</a:t>
           </a:r>
           <a:endParaRPr lang="en-US" sz="2900" kern="1200" dirty="0">
             <a:latin typeface="+mj-lt"/>
@@ -11736,10 +11724,10 @@
             <a:buNone/>
           </a:pPr>
           <a:r>
-            <a:rPr lang="ro-RO" sz="2900" kern="1200" dirty="0">
+            <a:rPr lang="ro-RO" sz="2900" kern="1200">
               <a:latin typeface="+mj-lt"/>
             </a:rPr>
-            <a:t>Jumper pe placa SSC32</a:t>
+            <a:t>Jumper pe Rx și GND</a:t>
           </a:r>
           <a:endParaRPr lang="en-US" sz="2900" kern="1200" dirty="0">
             <a:latin typeface="+mj-lt"/>
@@ -23280,7 +23268,7 @@
           <a:p>
             <a:fld id="{3569113D-2AA0-40B3-B8BF-A69C343657F7}" type="datetimeFigureOut">
               <a:rPr lang="en-US" smtClean="0"/>
-              <a:t>5/30/2019</a:t>
+              <a:t>6/3/2019</a:t>
             </a:fld>
             <a:endParaRPr lang="en-US" dirty="0"/>
           </a:p>
@@ -24120,7 +24108,7 @@
           <a:p>
             <a:fld id="{90B7D2B6-166E-40F8-9D76-749746228F93}" type="datetime1">
               <a:rPr lang="en-US" smtClean="0"/>
-              <a:t>5/30/2019</a:t>
+              <a:t>6/3/2019</a:t>
             </a:fld>
             <a:endParaRPr lang="en-US" dirty="0"/>
           </a:p>
@@ -24304,7 +24292,7 @@
           <a:p>
             <a:fld id="{5E77432B-941A-4FDB-B2E4-6D384526D1B6}" type="datetime1">
               <a:rPr lang="en-US" smtClean="0"/>
-              <a:t>5/30/2019</a:t>
+              <a:t>6/3/2019</a:t>
             </a:fld>
             <a:endParaRPr lang="en-US" dirty="0"/>
           </a:p>
@@ -24488,7 +24476,7 @@
           <a:p>
             <a:fld id="{73E66D89-C1D7-4BAB-8D4A-CFBFE24EB60F}" type="datetime1">
               <a:rPr lang="en-US" smtClean="0"/>
-              <a:t>5/30/2019</a:t>
+              <a:t>6/3/2019</a:t>
             </a:fld>
             <a:endParaRPr lang="en-US" dirty="0"/>
           </a:p>
@@ -24658,7 +24646,7 @@
           <a:p>
             <a:fld id="{C9C79E85-1D2F-477B-BBE8-4A7F97670373}" type="datetime1">
               <a:rPr lang="en-US" smtClean="0"/>
-              <a:t>5/30/2019</a:t>
+              <a:t>6/3/2019</a:t>
             </a:fld>
             <a:endParaRPr lang="en-US" dirty="0"/>
           </a:p>
@@ -24983,7 +24971,7 @@
           <a:p>
             <a:fld id="{A94E0D0E-3436-4F4C-8608-CE77D12FB72B}" type="datetime1">
               <a:rPr lang="en-US" smtClean="0"/>
-              <a:t>5/30/2019</a:t>
+              <a:t>6/3/2019</a:t>
             </a:fld>
             <a:endParaRPr lang="en-US" dirty="0"/>
           </a:p>
@@ -25381,7 +25369,7 @@
           <a:p>
             <a:fld id="{39510CC2-2627-4392-AE48-F60BF60FDE8D}" type="datetime1">
               <a:rPr lang="en-US" smtClean="0"/>
-              <a:t>5/30/2019</a:t>
+              <a:t>6/3/2019</a:t>
             </a:fld>
             <a:endParaRPr lang="en-US" dirty="0"/>
           </a:p>
@@ -25815,7 +25803,7 @@
           <a:p>
             <a:fld id="{DCE04ADE-3BBA-4424-9D2F-1B1F2BA859F2}" type="datetime1">
               <a:rPr lang="en-US" smtClean="0"/>
-              <a:t>5/30/2019</a:t>
+              <a:t>6/3/2019</a:t>
             </a:fld>
             <a:endParaRPr lang="en-US" dirty="0"/>
           </a:p>
@@ -25943,7 +25931,7 @@
           <a:p>
             <a:fld id="{9CA964A8-C6B3-4D50-BBFD-58D43C7F3544}" type="datetime1">
               <a:rPr lang="en-US" smtClean="0"/>
-              <a:t>5/30/2019</a:t>
+              <a:t>6/3/2019</a:t>
             </a:fld>
             <a:endParaRPr lang="en-US" dirty="0"/>
           </a:p>
@@ -26048,7 +26036,7 @@
           <a:p>
             <a:fld id="{DC1C8741-8383-4B49-BB53-43BE1918DA32}" type="datetime1">
               <a:rPr lang="en-US" smtClean="0"/>
-              <a:t>5/30/2019</a:t>
+              <a:t>6/3/2019</a:t>
             </a:fld>
             <a:endParaRPr lang="en-US" dirty="0"/>
           </a:p>
@@ -26489,7 +26477,7 @@
           <a:p>
             <a:fld id="{6C318A7A-4453-4BD5-8AB7-45AA3E9C5FE0}" type="datetime1">
               <a:rPr lang="en-US" smtClean="0"/>
-              <a:t>5/30/2019</a:t>
+              <a:t>6/3/2019</a:t>
             </a:fld>
             <a:endParaRPr lang="en-US" dirty="0"/>
           </a:p>
@@ -26915,7 +26903,7 @@
           <a:p>
             <a:fld id="{DE329CA9-2797-429D-A799-93AB3F83623F}" type="datetime1">
               <a:rPr lang="en-US" smtClean="0"/>
-              <a:t>5/30/2019</a:t>
+              <a:t>6/3/2019</a:t>
             </a:fld>
             <a:endParaRPr lang="en-US" dirty="0"/>
           </a:p>
@@ -27200,7 +27188,7 @@
           <a:p>
             <a:fld id="{56EE5F79-99D7-48D8-9BE2-8F8AFE0E3260}" type="datetime1">
               <a:rPr lang="en-US" smtClean="0"/>
-              <a:t>5/30/2019</a:t>
+              <a:t>6/3/2019</a:t>
             </a:fld>
             <a:endParaRPr lang="en-US" dirty="0"/>
           </a:p>
@@ -27721,13 +27709,49 @@
               <a:rPr lang="ro-RO" dirty="0"/>
             </a:br>
             <a:br>
-              <a:rPr lang="ro-RO" dirty="0"/>
+              <a:rPr lang="ro-RO" sz="7200" dirty="0"/>
             </a:br>
             <a:r>
-              <a:rPr lang="ro-RO" sz="2700" dirty="0">
+              <a:rPr lang="ro-RO" sz="3200" dirty="0">
                 <a:effectLst/>
               </a:rPr>
-              <a:t>Robot biped capabil de deplasare și diverse mișcări comandat automat și manual</a:t>
+              <a:t>Robot </a:t>
+            </a:r>
+            <a:r>
+              <a:rPr lang="en-US" sz="3200" dirty="0">
+                <a:effectLst/>
+              </a:rPr>
+              <a:t>autonom Umanoid pentru U</a:t>
+            </a:r>
+            <a:r>
+              <a:rPr lang="ro-RO" sz="3200" dirty="0">
+                <a:effectLst/>
+              </a:rPr>
+              <a:t>r</a:t>
+            </a:r>
+            <a:r>
+              <a:rPr lang="en-US" sz="3200" dirty="0">
+                <a:effectLst/>
+              </a:rPr>
+              <a:t>m</a:t>
+            </a:r>
+            <a:r>
+              <a:rPr lang="ro-RO" sz="3200" dirty="0">
+                <a:effectLst/>
+              </a:rPr>
+              <a:t>ărirea</a:t>
+            </a:r>
+            <a:r>
+              <a:rPr lang="en-US" sz="3200" dirty="0">
+                <a:effectLst/>
+              </a:rPr>
+              <a:t> obiecte</a:t>
+            </a:r>
+            <a:r>
+              <a:rPr lang="ro-RO" sz="3200" dirty="0">
+                <a:effectLst/>
+              </a:rPr>
+              <a:t>lor</a:t>
             </a:r>
             <a:endParaRPr lang="en-US" sz="2700" dirty="0">
               <a:effectLst/>
@@ -28861,7 +28885,7 @@
               <a:rPr lang="ro-RO"/>
               <a:t>Probleme întâmpinate</a:t>
             </a:r>
-            <a:endParaRPr lang="en-US"/>
+            <a:endParaRPr lang="en-US" dirty="0"/>
           </a:p>
         </p:txBody>
       </p:sp>
@@ -28943,7 +28967,7 @@
           <a:lstStyle/>
           <a:p>
             <a:pPr algn="ctr"/>
-            <a:endParaRPr lang="en-US"/>
+            <a:endParaRPr lang="en-US" dirty="0"/>
           </a:p>
         </p:txBody>
       </p:sp>
@@ -28989,7 +29013,7 @@
               </a:pPr>
               <a:t>12</a:t>
             </a:fld>
-            <a:endParaRPr lang="en-US"/>
+            <a:endParaRPr lang="en-US" dirty="0"/>
           </a:p>
         </p:txBody>
       </p:sp>
@@ -29009,7 +29033,7 @@
             <p:ph idx="1"/>
             <p:extLst>
               <p:ext uri="{D42A27DB-BD31-4B8C-83A1-F6EECF244321}">
-                <p14:modId xmlns:p14="http://schemas.microsoft.com/office/powerpoint/2010/main" val="963645546"/>
+                <p14:modId xmlns:p14="http://schemas.microsoft.com/office/powerpoint/2010/main" val="1615295570"/>
               </p:ext>
             </p:extLst>
           </p:nvPr>
@@ -30096,8 +30120,8 @@
         </p:blipFill>
         <p:spPr>
           <a:xfrm>
-            <a:off x="2051720" y="1052736"/>
-            <a:ext cx="5091097" cy="5440084"/>
+            <a:off x="1925706" y="991649"/>
+            <a:ext cx="5292588" cy="5655387"/>
           </a:xfrm>
         </p:spPr>
       </p:pic>

--- a/ROBOTINHO2.pptx
+++ b/ROBOTINHO2.pptx
@@ -23268,7 +23268,7 @@
           <a:p>
             <a:fld id="{3569113D-2AA0-40B3-B8BF-A69C343657F7}" type="datetimeFigureOut">
               <a:rPr lang="en-US" smtClean="0"/>
-              <a:t>6/3/2019</a:t>
+              <a:t>6/5/2019</a:t>
             </a:fld>
             <a:endParaRPr lang="en-US" dirty="0"/>
           </a:p>
@@ -24108,7 +24108,7 @@
           <a:p>
             <a:fld id="{90B7D2B6-166E-40F8-9D76-749746228F93}" type="datetime1">
               <a:rPr lang="en-US" smtClean="0"/>
-              <a:t>6/3/2019</a:t>
+              <a:t>6/5/2019</a:t>
             </a:fld>
             <a:endParaRPr lang="en-US" dirty="0"/>
           </a:p>
@@ -24292,7 +24292,7 @@
           <a:p>
             <a:fld id="{5E77432B-941A-4FDB-B2E4-6D384526D1B6}" type="datetime1">
               <a:rPr lang="en-US" smtClean="0"/>
-              <a:t>6/3/2019</a:t>
+              <a:t>6/5/2019</a:t>
             </a:fld>
             <a:endParaRPr lang="en-US" dirty="0"/>
           </a:p>
@@ -24476,7 +24476,7 @@
           <a:p>
             <a:fld id="{73E66D89-C1D7-4BAB-8D4A-CFBFE24EB60F}" type="datetime1">
               <a:rPr lang="en-US" smtClean="0"/>
-              <a:t>6/3/2019</a:t>
+              <a:t>6/5/2019</a:t>
             </a:fld>
             <a:endParaRPr lang="en-US" dirty="0"/>
           </a:p>
@@ -24646,7 +24646,7 @@
           <a:p>
             <a:fld id="{C9C79E85-1D2F-477B-BBE8-4A7F97670373}" type="datetime1">
               <a:rPr lang="en-US" smtClean="0"/>
-              <a:t>6/3/2019</a:t>
+              <a:t>6/5/2019</a:t>
             </a:fld>
             <a:endParaRPr lang="en-US" dirty="0"/>
           </a:p>
@@ -24971,7 +24971,7 @@
           <a:p>
             <a:fld id="{A94E0D0E-3436-4F4C-8608-CE77D12FB72B}" type="datetime1">
               <a:rPr lang="en-US" smtClean="0"/>
-              <a:t>6/3/2019</a:t>
+              <a:t>6/5/2019</a:t>
             </a:fld>
             <a:endParaRPr lang="en-US" dirty="0"/>
           </a:p>
@@ -25369,7 +25369,7 @@
           <a:p>
             <a:fld id="{39510CC2-2627-4392-AE48-F60BF60FDE8D}" type="datetime1">
               <a:rPr lang="en-US" smtClean="0"/>
-              <a:t>6/3/2019</a:t>
+              <a:t>6/5/2019</a:t>
             </a:fld>
             <a:endParaRPr lang="en-US" dirty="0"/>
           </a:p>
@@ -25803,7 +25803,7 @@
           <a:p>
             <a:fld id="{DCE04ADE-3BBA-4424-9D2F-1B1F2BA859F2}" type="datetime1">
               <a:rPr lang="en-US" smtClean="0"/>
-              <a:t>6/3/2019</a:t>
+              <a:t>6/5/2019</a:t>
             </a:fld>
             <a:endParaRPr lang="en-US" dirty="0"/>
           </a:p>
@@ -25931,7 +25931,7 @@
           <a:p>
             <a:fld id="{9CA964A8-C6B3-4D50-BBFD-58D43C7F3544}" type="datetime1">
               <a:rPr lang="en-US" smtClean="0"/>
-              <a:t>6/3/2019</a:t>
+              <a:t>6/5/2019</a:t>
             </a:fld>
             <a:endParaRPr lang="en-US" dirty="0"/>
           </a:p>
@@ -26036,7 +26036,7 @@
           <a:p>
             <a:fld id="{DC1C8741-8383-4B49-BB53-43BE1918DA32}" type="datetime1">
               <a:rPr lang="en-US" smtClean="0"/>
-              <a:t>6/3/2019</a:t>
+              <a:t>6/5/2019</a:t>
             </a:fld>
             <a:endParaRPr lang="en-US" dirty="0"/>
           </a:p>
@@ -26477,7 +26477,7 @@
           <a:p>
             <a:fld id="{6C318A7A-4453-4BD5-8AB7-45AA3E9C5FE0}" type="datetime1">
               <a:rPr lang="en-US" smtClean="0"/>
-              <a:t>6/3/2019</a:t>
+              <a:t>6/5/2019</a:t>
             </a:fld>
             <a:endParaRPr lang="en-US" dirty="0"/>
           </a:p>
@@ -26903,7 +26903,7 @@
           <a:p>
             <a:fld id="{DE329CA9-2797-429D-A799-93AB3F83623F}" type="datetime1">
               <a:rPr lang="en-US" smtClean="0"/>
-              <a:t>6/3/2019</a:t>
+              <a:t>6/5/2019</a:t>
             </a:fld>
             <a:endParaRPr lang="en-US" dirty="0"/>
           </a:p>
@@ -27188,7 +27188,7 @@
           <a:p>
             <a:fld id="{56EE5F79-99D7-48D8-9BE2-8F8AFE0E3260}" type="datetime1">
               <a:rPr lang="en-US" smtClean="0"/>
-              <a:t>6/3/2019</a:t>
+              <a:t>6/5/2019</a:t>
             </a:fld>
             <a:endParaRPr lang="en-US" dirty="0"/>
           </a:p>
@@ -27721,7 +27721,17 @@
               <a:rPr lang="en-US" sz="3200" dirty="0">
                 <a:effectLst/>
               </a:rPr>
-              <a:t>autonom Umanoid pentru U</a:t>
+              <a:t>Umanoid</a:t>
+            </a:r>
+            <a:r>
+              <a:rPr lang="en-US" sz="3200" dirty="0"/>
+              <a:t> autonom </a:t>
+            </a:r>
+            <a:r>
+              <a:rPr lang="en-US" sz="3200" dirty="0">
+                <a:effectLst/>
+              </a:rPr>
+              <a:t>pentru U</a:t>
             </a:r>
             <a:r>
               <a:rPr lang="ro-RO" sz="3200" dirty="0">

--- a/ROBOTINHO2.pptx
+++ b/ROBOTINHO2.pptx
@@ -1842,15 +1842,15 @@
 </file>
 
 <file path=ppt/diagrams/colors3.xml><?xml version="1.0" encoding="utf-8"?>
-<dgm:colorsDef xmlns:dgm="http://schemas.openxmlformats.org/drawingml/2006/diagram" xmlns:a="http://schemas.openxmlformats.org/drawingml/2006/main" uniqueId="urn:microsoft.com/office/officeart/2005/8/colors/colorful2">
+<dgm:colorsDef xmlns:dgm="http://schemas.openxmlformats.org/drawingml/2006/diagram" xmlns:a="http://schemas.openxmlformats.org/drawingml/2006/main" uniqueId="urn:microsoft.com/office/officeart/2005/8/colors/accent2_2">
   <dgm:title val=""/>
   <dgm:desc val=""/>
   <dgm:catLst>
-    <dgm:cat type="colorful" pri="10200"/>
+    <dgm:cat type="accent2" pri="11200"/>
   </dgm:catLst>
   <dgm:styleLbl name="node0">
     <dgm:fillClrLst meth="repeat">
-      <a:schemeClr val="accent1"/>
+      <a:schemeClr val="accent2"/>
     </dgm:fillClrLst>
     <dgm:linClrLst meth="repeat">
       <a:schemeClr val="lt1"/>
@@ -1861,9 +1861,8 @@
     <dgm:txEffectClrLst/>
   </dgm:styleLbl>
   <dgm:styleLbl name="node1">
-    <dgm:fillClrLst>
+    <dgm:fillClrLst meth="repeat">
       <a:schemeClr val="accent2"/>
-      <a:schemeClr val="accent3"/>
     </dgm:fillClrLst>
     <dgm:linClrLst meth="repeat">
       <a:schemeClr val="lt1"/>
@@ -1874,13 +1873,11 @@
     <dgm:txEffectClrLst/>
   </dgm:styleLbl>
   <dgm:styleLbl name="alignNode1">
-    <dgm:fillClrLst>
+    <dgm:fillClrLst meth="repeat">
       <a:schemeClr val="accent2"/>
-      <a:schemeClr val="accent3"/>
-    </dgm:fillClrLst>
-    <dgm:linClrLst>
+    </dgm:fillClrLst>
+    <dgm:linClrLst meth="repeat">
       <a:schemeClr val="accent2"/>
-      <a:schemeClr val="accent3"/>
     </dgm:linClrLst>
     <dgm:effectClrLst/>
     <dgm:txLinClrLst/>
@@ -1888,9 +1885,8 @@
     <dgm:txEffectClrLst/>
   </dgm:styleLbl>
   <dgm:styleLbl name="lnNode1">
-    <dgm:fillClrLst>
+    <dgm:fillClrLst meth="repeat">
       <a:schemeClr val="accent2"/>
-      <a:schemeClr val="accent3"/>
     </dgm:fillClrLst>
     <dgm:linClrLst meth="repeat">
       <a:schemeClr val="lt1"/>
@@ -1901,13 +1897,10 @@
     <dgm:txEffectClrLst/>
   </dgm:styleLbl>
   <dgm:styleLbl name="vennNode1">
-    <dgm:fillClrLst>
+    <dgm:fillClrLst meth="repeat">
       <a:schemeClr val="accent2">
         <a:alpha val="50000"/>
       </a:schemeClr>
-      <a:schemeClr val="accent3">
-        <a:alpha val="50000"/>
-      </a:schemeClr>
     </dgm:fillClrLst>
     <dgm:linClrLst meth="repeat">
       <a:schemeClr val="lt1"/>
@@ -1918,8 +1911,8 @@
     <dgm:txEffectClrLst/>
   </dgm:styleLbl>
   <dgm:styleLbl name="node2">
-    <dgm:fillClrLst>
-      <a:schemeClr val="accent3"/>
+    <dgm:fillClrLst meth="repeat">
+      <a:schemeClr val="accent2"/>
     </dgm:fillClrLst>
     <dgm:linClrLst meth="repeat">
       <a:schemeClr val="lt1"/>
@@ -1930,8 +1923,8 @@
     <dgm:txEffectClrLst/>
   </dgm:styleLbl>
   <dgm:styleLbl name="node3">
-    <dgm:fillClrLst>
-      <a:schemeClr val="accent4"/>
+    <dgm:fillClrLst meth="repeat">
+      <a:schemeClr val="accent2"/>
     </dgm:fillClrLst>
     <dgm:linClrLst meth="repeat">
       <a:schemeClr val="lt1"/>
@@ -1942,8 +1935,8 @@
     <dgm:txEffectClrLst/>
   </dgm:styleLbl>
   <dgm:styleLbl name="node4">
-    <dgm:fillClrLst>
-      <a:schemeClr val="accent5"/>
+    <dgm:fillClrLst meth="repeat">
+      <a:schemeClr val="accent2"/>
     </dgm:fillClrLst>
     <dgm:linClrLst meth="repeat">
       <a:schemeClr val="lt1"/>
@@ -1954,11 +1947,8 @@
     <dgm:txEffectClrLst/>
   </dgm:styleLbl>
   <dgm:styleLbl name="fgImgPlace1">
-    <dgm:fillClrLst>
+    <dgm:fillClrLst meth="repeat">
       <a:schemeClr val="accent2">
-        <a:tint val="50000"/>
-      </a:schemeClr>
-      <a:schemeClr val="accent3">
         <a:tint val="50000"/>
       </a:schemeClr>
     </dgm:fillClrLst>
@@ -1973,12 +1963,9 @@
     <dgm:txEffectClrLst/>
   </dgm:styleLbl>
   <dgm:styleLbl name="alignImgPlace1">
-    <dgm:fillClrLst>
+    <dgm:fillClrLst meth="repeat">
       <a:schemeClr val="accent2">
         <a:tint val="50000"/>
-      </a:schemeClr>
-      <a:schemeClr val="accent3">
-        <a:tint val="20000"/>
       </a:schemeClr>
     </dgm:fillClrLst>
     <dgm:linClrLst meth="repeat">
@@ -1992,12 +1979,9 @@
     <dgm:txEffectClrLst/>
   </dgm:styleLbl>
   <dgm:styleLbl name="bgImgPlace1">
-    <dgm:fillClrLst>
+    <dgm:fillClrLst meth="repeat">
       <a:schemeClr val="accent2">
         <a:tint val="50000"/>
-      </a:schemeClr>
-      <a:schemeClr val="accent3">
-        <a:tint val="20000"/>
       </a:schemeClr>
     </dgm:fillClrLst>
     <dgm:linClrLst meth="repeat">
@@ -2011,9 +1995,86 @@
     <dgm:txEffectClrLst/>
   </dgm:styleLbl>
   <dgm:styleLbl name="sibTrans2D1">
-    <dgm:fillClrLst>
+    <dgm:fillClrLst meth="repeat">
+      <a:schemeClr val="accent2">
+        <a:tint val="60000"/>
+      </a:schemeClr>
+    </dgm:fillClrLst>
+    <dgm:linClrLst meth="repeat">
+      <a:schemeClr val="accent2">
+        <a:tint val="60000"/>
+      </a:schemeClr>
+    </dgm:linClrLst>
+    <dgm:effectClrLst/>
+    <dgm:txLinClrLst/>
+    <dgm:txFillClrLst/>
+    <dgm:txEffectClrLst/>
+  </dgm:styleLbl>
+  <dgm:styleLbl name="fgSibTrans2D1">
+    <dgm:fillClrLst meth="repeat">
+      <a:schemeClr val="accent2">
+        <a:tint val="60000"/>
+      </a:schemeClr>
+    </dgm:fillClrLst>
+    <dgm:linClrLst meth="repeat">
+      <a:schemeClr val="accent2">
+        <a:tint val="60000"/>
+      </a:schemeClr>
+    </dgm:linClrLst>
+    <dgm:effectClrLst/>
+    <dgm:txLinClrLst/>
+    <dgm:txFillClrLst/>
+    <dgm:txEffectClrLst/>
+  </dgm:styleLbl>
+  <dgm:styleLbl name="bgSibTrans2D1">
+    <dgm:fillClrLst meth="repeat">
+      <a:schemeClr val="accent2">
+        <a:tint val="60000"/>
+      </a:schemeClr>
+    </dgm:fillClrLst>
+    <dgm:linClrLst meth="repeat">
+      <a:schemeClr val="accent2">
+        <a:tint val="60000"/>
+      </a:schemeClr>
+    </dgm:linClrLst>
+    <dgm:effectClrLst/>
+    <dgm:txLinClrLst/>
+    <dgm:txFillClrLst/>
+    <dgm:txEffectClrLst/>
+  </dgm:styleLbl>
+  <dgm:styleLbl name="sibTrans1D1">
+    <dgm:fillClrLst meth="repeat">
       <a:schemeClr val="accent2"/>
-      <a:schemeClr val="accent3"/>
+    </dgm:fillClrLst>
+    <dgm:linClrLst meth="repeat">
+      <a:schemeClr val="accent2"/>
+    </dgm:linClrLst>
+    <dgm:effectClrLst/>
+    <dgm:txLinClrLst/>
+    <dgm:txFillClrLst meth="repeat">
+      <a:schemeClr val="tx1"/>
+    </dgm:txFillClrLst>
+    <dgm:txEffectClrLst/>
+  </dgm:styleLbl>
+  <dgm:styleLbl name="callout">
+    <dgm:fillClrLst meth="repeat">
+      <a:schemeClr val="accent2"/>
+    </dgm:fillClrLst>
+    <dgm:linClrLst meth="repeat">
+      <a:schemeClr val="accent2">
+        <a:tint val="50000"/>
+      </a:schemeClr>
+    </dgm:linClrLst>
+    <dgm:effectClrLst/>
+    <dgm:txLinClrLst/>
+    <dgm:txFillClrLst meth="repeat">
+      <a:schemeClr val="tx1"/>
+    </dgm:txFillClrLst>
+    <dgm:txEffectClrLst/>
+  </dgm:styleLbl>
+  <dgm:styleLbl name="asst0">
+    <dgm:fillClrLst meth="repeat">
+      <a:schemeClr val="accent2"/>
     </dgm:fillClrLst>
     <dgm:linClrLst meth="repeat">
       <a:schemeClr val="lt1"/>
@@ -2023,13 +2084,64 @@
     <dgm:txFillClrLst/>
     <dgm:txEffectClrLst/>
   </dgm:styleLbl>
-  <dgm:styleLbl name="fgSibTrans2D1">
-    <dgm:fillClrLst>
+  <dgm:styleLbl name="asst1">
+    <dgm:fillClrLst meth="repeat">
       <a:schemeClr val="accent2"/>
-      <a:schemeClr val="accent3"/>
     </dgm:fillClrLst>
     <dgm:linClrLst meth="repeat">
       <a:schemeClr val="lt1"/>
+    </dgm:linClrLst>
+    <dgm:effectClrLst/>
+    <dgm:txLinClrLst/>
+    <dgm:txFillClrLst/>
+    <dgm:txEffectClrLst/>
+  </dgm:styleLbl>
+  <dgm:styleLbl name="asst2">
+    <dgm:fillClrLst meth="repeat">
+      <a:schemeClr val="accent2"/>
+    </dgm:fillClrLst>
+    <dgm:linClrLst meth="repeat">
+      <a:schemeClr val="lt1"/>
+    </dgm:linClrLst>
+    <dgm:effectClrLst/>
+    <dgm:txLinClrLst/>
+    <dgm:txFillClrLst/>
+    <dgm:txEffectClrLst/>
+  </dgm:styleLbl>
+  <dgm:styleLbl name="asst3">
+    <dgm:fillClrLst meth="repeat">
+      <a:schemeClr val="accent2"/>
+    </dgm:fillClrLst>
+    <dgm:linClrLst meth="repeat">
+      <a:schemeClr val="lt1"/>
+    </dgm:linClrLst>
+    <dgm:effectClrLst/>
+    <dgm:txLinClrLst/>
+    <dgm:txFillClrLst/>
+    <dgm:txEffectClrLst/>
+  </dgm:styleLbl>
+  <dgm:styleLbl name="asst4">
+    <dgm:fillClrLst meth="repeat">
+      <a:schemeClr val="accent2"/>
+    </dgm:fillClrLst>
+    <dgm:linClrLst meth="repeat">
+      <a:schemeClr val="lt1"/>
+    </dgm:linClrLst>
+    <dgm:effectClrLst/>
+    <dgm:txLinClrLst/>
+    <dgm:txFillClrLst/>
+    <dgm:txEffectClrLst/>
+  </dgm:styleLbl>
+  <dgm:styleLbl name="parChTrans2D1">
+    <dgm:fillClrLst meth="repeat">
+      <a:schemeClr val="accent2">
+        <a:tint val="60000"/>
+      </a:schemeClr>
+    </dgm:fillClrLst>
+    <dgm:linClrLst meth="repeat">
+      <a:schemeClr val="accent2">
+        <a:tint val="60000"/>
+      </a:schemeClr>
     </dgm:linClrLst>
     <dgm:effectClrLst/>
     <dgm:txLinClrLst/>
@@ -2038,13 +2150,12 @@
     </dgm:txFillClrLst>
     <dgm:txEffectClrLst/>
   </dgm:styleLbl>
-  <dgm:styleLbl name="bgSibTrans2D1">
-    <dgm:fillClrLst>
+  <dgm:styleLbl name="parChTrans2D2">
+    <dgm:fillClrLst meth="repeat">
       <a:schemeClr val="accent2"/>
-      <a:schemeClr val="accent3"/>
-    </dgm:fillClrLst>
-    <dgm:linClrLst meth="repeat">
-      <a:schemeClr val="lt1"/>
+    </dgm:fillClrLst>
+    <dgm:linClrLst meth="repeat">
+      <a:schemeClr val="accent2"/>
     </dgm:linClrLst>
     <dgm:effectClrLst/>
     <dgm:txLinClrLst/>
@@ -2053,11 +2164,42 @@
     </dgm:txFillClrLst>
     <dgm:txEffectClrLst/>
   </dgm:styleLbl>
-  <dgm:styleLbl name="sibTrans1D1">
-    <dgm:fillClrLst/>
-    <dgm:linClrLst>
+  <dgm:styleLbl name="parChTrans2D3">
+    <dgm:fillClrLst meth="repeat">
       <a:schemeClr val="accent2"/>
-      <a:schemeClr val="accent3"/>
+    </dgm:fillClrLst>
+    <dgm:linClrLst meth="repeat">
+      <a:schemeClr val="accent2"/>
+    </dgm:linClrLst>
+    <dgm:effectClrLst/>
+    <dgm:txLinClrLst/>
+    <dgm:txFillClrLst meth="repeat">
+      <a:schemeClr val="lt1"/>
+    </dgm:txFillClrLst>
+    <dgm:txEffectClrLst/>
+  </dgm:styleLbl>
+  <dgm:styleLbl name="parChTrans2D4">
+    <dgm:fillClrLst meth="repeat">
+      <a:schemeClr val="accent2"/>
+    </dgm:fillClrLst>
+    <dgm:linClrLst meth="repeat">
+      <a:schemeClr val="accent2"/>
+    </dgm:linClrLst>
+    <dgm:effectClrLst/>
+    <dgm:txLinClrLst/>
+    <dgm:txFillClrLst meth="repeat">
+      <a:schemeClr val="lt1"/>
+    </dgm:txFillClrLst>
+    <dgm:txEffectClrLst/>
+  </dgm:styleLbl>
+  <dgm:styleLbl name="parChTrans1D1">
+    <dgm:fillClrLst meth="repeat">
+      <a:schemeClr val="accent2"/>
+    </dgm:fillClrLst>
+    <dgm:linClrLst meth="repeat">
+      <a:schemeClr val="accent2">
+        <a:shade val="60000"/>
+      </a:schemeClr>
     </dgm:linClrLst>
     <dgm:effectClrLst/>
     <dgm:txLinClrLst/>
@@ -2066,13 +2208,13 @@
     </dgm:txFillClrLst>
     <dgm:txEffectClrLst/>
   </dgm:styleLbl>
-  <dgm:styleLbl name="callout">
+  <dgm:styleLbl name="parChTrans1D2">
     <dgm:fillClrLst meth="repeat">
       <a:schemeClr val="accent2"/>
     </dgm:fillClrLst>
     <dgm:linClrLst meth="repeat">
       <a:schemeClr val="accent2">
-        <a:tint val="50000"/>
+        <a:shade val="60000"/>
       </a:schemeClr>
     </dgm:linClrLst>
     <dgm:effectClrLst/>
@@ -2082,128 +2224,14 @@
     </dgm:txFillClrLst>
     <dgm:txEffectClrLst/>
   </dgm:styleLbl>
-  <dgm:styleLbl name="asst0">
+  <dgm:styleLbl name="parChTrans1D3">
     <dgm:fillClrLst meth="repeat">
       <a:schemeClr val="accent2"/>
     </dgm:fillClrLst>
     <dgm:linClrLst meth="repeat">
-      <a:schemeClr val="lt1">
+      <a:schemeClr val="accent2">
         <a:shade val="80000"/>
       </a:schemeClr>
-    </dgm:linClrLst>
-    <dgm:effectClrLst/>
-    <dgm:txLinClrLst/>
-    <dgm:txFillClrLst/>
-    <dgm:txEffectClrLst/>
-  </dgm:styleLbl>
-  <dgm:styleLbl name="asst1">
-    <dgm:fillClrLst meth="repeat">
-      <a:schemeClr val="accent3"/>
-    </dgm:fillClrLst>
-    <dgm:linClrLst meth="repeat">
-      <a:schemeClr val="lt1">
-        <a:shade val="80000"/>
-      </a:schemeClr>
-    </dgm:linClrLst>
-    <dgm:effectClrLst/>
-    <dgm:txLinClrLst/>
-    <dgm:txFillClrLst/>
-    <dgm:txEffectClrLst/>
-  </dgm:styleLbl>
-  <dgm:styleLbl name="asst2">
-    <dgm:fillClrLst>
-      <a:schemeClr val="accent4"/>
-    </dgm:fillClrLst>
-    <dgm:linClrLst meth="repeat">
-      <a:schemeClr val="lt1"/>
-    </dgm:linClrLst>
-    <dgm:effectClrLst/>
-    <dgm:txLinClrLst/>
-    <dgm:txFillClrLst/>
-    <dgm:txEffectClrLst/>
-  </dgm:styleLbl>
-  <dgm:styleLbl name="asst3">
-    <dgm:fillClrLst>
-      <a:schemeClr val="accent5"/>
-    </dgm:fillClrLst>
-    <dgm:linClrLst meth="repeat">
-      <a:schemeClr val="lt1"/>
-    </dgm:linClrLst>
-    <dgm:effectClrLst/>
-    <dgm:txLinClrLst/>
-    <dgm:txFillClrLst/>
-    <dgm:txEffectClrLst/>
-  </dgm:styleLbl>
-  <dgm:styleLbl name="asst4">
-    <dgm:fillClrLst>
-      <a:schemeClr val="accent6"/>
-    </dgm:fillClrLst>
-    <dgm:linClrLst meth="repeat">
-      <a:schemeClr val="lt1"/>
-    </dgm:linClrLst>
-    <dgm:effectClrLst/>
-    <dgm:txLinClrLst/>
-    <dgm:txFillClrLst/>
-    <dgm:txEffectClrLst/>
-  </dgm:styleLbl>
-  <dgm:styleLbl name="parChTrans2D1">
-    <dgm:fillClrLst meth="repeat">
-      <a:schemeClr val="accent2"/>
-    </dgm:fillClrLst>
-    <dgm:linClrLst meth="repeat">
-      <a:schemeClr val="lt1"/>
-    </dgm:linClrLst>
-    <dgm:effectClrLst/>
-    <dgm:txLinClrLst/>
-    <dgm:txFillClrLst meth="repeat">
-      <a:schemeClr val="lt1"/>
-    </dgm:txFillClrLst>
-    <dgm:txEffectClrLst/>
-  </dgm:styleLbl>
-  <dgm:styleLbl name="parChTrans2D2">
-    <dgm:fillClrLst meth="repeat">
-      <a:schemeClr val="accent3"/>
-    </dgm:fillClrLst>
-    <dgm:linClrLst meth="repeat">
-      <a:schemeClr val="lt1"/>
-    </dgm:linClrLst>
-    <dgm:effectClrLst/>
-    <dgm:txLinClrLst/>
-    <dgm:txFillClrLst/>
-    <dgm:txEffectClrLst/>
-  </dgm:styleLbl>
-  <dgm:styleLbl name="parChTrans2D3">
-    <dgm:fillClrLst meth="repeat">
-      <a:schemeClr val="accent4"/>
-    </dgm:fillClrLst>
-    <dgm:linClrLst meth="repeat">
-      <a:schemeClr val="lt1"/>
-    </dgm:linClrLst>
-    <dgm:effectClrLst/>
-    <dgm:txLinClrLst/>
-    <dgm:txFillClrLst/>
-    <dgm:txEffectClrLst/>
-  </dgm:styleLbl>
-  <dgm:styleLbl name="parChTrans2D4">
-    <dgm:fillClrLst meth="repeat">
-      <a:schemeClr val="accent5"/>
-    </dgm:fillClrLst>
-    <dgm:linClrLst meth="repeat">
-      <a:schemeClr val="lt1"/>
-    </dgm:linClrLst>
-    <dgm:effectClrLst/>
-    <dgm:txLinClrLst/>
-    <dgm:txFillClrLst meth="repeat">
-      <a:schemeClr val="lt1"/>
-    </dgm:txFillClrLst>
-    <dgm:txEffectClrLst/>
-  </dgm:styleLbl>
-  <dgm:styleLbl name="parChTrans1D1">
-    <dgm:fillClrLst meth="repeat">
-      <a:schemeClr val="accent2"/>
-    </dgm:fillClrLst>
-    <dgm:linClrLst meth="repeat">
-      <a:schemeClr val="accent2"/>
     </dgm:linClrLst>
     <dgm:effectClrLst/>
     <dgm:txLinClrLst/>
@@ -2212,46 +2240,14 @@
     </dgm:txFillClrLst>
     <dgm:txEffectClrLst/>
   </dgm:styleLbl>
-  <dgm:styleLbl name="parChTrans1D2">
-    <dgm:fillClrLst meth="repeat">
-      <a:schemeClr val="accent2">
-        <a:tint val="90000"/>
-      </a:schemeClr>
-    </dgm:fillClrLst>
-    <dgm:linClrLst meth="repeat">
-      <a:schemeClr val="accent3"/>
-    </dgm:linClrLst>
-    <dgm:effectClrLst/>
-    <dgm:txLinClrLst/>
-    <dgm:txFillClrLst meth="repeat">
-      <a:schemeClr val="tx1"/>
-    </dgm:txFillClrLst>
-    <dgm:txEffectClrLst/>
-  </dgm:styleLbl>
-  <dgm:styleLbl name="parChTrans1D3">
-    <dgm:fillClrLst meth="repeat">
-      <a:schemeClr val="accent2">
-        <a:tint val="70000"/>
-      </a:schemeClr>
-    </dgm:fillClrLst>
-    <dgm:linClrLst meth="repeat">
-      <a:schemeClr val="accent4"/>
-    </dgm:linClrLst>
-    <dgm:effectClrLst/>
-    <dgm:txLinClrLst/>
-    <dgm:txFillClrLst meth="repeat">
-      <a:schemeClr val="tx1"/>
-    </dgm:txFillClrLst>
-    <dgm:txEffectClrLst/>
-  </dgm:styleLbl>
   <dgm:styleLbl name="parChTrans1D4">
     <dgm:fillClrLst meth="repeat">
+      <a:schemeClr val="accent2"/>
+    </dgm:fillClrLst>
+    <dgm:linClrLst meth="repeat">
       <a:schemeClr val="accent2">
-        <a:tint val="50000"/>
-      </a:schemeClr>
-    </dgm:fillClrLst>
-    <dgm:linClrLst meth="repeat">
-      <a:schemeClr val="accent5"/>
+        <a:shade val="80000"/>
+      </a:schemeClr>
     </dgm:linClrLst>
     <dgm:effectClrLst/>
     <dgm:txLinClrLst/>
@@ -2266,9 +2262,8 @@
         <a:alpha val="90000"/>
       </a:schemeClr>
     </dgm:fillClrLst>
-    <dgm:linClrLst>
+    <dgm:linClrLst meth="repeat">
       <a:schemeClr val="accent2"/>
-      <a:schemeClr val="accent3"/>
     </dgm:linClrLst>
     <dgm:effectClrLst/>
     <dgm:txLinClrLst/>
@@ -2283,9 +2278,8 @@
         <a:alpha val="90000"/>
       </a:schemeClr>
     </dgm:fillClrLst>
-    <dgm:linClrLst>
+    <dgm:linClrLst meth="repeat">
       <a:schemeClr val="accent2"/>
-      <a:schemeClr val="accent3"/>
     </dgm:linClrLst>
     <dgm:effectClrLst/>
     <dgm:txLinClrLst/>
@@ -2300,9 +2294,8 @@
         <a:alpha val="90000"/>
       </a:schemeClr>
     </dgm:fillClrLst>
-    <dgm:linClrLst>
+    <dgm:linClrLst meth="repeat">
       <a:schemeClr val="accent2"/>
-      <a:schemeClr val="accent3"/>
     </dgm:linClrLst>
     <dgm:effectClrLst/>
     <dgm:txLinClrLst/>
@@ -2333,9 +2326,8 @@
         <a:alpha val="90000"/>
       </a:schemeClr>
     </dgm:fillClrLst>
-    <dgm:linClrLst>
+    <dgm:linClrLst meth="repeat">
       <a:schemeClr val="accent2"/>
-      <a:schemeClr val="accent3"/>
     </dgm:linClrLst>
     <dgm:effectClrLst/>
     <dgm:txLinClrLst/>
@@ -2348,9 +2340,8 @@
     <dgm:fillClrLst meth="repeat">
       <a:schemeClr val="lt1"/>
     </dgm:fillClrLst>
-    <dgm:linClrLst>
+    <dgm:linClrLst meth="repeat">
       <a:schemeClr val="accent2"/>
-      <a:schemeClr val="accent3"/>
     </dgm:linClrLst>
     <dgm:effectClrLst/>
     <dgm:txLinClrLst/>
@@ -2363,9 +2354,8 @@
     <dgm:fillClrLst meth="repeat">
       <a:schemeClr val="lt1"/>
     </dgm:fillClrLst>
-    <dgm:linClrLst>
+    <dgm:linClrLst meth="repeat">
       <a:schemeClr val="accent2"/>
-      <a:schemeClr val="accent3"/>
     </dgm:linClrLst>
     <dgm:effectClrLst/>
     <dgm:txLinClrLst/>
@@ -2378,9 +2368,8 @@
     <dgm:fillClrLst meth="repeat">
       <a:schemeClr val="lt1"/>
     </dgm:fillClrLst>
-    <dgm:linClrLst>
+    <dgm:linClrLst meth="repeat">
       <a:schemeClr val="accent2"/>
-      <a:schemeClr val="accent3"/>
     </dgm:linClrLst>
     <dgm:effectClrLst/>
     <dgm:txLinClrLst/>
@@ -2390,24 +2379,16 @@
     <dgm:txEffectClrLst/>
   </dgm:styleLbl>
   <dgm:styleLbl name="fgAccFollowNode1">
-    <dgm:fillClrLst>
+    <dgm:fillClrLst meth="repeat">
       <a:schemeClr val="accent2">
+        <a:alpha val="90000"/>
         <a:tint val="40000"/>
+      </a:schemeClr>
+    </dgm:fillClrLst>
+    <dgm:linClrLst meth="repeat">
+      <a:schemeClr val="accent2">
         <a:alpha val="90000"/>
-      </a:schemeClr>
-      <a:schemeClr val="accent3">
         <a:tint val="40000"/>
-        <a:alpha val="90000"/>
-      </a:schemeClr>
-    </dgm:fillClrLst>
-    <dgm:linClrLst>
-      <a:schemeClr val="accent2">
-        <a:tint val="40000"/>
-        <a:alpha val="90000"/>
-      </a:schemeClr>
-      <a:schemeClr val="accent3">
-        <a:tint val="40000"/>
-        <a:alpha val="90000"/>
       </a:schemeClr>
     </dgm:linClrLst>
     <dgm:effectClrLst/>
@@ -2418,24 +2399,16 @@
     <dgm:txEffectClrLst/>
   </dgm:styleLbl>
   <dgm:styleLbl name="alignAccFollowNode1">
-    <dgm:fillClrLst>
+    <dgm:fillClrLst meth="repeat">
       <a:schemeClr val="accent2">
+        <a:alpha val="90000"/>
         <a:tint val="40000"/>
+      </a:schemeClr>
+    </dgm:fillClrLst>
+    <dgm:linClrLst meth="repeat">
+      <a:schemeClr val="accent2">
         <a:alpha val="90000"/>
-      </a:schemeClr>
-      <a:schemeClr val="accent3">
         <a:tint val="40000"/>
-        <a:alpha val="90000"/>
-      </a:schemeClr>
-    </dgm:fillClrLst>
-    <dgm:linClrLst>
-      <a:schemeClr val="accent2">
-        <a:tint val="40000"/>
-        <a:alpha val="90000"/>
-      </a:schemeClr>
-      <a:schemeClr val="accent3">
-        <a:tint val="40000"/>
-        <a:alpha val="90000"/>
       </a:schemeClr>
     </dgm:linClrLst>
     <dgm:effectClrLst/>
@@ -2446,24 +2419,16 @@
     <dgm:txEffectClrLst/>
   </dgm:styleLbl>
   <dgm:styleLbl name="bgAccFollowNode1">
-    <dgm:fillClrLst>
+    <dgm:fillClrLst meth="repeat">
       <a:schemeClr val="accent2">
+        <a:alpha val="90000"/>
         <a:tint val="40000"/>
+      </a:schemeClr>
+    </dgm:fillClrLst>
+    <dgm:linClrLst meth="repeat">
+      <a:schemeClr val="accent2">
         <a:alpha val="90000"/>
-      </a:schemeClr>
-      <a:schemeClr val="accent3">
         <a:tint val="40000"/>
-        <a:alpha val="90000"/>
-      </a:schemeClr>
-    </dgm:fillClrLst>
-    <dgm:linClrLst>
-      <a:schemeClr val="accent2">
-        <a:tint val="40000"/>
-        <a:alpha val="90000"/>
-      </a:schemeClr>
-      <a:schemeClr val="accent3">
-        <a:tint val="40000"/>
-        <a:alpha val="90000"/>
       </a:schemeClr>
     </dgm:linClrLst>
     <dgm:effectClrLst/>
@@ -2479,8 +2444,8 @@
         <a:alpha val="90000"/>
       </a:schemeClr>
     </dgm:fillClrLst>
-    <dgm:linClrLst>
-      <a:schemeClr val="accent1"/>
+    <dgm:linClrLst meth="repeat">
+      <a:schemeClr val="accent2"/>
     </dgm:linClrLst>
     <dgm:effectClrLst/>
     <dgm:txLinClrLst/>
@@ -2495,8 +2460,8 @@
         <a:alpha val="90000"/>
       </a:schemeClr>
     </dgm:fillClrLst>
-    <dgm:linClrLst>
-      <a:schemeClr val="accent3"/>
+    <dgm:linClrLst meth="repeat">
+      <a:schemeClr val="accent2"/>
     </dgm:linClrLst>
     <dgm:effectClrLst/>
     <dgm:txLinClrLst/>
@@ -2511,8 +2476,8 @@
         <a:alpha val="90000"/>
       </a:schemeClr>
     </dgm:fillClrLst>
-    <dgm:linClrLst>
-      <a:schemeClr val="accent4"/>
+    <dgm:linClrLst meth="repeat">
+      <a:schemeClr val="accent2"/>
     </dgm:linClrLst>
     <dgm:effectClrLst/>
     <dgm:txLinClrLst/>
@@ -2527,8 +2492,8 @@
         <a:alpha val="90000"/>
       </a:schemeClr>
     </dgm:fillClrLst>
-    <dgm:linClrLst>
-      <a:schemeClr val="accent5"/>
+    <dgm:linClrLst meth="repeat">
+      <a:schemeClr val="accent2"/>
     </dgm:linClrLst>
     <dgm:effectClrLst/>
     <dgm:txLinClrLst/>
@@ -2544,7 +2509,7 @@
       </a:schemeClr>
     </dgm:fillClrLst>
     <dgm:linClrLst meth="repeat">
-      <a:schemeClr val="dk1"/>
+      <a:schemeClr val="accent2"/>
     </dgm:linClrLst>
     <dgm:effectClrLst/>
     <dgm:txLinClrLst/>
@@ -2556,11 +2521,11 @@
   <dgm:styleLbl name="dkBgShp">
     <dgm:fillClrLst meth="repeat">
       <a:schemeClr val="accent2">
-        <a:shade val="90000"/>
-      </a:schemeClr>
-    </dgm:fillClrLst>
-    <dgm:linClrLst meth="repeat">
-      <a:schemeClr val="dk1"/>
+        <a:shade val="80000"/>
+      </a:schemeClr>
+    </dgm:fillClrLst>
+    <dgm:linClrLst meth="repeat">
+      <a:schemeClr val="accent2"/>
     </dgm:linClrLst>
     <dgm:effectClrLst/>
     <dgm:txLinClrLst/>
@@ -2589,7 +2554,7 @@
   <dgm:styleLbl name="fgShp">
     <dgm:fillClrLst meth="repeat">
       <a:schemeClr val="accent2">
-        <a:tint val="40000"/>
+        <a:tint val="60000"/>
       </a:schemeClr>
     </dgm:fillClrLst>
     <dgm:linClrLst meth="repeat">
@@ -7756,7 +7721,7 @@
 <dgm:dataModel xmlns:dgm="http://schemas.openxmlformats.org/drawingml/2006/diagram" xmlns:a="http://schemas.openxmlformats.org/drawingml/2006/main">
   <dgm:ptLst>
     <dgm:pt modelId="{585E25B9-0D17-4414-8AD5-35FB476F3476}" type="doc">
-      <dgm:prSet loTypeId="urn:microsoft.com/office/officeart/2005/8/layout/vList2" loCatId="list" qsTypeId="urn:microsoft.com/office/officeart/2005/8/quickstyle/simple1" qsCatId="simple" csTypeId="urn:microsoft.com/office/officeart/2005/8/colors/colorful2" csCatId="colorful" phldr="1"/>
+      <dgm:prSet loTypeId="urn:microsoft.com/office/officeart/2005/8/layout/vList2" loCatId="list" qsTypeId="urn:microsoft.com/office/officeart/2005/8/quickstyle/simple1" qsCatId="simple" csTypeId="urn:microsoft.com/office/officeart/2005/8/colors/accent2_2" csCatId="accent2" phldr="1"/>
       <dgm:spPr/>
       <dgm:t>
         <a:bodyPr/>
@@ -7774,17 +7739,20 @@
         <a:lstStyle/>
         <a:p>
           <a:r>
+            <a:rPr lang="en-US" sz="3500" dirty="0">
+              <a:latin typeface="+mj-lt"/>
+            </a:rPr>
+            <a:t>Plac</a:t>
+          </a:r>
+          <a:r>
             <a:rPr lang="ro-RO" sz="3500" dirty="0">
               <a:latin typeface="+mj-lt"/>
             </a:rPr>
-            <a:t>K</a:t>
+            <a:t>ă SSC32</a:t>
           </a:r>
-          <a:r>
-            <a:rPr lang="en-US" sz="3500" dirty="0">
-              <a:latin typeface="+mj-lt"/>
-            </a:rPr>
-            <a:t>it BRAT biped robot</a:t>
-          </a:r>
+          <a:endParaRPr lang="en-US" sz="3500" dirty="0">
+            <a:latin typeface="+mj-lt"/>
+          </a:endParaRPr>
         </a:p>
       </dgm:t>
     </dgm:pt>
@@ -7811,18 +7779,18 @@
       </dgm:t>
     </dgm:pt>
     <dgm:pt modelId="{C290EF0F-F348-4F79-AF0B-5F03731D8D39}">
-      <dgm:prSet custT="1"/>
+      <dgm:prSet/>
       <dgm:spPr/>
       <dgm:t>
         <a:bodyPr/>
         <a:lstStyle/>
         <a:p>
-          <a:r>
-            <a:rPr lang="en-US" sz="2900" dirty="0">
-              <a:latin typeface="+mj-lt"/>
-            </a:rPr>
-            <a:t>6 grade de libertate</a:t>
-          </a:r>
+          <a:pPr>
+            <a:buNone/>
+          </a:pPr>
+          <a:endParaRPr lang="en-US">
+            <a:latin typeface="+mj-lt"/>
+          </a:endParaRPr>
         </a:p>
       </dgm:t>
     </dgm:pt>
@@ -7859,7 +7827,7 @@
             <a:rPr lang="ro-RO" sz="3500" dirty="0">
               <a:latin typeface="+mj-lt"/>
             </a:rPr>
-            <a:t>Placă Arduino Uno</a:t>
+            <a:t>6 motoare HS-442</a:t>
           </a:r>
           <a:endParaRPr lang="en-US" sz="3500" dirty="0">
             <a:latin typeface="+mj-lt"/>
@@ -7900,7 +7868,7 @@
             <a:rPr lang="ro-RO" sz="3500" dirty="0">
               <a:latin typeface="+mj-lt"/>
             </a:rPr>
-            <a:t>Placă ESP-32 Thing</a:t>
+            <a:t>Placă Arduino Uno</a:t>
           </a:r>
           <a:endParaRPr lang="en-US" sz="3500" dirty="0">
             <a:latin typeface="+mj-lt"/>
@@ -7930,7 +7898,7 @@
         </a:p>
       </dgm:t>
     </dgm:pt>
-    <dgm:pt modelId="{1F94EFD1-0BAF-4F5D-864D-D82A6C59DBC2}" type="pres">
+    <dgm:pt modelId="{CE052985-4512-49B9-BB1C-33BD1978A186}" type="pres">
       <dgm:prSet presAssocID="{585E25B9-0D17-4414-8AD5-35FB476F3476}" presName="linear" presStyleCnt="0">
         <dgm:presLayoutVars>
           <dgm:animLvl val="lvl"/>
@@ -7939,8 +7907,8 @@
       </dgm:prSet>
       <dgm:spPr/>
     </dgm:pt>
-    <dgm:pt modelId="{DED33222-C5D4-4E35-993E-B31A1CC17E41}" type="pres">
-      <dgm:prSet presAssocID="{45813C60-FB87-4E4E-84CB-2D283EB1348A}" presName="parentText" presStyleLbl="node1" presStyleIdx="0" presStyleCnt="3">
+    <dgm:pt modelId="{92B7E50B-E77A-4638-A4EA-05DC88745D4F}" type="pres">
+      <dgm:prSet presAssocID="{45813C60-FB87-4E4E-84CB-2D283EB1348A}" presName="parentText" presStyleLbl="node1" presStyleIdx="0" presStyleCnt="3" custScaleY="134983" custLinFactNeighborX="-32" custLinFactNeighborY="-2239">
         <dgm:presLayoutVars>
           <dgm:chMax val="0"/>
           <dgm:bulletEnabled val="1"/>
@@ -7948,7 +7916,7 @@
       </dgm:prSet>
       <dgm:spPr/>
     </dgm:pt>
-    <dgm:pt modelId="{E30B04B1-45C7-47D9-90D0-918FC02209FE}" type="pres">
+    <dgm:pt modelId="{20DE7188-747F-45E6-BB69-FF9A00CF5931}" type="pres">
       <dgm:prSet presAssocID="{45813C60-FB87-4E4E-84CB-2D283EB1348A}" presName="childText" presStyleLbl="revTx" presStyleIdx="0" presStyleCnt="1">
         <dgm:presLayoutVars>
           <dgm:bulletEnabled val="1"/>
@@ -7956,8 +7924,8 @@
       </dgm:prSet>
       <dgm:spPr/>
     </dgm:pt>
-    <dgm:pt modelId="{F69BEC3F-8F16-4104-A5A3-A49D25656FB3}" type="pres">
-      <dgm:prSet presAssocID="{F2E98D93-1A6A-46F3-B5B6-FC34FAB8B0E1}" presName="parentText" presStyleLbl="node1" presStyleIdx="1" presStyleCnt="3">
+    <dgm:pt modelId="{2FA6A565-7F93-4EB0-A7D0-980629344E95}" type="pres">
+      <dgm:prSet presAssocID="{F2E98D93-1A6A-46F3-B5B6-FC34FAB8B0E1}" presName="parentText" presStyleLbl="node1" presStyleIdx="1" presStyleCnt="3" custScaleY="133433" custLinFactY="-4279" custLinFactNeighborX="-32" custLinFactNeighborY="-100000">
         <dgm:presLayoutVars>
           <dgm:chMax val="0"/>
           <dgm:bulletEnabled val="1"/>
@@ -7965,12 +7933,12 @@
       </dgm:prSet>
       <dgm:spPr/>
     </dgm:pt>
-    <dgm:pt modelId="{470661B3-4D43-47B3-9818-079C79B31ADE}" type="pres">
+    <dgm:pt modelId="{3EF55BFF-3CD0-4909-873D-66F26F01738D}" type="pres">
       <dgm:prSet presAssocID="{75167B2D-CD41-4F0D-BFD5-6A2CA1C0F114}" presName="spacer" presStyleCnt="0"/>
       <dgm:spPr/>
     </dgm:pt>
-    <dgm:pt modelId="{AA9D6CE5-E8A0-4B90-AD95-C893AA37B62A}" type="pres">
-      <dgm:prSet presAssocID="{2C90FD26-A73D-4B85-8294-2F702AA88AC2}" presName="parentText" presStyleLbl="node1" presStyleIdx="2" presStyleCnt="3">
+    <dgm:pt modelId="{04848F21-F0DB-44A6-89AF-1E4386DBCBC6}" type="pres">
+      <dgm:prSet presAssocID="{2C90FD26-A73D-4B85-8294-2F702AA88AC2}" presName="parentText" presStyleLbl="node1" presStyleIdx="2" presStyleCnt="3" custScaleY="133433" custLinFactY="1610" custLinFactNeighborX="-32" custLinFactNeighborY="100000">
         <dgm:presLayoutVars>
           <dgm:chMax val="0"/>
           <dgm:bulletEnabled val="1"/>
@@ -7980,20 +7948,20 @@
     </dgm:pt>
   </dgm:ptLst>
   <dgm:cxnLst>
-    <dgm:cxn modelId="{F9E5A314-DAD1-4904-BBE7-A34F539B53D4}" type="presOf" srcId="{C290EF0F-F348-4F79-AF0B-5F03731D8D39}" destId="{E30B04B1-45C7-47D9-90D0-918FC02209FE}" srcOrd="0" destOrd="0" presId="urn:microsoft.com/office/officeart/2005/8/layout/vList2"/>
+    <dgm:cxn modelId="{F1FBAE0C-4154-4D26-BACE-9EA059DD7022}" type="presOf" srcId="{F2E98D93-1A6A-46F3-B5B6-FC34FAB8B0E1}" destId="{2FA6A565-7F93-4EB0-A7D0-980629344E95}" srcOrd="0" destOrd="0" presId="urn:microsoft.com/office/officeart/2005/8/layout/vList2"/>
     <dgm:cxn modelId="{B35FD21E-49F7-43BD-A66A-0E948540A10F}" srcId="{45813C60-FB87-4E4E-84CB-2D283EB1348A}" destId="{C290EF0F-F348-4F79-AF0B-5F03731D8D39}" srcOrd="0" destOrd="0" parTransId="{DB48B482-793E-4B43-A22C-7356A4CC08E4}" sibTransId="{E1AC2D09-2A24-4087-AB39-9D843736A16A}"/>
-    <dgm:cxn modelId="{80D8F629-B08A-4EAF-84A6-C5916903862F}" type="presOf" srcId="{585E25B9-0D17-4414-8AD5-35FB476F3476}" destId="{1F94EFD1-0BAF-4F5D-864D-D82A6C59DBC2}" srcOrd="0" destOrd="0" presId="urn:microsoft.com/office/officeart/2005/8/layout/vList2"/>
     <dgm:cxn modelId="{6D19BB35-B48E-4E4A-9DC1-04132076F5FA}" srcId="{585E25B9-0D17-4414-8AD5-35FB476F3476}" destId="{2C90FD26-A73D-4B85-8294-2F702AA88AC2}" srcOrd="2" destOrd="0" parTransId="{5743D333-6E3A-4953-AD61-AEC8D4AD7616}" sibTransId="{7702BE38-E34F-4A8D-AB80-577E8D3D7D48}"/>
     <dgm:cxn modelId="{A09E2565-1A97-42BB-B758-5D908E613FD2}" srcId="{585E25B9-0D17-4414-8AD5-35FB476F3476}" destId="{45813C60-FB87-4E4E-84CB-2D283EB1348A}" srcOrd="0" destOrd="0" parTransId="{E7CF2669-DCB1-49FD-80AB-ADBE9711CDA0}" sibTransId="{9FFB7952-3853-4FB3-B2FE-40B80D1118EF}"/>
-    <dgm:cxn modelId="{E0450073-4D62-48E2-AEC3-EAE4573A25FD}" type="presOf" srcId="{2C90FD26-A73D-4B85-8294-2F702AA88AC2}" destId="{AA9D6CE5-E8A0-4B90-AD95-C893AA37B62A}" srcOrd="0" destOrd="0" presId="urn:microsoft.com/office/officeart/2005/8/layout/vList2"/>
+    <dgm:cxn modelId="{27F2C44A-9F22-4288-9025-8F6410946861}" type="presOf" srcId="{C290EF0F-F348-4F79-AF0B-5F03731D8D39}" destId="{20DE7188-747F-45E6-BB69-FF9A00CF5931}" srcOrd="0" destOrd="0" presId="urn:microsoft.com/office/officeart/2005/8/layout/vList2"/>
+    <dgm:cxn modelId="{FA5A4B80-BDF3-4CBD-BA5A-B8AE7D1B3FED}" type="presOf" srcId="{45813C60-FB87-4E4E-84CB-2D283EB1348A}" destId="{92B7E50B-E77A-4638-A4EA-05DC88745D4F}" srcOrd="0" destOrd="0" presId="urn:microsoft.com/office/officeart/2005/8/layout/vList2"/>
     <dgm:cxn modelId="{8D5E5482-8E4D-4737-AAFE-BD41F5BF6461}" srcId="{585E25B9-0D17-4414-8AD5-35FB476F3476}" destId="{F2E98D93-1A6A-46F3-B5B6-FC34FAB8B0E1}" srcOrd="1" destOrd="0" parTransId="{42FA4DF8-F908-4DA7-9A21-BF1E8870D3DB}" sibTransId="{75167B2D-CD41-4F0D-BFD5-6A2CA1C0F114}"/>
-    <dgm:cxn modelId="{F6564AA8-176B-421A-B219-A8A1F4D75353}" type="presOf" srcId="{45813C60-FB87-4E4E-84CB-2D283EB1348A}" destId="{DED33222-C5D4-4E35-993E-B31A1CC17E41}" srcOrd="0" destOrd="0" presId="urn:microsoft.com/office/officeart/2005/8/layout/vList2"/>
-    <dgm:cxn modelId="{E9A9DAF0-4FCB-4BBF-BA0D-B53831ACAEBA}" type="presOf" srcId="{F2E98D93-1A6A-46F3-B5B6-FC34FAB8B0E1}" destId="{F69BEC3F-8F16-4104-A5A3-A49D25656FB3}" srcOrd="0" destOrd="0" presId="urn:microsoft.com/office/officeart/2005/8/layout/vList2"/>
-    <dgm:cxn modelId="{A3207D1C-A3FC-43A2-99E8-F7C9893175AF}" type="presParOf" srcId="{1F94EFD1-0BAF-4F5D-864D-D82A6C59DBC2}" destId="{DED33222-C5D4-4E35-993E-B31A1CC17E41}" srcOrd="0" destOrd="0" presId="urn:microsoft.com/office/officeart/2005/8/layout/vList2"/>
-    <dgm:cxn modelId="{A9A33BEA-4448-499E-B524-C57DD05B5BB9}" type="presParOf" srcId="{1F94EFD1-0BAF-4F5D-864D-D82A6C59DBC2}" destId="{E30B04B1-45C7-47D9-90D0-918FC02209FE}" srcOrd="1" destOrd="0" presId="urn:microsoft.com/office/officeart/2005/8/layout/vList2"/>
-    <dgm:cxn modelId="{4801B8AD-FB44-46BD-B1ED-577EEE7C89A3}" type="presParOf" srcId="{1F94EFD1-0BAF-4F5D-864D-D82A6C59DBC2}" destId="{F69BEC3F-8F16-4104-A5A3-A49D25656FB3}" srcOrd="2" destOrd="0" presId="urn:microsoft.com/office/officeart/2005/8/layout/vList2"/>
-    <dgm:cxn modelId="{14766020-2F4C-4955-992F-15106511413D}" type="presParOf" srcId="{1F94EFD1-0BAF-4F5D-864D-D82A6C59DBC2}" destId="{470661B3-4D43-47B3-9818-079C79B31ADE}" srcOrd="3" destOrd="0" presId="urn:microsoft.com/office/officeart/2005/8/layout/vList2"/>
-    <dgm:cxn modelId="{D439A835-9910-4A52-BA1A-DF26CA9EF446}" type="presParOf" srcId="{1F94EFD1-0BAF-4F5D-864D-D82A6C59DBC2}" destId="{AA9D6CE5-E8A0-4B90-AD95-C893AA37B62A}" srcOrd="4" destOrd="0" presId="urn:microsoft.com/office/officeart/2005/8/layout/vList2"/>
+    <dgm:cxn modelId="{5170B98E-CC50-49A4-9006-B3FBD7908123}" type="presOf" srcId="{585E25B9-0D17-4414-8AD5-35FB476F3476}" destId="{CE052985-4512-49B9-BB1C-33BD1978A186}" srcOrd="0" destOrd="0" presId="urn:microsoft.com/office/officeart/2005/8/layout/vList2"/>
+    <dgm:cxn modelId="{7BB9C4A3-AF2A-4F15-9CA6-EADA39403572}" type="presOf" srcId="{2C90FD26-A73D-4B85-8294-2F702AA88AC2}" destId="{04848F21-F0DB-44A6-89AF-1E4386DBCBC6}" srcOrd="0" destOrd="0" presId="urn:microsoft.com/office/officeart/2005/8/layout/vList2"/>
+    <dgm:cxn modelId="{14D79CDF-376F-4D19-BEED-2901D470C54B}" type="presParOf" srcId="{CE052985-4512-49B9-BB1C-33BD1978A186}" destId="{92B7E50B-E77A-4638-A4EA-05DC88745D4F}" srcOrd="0" destOrd="0" presId="urn:microsoft.com/office/officeart/2005/8/layout/vList2"/>
+    <dgm:cxn modelId="{1E8ADB30-7CDD-4C90-A00B-D984F6BB730A}" type="presParOf" srcId="{CE052985-4512-49B9-BB1C-33BD1978A186}" destId="{20DE7188-747F-45E6-BB69-FF9A00CF5931}" srcOrd="1" destOrd="0" presId="urn:microsoft.com/office/officeart/2005/8/layout/vList2"/>
+    <dgm:cxn modelId="{23068D64-9A77-41FD-BBE5-D9CDE5E8EA0C}" type="presParOf" srcId="{CE052985-4512-49B9-BB1C-33BD1978A186}" destId="{2FA6A565-7F93-4EB0-A7D0-980629344E95}" srcOrd="2" destOrd="0" presId="urn:microsoft.com/office/officeart/2005/8/layout/vList2"/>
+    <dgm:cxn modelId="{F8C197F4-A999-419F-AFA9-574B7716B075}" type="presParOf" srcId="{CE052985-4512-49B9-BB1C-33BD1978A186}" destId="{3EF55BFF-3CD0-4909-873D-66F26F01738D}" srcOrd="3" destOrd="0" presId="urn:microsoft.com/office/officeart/2005/8/layout/vList2"/>
+    <dgm:cxn modelId="{752DB9E0-F8C5-4EFE-9277-81F5DEF68DB6}" type="presParOf" srcId="{CE052985-4512-49B9-BB1C-33BD1978A186}" destId="{04848F21-F0DB-44A6-89AF-1E4386DBCBC6}" srcOrd="4" destOrd="0" presId="urn:microsoft.com/office/officeart/2005/8/layout/vList2"/>
   </dgm:cxnLst>
   <dgm:bg/>
   <dgm:whole/>
@@ -8009,7 +7977,7 @@
 <dgm:dataModel xmlns:dgm="http://schemas.openxmlformats.org/drawingml/2006/diagram" xmlns:a="http://schemas.openxmlformats.org/drawingml/2006/main">
   <dgm:ptLst>
     <dgm:pt modelId="{58E18128-5BD7-4E8E-8B61-FD96FDFA360E}" type="doc">
-      <dgm:prSet loTypeId="urn:microsoft.com/office/officeart/2005/8/layout/vList2" loCatId="list" qsTypeId="urn:microsoft.com/office/officeart/2005/8/quickstyle/simple1" qsCatId="simple" csTypeId="urn:microsoft.com/office/officeart/2005/8/colors/colorful2" csCatId="colorful"/>
+      <dgm:prSet loTypeId="urn:microsoft.com/office/officeart/2005/8/layout/vList2" loCatId="list" qsTypeId="urn:microsoft.com/office/officeart/2005/8/quickstyle/simple1" qsCatId="simple" csTypeId="urn:microsoft.com/office/officeart/2005/8/colors/colorful2" csCatId="colorful" phldr="1"/>
       <dgm:spPr/>
       <dgm:t>
         <a:bodyPr/>
@@ -8030,7 +7998,7 @@
             <a:rPr lang="ro-RO" sz="3500" dirty="0">
               <a:latin typeface="+mj-lt"/>
             </a:rPr>
-            <a:t>Sursă tensiune electrică</a:t>
+            <a:t>Placă ESP-32 Thing</a:t>
           </a:r>
           <a:endParaRPr lang="en-US" sz="3500" dirty="0">
             <a:latin typeface="+mj-lt"/>
@@ -8109,10 +8077,16 @@
         <a:lstStyle/>
         <a:p>
           <a:r>
+            <a:rPr lang="en-US" sz="3500" dirty="0">
+              <a:latin typeface="+mj-lt"/>
+            </a:rPr>
+            <a:t>S</a:t>
+          </a:r>
+          <a:r>
             <a:rPr lang="ro-RO" sz="3500" dirty="0">
               <a:latin typeface="+mj-lt"/>
             </a:rPr>
-            <a:t>PC</a:t>
+            <a:t>ursă de tensiune electrică</a:t>
           </a:r>
           <a:endParaRPr lang="en-US" sz="3500" dirty="0">
             <a:latin typeface="+mj-lt"/>
@@ -8152,7 +8126,7 @@
       <dgm:spPr/>
     </dgm:pt>
     <dgm:pt modelId="{79B08CB2-EEE4-471B-BEB9-12F8CDCA360F}" type="pres">
-      <dgm:prSet presAssocID="{7F8EEEB2-5B5A-41D0-A1E3-D54678AE6FF3}" presName="parentText" presStyleLbl="node1" presStyleIdx="0" presStyleCnt="3">
+      <dgm:prSet presAssocID="{7F8EEEB2-5B5A-41D0-A1E3-D54678AE6FF3}" presName="parentText" presStyleLbl="node1" presStyleIdx="0" presStyleCnt="3" custLinFactNeighborX="559">
         <dgm:presLayoutVars>
           <dgm:chMax val="0"/>
           <dgm:bulletEnabled val="1"/>
@@ -8165,7 +8139,7 @@
       <dgm:spPr/>
     </dgm:pt>
     <dgm:pt modelId="{7729E7B6-C2AC-4AEA-AF4B-A64ABF1831B5}" type="pres">
-      <dgm:prSet presAssocID="{3886654F-17EA-4A23-AC0E-0D9B8E51D461}" presName="parentText" presStyleLbl="node1" presStyleIdx="1" presStyleCnt="3">
+      <dgm:prSet presAssocID="{3886654F-17EA-4A23-AC0E-0D9B8E51D461}" presName="parentText" presStyleLbl="node1" presStyleIdx="1" presStyleCnt="3" custLinFactNeighborX="-32" custLinFactNeighborY="48">
         <dgm:presLayoutVars>
           <dgm:chMax val="0"/>
           <dgm:bulletEnabled val="1"/>
@@ -8178,7 +8152,7 @@
       <dgm:spPr/>
     </dgm:pt>
     <dgm:pt modelId="{BF0E8671-1471-4BE7-A707-10B3AFE0DF45}" type="pres">
-      <dgm:prSet presAssocID="{4C6C6677-612A-42D4-9225-D633F8FF85D3}" presName="parentText" presStyleLbl="node1" presStyleIdx="2" presStyleCnt="3">
+      <dgm:prSet presAssocID="{4C6C6677-612A-42D4-9225-D633F8FF85D3}" presName="parentText" presStyleLbl="node1" presStyleIdx="2" presStyleCnt="3" custLinFactNeighborX="559">
         <dgm:presLayoutVars>
           <dgm:chMax val="0"/>
           <dgm:bulletEnabled val="1"/>
@@ -9364,7 +9338,7 @@
 <dgm:dataModel xmlns:dgm="http://schemas.openxmlformats.org/drawingml/2006/diagram" xmlns:a="http://schemas.openxmlformats.org/drawingml/2006/main">
   <dgm:ptLst>
     <dgm:pt modelId="{4BBD8192-511D-4B93-8444-2591E63168B8}" type="doc">
-      <dgm:prSet loTypeId="urn:microsoft.com/office/officeart/2005/8/layout/vList2" loCatId="list" qsTypeId="urn:microsoft.com/office/officeart/2005/8/quickstyle/simple1" qsCatId="simple" csTypeId="urn:microsoft.com/office/officeart/2005/8/colors/colorful2" csCatId="colorful"/>
+      <dgm:prSet loTypeId="urn:microsoft.com/office/officeart/2005/8/layout/vList2" loCatId="list" qsTypeId="urn:microsoft.com/office/officeart/2005/8/quickstyle/simple1" qsCatId="simple" csTypeId="urn:microsoft.com/office/officeart/2005/8/colors/colorful2" csCatId="colorful" phldr="1"/>
       <dgm:spPr/>
       <dgm:t>
         <a:bodyPr/>
@@ -9507,7 +9481,7 @@
       <dgm:spPr/>
     </dgm:pt>
     <dgm:pt modelId="{30FC9707-CED0-4381-8A41-94AADA3386FF}" type="pres">
-      <dgm:prSet presAssocID="{7ACC372D-45D5-4299-A54B-DC2D29350961}" presName="parentText" presStyleLbl="node1" presStyleIdx="0" presStyleCnt="3">
+      <dgm:prSet presAssocID="{7ACC372D-45D5-4299-A54B-DC2D29350961}" presName="parentText" presStyleLbl="node1" presStyleIdx="0" presStyleCnt="3" custScaleY="257671" custLinFactY="-120413" custLinFactNeighborX="-32" custLinFactNeighborY="-200000">
         <dgm:presLayoutVars>
           <dgm:chMax val="0"/>
           <dgm:bulletEnabled val="1"/>
@@ -9520,7 +9494,7 @@
       <dgm:spPr/>
     </dgm:pt>
     <dgm:pt modelId="{90A0CD36-9528-4C15-B25C-385E8475933D}" type="pres">
-      <dgm:prSet presAssocID="{99D4F466-9F35-4353-A70C-2969F9EDF098}" presName="parentText" presStyleLbl="node1" presStyleIdx="1" presStyleCnt="3">
+      <dgm:prSet presAssocID="{99D4F466-9F35-4353-A70C-2969F9EDF098}" presName="parentText" presStyleLbl="node1" presStyleIdx="1" presStyleCnt="3" custScaleY="257671">
         <dgm:presLayoutVars>
           <dgm:chMax val="0"/>
           <dgm:bulletEnabled val="1"/>
@@ -9533,7 +9507,7 @@
       <dgm:spPr/>
     </dgm:pt>
     <dgm:pt modelId="{2BEAF6A0-1FC4-47A7-BE63-D1E6186B22AF}" type="pres">
-      <dgm:prSet presAssocID="{A7775C9F-A1F6-4D5A-8AAC-A9AD781B6B3E}" presName="parentText" presStyleLbl="node1" presStyleIdx="2" presStyleCnt="3">
+      <dgm:prSet presAssocID="{A7775C9F-A1F6-4D5A-8AAC-A9AD781B6B3E}" presName="parentText" presStyleLbl="node1" presStyleIdx="2" presStyleCnt="3" custScaleY="257671" custLinFactY="94716" custLinFactNeighborX="-110" custLinFactNeighborY="100000">
         <dgm:presLayoutVars>
           <dgm:chMax val="0"/>
           <dgm:bulletEnabled val="1"/>
@@ -10135,15 +10109,162 @@
       <dsp:cNvGrpSpPr/>
     </dsp:nvGrpSpPr>
     <dsp:grpSpPr/>
-    <dsp:sp modelId="{DED33222-C5D4-4E35-993E-B31A1CC17E41}">
+    <dsp:sp modelId="{92B7E50B-E77A-4638-A4EA-05DC88745D4F}">
       <dsp:nvSpPr>
         <dsp:cNvPr id="0" name=""/>
         <dsp:cNvSpPr/>
       </dsp:nvSpPr>
       <dsp:spPr>
         <a:xfrm>
-          <a:off x="0" y="32322"/>
-          <a:ext cx="7543800" cy="879840"/>
+          <a:off x="0" y="35497"/>
+          <a:ext cx="7543800" cy="1089717"/>
+        </a:xfrm>
+        <a:prstGeom prst="roundRect">
+          <a:avLst/>
+        </a:prstGeom>
+        <a:solidFill>
+          <a:schemeClr val="accent2">
+            <a:hueOff val="0"/>
+            <a:satOff val="0"/>
+            <a:lumOff val="0"/>
+            <a:alphaOff val="0"/>
+          </a:schemeClr>
+        </a:solidFill>
+        <a:ln w="12700" cap="flat" cmpd="sng" algn="ctr">
+          <a:solidFill>
+            <a:schemeClr val="lt1">
+              <a:hueOff val="0"/>
+              <a:satOff val="0"/>
+              <a:lumOff val="0"/>
+              <a:alphaOff val="0"/>
+            </a:schemeClr>
+          </a:solidFill>
+          <a:prstDash val="solid"/>
+        </a:ln>
+        <a:effectLst/>
+      </dsp:spPr>
+      <dsp:style>
+        <a:lnRef idx="2">
+          <a:scrgbClr r="0" g="0" b="0"/>
+        </a:lnRef>
+        <a:fillRef idx="1">
+          <a:scrgbClr r="0" g="0" b="0"/>
+        </a:fillRef>
+        <a:effectRef idx="0">
+          <a:scrgbClr r="0" g="0" b="0"/>
+        </a:effectRef>
+        <a:fontRef idx="minor">
+          <a:schemeClr val="lt1"/>
+        </a:fontRef>
+      </dsp:style>
+      <dsp:txBody>
+        <a:bodyPr spcFirstLastPara="0" vert="horz" wrap="square" lIns="133350" tIns="133350" rIns="133350" bIns="133350" numCol="1" spcCol="1270" anchor="ctr" anchorCtr="0">
+          <a:noAutofit/>
+        </a:bodyPr>
+        <a:lstStyle/>
+        <a:p>
+          <a:pPr marL="0" lvl="0" indent="0" algn="l" defTabSz="1555750">
+            <a:lnSpc>
+              <a:spcPct val="90000"/>
+            </a:lnSpc>
+            <a:spcBef>
+              <a:spcPct val="0"/>
+            </a:spcBef>
+            <a:spcAft>
+              <a:spcPct val="35000"/>
+            </a:spcAft>
+            <a:buNone/>
+          </a:pPr>
+          <a:r>
+            <a:rPr lang="en-US" sz="3500" kern="1200" dirty="0">
+              <a:latin typeface="+mj-lt"/>
+            </a:rPr>
+            <a:t>Plac</a:t>
+          </a:r>
+          <a:r>
+            <a:rPr lang="ro-RO" sz="3500" kern="1200" dirty="0">
+              <a:latin typeface="+mj-lt"/>
+            </a:rPr>
+            <a:t>ă SSC32</a:t>
+          </a:r>
+          <a:endParaRPr lang="en-US" sz="3500" kern="1200" dirty="0">
+            <a:latin typeface="+mj-lt"/>
+          </a:endParaRPr>
+        </a:p>
+      </dsp:txBody>
+      <dsp:txXfrm>
+        <a:off x="53196" y="88693"/>
+        <a:ext cx="7437408" cy="983325"/>
+      </dsp:txXfrm>
+    </dsp:sp>
+    <dsp:sp modelId="{20DE7188-747F-45E6-BB69-FF9A00CF5931}">
+      <dsp:nvSpPr>
+        <dsp:cNvPr id="0" name=""/>
+        <dsp:cNvSpPr/>
+      </dsp:nvSpPr>
+      <dsp:spPr>
+        <a:xfrm>
+          <a:off x="0" y="1130776"/>
+          <a:ext cx="7543800" cy="248400"/>
+        </a:xfrm>
+        <a:prstGeom prst="rect">
+          <a:avLst/>
+        </a:prstGeom>
+        <a:noFill/>
+        <a:ln>
+          <a:noFill/>
+        </a:ln>
+        <a:effectLst/>
+      </dsp:spPr>
+      <dsp:style>
+        <a:lnRef idx="0">
+          <a:scrgbClr r="0" g="0" b="0"/>
+        </a:lnRef>
+        <a:fillRef idx="0">
+          <a:scrgbClr r="0" g="0" b="0"/>
+        </a:fillRef>
+        <a:effectRef idx="0">
+          <a:scrgbClr r="0" g="0" b="0"/>
+        </a:effectRef>
+        <a:fontRef idx="minor"/>
+      </dsp:style>
+      <dsp:txBody>
+        <a:bodyPr spcFirstLastPara="0" vert="horz" wrap="square" lIns="239516" tIns="19050" rIns="106680" bIns="19050" numCol="1" spcCol="1270" anchor="t" anchorCtr="0">
+          <a:noAutofit/>
+        </a:bodyPr>
+        <a:lstStyle/>
+        <a:p>
+          <a:pPr marL="114300" lvl="1" indent="-114300" algn="l" defTabSz="533400">
+            <a:lnSpc>
+              <a:spcPct val="90000"/>
+            </a:lnSpc>
+            <a:spcBef>
+              <a:spcPct val="0"/>
+            </a:spcBef>
+            <a:spcAft>
+              <a:spcPct val="20000"/>
+            </a:spcAft>
+            <a:buNone/>
+          </a:pPr>
+          <a:endParaRPr lang="en-US" sz="1200" kern="1200">
+            <a:latin typeface="+mj-lt"/>
+          </a:endParaRPr>
+        </a:p>
+      </dsp:txBody>
+      <dsp:txXfrm>
+        <a:off x="0" y="1130776"/>
+        <a:ext cx="7543800" cy="248400"/>
+      </dsp:txXfrm>
+    </dsp:sp>
+    <dsp:sp modelId="{2FA6A565-7F93-4EB0-A7D0-980629344E95}">
+      <dsp:nvSpPr>
+        <dsp:cNvPr id="0" name=""/>
+        <dsp:cNvSpPr/>
+      </dsp:nvSpPr>
+      <dsp:spPr>
+        <a:xfrm>
+          <a:off x="0" y="1301432"/>
+          <a:ext cx="7543800" cy="1077204"/>
         </a:xfrm>
         <a:prstGeom prst="roundRect">
           <a:avLst/>
@@ -10205,92 +10326,27 @@
             <a:rPr lang="ro-RO" sz="3500" kern="1200" dirty="0">
               <a:latin typeface="+mj-lt"/>
             </a:rPr>
-            <a:t>K</a:t>
+            <a:t>6 motoare HS-442</a:t>
           </a:r>
-          <a:r>
-            <a:rPr lang="en-US" sz="3500" kern="1200" dirty="0">
-              <a:latin typeface="+mj-lt"/>
-            </a:rPr>
-            <a:t>it BRAT biped robot</a:t>
-          </a:r>
+          <a:endParaRPr lang="en-US" sz="3500" kern="1200" dirty="0">
+            <a:latin typeface="+mj-lt"/>
+          </a:endParaRPr>
         </a:p>
       </dsp:txBody>
       <dsp:txXfrm>
-        <a:off x="42950" y="75272"/>
-        <a:ext cx="7457900" cy="793940"/>
+        <a:off x="52585" y="1354017"/>
+        <a:ext cx="7438630" cy="972034"/>
       </dsp:txXfrm>
     </dsp:sp>
-    <dsp:sp modelId="{E30B04B1-45C7-47D9-90D0-918FC02209FE}">
+    <dsp:sp modelId="{04848F21-F0DB-44A6-89AF-1E4386DBCBC6}">
       <dsp:nvSpPr>
         <dsp:cNvPr id="0" name=""/>
         <dsp:cNvSpPr/>
       </dsp:nvSpPr>
       <dsp:spPr>
         <a:xfrm>
-          <a:off x="0" y="912162"/>
-          <a:ext cx="7543800" cy="778320"/>
-        </a:xfrm>
-        <a:prstGeom prst="rect">
-          <a:avLst/>
-        </a:prstGeom>
-        <a:noFill/>
-        <a:ln>
-          <a:noFill/>
-        </a:ln>
-        <a:effectLst/>
-      </dsp:spPr>
-      <dsp:style>
-        <a:lnRef idx="0">
-          <a:scrgbClr r="0" g="0" b="0"/>
-        </a:lnRef>
-        <a:fillRef idx="0">
-          <a:scrgbClr r="0" g="0" b="0"/>
-        </a:fillRef>
-        <a:effectRef idx="0">
-          <a:scrgbClr r="0" g="0" b="0"/>
-        </a:effectRef>
-        <a:fontRef idx="minor"/>
-      </dsp:style>
-      <dsp:txBody>
-        <a:bodyPr spcFirstLastPara="0" vert="horz" wrap="square" lIns="239516" tIns="36830" rIns="206248" bIns="36830" numCol="1" spcCol="1270" anchor="t" anchorCtr="0">
-          <a:noAutofit/>
-        </a:bodyPr>
-        <a:lstStyle/>
-        <a:p>
-          <a:pPr marL="285750" lvl="1" indent="-285750" algn="l" defTabSz="1289050">
-            <a:lnSpc>
-              <a:spcPct val="90000"/>
-            </a:lnSpc>
-            <a:spcBef>
-              <a:spcPct val="0"/>
-            </a:spcBef>
-            <a:spcAft>
-              <a:spcPct val="20000"/>
-            </a:spcAft>
-            <a:buChar char="•"/>
-          </a:pPr>
-          <a:r>
-            <a:rPr lang="en-US" sz="2900" kern="1200" dirty="0">
-              <a:latin typeface="+mj-lt"/>
-            </a:rPr>
-            <a:t>6 grade de libertate</a:t>
-          </a:r>
-        </a:p>
-      </dsp:txBody>
-      <dsp:txXfrm>
-        <a:off x="0" y="912162"/>
-        <a:ext cx="7543800" cy="778320"/>
-      </dsp:txXfrm>
-    </dsp:sp>
-    <dsp:sp modelId="{F69BEC3F-8F16-4104-A5A3-A49D25656FB3}">
-      <dsp:nvSpPr>
-        <dsp:cNvPr id="0" name=""/>
-        <dsp:cNvSpPr/>
-      </dsp:nvSpPr>
-      <dsp:spPr>
-        <a:xfrm>
-          <a:off x="0" y="1690482"/>
-          <a:ext cx="7543800" cy="879840"/>
+          <a:off x="0" y="2540640"/>
+          <a:ext cx="7543800" cy="1077204"/>
         </a:xfrm>
         <a:prstGeom prst="roundRect">
           <a:avLst/>
@@ -10360,90 +10416,8 @@
         </a:p>
       </dsp:txBody>
       <dsp:txXfrm>
-        <a:off x="42950" y="1733432"/>
-        <a:ext cx="7457900" cy="793940"/>
-      </dsp:txXfrm>
-    </dsp:sp>
-    <dsp:sp modelId="{AA9D6CE5-E8A0-4B90-AD95-C893AA37B62A}">
-      <dsp:nvSpPr>
-        <dsp:cNvPr id="0" name=""/>
-        <dsp:cNvSpPr/>
-      </dsp:nvSpPr>
-      <dsp:spPr>
-        <a:xfrm>
-          <a:off x="0" y="2705682"/>
-          <a:ext cx="7543800" cy="879840"/>
-        </a:xfrm>
-        <a:prstGeom prst="roundRect">
-          <a:avLst/>
-        </a:prstGeom>
-        <a:solidFill>
-          <a:schemeClr val="accent2">
-            <a:hueOff val="0"/>
-            <a:satOff val="0"/>
-            <a:lumOff val="0"/>
-            <a:alphaOff val="0"/>
-          </a:schemeClr>
-        </a:solidFill>
-        <a:ln w="12700" cap="flat" cmpd="sng" algn="ctr">
-          <a:solidFill>
-            <a:schemeClr val="lt1">
-              <a:hueOff val="0"/>
-              <a:satOff val="0"/>
-              <a:lumOff val="0"/>
-              <a:alphaOff val="0"/>
-            </a:schemeClr>
-          </a:solidFill>
-          <a:prstDash val="solid"/>
-        </a:ln>
-        <a:effectLst/>
-      </dsp:spPr>
-      <dsp:style>
-        <a:lnRef idx="2">
-          <a:scrgbClr r="0" g="0" b="0"/>
-        </a:lnRef>
-        <a:fillRef idx="1">
-          <a:scrgbClr r="0" g="0" b="0"/>
-        </a:fillRef>
-        <a:effectRef idx="0">
-          <a:scrgbClr r="0" g="0" b="0"/>
-        </a:effectRef>
-        <a:fontRef idx="minor">
-          <a:schemeClr val="lt1"/>
-        </a:fontRef>
-      </dsp:style>
-      <dsp:txBody>
-        <a:bodyPr spcFirstLastPara="0" vert="horz" wrap="square" lIns="133350" tIns="133350" rIns="133350" bIns="133350" numCol="1" spcCol="1270" anchor="ctr" anchorCtr="0">
-          <a:noAutofit/>
-        </a:bodyPr>
-        <a:lstStyle/>
-        <a:p>
-          <a:pPr marL="0" lvl="0" indent="0" algn="l" defTabSz="1555750">
-            <a:lnSpc>
-              <a:spcPct val="90000"/>
-            </a:lnSpc>
-            <a:spcBef>
-              <a:spcPct val="0"/>
-            </a:spcBef>
-            <a:spcAft>
-              <a:spcPct val="35000"/>
-            </a:spcAft>
-            <a:buNone/>
-          </a:pPr>
-          <a:r>
-            <a:rPr lang="ro-RO" sz="3500" kern="1200" dirty="0">
-              <a:latin typeface="+mj-lt"/>
-            </a:rPr>
-            <a:t>Placă ESP-32 Thing</a:t>
-          </a:r>
-          <a:endParaRPr lang="en-US" sz="3500" kern="1200" dirty="0">
-            <a:latin typeface="+mj-lt"/>
-          </a:endParaRPr>
-        </a:p>
-      </dsp:txBody>
-      <dsp:txXfrm>
-        <a:off x="42950" y="2748632"/>
-        <a:ext cx="7457900" cy="793940"/>
+        <a:off x="52585" y="2593225"/>
+        <a:ext cx="7438630" cy="972034"/>
       </dsp:txXfrm>
     </dsp:sp>
   </dsp:spTree>
@@ -10528,7 +10502,7 @@
             <a:rPr lang="ro-RO" sz="3500" kern="1200" dirty="0">
               <a:latin typeface="+mj-lt"/>
             </a:rPr>
-            <a:t>Sursă tensiune electrică</a:t>
+            <a:t>Placă ESP-32 Thing</a:t>
           </a:r>
           <a:endParaRPr lang="en-US" sz="3500" kern="1200" dirty="0">
             <a:latin typeface="+mj-lt"/>
@@ -10547,7 +10521,7 @@
       </dsp:nvSpPr>
       <dsp:spPr>
         <a:xfrm>
-          <a:off x="0" y="1266042"/>
+          <a:off x="0" y="1266122"/>
           <a:ext cx="7543800" cy="1085760"/>
         </a:xfrm>
         <a:prstGeom prst="roundRect">
@@ -10618,7 +10592,7 @@
         </a:p>
       </dsp:txBody>
       <dsp:txXfrm>
-        <a:off x="53002" y="1319044"/>
+        <a:off x="53002" y="1319124"/>
         <a:ext cx="7437796" cy="979756"/>
       </dsp:txXfrm>
     </dsp:sp>
@@ -10689,10 +10663,16 @@
             <a:buNone/>
           </a:pPr>
           <a:r>
+            <a:rPr lang="en-US" sz="3500" kern="1200" dirty="0">
+              <a:latin typeface="+mj-lt"/>
+            </a:rPr>
+            <a:t>S</a:t>
+          </a:r>
+          <a:r>
             <a:rPr lang="ro-RO" sz="3500" kern="1200" dirty="0">
               <a:latin typeface="+mj-lt"/>
             </a:rPr>
-            <a:t>PC</a:t>
+            <a:t>ursă de tensiune electrică</a:t>
           </a:r>
           <a:endParaRPr lang="en-US" sz="3500" kern="1200" dirty="0">
             <a:latin typeface="+mj-lt"/>
@@ -12104,8 +12084,8 @@
       </dsp:nvSpPr>
       <dsp:spPr>
         <a:xfrm>
-          <a:off x="0" y="459"/>
-          <a:ext cx="7543800" cy="1197007"/>
+          <a:off x="0" y="0"/>
+          <a:ext cx="7543800" cy="1088136"/>
         </a:xfrm>
         <a:prstGeom prst="roundRect">
           <a:avLst/>
@@ -12175,8 +12155,8 @@
         </a:p>
       </dsp:txBody>
       <dsp:txXfrm>
-        <a:off x="58433" y="58892"/>
-        <a:ext cx="7426934" cy="1080141"/>
+        <a:off x="53118" y="53118"/>
+        <a:ext cx="7437564" cy="981900"/>
       </dsp:txXfrm>
     </dsp:sp>
     <dsp:sp modelId="{90A0CD36-9528-4C15-B25C-385E8475933D}">
@@ -12186,8 +12166,8 @@
       </dsp:nvSpPr>
       <dsp:spPr>
         <a:xfrm>
-          <a:off x="0" y="1210418"/>
-          <a:ext cx="7543800" cy="1197007"/>
+          <a:off x="0" y="1264854"/>
+          <a:ext cx="7543800" cy="1088136"/>
         </a:xfrm>
         <a:prstGeom prst="roundRect">
           <a:avLst/>
@@ -12257,8 +12237,8 @@
         </a:p>
       </dsp:txBody>
       <dsp:txXfrm>
-        <a:off x="58433" y="1268851"/>
-        <a:ext cx="7426934" cy="1080141"/>
+        <a:off x="53118" y="1317972"/>
+        <a:ext cx="7437564" cy="981900"/>
       </dsp:txXfrm>
     </dsp:sp>
     <dsp:sp modelId="{2BEAF6A0-1FC4-47A7-BE63-D1E6186B22AF}">
@@ -12268,8 +12248,8 @@
       </dsp:nvSpPr>
       <dsp:spPr>
         <a:xfrm>
-          <a:off x="0" y="2420377"/>
-          <a:ext cx="7543800" cy="1197007"/>
+          <a:off x="0" y="2529708"/>
+          <a:ext cx="7543800" cy="1088136"/>
         </a:xfrm>
         <a:prstGeom prst="roundRect">
           <a:avLst/>
@@ -12339,8 +12319,8 @@
         </a:p>
       </dsp:txBody>
       <dsp:txXfrm>
-        <a:off x="58433" y="2478810"/>
-        <a:ext cx="7426934" cy="1080141"/>
+        <a:off x="53118" y="2582826"/>
+        <a:ext cx="7437564" cy="981900"/>
       </dsp:txXfrm>
     </dsp:sp>
   </dsp:spTree>
@@ -23268,7 +23248,7 @@
           <a:p>
             <a:fld id="{3569113D-2AA0-40B3-B8BF-A69C343657F7}" type="datetimeFigureOut">
               <a:rPr lang="en-US" smtClean="0"/>
-              <a:t>6/5/2019</a:t>
+              <a:t>6/14/2019</a:t>
             </a:fld>
             <a:endParaRPr lang="en-US" dirty="0"/>
           </a:p>
@@ -24108,7 +24088,7 @@
           <a:p>
             <a:fld id="{90B7D2B6-166E-40F8-9D76-749746228F93}" type="datetime1">
               <a:rPr lang="en-US" smtClean="0"/>
-              <a:t>6/5/2019</a:t>
+              <a:t>6/14/2019</a:t>
             </a:fld>
             <a:endParaRPr lang="en-US" dirty="0"/>
           </a:p>
@@ -24292,7 +24272,7 @@
           <a:p>
             <a:fld id="{5E77432B-941A-4FDB-B2E4-6D384526D1B6}" type="datetime1">
               <a:rPr lang="en-US" smtClean="0"/>
-              <a:t>6/5/2019</a:t>
+              <a:t>6/14/2019</a:t>
             </a:fld>
             <a:endParaRPr lang="en-US" dirty="0"/>
           </a:p>
@@ -24476,7 +24456,7 @@
           <a:p>
             <a:fld id="{73E66D89-C1D7-4BAB-8D4A-CFBFE24EB60F}" type="datetime1">
               <a:rPr lang="en-US" smtClean="0"/>
-              <a:t>6/5/2019</a:t>
+              <a:t>6/14/2019</a:t>
             </a:fld>
             <a:endParaRPr lang="en-US" dirty="0"/>
           </a:p>
@@ -24646,7 +24626,7 @@
           <a:p>
             <a:fld id="{C9C79E85-1D2F-477B-BBE8-4A7F97670373}" type="datetime1">
               <a:rPr lang="en-US" smtClean="0"/>
-              <a:t>6/5/2019</a:t>
+              <a:t>6/14/2019</a:t>
             </a:fld>
             <a:endParaRPr lang="en-US" dirty="0"/>
           </a:p>
@@ -24971,7 +24951,7 @@
           <a:p>
             <a:fld id="{A94E0D0E-3436-4F4C-8608-CE77D12FB72B}" type="datetime1">
               <a:rPr lang="en-US" smtClean="0"/>
-              <a:t>6/5/2019</a:t>
+              <a:t>6/14/2019</a:t>
             </a:fld>
             <a:endParaRPr lang="en-US" dirty="0"/>
           </a:p>
@@ -25369,7 +25349,7 @@
           <a:p>
             <a:fld id="{39510CC2-2627-4392-AE48-F60BF60FDE8D}" type="datetime1">
               <a:rPr lang="en-US" smtClean="0"/>
-              <a:t>6/5/2019</a:t>
+              <a:t>6/14/2019</a:t>
             </a:fld>
             <a:endParaRPr lang="en-US" dirty="0"/>
           </a:p>
@@ -25803,7 +25783,7 @@
           <a:p>
             <a:fld id="{DCE04ADE-3BBA-4424-9D2F-1B1F2BA859F2}" type="datetime1">
               <a:rPr lang="en-US" smtClean="0"/>
-              <a:t>6/5/2019</a:t>
+              <a:t>6/14/2019</a:t>
             </a:fld>
             <a:endParaRPr lang="en-US" dirty="0"/>
           </a:p>
@@ -25931,7 +25911,7 @@
           <a:p>
             <a:fld id="{9CA964A8-C6B3-4D50-BBFD-58D43C7F3544}" type="datetime1">
               <a:rPr lang="en-US" smtClean="0"/>
-              <a:t>6/5/2019</a:t>
+              <a:t>6/14/2019</a:t>
             </a:fld>
             <a:endParaRPr lang="en-US" dirty="0"/>
           </a:p>
@@ -26036,7 +26016,7 @@
           <a:p>
             <a:fld id="{DC1C8741-8383-4B49-BB53-43BE1918DA32}" type="datetime1">
               <a:rPr lang="en-US" smtClean="0"/>
-              <a:t>6/5/2019</a:t>
+              <a:t>6/14/2019</a:t>
             </a:fld>
             <a:endParaRPr lang="en-US" dirty="0"/>
           </a:p>
@@ -26477,7 +26457,7 @@
           <a:p>
             <a:fld id="{6C318A7A-4453-4BD5-8AB7-45AA3E9C5FE0}" type="datetime1">
               <a:rPr lang="en-US" smtClean="0"/>
-              <a:t>6/5/2019</a:t>
+              <a:t>6/14/2019</a:t>
             </a:fld>
             <a:endParaRPr lang="en-US" dirty="0"/>
           </a:p>
@@ -26903,7 +26883,7 @@
           <a:p>
             <a:fld id="{DE329CA9-2797-429D-A799-93AB3F83623F}" type="datetime1">
               <a:rPr lang="en-US" smtClean="0"/>
-              <a:t>6/5/2019</a:t>
+              <a:t>6/14/2019</a:t>
             </a:fld>
             <a:endParaRPr lang="en-US" dirty="0"/>
           </a:p>
@@ -27188,7 +27168,7 @@
           <a:p>
             <a:fld id="{56EE5F79-99D7-48D8-9BE2-8F8AFE0E3260}" type="datetime1">
               <a:rPr lang="en-US" smtClean="0"/>
-              <a:t>6/5/2019</a:t>
+              <a:t>6/14/2019</a:t>
             </a:fld>
             <a:endParaRPr lang="en-US" dirty="0"/>
           </a:p>
@@ -29503,7 +29483,7 @@
             <p:ph idx="1"/>
             <p:extLst>
               <p:ext uri="{D42A27DB-BD31-4B8C-83A1-F6EECF244321}">
-                <p14:modId xmlns:p14="http://schemas.microsoft.com/office/powerpoint/2010/main" val="1552564779"/>
+                <p14:modId xmlns:p14="http://schemas.microsoft.com/office/powerpoint/2010/main" val="3940957371"/>
               </p:ext>
             </p:extLst>
           </p:nvPr>
@@ -29600,16 +29580,22 @@
               <a:t>	</a:t>
             </a:r>
             <a:r>
-              <a:rPr lang="ro-RO" sz="4200">
+              <a:rPr lang="ro-RO" sz="4200" dirty="0">
                 <a:latin typeface="+mj-lt"/>
               </a:rPr>
-              <a:t>Vă </a:t>
+              <a:t>Vă mulțumesc pentru </a:t>
+            </a:r>
+            <a:r>
+              <a:rPr lang="en-US" sz="4200" dirty="0">
+                <a:latin typeface="+mj-lt"/>
+              </a:rPr>
+              <a:t>     	</a:t>
             </a:r>
             <a:r>
               <a:rPr lang="ro-RO" sz="4200" dirty="0">
                 <a:latin typeface="+mj-lt"/>
               </a:rPr>
-              <a:t>mulțumesc pentru atenție!</a:t>
+              <a:t>atenție!</a:t>
             </a:r>
             <a:endParaRPr lang="en-US" sz="4200" dirty="0">
               <a:latin typeface="+mj-lt"/>
@@ -30457,7 +30443,6 @@
           </a:bodyPr>
           <a:lstStyle/>
           <a:p>
-            <a:pPr algn="ctr"/>
             <a:r>
               <a:rPr lang="en-US" dirty="0"/>
               <a:t>Hardware</a:t>
@@ -30466,13 +30451,13 @@
               <a:rPr lang="ro-RO" dirty="0"/>
               <a:t> (1)</a:t>
             </a:r>
-            <a:endParaRPr lang="en-US" dirty="0"/>
+            <a:endParaRPr lang="en-US"/>
           </a:p>
         </p:txBody>
       </p:sp>
       <p:sp>
         <p:nvSpPr>
-          <p:cNvPr id="11" name="Rectangle 10">
+          <p:cNvPr id="16" name="Rectangle 15">
             <a:extLst>
               <a:ext uri="{FF2B5EF4-FFF2-40B4-BE49-F238E27FC236}">
                 <a16:creationId xmlns:a16="http://schemas.microsoft.com/office/drawing/2014/main" id="{3FD711E9-7F79-40A9-8D9E-4AE293C154A5}"/>
@@ -30548,7 +30533,7 @@
           <a:lstStyle/>
           <a:p>
             <a:pPr algn="ctr"/>
-            <a:endParaRPr lang="en-US" dirty="0"/>
+            <a:endParaRPr lang="en-US"/>
           </a:p>
         </p:txBody>
       </p:sp>
@@ -30614,7 +30599,7 @@
             <p:ph idx="1"/>
             <p:extLst>
               <p:ext uri="{D42A27DB-BD31-4B8C-83A1-F6EECF244321}">
-                <p14:modId xmlns:p14="http://schemas.microsoft.com/office/powerpoint/2010/main" val="1761526769"/>
+                <p14:modId xmlns:p14="http://schemas.microsoft.com/office/powerpoint/2010/main" val="1069150932"/>
               </p:ext>
             </p:extLst>
           </p:nvPr>
@@ -30629,6 +30614,186 @@
           </a:graphicData>
         </a:graphic>
       </p:graphicFrame>
+      <p:sp>
+        <p:nvSpPr>
+          <p:cNvPr id="7" name="Rectangle: Rounded Corners 6">
+            <a:extLst>
+              <a:ext uri="{FF2B5EF4-FFF2-40B4-BE49-F238E27FC236}">
+                <a16:creationId xmlns:a16="http://schemas.microsoft.com/office/drawing/2014/main" id="{FE7337C6-5EBE-44AA-BA96-13AB2377562C}"/>
+              </a:ext>
+            </a:extLst>
+          </p:cNvPr>
+          <p:cNvSpPr/>
+          <p:nvPr/>
+        </p:nvSpPr>
+        <p:spPr>
+          <a:xfrm>
+            <a:off x="6991112" y="4884458"/>
+            <a:ext cx="1358310" cy="1134075"/>
+          </a:xfrm>
+          <a:prstGeom prst="roundRect">
+            <a:avLst>
+              <a:gd name="adj" fmla="val 10000"/>
+            </a:avLst>
+          </a:prstGeom>
+          <a:blipFill rotWithShape="0">
+            <a:blip r:embed="rId9"/>
+            <a:stretch>
+              <a:fillRect/>
+            </a:stretch>
+          </a:blipFill>
+        </p:spPr>
+        <p:style>
+          <a:lnRef idx="2">
+            <a:schemeClr val="lt1">
+              <a:hueOff val="0"/>
+              <a:satOff val="0"/>
+              <a:lumOff val="0"/>
+              <a:alphaOff val="0"/>
+            </a:schemeClr>
+          </a:lnRef>
+          <a:fillRef idx="1">
+            <a:scrgbClr r="0" g="0" b="0"/>
+          </a:fillRef>
+          <a:effectRef idx="0">
+            <a:schemeClr val="accent1">
+              <a:tint val="50000"/>
+              <a:hueOff val="0"/>
+              <a:satOff val="0"/>
+              <a:lumOff val="0"/>
+              <a:alphaOff val="0"/>
+            </a:schemeClr>
+          </a:effectRef>
+          <a:fontRef idx="minor">
+            <a:schemeClr val="lt1">
+              <a:hueOff val="0"/>
+              <a:satOff val="0"/>
+              <a:lumOff val="0"/>
+              <a:alphaOff val="0"/>
+            </a:schemeClr>
+          </a:fontRef>
+        </p:style>
+      </p:sp>
+      <p:sp>
+        <p:nvSpPr>
+          <p:cNvPr id="8" name="Rectangle: Rounded Corners 7">
+            <a:extLst>
+              <a:ext uri="{FF2B5EF4-FFF2-40B4-BE49-F238E27FC236}">
+                <a16:creationId xmlns:a16="http://schemas.microsoft.com/office/drawing/2014/main" id="{BEC78F7D-4F08-42F6-B2D9-847BA362E72E}"/>
+              </a:ext>
+            </a:extLst>
+          </p:cNvPr>
+          <p:cNvSpPr/>
+          <p:nvPr/>
+        </p:nvSpPr>
+        <p:spPr>
+          <a:xfrm>
+            <a:off x="6991112" y="2415231"/>
+            <a:ext cx="1350407" cy="1134075"/>
+          </a:xfrm>
+          <a:prstGeom prst="roundRect">
+            <a:avLst>
+              <a:gd name="adj" fmla="val 10000"/>
+            </a:avLst>
+          </a:prstGeom>
+          <a:blipFill rotWithShape="0">
+            <a:blip r:embed="rId10"/>
+            <a:stretch>
+              <a:fillRect/>
+            </a:stretch>
+          </a:blipFill>
+        </p:spPr>
+        <p:style>
+          <a:lnRef idx="2">
+            <a:schemeClr val="lt1">
+              <a:hueOff val="0"/>
+              <a:satOff val="0"/>
+              <a:lumOff val="0"/>
+              <a:alphaOff val="0"/>
+            </a:schemeClr>
+          </a:lnRef>
+          <a:fillRef idx="1">
+            <a:scrgbClr r="0" g="0" b="0"/>
+          </a:fillRef>
+          <a:effectRef idx="0">
+            <a:schemeClr val="accent1">
+              <a:tint val="50000"/>
+              <a:hueOff val="0"/>
+              <a:satOff val="0"/>
+              <a:lumOff val="0"/>
+              <a:alphaOff val="0"/>
+            </a:schemeClr>
+          </a:effectRef>
+          <a:fontRef idx="minor">
+            <a:schemeClr val="lt1">
+              <a:hueOff val="0"/>
+              <a:satOff val="0"/>
+              <a:lumOff val="0"/>
+              <a:alphaOff val="0"/>
+            </a:schemeClr>
+          </a:fontRef>
+        </p:style>
+      </p:sp>
+      <p:sp>
+        <p:nvSpPr>
+          <p:cNvPr id="9" name="Rectangle: Rounded Corners 8">
+            <a:extLst>
+              <a:ext uri="{FF2B5EF4-FFF2-40B4-BE49-F238E27FC236}">
+                <a16:creationId xmlns:a16="http://schemas.microsoft.com/office/drawing/2014/main" id="{FECA7078-DDED-45FE-BC63-9F2BAA5E13E3}"/>
+              </a:ext>
+            </a:extLst>
+          </p:cNvPr>
+          <p:cNvSpPr/>
+          <p:nvPr/>
+        </p:nvSpPr>
+        <p:spPr>
+          <a:xfrm>
+            <a:off x="6973910" y="3642197"/>
+            <a:ext cx="1358310" cy="1134074"/>
+          </a:xfrm>
+          <a:prstGeom prst="roundRect">
+            <a:avLst>
+              <a:gd name="adj" fmla="val 10000"/>
+            </a:avLst>
+          </a:prstGeom>
+          <a:blipFill rotWithShape="0">
+            <a:blip r:embed="rId11"/>
+            <a:stretch>
+              <a:fillRect/>
+            </a:stretch>
+          </a:blipFill>
+        </p:spPr>
+        <p:style>
+          <a:lnRef idx="2">
+            <a:schemeClr val="lt1">
+              <a:hueOff val="0"/>
+              <a:satOff val="0"/>
+              <a:lumOff val="0"/>
+              <a:alphaOff val="0"/>
+            </a:schemeClr>
+          </a:lnRef>
+          <a:fillRef idx="1">
+            <a:scrgbClr r="0" g="0" b="0"/>
+          </a:fillRef>
+          <a:effectRef idx="0">
+            <a:schemeClr val="accent1">
+              <a:tint val="50000"/>
+              <a:hueOff val="0"/>
+              <a:satOff val="0"/>
+              <a:lumOff val="0"/>
+              <a:alphaOff val="0"/>
+            </a:schemeClr>
+          </a:effectRef>
+          <a:fontRef idx="minor">
+            <a:schemeClr val="lt1">
+              <a:hueOff val="0"/>
+              <a:satOff val="0"/>
+              <a:lumOff val="0"/>
+              <a:alphaOff val="0"/>
+            </a:schemeClr>
+          </a:fontRef>
+        </p:style>
+      </p:sp>
     </p:spTree>
     <p:extLst>
       <p:ext uri="{BB962C8B-B14F-4D97-AF65-F5344CB8AC3E}">
@@ -30848,7 +31013,7 @@
             <p:ph idx="1"/>
             <p:extLst>
               <p:ext uri="{D42A27DB-BD31-4B8C-83A1-F6EECF244321}">
-                <p14:modId xmlns:p14="http://schemas.microsoft.com/office/powerpoint/2010/main" val="2190461222"/>
+                <p14:modId xmlns:p14="http://schemas.microsoft.com/office/powerpoint/2010/main" val="2925424759"/>
               </p:ext>
             </p:extLst>
           </p:nvPr>
@@ -30863,6 +31028,162 @@
           </a:graphicData>
         </a:graphic>
       </p:graphicFrame>
+      <p:sp>
+        <p:nvSpPr>
+          <p:cNvPr id="7" name="Rectangle: Rounded Corners 6">
+            <a:extLst>
+              <a:ext uri="{FF2B5EF4-FFF2-40B4-BE49-F238E27FC236}">
+                <a16:creationId xmlns:a16="http://schemas.microsoft.com/office/drawing/2014/main" id="{06EDBB29-49B8-4490-B86A-45FEED1A3949}"/>
+              </a:ext>
+            </a:extLst>
+          </p:cNvPr>
+          <p:cNvSpPr/>
+          <p:nvPr/>
+        </p:nvSpPr>
+        <p:spPr>
+          <a:xfrm>
+            <a:off x="6988142" y="3622637"/>
+            <a:ext cx="1353377" cy="1114635"/>
+          </a:xfrm>
+          <a:prstGeom prst="roundRect">
+            <a:avLst>
+              <a:gd name="adj" fmla="val 10000"/>
+            </a:avLst>
+          </a:prstGeom>
+          <a:blipFill rotWithShape="0">
+            <a:blip r:embed="rId9"/>
+            <a:stretch>
+              <a:fillRect/>
+            </a:stretch>
+          </a:blipFill>
+        </p:spPr>
+        <p:style>
+          <a:lnRef idx="2">
+            <a:schemeClr val="lt1">
+              <a:hueOff val="0"/>
+              <a:satOff val="0"/>
+              <a:lumOff val="0"/>
+              <a:alphaOff val="0"/>
+            </a:schemeClr>
+          </a:lnRef>
+          <a:fillRef idx="1">
+            <a:scrgbClr r="0" g="0" b="0"/>
+          </a:fillRef>
+          <a:effectRef idx="0">
+            <a:schemeClr val="accent1">
+              <a:tint val="50000"/>
+              <a:hueOff val="0"/>
+              <a:satOff val="0"/>
+              <a:lumOff val="0"/>
+              <a:alphaOff val="0"/>
+            </a:schemeClr>
+          </a:effectRef>
+          <a:fontRef idx="minor">
+            <a:schemeClr val="lt1">
+              <a:hueOff val="0"/>
+              <a:satOff val="0"/>
+              <a:lumOff val="0"/>
+              <a:alphaOff val="0"/>
+            </a:schemeClr>
+          </a:fontRef>
+        </p:style>
+      </p:sp>
+      <p:sp>
+        <p:nvSpPr>
+          <p:cNvPr id="9" name="Rectangle: Rounded Corners 8">
+            <a:extLst>
+              <a:ext uri="{FF2B5EF4-FFF2-40B4-BE49-F238E27FC236}">
+                <a16:creationId xmlns:a16="http://schemas.microsoft.com/office/drawing/2014/main" id="{D4896989-E6EB-4891-90EB-8AF51A73669A}"/>
+              </a:ext>
+            </a:extLst>
+          </p:cNvPr>
+          <p:cNvSpPr/>
+          <p:nvPr/>
+        </p:nvSpPr>
+        <p:spPr>
+          <a:xfrm>
+            <a:off x="6988142" y="2385390"/>
+            <a:ext cx="1353377" cy="1100370"/>
+          </a:xfrm>
+          <a:prstGeom prst="roundRect">
+            <a:avLst>
+              <a:gd name="adj" fmla="val 10000"/>
+            </a:avLst>
+          </a:prstGeom>
+          <a:blipFill rotWithShape="0">
+            <a:blip r:embed="rId10"/>
+            <a:stretch>
+              <a:fillRect/>
+            </a:stretch>
+          </a:blipFill>
+        </p:spPr>
+        <p:style>
+          <a:lnRef idx="2">
+            <a:schemeClr val="lt1">
+              <a:hueOff val="0"/>
+              <a:satOff val="0"/>
+              <a:lumOff val="0"/>
+              <a:alphaOff val="0"/>
+            </a:schemeClr>
+          </a:lnRef>
+          <a:fillRef idx="1">
+            <a:scrgbClr r="0" g="0" b="0"/>
+          </a:fillRef>
+          <a:effectRef idx="0">
+            <a:schemeClr val="accent1">
+              <a:tint val="50000"/>
+              <a:hueOff val="0"/>
+              <a:satOff val="0"/>
+              <a:lumOff val="0"/>
+              <a:alphaOff val="0"/>
+            </a:schemeClr>
+          </a:effectRef>
+          <a:fontRef idx="minor">
+            <a:schemeClr val="lt1">
+              <a:hueOff val="0"/>
+              <a:satOff val="0"/>
+              <a:lumOff val="0"/>
+              <a:alphaOff val="0"/>
+            </a:schemeClr>
+          </a:fontRef>
+        </p:style>
+      </p:sp>
+      <p:pic>
+        <p:nvPicPr>
+          <p:cNvPr id="16" name="Picture 15">
+            <a:extLst>
+              <a:ext uri="{FF2B5EF4-FFF2-40B4-BE49-F238E27FC236}">
+                <a16:creationId xmlns:a16="http://schemas.microsoft.com/office/drawing/2014/main" id="{62FD4B21-E132-4968-9694-0B0DC2C758D6}"/>
+              </a:ext>
+            </a:extLst>
+          </p:cNvPr>
+          <p:cNvPicPr>
+            <a:picLocks noChangeAspect="1"/>
+          </p:cNvPicPr>
+          <p:nvPr/>
+        </p:nvPicPr>
+        <p:blipFill>
+          <a:blip r:embed="rId11">
+            <a:extLst>
+              <a:ext uri="{28A0092B-C50C-407E-A947-70E740481C1C}">
+                <a14:useLocalDpi xmlns:a14="http://schemas.microsoft.com/office/drawing/2010/main" val="0"/>
+              </a:ext>
+            </a:extLst>
+          </a:blip>
+          <a:stretch>
+            <a:fillRect/>
+          </a:stretch>
+        </p:blipFill>
+        <p:spPr>
+          <a:xfrm>
+            <a:off x="6988141" y="4901839"/>
+            <a:ext cx="1353377" cy="1100370"/>
+          </a:xfrm>
+          <a:prstGeom prst="rect">
+            <a:avLst/>
+          </a:prstGeom>
+        </p:spPr>
+      </p:pic>
     </p:spTree>
     <p:extLst>
       <p:ext uri="{BB962C8B-B14F-4D97-AF65-F5344CB8AC3E}">

--- a/ROBOTINHO2.pptx
+++ b/ROBOTINHO2.pptx
@@ -123,7 +123,7 @@
   </p:defaultTextStyle>
   <p:extLst>
     <p:ext uri="{EFAFB233-063F-42B5-8137-9DF3F51BA10A}">
-      <p15:sldGuideLst xmlns:p15="http://schemas.microsoft.com/office/powerpoint/2012/main">
+      <p15:sldGuideLst xmlns="" xmlns:p15="http://schemas.microsoft.com/office/powerpoint/2012/main">
         <p15:guide id="1" orient="horz" pos="2160">
           <p15:clr>
             <a:srgbClr val="A4A3A4"/>
@@ -7361,6 +7361,13 @@
         </dgm:presLayoutVars>
       </dgm:prSet>
       <dgm:spPr/>
+      <dgm:t>
+        <a:bodyPr/>
+        <a:lstStyle/>
+        <a:p>
+          <a:endParaRPr lang="en-US"/>
+        </a:p>
+      </dgm:t>
     </dgm:pt>
     <dgm:pt modelId="{9DF2C696-5E7A-4E6F-94D4-5FD3223D7CEE}" type="pres">
       <dgm:prSet presAssocID="{9E48839D-8EAC-4777-95C0-84FCA742DF84}" presName="node" presStyleLbl="node1" presStyleIdx="0" presStyleCnt="2">
@@ -7369,6 +7376,13 @@
         </dgm:presLayoutVars>
       </dgm:prSet>
       <dgm:spPr/>
+      <dgm:t>
+        <a:bodyPr/>
+        <a:lstStyle/>
+        <a:p>
+          <a:endParaRPr lang="en-US"/>
+        </a:p>
+      </dgm:t>
     </dgm:pt>
     <dgm:pt modelId="{3E44EEB7-6415-484B-B55A-ABFB4ACDD5D8}" type="pres">
       <dgm:prSet presAssocID="{93BF2532-BE3C-475F-ADF3-9DF6B4D341D0}" presName="sibTrans" presStyleCnt="0"/>
@@ -7381,14 +7395,21 @@
         </dgm:presLayoutVars>
       </dgm:prSet>
       <dgm:spPr/>
+      <dgm:t>
+        <a:bodyPr/>
+        <a:lstStyle/>
+        <a:p>
+          <a:endParaRPr lang="en-US"/>
+        </a:p>
+      </dgm:t>
     </dgm:pt>
   </dgm:ptLst>
   <dgm:cxnLst>
-    <dgm:cxn modelId="{64687B19-DFD4-4C2C-9BC2-644572105107}" srcId="{EE2BE08F-D2EA-4EC7-BFDE-F802D01F7559}" destId="{9E48839D-8EAC-4777-95C0-84FCA742DF84}" srcOrd="0" destOrd="0" parTransId="{1488DD77-A10D-40B2-91B2-E0F27E22C694}" sibTransId="{93BF2532-BE3C-475F-ADF3-9DF6B4D341D0}"/>
+    <dgm:cxn modelId="{21C15479-CD25-443D-BCD3-0313AE03EE4B}" type="presOf" srcId="{CBF42DAB-EA68-4574-998A-357D4B165756}" destId="{AF8A49B0-0CB8-4E17-9C1B-1297A7AA7ED9}" srcOrd="0" destOrd="0" presId="urn:microsoft.com/office/officeart/2005/8/layout/default"/>
     <dgm:cxn modelId="{33115B5C-5B20-4F2D-91FB-DA015A00A1D4}" srcId="{EE2BE08F-D2EA-4EC7-BFDE-F802D01F7559}" destId="{CBF42DAB-EA68-4574-998A-357D4B165756}" srcOrd="1" destOrd="0" parTransId="{F502F617-3844-4AD5-BD5F-B5626E6A9716}" sibTransId="{3D9C2C7E-83F5-4A0C-BA36-0D9EA853CC5C}"/>
-    <dgm:cxn modelId="{21C15479-CD25-443D-BCD3-0313AE03EE4B}" type="presOf" srcId="{CBF42DAB-EA68-4574-998A-357D4B165756}" destId="{AF8A49B0-0CB8-4E17-9C1B-1297A7AA7ED9}" srcOrd="0" destOrd="0" presId="urn:microsoft.com/office/officeart/2005/8/layout/default"/>
     <dgm:cxn modelId="{BFFA4FD0-9FA1-423B-83E8-C00C72585CAD}" type="presOf" srcId="{EE2BE08F-D2EA-4EC7-BFDE-F802D01F7559}" destId="{B2A94455-4541-4570-A2BE-FCBCAE20A9BD}" srcOrd="0" destOrd="0" presId="urn:microsoft.com/office/officeart/2005/8/layout/default"/>
     <dgm:cxn modelId="{214AE7D0-D796-4229-A36B-F2BD78BDB4C1}" type="presOf" srcId="{9E48839D-8EAC-4777-95C0-84FCA742DF84}" destId="{9DF2C696-5E7A-4E6F-94D4-5FD3223D7CEE}" srcOrd="0" destOrd="0" presId="urn:microsoft.com/office/officeart/2005/8/layout/default"/>
+    <dgm:cxn modelId="{64687B19-DFD4-4C2C-9BC2-644572105107}" srcId="{EE2BE08F-D2EA-4EC7-BFDE-F802D01F7559}" destId="{9E48839D-8EAC-4777-95C0-84FCA742DF84}" srcOrd="0" destOrd="0" parTransId="{1488DD77-A10D-40B2-91B2-E0F27E22C694}" sibTransId="{93BF2532-BE3C-475F-ADF3-9DF6B4D341D0}"/>
     <dgm:cxn modelId="{B586A1BD-1AB0-4C67-91FA-0490DA2A1B39}" type="presParOf" srcId="{B2A94455-4541-4570-A2BE-FCBCAE20A9BD}" destId="{9DF2C696-5E7A-4E6F-94D4-5FD3223D7CEE}" srcOrd="0" destOrd="0" presId="urn:microsoft.com/office/officeart/2005/8/layout/default"/>
     <dgm:cxn modelId="{16C3127C-3B0B-4B9A-9D46-4F46310DF2BA}" type="presParOf" srcId="{B2A94455-4541-4570-A2BE-FCBCAE20A9BD}" destId="{3E44EEB7-6415-484B-B55A-ABFB4ACDD5D8}" srcOrd="1" destOrd="0" presId="urn:microsoft.com/office/officeart/2005/8/layout/default"/>
     <dgm:cxn modelId="{CD25623A-6536-43B3-B71A-DB327E41605A}" type="presParOf" srcId="{B2A94455-4541-4570-A2BE-FCBCAE20A9BD}" destId="{AF8A49B0-0CB8-4E17-9C1B-1297A7AA7ED9}" srcOrd="2" destOrd="0" presId="urn:microsoft.com/office/officeart/2005/8/layout/default"/>
@@ -7637,6 +7658,13 @@
         </dgm:presLayoutVars>
       </dgm:prSet>
       <dgm:spPr/>
+      <dgm:t>
+        <a:bodyPr/>
+        <a:lstStyle/>
+        <a:p>
+          <a:endParaRPr lang="en-US"/>
+        </a:p>
+      </dgm:t>
     </dgm:pt>
     <dgm:pt modelId="{90122DFE-6840-4F25-9858-3541C72FA229}" type="pres">
       <dgm:prSet presAssocID="{4C61DB19-7F2B-4BB7-A483-7EE2561E3A5E}" presName="composite" presStyleCnt="0"/>
@@ -7651,6 +7679,13 @@
         </dgm:presLayoutVars>
       </dgm:prSet>
       <dgm:spPr/>
+      <dgm:t>
+        <a:bodyPr/>
+        <a:lstStyle/>
+        <a:p>
+          <a:endParaRPr lang="en-US"/>
+        </a:p>
+      </dgm:t>
     </dgm:pt>
     <dgm:pt modelId="{39E88E37-7A59-475C-B0C9-ED2E6E7CD4B3}" type="pres">
       <dgm:prSet presAssocID="{4C61DB19-7F2B-4BB7-A483-7EE2561E3A5E}" presName="desTx" presStyleLbl="alignAccFollowNode1" presStyleIdx="0" presStyleCnt="2">
@@ -7659,6 +7694,13 @@
         </dgm:presLayoutVars>
       </dgm:prSet>
       <dgm:spPr/>
+      <dgm:t>
+        <a:bodyPr/>
+        <a:lstStyle/>
+        <a:p>
+          <a:endParaRPr lang="en-US"/>
+        </a:p>
+      </dgm:t>
     </dgm:pt>
     <dgm:pt modelId="{DCC94ECB-806E-46FC-AB9C-50A34243C980}" type="pres">
       <dgm:prSet presAssocID="{7D3656D0-3782-4A6D-B735-2A5DE7ED6064}" presName="space" presStyleCnt="0"/>
@@ -7677,6 +7719,13 @@
         </dgm:presLayoutVars>
       </dgm:prSet>
       <dgm:spPr/>
+      <dgm:t>
+        <a:bodyPr/>
+        <a:lstStyle/>
+        <a:p>
+          <a:endParaRPr lang="en-US"/>
+        </a:p>
+      </dgm:t>
     </dgm:pt>
     <dgm:pt modelId="{D0FACDE1-EEB7-4178-8955-125C610FF1F0}" type="pres">
       <dgm:prSet presAssocID="{172A49AB-4F6F-4E68-B52C-AE49834A388A}" presName="desTx" presStyleLbl="alignAccFollowNode1" presStyleIdx="1" presStyleCnt="2">
@@ -7685,20 +7734,27 @@
         </dgm:presLayoutVars>
       </dgm:prSet>
       <dgm:spPr/>
+      <dgm:t>
+        <a:bodyPr/>
+        <a:lstStyle/>
+        <a:p>
+          <a:endParaRPr lang="en-US"/>
+        </a:p>
+      </dgm:t>
     </dgm:pt>
   </dgm:ptLst>
   <dgm:cxnLst>
+    <dgm:cxn modelId="{776111D4-B0FD-40B2-9F89-8BBBD72553B0}" srcId="{4C61DB19-7F2B-4BB7-A483-7EE2561E3A5E}" destId="{4DA713F6-2A60-4389-942B-6F118F4FB8DA}" srcOrd="0" destOrd="0" parTransId="{F6860D8F-5E8F-46C0-97E1-4F3A0B719414}" sibTransId="{4A04AF99-D125-434D-921C-827CFE659E24}"/>
     <dgm:cxn modelId="{3CFC2004-005D-4E18-AE98-E5FF1E331DF7}" srcId="{F2163B95-C416-4CB5-A678-986A2AE4F680}" destId="{172A49AB-4F6F-4E68-B52C-AE49834A388A}" srcOrd="1" destOrd="0" parTransId="{02D8E9EF-A461-42FF-9EE9-1B00533A96E8}" sibTransId="{9AFE768B-DBAE-442B-8DB3-13EFBDC9A011}"/>
+    <dgm:cxn modelId="{8A4F1773-7BFE-45C9-BB5C-FF3E66328328}" srcId="{F2163B95-C416-4CB5-A678-986A2AE4F680}" destId="{4C61DB19-7F2B-4BB7-A483-7EE2561E3A5E}" srcOrd="0" destOrd="0" parTransId="{98946D01-CEB9-4B84-8F01-F43953659055}" sibTransId="{7D3656D0-3782-4A6D-B735-2A5DE7ED6064}"/>
     <dgm:cxn modelId="{190F372F-BAEB-4C22-93FE-E151022194E2}" type="presOf" srcId="{4C61DB19-7F2B-4BB7-A483-7EE2561E3A5E}" destId="{6A6F582B-F462-4190-9A0A-170669C476E1}" srcOrd="0" destOrd="0" presId="urn:microsoft.com/office/officeart/2005/8/layout/hList1"/>
     <dgm:cxn modelId="{3D11CA63-2535-4EF3-8173-D2321453D04A}" type="presOf" srcId="{172A49AB-4F6F-4E68-B52C-AE49834A388A}" destId="{54B660C0-3765-4F0D-9266-16112A4CD854}" srcOrd="0" destOrd="0" presId="urn:microsoft.com/office/officeart/2005/8/layout/hList1"/>
+    <dgm:cxn modelId="{F12466E7-E9C4-4869-BE3C-FD4A0EC25BF5}" type="presOf" srcId="{1F5B33C2-507C-4D42-81EA-9D5326E96B3B}" destId="{D0FACDE1-EEB7-4178-8955-125C610FF1F0}" srcOrd="0" destOrd="0" presId="urn:microsoft.com/office/officeart/2005/8/layout/hList1"/>
+    <dgm:cxn modelId="{92B7E2CF-F98B-4832-A0AA-F47F1133DF62}" type="presOf" srcId="{F2163B95-C416-4CB5-A678-986A2AE4F680}" destId="{905844D1-E346-4A3A-B561-457E79319DC0}" srcOrd="0" destOrd="0" presId="urn:microsoft.com/office/officeart/2005/8/layout/hList1"/>
+    <dgm:cxn modelId="{427591D7-DCBF-4E95-95B4-B2063A7253C1}" srcId="{4C61DB19-7F2B-4BB7-A483-7EE2561E3A5E}" destId="{0C6D18F3-8E81-4F8F-8BE9-1FCE249D6040}" srcOrd="1" destOrd="0" parTransId="{C303F662-3510-4816-9FB8-B9E48AE0BACE}" sibTransId="{F7E29758-A36A-4CC9-932A-0B4F41F967B2}"/>
     <dgm:cxn modelId="{CEA6E269-43BE-43AE-8311-B43194FB1C7A}" srcId="{172A49AB-4F6F-4E68-B52C-AE49834A388A}" destId="{1F5B33C2-507C-4D42-81EA-9D5326E96B3B}" srcOrd="0" destOrd="0" parTransId="{FCF09481-E0C7-4803-BE13-F2A06AB44E5C}" sibTransId="{5908BA6A-F881-4EFF-9B1A-3BAE66F3DEC9}"/>
-    <dgm:cxn modelId="{8A4F1773-7BFE-45C9-BB5C-FF3E66328328}" srcId="{F2163B95-C416-4CB5-A678-986A2AE4F680}" destId="{4C61DB19-7F2B-4BB7-A483-7EE2561E3A5E}" srcOrd="0" destOrd="0" parTransId="{98946D01-CEB9-4B84-8F01-F43953659055}" sibTransId="{7D3656D0-3782-4A6D-B735-2A5DE7ED6064}"/>
+    <dgm:cxn modelId="{49D147FA-2D00-4539-867C-9D51E381528D}" type="presOf" srcId="{4DA713F6-2A60-4389-942B-6F118F4FB8DA}" destId="{39E88E37-7A59-475C-B0C9-ED2E6E7CD4B3}" srcOrd="0" destOrd="0" presId="urn:microsoft.com/office/officeart/2005/8/layout/hList1"/>
     <dgm:cxn modelId="{B51F35BE-A60B-4C2B-94A2-19C636CE536F}" type="presOf" srcId="{0C6D18F3-8E81-4F8F-8BE9-1FCE249D6040}" destId="{39E88E37-7A59-475C-B0C9-ED2E6E7CD4B3}" srcOrd="0" destOrd="1" presId="urn:microsoft.com/office/officeart/2005/8/layout/hList1"/>
-    <dgm:cxn modelId="{92B7E2CF-F98B-4832-A0AA-F47F1133DF62}" type="presOf" srcId="{F2163B95-C416-4CB5-A678-986A2AE4F680}" destId="{905844D1-E346-4A3A-B561-457E79319DC0}" srcOrd="0" destOrd="0" presId="urn:microsoft.com/office/officeart/2005/8/layout/hList1"/>
-    <dgm:cxn modelId="{776111D4-B0FD-40B2-9F89-8BBBD72553B0}" srcId="{4C61DB19-7F2B-4BB7-A483-7EE2561E3A5E}" destId="{4DA713F6-2A60-4389-942B-6F118F4FB8DA}" srcOrd="0" destOrd="0" parTransId="{F6860D8F-5E8F-46C0-97E1-4F3A0B719414}" sibTransId="{4A04AF99-D125-434D-921C-827CFE659E24}"/>
-    <dgm:cxn modelId="{427591D7-DCBF-4E95-95B4-B2063A7253C1}" srcId="{4C61DB19-7F2B-4BB7-A483-7EE2561E3A5E}" destId="{0C6D18F3-8E81-4F8F-8BE9-1FCE249D6040}" srcOrd="1" destOrd="0" parTransId="{C303F662-3510-4816-9FB8-B9E48AE0BACE}" sibTransId="{F7E29758-A36A-4CC9-932A-0B4F41F967B2}"/>
-    <dgm:cxn modelId="{F12466E7-E9C4-4869-BE3C-FD4A0EC25BF5}" type="presOf" srcId="{1F5B33C2-507C-4D42-81EA-9D5326E96B3B}" destId="{D0FACDE1-EEB7-4178-8955-125C610FF1F0}" srcOrd="0" destOrd="0" presId="urn:microsoft.com/office/officeart/2005/8/layout/hList1"/>
-    <dgm:cxn modelId="{49D147FA-2D00-4539-867C-9D51E381528D}" type="presOf" srcId="{4DA713F6-2A60-4389-942B-6F118F4FB8DA}" destId="{39E88E37-7A59-475C-B0C9-ED2E6E7CD4B3}" srcOrd="0" destOrd="0" presId="urn:microsoft.com/office/officeart/2005/8/layout/hList1"/>
     <dgm:cxn modelId="{36652491-A24B-4DEB-84F1-40AE9E2383E4}" type="presParOf" srcId="{905844D1-E346-4A3A-B561-457E79319DC0}" destId="{90122DFE-6840-4F25-9858-3541C72FA229}" srcOrd="0" destOrd="0" presId="urn:microsoft.com/office/officeart/2005/8/layout/hList1"/>
     <dgm:cxn modelId="{861D3B71-1D32-484F-87C2-6DC9C9B5906D}" type="presParOf" srcId="{90122DFE-6840-4F25-9858-3541C72FA229}" destId="{6A6F582B-F462-4190-9A0A-170669C476E1}" srcOrd="0" destOrd="0" presId="urn:microsoft.com/office/officeart/2005/8/layout/hList1"/>
     <dgm:cxn modelId="{7BFF212E-8431-49BB-9E56-D1DEE05D69F4}" type="presParOf" srcId="{90122DFE-6840-4F25-9858-3541C72FA229}" destId="{39E88E37-7A59-475C-B0C9-ED2E6E7CD4B3}" srcOrd="1" destOrd="0" presId="urn:microsoft.com/office/officeart/2005/8/layout/hList1"/>
@@ -7788,7 +7844,7 @@
           <a:pPr>
             <a:buNone/>
           </a:pPr>
-          <a:endParaRPr lang="en-US">
+          <a:endParaRPr lang="en-US" dirty="0">
             <a:latin typeface="+mj-lt"/>
           </a:endParaRPr>
         </a:p>
@@ -7906,6 +7962,13 @@
         </dgm:presLayoutVars>
       </dgm:prSet>
       <dgm:spPr/>
+      <dgm:t>
+        <a:bodyPr/>
+        <a:lstStyle/>
+        <a:p>
+          <a:endParaRPr lang="en-US"/>
+        </a:p>
+      </dgm:t>
     </dgm:pt>
     <dgm:pt modelId="{92B7E50B-E77A-4638-A4EA-05DC88745D4F}" type="pres">
       <dgm:prSet presAssocID="{45813C60-FB87-4E4E-84CB-2D283EB1348A}" presName="parentText" presStyleLbl="node1" presStyleIdx="0" presStyleCnt="3" custScaleY="134983" custLinFactNeighborX="-32" custLinFactNeighborY="-2239">
@@ -7915,6 +7978,13 @@
         </dgm:presLayoutVars>
       </dgm:prSet>
       <dgm:spPr/>
+      <dgm:t>
+        <a:bodyPr/>
+        <a:lstStyle/>
+        <a:p>
+          <a:endParaRPr lang="en-US"/>
+        </a:p>
+      </dgm:t>
     </dgm:pt>
     <dgm:pt modelId="{20DE7188-747F-45E6-BB69-FF9A00CF5931}" type="pres">
       <dgm:prSet presAssocID="{45813C60-FB87-4E4E-84CB-2D283EB1348A}" presName="childText" presStyleLbl="revTx" presStyleIdx="0" presStyleCnt="1">
@@ -7923,6 +7993,13 @@
         </dgm:presLayoutVars>
       </dgm:prSet>
       <dgm:spPr/>
+      <dgm:t>
+        <a:bodyPr/>
+        <a:lstStyle/>
+        <a:p>
+          <a:endParaRPr lang="en-US"/>
+        </a:p>
+      </dgm:t>
     </dgm:pt>
     <dgm:pt modelId="{2FA6A565-7F93-4EB0-A7D0-980629344E95}" type="pres">
       <dgm:prSet presAssocID="{F2E98D93-1A6A-46F3-B5B6-FC34FAB8B0E1}" presName="parentText" presStyleLbl="node1" presStyleIdx="1" presStyleCnt="3" custScaleY="133433" custLinFactY="-4279" custLinFactNeighborX="-32" custLinFactNeighborY="-100000">
@@ -7932,6 +8009,13 @@
         </dgm:presLayoutVars>
       </dgm:prSet>
       <dgm:spPr/>
+      <dgm:t>
+        <a:bodyPr/>
+        <a:lstStyle/>
+        <a:p>
+          <a:endParaRPr lang="en-US"/>
+        </a:p>
+      </dgm:t>
     </dgm:pt>
     <dgm:pt modelId="{3EF55BFF-3CD0-4909-873D-66F26F01738D}" type="pres">
       <dgm:prSet presAssocID="{75167B2D-CD41-4F0D-BFD5-6A2CA1C0F114}" presName="spacer" presStyleCnt="0"/>
@@ -7945,18 +8029,25 @@
         </dgm:presLayoutVars>
       </dgm:prSet>
       <dgm:spPr/>
+      <dgm:t>
+        <a:bodyPr/>
+        <a:lstStyle/>
+        <a:p>
+          <a:endParaRPr lang="en-US"/>
+        </a:p>
+      </dgm:t>
     </dgm:pt>
   </dgm:ptLst>
   <dgm:cxnLst>
     <dgm:cxn modelId="{F1FBAE0C-4154-4D26-BACE-9EA059DD7022}" type="presOf" srcId="{F2E98D93-1A6A-46F3-B5B6-FC34FAB8B0E1}" destId="{2FA6A565-7F93-4EB0-A7D0-980629344E95}" srcOrd="0" destOrd="0" presId="urn:microsoft.com/office/officeart/2005/8/layout/vList2"/>
+    <dgm:cxn modelId="{7BB9C4A3-AF2A-4F15-9CA6-EADA39403572}" type="presOf" srcId="{2C90FD26-A73D-4B85-8294-2F702AA88AC2}" destId="{04848F21-F0DB-44A6-89AF-1E4386DBCBC6}" srcOrd="0" destOrd="0" presId="urn:microsoft.com/office/officeart/2005/8/layout/vList2"/>
     <dgm:cxn modelId="{B35FD21E-49F7-43BD-A66A-0E948540A10F}" srcId="{45813C60-FB87-4E4E-84CB-2D283EB1348A}" destId="{C290EF0F-F348-4F79-AF0B-5F03731D8D39}" srcOrd="0" destOrd="0" parTransId="{DB48B482-793E-4B43-A22C-7356A4CC08E4}" sibTransId="{E1AC2D09-2A24-4087-AB39-9D843736A16A}"/>
+    <dgm:cxn modelId="{27F2C44A-9F22-4288-9025-8F6410946861}" type="presOf" srcId="{C290EF0F-F348-4F79-AF0B-5F03731D8D39}" destId="{20DE7188-747F-45E6-BB69-FF9A00CF5931}" srcOrd="0" destOrd="0" presId="urn:microsoft.com/office/officeart/2005/8/layout/vList2"/>
+    <dgm:cxn modelId="{8D5E5482-8E4D-4737-AAFE-BD41F5BF6461}" srcId="{585E25B9-0D17-4414-8AD5-35FB476F3476}" destId="{F2E98D93-1A6A-46F3-B5B6-FC34FAB8B0E1}" srcOrd="1" destOrd="0" parTransId="{42FA4DF8-F908-4DA7-9A21-BF1E8870D3DB}" sibTransId="{75167B2D-CD41-4F0D-BFD5-6A2CA1C0F114}"/>
     <dgm:cxn modelId="{6D19BB35-B48E-4E4A-9DC1-04132076F5FA}" srcId="{585E25B9-0D17-4414-8AD5-35FB476F3476}" destId="{2C90FD26-A73D-4B85-8294-2F702AA88AC2}" srcOrd="2" destOrd="0" parTransId="{5743D333-6E3A-4953-AD61-AEC8D4AD7616}" sibTransId="{7702BE38-E34F-4A8D-AB80-577E8D3D7D48}"/>
+    <dgm:cxn modelId="{5170B98E-CC50-49A4-9006-B3FBD7908123}" type="presOf" srcId="{585E25B9-0D17-4414-8AD5-35FB476F3476}" destId="{CE052985-4512-49B9-BB1C-33BD1978A186}" srcOrd="0" destOrd="0" presId="urn:microsoft.com/office/officeart/2005/8/layout/vList2"/>
+    <dgm:cxn modelId="{FA5A4B80-BDF3-4CBD-BA5A-B8AE7D1B3FED}" type="presOf" srcId="{45813C60-FB87-4E4E-84CB-2D283EB1348A}" destId="{92B7E50B-E77A-4638-A4EA-05DC88745D4F}" srcOrd="0" destOrd="0" presId="urn:microsoft.com/office/officeart/2005/8/layout/vList2"/>
     <dgm:cxn modelId="{A09E2565-1A97-42BB-B758-5D908E613FD2}" srcId="{585E25B9-0D17-4414-8AD5-35FB476F3476}" destId="{45813C60-FB87-4E4E-84CB-2D283EB1348A}" srcOrd="0" destOrd="0" parTransId="{E7CF2669-DCB1-49FD-80AB-ADBE9711CDA0}" sibTransId="{9FFB7952-3853-4FB3-B2FE-40B80D1118EF}"/>
-    <dgm:cxn modelId="{27F2C44A-9F22-4288-9025-8F6410946861}" type="presOf" srcId="{C290EF0F-F348-4F79-AF0B-5F03731D8D39}" destId="{20DE7188-747F-45E6-BB69-FF9A00CF5931}" srcOrd="0" destOrd="0" presId="urn:microsoft.com/office/officeart/2005/8/layout/vList2"/>
-    <dgm:cxn modelId="{FA5A4B80-BDF3-4CBD-BA5A-B8AE7D1B3FED}" type="presOf" srcId="{45813C60-FB87-4E4E-84CB-2D283EB1348A}" destId="{92B7E50B-E77A-4638-A4EA-05DC88745D4F}" srcOrd="0" destOrd="0" presId="urn:microsoft.com/office/officeart/2005/8/layout/vList2"/>
-    <dgm:cxn modelId="{8D5E5482-8E4D-4737-AAFE-BD41F5BF6461}" srcId="{585E25B9-0D17-4414-8AD5-35FB476F3476}" destId="{F2E98D93-1A6A-46F3-B5B6-FC34FAB8B0E1}" srcOrd="1" destOrd="0" parTransId="{42FA4DF8-F908-4DA7-9A21-BF1E8870D3DB}" sibTransId="{75167B2D-CD41-4F0D-BFD5-6A2CA1C0F114}"/>
-    <dgm:cxn modelId="{5170B98E-CC50-49A4-9006-B3FBD7908123}" type="presOf" srcId="{585E25B9-0D17-4414-8AD5-35FB476F3476}" destId="{CE052985-4512-49B9-BB1C-33BD1978A186}" srcOrd="0" destOrd="0" presId="urn:microsoft.com/office/officeart/2005/8/layout/vList2"/>
-    <dgm:cxn modelId="{7BB9C4A3-AF2A-4F15-9CA6-EADA39403572}" type="presOf" srcId="{2C90FD26-A73D-4B85-8294-2F702AA88AC2}" destId="{04848F21-F0DB-44A6-89AF-1E4386DBCBC6}" srcOrd="0" destOrd="0" presId="urn:microsoft.com/office/officeart/2005/8/layout/vList2"/>
     <dgm:cxn modelId="{14D79CDF-376F-4D19-BEED-2901D470C54B}" type="presParOf" srcId="{CE052985-4512-49B9-BB1C-33BD1978A186}" destId="{92B7E50B-E77A-4638-A4EA-05DC88745D4F}" srcOrd="0" destOrd="0" presId="urn:microsoft.com/office/officeart/2005/8/layout/vList2"/>
     <dgm:cxn modelId="{1E8ADB30-7CDD-4C90-A00B-D984F6BB730A}" type="presParOf" srcId="{CE052985-4512-49B9-BB1C-33BD1978A186}" destId="{20DE7188-747F-45E6-BB69-FF9A00CF5931}" srcOrd="1" destOrd="0" presId="urn:microsoft.com/office/officeart/2005/8/layout/vList2"/>
     <dgm:cxn modelId="{23068D64-9A77-41FD-BBE5-D9CDE5E8EA0C}" type="presParOf" srcId="{CE052985-4512-49B9-BB1C-33BD1978A186}" destId="{2FA6A565-7F93-4EB0-A7D0-980629344E95}" srcOrd="2" destOrd="0" presId="urn:microsoft.com/office/officeart/2005/8/layout/vList2"/>
@@ -8124,6 +8215,13 @@
         </dgm:presLayoutVars>
       </dgm:prSet>
       <dgm:spPr/>
+      <dgm:t>
+        <a:bodyPr/>
+        <a:lstStyle/>
+        <a:p>
+          <a:endParaRPr lang="en-US"/>
+        </a:p>
+      </dgm:t>
     </dgm:pt>
     <dgm:pt modelId="{79B08CB2-EEE4-471B-BEB9-12F8CDCA360F}" type="pres">
       <dgm:prSet presAssocID="{7F8EEEB2-5B5A-41D0-A1E3-D54678AE6FF3}" presName="parentText" presStyleLbl="node1" presStyleIdx="0" presStyleCnt="3" custLinFactNeighborX="559">
@@ -8133,6 +8231,13 @@
         </dgm:presLayoutVars>
       </dgm:prSet>
       <dgm:spPr/>
+      <dgm:t>
+        <a:bodyPr/>
+        <a:lstStyle/>
+        <a:p>
+          <a:endParaRPr lang="en-US"/>
+        </a:p>
+      </dgm:t>
     </dgm:pt>
     <dgm:pt modelId="{EF0958F6-D0F2-4387-A3FF-05A531DBEB9D}" type="pres">
       <dgm:prSet presAssocID="{EBAF5206-BF71-42AD-8AE9-90046D379285}" presName="spacer" presStyleCnt="0"/>
@@ -8146,6 +8251,13 @@
         </dgm:presLayoutVars>
       </dgm:prSet>
       <dgm:spPr/>
+      <dgm:t>
+        <a:bodyPr/>
+        <a:lstStyle/>
+        <a:p>
+          <a:endParaRPr lang="en-US"/>
+        </a:p>
+      </dgm:t>
     </dgm:pt>
     <dgm:pt modelId="{C0AE372F-E0D9-4E4E-923A-94EE8618CD15}" type="pres">
       <dgm:prSet presAssocID="{DAAEF7D0-98B2-4703-B384-ECF1815BE82D}" presName="spacer" presStyleCnt="0"/>
@@ -8159,15 +8271,22 @@
         </dgm:presLayoutVars>
       </dgm:prSet>
       <dgm:spPr/>
+      <dgm:t>
+        <a:bodyPr/>
+        <a:lstStyle/>
+        <a:p>
+          <a:endParaRPr lang="en-US"/>
+        </a:p>
+      </dgm:t>
     </dgm:pt>
   </dgm:ptLst>
   <dgm:cxnLst>
     <dgm:cxn modelId="{E3161B24-B8F5-4078-85BB-099DA3C63E0D}" srcId="{58E18128-5BD7-4E8E-8B61-FD96FDFA360E}" destId="{3886654F-17EA-4A23-AC0E-0D9B8E51D461}" srcOrd="1" destOrd="0" parTransId="{8EA50784-3344-47BA-BE05-85454F2D9FDD}" sibTransId="{DAAEF7D0-98B2-4703-B384-ECF1815BE82D}"/>
     <dgm:cxn modelId="{DD16F17D-E69F-4C91-B782-DD828694188D}" type="presOf" srcId="{4C6C6677-612A-42D4-9225-D633F8FF85D3}" destId="{BF0E8671-1471-4BE7-A707-10B3AFE0DF45}" srcOrd="0" destOrd="0" presId="urn:microsoft.com/office/officeart/2005/8/layout/vList2"/>
     <dgm:cxn modelId="{ACABFA85-5B0C-4826-AC15-9E90138A108E}" type="presOf" srcId="{58E18128-5BD7-4E8E-8B61-FD96FDFA360E}" destId="{C11D8A1E-0A47-4478-A083-44DB86201F42}" srcOrd="0" destOrd="0" presId="urn:microsoft.com/office/officeart/2005/8/layout/vList2"/>
+    <dgm:cxn modelId="{2DD244B9-754C-4630-BFED-53C70532FD59}" type="presOf" srcId="{3886654F-17EA-4A23-AC0E-0D9B8E51D461}" destId="{7729E7B6-C2AC-4AEA-AF4B-A64ABF1831B5}" srcOrd="0" destOrd="0" presId="urn:microsoft.com/office/officeart/2005/8/layout/vList2"/>
     <dgm:cxn modelId="{C772EB8D-0441-4078-B6D5-952178CF2917}" type="presOf" srcId="{7F8EEEB2-5B5A-41D0-A1E3-D54678AE6FF3}" destId="{79B08CB2-EEE4-471B-BEB9-12F8CDCA360F}" srcOrd="0" destOrd="0" presId="urn:microsoft.com/office/officeart/2005/8/layout/vList2"/>
     <dgm:cxn modelId="{0444DEA8-74C5-4EFA-AC13-0DD8477597F6}" srcId="{58E18128-5BD7-4E8E-8B61-FD96FDFA360E}" destId="{4C6C6677-612A-42D4-9225-D633F8FF85D3}" srcOrd="2" destOrd="0" parTransId="{385203BF-D0ED-49AA-91BE-5CEA819CC1FE}" sibTransId="{A216732D-3298-4225-9D82-2B0631A8EB67}"/>
-    <dgm:cxn modelId="{2DD244B9-754C-4630-BFED-53C70532FD59}" type="presOf" srcId="{3886654F-17EA-4A23-AC0E-0D9B8E51D461}" destId="{7729E7B6-C2AC-4AEA-AF4B-A64ABF1831B5}" srcOrd="0" destOrd="0" presId="urn:microsoft.com/office/officeart/2005/8/layout/vList2"/>
     <dgm:cxn modelId="{81D9C2F1-E692-4A59-9609-F69EF66B4B6D}" srcId="{58E18128-5BD7-4E8E-8B61-FD96FDFA360E}" destId="{7F8EEEB2-5B5A-41D0-A1E3-D54678AE6FF3}" srcOrd="0" destOrd="0" parTransId="{7CC4F227-8D98-48D0-8063-3EF96333C5B4}" sibTransId="{EBAF5206-BF71-42AD-8AE9-90046D379285}"/>
     <dgm:cxn modelId="{672AC6B4-E28E-4B92-9F82-B9EEF7C21A2D}" type="presParOf" srcId="{C11D8A1E-0A47-4478-A083-44DB86201F42}" destId="{79B08CB2-EEE4-471B-BEB9-12F8CDCA360F}" srcOrd="0" destOrd="0" presId="urn:microsoft.com/office/officeart/2005/8/layout/vList2"/>
     <dgm:cxn modelId="{F380ED6F-D0BE-4DC6-8B26-B881304322C9}" type="presParOf" srcId="{C11D8A1E-0A47-4478-A083-44DB86201F42}" destId="{EF0958F6-D0F2-4387-A3FF-05A531DBEB9D}" srcOrd="1" destOrd="0" presId="urn:microsoft.com/office/officeart/2005/8/layout/vList2"/>
@@ -8371,6 +8490,13 @@
         </dgm:presLayoutVars>
       </dgm:prSet>
       <dgm:spPr/>
+      <dgm:t>
+        <a:bodyPr/>
+        <a:lstStyle/>
+        <a:p>
+          <a:endParaRPr lang="en-US"/>
+        </a:p>
+      </dgm:t>
     </dgm:pt>
     <dgm:pt modelId="{308E23A7-3CD0-4080-BE52-18139286F8E6}" type="pres">
       <dgm:prSet presAssocID="{74102E8A-AEFC-4E80-B080-A1A73F44AA8A}" presName="parentText" presStyleLbl="node1" presStyleIdx="0" presStyleCnt="4">
@@ -8380,6 +8506,13 @@
         </dgm:presLayoutVars>
       </dgm:prSet>
       <dgm:spPr/>
+      <dgm:t>
+        <a:bodyPr/>
+        <a:lstStyle/>
+        <a:p>
+          <a:endParaRPr lang="en-US"/>
+        </a:p>
+      </dgm:t>
     </dgm:pt>
     <dgm:pt modelId="{35DDB93C-9DD3-4E29-906F-B6DFC4EFE96D}" type="pres">
       <dgm:prSet presAssocID="{18BA9481-74AE-40C3-98EF-6A04DD5D1223}" presName="spacer" presStyleCnt="0"/>
@@ -8393,6 +8526,13 @@
         </dgm:presLayoutVars>
       </dgm:prSet>
       <dgm:spPr/>
+      <dgm:t>
+        <a:bodyPr/>
+        <a:lstStyle/>
+        <a:p>
+          <a:endParaRPr lang="en-US"/>
+        </a:p>
+      </dgm:t>
     </dgm:pt>
     <dgm:pt modelId="{30821485-728B-4BD5-9805-1008E4D95F81}" type="pres">
       <dgm:prSet presAssocID="{789B24EE-CCB6-426C-872B-3F84E3133C17}" presName="spacer" presStyleCnt="0"/>
@@ -8406,6 +8546,13 @@
         </dgm:presLayoutVars>
       </dgm:prSet>
       <dgm:spPr/>
+      <dgm:t>
+        <a:bodyPr/>
+        <a:lstStyle/>
+        <a:p>
+          <a:endParaRPr lang="en-US"/>
+        </a:p>
+      </dgm:t>
     </dgm:pt>
     <dgm:pt modelId="{E5FD2E23-E913-43F7-9683-F6172036C341}" type="pres">
       <dgm:prSet presAssocID="{132E273A-E2BC-4832-AC6E-41F379CB2161}" presName="spacer" presStyleCnt="0"/>
@@ -8419,18 +8566,25 @@
         </dgm:presLayoutVars>
       </dgm:prSet>
       <dgm:spPr/>
+      <dgm:t>
+        <a:bodyPr/>
+        <a:lstStyle/>
+        <a:p>
+          <a:endParaRPr lang="en-US"/>
+        </a:p>
+      </dgm:t>
     </dgm:pt>
   </dgm:ptLst>
   <dgm:cxnLst>
+    <dgm:cxn modelId="{043B7728-26C7-4250-85C7-1E5BF33AD754}" type="presOf" srcId="{7C861E56-2682-4AD7-AD3D-AE2B9DFFC5C6}" destId="{16106DC5-5891-4062-A976-AB95211526D0}" srcOrd="0" destOrd="0" presId="urn:microsoft.com/office/officeart/2005/8/layout/vList2"/>
+    <dgm:cxn modelId="{3A2979A9-0628-4AF2-9F4E-FD8D85F59F79}" type="presOf" srcId="{6710F22F-6ED8-46B4-AE32-528FCC1C1F8B}" destId="{B5A07579-8DA4-4BB2-8BC5-30D0C9642E48}" srcOrd="0" destOrd="0" presId="urn:microsoft.com/office/officeart/2005/8/layout/vList2"/>
     <dgm:cxn modelId="{A72B7C08-09D6-4EA2-808B-3C367ABB4DC3}" srcId="{09E8F5C5-F664-4D8E-A4B7-F1B65624571B}" destId="{7C861E56-2682-4AD7-AD3D-AE2B9DFFC5C6}" srcOrd="1" destOrd="0" parTransId="{CE1B1EE2-439E-4C0B-A951-42BFE341F4C2}" sibTransId="{789B24EE-CCB6-426C-872B-3F84E3133C17}"/>
-    <dgm:cxn modelId="{043B7728-26C7-4250-85C7-1E5BF33AD754}" type="presOf" srcId="{7C861E56-2682-4AD7-AD3D-AE2B9DFFC5C6}" destId="{16106DC5-5891-4062-A976-AB95211526D0}" srcOrd="0" destOrd="0" presId="urn:microsoft.com/office/officeart/2005/8/layout/vList2"/>
     <dgm:cxn modelId="{B865C849-7D1F-411A-905C-BD16B1E017D9}" srcId="{09E8F5C5-F664-4D8E-A4B7-F1B65624571B}" destId="{74102E8A-AEFC-4E80-B080-A1A73F44AA8A}" srcOrd="0" destOrd="0" parTransId="{FE2A0113-6A14-4587-878D-5F883CA3D900}" sibTransId="{18BA9481-74AE-40C3-98EF-6A04DD5D1223}"/>
+    <dgm:cxn modelId="{0A7DB8E6-1400-4EF5-889D-5627C880E859}" srcId="{09E8F5C5-F664-4D8E-A4B7-F1B65624571B}" destId="{6710F22F-6ED8-46B4-AE32-528FCC1C1F8B}" srcOrd="2" destOrd="0" parTransId="{A6F46EB8-51B8-414F-8C28-534BC21E93B7}" sibTransId="{132E273A-E2BC-4832-AC6E-41F379CB2161}"/>
+    <dgm:cxn modelId="{C801E2E0-F241-4969-90D6-CA9F2D65C5AF}" type="presOf" srcId="{09E8F5C5-F664-4D8E-A4B7-F1B65624571B}" destId="{E09CE831-8C79-4733-BF5B-3149B75326E8}" srcOrd="0" destOrd="0" presId="urn:microsoft.com/office/officeart/2005/8/layout/vList2"/>
     <dgm:cxn modelId="{17779684-8869-49FC-95F7-0C9B29F18A6D}" srcId="{09E8F5C5-F664-4D8E-A4B7-F1B65624571B}" destId="{5E237A96-A1D3-43CD-82DE-8BB8BDC77278}" srcOrd="3" destOrd="0" parTransId="{36B6F61C-B897-4AB5-9738-725402302F05}" sibTransId="{35DEF6F8-1E07-4183-BC84-BA474D67F6AD}"/>
     <dgm:cxn modelId="{7328A68F-921D-44C3-A0D5-534C93302FC8}" type="presOf" srcId="{74102E8A-AEFC-4E80-B080-A1A73F44AA8A}" destId="{308E23A7-3CD0-4080-BE52-18139286F8E6}" srcOrd="0" destOrd="0" presId="urn:microsoft.com/office/officeart/2005/8/layout/vList2"/>
-    <dgm:cxn modelId="{3A2979A9-0628-4AF2-9F4E-FD8D85F59F79}" type="presOf" srcId="{6710F22F-6ED8-46B4-AE32-528FCC1C1F8B}" destId="{B5A07579-8DA4-4BB2-8BC5-30D0C9642E48}" srcOrd="0" destOrd="0" presId="urn:microsoft.com/office/officeart/2005/8/layout/vList2"/>
     <dgm:cxn modelId="{FD39B7B5-3F0E-4819-837B-9F42FD879927}" type="presOf" srcId="{5E237A96-A1D3-43CD-82DE-8BB8BDC77278}" destId="{9939510C-B4E4-44C3-8190-3F5E10565C9D}" srcOrd="0" destOrd="0" presId="urn:microsoft.com/office/officeart/2005/8/layout/vList2"/>
-    <dgm:cxn modelId="{C801E2E0-F241-4969-90D6-CA9F2D65C5AF}" type="presOf" srcId="{09E8F5C5-F664-4D8E-A4B7-F1B65624571B}" destId="{E09CE831-8C79-4733-BF5B-3149B75326E8}" srcOrd="0" destOrd="0" presId="urn:microsoft.com/office/officeart/2005/8/layout/vList2"/>
-    <dgm:cxn modelId="{0A7DB8E6-1400-4EF5-889D-5627C880E859}" srcId="{09E8F5C5-F664-4D8E-A4B7-F1B65624571B}" destId="{6710F22F-6ED8-46B4-AE32-528FCC1C1F8B}" srcOrd="2" destOrd="0" parTransId="{A6F46EB8-51B8-414F-8C28-534BC21E93B7}" sibTransId="{132E273A-E2BC-4832-AC6E-41F379CB2161}"/>
     <dgm:cxn modelId="{EF77B003-C2B6-4ECC-BC52-370B5C44B3AD}" type="presParOf" srcId="{E09CE831-8C79-4733-BF5B-3149B75326E8}" destId="{308E23A7-3CD0-4080-BE52-18139286F8E6}" srcOrd="0" destOrd="0" presId="urn:microsoft.com/office/officeart/2005/8/layout/vList2"/>
     <dgm:cxn modelId="{50F93E02-1EE3-437F-87EC-0DD75431C274}" type="presParOf" srcId="{E09CE831-8C79-4733-BF5B-3149B75326E8}" destId="{35DDB93C-9DD3-4E29-906F-B6DFC4EFE96D}" srcOrd="1" destOrd="0" presId="urn:microsoft.com/office/officeart/2005/8/layout/vList2"/>
     <dgm:cxn modelId="{647CD6F3-606E-42D6-8CF8-9145B0559F13}" type="presParOf" srcId="{E09CE831-8C79-4733-BF5B-3149B75326E8}" destId="{16106DC5-5891-4062-A976-AB95211526D0}" srcOrd="2" destOrd="0" presId="urn:microsoft.com/office/officeart/2005/8/layout/vList2"/>
@@ -8644,6 +8798,13 @@
         </dgm:presLayoutVars>
       </dgm:prSet>
       <dgm:spPr/>
+      <dgm:t>
+        <a:bodyPr/>
+        <a:lstStyle/>
+        <a:p>
+          <a:endParaRPr lang="en-US"/>
+        </a:p>
+      </dgm:t>
     </dgm:pt>
     <dgm:pt modelId="{108A7250-4707-4433-BCC9-90514BB151B6}" type="pres">
       <dgm:prSet presAssocID="{FD9059CB-7127-400C-B417-4CDF18013AEF}" presName="parentText" presStyleLbl="node1" presStyleIdx="0" presStyleCnt="2">
@@ -8653,6 +8814,13 @@
         </dgm:presLayoutVars>
       </dgm:prSet>
       <dgm:spPr/>
+      <dgm:t>
+        <a:bodyPr/>
+        <a:lstStyle/>
+        <a:p>
+          <a:endParaRPr lang="en-US"/>
+        </a:p>
+      </dgm:t>
     </dgm:pt>
     <dgm:pt modelId="{DA8EE2E4-BA55-42D8-B46F-696209B3BF32}" type="pres">
       <dgm:prSet presAssocID="{FD9059CB-7127-400C-B417-4CDF18013AEF}" presName="childText" presStyleLbl="revTx" presStyleIdx="0" presStyleCnt="1">
@@ -8661,6 +8829,13 @@
         </dgm:presLayoutVars>
       </dgm:prSet>
       <dgm:spPr/>
+      <dgm:t>
+        <a:bodyPr/>
+        <a:lstStyle/>
+        <a:p>
+          <a:endParaRPr lang="en-US"/>
+        </a:p>
+      </dgm:t>
     </dgm:pt>
     <dgm:pt modelId="{3987B0D8-2F11-491F-8F39-750F62606B27}" type="pres">
       <dgm:prSet presAssocID="{079FBC6E-EDF4-4FBC-B959-364CED75F73E}" presName="parentText" presStyleLbl="node1" presStyleIdx="1" presStyleCnt="2">
@@ -8670,18 +8845,25 @@
         </dgm:presLayoutVars>
       </dgm:prSet>
       <dgm:spPr/>
+      <dgm:t>
+        <a:bodyPr/>
+        <a:lstStyle/>
+        <a:p>
+          <a:endParaRPr lang="en-US"/>
+        </a:p>
+      </dgm:t>
     </dgm:pt>
   </dgm:ptLst>
   <dgm:cxnLst>
-    <dgm:cxn modelId="{156DC404-20F5-4983-947F-BF616AB1D168}" srcId="{59441916-6689-4010-9EB4-493E52189782}" destId="{079FBC6E-EDF4-4FBC-B959-364CED75F73E}" srcOrd="1" destOrd="0" parTransId="{37061EF4-5B3E-4982-B236-675BA3A6653A}" sibTransId="{2D41C124-B5A5-47BF-83C3-5175BE45446F}"/>
-    <dgm:cxn modelId="{3A9F6B1A-C962-4C16-BA60-D3751E424052}" srcId="{FD9059CB-7127-400C-B417-4CDF18013AEF}" destId="{44F7F31D-388B-4B4F-86F2-D3A5663432FD}" srcOrd="1" destOrd="0" parTransId="{39CA606D-01EE-46FD-8068-2E34DFFD98D2}" sibTransId="{3130AEFA-C955-4F64-B5C2-670DA7CB7DBC}"/>
+    <dgm:cxn modelId="{FC0F92BF-26B5-4640-BC33-F9C14AAB55FF}" type="presOf" srcId="{079FBC6E-EDF4-4FBC-B959-364CED75F73E}" destId="{3987B0D8-2F11-491F-8F39-750F62606B27}" srcOrd="0" destOrd="0" presId="urn:microsoft.com/office/officeart/2005/8/layout/vList2"/>
     <dgm:cxn modelId="{00FBBE30-1C44-493B-A362-14AEA466334D}" srcId="{FD9059CB-7127-400C-B417-4CDF18013AEF}" destId="{F38B84B0-2108-4FDC-BE0C-C41DBF51DF58}" srcOrd="0" destOrd="0" parTransId="{A0C16DC9-1104-4B89-B152-43E5D0B596DE}" sibTransId="{CB8F555F-E9C1-4332-9291-6EC4CAD83469}"/>
     <dgm:cxn modelId="{862EBD92-B7FC-4C91-BE21-34C37F294B05}" type="presOf" srcId="{F38B84B0-2108-4FDC-BE0C-C41DBF51DF58}" destId="{DA8EE2E4-BA55-42D8-B46F-696209B3BF32}" srcOrd="0" destOrd="0" presId="urn:microsoft.com/office/officeart/2005/8/layout/vList2"/>
+    <dgm:cxn modelId="{28733CEB-D19B-4AE5-9EC8-F903651AE41D}" type="presOf" srcId="{59441916-6689-4010-9EB4-493E52189782}" destId="{4B94FC1F-CA87-4737-AF8A-B66E59196FD7}" srcOrd="0" destOrd="0" presId="urn:microsoft.com/office/officeart/2005/8/layout/vList2"/>
+    <dgm:cxn modelId="{3A9F6B1A-C962-4C16-BA60-D3751E424052}" srcId="{FD9059CB-7127-400C-B417-4CDF18013AEF}" destId="{44F7F31D-388B-4B4F-86F2-D3A5663432FD}" srcOrd="1" destOrd="0" parTransId="{39CA606D-01EE-46FD-8068-2E34DFFD98D2}" sibTransId="{3130AEFA-C955-4F64-B5C2-670DA7CB7DBC}"/>
+    <dgm:cxn modelId="{156DC404-20F5-4983-947F-BF616AB1D168}" srcId="{59441916-6689-4010-9EB4-493E52189782}" destId="{079FBC6E-EDF4-4FBC-B959-364CED75F73E}" srcOrd="1" destOrd="0" parTransId="{37061EF4-5B3E-4982-B236-675BA3A6653A}" sibTransId="{2D41C124-B5A5-47BF-83C3-5175BE45446F}"/>
+    <dgm:cxn modelId="{CBE3BBE7-2938-41C1-A44F-F01B290B8DEB}" type="presOf" srcId="{FD9059CB-7127-400C-B417-4CDF18013AEF}" destId="{108A7250-4707-4433-BCC9-90514BB151B6}" srcOrd="0" destOrd="0" presId="urn:microsoft.com/office/officeart/2005/8/layout/vList2"/>
     <dgm:cxn modelId="{18A7C0AF-2F7F-47A8-A0A3-5701DFB946AD}" srcId="{59441916-6689-4010-9EB4-493E52189782}" destId="{FD9059CB-7127-400C-B417-4CDF18013AEF}" srcOrd="0" destOrd="0" parTransId="{649ABCAF-07F8-4990-B095-BBB01FDFE74B}" sibTransId="{F1D8CCC4-9E9D-431B-BFE1-601BF518D52E}"/>
     <dgm:cxn modelId="{9C5B51BF-46FA-472A-91B3-4CB830CF5F0D}" type="presOf" srcId="{44F7F31D-388B-4B4F-86F2-D3A5663432FD}" destId="{DA8EE2E4-BA55-42D8-B46F-696209B3BF32}" srcOrd="0" destOrd="1" presId="urn:microsoft.com/office/officeart/2005/8/layout/vList2"/>
-    <dgm:cxn modelId="{FC0F92BF-26B5-4640-BC33-F9C14AAB55FF}" type="presOf" srcId="{079FBC6E-EDF4-4FBC-B959-364CED75F73E}" destId="{3987B0D8-2F11-491F-8F39-750F62606B27}" srcOrd="0" destOrd="0" presId="urn:microsoft.com/office/officeart/2005/8/layout/vList2"/>
-    <dgm:cxn modelId="{CBE3BBE7-2938-41C1-A44F-F01B290B8DEB}" type="presOf" srcId="{FD9059CB-7127-400C-B417-4CDF18013AEF}" destId="{108A7250-4707-4433-BCC9-90514BB151B6}" srcOrd="0" destOrd="0" presId="urn:microsoft.com/office/officeart/2005/8/layout/vList2"/>
-    <dgm:cxn modelId="{28733CEB-D19B-4AE5-9EC8-F903651AE41D}" type="presOf" srcId="{59441916-6689-4010-9EB4-493E52189782}" destId="{4B94FC1F-CA87-4737-AF8A-B66E59196FD7}" srcOrd="0" destOrd="0" presId="urn:microsoft.com/office/officeart/2005/8/layout/vList2"/>
     <dgm:cxn modelId="{9C32B8C7-1463-46D2-B02D-0EFD5BEA20A8}" type="presParOf" srcId="{4B94FC1F-CA87-4737-AF8A-B66E59196FD7}" destId="{108A7250-4707-4433-BCC9-90514BB151B6}" srcOrd="0" destOrd="0" presId="urn:microsoft.com/office/officeart/2005/8/layout/vList2"/>
     <dgm:cxn modelId="{A98D439E-843E-4B8D-8638-4E9E2A6EB32E}" type="presParOf" srcId="{4B94FC1F-CA87-4737-AF8A-B66E59196FD7}" destId="{DA8EE2E4-BA55-42D8-B46F-696209B3BF32}" srcOrd="1" destOrd="0" presId="urn:microsoft.com/office/officeart/2005/8/layout/vList2"/>
     <dgm:cxn modelId="{6BE2E8E5-D821-4665-B6B0-3A7C75CE9711}" type="presParOf" srcId="{4B94FC1F-CA87-4737-AF8A-B66E59196FD7}" destId="{3987B0D8-2F11-491F-8F39-750F62606B27}" srcOrd="2" destOrd="0" presId="urn:microsoft.com/office/officeart/2005/8/layout/vList2"/>
@@ -8943,6 +9125,13 @@
         </dgm:presLayoutVars>
       </dgm:prSet>
       <dgm:spPr/>
+      <dgm:t>
+        <a:bodyPr/>
+        <a:lstStyle/>
+        <a:p>
+          <a:endParaRPr lang="en-US"/>
+        </a:p>
+      </dgm:t>
     </dgm:pt>
     <dgm:pt modelId="{6C767575-7322-48EA-BD7D-B4B09D6DAF78}" type="pres">
       <dgm:prSet presAssocID="{F951743D-EB26-4418-92BF-275381F2A202}" presName="parentText" presStyleLbl="node1" presStyleIdx="0" presStyleCnt="5">
@@ -8952,6 +9141,13 @@
         </dgm:presLayoutVars>
       </dgm:prSet>
       <dgm:spPr/>
+      <dgm:t>
+        <a:bodyPr/>
+        <a:lstStyle/>
+        <a:p>
+          <a:endParaRPr lang="en-US"/>
+        </a:p>
+      </dgm:t>
     </dgm:pt>
     <dgm:pt modelId="{160BBEE9-8E4C-4565-A3AF-13553ACC1E4B}" type="pres">
       <dgm:prSet presAssocID="{6920B871-7069-4050-8EF2-20097ECB6DA7}" presName="spacer" presStyleCnt="0"/>
@@ -8965,6 +9161,13 @@
         </dgm:presLayoutVars>
       </dgm:prSet>
       <dgm:spPr/>
+      <dgm:t>
+        <a:bodyPr/>
+        <a:lstStyle/>
+        <a:p>
+          <a:endParaRPr lang="en-US"/>
+        </a:p>
+      </dgm:t>
     </dgm:pt>
     <dgm:pt modelId="{B290BA99-9207-4473-8697-0D13E041AA8F}" type="pres">
       <dgm:prSet presAssocID="{C6D7B2AE-73C5-460E-A30C-CBD10C62737E}" presName="spacer" presStyleCnt="0"/>
@@ -8978,6 +9181,13 @@
         </dgm:presLayoutVars>
       </dgm:prSet>
       <dgm:spPr/>
+      <dgm:t>
+        <a:bodyPr/>
+        <a:lstStyle/>
+        <a:p>
+          <a:endParaRPr lang="en-US"/>
+        </a:p>
+      </dgm:t>
     </dgm:pt>
     <dgm:pt modelId="{8AB83C6E-16C8-47E7-9DE3-D795DA54B5AE}" type="pres">
       <dgm:prSet presAssocID="{0E456035-61D5-42CD-BE41-ACCFA6804CA4}" presName="spacer" presStyleCnt="0"/>
@@ -8991,6 +9201,13 @@
         </dgm:presLayoutVars>
       </dgm:prSet>
       <dgm:spPr/>
+      <dgm:t>
+        <a:bodyPr/>
+        <a:lstStyle/>
+        <a:p>
+          <a:endParaRPr lang="en-US"/>
+        </a:p>
+      </dgm:t>
     </dgm:pt>
     <dgm:pt modelId="{27A866AB-2200-4FF7-94BE-8E2A3D07633F}" type="pres">
       <dgm:prSet presAssocID="{637AAE48-F819-4C53-AAD5-70291C8DDED8}" presName="spacer" presStyleCnt="0"/>
@@ -9004,20 +9221,27 @@
         </dgm:presLayoutVars>
       </dgm:prSet>
       <dgm:spPr/>
+      <dgm:t>
+        <a:bodyPr/>
+        <a:lstStyle/>
+        <a:p>
+          <a:endParaRPr lang="en-US"/>
+        </a:p>
+      </dgm:t>
     </dgm:pt>
   </dgm:ptLst>
   <dgm:cxnLst>
+    <dgm:cxn modelId="{39F926C0-B4E1-4773-B7E9-AA106898FE49}" type="presOf" srcId="{A720F9E3-546D-49BC-9EC2-688391C2BDC0}" destId="{A29748BA-1D8F-4E2E-842D-2BB25559DE80}" srcOrd="0" destOrd="0" presId="urn:microsoft.com/office/officeart/2005/8/layout/vList2"/>
+    <dgm:cxn modelId="{766A4645-9C67-4222-BEF8-A975D8C56D43}" srcId="{7855EEA3-AC81-46D6-9C9C-AF59444F94D6}" destId="{C7A6AA4F-3126-4299-BEDB-202EBAAE2321}" srcOrd="1" destOrd="0" parTransId="{31798406-C66C-46FB-BE94-6C5943F78468}" sibTransId="{C6D7B2AE-73C5-460E-A30C-CBD10C62737E}"/>
+    <dgm:cxn modelId="{335A9E30-F65E-4FA1-922A-87F84070C7BE}" type="presOf" srcId="{C7A6AA4F-3126-4299-BEDB-202EBAAE2321}" destId="{936C126B-C252-4134-91C7-9D0EC8F2F73C}" srcOrd="0" destOrd="0" presId="urn:microsoft.com/office/officeart/2005/8/layout/vList2"/>
+    <dgm:cxn modelId="{58554DD9-C88A-4053-993E-226A8528B2B0}" srcId="{7855EEA3-AC81-46D6-9C9C-AF59444F94D6}" destId="{7B152193-4EB8-40A9-B180-C8DEABD1109A}" srcOrd="3" destOrd="0" parTransId="{85C8A3B9-E6EA-4778-9B5D-8A98EE933043}" sibTransId="{637AAE48-F819-4C53-AAD5-70291C8DDED8}"/>
+    <dgm:cxn modelId="{D71F0CB5-6AFC-4B5C-9C32-266418EF2F66}" type="presOf" srcId="{B84448D5-FF68-44A9-8F78-EB266F79A8A8}" destId="{88AD2171-A5D5-4C09-BEBA-6940C7FFF3AC}" srcOrd="0" destOrd="0" presId="urn:microsoft.com/office/officeart/2005/8/layout/vList2"/>
+    <dgm:cxn modelId="{F00F8365-1CFD-47BD-976F-5ECAE2F170B7}" type="presOf" srcId="{7855EEA3-AC81-46D6-9C9C-AF59444F94D6}" destId="{6DC0B733-6F89-42E6-A0CF-5644A7D95C80}" srcOrd="0" destOrd="0" presId="urn:microsoft.com/office/officeart/2005/8/layout/vList2"/>
     <dgm:cxn modelId="{3E328802-8060-4BC6-9F44-F073FA170277}" srcId="{7855EEA3-AC81-46D6-9C9C-AF59444F94D6}" destId="{A720F9E3-546D-49BC-9EC2-688391C2BDC0}" srcOrd="4" destOrd="0" parTransId="{4F7F654E-D325-44CC-8013-BC148363DF01}" sibTransId="{8A7EFD97-D7DF-4669-BB23-5368833D3846}"/>
-    <dgm:cxn modelId="{335A9E30-F65E-4FA1-922A-87F84070C7BE}" type="presOf" srcId="{C7A6AA4F-3126-4299-BEDB-202EBAAE2321}" destId="{936C126B-C252-4134-91C7-9D0EC8F2F73C}" srcOrd="0" destOrd="0" presId="urn:microsoft.com/office/officeart/2005/8/layout/vList2"/>
-    <dgm:cxn modelId="{766A4645-9C67-4222-BEF8-A975D8C56D43}" srcId="{7855EEA3-AC81-46D6-9C9C-AF59444F94D6}" destId="{C7A6AA4F-3126-4299-BEDB-202EBAAE2321}" srcOrd="1" destOrd="0" parTransId="{31798406-C66C-46FB-BE94-6C5943F78468}" sibTransId="{C6D7B2AE-73C5-460E-A30C-CBD10C62737E}"/>
-    <dgm:cxn modelId="{F00F8365-1CFD-47BD-976F-5ECAE2F170B7}" type="presOf" srcId="{7855EEA3-AC81-46D6-9C9C-AF59444F94D6}" destId="{6DC0B733-6F89-42E6-A0CF-5644A7D95C80}" srcOrd="0" destOrd="0" presId="urn:microsoft.com/office/officeart/2005/8/layout/vList2"/>
     <dgm:cxn modelId="{F130F748-6514-4BD6-8C6F-B0467D69F973}" type="presOf" srcId="{F951743D-EB26-4418-92BF-275381F2A202}" destId="{6C767575-7322-48EA-BD7D-B4B09D6DAF78}" srcOrd="0" destOrd="0" presId="urn:microsoft.com/office/officeart/2005/8/layout/vList2"/>
+    <dgm:cxn modelId="{EDEE82B7-27E6-4263-8DB8-50706BCFD87A}" srcId="{7855EEA3-AC81-46D6-9C9C-AF59444F94D6}" destId="{B84448D5-FF68-44A9-8F78-EB266F79A8A8}" srcOrd="2" destOrd="0" parTransId="{AD2366EC-7203-4FAC-ABA7-A7E8F51F76D3}" sibTransId="{0E456035-61D5-42CD-BE41-ACCFA6804CA4}"/>
+    <dgm:cxn modelId="{08749A8E-606D-4531-83E2-ABDFBF91792F}" type="presOf" srcId="{7B152193-4EB8-40A9-B180-C8DEABD1109A}" destId="{21EDF1E5-0193-4D20-8771-CDB9280AD48D}" srcOrd="0" destOrd="0" presId="urn:microsoft.com/office/officeart/2005/8/layout/vList2"/>
     <dgm:cxn modelId="{E91E4C49-6D30-47EF-841A-2AC78722AE53}" srcId="{7855EEA3-AC81-46D6-9C9C-AF59444F94D6}" destId="{F951743D-EB26-4418-92BF-275381F2A202}" srcOrd="0" destOrd="0" parTransId="{5834F7CA-B872-4E37-BCE8-EF2E6505C577}" sibTransId="{6920B871-7069-4050-8EF2-20097ECB6DA7}"/>
-    <dgm:cxn modelId="{08749A8E-606D-4531-83E2-ABDFBF91792F}" type="presOf" srcId="{7B152193-4EB8-40A9-B180-C8DEABD1109A}" destId="{21EDF1E5-0193-4D20-8771-CDB9280AD48D}" srcOrd="0" destOrd="0" presId="urn:microsoft.com/office/officeart/2005/8/layout/vList2"/>
-    <dgm:cxn modelId="{D71F0CB5-6AFC-4B5C-9C32-266418EF2F66}" type="presOf" srcId="{B84448D5-FF68-44A9-8F78-EB266F79A8A8}" destId="{88AD2171-A5D5-4C09-BEBA-6940C7FFF3AC}" srcOrd="0" destOrd="0" presId="urn:microsoft.com/office/officeart/2005/8/layout/vList2"/>
-    <dgm:cxn modelId="{EDEE82B7-27E6-4263-8DB8-50706BCFD87A}" srcId="{7855EEA3-AC81-46D6-9C9C-AF59444F94D6}" destId="{B84448D5-FF68-44A9-8F78-EB266F79A8A8}" srcOrd="2" destOrd="0" parTransId="{AD2366EC-7203-4FAC-ABA7-A7E8F51F76D3}" sibTransId="{0E456035-61D5-42CD-BE41-ACCFA6804CA4}"/>
-    <dgm:cxn modelId="{39F926C0-B4E1-4773-B7E9-AA106898FE49}" type="presOf" srcId="{A720F9E3-546D-49BC-9EC2-688391C2BDC0}" destId="{A29748BA-1D8F-4E2E-842D-2BB25559DE80}" srcOrd="0" destOrd="0" presId="urn:microsoft.com/office/officeart/2005/8/layout/vList2"/>
-    <dgm:cxn modelId="{58554DD9-C88A-4053-993E-226A8528B2B0}" srcId="{7855EEA3-AC81-46D6-9C9C-AF59444F94D6}" destId="{7B152193-4EB8-40A9-B180-C8DEABD1109A}" srcOrd="3" destOrd="0" parTransId="{85C8A3B9-E6EA-4778-9B5D-8A98EE933043}" sibTransId="{637AAE48-F819-4C53-AAD5-70291C8DDED8}"/>
     <dgm:cxn modelId="{5562FF48-AEDD-4A45-8241-C6B0D38E6F85}" type="presParOf" srcId="{6DC0B733-6F89-42E6-A0CF-5644A7D95C80}" destId="{6C767575-7322-48EA-BD7D-B4B09D6DAF78}" srcOrd="0" destOrd="0" presId="urn:microsoft.com/office/officeart/2005/8/layout/vList2"/>
     <dgm:cxn modelId="{5C998751-5CC4-4887-BB79-222531B930C4}" type="presParOf" srcId="{6DC0B733-6F89-42E6-A0CF-5644A7D95C80}" destId="{160BBEE9-8E4C-4565-A3AF-13553ACC1E4B}" srcOrd="1" destOrd="0" presId="urn:microsoft.com/office/officeart/2005/8/layout/vList2"/>
     <dgm:cxn modelId="{8E04B272-5EE3-41AB-B307-C9C7BE972D52}" type="presParOf" srcId="{6DC0B733-6F89-42E6-A0CF-5644A7D95C80}" destId="{936C126B-C252-4134-91C7-9D0EC8F2F73C}" srcOrd="2" destOrd="0" presId="urn:microsoft.com/office/officeart/2005/8/layout/vList2"/>
@@ -9265,6 +9489,13 @@
         </dgm:presLayoutVars>
       </dgm:prSet>
       <dgm:spPr/>
+      <dgm:t>
+        <a:bodyPr/>
+        <a:lstStyle/>
+        <a:p>
+          <a:endParaRPr lang="en-US"/>
+        </a:p>
+      </dgm:t>
     </dgm:pt>
     <dgm:pt modelId="{1D1553D2-5C97-4FE8-8A7A-96C06D72ACB8}" type="pres">
       <dgm:prSet presAssocID="{4E56FB32-0340-4318-B42F-5BFCE2E0EA6D}" presName="parentText" presStyleLbl="node1" presStyleIdx="0" presStyleCnt="3">
@@ -9274,6 +9505,13 @@
         </dgm:presLayoutVars>
       </dgm:prSet>
       <dgm:spPr/>
+      <dgm:t>
+        <a:bodyPr/>
+        <a:lstStyle/>
+        <a:p>
+          <a:endParaRPr lang="en-US"/>
+        </a:p>
+      </dgm:t>
     </dgm:pt>
     <dgm:pt modelId="{31FA9E4A-E3CE-4E31-97BD-7C9E028B7A6F}" type="pres">
       <dgm:prSet presAssocID="{76335933-4372-402A-9527-97822F7C9517}" presName="spacer" presStyleCnt="0"/>
@@ -9287,6 +9525,13 @@
         </dgm:presLayoutVars>
       </dgm:prSet>
       <dgm:spPr/>
+      <dgm:t>
+        <a:bodyPr/>
+        <a:lstStyle/>
+        <a:p>
+          <a:endParaRPr lang="en-US"/>
+        </a:p>
+      </dgm:t>
     </dgm:pt>
     <dgm:pt modelId="{AB1406CC-5633-4172-839C-C5622D9C9DC8}" type="pres">
       <dgm:prSet presAssocID="{CE31D95A-944F-4F37-B824-9549AADB2612}" presName="childText" presStyleLbl="revTx" presStyleIdx="0" presStyleCnt="1">
@@ -9295,6 +9540,13 @@
         </dgm:presLayoutVars>
       </dgm:prSet>
       <dgm:spPr/>
+      <dgm:t>
+        <a:bodyPr/>
+        <a:lstStyle/>
+        <a:p>
+          <a:endParaRPr lang="en-US"/>
+        </a:p>
+      </dgm:t>
     </dgm:pt>
     <dgm:pt modelId="{82D23CF7-896C-48BE-9C4C-950AFEAC9C55}" type="pres">
       <dgm:prSet presAssocID="{3620740A-17BF-4813-8A55-BAFFDA56A569}" presName="parentText" presStyleLbl="node1" presStyleIdx="2" presStyleCnt="3">
@@ -9304,20 +9556,27 @@
         </dgm:presLayoutVars>
       </dgm:prSet>
       <dgm:spPr/>
+      <dgm:t>
+        <a:bodyPr/>
+        <a:lstStyle/>
+        <a:p>
+          <a:endParaRPr lang="en-US"/>
+        </a:p>
+      </dgm:t>
     </dgm:pt>
   </dgm:ptLst>
   <dgm:cxnLst>
     <dgm:cxn modelId="{26FFA022-045A-4897-A67D-02A7A53C6812}" srcId="{CE31D95A-944F-4F37-B824-9549AADB2612}" destId="{BF57B57B-DE73-4072-92D9-6153430EB547}" srcOrd="0" destOrd="0" parTransId="{463DC838-7215-4838-B137-85065A2D8F7F}" sibTransId="{1B5157A1-FE6C-4DA4-86A0-E9B09E9E52B9}"/>
+    <dgm:cxn modelId="{6CE21889-7ADC-454A-898C-F793EEDC8E4F}" type="presOf" srcId="{3620740A-17BF-4813-8A55-BAFFDA56A569}" destId="{82D23CF7-896C-48BE-9C4C-950AFEAC9C55}" srcOrd="0" destOrd="0" presId="urn:microsoft.com/office/officeart/2005/8/layout/vList2"/>
+    <dgm:cxn modelId="{45438F69-6C03-42FB-B141-865D911130F0}" type="presOf" srcId="{CE31D95A-944F-4F37-B824-9549AADB2612}" destId="{2F4D5BAA-DB56-4FC1-814C-014C16AFE090}" srcOrd="0" destOrd="0" presId="urn:microsoft.com/office/officeart/2005/8/layout/vList2"/>
+    <dgm:cxn modelId="{C0FA55F2-A807-4EA3-BC28-D2007838AFB0}" srcId="{41F34C01-CD2A-44CC-8987-34B1BB9D47CD}" destId="{4E56FB32-0340-4318-B42F-5BFCE2E0EA6D}" srcOrd="0" destOrd="0" parTransId="{7425AD79-BBCB-49BD-99F5-BA50316AB1A4}" sibTransId="{76335933-4372-402A-9527-97822F7C9517}"/>
+    <dgm:cxn modelId="{F8F117B2-AB24-4EC7-90AB-745B2B157382}" srcId="{41F34C01-CD2A-44CC-8987-34B1BB9D47CD}" destId="{CE31D95A-944F-4F37-B824-9549AADB2612}" srcOrd="1" destOrd="0" parTransId="{859FEE3C-503B-4FB2-840D-3953BB1D5816}" sibTransId="{C16BAA6E-71FD-48F4-A145-ECC36350ABC8}"/>
+    <dgm:cxn modelId="{E36648C4-AC9B-4802-A007-267EA21A484E}" type="presOf" srcId="{BF57B57B-DE73-4072-92D9-6153430EB547}" destId="{AB1406CC-5633-4172-839C-C5622D9C9DC8}" srcOrd="0" destOrd="0" presId="urn:microsoft.com/office/officeart/2005/8/layout/vList2"/>
+    <dgm:cxn modelId="{7053B45A-ADFD-41E3-AF55-AFCD209E66AD}" type="presOf" srcId="{4E56FB32-0340-4318-B42F-5BFCE2E0EA6D}" destId="{1D1553D2-5C97-4FE8-8A7A-96C06D72ACB8}" srcOrd="0" destOrd="0" presId="urn:microsoft.com/office/officeart/2005/8/layout/vList2"/>
+    <dgm:cxn modelId="{582103DA-E2D5-4F5A-A06C-74E08F3BED4F}" type="presOf" srcId="{41F34C01-CD2A-44CC-8987-34B1BB9D47CD}" destId="{FB5AEA8A-28F5-4F94-B0AC-F869364DBC0A}" srcOrd="0" destOrd="0" presId="urn:microsoft.com/office/officeart/2005/8/layout/vList2"/>
+    <dgm:cxn modelId="{A796BD43-C885-4342-95D4-E805A6486554}" type="presOf" srcId="{22636358-592C-4D5B-B185-2A3A4FB98654}" destId="{AB1406CC-5633-4172-839C-C5622D9C9DC8}" srcOrd="0" destOrd="1" presId="urn:microsoft.com/office/officeart/2005/8/layout/vList2"/>
     <dgm:cxn modelId="{DBA7FE23-5856-459B-BEDB-4D8B6B2BBBA1}" srcId="{CE31D95A-944F-4F37-B824-9549AADB2612}" destId="{22636358-592C-4D5B-B185-2A3A4FB98654}" srcOrd="1" destOrd="0" parTransId="{EAE06D7B-3BB0-494B-990E-8245BAA27707}" sibTransId="{F7BDE549-8FD2-49F5-98C5-39FEBC04D7CE}"/>
-    <dgm:cxn modelId="{A796BD43-C885-4342-95D4-E805A6486554}" type="presOf" srcId="{22636358-592C-4D5B-B185-2A3A4FB98654}" destId="{AB1406CC-5633-4172-839C-C5622D9C9DC8}" srcOrd="0" destOrd="1" presId="urn:microsoft.com/office/officeart/2005/8/layout/vList2"/>
-    <dgm:cxn modelId="{45438F69-6C03-42FB-B141-865D911130F0}" type="presOf" srcId="{CE31D95A-944F-4F37-B824-9549AADB2612}" destId="{2F4D5BAA-DB56-4FC1-814C-014C16AFE090}" srcOrd="0" destOrd="0" presId="urn:microsoft.com/office/officeart/2005/8/layout/vList2"/>
-    <dgm:cxn modelId="{7053B45A-ADFD-41E3-AF55-AFCD209E66AD}" type="presOf" srcId="{4E56FB32-0340-4318-B42F-5BFCE2E0EA6D}" destId="{1D1553D2-5C97-4FE8-8A7A-96C06D72ACB8}" srcOrd="0" destOrd="0" presId="urn:microsoft.com/office/officeart/2005/8/layout/vList2"/>
-    <dgm:cxn modelId="{6CE21889-7ADC-454A-898C-F793EEDC8E4F}" type="presOf" srcId="{3620740A-17BF-4813-8A55-BAFFDA56A569}" destId="{82D23CF7-896C-48BE-9C4C-950AFEAC9C55}" srcOrd="0" destOrd="0" presId="urn:microsoft.com/office/officeart/2005/8/layout/vList2"/>
-    <dgm:cxn modelId="{F8F117B2-AB24-4EC7-90AB-745B2B157382}" srcId="{41F34C01-CD2A-44CC-8987-34B1BB9D47CD}" destId="{CE31D95A-944F-4F37-B824-9549AADB2612}" srcOrd="1" destOrd="0" parTransId="{859FEE3C-503B-4FB2-840D-3953BB1D5816}" sibTransId="{C16BAA6E-71FD-48F4-A145-ECC36350ABC8}"/>
     <dgm:cxn modelId="{BC72ACB3-95B0-477D-BECC-B94B9D0038DE}" srcId="{41F34C01-CD2A-44CC-8987-34B1BB9D47CD}" destId="{3620740A-17BF-4813-8A55-BAFFDA56A569}" srcOrd="2" destOrd="0" parTransId="{50A910C9-F7D5-4EA9-BD98-ABB8D6B4F112}" sibTransId="{C57148D6-BB96-422C-905B-E4756F3B16B7}"/>
-    <dgm:cxn modelId="{E36648C4-AC9B-4802-A007-267EA21A484E}" type="presOf" srcId="{BF57B57B-DE73-4072-92D9-6153430EB547}" destId="{AB1406CC-5633-4172-839C-C5622D9C9DC8}" srcOrd="0" destOrd="0" presId="urn:microsoft.com/office/officeart/2005/8/layout/vList2"/>
-    <dgm:cxn modelId="{582103DA-E2D5-4F5A-A06C-74E08F3BED4F}" type="presOf" srcId="{41F34C01-CD2A-44CC-8987-34B1BB9D47CD}" destId="{FB5AEA8A-28F5-4F94-B0AC-F869364DBC0A}" srcOrd="0" destOrd="0" presId="urn:microsoft.com/office/officeart/2005/8/layout/vList2"/>
-    <dgm:cxn modelId="{C0FA55F2-A807-4EA3-BC28-D2007838AFB0}" srcId="{41F34C01-CD2A-44CC-8987-34B1BB9D47CD}" destId="{4E56FB32-0340-4318-B42F-5BFCE2E0EA6D}" srcOrd="0" destOrd="0" parTransId="{7425AD79-BBCB-49BD-99F5-BA50316AB1A4}" sibTransId="{76335933-4372-402A-9527-97822F7C9517}"/>
     <dgm:cxn modelId="{7A5F84A6-AD26-406A-8FB0-D32FB38AE3F8}" type="presParOf" srcId="{FB5AEA8A-28F5-4F94-B0AC-F869364DBC0A}" destId="{1D1553D2-5C97-4FE8-8A7A-96C06D72ACB8}" srcOrd="0" destOrd="0" presId="urn:microsoft.com/office/officeart/2005/8/layout/vList2"/>
     <dgm:cxn modelId="{66D981C6-DE4F-4FBB-8E5F-53DBC5CD1B66}" type="presParOf" srcId="{FB5AEA8A-28F5-4F94-B0AC-F869364DBC0A}" destId="{31FA9E4A-E3CE-4E31-97BD-7C9E028B7A6F}" srcOrd="1" destOrd="0" presId="urn:microsoft.com/office/officeart/2005/8/layout/vList2"/>
     <dgm:cxn modelId="{B36AB2FA-6B63-4A52-ADBC-70F8F26B625C}" type="presParOf" srcId="{FB5AEA8A-28F5-4F94-B0AC-F869364DBC0A}" destId="{2F4D5BAA-DB56-4FC1-814C-014C16AFE090}" srcOrd="2" destOrd="0" presId="urn:microsoft.com/office/officeart/2005/8/layout/vList2"/>
@@ -9348,7 +9607,7 @@
         </a:p>
       </dgm:t>
     </dgm:pt>
-    <dgm:pt modelId="{7ACC372D-45D5-4299-A54B-DC2D29350961}">
+    <dgm:pt modelId="{EB1CE847-F28D-4046-A97A-34B7A74731E0}">
       <dgm:prSet custT="1"/>
       <dgm:spPr/>
       <dgm:t>
@@ -9356,10 +9615,10 @@
         <a:lstStyle/>
         <a:p>
           <a:r>
-            <a:rPr lang="ro-RO" sz="3500" dirty="0">
+            <a:rPr lang="en-US" sz="3500" dirty="0" smtClean="0">
               <a:latin typeface="+mj-lt"/>
             </a:rPr>
-            <a:t>Proiect interesant și antrenant </a:t>
+            <a:t>Proiect interesant și antrenant</a:t>
           </a:r>
           <a:endParaRPr lang="en-US" sz="3500" dirty="0">
             <a:latin typeface="+mj-lt"/>
@@ -9367,7 +9626,7 @@
         </a:p>
       </dgm:t>
     </dgm:pt>
-    <dgm:pt modelId="{74B68EE9-B342-4AEB-BE0D-B78492B5A29A}" type="parTrans" cxnId="{B773FA9E-79F6-481B-82FF-1363389100D3}">
+    <dgm:pt modelId="{8DFA6108-96CA-4BD8-86E4-B21ED04F3A39}" type="parTrans" cxnId="{B5755510-7A17-492B-B1E4-654D491575AE}">
       <dgm:prSet/>
       <dgm:spPr/>
       <dgm:t>
@@ -9378,7 +9637,7 @@
         </a:p>
       </dgm:t>
     </dgm:pt>
-    <dgm:pt modelId="{D3ABCA82-965A-47EA-A0B5-59F41C1870E9}" type="sibTrans" cxnId="{B773FA9E-79F6-481B-82FF-1363389100D3}">
+    <dgm:pt modelId="{A4B0093F-97BF-4C95-A1DD-22213E179EF3}" type="sibTrans" cxnId="{B5755510-7A17-492B-B1E4-654D491575AE}">
       <dgm:prSet/>
       <dgm:spPr/>
       <dgm:t>
@@ -9389,7 +9648,42 @@
         </a:p>
       </dgm:t>
     </dgm:pt>
-    <dgm:pt modelId="{99D4F466-9F35-4353-A70C-2969F9EDF098}">
+    <dgm:pt modelId="{210C4D39-4BA3-4BA4-8683-09D192337706}">
+      <dgm:prSet/>
+      <dgm:spPr/>
+      <dgm:t>
+        <a:bodyPr/>
+        <a:lstStyle/>
+        <a:p>
+          <a:endParaRPr lang="en-US" dirty="0">
+            <a:latin typeface="+mj-lt"/>
+          </a:endParaRPr>
+        </a:p>
+      </dgm:t>
+    </dgm:pt>
+    <dgm:pt modelId="{7BF29E9D-89CF-44AD-B394-3DD81EE54983}" type="parTrans" cxnId="{7A2DB1A8-840A-4084-B8B2-E012F866AF07}">
+      <dgm:prSet/>
+      <dgm:spPr/>
+      <dgm:t>
+        <a:bodyPr/>
+        <a:lstStyle/>
+        <a:p>
+          <a:endParaRPr lang="en-US"/>
+        </a:p>
+      </dgm:t>
+    </dgm:pt>
+    <dgm:pt modelId="{3B373E76-BE10-4BA0-99FF-12BA431F0F19}" type="sibTrans" cxnId="{7A2DB1A8-840A-4084-B8B2-E012F866AF07}">
+      <dgm:prSet/>
+      <dgm:spPr/>
+      <dgm:t>
+        <a:bodyPr/>
+        <a:lstStyle/>
+        <a:p>
+          <a:endParaRPr lang="en-US"/>
+        </a:p>
+      </dgm:t>
+    </dgm:pt>
+    <dgm:pt modelId="{F4638310-7076-4B3F-B08F-89DC24AA7191}">
       <dgm:prSet custT="1"/>
       <dgm:spPr/>
       <dgm:t>
@@ -9397,7 +9691,7 @@
         <a:lstStyle/>
         <a:p>
           <a:r>
-            <a:rPr lang="ro-RO" sz="3500" dirty="0">
+            <a:rPr lang="vi-VN" sz="3500" dirty="0" smtClean="0">
               <a:latin typeface="+mj-lt"/>
             </a:rPr>
             <a:t>Dezvoltare profesională</a:t>
@@ -9408,7 +9702,7 @@
         </a:p>
       </dgm:t>
     </dgm:pt>
-    <dgm:pt modelId="{6C9163EB-906E-4852-A059-951709C5BDC0}" type="parTrans" cxnId="{A73652F6-E5F2-4F9E-874F-D0E506B07B38}">
+    <dgm:pt modelId="{FFEB185B-B97E-4A1A-AAFA-B274A6E05708}" type="parTrans" cxnId="{419B6E30-5317-4AFD-8426-941C28F895C3}">
       <dgm:prSet/>
       <dgm:spPr/>
       <dgm:t>
@@ -9419,7 +9713,7 @@
         </a:p>
       </dgm:t>
     </dgm:pt>
-    <dgm:pt modelId="{846BA127-E7EA-48AB-ACBB-6984FB73F51C}" type="sibTrans" cxnId="{A73652F6-E5F2-4F9E-874F-D0E506B07B38}">
+    <dgm:pt modelId="{0654DBD1-87BD-4B33-A192-DADECA307102}" type="sibTrans" cxnId="{419B6E30-5317-4AFD-8426-941C28F895C3}">
       <dgm:prSet/>
       <dgm:spPr/>
       <dgm:t>
@@ -9430,7 +9724,7 @@
         </a:p>
       </dgm:t>
     </dgm:pt>
-    <dgm:pt modelId="{A7775C9F-A1F6-4D5A-8AAC-A9AD781B6B3E}">
+    <dgm:pt modelId="{F71775CE-36F7-4A0B-B343-D83EB004DD47}">
       <dgm:prSet custT="1"/>
       <dgm:spPr/>
       <dgm:t>
@@ -9438,18 +9732,18 @@
         <a:lstStyle/>
         <a:p>
           <a:r>
-            <a:rPr lang="ro-RO" sz="3500" dirty="0">
+            <a:rPr lang="en-US" sz="2800" dirty="0" smtClean="0">
               <a:latin typeface="+mj-lt"/>
             </a:rPr>
             <a:t>Aplicarea cunoștințelor dobândite la facultate</a:t>
           </a:r>
-          <a:endParaRPr lang="en-US" sz="3500" dirty="0">
+          <a:endParaRPr lang="en-US" sz="2800" dirty="0">
             <a:latin typeface="+mj-lt"/>
           </a:endParaRPr>
         </a:p>
       </dgm:t>
     </dgm:pt>
-    <dgm:pt modelId="{EB1D2788-0B18-48F4-80B1-9F62EF35A1EA}" type="parTrans" cxnId="{A8B90243-255E-4A5D-8589-74C2831A9437}">
+    <dgm:pt modelId="{E36D82E8-C53B-48AA-BF6D-E4ABECD3DEE9}" type="parTrans" cxnId="{3EAABAA2-08A7-4CCF-8C8D-4E79203914A1}">
       <dgm:prSet/>
       <dgm:spPr/>
       <dgm:t>
@@ -9460,7 +9754,7 @@
         </a:p>
       </dgm:t>
     </dgm:pt>
-    <dgm:pt modelId="{A70B26A6-1E86-453D-A90E-2450091C21D9}" type="sibTrans" cxnId="{A8B90243-255E-4A5D-8589-74C2831A9437}">
+    <dgm:pt modelId="{45D309D3-E611-4B2B-8695-BE22572961AF}" type="sibTrans" cxnId="{3EAABAA2-08A7-4CCF-8C8D-4E79203914A1}">
       <dgm:prSet/>
       <dgm:spPr/>
       <dgm:t>
@@ -9479,56 +9773,97 @@
         </dgm:presLayoutVars>
       </dgm:prSet>
       <dgm:spPr/>
+      <dgm:t>
+        <a:bodyPr/>
+        <a:lstStyle/>
+        <a:p>
+          <a:endParaRPr lang="en-US"/>
+        </a:p>
+      </dgm:t>
     </dgm:pt>
-    <dgm:pt modelId="{30FC9707-CED0-4381-8A41-94AADA3386FF}" type="pres">
-      <dgm:prSet presAssocID="{7ACC372D-45D5-4299-A54B-DC2D29350961}" presName="parentText" presStyleLbl="node1" presStyleIdx="0" presStyleCnt="3" custScaleY="257671" custLinFactY="-120413" custLinFactNeighborX="-32" custLinFactNeighborY="-200000">
+    <dgm:pt modelId="{18D455C3-8D3C-4B5F-85CE-E1AAF3884F72}" type="pres">
+      <dgm:prSet presAssocID="{EB1CE847-F28D-4046-A97A-34B7A74731E0}" presName="parentText" presStyleLbl="node1" presStyleIdx="0" presStyleCnt="3" custScaleY="134983" custLinFactNeighborX="-32" custLinFactNeighborY="-2239">
         <dgm:presLayoutVars>
           <dgm:chMax val="0"/>
           <dgm:bulletEnabled val="1"/>
         </dgm:presLayoutVars>
       </dgm:prSet>
       <dgm:spPr/>
+      <dgm:t>
+        <a:bodyPr/>
+        <a:lstStyle/>
+        <a:p>
+          <a:endParaRPr lang="en-US"/>
+        </a:p>
+      </dgm:t>
     </dgm:pt>
-    <dgm:pt modelId="{BB580AB3-9683-4E0B-9879-B63773CDC830}" type="pres">
-      <dgm:prSet presAssocID="{D3ABCA82-965A-47EA-A0B5-59F41C1870E9}" presName="spacer" presStyleCnt="0"/>
+    <dgm:pt modelId="{55578A16-BB02-45ED-8B19-B7AC78A15617}" type="pres">
+      <dgm:prSet presAssocID="{EB1CE847-F28D-4046-A97A-34B7A74731E0}" presName="childText" presStyleLbl="revTx" presStyleIdx="0" presStyleCnt="1">
+        <dgm:presLayoutVars>
+          <dgm:bulletEnabled val="1"/>
+        </dgm:presLayoutVars>
+      </dgm:prSet>
       <dgm:spPr/>
+      <dgm:t>
+        <a:bodyPr/>
+        <a:lstStyle/>
+        <a:p>
+          <a:endParaRPr lang="en-US"/>
+        </a:p>
+      </dgm:t>
     </dgm:pt>
-    <dgm:pt modelId="{90A0CD36-9528-4C15-B25C-385E8475933D}" type="pres">
-      <dgm:prSet presAssocID="{99D4F466-9F35-4353-A70C-2969F9EDF098}" presName="parentText" presStyleLbl="node1" presStyleIdx="1" presStyleCnt="3" custScaleY="257671">
+    <dgm:pt modelId="{E96886D4-7BE5-49E3-8A57-B44F4288A798}" type="pres">
+      <dgm:prSet presAssocID="{F4638310-7076-4B3F-B08F-89DC24AA7191}" presName="parentText" presStyleLbl="node1" presStyleIdx="1" presStyleCnt="3" custScaleY="133433" custLinFactY="-4279" custLinFactNeighborX="-32" custLinFactNeighborY="-100000">
         <dgm:presLayoutVars>
           <dgm:chMax val="0"/>
           <dgm:bulletEnabled val="1"/>
         </dgm:presLayoutVars>
       </dgm:prSet>
       <dgm:spPr/>
+      <dgm:t>
+        <a:bodyPr/>
+        <a:lstStyle/>
+        <a:p>
+          <a:endParaRPr lang="en-US"/>
+        </a:p>
+      </dgm:t>
     </dgm:pt>
-    <dgm:pt modelId="{0481CF4F-5A15-4C81-8EB2-436E333F43BF}" type="pres">
-      <dgm:prSet presAssocID="{846BA127-E7EA-48AB-ACBB-6984FB73F51C}" presName="spacer" presStyleCnt="0"/>
+    <dgm:pt modelId="{3B3F135F-4294-4164-B27C-B5C3C45EB20A}" type="pres">
+      <dgm:prSet presAssocID="{0654DBD1-87BD-4B33-A192-DADECA307102}" presName="spacer" presStyleCnt="0"/>
       <dgm:spPr/>
     </dgm:pt>
-    <dgm:pt modelId="{2BEAF6A0-1FC4-47A7-BE63-D1E6186B22AF}" type="pres">
-      <dgm:prSet presAssocID="{A7775C9F-A1F6-4D5A-8AAC-A9AD781B6B3E}" presName="parentText" presStyleLbl="node1" presStyleIdx="2" presStyleCnt="3" custScaleY="257671" custLinFactY="94716" custLinFactNeighborX="-110" custLinFactNeighborY="100000">
+    <dgm:pt modelId="{FE4E5635-E983-4E46-B29B-BD2978265FB9}" type="pres">
+      <dgm:prSet presAssocID="{F71775CE-36F7-4A0B-B343-D83EB004DD47}" presName="parentText" presStyleLbl="node1" presStyleIdx="2" presStyleCnt="3" custScaleY="133433" custLinFactY="1610" custLinFactNeighborX="-32" custLinFactNeighborY="100000">
         <dgm:presLayoutVars>
           <dgm:chMax val="0"/>
           <dgm:bulletEnabled val="1"/>
         </dgm:presLayoutVars>
       </dgm:prSet>
       <dgm:spPr/>
+      <dgm:t>
+        <a:bodyPr/>
+        <a:lstStyle/>
+        <a:p>
+          <a:endParaRPr lang="en-US"/>
+        </a:p>
+      </dgm:t>
     </dgm:pt>
   </dgm:ptLst>
   <dgm:cxnLst>
-    <dgm:cxn modelId="{9494A504-053D-410E-83FA-021B9E54ECB5}" type="presOf" srcId="{A7775C9F-A1F6-4D5A-8AAC-A9AD781B6B3E}" destId="{2BEAF6A0-1FC4-47A7-BE63-D1E6186B22AF}" srcOrd="0" destOrd="0" presId="urn:microsoft.com/office/officeart/2005/8/layout/vList2"/>
-    <dgm:cxn modelId="{A8B90243-255E-4A5D-8589-74C2831A9437}" srcId="{4BBD8192-511D-4B93-8444-2591E63168B8}" destId="{A7775C9F-A1F6-4D5A-8AAC-A9AD781B6B3E}" srcOrd="2" destOrd="0" parTransId="{EB1D2788-0B18-48F4-80B1-9F62EF35A1EA}" sibTransId="{A70B26A6-1E86-453D-A90E-2450091C21D9}"/>
+    <dgm:cxn modelId="{419B6E30-5317-4AFD-8426-941C28F895C3}" srcId="{4BBD8192-511D-4B93-8444-2591E63168B8}" destId="{F4638310-7076-4B3F-B08F-89DC24AA7191}" srcOrd="1" destOrd="0" parTransId="{FFEB185B-B97E-4A1A-AAFA-B274A6E05708}" sibTransId="{0654DBD1-87BD-4B33-A192-DADECA307102}"/>
+    <dgm:cxn modelId="{7A2DB1A8-840A-4084-B8B2-E012F866AF07}" srcId="{EB1CE847-F28D-4046-A97A-34B7A74731E0}" destId="{210C4D39-4BA3-4BA4-8683-09D192337706}" srcOrd="0" destOrd="0" parTransId="{7BF29E9D-89CF-44AD-B394-3DD81EE54983}" sibTransId="{3B373E76-BE10-4BA0-99FF-12BA431F0F19}"/>
+    <dgm:cxn modelId="{AB122C63-F483-4720-9CF2-59A9954FB16B}" type="presOf" srcId="{EB1CE847-F28D-4046-A97A-34B7A74731E0}" destId="{18D455C3-8D3C-4B5F-85CE-E1AAF3884F72}" srcOrd="0" destOrd="0" presId="urn:microsoft.com/office/officeart/2005/8/layout/vList2"/>
+    <dgm:cxn modelId="{B1500F36-70FB-4A68-BD58-220D00BBD0F3}" type="presOf" srcId="{210C4D39-4BA3-4BA4-8683-09D192337706}" destId="{55578A16-BB02-45ED-8B19-B7AC78A15617}" srcOrd="0" destOrd="0" presId="urn:microsoft.com/office/officeart/2005/8/layout/vList2"/>
     <dgm:cxn modelId="{F27C3F63-AB5A-4867-9167-11FEB56E7FC3}" type="presOf" srcId="{4BBD8192-511D-4B93-8444-2591E63168B8}" destId="{B8F87959-4039-4CE4-A8D5-A964862B3C20}" srcOrd="0" destOrd="0" presId="urn:microsoft.com/office/officeart/2005/8/layout/vList2"/>
-    <dgm:cxn modelId="{B773FA9E-79F6-481B-82FF-1363389100D3}" srcId="{4BBD8192-511D-4B93-8444-2591E63168B8}" destId="{7ACC372D-45D5-4299-A54B-DC2D29350961}" srcOrd="0" destOrd="0" parTransId="{74B68EE9-B342-4AEB-BE0D-B78492B5A29A}" sibTransId="{D3ABCA82-965A-47EA-A0B5-59F41C1870E9}"/>
-    <dgm:cxn modelId="{E28305CA-0896-41C5-8FA9-8AFD81646B09}" type="presOf" srcId="{7ACC372D-45D5-4299-A54B-DC2D29350961}" destId="{30FC9707-CED0-4381-8A41-94AADA3386FF}" srcOrd="0" destOrd="0" presId="urn:microsoft.com/office/officeart/2005/8/layout/vList2"/>
-    <dgm:cxn modelId="{EB6261CD-CCFE-4BF7-ADD1-DAD3A10C8C4E}" type="presOf" srcId="{99D4F466-9F35-4353-A70C-2969F9EDF098}" destId="{90A0CD36-9528-4C15-B25C-385E8475933D}" srcOrd="0" destOrd="0" presId="urn:microsoft.com/office/officeart/2005/8/layout/vList2"/>
-    <dgm:cxn modelId="{A73652F6-E5F2-4F9E-874F-D0E506B07B38}" srcId="{4BBD8192-511D-4B93-8444-2591E63168B8}" destId="{99D4F466-9F35-4353-A70C-2969F9EDF098}" srcOrd="1" destOrd="0" parTransId="{6C9163EB-906E-4852-A059-951709C5BDC0}" sibTransId="{846BA127-E7EA-48AB-ACBB-6984FB73F51C}"/>
-    <dgm:cxn modelId="{243C18C0-347D-4EAB-8D56-ADCAD31F2961}" type="presParOf" srcId="{B8F87959-4039-4CE4-A8D5-A964862B3C20}" destId="{30FC9707-CED0-4381-8A41-94AADA3386FF}" srcOrd="0" destOrd="0" presId="urn:microsoft.com/office/officeart/2005/8/layout/vList2"/>
-    <dgm:cxn modelId="{7762C85B-C6C2-453C-A139-AD999C9E74F5}" type="presParOf" srcId="{B8F87959-4039-4CE4-A8D5-A964862B3C20}" destId="{BB580AB3-9683-4E0B-9879-B63773CDC830}" srcOrd="1" destOrd="0" presId="urn:microsoft.com/office/officeart/2005/8/layout/vList2"/>
-    <dgm:cxn modelId="{B4D0EE72-003F-4C8E-B560-77E3BAFDCD84}" type="presParOf" srcId="{B8F87959-4039-4CE4-A8D5-A964862B3C20}" destId="{90A0CD36-9528-4C15-B25C-385E8475933D}" srcOrd="2" destOrd="0" presId="urn:microsoft.com/office/officeart/2005/8/layout/vList2"/>
-    <dgm:cxn modelId="{2972C11B-3065-4E1B-A535-C456C5E1D437}" type="presParOf" srcId="{B8F87959-4039-4CE4-A8D5-A964862B3C20}" destId="{0481CF4F-5A15-4C81-8EB2-436E333F43BF}" srcOrd="3" destOrd="0" presId="urn:microsoft.com/office/officeart/2005/8/layout/vList2"/>
-    <dgm:cxn modelId="{0E5DB5F5-0DAE-4E9C-AE29-149078737BB1}" type="presParOf" srcId="{B8F87959-4039-4CE4-A8D5-A964862B3C20}" destId="{2BEAF6A0-1FC4-47A7-BE63-D1E6186B22AF}" srcOrd="4" destOrd="0" presId="urn:microsoft.com/office/officeart/2005/8/layout/vList2"/>
+    <dgm:cxn modelId="{B5755510-7A17-492B-B1E4-654D491575AE}" srcId="{4BBD8192-511D-4B93-8444-2591E63168B8}" destId="{EB1CE847-F28D-4046-A97A-34B7A74731E0}" srcOrd="0" destOrd="0" parTransId="{8DFA6108-96CA-4BD8-86E4-B21ED04F3A39}" sibTransId="{A4B0093F-97BF-4C95-A1DD-22213E179EF3}"/>
+    <dgm:cxn modelId="{3EAABAA2-08A7-4CCF-8C8D-4E79203914A1}" srcId="{4BBD8192-511D-4B93-8444-2591E63168B8}" destId="{F71775CE-36F7-4A0B-B343-D83EB004DD47}" srcOrd="2" destOrd="0" parTransId="{E36D82E8-C53B-48AA-BF6D-E4ABECD3DEE9}" sibTransId="{45D309D3-E611-4B2B-8695-BE22572961AF}"/>
+    <dgm:cxn modelId="{CAB38A59-76AA-440B-A7A6-72C09E90C115}" type="presOf" srcId="{F4638310-7076-4B3F-B08F-89DC24AA7191}" destId="{E96886D4-7BE5-49E3-8A57-B44F4288A798}" srcOrd="0" destOrd="0" presId="urn:microsoft.com/office/officeart/2005/8/layout/vList2"/>
+    <dgm:cxn modelId="{8C1EF469-2EB9-4EB3-B546-2BD886D7F4BA}" type="presOf" srcId="{F71775CE-36F7-4A0B-B343-D83EB004DD47}" destId="{FE4E5635-E983-4E46-B29B-BD2978265FB9}" srcOrd="0" destOrd="0" presId="urn:microsoft.com/office/officeart/2005/8/layout/vList2"/>
+    <dgm:cxn modelId="{72840F6A-8F2A-4B4E-9F96-CCD5A3BDEE04}" type="presParOf" srcId="{B8F87959-4039-4CE4-A8D5-A964862B3C20}" destId="{18D455C3-8D3C-4B5F-85CE-E1AAF3884F72}" srcOrd="0" destOrd="0" presId="urn:microsoft.com/office/officeart/2005/8/layout/vList2"/>
+    <dgm:cxn modelId="{0405C440-1D4D-423B-B533-237FB77BE0B8}" type="presParOf" srcId="{B8F87959-4039-4CE4-A8D5-A964862B3C20}" destId="{55578A16-BB02-45ED-8B19-B7AC78A15617}" srcOrd="1" destOrd="0" presId="urn:microsoft.com/office/officeart/2005/8/layout/vList2"/>
+    <dgm:cxn modelId="{958E9D55-C997-4567-AD3C-0B61C997A567}" type="presParOf" srcId="{B8F87959-4039-4CE4-A8D5-A964862B3C20}" destId="{E96886D4-7BE5-49E3-8A57-B44F4288A798}" srcOrd="2" destOrd="0" presId="urn:microsoft.com/office/officeart/2005/8/layout/vList2"/>
+    <dgm:cxn modelId="{137987A0-A973-4702-9A63-625B1EABDA10}" type="presParOf" srcId="{B8F87959-4039-4CE4-A8D5-A964862B3C20}" destId="{3B3F135F-4294-4164-B27C-B5C3C45EB20A}" srcOrd="3" destOrd="0" presId="urn:microsoft.com/office/officeart/2005/8/layout/vList2"/>
+    <dgm:cxn modelId="{B4FFFAA7-4C39-423A-8BAE-404A816C4A7D}" type="presParOf" srcId="{B8F87959-4039-4CE4-A8D5-A964862B3C20}" destId="{FE4E5635-E983-4E46-B29B-BD2978265FB9}" srcOrd="4" destOrd="0" presId="urn:microsoft.com/office/officeart/2005/8/layout/vList2"/>
   </dgm:cxnLst>
   <dgm:bg/>
   <dgm:whole/>
@@ -9602,7 +9937,7 @@
         </a:bodyPr>
         <a:lstStyle/>
         <a:p>
-          <a:pPr marL="0" lvl="0" indent="0" algn="ctr" defTabSz="1289050">
+          <a:pPr lvl="0" algn="ctr" defTabSz="1289050">
             <a:lnSpc>
               <a:spcPct val="90000"/>
             </a:lnSpc>
@@ -9612,7 +9947,6 @@
             <a:spcAft>
               <a:spcPct val="35000"/>
             </a:spcAft>
-            <a:buNone/>
           </a:pPr>
           <a:r>
             <a:rPr lang="en-US" sz="2900" kern="1200" noProof="1">
@@ -9696,7 +10030,7 @@
         </a:bodyPr>
         <a:lstStyle/>
         <a:p>
-          <a:pPr marL="0" lvl="0" indent="0" algn="ctr" defTabSz="1289050">
+          <a:pPr lvl="0" algn="ctr" defTabSz="1289050">
             <a:lnSpc>
               <a:spcPct val="90000"/>
             </a:lnSpc>
@@ -9706,7 +10040,6 @@
             <a:spcAft>
               <a:spcPct val="35000"/>
             </a:spcAft>
-            <a:buNone/>
           </a:pPr>
           <a:r>
             <a:rPr lang="ro-RO" sz="2900" kern="1200" dirty="0">
@@ -9790,7 +10123,7 @@
         </a:bodyPr>
         <a:lstStyle/>
         <a:p>
-          <a:pPr marL="0" lvl="0" indent="0" algn="ctr" defTabSz="1289050">
+          <a:pPr lvl="0" algn="ctr" defTabSz="1289050">
             <a:lnSpc>
               <a:spcPct val="90000"/>
             </a:lnSpc>
@@ -9800,7 +10133,6 @@
             <a:spcAft>
               <a:spcPct val="35000"/>
             </a:spcAft>
-            <a:buNone/>
           </a:pPr>
           <a:r>
             <a:rPr lang="en-US" sz="2900" kern="1200" dirty="0">
@@ -9890,7 +10222,7 @@
             <a:spcAft>
               <a:spcPct val="15000"/>
             </a:spcAft>
-            <a:buChar char="•"/>
+            <a:buChar char="••"/>
           </a:pPr>
           <a:r>
             <a:rPr lang="ro-RO" sz="2900" kern="1200" dirty="0">
@@ -9913,7 +10245,7 @@
             <a:spcAft>
               <a:spcPct val="15000"/>
             </a:spcAft>
-            <a:buChar char="•"/>
+            <a:buChar char="••"/>
           </a:pPr>
           <a:r>
             <a:rPr lang="ro-RO" sz="2900" kern="1200" dirty="0">
@@ -9985,7 +10317,7 @@
         </a:bodyPr>
         <a:lstStyle/>
         <a:p>
-          <a:pPr marL="0" lvl="0" indent="0" algn="ctr" defTabSz="1289050">
+          <a:pPr lvl="0" algn="ctr" defTabSz="1289050">
             <a:lnSpc>
               <a:spcPct val="90000"/>
             </a:lnSpc>
@@ -9995,7 +10327,6 @@
             <a:spcAft>
               <a:spcPct val="35000"/>
             </a:spcAft>
-            <a:buNone/>
           </a:pPr>
           <a:r>
             <a:rPr lang="ro-RO" sz="2900" kern="1200" dirty="0">
@@ -10079,7 +10410,7 @@
             <a:spcAft>
               <a:spcPct val="15000"/>
             </a:spcAft>
-            <a:buChar char="•"/>
+            <a:buChar char="••"/>
           </a:pPr>
           <a:r>
             <a:rPr lang="ro-RO" sz="2900" kern="1200" dirty="0">
@@ -10163,7 +10494,7 @@
         </a:bodyPr>
         <a:lstStyle/>
         <a:p>
-          <a:pPr marL="0" lvl="0" indent="0" algn="l" defTabSz="1555750">
+          <a:pPr lvl="0" algn="l" defTabSz="1555750">
             <a:lnSpc>
               <a:spcPct val="90000"/>
             </a:lnSpc>
@@ -10173,7 +10504,6 @@
             <a:spcAft>
               <a:spcPct val="35000"/>
             </a:spcAft>
-            <a:buNone/>
           </a:pPr>
           <a:r>
             <a:rPr lang="en-US" sz="3500" kern="1200" dirty="0">
@@ -10244,9 +10574,9 @@
             <a:spcAft>
               <a:spcPct val="20000"/>
             </a:spcAft>
-            <a:buNone/>
+            <a:buChar char="••"/>
           </a:pPr>
-          <a:endParaRPr lang="en-US" sz="1200" kern="1200">
+          <a:endParaRPr lang="en-US" sz="1200" kern="1200" dirty="0">
             <a:latin typeface="+mj-lt"/>
           </a:endParaRPr>
         </a:p>
@@ -10310,7 +10640,7 @@
         </a:bodyPr>
         <a:lstStyle/>
         <a:p>
-          <a:pPr marL="0" lvl="0" indent="0" algn="l" defTabSz="1555750">
+          <a:pPr lvl="0" algn="l" defTabSz="1555750">
             <a:lnSpc>
               <a:spcPct val="90000"/>
             </a:lnSpc>
@@ -10320,7 +10650,6 @@
             <a:spcAft>
               <a:spcPct val="35000"/>
             </a:spcAft>
-            <a:buNone/>
           </a:pPr>
           <a:r>
             <a:rPr lang="ro-RO" sz="3500" kern="1200" dirty="0">
@@ -10392,7 +10721,7 @@
         </a:bodyPr>
         <a:lstStyle/>
         <a:p>
-          <a:pPr marL="0" lvl="0" indent="0" algn="l" defTabSz="1555750">
+          <a:pPr lvl="0" algn="l" defTabSz="1555750">
             <a:lnSpc>
               <a:spcPct val="90000"/>
             </a:lnSpc>
@@ -10402,7 +10731,6 @@
             <a:spcAft>
               <a:spcPct val="35000"/>
             </a:spcAft>
-            <a:buNone/>
           </a:pPr>
           <a:r>
             <a:rPr lang="ro-RO" sz="3500" kern="1200" dirty="0">
@@ -10486,7 +10814,7 @@
         </a:bodyPr>
         <a:lstStyle/>
         <a:p>
-          <a:pPr marL="0" lvl="0" indent="0" algn="l" defTabSz="1555750">
+          <a:pPr lvl="0" algn="l" defTabSz="1555750">
             <a:lnSpc>
               <a:spcPct val="90000"/>
             </a:lnSpc>
@@ -10496,7 +10824,6 @@
             <a:spcAft>
               <a:spcPct val="35000"/>
             </a:spcAft>
-            <a:buNone/>
           </a:pPr>
           <a:r>
             <a:rPr lang="ro-RO" sz="3500" kern="1200" dirty="0">
@@ -10568,7 +10895,7 @@
         </a:bodyPr>
         <a:lstStyle/>
         <a:p>
-          <a:pPr marL="0" lvl="0" indent="0" algn="l" defTabSz="1555750">
+          <a:pPr lvl="0" algn="l" defTabSz="1555750">
             <a:lnSpc>
               <a:spcPct val="90000"/>
             </a:lnSpc>
@@ -10578,7 +10905,6 @@
             <a:spcAft>
               <a:spcPct val="35000"/>
             </a:spcAft>
-            <a:buNone/>
           </a:pPr>
           <a:r>
             <a:rPr lang="ro-RO" sz="3500" kern="1200" dirty="0">
@@ -10650,7 +10976,7 @@
         </a:bodyPr>
         <a:lstStyle/>
         <a:p>
-          <a:pPr marL="0" lvl="0" indent="0" algn="l" defTabSz="1555750">
+          <a:pPr lvl="0" algn="l" defTabSz="1555750">
             <a:lnSpc>
               <a:spcPct val="90000"/>
             </a:lnSpc>
@@ -10660,7 +10986,6 @@
             <a:spcAft>
               <a:spcPct val="35000"/>
             </a:spcAft>
-            <a:buNone/>
           </a:pPr>
           <a:r>
             <a:rPr lang="en-US" sz="3500" kern="1200" dirty="0">
@@ -10750,7 +11075,7 @@
         </a:bodyPr>
         <a:lstStyle/>
         <a:p>
-          <a:pPr marL="0" lvl="0" indent="0" algn="l" defTabSz="1555750">
+          <a:pPr lvl="0" algn="l" defTabSz="1555750">
             <a:lnSpc>
               <a:spcPct val="90000"/>
             </a:lnSpc>
@@ -10760,7 +11085,6 @@
             <a:spcAft>
               <a:spcPct val="35000"/>
             </a:spcAft>
-            <a:buNone/>
           </a:pPr>
           <a:r>
             <a:rPr lang="ro-RO" sz="3500" kern="1200" dirty="0">
@@ -10832,7 +11156,7 @@
         </a:bodyPr>
         <a:lstStyle/>
         <a:p>
-          <a:pPr marL="0" lvl="0" indent="0" algn="l" defTabSz="1555750">
+          <a:pPr lvl="0" algn="l" defTabSz="1555750">
             <a:lnSpc>
               <a:spcPct val="90000"/>
             </a:lnSpc>
@@ -10842,7 +11166,6 @@
             <a:spcAft>
               <a:spcPct val="35000"/>
             </a:spcAft>
-            <a:buNone/>
           </a:pPr>
           <a:r>
             <a:rPr lang="ro-RO" sz="3500" kern="1200" dirty="0">
@@ -10914,7 +11237,7 @@
         </a:bodyPr>
         <a:lstStyle/>
         <a:p>
-          <a:pPr marL="0" lvl="0" indent="0" algn="l" defTabSz="1555750">
+          <a:pPr lvl="0" algn="l" defTabSz="1555750">
             <a:lnSpc>
               <a:spcPct val="90000"/>
             </a:lnSpc>
@@ -10924,7 +11247,6 @@
             <a:spcAft>
               <a:spcPct val="35000"/>
             </a:spcAft>
-            <a:buNone/>
           </a:pPr>
           <a:r>
             <a:rPr lang="ro-RO" sz="3500" kern="1200" dirty="0">
@@ -10996,7 +11318,7 @@
         </a:bodyPr>
         <a:lstStyle/>
         <a:p>
-          <a:pPr marL="0" lvl="0" indent="0" algn="l" defTabSz="1555750">
+          <a:pPr lvl="0" algn="l" defTabSz="1555750">
             <a:lnSpc>
               <a:spcPct val="90000"/>
             </a:lnSpc>
@@ -11006,7 +11328,6 @@
             <a:spcAft>
               <a:spcPct val="35000"/>
             </a:spcAft>
-            <a:buNone/>
           </a:pPr>
           <a:r>
             <a:rPr lang="ro-RO" sz="3500" kern="1200" dirty="0">
@@ -11090,7 +11411,7 @@
         </a:bodyPr>
         <a:lstStyle/>
         <a:p>
-          <a:pPr marL="0" lvl="0" indent="0" algn="l" defTabSz="1555750">
+          <a:pPr lvl="0" algn="l" defTabSz="1555750">
             <a:lnSpc>
               <a:spcPct val="90000"/>
             </a:lnSpc>
@@ -11100,7 +11421,6 @@
             <a:spcAft>
               <a:spcPct val="35000"/>
             </a:spcAft>
-            <a:buNone/>
           </a:pPr>
           <a:r>
             <a:rPr lang="ro-RO" sz="3500" kern="1200" dirty="0">
@@ -11165,7 +11485,7 @@
             <a:spcAft>
               <a:spcPct val="20000"/>
             </a:spcAft>
-            <a:buChar char="•"/>
+            <a:buChar char="••"/>
           </a:pPr>
           <a:r>
             <a:rPr lang="ro-RO" sz="2900" kern="1200" dirty="0">
@@ -11188,7 +11508,7 @@
             <a:spcAft>
               <a:spcPct val="20000"/>
             </a:spcAft>
-            <a:buChar char="•"/>
+            <a:buChar char="••"/>
           </a:pPr>
           <a:r>
             <a:rPr lang="ro-RO" sz="2900" kern="1200" dirty="0">
@@ -11269,7 +11589,7 @@
         </a:bodyPr>
         <a:lstStyle/>
         <a:p>
-          <a:pPr marL="0" lvl="0" indent="0" algn="l" defTabSz="1555750">
+          <a:pPr lvl="0" algn="l" defTabSz="1555750">
             <a:lnSpc>
               <a:spcPct val="90000"/>
             </a:lnSpc>
@@ -11279,7 +11599,6 @@
             <a:spcAft>
               <a:spcPct val="35000"/>
             </a:spcAft>
-            <a:buNone/>
           </a:pPr>
           <a:r>
             <a:rPr lang="ro-RO" sz="3500" kern="1200" dirty="0">
@@ -11363,7 +11682,7 @@
         </a:bodyPr>
         <a:lstStyle/>
         <a:p>
-          <a:pPr marL="0" lvl="0" indent="0" algn="l" defTabSz="1289050">
+          <a:pPr lvl="0" algn="l" defTabSz="1289050">
             <a:lnSpc>
               <a:spcPct val="90000"/>
             </a:lnSpc>
@@ -11373,7 +11692,6 @@
             <a:spcAft>
               <a:spcPct val="35000"/>
             </a:spcAft>
-            <a:buNone/>
           </a:pPr>
           <a:r>
             <a:rPr lang="ro-RO" sz="2900" kern="1200" dirty="0">
@@ -11445,7 +11763,7 @@
         </a:bodyPr>
         <a:lstStyle/>
         <a:p>
-          <a:pPr marL="0" lvl="0" indent="0" algn="l" defTabSz="1289050">
+          <a:pPr lvl="0" algn="l" defTabSz="1289050">
             <a:lnSpc>
               <a:spcPct val="90000"/>
             </a:lnSpc>
@@ -11455,7 +11773,6 @@
             <a:spcAft>
               <a:spcPct val="35000"/>
             </a:spcAft>
-            <a:buNone/>
           </a:pPr>
           <a:r>
             <a:rPr lang="ro-RO" sz="2900" kern="1200" dirty="0">
@@ -11527,7 +11844,7 @@
         </a:bodyPr>
         <a:lstStyle/>
         <a:p>
-          <a:pPr marL="0" lvl="0" indent="0" algn="l" defTabSz="1289050">
+          <a:pPr lvl="0" algn="l" defTabSz="1289050">
             <a:lnSpc>
               <a:spcPct val="90000"/>
             </a:lnSpc>
@@ -11537,7 +11854,6 @@
             <a:spcAft>
               <a:spcPct val="35000"/>
             </a:spcAft>
-            <a:buNone/>
           </a:pPr>
           <a:r>
             <a:rPr lang="ro-RO" sz="2900" kern="1200" dirty="0">
@@ -11609,7 +11925,7 @@
         </a:bodyPr>
         <a:lstStyle/>
         <a:p>
-          <a:pPr marL="0" lvl="0" indent="0" algn="l" defTabSz="1289050">
+          <a:pPr lvl="0" algn="l" defTabSz="1289050">
             <a:lnSpc>
               <a:spcPct val="90000"/>
             </a:lnSpc>
@@ -11619,7 +11935,6 @@
             <a:spcAft>
               <a:spcPct val="35000"/>
             </a:spcAft>
-            <a:buNone/>
           </a:pPr>
           <a:r>
             <a:rPr lang="ro-RO" sz="2900" kern="1200" dirty="0">
@@ -11691,7 +12006,7 @@
         </a:bodyPr>
         <a:lstStyle/>
         <a:p>
-          <a:pPr marL="0" lvl="0" indent="0" algn="l" defTabSz="1289050">
+          <a:pPr lvl="0" algn="l" defTabSz="1289050">
             <a:lnSpc>
               <a:spcPct val="90000"/>
             </a:lnSpc>
@@ -11701,7 +12016,6 @@
             <a:spcAft>
               <a:spcPct val="35000"/>
             </a:spcAft>
-            <a:buNone/>
           </a:pPr>
           <a:r>
             <a:rPr lang="ro-RO" sz="2900" kern="1200">
@@ -11785,7 +12099,7 @@
         </a:bodyPr>
         <a:lstStyle/>
         <a:p>
-          <a:pPr marL="0" lvl="0" indent="0" algn="l" defTabSz="1555750">
+          <a:pPr lvl="0" algn="l" defTabSz="1555750">
             <a:lnSpc>
               <a:spcPct val="90000"/>
             </a:lnSpc>
@@ -11795,7 +12109,6 @@
             <a:spcAft>
               <a:spcPct val="35000"/>
             </a:spcAft>
-            <a:buNone/>
           </a:pPr>
           <a:r>
             <a:rPr lang="ro-RO" sz="3500" kern="1200" dirty="0">
@@ -11867,7 +12180,7 @@
         </a:bodyPr>
         <a:lstStyle/>
         <a:p>
-          <a:pPr marL="0" lvl="0" indent="0" algn="l" defTabSz="1555750">
+          <a:pPr lvl="0" algn="l" defTabSz="1555750">
             <a:lnSpc>
               <a:spcPct val="90000"/>
             </a:lnSpc>
@@ -11877,7 +12190,6 @@
             <a:spcAft>
               <a:spcPct val="35000"/>
             </a:spcAft>
-            <a:buNone/>
           </a:pPr>
           <a:r>
             <a:rPr lang="ro-RO" sz="3500" kern="1200" dirty="0">
@@ -11942,7 +12254,7 @@
             <a:spcAft>
               <a:spcPct val="20000"/>
             </a:spcAft>
-            <a:buChar char="•"/>
+            <a:buChar char="••"/>
           </a:pPr>
           <a:r>
             <a:rPr lang="ro-RO" sz="2900" kern="1200" dirty="0">
@@ -11965,7 +12277,7 @@
             <a:spcAft>
               <a:spcPct val="20000"/>
             </a:spcAft>
-            <a:buChar char="•"/>
+            <a:buChar char="••"/>
           </a:pPr>
           <a:r>
             <a:rPr lang="ro-RO" sz="2900" kern="1200" dirty="0">
@@ -12037,7 +12349,7 @@
         </a:bodyPr>
         <a:lstStyle/>
         <a:p>
-          <a:pPr marL="0" lvl="0" indent="0" algn="l" defTabSz="1555750">
+          <a:pPr lvl="0" algn="l" defTabSz="1555750">
             <a:lnSpc>
               <a:spcPct val="90000"/>
             </a:lnSpc>
@@ -12047,7 +12359,6 @@
             <a:spcAft>
               <a:spcPct val="35000"/>
             </a:spcAft>
-            <a:buNone/>
           </a:pPr>
           <a:r>
             <a:rPr lang="ro-RO" sz="3500" kern="1200" dirty="0">
@@ -12077,15 +12388,15 @@
       <dsp:cNvGrpSpPr/>
     </dsp:nvGrpSpPr>
     <dsp:grpSpPr/>
-    <dsp:sp modelId="{30FC9707-CED0-4381-8A41-94AADA3386FF}">
+    <dsp:sp modelId="{18D455C3-8D3C-4B5F-85CE-E1AAF3884F72}">
       <dsp:nvSpPr>
         <dsp:cNvPr id="0" name=""/>
         <dsp:cNvSpPr/>
       </dsp:nvSpPr>
       <dsp:spPr>
         <a:xfrm>
-          <a:off x="0" y="0"/>
-          <a:ext cx="7543800" cy="1088136"/>
+          <a:off x="0" y="35497"/>
+          <a:ext cx="7543800" cy="1089717"/>
         </a:xfrm>
         <a:prstGeom prst="roundRect">
           <a:avLst/>
@@ -12131,7 +12442,7 @@
         </a:bodyPr>
         <a:lstStyle/>
         <a:p>
-          <a:pPr marL="0" lvl="0" indent="0" algn="l" defTabSz="1555750">
+          <a:pPr lvl="0" algn="l" defTabSz="1555750">
             <a:lnSpc>
               <a:spcPct val="90000"/>
             </a:lnSpc>
@@ -12141,13 +12452,12 @@
             <a:spcAft>
               <a:spcPct val="35000"/>
             </a:spcAft>
-            <a:buNone/>
           </a:pPr>
           <a:r>
-            <a:rPr lang="ro-RO" sz="3500" kern="1200" dirty="0">
+            <a:rPr lang="en-US" sz="3500" kern="1200" dirty="0" smtClean="0">
               <a:latin typeface="+mj-lt"/>
             </a:rPr>
-            <a:t>Proiect interesant și antrenant </a:t>
+            <a:t>Proiect interesant și antrenant</a:t>
           </a:r>
           <a:endParaRPr lang="en-US" sz="3500" kern="1200" dirty="0">
             <a:latin typeface="+mj-lt"/>
@@ -12155,19 +12465,78 @@
         </a:p>
       </dsp:txBody>
       <dsp:txXfrm>
-        <a:off x="53118" y="53118"/>
-        <a:ext cx="7437564" cy="981900"/>
+        <a:off x="53196" y="88693"/>
+        <a:ext cx="7437408" cy="983325"/>
       </dsp:txXfrm>
     </dsp:sp>
-    <dsp:sp modelId="{90A0CD36-9528-4C15-B25C-385E8475933D}">
+    <dsp:sp modelId="{55578A16-BB02-45ED-8B19-B7AC78A15617}">
       <dsp:nvSpPr>
         <dsp:cNvPr id="0" name=""/>
         <dsp:cNvSpPr/>
       </dsp:nvSpPr>
       <dsp:spPr>
         <a:xfrm>
-          <a:off x="0" y="1264854"/>
-          <a:ext cx="7543800" cy="1088136"/>
+          <a:off x="0" y="1130776"/>
+          <a:ext cx="7543800" cy="248400"/>
+        </a:xfrm>
+        <a:prstGeom prst="rect">
+          <a:avLst/>
+        </a:prstGeom>
+        <a:noFill/>
+        <a:ln>
+          <a:noFill/>
+        </a:ln>
+        <a:effectLst/>
+      </dsp:spPr>
+      <dsp:style>
+        <a:lnRef idx="0">
+          <a:scrgbClr r="0" g="0" b="0"/>
+        </a:lnRef>
+        <a:fillRef idx="0">
+          <a:scrgbClr r="0" g="0" b="0"/>
+        </a:fillRef>
+        <a:effectRef idx="0">
+          <a:scrgbClr r="0" g="0" b="0"/>
+        </a:effectRef>
+        <a:fontRef idx="minor"/>
+      </dsp:style>
+      <dsp:txBody>
+        <a:bodyPr spcFirstLastPara="0" vert="horz" wrap="square" lIns="239516" tIns="19050" rIns="106680" bIns="19050" numCol="1" spcCol="1270" anchor="t" anchorCtr="0">
+          <a:noAutofit/>
+        </a:bodyPr>
+        <a:lstStyle/>
+        <a:p>
+          <a:pPr marL="114300" lvl="1" indent="-114300" algn="l" defTabSz="533400">
+            <a:lnSpc>
+              <a:spcPct val="90000"/>
+            </a:lnSpc>
+            <a:spcBef>
+              <a:spcPct val="0"/>
+            </a:spcBef>
+            <a:spcAft>
+              <a:spcPct val="20000"/>
+            </a:spcAft>
+            <a:buChar char="••"/>
+          </a:pPr>
+          <a:endParaRPr lang="en-US" sz="1200" kern="1200" dirty="0">
+            <a:latin typeface="+mj-lt"/>
+          </a:endParaRPr>
+        </a:p>
+      </dsp:txBody>
+      <dsp:txXfrm>
+        <a:off x="0" y="1130776"/>
+        <a:ext cx="7543800" cy="248400"/>
+      </dsp:txXfrm>
+    </dsp:sp>
+    <dsp:sp modelId="{E96886D4-7BE5-49E3-8A57-B44F4288A798}">
+      <dsp:nvSpPr>
+        <dsp:cNvPr id="0" name=""/>
+        <dsp:cNvSpPr/>
+      </dsp:nvSpPr>
+      <dsp:spPr>
+        <a:xfrm>
+          <a:off x="0" y="1301432"/>
+          <a:ext cx="7543800" cy="1077204"/>
         </a:xfrm>
         <a:prstGeom prst="roundRect">
           <a:avLst/>
@@ -12213,7 +12582,7 @@
         </a:bodyPr>
         <a:lstStyle/>
         <a:p>
-          <a:pPr marL="0" lvl="0" indent="0" algn="l" defTabSz="1555750">
+          <a:pPr lvl="0" algn="l" defTabSz="1555750">
             <a:lnSpc>
               <a:spcPct val="90000"/>
             </a:lnSpc>
@@ -12223,10 +12592,9 @@
             <a:spcAft>
               <a:spcPct val="35000"/>
             </a:spcAft>
-            <a:buNone/>
           </a:pPr>
           <a:r>
-            <a:rPr lang="ro-RO" sz="3500" kern="1200" dirty="0">
+            <a:rPr lang="vi-VN" sz="3500" kern="1200" dirty="0" smtClean="0">
               <a:latin typeface="+mj-lt"/>
             </a:rPr>
             <a:t>Dezvoltare profesională</a:t>
@@ -12237,19 +12605,19 @@
         </a:p>
       </dsp:txBody>
       <dsp:txXfrm>
-        <a:off x="53118" y="1317972"/>
-        <a:ext cx="7437564" cy="981900"/>
+        <a:off x="52585" y="1354017"/>
+        <a:ext cx="7438630" cy="972034"/>
       </dsp:txXfrm>
     </dsp:sp>
-    <dsp:sp modelId="{2BEAF6A0-1FC4-47A7-BE63-D1E6186B22AF}">
+    <dsp:sp modelId="{FE4E5635-E983-4E46-B29B-BD2978265FB9}">
       <dsp:nvSpPr>
         <dsp:cNvPr id="0" name=""/>
         <dsp:cNvSpPr/>
       </dsp:nvSpPr>
       <dsp:spPr>
         <a:xfrm>
-          <a:off x="0" y="2529708"/>
-          <a:ext cx="7543800" cy="1088136"/>
+          <a:off x="0" y="2540640"/>
+          <a:ext cx="7543800" cy="1077204"/>
         </a:xfrm>
         <a:prstGeom prst="roundRect">
           <a:avLst/>
@@ -12290,12 +12658,12 @@
         </a:fontRef>
       </dsp:style>
       <dsp:txBody>
-        <a:bodyPr spcFirstLastPara="0" vert="horz" wrap="square" lIns="133350" tIns="133350" rIns="133350" bIns="133350" numCol="1" spcCol="1270" anchor="ctr" anchorCtr="0">
+        <a:bodyPr spcFirstLastPara="0" vert="horz" wrap="square" lIns="106680" tIns="106680" rIns="106680" bIns="106680" numCol="1" spcCol="1270" anchor="ctr" anchorCtr="0">
           <a:noAutofit/>
         </a:bodyPr>
         <a:lstStyle/>
         <a:p>
-          <a:pPr marL="0" lvl="0" indent="0" algn="l" defTabSz="1555750">
+          <a:pPr lvl="0" algn="l" defTabSz="1244600">
             <a:lnSpc>
               <a:spcPct val="90000"/>
             </a:lnSpc>
@@ -12305,22 +12673,21 @@
             <a:spcAft>
               <a:spcPct val="35000"/>
             </a:spcAft>
-            <a:buNone/>
           </a:pPr>
           <a:r>
-            <a:rPr lang="ro-RO" sz="3500" kern="1200" dirty="0">
+            <a:rPr lang="en-US" sz="2800" kern="1200" dirty="0" smtClean="0">
               <a:latin typeface="+mj-lt"/>
             </a:rPr>
             <a:t>Aplicarea cunoștințelor dobândite la facultate</a:t>
           </a:r>
-          <a:endParaRPr lang="en-US" sz="3500" kern="1200" dirty="0">
+          <a:endParaRPr lang="en-US" sz="2800" kern="1200" dirty="0">
             <a:latin typeface="+mj-lt"/>
           </a:endParaRPr>
         </a:p>
       </dsp:txBody>
       <dsp:txXfrm>
-        <a:off x="53118" y="2582826"/>
-        <a:ext cx="7437564" cy="981900"/>
+        <a:off x="52585" y="2593225"/>
+        <a:ext cx="7438630" cy="972034"/>
       </dsp:txXfrm>
     </dsp:sp>
   </dsp:spTree>
@@ -23248,7 +23615,7 @@
           <a:p>
             <a:fld id="{3569113D-2AA0-40B3-B8BF-A69C343657F7}" type="datetimeFigureOut">
               <a:rPr lang="en-US" smtClean="0"/>
-              <a:t>6/14/2019</a:t>
+              <a:t>6/15/2019</a:t>
             </a:fld>
             <a:endParaRPr lang="en-US" dirty="0"/>
           </a:p>
@@ -24088,7 +24455,7 @@
           <a:p>
             <a:fld id="{90B7D2B6-166E-40F8-9D76-749746228F93}" type="datetime1">
               <a:rPr lang="en-US" smtClean="0"/>
-              <a:t>6/14/2019</a:t>
+              <a:t>6/15/2019</a:t>
             </a:fld>
             <a:endParaRPr lang="en-US" dirty="0"/>
           </a:p>
@@ -24272,7 +24639,7 @@
           <a:p>
             <a:fld id="{5E77432B-941A-4FDB-B2E4-6D384526D1B6}" type="datetime1">
               <a:rPr lang="en-US" smtClean="0"/>
-              <a:t>6/14/2019</a:t>
+              <a:t>6/15/2019</a:t>
             </a:fld>
             <a:endParaRPr lang="en-US" dirty="0"/>
           </a:p>
@@ -24456,7 +24823,7 @@
           <a:p>
             <a:fld id="{73E66D89-C1D7-4BAB-8D4A-CFBFE24EB60F}" type="datetime1">
               <a:rPr lang="en-US" smtClean="0"/>
-              <a:t>6/14/2019</a:t>
+              <a:t>6/15/2019</a:t>
             </a:fld>
             <a:endParaRPr lang="en-US" dirty="0"/>
           </a:p>
@@ -24626,7 +24993,7 @@
           <a:p>
             <a:fld id="{C9C79E85-1D2F-477B-BBE8-4A7F97670373}" type="datetime1">
               <a:rPr lang="en-US" smtClean="0"/>
-              <a:t>6/14/2019</a:t>
+              <a:t>6/15/2019</a:t>
             </a:fld>
             <a:endParaRPr lang="en-US" dirty="0"/>
           </a:p>
@@ -24951,7 +25318,7 @@
           <a:p>
             <a:fld id="{A94E0D0E-3436-4F4C-8608-CE77D12FB72B}" type="datetime1">
               <a:rPr lang="en-US" smtClean="0"/>
-              <a:t>6/14/2019</a:t>
+              <a:t>6/15/2019</a:t>
             </a:fld>
             <a:endParaRPr lang="en-US" dirty="0"/>
           </a:p>
@@ -25349,7 +25716,7 @@
           <a:p>
             <a:fld id="{39510CC2-2627-4392-AE48-F60BF60FDE8D}" type="datetime1">
               <a:rPr lang="en-US" smtClean="0"/>
-              <a:t>6/14/2019</a:t>
+              <a:t>6/15/2019</a:t>
             </a:fld>
             <a:endParaRPr lang="en-US" dirty="0"/>
           </a:p>
@@ -25783,7 +26150,7 @@
           <a:p>
             <a:fld id="{DCE04ADE-3BBA-4424-9D2F-1B1F2BA859F2}" type="datetime1">
               <a:rPr lang="en-US" smtClean="0"/>
-              <a:t>6/14/2019</a:t>
+              <a:t>6/15/2019</a:t>
             </a:fld>
             <a:endParaRPr lang="en-US" dirty="0"/>
           </a:p>
@@ -25911,7 +26278,7 @@
           <a:p>
             <a:fld id="{9CA964A8-C6B3-4D50-BBFD-58D43C7F3544}" type="datetime1">
               <a:rPr lang="en-US" smtClean="0"/>
-              <a:t>6/14/2019</a:t>
+              <a:t>6/15/2019</a:t>
             </a:fld>
             <a:endParaRPr lang="en-US" dirty="0"/>
           </a:p>
@@ -26016,7 +26383,7 @@
           <a:p>
             <a:fld id="{DC1C8741-8383-4B49-BB53-43BE1918DA32}" type="datetime1">
               <a:rPr lang="en-US" smtClean="0"/>
-              <a:t>6/14/2019</a:t>
+              <a:t>6/15/2019</a:t>
             </a:fld>
             <a:endParaRPr lang="en-US" dirty="0"/>
           </a:p>
@@ -26457,7 +26824,7 @@
           <a:p>
             <a:fld id="{6C318A7A-4453-4BD5-8AB7-45AA3E9C5FE0}" type="datetime1">
               <a:rPr lang="en-US" smtClean="0"/>
-              <a:t>6/14/2019</a:t>
+              <a:t>6/15/2019</a:t>
             </a:fld>
             <a:endParaRPr lang="en-US" dirty="0"/>
           </a:p>
@@ -26883,7 +27250,7 @@
           <a:p>
             <a:fld id="{DE329CA9-2797-429D-A799-93AB3F83623F}" type="datetime1">
               <a:rPr lang="en-US" smtClean="0"/>
-              <a:t>6/14/2019</a:t>
+              <a:t>6/15/2019</a:t>
             </a:fld>
             <a:endParaRPr lang="en-US" dirty="0"/>
           </a:p>
@@ -27168,7 +27535,7 @@
           <a:p>
             <a:fld id="{56EE5F79-99D7-48D8-9BE2-8F8AFE0E3260}" type="datetime1">
               <a:rPr lang="en-US" smtClean="0"/>
-              <a:t>6/14/2019</a:t>
+              <a:t>6/15/2019</a:t>
             </a:fld>
             <a:endParaRPr lang="en-US" dirty="0"/>
           </a:p>
@@ -27685,9 +28052,17 @@
               <a:rPr lang="en-US" dirty="0"/>
               <a:t>ROBOTINHO</a:t>
             </a:r>
+            <a:r>
+              <a:rPr lang="ro-RO" dirty="0"/>
+              <a:t/>
+            </a:r>
             <a:br>
               <a:rPr lang="ro-RO" dirty="0"/>
             </a:br>
+            <a:r>
+              <a:rPr lang="ro-RO" sz="7200" dirty="0"/>
+              <a:t/>
+            </a:r>
             <a:br>
               <a:rPr lang="ro-RO" sz="7200" dirty="0"/>
             </a:br>
@@ -27868,10 +28243,10 @@
           <p:cNvPr id="27" name="Rectangle 26">
             <a:extLst>
               <a:ext uri="{FF2B5EF4-FFF2-40B4-BE49-F238E27FC236}">
-                <a16:creationId xmlns:a16="http://schemas.microsoft.com/office/drawing/2014/main" id="{E009DD9B-5EE2-4C0D-8B2B-351C8C102205}"/>
+                <a16:creationId xmlns="" xmlns:a16="http://schemas.microsoft.com/office/drawing/2014/main" id="{E009DD9B-5EE2-4C0D-8B2B-351C8C102205}"/>
               </a:ext>
               <a:ext uri="{C183D7F6-B498-43B3-948B-1728B52AA6E4}">
-                <adec:decorative xmlns:adec="http://schemas.microsoft.com/office/drawing/2017/decorative" val="1"/>
+                <adec:decorative xmlns="" xmlns:adec="http://schemas.microsoft.com/office/drawing/2017/decorative" val="1"/>
               </a:ext>
             </a:extLst>
           </p:cNvPr>
@@ -27881,7 +28256,7 @@
           <p:nvPr>
             <p:extLst>
               <p:ext uri="{386F3935-93C4-4BCD-93E2-E3B085C9AB24}">
-                <p16:designElem xmlns:p16="http://schemas.microsoft.com/office/powerpoint/2015/main" val="1"/>
+                <p16:designElem xmlns="" xmlns:p16="http://schemas.microsoft.com/office/powerpoint/2015/main" val="1"/>
               </p:ext>
             </p:extLst>
           </p:nvPr>
@@ -27957,10 +28332,10 @@
           <p:cNvPr id="29" name="Rectangle 28">
             <a:extLst>
               <a:ext uri="{FF2B5EF4-FFF2-40B4-BE49-F238E27FC236}">
-                <a16:creationId xmlns:a16="http://schemas.microsoft.com/office/drawing/2014/main" id="{E720DB99-7745-4E75-9D96-AAB6D55C531E}"/>
+                <a16:creationId xmlns="" xmlns:a16="http://schemas.microsoft.com/office/drawing/2014/main" id="{E720DB99-7745-4E75-9D96-AAB6D55C531E}"/>
               </a:ext>
               <a:ext uri="{C183D7F6-B498-43B3-948B-1728B52AA6E4}">
-                <adec:decorative xmlns:adec="http://schemas.microsoft.com/office/drawing/2017/decorative" val="1"/>
+                <adec:decorative xmlns="" xmlns:adec="http://schemas.microsoft.com/office/drawing/2017/decorative" val="1"/>
               </a:ext>
             </a:extLst>
           </p:cNvPr>
@@ -27970,7 +28345,7 @@
           <p:nvPr>
             <p:extLst>
               <p:ext uri="{386F3935-93C4-4BCD-93E2-E3B085C9AB24}">
-                <p16:designElem xmlns:p16="http://schemas.microsoft.com/office/powerpoint/2015/main" val="1"/>
+                <p16:designElem xmlns="" xmlns:p16="http://schemas.microsoft.com/office/powerpoint/2015/main" val="1"/>
               </p:ext>
             </p:extLst>
           </p:nvPr>
@@ -28031,10 +28406,10 @@
           <p:cNvPr id="31" name="Rectangle 30">
             <a:extLst>
               <a:ext uri="{FF2B5EF4-FFF2-40B4-BE49-F238E27FC236}">
-                <a16:creationId xmlns:a16="http://schemas.microsoft.com/office/drawing/2014/main" id="{D68803C4-E159-4360-B7BB-74205C8F782D}"/>
+                <a16:creationId xmlns="" xmlns:a16="http://schemas.microsoft.com/office/drawing/2014/main" id="{D68803C4-E159-4360-B7BB-74205C8F782D}"/>
               </a:ext>
               <a:ext uri="{C183D7F6-B498-43B3-948B-1728B52AA6E4}">
-                <adec:decorative xmlns:adec="http://schemas.microsoft.com/office/drawing/2017/decorative" val="1"/>
+                <adec:decorative xmlns="" xmlns:adec="http://schemas.microsoft.com/office/drawing/2017/decorative" val="1"/>
               </a:ext>
             </a:extLst>
           </p:cNvPr>
@@ -28044,7 +28419,7 @@
           <p:nvPr>
             <p:extLst>
               <p:ext uri="{386F3935-93C4-4BCD-93E2-E3B085C9AB24}">
-                <p16:designElem xmlns:p16="http://schemas.microsoft.com/office/powerpoint/2015/main" val="1"/>
+                <p16:designElem xmlns="" xmlns:p16="http://schemas.microsoft.com/office/powerpoint/2015/main" val="1"/>
               </p:ext>
             </p:extLst>
           </p:nvPr>
@@ -28139,7 +28514,7 @@
           <p:cNvPr id="8" name="Picture 7">
             <a:extLst>
               <a:ext uri="{FF2B5EF4-FFF2-40B4-BE49-F238E27FC236}">
-                <a16:creationId xmlns:a16="http://schemas.microsoft.com/office/drawing/2014/main" id="{AA6F2317-976C-4AA9-8F3A-E1A1BB8D92F4}"/>
+                <a16:creationId xmlns="" xmlns:a16="http://schemas.microsoft.com/office/drawing/2014/main" id="{AA6F2317-976C-4AA9-8F3A-E1A1BB8D92F4}"/>
               </a:ext>
             </a:extLst>
           </p:cNvPr>
@@ -28175,7 +28550,7 @@
           <p:cNvPr id="9" name="TextBox 8">
             <a:extLst>
               <a:ext uri="{FF2B5EF4-FFF2-40B4-BE49-F238E27FC236}">
-                <a16:creationId xmlns:a16="http://schemas.microsoft.com/office/drawing/2014/main" id="{B8CA411E-9A70-468F-8311-B6B05957C2A3}"/>
+                <a16:creationId xmlns="" xmlns:a16="http://schemas.microsoft.com/office/drawing/2014/main" id="{B8CA411E-9A70-468F-8311-B6B05957C2A3}"/>
               </a:ext>
             </a:extLst>
           </p:cNvPr>
@@ -28275,10 +28650,10 @@
           <p:cNvPr id="33" name="Rectangle 32">
             <a:extLst>
               <a:ext uri="{FF2B5EF4-FFF2-40B4-BE49-F238E27FC236}">
-                <a16:creationId xmlns:a16="http://schemas.microsoft.com/office/drawing/2014/main" id="{504B0465-3B07-49BF-BEA7-D81476246293}"/>
+                <a16:creationId xmlns="" xmlns:a16="http://schemas.microsoft.com/office/drawing/2014/main" id="{504B0465-3B07-49BF-BEA7-D81476246293}"/>
               </a:ext>
               <a:ext uri="{C183D7F6-B498-43B3-948B-1728B52AA6E4}">
-                <adec:decorative xmlns:adec="http://schemas.microsoft.com/office/drawing/2017/decorative" val="1"/>
+                <adec:decorative xmlns="" xmlns:adec="http://schemas.microsoft.com/office/drawing/2017/decorative" val="1"/>
               </a:ext>
             </a:extLst>
           </p:cNvPr>
@@ -28288,7 +28663,7 @@
           <p:nvPr>
             <p:extLst>
               <p:ext uri="{386F3935-93C4-4BCD-93E2-E3B085C9AB24}">
-                <p16:designElem xmlns:p16="http://schemas.microsoft.com/office/powerpoint/2015/main" val="1"/>
+                <p16:designElem xmlns="" xmlns:p16="http://schemas.microsoft.com/office/powerpoint/2015/main" val="1"/>
               </p:ext>
             </p:extLst>
           </p:nvPr>
@@ -28349,10 +28724,10 @@
           <p:cNvPr id="35" name="Oval 34">
             <a:extLst>
               <a:ext uri="{FF2B5EF4-FFF2-40B4-BE49-F238E27FC236}">
-                <a16:creationId xmlns:a16="http://schemas.microsoft.com/office/drawing/2014/main" id="{49B7FFA5-14CB-4A4F-9BCC-CA3AA5D9D276}"/>
+                <a16:creationId xmlns="" xmlns:a16="http://schemas.microsoft.com/office/drawing/2014/main" id="{49B7FFA5-14CB-4A4F-9BCC-CA3AA5D9D276}"/>
               </a:ext>
               <a:ext uri="{C183D7F6-B498-43B3-948B-1728B52AA6E4}">
-                <adec:decorative xmlns:adec="http://schemas.microsoft.com/office/drawing/2017/decorative" val="1"/>
+                <adec:decorative xmlns="" xmlns:adec="http://schemas.microsoft.com/office/drawing/2017/decorative" val="1"/>
               </a:ext>
             </a:extLst>
           </p:cNvPr>
@@ -28362,7 +28737,7 @@
           <p:nvPr>
             <p:extLst>
               <p:ext uri="{386F3935-93C4-4BCD-93E2-E3B085C9AB24}">
-                <p16:designElem xmlns:p16="http://schemas.microsoft.com/office/powerpoint/2015/main" val="1"/>
+                <p16:designElem xmlns="" xmlns:p16="http://schemas.microsoft.com/office/powerpoint/2015/main" val="1"/>
               </p:ext>
             </p:extLst>
           </p:nvPr>
@@ -28437,10 +28812,10 @@
           <p:cNvPr id="37" name="Oval 36">
             <a:extLst>
               <a:ext uri="{FF2B5EF4-FFF2-40B4-BE49-F238E27FC236}">
-                <a16:creationId xmlns:a16="http://schemas.microsoft.com/office/drawing/2014/main" id="{04E48745-7512-4EC2-9E20-9092D12150CA}"/>
+                <a16:creationId xmlns="" xmlns:a16="http://schemas.microsoft.com/office/drawing/2014/main" id="{04E48745-7512-4EC2-9E20-9092D12150CA}"/>
               </a:ext>
               <a:ext uri="{C183D7F6-B498-43B3-948B-1728B52AA6E4}">
-                <adec:decorative xmlns:adec="http://schemas.microsoft.com/office/drawing/2017/decorative" val="1"/>
+                <adec:decorative xmlns="" xmlns:adec="http://schemas.microsoft.com/office/drawing/2017/decorative" val="1"/>
               </a:ext>
             </a:extLst>
           </p:cNvPr>
@@ -28450,7 +28825,7 @@
           <p:nvPr>
             <p:extLst>
               <p:ext uri="{386F3935-93C4-4BCD-93E2-E3B085C9AB24}">
-                <p16:designElem xmlns:p16="http://schemas.microsoft.com/office/powerpoint/2015/main" val="1"/>
+                <p16:designElem xmlns="" xmlns:p16="http://schemas.microsoft.com/office/powerpoint/2015/main" val="1"/>
               </p:ext>
             </p:extLst>
           </p:nvPr>
@@ -28657,10 +29032,10 @@
           <p:cNvPr id="11" name="Rectangle 10">
             <a:extLst>
               <a:ext uri="{FF2B5EF4-FFF2-40B4-BE49-F238E27FC236}">
-                <a16:creationId xmlns:a16="http://schemas.microsoft.com/office/drawing/2014/main" id="{3FD711E9-7F79-40A9-8D9E-4AE293C154A5}"/>
+                <a16:creationId xmlns="" xmlns:a16="http://schemas.microsoft.com/office/drawing/2014/main" id="{3FD711E9-7F79-40A9-8D9E-4AE293C154A5}"/>
               </a:ext>
               <a:ext uri="{C183D7F6-B498-43B3-948B-1728B52AA6E4}">
-                <adec:decorative xmlns:adec="http://schemas.microsoft.com/office/drawing/2017/decorative" val="1"/>
+                <adec:decorative xmlns="" xmlns:adec="http://schemas.microsoft.com/office/drawing/2017/decorative" val="1"/>
               </a:ext>
             </a:extLst>
           </p:cNvPr>
@@ -28670,7 +29045,7 @@
           <p:nvPr>
             <p:extLst>
               <p:ext uri="{386F3935-93C4-4BCD-93E2-E3B085C9AB24}">
-                <p16:designElem xmlns:p16="http://schemas.microsoft.com/office/powerpoint/2015/main" val="1"/>
+                <p16:designElem xmlns="" xmlns:p16="http://schemas.microsoft.com/office/powerpoint/2015/main" val="1"/>
               </p:ext>
             </p:extLst>
           </p:nvPr>
@@ -28779,7 +29154,7 @@
           <p:cNvPr id="6" name="Content Placeholder 2">
             <a:extLst>
               <a:ext uri="{FF2B5EF4-FFF2-40B4-BE49-F238E27FC236}">
-                <a16:creationId xmlns:a16="http://schemas.microsoft.com/office/drawing/2014/main" id="{BA86D370-9446-4C17-B6B6-C49901A6AD60}"/>
+                <a16:creationId xmlns="" xmlns:a16="http://schemas.microsoft.com/office/drawing/2014/main" id="{BA86D370-9446-4C17-B6B6-C49901A6AD60}"/>
               </a:ext>
             </a:extLst>
           </p:cNvPr>
@@ -28848,7 +29223,7 @@
           <p:cNvPr id="2" name="Title 1">
             <a:extLst>
               <a:ext uri="{FF2B5EF4-FFF2-40B4-BE49-F238E27FC236}">
-                <a16:creationId xmlns:a16="http://schemas.microsoft.com/office/drawing/2014/main" id="{20171404-870B-4F91-AC7F-6FA08826187D}"/>
+                <a16:creationId xmlns="" xmlns:a16="http://schemas.microsoft.com/office/drawing/2014/main" id="{20171404-870B-4F91-AC7F-6FA08826187D}"/>
               </a:ext>
             </a:extLst>
           </p:cNvPr>
@@ -28884,10 +29259,10 @@
           <p:cNvPr id="35" name="Rectangle 34">
             <a:extLst>
               <a:ext uri="{FF2B5EF4-FFF2-40B4-BE49-F238E27FC236}">
-                <a16:creationId xmlns:a16="http://schemas.microsoft.com/office/drawing/2014/main" id="{3FD711E9-7F79-40A9-8D9E-4AE293C154A5}"/>
+                <a16:creationId xmlns="" xmlns:a16="http://schemas.microsoft.com/office/drawing/2014/main" id="{3FD711E9-7F79-40A9-8D9E-4AE293C154A5}"/>
               </a:ext>
               <a:ext uri="{C183D7F6-B498-43B3-948B-1728B52AA6E4}">
-                <adec:decorative xmlns:adec="http://schemas.microsoft.com/office/drawing/2017/decorative" val="1"/>
+                <adec:decorative xmlns="" xmlns:adec="http://schemas.microsoft.com/office/drawing/2017/decorative" val="1"/>
               </a:ext>
             </a:extLst>
           </p:cNvPr>
@@ -28897,7 +29272,7 @@
           <p:nvPr>
             <p:extLst>
               <p:ext uri="{386F3935-93C4-4BCD-93E2-E3B085C9AB24}">
-                <p16:designElem xmlns:p16="http://schemas.microsoft.com/office/powerpoint/2015/main" val="1"/>
+                <p16:designElem xmlns="" xmlns:p16="http://schemas.microsoft.com/office/powerpoint/2015/main" val="1"/>
               </p:ext>
             </p:extLst>
           </p:nvPr>
@@ -28966,7 +29341,7 @@
           <p:cNvPr id="4" name="Slide Number Placeholder 3">
             <a:extLst>
               <a:ext uri="{FF2B5EF4-FFF2-40B4-BE49-F238E27FC236}">
-                <a16:creationId xmlns:a16="http://schemas.microsoft.com/office/drawing/2014/main" id="{F1040E11-B5E6-446E-AFE8-32067D053762}"/>
+                <a16:creationId xmlns="" xmlns:a16="http://schemas.microsoft.com/office/drawing/2014/main" id="{F1040E11-B5E6-446E-AFE8-32067D053762}"/>
               </a:ext>
             </a:extLst>
           </p:cNvPr>
@@ -29012,7 +29387,7 @@
           <p:cNvPr id="25" name="Content Placeholder 2">
             <a:extLst>
               <a:ext uri="{FF2B5EF4-FFF2-40B4-BE49-F238E27FC236}">
-                <a16:creationId xmlns:a16="http://schemas.microsoft.com/office/drawing/2014/main" id="{C89107A5-AE3E-49D3-87FD-426BC572CEC7}"/>
+                <a16:creationId xmlns="" xmlns:a16="http://schemas.microsoft.com/office/drawing/2014/main" id="{C89107A5-AE3E-49D3-87FD-426BC572CEC7}"/>
               </a:ext>
             </a:extLst>
           </p:cNvPr>
@@ -29081,7 +29456,7 @@
           <p:cNvPr id="2" name="Title 1">
             <a:extLst>
               <a:ext uri="{FF2B5EF4-FFF2-40B4-BE49-F238E27FC236}">
-                <a16:creationId xmlns:a16="http://schemas.microsoft.com/office/drawing/2014/main" id="{64708F30-220A-49A3-8CDA-ED245F7F9D30}"/>
+                <a16:creationId xmlns="" xmlns:a16="http://schemas.microsoft.com/office/drawing/2014/main" id="{64708F30-220A-49A3-8CDA-ED245F7F9D30}"/>
               </a:ext>
             </a:extLst>
           </p:cNvPr>
@@ -29122,10 +29497,10 @@
           <p:cNvPr id="11" name="Rectangle 10">
             <a:extLst>
               <a:ext uri="{FF2B5EF4-FFF2-40B4-BE49-F238E27FC236}">
-                <a16:creationId xmlns:a16="http://schemas.microsoft.com/office/drawing/2014/main" id="{3FD711E9-7F79-40A9-8D9E-4AE293C154A5}"/>
+                <a16:creationId xmlns="" xmlns:a16="http://schemas.microsoft.com/office/drawing/2014/main" id="{3FD711E9-7F79-40A9-8D9E-4AE293C154A5}"/>
               </a:ext>
               <a:ext uri="{C183D7F6-B498-43B3-948B-1728B52AA6E4}">
-                <adec:decorative xmlns:adec="http://schemas.microsoft.com/office/drawing/2017/decorative" val="1"/>
+                <adec:decorative xmlns="" xmlns:adec="http://schemas.microsoft.com/office/drawing/2017/decorative" val="1"/>
               </a:ext>
             </a:extLst>
           </p:cNvPr>
@@ -29135,7 +29510,7 @@
           <p:nvPr>
             <p:extLst>
               <p:ext uri="{386F3935-93C4-4BCD-93E2-E3B085C9AB24}">
-                <p16:designElem xmlns:p16="http://schemas.microsoft.com/office/powerpoint/2015/main" val="1"/>
+                <p16:designElem xmlns="" xmlns:p16="http://schemas.microsoft.com/office/powerpoint/2015/main" val="1"/>
               </p:ext>
             </p:extLst>
           </p:nvPr>
@@ -29204,7 +29579,7 @@
           <p:cNvPr id="4" name="Slide Number Placeholder 3">
             <a:extLst>
               <a:ext uri="{FF2B5EF4-FFF2-40B4-BE49-F238E27FC236}">
-                <a16:creationId xmlns:a16="http://schemas.microsoft.com/office/drawing/2014/main" id="{4C6ADBB5-F093-43EC-A59C-732582C300EB}"/>
+                <a16:creationId xmlns="" xmlns:a16="http://schemas.microsoft.com/office/drawing/2014/main" id="{4C6ADBB5-F093-43EC-A59C-732582C300EB}"/>
               </a:ext>
             </a:extLst>
           </p:cNvPr>
@@ -29250,7 +29625,7 @@
           <p:cNvPr id="6" name="Content Placeholder 2">
             <a:extLst>
               <a:ext uri="{FF2B5EF4-FFF2-40B4-BE49-F238E27FC236}">
-                <a16:creationId xmlns:a16="http://schemas.microsoft.com/office/drawing/2014/main" id="{EC0F3C5D-82E6-45CF-B860-6486ABF7DA91}"/>
+                <a16:creationId xmlns="" xmlns:a16="http://schemas.microsoft.com/office/drawing/2014/main" id="{EC0F3C5D-82E6-45CF-B860-6486ABF7DA91}"/>
               </a:ext>
             </a:extLst>
           </p:cNvPr>
@@ -29286,6 +29661,13 @@
   <p:clrMapOvr>
     <a:masterClrMapping/>
   </p:clrMapOvr>
+  <p:timing>
+    <p:tnLst>
+      <p:par>
+        <p:cTn id="1" dur="indefinite" restart="never" nodeType="tmRoot"/>
+      </p:par>
+    </p:tnLst>
+  </p:timing>
 </p:sld>
 </file>
 
@@ -29350,10 +29732,10 @@
           <p:cNvPr id="11" name="Rectangle 10">
             <a:extLst>
               <a:ext uri="{FF2B5EF4-FFF2-40B4-BE49-F238E27FC236}">
-                <a16:creationId xmlns:a16="http://schemas.microsoft.com/office/drawing/2014/main" id="{3FD711E9-7F79-40A9-8D9E-4AE293C154A5}"/>
+                <a16:creationId xmlns="" xmlns:a16="http://schemas.microsoft.com/office/drawing/2014/main" id="{3FD711E9-7F79-40A9-8D9E-4AE293C154A5}"/>
               </a:ext>
               <a:ext uri="{C183D7F6-B498-43B3-948B-1728B52AA6E4}">
-                <adec:decorative xmlns:adec="http://schemas.microsoft.com/office/drawing/2017/decorative" val="1"/>
+                <adec:decorative xmlns="" xmlns:adec="http://schemas.microsoft.com/office/drawing/2017/decorative" val="1"/>
               </a:ext>
             </a:extLst>
           </p:cNvPr>
@@ -29363,7 +29745,7 @@
           <p:nvPr>
             <p:extLst>
               <p:ext uri="{386F3935-93C4-4BCD-93E2-E3B085C9AB24}">
-                <p16:designElem xmlns:p16="http://schemas.microsoft.com/office/powerpoint/2015/main" val="1"/>
+                <p16:designElem xmlns="" xmlns:p16="http://schemas.microsoft.com/office/powerpoint/2015/main" val="1"/>
               </p:ext>
             </p:extLst>
           </p:nvPr>
@@ -29472,7 +29854,7 @@
           <p:cNvPr id="6" name="Content Placeholder 2">
             <a:extLst>
               <a:ext uri="{FF2B5EF4-FFF2-40B4-BE49-F238E27FC236}">
-                <a16:creationId xmlns:a16="http://schemas.microsoft.com/office/drawing/2014/main" id="{A9D8E9A4-B308-4EE1-B695-D9C47C0D4F88}"/>
+                <a16:creationId xmlns="" xmlns:a16="http://schemas.microsoft.com/office/drawing/2014/main" id="{A9D8E9A4-B308-4EE1-B695-D9C47C0D4F88}"/>
               </a:ext>
             </a:extLst>
           </p:cNvPr>
@@ -29483,7 +29865,7 @@
             <p:ph idx="1"/>
             <p:extLst>
               <p:ext uri="{D42A27DB-BD31-4B8C-83A1-F6EECF244321}">
-                <p14:modId xmlns:p14="http://schemas.microsoft.com/office/powerpoint/2010/main" val="3940957371"/>
+                <p14:modId xmlns:p14="http://schemas.microsoft.com/office/powerpoint/2010/main" val="1953416155"/>
               </p:ext>
             </p:extLst>
           </p:nvPr>
@@ -29508,6 +29890,13 @@
   <p:clrMapOvr>
     <a:masterClrMapping/>
   </p:clrMapOvr>
+  <p:timing>
+    <p:tnLst>
+      <p:par>
+        <p:cTn id="1" dur="indefinite" restart="never" nodeType="tmRoot"/>
+      </p:par>
+    </p:tnLst>
+  </p:timing>
 </p:sld>
 </file>
 
@@ -29636,6 +30025,13 @@
   <p:clrMapOvr>
     <a:masterClrMapping/>
   </p:clrMapOvr>
+  <p:timing>
+    <p:tnLst>
+      <p:par>
+        <p:cTn id="1" dur="indefinite" restart="never" nodeType="tmRoot"/>
+      </p:par>
+    </p:tnLst>
+  </p:timing>
 </p:sld>
 </file>
 
@@ -29700,10 +30096,10 @@
           <p:cNvPr id="16" name="Rectangle 15">
             <a:extLst>
               <a:ext uri="{FF2B5EF4-FFF2-40B4-BE49-F238E27FC236}">
-                <a16:creationId xmlns:a16="http://schemas.microsoft.com/office/drawing/2014/main" id="{3FD711E9-7F79-40A9-8D9E-4AE293C154A5}"/>
+                <a16:creationId xmlns="" xmlns:a16="http://schemas.microsoft.com/office/drawing/2014/main" id="{3FD711E9-7F79-40A9-8D9E-4AE293C154A5}"/>
               </a:ext>
               <a:ext uri="{C183D7F6-B498-43B3-948B-1728B52AA6E4}">
-                <adec:decorative xmlns:adec="http://schemas.microsoft.com/office/drawing/2017/decorative" val="1"/>
+                <adec:decorative xmlns="" xmlns:adec="http://schemas.microsoft.com/office/drawing/2017/decorative" val="1"/>
               </a:ext>
             </a:extLst>
           </p:cNvPr>
@@ -29713,7 +30109,7 @@
           <p:nvPr>
             <p:extLst>
               <p:ext uri="{386F3935-93C4-4BCD-93E2-E3B085C9AB24}">
-                <p16:designElem xmlns:p16="http://schemas.microsoft.com/office/powerpoint/2015/main" val="1"/>
+                <p16:designElem xmlns="" xmlns:p16="http://schemas.microsoft.com/office/powerpoint/2015/main" val="1"/>
               </p:ext>
             </p:extLst>
           </p:nvPr>
@@ -29822,7 +30218,7 @@
           <p:cNvPr id="6" name="Content Placeholder 2">
             <a:extLst>
               <a:ext uri="{FF2B5EF4-FFF2-40B4-BE49-F238E27FC236}">
-                <a16:creationId xmlns:a16="http://schemas.microsoft.com/office/drawing/2014/main" id="{6358C9DB-7B63-4876-84D3-25AD0F9ED706}"/>
+                <a16:creationId xmlns="" xmlns:a16="http://schemas.microsoft.com/office/drawing/2014/main" id="{6358C9DB-7B63-4876-84D3-25AD0F9ED706}"/>
               </a:ext>
             </a:extLst>
           </p:cNvPr>
@@ -29883,7 +30279,7 @@
           <p:cNvPr id="2" name="Title 1">
             <a:extLst>
               <a:ext uri="{FF2B5EF4-FFF2-40B4-BE49-F238E27FC236}">
-                <a16:creationId xmlns:a16="http://schemas.microsoft.com/office/drawing/2014/main" id="{70C6D9C5-64E8-4478-BFDC-92235C099C97}"/>
+                <a16:creationId xmlns="" xmlns:a16="http://schemas.microsoft.com/office/drawing/2014/main" id="{70C6D9C5-64E8-4478-BFDC-92235C099C97}"/>
               </a:ext>
             </a:extLst>
           </p:cNvPr>
@@ -29912,7 +30308,7 @@
           <p:cNvPr id="3" name="Content Placeholder 2">
             <a:extLst>
               <a:ext uri="{FF2B5EF4-FFF2-40B4-BE49-F238E27FC236}">
-                <a16:creationId xmlns:a16="http://schemas.microsoft.com/office/drawing/2014/main" id="{473C2F26-4371-43EE-B09C-475656F3393D}"/>
+                <a16:creationId xmlns="" xmlns:a16="http://schemas.microsoft.com/office/drawing/2014/main" id="{473C2F26-4371-43EE-B09C-475656F3393D}"/>
               </a:ext>
             </a:extLst>
           </p:cNvPr>
@@ -29931,11 +30327,14 @@
           <a:lstStyle/>
           <a:p>
             <a:r>
-              <a:rPr lang="en-US" sz="2900" dirty="0">
+              <a:rPr lang="en-US" sz="2900" dirty="0" smtClean="0">
                 <a:latin typeface="+mj-lt"/>
               </a:rPr>
-              <a:t>Schema bloc</a:t>
+              <a:t>Arhitectura sistemului</a:t>
             </a:r>
+            <a:endParaRPr lang="en-US" sz="2900" dirty="0">
+              <a:latin typeface="+mj-lt"/>
+            </a:endParaRPr>
           </a:p>
           <a:p>
             <a:r>
@@ -29953,19 +30352,43 @@
           </a:p>
           <a:p>
             <a:r>
-              <a:rPr lang="ro-RO" sz="2900" dirty="0">
+              <a:rPr lang="en-US" sz="2900" dirty="0" smtClean="0">
+                <a:latin typeface="+mj-lt"/>
+              </a:rPr>
+              <a:t>Unelte </a:t>
+            </a:r>
+            <a:r>
+              <a:rPr lang="ro-RO" sz="2900" dirty="0" smtClean="0">
                 <a:latin typeface="+mj-lt"/>
               </a:rPr>
               <a:t>Hardware</a:t>
             </a:r>
+            <a:r>
+              <a:rPr lang="en-US" sz="2900" dirty="0" smtClean="0">
+                <a:latin typeface="+mj-lt"/>
+              </a:rPr>
+              <a:t> </a:t>
+            </a:r>
+            <a:endParaRPr lang="ro-RO" sz="2900" dirty="0">
+              <a:latin typeface="+mj-lt"/>
+            </a:endParaRPr>
           </a:p>
           <a:p>
             <a:r>
-              <a:rPr lang="ro-RO" sz="2900" dirty="0">
+              <a:rPr lang="en-US" sz="2900" dirty="0" smtClean="0">
+                <a:latin typeface="+mj-lt"/>
+              </a:rPr>
+              <a:t>Unelte </a:t>
+            </a:r>
+            <a:r>
+              <a:rPr lang="ro-RO" sz="2900" dirty="0" smtClean="0">
                 <a:latin typeface="+mj-lt"/>
               </a:rPr>
               <a:t>Software</a:t>
             </a:r>
+            <a:endParaRPr lang="ro-RO" sz="2900" dirty="0">
+              <a:latin typeface="+mj-lt"/>
+            </a:endParaRPr>
           </a:p>
           <a:p>
             <a:r>
@@ -30003,7 +30426,7 @@
           <p:cNvPr id="4" name="Slide Number Placeholder 3">
             <a:extLst>
               <a:ext uri="{FF2B5EF4-FFF2-40B4-BE49-F238E27FC236}">
-                <a16:creationId xmlns:a16="http://schemas.microsoft.com/office/drawing/2014/main" id="{543436BA-E81E-4D8F-8F85-125739BAE4ED}"/>
+                <a16:creationId xmlns="" xmlns:a16="http://schemas.microsoft.com/office/drawing/2014/main" id="{543436BA-E81E-4D8F-8F85-125739BAE4ED}"/>
               </a:ext>
             </a:extLst>
           </p:cNvPr>
@@ -30079,11 +30502,25 @@
           <a:p>
             <a:pPr algn="ctr"/>
             <a:r>
+              <a:rPr lang="en-US" dirty="0" smtClean="0">
+                <a:latin typeface="Arial" pitchFamily="34" charset="0"/>
+                <a:cs typeface="Arial" pitchFamily="34" charset="0"/>
+              </a:rPr>
+              <a:t>Arhitectur</a:t>
+            </a:r>
+            <a:r>
+              <a:rPr lang="ro-RO" dirty="0" smtClean="0">
+                <a:latin typeface="Arial" pitchFamily="34" charset="0"/>
+                <a:cs typeface="Arial" pitchFamily="34" charset="0"/>
+              </a:rPr>
+              <a:t>a </a:t>
+            </a:r>
+            <a:r>
               <a:rPr lang="ro-RO" dirty="0">
                 <a:latin typeface="Arial" pitchFamily="34" charset="0"/>
                 <a:cs typeface="Arial" pitchFamily="34" charset="0"/>
               </a:rPr>
-              <a:t>Schema bloc a sistemului</a:t>
+              <a:t>sistemului</a:t>
             </a:r>
             <a:endParaRPr lang="en-US" dirty="0">
               <a:latin typeface="Arial" pitchFamily="34" charset="0"/>
@@ -30229,10 +30666,10 @@
           <p:cNvPr id="11" name="Rectangle 10">
             <a:extLst>
               <a:ext uri="{FF2B5EF4-FFF2-40B4-BE49-F238E27FC236}">
-                <a16:creationId xmlns:a16="http://schemas.microsoft.com/office/drawing/2014/main" id="{3FD711E9-7F79-40A9-8D9E-4AE293C154A5}"/>
+                <a16:creationId xmlns="" xmlns:a16="http://schemas.microsoft.com/office/drawing/2014/main" id="{3FD711E9-7F79-40A9-8D9E-4AE293C154A5}"/>
               </a:ext>
               <a:ext uri="{C183D7F6-B498-43B3-948B-1728B52AA6E4}">
-                <adec:decorative xmlns:adec="http://schemas.microsoft.com/office/drawing/2017/decorative" val="1"/>
+                <adec:decorative xmlns="" xmlns:adec="http://schemas.microsoft.com/office/drawing/2017/decorative" val="1"/>
               </a:ext>
             </a:extLst>
           </p:cNvPr>
@@ -30242,7 +30679,7 @@
           <p:nvPr>
             <p:extLst>
               <p:ext uri="{386F3935-93C4-4BCD-93E2-E3B085C9AB24}">
-                <p16:designElem xmlns:p16="http://schemas.microsoft.com/office/powerpoint/2015/main" val="1"/>
+                <p16:designElem xmlns="" xmlns:p16="http://schemas.microsoft.com/office/powerpoint/2015/main" val="1"/>
               </p:ext>
             </p:extLst>
           </p:nvPr>
@@ -30351,7 +30788,7 @@
           <p:cNvPr id="6" name="Content Placeholder 2">
             <a:extLst>
               <a:ext uri="{FF2B5EF4-FFF2-40B4-BE49-F238E27FC236}">
-                <a16:creationId xmlns:a16="http://schemas.microsoft.com/office/drawing/2014/main" id="{09B1999A-2394-4784-A78A-D9DD6638CBB1}"/>
+                <a16:creationId xmlns="" xmlns:a16="http://schemas.microsoft.com/office/drawing/2014/main" id="{09B1999A-2394-4784-A78A-D9DD6638CBB1}"/>
               </a:ext>
             </a:extLst>
           </p:cNvPr>
@@ -30420,7 +30857,7 @@
           <p:cNvPr id="2" name="Title 1">
             <a:extLst>
               <a:ext uri="{FF2B5EF4-FFF2-40B4-BE49-F238E27FC236}">
-                <a16:creationId xmlns:a16="http://schemas.microsoft.com/office/drawing/2014/main" id="{5F3B14D9-550A-4603-AE2C-4A235FBBA816}"/>
+                <a16:creationId xmlns="" xmlns:a16="http://schemas.microsoft.com/office/drawing/2014/main" id="{5F3B14D9-550A-4603-AE2C-4A235FBBA816}"/>
               </a:ext>
             </a:extLst>
           </p:cNvPr>
@@ -30443,6 +30880,7 @@
           </a:bodyPr>
           <a:lstStyle/>
           <a:p>
+            <a:pPr algn="ctr"/>
             <a:r>
               <a:rPr lang="en-US" dirty="0"/>
               <a:t>Hardware</a:t>
@@ -30451,7 +30889,7 @@
               <a:rPr lang="ro-RO" dirty="0"/>
               <a:t> (1)</a:t>
             </a:r>
-            <a:endParaRPr lang="en-US"/>
+            <a:endParaRPr lang="en-US" dirty="0"/>
           </a:p>
         </p:txBody>
       </p:sp>
@@ -30460,10 +30898,10 @@
           <p:cNvPr id="16" name="Rectangle 15">
             <a:extLst>
               <a:ext uri="{FF2B5EF4-FFF2-40B4-BE49-F238E27FC236}">
-                <a16:creationId xmlns:a16="http://schemas.microsoft.com/office/drawing/2014/main" id="{3FD711E9-7F79-40A9-8D9E-4AE293C154A5}"/>
+                <a16:creationId xmlns="" xmlns:a16="http://schemas.microsoft.com/office/drawing/2014/main" id="{3FD711E9-7F79-40A9-8D9E-4AE293C154A5}"/>
               </a:ext>
               <a:ext uri="{C183D7F6-B498-43B3-948B-1728B52AA6E4}">
-                <adec:decorative xmlns:adec="http://schemas.microsoft.com/office/drawing/2017/decorative" val="1"/>
+                <adec:decorative xmlns="" xmlns:adec="http://schemas.microsoft.com/office/drawing/2017/decorative" val="1"/>
               </a:ext>
             </a:extLst>
           </p:cNvPr>
@@ -30473,7 +30911,7 @@
           <p:nvPr>
             <p:extLst>
               <p:ext uri="{386F3935-93C4-4BCD-93E2-E3B085C9AB24}">
-                <p16:designElem xmlns:p16="http://schemas.microsoft.com/office/powerpoint/2015/main" val="1"/>
+                <p16:designElem xmlns="" xmlns:p16="http://schemas.microsoft.com/office/powerpoint/2015/main" val="1"/>
               </p:ext>
             </p:extLst>
           </p:nvPr>
@@ -30533,7 +30971,7 @@
           <a:lstStyle/>
           <a:p>
             <a:pPr algn="ctr"/>
-            <a:endParaRPr lang="en-US"/>
+            <a:endParaRPr lang="en-US" dirty="0"/>
           </a:p>
         </p:txBody>
       </p:sp>
@@ -30542,7 +30980,7 @@
           <p:cNvPr id="4" name="Slide Number Placeholder 3">
             <a:extLst>
               <a:ext uri="{FF2B5EF4-FFF2-40B4-BE49-F238E27FC236}">
-                <a16:creationId xmlns:a16="http://schemas.microsoft.com/office/drawing/2014/main" id="{4E707F7B-000B-4ECD-9B77-ECC0C1DD16DD}"/>
+                <a16:creationId xmlns="" xmlns:a16="http://schemas.microsoft.com/office/drawing/2014/main" id="{4E707F7B-000B-4ECD-9B77-ECC0C1DD16DD}"/>
               </a:ext>
             </a:extLst>
           </p:cNvPr>
@@ -30588,7 +31026,7 @@
           <p:cNvPr id="6" name="Content Placeholder 2">
             <a:extLst>
               <a:ext uri="{FF2B5EF4-FFF2-40B4-BE49-F238E27FC236}">
-                <a16:creationId xmlns:a16="http://schemas.microsoft.com/office/drawing/2014/main" id="{59A4307A-0181-4594-977B-4087C0CFBAF8}"/>
+                <a16:creationId xmlns="" xmlns:a16="http://schemas.microsoft.com/office/drawing/2014/main" id="{59A4307A-0181-4594-977B-4087C0CFBAF8}"/>
               </a:ext>
             </a:extLst>
           </p:cNvPr>
@@ -30619,7 +31057,7 @@
           <p:cNvPr id="7" name="Rectangle: Rounded Corners 6">
             <a:extLst>
               <a:ext uri="{FF2B5EF4-FFF2-40B4-BE49-F238E27FC236}">
-                <a16:creationId xmlns:a16="http://schemas.microsoft.com/office/drawing/2014/main" id="{FE7337C6-5EBE-44AA-BA96-13AB2377562C}"/>
+                <a16:creationId xmlns="" xmlns:a16="http://schemas.microsoft.com/office/drawing/2014/main" id="{FE7337C6-5EBE-44AA-BA96-13AB2377562C}"/>
               </a:ext>
             </a:extLst>
           </p:cNvPr>
@@ -30679,7 +31117,7 @@
           <p:cNvPr id="8" name="Rectangle: Rounded Corners 7">
             <a:extLst>
               <a:ext uri="{FF2B5EF4-FFF2-40B4-BE49-F238E27FC236}">
-                <a16:creationId xmlns:a16="http://schemas.microsoft.com/office/drawing/2014/main" id="{BEC78F7D-4F08-42F6-B2D9-847BA362E72E}"/>
+                <a16:creationId xmlns="" xmlns:a16="http://schemas.microsoft.com/office/drawing/2014/main" id="{BEC78F7D-4F08-42F6-B2D9-847BA362E72E}"/>
               </a:ext>
             </a:extLst>
           </p:cNvPr>
@@ -30739,7 +31177,7 @@
           <p:cNvPr id="9" name="Rectangle: Rounded Corners 8">
             <a:extLst>
               <a:ext uri="{FF2B5EF4-FFF2-40B4-BE49-F238E27FC236}">
-                <a16:creationId xmlns:a16="http://schemas.microsoft.com/office/drawing/2014/main" id="{FECA7078-DDED-45FE-BC63-9F2BAA5E13E3}"/>
+                <a16:creationId xmlns="" xmlns:a16="http://schemas.microsoft.com/office/drawing/2014/main" id="{FECA7078-DDED-45FE-BC63-9F2BAA5E13E3}"/>
               </a:ext>
             </a:extLst>
           </p:cNvPr>
@@ -30837,7 +31275,7 @@
           <p:cNvPr id="2" name="Title 1">
             <a:extLst>
               <a:ext uri="{FF2B5EF4-FFF2-40B4-BE49-F238E27FC236}">
-                <a16:creationId xmlns:a16="http://schemas.microsoft.com/office/drawing/2014/main" id="{4DF4C6AB-EAC5-41E7-A3B5-A1D552590597}"/>
+                <a16:creationId xmlns="" xmlns:a16="http://schemas.microsoft.com/office/drawing/2014/main" id="{4DF4C6AB-EAC5-41E7-A3B5-A1D552590597}"/>
               </a:ext>
             </a:extLst>
           </p:cNvPr>
@@ -30874,10 +31312,10 @@
           <p:cNvPr id="11" name="Rectangle 10">
             <a:extLst>
               <a:ext uri="{FF2B5EF4-FFF2-40B4-BE49-F238E27FC236}">
-                <a16:creationId xmlns:a16="http://schemas.microsoft.com/office/drawing/2014/main" id="{3FD711E9-7F79-40A9-8D9E-4AE293C154A5}"/>
+                <a16:creationId xmlns="" xmlns:a16="http://schemas.microsoft.com/office/drawing/2014/main" id="{3FD711E9-7F79-40A9-8D9E-4AE293C154A5}"/>
               </a:ext>
               <a:ext uri="{C183D7F6-B498-43B3-948B-1728B52AA6E4}">
-                <adec:decorative xmlns:adec="http://schemas.microsoft.com/office/drawing/2017/decorative" val="1"/>
+                <adec:decorative xmlns="" xmlns:adec="http://schemas.microsoft.com/office/drawing/2017/decorative" val="1"/>
               </a:ext>
             </a:extLst>
           </p:cNvPr>
@@ -30887,7 +31325,7 @@
           <p:nvPr>
             <p:extLst>
               <p:ext uri="{386F3935-93C4-4BCD-93E2-E3B085C9AB24}">
-                <p16:designElem xmlns:p16="http://schemas.microsoft.com/office/powerpoint/2015/main" val="1"/>
+                <p16:designElem xmlns="" xmlns:p16="http://schemas.microsoft.com/office/powerpoint/2015/main" val="1"/>
               </p:ext>
             </p:extLst>
           </p:nvPr>
@@ -30956,7 +31394,7 @@
           <p:cNvPr id="4" name="Slide Number Placeholder 3">
             <a:extLst>
               <a:ext uri="{FF2B5EF4-FFF2-40B4-BE49-F238E27FC236}">
-                <a16:creationId xmlns:a16="http://schemas.microsoft.com/office/drawing/2014/main" id="{72C1E673-FCA4-48C9-8D56-03068F07EB13}"/>
+                <a16:creationId xmlns="" xmlns:a16="http://schemas.microsoft.com/office/drawing/2014/main" id="{72C1E673-FCA4-48C9-8D56-03068F07EB13}"/>
               </a:ext>
             </a:extLst>
           </p:cNvPr>
@@ -31002,7 +31440,7 @@
           <p:cNvPr id="6" name="Content Placeholder 2">
             <a:extLst>
               <a:ext uri="{FF2B5EF4-FFF2-40B4-BE49-F238E27FC236}">
-                <a16:creationId xmlns:a16="http://schemas.microsoft.com/office/drawing/2014/main" id="{7917F929-5E38-446A-8EA9-D8E60BEFEF5F}"/>
+                <a16:creationId xmlns="" xmlns:a16="http://schemas.microsoft.com/office/drawing/2014/main" id="{7917F929-5E38-446A-8EA9-D8E60BEFEF5F}"/>
               </a:ext>
             </a:extLst>
           </p:cNvPr>
@@ -31033,7 +31471,7 @@
           <p:cNvPr id="7" name="Rectangle: Rounded Corners 6">
             <a:extLst>
               <a:ext uri="{FF2B5EF4-FFF2-40B4-BE49-F238E27FC236}">
-                <a16:creationId xmlns:a16="http://schemas.microsoft.com/office/drawing/2014/main" id="{06EDBB29-49B8-4490-B86A-45FEED1A3949}"/>
+                <a16:creationId xmlns="" xmlns:a16="http://schemas.microsoft.com/office/drawing/2014/main" id="{06EDBB29-49B8-4490-B86A-45FEED1A3949}"/>
               </a:ext>
             </a:extLst>
           </p:cNvPr>
@@ -31093,7 +31531,7 @@
           <p:cNvPr id="9" name="Rectangle: Rounded Corners 8">
             <a:extLst>
               <a:ext uri="{FF2B5EF4-FFF2-40B4-BE49-F238E27FC236}">
-                <a16:creationId xmlns:a16="http://schemas.microsoft.com/office/drawing/2014/main" id="{D4896989-E6EB-4891-90EB-8AF51A73669A}"/>
+                <a16:creationId xmlns="" xmlns:a16="http://schemas.microsoft.com/office/drawing/2014/main" id="{D4896989-E6EB-4891-90EB-8AF51A73669A}"/>
               </a:ext>
             </a:extLst>
           </p:cNvPr>
@@ -31153,7 +31591,7 @@
           <p:cNvPr id="16" name="Picture 15">
             <a:extLst>
               <a:ext uri="{FF2B5EF4-FFF2-40B4-BE49-F238E27FC236}">
-                <a16:creationId xmlns:a16="http://schemas.microsoft.com/office/drawing/2014/main" id="{62FD4B21-E132-4968-9694-0B0DC2C758D6}"/>
+                <a16:creationId xmlns="" xmlns:a16="http://schemas.microsoft.com/office/drawing/2014/main" id="{62FD4B21-E132-4968-9694-0B0DC2C758D6}"/>
               </a:ext>
             </a:extLst>
           </p:cNvPr>
@@ -31227,7 +31665,7 @@
           <p:cNvPr id="2" name="Title 1">
             <a:extLst>
               <a:ext uri="{FF2B5EF4-FFF2-40B4-BE49-F238E27FC236}">
-                <a16:creationId xmlns:a16="http://schemas.microsoft.com/office/drawing/2014/main" id="{3CFBC153-C83D-4D33-B185-F54768A9773C}"/>
+                <a16:creationId xmlns="" xmlns:a16="http://schemas.microsoft.com/office/drawing/2014/main" id="{3CFBC153-C83D-4D33-B185-F54768A9773C}"/>
               </a:ext>
             </a:extLst>
           </p:cNvPr>
@@ -31252,8 +31690,8 @@
           <a:p>
             <a:pPr algn="ctr"/>
             <a:r>
-              <a:rPr lang="ro-RO" dirty="0"/>
-              <a:t>Tehnologii utilizate</a:t>
+              <a:rPr lang="en-US" dirty="0" smtClean="0"/>
+              <a:t>Unelte Software</a:t>
             </a:r>
             <a:endParaRPr lang="en-US" dirty="0"/>
           </a:p>
@@ -31264,10 +31702,10 @@
           <p:cNvPr id="11" name="Rectangle 10">
             <a:extLst>
               <a:ext uri="{FF2B5EF4-FFF2-40B4-BE49-F238E27FC236}">
-                <a16:creationId xmlns:a16="http://schemas.microsoft.com/office/drawing/2014/main" id="{3FD711E9-7F79-40A9-8D9E-4AE293C154A5}"/>
+                <a16:creationId xmlns="" xmlns:a16="http://schemas.microsoft.com/office/drawing/2014/main" id="{3FD711E9-7F79-40A9-8D9E-4AE293C154A5}"/>
               </a:ext>
               <a:ext uri="{C183D7F6-B498-43B3-948B-1728B52AA6E4}">
-                <adec:decorative xmlns:adec="http://schemas.microsoft.com/office/drawing/2017/decorative" val="1"/>
+                <adec:decorative xmlns="" xmlns:adec="http://schemas.microsoft.com/office/drawing/2017/decorative" val="1"/>
               </a:ext>
             </a:extLst>
           </p:cNvPr>
@@ -31277,7 +31715,7 @@
           <p:nvPr>
             <p:extLst>
               <p:ext uri="{386F3935-93C4-4BCD-93E2-E3B085C9AB24}">
-                <p16:designElem xmlns:p16="http://schemas.microsoft.com/office/powerpoint/2015/main" val="1"/>
+                <p16:designElem xmlns="" xmlns:p16="http://schemas.microsoft.com/office/powerpoint/2015/main" val="1"/>
               </p:ext>
             </p:extLst>
           </p:nvPr>
@@ -31346,7 +31784,7 @@
           <p:cNvPr id="4" name="Slide Number Placeholder 3">
             <a:extLst>
               <a:ext uri="{FF2B5EF4-FFF2-40B4-BE49-F238E27FC236}">
-                <a16:creationId xmlns:a16="http://schemas.microsoft.com/office/drawing/2014/main" id="{8708F1DC-B020-4A80-95EC-488AA0E7D9A8}"/>
+                <a16:creationId xmlns="" xmlns:a16="http://schemas.microsoft.com/office/drawing/2014/main" id="{8708F1DC-B020-4A80-95EC-488AA0E7D9A8}"/>
               </a:ext>
             </a:extLst>
           </p:cNvPr>
@@ -31392,7 +31830,7 @@
           <p:cNvPr id="6" name="Content Placeholder 2">
             <a:extLst>
               <a:ext uri="{FF2B5EF4-FFF2-40B4-BE49-F238E27FC236}">
-                <a16:creationId xmlns:a16="http://schemas.microsoft.com/office/drawing/2014/main" id="{1644A831-BD86-4E9E-AE2D-C3E9B570085C}"/>
+                <a16:creationId xmlns="" xmlns:a16="http://schemas.microsoft.com/office/drawing/2014/main" id="{1644A831-BD86-4E9E-AE2D-C3E9B570085C}"/>
               </a:ext>
             </a:extLst>
           </p:cNvPr>
@@ -31461,10 +31899,10 @@
           <p:cNvPr id="30" name="Rectangle 29">
             <a:extLst>
               <a:ext uri="{FF2B5EF4-FFF2-40B4-BE49-F238E27FC236}">
-                <a16:creationId xmlns:a16="http://schemas.microsoft.com/office/drawing/2014/main" id="{E009DD9B-5EE2-4C0D-8B2B-351C8C102205}"/>
+                <a16:creationId xmlns="" xmlns:a16="http://schemas.microsoft.com/office/drawing/2014/main" id="{E009DD9B-5EE2-4C0D-8B2B-351C8C102205}"/>
               </a:ext>
               <a:ext uri="{C183D7F6-B498-43B3-948B-1728B52AA6E4}">
-                <adec:decorative xmlns:adec="http://schemas.microsoft.com/office/drawing/2017/decorative" val="1"/>
+                <adec:decorative xmlns="" xmlns:adec="http://schemas.microsoft.com/office/drawing/2017/decorative" val="1"/>
               </a:ext>
             </a:extLst>
           </p:cNvPr>
@@ -31474,7 +31912,7 @@
           <p:nvPr>
             <p:extLst>
               <p:ext uri="{386F3935-93C4-4BCD-93E2-E3B085C9AB24}">
-                <p16:designElem xmlns:p16="http://schemas.microsoft.com/office/powerpoint/2015/main" val="1"/>
+                <p16:designElem xmlns="" xmlns:p16="http://schemas.microsoft.com/office/powerpoint/2015/main" val="1"/>
               </p:ext>
             </p:extLst>
           </p:nvPr>
@@ -31550,7 +31988,7 @@
           <p:cNvPr id="6" name="Content Placeholder 5">
             <a:extLst>
               <a:ext uri="{FF2B5EF4-FFF2-40B4-BE49-F238E27FC236}">
-                <a16:creationId xmlns:a16="http://schemas.microsoft.com/office/drawing/2014/main" id="{17486647-9B91-42BC-8343-094BE0C96172}"/>
+                <a16:creationId xmlns="" xmlns:a16="http://schemas.microsoft.com/office/drawing/2014/main" id="{17486647-9B91-42BC-8343-094BE0C96172}"/>
               </a:ext>
             </a:extLst>
           </p:cNvPr>
@@ -31588,10 +32026,10 @@
           <p:cNvPr id="32" name="Rectangle 31">
             <a:extLst>
               <a:ext uri="{FF2B5EF4-FFF2-40B4-BE49-F238E27FC236}">
-                <a16:creationId xmlns:a16="http://schemas.microsoft.com/office/drawing/2014/main" id="{E720DB99-7745-4E75-9D96-AAB6D55C531E}"/>
+                <a16:creationId xmlns="" xmlns:a16="http://schemas.microsoft.com/office/drawing/2014/main" id="{E720DB99-7745-4E75-9D96-AAB6D55C531E}"/>
               </a:ext>
               <a:ext uri="{C183D7F6-B498-43B3-948B-1728B52AA6E4}">
-                <adec:decorative xmlns:adec="http://schemas.microsoft.com/office/drawing/2017/decorative" val="1"/>
+                <adec:decorative xmlns="" xmlns:adec="http://schemas.microsoft.com/office/drawing/2017/decorative" val="1"/>
               </a:ext>
             </a:extLst>
           </p:cNvPr>
@@ -31601,7 +32039,7 @@
           <p:nvPr>
             <p:extLst>
               <p:ext uri="{386F3935-93C4-4BCD-93E2-E3B085C9AB24}">
-                <p16:designElem xmlns:p16="http://schemas.microsoft.com/office/powerpoint/2015/main" val="1"/>
+                <p16:designElem xmlns="" xmlns:p16="http://schemas.microsoft.com/office/powerpoint/2015/main" val="1"/>
               </p:ext>
             </p:extLst>
           </p:nvPr>
@@ -31662,10 +32100,10 @@
           <p:cNvPr id="34" name="Rectangle 33">
             <a:extLst>
               <a:ext uri="{FF2B5EF4-FFF2-40B4-BE49-F238E27FC236}">
-                <a16:creationId xmlns:a16="http://schemas.microsoft.com/office/drawing/2014/main" id="{D68803C4-E159-4360-B7BB-74205C8F782D}"/>
+                <a16:creationId xmlns="" xmlns:a16="http://schemas.microsoft.com/office/drawing/2014/main" id="{D68803C4-E159-4360-B7BB-74205C8F782D}"/>
               </a:ext>
               <a:ext uri="{C183D7F6-B498-43B3-948B-1728B52AA6E4}">
-                <adec:decorative xmlns:adec="http://schemas.microsoft.com/office/drawing/2017/decorative" val="1"/>
+                <adec:decorative xmlns="" xmlns:adec="http://schemas.microsoft.com/office/drawing/2017/decorative" val="1"/>
               </a:ext>
             </a:extLst>
           </p:cNvPr>
@@ -31675,7 +32113,7 @@
           <p:nvPr>
             <p:extLst>
               <p:ext uri="{386F3935-93C4-4BCD-93E2-E3B085C9AB24}">
-                <p16:designElem xmlns:p16="http://schemas.microsoft.com/office/powerpoint/2015/main" val="1"/>
+                <p16:designElem xmlns="" xmlns:p16="http://schemas.microsoft.com/office/powerpoint/2015/main" val="1"/>
               </p:ext>
             </p:extLst>
           </p:nvPr>
@@ -31736,7 +32174,7 @@
           <p:cNvPr id="2" name="Title 1">
             <a:extLst>
               <a:ext uri="{FF2B5EF4-FFF2-40B4-BE49-F238E27FC236}">
-                <a16:creationId xmlns:a16="http://schemas.microsoft.com/office/drawing/2014/main" id="{34D6937F-1795-4A26-A086-A7E90E3686E0}"/>
+                <a16:creationId xmlns="" xmlns:a16="http://schemas.microsoft.com/office/drawing/2014/main" id="{34D6937F-1795-4A26-A086-A7E90E3686E0}"/>
               </a:ext>
             </a:extLst>
           </p:cNvPr>
@@ -31776,7 +32214,7 @@
           <p:cNvPr id="5" name="Picture 4">
             <a:extLst>
               <a:ext uri="{FF2B5EF4-FFF2-40B4-BE49-F238E27FC236}">
-                <a16:creationId xmlns:a16="http://schemas.microsoft.com/office/drawing/2014/main" id="{935AA644-CB53-40D8-A49C-5D27BC1551B3}"/>
+                <a16:creationId xmlns="" xmlns:a16="http://schemas.microsoft.com/office/drawing/2014/main" id="{935AA644-CB53-40D8-A49C-5D27BC1551B3}"/>
               </a:ext>
             </a:extLst>
           </p:cNvPr>
@@ -31812,7 +32250,7 @@
           <p:cNvPr id="7" name="TextBox 6">
             <a:extLst>
               <a:ext uri="{FF2B5EF4-FFF2-40B4-BE49-F238E27FC236}">
-                <a16:creationId xmlns:a16="http://schemas.microsoft.com/office/drawing/2014/main" id="{3CE34ECB-BBCC-4298-ADD7-E9AA474BCF5D}"/>
+                <a16:creationId xmlns="" xmlns:a16="http://schemas.microsoft.com/office/drawing/2014/main" id="{3CE34ECB-BBCC-4298-ADD7-E9AA474BCF5D}"/>
               </a:ext>
             </a:extLst>
           </p:cNvPr>
@@ -31937,10 +32375,10 @@
           <p:cNvPr id="36" name="Rectangle 35">
             <a:extLst>
               <a:ext uri="{FF2B5EF4-FFF2-40B4-BE49-F238E27FC236}">
-                <a16:creationId xmlns:a16="http://schemas.microsoft.com/office/drawing/2014/main" id="{504B0465-3B07-49BF-BEA7-D81476246293}"/>
+                <a16:creationId xmlns="" xmlns:a16="http://schemas.microsoft.com/office/drawing/2014/main" id="{504B0465-3B07-49BF-BEA7-D81476246293}"/>
               </a:ext>
               <a:ext uri="{C183D7F6-B498-43B3-948B-1728B52AA6E4}">
-                <adec:decorative xmlns:adec="http://schemas.microsoft.com/office/drawing/2017/decorative" val="1"/>
+                <adec:decorative xmlns="" xmlns:adec="http://schemas.microsoft.com/office/drawing/2017/decorative" val="1"/>
               </a:ext>
             </a:extLst>
           </p:cNvPr>
@@ -31950,7 +32388,7 @@
           <p:nvPr>
             <p:extLst>
               <p:ext uri="{386F3935-93C4-4BCD-93E2-E3B085C9AB24}">
-                <p16:designElem xmlns:p16="http://schemas.microsoft.com/office/powerpoint/2015/main" val="1"/>
+                <p16:designElem xmlns="" xmlns:p16="http://schemas.microsoft.com/office/powerpoint/2015/main" val="1"/>
               </p:ext>
             </p:extLst>
           </p:nvPr>
@@ -32011,10 +32449,10 @@
           <p:cNvPr id="38" name="Oval 37">
             <a:extLst>
               <a:ext uri="{FF2B5EF4-FFF2-40B4-BE49-F238E27FC236}">
-                <a16:creationId xmlns:a16="http://schemas.microsoft.com/office/drawing/2014/main" id="{49B7FFA5-14CB-4A4F-9BCC-CA3AA5D9D276}"/>
+                <a16:creationId xmlns="" xmlns:a16="http://schemas.microsoft.com/office/drawing/2014/main" id="{49B7FFA5-14CB-4A4F-9BCC-CA3AA5D9D276}"/>
               </a:ext>
               <a:ext uri="{C183D7F6-B498-43B3-948B-1728B52AA6E4}">
-                <adec:decorative xmlns:adec="http://schemas.microsoft.com/office/drawing/2017/decorative" val="1"/>
+                <adec:decorative xmlns="" xmlns:adec="http://schemas.microsoft.com/office/drawing/2017/decorative" val="1"/>
               </a:ext>
             </a:extLst>
           </p:cNvPr>
@@ -32024,7 +32462,7 @@
           <p:nvPr>
             <p:extLst>
               <p:ext uri="{386F3935-93C4-4BCD-93E2-E3B085C9AB24}">
-                <p16:designElem xmlns:p16="http://schemas.microsoft.com/office/powerpoint/2015/main" val="1"/>
+                <p16:designElem xmlns="" xmlns:p16="http://schemas.microsoft.com/office/powerpoint/2015/main" val="1"/>
               </p:ext>
             </p:extLst>
           </p:nvPr>
@@ -32099,10 +32537,10 @@
           <p:cNvPr id="40" name="Oval 39">
             <a:extLst>
               <a:ext uri="{FF2B5EF4-FFF2-40B4-BE49-F238E27FC236}">
-                <a16:creationId xmlns:a16="http://schemas.microsoft.com/office/drawing/2014/main" id="{04E48745-7512-4EC2-9E20-9092D12150CA}"/>
+                <a16:creationId xmlns="" xmlns:a16="http://schemas.microsoft.com/office/drawing/2014/main" id="{04E48745-7512-4EC2-9E20-9092D12150CA}"/>
               </a:ext>
               <a:ext uri="{C183D7F6-B498-43B3-948B-1728B52AA6E4}">
-                <adec:decorative xmlns:adec="http://schemas.microsoft.com/office/drawing/2017/decorative" val="1"/>
+                <adec:decorative xmlns="" xmlns:adec="http://schemas.microsoft.com/office/drawing/2017/decorative" val="1"/>
               </a:ext>
             </a:extLst>
           </p:cNvPr>
@@ -32112,7 +32550,7 @@
           <p:nvPr>
             <p:extLst>
               <p:ext uri="{386F3935-93C4-4BCD-93E2-E3B085C9AB24}">
-                <p16:designElem xmlns:p16="http://schemas.microsoft.com/office/powerpoint/2015/main" val="1"/>
+                <p16:designElem xmlns="" xmlns:p16="http://schemas.microsoft.com/office/powerpoint/2015/main" val="1"/>
               </p:ext>
             </p:extLst>
           </p:nvPr>
@@ -32177,7 +32615,7 @@
           <p:cNvPr id="4" name="Slide Number Placeholder 3">
             <a:extLst>
               <a:ext uri="{FF2B5EF4-FFF2-40B4-BE49-F238E27FC236}">
-                <a16:creationId xmlns:a16="http://schemas.microsoft.com/office/drawing/2014/main" id="{1DB4C6C8-2288-40CD-A066-D74671E2E586}"/>
+                <a16:creationId xmlns="" xmlns:a16="http://schemas.microsoft.com/office/drawing/2014/main" id="{1DB4C6C8-2288-40CD-A066-D74671E2E586}"/>
               </a:ext>
             </a:extLst>
           </p:cNvPr>
@@ -32456,7 +32894,7 @@
   <a:extraClrSchemeLst/>
   <a:extLst>
     <a:ext uri="{05A4C25C-085E-4340-85A3-A5531E510DB2}">
-      <thm15:themeFamily xmlns:thm15="http://schemas.microsoft.com/office/thememl/2012/main" name="Wood Type" id="{7ACABC62-BF99-48CF-A9DC-4DB89C7B13DC}" vid="{142A1326-48AB-42A9-8428-CB14AA30176D}"/>
+      <thm15:themeFamily xmlns="" xmlns:thm15="http://schemas.microsoft.com/office/thememl/2012/main" name="Wood Type" id="{7ACABC62-BF99-48CF-A9DC-4DB89C7B13DC}" vid="{142A1326-48AB-42A9-8428-CB14AA30176D}"/>
     </a:ext>
   </a:extLst>
 </a:theme>

--- a/ROBOTINHO2.pptx
+++ b/ROBOTINHO2.pptx
@@ -123,7 +123,7 @@
   </p:defaultTextStyle>
   <p:extLst>
     <p:ext uri="{EFAFB233-063F-42B5-8137-9DF3F51BA10A}">
-      <p15:sldGuideLst xmlns="" xmlns:p15="http://schemas.microsoft.com/office/powerpoint/2012/main">
+      <p15:sldGuideLst xmlns:p15="http://schemas.microsoft.com/office/powerpoint/2012/main" xmlns="">
         <p15:guide id="1" orient="horz" pos="2160">
           <p15:clr>
             <a:srgbClr val="A4A3A4"/>
@@ -8607,7 +8607,7 @@
 <dgm:dataModel xmlns:dgm="http://schemas.openxmlformats.org/drawingml/2006/diagram" xmlns:a="http://schemas.openxmlformats.org/drawingml/2006/main">
   <dgm:ptLst>
     <dgm:pt modelId="{59441916-6689-4010-9EB4-493E52189782}" type="doc">
-      <dgm:prSet loTypeId="urn:microsoft.com/office/officeart/2005/8/layout/vList2" loCatId="list" qsTypeId="urn:microsoft.com/office/officeart/2005/8/quickstyle/simple1" qsCatId="simple" csTypeId="urn:microsoft.com/office/officeart/2005/8/colors/colorful2" csCatId="colorful"/>
+      <dgm:prSet loTypeId="urn:microsoft.com/office/officeart/2005/8/layout/vList2" loCatId="list" qsTypeId="urn:microsoft.com/office/officeart/2005/8/quickstyle/simple1" qsCatId="simple" csTypeId="urn:microsoft.com/office/officeart/2005/8/colors/colorful2" csCatId="colorful" phldr="1"/>
       <dgm:spPr/>
       <dgm:t>
         <a:bodyPr/>
@@ -8625,12 +8625,12 @@
         <a:lstStyle/>
         <a:p>
           <a:r>
-            <a:rPr lang="ro-RO" sz="3500" dirty="0">
+            <a:rPr lang="ro-RO" sz="2400" dirty="0">
               <a:latin typeface="+mj-lt"/>
             </a:rPr>
             <a:t>Folosit ca server web</a:t>
           </a:r>
-          <a:endParaRPr lang="en-US" sz="3500" dirty="0">
+          <a:endParaRPr lang="en-US" sz="2400" dirty="0">
             <a:latin typeface="+mj-lt"/>
           </a:endParaRPr>
         </a:p>
@@ -8658,97 +8658,6 @@
         </a:p>
       </dgm:t>
     </dgm:pt>
-    <dgm:pt modelId="{F38B84B0-2108-4FDC-BE0C-C41DBF51DF58}">
-      <dgm:prSet custT="1"/>
-      <dgm:spPr/>
-      <dgm:t>
-        <a:bodyPr/>
-        <a:lstStyle/>
-        <a:p>
-          <a:r>
-            <a:rPr lang="ro-RO" sz="2900" dirty="0">
-              <a:latin typeface="+mj-lt"/>
-            </a:rPr>
-            <a:t>Recepționează cererile HTTP de la aplicația Android</a:t>
-          </a:r>
-          <a:endParaRPr lang="en-US" sz="2900" dirty="0">
-            <a:latin typeface="+mj-lt"/>
-          </a:endParaRPr>
-        </a:p>
-      </dgm:t>
-    </dgm:pt>
-    <dgm:pt modelId="{A0C16DC9-1104-4B89-B152-43E5D0B596DE}" type="parTrans" cxnId="{00FBBE30-1C44-493B-A362-14AEA466334D}">
-      <dgm:prSet/>
-      <dgm:spPr/>
-      <dgm:t>
-        <a:bodyPr/>
-        <a:lstStyle/>
-        <a:p>
-          <a:endParaRPr lang="en-US"/>
-        </a:p>
-      </dgm:t>
-    </dgm:pt>
-    <dgm:pt modelId="{CB8F555F-E9C1-4332-9291-6EC4CAD83469}" type="sibTrans" cxnId="{00FBBE30-1C44-493B-A362-14AEA466334D}">
-      <dgm:prSet/>
-      <dgm:spPr/>
-      <dgm:t>
-        <a:bodyPr/>
-        <a:lstStyle/>
-        <a:p>
-          <a:endParaRPr lang="en-US"/>
-        </a:p>
-      </dgm:t>
-    </dgm:pt>
-    <dgm:pt modelId="{44F7F31D-388B-4B4F-86F2-D3A5663432FD}">
-      <dgm:prSet custT="1"/>
-      <dgm:spPr/>
-      <dgm:t>
-        <a:bodyPr/>
-        <a:lstStyle/>
-        <a:p>
-          <a:r>
-            <a:rPr lang="ro-RO" sz="2900" dirty="0">
-              <a:latin typeface="+mj-lt"/>
-            </a:rPr>
-            <a:t>Le analizează</a:t>
-          </a:r>
-          <a:r>
-            <a:rPr lang="en-US" sz="2900" dirty="0">
-              <a:latin typeface="+mj-lt"/>
-            </a:rPr>
-            <a:t> </a:t>
-          </a:r>
-          <a:r>
-            <a:rPr lang="en-US" sz="2900" noProof="1">
-              <a:latin typeface="+mj-lt"/>
-            </a:rPr>
-            <a:t>parametrii</a:t>
-          </a:r>
-        </a:p>
-      </dgm:t>
-    </dgm:pt>
-    <dgm:pt modelId="{39CA606D-01EE-46FD-8068-2E34DFFD98D2}" type="parTrans" cxnId="{3A9F6B1A-C962-4C16-BA60-D3751E424052}">
-      <dgm:prSet/>
-      <dgm:spPr/>
-      <dgm:t>
-        <a:bodyPr/>
-        <a:lstStyle/>
-        <a:p>
-          <a:endParaRPr lang="en-US"/>
-        </a:p>
-      </dgm:t>
-    </dgm:pt>
-    <dgm:pt modelId="{3130AEFA-C955-4F64-B5C2-670DA7CB7DBC}" type="sibTrans" cxnId="{3A9F6B1A-C962-4C16-BA60-D3751E424052}">
-      <dgm:prSet/>
-      <dgm:spPr/>
-      <dgm:t>
-        <a:bodyPr/>
-        <a:lstStyle/>
-        <a:p>
-          <a:endParaRPr lang="en-US"/>
-        </a:p>
-      </dgm:t>
-    </dgm:pt>
     <dgm:pt modelId="{079FBC6E-EDF4-4FBC-B959-364CED75F73E}">
       <dgm:prSet custT="1"/>
       <dgm:spPr/>
@@ -8757,12 +8666,18 @@
         <a:lstStyle/>
         <a:p>
           <a:r>
-            <a:rPr lang="ro-RO" sz="3500" dirty="0">
+            <a:rPr lang="en-US" sz="2400" dirty="0" smtClean="0">
               <a:latin typeface="+mj-lt"/>
             </a:rPr>
-            <a:t>Transmite comanda la Arduino</a:t>
+            <a:t>Recep</a:t>
           </a:r>
-          <a:endParaRPr lang="en-US" sz="3500" dirty="0">
+          <a:r>
+            <a:rPr lang="ro-RO" sz="2400" dirty="0" smtClean="0">
+              <a:latin typeface="+mj-lt"/>
+            </a:rPr>
+            <a:t>ționează cereri HTTP</a:t>
+          </a:r>
+          <a:endParaRPr lang="en-US" sz="2400" dirty="0">
             <a:latin typeface="+mj-lt"/>
           </a:endParaRPr>
         </a:p>
@@ -8790,6 +8705,59 @@
         </a:p>
       </dgm:t>
     </dgm:pt>
+    <dgm:pt modelId="{223294D3-EDA3-42C0-9B23-0A83AC5349FB}">
+      <dgm:prSet custT="1"/>
+      <dgm:spPr/>
+      <dgm:t>
+        <a:bodyPr/>
+        <a:lstStyle/>
+        <a:p>
+          <a:r>
+            <a:rPr lang="ro-RO" sz="2400" dirty="0">
+              <a:latin typeface="+mj-lt"/>
+            </a:rPr>
+            <a:t>Transmite </a:t>
+          </a:r>
+          <a:r>
+            <a:rPr lang="ro-RO" sz="2400" dirty="0" smtClean="0">
+              <a:latin typeface="+mj-lt"/>
+            </a:rPr>
+            <a:t>mesaje la </a:t>
+          </a:r>
+          <a:r>
+            <a:rPr lang="ro-RO" sz="2400" dirty="0">
+              <a:latin typeface="+mj-lt"/>
+            </a:rPr>
+            <a:t>Arduino</a:t>
+          </a:r>
+          <a:endParaRPr lang="en-US" sz="2400" dirty="0">
+            <a:latin typeface="+mj-lt"/>
+          </a:endParaRPr>
+        </a:p>
+      </dgm:t>
+    </dgm:pt>
+    <dgm:pt modelId="{5ABF6D24-9CA6-41C0-8023-64A53197C5B8}" type="parTrans" cxnId="{4802BC89-B3F6-4517-9F55-FBE0B1ED8BF7}">
+      <dgm:prSet/>
+      <dgm:spPr/>
+      <dgm:t>
+        <a:bodyPr/>
+        <a:lstStyle/>
+        <a:p>
+          <a:endParaRPr lang="en-US"/>
+        </a:p>
+      </dgm:t>
+    </dgm:pt>
+    <dgm:pt modelId="{2AD2E61C-0809-4835-A70A-423698091749}" type="sibTrans" cxnId="{4802BC89-B3F6-4517-9F55-FBE0B1ED8BF7}">
+      <dgm:prSet/>
+      <dgm:spPr/>
+      <dgm:t>
+        <a:bodyPr/>
+        <a:lstStyle/>
+        <a:p>
+          <a:endParaRPr lang="en-US"/>
+        </a:p>
+      </dgm:t>
+    </dgm:pt>
     <dgm:pt modelId="{4B94FC1F-CA87-4737-AF8A-B66E59196FD7}" type="pres">
       <dgm:prSet presAssocID="{59441916-6689-4010-9EB4-493E52189782}" presName="linear" presStyleCnt="0">
         <dgm:presLayoutVars>
@@ -8807,7 +8775,7 @@
       </dgm:t>
     </dgm:pt>
     <dgm:pt modelId="{108A7250-4707-4433-BCC9-90514BB151B6}" type="pres">
-      <dgm:prSet presAssocID="{FD9059CB-7127-400C-B417-4CDF18013AEF}" presName="parentText" presStyleLbl="node1" presStyleIdx="0" presStyleCnt="2">
+      <dgm:prSet presAssocID="{FD9059CB-7127-400C-B417-4CDF18013AEF}" presName="parentText" presStyleLbl="node1" presStyleIdx="0" presStyleCnt="3" custScaleX="68663" custLinFactNeighborX="-15289" custLinFactNeighborY="2369">
         <dgm:presLayoutVars>
           <dgm:chMax val="0"/>
           <dgm:bulletEnabled val="1"/>
@@ -8822,9 +8790,14 @@
         </a:p>
       </dgm:t>
     </dgm:pt>
-    <dgm:pt modelId="{DA8EE2E4-BA55-42D8-B46F-696209B3BF32}" type="pres">
-      <dgm:prSet presAssocID="{FD9059CB-7127-400C-B417-4CDF18013AEF}" presName="childText" presStyleLbl="revTx" presStyleIdx="0" presStyleCnt="1">
+    <dgm:pt modelId="{9AE11875-3EC6-4BA1-BCCD-1B96AE0D8B79}" type="pres">
+      <dgm:prSet presAssocID="{F1D8CCC4-9E9D-431B-BFE1-601BF518D52E}" presName="spacer" presStyleCnt="0"/>
+      <dgm:spPr/>
+    </dgm:pt>
+    <dgm:pt modelId="{3987B0D8-2F11-491F-8F39-750F62606B27}" type="pres">
+      <dgm:prSet presAssocID="{079FBC6E-EDF4-4FBC-B959-364CED75F73E}" presName="parentText" presStyleLbl="node1" presStyleIdx="1" presStyleCnt="3" custScaleX="69111" custLinFactNeighborX="-17437" custLinFactNeighborY="-4531">
         <dgm:presLayoutVars>
+          <dgm:chMax val="0"/>
           <dgm:bulletEnabled val="1"/>
         </dgm:presLayoutVars>
       </dgm:prSet>
@@ -8837,8 +8810,12 @@
         </a:p>
       </dgm:t>
     </dgm:pt>
-    <dgm:pt modelId="{3987B0D8-2F11-491F-8F39-750F62606B27}" type="pres">
-      <dgm:prSet presAssocID="{079FBC6E-EDF4-4FBC-B959-364CED75F73E}" presName="parentText" presStyleLbl="node1" presStyleIdx="1" presStyleCnt="2">
+    <dgm:pt modelId="{986F1FFE-1DD1-4329-9DCC-C84ABD721BCF}" type="pres">
+      <dgm:prSet presAssocID="{2D41C124-B5A5-47BF-83C3-5175BE45446F}" presName="spacer" presStyleCnt="0"/>
+      <dgm:spPr/>
+    </dgm:pt>
+    <dgm:pt modelId="{0C9E086E-380B-48A2-804A-CA431D5A13C3}" type="pres">
+      <dgm:prSet presAssocID="{223294D3-EDA3-42C0-9B23-0A83AC5349FB}" presName="parentText" presStyleLbl="node1" presStyleIdx="2" presStyleCnt="3" custScaleX="69111" custLinFactNeighborX="-17437" custLinFactNeighborY="-4531">
         <dgm:presLayoutVars>
           <dgm:chMax val="0"/>
           <dgm:bulletEnabled val="1"/>
@@ -8856,23 +8833,23 @@
   </dgm:ptLst>
   <dgm:cxnLst>
     <dgm:cxn modelId="{FC0F92BF-26B5-4640-BC33-F9C14AAB55FF}" type="presOf" srcId="{079FBC6E-EDF4-4FBC-B959-364CED75F73E}" destId="{3987B0D8-2F11-491F-8F39-750F62606B27}" srcOrd="0" destOrd="0" presId="urn:microsoft.com/office/officeart/2005/8/layout/vList2"/>
-    <dgm:cxn modelId="{00FBBE30-1C44-493B-A362-14AEA466334D}" srcId="{FD9059CB-7127-400C-B417-4CDF18013AEF}" destId="{F38B84B0-2108-4FDC-BE0C-C41DBF51DF58}" srcOrd="0" destOrd="0" parTransId="{A0C16DC9-1104-4B89-B152-43E5D0B596DE}" sibTransId="{CB8F555F-E9C1-4332-9291-6EC4CAD83469}"/>
-    <dgm:cxn modelId="{862EBD92-B7FC-4C91-BE21-34C37F294B05}" type="presOf" srcId="{F38B84B0-2108-4FDC-BE0C-C41DBF51DF58}" destId="{DA8EE2E4-BA55-42D8-B46F-696209B3BF32}" srcOrd="0" destOrd="0" presId="urn:microsoft.com/office/officeart/2005/8/layout/vList2"/>
-    <dgm:cxn modelId="{28733CEB-D19B-4AE5-9EC8-F903651AE41D}" type="presOf" srcId="{59441916-6689-4010-9EB4-493E52189782}" destId="{4B94FC1F-CA87-4737-AF8A-B66E59196FD7}" srcOrd="0" destOrd="0" presId="urn:microsoft.com/office/officeart/2005/8/layout/vList2"/>
-    <dgm:cxn modelId="{3A9F6B1A-C962-4C16-BA60-D3751E424052}" srcId="{FD9059CB-7127-400C-B417-4CDF18013AEF}" destId="{44F7F31D-388B-4B4F-86F2-D3A5663432FD}" srcOrd="1" destOrd="0" parTransId="{39CA606D-01EE-46FD-8068-2E34DFFD98D2}" sibTransId="{3130AEFA-C955-4F64-B5C2-670DA7CB7DBC}"/>
-    <dgm:cxn modelId="{156DC404-20F5-4983-947F-BF616AB1D168}" srcId="{59441916-6689-4010-9EB4-493E52189782}" destId="{079FBC6E-EDF4-4FBC-B959-364CED75F73E}" srcOrd="1" destOrd="0" parTransId="{37061EF4-5B3E-4982-B236-675BA3A6653A}" sibTransId="{2D41C124-B5A5-47BF-83C3-5175BE45446F}"/>
     <dgm:cxn modelId="{CBE3BBE7-2938-41C1-A44F-F01B290B8DEB}" type="presOf" srcId="{FD9059CB-7127-400C-B417-4CDF18013AEF}" destId="{108A7250-4707-4433-BCC9-90514BB151B6}" srcOrd="0" destOrd="0" presId="urn:microsoft.com/office/officeart/2005/8/layout/vList2"/>
     <dgm:cxn modelId="{18A7C0AF-2F7F-47A8-A0A3-5701DFB946AD}" srcId="{59441916-6689-4010-9EB4-493E52189782}" destId="{FD9059CB-7127-400C-B417-4CDF18013AEF}" srcOrd="0" destOrd="0" parTransId="{649ABCAF-07F8-4990-B095-BBB01FDFE74B}" sibTransId="{F1D8CCC4-9E9D-431B-BFE1-601BF518D52E}"/>
-    <dgm:cxn modelId="{9C5B51BF-46FA-472A-91B3-4CB830CF5F0D}" type="presOf" srcId="{44F7F31D-388B-4B4F-86F2-D3A5663432FD}" destId="{DA8EE2E4-BA55-42D8-B46F-696209B3BF32}" srcOrd="0" destOrd="1" presId="urn:microsoft.com/office/officeart/2005/8/layout/vList2"/>
+    <dgm:cxn modelId="{28733CEB-D19B-4AE5-9EC8-F903651AE41D}" type="presOf" srcId="{59441916-6689-4010-9EB4-493E52189782}" destId="{4B94FC1F-CA87-4737-AF8A-B66E59196FD7}" srcOrd="0" destOrd="0" presId="urn:microsoft.com/office/officeart/2005/8/layout/vList2"/>
+    <dgm:cxn modelId="{587CD0E2-2D38-4197-AF46-16FF9F1321F4}" type="presOf" srcId="{223294D3-EDA3-42C0-9B23-0A83AC5349FB}" destId="{0C9E086E-380B-48A2-804A-CA431D5A13C3}" srcOrd="0" destOrd="0" presId="urn:microsoft.com/office/officeart/2005/8/layout/vList2"/>
+    <dgm:cxn modelId="{4802BC89-B3F6-4517-9F55-FBE0B1ED8BF7}" srcId="{59441916-6689-4010-9EB4-493E52189782}" destId="{223294D3-EDA3-42C0-9B23-0A83AC5349FB}" srcOrd="2" destOrd="0" parTransId="{5ABF6D24-9CA6-41C0-8023-64A53197C5B8}" sibTransId="{2AD2E61C-0809-4835-A70A-423698091749}"/>
+    <dgm:cxn modelId="{156DC404-20F5-4983-947F-BF616AB1D168}" srcId="{59441916-6689-4010-9EB4-493E52189782}" destId="{079FBC6E-EDF4-4FBC-B959-364CED75F73E}" srcOrd="1" destOrd="0" parTransId="{37061EF4-5B3E-4982-B236-675BA3A6653A}" sibTransId="{2D41C124-B5A5-47BF-83C3-5175BE45446F}"/>
     <dgm:cxn modelId="{9C32B8C7-1463-46D2-B02D-0EFD5BEA20A8}" type="presParOf" srcId="{4B94FC1F-CA87-4737-AF8A-B66E59196FD7}" destId="{108A7250-4707-4433-BCC9-90514BB151B6}" srcOrd="0" destOrd="0" presId="urn:microsoft.com/office/officeart/2005/8/layout/vList2"/>
-    <dgm:cxn modelId="{A98D439E-843E-4B8D-8638-4E9E2A6EB32E}" type="presParOf" srcId="{4B94FC1F-CA87-4737-AF8A-B66E59196FD7}" destId="{DA8EE2E4-BA55-42D8-B46F-696209B3BF32}" srcOrd="1" destOrd="0" presId="urn:microsoft.com/office/officeart/2005/8/layout/vList2"/>
+    <dgm:cxn modelId="{58C11843-1222-48B0-BCD9-E2E9347B8AC3}" type="presParOf" srcId="{4B94FC1F-CA87-4737-AF8A-B66E59196FD7}" destId="{9AE11875-3EC6-4BA1-BCCD-1B96AE0D8B79}" srcOrd="1" destOrd="0" presId="urn:microsoft.com/office/officeart/2005/8/layout/vList2"/>
     <dgm:cxn modelId="{6BE2E8E5-D821-4665-B6B0-3A7C75CE9711}" type="presParOf" srcId="{4B94FC1F-CA87-4737-AF8A-B66E59196FD7}" destId="{3987B0D8-2F11-491F-8F39-750F62606B27}" srcOrd="2" destOrd="0" presId="urn:microsoft.com/office/officeart/2005/8/layout/vList2"/>
+    <dgm:cxn modelId="{97D61DF4-D4EC-46A3-AEC7-2700774944E3}" type="presParOf" srcId="{4B94FC1F-CA87-4737-AF8A-B66E59196FD7}" destId="{986F1FFE-1DD1-4329-9DCC-C84ABD721BCF}" srcOrd="3" destOrd="0" presId="urn:microsoft.com/office/officeart/2005/8/layout/vList2"/>
+    <dgm:cxn modelId="{37043990-F4C2-460A-8915-2196F5B7E371}" type="presParOf" srcId="{4B94FC1F-CA87-4737-AF8A-B66E59196FD7}" destId="{0C9E086E-380B-48A2-804A-CA431D5A13C3}" srcOrd="4" destOrd="0" presId="urn:microsoft.com/office/officeart/2005/8/layout/vList2"/>
   </dgm:cxnLst>
   <dgm:bg/>
   <dgm:whole/>
   <dgm:extLst>
     <a:ext uri="http://schemas.microsoft.com/office/drawing/2008/diagram">
-      <dsp:dataModelExt xmlns:dsp="http://schemas.microsoft.com/office/drawing/2008/diagram" relId="rId8" minVer="http://schemas.openxmlformats.org/drawingml/2006/diagram"/>
+      <dsp:dataModelExt xmlns:dsp="http://schemas.microsoft.com/office/drawing/2008/diagram" relId="rId10" minVer="http://schemas.openxmlformats.org/drawingml/2006/diagram"/>
     </a:ext>
   </dgm:extLst>
 </dgm:dataModel>
@@ -11364,8 +11341,8 @@
       </dsp:nvSpPr>
       <dsp:spPr>
         <a:xfrm>
-          <a:off x="0" y="4084"/>
-          <a:ext cx="7543800" cy="1141920"/>
+          <a:off x="18404" y="17199"/>
+          <a:ext cx="3329907" cy="1085760"/>
         </a:xfrm>
         <a:prstGeom prst="roundRect">
           <a:avLst/>
@@ -11406,12 +11383,12 @@
         </a:fontRef>
       </dsp:style>
       <dsp:txBody>
-        <a:bodyPr spcFirstLastPara="0" vert="horz" wrap="square" lIns="133350" tIns="133350" rIns="133350" bIns="133350" numCol="1" spcCol="1270" anchor="ctr" anchorCtr="0">
+        <a:bodyPr spcFirstLastPara="0" vert="horz" wrap="square" lIns="91440" tIns="91440" rIns="91440" bIns="91440" numCol="1" spcCol="1270" anchor="ctr" anchorCtr="0">
           <a:noAutofit/>
         </a:bodyPr>
         <a:lstStyle/>
         <a:p>
-          <a:pPr lvl="0" algn="l" defTabSz="1555750">
+          <a:pPr lvl="0" algn="l" defTabSz="1066800">
             <a:lnSpc>
               <a:spcPct val="90000"/>
             </a:lnSpc>
@@ -11423,116 +11400,19 @@
             </a:spcAft>
           </a:pPr>
           <a:r>
-            <a:rPr lang="ro-RO" sz="3500" kern="1200" dirty="0">
+            <a:rPr lang="ro-RO" sz="2400" kern="1200" dirty="0">
               <a:latin typeface="+mj-lt"/>
             </a:rPr>
             <a:t>Folosit ca server web</a:t>
           </a:r>
-          <a:endParaRPr lang="en-US" sz="3500" kern="1200" dirty="0">
+          <a:endParaRPr lang="en-US" sz="2400" kern="1200" dirty="0">
             <a:latin typeface="+mj-lt"/>
           </a:endParaRPr>
         </a:p>
       </dsp:txBody>
       <dsp:txXfrm>
-        <a:off x="55744" y="59828"/>
-        <a:ext cx="7432312" cy="1030432"/>
-      </dsp:txXfrm>
-    </dsp:sp>
-    <dsp:sp modelId="{DA8EE2E4-BA55-42D8-B46F-696209B3BF32}">
-      <dsp:nvSpPr>
-        <dsp:cNvPr id="0" name=""/>
-        <dsp:cNvSpPr/>
-      </dsp:nvSpPr>
-      <dsp:spPr>
-        <a:xfrm>
-          <a:off x="0" y="1146005"/>
-          <a:ext cx="7543800" cy="1325835"/>
-        </a:xfrm>
-        <a:prstGeom prst="rect">
-          <a:avLst/>
-        </a:prstGeom>
-        <a:noFill/>
-        <a:ln>
-          <a:noFill/>
-        </a:ln>
-        <a:effectLst/>
-      </dsp:spPr>
-      <dsp:style>
-        <a:lnRef idx="0">
-          <a:scrgbClr r="0" g="0" b="0"/>
-        </a:lnRef>
-        <a:fillRef idx="0">
-          <a:scrgbClr r="0" g="0" b="0"/>
-        </a:fillRef>
-        <a:effectRef idx="0">
-          <a:scrgbClr r="0" g="0" b="0"/>
-        </a:effectRef>
-        <a:fontRef idx="minor"/>
-      </dsp:style>
-      <dsp:txBody>
-        <a:bodyPr spcFirstLastPara="0" vert="horz" wrap="square" lIns="239516" tIns="36830" rIns="206248" bIns="36830" numCol="1" spcCol="1270" anchor="t" anchorCtr="0">
-          <a:noAutofit/>
-        </a:bodyPr>
-        <a:lstStyle/>
-        <a:p>
-          <a:pPr marL="285750" lvl="1" indent="-285750" algn="l" defTabSz="1289050">
-            <a:lnSpc>
-              <a:spcPct val="90000"/>
-            </a:lnSpc>
-            <a:spcBef>
-              <a:spcPct val="0"/>
-            </a:spcBef>
-            <a:spcAft>
-              <a:spcPct val="20000"/>
-            </a:spcAft>
-            <a:buChar char="••"/>
-          </a:pPr>
-          <a:r>
-            <a:rPr lang="ro-RO" sz="2900" kern="1200" dirty="0">
-              <a:latin typeface="+mj-lt"/>
-            </a:rPr>
-            <a:t>Recepționează cererile HTTP de la aplicația Android</a:t>
-          </a:r>
-          <a:endParaRPr lang="en-US" sz="2900" kern="1200" dirty="0">
-            <a:latin typeface="+mj-lt"/>
-          </a:endParaRPr>
-        </a:p>
-        <a:p>
-          <a:pPr marL="285750" lvl="1" indent="-285750" algn="l" defTabSz="1289050">
-            <a:lnSpc>
-              <a:spcPct val="90000"/>
-            </a:lnSpc>
-            <a:spcBef>
-              <a:spcPct val="0"/>
-            </a:spcBef>
-            <a:spcAft>
-              <a:spcPct val="20000"/>
-            </a:spcAft>
-            <a:buChar char="••"/>
-          </a:pPr>
-          <a:r>
-            <a:rPr lang="ro-RO" sz="2900" kern="1200" dirty="0">
-              <a:latin typeface="+mj-lt"/>
-            </a:rPr>
-            <a:t>Le analizează</a:t>
-          </a:r>
-          <a:r>
-            <a:rPr lang="en-US" sz="2900" kern="1200" dirty="0">
-              <a:latin typeface="+mj-lt"/>
-            </a:rPr>
-            <a:t> </a:t>
-          </a:r>
-          <a:r>
-            <a:rPr lang="en-US" sz="2900" kern="1200" noProof="1">
-              <a:latin typeface="+mj-lt"/>
-            </a:rPr>
-            <a:t>parametrii</a:t>
-          </a:r>
-        </a:p>
-      </dsp:txBody>
-      <dsp:txXfrm>
-        <a:off x="0" y="1146005"/>
-        <a:ext cx="7543800" cy="1325835"/>
+        <a:off x="71406" y="70201"/>
+        <a:ext cx="3223903" cy="979756"/>
       </dsp:txXfrm>
     </dsp:sp>
     <dsp:sp modelId="{3987B0D8-2F11-491F-8F39-750F62606B27}">
@@ -11542,8 +11422,8 @@
       </dsp:nvSpPr>
       <dsp:spPr>
         <a:xfrm>
-          <a:off x="0" y="2471840"/>
-          <a:ext cx="7543800" cy="1141920"/>
+          <a:off x="0" y="1258473"/>
+          <a:ext cx="3351634" cy="1085760"/>
         </a:xfrm>
         <a:prstGeom prst="roundRect">
           <a:avLst/>
@@ -11584,12 +11464,12 @@
         </a:fontRef>
       </dsp:style>
       <dsp:txBody>
-        <a:bodyPr spcFirstLastPara="0" vert="horz" wrap="square" lIns="133350" tIns="133350" rIns="133350" bIns="133350" numCol="1" spcCol="1270" anchor="ctr" anchorCtr="0">
+        <a:bodyPr spcFirstLastPara="0" vert="horz" wrap="square" lIns="91440" tIns="91440" rIns="91440" bIns="91440" numCol="1" spcCol="1270" anchor="ctr" anchorCtr="0">
           <a:noAutofit/>
         </a:bodyPr>
         <a:lstStyle/>
         <a:p>
-          <a:pPr lvl="0" algn="l" defTabSz="1555750">
+          <a:pPr lvl="0" algn="l" defTabSz="1066800">
             <a:lnSpc>
               <a:spcPct val="90000"/>
             </a:lnSpc>
@@ -11601,19 +11481,118 @@
             </a:spcAft>
           </a:pPr>
           <a:r>
-            <a:rPr lang="ro-RO" sz="3500" kern="1200" dirty="0">
+            <a:rPr lang="en-US" sz="2400" kern="1200" dirty="0" smtClean="0">
               <a:latin typeface="+mj-lt"/>
             </a:rPr>
-            <a:t>Transmite comanda la Arduino</a:t>
+            <a:t>Recep</a:t>
           </a:r>
-          <a:endParaRPr lang="en-US" sz="3500" kern="1200" dirty="0">
+          <a:r>
+            <a:rPr lang="ro-RO" sz="2400" kern="1200" dirty="0" smtClean="0">
+              <a:latin typeface="+mj-lt"/>
+            </a:rPr>
+            <a:t>ționează cereri HTTP</a:t>
+          </a:r>
+          <a:endParaRPr lang="en-US" sz="2400" kern="1200" dirty="0">
             <a:latin typeface="+mj-lt"/>
           </a:endParaRPr>
         </a:p>
       </dsp:txBody>
       <dsp:txXfrm>
-        <a:off x="55744" y="2527584"/>
-        <a:ext cx="7432312" cy="1030432"/>
+        <a:off x="53002" y="1311475"/>
+        <a:ext cx="3245630" cy="979756"/>
+      </dsp:txXfrm>
+    </dsp:sp>
+    <dsp:sp modelId="{0C9E086E-380B-48A2-804A-CA431D5A13C3}">
+      <dsp:nvSpPr>
+        <dsp:cNvPr id="0" name=""/>
+        <dsp:cNvSpPr/>
+      </dsp:nvSpPr>
+      <dsp:spPr>
+        <a:xfrm>
+          <a:off x="0" y="2511273"/>
+          <a:ext cx="3351634" cy="1085760"/>
+        </a:xfrm>
+        <a:prstGeom prst="roundRect">
+          <a:avLst/>
+        </a:prstGeom>
+        <a:solidFill>
+          <a:schemeClr val="accent2">
+            <a:hueOff val="0"/>
+            <a:satOff val="0"/>
+            <a:lumOff val="0"/>
+            <a:alphaOff val="0"/>
+          </a:schemeClr>
+        </a:solidFill>
+        <a:ln w="12700" cap="flat" cmpd="sng" algn="ctr">
+          <a:solidFill>
+            <a:schemeClr val="lt1">
+              <a:hueOff val="0"/>
+              <a:satOff val="0"/>
+              <a:lumOff val="0"/>
+              <a:alphaOff val="0"/>
+            </a:schemeClr>
+          </a:solidFill>
+          <a:prstDash val="solid"/>
+        </a:ln>
+        <a:effectLst/>
+      </dsp:spPr>
+      <dsp:style>
+        <a:lnRef idx="2">
+          <a:scrgbClr r="0" g="0" b="0"/>
+        </a:lnRef>
+        <a:fillRef idx="1">
+          <a:scrgbClr r="0" g="0" b="0"/>
+        </a:fillRef>
+        <a:effectRef idx="0">
+          <a:scrgbClr r="0" g="0" b="0"/>
+        </a:effectRef>
+        <a:fontRef idx="minor">
+          <a:schemeClr val="lt1"/>
+        </a:fontRef>
+      </dsp:style>
+      <dsp:txBody>
+        <a:bodyPr spcFirstLastPara="0" vert="horz" wrap="square" lIns="91440" tIns="91440" rIns="91440" bIns="91440" numCol="1" spcCol="1270" anchor="ctr" anchorCtr="0">
+          <a:noAutofit/>
+        </a:bodyPr>
+        <a:lstStyle/>
+        <a:p>
+          <a:pPr lvl="0" algn="l" defTabSz="1066800">
+            <a:lnSpc>
+              <a:spcPct val="90000"/>
+            </a:lnSpc>
+            <a:spcBef>
+              <a:spcPct val="0"/>
+            </a:spcBef>
+            <a:spcAft>
+              <a:spcPct val="35000"/>
+            </a:spcAft>
+          </a:pPr>
+          <a:r>
+            <a:rPr lang="ro-RO" sz="2400" kern="1200" dirty="0">
+              <a:latin typeface="+mj-lt"/>
+            </a:rPr>
+            <a:t>Transmite </a:t>
+          </a:r>
+          <a:r>
+            <a:rPr lang="ro-RO" sz="2400" kern="1200" dirty="0" smtClean="0">
+              <a:latin typeface="+mj-lt"/>
+            </a:rPr>
+            <a:t>mesaje la </a:t>
+          </a:r>
+          <a:r>
+            <a:rPr lang="ro-RO" sz="2400" kern="1200" dirty="0">
+              <a:latin typeface="+mj-lt"/>
+            </a:rPr>
+            <a:t>Arduino</a:t>
+          </a:r>
+          <a:endParaRPr lang="en-US" sz="2400" kern="1200" dirty="0">
+            <a:latin typeface="+mj-lt"/>
+          </a:endParaRPr>
+        </a:p>
+      </dsp:txBody>
+      <dsp:txXfrm>
+        <a:off x="53002" y="2564275"/>
+        <a:ext cx="3245630" cy="979756"/>
       </dsp:txXfrm>
     </dsp:sp>
   </dsp:spTree>
@@ -23615,7 +23594,7 @@
           <a:p>
             <a:fld id="{3569113D-2AA0-40B3-B8BF-A69C343657F7}" type="datetimeFigureOut">
               <a:rPr lang="en-US" smtClean="0"/>
-              <a:t>6/15/2019</a:t>
+              <a:t>6/17/2019</a:t>
             </a:fld>
             <a:endParaRPr lang="en-US" dirty="0"/>
           </a:p>
@@ -24455,7 +24434,7 @@
           <a:p>
             <a:fld id="{90B7D2B6-166E-40F8-9D76-749746228F93}" type="datetime1">
               <a:rPr lang="en-US" smtClean="0"/>
-              <a:t>6/15/2019</a:t>
+              <a:t>6/17/2019</a:t>
             </a:fld>
             <a:endParaRPr lang="en-US" dirty="0"/>
           </a:p>
@@ -24639,7 +24618,7 @@
           <a:p>
             <a:fld id="{5E77432B-941A-4FDB-B2E4-6D384526D1B6}" type="datetime1">
               <a:rPr lang="en-US" smtClean="0"/>
-              <a:t>6/15/2019</a:t>
+              <a:t>6/17/2019</a:t>
             </a:fld>
             <a:endParaRPr lang="en-US" dirty="0"/>
           </a:p>
@@ -24823,7 +24802,7 @@
           <a:p>
             <a:fld id="{73E66D89-C1D7-4BAB-8D4A-CFBFE24EB60F}" type="datetime1">
               <a:rPr lang="en-US" smtClean="0"/>
-              <a:t>6/15/2019</a:t>
+              <a:t>6/17/2019</a:t>
             </a:fld>
             <a:endParaRPr lang="en-US" dirty="0"/>
           </a:p>
@@ -24993,7 +24972,7 @@
           <a:p>
             <a:fld id="{C9C79E85-1D2F-477B-BBE8-4A7F97670373}" type="datetime1">
               <a:rPr lang="en-US" smtClean="0"/>
-              <a:t>6/15/2019</a:t>
+              <a:t>6/17/2019</a:t>
             </a:fld>
             <a:endParaRPr lang="en-US" dirty="0"/>
           </a:p>
@@ -25318,7 +25297,7 @@
           <a:p>
             <a:fld id="{A94E0D0E-3436-4F4C-8608-CE77D12FB72B}" type="datetime1">
               <a:rPr lang="en-US" smtClean="0"/>
-              <a:t>6/15/2019</a:t>
+              <a:t>6/17/2019</a:t>
             </a:fld>
             <a:endParaRPr lang="en-US" dirty="0"/>
           </a:p>
@@ -25716,7 +25695,7 @@
           <a:p>
             <a:fld id="{39510CC2-2627-4392-AE48-F60BF60FDE8D}" type="datetime1">
               <a:rPr lang="en-US" smtClean="0"/>
-              <a:t>6/15/2019</a:t>
+              <a:t>6/17/2019</a:t>
             </a:fld>
             <a:endParaRPr lang="en-US" dirty="0"/>
           </a:p>
@@ -26150,7 +26129,7 @@
           <a:p>
             <a:fld id="{DCE04ADE-3BBA-4424-9D2F-1B1F2BA859F2}" type="datetime1">
               <a:rPr lang="en-US" smtClean="0"/>
-              <a:t>6/15/2019</a:t>
+              <a:t>6/17/2019</a:t>
             </a:fld>
             <a:endParaRPr lang="en-US" dirty="0"/>
           </a:p>
@@ -26278,7 +26257,7 @@
           <a:p>
             <a:fld id="{9CA964A8-C6B3-4D50-BBFD-58D43C7F3544}" type="datetime1">
               <a:rPr lang="en-US" smtClean="0"/>
-              <a:t>6/15/2019</a:t>
+              <a:t>6/17/2019</a:t>
             </a:fld>
             <a:endParaRPr lang="en-US" dirty="0"/>
           </a:p>
@@ -26383,7 +26362,7 @@
           <a:p>
             <a:fld id="{DC1C8741-8383-4B49-BB53-43BE1918DA32}" type="datetime1">
               <a:rPr lang="en-US" smtClean="0"/>
-              <a:t>6/15/2019</a:t>
+              <a:t>6/17/2019</a:t>
             </a:fld>
             <a:endParaRPr lang="en-US" dirty="0"/>
           </a:p>
@@ -26824,7 +26803,7 @@
           <a:p>
             <a:fld id="{6C318A7A-4453-4BD5-8AB7-45AA3E9C5FE0}" type="datetime1">
               <a:rPr lang="en-US" smtClean="0"/>
-              <a:t>6/15/2019</a:t>
+              <a:t>6/17/2019</a:t>
             </a:fld>
             <a:endParaRPr lang="en-US" dirty="0"/>
           </a:p>
@@ -27250,7 +27229,7 @@
           <a:p>
             <a:fld id="{DE329CA9-2797-429D-A799-93AB3F83623F}" type="datetime1">
               <a:rPr lang="en-US" smtClean="0"/>
-              <a:t>6/15/2019</a:t>
+              <a:t>6/17/2019</a:t>
             </a:fld>
             <a:endParaRPr lang="en-US" dirty="0"/>
           </a:p>
@@ -27535,7 +27514,7 @@
           <a:p>
             <a:fld id="{56EE5F79-99D7-48D8-9BE2-8F8AFE0E3260}" type="datetime1">
               <a:rPr lang="en-US" smtClean="0"/>
-              <a:t>6/15/2019</a:t>
+              <a:t>6/17/2019</a:t>
             </a:fld>
             <a:endParaRPr lang="en-US" dirty="0"/>
           </a:p>
@@ -28210,6 +28189,13 @@
   <p:clrMapOvr>
     <a:masterClrMapping/>
   </p:clrMapOvr>
+  <p:timing>
+    <p:tnLst>
+      <p:par>
+        <p:cTn id="1" dur="indefinite" restart="never" nodeType="tmRoot"/>
+      </p:par>
+    </p:tnLst>
+  </p:timing>
 </p:sld>
 </file>
 
@@ -28243,10 +28229,10 @@
           <p:cNvPr id="27" name="Rectangle 26">
             <a:extLst>
               <a:ext uri="{FF2B5EF4-FFF2-40B4-BE49-F238E27FC236}">
-                <a16:creationId xmlns="" xmlns:a16="http://schemas.microsoft.com/office/drawing/2014/main" id="{E009DD9B-5EE2-4C0D-8B2B-351C8C102205}"/>
+                <a16:creationId xmlns:a16="http://schemas.microsoft.com/office/drawing/2014/main" xmlns="" id="{E009DD9B-5EE2-4C0D-8B2B-351C8C102205}"/>
               </a:ext>
               <a:ext uri="{C183D7F6-B498-43B3-948B-1728B52AA6E4}">
-                <adec:decorative xmlns="" xmlns:adec="http://schemas.microsoft.com/office/drawing/2017/decorative" val="1"/>
+                <adec:decorative xmlns:adec="http://schemas.microsoft.com/office/drawing/2017/decorative" xmlns="" val="1"/>
               </a:ext>
             </a:extLst>
           </p:cNvPr>
@@ -28256,7 +28242,7 @@
           <p:nvPr>
             <p:extLst>
               <p:ext uri="{386F3935-93C4-4BCD-93E2-E3B085C9AB24}">
-                <p16:designElem xmlns="" xmlns:p16="http://schemas.microsoft.com/office/powerpoint/2015/main" val="1"/>
+                <p16:designElem xmlns:p16="http://schemas.microsoft.com/office/powerpoint/2015/main" xmlns="" val="1"/>
               </p:ext>
             </p:extLst>
           </p:nvPr>
@@ -28332,10 +28318,10 @@
           <p:cNvPr id="29" name="Rectangle 28">
             <a:extLst>
               <a:ext uri="{FF2B5EF4-FFF2-40B4-BE49-F238E27FC236}">
-                <a16:creationId xmlns="" xmlns:a16="http://schemas.microsoft.com/office/drawing/2014/main" id="{E720DB99-7745-4E75-9D96-AAB6D55C531E}"/>
+                <a16:creationId xmlns:a16="http://schemas.microsoft.com/office/drawing/2014/main" xmlns="" id="{E720DB99-7745-4E75-9D96-AAB6D55C531E}"/>
               </a:ext>
               <a:ext uri="{C183D7F6-B498-43B3-948B-1728B52AA6E4}">
-                <adec:decorative xmlns="" xmlns:adec="http://schemas.microsoft.com/office/drawing/2017/decorative" val="1"/>
+                <adec:decorative xmlns:adec="http://schemas.microsoft.com/office/drawing/2017/decorative" xmlns="" val="1"/>
               </a:ext>
             </a:extLst>
           </p:cNvPr>
@@ -28345,7 +28331,7 @@
           <p:nvPr>
             <p:extLst>
               <p:ext uri="{386F3935-93C4-4BCD-93E2-E3B085C9AB24}">
-                <p16:designElem xmlns="" xmlns:p16="http://schemas.microsoft.com/office/powerpoint/2015/main" val="1"/>
+                <p16:designElem xmlns:p16="http://schemas.microsoft.com/office/powerpoint/2015/main" xmlns="" val="1"/>
               </p:ext>
             </p:extLst>
           </p:nvPr>
@@ -28406,10 +28392,10 @@
           <p:cNvPr id="31" name="Rectangle 30">
             <a:extLst>
               <a:ext uri="{FF2B5EF4-FFF2-40B4-BE49-F238E27FC236}">
-                <a16:creationId xmlns="" xmlns:a16="http://schemas.microsoft.com/office/drawing/2014/main" id="{D68803C4-E159-4360-B7BB-74205C8F782D}"/>
+                <a16:creationId xmlns:a16="http://schemas.microsoft.com/office/drawing/2014/main" xmlns="" id="{D68803C4-E159-4360-B7BB-74205C8F782D}"/>
               </a:ext>
               <a:ext uri="{C183D7F6-B498-43B3-948B-1728B52AA6E4}">
-                <adec:decorative xmlns="" xmlns:adec="http://schemas.microsoft.com/office/drawing/2017/decorative" val="1"/>
+                <adec:decorative xmlns:adec="http://schemas.microsoft.com/office/drawing/2017/decorative" xmlns="" val="1"/>
               </a:ext>
             </a:extLst>
           </p:cNvPr>
@@ -28419,7 +28405,7 @@
           <p:nvPr>
             <p:extLst>
               <p:ext uri="{386F3935-93C4-4BCD-93E2-E3B085C9AB24}">
-                <p16:designElem xmlns="" xmlns:p16="http://schemas.microsoft.com/office/powerpoint/2015/main" val="1"/>
+                <p16:designElem xmlns:p16="http://schemas.microsoft.com/office/powerpoint/2015/main" xmlns="" val="1"/>
               </p:ext>
             </p:extLst>
           </p:nvPr>
@@ -28514,7 +28500,7 @@
           <p:cNvPr id="8" name="Picture 7">
             <a:extLst>
               <a:ext uri="{FF2B5EF4-FFF2-40B4-BE49-F238E27FC236}">
-                <a16:creationId xmlns="" xmlns:a16="http://schemas.microsoft.com/office/drawing/2014/main" id="{AA6F2317-976C-4AA9-8F3A-E1A1BB8D92F4}"/>
+                <a16:creationId xmlns:a16="http://schemas.microsoft.com/office/drawing/2014/main" xmlns="" id="{AA6F2317-976C-4AA9-8F3A-E1A1BB8D92F4}"/>
               </a:ext>
             </a:extLst>
           </p:cNvPr>
@@ -28550,7 +28536,7 @@
           <p:cNvPr id="9" name="TextBox 8">
             <a:extLst>
               <a:ext uri="{FF2B5EF4-FFF2-40B4-BE49-F238E27FC236}">
-                <a16:creationId xmlns="" xmlns:a16="http://schemas.microsoft.com/office/drawing/2014/main" id="{B8CA411E-9A70-468F-8311-B6B05957C2A3}"/>
+                <a16:creationId xmlns:a16="http://schemas.microsoft.com/office/drawing/2014/main" xmlns="" id="{B8CA411E-9A70-468F-8311-B6B05957C2A3}"/>
               </a:ext>
             </a:extLst>
           </p:cNvPr>
@@ -28650,10 +28636,10 @@
           <p:cNvPr id="33" name="Rectangle 32">
             <a:extLst>
               <a:ext uri="{FF2B5EF4-FFF2-40B4-BE49-F238E27FC236}">
-                <a16:creationId xmlns="" xmlns:a16="http://schemas.microsoft.com/office/drawing/2014/main" id="{504B0465-3B07-49BF-BEA7-D81476246293}"/>
+                <a16:creationId xmlns:a16="http://schemas.microsoft.com/office/drawing/2014/main" xmlns="" id="{504B0465-3B07-49BF-BEA7-D81476246293}"/>
               </a:ext>
               <a:ext uri="{C183D7F6-B498-43B3-948B-1728B52AA6E4}">
-                <adec:decorative xmlns="" xmlns:adec="http://schemas.microsoft.com/office/drawing/2017/decorative" val="1"/>
+                <adec:decorative xmlns:adec="http://schemas.microsoft.com/office/drawing/2017/decorative" xmlns="" val="1"/>
               </a:ext>
             </a:extLst>
           </p:cNvPr>
@@ -28663,7 +28649,7 @@
           <p:nvPr>
             <p:extLst>
               <p:ext uri="{386F3935-93C4-4BCD-93E2-E3B085C9AB24}">
-                <p16:designElem xmlns="" xmlns:p16="http://schemas.microsoft.com/office/powerpoint/2015/main" val="1"/>
+                <p16:designElem xmlns:p16="http://schemas.microsoft.com/office/powerpoint/2015/main" xmlns="" val="1"/>
               </p:ext>
             </p:extLst>
           </p:nvPr>
@@ -28724,10 +28710,10 @@
           <p:cNvPr id="35" name="Oval 34">
             <a:extLst>
               <a:ext uri="{FF2B5EF4-FFF2-40B4-BE49-F238E27FC236}">
-                <a16:creationId xmlns="" xmlns:a16="http://schemas.microsoft.com/office/drawing/2014/main" id="{49B7FFA5-14CB-4A4F-9BCC-CA3AA5D9D276}"/>
+                <a16:creationId xmlns:a16="http://schemas.microsoft.com/office/drawing/2014/main" xmlns="" id="{49B7FFA5-14CB-4A4F-9BCC-CA3AA5D9D276}"/>
               </a:ext>
               <a:ext uri="{C183D7F6-B498-43B3-948B-1728B52AA6E4}">
-                <adec:decorative xmlns="" xmlns:adec="http://schemas.microsoft.com/office/drawing/2017/decorative" val="1"/>
+                <adec:decorative xmlns:adec="http://schemas.microsoft.com/office/drawing/2017/decorative" xmlns="" val="1"/>
               </a:ext>
             </a:extLst>
           </p:cNvPr>
@@ -28737,7 +28723,7 @@
           <p:nvPr>
             <p:extLst>
               <p:ext uri="{386F3935-93C4-4BCD-93E2-E3B085C9AB24}">
-                <p16:designElem xmlns="" xmlns:p16="http://schemas.microsoft.com/office/powerpoint/2015/main" val="1"/>
+                <p16:designElem xmlns:p16="http://schemas.microsoft.com/office/powerpoint/2015/main" xmlns="" val="1"/>
               </p:ext>
             </p:extLst>
           </p:nvPr>
@@ -28812,10 +28798,10 @@
           <p:cNvPr id="37" name="Oval 36">
             <a:extLst>
               <a:ext uri="{FF2B5EF4-FFF2-40B4-BE49-F238E27FC236}">
-                <a16:creationId xmlns="" xmlns:a16="http://schemas.microsoft.com/office/drawing/2014/main" id="{04E48745-7512-4EC2-9E20-9092D12150CA}"/>
+                <a16:creationId xmlns:a16="http://schemas.microsoft.com/office/drawing/2014/main" xmlns="" id="{04E48745-7512-4EC2-9E20-9092D12150CA}"/>
               </a:ext>
               <a:ext uri="{C183D7F6-B498-43B3-948B-1728B52AA6E4}">
-                <adec:decorative xmlns="" xmlns:adec="http://schemas.microsoft.com/office/drawing/2017/decorative" val="1"/>
+                <adec:decorative xmlns:adec="http://schemas.microsoft.com/office/drawing/2017/decorative" xmlns="" val="1"/>
               </a:ext>
             </a:extLst>
           </p:cNvPr>
@@ -28825,7 +28811,7 @@
           <p:nvPr>
             <p:extLst>
               <p:ext uri="{386F3935-93C4-4BCD-93E2-E3B085C9AB24}">
-                <p16:designElem xmlns="" xmlns:p16="http://schemas.microsoft.com/office/powerpoint/2015/main" val="1"/>
+                <p16:designElem xmlns:p16="http://schemas.microsoft.com/office/powerpoint/2015/main" xmlns="" val="1"/>
               </p:ext>
             </p:extLst>
           </p:nvPr>
@@ -28968,6 +28954,13 @@
   <p:clrMapOvr>
     <a:masterClrMapping/>
   </p:clrMapOvr>
+  <p:timing>
+    <p:tnLst>
+      <p:par>
+        <p:cTn id="1" dur="indefinite" restart="never" nodeType="tmRoot"/>
+      </p:par>
+    </p:tnLst>
+  </p:timing>
 </p:sld>
 </file>
 
@@ -29032,10 +29025,10 @@
           <p:cNvPr id="11" name="Rectangle 10">
             <a:extLst>
               <a:ext uri="{FF2B5EF4-FFF2-40B4-BE49-F238E27FC236}">
-                <a16:creationId xmlns="" xmlns:a16="http://schemas.microsoft.com/office/drawing/2014/main" id="{3FD711E9-7F79-40A9-8D9E-4AE293C154A5}"/>
+                <a16:creationId xmlns:a16="http://schemas.microsoft.com/office/drawing/2014/main" xmlns="" id="{3FD711E9-7F79-40A9-8D9E-4AE293C154A5}"/>
               </a:ext>
               <a:ext uri="{C183D7F6-B498-43B3-948B-1728B52AA6E4}">
-                <adec:decorative xmlns="" xmlns:adec="http://schemas.microsoft.com/office/drawing/2017/decorative" val="1"/>
+                <adec:decorative xmlns:adec="http://schemas.microsoft.com/office/drawing/2017/decorative" xmlns="" val="1"/>
               </a:ext>
             </a:extLst>
           </p:cNvPr>
@@ -29045,7 +29038,7 @@
           <p:nvPr>
             <p:extLst>
               <p:ext uri="{386F3935-93C4-4BCD-93E2-E3B085C9AB24}">
-                <p16:designElem xmlns="" xmlns:p16="http://schemas.microsoft.com/office/powerpoint/2015/main" val="1"/>
+                <p16:designElem xmlns:p16="http://schemas.microsoft.com/office/powerpoint/2015/main" xmlns="" val="1"/>
               </p:ext>
             </p:extLst>
           </p:nvPr>
@@ -29059,13 +29052,13 @@
             <a:avLst/>
           </a:prstGeom>
           <a:blipFill dpi="0" rotWithShape="1">
-            <a:blip r:embed="rId2">
+            <a:blip r:embed="rId4">
               <a:alphaModFix amt="85000"/>
               <a:lum bright="70000" contrast="-70000"/>
               <a:extLst>
                 <a:ext uri="{BEBA8EAE-BF5A-486C-A8C5-ECC9F3942E4B}">
                   <a14:imgProps xmlns:a14="http://schemas.microsoft.com/office/drawing/2010/main">
-                    <a14:imgLayer r:embed="rId3">
+                    <a14:imgLayer r:embed="rId5">
                       <a14:imgEffect>
                         <a14:sharpenSoften amount="61000"/>
                       </a14:imgEffect>
@@ -29154,7 +29147,7 @@
           <p:cNvPr id="6" name="Content Placeholder 2">
             <a:extLst>
               <a:ext uri="{FF2B5EF4-FFF2-40B4-BE49-F238E27FC236}">
-                <a16:creationId xmlns="" xmlns:a16="http://schemas.microsoft.com/office/drawing/2014/main" id="{BA86D370-9446-4C17-B6B6-C49901A6AD60}"/>
+                <a16:creationId xmlns:a16="http://schemas.microsoft.com/office/drawing/2014/main" xmlns="" id="{BA86D370-9446-4C17-B6B6-C49901A6AD60}"/>
               </a:ext>
             </a:extLst>
           </p:cNvPr>
@@ -29165,21 +29158,54 @@
             <p:ph idx="1"/>
             <p:extLst>
               <p:ext uri="{D42A27DB-BD31-4B8C-83A1-F6EECF244321}">
-                <p14:modId xmlns:p14="http://schemas.microsoft.com/office/powerpoint/2010/main" val="699624406"/>
+                <p14:modId xmlns:p14="http://schemas.microsoft.com/office/powerpoint/2010/main" val="892784342"/>
               </p:ext>
             </p:extLst>
           </p:nvPr>
         </p:nvGraphicFramePr>
         <p:xfrm>
-          <a:off x="802481" y="2385390"/>
-          <a:ext cx="7543800" cy="3617845"/>
+          <a:off x="778729" y="2236429"/>
+          <a:ext cx="4849639" cy="3617845"/>
         </p:xfrm>
         <a:graphic>
           <a:graphicData uri="http://schemas.openxmlformats.org/drawingml/2006/diagram">
-            <dgm:relIds xmlns:dgm="http://schemas.openxmlformats.org/drawingml/2006/diagram" xmlns:r="http://schemas.openxmlformats.org/officeDocument/2006/relationships" r:dm="rId4" r:lo="rId5" r:qs="rId6" r:cs="rId7"/>
+            <dgm:relIds xmlns:dgm="http://schemas.openxmlformats.org/drawingml/2006/diagram" xmlns:r="http://schemas.openxmlformats.org/officeDocument/2006/relationships" r:dm="rId6" r:lo="rId7" r:qs="rId8" r:cs="rId9"/>
           </a:graphicData>
         </a:graphic>
       </p:graphicFrame>
+      <p:pic>
+        <p:nvPicPr>
+          <p:cNvPr id="7" name="WhatsApp Video 2019-06-17 at 13.30.44.mp4">
+            <a:hlinkClick r:id="" action="ppaction://media"/>
+          </p:cNvPr>
+          <p:cNvPicPr>
+            <a:picLocks noChangeAspect="1"/>
+          </p:cNvPicPr>
+          <p:nvPr>
+            <a:videoFile r:link="rId2"/>
+            <p:extLst>
+              <p:ext uri="{DAA4B4D4-6D71-4841-9C94-3DE7FCFB9230}">
+                <p14:media xmlns:p14="http://schemas.microsoft.com/office/powerpoint/2010/main" r:embed="rId1"/>
+              </p:ext>
+            </p:extLst>
+          </p:nvPr>
+        </p:nvPicPr>
+        <p:blipFill>
+          <a:blip r:embed="rId11"/>
+          <a:stretch>
+            <a:fillRect/>
+          </a:stretch>
+        </p:blipFill>
+        <p:spPr>
+          <a:xfrm>
+            <a:off x="4572000" y="2093976"/>
+            <a:ext cx="3789989" cy="4051300"/>
+          </a:xfrm>
+          <a:prstGeom prst="rect">
+            <a:avLst/>
+          </a:prstGeom>
+        </p:spPr>
+      </p:pic>
     </p:spTree>
     <p:extLst>
       <p:ext uri="{BB962C8B-B14F-4D97-AF65-F5344CB8AC3E}">
@@ -29190,6 +29216,144 @@
   <p:clrMapOvr>
     <a:masterClrMapping/>
   </p:clrMapOvr>
+  <p:timing>
+    <p:tnLst>
+      <p:par>
+        <p:cTn id="1" dur="indefinite" restart="never" nodeType="tmRoot">
+          <p:childTnLst>
+            <p:seq concurrent="1" nextAc="seek">
+              <p:cTn id="2" dur="indefinite" nodeType="mainSeq">
+                <p:childTnLst>
+                  <p:par>
+                    <p:cTn id="3" fill="hold">
+                      <p:stCondLst>
+                        <p:cond delay="indefinite"/>
+                        <p:cond evt="onBegin" delay="0">
+                          <p:tn val="2"/>
+                        </p:cond>
+                      </p:stCondLst>
+                      <p:childTnLst>
+                        <p:par>
+                          <p:cTn id="4" fill="hold">
+                            <p:stCondLst>
+                              <p:cond delay="0"/>
+                            </p:stCondLst>
+                            <p:childTnLst>
+                              <p:par>
+                                <p:cTn id="5" presetID="1" presetClass="mediacall" presetSubtype="0" fill="hold" nodeType="afterEffect">
+                                  <p:stCondLst>
+                                    <p:cond delay="0"/>
+                                  </p:stCondLst>
+                                  <p:childTnLst>
+                                    <p:cmd type="call" cmd="playFrom(0.0)">
+                                      <p:cBhvr>
+                                        <p:cTn id="6" dur="6071" fill="hold"/>
+                                        <p:tgtEl>
+                                          <p:spTgt spid="7"/>
+                                        </p:tgtEl>
+                                      </p:cBhvr>
+                                    </p:cmd>
+                                  </p:childTnLst>
+                                </p:cTn>
+                              </p:par>
+                            </p:childTnLst>
+                          </p:cTn>
+                        </p:par>
+                      </p:childTnLst>
+                    </p:cTn>
+                  </p:par>
+                </p:childTnLst>
+              </p:cTn>
+              <p:prevCondLst>
+                <p:cond evt="onPrev" delay="0">
+                  <p:tgtEl>
+                    <p:sldTgt/>
+                  </p:tgtEl>
+                </p:cond>
+              </p:prevCondLst>
+              <p:nextCondLst>
+                <p:cond evt="onNext" delay="0">
+                  <p:tgtEl>
+                    <p:sldTgt/>
+                  </p:tgtEl>
+                </p:cond>
+              </p:nextCondLst>
+            </p:seq>
+            <p:video>
+              <p:cMediaNode vol="47170" mute="1">
+                <p:cTn id="7" fill="hold" display="0">
+                  <p:stCondLst>
+                    <p:cond delay="indefinite"/>
+                  </p:stCondLst>
+                </p:cTn>
+                <p:tgtEl>
+                  <p:spTgt spid="7"/>
+                </p:tgtEl>
+              </p:cMediaNode>
+            </p:video>
+            <p:seq concurrent="1" nextAc="seek">
+              <p:cTn id="8" restart="whenNotActive" fill="hold" evtFilter="cancelBubble" nodeType="interactiveSeq">
+                <p:stCondLst>
+                  <p:cond evt="onClick" delay="0">
+                    <p:tgtEl>
+                      <p:spTgt spid="7"/>
+                    </p:tgtEl>
+                  </p:cond>
+                </p:stCondLst>
+                <p:endSync evt="end" delay="0">
+                  <p:rtn val="all"/>
+                </p:endSync>
+                <p:childTnLst>
+                  <p:par>
+                    <p:cTn id="9" fill="hold">
+                      <p:stCondLst>
+                        <p:cond delay="0"/>
+                      </p:stCondLst>
+                      <p:childTnLst>
+                        <p:par>
+                          <p:cTn id="10" fill="hold">
+                            <p:stCondLst>
+                              <p:cond delay="0"/>
+                            </p:stCondLst>
+                            <p:childTnLst>
+                              <p:par>
+                                <p:cTn id="11" presetID="2" presetClass="mediacall" presetSubtype="0" fill="hold" nodeType="clickEffect">
+                                  <p:stCondLst>
+                                    <p:cond delay="0"/>
+                                  </p:stCondLst>
+                                  <p:childTnLst>
+                                    <p:cmd type="call" cmd="togglePause">
+                                      <p:cBhvr>
+                                        <p:cTn id="12" dur="1" fill="hold"/>
+                                        <p:tgtEl>
+                                          <p:spTgt spid="7"/>
+                                        </p:tgtEl>
+                                      </p:cBhvr>
+                                    </p:cmd>
+                                  </p:childTnLst>
+                                </p:cTn>
+                              </p:par>
+                            </p:childTnLst>
+                          </p:cTn>
+                        </p:par>
+                      </p:childTnLst>
+                    </p:cTn>
+                  </p:par>
+                </p:childTnLst>
+              </p:cTn>
+              <p:nextCondLst>
+                <p:cond evt="onClick" delay="0">
+                  <p:tgtEl>
+                    <p:spTgt spid="7"/>
+                  </p:tgtEl>
+                </p:cond>
+              </p:nextCondLst>
+            </p:seq>
+          </p:childTnLst>
+        </p:cTn>
+      </p:par>
+    </p:tnLst>
+  </p:timing>
 </p:sld>
 </file>
 
@@ -29223,7 +29387,7 @@
           <p:cNvPr id="2" name="Title 1">
             <a:extLst>
               <a:ext uri="{FF2B5EF4-FFF2-40B4-BE49-F238E27FC236}">
-                <a16:creationId xmlns="" xmlns:a16="http://schemas.microsoft.com/office/drawing/2014/main" id="{20171404-870B-4F91-AC7F-6FA08826187D}"/>
+                <a16:creationId xmlns:a16="http://schemas.microsoft.com/office/drawing/2014/main" xmlns="" id="{20171404-870B-4F91-AC7F-6FA08826187D}"/>
               </a:ext>
             </a:extLst>
           </p:cNvPr>
@@ -29259,10 +29423,10 @@
           <p:cNvPr id="35" name="Rectangle 34">
             <a:extLst>
               <a:ext uri="{FF2B5EF4-FFF2-40B4-BE49-F238E27FC236}">
-                <a16:creationId xmlns="" xmlns:a16="http://schemas.microsoft.com/office/drawing/2014/main" id="{3FD711E9-7F79-40A9-8D9E-4AE293C154A5}"/>
+                <a16:creationId xmlns:a16="http://schemas.microsoft.com/office/drawing/2014/main" xmlns="" id="{3FD711E9-7F79-40A9-8D9E-4AE293C154A5}"/>
               </a:ext>
               <a:ext uri="{C183D7F6-B498-43B3-948B-1728B52AA6E4}">
-                <adec:decorative xmlns="" xmlns:adec="http://schemas.microsoft.com/office/drawing/2017/decorative" val="1"/>
+                <adec:decorative xmlns:adec="http://schemas.microsoft.com/office/drawing/2017/decorative" xmlns="" val="1"/>
               </a:ext>
             </a:extLst>
           </p:cNvPr>
@@ -29272,7 +29436,7 @@
           <p:nvPr>
             <p:extLst>
               <p:ext uri="{386F3935-93C4-4BCD-93E2-E3B085C9AB24}">
-                <p16:designElem xmlns="" xmlns:p16="http://schemas.microsoft.com/office/powerpoint/2015/main" val="1"/>
+                <p16:designElem xmlns:p16="http://schemas.microsoft.com/office/powerpoint/2015/main" xmlns="" val="1"/>
               </p:ext>
             </p:extLst>
           </p:nvPr>
@@ -29341,7 +29505,7 @@
           <p:cNvPr id="4" name="Slide Number Placeholder 3">
             <a:extLst>
               <a:ext uri="{FF2B5EF4-FFF2-40B4-BE49-F238E27FC236}">
-                <a16:creationId xmlns="" xmlns:a16="http://schemas.microsoft.com/office/drawing/2014/main" id="{F1040E11-B5E6-446E-AFE8-32067D053762}"/>
+                <a16:creationId xmlns:a16="http://schemas.microsoft.com/office/drawing/2014/main" xmlns="" id="{F1040E11-B5E6-446E-AFE8-32067D053762}"/>
               </a:ext>
             </a:extLst>
           </p:cNvPr>
@@ -29387,7 +29551,7 @@
           <p:cNvPr id="25" name="Content Placeholder 2">
             <a:extLst>
               <a:ext uri="{FF2B5EF4-FFF2-40B4-BE49-F238E27FC236}">
-                <a16:creationId xmlns="" xmlns:a16="http://schemas.microsoft.com/office/drawing/2014/main" id="{C89107A5-AE3E-49D3-87FD-426BC572CEC7}"/>
+                <a16:creationId xmlns:a16="http://schemas.microsoft.com/office/drawing/2014/main" xmlns="" id="{C89107A5-AE3E-49D3-87FD-426BC572CEC7}"/>
               </a:ext>
             </a:extLst>
           </p:cNvPr>
@@ -29423,6 +29587,13 @@
   <p:clrMapOvr>
     <a:masterClrMapping/>
   </p:clrMapOvr>
+  <p:timing>
+    <p:tnLst>
+      <p:par>
+        <p:cTn id="1" dur="indefinite" restart="never" nodeType="tmRoot"/>
+      </p:par>
+    </p:tnLst>
+  </p:timing>
 </p:sld>
 </file>
 
@@ -29456,7 +29627,7 @@
           <p:cNvPr id="2" name="Title 1">
             <a:extLst>
               <a:ext uri="{FF2B5EF4-FFF2-40B4-BE49-F238E27FC236}">
-                <a16:creationId xmlns="" xmlns:a16="http://schemas.microsoft.com/office/drawing/2014/main" id="{64708F30-220A-49A3-8CDA-ED245F7F9D30}"/>
+                <a16:creationId xmlns:a16="http://schemas.microsoft.com/office/drawing/2014/main" xmlns="" id="{64708F30-220A-49A3-8CDA-ED245F7F9D30}"/>
               </a:ext>
             </a:extLst>
           </p:cNvPr>
@@ -29497,10 +29668,10 @@
           <p:cNvPr id="11" name="Rectangle 10">
             <a:extLst>
               <a:ext uri="{FF2B5EF4-FFF2-40B4-BE49-F238E27FC236}">
-                <a16:creationId xmlns="" xmlns:a16="http://schemas.microsoft.com/office/drawing/2014/main" id="{3FD711E9-7F79-40A9-8D9E-4AE293C154A5}"/>
+                <a16:creationId xmlns:a16="http://schemas.microsoft.com/office/drawing/2014/main" xmlns="" id="{3FD711E9-7F79-40A9-8D9E-4AE293C154A5}"/>
               </a:ext>
               <a:ext uri="{C183D7F6-B498-43B3-948B-1728B52AA6E4}">
-                <adec:decorative xmlns="" xmlns:adec="http://schemas.microsoft.com/office/drawing/2017/decorative" val="1"/>
+                <adec:decorative xmlns:adec="http://schemas.microsoft.com/office/drawing/2017/decorative" xmlns="" val="1"/>
               </a:ext>
             </a:extLst>
           </p:cNvPr>
@@ -29510,7 +29681,7 @@
           <p:nvPr>
             <p:extLst>
               <p:ext uri="{386F3935-93C4-4BCD-93E2-E3B085C9AB24}">
-                <p16:designElem xmlns="" xmlns:p16="http://schemas.microsoft.com/office/powerpoint/2015/main" val="1"/>
+                <p16:designElem xmlns:p16="http://schemas.microsoft.com/office/powerpoint/2015/main" xmlns="" val="1"/>
               </p:ext>
             </p:extLst>
           </p:nvPr>
@@ -29579,7 +29750,7 @@
           <p:cNvPr id="4" name="Slide Number Placeholder 3">
             <a:extLst>
               <a:ext uri="{FF2B5EF4-FFF2-40B4-BE49-F238E27FC236}">
-                <a16:creationId xmlns="" xmlns:a16="http://schemas.microsoft.com/office/drawing/2014/main" id="{4C6ADBB5-F093-43EC-A59C-732582C300EB}"/>
+                <a16:creationId xmlns:a16="http://schemas.microsoft.com/office/drawing/2014/main" xmlns="" id="{4C6ADBB5-F093-43EC-A59C-732582C300EB}"/>
               </a:ext>
             </a:extLst>
           </p:cNvPr>
@@ -29625,7 +29796,7 @@
           <p:cNvPr id="6" name="Content Placeholder 2">
             <a:extLst>
               <a:ext uri="{FF2B5EF4-FFF2-40B4-BE49-F238E27FC236}">
-                <a16:creationId xmlns="" xmlns:a16="http://schemas.microsoft.com/office/drawing/2014/main" id="{EC0F3C5D-82E6-45CF-B860-6486ABF7DA91}"/>
+                <a16:creationId xmlns:a16="http://schemas.microsoft.com/office/drawing/2014/main" xmlns="" id="{EC0F3C5D-82E6-45CF-B860-6486ABF7DA91}"/>
               </a:ext>
             </a:extLst>
           </p:cNvPr>
@@ -29732,10 +29903,10 @@
           <p:cNvPr id="11" name="Rectangle 10">
             <a:extLst>
               <a:ext uri="{FF2B5EF4-FFF2-40B4-BE49-F238E27FC236}">
-                <a16:creationId xmlns="" xmlns:a16="http://schemas.microsoft.com/office/drawing/2014/main" id="{3FD711E9-7F79-40A9-8D9E-4AE293C154A5}"/>
+                <a16:creationId xmlns:a16="http://schemas.microsoft.com/office/drawing/2014/main" xmlns="" id="{3FD711E9-7F79-40A9-8D9E-4AE293C154A5}"/>
               </a:ext>
               <a:ext uri="{C183D7F6-B498-43B3-948B-1728B52AA6E4}">
-                <adec:decorative xmlns="" xmlns:adec="http://schemas.microsoft.com/office/drawing/2017/decorative" val="1"/>
+                <adec:decorative xmlns:adec="http://schemas.microsoft.com/office/drawing/2017/decorative" xmlns="" val="1"/>
               </a:ext>
             </a:extLst>
           </p:cNvPr>
@@ -29745,7 +29916,7 @@
           <p:nvPr>
             <p:extLst>
               <p:ext uri="{386F3935-93C4-4BCD-93E2-E3B085C9AB24}">
-                <p16:designElem xmlns="" xmlns:p16="http://schemas.microsoft.com/office/powerpoint/2015/main" val="1"/>
+                <p16:designElem xmlns:p16="http://schemas.microsoft.com/office/powerpoint/2015/main" xmlns="" val="1"/>
               </p:ext>
             </p:extLst>
           </p:nvPr>
@@ -29854,7 +30025,7 @@
           <p:cNvPr id="6" name="Content Placeholder 2">
             <a:extLst>
               <a:ext uri="{FF2B5EF4-FFF2-40B4-BE49-F238E27FC236}">
-                <a16:creationId xmlns="" xmlns:a16="http://schemas.microsoft.com/office/drawing/2014/main" id="{A9D8E9A4-B308-4EE1-B695-D9C47C0D4F88}"/>
+                <a16:creationId xmlns:a16="http://schemas.microsoft.com/office/drawing/2014/main" xmlns="" id="{A9D8E9A4-B308-4EE1-B695-D9C47C0D4F88}"/>
               </a:ext>
             </a:extLst>
           </p:cNvPr>
@@ -30096,10 +30267,10 @@
           <p:cNvPr id="16" name="Rectangle 15">
             <a:extLst>
               <a:ext uri="{FF2B5EF4-FFF2-40B4-BE49-F238E27FC236}">
-                <a16:creationId xmlns="" xmlns:a16="http://schemas.microsoft.com/office/drawing/2014/main" id="{3FD711E9-7F79-40A9-8D9E-4AE293C154A5}"/>
+                <a16:creationId xmlns:a16="http://schemas.microsoft.com/office/drawing/2014/main" xmlns="" id="{3FD711E9-7F79-40A9-8D9E-4AE293C154A5}"/>
               </a:ext>
               <a:ext uri="{C183D7F6-B498-43B3-948B-1728B52AA6E4}">
-                <adec:decorative xmlns="" xmlns:adec="http://schemas.microsoft.com/office/drawing/2017/decorative" val="1"/>
+                <adec:decorative xmlns:adec="http://schemas.microsoft.com/office/drawing/2017/decorative" xmlns="" val="1"/>
               </a:ext>
             </a:extLst>
           </p:cNvPr>
@@ -30109,7 +30280,7 @@
           <p:nvPr>
             <p:extLst>
               <p:ext uri="{386F3935-93C4-4BCD-93E2-E3B085C9AB24}">
-                <p16:designElem xmlns="" xmlns:p16="http://schemas.microsoft.com/office/powerpoint/2015/main" val="1"/>
+                <p16:designElem xmlns:p16="http://schemas.microsoft.com/office/powerpoint/2015/main" xmlns="" val="1"/>
               </p:ext>
             </p:extLst>
           </p:nvPr>
@@ -30218,7 +30389,7 @@
           <p:cNvPr id="6" name="Content Placeholder 2">
             <a:extLst>
               <a:ext uri="{FF2B5EF4-FFF2-40B4-BE49-F238E27FC236}">
-                <a16:creationId xmlns="" xmlns:a16="http://schemas.microsoft.com/office/drawing/2014/main" id="{6358C9DB-7B63-4876-84D3-25AD0F9ED706}"/>
+                <a16:creationId xmlns:a16="http://schemas.microsoft.com/office/drawing/2014/main" xmlns="" id="{6358C9DB-7B63-4876-84D3-25AD0F9ED706}"/>
               </a:ext>
             </a:extLst>
           </p:cNvPr>
@@ -30254,6 +30425,13 @@
   <p:clrMapOvr>
     <a:masterClrMapping/>
   </p:clrMapOvr>
+  <p:timing>
+    <p:tnLst>
+      <p:par>
+        <p:cTn id="1" dur="indefinite" restart="never" nodeType="tmRoot"/>
+      </p:par>
+    </p:tnLst>
+  </p:timing>
 </p:sld>
 </file>
 
@@ -30279,7 +30457,7 @@
           <p:cNvPr id="2" name="Title 1">
             <a:extLst>
               <a:ext uri="{FF2B5EF4-FFF2-40B4-BE49-F238E27FC236}">
-                <a16:creationId xmlns="" xmlns:a16="http://schemas.microsoft.com/office/drawing/2014/main" id="{70C6D9C5-64E8-4478-BFDC-92235C099C97}"/>
+                <a16:creationId xmlns:a16="http://schemas.microsoft.com/office/drawing/2014/main" xmlns="" id="{70C6D9C5-64E8-4478-BFDC-92235C099C97}"/>
               </a:ext>
             </a:extLst>
           </p:cNvPr>
@@ -30308,7 +30486,7 @@
           <p:cNvPr id="3" name="Content Placeholder 2">
             <a:extLst>
               <a:ext uri="{FF2B5EF4-FFF2-40B4-BE49-F238E27FC236}">
-                <a16:creationId xmlns="" xmlns:a16="http://schemas.microsoft.com/office/drawing/2014/main" id="{473C2F26-4371-43EE-B09C-475656F3393D}"/>
+                <a16:creationId xmlns:a16="http://schemas.microsoft.com/office/drawing/2014/main" xmlns="" id="{473C2F26-4371-43EE-B09C-475656F3393D}"/>
               </a:ext>
             </a:extLst>
           </p:cNvPr>
@@ -30426,7 +30604,7 @@
           <p:cNvPr id="4" name="Slide Number Placeholder 3">
             <a:extLst>
               <a:ext uri="{FF2B5EF4-FFF2-40B4-BE49-F238E27FC236}">
-                <a16:creationId xmlns="" xmlns:a16="http://schemas.microsoft.com/office/drawing/2014/main" id="{543436BA-E81E-4D8F-8F85-125739BAE4ED}"/>
+                <a16:creationId xmlns:a16="http://schemas.microsoft.com/office/drawing/2014/main" xmlns="" id="{543436BA-E81E-4D8F-8F85-125739BAE4ED}"/>
               </a:ext>
             </a:extLst>
           </p:cNvPr>
@@ -30460,6 +30638,13 @@
   <p:clrMapOvr>
     <a:masterClrMapping/>
   </p:clrMapOvr>
+  <p:timing>
+    <p:tnLst>
+      <p:par>
+        <p:cTn id="1" dur="indefinite" restart="never" nodeType="tmRoot"/>
+      </p:par>
+    </p:tnLst>
+  </p:timing>
 </p:sld>
 </file>
 
@@ -30586,6 +30771,194 @@
           </a:p>
         </p:txBody>
       </p:sp>
+      <p:sp>
+        <p:nvSpPr>
+          <p:cNvPr id="3" name="Rounded Rectangle 2"/>
+          <p:cNvSpPr/>
+          <p:nvPr/>
+        </p:nvSpPr>
+        <p:spPr>
+          <a:xfrm>
+            <a:off x="2267744" y="980728"/>
+            <a:ext cx="4608512" cy="1525244"/>
+          </a:xfrm>
+          <a:prstGeom prst="roundRect">
+            <a:avLst/>
+          </a:prstGeom>
+          <a:noFill/>
+          <a:ln w="38100">
+            <a:solidFill>
+              <a:srgbClr val="00B050"/>
+            </a:solidFill>
+            <a:prstDash val="sysDash"/>
+          </a:ln>
+        </p:spPr>
+        <p:style>
+          <a:lnRef idx="2">
+            <a:schemeClr val="accent1">
+              <a:shade val="50000"/>
+            </a:schemeClr>
+          </a:lnRef>
+          <a:fillRef idx="1">
+            <a:schemeClr val="accent1"/>
+          </a:fillRef>
+          <a:effectRef idx="0">
+            <a:schemeClr val="accent1"/>
+          </a:effectRef>
+          <a:fontRef idx="minor">
+            <a:schemeClr val="lt1"/>
+          </a:fontRef>
+        </p:style>
+        <p:txBody>
+          <a:bodyPr rtlCol="0" anchor="ctr"/>
+          <a:lstStyle/>
+          <a:p>
+            <a:pPr algn="ctr"/>
+            <a:endParaRPr lang="en-US" dirty="0"/>
+          </a:p>
+        </p:txBody>
+      </p:sp>
+      <p:sp>
+        <p:nvSpPr>
+          <p:cNvPr id="5" name="Rounded Rectangle 4"/>
+          <p:cNvSpPr/>
+          <p:nvPr/>
+        </p:nvSpPr>
+        <p:spPr>
+          <a:xfrm>
+            <a:off x="1835696" y="2505972"/>
+            <a:ext cx="2088232" cy="2435196"/>
+          </a:xfrm>
+          <a:prstGeom prst="roundRect">
+            <a:avLst/>
+          </a:prstGeom>
+          <a:noFill/>
+          <a:ln w="38100">
+            <a:solidFill>
+              <a:schemeClr val="accent1"/>
+            </a:solidFill>
+            <a:prstDash val="sysDash"/>
+          </a:ln>
+        </p:spPr>
+        <p:style>
+          <a:lnRef idx="2">
+            <a:schemeClr val="accent1">
+              <a:shade val="50000"/>
+            </a:schemeClr>
+          </a:lnRef>
+          <a:fillRef idx="1">
+            <a:schemeClr val="accent1"/>
+          </a:fillRef>
+          <a:effectRef idx="0">
+            <a:schemeClr val="accent1"/>
+          </a:effectRef>
+          <a:fontRef idx="minor">
+            <a:schemeClr val="lt1"/>
+          </a:fontRef>
+        </p:style>
+        <p:txBody>
+          <a:bodyPr rtlCol="0" anchor="ctr"/>
+          <a:lstStyle/>
+          <a:p>
+            <a:pPr algn="ctr"/>
+            <a:endParaRPr lang="en-US" dirty="0"/>
+          </a:p>
+        </p:txBody>
+      </p:sp>
+      <p:sp>
+        <p:nvSpPr>
+          <p:cNvPr id="6" name="Rounded Rectangle 5"/>
+          <p:cNvSpPr/>
+          <p:nvPr/>
+        </p:nvSpPr>
+        <p:spPr>
+          <a:xfrm>
+            <a:off x="1835696" y="3212976"/>
+            <a:ext cx="5400600" cy="1728192"/>
+          </a:xfrm>
+          <a:prstGeom prst="roundRect">
+            <a:avLst/>
+          </a:prstGeom>
+          <a:noFill/>
+          <a:ln w="38100">
+            <a:solidFill>
+              <a:srgbClr val="FF0000"/>
+            </a:solidFill>
+            <a:prstDash val="sysDash"/>
+          </a:ln>
+        </p:spPr>
+        <p:style>
+          <a:lnRef idx="2">
+            <a:schemeClr val="accent1">
+              <a:shade val="50000"/>
+            </a:schemeClr>
+          </a:lnRef>
+          <a:fillRef idx="1">
+            <a:schemeClr val="accent1"/>
+          </a:fillRef>
+          <a:effectRef idx="0">
+            <a:schemeClr val="accent1"/>
+          </a:effectRef>
+          <a:fontRef idx="minor">
+            <a:schemeClr val="lt1"/>
+          </a:fontRef>
+        </p:style>
+        <p:txBody>
+          <a:bodyPr rtlCol="0" anchor="ctr"/>
+          <a:lstStyle/>
+          <a:p>
+            <a:pPr algn="ctr"/>
+            <a:endParaRPr lang="en-US" dirty="0"/>
+          </a:p>
+        </p:txBody>
+      </p:sp>
+      <p:sp>
+        <p:nvSpPr>
+          <p:cNvPr id="8" name="Rounded Rectangle 7"/>
+          <p:cNvSpPr/>
+          <p:nvPr/>
+        </p:nvSpPr>
+        <p:spPr>
+          <a:xfrm>
+            <a:off x="1835696" y="3212976"/>
+            <a:ext cx="2088232" cy="3384376"/>
+          </a:xfrm>
+          <a:prstGeom prst="roundRect">
+            <a:avLst/>
+          </a:prstGeom>
+          <a:noFill/>
+          <a:ln w="38100">
+            <a:solidFill>
+              <a:srgbClr val="00B0F0"/>
+            </a:solidFill>
+            <a:prstDash val="sysDash"/>
+          </a:ln>
+        </p:spPr>
+        <p:style>
+          <a:lnRef idx="2">
+            <a:schemeClr val="accent1">
+              <a:shade val="50000"/>
+            </a:schemeClr>
+          </a:lnRef>
+          <a:fillRef idx="1">
+            <a:schemeClr val="accent1"/>
+          </a:fillRef>
+          <a:effectRef idx="0">
+            <a:schemeClr val="accent1"/>
+          </a:effectRef>
+          <a:fontRef idx="minor">
+            <a:schemeClr val="lt1"/>
+          </a:fontRef>
+        </p:style>
+        <p:txBody>
+          <a:bodyPr rtlCol="0" anchor="ctr"/>
+          <a:lstStyle/>
+          <a:p>
+            <a:pPr algn="ctr"/>
+            <a:endParaRPr lang="en-US" dirty="0"/>
+          </a:p>
+        </p:txBody>
+      </p:sp>
     </p:spTree>
     <p:extLst>
       <p:ext uri="{BB962C8B-B14F-4D97-AF65-F5344CB8AC3E}">
@@ -30596,6 +30969,362 @@
   <p:clrMapOvr>
     <a:masterClrMapping/>
   </p:clrMapOvr>
+  <p:timing>
+    <p:tnLst>
+      <p:par>
+        <p:cTn id="1" dur="indefinite" restart="never" nodeType="tmRoot">
+          <p:childTnLst>
+            <p:seq concurrent="1" nextAc="seek">
+              <p:cTn id="2" dur="indefinite" nodeType="mainSeq">
+                <p:childTnLst>
+                  <p:par>
+                    <p:cTn id="3" fill="hold">
+                      <p:stCondLst>
+                        <p:cond delay="indefinite"/>
+                      </p:stCondLst>
+                      <p:childTnLst>
+                        <p:par>
+                          <p:cTn id="4" fill="hold">
+                            <p:stCondLst>
+                              <p:cond delay="0"/>
+                            </p:stCondLst>
+                            <p:childTnLst>
+                              <p:par>
+                                <p:cTn id="5" presetID="22" presetClass="entr" presetSubtype="4" fill="hold" grpId="0" nodeType="clickEffect">
+                                  <p:stCondLst>
+                                    <p:cond delay="0"/>
+                                  </p:stCondLst>
+                                  <p:childTnLst>
+                                    <p:set>
+                                      <p:cBhvr>
+                                        <p:cTn id="6" dur="1" fill="hold">
+                                          <p:stCondLst>
+                                            <p:cond delay="0"/>
+                                          </p:stCondLst>
+                                        </p:cTn>
+                                        <p:tgtEl>
+                                          <p:spTgt spid="3"/>
+                                        </p:tgtEl>
+                                        <p:attrNameLst>
+                                          <p:attrName>style.visibility</p:attrName>
+                                        </p:attrNameLst>
+                                      </p:cBhvr>
+                                      <p:to>
+                                        <p:strVal val="visible"/>
+                                      </p:to>
+                                    </p:set>
+                                    <p:animEffect transition="in" filter="wipe(down)">
+                                      <p:cBhvr>
+                                        <p:cTn id="7" dur="500"/>
+                                        <p:tgtEl>
+                                          <p:spTgt spid="3"/>
+                                        </p:tgtEl>
+                                      </p:cBhvr>
+                                    </p:animEffect>
+                                  </p:childTnLst>
+                                </p:cTn>
+                              </p:par>
+                            </p:childTnLst>
+                          </p:cTn>
+                        </p:par>
+                      </p:childTnLst>
+                    </p:cTn>
+                  </p:par>
+                  <p:par>
+                    <p:cTn id="8" fill="hold">
+                      <p:stCondLst>
+                        <p:cond delay="indefinite"/>
+                      </p:stCondLst>
+                      <p:childTnLst>
+                        <p:par>
+                          <p:cTn id="9" fill="hold">
+                            <p:stCondLst>
+                              <p:cond delay="0"/>
+                            </p:stCondLst>
+                            <p:childTnLst>
+                              <p:par>
+                                <p:cTn id="10" presetID="22" presetClass="entr" presetSubtype="4" fill="hold" grpId="0" nodeType="clickEffect">
+                                  <p:stCondLst>
+                                    <p:cond delay="0"/>
+                                  </p:stCondLst>
+                                  <p:childTnLst>
+                                    <p:set>
+                                      <p:cBhvr>
+                                        <p:cTn id="11" dur="1" fill="hold">
+                                          <p:stCondLst>
+                                            <p:cond delay="0"/>
+                                          </p:stCondLst>
+                                        </p:cTn>
+                                        <p:tgtEl>
+                                          <p:spTgt spid="5"/>
+                                        </p:tgtEl>
+                                        <p:attrNameLst>
+                                          <p:attrName>style.visibility</p:attrName>
+                                        </p:attrNameLst>
+                                      </p:cBhvr>
+                                      <p:to>
+                                        <p:strVal val="visible"/>
+                                      </p:to>
+                                    </p:set>
+                                    <p:animEffect transition="in" filter="wipe(down)">
+                                      <p:cBhvr>
+                                        <p:cTn id="12" dur="500"/>
+                                        <p:tgtEl>
+                                          <p:spTgt spid="5"/>
+                                        </p:tgtEl>
+                                      </p:cBhvr>
+                                    </p:animEffect>
+                                  </p:childTnLst>
+                                </p:cTn>
+                              </p:par>
+                            </p:childTnLst>
+                          </p:cTn>
+                        </p:par>
+                      </p:childTnLst>
+                    </p:cTn>
+                  </p:par>
+                  <p:par>
+                    <p:cTn id="13" fill="hold">
+                      <p:stCondLst>
+                        <p:cond delay="indefinite"/>
+                      </p:stCondLst>
+                      <p:childTnLst>
+                        <p:par>
+                          <p:cTn id="14" fill="hold">
+                            <p:stCondLst>
+                              <p:cond delay="0"/>
+                            </p:stCondLst>
+                            <p:childTnLst>
+                              <p:par>
+                                <p:cTn id="15" presetID="22" presetClass="entr" presetSubtype="4" fill="hold" grpId="0" nodeType="clickEffect">
+                                  <p:stCondLst>
+                                    <p:cond delay="0"/>
+                                  </p:stCondLst>
+                                  <p:childTnLst>
+                                    <p:set>
+                                      <p:cBhvr>
+                                        <p:cTn id="16" dur="1" fill="hold">
+                                          <p:stCondLst>
+                                            <p:cond delay="0"/>
+                                          </p:stCondLst>
+                                        </p:cTn>
+                                        <p:tgtEl>
+                                          <p:spTgt spid="6"/>
+                                        </p:tgtEl>
+                                        <p:attrNameLst>
+                                          <p:attrName>style.visibility</p:attrName>
+                                        </p:attrNameLst>
+                                      </p:cBhvr>
+                                      <p:to>
+                                        <p:strVal val="visible"/>
+                                      </p:to>
+                                    </p:set>
+                                    <p:animEffect transition="in" filter="wipe(down)">
+                                      <p:cBhvr>
+                                        <p:cTn id="17" dur="500"/>
+                                        <p:tgtEl>
+                                          <p:spTgt spid="6"/>
+                                        </p:tgtEl>
+                                      </p:cBhvr>
+                                    </p:animEffect>
+                                  </p:childTnLst>
+                                </p:cTn>
+                              </p:par>
+                              <p:par>
+                                <p:cTn id="18" presetID="16" presetClass="exit" presetSubtype="21" fill="hold" grpId="1" nodeType="withEffect">
+                                  <p:stCondLst>
+                                    <p:cond delay="0"/>
+                                  </p:stCondLst>
+                                  <p:childTnLst>
+                                    <p:animEffect transition="out" filter="barn(inVertical)">
+                                      <p:cBhvr>
+                                        <p:cTn id="19" dur="500"/>
+                                        <p:tgtEl>
+                                          <p:spTgt spid="3"/>
+                                        </p:tgtEl>
+                                      </p:cBhvr>
+                                    </p:animEffect>
+                                    <p:set>
+                                      <p:cBhvr>
+                                        <p:cTn id="20" dur="1" fill="hold">
+                                          <p:stCondLst>
+                                            <p:cond delay="499"/>
+                                          </p:stCondLst>
+                                        </p:cTn>
+                                        <p:tgtEl>
+                                          <p:spTgt spid="3"/>
+                                        </p:tgtEl>
+                                        <p:attrNameLst>
+                                          <p:attrName>style.visibility</p:attrName>
+                                        </p:attrNameLst>
+                                      </p:cBhvr>
+                                      <p:to>
+                                        <p:strVal val="hidden"/>
+                                      </p:to>
+                                    </p:set>
+                                  </p:childTnLst>
+                                </p:cTn>
+                              </p:par>
+                              <p:par>
+                                <p:cTn id="21" presetID="16" presetClass="exit" presetSubtype="21" fill="hold" grpId="1" nodeType="withEffect">
+                                  <p:stCondLst>
+                                    <p:cond delay="0"/>
+                                  </p:stCondLst>
+                                  <p:childTnLst>
+                                    <p:animEffect transition="out" filter="barn(inVertical)">
+                                      <p:cBhvr>
+                                        <p:cTn id="22" dur="500"/>
+                                        <p:tgtEl>
+                                          <p:spTgt spid="5"/>
+                                        </p:tgtEl>
+                                      </p:cBhvr>
+                                    </p:animEffect>
+                                    <p:set>
+                                      <p:cBhvr>
+                                        <p:cTn id="23" dur="1" fill="hold">
+                                          <p:stCondLst>
+                                            <p:cond delay="499"/>
+                                          </p:stCondLst>
+                                        </p:cTn>
+                                        <p:tgtEl>
+                                          <p:spTgt spid="5"/>
+                                        </p:tgtEl>
+                                        <p:attrNameLst>
+                                          <p:attrName>style.visibility</p:attrName>
+                                        </p:attrNameLst>
+                                      </p:cBhvr>
+                                      <p:to>
+                                        <p:strVal val="hidden"/>
+                                      </p:to>
+                                    </p:set>
+                                  </p:childTnLst>
+                                </p:cTn>
+                              </p:par>
+                              <p:par>
+                                <p:cTn id="24" presetID="16" presetClass="exit" presetSubtype="21" fill="hold" grpId="1" nodeType="withEffect">
+                                  <p:stCondLst>
+                                    <p:cond delay="0"/>
+                                  </p:stCondLst>
+                                  <p:childTnLst>
+                                    <p:animEffect transition="out" filter="barn(inVertical)">
+                                      <p:cBhvr>
+                                        <p:cTn id="25" dur="500"/>
+                                        <p:tgtEl>
+                                          <p:spTgt spid="6"/>
+                                        </p:tgtEl>
+                                      </p:cBhvr>
+                                    </p:animEffect>
+                                    <p:set>
+                                      <p:cBhvr>
+                                        <p:cTn id="26" dur="1" fill="hold">
+                                          <p:stCondLst>
+                                            <p:cond delay="499"/>
+                                          </p:stCondLst>
+                                        </p:cTn>
+                                        <p:tgtEl>
+                                          <p:spTgt spid="6"/>
+                                        </p:tgtEl>
+                                        <p:attrNameLst>
+                                          <p:attrName>style.visibility</p:attrName>
+                                        </p:attrNameLst>
+                                      </p:cBhvr>
+                                      <p:to>
+                                        <p:strVal val="hidden"/>
+                                      </p:to>
+                                    </p:set>
+                                  </p:childTnLst>
+                                </p:cTn>
+                              </p:par>
+                            </p:childTnLst>
+                          </p:cTn>
+                        </p:par>
+                      </p:childTnLst>
+                    </p:cTn>
+                  </p:par>
+                  <p:par>
+                    <p:cTn id="27" fill="hold">
+                      <p:stCondLst>
+                        <p:cond delay="indefinite"/>
+                      </p:stCondLst>
+                      <p:childTnLst>
+                        <p:par>
+                          <p:cTn id="28" fill="hold">
+                            <p:stCondLst>
+                              <p:cond delay="0"/>
+                            </p:stCondLst>
+                            <p:childTnLst>
+                              <p:par>
+                                <p:cTn id="29" presetID="22" presetClass="entr" presetSubtype="4" fill="hold" grpId="0" nodeType="clickEffect">
+                                  <p:stCondLst>
+                                    <p:cond delay="0"/>
+                                  </p:stCondLst>
+                                  <p:childTnLst>
+                                    <p:set>
+                                      <p:cBhvr>
+                                        <p:cTn id="30" dur="1" fill="hold">
+                                          <p:stCondLst>
+                                            <p:cond delay="0"/>
+                                          </p:stCondLst>
+                                        </p:cTn>
+                                        <p:tgtEl>
+                                          <p:spTgt spid="8"/>
+                                        </p:tgtEl>
+                                        <p:attrNameLst>
+                                          <p:attrName>style.visibility</p:attrName>
+                                        </p:attrNameLst>
+                                      </p:cBhvr>
+                                      <p:to>
+                                        <p:strVal val="visible"/>
+                                      </p:to>
+                                    </p:set>
+                                    <p:animEffect transition="in" filter="wipe(down)">
+                                      <p:cBhvr>
+                                        <p:cTn id="31" dur="500"/>
+                                        <p:tgtEl>
+                                          <p:spTgt spid="8"/>
+                                        </p:tgtEl>
+                                      </p:cBhvr>
+                                    </p:animEffect>
+                                  </p:childTnLst>
+                                </p:cTn>
+                              </p:par>
+                            </p:childTnLst>
+                          </p:cTn>
+                        </p:par>
+                      </p:childTnLst>
+                    </p:cTn>
+                  </p:par>
+                </p:childTnLst>
+              </p:cTn>
+              <p:prevCondLst>
+                <p:cond evt="onPrev" delay="0">
+                  <p:tgtEl>
+                    <p:sldTgt/>
+                  </p:tgtEl>
+                </p:cond>
+              </p:prevCondLst>
+              <p:nextCondLst>
+                <p:cond evt="onNext" delay="0">
+                  <p:tgtEl>
+                    <p:sldTgt/>
+                  </p:tgtEl>
+                </p:cond>
+              </p:nextCondLst>
+            </p:seq>
+          </p:childTnLst>
+        </p:cTn>
+      </p:par>
+    </p:tnLst>
+    <p:bldLst>
+      <p:bldP spid="3" grpId="0" animBg="1"/>
+      <p:bldP spid="3" grpId="1" animBg="1"/>
+      <p:bldP spid="5" grpId="0" animBg="1"/>
+      <p:bldP spid="5" grpId="1" animBg="1"/>
+      <p:bldP spid="6" grpId="0" animBg="1"/>
+      <p:bldP spid="6" grpId="1" animBg="1"/>
+      <p:bldP spid="8" grpId="0" animBg="1"/>
+    </p:bldLst>
+  </p:timing>
 </p:sld>
 </file>
 
@@ -30666,10 +31395,10 @@
           <p:cNvPr id="11" name="Rectangle 10">
             <a:extLst>
               <a:ext uri="{FF2B5EF4-FFF2-40B4-BE49-F238E27FC236}">
-                <a16:creationId xmlns="" xmlns:a16="http://schemas.microsoft.com/office/drawing/2014/main" id="{3FD711E9-7F79-40A9-8D9E-4AE293C154A5}"/>
+                <a16:creationId xmlns:a16="http://schemas.microsoft.com/office/drawing/2014/main" xmlns="" id="{3FD711E9-7F79-40A9-8D9E-4AE293C154A5}"/>
               </a:ext>
               <a:ext uri="{C183D7F6-B498-43B3-948B-1728B52AA6E4}">
-                <adec:decorative xmlns="" xmlns:adec="http://schemas.microsoft.com/office/drawing/2017/decorative" val="1"/>
+                <adec:decorative xmlns:adec="http://schemas.microsoft.com/office/drawing/2017/decorative" xmlns="" val="1"/>
               </a:ext>
             </a:extLst>
           </p:cNvPr>
@@ -30679,7 +31408,7 @@
           <p:nvPr>
             <p:extLst>
               <p:ext uri="{386F3935-93C4-4BCD-93E2-E3B085C9AB24}">
-                <p16:designElem xmlns="" xmlns:p16="http://schemas.microsoft.com/office/powerpoint/2015/main" val="1"/>
+                <p16:designElem xmlns:p16="http://schemas.microsoft.com/office/powerpoint/2015/main" xmlns="" val="1"/>
               </p:ext>
             </p:extLst>
           </p:nvPr>
@@ -30788,7 +31517,7 @@
           <p:cNvPr id="6" name="Content Placeholder 2">
             <a:extLst>
               <a:ext uri="{FF2B5EF4-FFF2-40B4-BE49-F238E27FC236}">
-                <a16:creationId xmlns="" xmlns:a16="http://schemas.microsoft.com/office/drawing/2014/main" id="{09B1999A-2394-4784-A78A-D9DD6638CBB1}"/>
+                <a16:creationId xmlns:a16="http://schemas.microsoft.com/office/drawing/2014/main" xmlns="" id="{09B1999A-2394-4784-A78A-D9DD6638CBB1}"/>
               </a:ext>
             </a:extLst>
           </p:cNvPr>
@@ -30824,6 +31553,13 @@
   <p:clrMapOvr>
     <a:masterClrMapping/>
   </p:clrMapOvr>
+  <p:timing>
+    <p:tnLst>
+      <p:par>
+        <p:cTn id="1" dur="indefinite" restart="never" nodeType="tmRoot"/>
+      </p:par>
+    </p:tnLst>
+  </p:timing>
 </p:sld>
 </file>
 
@@ -30857,7 +31593,7 @@
           <p:cNvPr id="2" name="Title 1">
             <a:extLst>
               <a:ext uri="{FF2B5EF4-FFF2-40B4-BE49-F238E27FC236}">
-                <a16:creationId xmlns="" xmlns:a16="http://schemas.microsoft.com/office/drawing/2014/main" id="{5F3B14D9-550A-4603-AE2C-4A235FBBA816}"/>
+                <a16:creationId xmlns:a16="http://schemas.microsoft.com/office/drawing/2014/main" xmlns="" id="{5F3B14D9-550A-4603-AE2C-4A235FBBA816}"/>
               </a:ext>
             </a:extLst>
           </p:cNvPr>
@@ -30898,10 +31634,10 @@
           <p:cNvPr id="16" name="Rectangle 15">
             <a:extLst>
               <a:ext uri="{FF2B5EF4-FFF2-40B4-BE49-F238E27FC236}">
-                <a16:creationId xmlns="" xmlns:a16="http://schemas.microsoft.com/office/drawing/2014/main" id="{3FD711E9-7F79-40A9-8D9E-4AE293C154A5}"/>
+                <a16:creationId xmlns:a16="http://schemas.microsoft.com/office/drawing/2014/main" xmlns="" id="{3FD711E9-7F79-40A9-8D9E-4AE293C154A5}"/>
               </a:ext>
               <a:ext uri="{C183D7F6-B498-43B3-948B-1728B52AA6E4}">
-                <adec:decorative xmlns="" xmlns:adec="http://schemas.microsoft.com/office/drawing/2017/decorative" val="1"/>
+                <adec:decorative xmlns:adec="http://schemas.microsoft.com/office/drawing/2017/decorative" xmlns="" val="1"/>
               </a:ext>
             </a:extLst>
           </p:cNvPr>
@@ -30911,7 +31647,7 @@
           <p:nvPr>
             <p:extLst>
               <p:ext uri="{386F3935-93C4-4BCD-93E2-E3B085C9AB24}">
-                <p16:designElem xmlns="" xmlns:p16="http://schemas.microsoft.com/office/powerpoint/2015/main" val="1"/>
+                <p16:designElem xmlns:p16="http://schemas.microsoft.com/office/powerpoint/2015/main" xmlns="" val="1"/>
               </p:ext>
             </p:extLst>
           </p:nvPr>
@@ -30980,7 +31716,7 @@
           <p:cNvPr id="4" name="Slide Number Placeholder 3">
             <a:extLst>
               <a:ext uri="{FF2B5EF4-FFF2-40B4-BE49-F238E27FC236}">
-                <a16:creationId xmlns="" xmlns:a16="http://schemas.microsoft.com/office/drawing/2014/main" id="{4E707F7B-000B-4ECD-9B77-ECC0C1DD16DD}"/>
+                <a16:creationId xmlns:a16="http://schemas.microsoft.com/office/drawing/2014/main" xmlns="" id="{4E707F7B-000B-4ECD-9B77-ECC0C1DD16DD}"/>
               </a:ext>
             </a:extLst>
           </p:cNvPr>
@@ -31026,7 +31762,7 @@
           <p:cNvPr id="6" name="Content Placeholder 2">
             <a:extLst>
               <a:ext uri="{FF2B5EF4-FFF2-40B4-BE49-F238E27FC236}">
-                <a16:creationId xmlns="" xmlns:a16="http://schemas.microsoft.com/office/drawing/2014/main" id="{59A4307A-0181-4594-977B-4087C0CFBAF8}"/>
+                <a16:creationId xmlns:a16="http://schemas.microsoft.com/office/drawing/2014/main" xmlns="" id="{59A4307A-0181-4594-977B-4087C0CFBAF8}"/>
               </a:ext>
             </a:extLst>
           </p:cNvPr>
@@ -31057,7 +31793,7 @@
           <p:cNvPr id="7" name="Rectangle: Rounded Corners 6">
             <a:extLst>
               <a:ext uri="{FF2B5EF4-FFF2-40B4-BE49-F238E27FC236}">
-                <a16:creationId xmlns="" xmlns:a16="http://schemas.microsoft.com/office/drawing/2014/main" id="{FE7337C6-5EBE-44AA-BA96-13AB2377562C}"/>
+                <a16:creationId xmlns:a16="http://schemas.microsoft.com/office/drawing/2014/main" xmlns="" id="{FE7337C6-5EBE-44AA-BA96-13AB2377562C}"/>
               </a:ext>
             </a:extLst>
           </p:cNvPr>
@@ -31117,7 +31853,7 @@
           <p:cNvPr id="8" name="Rectangle: Rounded Corners 7">
             <a:extLst>
               <a:ext uri="{FF2B5EF4-FFF2-40B4-BE49-F238E27FC236}">
-                <a16:creationId xmlns="" xmlns:a16="http://schemas.microsoft.com/office/drawing/2014/main" id="{BEC78F7D-4F08-42F6-B2D9-847BA362E72E}"/>
+                <a16:creationId xmlns:a16="http://schemas.microsoft.com/office/drawing/2014/main" xmlns="" id="{BEC78F7D-4F08-42F6-B2D9-847BA362E72E}"/>
               </a:ext>
             </a:extLst>
           </p:cNvPr>
@@ -31177,7 +31913,7 @@
           <p:cNvPr id="9" name="Rectangle: Rounded Corners 8">
             <a:extLst>
               <a:ext uri="{FF2B5EF4-FFF2-40B4-BE49-F238E27FC236}">
-                <a16:creationId xmlns="" xmlns:a16="http://schemas.microsoft.com/office/drawing/2014/main" id="{FECA7078-DDED-45FE-BC63-9F2BAA5E13E3}"/>
+                <a16:creationId xmlns:a16="http://schemas.microsoft.com/office/drawing/2014/main" xmlns="" id="{FECA7078-DDED-45FE-BC63-9F2BAA5E13E3}"/>
               </a:ext>
             </a:extLst>
           </p:cNvPr>
@@ -31242,6 +31978,13 @@
   <p:clrMapOvr>
     <a:masterClrMapping/>
   </p:clrMapOvr>
+  <p:timing>
+    <p:tnLst>
+      <p:par>
+        <p:cTn id="1" dur="indefinite" restart="never" nodeType="tmRoot"/>
+      </p:par>
+    </p:tnLst>
+  </p:timing>
 </p:sld>
 </file>
 
@@ -31275,7 +32018,7 @@
           <p:cNvPr id="2" name="Title 1">
             <a:extLst>
               <a:ext uri="{FF2B5EF4-FFF2-40B4-BE49-F238E27FC236}">
-                <a16:creationId xmlns="" xmlns:a16="http://schemas.microsoft.com/office/drawing/2014/main" id="{4DF4C6AB-EAC5-41E7-A3B5-A1D552590597}"/>
+                <a16:creationId xmlns:a16="http://schemas.microsoft.com/office/drawing/2014/main" xmlns="" id="{4DF4C6AB-EAC5-41E7-A3B5-A1D552590597}"/>
               </a:ext>
             </a:extLst>
           </p:cNvPr>
@@ -31312,10 +32055,10 @@
           <p:cNvPr id="11" name="Rectangle 10">
             <a:extLst>
               <a:ext uri="{FF2B5EF4-FFF2-40B4-BE49-F238E27FC236}">
-                <a16:creationId xmlns="" xmlns:a16="http://schemas.microsoft.com/office/drawing/2014/main" id="{3FD711E9-7F79-40A9-8D9E-4AE293C154A5}"/>
+                <a16:creationId xmlns:a16="http://schemas.microsoft.com/office/drawing/2014/main" xmlns="" id="{3FD711E9-7F79-40A9-8D9E-4AE293C154A5}"/>
               </a:ext>
               <a:ext uri="{C183D7F6-B498-43B3-948B-1728B52AA6E4}">
-                <adec:decorative xmlns="" xmlns:adec="http://schemas.microsoft.com/office/drawing/2017/decorative" val="1"/>
+                <adec:decorative xmlns:adec="http://schemas.microsoft.com/office/drawing/2017/decorative" xmlns="" val="1"/>
               </a:ext>
             </a:extLst>
           </p:cNvPr>
@@ -31325,7 +32068,7 @@
           <p:nvPr>
             <p:extLst>
               <p:ext uri="{386F3935-93C4-4BCD-93E2-E3B085C9AB24}">
-                <p16:designElem xmlns="" xmlns:p16="http://schemas.microsoft.com/office/powerpoint/2015/main" val="1"/>
+                <p16:designElem xmlns:p16="http://schemas.microsoft.com/office/powerpoint/2015/main" xmlns="" val="1"/>
               </p:ext>
             </p:extLst>
           </p:nvPr>
@@ -31394,7 +32137,7 @@
           <p:cNvPr id="4" name="Slide Number Placeholder 3">
             <a:extLst>
               <a:ext uri="{FF2B5EF4-FFF2-40B4-BE49-F238E27FC236}">
-                <a16:creationId xmlns="" xmlns:a16="http://schemas.microsoft.com/office/drawing/2014/main" id="{72C1E673-FCA4-48C9-8D56-03068F07EB13}"/>
+                <a16:creationId xmlns:a16="http://schemas.microsoft.com/office/drawing/2014/main" xmlns="" id="{72C1E673-FCA4-48C9-8D56-03068F07EB13}"/>
               </a:ext>
             </a:extLst>
           </p:cNvPr>
@@ -31440,7 +32183,7 @@
           <p:cNvPr id="6" name="Content Placeholder 2">
             <a:extLst>
               <a:ext uri="{FF2B5EF4-FFF2-40B4-BE49-F238E27FC236}">
-                <a16:creationId xmlns="" xmlns:a16="http://schemas.microsoft.com/office/drawing/2014/main" id="{7917F929-5E38-446A-8EA9-D8E60BEFEF5F}"/>
+                <a16:creationId xmlns:a16="http://schemas.microsoft.com/office/drawing/2014/main" xmlns="" id="{7917F929-5E38-446A-8EA9-D8E60BEFEF5F}"/>
               </a:ext>
             </a:extLst>
           </p:cNvPr>
@@ -31471,7 +32214,7 @@
           <p:cNvPr id="7" name="Rectangle: Rounded Corners 6">
             <a:extLst>
               <a:ext uri="{FF2B5EF4-FFF2-40B4-BE49-F238E27FC236}">
-                <a16:creationId xmlns="" xmlns:a16="http://schemas.microsoft.com/office/drawing/2014/main" id="{06EDBB29-49B8-4490-B86A-45FEED1A3949}"/>
+                <a16:creationId xmlns:a16="http://schemas.microsoft.com/office/drawing/2014/main" xmlns="" id="{06EDBB29-49B8-4490-B86A-45FEED1A3949}"/>
               </a:ext>
             </a:extLst>
           </p:cNvPr>
@@ -31531,7 +32274,7 @@
           <p:cNvPr id="9" name="Rectangle: Rounded Corners 8">
             <a:extLst>
               <a:ext uri="{FF2B5EF4-FFF2-40B4-BE49-F238E27FC236}">
-                <a16:creationId xmlns="" xmlns:a16="http://schemas.microsoft.com/office/drawing/2014/main" id="{D4896989-E6EB-4891-90EB-8AF51A73669A}"/>
+                <a16:creationId xmlns:a16="http://schemas.microsoft.com/office/drawing/2014/main" xmlns="" id="{D4896989-E6EB-4891-90EB-8AF51A73669A}"/>
               </a:ext>
             </a:extLst>
           </p:cNvPr>
@@ -31591,7 +32334,7 @@
           <p:cNvPr id="16" name="Picture 15">
             <a:extLst>
               <a:ext uri="{FF2B5EF4-FFF2-40B4-BE49-F238E27FC236}">
-                <a16:creationId xmlns="" xmlns:a16="http://schemas.microsoft.com/office/drawing/2014/main" id="{62FD4B21-E132-4968-9694-0B0DC2C758D6}"/>
+                <a16:creationId xmlns:a16="http://schemas.microsoft.com/office/drawing/2014/main" xmlns="" id="{62FD4B21-E132-4968-9694-0B0DC2C758D6}"/>
               </a:ext>
             </a:extLst>
           </p:cNvPr>
@@ -31632,6 +32375,13 @@
   <p:clrMapOvr>
     <a:masterClrMapping/>
   </p:clrMapOvr>
+  <p:timing>
+    <p:tnLst>
+      <p:par>
+        <p:cTn id="1" dur="indefinite" restart="never" nodeType="tmRoot"/>
+      </p:par>
+    </p:tnLst>
+  </p:timing>
 </p:sld>
 </file>
 
@@ -31665,7 +32415,7 @@
           <p:cNvPr id="2" name="Title 1">
             <a:extLst>
               <a:ext uri="{FF2B5EF4-FFF2-40B4-BE49-F238E27FC236}">
-                <a16:creationId xmlns="" xmlns:a16="http://schemas.microsoft.com/office/drawing/2014/main" id="{3CFBC153-C83D-4D33-B185-F54768A9773C}"/>
+                <a16:creationId xmlns:a16="http://schemas.microsoft.com/office/drawing/2014/main" xmlns="" id="{3CFBC153-C83D-4D33-B185-F54768A9773C}"/>
               </a:ext>
             </a:extLst>
           </p:cNvPr>
@@ -31702,10 +32452,10 @@
           <p:cNvPr id="11" name="Rectangle 10">
             <a:extLst>
               <a:ext uri="{FF2B5EF4-FFF2-40B4-BE49-F238E27FC236}">
-                <a16:creationId xmlns="" xmlns:a16="http://schemas.microsoft.com/office/drawing/2014/main" id="{3FD711E9-7F79-40A9-8D9E-4AE293C154A5}"/>
+                <a16:creationId xmlns:a16="http://schemas.microsoft.com/office/drawing/2014/main" xmlns="" id="{3FD711E9-7F79-40A9-8D9E-4AE293C154A5}"/>
               </a:ext>
               <a:ext uri="{C183D7F6-B498-43B3-948B-1728B52AA6E4}">
-                <adec:decorative xmlns="" xmlns:adec="http://schemas.microsoft.com/office/drawing/2017/decorative" val="1"/>
+                <adec:decorative xmlns:adec="http://schemas.microsoft.com/office/drawing/2017/decorative" xmlns="" val="1"/>
               </a:ext>
             </a:extLst>
           </p:cNvPr>
@@ -31715,7 +32465,7 @@
           <p:nvPr>
             <p:extLst>
               <p:ext uri="{386F3935-93C4-4BCD-93E2-E3B085C9AB24}">
-                <p16:designElem xmlns="" xmlns:p16="http://schemas.microsoft.com/office/powerpoint/2015/main" val="1"/>
+                <p16:designElem xmlns:p16="http://schemas.microsoft.com/office/powerpoint/2015/main" xmlns="" val="1"/>
               </p:ext>
             </p:extLst>
           </p:nvPr>
@@ -31784,7 +32534,7 @@
           <p:cNvPr id="4" name="Slide Number Placeholder 3">
             <a:extLst>
               <a:ext uri="{FF2B5EF4-FFF2-40B4-BE49-F238E27FC236}">
-                <a16:creationId xmlns="" xmlns:a16="http://schemas.microsoft.com/office/drawing/2014/main" id="{8708F1DC-B020-4A80-95EC-488AA0E7D9A8}"/>
+                <a16:creationId xmlns:a16="http://schemas.microsoft.com/office/drawing/2014/main" xmlns="" id="{8708F1DC-B020-4A80-95EC-488AA0E7D9A8}"/>
               </a:ext>
             </a:extLst>
           </p:cNvPr>
@@ -31830,7 +32580,7 @@
           <p:cNvPr id="6" name="Content Placeholder 2">
             <a:extLst>
               <a:ext uri="{FF2B5EF4-FFF2-40B4-BE49-F238E27FC236}">
-                <a16:creationId xmlns="" xmlns:a16="http://schemas.microsoft.com/office/drawing/2014/main" id="{1644A831-BD86-4E9E-AE2D-C3E9B570085C}"/>
+                <a16:creationId xmlns:a16="http://schemas.microsoft.com/office/drawing/2014/main" xmlns="" id="{1644A831-BD86-4E9E-AE2D-C3E9B570085C}"/>
               </a:ext>
             </a:extLst>
           </p:cNvPr>
@@ -31899,10 +32649,10 @@
           <p:cNvPr id="30" name="Rectangle 29">
             <a:extLst>
               <a:ext uri="{FF2B5EF4-FFF2-40B4-BE49-F238E27FC236}">
-                <a16:creationId xmlns="" xmlns:a16="http://schemas.microsoft.com/office/drawing/2014/main" id="{E009DD9B-5EE2-4C0D-8B2B-351C8C102205}"/>
+                <a16:creationId xmlns:a16="http://schemas.microsoft.com/office/drawing/2014/main" xmlns="" id="{E009DD9B-5EE2-4C0D-8B2B-351C8C102205}"/>
               </a:ext>
               <a:ext uri="{C183D7F6-B498-43B3-948B-1728B52AA6E4}">
-                <adec:decorative xmlns="" xmlns:adec="http://schemas.microsoft.com/office/drawing/2017/decorative" val="1"/>
+                <adec:decorative xmlns:adec="http://schemas.microsoft.com/office/drawing/2017/decorative" xmlns="" val="1"/>
               </a:ext>
             </a:extLst>
           </p:cNvPr>
@@ -31912,7 +32662,7 @@
           <p:nvPr>
             <p:extLst>
               <p:ext uri="{386F3935-93C4-4BCD-93E2-E3B085C9AB24}">
-                <p16:designElem xmlns="" xmlns:p16="http://schemas.microsoft.com/office/powerpoint/2015/main" val="1"/>
+                <p16:designElem xmlns:p16="http://schemas.microsoft.com/office/powerpoint/2015/main" xmlns="" val="1"/>
               </p:ext>
             </p:extLst>
           </p:nvPr>
@@ -31988,7 +32738,7 @@
           <p:cNvPr id="6" name="Content Placeholder 5">
             <a:extLst>
               <a:ext uri="{FF2B5EF4-FFF2-40B4-BE49-F238E27FC236}">
-                <a16:creationId xmlns="" xmlns:a16="http://schemas.microsoft.com/office/drawing/2014/main" id="{17486647-9B91-42BC-8343-094BE0C96172}"/>
+                <a16:creationId xmlns:a16="http://schemas.microsoft.com/office/drawing/2014/main" xmlns="" id="{17486647-9B91-42BC-8343-094BE0C96172}"/>
               </a:ext>
             </a:extLst>
           </p:cNvPr>
@@ -32026,10 +32776,10 @@
           <p:cNvPr id="32" name="Rectangle 31">
             <a:extLst>
               <a:ext uri="{FF2B5EF4-FFF2-40B4-BE49-F238E27FC236}">
-                <a16:creationId xmlns="" xmlns:a16="http://schemas.microsoft.com/office/drawing/2014/main" id="{E720DB99-7745-4E75-9D96-AAB6D55C531E}"/>
+                <a16:creationId xmlns:a16="http://schemas.microsoft.com/office/drawing/2014/main" xmlns="" id="{E720DB99-7745-4E75-9D96-AAB6D55C531E}"/>
               </a:ext>
               <a:ext uri="{C183D7F6-B498-43B3-948B-1728B52AA6E4}">
-                <adec:decorative xmlns="" xmlns:adec="http://schemas.microsoft.com/office/drawing/2017/decorative" val="1"/>
+                <adec:decorative xmlns:adec="http://schemas.microsoft.com/office/drawing/2017/decorative" xmlns="" val="1"/>
               </a:ext>
             </a:extLst>
           </p:cNvPr>
@@ -32039,7 +32789,7 @@
           <p:nvPr>
             <p:extLst>
               <p:ext uri="{386F3935-93C4-4BCD-93E2-E3B085C9AB24}">
-                <p16:designElem xmlns="" xmlns:p16="http://schemas.microsoft.com/office/powerpoint/2015/main" val="1"/>
+                <p16:designElem xmlns:p16="http://schemas.microsoft.com/office/powerpoint/2015/main" xmlns="" val="1"/>
               </p:ext>
             </p:extLst>
           </p:nvPr>
@@ -32100,10 +32850,10 @@
           <p:cNvPr id="34" name="Rectangle 33">
             <a:extLst>
               <a:ext uri="{FF2B5EF4-FFF2-40B4-BE49-F238E27FC236}">
-                <a16:creationId xmlns="" xmlns:a16="http://schemas.microsoft.com/office/drawing/2014/main" id="{D68803C4-E159-4360-B7BB-74205C8F782D}"/>
+                <a16:creationId xmlns:a16="http://schemas.microsoft.com/office/drawing/2014/main" xmlns="" id="{D68803C4-E159-4360-B7BB-74205C8F782D}"/>
               </a:ext>
               <a:ext uri="{C183D7F6-B498-43B3-948B-1728B52AA6E4}">
-                <adec:decorative xmlns="" xmlns:adec="http://schemas.microsoft.com/office/drawing/2017/decorative" val="1"/>
+                <adec:decorative xmlns:adec="http://schemas.microsoft.com/office/drawing/2017/decorative" xmlns="" val="1"/>
               </a:ext>
             </a:extLst>
           </p:cNvPr>
@@ -32113,7 +32863,7 @@
           <p:nvPr>
             <p:extLst>
               <p:ext uri="{386F3935-93C4-4BCD-93E2-E3B085C9AB24}">
-                <p16:designElem xmlns="" xmlns:p16="http://schemas.microsoft.com/office/powerpoint/2015/main" val="1"/>
+                <p16:designElem xmlns:p16="http://schemas.microsoft.com/office/powerpoint/2015/main" xmlns="" val="1"/>
               </p:ext>
             </p:extLst>
           </p:nvPr>
@@ -32174,7 +32924,7 @@
           <p:cNvPr id="2" name="Title 1">
             <a:extLst>
               <a:ext uri="{FF2B5EF4-FFF2-40B4-BE49-F238E27FC236}">
-                <a16:creationId xmlns="" xmlns:a16="http://schemas.microsoft.com/office/drawing/2014/main" id="{34D6937F-1795-4A26-A086-A7E90E3686E0}"/>
+                <a16:creationId xmlns:a16="http://schemas.microsoft.com/office/drawing/2014/main" xmlns="" id="{34D6937F-1795-4A26-A086-A7E90E3686E0}"/>
               </a:ext>
             </a:extLst>
           </p:cNvPr>
@@ -32214,7 +32964,7 @@
           <p:cNvPr id="5" name="Picture 4">
             <a:extLst>
               <a:ext uri="{FF2B5EF4-FFF2-40B4-BE49-F238E27FC236}">
-                <a16:creationId xmlns="" xmlns:a16="http://schemas.microsoft.com/office/drawing/2014/main" id="{935AA644-CB53-40D8-A49C-5D27BC1551B3}"/>
+                <a16:creationId xmlns:a16="http://schemas.microsoft.com/office/drawing/2014/main" xmlns="" id="{935AA644-CB53-40D8-A49C-5D27BC1551B3}"/>
               </a:ext>
             </a:extLst>
           </p:cNvPr>
@@ -32250,7 +33000,7 @@
           <p:cNvPr id="7" name="TextBox 6">
             <a:extLst>
               <a:ext uri="{FF2B5EF4-FFF2-40B4-BE49-F238E27FC236}">
-                <a16:creationId xmlns="" xmlns:a16="http://schemas.microsoft.com/office/drawing/2014/main" id="{3CE34ECB-BBCC-4298-ADD7-E9AA474BCF5D}"/>
+                <a16:creationId xmlns:a16="http://schemas.microsoft.com/office/drawing/2014/main" xmlns="" id="{3CE34ECB-BBCC-4298-ADD7-E9AA474BCF5D}"/>
               </a:ext>
             </a:extLst>
           </p:cNvPr>
@@ -32375,10 +33125,10 @@
           <p:cNvPr id="36" name="Rectangle 35">
             <a:extLst>
               <a:ext uri="{FF2B5EF4-FFF2-40B4-BE49-F238E27FC236}">
-                <a16:creationId xmlns="" xmlns:a16="http://schemas.microsoft.com/office/drawing/2014/main" id="{504B0465-3B07-49BF-BEA7-D81476246293}"/>
+                <a16:creationId xmlns:a16="http://schemas.microsoft.com/office/drawing/2014/main" xmlns="" id="{504B0465-3B07-49BF-BEA7-D81476246293}"/>
               </a:ext>
               <a:ext uri="{C183D7F6-B498-43B3-948B-1728B52AA6E4}">
-                <adec:decorative xmlns="" xmlns:adec="http://schemas.microsoft.com/office/drawing/2017/decorative" val="1"/>
+                <adec:decorative xmlns:adec="http://schemas.microsoft.com/office/drawing/2017/decorative" xmlns="" val="1"/>
               </a:ext>
             </a:extLst>
           </p:cNvPr>
@@ -32388,7 +33138,7 @@
           <p:nvPr>
             <p:extLst>
               <p:ext uri="{386F3935-93C4-4BCD-93E2-E3B085C9AB24}">
-                <p16:designElem xmlns="" xmlns:p16="http://schemas.microsoft.com/office/powerpoint/2015/main" val="1"/>
+                <p16:designElem xmlns:p16="http://schemas.microsoft.com/office/powerpoint/2015/main" xmlns="" val="1"/>
               </p:ext>
             </p:extLst>
           </p:nvPr>
@@ -32449,10 +33199,10 @@
           <p:cNvPr id="38" name="Oval 37">
             <a:extLst>
               <a:ext uri="{FF2B5EF4-FFF2-40B4-BE49-F238E27FC236}">
-                <a16:creationId xmlns="" xmlns:a16="http://schemas.microsoft.com/office/drawing/2014/main" id="{49B7FFA5-14CB-4A4F-9BCC-CA3AA5D9D276}"/>
+                <a16:creationId xmlns:a16="http://schemas.microsoft.com/office/drawing/2014/main" xmlns="" id="{49B7FFA5-14CB-4A4F-9BCC-CA3AA5D9D276}"/>
               </a:ext>
               <a:ext uri="{C183D7F6-B498-43B3-948B-1728B52AA6E4}">
-                <adec:decorative xmlns="" xmlns:adec="http://schemas.microsoft.com/office/drawing/2017/decorative" val="1"/>
+                <adec:decorative xmlns:adec="http://schemas.microsoft.com/office/drawing/2017/decorative" xmlns="" val="1"/>
               </a:ext>
             </a:extLst>
           </p:cNvPr>
@@ -32462,7 +33212,7 @@
           <p:nvPr>
             <p:extLst>
               <p:ext uri="{386F3935-93C4-4BCD-93E2-E3B085C9AB24}">
-                <p16:designElem xmlns="" xmlns:p16="http://schemas.microsoft.com/office/powerpoint/2015/main" val="1"/>
+                <p16:designElem xmlns:p16="http://schemas.microsoft.com/office/powerpoint/2015/main" xmlns="" val="1"/>
               </p:ext>
             </p:extLst>
           </p:nvPr>
@@ -32537,10 +33287,10 @@
           <p:cNvPr id="40" name="Oval 39">
             <a:extLst>
               <a:ext uri="{FF2B5EF4-FFF2-40B4-BE49-F238E27FC236}">
-                <a16:creationId xmlns="" xmlns:a16="http://schemas.microsoft.com/office/drawing/2014/main" id="{04E48745-7512-4EC2-9E20-9092D12150CA}"/>
+                <a16:creationId xmlns:a16="http://schemas.microsoft.com/office/drawing/2014/main" xmlns="" id="{04E48745-7512-4EC2-9E20-9092D12150CA}"/>
               </a:ext>
               <a:ext uri="{C183D7F6-B498-43B3-948B-1728B52AA6E4}">
-                <adec:decorative xmlns="" xmlns:adec="http://schemas.microsoft.com/office/drawing/2017/decorative" val="1"/>
+                <adec:decorative xmlns:adec="http://schemas.microsoft.com/office/drawing/2017/decorative" xmlns="" val="1"/>
               </a:ext>
             </a:extLst>
           </p:cNvPr>
@@ -32550,7 +33300,7 @@
           <p:nvPr>
             <p:extLst>
               <p:ext uri="{386F3935-93C4-4BCD-93E2-E3B085C9AB24}">
-                <p16:designElem xmlns="" xmlns:p16="http://schemas.microsoft.com/office/powerpoint/2015/main" val="1"/>
+                <p16:designElem xmlns:p16="http://schemas.microsoft.com/office/powerpoint/2015/main" xmlns="" val="1"/>
               </p:ext>
             </p:extLst>
           </p:nvPr>
@@ -32615,7 +33365,7 @@
           <p:cNvPr id="4" name="Slide Number Placeholder 3">
             <a:extLst>
               <a:ext uri="{FF2B5EF4-FFF2-40B4-BE49-F238E27FC236}">
-                <a16:creationId xmlns="" xmlns:a16="http://schemas.microsoft.com/office/drawing/2014/main" id="{1DB4C6C8-2288-40CD-A066-D74671E2E586}"/>
+                <a16:creationId xmlns:a16="http://schemas.microsoft.com/office/drawing/2014/main" xmlns="" id="{1DB4C6C8-2288-40CD-A066-D74671E2E586}"/>
               </a:ext>
             </a:extLst>
           </p:cNvPr>
@@ -32670,6 +33420,13 @@
   <p:clrMapOvr>
     <a:masterClrMapping/>
   </p:clrMapOvr>
+  <p:timing>
+    <p:tnLst>
+      <p:par>
+        <p:cTn id="1" dur="indefinite" restart="never" nodeType="tmRoot"/>
+      </p:par>
+    </p:tnLst>
+  </p:timing>
 </p:sld>
 </file>
 
@@ -32894,7 +33651,7 @@
   <a:extraClrSchemeLst/>
   <a:extLst>
     <a:ext uri="{05A4C25C-085E-4340-85A3-A5531E510DB2}">
-      <thm15:themeFamily xmlns="" xmlns:thm15="http://schemas.microsoft.com/office/thememl/2012/main" name="Wood Type" id="{7ACABC62-BF99-48CF-A9DC-4DB89C7B13DC}" vid="{142A1326-48AB-42A9-8428-CB14AA30176D}"/>
+      <thm15:themeFamily xmlns:thm15="http://schemas.microsoft.com/office/thememl/2012/main" xmlns="" name="Wood Type" id="{7ACABC62-BF99-48CF-A9DC-4DB89C7B13DC}" vid="{142A1326-48AB-42A9-8428-CB14AA30176D}"/>
     </a:ext>
   </a:extLst>
 </a:theme>

--- a/ROBOTINHO2.pptx
+++ b/ROBOTINHO2.pptx
@@ -123,7 +123,7 @@
   </p:defaultTextStyle>
   <p:extLst>
     <p:ext uri="{EFAFB233-063F-42B5-8137-9DF3F51BA10A}">
-      <p15:sldGuideLst xmlns:p15="http://schemas.microsoft.com/office/powerpoint/2012/main" xmlns="">
+      <p15:sldGuideLst xmlns="" xmlns:p15="http://schemas.microsoft.com/office/powerpoint/2012/main">
         <p15:guide id="1" orient="horz" pos="2160">
           <p15:clr>
             <a:srgbClr val="A4A3A4"/>
@@ -7428,7 +7428,7 @@
 <dgm:dataModel xmlns:dgm="http://schemas.openxmlformats.org/drawingml/2006/diagram" xmlns:a="http://schemas.openxmlformats.org/drawingml/2006/main">
   <dgm:ptLst>
     <dgm:pt modelId="{F2163B95-C416-4CB5-A678-986A2AE4F680}" type="doc">
-      <dgm:prSet loTypeId="urn:microsoft.com/office/officeart/2005/8/layout/hList1" loCatId="list" qsTypeId="urn:microsoft.com/office/officeart/2005/8/quickstyle/simple1" qsCatId="simple" csTypeId="urn:microsoft.com/office/officeart/2005/8/colors/colorful2" csCatId="colorful"/>
+      <dgm:prSet loTypeId="urn:microsoft.com/office/officeart/2005/8/layout/hList1" loCatId="list" qsTypeId="urn:microsoft.com/office/officeart/2005/8/quickstyle/simple1" qsCatId="simple" csTypeId="urn:microsoft.com/office/officeart/2005/8/colors/colorful2" csCatId="colorful" phldr="1"/>
       <dgm:spPr/>
       <dgm:t>
         <a:bodyPr/>
@@ -7446,16 +7446,10 @@
         <a:lstStyle/>
         <a:p>
           <a:r>
-            <a:rPr lang="en-US" sz="2900" dirty="0">
+            <a:rPr lang="ro-RO" sz="2900" dirty="0" smtClean="0">
               <a:latin typeface="+mj-lt"/>
             </a:rPr>
-            <a:t>C</a:t>
-          </a:r>
-          <a:r>
-            <a:rPr lang="ro-RO" sz="2900" dirty="0">
-              <a:latin typeface="+mj-lt"/>
-            </a:rPr>
-            <a:t>ăutare automată a obiectului dorit</a:t>
+            <a:t>Comandă automată</a:t>
           </a:r>
           <a:endParaRPr lang="en-US" sz="2900" dirty="0">
             <a:latin typeface="+mj-lt"/>
@@ -7493,12 +7487,12 @@
         <a:lstStyle/>
         <a:p>
           <a:r>
-            <a:rPr lang="ro-RO" sz="2900" dirty="0">
+            <a:rPr lang="ro-RO" sz="2400" dirty="0">
               <a:latin typeface="+mj-lt"/>
             </a:rPr>
             <a:t>Deplasarea în orice direcție</a:t>
           </a:r>
-          <a:endParaRPr lang="en-US" sz="2900" dirty="0">
+          <a:endParaRPr lang="en-US" sz="2400" dirty="0">
             <a:latin typeface="+mj-lt"/>
           </a:endParaRPr>
         </a:p>
@@ -7534,12 +7528,12 @@
         <a:lstStyle/>
         <a:p>
           <a:r>
-            <a:rPr lang="ro-RO" sz="2900" dirty="0">
+            <a:rPr lang="ro-RO" sz="2400" dirty="0">
               <a:latin typeface="+mj-lt"/>
             </a:rPr>
             <a:t>Lovirea obiectului cu ambele picioare</a:t>
           </a:r>
-          <a:endParaRPr lang="en-US" sz="2900" dirty="0">
+          <a:endParaRPr lang="en-US" sz="2400" dirty="0">
             <a:latin typeface="+mj-lt"/>
           </a:endParaRPr>
         </a:p>
@@ -7578,7 +7572,13 @@
             <a:rPr lang="ro-RO" sz="2900" dirty="0">
               <a:latin typeface="+mj-lt"/>
             </a:rPr>
-            <a:t>Comandă manuală cu ajutorul unei interfețe</a:t>
+            <a:t>Comandă </a:t>
+          </a:r>
+          <a:r>
+            <a:rPr lang="ro-RO" sz="2900" dirty="0" smtClean="0">
+              <a:latin typeface="+mj-lt"/>
+            </a:rPr>
+            <a:t>manuală</a:t>
           </a:r>
           <a:endParaRPr lang="en-US" sz="2900" dirty="0">
             <a:latin typeface="+mj-lt"/>
@@ -7616,12 +7616,12 @@
         <a:lstStyle/>
         <a:p>
           <a:r>
-            <a:rPr lang="ro-RO" sz="2900" dirty="0">
+            <a:rPr lang="ro-RO" sz="2400" dirty="0" smtClean="0">
               <a:latin typeface="+mj-lt"/>
             </a:rPr>
-            <a:t>Toate funcțiile executate de căutarea automată</a:t>
+            <a:t>Deplasarea în orice direcție</a:t>
           </a:r>
-          <a:endParaRPr lang="en-US" sz="2900" dirty="0">
+          <a:endParaRPr lang="en-US" sz="2400" dirty="0">
             <a:latin typeface="+mj-lt"/>
           </a:endParaRPr>
         </a:p>
@@ -7649,6 +7649,115 @@
         </a:p>
       </dgm:t>
     </dgm:pt>
+    <dgm:pt modelId="{93559F25-782E-4DB9-A29C-BCC94FC8DBBD}">
+      <dgm:prSet custT="1"/>
+      <dgm:spPr/>
+      <dgm:t>
+        <a:bodyPr/>
+        <a:lstStyle/>
+        <a:p>
+          <a:r>
+            <a:rPr lang="ro-RO" sz="2400" dirty="0" smtClean="0">
+              <a:latin typeface="+mj-lt"/>
+            </a:rPr>
+            <a:t>Detecția mingii</a:t>
+          </a:r>
+          <a:endParaRPr lang="en-US" sz="2400" dirty="0">
+            <a:latin typeface="+mj-lt"/>
+          </a:endParaRPr>
+        </a:p>
+      </dgm:t>
+    </dgm:pt>
+    <dgm:pt modelId="{A3930FDD-6AE5-4002-AB1B-28AD0FAF295D}" type="parTrans" cxnId="{12090033-CB5B-4D12-9AF2-5A7F35CD9967}">
+      <dgm:prSet/>
+      <dgm:spPr/>
+      <dgm:t>
+        <a:bodyPr/>
+        <a:lstStyle/>
+        <a:p>
+          <a:endParaRPr lang="en-US"/>
+        </a:p>
+      </dgm:t>
+    </dgm:pt>
+    <dgm:pt modelId="{2E1433AF-48CA-427C-91C6-4CB6C7FAAEE0}" type="sibTrans" cxnId="{12090033-CB5B-4D12-9AF2-5A7F35CD9967}">
+      <dgm:prSet/>
+      <dgm:spPr/>
+      <dgm:t>
+        <a:bodyPr/>
+        <a:lstStyle/>
+        <a:p>
+          <a:endParaRPr lang="en-US"/>
+        </a:p>
+      </dgm:t>
+    </dgm:pt>
+    <dgm:pt modelId="{6758D8F2-B0AA-492B-BB19-4AB3B88A980B}">
+      <dgm:prSet custT="1"/>
+      <dgm:spPr/>
+      <dgm:t>
+        <a:bodyPr/>
+        <a:lstStyle/>
+        <a:p>
+          <a:r>
+            <a:rPr lang="ro-RO" sz="2400" dirty="0" smtClean="0">
+              <a:latin typeface="+mj-lt"/>
+            </a:rPr>
+            <a:t>Lovirea obiectului cu ambele picioare</a:t>
+          </a:r>
+          <a:endParaRPr lang="en-US" sz="2400" dirty="0">
+            <a:latin typeface="+mj-lt"/>
+          </a:endParaRPr>
+        </a:p>
+      </dgm:t>
+    </dgm:pt>
+    <dgm:pt modelId="{0DC46726-D57E-43B0-BE5D-2AFE1B29B408}" type="parTrans" cxnId="{7076611E-C912-491C-8768-79CCA0D9D29E}">
+      <dgm:prSet/>
+      <dgm:spPr/>
+      <dgm:t>
+        <a:bodyPr/>
+        <a:lstStyle/>
+        <a:p>
+          <a:endParaRPr lang="en-US"/>
+        </a:p>
+      </dgm:t>
+    </dgm:pt>
+    <dgm:pt modelId="{4AB4BDC2-97DC-4212-AFA5-A08880C0D84B}" type="sibTrans" cxnId="{7076611E-C912-491C-8768-79CCA0D9D29E}">
+      <dgm:prSet/>
+      <dgm:spPr/>
+      <dgm:t>
+        <a:bodyPr/>
+        <a:lstStyle/>
+        <a:p>
+          <a:endParaRPr lang="en-US"/>
+        </a:p>
+      </dgm:t>
+    </dgm:pt>
+    <dgm:pt modelId="{678C009D-DA78-4FB3-9D94-148ECBC1BB83}">
+      <dgm:prSet custT="1"/>
+      <dgm:spPr/>
+      <dgm:t>
+        <a:bodyPr/>
+        <a:lstStyle/>
+        <a:p>
+          <a:r>
+            <a:rPr lang="ro-RO" sz="2400" dirty="0" smtClean="0">
+              <a:latin typeface="+mj-lt"/>
+            </a:rPr>
+            <a:t>Rularea unui scurt dans</a:t>
+          </a:r>
+          <a:endParaRPr lang="en-US" sz="2400" dirty="0">
+            <a:latin typeface="+mj-lt"/>
+          </a:endParaRPr>
+        </a:p>
+      </dgm:t>
+    </dgm:pt>
+    <dgm:pt modelId="{D67BB762-E2BE-4E8B-A080-EFCA5615F28C}" type="parTrans" cxnId="{14E6C6CE-F997-4871-A5B1-0EBCCCAB5C26}">
+      <dgm:prSet/>
+      <dgm:spPr/>
+    </dgm:pt>
+    <dgm:pt modelId="{8A11F620-E14F-4EE1-B4D2-E9D6B315E95B}" type="sibTrans" cxnId="{14E6C6CE-F997-4871-A5B1-0EBCCCAB5C26}">
+      <dgm:prSet/>
+      <dgm:spPr/>
+    </dgm:pt>
     <dgm:pt modelId="{905844D1-E346-4A3A-B561-457E79319DC0}" type="pres">
       <dgm:prSet presAssocID="{F2163B95-C416-4CB5-A678-986A2AE4F680}" presName="Name0" presStyleCnt="0">
         <dgm:presLayoutVars>
@@ -7671,7 +7780,7 @@
       <dgm:spPr/>
     </dgm:pt>
     <dgm:pt modelId="{6A6F582B-F462-4190-9A0A-170669C476E1}" type="pres">
-      <dgm:prSet presAssocID="{4C61DB19-7F2B-4BB7-A483-7EE2561E3A5E}" presName="parTx" presStyleLbl="alignNode1" presStyleIdx="0" presStyleCnt="2">
+      <dgm:prSet presAssocID="{4C61DB19-7F2B-4BB7-A483-7EE2561E3A5E}" presName="parTx" presStyleLbl="alignNode1" presStyleIdx="0" presStyleCnt="2" custScaleY="84317">
         <dgm:presLayoutVars>
           <dgm:chMax val="0"/>
           <dgm:chPref val="0"/>
@@ -7711,7 +7820,7 @@
       <dgm:spPr/>
     </dgm:pt>
     <dgm:pt modelId="{54B660C0-3765-4F0D-9266-16112A4CD854}" type="pres">
-      <dgm:prSet presAssocID="{172A49AB-4F6F-4E68-B52C-AE49834A388A}" presName="parTx" presStyleLbl="alignNode1" presStyleIdx="1" presStyleCnt="2">
+      <dgm:prSet presAssocID="{172A49AB-4F6F-4E68-B52C-AE49834A388A}" presName="parTx" presStyleLbl="alignNode1" presStyleIdx="1" presStyleCnt="2" custScaleY="84317">
         <dgm:presLayoutVars>
           <dgm:chMax val="0"/>
           <dgm:chPref val="0"/>
@@ -7744,17 +7853,23 @@
     </dgm:pt>
   </dgm:ptLst>
   <dgm:cxnLst>
-    <dgm:cxn modelId="{776111D4-B0FD-40B2-9F89-8BBBD72553B0}" srcId="{4C61DB19-7F2B-4BB7-A483-7EE2561E3A5E}" destId="{4DA713F6-2A60-4389-942B-6F118F4FB8DA}" srcOrd="0" destOrd="0" parTransId="{F6860D8F-5E8F-46C0-97E1-4F3A0B719414}" sibTransId="{4A04AF99-D125-434D-921C-827CFE659E24}"/>
-    <dgm:cxn modelId="{3CFC2004-005D-4E18-AE98-E5FF1E331DF7}" srcId="{F2163B95-C416-4CB5-A678-986A2AE4F680}" destId="{172A49AB-4F6F-4E68-B52C-AE49834A388A}" srcOrd="1" destOrd="0" parTransId="{02D8E9EF-A461-42FF-9EE9-1B00533A96E8}" sibTransId="{9AFE768B-DBAE-442B-8DB3-13EFBDC9A011}"/>
-    <dgm:cxn modelId="{8A4F1773-7BFE-45C9-BB5C-FF3E66328328}" srcId="{F2163B95-C416-4CB5-A678-986A2AE4F680}" destId="{4C61DB19-7F2B-4BB7-A483-7EE2561E3A5E}" srcOrd="0" destOrd="0" parTransId="{98946D01-CEB9-4B84-8F01-F43953659055}" sibTransId="{7D3656D0-3782-4A6D-B735-2A5DE7ED6064}"/>
-    <dgm:cxn modelId="{190F372F-BAEB-4C22-93FE-E151022194E2}" type="presOf" srcId="{4C61DB19-7F2B-4BB7-A483-7EE2561E3A5E}" destId="{6A6F582B-F462-4190-9A0A-170669C476E1}" srcOrd="0" destOrd="0" presId="urn:microsoft.com/office/officeart/2005/8/layout/hList1"/>
+    <dgm:cxn modelId="{776111D4-B0FD-40B2-9F89-8BBBD72553B0}" srcId="{4C61DB19-7F2B-4BB7-A483-7EE2561E3A5E}" destId="{4DA713F6-2A60-4389-942B-6F118F4FB8DA}" srcOrd="1" destOrd="0" parTransId="{F6860D8F-5E8F-46C0-97E1-4F3A0B719414}" sibTransId="{4A04AF99-D125-434D-921C-827CFE659E24}"/>
+    <dgm:cxn modelId="{CEA6E269-43BE-43AE-8311-B43194FB1C7A}" srcId="{172A49AB-4F6F-4E68-B52C-AE49834A388A}" destId="{1F5B33C2-507C-4D42-81EA-9D5326E96B3B}" srcOrd="0" destOrd="0" parTransId="{FCF09481-E0C7-4803-BE13-F2A06AB44E5C}" sibTransId="{5908BA6A-F881-4EFF-9B1A-3BAE66F3DEC9}"/>
     <dgm:cxn modelId="{3D11CA63-2535-4EF3-8173-D2321453D04A}" type="presOf" srcId="{172A49AB-4F6F-4E68-B52C-AE49834A388A}" destId="{54B660C0-3765-4F0D-9266-16112A4CD854}" srcOrd="0" destOrd="0" presId="urn:microsoft.com/office/officeart/2005/8/layout/hList1"/>
     <dgm:cxn modelId="{F12466E7-E9C4-4869-BE3C-FD4A0EC25BF5}" type="presOf" srcId="{1F5B33C2-507C-4D42-81EA-9D5326E96B3B}" destId="{D0FACDE1-EEB7-4178-8955-125C610FF1F0}" srcOrd="0" destOrd="0" presId="urn:microsoft.com/office/officeart/2005/8/layout/hList1"/>
     <dgm:cxn modelId="{92B7E2CF-F98B-4832-A0AA-F47F1133DF62}" type="presOf" srcId="{F2163B95-C416-4CB5-A678-986A2AE4F680}" destId="{905844D1-E346-4A3A-B561-457E79319DC0}" srcOrd="0" destOrd="0" presId="urn:microsoft.com/office/officeart/2005/8/layout/hList1"/>
-    <dgm:cxn modelId="{427591D7-DCBF-4E95-95B4-B2063A7253C1}" srcId="{4C61DB19-7F2B-4BB7-A483-7EE2561E3A5E}" destId="{0C6D18F3-8E81-4F8F-8BE9-1FCE249D6040}" srcOrd="1" destOrd="0" parTransId="{C303F662-3510-4816-9FB8-B9E48AE0BACE}" sibTransId="{F7E29758-A36A-4CC9-932A-0B4F41F967B2}"/>
-    <dgm:cxn modelId="{CEA6E269-43BE-43AE-8311-B43194FB1C7A}" srcId="{172A49AB-4F6F-4E68-B52C-AE49834A388A}" destId="{1F5B33C2-507C-4D42-81EA-9D5326E96B3B}" srcOrd="0" destOrd="0" parTransId="{FCF09481-E0C7-4803-BE13-F2A06AB44E5C}" sibTransId="{5908BA6A-F881-4EFF-9B1A-3BAE66F3DEC9}"/>
-    <dgm:cxn modelId="{49D147FA-2D00-4539-867C-9D51E381528D}" type="presOf" srcId="{4DA713F6-2A60-4389-942B-6F118F4FB8DA}" destId="{39E88E37-7A59-475C-B0C9-ED2E6E7CD4B3}" srcOrd="0" destOrd="0" presId="urn:microsoft.com/office/officeart/2005/8/layout/hList1"/>
-    <dgm:cxn modelId="{B51F35BE-A60B-4C2B-94A2-19C636CE536F}" type="presOf" srcId="{0C6D18F3-8E81-4F8F-8BE9-1FCE249D6040}" destId="{39E88E37-7A59-475C-B0C9-ED2E6E7CD4B3}" srcOrd="0" destOrd="1" presId="urn:microsoft.com/office/officeart/2005/8/layout/hList1"/>
+    <dgm:cxn modelId="{B51F35BE-A60B-4C2B-94A2-19C636CE536F}" type="presOf" srcId="{0C6D18F3-8E81-4F8F-8BE9-1FCE249D6040}" destId="{39E88E37-7A59-475C-B0C9-ED2E6E7CD4B3}" srcOrd="0" destOrd="2" presId="urn:microsoft.com/office/officeart/2005/8/layout/hList1"/>
+    <dgm:cxn modelId="{E9087C18-DA7D-4F5C-B260-B2D87D32F3FA}" type="presOf" srcId="{6758D8F2-B0AA-492B-BB19-4AB3B88A980B}" destId="{D0FACDE1-EEB7-4178-8955-125C610FF1F0}" srcOrd="0" destOrd="1" presId="urn:microsoft.com/office/officeart/2005/8/layout/hList1"/>
+    <dgm:cxn modelId="{33B03D5C-1AFB-47DB-9951-CECF8485D4DC}" type="presOf" srcId="{678C009D-DA78-4FB3-9D94-148ECBC1BB83}" destId="{39E88E37-7A59-475C-B0C9-ED2E6E7CD4B3}" srcOrd="0" destOrd="3" presId="urn:microsoft.com/office/officeart/2005/8/layout/hList1"/>
+    <dgm:cxn modelId="{14E6C6CE-F997-4871-A5B1-0EBCCCAB5C26}" srcId="{4C61DB19-7F2B-4BB7-A483-7EE2561E3A5E}" destId="{678C009D-DA78-4FB3-9D94-148ECBC1BB83}" srcOrd="3" destOrd="0" parTransId="{D67BB762-E2BE-4E8B-A080-EFCA5615F28C}" sibTransId="{8A11F620-E14F-4EE1-B4D2-E9D6B315E95B}"/>
+    <dgm:cxn modelId="{8A4F1773-7BFE-45C9-BB5C-FF3E66328328}" srcId="{F2163B95-C416-4CB5-A678-986A2AE4F680}" destId="{4C61DB19-7F2B-4BB7-A483-7EE2561E3A5E}" srcOrd="0" destOrd="0" parTransId="{98946D01-CEB9-4B84-8F01-F43953659055}" sibTransId="{7D3656D0-3782-4A6D-B735-2A5DE7ED6064}"/>
+    <dgm:cxn modelId="{190F372F-BAEB-4C22-93FE-E151022194E2}" type="presOf" srcId="{4C61DB19-7F2B-4BB7-A483-7EE2561E3A5E}" destId="{6A6F582B-F462-4190-9A0A-170669C476E1}" srcOrd="0" destOrd="0" presId="urn:microsoft.com/office/officeart/2005/8/layout/hList1"/>
+    <dgm:cxn modelId="{7076611E-C912-491C-8768-79CCA0D9D29E}" srcId="{172A49AB-4F6F-4E68-B52C-AE49834A388A}" destId="{6758D8F2-B0AA-492B-BB19-4AB3B88A980B}" srcOrd="1" destOrd="0" parTransId="{0DC46726-D57E-43B0-BE5D-2AFE1B29B408}" sibTransId="{4AB4BDC2-97DC-4212-AFA5-A08880C0D84B}"/>
+    <dgm:cxn modelId="{49D147FA-2D00-4539-867C-9D51E381528D}" type="presOf" srcId="{4DA713F6-2A60-4389-942B-6F118F4FB8DA}" destId="{39E88E37-7A59-475C-B0C9-ED2E6E7CD4B3}" srcOrd="0" destOrd="1" presId="urn:microsoft.com/office/officeart/2005/8/layout/hList1"/>
+    <dgm:cxn modelId="{14AD853F-47E4-40F4-BCE6-5816F0C73645}" type="presOf" srcId="{93559F25-782E-4DB9-A29C-BCC94FC8DBBD}" destId="{39E88E37-7A59-475C-B0C9-ED2E6E7CD4B3}" srcOrd="0" destOrd="0" presId="urn:microsoft.com/office/officeart/2005/8/layout/hList1"/>
+    <dgm:cxn modelId="{12090033-CB5B-4D12-9AF2-5A7F35CD9967}" srcId="{4C61DB19-7F2B-4BB7-A483-7EE2561E3A5E}" destId="{93559F25-782E-4DB9-A29C-BCC94FC8DBBD}" srcOrd="0" destOrd="0" parTransId="{A3930FDD-6AE5-4002-AB1B-28AD0FAF295D}" sibTransId="{2E1433AF-48CA-427C-91C6-4CB6C7FAAEE0}"/>
+    <dgm:cxn modelId="{427591D7-DCBF-4E95-95B4-B2063A7253C1}" srcId="{4C61DB19-7F2B-4BB7-A483-7EE2561E3A5E}" destId="{0C6D18F3-8E81-4F8F-8BE9-1FCE249D6040}" srcOrd="2" destOrd="0" parTransId="{C303F662-3510-4816-9FB8-B9E48AE0BACE}" sibTransId="{F7E29758-A36A-4CC9-932A-0B4F41F967B2}"/>
+    <dgm:cxn modelId="{3CFC2004-005D-4E18-AE98-E5FF1E331DF7}" srcId="{F2163B95-C416-4CB5-A678-986A2AE4F680}" destId="{172A49AB-4F6F-4E68-B52C-AE49834A388A}" srcOrd="1" destOrd="0" parTransId="{02D8E9EF-A461-42FF-9EE9-1B00533A96E8}" sibTransId="{9AFE768B-DBAE-442B-8DB3-13EFBDC9A011}"/>
     <dgm:cxn modelId="{36652491-A24B-4DEB-84F1-40AE9E2383E4}" type="presParOf" srcId="{905844D1-E346-4A3A-B561-457E79319DC0}" destId="{90122DFE-6840-4F25-9858-3541C72FA229}" srcOrd="0" destOrd="0" presId="urn:microsoft.com/office/officeart/2005/8/layout/hList1"/>
     <dgm:cxn modelId="{861D3B71-1D32-484F-87C2-6DC9C9B5906D}" type="presParOf" srcId="{90122DFE-6840-4F25-9858-3541C72FA229}" destId="{6A6F582B-F462-4190-9A0A-170669C476E1}" srcOrd="0" destOrd="0" presId="urn:microsoft.com/office/officeart/2005/8/layout/hList1"/>
     <dgm:cxn modelId="{7BFF212E-8431-49BB-9E56-D1DEE05D69F4}" type="presParOf" srcId="{90122DFE-6840-4F25-9858-3541C72FA229}" destId="{39E88E37-7A59-475C-B0C9-ED2E6E7CD4B3}" srcOrd="1" destOrd="0" presId="urn:microsoft.com/office/officeart/2005/8/layout/hList1"/>
@@ -10053,8 +10168,8 @@
       </dsp:nvSpPr>
       <dsp:spPr>
         <a:xfrm>
-          <a:off x="38" y="22145"/>
-          <a:ext cx="3647968" cy="1382400"/>
+          <a:off x="38" y="195927"/>
+          <a:ext cx="3647968" cy="759609"/>
         </a:xfrm>
         <a:prstGeom prst="rect">
           <a:avLst/>
@@ -10112,16 +10227,10 @@
             </a:spcAft>
           </a:pPr>
           <a:r>
-            <a:rPr lang="en-US" sz="2900" kern="1200" dirty="0">
+            <a:rPr lang="ro-RO" sz="2900" kern="1200" dirty="0" smtClean="0">
               <a:latin typeface="+mj-lt"/>
             </a:rPr>
-            <a:t>C</a:t>
-          </a:r>
-          <a:r>
-            <a:rPr lang="ro-RO" sz="2900" kern="1200" dirty="0">
-              <a:latin typeface="+mj-lt"/>
-            </a:rPr>
-            <a:t>ăutare automată a obiectului dorit</a:t>
+            <a:t>Comandă automată</a:t>
           </a:r>
           <a:endParaRPr lang="en-US" sz="2900" kern="1200" dirty="0">
             <a:latin typeface="+mj-lt"/>
@@ -10129,8 +10238,8 @@
         </a:p>
       </dsp:txBody>
       <dsp:txXfrm>
-        <a:off x="38" y="22145"/>
-        <a:ext cx="3647968" cy="1382400"/>
+        <a:off x="38" y="195927"/>
+        <a:ext cx="3647968" cy="759609"/>
       </dsp:txXfrm>
     </dsp:sp>
     <dsp:sp modelId="{39E88E37-7A59-475C-B0C9-ED2E6E7CD4B3}">
@@ -10140,8 +10249,8 @@
       </dsp:nvSpPr>
       <dsp:spPr>
         <a:xfrm>
-          <a:off x="38" y="1404545"/>
-          <a:ext cx="3647968" cy="2371680"/>
+          <a:off x="38" y="884893"/>
+          <a:ext cx="3647968" cy="2717550"/>
         </a:xfrm>
         <a:prstGeom prst="rect">
           <a:avLst/>
@@ -10184,12 +10293,12 @@
         <a:fontRef idx="minor"/>
       </dsp:style>
       <dsp:txBody>
-        <a:bodyPr spcFirstLastPara="0" vert="horz" wrap="square" lIns="154686" tIns="154686" rIns="206248" bIns="232029" numCol="1" spcCol="1270" anchor="t" anchorCtr="0">
+        <a:bodyPr spcFirstLastPara="0" vert="horz" wrap="square" lIns="128016" tIns="128016" rIns="170688" bIns="192024" numCol="1" spcCol="1270" anchor="t" anchorCtr="0">
           <a:noAutofit/>
         </a:bodyPr>
         <a:lstStyle/>
         <a:p>
-          <a:pPr marL="285750" lvl="1" indent="-285750" algn="l" defTabSz="1289050">
+          <a:pPr marL="228600" lvl="1" indent="-228600" algn="l" defTabSz="1066800">
             <a:lnSpc>
               <a:spcPct val="90000"/>
             </a:lnSpc>
@@ -10202,17 +10311,17 @@
             <a:buChar char="••"/>
           </a:pPr>
           <a:r>
-            <a:rPr lang="ro-RO" sz="2900" kern="1200" dirty="0">
+            <a:rPr lang="ro-RO" sz="2400" kern="1200" dirty="0" smtClean="0">
               <a:latin typeface="+mj-lt"/>
             </a:rPr>
-            <a:t>Deplasarea în orice direcție</a:t>
+            <a:t>Detecția mingii</a:t>
           </a:r>
-          <a:endParaRPr lang="en-US" sz="2900" kern="1200" dirty="0">
+          <a:endParaRPr lang="en-US" sz="2400" kern="1200" dirty="0">
             <a:latin typeface="+mj-lt"/>
           </a:endParaRPr>
         </a:p>
         <a:p>
-          <a:pPr marL="285750" lvl="1" indent="-285750" algn="l" defTabSz="1289050">
+          <a:pPr marL="228600" lvl="1" indent="-228600" algn="l" defTabSz="1066800">
             <a:lnSpc>
               <a:spcPct val="90000"/>
             </a:lnSpc>
@@ -10225,19 +10334,65 @@
             <a:buChar char="••"/>
           </a:pPr>
           <a:r>
-            <a:rPr lang="ro-RO" sz="2900" kern="1200" dirty="0">
+            <a:rPr lang="ro-RO" sz="2400" kern="1200" dirty="0">
+              <a:latin typeface="+mj-lt"/>
+            </a:rPr>
+            <a:t>Deplasarea în orice direcție</a:t>
+          </a:r>
+          <a:endParaRPr lang="en-US" sz="2400" kern="1200" dirty="0">
+            <a:latin typeface="+mj-lt"/>
+          </a:endParaRPr>
+        </a:p>
+        <a:p>
+          <a:pPr marL="228600" lvl="1" indent="-228600" algn="l" defTabSz="1066800">
+            <a:lnSpc>
+              <a:spcPct val="90000"/>
+            </a:lnSpc>
+            <a:spcBef>
+              <a:spcPct val="0"/>
+            </a:spcBef>
+            <a:spcAft>
+              <a:spcPct val="15000"/>
+            </a:spcAft>
+            <a:buChar char="••"/>
+          </a:pPr>
+          <a:r>
+            <a:rPr lang="ro-RO" sz="2400" kern="1200" dirty="0">
               <a:latin typeface="+mj-lt"/>
             </a:rPr>
             <a:t>Lovirea obiectului cu ambele picioare</a:t>
           </a:r>
-          <a:endParaRPr lang="en-US" sz="2900" kern="1200" dirty="0">
+          <a:endParaRPr lang="en-US" sz="2400" kern="1200" dirty="0">
+            <a:latin typeface="+mj-lt"/>
+          </a:endParaRPr>
+        </a:p>
+        <a:p>
+          <a:pPr marL="228600" lvl="1" indent="-228600" algn="l" defTabSz="1066800">
+            <a:lnSpc>
+              <a:spcPct val="90000"/>
+            </a:lnSpc>
+            <a:spcBef>
+              <a:spcPct val="0"/>
+            </a:spcBef>
+            <a:spcAft>
+              <a:spcPct val="15000"/>
+            </a:spcAft>
+            <a:buChar char="••"/>
+          </a:pPr>
+          <a:r>
+            <a:rPr lang="ro-RO" sz="2400" kern="1200" dirty="0" smtClean="0">
+              <a:latin typeface="+mj-lt"/>
+            </a:rPr>
+            <a:t>Rularea unui scurt dans</a:t>
+          </a:r>
+          <a:endParaRPr lang="en-US" sz="2400" kern="1200" dirty="0">
             <a:latin typeface="+mj-lt"/>
           </a:endParaRPr>
         </a:p>
       </dsp:txBody>
       <dsp:txXfrm>
-        <a:off x="38" y="1404545"/>
-        <a:ext cx="3647968" cy="2371680"/>
+        <a:off x="38" y="884893"/>
+        <a:ext cx="3647968" cy="2717550"/>
       </dsp:txXfrm>
     </dsp:sp>
     <dsp:sp modelId="{54B660C0-3765-4F0D-9266-16112A4CD854}">
@@ -10247,8 +10402,8 @@
       </dsp:nvSpPr>
       <dsp:spPr>
         <a:xfrm>
-          <a:off x="4158722" y="22145"/>
-          <a:ext cx="3647968" cy="1382400"/>
+          <a:off x="4158722" y="195927"/>
+          <a:ext cx="3647968" cy="759609"/>
         </a:xfrm>
         <a:prstGeom prst="rect">
           <a:avLst/>
@@ -10309,7 +10464,13 @@
             <a:rPr lang="ro-RO" sz="2900" kern="1200" dirty="0">
               <a:latin typeface="+mj-lt"/>
             </a:rPr>
-            <a:t>Comandă manuală cu ajutorul unei interfețe</a:t>
+            <a:t>Comandă </a:t>
+          </a:r>
+          <a:r>
+            <a:rPr lang="ro-RO" sz="2900" kern="1200" dirty="0" smtClean="0">
+              <a:latin typeface="+mj-lt"/>
+            </a:rPr>
+            <a:t>manuală</a:t>
           </a:r>
           <a:endParaRPr lang="en-US" sz="2900" kern="1200" dirty="0">
             <a:latin typeface="+mj-lt"/>
@@ -10317,8 +10478,8 @@
         </a:p>
       </dsp:txBody>
       <dsp:txXfrm>
-        <a:off x="4158722" y="22145"/>
-        <a:ext cx="3647968" cy="1382400"/>
+        <a:off x="4158722" y="195927"/>
+        <a:ext cx="3647968" cy="759609"/>
       </dsp:txXfrm>
     </dsp:sp>
     <dsp:sp modelId="{D0FACDE1-EEB7-4178-8955-125C610FF1F0}">
@@ -10328,8 +10489,8 @@
       </dsp:nvSpPr>
       <dsp:spPr>
         <a:xfrm>
-          <a:off x="4158722" y="1404545"/>
-          <a:ext cx="3647968" cy="2371680"/>
+          <a:off x="4158722" y="884893"/>
+          <a:ext cx="3647968" cy="2717550"/>
         </a:xfrm>
         <a:prstGeom prst="rect">
           <a:avLst/>
@@ -10372,12 +10533,12 @@
         <a:fontRef idx="minor"/>
       </dsp:style>
       <dsp:txBody>
-        <a:bodyPr spcFirstLastPara="0" vert="horz" wrap="square" lIns="154686" tIns="154686" rIns="206248" bIns="232029" numCol="1" spcCol="1270" anchor="t" anchorCtr="0">
+        <a:bodyPr spcFirstLastPara="0" vert="horz" wrap="square" lIns="128016" tIns="128016" rIns="170688" bIns="192024" numCol="1" spcCol="1270" anchor="t" anchorCtr="0">
           <a:noAutofit/>
         </a:bodyPr>
         <a:lstStyle/>
         <a:p>
-          <a:pPr marL="285750" lvl="1" indent="-285750" algn="l" defTabSz="1289050">
+          <a:pPr marL="228600" lvl="1" indent="-228600" algn="l" defTabSz="1066800">
             <a:lnSpc>
               <a:spcPct val="90000"/>
             </a:lnSpc>
@@ -10390,19 +10551,42 @@
             <a:buChar char="••"/>
           </a:pPr>
           <a:r>
-            <a:rPr lang="ro-RO" sz="2900" kern="1200" dirty="0">
+            <a:rPr lang="ro-RO" sz="2400" kern="1200" dirty="0" smtClean="0">
               <a:latin typeface="+mj-lt"/>
             </a:rPr>
-            <a:t>Toate funcțiile executate de căutarea automată</a:t>
+            <a:t>Deplasarea în orice direcție</a:t>
           </a:r>
-          <a:endParaRPr lang="en-US" sz="2900" kern="1200" dirty="0">
+          <a:endParaRPr lang="en-US" sz="2400" kern="1200" dirty="0">
+            <a:latin typeface="+mj-lt"/>
+          </a:endParaRPr>
+        </a:p>
+        <a:p>
+          <a:pPr marL="228600" lvl="1" indent="-228600" algn="l" defTabSz="1066800">
+            <a:lnSpc>
+              <a:spcPct val="90000"/>
+            </a:lnSpc>
+            <a:spcBef>
+              <a:spcPct val="0"/>
+            </a:spcBef>
+            <a:spcAft>
+              <a:spcPct val="15000"/>
+            </a:spcAft>
+            <a:buChar char="••"/>
+          </a:pPr>
+          <a:r>
+            <a:rPr lang="ro-RO" sz="2400" kern="1200" dirty="0" smtClean="0">
+              <a:latin typeface="+mj-lt"/>
+            </a:rPr>
+            <a:t>Lovirea obiectului cu ambele picioare</a:t>
+          </a:r>
+          <a:endParaRPr lang="en-US" sz="2400" kern="1200" dirty="0">
             <a:latin typeface="+mj-lt"/>
           </a:endParaRPr>
         </a:p>
       </dsp:txBody>
       <dsp:txXfrm>
-        <a:off x="4158722" y="1404545"/>
-        <a:ext cx="3647968" cy="2371680"/>
+        <a:off x="4158722" y="884893"/>
+        <a:ext cx="3647968" cy="2717550"/>
       </dsp:txXfrm>
     </dsp:sp>
   </dsp:spTree>
@@ -28229,10 +28413,10 @@
           <p:cNvPr id="27" name="Rectangle 26">
             <a:extLst>
               <a:ext uri="{FF2B5EF4-FFF2-40B4-BE49-F238E27FC236}">
-                <a16:creationId xmlns:a16="http://schemas.microsoft.com/office/drawing/2014/main" xmlns="" id="{E009DD9B-5EE2-4C0D-8B2B-351C8C102205}"/>
+                <a16:creationId xmlns="" xmlns:a16="http://schemas.microsoft.com/office/drawing/2014/main" id="{E009DD9B-5EE2-4C0D-8B2B-351C8C102205}"/>
               </a:ext>
               <a:ext uri="{C183D7F6-B498-43B3-948B-1728B52AA6E4}">
-                <adec:decorative xmlns:adec="http://schemas.microsoft.com/office/drawing/2017/decorative" xmlns="" val="1"/>
+                <adec:decorative xmlns="" xmlns:adec="http://schemas.microsoft.com/office/drawing/2017/decorative" val="1"/>
               </a:ext>
             </a:extLst>
           </p:cNvPr>
@@ -28242,7 +28426,7 @@
           <p:nvPr>
             <p:extLst>
               <p:ext uri="{386F3935-93C4-4BCD-93E2-E3B085C9AB24}">
-                <p16:designElem xmlns:p16="http://schemas.microsoft.com/office/powerpoint/2015/main" xmlns="" val="1"/>
+                <p16:designElem xmlns="" xmlns:p16="http://schemas.microsoft.com/office/powerpoint/2015/main" val="1"/>
               </p:ext>
             </p:extLst>
           </p:nvPr>
@@ -28318,10 +28502,10 @@
           <p:cNvPr id="29" name="Rectangle 28">
             <a:extLst>
               <a:ext uri="{FF2B5EF4-FFF2-40B4-BE49-F238E27FC236}">
-                <a16:creationId xmlns:a16="http://schemas.microsoft.com/office/drawing/2014/main" xmlns="" id="{E720DB99-7745-4E75-9D96-AAB6D55C531E}"/>
+                <a16:creationId xmlns="" xmlns:a16="http://schemas.microsoft.com/office/drawing/2014/main" id="{E720DB99-7745-4E75-9D96-AAB6D55C531E}"/>
               </a:ext>
               <a:ext uri="{C183D7F6-B498-43B3-948B-1728B52AA6E4}">
-                <adec:decorative xmlns:adec="http://schemas.microsoft.com/office/drawing/2017/decorative" xmlns="" val="1"/>
+                <adec:decorative xmlns="" xmlns:adec="http://schemas.microsoft.com/office/drawing/2017/decorative" val="1"/>
               </a:ext>
             </a:extLst>
           </p:cNvPr>
@@ -28331,7 +28515,7 @@
           <p:nvPr>
             <p:extLst>
               <p:ext uri="{386F3935-93C4-4BCD-93E2-E3B085C9AB24}">
-                <p16:designElem xmlns:p16="http://schemas.microsoft.com/office/powerpoint/2015/main" xmlns="" val="1"/>
+                <p16:designElem xmlns="" xmlns:p16="http://schemas.microsoft.com/office/powerpoint/2015/main" val="1"/>
               </p:ext>
             </p:extLst>
           </p:nvPr>
@@ -28392,10 +28576,10 @@
           <p:cNvPr id="31" name="Rectangle 30">
             <a:extLst>
               <a:ext uri="{FF2B5EF4-FFF2-40B4-BE49-F238E27FC236}">
-                <a16:creationId xmlns:a16="http://schemas.microsoft.com/office/drawing/2014/main" xmlns="" id="{D68803C4-E159-4360-B7BB-74205C8F782D}"/>
+                <a16:creationId xmlns="" xmlns:a16="http://schemas.microsoft.com/office/drawing/2014/main" id="{D68803C4-E159-4360-B7BB-74205C8F782D}"/>
               </a:ext>
               <a:ext uri="{C183D7F6-B498-43B3-948B-1728B52AA6E4}">
-                <adec:decorative xmlns:adec="http://schemas.microsoft.com/office/drawing/2017/decorative" xmlns="" val="1"/>
+                <adec:decorative xmlns="" xmlns:adec="http://schemas.microsoft.com/office/drawing/2017/decorative" val="1"/>
               </a:ext>
             </a:extLst>
           </p:cNvPr>
@@ -28405,7 +28589,7 @@
           <p:nvPr>
             <p:extLst>
               <p:ext uri="{386F3935-93C4-4BCD-93E2-E3B085C9AB24}">
-                <p16:designElem xmlns:p16="http://schemas.microsoft.com/office/powerpoint/2015/main" xmlns="" val="1"/>
+                <p16:designElem xmlns="" xmlns:p16="http://schemas.microsoft.com/office/powerpoint/2015/main" val="1"/>
               </p:ext>
             </p:extLst>
           </p:nvPr>
@@ -28500,7 +28684,7 @@
           <p:cNvPr id="8" name="Picture 7">
             <a:extLst>
               <a:ext uri="{FF2B5EF4-FFF2-40B4-BE49-F238E27FC236}">
-                <a16:creationId xmlns:a16="http://schemas.microsoft.com/office/drawing/2014/main" xmlns="" id="{AA6F2317-976C-4AA9-8F3A-E1A1BB8D92F4}"/>
+                <a16:creationId xmlns="" xmlns:a16="http://schemas.microsoft.com/office/drawing/2014/main" id="{AA6F2317-976C-4AA9-8F3A-E1A1BB8D92F4}"/>
               </a:ext>
             </a:extLst>
           </p:cNvPr>
@@ -28536,7 +28720,7 @@
           <p:cNvPr id="9" name="TextBox 8">
             <a:extLst>
               <a:ext uri="{FF2B5EF4-FFF2-40B4-BE49-F238E27FC236}">
-                <a16:creationId xmlns:a16="http://schemas.microsoft.com/office/drawing/2014/main" xmlns="" id="{B8CA411E-9A70-468F-8311-B6B05957C2A3}"/>
+                <a16:creationId xmlns="" xmlns:a16="http://schemas.microsoft.com/office/drawing/2014/main" id="{B8CA411E-9A70-468F-8311-B6B05957C2A3}"/>
               </a:ext>
             </a:extLst>
           </p:cNvPr>
@@ -28636,10 +28820,10 @@
           <p:cNvPr id="33" name="Rectangle 32">
             <a:extLst>
               <a:ext uri="{FF2B5EF4-FFF2-40B4-BE49-F238E27FC236}">
-                <a16:creationId xmlns:a16="http://schemas.microsoft.com/office/drawing/2014/main" xmlns="" id="{504B0465-3B07-49BF-BEA7-D81476246293}"/>
+                <a16:creationId xmlns="" xmlns:a16="http://schemas.microsoft.com/office/drawing/2014/main" id="{504B0465-3B07-49BF-BEA7-D81476246293}"/>
               </a:ext>
               <a:ext uri="{C183D7F6-B498-43B3-948B-1728B52AA6E4}">
-                <adec:decorative xmlns:adec="http://schemas.microsoft.com/office/drawing/2017/decorative" xmlns="" val="1"/>
+                <adec:decorative xmlns="" xmlns:adec="http://schemas.microsoft.com/office/drawing/2017/decorative" val="1"/>
               </a:ext>
             </a:extLst>
           </p:cNvPr>
@@ -28649,7 +28833,7 @@
           <p:nvPr>
             <p:extLst>
               <p:ext uri="{386F3935-93C4-4BCD-93E2-E3B085C9AB24}">
-                <p16:designElem xmlns:p16="http://schemas.microsoft.com/office/powerpoint/2015/main" xmlns="" val="1"/>
+                <p16:designElem xmlns="" xmlns:p16="http://schemas.microsoft.com/office/powerpoint/2015/main" val="1"/>
               </p:ext>
             </p:extLst>
           </p:nvPr>
@@ -28710,10 +28894,10 @@
           <p:cNvPr id="35" name="Oval 34">
             <a:extLst>
               <a:ext uri="{FF2B5EF4-FFF2-40B4-BE49-F238E27FC236}">
-                <a16:creationId xmlns:a16="http://schemas.microsoft.com/office/drawing/2014/main" xmlns="" id="{49B7FFA5-14CB-4A4F-9BCC-CA3AA5D9D276}"/>
+                <a16:creationId xmlns="" xmlns:a16="http://schemas.microsoft.com/office/drawing/2014/main" id="{49B7FFA5-14CB-4A4F-9BCC-CA3AA5D9D276}"/>
               </a:ext>
               <a:ext uri="{C183D7F6-B498-43B3-948B-1728B52AA6E4}">
-                <adec:decorative xmlns:adec="http://schemas.microsoft.com/office/drawing/2017/decorative" xmlns="" val="1"/>
+                <adec:decorative xmlns="" xmlns:adec="http://schemas.microsoft.com/office/drawing/2017/decorative" val="1"/>
               </a:ext>
             </a:extLst>
           </p:cNvPr>
@@ -28723,7 +28907,7 @@
           <p:nvPr>
             <p:extLst>
               <p:ext uri="{386F3935-93C4-4BCD-93E2-E3B085C9AB24}">
-                <p16:designElem xmlns:p16="http://schemas.microsoft.com/office/powerpoint/2015/main" xmlns="" val="1"/>
+                <p16:designElem xmlns="" xmlns:p16="http://schemas.microsoft.com/office/powerpoint/2015/main" val="1"/>
               </p:ext>
             </p:extLst>
           </p:nvPr>
@@ -28798,10 +28982,10 @@
           <p:cNvPr id="37" name="Oval 36">
             <a:extLst>
               <a:ext uri="{FF2B5EF4-FFF2-40B4-BE49-F238E27FC236}">
-                <a16:creationId xmlns:a16="http://schemas.microsoft.com/office/drawing/2014/main" xmlns="" id="{04E48745-7512-4EC2-9E20-9092D12150CA}"/>
+                <a16:creationId xmlns="" xmlns:a16="http://schemas.microsoft.com/office/drawing/2014/main" id="{04E48745-7512-4EC2-9E20-9092D12150CA}"/>
               </a:ext>
               <a:ext uri="{C183D7F6-B498-43B3-948B-1728B52AA6E4}">
-                <adec:decorative xmlns:adec="http://schemas.microsoft.com/office/drawing/2017/decorative" xmlns="" val="1"/>
+                <adec:decorative xmlns="" xmlns:adec="http://schemas.microsoft.com/office/drawing/2017/decorative" val="1"/>
               </a:ext>
             </a:extLst>
           </p:cNvPr>
@@ -28811,7 +28995,7 @@
           <p:nvPr>
             <p:extLst>
               <p:ext uri="{386F3935-93C4-4BCD-93E2-E3B085C9AB24}">
-                <p16:designElem xmlns:p16="http://schemas.microsoft.com/office/powerpoint/2015/main" xmlns="" val="1"/>
+                <p16:designElem xmlns="" xmlns:p16="http://schemas.microsoft.com/office/powerpoint/2015/main" val="1"/>
               </p:ext>
             </p:extLst>
           </p:nvPr>
@@ -29025,10 +29209,10 @@
           <p:cNvPr id="11" name="Rectangle 10">
             <a:extLst>
               <a:ext uri="{FF2B5EF4-FFF2-40B4-BE49-F238E27FC236}">
-                <a16:creationId xmlns:a16="http://schemas.microsoft.com/office/drawing/2014/main" xmlns="" id="{3FD711E9-7F79-40A9-8D9E-4AE293C154A5}"/>
+                <a16:creationId xmlns="" xmlns:a16="http://schemas.microsoft.com/office/drawing/2014/main" id="{3FD711E9-7F79-40A9-8D9E-4AE293C154A5}"/>
               </a:ext>
               <a:ext uri="{C183D7F6-B498-43B3-948B-1728B52AA6E4}">
-                <adec:decorative xmlns:adec="http://schemas.microsoft.com/office/drawing/2017/decorative" xmlns="" val="1"/>
+                <adec:decorative xmlns="" xmlns:adec="http://schemas.microsoft.com/office/drawing/2017/decorative" val="1"/>
               </a:ext>
             </a:extLst>
           </p:cNvPr>
@@ -29038,7 +29222,7 @@
           <p:nvPr>
             <p:extLst>
               <p:ext uri="{386F3935-93C4-4BCD-93E2-E3B085C9AB24}">
-                <p16:designElem xmlns:p16="http://schemas.microsoft.com/office/powerpoint/2015/main" xmlns="" val="1"/>
+                <p16:designElem xmlns="" xmlns:p16="http://schemas.microsoft.com/office/powerpoint/2015/main" val="1"/>
               </p:ext>
             </p:extLst>
           </p:nvPr>
@@ -29147,7 +29331,7 @@
           <p:cNvPr id="6" name="Content Placeholder 2">
             <a:extLst>
               <a:ext uri="{FF2B5EF4-FFF2-40B4-BE49-F238E27FC236}">
-                <a16:creationId xmlns:a16="http://schemas.microsoft.com/office/drawing/2014/main" xmlns="" id="{BA86D370-9446-4C17-B6B6-C49901A6AD60}"/>
+                <a16:creationId xmlns="" xmlns:a16="http://schemas.microsoft.com/office/drawing/2014/main" id="{BA86D370-9446-4C17-B6B6-C49901A6AD60}"/>
               </a:ext>
             </a:extLst>
           </p:cNvPr>
@@ -29281,7 +29465,7 @@
             </p:seq>
             <p:video>
               <p:cMediaNode vol="47170" mute="1">
-                <p:cTn id="7" fill="hold" display="0">
+                <p:cTn id="7" repeatCount="indefinite" fill="hold" display="0">
                   <p:stCondLst>
                     <p:cond delay="indefinite"/>
                   </p:stCondLst>
@@ -29387,7 +29571,7 @@
           <p:cNvPr id="2" name="Title 1">
             <a:extLst>
               <a:ext uri="{FF2B5EF4-FFF2-40B4-BE49-F238E27FC236}">
-                <a16:creationId xmlns:a16="http://schemas.microsoft.com/office/drawing/2014/main" xmlns="" id="{20171404-870B-4F91-AC7F-6FA08826187D}"/>
+                <a16:creationId xmlns="" xmlns:a16="http://schemas.microsoft.com/office/drawing/2014/main" id="{20171404-870B-4F91-AC7F-6FA08826187D}"/>
               </a:ext>
             </a:extLst>
           </p:cNvPr>
@@ -29423,10 +29607,10 @@
           <p:cNvPr id="35" name="Rectangle 34">
             <a:extLst>
               <a:ext uri="{FF2B5EF4-FFF2-40B4-BE49-F238E27FC236}">
-                <a16:creationId xmlns:a16="http://schemas.microsoft.com/office/drawing/2014/main" xmlns="" id="{3FD711E9-7F79-40A9-8D9E-4AE293C154A5}"/>
+                <a16:creationId xmlns="" xmlns:a16="http://schemas.microsoft.com/office/drawing/2014/main" id="{3FD711E9-7F79-40A9-8D9E-4AE293C154A5}"/>
               </a:ext>
               <a:ext uri="{C183D7F6-B498-43B3-948B-1728B52AA6E4}">
-                <adec:decorative xmlns:adec="http://schemas.microsoft.com/office/drawing/2017/decorative" xmlns="" val="1"/>
+                <adec:decorative xmlns="" xmlns:adec="http://schemas.microsoft.com/office/drawing/2017/decorative" val="1"/>
               </a:ext>
             </a:extLst>
           </p:cNvPr>
@@ -29436,7 +29620,7 @@
           <p:nvPr>
             <p:extLst>
               <p:ext uri="{386F3935-93C4-4BCD-93E2-E3B085C9AB24}">
-                <p16:designElem xmlns:p16="http://schemas.microsoft.com/office/powerpoint/2015/main" xmlns="" val="1"/>
+                <p16:designElem xmlns="" xmlns:p16="http://schemas.microsoft.com/office/powerpoint/2015/main" val="1"/>
               </p:ext>
             </p:extLst>
           </p:nvPr>
@@ -29505,7 +29689,7 @@
           <p:cNvPr id="4" name="Slide Number Placeholder 3">
             <a:extLst>
               <a:ext uri="{FF2B5EF4-FFF2-40B4-BE49-F238E27FC236}">
-                <a16:creationId xmlns:a16="http://schemas.microsoft.com/office/drawing/2014/main" xmlns="" id="{F1040E11-B5E6-446E-AFE8-32067D053762}"/>
+                <a16:creationId xmlns="" xmlns:a16="http://schemas.microsoft.com/office/drawing/2014/main" id="{F1040E11-B5E6-446E-AFE8-32067D053762}"/>
               </a:ext>
             </a:extLst>
           </p:cNvPr>
@@ -29551,7 +29735,7 @@
           <p:cNvPr id="25" name="Content Placeholder 2">
             <a:extLst>
               <a:ext uri="{FF2B5EF4-FFF2-40B4-BE49-F238E27FC236}">
-                <a16:creationId xmlns:a16="http://schemas.microsoft.com/office/drawing/2014/main" xmlns="" id="{C89107A5-AE3E-49D3-87FD-426BC572CEC7}"/>
+                <a16:creationId xmlns="" xmlns:a16="http://schemas.microsoft.com/office/drawing/2014/main" id="{C89107A5-AE3E-49D3-87FD-426BC572CEC7}"/>
               </a:ext>
             </a:extLst>
           </p:cNvPr>
@@ -29627,7 +29811,7 @@
           <p:cNvPr id="2" name="Title 1">
             <a:extLst>
               <a:ext uri="{FF2B5EF4-FFF2-40B4-BE49-F238E27FC236}">
-                <a16:creationId xmlns:a16="http://schemas.microsoft.com/office/drawing/2014/main" xmlns="" id="{64708F30-220A-49A3-8CDA-ED245F7F9D30}"/>
+                <a16:creationId xmlns="" xmlns:a16="http://schemas.microsoft.com/office/drawing/2014/main" id="{64708F30-220A-49A3-8CDA-ED245F7F9D30}"/>
               </a:ext>
             </a:extLst>
           </p:cNvPr>
@@ -29668,10 +29852,10 @@
           <p:cNvPr id="11" name="Rectangle 10">
             <a:extLst>
               <a:ext uri="{FF2B5EF4-FFF2-40B4-BE49-F238E27FC236}">
-                <a16:creationId xmlns:a16="http://schemas.microsoft.com/office/drawing/2014/main" xmlns="" id="{3FD711E9-7F79-40A9-8D9E-4AE293C154A5}"/>
+                <a16:creationId xmlns="" xmlns:a16="http://schemas.microsoft.com/office/drawing/2014/main" id="{3FD711E9-7F79-40A9-8D9E-4AE293C154A5}"/>
               </a:ext>
               <a:ext uri="{C183D7F6-B498-43B3-948B-1728B52AA6E4}">
-                <adec:decorative xmlns:adec="http://schemas.microsoft.com/office/drawing/2017/decorative" xmlns="" val="1"/>
+                <adec:decorative xmlns="" xmlns:adec="http://schemas.microsoft.com/office/drawing/2017/decorative" val="1"/>
               </a:ext>
             </a:extLst>
           </p:cNvPr>
@@ -29681,7 +29865,7 @@
           <p:nvPr>
             <p:extLst>
               <p:ext uri="{386F3935-93C4-4BCD-93E2-E3B085C9AB24}">
-                <p16:designElem xmlns:p16="http://schemas.microsoft.com/office/powerpoint/2015/main" xmlns="" val="1"/>
+                <p16:designElem xmlns="" xmlns:p16="http://schemas.microsoft.com/office/powerpoint/2015/main" val="1"/>
               </p:ext>
             </p:extLst>
           </p:nvPr>
@@ -29750,7 +29934,7 @@
           <p:cNvPr id="4" name="Slide Number Placeholder 3">
             <a:extLst>
               <a:ext uri="{FF2B5EF4-FFF2-40B4-BE49-F238E27FC236}">
-                <a16:creationId xmlns:a16="http://schemas.microsoft.com/office/drawing/2014/main" xmlns="" id="{4C6ADBB5-F093-43EC-A59C-732582C300EB}"/>
+                <a16:creationId xmlns="" xmlns:a16="http://schemas.microsoft.com/office/drawing/2014/main" id="{4C6ADBB5-F093-43EC-A59C-732582C300EB}"/>
               </a:ext>
             </a:extLst>
           </p:cNvPr>
@@ -29796,7 +29980,7 @@
           <p:cNvPr id="6" name="Content Placeholder 2">
             <a:extLst>
               <a:ext uri="{FF2B5EF4-FFF2-40B4-BE49-F238E27FC236}">
-                <a16:creationId xmlns:a16="http://schemas.microsoft.com/office/drawing/2014/main" xmlns="" id="{EC0F3C5D-82E6-45CF-B860-6486ABF7DA91}"/>
+                <a16:creationId xmlns="" xmlns:a16="http://schemas.microsoft.com/office/drawing/2014/main" id="{EC0F3C5D-82E6-45CF-B860-6486ABF7DA91}"/>
               </a:ext>
             </a:extLst>
           </p:cNvPr>
@@ -29903,10 +30087,10 @@
           <p:cNvPr id="11" name="Rectangle 10">
             <a:extLst>
               <a:ext uri="{FF2B5EF4-FFF2-40B4-BE49-F238E27FC236}">
-                <a16:creationId xmlns:a16="http://schemas.microsoft.com/office/drawing/2014/main" xmlns="" id="{3FD711E9-7F79-40A9-8D9E-4AE293C154A5}"/>
+                <a16:creationId xmlns="" xmlns:a16="http://schemas.microsoft.com/office/drawing/2014/main" id="{3FD711E9-7F79-40A9-8D9E-4AE293C154A5}"/>
               </a:ext>
               <a:ext uri="{C183D7F6-B498-43B3-948B-1728B52AA6E4}">
-                <adec:decorative xmlns:adec="http://schemas.microsoft.com/office/drawing/2017/decorative" xmlns="" val="1"/>
+                <adec:decorative xmlns="" xmlns:adec="http://schemas.microsoft.com/office/drawing/2017/decorative" val="1"/>
               </a:ext>
             </a:extLst>
           </p:cNvPr>
@@ -29916,7 +30100,7 @@
           <p:nvPr>
             <p:extLst>
               <p:ext uri="{386F3935-93C4-4BCD-93E2-E3B085C9AB24}">
-                <p16:designElem xmlns:p16="http://schemas.microsoft.com/office/powerpoint/2015/main" xmlns="" val="1"/>
+                <p16:designElem xmlns="" xmlns:p16="http://schemas.microsoft.com/office/powerpoint/2015/main" val="1"/>
               </p:ext>
             </p:extLst>
           </p:nvPr>
@@ -30025,7 +30209,7 @@
           <p:cNvPr id="6" name="Content Placeholder 2">
             <a:extLst>
               <a:ext uri="{FF2B5EF4-FFF2-40B4-BE49-F238E27FC236}">
-                <a16:creationId xmlns:a16="http://schemas.microsoft.com/office/drawing/2014/main" xmlns="" id="{A9D8E9A4-B308-4EE1-B695-D9C47C0D4F88}"/>
+                <a16:creationId xmlns="" xmlns:a16="http://schemas.microsoft.com/office/drawing/2014/main" id="{A9D8E9A4-B308-4EE1-B695-D9C47C0D4F88}"/>
               </a:ext>
             </a:extLst>
           </p:cNvPr>
@@ -30267,10 +30451,10 @@
           <p:cNvPr id="16" name="Rectangle 15">
             <a:extLst>
               <a:ext uri="{FF2B5EF4-FFF2-40B4-BE49-F238E27FC236}">
-                <a16:creationId xmlns:a16="http://schemas.microsoft.com/office/drawing/2014/main" xmlns="" id="{3FD711E9-7F79-40A9-8D9E-4AE293C154A5}"/>
+                <a16:creationId xmlns="" xmlns:a16="http://schemas.microsoft.com/office/drawing/2014/main" id="{3FD711E9-7F79-40A9-8D9E-4AE293C154A5}"/>
               </a:ext>
               <a:ext uri="{C183D7F6-B498-43B3-948B-1728B52AA6E4}">
-                <adec:decorative xmlns:adec="http://schemas.microsoft.com/office/drawing/2017/decorative" xmlns="" val="1"/>
+                <adec:decorative xmlns="" xmlns:adec="http://schemas.microsoft.com/office/drawing/2017/decorative" val="1"/>
               </a:ext>
             </a:extLst>
           </p:cNvPr>
@@ -30280,7 +30464,7 @@
           <p:nvPr>
             <p:extLst>
               <p:ext uri="{386F3935-93C4-4BCD-93E2-E3B085C9AB24}">
-                <p16:designElem xmlns:p16="http://schemas.microsoft.com/office/powerpoint/2015/main" xmlns="" val="1"/>
+                <p16:designElem xmlns="" xmlns:p16="http://schemas.microsoft.com/office/powerpoint/2015/main" val="1"/>
               </p:ext>
             </p:extLst>
           </p:nvPr>
@@ -30389,7 +30573,7 @@
           <p:cNvPr id="6" name="Content Placeholder 2">
             <a:extLst>
               <a:ext uri="{FF2B5EF4-FFF2-40B4-BE49-F238E27FC236}">
-                <a16:creationId xmlns:a16="http://schemas.microsoft.com/office/drawing/2014/main" xmlns="" id="{6358C9DB-7B63-4876-84D3-25AD0F9ED706}"/>
+                <a16:creationId xmlns="" xmlns:a16="http://schemas.microsoft.com/office/drawing/2014/main" id="{6358C9DB-7B63-4876-84D3-25AD0F9ED706}"/>
               </a:ext>
             </a:extLst>
           </p:cNvPr>
@@ -30457,7 +30641,7 @@
           <p:cNvPr id="2" name="Title 1">
             <a:extLst>
               <a:ext uri="{FF2B5EF4-FFF2-40B4-BE49-F238E27FC236}">
-                <a16:creationId xmlns:a16="http://schemas.microsoft.com/office/drawing/2014/main" xmlns="" id="{70C6D9C5-64E8-4478-BFDC-92235C099C97}"/>
+                <a16:creationId xmlns="" xmlns:a16="http://schemas.microsoft.com/office/drawing/2014/main" id="{70C6D9C5-64E8-4478-BFDC-92235C099C97}"/>
               </a:ext>
             </a:extLst>
           </p:cNvPr>
@@ -30486,7 +30670,7 @@
           <p:cNvPr id="3" name="Content Placeholder 2">
             <a:extLst>
               <a:ext uri="{FF2B5EF4-FFF2-40B4-BE49-F238E27FC236}">
-                <a16:creationId xmlns:a16="http://schemas.microsoft.com/office/drawing/2014/main" xmlns="" id="{473C2F26-4371-43EE-B09C-475656F3393D}"/>
+                <a16:creationId xmlns="" xmlns:a16="http://schemas.microsoft.com/office/drawing/2014/main" id="{473C2F26-4371-43EE-B09C-475656F3393D}"/>
               </a:ext>
             </a:extLst>
           </p:cNvPr>
@@ -30604,7 +30788,7 @@
           <p:cNvPr id="4" name="Slide Number Placeholder 3">
             <a:extLst>
               <a:ext uri="{FF2B5EF4-FFF2-40B4-BE49-F238E27FC236}">
-                <a16:creationId xmlns:a16="http://schemas.microsoft.com/office/drawing/2014/main" xmlns="" id="{543436BA-E81E-4D8F-8F85-125739BAE4ED}"/>
+                <a16:creationId xmlns="" xmlns:a16="http://schemas.microsoft.com/office/drawing/2014/main" id="{543436BA-E81E-4D8F-8F85-125739BAE4ED}"/>
               </a:ext>
             </a:extLst>
           </p:cNvPr>
@@ -30835,7 +31019,7 @@
           <a:noFill/>
           <a:ln w="38100">
             <a:solidFill>
-              <a:schemeClr val="accent1"/>
+              <a:srgbClr val="00B050"/>
             </a:solidFill>
             <a:prstDash val="sysDash"/>
           </a:ln>
@@ -30955,6 +31139,240 @@
           <a:lstStyle/>
           <a:p>
             <a:pPr algn="ctr"/>
+            <a:endParaRPr lang="en-US" dirty="0"/>
+          </a:p>
+        </p:txBody>
+      </p:sp>
+      <p:sp>
+        <p:nvSpPr>
+          <p:cNvPr id="9" name="Rectangle 8"/>
+          <p:cNvSpPr/>
+          <p:nvPr/>
+        </p:nvSpPr>
+        <p:spPr>
+          <a:xfrm>
+            <a:off x="107504" y="1268760"/>
+            <a:ext cx="216024" cy="216024"/>
+          </a:xfrm>
+          <a:prstGeom prst="rect">
+            <a:avLst/>
+          </a:prstGeom>
+          <a:solidFill>
+            <a:srgbClr val="00B050"/>
+          </a:solidFill>
+          <a:ln>
+            <a:solidFill>
+              <a:srgbClr val="00B050"/>
+            </a:solidFill>
+          </a:ln>
+        </p:spPr>
+        <p:style>
+          <a:lnRef idx="2">
+            <a:schemeClr val="accent1">
+              <a:shade val="50000"/>
+            </a:schemeClr>
+          </a:lnRef>
+          <a:fillRef idx="1">
+            <a:schemeClr val="accent1"/>
+          </a:fillRef>
+          <a:effectRef idx="0">
+            <a:schemeClr val="accent1"/>
+          </a:effectRef>
+          <a:fontRef idx="minor">
+            <a:schemeClr val="lt1"/>
+          </a:fontRef>
+        </p:style>
+        <p:txBody>
+          <a:bodyPr rtlCol="0" anchor="ctr"/>
+          <a:lstStyle/>
+          <a:p>
+            <a:pPr algn="ctr"/>
+            <a:endParaRPr lang="en-US"/>
+          </a:p>
+        </p:txBody>
+      </p:sp>
+      <p:sp>
+        <p:nvSpPr>
+          <p:cNvPr id="10" name="Rectangle 9"/>
+          <p:cNvSpPr/>
+          <p:nvPr/>
+        </p:nvSpPr>
+        <p:spPr>
+          <a:xfrm>
+            <a:off x="107504" y="1577544"/>
+            <a:ext cx="216024" cy="216024"/>
+          </a:xfrm>
+          <a:prstGeom prst="rect">
+            <a:avLst/>
+          </a:prstGeom>
+          <a:solidFill>
+            <a:srgbClr val="FF0000"/>
+          </a:solidFill>
+          <a:ln>
+            <a:solidFill>
+              <a:srgbClr val="FF0000"/>
+            </a:solidFill>
+          </a:ln>
+        </p:spPr>
+        <p:style>
+          <a:lnRef idx="2">
+            <a:schemeClr val="accent1">
+              <a:shade val="50000"/>
+            </a:schemeClr>
+          </a:lnRef>
+          <a:fillRef idx="1">
+            <a:schemeClr val="accent1"/>
+          </a:fillRef>
+          <a:effectRef idx="0">
+            <a:schemeClr val="accent1"/>
+          </a:effectRef>
+          <a:fontRef idx="minor">
+            <a:schemeClr val="lt1"/>
+          </a:fontRef>
+        </p:style>
+        <p:txBody>
+          <a:bodyPr rtlCol="0" anchor="ctr"/>
+          <a:lstStyle/>
+          <a:p>
+            <a:pPr algn="ctr"/>
+            <a:endParaRPr lang="en-US"/>
+          </a:p>
+        </p:txBody>
+      </p:sp>
+      <p:sp>
+        <p:nvSpPr>
+          <p:cNvPr id="11" name="Rectangle 10"/>
+          <p:cNvSpPr/>
+          <p:nvPr/>
+        </p:nvSpPr>
+        <p:spPr>
+          <a:xfrm>
+            <a:off x="107504" y="1898496"/>
+            <a:ext cx="216024" cy="216024"/>
+          </a:xfrm>
+          <a:prstGeom prst="rect">
+            <a:avLst/>
+          </a:prstGeom>
+          <a:solidFill>
+            <a:srgbClr val="00B0F0"/>
+          </a:solidFill>
+          <a:ln>
+            <a:solidFill>
+              <a:srgbClr val="00B0F0"/>
+            </a:solidFill>
+          </a:ln>
+        </p:spPr>
+        <p:style>
+          <a:lnRef idx="2">
+            <a:schemeClr val="accent1">
+              <a:shade val="50000"/>
+            </a:schemeClr>
+          </a:lnRef>
+          <a:fillRef idx="1">
+            <a:schemeClr val="accent1"/>
+          </a:fillRef>
+          <a:effectRef idx="0">
+            <a:schemeClr val="accent1"/>
+          </a:effectRef>
+          <a:fontRef idx="minor">
+            <a:schemeClr val="lt1"/>
+          </a:fontRef>
+        </p:style>
+        <p:txBody>
+          <a:bodyPr rtlCol="0" anchor="ctr"/>
+          <a:lstStyle/>
+          <a:p>
+            <a:pPr algn="ctr"/>
+            <a:endParaRPr lang="en-US"/>
+          </a:p>
+        </p:txBody>
+      </p:sp>
+      <p:sp>
+        <p:nvSpPr>
+          <p:cNvPr id="12" name="TextBox 11"/>
+          <p:cNvSpPr txBox="1"/>
+          <p:nvPr/>
+        </p:nvSpPr>
+        <p:spPr>
+          <a:xfrm>
+            <a:off x="395536" y="1208212"/>
+            <a:ext cx="792088" cy="369332"/>
+          </a:xfrm>
+          <a:prstGeom prst="rect">
+            <a:avLst/>
+          </a:prstGeom>
+          <a:noFill/>
+        </p:spPr>
+        <p:txBody>
+          <a:bodyPr wrap="square" rtlCol="0">
+            <a:spAutoFit/>
+          </a:bodyPr>
+          <a:lstStyle/>
+          <a:p>
+            <a:r>
+              <a:rPr lang="ro-RO" dirty="0" smtClean="0"/>
+              <a:t>Silviu</a:t>
+            </a:r>
+            <a:endParaRPr lang="en-US" dirty="0"/>
+          </a:p>
+        </p:txBody>
+      </p:sp>
+      <p:sp>
+        <p:nvSpPr>
+          <p:cNvPr id="13" name="TextBox 12"/>
+          <p:cNvSpPr txBox="1"/>
+          <p:nvPr/>
+        </p:nvSpPr>
+        <p:spPr>
+          <a:xfrm>
+            <a:off x="412010" y="1510825"/>
+            <a:ext cx="800219" cy="369332"/>
+          </a:xfrm>
+          <a:prstGeom prst="rect">
+            <a:avLst/>
+          </a:prstGeom>
+          <a:noFill/>
+        </p:spPr>
+        <p:txBody>
+          <a:bodyPr wrap="none" rtlCol="0">
+            <a:spAutoFit/>
+          </a:bodyPr>
+          <a:lstStyle/>
+          <a:p>
+            <a:r>
+              <a:rPr lang="ro-RO" dirty="0" smtClean="0"/>
+              <a:t>Daniel</a:t>
+            </a:r>
+            <a:endParaRPr lang="en-US" dirty="0"/>
+          </a:p>
+        </p:txBody>
+      </p:sp>
+      <p:sp>
+        <p:nvSpPr>
+          <p:cNvPr id="14" name="TextBox 13"/>
+          <p:cNvSpPr txBox="1"/>
+          <p:nvPr/>
+        </p:nvSpPr>
+        <p:spPr>
+          <a:xfrm>
+            <a:off x="412010" y="1821842"/>
+            <a:ext cx="774571" cy="369332"/>
+          </a:xfrm>
+          <a:prstGeom prst="rect">
+            <a:avLst/>
+          </a:prstGeom>
+          <a:noFill/>
+        </p:spPr>
+        <p:txBody>
+          <a:bodyPr wrap="none" rtlCol="0">
+            <a:spAutoFit/>
+          </a:bodyPr>
+          <a:lstStyle/>
+          <a:p>
+            <a:r>
+              <a:rPr lang="ro-RO" dirty="0" smtClean="0"/>
+              <a:t>Ambii</a:t>
+            </a:r>
             <a:endParaRPr lang="en-US" dirty="0"/>
           </a:p>
         </p:txBody>
@@ -31200,41 +31618,6 @@
                                   </p:childTnLst>
                                 </p:cTn>
                               </p:par>
-                              <p:par>
-                                <p:cTn id="24" presetID="16" presetClass="exit" presetSubtype="21" fill="hold" grpId="1" nodeType="withEffect">
-                                  <p:stCondLst>
-                                    <p:cond delay="0"/>
-                                  </p:stCondLst>
-                                  <p:childTnLst>
-                                    <p:animEffect transition="out" filter="barn(inVertical)">
-                                      <p:cBhvr>
-                                        <p:cTn id="25" dur="500"/>
-                                        <p:tgtEl>
-                                          <p:spTgt spid="6"/>
-                                        </p:tgtEl>
-                                      </p:cBhvr>
-                                    </p:animEffect>
-                                    <p:set>
-                                      <p:cBhvr>
-                                        <p:cTn id="26" dur="1" fill="hold">
-                                          <p:stCondLst>
-                                            <p:cond delay="499"/>
-                                          </p:stCondLst>
-                                        </p:cTn>
-                                        <p:tgtEl>
-                                          <p:spTgt spid="6"/>
-                                        </p:tgtEl>
-                                        <p:attrNameLst>
-                                          <p:attrName>style.visibility</p:attrName>
-                                        </p:attrNameLst>
-                                      </p:cBhvr>
-                                      <p:to>
-                                        <p:strVal val="hidden"/>
-                                      </p:to>
-                                    </p:set>
-                                  </p:childTnLst>
-                                </p:cTn>
-                              </p:par>
                             </p:childTnLst>
                           </p:cTn>
                         </p:par>
@@ -31242,26 +31625,26 @@
                     </p:cTn>
                   </p:par>
                   <p:par>
-                    <p:cTn id="27" fill="hold">
+                    <p:cTn id="24" fill="hold">
                       <p:stCondLst>
                         <p:cond delay="indefinite"/>
                       </p:stCondLst>
                       <p:childTnLst>
                         <p:par>
-                          <p:cTn id="28" fill="hold">
+                          <p:cTn id="25" fill="hold">
                             <p:stCondLst>
                               <p:cond delay="0"/>
                             </p:stCondLst>
                             <p:childTnLst>
                               <p:par>
-                                <p:cTn id="29" presetID="22" presetClass="entr" presetSubtype="4" fill="hold" grpId="0" nodeType="clickEffect">
+                                <p:cTn id="26" presetID="22" presetClass="entr" presetSubtype="4" fill="hold" grpId="0" nodeType="clickEffect">
                                   <p:stCondLst>
                                     <p:cond delay="0"/>
                                   </p:stCondLst>
                                   <p:childTnLst>
                                     <p:set>
                                       <p:cBhvr>
-                                        <p:cTn id="30" dur="1" fill="hold">
+                                        <p:cTn id="27" dur="1" fill="hold">
                                           <p:stCondLst>
                                             <p:cond delay="0"/>
                                           </p:stCondLst>
@@ -31279,12 +31662,47 @@
                                     </p:set>
                                     <p:animEffect transition="in" filter="wipe(down)">
                                       <p:cBhvr>
-                                        <p:cTn id="31" dur="500"/>
+                                        <p:cTn id="28" dur="500"/>
                                         <p:tgtEl>
                                           <p:spTgt spid="8"/>
                                         </p:tgtEl>
                                       </p:cBhvr>
                                     </p:animEffect>
+                                  </p:childTnLst>
+                                </p:cTn>
+                              </p:par>
+                              <p:par>
+                                <p:cTn id="29" presetID="16" presetClass="exit" presetSubtype="21" fill="hold" grpId="1" nodeType="withEffect">
+                                  <p:stCondLst>
+                                    <p:cond delay="0"/>
+                                  </p:stCondLst>
+                                  <p:childTnLst>
+                                    <p:animEffect transition="out" filter="barn(inVertical)">
+                                      <p:cBhvr>
+                                        <p:cTn id="30" dur="500"/>
+                                        <p:tgtEl>
+                                          <p:spTgt spid="6"/>
+                                        </p:tgtEl>
+                                      </p:cBhvr>
+                                    </p:animEffect>
+                                    <p:set>
+                                      <p:cBhvr>
+                                        <p:cTn id="31" dur="1" fill="hold">
+                                          <p:stCondLst>
+                                            <p:cond delay="499"/>
+                                          </p:stCondLst>
+                                        </p:cTn>
+                                        <p:tgtEl>
+                                          <p:spTgt spid="6"/>
+                                        </p:tgtEl>
+                                        <p:attrNameLst>
+                                          <p:attrName>style.visibility</p:attrName>
+                                        </p:attrNameLst>
+                                      </p:cBhvr>
+                                      <p:to>
+                                        <p:strVal val="hidden"/>
+                                      </p:to>
+                                    </p:set>
                                   </p:childTnLst>
                                 </p:cTn>
                               </p:par>
@@ -31395,10 +31813,10 @@
           <p:cNvPr id="11" name="Rectangle 10">
             <a:extLst>
               <a:ext uri="{FF2B5EF4-FFF2-40B4-BE49-F238E27FC236}">
-                <a16:creationId xmlns:a16="http://schemas.microsoft.com/office/drawing/2014/main" xmlns="" id="{3FD711E9-7F79-40A9-8D9E-4AE293C154A5}"/>
+                <a16:creationId xmlns="" xmlns:a16="http://schemas.microsoft.com/office/drawing/2014/main" id="{3FD711E9-7F79-40A9-8D9E-4AE293C154A5}"/>
               </a:ext>
               <a:ext uri="{C183D7F6-B498-43B3-948B-1728B52AA6E4}">
-                <adec:decorative xmlns:adec="http://schemas.microsoft.com/office/drawing/2017/decorative" xmlns="" val="1"/>
+                <adec:decorative xmlns="" xmlns:adec="http://schemas.microsoft.com/office/drawing/2017/decorative" val="1"/>
               </a:ext>
             </a:extLst>
           </p:cNvPr>
@@ -31408,7 +31826,7 @@
           <p:nvPr>
             <p:extLst>
               <p:ext uri="{386F3935-93C4-4BCD-93E2-E3B085C9AB24}">
-                <p16:designElem xmlns:p16="http://schemas.microsoft.com/office/powerpoint/2015/main" xmlns="" val="1"/>
+                <p16:designElem xmlns="" xmlns:p16="http://schemas.microsoft.com/office/powerpoint/2015/main" val="1"/>
               </p:ext>
             </p:extLst>
           </p:nvPr>
@@ -31517,7 +31935,7 @@
           <p:cNvPr id="6" name="Content Placeholder 2">
             <a:extLst>
               <a:ext uri="{FF2B5EF4-FFF2-40B4-BE49-F238E27FC236}">
-                <a16:creationId xmlns:a16="http://schemas.microsoft.com/office/drawing/2014/main" xmlns="" id="{09B1999A-2394-4784-A78A-D9DD6638CBB1}"/>
+                <a16:creationId xmlns="" xmlns:a16="http://schemas.microsoft.com/office/drawing/2014/main" id="{09B1999A-2394-4784-A78A-D9DD6638CBB1}"/>
               </a:ext>
             </a:extLst>
           </p:cNvPr>
@@ -31528,7 +31946,7 @@
             <p:ph idx="1"/>
             <p:extLst>
               <p:ext uri="{D42A27DB-BD31-4B8C-83A1-F6EECF244321}">
-                <p14:modId xmlns:p14="http://schemas.microsoft.com/office/powerpoint/2010/main" val="4012375901"/>
+                <p14:modId xmlns:p14="http://schemas.microsoft.com/office/powerpoint/2010/main" val="1336135198"/>
               </p:ext>
             </p:extLst>
           </p:nvPr>
@@ -31593,7 +32011,7 @@
           <p:cNvPr id="2" name="Title 1">
             <a:extLst>
               <a:ext uri="{FF2B5EF4-FFF2-40B4-BE49-F238E27FC236}">
-                <a16:creationId xmlns:a16="http://schemas.microsoft.com/office/drawing/2014/main" xmlns="" id="{5F3B14D9-550A-4603-AE2C-4A235FBBA816}"/>
+                <a16:creationId xmlns="" xmlns:a16="http://schemas.microsoft.com/office/drawing/2014/main" id="{5F3B14D9-550A-4603-AE2C-4A235FBBA816}"/>
               </a:ext>
             </a:extLst>
           </p:cNvPr>
@@ -31634,10 +32052,10 @@
           <p:cNvPr id="16" name="Rectangle 15">
             <a:extLst>
               <a:ext uri="{FF2B5EF4-FFF2-40B4-BE49-F238E27FC236}">
-                <a16:creationId xmlns:a16="http://schemas.microsoft.com/office/drawing/2014/main" xmlns="" id="{3FD711E9-7F79-40A9-8D9E-4AE293C154A5}"/>
+                <a16:creationId xmlns="" xmlns:a16="http://schemas.microsoft.com/office/drawing/2014/main" id="{3FD711E9-7F79-40A9-8D9E-4AE293C154A5}"/>
               </a:ext>
               <a:ext uri="{C183D7F6-B498-43B3-948B-1728B52AA6E4}">
-                <adec:decorative xmlns:adec="http://schemas.microsoft.com/office/drawing/2017/decorative" xmlns="" val="1"/>
+                <adec:decorative xmlns="" xmlns:adec="http://schemas.microsoft.com/office/drawing/2017/decorative" val="1"/>
               </a:ext>
             </a:extLst>
           </p:cNvPr>
@@ -31647,7 +32065,7 @@
           <p:nvPr>
             <p:extLst>
               <p:ext uri="{386F3935-93C4-4BCD-93E2-E3B085C9AB24}">
-                <p16:designElem xmlns:p16="http://schemas.microsoft.com/office/powerpoint/2015/main" xmlns="" val="1"/>
+                <p16:designElem xmlns="" xmlns:p16="http://schemas.microsoft.com/office/powerpoint/2015/main" val="1"/>
               </p:ext>
             </p:extLst>
           </p:nvPr>
@@ -31716,7 +32134,7 @@
           <p:cNvPr id="4" name="Slide Number Placeholder 3">
             <a:extLst>
               <a:ext uri="{FF2B5EF4-FFF2-40B4-BE49-F238E27FC236}">
-                <a16:creationId xmlns:a16="http://schemas.microsoft.com/office/drawing/2014/main" xmlns="" id="{4E707F7B-000B-4ECD-9B77-ECC0C1DD16DD}"/>
+                <a16:creationId xmlns="" xmlns:a16="http://schemas.microsoft.com/office/drawing/2014/main" id="{4E707F7B-000B-4ECD-9B77-ECC0C1DD16DD}"/>
               </a:ext>
             </a:extLst>
           </p:cNvPr>
@@ -31762,7 +32180,7 @@
           <p:cNvPr id="6" name="Content Placeholder 2">
             <a:extLst>
               <a:ext uri="{FF2B5EF4-FFF2-40B4-BE49-F238E27FC236}">
-                <a16:creationId xmlns:a16="http://schemas.microsoft.com/office/drawing/2014/main" xmlns="" id="{59A4307A-0181-4594-977B-4087C0CFBAF8}"/>
+                <a16:creationId xmlns="" xmlns:a16="http://schemas.microsoft.com/office/drawing/2014/main" id="{59A4307A-0181-4594-977B-4087C0CFBAF8}"/>
               </a:ext>
             </a:extLst>
           </p:cNvPr>
@@ -31793,7 +32211,7 @@
           <p:cNvPr id="7" name="Rectangle: Rounded Corners 6">
             <a:extLst>
               <a:ext uri="{FF2B5EF4-FFF2-40B4-BE49-F238E27FC236}">
-                <a16:creationId xmlns:a16="http://schemas.microsoft.com/office/drawing/2014/main" xmlns="" id="{FE7337C6-5EBE-44AA-BA96-13AB2377562C}"/>
+                <a16:creationId xmlns="" xmlns:a16="http://schemas.microsoft.com/office/drawing/2014/main" id="{FE7337C6-5EBE-44AA-BA96-13AB2377562C}"/>
               </a:ext>
             </a:extLst>
           </p:cNvPr>
@@ -31853,7 +32271,7 @@
           <p:cNvPr id="8" name="Rectangle: Rounded Corners 7">
             <a:extLst>
               <a:ext uri="{FF2B5EF4-FFF2-40B4-BE49-F238E27FC236}">
-                <a16:creationId xmlns:a16="http://schemas.microsoft.com/office/drawing/2014/main" xmlns="" id="{BEC78F7D-4F08-42F6-B2D9-847BA362E72E}"/>
+                <a16:creationId xmlns="" xmlns:a16="http://schemas.microsoft.com/office/drawing/2014/main" id="{BEC78F7D-4F08-42F6-B2D9-847BA362E72E}"/>
               </a:ext>
             </a:extLst>
           </p:cNvPr>
@@ -31913,7 +32331,7 @@
           <p:cNvPr id="9" name="Rectangle: Rounded Corners 8">
             <a:extLst>
               <a:ext uri="{FF2B5EF4-FFF2-40B4-BE49-F238E27FC236}">
-                <a16:creationId xmlns:a16="http://schemas.microsoft.com/office/drawing/2014/main" xmlns="" id="{FECA7078-DDED-45FE-BC63-9F2BAA5E13E3}"/>
+                <a16:creationId xmlns="" xmlns:a16="http://schemas.microsoft.com/office/drawing/2014/main" id="{FECA7078-DDED-45FE-BC63-9F2BAA5E13E3}"/>
               </a:ext>
             </a:extLst>
           </p:cNvPr>
@@ -32018,7 +32436,7 @@
           <p:cNvPr id="2" name="Title 1">
             <a:extLst>
               <a:ext uri="{FF2B5EF4-FFF2-40B4-BE49-F238E27FC236}">
-                <a16:creationId xmlns:a16="http://schemas.microsoft.com/office/drawing/2014/main" xmlns="" id="{4DF4C6AB-EAC5-41E7-A3B5-A1D552590597}"/>
+                <a16:creationId xmlns="" xmlns:a16="http://schemas.microsoft.com/office/drawing/2014/main" id="{4DF4C6AB-EAC5-41E7-A3B5-A1D552590597}"/>
               </a:ext>
             </a:extLst>
           </p:cNvPr>
@@ -32055,10 +32473,10 @@
           <p:cNvPr id="11" name="Rectangle 10">
             <a:extLst>
               <a:ext uri="{FF2B5EF4-FFF2-40B4-BE49-F238E27FC236}">
-                <a16:creationId xmlns:a16="http://schemas.microsoft.com/office/drawing/2014/main" xmlns="" id="{3FD711E9-7F79-40A9-8D9E-4AE293C154A5}"/>
+                <a16:creationId xmlns="" xmlns:a16="http://schemas.microsoft.com/office/drawing/2014/main" id="{3FD711E9-7F79-40A9-8D9E-4AE293C154A5}"/>
               </a:ext>
               <a:ext uri="{C183D7F6-B498-43B3-948B-1728B52AA6E4}">
-                <adec:decorative xmlns:adec="http://schemas.microsoft.com/office/drawing/2017/decorative" xmlns="" val="1"/>
+                <adec:decorative xmlns="" xmlns:adec="http://schemas.microsoft.com/office/drawing/2017/decorative" val="1"/>
               </a:ext>
             </a:extLst>
           </p:cNvPr>
@@ -32068,7 +32486,7 @@
           <p:nvPr>
             <p:extLst>
               <p:ext uri="{386F3935-93C4-4BCD-93E2-E3B085C9AB24}">
-                <p16:designElem xmlns:p16="http://schemas.microsoft.com/office/powerpoint/2015/main" xmlns="" val="1"/>
+                <p16:designElem xmlns="" xmlns:p16="http://schemas.microsoft.com/office/powerpoint/2015/main" val="1"/>
               </p:ext>
             </p:extLst>
           </p:nvPr>
@@ -32137,7 +32555,7 @@
           <p:cNvPr id="4" name="Slide Number Placeholder 3">
             <a:extLst>
               <a:ext uri="{FF2B5EF4-FFF2-40B4-BE49-F238E27FC236}">
-                <a16:creationId xmlns:a16="http://schemas.microsoft.com/office/drawing/2014/main" xmlns="" id="{72C1E673-FCA4-48C9-8D56-03068F07EB13}"/>
+                <a16:creationId xmlns="" xmlns:a16="http://schemas.microsoft.com/office/drawing/2014/main" id="{72C1E673-FCA4-48C9-8D56-03068F07EB13}"/>
               </a:ext>
             </a:extLst>
           </p:cNvPr>
@@ -32183,7 +32601,7 @@
           <p:cNvPr id="6" name="Content Placeholder 2">
             <a:extLst>
               <a:ext uri="{FF2B5EF4-FFF2-40B4-BE49-F238E27FC236}">
-                <a16:creationId xmlns:a16="http://schemas.microsoft.com/office/drawing/2014/main" xmlns="" id="{7917F929-5E38-446A-8EA9-D8E60BEFEF5F}"/>
+                <a16:creationId xmlns="" xmlns:a16="http://schemas.microsoft.com/office/drawing/2014/main" id="{7917F929-5E38-446A-8EA9-D8E60BEFEF5F}"/>
               </a:ext>
             </a:extLst>
           </p:cNvPr>
@@ -32214,7 +32632,7 @@
           <p:cNvPr id="7" name="Rectangle: Rounded Corners 6">
             <a:extLst>
               <a:ext uri="{FF2B5EF4-FFF2-40B4-BE49-F238E27FC236}">
-                <a16:creationId xmlns:a16="http://schemas.microsoft.com/office/drawing/2014/main" xmlns="" id="{06EDBB29-49B8-4490-B86A-45FEED1A3949}"/>
+                <a16:creationId xmlns="" xmlns:a16="http://schemas.microsoft.com/office/drawing/2014/main" id="{06EDBB29-49B8-4490-B86A-45FEED1A3949}"/>
               </a:ext>
             </a:extLst>
           </p:cNvPr>
@@ -32274,7 +32692,7 @@
           <p:cNvPr id="9" name="Rectangle: Rounded Corners 8">
             <a:extLst>
               <a:ext uri="{FF2B5EF4-FFF2-40B4-BE49-F238E27FC236}">
-                <a16:creationId xmlns:a16="http://schemas.microsoft.com/office/drawing/2014/main" xmlns="" id="{D4896989-E6EB-4891-90EB-8AF51A73669A}"/>
+                <a16:creationId xmlns="" xmlns:a16="http://schemas.microsoft.com/office/drawing/2014/main" id="{D4896989-E6EB-4891-90EB-8AF51A73669A}"/>
               </a:ext>
             </a:extLst>
           </p:cNvPr>
@@ -32334,7 +32752,7 @@
           <p:cNvPr id="16" name="Picture 15">
             <a:extLst>
               <a:ext uri="{FF2B5EF4-FFF2-40B4-BE49-F238E27FC236}">
-                <a16:creationId xmlns:a16="http://schemas.microsoft.com/office/drawing/2014/main" xmlns="" id="{62FD4B21-E132-4968-9694-0B0DC2C758D6}"/>
+                <a16:creationId xmlns="" xmlns:a16="http://schemas.microsoft.com/office/drawing/2014/main" id="{62FD4B21-E132-4968-9694-0B0DC2C758D6}"/>
               </a:ext>
             </a:extLst>
           </p:cNvPr>
@@ -32415,7 +32833,7 @@
           <p:cNvPr id="2" name="Title 1">
             <a:extLst>
               <a:ext uri="{FF2B5EF4-FFF2-40B4-BE49-F238E27FC236}">
-                <a16:creationId xmlns:a16="http://schemas.microsoft.com/office/drawing/2014/main" xmlns="" id="{3CFBC153-C83D-4D33-B185-F54768A9773C}"/>
+                <a16:creationId xmlns="" xmlns:a16="http://schemas.microsoft.com/office/drawing/2014/main" id="{3CFBC153-C83D-4D33-B185-F54768A9773C}"/>
               </a:ext>
             </a:extLst>
           </p:cNvPr>
@@ -32452,10 +32870,10 @@
           <p:cNvPr id="11" name="Rectangle 10">
             <a:extLst>
               <a:ext uri="{FF2B5EF4-FFF2-40B4-BE49-F238E27FC236}">
-                <a16:creationId xmlns:a16="http://schemas.microsoft.com/office/drawing/2014/main" xmlns="" id="{3FD711E9-7F79-40A9-8D9E-4AE293C154A5}"/>
+                <a16:creationId xmlns="" xmlns:a16="http://schemas.microsoft.com/office/drawing/2014/main" id="{3FD711E9-7F79-40A9-8D9E-4AE293C154A5}"/>
               </a:ext>
               <a:ext uri="{C183D7F6-B498-43B3-948B-1728B52AA6E4}">
-                <adec:decorative xmlns:adec="http://schemas.microsoft.com/office/drawing/2017/decorative" xmlns="" val="1"/>
+                <adec:decorative xmlns="" xmlns:adec="http://schemas.microsoft.com/office/drawing/2017/decorative" val="1"/>
               </a:ext>
             </a:extLst>
           </p:cNvPr>
@@ -32465,7 +32883,7 @@
           <p:nvPr>
             <p:extLst>
               <p:ext uri="{386F3935-93C4-4BCD-93E2-E3B085C9AB24}">
-                <p16:designElem xmlns:p16="http://schemas.microsoft.com/office/powerpoint/2015/main" xmlns="" val="1"/>
+                <p16:designElem xmlns="" xmlns:p16="http://schemas.microsoft.com/office/powerpoint/2015/main" val="1"/>
               </p:ext>
             </p:extLst>
           </p:nvPr>
@@ -32534,7 +32952,7 @@
           <p:cNvPr id="4" name="Slide Number Placeholder 3">
             <a:extLst>
               <a:ext uri="{FF2B5EF4-FFF2-40B4-BE49-F238E27FC236}">
-                <a16:creationId xmlns:a16="http://schemas.microsoft.com/office/drawing/2014/main" xmlns="" id="{8708F1DC-B020-4A80-95EC-488AA0E7D9A8}"/>
+                <a16:creationId xmlns="" xmlns:a16="http://schemas.microsoft.com/office/drawing/2014/main" id="{8708F1DC-B020-4A80-95EC-488AA0E7D9A8}"/>
               </a:ext>
             </a:extLst>
           </p:cNvPr>
@@ -32580,7 +32998,7 @@
           <p:cNvPr id="6" name="Content Placeholder 2">
             <a:extLst>
               <a:ext uri="{FF2B5EF4-FFF2-40B4-BE49-F238E27FC236}">
-                <a16:creationId xmlns:a16="http://schemas.microsoft.com/office/drawing/2014/main" xmlns="" id="{1644A831-BD86-4E9E-AE2D-C3E9B570085C}"/>
+                <a16:creationId xmlns="" xmlns:a16="http://schemas.microsoft.com/office/drawing/2014/main" id="{1644A831-BD86-4E9E-AE2D-C3E9B570085C}"/>
               </a:ext>
             </a:extLst>
           </p:cNvPr>
@@ -32616,6 +33034,13 @@
   <p:clrMapOvr>
     <a:masterClrMapping/>
   </p:clrMapOvr>
+  <p:timing>
+    <p:tnLst>
+      <p:par>
+        <p:cTn id="1" dur="indefinite" restart="never" nodeType="tmRoot"/>
+      </p:par>
+    </p:tnLst>
+  </p:timing>
 </p:sld>
 </file>
 
@@ -32649,10 +33074,10 @@
           <p:cNvPr id="30" name="Rectangle 29">
             <a:extLst>
               <a:ext uri="{FF2B5EF4-FFF2-40B4-BE49-F238E27FC236}">
-                <a16:creationId xmlns:a16="http://schemas.microsoft.com/office/drawing/2014/main" xmlns="" id="{E009DD9B-5EE2-4C0D-8B2B-351C8C102205}"/>
+                <a16:creationId xmlns="" xmlns:a16="http://schemas.microsoft.com/office/drawing/2014/main" id="{E009DD9B-5EE2-4C0D-8B2B-351C8C102205}"/>
               </a:ext>
               <a:ext uri="{C183D7F6-B498-43B3-948B-1728B52AA6E4}">
-                <adec:decorative xmlns:adec="http://schemas.microsoft.com/office/drawing/2017/decorative" xmlns="" val="1"/>
+                <adec:decorative xmlns="" xmlns:adec="http://schemas.microsoft.com/office/drawing/2017/decorative" val="1"/>
               </a:ext>
             </a:extLst>
           </p:cNvPr>
@@ -32662,7 +33087,7 @@
           <p:nvPr>
             <p:extLst>
               <p:ext uri="{386F3935-93C4-4BCD-93E2-E3B085C9AB24}">
-                <p16:designElem xmlns:p16="http://schemas.microsoft.com/office/powerpoint/2015/main" xmlns="" val="1"/>
+                <p16:designElem xmlns="" xmlns:p16="http://schemas.microsoft.com/office/powerpoint/2015/main" val="1"/>
               </p:ext>
             </p:extLst>
           </p:nvPr>
@@ -32738,7 +33163,7 @@
           <p:cNvPr id="6" name="Content Placeholder 5">
             <a:extLst>
               <a:ext uri="{FF2B5EF4-FFF2-40B4-BE49-F238E27FC236}">
-                <a16:creationId xmlns:a16="http://schemas.microsoft.com/office/drawing/2014/main" xmlns="" id="{17486647-9B91-42BC-8343-094BE0C96172}"/>
+                <a16:creationId xmlns="" xmlns:a16="http://schemas.microsoft.com/office/drawing/2014/main" id="{17486647-9B91-42BC-8343-094BE0C96172}"/>
               </a:ext>
             </a:extLst>
           </p:cNvPr>
@@ -32776,10 +33201,10 @@
           <p:cNvPr id="32" name="Rectangle 31">
             <a:extLst>
               <a:ext uri="{FF2B5EF4-FFF2-40B4-BE49-F238E27FC236}">
-                <a16:creationId xmlns:a16="http://schemas.microsoft.com/office/drawing/2014/main" xmlns="" id="{E720DB99-7745-4E75-9D96-AAB6D55C531E}"/>
+                <a16:creationId xmlns="" xmlns:a16="http://schemas.microsoft.com/office/drawing/2014/main" id="{E720DB99-7745-4E75-9D96-AAB6D55C531E}"/>
               </a:ext>
               <a:ext uri="{C183D7F6-B498-43B3-948B-1728B52AA6E4}">
-                <adec:decorative xmlns:adec="http://schemas.microsoft.com/office/drawing/2017/decorative" xmlns="" val="1"/>
+                <adec:decorative xmlns="" xmlns:adec="http://schemas.microsoft.com/office/drawing/2017/decorative" val="1"/>
               </a:ext>
             </a:extLst>
           </p:cNvPr>
@@ -32789,7 +33214,7 @@
           <p:nvPr>
             <p:extLst>
               <p:ext uri="{386F3935-93C4-4BCD-93E2-E3B085C9AB24}">
-                <p16:designElem xmlns:p16="http://schemas.microsoft.com/office/powerpoint/2015/main" xmlns="" val="1"/>
+                <p16:designElem xmlns="" xmlns:p16="http://schemas.microsoft.com/office/powerpoint/2015/main" val="1"/>
               </p:ext>
             </p:extLst>
           </p:nvPr>
@@ -32850,10 +33275,10 @@
           <p:cNvPr id="34" name="Rectangle 33">
             <a:extLst>
               <a:ext uri="{FF2B5EF4-FFF2-40B4-BE49-F238E27FC236}">
-                <a16:creationId xmlns:a16="http://schemas.microsoft.com/office/drawing/2014/main" xmlns="" id="{D68803C4-E159-4360-B7BB-74205C8F782D}"/>
+                <a16:creationId xmlns="" xmlns:a16="http://schemas.microsoft.com/office/drawing/2014/main" id="{D68803C4-E159-4360-B7BB-74205C8F782D}"/>
               </a:ext>
               <a:ext uri="{C183D7F6-B498-43B3-948B-1728B52AA6E4}">
-                <adec:decorative xmlns:adec="http://schemas.microsoft.com/office/drawing/2017/decorative" xmlns="" val="1"/>
+                <adec:decorative xmlns="" xmlns:adec="http://schemas.microsoft.com/office/drawing/2017/decorative" val="1"/>
               </a:ext>
             </a:extLst>
           </p:cNvPr>
@@ -32863,7 +33288,7 @@
           <p:nvPr>
             <p:extLst>
               <p:ext uri="{386F3935-93C4-4BCD-93E2-E3B085C9AB24}">
-                <p16:designElem xmlns:p16="http://schemas.microsoft.com/office/powerpoint/2015/main" xmlns="" val="1"/>
+                <p16:designElem xmlns="" xmlns:p16="http://schemas.microsoft.com/office/powerpoint/2015/main" val="1"/>
               </p:ext>
             </p:extLst>
           </p:nvPr>
@@ -32924,7 +33349,7 @@
           <p:cNvPr id="2" name="Title 1">
             <a:extLst>
               <a:ext uri="{FF2B5EF4-FFF2-40B4-BE49-F238E27FC236}">
-                <a16:creationId xmlns:a16="http://schemas.microsoft.com/office/drawing/2014/main" xmlns="" id="{34D6937F-1795-4A26-A086-A7E90E3686E0}"/>
+                <a16:creationId xmlns="" xmlns:a16="http://schemas.microsoft.com/office/drawing/2014/main" id="{34D6937F-1795-4A26-A086-A7E90E3686E0}"/>
               </a:ext>
             </a:extLst>
           </p:cNvPr>
@@ -32964,7 +33389,7 @@
           <p:cNvPr id="5" name="Picture 4">
             <a:extLst>
               <a:ext uri="{FF2B5EF4-FFF2-40B4-BE49-F238E27FC236}">
-                <a16:creationId xmlns:a16="http://schemas.microsoft.com/office/drawing/2014/main" xmlns="" id="{935AA644-CB53-40D8-A49C-5D27BC1551B3}"/>
+                <a16:creationId xmlns="" xmlns:a16="http://schemas.microsoft.com/office/drawing/2014/main" id="{935AA644-CB53-40D8-A49C-5D27BC1551B3}"/>
               </a:ext>
             </a:extLst>
           </p:cNvPr>
@@ -33000,7 +33425,7 @@
           <p:cNvPr id="7" name="TextBox 6">
             <a:extLst>
               <a:ext uri="{FF2B5EF4-FFF2-40B4-BE49-F238E27FC236}">
-                <a16:creationId xmlns:a16="http://schemas.microsoft.com/office/drawing/2014/main" xmlns="" id="{3CE34ECB-BBCC-4298-ADD7-E9AA474BCF5D}"/>
+                <a16:creationId xmlns="" xmlns:a16="http://schemas.microsoft.com/office/drawing/2014/main" id="{3CE34ECB-BBCC-4298-ADD7-E9AA474BCF5D}"/>
               </a:ext>
             </a:extLst>
           </p:cNvPr>
@@ -33125,10 +33550,10 @@
           <p:cNvPr id="36" name="Rectangle 35">
             <a:extLst>
               <a:ext uri="{FF2B5EF4-FFF2-40B4-BE49-F238E27FC236}">
-                <a16:creationId xmlns:a16="http://schemas.microsoft.com/office/drawing/2014/main" xmlns="" id="{504B0465-3B07-49BF-BEA7-D81476246293}"/>
+                <a16:creationId xmlns="" xmlns:a16="http://schemas.microsoft.com/office/drawing/2014/main" id="{504B0465-3B07-49BF-BEA7-D81476246293}"/>
               </a:ext>
               <a:ext uri="{C183D7F6-B498-43B3-948B-1728B52AA6E4}">
-                <adec:decorative xmlns:adec="http://schemas.microsoft.com/office/drawing/2017/decorative" xmlns="" val="1"/>
+                <adec:decorative xmlns="" xmlns:adec="http://schemas.microsoft.com/office/drawing/2017/decorative" val="1"/>
               </a:ext>
             </a:extLst>
           </p:cNvPr>
@@ -33138,7 +33563,7 @@
           <p:nvPr>
             <p:extLst>
               <p:ext uri="{386F3935-93C4-4BCD-93E2-E3B085C9AB24}">
-                <p16:designElem xmlns:p16="http://schemas.microsoft.com/office/powerpoint/2015/main" xmlns="" val="1"/>
+                <p16:designElem xmlns="" xmlns:p16="http://schemas.microsoft.com/office/powerpoint/2015/main" val="1"/>
               </p:ext>
             </p:extLst>
           </p:nvPr>
@@ -33199,10 +33624,10 @@
           <p:cNvPr id="38" name="Oval 37">
             <a:extLst>
               <a:ext uri="{FF2B5EF4-FFF2-40B4-BE49-F238E27FC236}">
-                <a16:creationId xmlns:a16="http://schemas.microsoft.com/office/drawing/2014/main" xmlns="" id="{49B7FFA5-14CB-4A4F-9BCC-CA3AA5D9D276}"/>
+                <a16:creationId xmlns="" xmlns:a16="http://schemas.microsoft.com/office/drawing/2014/main" id="{49B7FFA5-14CB-4A4F-9BCC-CA3AA5D9D276}"/>
               </a:ext>
               <a:ext uri="{C183D7F6-B498-43B3-948B-1728B52AA6E4}">
-                <adec:decorative xmlns:adec="http://schemas.microsoft.com/office/drawing/2017/decorative" xmlns="" val="1"/>
+                <adec:decorative xmlns="" xmlns:adec="http://schemas.microsoft.com/office/drawing/2017/decorative" val="1"/>
               </a:ext>
             </a:extLst>
           </p:cNvPr>
@@ -33212,7 +33637,7 @@
           <p:nvPr>
             <p:extLst>
               <p:ext uri="{386F3935-93C4-4BCD-93E2-E3B085C9AB24}">
-                <p16:designElem xmlns:p16="http://schemas.microsoft.com/office/powerpoint/2015/main" xmlns="" val="1"/>
+                <p16:designElem xmlns="" xmlns:p16="http://schemas.microsoft.com/office/powerpoint/2015/main" val="1"/>
               </p:ext>
             </p:extLst>
           </p:nvPr>
@@ -33287,10 +33712,10 @@
           <p:cNvPr id="40" name="Oval 39">
             <a:extLst>
               <a:ext uri="{FF2B5EF4-FFF2-40B4-BE49-F238E27FC236}">
-                <a16:creationId xmlns:a16="http://schemas.microsoft.com/office/drawing/2014/main" xmlns="" id="{04E48745-7512-4EC2-9E20-9092D12150CA}"/>
+                <a16:creationId xmlns="" xmlns:a16="http://schemas.microsoft.com/office/drawing/2014/main" id="{04E48745-7512-4EC2-9E20-9092D12150CA}"/>
               </a:ext>
               <a:ext uri="{C183D7F6-B498-43B3-948B-1728B52AA6E4}">
-                <adec:decorative xmlns:adec="http://schemas.microsoft.com/office/drawing/2017/decorative" xmlns="" val="1"/>
+                <adec:decorative xmlns="" xmlns:adec="http://schemas.microsoft.com/office/drawing/2017/decorative" val="1"/>
               </a:ext>
             </a:extLst>
           </p:cNvPr>
@@ -33300,7 +33725,7 @@
           <p:nvPr>
             <p:extLst>
               <p:ext uri="{386F3935-93C4-4BCD-93E2-E3B085C9AB24}">
-                <p16:designElem xmlns:p16="http://schemas.microsoft.com/office/powerpoint/2015/main" xmlns="" val="1"/>
+                <p16:designElem xmlns="" xmlns:p16="http://schemas.microsoft.com/office/powerpoint/2015/main" val="1"/>
               </p:ext>
             </p:extLst>
           </p:nvPr>
@@ -33365,7 +33790,7 @@
           <p:cNvPr id="4" name="Slide Number Placeholder 3">
             <a:extLst>
               <a:ext uri="{FF2B5EF4-FFF2-40B4-BE49-F238E27FC236}">
-                <a16:creationId xmlns:a16="http://schemas.microsoft.com/office/drawing/2014/main" xmlns="" id="{1DB4C6C8-2288-40CD-A066-D74671E2E586}"/>
+                <a16:creationId xmlns="" xmlns:a16="http://schemas.microsoft.com/office/drawing/2014/main" id="{1DB4C6C8-2288-40CD-A066-D74671E2E586}"/>
               </a:ext>
             </a:extLst>
           </p:cNvPr>
@@ -33651,7 +34076,7 @@
   <a:extraClrSchemeLst/>
   <a:extLst>
     <a:ext uri="{05A4C25C-085E-4340-85A3-A5531E510DB2}">
-      <thm15:themeFamily xmlns:thm15="http://schemas.microsoft.com/office/thememl/2012/main" xmlns="" name="Wood Type" id="{7ACABC62-BF99-48CF-A9DC-4DB89C7B13DC}" vid="{142A1326-48AB-42A9-8428-CB14AA30176D}"/>
+      <thm15:themeFamily xmlns="" xmlns:thm15="http://schemas.microsoft.com/office/thememl/2012/main" name="Wood Type" id="{7ACABC62-BF99-48CF-A9DC-4DB89C7B13DC}" vid="{142A1326-48AB-42A9-8428-CB14AA30176D}"/>
     </a:ext>
   </a:extLst>
 </a:theme>

--- a/ROBOTINHO2.pptx
+++ b/ROBOTINHO2.pptx
@@ -123,7 +123,7 @@
   </p:defaultTextStyle>
   <p:extLst>
     <p:ext uri="{EFAFB233-063F-42B5-8137-9DF3F51BA10A}">
-      <p15:sldGuideLst xmlns="" xmlns:p15="http://schemas.microsoft.com/office/powerpoint/2012/main">
+      <p15:sldGuideLst xmlns:p15="http://schemas.microsoft.com/office/powerpoint/2012/main" xmlns="">
         <p15:guide id="1" orient="horz" pos="2160">
           <p15:clr>
             <a:srgbClr val="A4A3A4"/>
@@ -9164,51 +9164,6 @@
         </a:p>
       </dgm:t>
     </dgm:pt>
-    <dgm:pt modelId="{A720F9E3-546D-49BC-9EC2-688391C2BDC0}">
-      <dgm:prSet custT="1"/>
-      <dgm:spPr/>
-      <dgm:t>
-        <a:bodyPr/>
-        <a:lstStyle/>
-        <a:p>
-          <a:r>
-            <a:rPr lang="ro-RO" sz="2900">
-              <a:latin typeface="+mj-lt"/>
-            </a:rPr>
-            <a:t>Jumper pe Rx și GND</a:t>
-          </a:r>
-          <a:endParaRPr lang="en-US" sz="2900" dirty="0">
-            <a:latin typeface="+mj-lt"/>
-          </a:endParaRPr>
-        </a:p>
-      </dgm:t>
-    </dgm:pt>
-    <dgm:pt modelId="{4F7F654E-D325-44CC-8013-BC148363DF01}" type="parTrans" cxnId="{3E328802-8060-4BC6-9F44-F073FA170277}">
-      <dgm:prSet/>
-      <dgm:spPr/>
-      <dgm:t>
-        <a:bodyPr/>
-        <a:lstStyle/>
-        <a:p>
-          <a:endParaRPr lang="en-US">
-            <a:latin typeface="+mj-lt"/>
-          </a:endParaRPr>
-        </a:p>
-      </dgm:t>
-    </dgm:pt>
-    <dgm:pt modelId="{8A7EFD97-D7DF-4669-BB23-5368833D3846}" type="sibTrans" cxnId="{3E328802-8060-4BC6-9F44-F073FA170277}">
-      <dgm:prSet/>
-      <dgm:spPr/>
-      <dgm:t>
-        <a:bodyPr/>
-        <a:lstStyle/>
-        <a:p>
-          <a:endParaRPr lang="en-US">
-            <a:latin typeface="+mj-lt"/>
-          </a:endParaRPr>
-        </a:p>
-      </dgm:t>
-    </dgm:pt>
     <dgm:pt modelId="{6DC0B733-6F89-42E6-A0CF-5644A7D95C80}" type="pres">
       <dgm:prSet presAssocID="{7855EEA3-AC81-46D6-9C9C-AF59444F94D6}" presName="linear" presStyleCnt="0">
         <dgm:presLayoutVars>
@@ -9226,7 +9181,7 @@
       </dgm:t>
     </dgm:pt>
     <dgm:pt modelId="{6C767575-7322-48EA-BD7D-B4B09D6DAF78}" type="pres">
-      <dgm:prSet presAssocID="{F951743D-EB26-4418-92BF-275381F2A202}" presName="parentText" presStyleLbl="node1" presStyleIdx="0" presStyleCnt="5">
+      <dgm:prSet presAssocID="{F951743D-EB26-4418-92BF-275381F2A202}" presName="parentText" presStyleLbl="node1" presStyleIdx="0" presStyleCnt="4">
         <dgm:presLayoutVars>
           <dgm:chMax val="0"/>
           <dgm:bulletEnabled val="1"/>
@@ -9246,7 +9201,7 @@
       <dgm:spPr/>
     </dgm:pt>
     <dgm:pt modelId="{936C126B-C252-4134-91C7-9D0EC8F2F73C}" type="pres">
-      <dgm:prSet presAssocID="{C7A6AA4F-3126-4299-BEDB-202EBAAE2321}" presName="parentText" presStyleLbl="node1" presStyleIdx="1" presStyleCnt="5">
+      <dgm:prSet presAssocID="{C7A6AA4F-3126-4299-BEDB-202EBAAE2321}" presName="parentText" presStyleLbl="node1" presStyleIdx="1" presStyleCnt="4">
         <dgm:presLayoutVars>
           <dgm:chMax val="0"/>
           <dgm:bulletEnabled val="1"/>
@@ -9266,7 +9221,7 @@
       <dgm:spPr/>
     </dgm:pt>
     <dgm:pt modelId="{88AD2171-A5D5-4C09-BEBA-6940C7FFF3AC}" type="pres">
-      <dgm:prSet presAssocID="{B84448D5-FF68-44A9-8F78-EB266F79A8A8}" presName="parentText" presStyleLbl="node1" presStyleIdx="2" presStyleCnt="5">
+      <dgm:prSet presAssocID="{B84448D5-FF68-44A9-8F78-EB266F79A8A8}" presName="parentText" presStyleLbl="node1" presStyleIdx="2" presStyleCnt="4">
         <dgm:presLayoutVars>
           <dgm:chMax val="0"/>
           <dgm:bulletEnabled val="1"/>
@@ -9286,27 +9241,7 @@
       <dgm:spPr/>
     </dgm:pt>
     <dgm:pt modelId="{21EDF1E5-0193-4D20-8771-CDB9280AD48D}" type="pres">
-      <dgm:prSet presAssocID="{7B152193-4EB8-40A9-B180-C8DEABD1109A}" presName="parentText" presStyleLbl="node1" presStyleIdx="3" presStyleCnt="5">
-        <dgm:presLayoutVars>
-          <dgm:chMax val="0"/>
-          <dgm:bulletEnabled val="1"/>
-        </dgm:presLayoutVars>
-      </dgm:prSet>
-      <dgm:spPr/>
-      <dgm:t>
-        <a:bodyPr/>
-        <a:lstStyle/>
-        <a:p>
-          <a:endParaRPr lang="en-US"/>
-        </a:p>
-      </dgm:t>
-    </dgm:pt>
-    <dgm:pt modelId="{27A866AB-2200-4FF7-94BE-8E2A3D07633F}" type="pres">
-      <dgm:prSet presAssocID="{637AAE48-F819-4C53-AAD5-70291C8DDED8}" presName="spacer" presStyleCnt="0"/>
-      <dgm:spPr/>
-    </dgm:pt>
-    <dgm:pt modelId="{A29748BA-1D8F-4E2E-842D-2BB25559DE80}" type="pres">
-      <dgm:prSet presAssocID="{A720F9E3-546D-49BC-9EC2-688391C2BDC0}" presName="parentText" presStyleLbl="node1" presStyleIdx="4" presStyleCnt="5">
+      <dgm:prSet presAssocID="{7B152193-4EB8-40A9-B180-C8DEABD1109A}" presName="parentText" presStyleLbl="node1" presStyleIdx="3" presStyleCnt="4">
         <dgm:presLayoutVars>
           <dgm:chMax val="0"/>
           <dgm:bulletEnabled val="1"/>
@@ -9323,13 +9258,11 @@
     </dgm:pt>
   </dgm:ptLst>
   <dgm:cxnLst>
-    <dgm:cxn modelId="{39F926C0-B4E1-4773-B7E9-AA106898FE49}" type="presOf" srcId="{A720F9E3-546D-49BC-9EC2-688391C2BDC0}" destId="{A29748BA-1D8F-4E2E-842D-2BB25559DE80}" srcOrd="0" destOrd="0" presId="urn:microsoft.com/office/officeart/2005/8/layout/vList2"/>
     <dgm:cxn modelId="{766A4645-9C67-4222-BEF8-A975D8C56D43}" srcId="{7855EEA3-AC81-46D6-9C9C-AF59444F94D6}" destId="{C7A6AA4F-3126-4299-BEDB-202EBAAE2321}" srcOrd="1" destOrd="0" parTransId="{31798406-C66C-46FB-BE94-6C5943F78468}" sibTransId="{C6D7B2AE-73C5-460E-A30C-CBD10C62737E}"/>
     <dgm:cxn modelId="{335A9E30-F65E-4FA1-922A-87F84070C7BE}" type="presOf" srcId="{C7A6AA4F-3126-4299-BEDB-202EBAAE2321}" destId="{936C126B-C252-4134-91C7-9D0EC8F2F73C}" srcOrd="0" destOrd="0" presId="urn:microsoft.com/office/officeart/2005/8/layout/vList2"/>
     <dgm:cxn modelId="{58554DD9-C88A-4053-993E-226A8528B2B0}" srcId="{7855EEA3-AC81-46D6-9C9C-AF59444F94D6}" destId="{7B152193-4EB8-40A9-B180-C8DEABD1109A}" srcOrd="3" destOrd="0" parTransId="{85C8A3B9-E6EA-4778-9B5D-8A98EE933043}" sibTransId="{637AAE48-F819-4C53-AAD5-70291C8DDED8}"/>
     <dgm:cxn modelId="{D71F0CB5-6AFC-4B5C-9C32-266418EF2F66}" type="presOf" srcId="{B84448D5-FF68-44A9-8F78-EB266F79A8A8}" destId="{88AD2171-A5D5-4C09-BEBA-6940C7FFF3AC}" srcOrd="0" destOrd="0" presId="urn:microsoft.com/office/officeart/2005/8/layout/vList2"/>
     <dgm:cxn modelId="{F00F8365-1CFD-47BD-976F-5ECAE2F170B7}" type="presOf" srcId="{7855EEA3-AC81-46D6-9C9C-AF59444F94D6}" destId="{6DC0B733-6F89-42E6-A0CF-5644A7D95C80}" srcOrd="0" destOrd="0" presId="urn:microsoft.com/office/officeart/2005/8/layout/vList2"/>
-    <dgm:cxn modelId="{3E328802-8060-4BC6-9F44-F073FA170277}" srcId="{7855EEA3-AC81-46D6-9C9C-AF59444F94D6}" destId="{A720F9E3-546D-49BC-9EC2-688391C2BDC0}" srcOrd="4" destOrd="0" parTransId="{4F7F654E-D325-44CC-8013-BC148363DF01}" sibTransId="{8A7EFD97-D7DF-4669-BB23-5368833D3846}"/>
     <dgm:cxn modelId="{F130F748-6514-4BD6-8C6F-B0467D69F973}" type="presOf" srcId="{F951743D-EB26-4418-92BF-275381F2A202}" destId="{6C767575-7322-48EA-BD7D-B4B09D6DAF78}" srcOrd="0" destOrd="0" presId="urn:microsoft.com/office/officeart/2005/8/layout/vList2"/>
     <dgm:cxn modelId="{EDEE82B7-27E6-4263-8DB8-50706BCFD87A}" srcId="{7855EEA3-AC81-46D6-9C9C-AF59444F94D6}" destId="{B84448D5-FF68-44A9-8F78-EB266F79A8A8}" srcOrd="2" destOrd="0" parTransId="{AD2366EC-7203-4FAC-ABA7-A7E8F51F76D3}" sibTransId="{0E456035-61D5-42CD-BE41-ACCFA6804CA4}"/>
     <dgm:cxn modelId="{08749A8E-606D-4531-83E2-ABDFBF91792F}" type="presOf" srcId="{7B152193-4EB8-40A9-B180-C8DEABD1109A}" destId="{21EDF1E5-0193-4D20-8771-CDB9280AD48D}" srcOrd="0" destOrd="0" presId="urn:microsoft.com/office/officeart/2005/8/layout/vList2"/>
@@ -9341,8 +9274,6 @@
     <dgm:cxn modelId="{4D8B98AB-22D1-4E3A-ABEB-D92B32228B4D}" type="presParOf" srcId="{6DC0B733-6F89-42E6-A0CF-5644A7D95C80}" destId="{88AD2171-A5D5-4C09-BEBA-6940C7FFF3AC}" srcOrd="4" destOrd="0" presId="urn:microsoft.com/office/officeart/2005/8/layout/vList2"/>
     <dgm:cxn modelId="{D93D883E-B57C-4986-92D6-AC8B4296A9D4}" type="presParOf" srcId="{6DC0B733-6F89-42E6-A0CF-5644A7D95C80}" destId="{8AB83C6E-16C8-47E7-9DE3-D795DA54B5AE}" srcOrd="5" destOrd="0" presId="urn:microsoft.com/office/officeart/2005/8/layout/vList2"/>
     <dgm:cxn modelId="{46CE10DF-B074-4FA7-BCBD-3870EB0000E7}" type="presParOf" srcId="{6DC0B733-6F89-42E6-A0CF-5644A7D95C80}" destId="{21EDF1E5-0193-4D20-8771-CDB9280AD48D}" srcOrd="6" destOrd="0" presId="urn:microsoft.com/office/officeart/2005/8/layout/vList2"/>
-    <dgm:cxn modelId="{BFFD4E0D-D37C-4C19-ABB0-59E3E04CE098}" type="presParOf" srcId="{6DC0B733-6F89-42E6-A0CF-5644A7D95C80}" destId="{27A866AB-2200-4FF7-94BE-8E2A3D07633F}" srcOrd="7" destOrd="0" presId="urn:microsoft.com/office/officeart/2005/8/layout/vList2"/>
-    <dgm:cxn modelId="{2C6A43C4-91C4-4DF7-958E-936836E25A6C}" type="presParOf" srcId="{6DC0B733-6F89-42E6-A0CF-5644A7D95C80}" destId="{A29748BA-1D8F-4E2E-842D-2BB25559DE80}" srcOrd="8" destOrd="0" presId="urn:microsoft.com/office/officeart/2005/8/layout/vList2"/>
   </dgm:cxnLst>
   <dgm:bg/>
   <dgm:whole/>
@@ -11798,8 +11729,8 @@
       </dsp:nvSpPr>
       <dsp:spPr>
         <a:xfrm>
-          <a:off x="0" y="4444"/>
-          <a:ext cx="7543800" cy="678014"/>
+          <a:off x="0" y="13242"/>
+          <a:ext cx="7543800" cy="804960"/>
         </a:xfrm>
         <a:prstGeom prst="roundRect">
           <a:avLst/>
@@ -11868,8 +11799,8 @@
         </a:p>
       </dsp:txBody>
       <dsp:txXfrm>
-        <a:off x="33098" y="37542"/>
-        <a:ext cx="7477604" cy="611818"/>
+        <a:off x="39295" y="52537"/>
+        <a:ext cx="7465210" cy="726370"/>
       </dsp:txXfrm>
     </dsp:sp>
     <dsp:sp modelId="{936C126B-C252-4134-91C7-9D0EC8F2F73C}">
@@ -11879,8 +11810,8 @@
       </dsp:nvSpPr>
       <dsp:spPr>
         <a:xfrm>
-          <a:off x="0" y="737179"/>
-          <a:ext cx="7543800" cy="678014"/>
+          <a:off x="0" y="942042"/>
+          <a:ext cx="7543800" cy="804960"/>
         </a:xfrm>
         <a:prstGeom prst="roundRect">
           <a:avLst/>
@@ -11949,8 +11880,8 @@
         </a:p>
       </dsp:txBody>
       <dsp:txXfrm>
-        <a:off x="33098" y="770277"/>
-        <a:ext cx="7477604" cy="611818"/>
+        <a:off x="39295" y="981337"/>
+        <a:ext cx="7465210" cy="726370"/>
       </dsp:txXfrm>
     </dsp:sp>
     <dsp:sp modelId="{88AD2171-A5D5-4C09-BEBA-6940C7FFF3AC}">
@@ -11960,8 +11891,8 @@
       </dsp:nvSpPr>
       <dsp:spPr>
         <a:xfrm>
-          <a:off x="0" y="1469915"/>
-          <a:ext cx="7543800" cy="678014"/>
+          <a:off x="0" y="1870842"/>
+          <a:ext cx="7543800" cy="804960"/>
         </a:xfrm>
         <a:prstGeom prst="roundRect">
           <a:avLst/>
@@ -12030,8 +11961,8 @@
         </a:p>
       </dsp:txBody>
       <dsp:txXfrm>
-        <a:off x="33098" y="1503013"/>
-        <a:ext cx="7477604" cy="611818"/>
+        <a:off x="39295" y="1910137"/>
+        <a:ext cx="7465210" cy="726370"/>
       </dsp:txXfrm>
     </dsp:sp>
     <dsp:sp modelId="{21EDF1E5-0193-4D20-8771-CDB9280AD48D}">
@@ -12041,8 +11972,8 @@
       </dsp:nvSpPr>
       <dsp:spPr>
         <a:xfrm>
-          <a:off x="0" y="2202650"/>
-          <a:ext cx="7543800" cy="678014"/>
+          <a:off x="0" y="2799642"/>
+          <a:ext cx="7543800" cy="804960"/>
         </a:xfrm>
         <a:prstGeom prst="roundRect">
           <a:avLst/>
@@ -12111,89 +12042,8 @@
         </a:p>
       </dsp:txBody>
       <dsp:txXfrm>
-        <a:off x="33098" y="2235748"/>
-        <a:ext cx="7477604" cy="611818"/>
-      </dsp:txXfrm>
-    </dsp:sp>
-    <dsp:sp modelId="{A29748BA-1D8F-4E2E-842D-2BB25559DE80}">
-      <dsp:nvSpPr>
-        <dsp:cNvPr id="0" name=""/>
-        <dsp:cNvSpPr/>
-      </dsp:nvSpPr>
-      <dsp:spPr>
-        <a:xfrm>
-          <a:off x="0" y="2935385"/>
-          <a:ext cx="7543800" cy="678014"/>
-        </a:xfrm>
-        <a:prstGeom prst="roundRect">
-          <a:avLst/>
-        </a:prstGeom>
-        <a:solidFill>
-          <a:schemeClr val="accent2">
-            <a:hueOff val="0"/>
-            <a:satOff val="0"/>
-            <a:lumOff val="0"/>
-            <a:alphaOff val="0"/>
-          </a:schemeClr>
-        </a:solidFill>
-        <a:ln w="12700" cap="flat" cmpd="sng" algn="ctr">
-          <a:solidFill>
-            <a:schemeClr val="lt1">
-              <a:hueOff val="0"/>
-              <a:satOff val="0"/>
-              <a:lumOff val="0"/>
-              <a:alphaOff val="0"/>
-            </a:schemeClr>
-          </a:solidFill>
-          <a:prstDash val="solid"/>
-        </a:ln>
-        <a:effectLst/>
-      </dsp:spPr>
-      <dsp:style>
-        <a:lnRef idx="2">
-          <a:scrgbClr r="0" g="0" b="0"/>
-        </a:lnRef>
-        <a:fillRef idx="1">
-          <a:scrgbClr r="0" g="0" b="0"/>
-        </a:fillRef>
-        <a:effectRef idx="0">
-          <a:scrgbClr r="0" g="0" b="0"/>
-        </a:effectRef>
-        <a:fontRef idx="minor">
-          <a:schemeClr val="lt1"/>
-        </a:fontRef>
-      </dsp:style>
-      <dsp:txBody>
-        <a:bodyPr spcFirstLastPara="0" vert="horz" wrap="square" lIns="110490" tIns="110490" rIns="110490" bIns="110490" numCol="1" spcCol="1270" anchor="ctr" anchorCtr="0">
-          <a:noAutofit/>
-        </a:bodyPr>
-        <a:lstStyle/>
-        <a:p>
-          <a:pPr lvl="0" algn="l" defTabSz="1289050">
-            <a:lnSpc>
-              <a:spcPct val="90000"/>
-            </a:lnSpc>
-            <a:spcBef>
-              <a:spcPct val="0"/>
-            </a:spcBef>
-            <a:spcAft>
-              <a:spcPct val="35000"/>
-            </a:spcAft>
-          </a:pPr>
-          <a:r>
-            <a:rPr lang="ro-RO" sz="2900" kern="1200">
-              <a:latin typeface="+mj-lt"/>
-            </a:rPr>
-            <a:t>Jumper pe Rx și GND</a:t>
-          </a:r>
-          <a:endParaRPr lang="en-US" sz="2900" kern="1200" dirty="0">
-            <a:latin typeface="+mj-lt"/>
-          </a:endParaRPr>
-        </a:p>
-      </dsp:txBody>
-      <dsp:txXfrm>
-        <a:off x="33098" y="2968483"/>
-        <a:ext cx="7477604" cy="611818"/>
+        <a:off x="39295" y="2838937"/>
+        <a:ext cx="7465210" cy="726370"/>
       </dsp:txXfrm>
     </dsp:sp>
   </dsp:spTree>
@@ -28413,10 +28263,10 @@
           <p:cNvPr id="27" name="Rectangle 26">
             <a:extLst>
               <a:ext uri="{FF2B5EF4-FFF2-40B4-BE49-F238E27FC236}">
-                <a16:creationId xmlns="" xmlns:a16="http://schemas.microsoft.com/office/drawing/2014/main" id="{E009DD9B-5EE2-4C0D-8B2B-351C8C102205}"/>
+                <a16:creationId xmlns:a16="http://schemas.microsoft.com/office/drawing/2014/main" xmlns="" id="{E009DD9B-5EE2-4C0D-8B2B-351C8C102205}"/>
               </a:ext>
               <a:ext uri="{C183D7F6-B498-43B3-948B-1728B52AA6E4}">
-                <adec:decorative xmlns="" xmlns:adec="http://schemas.microsoft.com/office/drawing/2017/decorative" val="1"/>
+                <adec:decorative xmlns:adec="http://schemas.microsoft.com/office/drawing/2017/decorative" xmlns="" val="1"/>
               </a:ext>
             </a:extLst>
           </p:cNvPr>
@@ -28426,7 +28276,7 @@
           <p:nvPr>
             <p:extLst>
               <p:ext uri="{386F3935-93C4-4BCD-93E2-E3B085C9AB24}">
-                <p16:designElem xmlns="" xmlns:p16="http://schemas.microsoft.com/office/powerpoint/2015/main" val="1"/>
+                <p16:designElem xmlns:p16="http://schemas.microsoft.com/office/powerpoint/2015/main" xmlns="" val="1"/>
               </p:ext>
             </p:extLst>
           </p:nvPr>
@@ -28502,10 +28352,10 @@
           <p:cNvPr id="29" name="Rectangle 28">
             <a:extLst>
               <a:ext uri="{FF2B5EF4-FFF2-40B4-BE49-F238E27FC236}">
-                <a16:creationId xmlns="" xmlns:a16="http://schemas.microsoft.com/office/drawing/2014/main" id="{E720DB99-7745-4E75-9D96-AAB6D55C531E}"/>
+                <a16:creationId xmlns:a16="http://schemas.microsoft.com/office/drawing/2014/main" xmlns="" id="{E720DB99-7745-4E75-9D96-AAB6D55C531E}"/>
               </a:ext>
               <a:ext uri="{C183D7F6-B498-43B3-948B-1728B52AA6E4}">
-                <adec:decorative xmlns="" xmlns:adec="http://schemas.microsoft.com/office/drawing/2017/decorative" val="1"/>
+                <adec:decorative xmlns:adec="http://schemas.microsoft.com/office/drawing/2017/decorative" xmlns="" val="1"/>
               </a:ext>
             </a:extLst>
           </p:cNvPr>
@@ -28515,7 +28365,7 @@
           <p:nvPr>
             <p:extLst>
               <p:ext uri="{386F3935-93C4-4BCD-93E2-E3B085C9AB24}">
-                <p16:designElem xmlns="" xmlns:p16="http://schemas.microsoft.com/office/powerpoint/2015/main" val="1"/>
+                <p16:designElem xmlns:p16="http://schemas.microsoft.com/office/powerpoint/2015/main" xmlns="" val="1"/>
               </p:ext>
             </p:extLst>
           </p:nvPr>
@@ -28576,10 +28426,10 @@
           <p:cNvPr id="31" name="Rectangle 30">
             <a:extLst>
               <a:ext uri="{FF2B5EF4-FFF2-40B4-BE49-F238E27FC236}">
-                <a16:creationId xmlns="" xmlns:a16="http://schemas.microsoft.com/office/drawing/2014/main" id="{D68803C4-E159-4360-B7BB-74205C8F782D}"/>
+                <a16:creationId xmlns:a16="http://schemas.microsoft.com/office/drawing/2014/main" xmlns="" id="{D68803C4-E159-4360-B7BB-74205C8F782D}"/>
               </a:ext>
               <a:ext uri="{C183D7F6-B498-43B3-948B-1728B52AA6E4}">
-                <adec:decorative xmlns="" xmlns:adec="http://schemas.microsoft.com/office/drawing/2017/decorative" val="1"/>
+                <adec:decorative xmlns:adec="http://schemas.microsoft.com/office/drawing/2017/decorative" xmlns="" val="1"/>
               </a:ext>
             </a:extLst>
           </p:cNvPr>
@@ -28589,7 +28439,7 @@
           <p:nvPr>
             <p:extLst>
               <p:ext uri="{386F3935-93C4-4BCD-93E2-E3B085C9AB24}">
-                <p16:designElem xmlns="" xmlns:p16="http://schemas.microsoft.com/office/powerpoint/2015/main" val="1"/>
+                <p16:designElem xmlns:p16="http://schemas.microsoft.com/office/powerpoint/2015/main" xmlns="" val="1"/>
               </p:ext>
             </p:extLst>
           </p:nvPr>
@@ -28684,7 +28534,7 @@
           <p:cNvPr id="8" name="Picture 7">
             <a:extLst>
               <a:ext uri="{FF2B5EF4-FFF2-40B4-BE49-F238E27FC236}">
-                <a16:creationId xmlns="" xmlns:a16="http://schemas.microsoft.com/office/drawing/2014/main" id="{AA6F2317-976C-4AA9-8F3A-E1A1BB8D92F4}"/>
+                <a16:creationId xmlns:a16="http://schemas.microsoft.com/office/drawing/2014/main" xmlns="" id="{AA6F2317-976C-4AA9-8F3A-E1A1BB8D92F4}"/>
               </a:ext>
             </a:extLst>
           </p:cNvPr>
@@ -28720,7 +28570,7 @@
           <p:cNvPr id="9" name="TextBox 8">
             <a:extLst>
               <a:ext uri="{FF2B5EF4-FFF2-40B4-BE49-F238E27FC236}">
-                <a16:creationId xmlns="" xmlns:a16="http://schemas.microsoft.com/office/drawing/2014/main" id="{B8CA411E-9A70-468F-8311-B6B05957C2A3}"/>
+                <a16:creationId xmlns:a16="http://schemas.microsoft.com/office/drawing/2014/main" xmlns="" id="{B8CA411E-9A70-468F-8311-B6B05957C2A3}"/>
               </a:ext>
             </a:extLst>
           </p:cNvPr>
@@ -28820,10 +28670,10 @@
           <p:cNvPr id="33" name="Rectangle 32">
             <a:extLst>
               <a:ext uri="{FF2B5EF4-FFF2-40B4-BE49-F238E27FC236}">
-                <a16:creationId xmlns="" xmlns:a16="http://schemas.microsoft.com/office/drawing/2014/main" id="{504B0465-3B07-49BF-BEA7-D81476246293}"/>
+                <a16:creationId xmlns:a16="http://schemas.microsoft.com/office/drawing/2014/main" xmlns="" id="{504B0465-3B07-49BF-BEA7-D81476246293}"/>
               </a:ext>
               <a:ext uri="{C183D7F6-B498-43B3-948B-1728B52AA6E4}">
-                <adec:decorative xmlns="" xmlns:adec="http://schemas.microsoft.com/office/drawing/2017/decorative" val="1"/>
+                <adec:decorative xmlns:adec="http://schemas.microsoft.com/office/drawing/2017/decorative" xmlns="" val="1"/>
               </a:ext>
             </a:extLst>
           </p:cNvPr>
@@ -28833,7 +28683,7 @@
           <p:nvPr>
             <p:extLst>
               <p:ext uri="{386F3935-93C4-4BCD-93E2-E3B085C9AB24}">
-                <p16:designElem xmlns="" xmlns:p16="http://schemas.microsoft.com/office/powerpoint/2015/main" val="1"/>
+                <p16:designElem xmlns:p16="http://schemas.microsoft.com/office/powerpoint/2015/main" xmlns="" val="1"/>
               </p:ext>
             </p:extLst>
           </p:nvPr>
@@ -28894,10 +28744,10 @@
           <p:cNvPr id="35" name="Oval 34">
             <a:extLst>
               <a:ext uri="{FF2B5EF4-FFF2-40B4-BE49-F238E27FC236}">
-                <a16:creationId xmlns="" xmlns:a16="http://schemas.microsoft.com/office/drawing/2014/main" id="{49B7FFA5-14CB-4A4F-9BCC-CA3AA5D9D276}"/>
+                <a16:creationId xmlns:a16="http://schemas.microsoft.com/office/drawing/2014/main" xmlns="" id="{49B7FFA5-14CB-4A4F-9BCC-CA3AA5D9D276}"/>
               </a:ext>
               <a:ext uri="{C183D7F6-B498-43B3-948B-1728B52AA6E4}">
-                <adec:decorative xmlns="" xmlns:adec="http://schemas.microsoft.com/office/drawing/2017/decorative" val="1"/>
+                <adec:decorative xmlns:adec="http://schemas.microsoft.com/office/drawing/2017/decorative" xmlns="" val="1"/>
               </a:ext>
             </a:extLst>
           </p:cNvPr>
@@ -28907,7 +28757,7 @@
           <p:nvPr>
             <p:extLst>
               <p:ext uri="{386F3935-93C4-4BCD-93E2-E3B085C9AB24}">
-                <p16:designElem xmlns="" xmlns:p16="http://schemas.microsoft.com/office/powerpoint/2015/main" val="1"/>
+                <p16:designElem xmlns:p16="http://schemas.microsoft.com/office/powerpoint/2015/main" xmlns="" val="1"/>
               </p:ext>
             </p:extLst>
           </p:nvPr>
@@ -28982,10 +28832,10 @@
           <p:cNvPr id="37" name="Oval 36">
             <a:extLst>
               <a:ext uri="{FF2B5EF4-FFF2-40B4-BE49-F238E27FC236}">
-                <a16:creationId xmlns="" xmlns:a16="http://schemas.microsoft.com/office/drawing/2014/main" id="{04E48745-7512-4EC2-9E20-9092D12150CA}"/>
+                <a16:creationId xmlns:a16="http://schemas.microsoft.com/office/drawing/2014/main" xmlns="" id="{04E48745-7512-4EC2-9E20-9092D12150CA}"/>
               </a:ext>
               <a:ext uri="{C183D7F6-B498-43B3-948B-1728B52AA6E4}">
-                <adec:decorative xmlns="" xmlns:adec="http://schemas.microsoft.com/office/drawing/2017/decorative" val="1"/>
+                <adec:decorative xmlns:adec="http://schemas.microsoft.com/office/drawing/2017/decorative" xmlns="" val="1"/>
               </a:ext>
             </a:extLst>
           </p:cNvPr>
@@ -28995,7 +28845,7 @@
           <p:nvPr>
             <p:extLst>
               <p:ext uri="{386F3935-93C4-4BCD-93E2-E3B085C9AB24}">
-                <p16:designElem xmlns="" xmlns:p16="http://schemas.microsoft.com/office/powerpoint/2015/main" val="1"/>
+                <p16:designElem xmlns:p16="http://schemas.microsoft.com/office/powerpoint/2015/main" xmlns="" val="1"/>
               </p:ext>
             </p:extLst>
           </p:nvPr>
@@ -29209,10 +29059,10 @@
           <p:cNvPr id="11" name="Rectangle 10">
             <a:extLst>
               <a:ext uri="{FF2B5EF4-FFF2-40B4-BE49-F238E27FC236}">
-                <a16:creationId xmlns="" xmlns:a16="http://schemas.microsoft.com/office/drawing/2014/main" id="{3FD711E9-7F79-40A9-8D9E-4AE293C154A5}"/>
+                <a16:creationId xmlns:a16="http://schemas.microsoft.com/office/drawing/2014/main" xmlns="" id="{3FD711E9-7F79-40A9-8D9E-4AE293C154A5}"/>
               </a:ext>
               <a:ext uri="{C183D7F6-B498-43B3-948B-1728B52AA6E4}">
-                <adec:decorative xmlns="" xmlns:adec="http://schemas.microsoft.com/office/drawing/2017/decorative" val="1"/>
+                <adec:decorative xmlns:adec="http://schemas.microsoft.com/office/drawing/2017/decorative" xmlns="" val="1"/>
               </a:ext>
             </a:extLst>
           </p:cNvPr>
@@ -29222,7 +29072,7 @@
           <p:nvPr>
             <p:extLst>
               <p:ext uri="{386F3935-93C4-4BCD-93E2-E3B085C9AB24}">
-                <p16:designElem xmlns="" xmlns:p16="http://schemas.microsoft.com/office/powerpoint/2015/main" val="1"/>
+                <p16:designElem xmlns:p16="http://schemas.microsoft.com/office/powerpoint/2015/main" xmlns="" val="1"/>
               </p:ext>
             </p:extLst>
           </p:nvPr>
@@ -29331,7 +29181,7 @@
           <p:cNvPr id="6" name="Content Placeholder 2">
             <a:extLst>
               <a:ext uri="{FF2B5EF4-FFF2-40B4-BE49-F238E27FC236}">
-                <a16:creationId xmlns="" xmlns:a16="http://schemas.microsoft.com/office/drawing/2014/main" id="{BA86D370-9446-4C17-B6B6-C49901A6AD60}"/>
+                <a16:creationId xmlns:a16="http://schemas.microsoft.com/office/drawing/2014/main" xmlns="" id="{BA86D370-9446-4C17-B6B6-C49901A6AD60}"/>
               </a:ext>
             </a:extLst>
           </p:cNvPr>
@@ -29571,7 +29421,7 @@
           <p:cNvPr id="2" name="Title 1">
             <a:extLst>
               <a:ext uri="{FF2B5EF4-FFF2-40B4-BE49-F238E27FC236}">
-                <a16:creationId xmlns="" xmlns:a16="http://schemas.microsoft.com/office/drawing/2014/main" id="{20171404-870B-4F91-AC7F-6FA08826187D}"/>
+                <a16:creationId xmlns:a16="http://schemas.microsoft.com/office/drawing/2014/main" xmlns="" id="{20171404-870B-4F91-AC7F-6FA08826187D}"/>
               </a:ext>
             </a:extLst>
           </p:cNvPr>
@@ -29607,10 +29457,10 @@
           <p:cNvPr id="35" name="Rectangle 34">
             <a:extLst>
               <a:ext uri="{FF2B5EF4-FFF2-40B4-BE49-F238E27FC236}">
-                <a16:creationId xmlns="" xmlns:a16="http://schemas.microsoft.com/office/drawing/2014/main" id="{3FD711E9-7F79-40A9-8D9E-4AE293C154A5}"/>
+                <a16:creationId xmlns:a16="http://schemas.microsoft.com/office/drawing/2014/main" xmlns="" id="{3FD711E9-7F79-40A9-8D9E-4AE293C154A5}"/>
               </a:ext>
               <a:ext uri="{C183D7F6-B498-43B3-948B-1728B52AA6E4}">
-                <adec:decorative xmlns="" xmlns:adec="http://schemas.microsoft.com/office/drawing/2017/decorative" val="1"/>
+                <adec:decorative xmlns:adec="http://schemas.microsoft.com/office/drawing/2017/decorative" xmlns="" val="1"/>
               </a:ext>
             </a:extLst>
           </p:cNvPr>
@@ -29620,7 +29470,7 @@
           <p:nvPr>
             <p:extLst>
               <p:ext uri="{386F3935-93C4-4BCD-93E2-E3B085C9AB24}">
-                <p16:designElem xmlns="" xmlns:p16="http://schemas.microsoft.com/office/powerpoint/2015/main" val="1"/>
+                <p16:designElem xmlns:p16="http://schemas.microsoft.com/office/powerpoint/2015/main" xmlns="" val="1"/>
               </p:ext>
             </p:extLst>
           </p:nvPr>
@@ -29689,7 +29539,7 @@
           <p:cNvPr id="4" name="Slide Number Placeholder 3">
             <a:extLst>
               <a:ext uri="{FF2B5EF4-FFF2-40B4-BE49-F238E27FC236}">
-                <a16:creationId xmlns="" xmlns:a16="http://schemas.microsoft.com/office/drawing/2014/main" id="{F1040E11-B5E6-446E-AFE8-32067D053762}"/>
+                <a16:creationId xmlns:a16="http://schemas.microsoft.com/office/drawing/2014/main" xmlns="" id="{F1040E11-B5E6-446E-AFE8-32067D053762}"/>
               </a:ext>
             </a:extLst>
           </p:cNvPr>
@@ -29735,7 +29585,7 @@
           <p:cNvPr id="25" name="Content Placeholder 2">
             <a:extLst>
               <a:ext uri="{FF2B5EF4-FFF2-40B4-BE49-F238E27FC236}">
-                <a16:creationId xmlns="" xmlns:a16="http://schemas.microsoft.com/office/drawing/2014/main" id="{C89107A5-AE3E-49D3-87FD-426BC572CEC7}"/>
+                <a16:creationId xmlns:a16="http://schemas.microsoft.com/office/drawing/2014/main" xmlns="" id="{C89107A5-AE3E-49D3-87FD-426BC572CEC7}"/>
               </a:ext>
             </a:extLst>
           </p:cNvPr>
@@ -29746,7 +29596,7 @@
             <p:ph idx="1"/>
             <p:extLst>
               <p:ext uri="{D42A27DB-BD31-4B8C-83A1-F6EECF244321}">
-                <p14:modId xmlns:p14="http://schemas.microsoft.com/office/powerpoint/2010/main" val="1615295570"/>
+                <p14:modId xmlns:p14="http://schemas.microsoft.com/office/powerpoint/2010/main" val="637208880"/>
               </p:ext>
             </p:extLst>
           </p:nvPr>
@@ -29811,7 +29661,7 @@
           <p:cNvPr id="2" name="Title 1">
             <a:extLst>
               <a:ext uri="{FF2B5EF4-FFF2-40B4-BE49-F238E27FC236}">
-                <a16:creationId xmlns="" xmlns:a16="http://schemas.microsoft.com/office/drawing/2014/main" id="{64708F30-220A-49A3-8CDA-ED245F7F9D30}"/>
+                <a16:creationId xmlns:a16="http://schemas.microsoft.com/office/drawing/2014/main" xmlns="" id="{64708F30-220A-49A3-8CDA-ED245F7F9D30}"/>
               </a:ext>
             </a:extLst>
           </p:cNvPr>
@@ -29852,10 +29702,10 @@
           <p:cNvPr id="11" name="Rectangle 10">
             <a:extLst>
               <a:ext uri="{FF2B5EF4-FFF2-40B4-BE49-F238E27FC236}">
-                <a16:creationId xmlns="" xmlns:a16="http://schemas.microsoft.com/office/drawing/2014/main" id="{3FD711E9-7F79-40A9-8D9E-4AE293C154A5}"/>
+                <a16:creationId xmlns:a16="http://schemas.microsoft.com/office/drawing/2014/main" xmlns="" id="{3FD711E9-7F79-40A9-8D9E-4AE293C154A5}"/>
               </a:ext>
               <a:ext uri="{C183D7F6-B498-43B3-948B-1728B52AA6E4}">
-                <adec:decorative xmlns="" xmlns:adec="http://schemas.microsoft.com/office/drawing/2017/decorative" val="1"/>
+                <adec:decorative xmlns:adec="http://schemas.microsoft.com/office/drawing/2017/decorative" xmlns="" val="1"/>
               </a:ext>
             </a:extLst>
           </p:cNvPr>
@@ -29865,7 +29715,7 @@
           <p:nvPr>
             <p:extLst>
               <p:ext uri="{386F3935-93C4-4BCD-93E2-E3B085C9AB24}">
-                <p16:designElem xmlns="" xmlns:p16="http://schemas.microsoft.com/office/powerpoint/2015/main" val="1"/>
+                <p16:designElem xmlns:p16="http://schemas.microsoft.com/office/powerpoint/2015/main" xmlns="" val="1"/>
               </p:ext>
             </p:extLst>
           </p:nvPr>
@@ -29934,7 +29784,7 @@
           <p:cNvPr id="4" name="Slide Number Placeholder 3">
             <a:extLst>
               <a:ext uri="{FF2B5EF4-FFF2-40B4-BE49-F238E27FC236}">
-                <a16:creationId xmlns="" xmlns:a16="http://schemas.microsoft.com/office/drawing/2014/main" id="{4C6ADBB5-F093-43EC-A59C-732582C300EB}"/>
+                <a16:creationId xmlns:a16="http://schemas.microsoft.com/office/drawing/2014/main" xmlns="" id="{4C6ADBB5-F093-43EC-A59C-732582C300EB}"/>
               </a:ext>
             </a:extLst>
           </p:cNvPr>
@@ -29980,7 +29830,7 @@
           <p:cNvPr id="6" name="Content Placeholder 2">
             <a:extLst>
               <a:ext uri="{FF2B5EF4-FFF2-40B4-BE49-F238E27FC236}">
-                <a16:creationId xmlns="" xmlns:a16="http://schemas.microsoft.com/office/drawing/2014/main" id="{EC0F3C5D-82E6-45CF-B860-6486ABF7DA91}"/>
+                <a16:creationId xmlns:a16="http://schemas.microsoft.com/office/drawing/2014/main" xmlns="" id="{EC0F3C5D-82E6-45CF-B860-6486ABF7DA91}"/>
               </a:ext>
             </a:extLst>
           </p:cNvPr>
@@ -30087,10 +29937,10 @@
           <p:cNvPr id="11" name="Rectangle 10">
             <a:extLst>
               <a:ext uri="{FF2B5EF4-FFF2-40B4-BE49-F238E27FC236}">
-                <a16:creationId xmlns="" xmlns:a16="http://schemas.microsoft.com/office/drawing/2014/main" id="{3FD711E9-7F79-40A9-8D9E-4AE293C154A5}"/>
+                <a16:creationId xmlns:a16="http://schemas.microsoft.com/office/drawing/2014/main" xmlns="" id="{3FD711E9-7F79-40A9-8D9E-4AE293C154A5}"/>
               </a:ext>
               <a:ext uri="{C183D7F6-B498-43B3-948B-1728B52AA6E4}">
-                <adec:decorative xmlns="" xmlns:adec="http://schemas.microsoft.com/office/drawing/2017/decorative" val="1"/>
+                <adec:decorative xmlns:adec="http://schemas.microsoft.com/office/drawing/2017/decorative" xmlns="" val="1"/>
               </a:ext>
             </a:extLst>
           </p:cNvPr>
@@ -30100,7 +29950,7 @@
           <p:nvPr>
             <p:extLst>
               <p:ext uri="{386F3935-93C4-4BCD-93E2-E3B085C9AB24}">
-                <p16:designElem xmlns="" xmlns:p16="http://schemas.microsoft.com/office/powerpoint/2015/main" val="1"/>
+                <p16:designElem xmlns:p16="http://schemas.microsoft.com/office/powerpoint/2015/main" xmlns="" val="1"/>
               </p:ext>
             </p:extLst>
           </p:nvPr>
@@ -30209,7 +30059,7 @@
           <p:cNvPr id="6" name="Content Placeholder 2">
             <a:extLst>
               <a:ext uri="{FF2B5EF4-FFF2-40B4-BE49-F238E27FC236}">
-                <a16:creationId xmlns="" xmlns:a16="http://schemas.microsoft.com/office/drawing/2014/main" id="{A9D8E9A4-B308-4EE1-B695-D9C47C0D4F88}"/>
+                <a16:creationId xmlns:a16="http://schemas.microsoft.com/office/drawing/2014/main" xmlns="" id="{A9D8E9A4-B308-4EE1-B695-D9C47C0D4F88}"/>
               </a:ext>
             </a:extLst>
           </p:cNvPr>
@@ -30451,10 +30301,10 @@
           <p:cNvPr id="16" name="Rectangle 15">
             <a:extLst>
               <a:ext uri="{FF2B5EF4-FFF2-40B4-BE49-F238E27FC236}">
-                <a16:creationId xmlns="" xmlns:a16="http://schemas.microsoft.com/office/drawing/2014/main" id="{3FD711E9-7F79-40A9-8D9E-4AE293C154A5}"/>
+                <a16:creationId xmlns:a16="http://schemas.microsoft.com/office/drawing/2014/main" xmlns="" id="{3FD711E9-7F79-40A9-8D9E-4AE293C154A5}"/>
               </a:ext>
               <a:ext uri="{C183D7F6-B498-43B3-948B-1728B52AA6E4}">
-                <adec:decorative xmlns="" xmlns:adec="http://schemas.microsoft.com/office/drawing/2017/decorative" val="1"/>
+                <adec:decorative xmlns:adec="http://schemas.microsoft.com/office/drawing/2017/decorative" xmlns="" val="1"/>
               </a:ext>
             </a:extLst>
           </p:cNvPr>
@@ -30464,7 +30314,7 @@
           <p:nvPr>
             <p:extLst>
               <p:ext uri="{386F3935-93C4-4BCD-93E2-E3B085C9AB24}">
-                <p16:designElem xmlns="" xmlns:p16="http://schemas.microsoft.com/office/powerpoint/2015/main" val="1"/>
+                <p16:designElem xmlns:p16="http://schemas.microsoft.com/office/powerpoint/2015/main" xmlns="" val="1"/>
               </p:ext>
             </p:extLst>
           </p:nvPr>
@@ -30573,7 +30423,7 @@
           <p:cNvPr id="6" name="Content Placeholder 2">
             <a:extLst>
               <a:ext uri="{FF2B5EF4-FFF2-40B4-BE49-F238E27FC236}">
-                <a16:creationId xmlns="" xmlns:a16="http://schemas.microsoft.com/office/drawing/2014/main" id="{6358C9DB-7B63-4876-84D3-25AD0F9ED706}"/>
+                <a16:creationId xmlns:a16="http://schemas.microsoft.com/office/drawing/2014/main" xmlns="" id="{6358C9DB-7B63-4876-84D3-25AD0F9ED706}"/>
               </a:ext>
             </a:extLst>
           </p:cNvPr>
@@ -30641,7 +30491,7 @@
           <p:cNvPr id="2" name="Title 1">
             <a:extLst>
               <a:ext uri="{FF2B5EF4-FFF2-40B4-BE49-F238E27FC236}">
-                <a16:creationId xmlns="" xmlns:a16="http://schemas.microsoft.com/office/drawing/2014/main" id="{70C6D9C5-64E8-4478-BFDC-92235C099C97}"/>
+                <a16:creationId xmlns:a16="http://schemas.microsoft.com/office/drawing/2014/main" xmlns="" id="{70C6D9C5-64E8-4478-BFDC-92235C099C97}"/>
               </a:ext>
             </a:extLst>
           </p:cNvPr>
@@ -30670,7 +30520,7 @@
           <p:cNvPr id="3" name="Content Placeholder 2">
             <a:extLst>
               <a:ext uri="{FF2B5EF4-FFF2-40B4-BE49-F238E27FC236}">
-                <a16:creationId xmlns="" xmlns:a16="http://schemas.microsoft.com/office/drawing/2014/main" id="{473C2F26-4371-43EE-B09C-475656F3393D}"/>
+                <a16:creationId xmlns:a16="http://schemas.microsoft.com/office/drawing/2014/main" xmlns="" id="{473C2F26-4371-43EE-B09C-475656F3393D}"/>
               </a:ext>
             </a:extLst>
           </p:cNvPr>
@@ -30788,7 +30638,7 @@
           <p:cNvPr id="4" name="Slide Number Placeholder 3">
             <a:extLst>
               <a:ext uri="{FF2B5EF4-FFF2-40B4-BE49-F238E27FC236}">
-                <a16:creationId xmlns="" xmlns:a16="http://schemas.microsoft.com/office/drawing/2014/main" id="{543436BA-E81E-4D8F-8F85-125739BAE4ED}"/>
+                <a16:creationId xmlns:a16="http://schemas.microsoft.com/office/drawing/2014/main" xmlns="" id="{543436BA-E81E-4D8F-8F85-125739BAE4ED}"/>
               </a:ext>
             </a:extLst>
           </p:cNvPr>
@@ -31813,10 +31663,10 @@
           <p:cNvPr id="11" name="Rectangle 10">
             <a:extLst>
               <a:ext uri="{FF2B5EF4-FFF2-40B4-BE49-F238E27FC236}">
-                <a16:creationId xmlns="" xmlns:a16="http://schemas.microsoft.com/office/drawing/2014/main" id="{3FD711E9-7F79-40A9-8D9E-4AE293C154A5}"/>
+                <a16:creationId xmlns:a16="http://schemas.microsoft.com/office/drawing/2014/main" xmlns="" id="{3FD711E9-7F79-40A9-8D9E-4AE293C154A5}"/>
               </a:ext>
               <a:ext uri="{C183D7F6-B498-43B3-948B-1728B52AA6E4}">
-                <adec:decorative xmlns="" xmlns:adec="http://schemas.microsoft.com/office/drawing/2017/decorative" val="1"/>
+                <adec:decorative xmlns:adec="http://schemas.microsoft.com/office/drawing/2017/decorative" xmlns="" val="1"/>
               </a:ext>
             </a:extLst>
           </p:cNvPr>
@@ -31826,7 +31676,7 @@
           <p:nvPr>
             <p:extLst>
               <p:ext uri="{386F3935-93C4-4BCD-93E2-E3B085C9AB24}">
-                <p16:designElem xmlns="" xmlns:p16="http://schemas.microsoft.com/office/powerpoint/2015/main" val="1"/>
+                <p16:designElem xmlns:p16="http://schemas.microsoft.com/office/powerpoint/2015/main" xmlns="" val="1"/>
               </p:ext>
             </p:extLst>
           </p:nvPr>
@@ -31935,7 +31785,7 @@
           <p:cNvPr id="6" name="Content Placeholder 2">
             <a:extLst>
               <a:ext uri="{FF2B5EF4-FFF2-40B4-BE49-F238E27FC236}">
-                <a16:creationId xmlns="" xmlns:a16="http://schemas.microsoft.com/office/drawing/2014/main" id="{09B1999A-2394-4784-A78A-D9DD6638CBB1}"/>
+                <a16:creationId xmlns:a16="http://schemas.microsoft.com/office/drawing/2014/main" xmlns="" id="{09B1999A-2394-4784-A78A-D9DD6638CBB1}"/>
               </a:ext>
             </a:extLst>
           </p:cNvPr>
@@ -32011,7 +31861,7 @@
           <p:cNvPr id="2" name="Title 1">
             <a:extLst>
               <a:ext uri="{FF2B5EF4-FFF2-40B4-BE49-F238E27FC236}">
-                <a16:creationId xmlns="" xmlns:a16="http://schemas.microsoft.com/office/drawing/2014/main" id="{5F3B14D9-550A-4603-AE2C-4A235FBBA816}"/>
+                <a16:creationId xmlns:a16="http://schemas.microsoft.com/office/drawing/2014/main" xmlns="" id="{5F3B14D9-550A-4603-AE2C-4A235FBBA816}"/>
               </a:ext>
             </a:extLst>
           </p:cNvPr>
@@ -32052,10 +31902,10 @@
           <p:cNvPr id="16" name="Rectangle 15">
             <a:extLst>
               <a:ext uri="{FF2B5EF4-FFF2-40B4-BE49-F238E27FC236}">
-                <a16:creationId xmlns="" xmlns:a16="http://schemas.microsoft.com/office/drawing/2014/main" id="{3FD711E9-7F79-40A9-8D9E-4AE293C154A5}"/>
+                <a16:creationId xmlns:a16="http://schemas.microsoft.com/office/drawing/2014/main" xmlns="" id="{3FD711E9-7F79-40A9-8D9E-4AE293C154A5}"/>
               </a:ext>
               <a:ext uri="{C183D7F6-B498-43B3-948B-1728B52AA6E4}">
-                <adec:decorative xmlns="" xmlns:adec="http://schemas.microsoft.com/office/drawing/2017/decorative" val="1"/>
+                <adec:decorative xmlns:adec="http://schemas.microsoft.com/office/drawing/2017/decorative" xmlns="" val="1"/>
               </a:ext>
             </a:extLst>
           </p:cNvPr>
@@ -32065,7 +31915,7 @@
           <p:nvPr>
             <p:extLst>
               <p:ext uri="{386F3935-93C4-4BCD-93E2-E3B085C9AB24}">
-                <p16:designElem xmlns="" xmlns:p16="http://schemas.microsoft.com/office/powerpoint/2015/main" val="1"/>
+                <p16:designElem xmlns:p16="http://schemas.microsoft.com/office/powerpoint/2015/main" xmlns="" val="1"/>
               </p:ext>
             </p:extLst>
           </p:nvPr>
@@ -32134,7 +31984,7 @@
           <p:cNvPr id="4" name="Slide Number Placeholder 3">
             <a:extLst>
               <a:ext uri="{FF2B5EF4-FFF2-40B4-BE49-F238E27FC236}">
-                <a16:creationId xmlns="" xmlns:a16="http://schemas.microsoft.com/office/drawing/2014/main" id="{4E707F7B-000B-4ECD-9B77-ECC0C1DD16DD}"/>
+                <a16:creationId xmlns:a16="http://schemas.microsoft.com/office/drawing/2014/main" xmlns="" id="{4E707F7B-000B-4ECD-9B77-ECC0C1DD16DD}"/>
               </a:ext>
             </a:extLst>
           </p:cNvPr>
@@ -32180,7 +32030,7 @@
           <p:cNvPr id="6" name="Content Placeholder 2">
             <a:extLst>
               <a:ext uri="{FF2B5EF4-FFF2-40B4-BE49-F238E27FC236}">
-                <a16:creationId xmlns="" xmlns:a16="http://schemas.microsoft.com/office/drawing/2014/main" id="{59A4307A-0181-4594-977B-4087C0CFBAF8}"/>
+                <a16:creationId xmlns:a16="http://schemas.microsoft.com/office/drawing/2014/main" xmlns="" id="{59A4307A-0181-4594-977B-4087C0CFBAF8}"/>
               </a:ext>
             </a:extLst>
           </p:cNvPr>
@@ -32211,7 +32061,7 @@
           <p:cNvPr id="7" name="Rectangle: Rounded Corners 6">
             <a:extLst>
               <a:ext uri="{FF2B5EF4-FFF2-40B4-BE49-F238E27FC236}">
-                <a16:creationId xmlns="" xmlns:a16="http://schemas.microsoft.com/office/drawing/2014/main" id="{FE7337C6-5EBE-44AA-BA96-13AB2377562C}"/>
+                <a16:creationId xmlns:a16="http://schemas.microsoft.com/office/drawing/2014/main" xmlns="" id="{FE7337C6-5EBE-44AA-BA96-13AB2377562C}"/>
               </a:ext>
             </a:extLst>
           </p:cNvPr>
@@ -32271,7 +32121,7 @@
           <p:cNvPr id="8" name="Rectangle: Rounded Corners 7">
             <a:extLst>
               <a:ext uri="{FF2B5EF4-FFF2-40B4-BE49-F238E27FC236}">
-                <a16:creationId xmlns="" xmlns:a16="http://schemas.microsoft.com/office/drawing/2014/main" id="{BEC78F7D-4F08-42F6-B2D9-847BA362E72E}"/>
+                <a16:creationId xmlns:a16="http://schemas.microsoft.com/office/drawing/2014/main" xmlns="" id="{BEC78F7D-4F08-42F6-B2D9-847BA362E72E}"/>
               </a:ext>
             </a:extLst>
           </p:cNvPr>
@@ -32331,7 +32181,7 @@
           <p:cNvPr id="9" name="Rectangle: Rounded Corners 8">
             <a:extLst>
               <a:ext uri="{FF2B5EF4-FFF2-40B4-BE49-F238E27FC236}">
-                <a16:creationId xmlns="" xmlns:a16="http://schemas.microsoft.com/office/drawing/2014/main" id="{FECA7078-DDED-45FE-BC63-9F2BAA5E13E3}"/>
+                <a16:creationId xmlns:a16="http://schemas.microsoft.com/office/drawing/2014/main" xmlns="" id="{FECA7078-DDED-45FE-BC63-9F2BAA5E13E3}"/>
               </a:ext>
             </a:extLst>
           </p:cNvPr>
@@ -32340,7 +32190,7 @@
         </p:nvSpPr>
         <p:spPr>
           <a:xfrm>
-            <a:off x="6973910" y="3642197"/>
+            <a:off x="6991112" y="3642197"/>
             <a:ext cx="1358310" cy="1134074"/>
           </a:xfrm>
           <a:prstGeom prst="roundRect">
@@ -32436,7 +32286,7 @@
           <p:cNvPr id="2" name="Title 1">
             <a:extLst>
               <a:ext uri="{FF2B5EF4-FFF2-40B4-BE49-F238E27FC236}">
-                <a16:creationId xmlns="" xmlns:a16="http://schemas.microsoft.com/office/drawing/2014/main" id="{4DF4C6AB-EAC5-41E7-A3B5-A1D552590597}"/>
+                <a16:creationId xmlns:a16="http://schemas.microsoft.com/office/drawing/2014/main" xmlns="" id="{4DF4C6AB-EAC5-41E7-A3B5-A1D552590597}"/>
               </a:ext>
             </a:extLst>
           </p:cNvPr>
@@ -32473,10 +32323,10 @@
           <p:cNvPr id="11" name="Rectangle 10">
             <a:extLst>
               <a:ext uri="{FF2B5EF4-FFF2-40B4-BE49-F238E27FC236}">
-                <a16:creationId xmlns="" xmlns:a16="http://schemas.microsoft.com/office/drawing/2014/main" id="{3FD711E9-7F79-40A9-8D9E-4AE293C154A5}"/>
+                <a16:creationId xmlns:a16="http://schemas.microsoft.com/office/drawing/2014/main" xmlns="" id="{3FD711E9-7F79-40A9-8D9E-4AE293C154A5}"/>
               </a:ext>
               <a:ext uri="{C183D7F6-B498-43B3-948B-1728B52AA6E4}">
-                <adec:decorative xmlns="" xmlns:adec="http://schemas.microsoft.com/office/drawing/2017/decorative" val="1"/>
+                <adec:decorative xmlns:adec="http://schemas.microsoft.com/office/drawing/2017/decorative" xmlns="" val="1"/>
               </a:ext>
             </a:extLst>
           </p:cNvPr>
@@ -32486,7 +32336,7 @@
           <p:nvPr>
             <p:extLst>
               <p:ext uri="{386F3935-93C4-4BCD-93E2-E3B085C9AB24}">
-                <p16:designElem xmlns="" xmlns:p16="http://schemas.microsoft.com/office/powerpoint/2015/main" val="1"/>
+                <p16:designElem xmlns:p16="http://schemas.microsoft.com/office/powerpoint/2015/main" xmlns="" val="1"/>
               </p:ext>
             </p:extLst>
           </p:nvPr>
@@ -32555,7 +32405,7 @@
           <p:cNvPr id="4" name="Slide Number Placeholder 3">
             <a:extLst>
               <a:ext uri="{FF2B5EF4-FFF2-40B4-BE49-F238E27FC236}">
-                <a16:creationId xmlns="" xmlns:a16="http://schemas.microsoft.com/office/drawing/2014/main" id="{72C1E673-FCA4-48C9-8D56-03068F07EB13}"/>
+                <a16:creationId xmlns:a16="http://schemas.microsoft.com/office/drawing/2014/main" xmlns="" id="{72C1E673-FCA4-48C9-8D56-03068F07EB13}"/>
               </a:ext>
             </a:extLst>
           </p:cNvPr>
@@ -32601,7 +32451,7 @@
           <p:cNvPr id="6" name="Content Placeholder 2">
             <a:extLst>
               <a:ext uri="{FF2B5EF4-FFF2-40B4-BE49-F238E27FC236}">
-                <a16:creationId xmlns="" xmlns:a16="http://schemas.microsoft.com/office/drawing/2014/main" id="{7917F929-5E38-446A-8EA9-D8E60BEFEF5F}"/>
+                <a16:creationId xmlns:a16="http://schemas.microsoft.com/office/drawing/2014/main" xmlns="" id="{7917F929-5E38-446A-8EA9-D8E60BEFEF5F}"/>
               </a:ext>
             </a:extLst>
           </p:cNvPr>
@@ -32632,7 +32482,7 @@
           <p:cNvPr id="7" name="Rectangle: Rounded Corners 6">
             <a:extLst>
               <a:ext uri="{FF2B5EF4-FFF2-40B4-BE49-F238E27FC236}">
-                <a16:creationId xmlns="" xmlns:a16="http://schemas.microsoft.com/office/drawing/2014/main" id="{06EDBB29-49B8-4490-B86A-45FEED1A3949}"/>
+                <a16:creationId xmlns:a16="http://schemas.microsoft.com/office/drawing/2014/main" xmlns="" id="{06EDBB29-49B8-4490-B86A-45FEED1A3949}"/>
               </a:ext>
             </a:extLst>
           </p:cNvPr>
@@ -32692,7 +32542,7 @@
           <p:cNvPr id="9" name="Rectangle: Rounded Corners 8">
             <a:extLst>
               <a:ext uri="{FF2B5EF4-FFF2-40B4-BE49-F238E27FC236}">
-                <a16:creationId xmlns="" xmlns:a16="http://schemas.microsoft.com/office/drawing/2014/main" id="{D4896989-E6EB-4891-90EB-8AF51A73669A}"/>
+                <a16:creationId xmlns:a16="http://schemas.microsoft.com/office/drawing/2014/main" xmlns="" id="{D4896989-E6EB-4891-90EB-8AF51A73669A}"/>
               </a:ext>
             </a:extLst>
           </p:cNvPr>
@@ -32752,7 +32602,7 @@
           <p:cNvPr id="16" name="Picture 15">
             <a:extLst>
               <a:ext uri="{FF2B5EF4-FFF2-40B4-BE49-F238E27FC236}">
-                <a16:creationId xmlns="" xmlns:a16="http://schemas.microsoft.com/office/drawing/2014/main" id="{62FD4B21-E132-4968-9694-0B0DC2C758D6}"/>
+                <a16:creationId xmlns:a16="http://schemas.microsoft.com/office/drawing/2014/main" xmlns="" id="{62FD4B21-E132-4968-9694-0B0DC2C758D6}"/>
               </a:ext>
             </a:extLst>
           </p:cNvPr>
@@ -32833,7 +32683,7 @@
           <p:cNvPr id="2" name="Title 1">
             <a:extLst>
               <a:ext uri="{FF2B5EF4-FFF2-40B4-BE49-F238E27FC236}">
-                <a16:creationId xmlns="" xmlns:a16="http://schemas.microsoft.com/office/drawing/2014/main" id="{3CFBC153-C83D-4D33-B185-F54768A9773C}"/>
+                <a16:creationId xmlns:a16="http://schemas.microsoft.com/office/drawing/2014/main" xmlns="" id="{3CFBC153-C83D-4D33-B185-F54768A9773C}"/>
               </a:ext>
             </a:extLst>
           </p:cNvPr>
@@ -32870,10 +32720,10 @@
           <p:cNvPr id="11" name="Rectangle 10">
             <a:extLst>
               <a:ext uri="{FF2B5EF4-FFF2-40B4-BE49-F238E27FC236}">
-                <a16:creationId xmlns="" xmlns:a16="http://schemas.microsoft.com/office/drawing/2014/main" id="{3FD711E9-7F79-40A9-8D9E-4AE293C154A5}"/>
+                <a16:creationId xmlns:a16="http://schemas.microsoft.com/office/drawing/2014/main" xmlns="" id="{3FD711E9-7F79-40A9-8D9E-4AE293C154A5}"/>
               </a:ext>
               <a:ext uri="{C183D7F6-B498-43B3-948B-1728B52AA6E4}">
-                <adec:decorative xmlns="" xmlns:adec="http://schemas.microsoft.com/office/drawing/2017/decorative" val="1"/>
+                <adec:decorative xmlns:adec="http://schemas.microsoft.com/office/drawing/2017/decorative" xmlns="" val="1"/>
               </a:ext>
             </a:extLst>
           </p:cNvPr>
@@ -32883,7 +32733,7 @@
           <p:nvPr>
             <p:extLst>
               <p:ext uri="{386F3935-93C4-4BCD-93E2-E3B085C9AB24}">
-                <p16:designElem xmlns="" xmlns:p16="http://schemas.microsoft.com/office/powerpoint/2015/main" val="1"/>
+                <p16:designElem xmlns:p16="http://schemas.microsoft.com/office/powerpoint/2015/main" xmlns="" val="1"/>
               </p:ext>
             </p:extLst>
           </p:nvPr>
@@ -32952,7 +32802,7 @@
           <p:cNvPr id="4" name="Slide Number Placeholder 3">
             <a:extLst>
               <a:ext uri="{FF2B5EF4-FFF2-40B4-BE49-F238E27FC236}">
-                <a16:creationId xmlns="" xmlns:a16="http://schemas.microsoft.com/office/drawing/2014/main" id="{8708F1DC-B020-4A80-95EC-488AA0E7D9A8}"/>
+                <a16:creationId xmlns:a16="http://schemas.microsoft.com/office/drawing/2014/main" xmlns="" id="{8708F1DC-B020-4A80-95EC-488AA0E7D9A8}"/>
               </a:ext>
             </a:extLst>
           </p:cNvPr>
@@ -32998,7 +32848,7 @@
           <p:cNvPr id="6" name="Content Placeholder 2">
             <a:extLst>
               <a:ext uri="{FF2B5EF4-FFF2-40B4-BE49-F238E27FC236}">
-                <a16:creationId xmlns="" xmlns:a16="http://schemas.microsoft.com/office/drawing/2014/main" id="{1644A831-BD86-4E9E-AE2D-C3E9B570085C}"/>
+                <a16:creationId xmlns:a16="http://schemas.microsoft.com/office/drawing/2014/main" xmlns="" id="{1644A831-BD86-4E9E-AE2D-C3E9B570085C}"/>
               </a:ext>
             </a:extLst>
           </p:cNvPr>
@@ -33074,10 +32924,10 @@
           <p:cNvPr id="30" name="Rectangle 29">
             <a:extLst>
               <a:ext uri="{FF2B5EF4-FFF2-40B4-BE49-F238E27FC236}">
-                <a16:creationId xmlns="" xmlns:a16="http://schemas.microsoft.com/office/drawing/2014/main" id="{E009DD9B-5EE2-4C0D-8B2B-351C8C102205}"/>
+                <a16:creationId xmlns:a16="http://schemas.microsoft.com/office/drawing/2014/main" xmlns="" id="{E009DD9B-5EE2-4C0D-8B2B-351C8C102205}"/>
               </a:ext>
               <a:ext uri="{C183D7F6-B498-43B3-948B-1728B52AA6E4}">
-                <adec:decorative xmlns="" xmlns:adec="http://schemas.microsoft.com/office/drawing/2017/decorative" val="1"/>
+                <adec:decorative xmlns:adec="http://schemas.microsoft.com/office/drawing/2017/decorative" xmlns="" val="1"/>
               </a:ext>
             </a:extLst>
           </p:cNvPr>
@@ -33087,7 +32937,7 @@
           <p:nvPr>
             <p:extLst>
               <p:ext uri="{386F3935-93C4-4BCD-93E2-E3B085C9AB24}">
-                <p16:designElem xmlns="" xmlns:p16="http://schemas.microsoft.com/office/powerpoint/2015/main" val="1"/>
+                <p16:designElem xmlns:p16="http://schemas.microsoft.com/office/powerpoint/2015/main" xmlns="" val="1"/>
               </p:ext>
             </p:extLst>
           </p:nvPr>
@@ -33163,7 +33013,7 @@
           <p:cNvPr id="6" name="Content Placeholder 5">
             <a:extLst>
               <a:ext uri="{FF2B5EF4-FFF2-40B4-BE49-F238E27FC236}">
-                <a16:creationId xmlns="" xmlns:a16="http://schemas.microsoft.com/office/drawing/2014/main" id="{17486647-9B91-42BC-8343-094BE0C96172}"/>
+                <a16:creationId xmlns:a16="http://schemas.microsoft.com/office/drawing/2014/main" xmlns="" id="{17486647-9B91-42BC-8343-094BE0C96172}"/>
               </a:ext>
             </a:extLst>
           </p:cNvPr>
@@ -33201,10 +33051,10 @@
           <p:cNvPr id="32" name="Rectangle 31">
             <a:extLst>
               <a:ext uri="{FF2B5EF4-FFF2-40B4-BE49-F238E27FC236}">
-                <a16:creationId xmlns="" xmlns:a16="http://schemas.microsoft.com/office/drawing/2014/main" id="{E720DB99-7745-4E75-9D96-AAB6D55C531E}"/>
+                <a16:creationId xmlns:a16="http://schemas.microsoft.com/office/drawing/2014/main" xmlns="" id="{E720DB99-7745-4E75-9D96-AAB6D55C531E}"/>
               </a:ext>
               <a:ext uri="{C183D7F6-B498-43B3-948B-1728B52AA6E4}">
-                <adec:decorative xmlns="" xmlns:adec="http://schemas.microsoft.com/office/drawing/2017/decorative" val="1"/>
+                <adec:decorative xmlns:adec="http://schemas.microsoft.com/office/drawing/2017/decorative" xmlns="" val="1"/>
               </a:ext>
             </a:extLst>
           </p:cNvPr>
@@ -33214,7 +33064,7 @@
           <p:nvPr>
             <p:extLst>
               <p:ext uri="{386F3935-93C4-4BCD-93E2-E3B085C9AB24}">
-                <p16:designElem xmlns="" xmlns:p16="http://schemas.microsoft.com/office/powerpoint/2015/main" val="1"/>
+                <p16:designElem xmlns:p16="http://schemas.microsoft.com/office/powerpoint/2015/main" xmlns="" val="1"/>
               </p:ext>
             </p:extLst>
           </p:nvPr>
@@ -33275,10 +33125,10 @@
           <p:cNvPr id="34" name="Rectangle 33">
             <a:extLst>
               <a:ext uri="{FF2B5EF4-FFF2-40B4-BE49-F238E27FC236}">
-                <a16:creationId xmlns="" xmlns:a16="http://schemas.microsoft.com/office/drawing/2014/main" id="{D68803C4-E159-4360-B7BB-74205C8F782D}"/>
+                <a16:creationId xmlns:a16="http://schemas.microsoft.com/office/drawing/2014/main" xmlns="" id="{D68803C4-E159-4360-B7BB-74205C8F782D}"/>
               </a:ext>
               <a:ext uri="{C183D7F6-B498-43B3-948B-1728B52AA6E4}">
-                <adec:decorative xmlns="" xmlns:adec="http://schemas.microsoft.com/office/drawing/2017/decorative" val="1"/>
+                <adec:decorative xmlns:adec="http://schemas.microsoft.com/office/drawing/2017/decorative" xmlns="" val="1"/>
               </a:ext>
             </a:extLst>
           </p:cNvPr>
@@ -33288,7 +33138,7 @@
           <p:nvPr>
             <p:extLst>
               <p:ext uri="{386F3935-93C4-4BCD-93E2-E3B085C9AB24}">
-                <p16:designElem xmlns="" xmlns:p16="http://schemas.microsoft.com/office/powerpoint/2015/main" val="1"/>
+                <p16:designElem xmlns:p16="http://schemas.microsoft.com/office/powerpoint/2015/main" xmlns="" val="1"/>
               </p:ext>
             </p:extLst>
           </p:nvPr>
@@ -33349,7 +33199,7 @@
           <p:cNvPr id="2" name="Title 1">
             <a:extLst>
               <a:ext uri="{FF2B5EF4-FFF2-40B4-BE49-F238E27FC236}">
-                <a16:creationId xmlns="" xmlns:a16="http://schemas.microsoft.com/office/drawing/2014/main" id="{34D6937F-1795-4A26-A086-A7E90E3686E0}"/>
+                <a16:creationId xmlns:a16="http://schemas.microsoft.com/office/drawing/2014/main" xmlns="" id="{34D6937F-1795-4A26-A086-A7E90E3686E0}"/>
               </a:ext>
             </a:extLst>
           </p:cNvPr>
@@ -33389,7 +33239,7 @@
           <p:cNvPr id="5" name="Picture 4">
             <a:extLst>
               <a:ext uri="{FF2B5EF4-FFF2-40B4-BE49-F238E27FC236}">
-                <a16:creationId xmlns="" xmlns:a16="http://schemas.microsoft.com/office/drawing/2014/main" id="{935AA644-CB53-40D8-A49C-5D27BC1551B3}"/>
+                <a16:creationId xmlns:a16="http://schemas.microsoft.com/office/drawing/2014/main" xmlns="" id="{935AA644-CB53-40D8-A49C-5D27BC1551B3}"/>
               </a:ext>
             </a:extLst>
           </p:cNvPr>
@@ -33425,7 +33275,7 @@
           <p:cNvPr id="7" name="TextBox 6">
             <a:extLst>
               <a:ext uri="{FF2B5EF4-FFF2-40B4-BE49-F238E27FC236}">
-                <a16:creationId xmlns="" xmlns:a16="http://schemas.microsoft.com/office/drawing/2014/main" id="{3CE34ECB-BBCC-4298-ADD7-E9AA474BCF5D}"/>
+                <a16:creationId xmlns:a16="http://schemas.microsoft.com/office/drawing/2014/main" xmlns="" id="{3CE34ECB-BBCC-4298-ADD7-E9AA474BCF5D}"/>
               </a:ext>
             </a:extLst>
           </p:cNvPr>
@@ -33550,10 +33400,10 @@
           <p:cNvPr id="36" name="Rectangle 35">
             <a:extLst>
               <a:ext uri="{FF2B5EF4-FFF2-40B4-BE49-F238E27FC236}">
-                <a16:creationId xmlns="" xmlns:a16="http://schemas.microsoft.com/office/drawing/2014/main" id="{504B0465-3B07-49BF-BEA7-D81476246293}"/>
+                <a16:creationId xmlns:a16="http://schemas.microsoft.com/office/drawing/2014/main" xmlns="" id="{504B0465-3B07-49BF-BEA7-D81476246293}"/>
               </a:ext>
               <a:ext uri="{C183D7F6-B498-43B3-948B-1728B52AA6E4}">
-                <adec:decorative xmlns="" xmlns:adec="http://schemas.microsoft.com/office/drawing/2017/decorative" val="1"/>
+                <adec:decorative xmlns:adec="http://schemas.microsoft.com/office/drawing/2017/decorative" xmlns="" val="1"/>
               </a:ext>
             </a:extLst>
           </p:cNvPr>
@@ -33563,7 +33413,7 @@
           <p:nvPr>
             <p:extLst>
               <p:ext uri="{386F3935-93C4-4BCD-93E2-E3B085C9AB24}">
-                <p16:designElem xmlns="" xmlns:p16="http://schemas.microsoft.com/office/powerpoint/2015/main" val="1"/>
+                <p16:designElem xmlns:p16="http://schemas.microsoft.com/office/powerpoint/2015/main" xmlns="" val="1"/>
               </p:ext>
             </p:extLst>
           </p:nvPr>
@@ -33624,10 +33474,10 @@
           <p:cNvPr id="38" name="Oval 37">
             <a:extLst>
               <a:ext uri="{FF2B5EF4-FFF2-40B4-BE49-F238E27FC236}">
-                <a16:creationId xmlns="" xmlns:a16="http://schemas.microsoft.com/office/drawing/2014/main" id="{49B7FFA5-14CB-4A4F-9BCC-CA3AA5D9D276}"/>
+                <a16:creationId xmlns:a16="http://schemas.microsoft.com/office/drawing/2014/main" xmlns="" id="{49B7FFA5-14CB-4A4F-9BCC-CA3AA5D9D276}"/>
               </a:ext>
               <a:ext uri="{C183D7F6-B498-43B3-948B-1728B52AA6E4}">
-                <adec:decorative xmlns="" xmlns:adec="http://schemas.microsoft.com/office/drawing/2017/decorative" val="1"/>
+                <adec:decorative xmlns:adec="http://schemas.microsoft.com/office/drawing/2017/decorative" xmlns="" val="1"/>
               </a:ext>
             </a:extLst>
           </p:cNvPr>
@@ -33637,7 +33487,7 @@
           <p:nvPr>
             <p:extLst>
               <p:ext uri="{386F3935-93C4-4BCD-93E2-E3B085C9AB24}">
-                <p16:designElem xmlns="" xmlns:p16="http://schemas.microsoft.com/office/powerpoint/2015/main" val="1"/>
+                <p16:designElem xmlns:p16="http://schemas.microsoft.com/office/powerpoint/2015/main" xmlns="" val="1"/>
               </p:ext>
             </p:extLst>
           </p:nvPr>
@@ -33712,10 +33562,10 @@
           <p:cNvPr id="40" name="Oval 39">
             <a:extLst>
               <a:ext uri="{FF2B5EF4-FFF2-40B4-BE49-F238E27FC236}">
-                <a16:creationId xmlns="" xmlns:a16="http://schemas.microsoft.com/office/drawing/2014/main" id="{04E48745-7512-4EC2-9E20-9092D12150CA}"/>
+                <a16:creationId xmlns:a16="http://schemas.microsoft.com/office/drawing/2014/main" xmlns="" id="{04E48745-7512-4EC2-9E20-9092D12150CA}"/>
               </a:ext>
               <a:ext uri="{C183D7F6-B498-43B3-948B-1728B52AA6E4}">
-                <adec:decorative xmlns="" xmlns:adec="http://schemas.microsoft.com/office/drawing/2017/decorative" val="1"/>
+                <adec:decorative xmlns:adec="http://schemas.microsoft.com/office/drawing/2017/decorative" xmlns="" val="1"/>
               </a:ext>
             </a:extLst>
           </p:cNvPr>
@@ -33725,7 +33575,7 @@
           <p:nvPr>
             <p:extLst>
               <p:ext uri="{386F3935-93C4-4BCD-93E2-E3B085C9AB24}">
-                <p16:designElem xmlns="" xmlns:p16="http://schemas.microsoft.com/office/powerpoint/2015/main" val="1"/>
+                <p16:designElem xmlns:p16="http://schemas.microsoft.com/office/powerpoint/2015/main" xmlns="" val="1"/>
               </p:ext>
             </p:extLst>
           </p:nvPr>
@@ -33790,7 +33640,7 @@
           <p:cNvPr id="4" name="Slide Number Placeholder 3">
             <a:extLst>
               <a:ext uri="{FF2B5EF4-FFF2-40B4-BE49-F238E27FC236}">
-                <a16:creationId xmlns="" xmlns:a16="http://schemas.microsoft.com/office/drawing/2014/main" id="{1DB4C6C8-2288-40CD-A066-D74671E2E586}"/>
+                <a16:creationId xmlns:a16="http://schemas.microsoft.com/office/drawing/2014/main" xmlns="" id="{1DB4C6C8-2288-40CD-A066-D74671E2E586}"/>
               </a:ext>
             </a:extLst>
           </p:cNvPr>
@@ -34076,7 +33926,7 @@
   <a:extraClrSchemeLst/>
   <a:extLst>
     <a:ext uri="{05A4C25C-085E-4340-85A3-A5531E510DB2}">
-      <thm15:themeFamily xmlns="" xmlns:thm15="http://schemas.microsoft.com/office/thememl/2012/main" name="Wood Type" id="{7ACABC62-BF99-48CF-A9DC-4DB89C7B13DC}" vid="{142A1326-48AB-42A9-8428-CB14AA30176D}"/>
+      <thm15:themeFamily xmlns:thm15="http://schemas.microsoft.com/office/thememl/2012/main" xmlns="" name="Wood Type" id="{7ACABC62-BF99-48CF-A9DC-4DB89C7B13DC}" vid="{142A1326-48AB-42A9-8428-CB14AA30176D}"/>
     </a:ext>
   </a:extLst>
 </a:theme>

--- a/ROBOTINHO2.pptx
+++ b/ROBOTINHO2.pptx
@@ -123,7 +123,7 @@
   </p:defaultTextStyle>
   <p:extLst>
     <p:ext uri="{EFAFB233-063F-42B5-8137-9DF3F51BA10A}">
-      <p15:sldGuideLst xmlns:p15="http://schemas.microsoft.com/office/powerpoint/2012/main" xmlns="">
+      <p15:sldGuideLst xmlns="" xmlns:p15="http://schemas.microsoft.com/office/powerpoint/2012/main">
         <p15:guide id="1" orient="horz" pos="2160">
           <p15:clr>
             <a:srgbClr val="A4A3A4"/>
@@ -9289,7 +9289,7 @@
 <dgm:dataModel xmlns:dgm="http://schemas.openxmlformats.org/drawingml/2006/diagram" xmlns:a="http://schemas.openxmlformats.org/drawingml/2006/main">
   <dgm:ptLst>
     <dgm:pt modelId="{41F34C01-CD2A-44CC-8987-34B1BB9D47CD}" type="doc">
-      <dgm:prSet loTypeId="urn:microsoft.com/office/officeart/2005/8/layout/vList2" loCatId="list" qsTypeId="urn:microsoft.com/office/officeart/2005/8/quickstyle/simple1" qsCatId="simple" csTypeId="urn:microsoft.com/office/officeart/2005/8/colors/colorful2" csCatId="colorful"/>
+      <dgm:prSet loTypeId="urn:microsoft.com/office/officeart/2005/8/layout/vList2" loCatId="list" qsTypeId="urn:microsoft.com/office/officeart/2005/8/quickstyle/simple1" qsCatId="simple" csTypeId="urn:microsoft.com/office/officeart/2005/8/colors/colorful2" csCatId="colorful" phldr="1"/>
       <dgm:spPr/>
       <dgm:t>
         <a:bodyPr/>
@@ -9351,9 +9351,49 @@
             <a:rPr lang="ro-RO" sz="3500" dirty="0">
               <a:latin typeface="+mj-lt"/>
             </a:rPr>
-            <a:t>Noi funcționalități</a:t>
+            <a:t>Noi </a:t>
           </a:r>
-          <a:endParaRPr lang="en-US" sz="3500" dirty="0">
+          <a:r>
+            <a:rPr lang="ro-RO" sz="3500" dirty="0" smtClean="0">
+              <a:latin typeface="+mj-lt"/>
+            </a:rPr>
+            <a:t>funcționalități</a:t>
+          </a:r>
+          <a:endParaRPr lang="en-US" sz="3500" dirty="0" smtClean="0">
+            <a:latin typeface="+mj-lt"/>
+          </a:endParaRPr>
+        </a:p>
+        <a:p>
+          <a:r>
+            <a:rPr lang="en-US" sz="3500" dirty="0" smtClean="0">
+              <a:latin typeface="+mj-lt"/>
+            </a:rPr>
+            <a:t>- </a:t>
+          </a:r>
+          <a:r>
+            <a:rPr lang="ro-RO" sz="2400" dirty="0" smtClean="0">
+              <a:latin typeface="+mj-lt"/>
+            </a:rPr>
+            <a:t>Marcarea unui gol într-o poartă</a:t>
+          </a:r>
+          <a:endParaRPr lang="en-US" sz="2400" dirty="0" smtClean="0">
+            <a:latin typeface="+mj-lt"/>
+          </a:endParaRPr>
+        </a:p>
+        <a:p>
+          <a:r>
+            <a:rPr lang="en-US" sz="3500" dirty="0" smtClean="0">
+              <a:latin typeface="+mj-lt"/>
+            </a:rPr>
+            <a:t>- </a:t>
+          </a:r>
+          <a:r>
+            <a:rPr lang="ro-RO" sz="2400" dirty="0" smtClean="0">
+              <a:latin typeface="+mj-lt"/>
+            </a:rPr>
+            <a:t>Interacțiunea cu alți roboți</a:t>
+          </a:r>
+          <a:endParaRPr lang="en-US" sz="2400" dirty="0">
             <a:latin typeface="+mj-lt"/>
           </a:endParaRPr>
         </a:p>
@@ -9388,12 +9428,6 @@
         <a:bodyPr/>
         <a:lstStyle/>
         <a:p>
-          <a:r>
-            <a:rPr lang="ro-RO" sz="2900" dirty="0">
-              <a:latin typeface="+mj-lt"/>
-            </a:rPr>
-            <a:t>Marcarea unui gol într-o poartă</a:t>
-          </a:r>
           <a:endParaRPr lang="en-US" sz="2900" dirty="0">
             <a:latin typeface="+mj-lt"/>
           </a:endParaRPr>
@@ -9412,47 +9446,6 @@
       </dgm:t>
     </dgm:pt>
     <dgm:pt modelId="{1B5157A1-FE6C-4DA4-86A0-E9B09E9E52B9}" type="sibTrans" cxnId="{26FFA022-045A-4897-A67D-02A7A53C6812}">
-      <dgm:prSet/>
-      <dgm:spPr/>
-      <dgm:t>
-        <a:bodyPr/>
-        <a:lstStyle/>
-        <a:p>
-          <a:endParaRPr lang="en-US"/>
-        </a:p>
-      </dgm:t>
-    </dgm:pt>
-    <dgm:pt modelId="{22636358-592C-4D5B-B185-2A3A4FB98654}">
-      <dgm:prSet custT="1"/>
-      <dgm:spPr/>
-      <dgm:t>
-        <a:bodyPr/>
-        <a:lstStyle/>
-        <a:p>
-          <a:r>
-            <a:rPr lang="ro-RO" sz="2900" dirty="0">
-              <a:latin typeface="+mj-lt"/>
-            </a:rPr>
-            <a:t>Interacțiunea cu alți roboți</a:t>
-          </a:r>
-          <a:endParaRPr lang="en-US" sz="2900" dirty="0">
-            <a:latin typeface="+mj-lt"/>
-          </a:endParaRPr>
-        </a:p>
-      </dgm:t>
-    </dgm:pt>
-    <dgm:pt modelId="{EAE06D7B-3BB0-494B-990E-8245BAA27707}" type="parTrans" cxnId="{DBA7FE23-5856-459B-BEDB-4D8B6B2BBBA1}">
-      <dgm:prSet/>
-      <dgm:spPr/>
-      <dgm:t>
-        <a:bodyPr/>
-        <a:lstStyle/>
-        <a:p>
-          <a:endParaRPr lang="en-US"/>
-        </a:p>
-      </dgm:t>
-    </dgm:pt>
-    <dgm:pt modelId="{F7BDE549-8FD2-49F5-98C5-39FEBC04D7CE}" type="sibTrans" cxnId="{DBA7FE23-5856-459B-BEDB-4D8B6B2BBBA1}">
       <dgm:prSet/>
       <dgm:spPr/>
       <dgm:t>
@@ -9521,7 +9514,7 @@
       </dgm:t>
     </dgm:pt>
     <dgm:pt modelId="{1D1553D2-5C97-4FE8-8A7A-96C06D72ACB8}" type="pres">
-      <dgm:prSet presAssocID="{4E56FB32-0340-4318-B42F-5BFCE2E0EA6D}" presName="parentText" presStyleLbl="node1" presStyleIdx="0" presStyleCnt="3">
+      <dgm:prSet presAssocID="{4E56FB32-0340-4318-B42F-5BFCE2E0EA6D}" presName="parentText" presStyleLbl="node1" presStyleIdx="0" presStyleCnt="3" custScaleY="75444" custLinFactY="-8109" custLinFactNeighborX="-32" custLinFactNeighborY="-100000">
         <dgm:presLayoutVars>
           <dgm:chMax val="0"/>
           <dgm:bulletEnabled val="1"/>
@@ -9541,7 +9534,7 @@
       <dgm:spPr/>
     </dgm:pt>
     <dgm:pt modelId="{2F4D5BAA-DB56-4FC1-814C-014C16AFE090}" type="pres">
-      <dgm:prSet presAssocID="{CE31D95A-944F-4F37-B824-9549AADB2612}" presName="parentText" presStyleLbl="node1" presStyleIdx="1" presStyleCnt="3">
+      <dgm:prSet presAssocID="{CE31D95A-944F-4F37-B824-9549AADB2612}" presName="parentText" presStyleLbl="node1" presStyleIdx="1" presStyleCnt="3" custScaleY="173775" custLinFactNeighborX="-32" custLinFactNeighborY="-5081">
         <dgm:presLayoutVars>
           <dgm:chMax val="0"/>
           <dgm:bulletEnabled val="1"/>
@@ -9572,7 +9565,7 @@
       </dgm:t>
     </dgm:pt>
     <dgm:pt modelId="{82D23CF7-896C-48BE-9C4C-950AFEAC9C55}" type="pres">
-      <dgm:prSet presAssocID="{3620740A-17BF-4813-8A55-BAFFDA56A569}" presName="parentText" presStyleLbl="node1" presStyleIdx="2" presStyleCnt="3">
+      <dgm:prSet presAssocID="{3620740A-17BF-4813-8A55-BAFFDA56A569}" presName="parentText" presStyleLbl="node1" presStyleIdx="2" presStyleCnt="3" custScaleY="59349" custLinFactNeighborX="-32" custLinFactNeighborY="6007">
         <dgm:presLayoutVars>
           <dgm:chMax val="0"/>
           <dgm:bulletEnabled val="1"/>
@@ -9589,17 +9582,15 @@
     </dgm:pt>
   </dgm:ptLst>
   <dgm:cxnLst>
+    <dgm:cxn modelId="{582103DA-E2D5-4F5A-A06C-74E08F3BED4F}" type="presOf" srcId="{41F34C01-CD2A-44CC-8987-34B1BB9D47CD}" destId="{FB5AEA8A-28F5-4F94-B0AC-F869364DBC0A}" srcOrd="0" destOrd="0" presId="urn:microsoft.com/office/officeart/2005/8/layout/vList2"/>
+    <dgm:cxn modelId="{6CE21889-7ADC-454A-898C-F793EEDC8E4F}" type="presOf" srcId="{3620740A-17BF-4813-8A55-BAFFDA56A569}" destId="{82D23CF7-896C-48BE-9C4C-950AFEAC9C55}" srcOrd="0" destOrd="0" presId="urn:microsoft.com/office/officeart/2005/8/layout/vList2"/>
+    <dgm:cxn modelId="{E36648C4-AC9B-4802-A007-267EA21A484E}" type="presOf" srcId="{BF57B57B-DE73-4072-92D9-6153430EB547}" destId="{AB1406CC-5633-4172-839C-C5622D9C9DC8}" srcOrd="0" destOrd="0" presId="urn:microsoft.com/office/officeart/2005/8/layout/vList2"/>
+    <dgm:cxn modelId="{C0FA55F2-A807-4EA3-BC28-D2007838AFB0}" srcId="{41F34C01-CD2A-44CC-8987-34B1BB9D47CD}" destId="{4E56FB32-0340-4318-B42F-5BFCE2E0EA6D}" srcOrd="0" destOrd="0" parTransId="{7425AD79-BBCB-49BD-99F5-BA50316AB1A4}" sibTransId="{76335933-4372-402A-9527-97822F7C9517}"/>
+    <dgm:cxn modelId="{7053B45A-ADFD-41E3-AF55-AFCD209E66AD}" type="presOf" srcId="{4E56FB32-0340-4318-B42F-5BFCE2E0EA6D}" destId="{1D1553D2-5C97-4FE8-8A7A-96C06D72ACB8}" srcOrd="0" destOrd="0" presId="urn:microsoft.com/office/officeart/2005/8/layout/vList2"/>
+    <dgm:cxn modelId="{BC72ACB3-95B0-477D-BECC-B94B9D0038DE}" srcId="{41F34C01-CD2A-44CC-8987-34B1BB9D47CD}" destId="{3620740A-17BF-4813-8A55-BAFFDA56A569}" srcOrd="2" destOrd="0" parTransId="{50A910C9-F7D5-4EA9-BD98-ABB8D6B4F112}" sibTransId="{C57148D6-BB96-422C-905B-E4756F3B16B7}"/>
+    <dgm:cxn modelId="{45438F69-6C03-42FB-B141-865D911130F0}" type="presOf" srcId="{CE31D95A-944F-4F37-B824-9549AADB2612}" destId="{2F4D5BAA-DB56-4FC1-814C-014C16AFE090}" srcOrd="0" destOrd="0" presId="urn:microsoft.com/office/officeart/2005/8/layout/vList2"/>
+    <dgm:cxn modelId="{F8F117B2-AB24-4EC7-90AB-745B2B157382}" srcId="{41F34C01-CD2A-44CC-8987-34B1BB9D47CD}" destId="{CE31D95A-944F-4F37-B824-9549AADB2612}" srcOrd="1" destOrd="0" parTransId="{859FEE3C-503B-4FB2-840D-3953BB1D5816}" sibTransId="{C16BAA6E-71FD-48F4-A145-ECC36350ABC8}"/>
     <dgm:cxn modelId="{26FFA022-045A-4897-A67D-02A7A53C6812}" srcId="{CE31D95A-944F-4F37-B824-9549AADB2612}" destId="{BF57B57B-DE73-4072-92D9-6153430EB547}" srcOrd="0" destOrd="0" parTransId="{463DC838-7215-4838-B137-85065A2D8F7F}" sibTransId="{1B5157A1-FE6C-4DA4-86A0-E9B09E9E52B9}"/>
-    <dgm:cxn modelId="{6CE21889-7ADC-454A-898C-F793EEDC8E4F}" type="presOf" srcId="{3620740A-17BF-4813-8A55-BAFFDA56A569}" destId="{82D23CF7-896C-48BE-9C4C-950AFEAC9C55}" srcOrd="0" destOrd="0" presId="urn:microsoft.com/office/officeart/2005/8/layout/vList2"/>
-    <dgm:cxn modelId="{45438F69-6C03-42FB-B141-865D911130F0}" type="presOf" srcId="{CE31D95A-944F-4F37-B824-9549AADB2612}" destId="{2F4D5BAA-DB56-4FC1-814C-014C16AFE090}" srcOrd="0" destOrd="0" presId="urn:microsoft.com/office/officeart/2005/8/layout/vList2"/>
-    <dgm:cxn modelId="{C0FA55F2-A807-4EA3-BC28-D2007838AFB0}" srcId="{41F34C01-CD2A-44CC-8987-34B1BB9D47CD}" destId="{4E56FB32-0340-4318-B42F-5BFCE2E0EA6D}" srcOrd="0" destOrd="0" parTransId="{7425AD79-BBCB-49BD-99F5-BA50316AB1A4}" sibTransId="{76335933-4372-402A-9527-97822F7C9517}"/>
-    <dgm:cxn modelId="{F8F117B2-AB24-4EC7-90AB-745B2B157382}" srcId="{41F34C01-CD2A-44CC-8987-34B1BB9D47CD}" destId="{CE31D95A-944F-4F37-B824-9549AADB2612}" srcOrd="1" destOrd="0" parTransId="{859FEE3C-503B-4FB2-840D-3953BB1D5816}" sibTransId="{C16BAA6E-71FD-48F4-A145-ECC36350ABC8}"/>
-    <dgm:cxn modelId="{E36648C4-AC9B-4802-A007-267EA21A484E}" type="presOf" srcId="{BF57B57B-DE73-4072-92D9-6153430EB547}" destId="{AB1406CC-5633-4172-839C-C5622D9C9DC8}" srcOrd="0" destOrd="0" presId="urn:microsoft.com/office/officeart/2005/8/layout/vList2"/>
-    <dgm:cxn modelId="{7053B45A-ADFD-41E3-AF55-AFCD209E66AD}" type="presOf" srcId="{4E56FB32-0340-4318-B42F-5BFCE2E0EA6D}" destId="{1D1553D2-5C97-4FE8-8A7A-96C06D72ACB8}" srcOrd="0" destOrd="0" presId="urn:microsoft.com/office/officeart/2005/8/layout/vList2"/>
-    <dgm:cxn modelId="{582103DA-E2D5-4F5A-A06C-74E08F3BED4F}" type="presOf" srcId="{41F34C01-CD2A-44CC-8987-34B1BB9D47CD}" destId="{FB5AEA8A-28F5-4F94-B0AC-F869364DBC0A}" srcOrd="0" destOrd="0" presId="urn:microsoft.com/office/officeart/2005/8/layout/vList2"/>
-    <dgm:cxn modelId="{A796BD43-C885-4342-95D4-E805A6486554}" type="presOf" srcId="{22636358-592C-4D5B-B185-2A3A4FB98654}" destId="{AB1406CC-5633-4172-839C-C5622D9C9DC8}" srcOrd="0" destOrd="1" presId="urn:microsoft.com/office/officeart/2005/8/layout/vList2"/>
-    <dgm:cxn modelId="{DBA7FE23-5856-459B-BEDB-4D8B6B2BBBA1}" srcId="{CE31D95A-944F-4F37-B824-9549AADB2612}" destId="{22636358-592C-4D5B-B185-2A3A4FB98654}" srcOrd="1" destOrd="0" parTransId="{EAE06D7B-3BB0-494B-990E-8245BAA27707}" sibTransId="{F7BDE549-8FD2-49F5-98C5-39FEBC04D7CE}"/>
-    <dgm:cxn modelId="{BC72ACB3-95B0-477D-BECC-B94B9D0038DE}" srcId="{41F34C01-CD2A-44CC-8987-34B1BB9D47CD}" destId="{3620740A-17BF-4813-8A55-BAFFDA56A569}" srcOrd="2" destOrd="0" parTransId="{50A910C9-F7D5-4EA9-BD98-ABB8D6B4F112}" sibTransId="{C57148D6-BB96-422C-905B-E4756F3B16B7}"/>
     <dgm:cxn modelId="{7A5F84A6-AD26-406A-8FB0-D32FB38AE3F8}" type="presParOf" srcId="{FB5AEA8A-28F5-4F94-B0AC-F869364DBC0A}" destId="{1D1553D2-5C97-4FE8-8A7A-96C06D72ACB8}" srcOrd="0" destOrd="0" presId="urn:microsoft.com/office/officeart/2005/8/layout/vList2"/>
     <dgm:cxn modelId="{66D981C6-DE4F-4FBB-8E5F-53DBC5CD1B66}" type="presParOf" srcId="{FB5AEA8A-28F5-4F94-B0AC-F869364DBC0A}" destId="{31FA9E4A-E3CE-4E31-97BD-7C9E028B7A6F}" srcOrd="1" destOrd="0" presId="urn:microsoft.com/office/officeart/2005/8/layout/vList2"/>
     <dgm:cxn modelId="{B36AB2FA-6B63-4A52-ADBC-70F8F26B625C}" type="presParOf" srcId="{FB5AEA8A-28F5-4F94-B0AC-F869364DBC0A}" destId="{2F4D5BAA-DB56-4FC1-814C-014C16AFE090}" srcOrd="2" destOrd="0" presId="urn:microsoft.com/office/officeart/2005/8/layout/vList2"/>
@@ -12065,8 +12056,8 @@
       </dsp:nvSpPr>
       <dsp:spPr>
         <a:xfrm>
-          <a:off x="0" y="14772"/>
-          <a:ext cx="7543800" cy="842400"/>
+          <a:off x="0" y="0"/>
+          <a:ext cx="7543800" cy="835129"/>
         </a:xfrm>
         <a:prstGeom prst="roundRect">
           <a:avLst/>
@@ -12135,8 +12126,8 @@
         </a:p>
       </dsp:txBody>
       <dsp:txXfrm>
-        <a:off x="41123" y="55895"/>
-        <a:ext cx="7461554" cy="760154"/>
+        <a:off x="40768" y="40768"/>
+        <a:ext cx="7462264" cy="753593"/>
       </dsp:txXfrm>
     </dsp:sp>
     <dsp:sp modelId="{2F4D5BAA-DB56-4FC1-814C-014C16AFE090}">
@@ -12146,8 +12137,8 @@
       </dsp:nvSpPr>
       <dsp:spPr>
         <a:xfrm>
-          <a:off x="0" y="986772"/>
-          <a:ext cx="7543800" cy="842400"/>
+          <a:off x="0" y="899594"/>
+          <a:ext cx="7543800" cy="1923606"/>
         </a:xfrm>
         <a:prstGeom prst="roundRect">
           <a:avLst/>
@@ -12208,16 +12199,78 @@
             <a:rPr lang="ro-RO" sz="3500" kern="1200" dirty="0">
               <a:latin typeface="+mj-lt"/>
             </a:rPr>
-            <a:t>Noi funcționalități</a:t>
+            <a:t>Noi </a:t>
           </a:r>
-          <a:endParaRPr lang="en-US" sz="3500" kern="1200" dirty="0">
+          <a:r>
+            <a:rPr lang="ro-RO" sz="3500" kern="1200" dirty="0" smtClean="0">
+              <a:latin typeface="+mj-lt"/>
+            </a:rPr>
+            <a:t>funcționalități</a:t>
+          </a:r>
+          <a:endParaRPr lang="en-US" sz="3500" kern="1200" dirty="0" smtClean="0">
+            <a:latin typeface="+mj-lt"/>
+          </a:endParaRPr>
+        </a:p>
+        <a:p>
+          <a:pPr lvl="0" algn="l" defTabSz="1555750">
+            <a:lnSpc>
+              <a:spcPct val="90000"/>
+            </a:lnSpc>
+            <a:spcBef>
+              <a:spcPct val="0"/>
+            </a:spcBef>
+            <a:spcAft>
+              <a:spcPct val="35000"/>
+            </a:spcAft>
+          </a:pPr>
+          <a:r>
+            <a:rPr lang="en-US" sz="3500" kern="1200" dirty="0" smtClean="0">
+              <a:latin typeface="+mj-lt"/>
+            </a:rPr>
+            <a:t>- </a:t>
+          </a:r>
+          <a:r>
+            <a:rPr lang="ro-RO" sz="2400" kern="1200" dirty="0" smtClean="0">
+              <a:latin typeface="+mj-lt"/>
+            </a:rPr>
+            <a:t>Marcarea unui gol într-o poartă</a:t>
+          </a:r>
+          <a:endParaRPr lang="en-US" sz="2400" kern="1200" dirty="0" smtClean="0">
+            <a:latin typeface="+mj-lt"/>
+          </a:endParaRPr>
+        </a:p>
+        <a:p>
+          <a:pPr lvl="0" algn="l" defTabSz="1555750">
+            <a:lnSpc>
+              <a:spcPct val="90000"/>
+            </a:lnSpc>
+            <a:spcBef>
+              <a:spcPct val="0"/>
+            </a:spcBef>
+            <a:spcAft>
+              <a:spcPct val="35000"/>
+            </a:spcAft>
+          </a:pPr>
+          <a:r>
+            <a:rPr lang="en-US" sz="3500" kern="1200" dirty="0" smtClean="0">
+              <a:latin typeface="+mj-lt"/>
+            </a:rPr>
+            <a:t>- </a:t>
+          </a:r>
+          <a:r>
+            <a:rPr lang="ro-RO" sz="2400" kern="1200" dirty="0" smtClean="0">
+              <a:latin typeface="+mj-lt"/>
+            </a:rPr>
+            <a:t>Interacțiunea cu alți roboți</a:t>
+          </a:r>
+          <a:endParaRPr lang="en-US" sz="2400" kern="1200" dirty="0">
             <a:latin typeface="+mj-lt"/>
           </a:endParaRPr>
         </a:p>
       </dsp:txBody>
       <dsp:txXfrm>
-        <a:off x="41123" y="1027895"/>
-        <a:ext cx="7461554" cy="760154"/>
+        <a:off x="93903" y="993497"/>
+        <a:ext cx="7355994" cy="1735800"/>
       </dsp:txXfrm>
     </dsp:sp>
     <dsp:sp modelId="{AB1406CC-5633-4172-839C-C5622D9C9DC8}">
@@ -12227,8 +12280,8 @@
       </dsp:nvSpPr>
       <dsp:spPr>
         <a:xfrm>
-          <a:off x="0" y="1829172"/>
-          <a:ext cx="7543800" cy="931499"/>
+          <a:off x="0" y="2827210"/>
+          <a:ext cx="7543800" cy="78918"/>
         </a:xfrm>
         <a:prstGeom prst="rect">
           <a:avLst/>
@@ -12269,43 +12322,14 @@
             </a:spcAft>
             <a:buChar char="••"/>
           </a:pPr>
-          <a:r>
-            <a:rPr lang="ro-RO" sz="2900" kern="1200" dirty="0">
-              <a:latin typeface="+mj-lt"/>
-            </a:rPr>
-            <a:t>Marcarea unui gol într-o poartă</a:t>
-          </a:r>
-          <a:endParaRPr lang="en-US" sz="2900" kern="1200" dirty="0">
-            <a:latin typeface="+mj-lt"/>
-          </a:endParaRPr>
-        </a:p>
-        <a:p>
-          <a:pPr marL="285750" lvl="1" indent="-285750" algn="l" defTabSz="1289050">
-            <a:lnSpc>
-              <a:spcPct val="90000"/>
-            </a:lnSpc>
-            <a:spcBef>
-              <a:spcPct val="0"/>
-            </a:spcBef>
-            <a:spcAft>
-              <a:spcPct val="20000"/>
-            </a:spcAft>
-            <a:buChar char="••"/>
-          </a:pPr>
-          <a:r>
-            <a:rPr lang="ro-RO" sz="2900" kern="1200" dirty="0">
-              <a:latin typeface="+mj-lt"/>
-            </a:rPr>
-            <a:t>Interacțiunea cu alți roboți</a:t>
-          </a:r>
           <a:endParaRPr lang="en-US" sz="2900" kern="1200" dirty="0">
             <a:latin typeface="+mj-lt"/>
           </a:endParaRPr>
         </a:p>
       </dsp:txBody>
       <dsp:txXfrm>
-        <a:off x="0" y="1829172"/>
-        <a:ext cx="7543800" cy="931499"/>
+        <a:off x="0" y="2827210"/>
+        <a:ext cx="7543800" cy="78918"/>
       </dsp:txXfrm>
     </dsp:sp>
     <dsp:sp modelId="{82D23CF7-896C-48BE-9C4C-950AFEAC9C55}">
@@ -12315,8 +12339,8 @@
       </dsp:nvSpPr>
       <dsp:spPr>
         <a:xfrm>
-          <a:off x="0" y="2760672"/>
-          <a:ext cx="7543800" cy="842400"/>
+          <a:off x="0" y="2910870"/>
+          <a:ext cx="7543800" cy="656965"/>
         </a:xfrm>
         <a:prstGeom prst="roundRect">
           <a:avLst/>
@@ -12385,8 +12409,8 @@
         </a:p>
       </dsp:txBody>
       <dsp:txXfrm>
-        <a:off x="41123" y="2801795"/>
-        <a:ext cx="7461554" cy="760154"/>
+        <a:off x="32070" y="2942940"/>
+        <a:ext cx="7479660" cy="592825"/>
       </dsp:txXfrm>
     </dsp:sp>
   </dsp:spTree>
@@ -28263,10 +28287,10 @@
           <p:cNvPr id="27" name="Rectangle 26">
             <a:extLst>
               <a:ext uri="{FF2B5EF4-FFF2-40B4-BE49-F238E27FC236}">
-                <a16:creationId xmlns:a16="http://schemas.microsoft.com/office/drawing/2014/main" xmlns="" id="{E009DD9B-5EE2-4C0D-8B2B-351C8C102205}"/>
+                <a16:creationId xmlns="" xmlns:a16="http://schemas.microsoft.com/office/drawing/2014/main" id="{E009DD9B-5EE2-4C0D-8B2B-351C8C102205}"/>
               </a:ext>
               <a:ext uri="{C183D7F6-B498-43B3-948B-1728B52AA6E4}">
-                <adec:decorative xmlns:adec="http://schemas.microsoft.com/office/drawing/2017/decorative" xmlns="" val="1"/>
+                <adec:decorative xmlns="" xmlns:adec="http://schemas.microsoft.com/office/drawing/2017/decorative" val="1"/>
               </a:ext>
             </a:extLst>
           </p:cNvPr>
@@ -28276,7 +28300,7 @@
           <p:nvPr>
             <p:extLst>
               <p:ext uri="{386F3935-93C4-4BCD-93E2-E3B085C9AB24}">
-                <p16:designElem xmlns:p16="http://schemas.microsoft.com/office/powerpoint/2015/main" xmlns="" val="1"/>
+                <p16:designElem xmlns="" xmlns:p16="http://schemas.microsoft.com/office/powerpoint/2015/main" val="1"/>
               </p:ext>
             </p:extLst>
           </p:nvPr>
@@ -28352,10 +28376,10 @@
           <p:cNvPr id="29" name="Rectangle 28">
             <a:extLst>
               <a:ext uri="{FF2B5EF4-FFF2-40B4-BE49-F238E27FC236}">
-                <a16:creationId xmlns:a16="http://schemas.microsoft.com/office/drawing/2014/main" xmlns="" id="{E720DB99-7745-4E75-9D96-AAB6D55C531E}"/>
+                <a16:creationId xmlns="" xmlns:a16="http://schemas.microsoft.com/office/drawing/2014/main" id="{E720DB99-7745-4E75-9D96-AAB6D55C531E}"/>
               </a:ext>
               <a:ext uri="{C183D7F6-B498-43B3-948B-1728B52AA6E4}">
-                <adec:decorative xmlns:adec="http://schemas.microsoft.com/office/drawing/2017/decorative" xmlns="" val="1"/>
+                <adec:decorative xmlns="" xmlns:adec="http://schemas.microsoft.com/office/drawing/2017/decorative" val="1"/>
               </a:ext>
             </a:extLst>
           </p:cNvPr>
@@ -28365,7 +28389,7 @@
           <p:nvPr>
             <p:extLst>
               <p:ext uri="{386F3935-93C4-4BCD-93E2-E3B085C9AB24}">
-                <p16:designElem xmlns:p16="http://schemas.microsoft.com/office/powerpoint/2015/main" xmlns="" val="1"/>
+                <p16:designElem xmlns="" xmlns:p16="http://schemas.microsoft.com/office/powerpoint/2015/main" val="1"/>
               </p:ext>
             </p:extLst>
           </p:nvPr>
@@ -28426,10 +28450,10 @@
           <p:cNvPr id="31" name="Rectangle 30">
             <a:extLst>
               <a:ext uri="{FF2B5EF4-FFF2-40B4-BE49-F238E27FC236}">
-                <a16:creationId xmlns:a16="http://schemas.microsoft.com/office/drawing/2014/main" xmlns="" id="{D68803C4-E159-4360-B7BB-74205C8F782D}"/>
+                <a16:creationId xmlns="" xmlns:a16="http://schemas.microsoft.com/office/drawing/2014/main" id="{D68803C4-E159-4360-B7BB-74205C8F782D}"/>
               </a:ext>
               <a:ext uri="{C183D7F6-B498-43B3-948B-1728B52AA6E4}">
-                <adec:decorative xmlns:adec="http://schemas.microsoft.com/office/drawing/2017/decorative" xmlns="" val="1"/>
+                <adec:decorative xmlns="" xmlns:adec="http://schemas.microsoft.com/office/drawing/2017/decorative" val="1"/>
               </a:ext>
             </a:extLst>
           </p:cNvPr>
@@ -28439,7 +28463,7 @@
           <p:nvPr>
             <p:extLst>
               <p:ext uri="{386F3935-93C4-4BCD-93E2-E3B085C9AB24}">
-                <p16:designElem xmlns:p16="http://schemas.microsoft.com/office/powerpoint/2015/main" xmlns="" val="1"/>
+                <p16:designElem xmlns="" xmlns:p16="http://schemas.microsoft.com/office/powerpoint/2015/main" val="1"/>
               </p:ext>
             </p:extLst>
           </p:nvPr>
@@ -28534,7 +28558,7 @@
           <p:cNvPr id="8" name="Picture 7">
             <a:extLst>
               <a:ext uri="{FF2B5EF4-FFF2-40B4-BE49-F238E27FC236}">
-                <a16:creationId xmlns:a16="http://schemas.microsoft.com/office/drawing/2014/main" xmlns="" id="{AA6F2317-976C-4AA9-8F3A-E1A1BB8D92F4}"/>
+                <a16:creationId xmlns="" xmlns:a16="http://schemas.microsoft.com/office/drawing/2014/main" id="{AA6F2317-976C-4AA9-8F3A-E1A1BB8D92F4}"/>
               </a:ext>
             </a:extLst>
           </p:cNvPr>
@@ -28570,7 +28594,7 @@
           <p:cNvPr id="9" name="TextBox 8">
             <a:extLst>
               <a:ext uri="{FF2B5EF4-FFF2-40B4-BE49-F238E27FC236}">
-                <a16:creationId xmlns:a16="http://schemas.microsoft.com/office/drawing/2014/main" xmlns="" id="{B8CA411E-9A70-468F-8311-B6B05957C2A3}"/>
+                <a16:creationId xmlns="" xmlns:a16="http://schemas.microsoft.com/office/drawing/2014/main" id="{B8CA411E-9A70-468F-8311-B6B05957C2A3}"/>
               </a:ext>
             </a:extLst>
           </p:cNvPr>
@@ -28670,10 +28694,10 @@
           <p:cNvPr id="33" name="Rectangle 32">
             <a:extLst>
               <a:ext uri="{FF2B5EF4-FFF2-40B4-BE49-F238E27FC236}">
-                <a16:creationId xmlns:a16="http://schemas.microsoft.com/office/drawing/2014/main" xmlns="" id="{504B0465-3B07-49BF-BEA7-D81476246293}"/>
+                <a16:creationId xmlns="" xmlns:a16="http://schemas.microsoft.com/office/drawing/2014/main" id="{504B0465-3B07-49BF-BEA7-D81476246293}"/>
               </a:ext>
               <a:ext uri="{C183D7F6-B498-43B3-948B-1728B52AA6E4}">
-                <adec:decorative xmlns:adec="http://schemas.microsoft.com/office/drawing/2017/decorative" xmlns="" val="1"/>
+                <adec:decorative xmlns="" xmlns:adec="http://schemas.microsoft.com/office/drawing/2017/decorative" val="1"/>
               </a:ext>
             </a:extLst>
           </p:cNvPr>
@@ -28683,7 +28707,7 @@
           <p:nvPr>
             <p:extLst>
               <p:ext uri="{386F3935-93C4-4BCD-93E2-E3B085C9AB24}">
-                <p16:designElem xmlns:p16="http://schemas.microsoft.com/office/powerpoint/2015/main" xmlns="" val="1"/>
+                <p16:designElem xmlns="" xmlns:p16="http://schemas.microsoft.com/office/powerpoint/2015/main" val="1"/>
               </p:ext>
             </p:extLst>
           </p:nvPr>
@@ -28744,10 +28768,10 @@
           <p:cNvPr id="35" name="Oval 34">
             <a:extLst>
               <a:ext uri="{FF2B5EF4-FFF2-40B4-BE49-F238E27FC236}">
-                <a16:creationId xmlns:a16="http://schemas.microsoft.com/office/drawing/2014/main" xmlns="" id="{49B7FFA5-14CB-4A4F-9BCC-CA3AA5D9D276}"/>
+                <a16:creationId xmlns="" xmlns:a16="http://schemas.microsoft.com/office/drawing/2014/main" id="{49B7FFA5-14CB-4A4F-9BCC-CA3AA5D9D276}"/>
               </a:ext>
               <a:ext uri="{C183D7F6-B498-43B3-948B-1728B52AA6E4}">
-                <adec:decorative xmlns:adec="http://schemas.microsoft.com/office/drawing/2017/decorative" xmlns="" val="1"/>
+                <adec:decorative xmlns="" xmlns:adec="http://schemas.microsoft.com/office/drawing/2017/decorative" val="1"/>
               </a:ext>
             </a:extLst>
           </p:cNvPr>
@@ -28757,7 +28781,7 @@
           <p:nvPr>
             <p:extLst>
               <p:ext uri="{386F3935-93C4-4BCD-93E2-E3B085C9AB24}">
-                <p16:designElem xmlns:p16="http://schemas.microsoft.com/office/powerpoint/2015/main" xmlns="" val="1"/>
+                <p16:designElem xmlns="" xmlns:p16="http://schemas.microsoft.com/office/powerpoint/2015/main" val="1"/>
               </p:ext>
             </p:extLst>
           </p:nvPr>
@@ -28832,10 +28856,10 @@
           <p:cNvPr id="37" name="Oval 36">
             <a:extLst>
               <a:ext uri="{FF2B5EF4-FFF2-40B4-BE49-F238E27FC236}">
-                <a16:creationId xmlns:a16="http://schemas.microsoft.com/office/drawing/2014/main" xmlns="" id="{04E48745-7512-4EC2-9E20-9092D12150CA}"/>
+                <a16:creationId xmlns="" xmlns:a16="http://schemas.microsoft.com/office/drawing/2014/main" id="{04E48745-7512-4EC2-9E20-9092D12150CA}"/>
               </a:ext>
               <a:ext uri="{C183D7F6-B498-43B3-948B-1728B52AA6E4}">
-                <adec:decorative xmlns:adec="http://schemas.microsoft.com/office/drawing/2017/decorative" xmlns="" val="1"/>
+                <adec:decorative xmlns="" xmlns:adec="http://schemas.microsoft.com/office/drawing/2017/decorative" val="1"/>
               </a:ext>
             </a:extLst>
           </p:cNvPr>
@@ -28845,7 +28869,7 @@
           <p:nvPr>
             <p:extLst>
               <p:ext uri="{386F3935-93C4-4BCD-93E2-E3B085C9AB24}">
-                <p16:designElem xmlns:p16="http://schemas.microsoft.com/office/powerpoint/2015/main" xmlns="" val="1"/>
+                <p16:designElem xmlns="" xmlns:p16="http://schemas.microsoft.com/office/powerpoint/2015/main" val="1"/>
               </p:ext>
             </p:extLst>
           </p:nvPr>
@@ -29059,10 +29083,10 @@
           <p:cNvPr id="11" name="Rectangle 10">
             <a:extLst>
               <a:ext uri="{FF2B5EF4-FFF2-40B4-BE49-F238E27FC236}">
-                <a16:creationId xmlns:a16="http://schemas.microsoft.com/office/drawing/2014/main" xmlns="" id="{3FD711E9-7F79-40A9-8D9E-4AE293C154A5}"/>
+                <a16:creationId xmlns="" xmlns:a16="http://schemas.microsoft.com/office/drawing/2014/main" id="{3FD711E9-7F79-40A9-8D9E-4AE293C154A5}"/>
               </a:ext>
               <a:ext uri="{C183D7F6-B498-43B3-948B-1728B52AA6E4}">
-                <adec:decorative xmlns:adec="http://schemas.microsoft.com/office/drawing/2017/decorative" xmlns="" val="1"/>
+                <adec:decorative xmlns="" xmlns:adec="http://schemas.microsoft.com/office/drawing/2017/decorative" val="1"/>
               </a:ext>
             </a:extLst>
           </p:cNvPr>
@@ -29072,7 +29096,7 @@
           <p:nvPr>
             <p:extLst>
               <p:ext uri="{386F3935-93C4-4BCD-93E2-E3B085C9AB24}">
-                <p16:designElem xmlns:p16="http://schemas.microsoft.com/office/powerpoint/2015/main" xmlns="" val="1"/>
+                <p16:designElem xmlns="" xmlns:p16="http://schemas.microsoft.com/office/powerpoint/2015/main" val="1"/>
               </p:ext>
             </p:extLst>
           </p:nvPr>
@@ -29181,7 +29205,7 @@
           <p:cNvPr id="6" name="Content Placeholder 2">
             <a:extLst>
               <a:ext uri="{FF2B5EF4-FFF2-40B4-BE49-F238E27FC236}">
-                <a16:creationId xmlns:a16="http://schemas.microsoft.com/office/drawing/2014/main" xmlns="" id="{BA86D370-9446-4C17-B6B6-C49901A6AD60}"/>
+                <a16:creationId xmlns="" xmlns:a16="http://schemas.microsoft.com/office/drawing/2014/main" id="{BA86D370-9446-4C17-B6B6-C49901A6AD60}"/>
               </a:ext>
             </a:extLst>
           </p:cNvPr>
@@ -29421,7 +29445,7 @@
           <p:cNvPr id="2" name="Title 1">
             <a:extLst>
               <a:ext uri="{FF2B5EF4-FFF2-40B4-BE49-F238E27FC236}">
-                <a16:creationId xmlns:a16="http://schemas.microsoft.com/office/drawing/2014/main" xmlns="" id="{20171404-870B-4F91-AC7F-6FA08826187D}"/>
+                <a16:creationId xmlns="" xmlns:a16="http://schemas.microsoft.com/office/drawing/2014/main" id="{20171404-870B-4F91-AC7F-6FA08826187D}"/>
               </a:ext>
             </a:extLst>
           </p:cNvPr>
@@ -29457,10 +29481,10 @@
           <p:cNvPr id="35" name="Rectangle 34">
             <a:extLst>
               <a:ext uri="{FF2B5EF4-FFF2-40B4-BE49-F238E27FC236}">
-                <a16:creationId xmlns:a16="http://schemas.microsoft.com/office/drawing/2014/main" xmlns="" id="{3FD711E9-7F79-40A9-8D9E-4AE293C154A5}"/>
+                <a16:creationId xmlns="" xmlns:a16="http://schemas.microsoft.com/office/drawing/2014/main" id="{3FD711E9-7F79-40A9-8D9E-4AE293C154A5}"/>
               </a:ext>
               <a:ext uri="{C183D7F6-B498-43B3-948B-1728B52AA6E4}">
-                <adec:decorative xmlns:adec="http://schemas.microsoft.com/office/drawing/2017/decorative" xmlns="" val="1"/>
+                <adec:decorative xmlns="" xmlns:adec="http://schemas.microsoft.com/office/drawing/2017/decorative" val="1"/>
               </a:ext>
             </a:extLst>
           </p:cNvPr>
@@ -29470,7 +29494,7 @@
           <p:nvPr>
             <p:extLst>
               <p:ext uri="{386F3935-93C4-4BCD-93E2-E3B085C9AB24}">
-                <p16:designElem xmlns:p16="http://schemas.microsoft.com/office/powerpoint/2015/main" xmlns="" val="1"/>
+                <p16:designElem xmlns="" xmlns:p16="http://schemas.microsoft.com/office/powerpoint/2015/main" val="1"/>
               </p:ext>
             </p:extLst>
           </p:nvPr>
@@ -29539,7 +29563,7 @@
           <p:cNvPr id="4" name="Slide Number Placeholder 3">
             <a:extLst>
               <a:ext uri="{FF2B5EF4-FFF2-40B4-BE49-F238E27FC236}">
-                <a16:creationId xmlns:a16="http://schemas.microsoft.com/office/drawing/2014/main" xmlns="" id="{F1040E11-B5E6-446E-AFE8-32067D053762}"/>
+                <a16:creationId xmlns="" xmlns:a16="http://schemas.microsoft.com/office/drawing/2014/main" id="{F1040E11-B5E6-446E-AFE8-32067D053762}"/>
               </a:ext>
             </a:extLst>
           </p:cNvPr>
@@ -29585,7 +29609,7 @@
           <p:cNvPr id="25" name="Content Placeholder 2">
             <a:extLst>
               <a:ext uri="{FF2B5EF4-FFF2-40B4-BE49-F238E27FC236}">
-                <a16:creationId xmlns:a16="http://schemas.microsoft.com/office/drawing/2014/main" xmlns="" id="{C89107A5-AE3E-49D3-87FD-426BC572CEC7}"/>
+                <a16:creationId xmlns="" xmlns:a16="http://schemas.microsoft.com/office/drawing/2014/main" id="{C89107A5-AE3E-49D3-87FD-426BC572CEC7}"/>
               </a:ext>
             </a:extLst>
           </p:cNvPr>
@@ -29661,7 +29685,7 @@
           <p:cNvPr id="2" name="Title 1">
             <a:extLst>
               <a:ext uri="{FF2B5EF4-FFF2-40B4-BE49-F238E27FC236}">
-                <a16:creationId xmlns:a16="http://schemas.microsoft.com/office/drawing/2014/main" xmlns="" id="{64708F30-220A-49A3-8CDA-ED245F7F9D30}"/>
+                <a16:creationId xmlns="" xmlns:a16="http://schemas.microsoft.com/office/drawing/2014/main" id="{64708F30-220A-49A3-8CDA-ED245F7F9D30}"/>
               </a:ext>
             </a:extLst>
           </p:cNvPr>
@@ -29702,10 +29726,10 @@
           <p:cNvPr id="11" name="Rectangle 10">
             <a:extLst>
               <a:ext uri="{FF2B5EF4-FFF2-40B4-BE49-F238E27FC236}">
-                <a16:creationId xmlns:a16="http://schemas.microsoft.com/office/drawing/2014/main" xmlns="" id="{3FD711E9-7F79-40A9-8D9E-4AE293C154A5}"/>
+                <a16:creationId xmlns="" xmlns:a16="http://schemas.microsoft.com/office/drawing/2014/main" id="{3FD711E9-7F79-40A9-8D9E-4AE293C154A5}"/>
               </a:ext>
               <a:ext uri="{C183D7F6-B498-43B3-948B-1728B52AA6E4}">
-                <adec:decorative xmlns:adec="http://schemas.microsoft.com/office/drawing/2017/decorative" xmlns="" val="1"/>
+                <adec:decorative xmlns="" xmlns:adec="http://schemas.microsoft.com/office/drawing/2017/decorative" val="1"/>
               </a:ext>
             </a:extLst>
           </p:cNvPr>
@@ -29715,7 +29739,7 @@
           <p:nvPr>
             <p:extLst>
               <p:ext uri="{386F3935-93C4-4BCD-93E2-E3B085C9AB24}">
-                <p16:designElem xmlns:p16="http://schemas.microsoft.com/office/powerpoint/2015/main" xmlns="" val="1"/>
+                <p16:designElem xmlns="" xmlns:p16="http://schemas.microsoft.com/office/powerpoint/2015/main" val="1"/>
               </p:ext>
             </p:extLst>
           </p:nvPr>
@@ -29784,7 +29808,7 @@
           <p:cNvPr id="4" name="Slide Number Placeholder 3">
             <a:extLst>
               <a:ext uri="{FF2B5EF4-FFF2-40B4-BE49-F238E27FC236}">
-                <a16:creationId xmlns:a16="http://schemas.microsoft.com/office/drawing/2014/main" xmlns="" id="{4C6ADBB5-F093-43EC-A59C-732582C300EB}"/>
+                <a16:creationId xmlns="" xmlns:a16="http://schemas.microsoft.com/office/drawing/2014/main" id="{4C6ADBB5-F093-43EC-A59C-732582C300EB}"/>
               </a:ext>
             </a:extLst>
           </p:cNvPr>
@@ -29830,7 +29854,7 @@
           <p:cNvPr id="6" name="Content Placeholder 2">
             <a:extLst>
               <a:ext uri="{FF2B5EF4-FFF2-40B4-BE49-F238E27FC236}">
-                <a16:creationId xmlns:a16="http://schemas.microsoft.com/office/drawing/2014/main" xmlns="" id="{EC0F3C5D-82E6-45CF-B860-6486ABF7DA91}"/>
+                <a16:creationId xmlns="" xmlns:a16="http://schemas.microsoft.com/office/drawing/2014/main" id="{EC0F3C5D-82E6-45CF-B860-6486ABF7DA91}"/>
               </a:ext>
             </a:extLst>
           </p:cNvPr>
@@ -29841,7 +29865,7 @@
             <p:ph idx="1"/>
             <p:extLst>
               <p:ext uri="{D42A27DB-BD31-4B8C-83A1-F6EECF244321}">
-                <p14:modId xmlns:p14="http://schemas.microsoft.com/office/powerpoint/2010/main" val="2368017703"/>
+                <p14:modId xmlns:p14="http://schemas.microsoft.com/office/powerpoint/2010/main" val="435523783"/>
               </p:ext>
             </p:extLst>
           </p:nvPr>
@@ -29937,10 +29961,10 @@
           <p:cNvPr id="11" name="Rectangle 10">
             <a:extLst>
               <a:ext uri="{FF2B5EF4-FFF2-40B4-BE49-F238E27FC236}">
-                <a16:creationId xmlns:a16="http://schemas.microsoft.com/office/drawing/2014/main" xmlns="" id="{3FD711E9-7F79-40A9-8D9E-4AE293C154A5}"/>
+                <a16:creationId xmlns="" xmlns:a16="http://schemas.microsoft.com/office/drawing/2014/main" id="{3FD711E9-7F79-40A9-8D9E-4AE293C154A5}"/>
               </a:ext>
               <a:ext uri="{C183D7F6-B498-43B3-948B-1728B52AA6E4}">
-                <adec:decorative xmlns:adec="http://schemas.microsoft.com/office/drawing/2017/decorative" xmlns="" val="1"/>
+                <adec:decorative xmlns="" xmlns:adec="http://schemas.microsoft.com/office/drawing/2017/decorative" val="1"/>
               </a:ext>
             </a:extLst>
           </p:cNvPr>
@@ -29950,7 +29974,7 @@
           <p:nvPr>
             <p:extLst>
               <p:ext uri="{386F3935-93C4-4BCD-93E2-E3B085C9AB24}">
-                <p16:designElem xmlns:p16="http://schemas.microsoft.com/office/powerpoint/2015/main" xmlns="" val="1"/>
+                <p16:designElem xmlns="" xmlns:p16="http://schemas.microsoft.com/office/powerpoint/2015/main" val="1"/>
               </p:ext>
             </p:extLst>
           </p:nvPr>
@@ -30059,7 +30083,7 @@
           <p:cNvPr id="6" name="Content Placeholder 2">
             <a:extLst>
               <a:ext uri="{FF2B5EF4-FFF2-40B4-BE49-F238E27FC236}">
-                <a16:creationId xmlns:a16="http://schemas.microsoft.com/office/drawing/2014/main" xmlns="" id="{A9D8E9A4-B308-4EE1-B695-D9C47C0D4F88}"/>
+                <a16:creationId xmlns="" xmlns:a16="http://schemas.microsoft.com/office/drawing/2014/main" id="{A9D8E9A4-B308-4EE1-B695-D9C47C0D4F88}"/>
               </a:ext>
             </a:extLst>
           </p:cNvPr>
@@ -30301,10 +30325,10 @@
           <p:cNvPr id="16" name="Rectangle 15">
             <a:extLst>
               <a:ext uri="{FF2B5EF4-FFF2-40B4-BE49-F238E27FC236}">
-                <a16:creationId xmlns:a16="http://schemas.microsoft.com/office/drawing/2014/main" xmlns="" id="{3FD711E9-7F79-40A9-8D9E-4AE293C154A5}"/>
+                <a16:creationId xmlns="" xmlns:a16="http://schemas.microsoft.com/office/drawing/2014/main" id="{3FD711E9-7F79-40A9-8D9E-4AE293C154A5}"/>
               </a:ext>
               <a:ext uri="{C183D7F6-B498-43B3-948B-1728B52AA6E4}">
-                <adec:decorative xmlns:adec="http://schemas.microsoft.com/office/drawing/2017/decorative" xmlns="" val="1"/>
+                <adec:decorative xmlns="" xmlns:adec="http://schemas.microsoft.com/office/drawing/2017/decorative" val="1"/>
               </a:ext>
             </a:extLst>
           </p:cNvPr>
@@ -30314,7 +30338,7 @@
           <p:nvPr>
             <p:extLst>
               <p:ext uri="{386F3935-93C4-4BCD-93E2-E3B085C9AB24}">
-                <p16:designElem xmlns:p16="http://schemas.microsoft.com/office/powerpoint/2015/main" xmlns="" val="1"/>
+                <p16:designElem xmlns="" xmlns:p16="http://schemas.microsoft.com/office/powerpoint/2015/main" val="1"/>
               </p:ext>
             </p:extLst>
           </p:nvPr>
@@ -30423,7 +30447,7 @@
           <p:cNvPr id="6" name="Content Placeholder 2">
             <a:extLst>
               <a:ext uri="{FF2B5EF4-FFF2-40B4-BE49-F238E27FC236}">
-                <a16:creationId xmlns:a16="http://schemas.microsoft.com/office/drawing/2014/main" xmlns="" id="{6358C9DB-7B63-4876-84D3-25AD0F9ED706}"/>
+                <a16:creationId xmlns="" xmlns:a16="http://schemas.microsoft.com/office/drawing/2014/main" id="{6358C9DB-7B63-4876-84D3-25AD0F9ED706}"/>
               </a:ext>
             </a:extLst>
           </p:cNvPr>
@@ -30491,7 +30515,7 @@
           <p:cNvPr id="2" name="Title 1">
             <a:extLst>
               <a:ext uri="{FF2B5EF4-FFF2-40B4-BE49-F238E27FC236}">
-                <a16:creationId xmlns:a16="http://schemas.microsoft.com/office/drawing/2014/main" xmlns="" id="{70C6D9C5-64E8-4478-BFDC-92235C099C97}"/>
+                <a16:creationId xmlns="" xmlns:a16="http://schemas.microsoft.com/office/drawing/2014/main" id="{70C6D9C5-64E8-4478-BFDC-92235C099C97}"/>
               </a:ext>
             </a:extLst>
           </p:cNvPr>
@@ -30520,7 +30544,7 @@
           <p:cNvPr id="3" name="Content Placeholder 2">
             <a:extLst>
               <a:ext uri="{FF2B5EF4-FFF2-40B4-BE49-F238E27FC236}">
-                <a16:creationId xmlns:a16="http://schemas.microsoft.com/office/drawing/2014/main" xmlns="" id="{473C2F26-4371-43EE-B09C-475656F3393D}"/>
+                <a16:creationId xmlns="" xmlns:a16="http://schemas.microsoft.com/office/drawing/2014/main" id="{473C2F26-4371-43EE-B09C-475656F3393D}"/>
               </a:ext>
             </a:extLst>
           </p:cNvPr>
@@ -30638,7 +30662,7 @@
           <p:cNvPr id="4" name="Slide Number Placeholder 3">
             <a:extLst>
               <a:ext uri="{FF2B5EF4-FFF2-40B4-BE49-F238E27FC236}">
-                <a16:creationId xmlns:a16="http://schemas.microsoft.com/office/drawing/2014/main" xmlns="" id="{543436BA-E81E-4D8F-8F85-125739BAE4ED}"/>
+                <a16:creationId xmlns="" xmlns:a16="http://schemas.microsoft.com/office/drawing/2014/main" id="{543436BA-E81E-4D8F-8F85-125739BAE4ED}"/>
               </a:ext>
             </a:extLst>
           </p:cNvPr>
@@ -31663,10 +31687,10 @@
           <p:cNvPr id="11" name="Rectangle 10">
             <a:extLst>
               <a:ext uri="{FF2B5EF4-FFF2-40B4-BE49-F238E27FC236}">
-                <a16:creationId xmlns:a16="http://schemas.microsoft.com/office/drawing/2014/main" xmlns="" id="{3FD711E9-7F79-40A9-8D9E-4AE293C154A5}"/>
+                <a16:creationId xmlns="" xmlns:a16="http://schemas.microsoft.com/office/drawing/2014/main" id="{3FD711E9-7F79-40A9-8D9E-4AE293C154A5}"/>
               </a:ext>
               <a:ext uri="{C183D7F6-B498-43B3-948B-1728B52AA6E4}">
-                <adec:decorative xmlns:adec="http://schemas.microsoft.com/office/drawing/2017/decorative" xmlns="" val="1"/>
+                <adec:decorative xmlns="" xmlns:adec="http://schemas.microsoft.com/office/drawing/2017/decorative" val="1"/>
               </a:ext>
             </a:extLst>
           </p:cNvPr>
@@ -31676,7 +31700,7 @@
           <p:nvPr>
             <p:extLst>
               <p:ext uri="{386F3935-93C4-4BCD-93E2-E3B085C9AB24}">
-                <p16:designElem xmlns:p16="http://schemas.microsoft.com/office/powerpoint/2015/main" xmlns="" val="1"/>
+                <p16:designElem xmlns="" xmlns:p16="http://schemas.microsoft.com/office/powerpoint/2015/main" val="1"/>
               </p:ext>
             </p:extLst>
           </p:nvPr>
@@ -31785,7 +31809,7 @@
           <p:cNvPr id="6" name="Content Placeholder 2">
             <a:extLst>
               <a:ext uri="{FF2B5EF4-FFF2-40B4-BE49-F238E27FC236}">
-                <a16:creationId xmlns:a16="http://schemas.microsoft.com/office/drawing/2014/main" xmlns="" id="{09B1999A-2394-4784-A78A-D9DD6638CBB1}"/>
+                <a16:creationId xmlns="" xmlns:a16="http://schemas.microsoft.com/office/drawing/2014/main" id="{09B1999A-2394-4784-A78A-D9DD6638CBB1}"/>
               </a:ext>
             </a:extLst>
           </p:cNvPr>
@@ -31861,7 +31885,7 @@
           <p:cNvPr id="2" name="Title 1">
             <a:extLst>
               <a:ext uri="{FF2B5EF4-FFF2-40B4-BE49-F238E27FC236}">
-                <a16:creationId xmlns:a16="http://schemas.microsoft.com/office/drawing/2014/main" xmlns="" id="{5F3B14D9-550A-4603-AE2C-4A235FBBA816}"/>
+                <a16:creationId xmlns="" xmlns:a16="http://schemas.microsoft.com/office/drawing/2014/main" id="{5F3B14D9-550A-4603-AE2C-4A235FBBA816}"/>
               </a:ext>
             </a:extLst>
           </p:cNvPr>
@@ -31902,10 +31926,10 @@
           <p:cNvPr id="16" name="Rectangle 15">
             <a:extLst>
               <a:ext uri="{FF2B5EF4-FFF2-40B4-BE49-F238E27FC236}">
-                <a16:creationId xmlns:a16="http://schemas.microsoft.com/office/drawing/2014/main" xmlns="" id="{3FD711E9-7F79-40A9-8D9E-4AE293C154A5}"/>
+                <a16:creationId xmlns="" xmlns:a16="http://schemas.microsoft.com/office/drawing/2014/main" id="{3FD711E9-7F79-40A9-8D9E-4AE293C154A5}"/>
               </a:ext>
               <a:ext uri="{C183D7F6-B498-43B3-948B-1728B52AA6E4}">
-                <adec:decorative xmlns:adec="http://schemas.microsoft.com/office/drawing/2017/decorative" xmlns="" val="1"/>
+                <adec:decorative xmlns="" xmlns:adec="http://schemas.microsoft.com/office/drawing/2017/decorative" val="1"/>
               </a:ext>
             </a:extLst>
           </p:cNvPr>
@@ -31915,7 +31939,7 @@
           <p:nvPr>
             <p:extLst>
               <p:ext uri="{386F3935-93C4-4BCD-93E2-E3B085C9AB24}">
-                <p16:designElem xmlns:p16="http://schemas.microsoft.com/office/powerpoint/2015/main" xmlns="" val="1"/>
+                <p16:designElem xmlns="" xmlns:p16="http://schemas.microsoft.com/office/powerpoint/2015/main" val="1"/>
               </p:ext>
             </p:extLst>
           </p:nvPr>
@@ -31984,7 +32008,7 @@
           <p:cNvPr id="4" name="Slide Number Placeholder 3">
             <a:extLst>
               <a:ext uri="{FF2B5EF4-FFF2-40B4-BE49-F238E27FC236}">
-                <a16:creationId xmlns:a16="http://schemas.microsoft.com/office/drawing/2014/main" xmlns="" id="{4E707F7B-000B-4ECD-9B77-ECC0C1DD16DD}"/>
+                <a16:creationId xmlns="" xmlns:a16="http://schemas.microsoft.com/office/drawing/2014/main" id="{4E707F7B-000B-4ECD-9B77-ECC0C1DD16DD}"/>
               </a:ext>
             </a:extLst>
           </p:cNvPr>
@@ -32030,7 +32054,7 @@
           <p:cNvPr id="6" name="Content Placeholder 2">
             <a:extLst>
               <a:ext uri="{FF2B5EF4-FFF2-40B4-BE49-F238E27FC236}">
-                <a16:creationId xmlns:a16="http://schemas.microsoft.com/office/drawing/2014/main" xmlns="" id="{59A4307A-0181-4594-977B-4087C0CFBAF8}"/>
+                <a16:creationId xmlns="" xmlns:a16="http://schemas.microsoft.com/office/drawing/2014/main" id="{59A4307A-0181-4594-977B-4087C0CFBAF8}"/>
               </a:ext>
             </a:extLst>
           </p:cNvPr>
@@ -32061,7 +32085,7 @@
           <p:cNvPr id="7" name="Rectangle: Rounded Corners 6">
             <a:extLst>
               <a:ext uri="{FF2B5EF4-FFF2-40B4-BE49-F238E27FC236}">
-                <a16:creationId xmlns:a16="http://schemas.microsoft.com/office/drawing/2014/main" xmlns="" id="{FE7337C6-5EBE-44AA-BA96-13AB2377562C}"/>
+                <a16:creationId xmlns="" xmlns:a16="http://schemas.microsoft.com/office/drawing/2014/main" id="{FE7337C6-5EBE-44AA-BA96-13AB2377562C}"/>
               </a:ext>
             </a:extLst>
           </p:cNvPr>
@@ -32121,7 +32145,7 @@
           <p:cNvPr id="8" name="Rectangle: Rounded Corners 7">
             <a:extLst>
               <a:ext uri="{FF2B5EF4-FFF2-40B4-BE49-F238E27FC236}">
-                <a16:creationId xmlns:a16="http://schemas.microsoft.com/office/drawing/2014/main" xmlns="" id="{BEC78F7D-4F08-42F6-B2D9-847BA362E72E}"/>
+                <a16:creationId xmlns="" xmlns:a16="http://schemas.microsoft.com/office/drawing/2014/main" id="{BEC78F7D-4F08-42F6-B2D9-847BA362E72E}"/>
               </a:ext>
             </a:extLst>
           </p:cNvPr>
@@ -32181,7 +32205,7 @@
           <p:cNvPr id="9" name="Rectangle: Rounded Corners 8">
             <a:extLst>
               <a:ext uri="{FF2B5EF4-FFF2-40B4-BE49-F238E27FC236}">
-                <a16:creationId xmlns:a16="http://schemas.microsoft.com/office/drawing/2014/main" xmlns="" id="{FECA7078-DDED-45FE-BC63-9F2BAA5E13E3}"/>
+                <a16:creationId xmlns="" xmlns:a16="http://schemas.microsoft.com/office/drawing/2014/main" id="{FECA7078-DDED-45FE-BC63-9F2BAA5E13E3}"/>
               </a:ext>
             </a:extLst>
           </p:cNvPr>
@@ -32286,7 +32310,7 @@
           <p:cNvPr id="2" name="Title 1">
             <a:extLst>
               <a:ext uri="{FF2B5EF4-FFF2-40B4-BE49-F238E27FC236}">
-                <a16:creationId xmlns:a16="http://schemas.microsoft.com/office/drawing/2014/main" xmlns="" id="{4DF4C6AB-EAC5-41E7-A3B5-A1D552590597}"/>
+                <a16:creationId xmlns="" xmlns:a16="http://schemas.microsoft.com/office/drawing/2014/main" id="{4DF4C6AB-EAC5-41E7-A3B5-A1D552590597}"/>
               </a:ext>
             </a:extLst>
           </p:cNvPr>
@@ -32323,10 +32347,10 @@
           <p:cNvPr id="11" name="Rectangle 10">
             <a:extLst>
               <a:ext uri="{FF2B5EF4-FFF2-40B4-BE49-F238E27FC236}">
-                <a16:creationId xmlns:a16="http://schemas.microsoft.com/office/drawing/2014/main" xmlns="" id="{3FD711E9-7F79-40A9-8D9E-4AE293C154A5}"/>
+                <a16:creationId xmlns="" xmlns:a16="http://schemas.microsoft.com/office/drawing/2014/main" id="{3FD711E9-7F79-40A9-8D9E-4AE293C154A5}"/>
               </a:ext>
               <a:ext uri="{C183D7F6-B498-43B3-948B-1728B52AA6E4}">
-                <adec:decorative xmlns:adec="http://schemas.microsoft.com/office/drawing/2017/decorative" xmlns="" val="1"/>
+                <adec:decorative xmlns="" xmlns:adec="http://schemas.microsoft.com/office/drawing/2017/decorative" val="1"/>
               </a:ext>
             </a:extLst>
           </p:cNvPr>
@@ -32336,7 +32360,7 @@
           <p:nvPr>
             <p:extLst>
               <p:ext uri="{386F3935-93C4-4BCD-93E2-E3B085C9AB24}">
-                <p16:designElem xmlns:p16="http://schemas.microsoft.com/office/powerpoint/2015/main" xmlns="" val="1"/>
+                <p16:designElem xmlns="" xmlns:p16="http://schemas.microsoft.com/office/powerpoint/2015/main" val="1"/>
               </p:ext>
             </p:extLst>
           </p:nvPr>
@@ -32405,7 +32429,7 @@
           <p:cNvPr id="4" name="Slide Number Placeholder 3">
             <a:extLst>
               <a:ext uri="{FF2B5EF4-FFF2-40B4-BE49-F238E27FC236}">
-                <a16:creationId xmlns:a16="http://schemas.microsoft.com/office/drawing/2014/main" xmlns="" id="{72C1E673-FCA4-48C9-8D56-03068F07EB13}"/>
+                <a16:creationId xmlns="" xmlns:a16="http://schemas.microsoft.com/office/drawing/2014/main" id="{72C1E673-FCA4-48C9-8D56-03068F07EB13}"/>
               </a:ext>
             </a:extLst>
           </p:cNvPr>
@@ -32451,7 +32475,7 @@
           <p:cNvPr id="6" name="Content Placeholder 2">
             <a:extLst>
               <a:ext uri="{FF2B5EF4-FFF2-40B4-BE49-F238E27FC236}">
-                <a16:creationId xmlns:a16="http://schemas.microsoft.com/office/drawing/2014/main" xmlns="" id="{7917F929-5E38-446A-8EA9-D8E60BEFEF5F}"/>
+                <a16:creationId xmlns="" xmlns:a16="http://schemas.microsoft.com/office/drawing/2014/main" id="{7917F929-5E38-446A-8EA9-D8E60BEFEF5F}"/>
               </a:ext>
             </a:extLst>
           </p:cNvPr>
@@ -32482,7 +32506,7 @@
           <p:cNvPr id="7" name="Rectangle: Rounded Corners 6">
             <a:extLst>
               <a:ext uri="{FF2B5EF4-FFF2-40B4-BE49-F238E27FC236}">
-                <a16:creationId xmlns:a16="http://schemas.microsoft.com/office/drawing/2014/main" xmlns="" id="{06EDBB29-49B8-4490-B86A-45FEED1A3949}"/>
+                <a16:creationId xmlns="" xmlns:a16="http://schemas.microsoft.com/office/drawing/2014/main" id="{06EDBB29-49B8-4490-B86A-45FEED1A3949}"/>
               </a:ext>
             </a:extLst>
           </p:cNvPr>
@@ -32542,7 +32566,7 @@
           <p:cNvPr id="9" name="Rectangle: Rounded Corners 8">
             <a:extLst>
               <a:ext uri="{FF2B5EF4-FFF2-40B4-BE49-F238E27FC236}">
-                <a16:creationId xmlns:a16="http://schemas.microsoft.com/office/drawing/2014/main" xmlns="" id="{D4896989-E6EB-4891-90EB-8AF51A73669A}"/>
+                <a16:creationId xmlns="" xmlns:a16="http://schemas.microsoft.com/office/drawing/2014/main" id="{D4896989-E6EB-4891-90EB-8AF51A73669A}"/>
               </a:ext>
             </a:extLst>
           </p:cNvPr>
@@ -32602,7 +32626,7 @@
           <p:cNvPr id="16" name="Picture 15">
             <a:extLst>
               <a:ext uri="{FF2B5EF4-FFF2-40B4-BE49-F238E27FC236}">
-                <a16:creationId xmlns:a16="http://schemas.microsoft.com/office/drawing/2014/main" xmlns="" id="{62FD4B21-E132-4968-9694-0B0DC2C758D6}"/>
+                <a16:creationId xmlns="" xmlns:a16="http://schemas.microsoft.com/office/drawing/2014/main" id="{62FD4B21-E132-4968-9694-0B0DC2C758D6}"/>
               </a:ext>
             </a:extLst>
           </p:cNvPr>
@@ -32625,8 +32649,8 @@
         </p:blipFill>
         <p:spPr>
           <a:xfrm>
-            <a:off x="6988141" y="4901839"/>
-            <a:ext cx="1353377" cy="1100370"/>
+            <a:off x="6953091" y="4903452"/>
+            <a:ext cx="1423478" cy="1116000"/>
           </a:xfrm>
           <a:prstGeom prst="rect">
             <a:avLst/>
@@ -32683,7 +32707,7 @@
           <p:cNvPr id="2" name="Title 1">
             <a:extLst>
               <a:ext uri="{FF2B5EF4-FFF2-40B4-BE49-F238E27FC236}">
-                <a16:creationId xmlns:a16="http://schemas.microsoft.com/office/drawing/2014/main" xmlns="" id="{3CFBC153-C83D-4D33-B185-F54768A9773C}"/>
+                <a16:creationId xmlns="" xmlns:a16="http://schemas.microsoft.com/office/drawing/2014/main" id="{3CFBC153-C83D-4D33-B185-F54768A9773C}"/>
               </a:ext>
             </a:extLst>
           </p:cNvPr>
@@ -32720,10 +32744,10 @@
           <p:cNvPr id="11" name="Rectangle 10">
             <a:extLst>
               <a:ext uri="{FF2B5EF4-FFF2-40B4-BE49-F238E27FC236}">
-                <a16:creationId xmlns:a16="http://schemas.microsoft.com/office/drawing/2014/main" xmlns="" id="{3FD711E9-7F79-40A9-8D9E-4AE293C154A5}"/>
+                <a16:creationId xmlns="" xmlns:a16="http://schemas.microsoft.com/office/drawing/2014/main" id="{3FD711E9-7F79-40A9-8D9E-4AE293C154A5}"/>
               </a:ext>
               <a:ext uri="{C183D7F6-B498-43B3-948B-1728B52AA6E4}">
-                <adec:decorative xmlns:adec="http://schemas.microsoft.com/office/drawing/2017/decorative" xmlns="" val="1"/>
+                <adec:decorative xmlns="" xmlns:adec="http://schemas.microsoft.com/office/drawing/2017/decorative" val="1"/>
               </a:ext>
             </a:extLst>
           </p:cNvPr>
@@ -32733,7 +32757,7 @@
           <p:nvPr>
             <p:extLst>
               <p:ext uri="{386F3935-93C4-4BCD-93E2-E3B085C9AB24}">
-                <p16:designElem xmlns:p16="http://schemas.microsoft.com/office/powerpoint/2015/main" xmlns="" val="1"/>
+                <p16:designElem xmlns="" xmlns:p16="http://schemas.microsoft.com/office/powerpoint/2015/main" val="1"/>
               </p:ext>
             </p:extLst>
           </p:nvPr>
@@ -32802,7 +32826,7 @@
           <p:cNvPr id="4" name="Slide Number Placeholder 3">
             <a:extLst>
               <a:ext uri="{FF2B5EF4-FFF2-40B4-BE49-F238E27FC236}">
-                <a16:creationId xmlns:a16="http://schemas.microsoft.com/office/drawing/2014/main" xmlns="" id="{8708F1DC-B020-4A80-95EC-488AA0E7D9A8}"/>
+                <a16:creationId xmlns="" xmlns:a16="http://schemas.microsoft.com/office/drawing/2014/main" id="{8708F1DC-B020-4A80-95EC-488AA0E7D9A8}"/>
               </a:ext>
             </a:extLst>
           </p:cNvPr>
@@ -32848,7 +32872,7 @@
           <p:cNvPr id="6" name="Content Placeholder 2">
             <a:extLst>
               <a:ext uri="{FF2B5EF4-FFF2-40B4-BE49-F238E27FC236}">
-                <a16:creationId xmlns:a16="http://schemas.microsoft.com/office/drawing/2014/main" xmlns="" id="{1644A831-BD86-4E9E-AE2D-C3E9B570085C}"/>
+                <a16:creationId xmlns="" xmlns:a16="http://schemas.microsoft.com/office/drawing/2014/main" id="{1644A831-BD86-4E9E-AE2D-C3E9B570085C}"/>
               </a:ext>
             </a:extLst>
           </p:cNvPr>
@@ -32924,10 +32948,10 @@
           <p:cNvPr id="30" name="Rectangle 29">
             <a:extLst>
               <a:ext uri="{FF2B5EF4-FFF2-40B4-BE49-F238E27FC236}">
-                <a16:creationId xmlns:a16="http://schemas.microsoft.com/office/drawing/2014/main" xmlns="" id="{E009DD9B-5EE2-4C0D-8B2B-351C8C102205}"/>
+                <a16:creationId xmlns="" xmlns:a16="http://schemas.microsoft.com/office/drawing/2014/main" id="{E009DD9B-5EE2-4C0D-8B2B-351C8C102205}"/>
               </a:ext>
               <a:ext uri="{C183D7F6-B498-43B3-948B-1728B52AA6E4}">
-                <adec:decorative xmlns:adec="http://schemas.microsoft.com/office/drawing/2017/decorative" xmlns="" val="1"/>
+                <adec:decorative xmlns="" xmlns:adec="http://schemas.microsoft.com/office/drawing/2017/decorative" val="1"/>
               </a:ext>
             </a:extLst>
           </p:cNvPr>
@@ -32937,7 +32961,7 @@
           <p:nvPr>
             <p:extLst>
               <p:ext uri="{386F3935-93C4-4BCD-93E2-E3B085C9AB24}">
-                <p16:designElem xmlns:p16="http://schemas.microsoft.com/office/powerpoint/2015/main" xmlns="" val="1"/>
+                <p16:designElem xmlns="" xmlns:p16="http://schemas.microsoft.com/office/powerpoint/2015/main" val="1"/>
               </p:ext>
             </p:extLst>
           </p:nvPr>
@@ -33013,7 +33037,7 @@
           <p:cNvPr id="6" name="Content Placeholder 5">
             <a:extLst>
               <a:ext uri="{FF2B5EF4-FFF2-40B4-BE49-F238E27FC236}">
-                <a16:creationId xmlns:a16="http://schemas.microsoft.com/office/drawing/2014/main" xmlns="" id="{17486647-9B91-42BC-8343-094BE0C96172}"/>
+                <a16:creationId xmlns="" xmlns:a16="http://schemas.microsoft.com/office/drawing/2014/main" id="{17486647-9B91-42BC-8343-094BE0C96172}"/>
               </a:ext>
             </a:extLst>
           </p:cNvPr>
@@ -33051,10 +33075,10 @@
           <p:cNvPr id="32" name="Rectangle 31">
             <a:extLst>
               <a:ext uri="{FF2B5EF4-FFF2-40B4-BE49-F238E27FC236}">
-                <a16:creationId xmlns:a16="http://schemas.microsoft.com/office/drawing/2014/main" xmlns="" id="{E720DB99-7745-4E75-9D96-AAB6D55C531E}"/>
+                <a16:creationId xmlns="" xmlns:a16="http://schemas.microsoft.com/office/drawing/2014/main" id="{E720DB99-7745-4E75-9D96-AAB6D55C531E}"/>
               </a:ext>
               <a:ext uri="{C183D7F6-B498-43B3-948B-1728B52AA6E4}">
-                <adec:decorative xmlns:adec="http://schemas.microsoft.com/office/drawing/2017/decorative" xmlns="" val="1"/>
+                <adec:decorative xmlns="" xmlns:adec="http://schemas.microsoft.com/office/drawing/2017/decorative" val="1"/>
               </a:ext>
             </a:extLst>
           </p:cNvPr>
@@ -33064,7 +33088,7 @@
           <p:nvPr>
             <p:extLst>
               <p:ext uri="{386F3935-93C4-4BCD-93E2-E3B085C9AB24}">
-                <p16:designElem xmlns:p16="http://schemas.microsoft.com/office/powerpoint/2015/main" xmlns="" val="1"/>
+                <p16:designElem xmlns="" xmlns:p16="http://schemas.microsoft.com/office/powerpoint/2015/main" val="1"/>
               </p:ext>
             </p:extLst>
           </p:nvPr>
@@ -33125,10 +33149,10 @@
           <p:cNvPr id="34" name="Rectangle 33">
             <a:extLst>
               <a:ext uri="{FF2B5EF4-FFF2-40B4-BE49-F238E27FC236}">
-                <a16:creationId xmlns:a16="http://schemas.microsoft.com/office/drawing/2014/main" xmlns="" id="{D68803C4-E159-4360-B7BB-74205C8F782D}"/>
+                <a16:creationId xmlns="" xmlns:a16="http://schemas.microsoft.com/office/drawing/2014/main" id="{D68803C4-E159-4360-B7BB-74205C8F782D}"/>
               </a:ext>
               <a:ext uri="{C183D7F6-B498-43B3-948B-1728B52AA6E4}">
-                <adec:decorative xmlns:adec="http://schemas.microsoft.com/office/drawing/2017/decorative" xmlns="" val="1"/>
+                <adec:decorative xmlns="" xmlns:adec="http://schemas.microsoft.com/office/drawing/2017/decorative" val="1"/>
               </a:ext>
             </a:extLst>
           </p:cNvPr>
@@ -33138,7 +33162,7 @@
           <p:nvPr>
             <p:extLst>
               <p:ext uri="{386F3935-93C4-4BCD-93E2-E3B085C9AB24}">
-                <p16:designElem xmlns:p16="http://schemas.microsoft.com/office/powerpoint/2015/main" xmlns="" val="1"/>
+                <p16:designElem xmlns="" xmlns:p16="http://schemas.microsoft.com/office/powerpoint/2015/main" val="1"/>
               </p:ext>
             </p:extLst>
           </p:nvPr>
@@ -33199,7 +33223,7 @@
           <p:cNvPr id="2" name="Title 1">
             <a:extLst>
               <a:ext uri="{FF2B5EF4-FFF2-40B4-BE49-F238E27FC236}">
-                <a16:creationId xmlns:a16="http://schemas.microsoft.com/office/drawing/2014/main" xmlns="" id="{34D6937F-1795-4A26-A086-A7E90E3686E0}"/>
+                <a16:creationId xmlns="" xmlns:a16="http://schemas.microsoft.com/office/drawing/2014/main" id="{34D6937F-1795-4A26-A086-A7E90E3686E0}"/>
               </a:ext>
             </a:extLst>
           </p:cNvPr>
@@ -33239,7 +33263,7 @@
           <p:cNvPr id="5" name="Picture 4">
             <a:extLst>
               <a:ext uri="{FF2B5EF4-FFF2-40B4-BE49-F238E27FC236}">
-                <a16:creationId xmlns:a16="http://schemas.microsoft.com/office/drawing/2014/main" xmlns="" id="{935AA644-CB53-40D8-A49C-5D27BC1551B3}"/>
+                <a16:creationId xmlns="" xmlns:a16="http://schemas.microsoft.com/office/drawing/2014/main" id="{935AA644-CB53-40D8-A49C-5D27BC1551B3}"/>
               </a:ext>
             </a:extLst>
           </p:cNvPr>
@@ -33275,7 +33299,7 @@
           <p:cNvPr id="7" name="TextBox 6">
             <a:extLst>
               <a:ext uri="{FF2B5EF4-FFF2-40B4-BE49-F238E27FC236}">
-                <a16:creationId xmlns:a16="http://schemas.microsoft.com/office/drawing/2014/main" xmlns="" id="{3CE34ECB-BBCC-4298-ADD7-E9AA474BCF5D}"/>
+                <a16:creationId xmlns="" xmlns:a16="http://schemas.microsoft.com/office/drawing/2014/main" id="{3CE34ECB-BBCC-4298-ADD7-E9AA474BCF5D}"/>
               </a:ext>
             </a:extLst>
           </p:cNvPr>
@@ -33400,10 +33424,10 @@
           <p:cNvPr id="36" name="Rectangle 35">
             <a:extLst>
               <a:ext uri="{FF2B5EF4-FFF2-40B4-BE49-F238E27FC236}">
-                <a16:creationId xmlns:a16="http://schemas.microsoft.com/office/drawing/2014/main" xmlns="" id="{504B0465-3B07-49BF-BEA7-D81476246293}"/>
+                <a16:creationId xmlns="" xmlns:a16="http://schemas.microsoft.com/office/drawing/2014/main" id="{504B0465-3B07-49BF-BEA7-D81476246293}"/>
               </a:ext>
               <a:ext uri="{C183D7F6-B498-43B3-948B-1728B52AA6E4}">
-                <adec:decorative xmlns:adec="http://schemas.microsoft.com/office/drawing/2017/decorative" xmlns="" val="1"/>
+                <adec:decorative xmlns="" xmlns:adec="http://schemas.microsoft.com/office/drawing/2017/decorative" val="1"/>
               </a:ext>
             </a:extLst>
           </p:cNvPr>
@@ -33413,7 +33437,7 @@
           <p:nvPr>
             <p:extLst>
               <p:ext uri="{386F3935-93C4-4BCD-93E2-E3B085C9AB24}">
-                <p16:designElem xmlns:p16="http://schemas.microsoft.com/office/powerpoint/2015/main" xmlns="" val="1"/>
+                <p16:designElem xmlns="" xmlns:p16="http://schemas.microsoft.com/office/powerpoint/2015/main" val="1"/>
               </p:ext>
             </p:extLst>
           </p:nvPr>
@@ -33474,10 +33498,10 @@
           <p:cNvPr id="38" name="Oval 37">
             <a:extLst>
               <a:ext uri="{FF2B5EF4-FFF2-40B4-BE49-F238E27FC236}">
-                <a16:creationId xmlns:a16="http://schemas.microsoft.com/office/drawing/2014/main" xmlns="" id="{49B7FFA5-14CB-4A4F-9BCC-CA3AA5D9D276}"/>
+                <a16:creationId xmlns="" xmlns:a16="http://schemas.microsoft.com/office/drawing/2014/main" id="{49B7FFA5-14CB-4A4F-9BCC-CA3AA5D9D276}"/>
               </a:ext>
               <a:ext uri="{C183D7F6-B498-43B3-948B-1728B52AA6E4}">
-                <adec:decorative xmlns:adec="http://schemas.microsoft.com/office/drawing/2017/decorative" xmlns="" val="1"/>
+                <adec:decorative xmlns="" xmlns:adec="http://schemas.microsoft.com/office/drawing/2017/decorative" val="1"/>
               </a:ext>
             </a:extLst>
           </p:cNvPr>
@@ -33487,7 +33511,7 @@
           <p:nvPr>
             <p:extLst>
               <p:ext uri="{386F3935-93C4-4BCD-93E2-E3B085C9AB24}">
-                <p16:designElem xmlns:p16="http://schemas.microsoft.com/office/powerpoint/2015/main" xmlns="" val="1"/>
+                <p16:designElem xmlns="" xmlns:p16="http://schemas.microsoft.com/office/powerpoint/2015/main" val="1"/>
               </p:ext>
             </p:extLst>
           </p:nvPr>
@@ -33562,10 +33586,10 @@
           <p:cNvPr id="40" name="Oval 39">
             <a:extLst>
               <a:ext uri="{FF2B5EF4-FFF2-40B4-BE49-F238E27FC236}">
-                <a16:creationId xmlns:a16="http://schemas.microsoft.com/office/drawing/2014/main" xmlns="" id="{04E48745-7512-4EC2-9E20-9092D12150CA}"/>
+                <a16:creationId xmlns="" xmlns:a16="http://schemas.microsoft.com/office/drawing/2014/main" id="{04E48745-7512-4EC2-9E20-9092D12150CA}"/>
               </a:ext>
               <a:ext uri="{C183D7F6-B498-43B3-948B-1728B52AA6E4}">
-                <adec:decorative xmlns:adec="http://schemas.microsoft.com/office/drawing/2017/decorative" xmlns="" val="1"/>
+                <adec:decorative xmlns="" xmlns:adec="http://schemas.microsoft.com/office/drawing/2017/decorative" val="1"/>
               </a:ext>
             </a:extLst>
           </p:cNvPr>
@@ -33575,7 +33599,7 @@
           <p:nvPr>
             <p:extLst>
               <p:ext uri="{386F3935-93C4-4BCD-93E2-E3B085C9AB24}">
-                <p16:designElem xmlns:p16="http://schemas.microsoft.com/office/powerpoint/2015/main" xmlns="" val="1"/>
+                <p16:designElem xmlns="" xmlns:p16="http://schemas.microsoft.com/office/powerpoint/2015/main" val="1"/>
               </p:ext>
             </p:extLst>
           </p:nvPr>
@@ -33640,7 +33664,7 @@
           <p:cNvPr id="4" name="Slide Number Placeholder 3">
             <a:extLst>
               <a:ext uri="{FF2B5EF4-FFF2-40B4-BE49-F238E27FC236}">
-                <a16:creationId xmlns:a16="http://schemas.microsoft.com/office/drawing/2014/main" xmlns="" id="{1DB4C6C8-2288-40CD-A066-D74671E2E586}"/>
+                <a16:creationId xmlns="" xmlns:a16="http://schemas.microsoft.com/office/drawing/2014/main" id="{1DB4C6C8-2288-40CD-A066-D74671E2E586}"/>
               </a:ext>
             </a:extLst>
           </p:cNvPr>
@@ -33926,7 +33950,7 @@
   <a:extraClrSchemeLst/>
   <a:extLst>
     <a:ext uri="{05A4C25C-085E-4340-85A3-A5531E510DB2}">
-      <thm15:themeFamily xmlns:thm15="http://schemas.microsoft.com/office/thememl/2012/main" xmlns="" name="Wood Type" id="{7ACABC62-BF99-48CF-A9DC-4DB89C7B13DC}" vid="{142A1326-48AB-42A9-8428-CB14AA30176D}"/>
+      <thm15:themeFamily xmlns="" xmlns:thm15="http://schemas.microsoft.com/office/thememl/2012/main" name="Wood Type" id="{7ACABC62-BF99-48CF-A9DC-4DB89C7B13DC}" vid="{142A1326-48AB-42A9-8428-CB14AA30176D}"/>
     </a:ext>
   </a:extLst>
 </a:theme>

--- a/ROBOTINHO2.pptx
+++ b/ROBOTINHO2.pptx
@@ -9299,7 +9299,7 @@
         </a:p>
       </dgm:t>
     </dgm:pt>
-    <dgm:pt modelId="{4E56FB32-0340-4318-B42F-5BFCE2E0EA6D}">
+    <dgm:pt modelId="{566D1CF2-D82A-4DA6-A12E-1D35D4F16F42}">
       <dgm:prSet custT="1"/>
       <dgm:spPr/>
       <dgm:t>
@@ -9307,7 +9307,164 @@
         <a:lstStyle/>
         <a:p>
           <a:r>
-            <a:rPr lang="ro-RO" sz="3500" dirty="0">
+            <a:rPr lang="en-US" sz="3500" dirty="0" smtClean="0">
+              <a:latin typeface="+mj-lt"/>
+            </a:rPr>
+            <a:t>Noi func</a:t>
+          </a:r>
+          <a:r>
+            <a:rPr lang="ro-RO" sz="3500" dirty="0" smtClean="0">
+              <a:latin typeface="+mj-lt"/>
+            </a:rPr>
+            <a:t>ționalități</a:t>
+          </a:r>
+        </a:p>
+        <a:p>
+          <a:r>
+            <a:rPr lang="ro-RO" sz="2400" dirty="0" smtClean="0">
+              <a:latin typeface="+mj-lt"/>
+            </a:rPr>
+            <a:t>   - </a:t>
+          </a:r>
+          <a:r>
+            <a:rPr lang="vi-VN" sz="2400" dirty="0" smtClean="0">
+              <a:latin typeface="+mj-lt"/>
+            </a:rPr>
+            <a:t>Marcarea unui gol într-o poartă</a:t>
+          </a:r>
+        </a:p>
+        <a:p>
+          <a:r>
+            <a:rPr lang="ro-RO" sz="2400" smtClean="0">
+              <a:latin typeface="+mj-lt"/>
+            </a:rPr>
+            <a:t>   </a:t>
+          </a:r>
+          <a:r>
+            <a:rPr lang="vi-VN" sz="2400" smtClean="0">
+              <a:latin typeface="+mj-lt"/>
+            </a:rPr>
+            <a:t>- </a:t>
+          </a:r>
+          <a:r>
+            <a:rPr lang="vi-VN" sz="2400" dirty="0" smtClean="0">
+              <a:latin typeface="+mj-lt"/>
+            </a:rPr>
+            <a:t>Interacțiunea cu alți roboți</a:t>
+          </a:r>
+          <a:endParaRPr lang="en-US" sz="2400" dirty="0">
+            <a:latin typeface="+mj-lt"/>
+          </a:endParaRPr>
+        </a:p>
+      </dgm:t>
+    </dgm:pt>
+    <dgm:pt modelId="{1F459F32-5B92-44B8-9595-A28F961EB8C3}" type="sibTrans" cxnId="{E4016549-D4F5-4BF8-851F-CE79DE7C81F3}">
+      <dgm:prSet/>
+      <dgm:spPr/>
+      <dgm:t>
+        <a:bodyPr/>
+        <a:lstStyle/>
+        <a:p>
+          <a:endParaRPr lang="en-US"/>
+        </a:p>
+      </dgm:t>
+    </dgm:pt>
+    <dgm:pt modelId="{4D522291-4C15-4C51-8559-DBBEFDC0DE7B}" type="parTrans" cxnId="{E4016549-D4F5-4BF8-851F-CE79DE7C81F3}">
+      <dgm:prSet/>
+      <dgm:spPr/>
+      <dgm:t>
+        <a:bodyPr/>
+        <a:lstStyle/>
+        <a:p>
+          <a:endParaRPr lang="en-US"/>
+        </a:p>
+      </dgm:t>
+    </dgm:pt>
+    <dgm:pt modelId="{7E31D97B-DB80-4FCD-BEB1-4527DBA58D84}">
+      <dgm:prSet custT="1"/>
+      <dgm:spPr/>
+      <dgm:t>
+        <a:bodyPr/>
+        <a:lstStyle/>
+        <a:p>
+          <a:r>
+            <a:rPr lang="en-US" sz="3500" dirty="0" smtClean="0">
+              <a:latin typeface="+mj-lt"/>
+            </a:rPr>
+            <a:t>Estetizarea ansamblului</a:t>
+          </a:r>
+          <a:endParaRPr lang="en-US" sz="3500" dirty="0">
+            <a:latin typeface="+mj-lt"/>
+          </a:endParaRPr>
+        </a:p>
+      </dgm:t>
+    </dgm:pt>
+    <dgm:pt modelId="{AD5C5571-3647-4042-8A35-3BB8560014A9}" type="sibTrans" cxnId="{47E31CC4-5E0F-4E62-8424-07B1CB0EC4D6}">
+      <dgm:prSet/>
+      <dgm:spPr/>
+      <dgm:t>
+        <a:bodyPr/>
+        <a:lstStyle/>
+        <a:p>
+          <a:endParaRPr lang="en-US"/>
+        </a:p>
+      </dgm:t>
+    </dgm:pt>
+    <dgm:pt modelId="{8ACB7022-1F52-4752-A93E-C2F75C0950F9}" type="parTrans" cxnId="{47E31CC4-5E0F-4E62-8424-07B1CB0EC4D6}">
+      <dgm:prSet/>
+      <dgm:spPr/>
+      <dgm:t>
+        <a:bodyPr/>
+        <a:lstStyle/>
+        <a:p>
+          <a:endParaRPr lang="en-US"/>
+        </a:p>
+      </dgm:t>
+    </dgm:pt>
+    <dgm:pt modelId="{2C434CC8-1653-4A24-A6BF-9E08006A7AD9}">
+      <dgm:prSet/>
+      <dgm:spPr/>
+      <dgm:t>
+        <a:bodyPr/>
+        <a:lstStyle/>
+        <a:p>
+          <a:endParaRPr lang="en-US" dirty="0">
+            <a:latin typeface="+mj-lt"/>
+          </a:endParaRPr>
+        </a:p>
+      </dgm:t>
+    </dgm:pt>
+    <dgm:pt modelId="{E4971FB5-9BE7-491F-B3B6-5E07FF0AF938}" type="sibTrans" cxnId="{4AD630B5-52CA-49F3-B91F-BC8D55335AF3}">
+      <dgm:prSet/>
+      <dgm:spPr/>
+      <dgm:t>
+        <a:bodyPr/>
+        <a:lstStyle/>
+        <a:p>
+          <a:endParaRPr lang="en-US"/>
+        </a:p>
+      </dgm:t>
+    </dgm:pt>
+    <dgm:pt modelId="{E3B4AC25-4EBB-4164-B6A0-D2563DD44213}" type="parTrans" cxnId="{4AD630B5-52CA-49F3-B91F-BC8D55335AF3}">
+      <dgm:prSet/>
+      <dgm:spPr/>
+      <dgm:t>
+        <a:bodyPr/>
+        <a:lstStyle/>
+        <a:p>
+          <a:endParaRPr lang="en-US"/>
+        </a:p>
+      </dgm:t>
+    </dgm:pt>
+    <dgm:pt modelId="{8E356151-391E-4499-B0FA-68889A7546FC}">
+      <dgm:prSet custT="1"/>
+      <dgm:spPr/>
+      <dgm:t>
+        <a:bodyPr/>
+        <a:lstStyle/>
+        <a:p>
+          <a:r>
+            <a:rPr lang="en-US" sz="3500" dirty="0" smtClean="0">
               <a:latin typeface="+mj-lt"/>
             </a:rPr>
             <a:t>Montarea unei baterii</a:t>
@@ -9318,7 +9475,7 @@
         </a:p>
       </dgm:t>
     </dgm:pt>
-    <dgm:pt modelId="{7425AD79-BBCB-49BD-99F5-BA50316AB1A4}" type="parTrans" cxnId="{C0FA55F2-A807-4EA3-BC28-D2007838AFB0}">
+    <dgm:pt modelId="{AED3D199-1FDC-46F4-9DE4-029133E16779}" type="sibTrans" cxnId="{B8ECA0CF-9C5B-4602-9608-EDCCE7A310CA}">
       <dgm:prSet/>
       <dgm:spPr/>
       <dgm:t>
@@ -9329,164 +9486,7 @@
         </a:p>
       </dgm:t>
     </dgm:pt>
-    <dgm:pt modelId="{76335933-4372-402A-9527-97822F7C9517}" type="sibTrans" cxnId="{C0FA55F2-A807-4EA3-BC28-D2007838AFB0}">
-      <dgm:prSet/>
-      <dgm:spPr/>
-      <dgm:t>
-        <a:bodyPr/>
-        <a:lstStyle/>
-        <a:p>
-          <a:endParaRPr lang="en-US"/>
-        </a:p>
-      </dgm:t>
-    </dgm:pt>
-    <dgm:pt modelId="{CE31D95A-944F-4F37-B824-9549AADB2612}">
-      <dgm:prSet custT="1"/>
-      <dgm:spPr/>
-      <dgm:t>
-        <a:bodyPr/>
-        <a:lstStyle/>
-        <a:p>
-          <a:r>
-            <a:rPr lang="ro-RO" sz="3500" dirty="0">
-              <a:latin typeface="+mj-lt"/>
-            </a:rPr>
-            <a:t>Noi </a:t>
-          </a:r>
-          <a:r>
-            <a:rPr lang="ro-RO" sz="3500" dirty="0" smtClean="0">
-              <a:latin typeface="+mj-lt"/>
-            </a:rPr>
-            <a:t>funcționalități</a:t>
-          </a:r>
-          <a:endParaRPr lang="en-US" sz="3500" dirty="0" smtClean="0">
-            <a:latin typeface="+mj-lt"/>
-          </a:endParaRPr>
-        </a:p>
-        <a:p>
-          <a:r>
-            <a:rPr lang="en-US" sz="3500" dirty="0" smtClean="0">
-              <a:latin typeface="+mj-lt"/>
-            </a:rPr>
-            <a:t>- </a:t>
-          </a:r>
-          <a:r>
-            <a:rPr lang="ro-RO" sz="2400" dirty="0" smtClean="0">
-              <a:latin typeface="+mj-lt"/>
-            </a:rPr>
-            <a:t>Marcarea unui gol într-o poartă</a:t>
-          </a:r>
-          <a:endParaRPr lang="en-US" sz="2400" dirty="0" smtClean="0">
-            <a:latin typeface="+mj-lt"/>
-          </a:endParaRPr>
-        </a:p>
-        <a:p>
-          <a:r>
-            <a:rPr lang="en-US" sz="3500" dirty="0" smtClean="0">
-              <a:latin typeface="+mj-lt"/>
-            </a:rPr>
-            <a:t>- </a:t>
-          </a:r>
-          <a:r>
-            <a:rPr lang="ro-RO" sz="2400" dirty="0" smtClean="0">
-              <a:latin typeface="+mj-lt"/>
-            </a:rPr>
-            <a:t>Interacțiunea cu alți roboți</a:t>
-          </a:r>
-          <a:endParaRPr lang="en-US" sz="2400" dirty="0">
-            <a:latin typeface="+mj-lt"/>
-          </a:endParaRPr>
-        </a:p>
-      </dgm:t>
-    </dgm:pt>
-    <dgm:pt modelId="{859FEE3C-503B-4FB2-840D-3953BB1D5816}" type="parTrans" cxnId="{F8F117B2-AB24-4EC7-90AB-745B2B157382}">
-      <dgm:prSet/>
-      <dgm:spPr/>
-      <dgm:t>
-        <a:bodyPr/>
-        <a:lstStyle/>
-        <a:p>
-          <a:endParaRPr lang="en-US"/>
-        </a:p>
-      </dgm:t>
-    </dgm:pt>
-    <dgm:pt modelId="{C16BAA6E-71FD-48F4-A145-ECC36350ABC8}" type="sibTrans" cxnId="{F8F117B2-AB24-4EC7-90AB-745B2B157382}">
-      <dgm:prSet/>
-      <dgm:spPr/>
-      <dgm:t>
-        <a:bodyPr/>
-        <a:lstStyle/>
-        <a:p>
-          <a:endParaRPr lang="en-US"/>
-        </a:p>
-      </dgm:t>
-    </dgm:pt>
-    <dgm:pt modelId="{BF57B57B-DE73-4072-92D9-6153430EB547}">
-      <dgm:prSet custT="1"/>
-      <dgm:spPr/>
-      <dgm:t>
-        <a:bodyPr/>
-        <a:lstStyle/>
-        <a:p>
-          <a:endParaRPr lang="en-US" sz="2900" dirty="0">
-            <a:latin typeface="+mj-lt"/>
-          </a:endParaRPr>
-        </a:p>
-      </dgm:t>
-    </dgm:pt>
-    <dgm:pt modelId="{463DC838-7215-4838-B137-85065A2D8F7F}" type="parTrans" cxnId="{26FFA022-045A-4897-A67D-02A7A53C6812}">
-      <dgm:prSet/>
-      <dgm:spPr/>
-      <dgm:t>
-        <a:bodyPr/>
-        <a:lstStyle/>
-        <a:p>
-          <a:endParaRPr lang="en-US"/>
-        </a:p>
-      </dgm:t>
-    </dgm:pt>
-    <dgm:pt modelId="{1B5157A1-FE6C-4DA4-86A0-E9B09E9E52B9}" type="sibTrans" cxnId="{26FFA022-045A-4897-A67D-02A7A53C6812}">
-      <dgm:prSet/>
-      <dgm:spPr/>
-      <dgm:t>
-        <a:bodyPr/>
-        <a:lstStyle/>
-        <a:p>
-          <a:endParaRPr lang="en-US"/>
-        </a:p>
-      </dgm:t>
-    </dgm:pt>
-    <dgm:pt modelId="{3620740A-17BF-4813-8A55-BAFFDA56A569}">
-      <dgm:prSet custT="1"/>
-      <dgm:spPr/>
-      <dgm:t>
-        <a:bodyPr/>
-        <a:lstStyle/>
-        <a:p>
-          <a:r>
-            <a:rPr lang="ro-RO" sz="3500" dirty="0">
-              <a:latin typeface="+mj-lt"/>
-            </a:rPr>
-            <a:t>Estetizarea ansamblului</a:t>
-          </a:r>
-          <a:endParaRPr lang="en-US" sz="3500" dirty="0">
-            <a:latin typeface="+mj-lt"/>
-          </a:endParaRPr>
-        </a:p>
-      </dgm:t>
-    </dgm:pt>
-    <dgm:pt modelId="{50A910C9-F7D5-4EA9-BD98-ABB8D6B4F112}" type="parTrans" cxnId="{BC72ACB3-95B0-477D-BECC-B94B9D0038DE}">
-      <dgm:prSet/>
-      <dgm:spPr/>
-      <dgm:t>
-        <a:bodyPr/>
-        <a:lstStyle/>
-        <a:p>
-          <a:endParaRPr lang="en-US"/>
-        </a:p>
-      </dgm:t>
-    </dgm:pt>
-    <dgm:pt modelId="{C57148D6-BB96-422C-905B-E4756F3B16B7}" type="sibTrans" cxnId="{BC72ACB3-95B0-477D-BECC-B94B9D0038DE}">
+    <dgm:pt modelId="{9F9BF0C2-92E1-4292-A7D9-A9189ADC60D6}" type="parTrans" cxnId="{B8ECA0CF-9C5B-4602-9608-EDCCE7A310CA}">
       <dgm:prSet/>
       <dgm:spPr/>
       <dgm:t>
@@ -9513,8 +9513,8 @@
         </a:p>
       </dgm:t>
     </dgm:pt>
-    <dgm:pt modelId="{1D1553D2-5C97-4FE8-8A7A-96C06D72ACB8}" type="pres">
-      <dgm:prSet presAssocID="{4E56FB32-0340-4318-B42F-5BFCE2E0EA6D}" presName="parentText" presStyleLbl="node1" presStyleIdx="0" presStyleCnt="3" custScaleY="75444" custLinFactY="-8109" custLinFactNeighborX="-32" custLinFactNeighborY="-100000">
+    <dgm:pt modelId="{80E347B1-B0EA-4CA7-AE79-77B7FAD200A7}" type="pres">
+      <dgm:prSet presAssocID="{8E356151-391E-4499-B0FA-68889A7546FC}" presName="parentText" presStyleLbl="node1" presStyleIdx="0" presStyleCnt="3" custScaleY="89188" custLinFactY="-36800" custLinFactNeighborX="-32" custLinFactNeighborY="-100000">
         <dgm:presLayoutVars>
           <dgm:chMax val="0"/>
           <dgm:bulletEnabled val="1"/>
@@ -9529,12 +9529,23 @@
         </a:p>
       </dgm:t>
     </dgm:pt>
-    <dgm:pt modelId="{31FA9E4A-E3CE-4E31-97BD-7C9E028B7A6F}" type="pres">
-      <dgm:prSet presAssocID="{76335933-4372-402A-9527-97822F7C9517}" presName="spacer" presStyleCnt="0"/>
+    <dgm:pt modelId="{883281A7-D2B4-42DA-BC8D-7CD6FEF3ACA1}" type="pres">
+      <dgm:prSet presAssocID="{8E356151-391E-4499-B0FA-68889A7546FC}" presName="childText" presStyleLbl="revTx" presStyleIdx="0" presStyleCnt="1">
+        <dgm:presLayoutVars>
+          <dgm:bulletEnabled val="1"/>
+        </dgm:presLayoutVars>
+      </dgm:prSet>
       <dgm:spPr/>
+      <dgm:t>
+        <a:bodyPr/>
+        <a:lstStyle/>
+        <a:p>
+          <a:endParaRPr lang="en-US"/>
+        </a:p>
+      </dgm:t>
     </dgm:pt>
-    <dgm:pt modelId="{2F4D5BAA-DB56-4FC1-814C-014C16AFE090}" type="pres">
-      <dgm:prSet presAssocID="{CE31D95A-944F-4F37-B824-9549AADB2612}" presName="parentText" presStyleLbl="node1" presStyleIdx="1" presStyleCnt="3" custScaleY="173775" custLinFactNeighborX="-32" custLinFactNeighborY="-5081">
+    <dgm:pt modelId="{EF55B643-ABE8-4601-B280-D8F569FBC05C}" type="pres">
+      <dgm:prSet presAssocID="{7E31D97B-DB80-4FCD-BEB1-4527DBA58D84}" presName="parentText" presStyleLbl="node1" presStyleIdx="1" presStyleCnt="3" custScaleY="82483" custLinFactY="-19376" custLinFactNeighborX="-32" custLinFactNeighborY="-100000">
         <dgm:presLayoutVars>
           <dgm:chMax val="0"/>
           <dgm:bulletEnabled val="1"/>
@@ -9549,23 +9560,12 @@
         </a:p>
       </dgm:t>
     </dgm:pt>
-    <dgm:pt modelId="{AB1406CC-5633-4172-839C-C5622D9C9DC8}" type="pres">
-      <dgm:prSet presAssocID="{CE31D95A-944F-4F37-B824-9549AADB2612}" presName="childText" presStyleLbl="revTx" presStyleIdx="0" presStyleCnt="1">
-        <dgm:presLayoutVars>
-          <dgm:bulletEnabled val="1"/>
-        </dgm:presLayoutVars>
-      </dgm:prSet>
+    <dgm:pt modelId="{8A6191C2-7AFA-4C5C-AAE4-29A9152A468C}" type="pres">
+      <dgm:prSet presAssocID="{AD5C5571-3647-4042-8A35-3BB8560014A9}" presName="spacer" presStyleCnt="0"/>
       <dgm:spPr/>
-      <dgm:t>
-        <a:bodyPr/>
-        <a:lstStyle/>
-        <a:p>
-          <a:endParaRPr lang="en-US"/>
-        </a:p>
-      </dgm:t>
     </dgm:pt>
-    <dgm:pt modelId="{82D23CF7-896C-48BE-9C4C-950AFEAC9C55}" type="pres">
-      <dgm:prSet presAssocID="{3620740A-17BF-4813-8A55-BAFFDA56A569}" presName="parentText" presStyleLbl="node1" presStyleIdx="2" presStyleCnt="3" custScaleY="59349" custLinFactNeighborX="-32" custLinFactNeighborY="6007">
+    <dgm:pt modelId="{3D8D217D-048D-4AA8-A4EE-8117C8E370B4}" type="pres">
+      <dgm:prSet presAssocID="{566D1CF2-D82A-4DA6-A12E-1D35D4F16F42}" presName="parentText" presStyleLbl="node1" presStyleIdx="2" presStyleCnt="3" custScaleY="153313" custLinFactY="1610" custLinFactNeighborX="-32" custLinFactNeighborY="100000">
         <dgm:presLayoutVars>
           <dgm:chMax val="0"/>
           <dgm:bulletEnabled val="1"/>
@@ -9583,19 +9583,19 @@
   </dgm:ptLst>
   <dgm:cxnLst>
     <dgm:cxn modelId="{582103DA-E2D5-4F5A-A06C-74E08F3BED4F}" type="presOf" srcId="{41F34C01-CD2A-44CC-8987-34B1BB9D47CD}" destId="{FB5AEA8A-28F5-4F94-B0AC-F869364DBC0A}" srcOrd="0" destOrd="0" presId="urn:microsoft.com/office/officeart/2005/8/layout/vList2"/>
-    <dgm:cxn modelId="{6CE21889-7ADC-454A-898C-F793EEDC8E4F}" type="presOf" srcId="{3620740A-17BF-4813-8A55-BAFFDA56A569}" destId="{82D23CF7-896C-48BE-9C4C-950AFEAC9C55}" srcOrd="0" destOrd="0" presId="urn:microsoft.com/office/officeart/2005/8/layout/vList2"/>
-    <dgm:cxn modelId="{E36648C4-AC9B-4802-A007-267EA21A484E}" type="presOf" srcId="{BF57B57B-DE73-4072-92D9-6153430EB547}" destId="{AB1406CC-5633-4172-839C-C5622D9C9DC8}" srcOrd="0" destOrd="0" presId="urn:microsoft.com/office/officeart/2005/8/layout/vList2"/>
-    <dgm:cxn modelId="{C0FA55F2-A807-4EA3-BC28-D2007838AFB0}" srcId="{41F34C01-CD2A-44CC-8987-34B1BB9D47CD}" destId="{4E56FB32-0340-4318-B42F-5BFCE2E0EA6D}" srcOrd="0" destOrd="0" parTransId="{7425AD79-BBCB-49BD-99F5-BA50316AB1A4}" sibTransId="{76335933-4372-402A-9527-97822F7C9517}"/>
-    <dgm:cxn modelId="{7053B45A-ADFD-41E3-AF55-AFCD209E66AD}" type="presOf" srcId="{4E56FB32-0340-4318-B42F-5BFCE2E0EA6D}" destId="{1D1553D2-5C97-4FE8-8A7A-96C06D72ACB8}" srcOrd="0" destOrd="0" presId="urn:microsoft.com/office/officeart/2005/8/layout/vList2"/>
-    <dgm:cxn modelId="{BC72ACB3-95B0-477D-BECC-B94B9D0038DE}" srcId="{41F34C01-CD2A-44CC-8987-34B1BB9D47CD}" destId="{3620740A-17BF-4813-8A55-BAFFDA56A569}" srcOrd="2" destOrd="0" parTransId="{50A910C9-F7D5-4EA9-BD98-ABB8D6B4F112}" sibTransId="{C57148D6-BB96-422C-905B-E4756F3B16B7}"/>
-    <dgm:cxn modelId="{45438F69-6C03-42FB-B141-865D911130F0}" type="presOf" srcId="{CE31D95A-944F-4F37-B824-9549AADB2612}" destId="{2F4D5BAA-DB56-4FC1-814C-014C16AFE090}" srcOrd="0" destOrd="0" presId="urn:microsoft.com/office/officeart/2005/8/layout/vList2"/>
-    <dgm:cxn modelId="{F8F117B2-AB24-4EC7-90AB-745B2B157382}" srcId="{41F34C01-CD2A-44CC-8987-34B1BB9D47CD}" destId="{CE31D95A-944F-4F37-B824-9549AADB2612}" srcOrd="1" destOrd="0" parTransId="{859FEE3C-503B-4FB2-840D-3953BB1D5816}" sibTransId="{C16BAA6E-71FD-48F4-A145-ECC36350ABC8}"/>
-    <dgm:cxn modelId="{26FFA022-045A-4897-A67D-02A7A53C6812}" srcId="{CE31D95A-944F-4F37-B824-9549AADB2612}" destId="{BF57B57B-DE73-4072-92D9-6153430EB547}" srcOrd="0" destOrd="0" parTransId="{463DC838-7215-4838-B137-85065A2D8F7F}" sibTransId="{1B5157A1-FE6C-4DA4-86A0-E9B09E9E52B9}"/>
-    <dgm:cxn modelId="{7A5F84A6-AD26-406A-8FB0-D32FB38AE3F8}" type="presParOf" srcId="{FB5AEA8A-28F5-4F94-B0AC-F869364DBC0A}" destId="{1D1553D2-5C97-4FE8-8A7A-96C06D72ACB8}" srcOrd="0" destOrd="0" presId="urn:microsoft.com/office/officeart/2005/8/layout/vList2"/>
-    <dgm:cxn modelId="{66D981C6-DE4F-4FBB-8E5F-53DBC5CD1B66}" type="presParOf" srcId="{FB5AEA8A-28F5-4F94-B0AC-F869364DBC0A}" destId="{31FA9E4A-E3CE-4E31-97BD-7C9E028B7A6F}" srcOrd="1" destOrd="0" presId="urn:microsoft.com/office/officeart/2005/8/layout/vList2"/>
-    <dgm:cxn modelId="{B36AB2FA-6B63-4A52-ADBC-70F8F26B625C}" type="presParOf" srcId="{FB5AEA8A-28F5-4F94-B0AC-F869364DBC0A}" destId="{2F4D5BAA-DB56-4FC1-814C-014C16AFE090}" srcOrd="2" destOrd="0" presId="urn:microsoft.com/office/officeart/2005/8/layout/vList2"/>
-    <dgm:cxn modelId="{96DE8824-5B57-4C61-9B02-205D7B1B4036}" type="presParOf" srcId="{FB5AEA8A-28F5-4F94-B0AC-F869364DBC0A}" destId="{AB1406CC-5633-4172-839C-C5622D9C9DC8}" srcOrd="3" destOrd="0" presId="urn:microsoft.com/office/officeart/2005/8/layout/vList2"/>
-    <dgm:cxn modelId="{8E09607C-466B-4C43-9348-0AF86B236A99}" type="presParOf" srcId="{FB5AEA8A-28F5-4F94-B0AC-F869364DBC0A}" destId="{82D23CF7-896C-48BE-9C4C-950AFEAC9C55}" srcOrd="4" destOrd="0" presId="urn:microsoft.com/office/officeart/2005/8/layout/vList2"/>
+    <dgm:cxn modelId="{E4016549-D4F5-4BF8-851F-CE79DE7C81F3}" srcId="{41F34C01-CD2A-44CC-8987-34B1BB9D47CD}" destId="{566D1CF2-D82A-4DA6-A12E-1D35D4F16F42}" srcOrd="2" destOrd="0" parTransId="{4D522291-4C15-4C51-8559-DBBEFDC0DE7B}" sibTransId="{1F459F32-5B92-44B8-9595-A28F961EB8C3}"/>
+    <dgm:cxn modelId="{DEDBC45E-0483-46A4-9884-921B03DDCF38}" type="presOf" srcId="{2C434CC8-1653-4A24-A6BF-9E08006A7AD9}" destId="{883281A7-D2B4-42DA-BC8D-7CD6FEF3ACA1}" srcOrd="0" destOrd="0" presId="urn:microsoft.com/office/officeart/2005/8/layout/vList2"/>
+    <dgm:cxn modelId="{4AD630B5-52CA-49F3-B91F-BC8D55335AF3}" srcId="{8E356151-391E-4499-B0FA-68889A7546FC}" destId="{2C434CC8-1653-4A24-A6BF-9E08006A7AD9}" srcOrd="0" destOrd="0" parTransId="{E3B4AC25-4EBB-4164-B6A0-D2563DD44213}" sibTransId="{E4971FB5-9BE7-491F-B3B6-5E07FF0AF938}"/>
+    <dgm:cxn modelId="{47E31CC4-5E0F-4E62-8424-07B1CB0EC4D6}" srcId="{41F34C01-CD2A-44CC-8987-34B1BB9D47CD}" destId="{7E31D97B-DB80-4FCD-BEB1-4527DBA58D84}" srcOrd="1" destOrd="0" parTransId="{8ACB7022-1F52-4752-A93E-C2F75C0950F9}" sibTransId="{AD5C5571-3647-4042-8A35-3BB8560014A9}"/>
+    <dgm:cxn modelId="{B8ECA0CF-9C5B-4602-9608-EDCCE7A310CA}" srcId="{41F34C01-CD2A-44CC-8987-34B1BB9D47CD}" destId="{8E356151-391E-4499-B0FA-68889A7546FC}" srcOrd="0" destOrd="0" parTransId="{9F9BF0C2-92E1-4292-A7D9-A9189ADC60D6}" sibTransId="{AED3D199-1FDC-46F4-9DE4-029133E16779}"/>
+    <dgm:cxn modelId="{70115C8E-63E4-4796-BB50-BF4EA0EF170E}" type="presOf" srcId="{7E31D97B-DB80-4FCD-BEB1-4527DBA58D84}" destId="{EF55B643-ABE8-4601-B280-D8F569FBC05C}" srcOrd="0" destOrd="0" presId="urn:microsoft.com/office/officeart/2005/8/layout/vList2"/>
+    <dgm:cxn modelId="{CF994BB4-3724-46F0-89EE-0E68C46A755E}" type="presOf" srcId="{566D1CF2-D82A-4DA6-A12E-1D35D4F16F42}" destId="{3D8D217D-048D-4AA8-A4EE-8117C8E370B4}" srcOrd="0" destOrd="0" presId="urn:microsoft.com/office/officeart/2005/8/layout/vList2"/>
+    <dgm:cxn modelId="{36781846-4F15-4B82-B734-109FEF563F65}" type="presOf" srcId="{8E356151-391E-4499-B0FA-68889A7546FC}" destId="{80E347B1-B0EA-4CA7-AE79-77B7FAD200A7}" srcOrd="0" destOrd="0" presId="urn:microsoft.com/office/officeart/2005/8/layout/vList2"/>
+    <dgm:cxn modelId="{653DAF82-AECD-4BAF-977C-577DBC409511}" type="presParOf" srcId="{FB5AEA8A-28F5-4F94-B0AC-F869364DBC0A}" destId="{80E347B1-B0EA-4CA7-AE79-77B7FAD200A7}" srcOrd="0" destOrd="0" presId="urn:microsoft.com/office/officeart/2005/8/layout/vList2"/>
+    <dgm:cxn modelId="{1BD319B0-DF58-45E9-A11A-B9E52E2866FB}" type="presParOf" srcId="{FB5AEA8A-28F5-4F94-B0AC-F869364DBC0A}" destId="{883281A7-D2B4-42DA-BC8D-7CD6FEF3ACA1}" srcOrd="1" destOrd="0" presId="urn:microsoft.com/office/officeart/2005/8/layout/vList2"/>
+    <dgm:cxn modelId="{DB585834-3E60-4B3A-AE7E-23900D684EE3}" type="presParOf" srcId="{FB5AEA8A-28F5-4F94-B0AC-F869364DBC0A}" destId="{EF55B643-ABE8-4601-B280-D8F569FBC05C}" srcOrd="2" destOrd="0" presId="urn:microsoft.com/office/officeart/2005/8/layout/vList2"/>
+    <dgm:cxn modelId="{EFEA21BE-6A82-4A2D-991B-38A4D24F7DEE}" type="presParOf" srcId="{FB5AEA8A-28F5-4F94-B0AC-F869364DBC0A}" destId="{8A6191C2-7AFA-4C5C-AAE4-29A9152A468C}" srcOrd="3" destOrd="0" presId="urn:microsoft.com/office/officeart/2005/8/layout/vList2"/>
+    <dgm:cxn modelId="{AC235044-D892-4C32-B914-761ECED64E23}" type="presParOf" srcId="{FB5AEA8A-28F5-4F94-B0AC-F869364DBC0A}" destId="{3D8D217D-048D-4AA8-A4EE-8117C8E370B4}" srcOrd="4" destOrd="0" presId="urn:microsoft.com/office/officeart/2005/8/layout/vList2"/>
   </dgm:cxnLst>
   <dgm:bg/>
   <dgm:whole/>
@@ -12049,7 +12049,7 @@
       <dsp:cNvGrpSpPr/>
     </dsp:nvGrpSpPr>
     <dsp:grpSpPr/>
-    <dsp:sp modelId="{1D1553D2-5C97-4FE8-8A7A-96C06D72ACB8}">
+    <dsp:sp modelId="{80E347B1-B0EA-4CA7-AE79-77B7FAD200A7}">
       <dsp:nvSpPr>
         <dsp:cNvPr id="0" name=""/>
         <dsp:cNvSpPr/>
@@ -12057,7 +12057,7 @@
       <dsp:spPr>
         <a:xfrm>
           <a:off x="0" y="0"/>
-          <a:ext cx="7543800" cy="835129"/>
+          <a:ext cx="7543800" cy="919889"/>
         </a:xfrm>
         <a:prstGeom prst="roundRect">
           <a:avLst/>
@@ -12115,7 +12115,7 @@
             </a:spcAft>
           </a:pPr>
           <a:r>
-            <a:rPr lang="ro-RO" sz="3500" kern="1200" dirty="0">
+            <a:rPr lang="en-US" sz="3500" kern="1200" dirty="0" smtClean="0">
               <a:latin typeface="+mj-lt"/>
             </a:rPr>
             <a:t>Montarea unei baterii</a:t>
@@ -12126,19 +12126,78 @@
         </a:p>
       </dsp:txBody>
       <dsp:txXfrm>
-        <a:off x="40768" y="40768"/>
-        <a:ext cx="7462264" cy="753593"/>
+        <a:off x="44905" y="44905"/>
+        <a:ext cx="7453990" cy="830079"/>
       </dsp:txXfrm>
     </dsp:sp>
-    <dsp:sp modelId="{2F4D5BAA-DB56-4FC1-814C-014C16AFE090}">
+    <dsp:sp modelId="{883281A7-D2B4-42DA-BC8D-7CD6FEF3ACA1}">
       <dsp:nvSpPr>
         <dsp:cNvPr id="0" name=""/>
         <dsp:cNvSpPr/>
       </dsp:nvSpPr>
       <dsp:spPr>
         <a:xfrm>
-          <a:off x="0" y="899594"/>
-          <a:ext cx="7543800" cy="1923606"/>
+          <a:off x="0" y="1283570"/>
+          <a:ext cx="7543800" cy="82800"/>
+        </a:xfrm>
+        <a:prstGeom prst="rect">
+          <a:avLst/>
+        </a:prstGeom>
+        <a:noFill/>
+        <a:ln>
+          <a:noFill/>
+        </a:ln>
+        <a:effectLst/>
+      </dsp:spPr>
+      <dsp:style>
+        <a:lnRef idx="0">
+          <a:scrgbClr r="0" g="0" b="0"/>
+        </a:lnRef>
+        <a:fillRef idx="0">
+          <a:scrgbClr r="0" g="0" b="0"/>
+        </a:fillRef>
+        <a:effectRef idx="0">
+          <a:scrgbClr r="0" g="0" b="0"/>
+        </a:effectRef>
+        <a:fontRef idx="minor"/>
+      </dsp:style>
+      <dsp:txBody>
+        <a:bodyPr spcFirstLastPara="0" vert="horz" wrap="square" lIns="239516" tIns="6350" rIns="35560" bIns="6350" numCol="1" spcCol="1270" anchor="t" anchorCtr="0">
+          <a:noAutofit/>
+        </a:bodyPr>
+        <a:lstStyle/>
+        <a:p>
+          <a:pPr marL="57150" lvl="1" indent="-57150" algn="l" defTabSz="177800">
+            <a:lnSpc>
+              <a:spcPct val="90000"/>
+            </a:lnSpc>
+            <a:spcBef>
+              <a:spcPct val="0"/>
+            </a:spcBef>
+            <a:spcAft>
+              <a:spcPct val="20000"/>
+            </a:spcAft>
+            <a:buChar char="••"/>
+          </a:pPr>
+          <a:endParaRPr lang="en-US" sz="400" kern="1200" dirty="0">
+            <a:latin typeface="+mj-lt"/>
+          </a:endParaRPr>
+        </a:p>
+      </dsp:txBody>
+      <dsp:txXfrm>
+        <a:off x="0" y="1283570"/>
+        <a:ext cx="7543800" cy="82800"/>
+      </dsp:txXfrm>
+    </dsp:sp>
+    <dsp:sp modelId="{EF55B643-ABE8-4601-B280-D8F569FBC05C}">
+      <dsp:nvSpPr>
+        <dsp:cNvPr id="0" name=""/>
+        <dsp:cNvSpPr/>
+      </dsp:nvSpPr>
+      <dsp:spPr>
+        <a:xfrm>
+          <a:off x="0" y="1152125"/>
+          <a:ext cx="7543800" cy="850734"/>
         </a:xfrm>
         <a:prstGeom prst="roundRect">
           <a:avLst/>
@@ -12196,151 +12255,30 @@
             </a:spcAft>
           </a:pPr>
           <a:r>
-            <a:rPr lang="ro-RO" sz="3500" kern="1200" dirty="0">
-              <a:latin typeface="+mj-lt"/>
-            </a:rPr>
-            <a:t>Noi </a:t>
-          </a:r>
-          <a:r>
-            <a:rPr lang="ro-RO" sz="3500" kern="1200" dirty="0" smtClean="0">
-              <a:latin typeface="+mj-lt"/>
-            </a:rPr>
-            <a:t>funcționalități</a:t>
-          </a:r>
-          <a:endParaRPr lang="en-US" sz="3500" kern="1200" dirty="0" smtClean="0">
-            <a:latin typeface="+mj-lt"/>
-          </a:endParaRPr>
-        </a:p>
-        <a:p>
-          <a:pPr lvl="0" algn="l" defTabSz="1555750">
-            <a:lnSpc>
-              <a:spcPct val="90000"/>
-            </a:lnSpc>
-            <a:spcBef>
-              <a:spcPct val="0"/>
-            </a:spcBef>
-            <a:spcAft>
-              <a:spcPct val="35000"/>
-            </a:spcAft>
-          </a:pPr>
-          <a:r>
             <a:rPr lang="en-US" sz="3500" kern="1200" dirty="0" smtClean="0">
               <a:latin typeface="+mj-lt"/>
             </a:rPr>
-            <a:t>- </a:t>
+            <a:t>Estetizarea ansamblului</a:t>
           </a:r>
-          <a:r>
-            <a:rPr lang="ro-RO" sz="2400" kern="1200" dirty="0" smtClean="0">
-              <a:latin typeface="+mj-lt"/>
-            </a:rPr>
-            <a:t>Marcarea unui gol într-o poartă</a:t>
-          </a:r>
-          <a:endParaRPr lang="en-US" sz="2400" kern="1200" dirty="0" smtClean="0">
-            <a:latin typeface="+mj-lt"/>
-          </a:endParaRPr>
-        </a:p>
-        <a:p>
-          <a:pPr lvl="0" algn="l" defTabSz="1555750">
-            <a:lnSpc>
-              <a:spcPct val="90000"/>
-            </a:lnSpc>
-            <a:spcBef>
-              <a:spcPct val="0"/>
-            </a:spcBef>
-            <a:spcAft>
-              <a:spcPct val="35000"/>
-            </a:spcAft>
-          </a:pPr>
-          <a:r>
-            <a:rPr lang="en-US" sz="3500" kern="1200" dirty="0" smtClean="0">
-              <a:latin typeface="+mj-lt"/>
-            </a:rPr>
-            <a:t>- </a:t>
-          </a:r>
-          <a:r>
-            <a:rPr lang="ro-RO" sz="2400" kern="1200" dirty="0" smtClean="0">
-              <a:latin typeface="+mj-lt"/>
-            </a:rPr>
-            <a:t>Interacțiunea cu alți roboți</a:t>
-          </a:r>
-          <a:endParaRPr lang="en-US" sz="2400" kern="1200" dirty="0">
+          <a:endParaRPr lang="en-US" sz="3500" kern="1200" dirty="0">
             <a:latin typeface="+mj-lt"/>
           </a:endParaRPr>
         </a:p>
       </dsp:txBody>
       <dsp:txXfrm>
-        <a:off x="93903" y="993497"/>
-        <a:ext cx="7355994" cy="1735800"/>
+        <a:off x="41529" y="1193654"/>
+        <a:ext cx="7460742" cy="767676"/>
       </dsp:txXfrm>
     </dsp:sp>
-    <dsp:sp modelId="{AB1406CC-5633-4172-839C-C5622D9C9DC8}">
+    <dsp:sp modelId="{3D8D217D-048D-4AA8-A4EE-8117C8E370B4}">
       <dsp:nvSpPr>
         <dsp:cNvPr id="0" name=""/>
         <dsp:cNvSpPr/>
       </dsp:nvSpPr>
       <dsp:spPr>
         <a:xfrm>
-          <a:off x="0" y="2827210"/>
-          <a:ext cx="7543800" cy="78918"/>
-        </a:xfrm>
-        <a:prstGeom prst="rect">
-          <a:avLst/>
-        </a:prstGeom>
-        <a:noFill/>
-        <a:ln>
-          <a:noFill/>
-        </a:ln>
-        <a:effectLst/>
-      </dsp:spPr>
-      <dsp:style>
-        <a:lnRef idx="0">
-          <a:scrgbClr r="0" g="0" b="0"/>
-        </a:lnRef>
-        <a:fillRef idx="0">
-          <a:scrgbClr r="0" g="0" b="0"/>
-        </a:fillRef>
-        <a:effectRef idx="0">
-          <a:scrgbClr r="0" g="0" b="0"/>
-        </a:effectRef>
-        <a:fontRef idx="minor"/>
-      </dsp:style>
-      <dsp:txBody>
-        <a:bodyPr spcFirstLastPara="0" vert="horz" wrap="square" lIns="239516" tIns="36830" rIns="206248" bIns="36830" numCol="1" spcCol="1270" anchor="t" anchorCtr="0">
-          <a:noAutofit/>
-        </a:bodyPr>
-        <a:lstStyle/>
-        <a:p>
-          <a:pPr marL="285750" lvl="1" indent="-285750" algn="l" defTabSz="1289050">
-            <a:lnSpc>
-              <a:spcPct val="90000"/>
-            </a:lnSpc>
-            <a:spcBef>
-              <a:spcPct val="0"/>
-            </a:spcBef>
-            <a:spcAft>
-              <a:spcPct val="20000"/>
-            </a:spcAft>
-            <a:buChar char="••"/>
-          </a:pPr>
-          <a:endParaRPr lang="en-US" sz="2900" kern="1200" dirty="0">
-            <a:latin typeface="+mj-lt"/>
-          </a:endParaRPr>
-        </a:p>
-      </dsp:txBody>
-      <dsp:txXfrm>
-        <a:off x="0" y="2827210"/>
-        <a:ext cx="7543800" cy="78918"/>
-      </dsp:txXfrm>
-    </dsp:sp>
-    <dsp:sp modelId="{82D23CF7-896C-48BE-9C4C-950AFEAC9C55}">
-      <dsp:nvSpPr>
-        <dsp:cNvPr id="0" name=""/>
-        <dsp:cNvSpPr/>
-      </dsp:nvSpPr>
-      <dsp:spPr>
-        <a:xfrm>
-          <a:off x="0" y="2910870"/>
-          <a:ext cx="7543800" cy="656965"/>
+          <a:off x="0" y="2262510"/>
+          <a:ext cx="7543800" cy="1581278"/>
         </a:xfrm>
         <a:prstGeom prst="roundRect">
           <a:avLst/>
@@ -12398,19 +12336,81 @@
             </a:spcAft>
           </a:pPr>
           <a:r>
-            <a:rPr lang="ro-RO" sz="3500" kern="1200" dirty="0">
+            <a:rPr lang="en-US" sz="3500" kern="1200" dirty="0" smtClean="0">
               <a:latin typeface="+mj-lt"/>
             </a:rPr>
-            <a:t>Estetizarea ansamblului</a:t>
+            <a:t>Noi func</a:t>
           </a:r>
-          <a:endParaRPr lang="en-US" sz="3500" kern="1200" dirty="0">
+          <a:r>
+            <a:rPr lang="ro-RO" sz="3500" kern="1200" dirty="0" smtClean="0">
+              <a:latin typeface="+mj-lt"/>
+            </a:rPr>
+            <a:t>ționalități</a:t>
+          </a:r>
+        </a:p>
+        <a:p>
+          <a:pPr lvl="0" algn="l" defTabSz="1555750">
+            <a:lnSpc>
+              <a:spcPct val="90000"/>
+            </a:lnSpc>
+            <a:spcBef>
+              <a:spcPct val="0"/>
+            </a:spcBef>
+            <a:spcAft>
+              <a:spcPct val="35000"/>
+            </a:spcAft>
+          </a:pPr>
+          <a:r>
+            <a:rPr lang="ro-RO" sz="2400" kern="1200" dirty="0" smtClean="0">
+              <a:latin typeface="+mj-lt"/>
+            </a:rPr>
+            <a:t>   - </a:t>
+          </a:r>
+          <a:r>
+            <a:rPr lang="vi-VN" sz="2400" kern="1200" dirty="0" smtClean="0">
+              <a:latin typeface="+mj-lt"/>
+            </a:rPr>
+            <a:t>Marcarea unui gol într-o poartă</a:t>
+          </a:r>
+        </a:p>
+        <a:p>
+          <a:pPr lvl="0" algn="l" defTabSz="1555750">
+            <a:lnSpc>
+              <a:spcPct val="90000"/>
+            </a:lnSpc>
+            <a:spcBef>
+              <a:spcPct val="0"/>
+            </a:spcBef>
+            <a:spcAft>
+              <a:spcPct val="35000"/>
+            </a:spcAft>
+          </a:pPr>
+          <a:r>
+            <a:rPr lang="ro-RO" sz="2400" kern="1200" smtClean="0">
+              <a:latin typeface="+mj-lt"/>
+            </a:rPr>
+            <a:t>   </a:t>
+          </a:r>
+          <a:r>
+            <a:rPr lang="vi-VN" sz="2400" kern="1200" smtClean="0">
+              <a:latin typeface="+mj-lt"/>
+            </a:rPr>
+            <a:t>- </a:t>
+          </a:r>
+          <a:r>
+            <a:rPr lang="vi-VN" sz="2400" kern="1200" dirty="0" smtClean="0">
+              <a:latin typeface="+mj-lt"/>
+            </a:rPr>
+            <a:t>Interacțiunea cu alți roboți</a:t>
+          </a:r>
+          <a:endParaRPr lang="en-US" sz="2400" kern="1200" dirty="0">
             <a:latin typeface="+mj-lt"/>
           </a:endParaRPr>
         </a:p>
       </dsp:txBody>
       <dsp:txXfrm>
-        <a:off x="32070" y="2942940"/>
-        <a:ext cx="7479660" cy="592825"/>
+        <a:off x="77192" y="2339702"/>
+        <a:ext cx="7389416" cy="1426894"/>
       </dsp:txXfrm>
     </dsp:sp>
   </dsp:spTree>
@@ -29865,14 +29865,14 @@
             <p:ph idx="1"/>
             <p:extLst>
               <p:ext uri="{D42A27DB-BD31-4B8C-83A1-F6EECF244321}">
-                <p14:modId xmlns:p14="http://schemas.microsoft.com/office/powerpoint/2010/main" val="435523783"/>
+                <p14:modId xmlns:p14="http://schemas.microsoft.com/office/powerpoint/2010/main" val="3139167831"/>
               </p:ext>
             </p:extLst>
           </p:nvPr>
         </p:nvGraphicFramePr>
         <p:xfrm>
-          <a:off x="802481" y="2385390"/>
-          <a:ext cx="7543800" cy="3617845"/>
+          <a:off x="802481" y="2204864"/>
+          <a:ext cx="7543800" cy="4176464"/>
         </p:xfrm>
         <a:graphic>
           <a:graphicData uri="http://schemas.openxmlformats.org/drawingml/2006/diagram">
@@ -30094,7 +30094,7 @@
             <p:ph idx="1"/>
             <p:extLst>
               <p:ext uri="{D42A27DB-BD31-4B8C-83A1-F6EECF244321}">
-                <p14:modId xmlns:p14="http://schemas.microsoft.com/office/powerpoint/2010/main" val="1953416155"/>
+                <p14:modId xmlns:p14="http://schemas.microsoft.com/office/powerpoint/2010/main" val="3209536878"/>
               </p:ext>
             </p:extLst>
           </p:nvPr>
@@ -31061,7 +31061,7 @@
           <a:lstStyle/>
           <a:p>
             <a:pPr algn="ctr"/>
-            <a:endParaRPr lang="en-US"/>
+            <a:endParaRPr lang="en-US" dirty="0"/>
           </a:p>
         </p:txBody>
       </p:sp>
@@ -31109,7 +31109,7 @@
           <a:lstStyle/>
           <a:p>
             <a:pPr algn="ctr"/>
-            <a:endParaRPr lang="en-US"/>
+            <a:endParaRPr lang="en-US" dirty="0"/>
           </a:p>
         </p:txBody>
       </p:sp>
@@ -31157,7 +31157,7 @@
           <a:lstStyle/>
           <a:p>
             <a:pPr algn="ctr"/>
-            <a:endParaRPr lang="en-US"/>
+            <a:endParaRPr lang="en-US" dirty="0"/>
           </a:p>
         </p:txBody>
       </p:sp>
